--- a/Files/TCC - Final/Apresentacao_Final.pptx
+++ b/Files/TCC - Final/Apresentacao_Final.pptx
@@ -3,16 +3,20 @@
 <p:presentation xmlns:a="http://schemas.openxmlformats.org/drawingml/2006/main" xmlns:p="http://schemas.openxmlformats.org/presentationml/2006/main" xmlns:r="http://schemas.openxmlformats.org/officeDocument/2006/relationships" xmlns:p14="http://schemas.microsoft.com/office/powerpoint/2010/main" xmlns:p15="http://schemas.microsoft.com/office/powerpoint/2012/main" xmlns:mc="http://schemas.openxmlformats.org/markup-compatibility/2006">
   <p:sldMasterIdLst>
     <p:sldMasterId id="2147483648" r:id="rId2"/>
+    <p:sldMasterId id="2147483661" r:id="rId3"/>
   </p:sldMasterIdLst>
   <p:sldIdLst>
-    <p:sldId id="256" r:id="rId3"/>
-    <p:sldId id="257" r:id="rId4"/>
-    <p:sldId id="258" r:id="rId5"/>
-    <p:sldId id="259" r:id="rId6"/>
-    <p:sldId id="260" r:id="rId7"/>
-    <p:sldId id="261" r:id="rId8"/>
-    <p:sldId id="262" r:id="rId9"/>
-    <p:sldId id="263" r:id="rId10"/>
+    <p:sldId id="256" r:id="rId4"/>
+    <p:sldId id="257" r:id="rId5"/>
+    <p:sldId id="258" r:id="rId6"/>
+    <p:sldId id="259" r:id="rId7"/>
+    <p:sldId id="260" r:id="rId8"/>
+    <p:sldId id="261" r:id="rId9"/>
+    <p:sldId id="262" r:id="rId10"/>
+    <p:sldId id="263" r:id="rId11"/>
+    <p:sldId id="264" r:id="rId12"/>
+    <p:sldId id="265" r:id="rId13"/>
+    <p:sldId id="266" r:id="rId14"/>
   </p:sldIdLst>
   <p:sldSz cx="10080625" cy="5670550"/>
   <p:notesSz cx="7772400" cy="10058400"/>
@@ -43,7 +47,7 @@
             <a:spLocks noGrp="1"/>
           </p:cNvSpPr>
           <p:nvPr>
-            <p:ph type="ftr" idx="2"/>
+            <p:ph type="ftr" idx="1"/>
           </p:nvPr>
         </p:nvSpPr>
         <p:spPr/>
@@ -63,14 +67,14 @@
             <a:spLocks noGrp="1"/>
           </p:cNvSpPr>
           <p:nvPr>
-            <p:ph type="sldNum" idx="3"/>
+            <p:ph type="sldNum" idx="2"/>
           </p:nvPr>
         </p:nvSpPr>
         <p:spPr/>
         <p:txBody>
           <a:bodyPr/>
           <a:p>
-            <a:fld id="{6940EAE0-9329-40DD-8EAF-E8F8C7DDDBF7}" type="slidenum">
+            <a:fld id="{82F32AAE-CD22-4423-A984-774A970779F7}" type="slidenum">
               <a:t>&lt;#&gt;</a:t>
             </a:fld>
           </a:p>
@@ -83,7 +87,7 @@
             <a:spLocks noGrp="1"/>
           </p:cNvSpPr>
           <p:nvPr>
-            <p:ph type="dt" idx="1"/>
+            <p:ph type="dt" idx="3"/>
           </p:nvPr>
         </p:nvSpPr>
         <p:spPr/>
@@ -91,7 +95,7 @@
           <a:bodyPr/>
           <a:p>
             <a:r>
-              <a:rPr lang="en-CA"/>
+              <a:rPr lang="pt-BR"/>
               <a:t/>
             </a:r>
           </a:p>
@@ -132,7 +136,7 @@
         <p:spPr>
           <a:xfrm>
             <a:off x="504000" y="226080"/>
-            <a:ext cx="9071640" cy="946440"/>
+            <a:ext cx="9071280" cy="946080"/>
           </a:xfrm>
           <a:prstGeom prst="rect">
             <a:avLst/>
@@ -172,7 +176,7 @@
         <p:spPr>
           <a:xfrm>
             <a:off x="504000" y="1326600"/>
-            <a:ext cx="9071640" cy="1568160"/>
+            <a:ext cx="9071280" cy="1568160"/>
           </a:xfrm>
           <a:prstGeom prst="rect">
             <a:avLst/>
@@ -215,7 +219,7 @@
         <p:spPr>
           <a:xfrm>
             <a:off x="504000" y="3044160"/>
-            <a:ext cx="9071640" cy="1568160"/>
+            <a:ext cx="9071280" cy="1568160"/>
           </a:xfrm>
           <a:prstGeom prst="rect">
             <a:avLst/>
@@ -252,7 +256,7 @@
             <a:spLocks noGrp="1"/>
           </p:cNvSpPr>
           <p:nvPr>
-            <p:ph type="ftr" idx="2"/>
+            <p:ph type="ftr" idx="1"/>
           </p:nvPr>
         </p:nvSpPr>
         <p:spPr/>
@@ -272,14 +276,14 @@
             <a:spLocks noGrp="1"/>
           </p:cNvSpPr>
           <p:nvPr>
-            <p:ph type="sldNum" idx="3"/>
+            <p:ph type="sldNum" idx="2"/>
           </p:nvPr>
         </p:nvSpPr>
         <p:spPr/>
         <p:txBody>
           <a:bodyPr/>
           <a:p>
-            <a:fld id="{C0A6C191-97AB-4F35-9649-CCEF16105355}" type="slidenum">
+            <a:fld id="{CA08088F-D319-4183-A7DE-5A2498EEB341}" type="slidenum">
               <a:t>&lt;#&gt;</a:t>
             </a:fld>
           </a:p>
@@ -292,7 +296,7 @@
             <a:spLocks noGrp="1"/>
           </p:cNvSpPr>
           <p:nvPr>
-            <p:ph type="dt" idx="1"/>
+            <p:ph type="dt" idx="3"/>
           </p:nvPr>
         </p:nvSpPr>
         <p:spPr/>
@@ -300,7 +304,7 @@
           <a:bodyPr/>
           <a:p>
             <a:r>
-              <a:rPr lang="en-CA"/>
+              <a:rPr lang="pt-BR"/>
               <a:t/>
             </a:r>
           </a:p>
@@ -341,7 +345,7 @@
         <p:spPr>
           <a:xfrm>
             <a:off x="504000" y="226080"/>
-            <a:ext cx="9071640" cy="946440"/>
+            <a:ext cx="9071280" cy="946080"/>
           </a:xfrm>
           <a:prstGeom prst="rect">
             <a:avLst/>
@@ -381,7 +385,7 @@
         <p:spPr>
           <a:xfrm>
             <a:off x="504000" y="1326600"/>
-            <a:ext cx="4426920" cy="1568160"/>
+            <a:ext cx="4426560" cy="1568160"/>
           </a:xfrm>
           <a:prstGeom prst="rect">
             <a:avLst/>
@@ -423,8 +427,8 @@
         </p:nvSpPr>
         <p:spPr>
           <a:xfrm>
-            <a:off x="5152680" y="1326600"/>
-            <a:ext cx="4426920" cy="1568160"/>
+            <a:off x="5152320" y="1326600"/>
+            <a:ext cx="4426560" cy="1568160"/>
           </a:xfrm>
           <a:prstGeom prst="rect">
             <a:avLst/>
@@ -467,7 +471,7 @@
         <p:spPr>
           <a:xfrm>
             <a:off x="504000" y="3044160"/>
-            <a:ext cx="4426920" cy="1568160"/>
+            <a:ext cx="4426560" cy="1568160"/>
           </a:xfrm>
           <a:prstGeom prst="rect">
             <a:avLst/>
@@ -509,8 +513,8 @@
         </p:nvSpPr>
         <p:spPr>
           <a:xfrm>
-            <a:off x="5152680" y="3044160"/>
-            <a:ext cx="4426920" cy="1568160"/>
+            <a:off x="5152320" y="3044160"/>
+            <a:ext cx="4426560" cy="1568160"/>
           </a:xfrm>
           <a:prstGeom prst="rect">
             <a:avLst/>
@@ -547,7 +551,7 @@
             <a:spLocks noGrp="1"/>
           </p:cNvSpPr>
           <p:nvPr>
-            <p:ph type="ftr" idx="2"/>
+            <p:ph type="ftr" idx="1"/>
           </p:nvPr>
         </p:nvSpPr>
         <p:spPr/>
@@ -567,14 +571,14 @@
             <a:spLocks noGrp="1"/>
           </p:cNvSpPr>
           <p:nvPr>
-            <p:ph type="sldNum" idx="3"/>
+            <p:ph type="sldNum" idx="2"/>
           </p:nvPr>
         </p:nvSpPr>
         <p:spPr/>
         <p:txBody>
           <a:bodyPr/>
           <a:p>
-            <a:fld id="{4169C0E6-6821-46E2-946F-A793530022B4}" type="slidenum">
+            <a:fld id="{28949732-ED75-44C8-AA2D-48F41F6464DB}" type="slidenum">
               <a:t>&lt;#&gt;</a:t>
             </a:fld>
           </a:p>
@@ -587,7 +591,7 @@
             <a:spLocks noGrp="1"/>
           </p:cNvSpPr>
           <p:nvPr>
-            <p:ph type="dt" idx="1"/>
+            <p:ph type="dt" idx="3"/>
           </p:nvPr>
         </p:nvSpPr>
         <p:spPr/>
@@ -595,7 +599,7 @@
           <a:bodyPr/>
           <a:p>
             <a:r>
-              <a:rPr lang="en-CA"/>
+              <a:rPr lang="pt-BR"/>
               <a:t/>
             </a:r>
           </a:p>
@@ -636,7 +640,7 @@
         <p:spPr>
           <a:xfrm>
             <a:off x="504000" y="226080"/>
-            <a:ext cx="9071640" cy="946440"/>
+            <a:ext cx="9071280" cy="946080"/>
           </a:xfrm>
           <a:prstGeom prst="rect">
             <a:avLst/>
@@ -928,7 +932,7 @@
             <a:spLocks noGrp="1"/>
           </p:cNvSpPr>
           <p:nvPr>
-            <p:ph type="ftr" idx="2"/>
+            <p:ph type="ftr" idx="1"/>
           </p:nvPr>
         </p:nvSpPr>
         <p:spPr/>
@@ -948,14 +952,14 @@
             <a:spLocks noGrp="1"/>
           </p:cNvSpPr>
           <p:nvPr>
-            <p:ph type="sldNum" idx="3"/>
+            <p:ph type="sldNum" idx="2"/>
           </p:nvPr>
         </p:nvSpPr>
         <p:spPr/>
         <p:txBody>
           <a:bodyPr/>
           <a:p>
-            <a:fld id="{A0178A0B-2135-4029-845E-3B9C61F1301D}" type="slidenum">
+            <a:fld id="{A031FE8E-2B97-41AA-8290-78B00645EF5E}" type="slidenum">
               <a:t>&lt;#&gt;</a:t>
             </a:fld>
           </a:p>
@@ -968,7 +972,7 @@
             <a:spLocks noGrp="1"/>
           </p:cNvSpPr>
           <p:nvPr>
-            <p:ph type="dt" idx="1"/>
+            <p:ph type="dt" idx="3"/>
           </p:nvPr>
         </p:nvSpPr>
         <p:spPr/>
@@ -976,7 +980,1124 @@
           <a:bodyPr/>
           <a:p>
             <a:r>
-              <a:rPr lang="en-CA"/>
+              <a:rPr lang="pt-BR"/>
+              <a:t/>
+            </a:r>
+          </a:p>
+        </p:txBody>
+      </p:sp>
+    </p:spTree>
+  </p:cSld>
+</p:sldLayout>
+</file>
+
+<file path=ppt/slideLayouts/slideLayout13.xml><?xml version="1.0" encoding="utf-8"?>
+<p:sldLayout xmlns:a="http://schemas.openxmlformats.org/drawingml/2006/main" xmlns:p="http://schemas.openxmlformats.org/presentationml/2006/main" xmlns:r="http://schemas.openxmlformats.org/officeDocument/2006/relationships" xmlns:p14="http://schemas.microsoft.com/office/powerpoint/2010/main" xmlns:p15="http://schemas.microsoft.com/office/powerpoint/2012/main" xmlns:mc="http://schemas.openxmlformats.org/markup-compatibility/2006" type="blank" preserve="1">
+  <p:cSld name="Blank Slide">
+    <p:spTree>
+      <p:nvGrpSpPr>
+        <p:cNvPr id="1" name=""/>
+        <p:cNvGrpSpPr/>
+        <p:nvPr/>
+      </p:nvGrpSpPr>
+      <p:grpSpPr>
+        <a:xfrm>
+          <a:off x="0" y="0"/>
+          <a:ext cx="0" cy="0"/>
+          <a:chOff x="0" y="0"/>
+          <a:chExt cx="0" cy="0"/>
+        </a:xfrm>
+      </p:grpSpPr>
+      <p:sp>
+        <p:nvSpPr>
+          <p:cNvPr id="2" name="PlaceHolder 1"/>
+          <p:cNvSpPr>
+            <a:spLocks noGrp="1"/>
+          </p:cNvSpPr>
+          <p:nvPr>
+            <p:ph type="ftr" idx="4"/>
+          </p:nvPr>
+        </p:nvSpPr>
+        <p:spPr/>
+        <p:txBody>
+          <a:bodyPr/>
+          <a:p>
+            <a:r>
+              <a:t>Footer</a:t>
+            </a:r>
+          </a:p>
+        </p:txBody>
+      </p:sp>
+      <p:sp>
+        <p:nvSpPr>
+          <p:cNvPr id="3" name="PlaceHolder 2"/>
+          <p:cNvSpPr>
+            <a:spLocks noGrp="1"/>
+          </p:cNvSpPr>
+          <p:nvPr>
+            <p:ph type="sldNum" idx="5"/>
+          </p:nvPr>
+        </p:nvSpPr>
+        <p:spPr/>
+        <p:txBody>
+          <a:bodyPr/>
+          <a:p>
+            <a:fld id="{C73660DC-320C-4FDA-946C-BB7F9307FAD5}" type="slidenum">
+              <a:t>&lt;#&gt;</a:t>
+            </a:fld>
+          </a:p>
+        </p:txBody>
+      </p:sp>
+      <p:sp>
+        <p:nvSpPr>
+          <p:cNvPr id="4" name="PlaceHolder 3"/>
+          <p:cNvSpPr>
+            <a:spLocks noGrp="1"/>
+          </p:cNvSpPr>
+          <p:nvPr>
+            <p:ph type="dt" idx="6"/>
+          </p:nvPr>
+        </p:nvSpPr>
+        <p:spPr/>
+        <p:txBody>
+          <a:bodyPr/>
+          <a:p>
+            <a:r>
+              <a:rPr lang="pt-BR"/>
+              <a:t/>
+            </a:r>
+          </a:p>
+        </p:txBody>
+      </p:sp>
+    </p:spTree>
+  </p:cSld>
+</p:sldLayout>
+</file>
+
+<file path=ppt/slideLayouts/slideLayout14.xml><?xml version="1.0" encoding="utf-8"?>
+<p:sldLayout xmlns:a="http://schemas.openxmlformats.org/drawingml/2006/main" xmlns:p="http://schemas.openxmlformats.org/presentationml/2006/main" xmlns:r="http://schemas.openxmlformats.org/officeDocument/2006/relationships" xmlns:p14="http://schemas.microsoft.com/office/powerpoint/2010/main" xmlns:p15="http://schemas.microsoft.com/office/powerpoint/2012/main" xmlns:mc="http://schemas.openxmlformats.org/markup-compatibility/2006" type="tx" preserve="1">
+  <p:cSld name="Title Slide">
+    <p:spTree>
+      <p:nvGrpSpPr>
+        <p:cNvPr id="1" name=""/>
+        <p:cNvGrpSpPr/>
+        <p:nvPr/>
+      </p:nvGrpSpPr>
+      <p:grpSpPr>
+        <a:xfrm>
+          <a:off x="0" y="0"/>
+          <a:ext cx="0" cy="0"/>
+          <a:chOff x="0" y="0"/>
+          <a:chExt cx="0" cy="0"/>
+        </a:xfrm>
+      </p:grpSpPr>
+      <p:sp>
+        <p:nvSpPr>
+          <p:cNvPr id="46" name="PlaceHolder 1"/>
+          <p:cNvSpPr>
+            <a:spLocks noGrp="1"/>
+          </p:cNvSpPr>
+          <p:nvPr>
+            <p:ph type="title"/>
+          </p:nvPr>
+        </p:nvSpPr>
+        <p:spPr>
+          <a:xfrm>
+            <a:off x="504000" y="226080"/>
+            <a:ext cx="9071280" cy="946080"/>
+          </a:xfrm>
+          <a:prstGeom prst="rect">
+            <a:avLst/>
+          </a:prstGeom>
+          <a:noFill/>
+          <a:ln w="0">
+            <a:noFill/>
+          </a:ln>
+        </p:spPr>
+        <p:txBody>
+          <a:bodyPr lIns="0" rIns="0" tIns="0" bIns="0" anchor="ctr">
+            <a:noAutofit/>
+          </a:bodyPr>
+          <a:p>
+            <a:pPr indent="0" algn="ctr">
+              <a:buNone/>
+            </a:pPr>
+            <a:endParaRPr b="0" lang="en-CA" sz="4400" spc="-1" strike="noStrike">
+              <a:solidFill>
+                <a:srgbClr val="000000"/>
+              </a:solidFill>
+              <a:latin typeface="Arial"/>
+            </a:endParaRPr>
+          </a:p>
+        </p:txBody>
+      </p:sp>
+      <p:sp>
+        <p:nvSpPr>
+          <p:cNvPr id="47" name="PlaceHolder 2"/>
+          <p:cNvSpPr>
+            <a:spLocks noGrp="1"/>
+          </p:cNvSpPr>
+          <p:nvPr>
+            <p:ph type="subTitle"/>
+          </p:nvPr>
+        </p:nvSpPr>
+        <p:spPr>
+          <a:xfrm>
+            <a:off x="504000" y="1326600"/>
+            <a:ext cx="9071280" cy="3287880"/>
+          </a:xfrm>
+          <a:prstGeom prst="rect">
+            <a:avLst/>
+          </a:prstGeom>
+          <a:noFill/>
+          <a:ln w="0">
+            <a:noFill/>
+          </a:ln>
+        </p:spPr>
+        <p:txBody>
+          <a:bodyPr lIns="0" rIns="0" tIns="0" bIns="0" anchor="ctr">
+            <a:noAutofit/>
+          </a:bodyPr>
+          <a:p>
+            <a:pPr indent="0" algn="ctr">
+              <a:buNone/>
+            </a:pPr>
+            <a:endParaRPr b="0" lang="en-CA" sz="3200" spc="-1" strike="noStrike">
+              <a:solidFill>
+                <a:srgbClr val="000000"/>
+              </a:solidFill>
+              <a:latin typeface="Arial"/>
+            </a:endParaRPr>
+          </a:p>
+        </p:txBody>
+      </p:sp>
+      <p:sp>
+        <p:nvSpPr>
+          <p:cNvPr id="4" name="PlaceHolder 3"/>
+          <p:cNvSpPr>
+            <a:spLocks noGrp="1"/>
+          </p:cNvSpPr>
+          <p:nvPr>
+            <p:ph type="ftr" idx="4"/>
+          </p:nvPr>
+        </p:nvSpPr>
+        <p:spPr/>
+        <p:txBody>
+          <a:bodyPr/>
+          <a:p>
+            <a:r>
+              <a:t>Footer</a:t>
+            </a:r>
+          </a:p>
+        </p:txBody>
+      </p:sp>
+      <p:sp>
+        <p:nvSpPr>
+          <p:cNvPr id="5" name="PlaceHolder 4"/>
+          <p:cNvSpPr>
+            <a:spLocks noGrp="1"/>
+          </p:cNvSpPr>
+          <p:nvPr>
+            <p:ph type="sldNum" idx="5"/>
+          </p:nvPr>
+        </p:nvSpPr>
+        <p:spPr/>
+        <p:txBody>
+          <a:bodyPr/>
+          <a:p>
+            <a:fld id="{E209963D-9664-490C-80B6-048D46FEA43F}" type="slidenum">
+              <a:t>&lt;#&gt;</a:t>
+            </a:fld>
+          </a:p>
+        </p:txBody>
+      </p:sp>
+      <p:sp>
+        <p:nvSpPr>
+          <p:cNvPr id="6" name="PlaceHolder 5"/>
+          <p:cNvSpPr>
+            <a:spLocks noGrp="1"/>
+          </p:cNvSpPr>
+          <p:nvPr>
+            <p:ph type="dt" idx="6"/>
+          </p:nvPr>
+        </p:nvSpPr>
+        <p:spPr/>
+        <p:txBody>
+          <a:bodyPr/>
+          <a:p>
+            <a:r>
+              <a:rPr lang="pt-BR"/>
+              <a:t/>
+            </a:r>
+          </a:p>
+        </p:txBody>
+      </p:sp>
+    </p:spTree>
+  </p:cSld>
+</p:sldLayout>
+</file>
+
+<file path=ppt/slideLayouts/slideLayout15.xml><?xml version="1.0" encoding="utf-8"?>
+<p:sldLayout xmlns:a="http://schemas.openxmlformats.org/drawingml/2006/main" xmlns:p="http://schemas.openxmlformats.org/presentationml/2006/main" xmlns:r="http://schemas.openxmlformats.org/officeDocument/2006/relationships" xmlns:p14="http://schemas.microsoft.com/office/powerpoint/2010/main" xmlns:p15="http://schemas.microsoft.com/office/powerpoint/2012/main" xmlns:mc="http://schemas.openxmlformats.org/markup-compatibility/2006" type="obj" preserve="1">
+  <p:cSld name="Title, Content">
+    <p:spTree>
+      <p:nvGrpSpPr>
+        <p:cNvPr id="1" name=""/>
+        <p:cNvGrpSpPr/>
+        <p:nvPr/>
+      </p:nvGrpSpPr>
+      <p:grpSpPr>
+        <a:xfrm>
+          <a:off x="0" y="0"/>
+          <a:ext cx="0" cy="0"/>
+          <a:chOff x="0" y="0"/>
+          <a:chExt cx="0" cy="0"/>
+        </a:xfrm>
+      </p:grpSpPr>
+      <p:sp>
+        <p:nvSpPr>
+          <p:cNvPr id="48" name="PlaceHolder 1"/>
+          <p:cNvSpPr>
+            <a:spLocks noGrp="1"/>
+          </p:cNvSpPr>
+          <p:nvPr>
+            <p:ph type="title"/>
+          </p:nvPr>
+        </p:nvSpPr>
+        <p:spPr>
+          <a:xfrm>
+            <a:off x="504000" y="226080"/>
+            <a:ext cx="9071280" cy="946080"/>
+          </a:xfrm>
+          <a:prstGeom prst="rect">
+            <a:avLst/>
+          </a:prstGeom>
+          <a:noFill/>
+          <a:ln w="0">
+            <a:noFill/>
+          </a:ln>
+        </p:spPr>
+        <p:txBody>
+          <a:bodyPr lIns="0" rIns="0" tIns="0" bIns="0" anchor="ctr">
+            <a:noAutofit/>
+          </a:bodyPr>
+          <a:p>
+            <a:pPr indent="0" algn="ctr">
+              <a:buNone/>
+            </a:pPr>
+            <a:endParaRPr b="0" lang="en-CA" sz="4400" spc="-1" strike="noStrike">
+              <a:solidFill>
+                <a:srgbClr val="000000"/>
+              </a:solidFill>
+              <a:latin typeface="Arial"/>
+            </a:endParaRPr>
+          </a:p>
+        </p:txBody>
+      </p:sp>
+      <p:sp>
+        <p:nvSpPr>
+          <p:cNvPr id="49" name="PlaceHolder 2"/>
+          <p:cNvSpPr>
+            <a:spLocks noGrp="1"/>
+          </p:cNvSpPr>
+          <p:nvPr>
+            <p:ph/>
+          </p:nvPr>
+        </p:nvSpPr>
+        <p:spPr>
+          <a:xfrm>
+            <a:off x="504000" y="1326600"/>
+            <a:ext cx="9071280" cy="3287880"/>
+          </a:xfrm>
+          <a:prstGeom prst="rect">
+            <a:avLst/>
+          </a:prstGeom>
+          <a:noFill/>
+          <a:ln w="0">
+            <a:noFill/>
+          </a:ln>
+        </p:spPr>
+        <p:txBody>
+          <a:bodyPr lIns="0" rIns="0" tIns="0" bIns="0" anchor="t">
+            <a:normAutofit/>
+          </a:bodyPr>
+          <a:p>
+            <a:pPr indent="0">
+              <a:spcBef>
+                <a:spcPts val="1417"/>
+              </a:spcBef>
+              <a:buNone/>
+            </a:pPr>
+            <a:endParaRPr b="0" lang="en-CA" sz="3200" spc="-1" strike="noStrike">
+              <a:solidFill>
+                <a:srgbClr val="000000"/>
+              </a:solidFill>
+              <a:latin typeface="Arial"/>
+            </a:endParaRPr>
+          </a:p>
+        </p:txBody>
+      </p:sp>
+      <p:sp>
+        <p:nvSpPr>
+          <p:cNvPr id="4" name="PlaceHolder 3"/>
+          <p:cNvSpPr>
+            <a:spLocks noGrp="1"/>
+          </p:cNvSpPr>
+          <p:nvPr>
+            <p:ph type="ftr" idx="4"/>
+          </p:nvPr>
+        </p:nvSpPr>
+        <p:spPr/>
+        <p:txBody>
+          <a:bodyPr/>
+          <a:p>
+            <a:r>
+              <a:t>Footer</a:t>
+            </a:r>
+          </a:p>
+        </p:txBody>
+      </p:sp>
+      <p:sp>
+        <p:nvSpPr>
+          <p:cNvPr id="5" name="PlaceHolder 4"/>
+          <p:cNvSpPr>
+            <a:spLocks noGrp="1"/>
+          </p:cNvSpPr>
+          <p:nvPr>
+            <p:ph type="sldNum" idx="5"/>
+          </p:nvPr>
+        </p:nvSpPr>
+        <p:spPr/>
+        <p:txBody>
+          <a:bodyPr/>
+          <a:p>
+            <a:fld id="{3387BCA0-D972-43DF-9C27-69A93A27B486}" type="slidenum">
+              <a:t>&lt;#&gt;</a:t>
+            </a:fld>
+          </a:p>
+        </p:txBody>
+      </p:sp>
+      <p:sp>
+        <p:nvSpPr>
+          <p:cNvPr id="6" name="PlaceHolder 5"/>
+          <p:cNvSpPr>
+            <a:spLocks noGrp="1"/>
+          </p:cNvSpPr>
+          <p:nvPr>
+            <p:ph type="dt" idx="6"/>
+          </p:nvPr>
+        </p:nvSpPr>
+        <p:spPr/>
+        <p:txBody>
+          <a:bodyPr/>
+          <a:p>
+            <a:r>
+              <a:rPr lang="pt-BR"/>
+              <a:t/>
+            </a:r>
+          </a:p>
+        </p:txBody>
+      </p:sp>
+    </p:spTree>
+  </p:cSld>
+</p:sldLayout>
+</file>
+
+<file path=ppt/slideLayouts/slideLayout16.xml><?xml version="1.0" encoding="utf-8"?>
+<p:sldLayout xmlns:a="http://schemas.openxmlformats.org/drawingml/2006/main" xmlns:p="http://schemas.openxmlformats.org/presentationml/2006/main" xmlns:r="http://schemas.openxmlformats.org/officeDocument/2006/relationships" xmlns:p14="http://schemas.microsoft.com/office/powerpoint/2010/main" xmlns:p15="http://schemas.microsoft.com/office/powerpoint/2012/main" xmlns:mc="http://schemas.openxmlformats.org/markup-compatibility/2006" type="twoObj" preserve="1">
+  <p:cSld name="Title, 2 Content">
+    <p:spTree>
+      <p:nvGrpSpPr>
+        <p:cNvPr id="1" name=""/>
+        <p:cNvGrpSpPr/>
+        <p:nvPr/>
+      </p:nvGrpSpPr>
+      <p:grpSpPr>
+        <a:xfrm>
+          <a:off x="0" y="0"/>
+          <a:ext cx="0" cy="0"/>
+          <a:chOff x="0" y="0"/>
+          <a:chExt cx="0" cy="0"/>
+        </a:xfrm>
+      </p:grpSpPr>
+      <p:sp>
+        <p:nvSpPr>
+          <p:cNvPr id="50" name="PlaceHolder 1"/>
+          <p:cNvSpPr>
+            <a:spLocks noGrp="1"/>
+          </p:cNvSpPr>
+          <p:nvPr>
+            <p:ph type="title"/>
+          </p:nvPr>
+        </p:nvSpPr>
+        <p:spPr>
+          <a:xfrm>
+            <a:off x="504000" y="226080"/>
+            <a:ext cx="9071280" cy="946080"/>
+          </a:xfrm>
+          <a:prstGeom prst="rect">
+            <a:avLst/>
+          </a:prstGeom>
+          <a:noFill/>
+          <a:ln w="0">
+            <a:noFill/>
+          </a:ln>
+        </p:spPr>
+        <p:txBody>
+          <a:bodyPr lIns="0" rIns="0" tIns="0" bIns="0" anchor="ctr">
+            <a:noAutofit/>
+          </a:bodyPr>
+          <a:p>
+            <a:pPr indent="0" algn="ctr">
+              <a:buNone/>
+            </a:pPr>
+            <a:endParaRPr b="0" lang="en-CA" sz="4400" spc="-1" strike="noStrike">
+              <a:solidFill>
+                <a:srgbClr val="000000"/>
+              </a:solidFill>
+              <a:latin typeface="Arial"/>
+            </a:endParaRPr>
+          </a:p>
+        </p:txBody>
+      </p:sp>
+      <p:sp>
+        <p:nvSpPr>
+          <p:cNvPr id="51" name="PlaceHolder 2"/>
+          <p:cNvSpPr>
+            <a:spLocks noGrp="1"/>
+          </p:cNvSpPr>
+          <p:nvPr>
+            <p:ph/>
+          </p:nvPr>
+        </p:nvSpPr>
+        <p:spPr>
+          <a:xfrm>
+            <a:off x="504000" y="1326600"/>
+            <a:ext cx="4426560" cy="3287880"/>
+          </a:xfrm>
+          <a:prstGeom prst="rect">
+            <a:avLst/>
+          </a:prstGeom>
+          <a:noFill/>
+          <a:ln w="0">
+            <a:noFill/>
+          </a:ln>
+        </p:spPr>
+        <p:txBody>
+          <a:bodyPr lIns="0" rIns="0" tIns="0" bIns="0" anchor="t">
+            <a:normAutofit/>
+          </a:bodyPr>
+          <a:p>
+            <a:pPr indent="0">
+              <a:spcBef>
+                <a:spcPts val="1417"/>
+              </a:spcBef>
+              <a:buNone/>
+            </a:pPr>
+            <a:endParaRPr b="0" lang="en-CA" sz="3200" spc="-1" strike="noStrike">
+              <a:solidFill>
+                <a:srgbClr val="000000"/>
+              </a:solidFill>
+              <a:latin typeface="Arial"/>
+            </a:endParaRPr>
+          </a:p>
+        </p:txBody>
+      </p:sp>
+      <p:sp>
+        <p:nvSpPr>
+          <p:cNvPr id="52" name="PlaceHolder 3"/>
+          <p:cNvSpPr>
+            <a:spLocks noGrp="1"/>
+          </p:cNvSpPr>
+          <p:nvPr>
+            <p:ph/>
+          </p:nvPr>
+        </p:nvSpPr>
+        <p:spPr>
+          <a:xfrm>
+            <a:off x="5152320" y="1326600"/>
+            <a:ext cx="4426560" cy="3287880"/>
+          </a:xfrm>
+          <a:prstGeom prst="rect">
+            <a:avLst/>
+          </a:prstGeom>
+          <a:noFill/>
+          <a:ln w="0">
+            <a:noFill/>
+          </a:ln>
+        </p:spPr>
+        <p:txBody>
+          <a:bodyPr lIns="0" rIns="0" tIns="0" bIns="0" anchor="t">
+            <a:normAutofit/>
+          </a:bodyPr>
+          <a:p>
+            <a:pPr indent="0">
+              <a:spcBef>
+                <a:spcPts val="1417"/>
+              </a:spcBef>
+              <a:buNone/>
+            </a:pPr>
+            <a:endParaRPr b="0" lang="en-CA" sz="3200" spc="-1" strike="noStrike">
+              <a:solidFill>
+                <a:srgbClr val="000000"/>
+              </a:solidFill>
+              <a:latin typeface="Arial"/>
+            </a:endParaRPr>
+          </a:p>
+        </p:txBody>
+      </p:sp>
+      <p:sp>
+        <p:nvSpPr>
+          <p:cNvPr id="5" name="PlaceHolder 4"/>
+          <p:cNvSpPr>
+            <a:spLocks noGrp="1"/>
+          </p:cNvSpPr>
+          <p:nvPr>
+            <p:ph type="ftr" idx="4"/>
+          </p:nvPr>
+        </p:nvSpPr>
+        <p:spPr/>
+        <p:txBody>
+          <a:bodyPr/>
+          <a:p>
+            <a:r>
+              <a:t>Footer</a:t>
+            </a:r>
+          </a:p>
+        </p:txBody>
+      </p:sp>
+      <p:sp>
+        <p:nvSpPr>
+          <p:cNvPr id="6" name="PlaceHolder 5"/>
+          <p:cNvSpPr>
+            <a:spLocks noGrp="1"/>
+          </p:cNvSpPr>
+          <p:nvPr>
+            <p:ph type="sldNum" idx="5"/>
+          </p:nvPr>
+        </p:nvSpPr>
+        <p:spPr/>
+        <p:txBody>
+          <a:bodyPr/>
+          <a:p>
+            <a:fld id="{C0180DFA-6F90-4EB2-A375-E48FC6A5DF10}" type="slidenum">
+              <a:t>&lt;#&gt;</a:t>
+            </a:fld>
+          </a:p>
+        </p:txBody>
+      </p:sp>
+      <p:sp>
+        <p:nvSpPr>
+          <p:cNvPr id="7" name="PlaceHolder 6"/>
+          <p:cNvSpPr>
+            <a:spLocks noGrp="1"/>
+          </p:cNvSpPr>
+          <p:nvPr>
+            <p:ph type="dt" idx="6"/>
+          </p:nvPr>
+        </p:nvSpPr>
+        <p:spPr/>
+        <p:txBody>
+          <a:bodyPr/>
+          <a:p>
+            <a:r>
+              <a:rPr lang="pt-BR"/>
+              <a:t/>
+            </a:r>
+          </a:p>
+        </p:txBody>
+      </p:sp>
+    </p:spTree>
+  </p:cSld>
+</p:sldLayout>
+</file>
+
+<file path=ppt/slideLayouts/slideLayout17.xml><?xml version="1.0" encoding="utf-8"?>
+<p:sldLayout xmlns:a="http://schemas.openxmlformats.org/drawingml/2006/main" xmlns:p="http://schemas.openxmlformats.org/presentationml/2006/main" xmlns:r="http://schemas.openxmlformats.org/officeDocument/2006/relationships" xmlns:p14="http://schemas.microsoft.com/office/powerpoint/2010/main" xmlns:p15="http://schemas.microsoft.com/office/powerpoint/2012/main" xmlns:mc="http://schemas.openxmlformats.org/markup-compatibility/2006" type="titleOnly" preserve="1">
+  <p:cSld name="Title Only">
+    <p:spTree>
+      <p:nvGrpSpPr>
+        <p:cNvPr id="1" name=""/>
+        <p:cNvGrpSpPr/>
+        <p:nvPr/>
+      </p:nvGrpSpPr>
+      <p:grpSpPr>
+        <a:xfrm>
+          <a:off x="0" y="0"/>
+          <a:ext cx="0" cy="0"/>
+          <a:chOff x="0" y="0"/>
+          <a:chExt cx="0" cy="0"/>
+        </a:xfrm>
+      </p:grpSpPr>
+      <p:sp>
+        <p:nvSpPr>
+          <p:cNvPr id="53" name="PlaceHolder 1"/>
+          <p:cNvSpPr>
+            <a:spLocks noGrp="1"/>
+          </p:cNvSpPr>
+          <p:nvPr>
+            <p:ph type="title"/>
+          </p:nvPr>
+        </p:nvSpPr>
+        <p:spPr>
+          <a:xfrm>
+            <a:off x="504000" y="226080"/>
+            <a:ext cx="9071280" cy="946080"/>
+          </a:xfrm>
+          <a:prstGeom prst="rect">
+            <a:avLst/>
+          </a:prstGeom>
+          <a:noFill/>
+          <a:ln w="0">
+            <a:noFill/>
+          </a:ln>
+        </p:spPr>
+        <p:txBody>
+          <a:bodyPr lIns="0" rIns="0" tIns="0" bIns="0" anchor="ctr">
+            <a:noAutofit/>
+          </a:bodyPr>
+          <a:p>
+            <a:pPr indent="0" algn="ctr">
+              <a:buNone/>
+            </a:pPr>
+            <a:endParaRPr b="0" lang="en-CA" sz="4400" spc="-1" strike="noStrike">
+              <a:solidFill>
+                <a:srgbClr val="000000"/>
+              </a:solidFill>
+              <a:latin typeface="Arial"/>
+            </a:endParaRPr>
+          </a:p>
+        </p:txBody>
+      </p:sp>
+      <p:sp>
+        <p:nvSpPr>
+          <p:cNvPr id="3" name="PlaceHolder 2"/>
+          <p:cNvSpPr>
+            <a:spLocks noGrp="1"/>
+          </p:cNvSpPr>
+          <p:nvPr>
+            <p:ph type="ftr" idx="4"/>
+          </p:nvPr>
+        </p:nvSpPr>
+        <p:spPr/>
+        <p:txBody>
+          <a:bodyPr/>
+          <a:p>
+            <a:r>
+              <a:t>Footer</a:t>
+            </a:r>
+          </a:p>
+        </p:txBody>
+      </p:sp>
+      <p:sp>
+        <p:nvSpPr>
+          <p:cNvPr id="4" name="PlaceHolder 3"/>
+          <p:cNvSpPr>
+            <a:spLocks noGrp="1"/>
+          </p:cNvSpPr>
+          <p:nvPr>
+            <p:ph type="sldNum" idx="5"/>
+          </p:nvPr>
+        </p:nvSpPr>
+        <p:spPr/>
+        <p:txBody>
+          <a:bodyPr/>
+          <a:p>
+            <a:fld id="{67A8F826-C4DC-49EE-BE77-B28B6AA175A8}" type="slidenum">
+              <a:t>&lt;#&gt;</a:t>
+            </a:fld>
+          </a:p>
+        </p:txBody>
+      </p:sp>
+      <p:sp>
+        <p:nvSpPr>
+          <p:cNvPr id="5" name="PlaceHolder 4"/>
+          <p:cNvSpPr>
+            <a:spLocks noGrp="1"/>
+          </p:cNvSpPr>
+          <p:nvPr>
+            <p:ph type="dt" idx="6"/>
+          </p:nvPr>
+        </p:nvSpPr>
+        <p:spPr/>
+        <p:txBody>
+          <a:bodyPr/>
+          <a:p>
+            <a:r>
+              <a:rPr lang="pt-BR"/>
+              <a:t/>
+            </a:r>
+          </a:p>
+        </p:txBody>
+      </p:sp>
+    </p:spTree>
+  </p:cSld>
+</p:sldLayout>
+</file>
+
+<file path=ppt/slideLayouts/slideLayout18.xml><?xml version="1.0" encoding="utf-8"?>
+<p:sldLayout xmlns:a="http://schemas.openxmlformats.org/drawingml/2006/main" xmlns:p="http://schemas.openxmlformats.org/presentationml/2006/main" xmlns:r="http://schemas.openxmlformats.org/officeDocument/2006/relationships" xmlns:p14="http://schemas.microsoft.com/office/powerpoint/2010/main" xmlns:p15="http://schemas.microsoft.com/office/powerpoint/2012/main" xmlns:mc="http://schemas.openxmlformats.org/markup-compatibility/2006" type="objOnly" preserve="1">
+  <p:cSld name="Centered Text">
+    <p:spTree>
+      <p:nvGrpSpPr>
+        <p:cNvPr id="1" name=""/>
+        <p:cNvGrpSpPr/>
+        <p:nvPr/>
+      </p:nvGrpSpPr>
+      <p:grpSpPr>
+        <a:xfrm>
+          <a:off x="0" y="0"/>
+          <a:ext cx="0" cy="0"/>
+          <a:chOff x="0" y="0"/>
+          <a:chExt cx="0" cy="0"/>
+        </a:xfrm>
+      </p:grpSpPr>
+      <p:sp>
+        <p:nvSpPr>
+          <p:cNvPr id="54" name="PlaceHolder 1"/>
+          <p:cNvSpPr>
+            <a:spLocks noGrp="1"/>
+          </p:cNvSpPr>
+          <p:nvPr>
+            <p:ph type="subTitle"/>
+          </p:nvPr>
+        </p:nvSpPr>
+        <p:spPr>
+          <a:xfrm>
+            <a:off x="504000" y="226080"/>
+            <a:ext cx="9071280" cy="4386600"/>
+          </a:xfrm>
+          <a:prstGeom prst="rect">
+            <a:avLst/>
+          </a:prstGeom>
+          <a:noFill/>
+          <a:ln w="0">
+            <a:noFill/>
+          </a:ln>
+        </p:spPr>
+        <p:txBody>
+          <a:bodyPr lIns="0" rIns="0" tIns="0" bIns="0" anchor="ctr">
+            <a:noAutofit/>
+          </a:bodyPr>
+          <a:p>
+            <a:pPr algn="ctr"/>
+            <a:endParaRPr b="0" lang="en-CA" sz="3200" spc="-1" strike="noStrike">
+              <a:solidFill>
+                <a:srgbClr val="000000"/>
+              </a:solidFill>
+              <a:latin typeface="Arial"/>
+            </a:endParaRPr>
+          </a:p>
+        </p:txBody>
+      </p:sp>
+      <p:sp>
+        <p:nvSpPr>
+          <p:cNvPr id="3" name="PlaceHolder 2"/>
+          <p:cNvSpPr>
+            <a:spLocks noGrp="1"/>
+          </p:cNvSpPr>
+          <p:nvPr>
+            <p:ph type="ftr" idx="4"/>
+          </p:nvPr>
+        </p:nvSpPr>
+        <p:spPr/>
+        <p:txBody>
+          <a:bodyPr/>
+          <a:p>
+            <a:r>
+              <a:t>Footer</a:t>
+            </a:r>
+          </a:p>
+        </p:txBody>
+      </p:sp>
+      <p:sp>
+        <p:nvSpPr>
+          <p:cNvPr id="4" name="PlaceHolder 3"/>
+          <p:cNvSpPr>
+            <a:spLocks noGrp="1"/>
+          </p:cNvSpPr>
+          <p:nvPr>
+            <p:ph type="sldNum" idx="5"/>
+          </p:nvPr>
+        </p:nvSpPr>
+        <p:spPr/>
+        <p:txBody>
+          <a:bodyPr/>
+          <a:p>
+            <a:fld id="{08B27996-EA74-4925-BB98-E670750873C4}" type="slidenum">
+              <a:t>&lt;#&gt;</a:t>
+            </a:fld>
+          </a:p>
+        </p:txBody>
+      </p:sp>
+      <p:sp>
+        <p:nvSpPr>
+          <p:cNvPr id="5" name="PlaceHolder 4"/>
+          <p:cNvSpPr>
+            <a:spLocks noGrp="1"/>
+          </p:cNvSpPr>
+          <p:nvPr>
+            <p:ph type="dt" idx="6"/>
+          </p:nvPr>
+        </p:nvSpPr>
+        <p:spPr/>
+        <p:txBody>
+          <a:bodyPr/>
+          <a:p>
+            <a:r>
+              <a:rPr lang="pt-BR"/>
+              <a:t/>
+            </a:r>
+          </a:p>
+        </p:txBody>
+      </p:sp>
+    </p:spTree>
+  </p:cSld>
+</p:sldLayout>
+</file>
+
+<file path=ppt/slideLayouts/slideLayout19.xml><?xml version="1.0" encoding="utf-8"?>
+<p:sldLayout xmlns:a="http://schemas.openxmlformats.org/drawingml/2006/main" xmlns:p="http://schemas.openxmlformats.org/presentationml/2006/main" xmlns:r="http://schemas.openxmlformats.org/officeDocument/2006/relationships" xmlns:p14="http://schemas.microsoft.com/office/powerpoint/2010/main" xmlns:p15="http://schemas.microsoft.com/office/powerpoint/2012/main" xmlns:mc="http://schemas.openxmlformats.org/markup-compatibility/2006" type="twoObjAndObj" preserve="1">
+  <p:cSld name="Title, 2 Content and Content">
+    <p:spTree>
+      <p:nvGrpSpPr>
+        <p:cNvPr id="1" name=""/>
+        <p:cNvGrpSpPr/>
+        <p:nvPr/>
+      </p:nvGrpSpPr>
+      <p:grpSpPr>
+        <a:xfrm>
+          <a:off x="0" y="0"/>
+          <a:ext cx="0" cy="0"/>
+          <a:chOff x="0" y="0"/>
+          <a:chExt cx="0" cy="0"/>
+        </a:xfrm>
+      </p:grpSpPr>
+      <p:sp>
+        <p:nvSpPr>
+          <p:cNvPr id="55" name="PlaceHolder 1"/>
+          <p:cNvSpPr>
+            <a:spLocks noGrp="1"/>
+          </p:cNvSpPr>
+          <p:nvPr>
+            <p:ph type="title"/>
+          </p:nvPr>
+        </p:nvSpPr>
+        <p:spPr>
+          <a:xfrm>
+            <a:off x="504000" y="226080"/>
+            <a:ext cx="9071280" cy="946080"/>
+          </a:xfrm>
+          <a:prstGeom prst="rect">
+            <a:avLst/>
+          </a:prstGeom>
+          <a:noFill/>
+          <a:ln w="0">
+            <a:noFill/>
+          </a:ln>
+        </p:spPr>
+        <p:txBody>
+          <a:bodyPr lIns="0" rIns="0" tIns="0" bIns="0" anchor="ctr">
+            <a:noAutofit/>
+          </a:bodyPr>
+          <a:p>
+            <a:pPr indent="0" algn="ctr">
+              <a:buNone/>
+            </a:pPr>
+            <a:endParaRPr b="0" lang="en-CA" sz="4400" spc="-1" strike="noStrike">
+              <a:solidFill>
+                <a:srgbClr val="000000"/>
+              </a:solidFill>
+              <a:latin typeface="Arial"/>
+            </a:endParaRPr>
+          </a:p>
+        </p:txBody>
+      </p:sp>
+      <p:sp>
+        <p:nvSpPr>
+          <p:cNvPr id="56" name="PlaceHolder 2"/>
+          <p:cNvSpPr>
+            <a:spLocks noGrp="1"/>
+          </p:cNvSpPr>
+          <p:nvPr>
+            <p:ph/>
+          </p:nvPr>
+        </p:nvSpPr>
+        <p:spPr>
+          <a:xfrm>
+            <a:off x="504000" y="1326600"/>
+            <a:ext cx="4426560" cy="1568160"/>
+          </a:xfrm>
+          <a:prstGeom prst="rect">
+            <a:avLst/>
+          </a:prstGeom>
+          <a:noFill/>
+          <a:ln w="0">
+            <a:noFill/>
+          </a:ln>
+        </p:spPr>
+        <p:txBody>
+          <a:bodyPr lIns="0" rIns="0" tIns="0" bIns="0" anchor="t">
+            <a:normAutofit/>
+          </a:bodyPr>
+          <a:p>
+            <a:pPr indent="0">
+              <a:spcBef>
+                <a:spcPts val="1417"/>
+              </a:spcBef>
+              <a:buNone/>
+            </a:pPr>
+            <a:endParaRPr b="0" lang="en-CA" sz="3200" spc="-1" strike="noStrike">
+              <a:solidFill>
+                <a:srgbClr val="000000"/>
+              </a:solidFill>
+              <a:latin typeface="Arial"/>
+            </a:endParaRPr>
+          </a:p>
+        </p:txBody>
+      </p:sp>
+      <p:sp>
+        <p:nvSpPr>
+          <p:cNvPr id="57" name="PlaceHolder 3"/>
+          <p:cNvSpPr>
+            <a:spLocks noGrp="1"/>
+          </p:cNvSpPr>
+          <p:nvPr>
+            <p:ph/>
+          </p:nvPr>
+        </p:nvSpPr>
+        <p:spPr>
+          <a:xfrm>
+            <a:off x="5152320" y="1326600"/>
+            <a:ext cx="4426560" cy="3287880"/>
+          </a:xfrm>
+          <a:prstGeom prst="rect">
+            <a:avLst/>
+          </a:prstGeom>
+          <a:noFill/>
+          <a:ln w="0">
+            <a:noFill/>
+          </a:ln>
+        </p:spPr>
+        <p:txBody>
+          <a:bodyPr lIns="0" rIns="0" tIns="0" bIns="0" anchor="t">
+            <a:normAutofit/>
+          </a:bodyPr>
+          <a:p>
+            <a:pPr indent="0">
+              <a:spcBef>
+                <a:spcPts val="1417"/>
+              </a:spcBef>
+              <a:buNone/>
+            </a:pPr>
+            <a:endParaRPr b="0" lang="en-CA" sz="3200" spc="-1" strike="noStrike">
+              <a:solidFill>
+                <a:srgbClr val="000000"/>
+              </a:solidFill>
+              <a:latin typeface="Arial"/>
+            </a:endParaRPr>
+          </a:p>
+        </p:txBody>
+      </p:sp>
+      <p:sp>
+        <p:nvSpPr>
+          <p:cNvPr id="58" name="PlaceHolder 4"/>
+          <p:cNvSpPr>
+            <a:spLocks noGrp="1"/>
+          </p:cNvSpPr>
+          <p:nvPr>
+            <p:ph/>
+          </p:nvPr>
+        </p:nvSpPr>
+        <p:spPr>
+          <a:xfrm>
+            <a:off x="504000" y="3044160"/>
+            <a:ext cx="4426560" cy="1568160"/>
+          </a:xfrm>
+          <a:prstGeom prst="rect">
+            <a:avLst/>
+          </a:prstGeom>
+          <a:noFill/>
+          <a:ln w="0">
+            <a:noFill/>
+          </a:ln>
+        </p:spPr>
+        <p:txBody>
+          <a:bodyPr lIns="0" rIns="0" tIns="0" bIns="0" anchor="t">
+            <a:normAutofit/>
+          </a:bodyPr>
+          <a:p>
+            <a:pPr indent="0">
+              <a:spcBef>
+                <a:spcPts val="1417"/>
+              </a:spcBef>
+              <a:buNone/>
+            </a:pPr>
+            <a:endParaRPr b="0" lang="en-CA" sz="3200" spc="-1" strike="noStrike">
+              <a:solidFill>
+                <a:srgbClr val="000000"/>
+              </a:solidFill>
+              <a:latin typeface="Arial"/>
+            </a:endParaRPr>
+          </a:p>
+        </p:txBody>
+      </p:sp>
+      <p:sp>
+        <p:nvSpPr>
+          <p:cNvPr id="6" name="PlaceHolder 5"/>
+          <p:cNvSpPr>
+            <a:spLocks noGrp="1"/>
+          </p:cNvSpPr>
+          <p:nvPr>
+            <p:ph type="ftr" idx="4"/>
+          </p:nvPr>
+        </p:nvSpPr>
+        <p:spPr/>
+        <p:txBody>
+          <a:bodyPr/>
+          <a:p>
+            <a:r>
+              <a:t>Footer</a:t>
+            </a:r>
+          </a:p>
+        </p:txBody>
+      </p:sp>
+      <p:sp>
+        <p:nvSpPr>
+          <p:cNvPr id="7" name="PlaceHolder 6"/>
+          <p:cNvSpPr>
+            <a:spLocks noGrp="1"/>
+          </p:cNvSpPr>
+          <p:nvPr>
+            <p:ph type="sldNum" idx="5"/>
+          </p:nvPr>
+        </p:nvSpPr>
+        <p:spPr/>
+        <p:txBody>
+          <a:bodyPr/>
+          <a:p>
+            <a:fld id="{6A8182A2-B2DE-4E46-8EA9-30099CD46AA7}" type="slidenum">
+              <a:t>&lt;#&gt;</a:t>
+            </a:fld>
+          </a:p>
+        </p:txBody>
+      </p:sp>
+      <p:sp>
+        <p:nvSpPr>
+          <p:cNvPr id="8" name="PlaceHolder 7"/>
+          <p:cNvSpPr>
+            <a:spLocks noGrp="1"/>
+          </p:cNvSpPr>
+          <p:nvPr>
+            <p:ph type="dt" idx="6"/>
+          </p:nvPr>
+        </p:nvSpPr>
+        <p:spPr/>
+        <p:txBody>
+          <a:bodyPr/>
+          <a:p>
+            <a:r>
+              <a:rPr lang="pt-BR"/>
               <a:t/>
             </a:r>
           </a:p>
@@ -1017,7 +2138,7 @@
         <p:spPr>
           <a:xfrm>
             <a:off x="504000" y="226080"/>
-            <a:ext cx="9071640" cy="946440"/>
+            <a:ext cx="9071280" cy="946080"/>
           </a:xfrm>
           <a:prstGeom prst="rect">
             <a:avLst/>
@@ -1057,7 +2178,7 @@
         <p:spPr>
           <a:xfrm>
             <a:off x="504000" y="1326600"/>
-            <a:ext cx="9071640" cy="3288240"/>
+            <a:ext cx="9071280" cy="3287880"/>
           </a:xfrm>
           <a:prstGeom prst="rect">
             <a:avLst/>
@@ -1091,7 +2212,7 @@
             <a:spLocks noGrp="1"/>
           </p:cNvSpPr>
           <p:nvPr>
-            <p:ph type="ftr" idx="2"/>
+            <p:ph type="ftr" idx="1"/>
           </p:nvPr>
         </p:nvSpPr>
         <p:spPr/>
@@ -1111,14 +2232,14 @@
             <a:spLocks noGrp="1"/>
           </p:cNvSpPr>
           <p:nvPr>
-            <p:ph type="sldNum" idx="3"/>
+            <p:ph type="sldNum" idx="2"/>
           </p:nvPr>
         </p:nvSpPr>
         <p:spPr/>
         <p:txBody>
           <a:bodyPr/>
           <a:p>
-            <a:fld id="{149D22F9-7655-4107-9E21-865B32E858D2}" type="slidenum">
+            <a:fld id="{551955EF-B8FB-492B-A3D1-FD3688929D54}" type="slidenum">
               <a:t>&lt;#&gt;</a:t>
             </a:fld>
           </a:p>
@@ -1131,7 +2252,7 @@
             <a:spLocks noGrp="1"/>
           </p:cNvSpPr>
           <p:nvPr>
-            <p:ph type="dt" idx="1"/>
+            <p:ph type="dt" idx="3"/>
           </p:nvPr>
         </p:nvSpPr>
         <p:spPr/>
@@ -1139,7 +2260,1396 @@
           <a:bodyPr/>
           <a:p>
             <a:r>
-              <a:rPr lang="en-CA"/>
+              <a:rPr lang="pt-BR"/>
+              <a:t/>
+            </a:r>
+          </a:p>
+        </p:txBody>
+      </p:sp>
+    </p:spTree>
+  </p:cSld>
+</p:sldLayout>
+</file>
+
+<file path=ppt/slideLayouts/slideLayout20.xml><?xml version="1.0" encoding="utf-8"?>
+<p:sldLayout xmlns:a="http://schemas.openxmlformats.org/drawingml/2006/main" xmlns:p="http://schemas.openxmlformats.org/presentationml/2006/main" xmlns:r="http://schemas.openxmlformats.org/officeDocument/2006/relationships" xmlns:p14="http://schemas.microsoft.com/office/powerpoint/2010/main" xmlns:p15="http://schemas.microsoft.com/office/powerpoint/2012/main" xmlns:mc="http://schemas.openxmlformats.org/markup-compatibility/2006" type="objAndTwoObj" preserve="1">
+  <p:cSld name="Title Content and 2 Content">
+    <p:spTree>
+      <p:nvGrpSpPr>
+        <p:cNvPr id="1" name=""/>
+        <p:cNvGrpSpPr/>
+        <p:nvPr/>
+      </p:nvGrpSpPr>
+      <p:grpSpPr>
+        <a:xfrm>
+          <a:off x="0" y="0"/>
+          <a:ext cx="0" cy="0"/>
+          <a:chOff x="0" y="0"/>
+          <a:chExt cx="0" cy="0"/>
+        </a:xfrm>
+      </p:grpSpPr>
+      <p:sp>
+        <p:nvSpPr>
+          <p:cNvPr id="59" name="PlaceHolder 1"/>
+          <p:cNvSpPr>
+            <a:spLocks noGrp="1"/>
+          </p:cNvSpPr>
+          <p:nvPr>
+            <p:ph type="title"/>
+          </p:nvPr>
+        </p:nvSpPr>
+        <p:spPr>
+          <a:xfrm>
+            <a:off x="504000" y="226080"/>
+            <a:ext cx="9071280" cy="946080"/>
+          </a:xfrm>
+          <a:prstGeom prst="rect">
+            <a:avLst/>
+          </a:prstGeom>
+          <a:noFill/>
+          <a:ln w="0">
+            <a:noFill/>
+          </a:ln>
+        </p:spPr>
+        <p:txBody>
+          <a:bodyPr lIns="0" rIns="0" tIns="0" bIns="0" anchor="ctr">
+            <a:noAutofit/>
+          </a:bodyPr>
+          <a:p>
+            <a:pPr indent="0" algn="ctr">
+              <a:buNone/>
+            </a:pPr>
+            <a:endParaRPr b="0" lang="en-CA" sz="4400" spc="-1" strike="noStrike">
+              <a:solidFill>
+                <a:srgbClr val="000000"/>
+              </a:solidFill>
+              <a:latin typeface="Arial"/>
+            </a:endParaRPr>
+          </a:p>
+        </p:txBody>
+      </p:sp>
+      <p:sp>
+        <p:nvSpPr>
+          <p:cNvPr id="60" name="PlaceHolder 2"/>
+          <p:cNvSpPr>
+            <a:spLocks noGrp="1"/>
+          </p:cNvSpPr>
+          <p:nvPr>
+            <p:ph/>
+          </p:nvPr>
+        </p:nvSpPr>
+        <p:spPr>
+          <a:xfrm>
+            <a:off x="504000" y="1326600"/>
+            <a:ext cx="4426560" cy="3287880"/>
+          </a:xfrm>
+          <a:prstGeom prst="rect">
+            <a:avLst/>
+          </a:prstGeom>
+          <a:noFill/>
+          <a:ln w="0">
+            <a:noFill/>
+          </a:ln>
+        </p:spPr>
+        <p:txBody>
+          <a:bodyPr lIns="0" rIns="0" tIns="0" bIns="0" anchor="t">
+            <a:normAutofit/>
+          </a:bodyPr>
+          <a:p>
+            <a:pPr indent="0">
+              <a:spcBef>
+                <a:spcPts val="1417"/>
+              </a:spcBef>
+              <a:buNone/>
+            </a:pPr>
+            <a:endParaRPr b="0" lang="en-CA" sz="3200" spc="-1" strike="noStrike">
+              <a:solidFill>
+                <a:srgbClr val="000000"/>
+              </a:solidFill>
+              <a:latin typeface="Arial"/>
+            </a:endParaRPr>
+          </a:p>
+        </p:txBody>
+      </p:sp>
+      <p:sp>
+        <p:nvSpPr>
+          <p:cNvPr id="61" name="PlaceHolder 3"/>
+          <p:cNvSpPr>
+            <a:spLocks noGrp="1"/>
+          </p:cNvSpPr>
+          <p:nvPr>
+            <p:ph/>
+          </p:nvPr>
+        </p:nvSpPr>
+        <p:spPr>
+          <a:xfrm>
+            <a:off x="5152320" y="1326600"/>
+            <a:ext cx="4426560" cy="1568160"/>
+          </a:xfrm>
+          <a:prstGeom prst="rect">
+            <a:avLst/>
+          </a:prstGeom>
+          <a:noFill/>
+          <a:ln w="0">
+            <a:noFill/>
+          </a:ln>
+        </p:spPr>
+        <p:txBody>
+          <a:bodyPr lIns="0" rIns="0" tIns="0" bIns="0" anchor="t">
+            <a:normAutofit/>
+          </a:bodyPr>
+          <a:p>
+            <a:pPr indent="0">
+              <a:spcBef>
+                <a:spcPts val="1417"/>
+              </a:spcBef>
+              <a:buNone/>
+            </a:pPr>
+            <a:endParaRPr b="0" lang="en-CA" sz="3200" spc="-1" strike="noStrike">
+              <a:solidFill>
+                <a:srgbClr val="000000"/>
+              </a:solidFill>
+              <a:latin typeface="Arial"/>
+            </a:endParaRPr>
+          </a:p>
+        </p:txBody>
+      </p:sp>
+      <p:sp>
+        <p:nvSpPr>
+          <p:cNvPr id="62" name="PlaceHolder 4"/>
+          <p:cNvSpPr>
+            <a:spLocks noGrp="1"/>
+          </p:cNvSpPr>
+          <p:nvPr>
+            <p:ph/>
+          </p:nvPr>
+        </p:nvSpPr>
+        <p:spPr>
+          <a:xfrm>
+            <a:off x="5152320" y="3044160"/>
+            <a:ext cx="4426560" cy="1568160"/>
+          </a:xfrm>
+          <a:prstGeom prst="rect">
+            <a:avLst/>
+          </a:prstGeom>
+          <a:noFill/>
+          <a:ln w="0">
+            <a:noFill/>
+          </a:ln>
+        </p:spPr>
+        <p:txBody>
+          <a:bodyPr lIns="0" rIns="0" tIns="0" bIns="0" anchor="t">
+            <a:normAutofit/>
+          </a:bodyPr>
+          <a:p>
+            <a:pPr indent="0">
+              <a:spcBef>
+                <a:spcPts val="1417"/>
+              </a:spcBef>
+              <a:buNone/>
+            </a:pPr>
+            <a:endParaRPr b="0" lang="en-CA" sz="3200" spc="-1" strike="noStrike">
+              <a:solidFill>
+                <a:srgbClr val="000000"/>
+              </a:solidFill>
+              <a:latin typeface="Arial"/>
+            </a:endParaRPr>
+          </a:p>
+        </p:txBody>
+      </p:sp>
+      <p:sp>
+        <p:nvSpPr>
+          <p:cNvPr id="6" name="PlaceHolder 5"/>
+          <p:cNvSpPr>
+            <a:spLocks noGrp="1"/>
+          </p:cNvSpPr>
+          <p:nvPr>
+            <p:ph type="ftr" idx="4"/>
+          </p:nvPr>
+        </p:nvSpPr>
+        <p:spPr/>
+        <p:txBody>
+          <a:bodyPr/>
+          <a:p>
+            <a:r>
+              <a:t>Footer</a:t>
+            </a:r>
+          </a:p>
+        </p:txBody>
+      </p:sp>
+      <p:sp>
+        <p:nvSpPr>
+          <p:cNvPr id="7" name="PlaceHolder 6"/>
+          <p:cNvSpPr>
+            <a:spLocks noGrp="1"/>
+          </p:cNvSpPr>
+          <p:nvPr>
+            <p:ph type="sldNum" idx="5"/>
+          </p:nvPr>
+        </p:nvSpPr>
+        <p:spPr/>
+        <p:txBody>
+          <a:bodyPr/>
+          <a:p>
+            <a:fld id="{592084E4-CB71-41C5-A28D-5427AD573779}" type="slidenum">
+              <a:t>&lt;#&gt;</a:t>
+            </a:fld>
+          </a:p>
+        </p:txBody>
+      </p:sp>
+      <p:sp>
+        <p:nvSpPr>
+          <p:cNvPr id="8" name="PlaceHolder 7"/>
+          <p:cNvSpPr>
+            <a:spLocks noGrp="1"/>
+          </p:cNvSpPr>
+          <p:nvPr>
+            <p:ph type="dt" idx="6"/>
+          </p:nvPr>
+        </p:nvSpPr>
+        <p:spPr/>
+        <p:txBody>
+          <a:bodyPr/>
+          <a:p>
+            <a:r>
+              <a:rPr lang="pt-BR"/>
+              <a:t/>
+            </a:r>
+          </a:p>
+        </p:txBody>
+      </p:sp>
+    </p:spTree>
+  </p:cSld>
+</p:sldLayout>
+</file>
+
+<file path=ppt/slideLayouts/slideLayout21.xml><?xml version="1.0" encoding="utf-8"?>
+<p:sldLayout xmlns:a="http://schemas.openxmlformats.org/drawingml/2006/main" xmlns:p="http://schemas.openxmlformats.org/presentationml/2006/main" xmlns:r="http://schemas.openxmlformats.org/officeDocument/2006/relationships" xmlns:p14="http://schemas.microsoft.com/office/powerpoint/2010/main" xmlns:p15="http://schemas.microsoft.com/office/powerpoint/2012/main" xmlns:mc="http://schemas.openxmlformats.org/markup-compatibility/2006" type="twoObjOverTx" preserve="1">
+  <p:cSld name="Title, 2 Content over Content">
+    <p:spTree>
+      <p:nvGrpSpPr>
+        <p:cNvPr id="1" name=""/>
+        <p:cNvGrpSpPr/>
+        <p:nvPr/>
+      </p:nvGrpSpPr>
+      <p:grpSpPr>
+        <a:xfrm>
+          <a:off x="0" y="0"/>
+          <a:ext cx="0" cy="0"/>
+          <a:chOff x="0" y="0"/>
+          <a:chExt cx="0" cy="0"/>
+        </a:xfrm>
+      </p:grpSpPr>
+      <p:sp>
+        <p:nvSpPr>
+          <p:cNvPr id="63" name="PlaceHolder 1"/>
+          <p:cNvSpPr>
+            <a:spLocks noGrp="1"/>
+          </p:cNvSpPr>
+          <p:nvPr>
+            <p:ph type="title"/>
+          </p:nvPr>
+        </p:nvSpPr>
+        <p:spPr>
+          <a:xfrm>
+            <a:off x="504000" y="226080"/>
+            <a:ext cx="9071280" cy="946080"/>
+          </a:xfrm>
+          <a:prstGeom prst="rect">
+            <a:avLst/>
+          </a:prstGeom>
+          <a:noFill/>
+          <a:ln w="0">
+            <a:noFill/>
+          </a:ln>
+        </p:spPr>
+        <p:txBody>
+          <a:bodyPr lIns="0" rIns="0" tIns="0" bIns="0" anchor="ctr">
+            <a:noAutofit/>
+          </a:bodyPr>
+          <a:p>
+            <a:pPr indent="0" algn="ctr">
+              <a:buNone/>
+            </a:pPr>
+            <a:endParaRPr b="0" lang="en-CA" sz="4400" spc="-1" strike="noStrike">
+              <a:solidFill>
+                <a:srgbClr val="000000"/>
+              </a:solidFill>
+              <a:latin typeface="Arial"/>
+            </a:endParaRPr>
+          </a:p>
+        </p:txBody>
+      </p:sp>
+      <p:sp>
+        <p:nvSpPr>
+          <p:cNvPr id="64" name="PlaceHolder 2"/>
+          <p:cNvSpPr>
+            <a:spLocks noGrp="1"/>
+          </p:cNvSpPr>
+          <p:nvPr>
+            <p:ph/>
+          </p:nvPr>
+        </p:nvSpPr>
+        <p:spPr>
+          <a:xfrm>
+            <a:off x="504000" y="1326600"/>
+            <a:ext cx="4426560" cy="1568160"/>
+          </a:xfrm>
+          <a:prstGeom prst="rect">
+            <a:avLst/>
+          </a:prstGeom>
+          <a:noFill/>
+          <a:ln w="0">
+            <a:noFill/>
+          </a:ln>
+        </p:spPr>
+        <p:txBody>
+          <a:bodyPr lIns="0" rIns="0" tIns="0" bIns="0" anchor="t">
+            <a:normAutofit/>
+          </a:bodyPr>
+          <a:p>
+            <a:pPr indent="0">
+              <a:spcBef>
+                <a:spcPts val="1417"/>
+              </a:spcBef>
+              <a:buNone/>
+            </a:pPr>
+            <a:endParaRPr b="0" lang="en-CA" sz="3200" spc="-1" strike="noStrike">
+              <a:solidFill>
+                <a:srgbClr val="000000"/>
+              </a:solidFill>
+              <a:latin typeface="Arial"/>
+            </a:endParaRPr>
+          </a:p>
+        </p:txBody>
+      </p:sp>
+      <p:sp>
+        <p:nvSpPr>
+          <p:cNvPr id="65" name="PlaceHolder 3"/>
+          <p:cNvSpPr>
+            <a:spLocks noGrp="1"/>
+          </p:cNvSpPr>
+          <p:nvPr>
+            <p:ph/>
+          </p:nvPr>
+        </p:nvSpPr>
+        <p:spPr>
+          <a:xfrm>
+            <a:off x="5152320" y="1326600"/>
+            <a:ext cx="4426560" cy="1568160"/>
+          </a:xfrm>
+          <a:prstGeom prst="rect">
+            <a:avLst/>
+          </a:prstGeom>
+          <a:noFill/>
+          <a:ln w="0">
+            <a:noFill/>
+          </a:ln>
+        </p:spPr>
+        <p:txBody>
+          <a:bodyPr lIns="0" rIns="0" tIns="0" bIns="0" anchor="t">
+            <a:normAutofit/>
+          </a:bodyPr>
+          <a:p>
+            <a:pPr indent="0">
+              <a:spcBef>
+                <a:spcPts val="1417"/>
+              </a:spcBef>
+              <a:buNone/>
+            </a:pPr>
+            <a:endParaRPr b="0" lang="en-CA" sz="3200" spc="-1" strike="noStrike">
+              <a:solidFill>
+                <a:srgbClr val="000000"/>
+              </a:solidFill>
+              <a:latin typeface="Arial"/>
+            </a:endParaRPr>
+          </a:p>
+        </p:txBody>
+      </p:sp>
+      <p:sp>
+        <p:nvSpPr>
+          <p:cNvPr id="66" name="PlaceHolder 4"/>
+          <p:cNvSpPr>
+            <a:spLocks noGrp="1"/>
+          </p:cNvSpPr>
+          <p:nvPr>
+            <p:ph/>
+          </p:nvPr>
+        </p:nvSpPr>
+        <p:spPr>
+          <a:xfrm>
+            <a:off x="504000" y="3044160"/>
+            <a:ext cx="9071280" cy="1568160"/>
+          </a:xfrm>
+          <a:prstGeom prst="rect">
+            <a:avLst/>
+          </a:prstGeom>
+          <a:noFill/>
+          <a:ln w="0">
+            <a:noFill/>
+          </a:ln>
+        </p:spPr>
+        <p:txBody>
+          <a:bodyPr lIns="0" rIns="0" tIns="0" bIns="0" anchor="t">
+            <a:normAutofit/>
+          </a:bodyPr>
+          <a:p>
+            <a:pPr indent="0">
+              <a:spcBef>
+                <a:spcPts val="1417"/>
+              </a:spcBef>
+              <a:buNone/>
+            </a:pPr>
+            <a:endParaRPr b="0" lang="en-CA" sz="3200" spc="-1" strike="noStrike">
+              <a:solidFill>
+                <a:srgbClr val="000000"/>
+              </a:solidFill>
+              <a:latin typeface="Arial"/>
+            </a:endParaRPr>
+          </a:p>
+        </p:txBody>
+      </p:sp>
+      <p:sp>
+        <p:nvSpPr>
+          <p:cNvPr id="6" name="PlaceHolder 5"/>
+          <p:cNvSpPr>
+            <a:spLocks noGrp="1"/>
+          </p:cNvSpPr>
+          <p:nvPr>
+            <p:ph type="ftr" idx="4"/>
+          </p:nvPr>
+        </p:nvSpPr>
+        <p:spPr/>
+        <p:txBody>
+          <a:bodyPr/>
+          <a:p>
+            <a:r>
+              <a:t>Footer</a:t>
+            </a:r>
+          </a:p>
+        </p:txBody>
+      </p:sp>
+      <p:sp>
+        <p:nvSpPr>
+          <p:cNvPr id="7" name="PlaceHolder 6"/>
+          <p:cNvSpPr>
+            <a:spLocks noGrp="1"/>
+          </p:cNvSpPr>
+          <p:nvPr>
+            <p:ph type="sldNum" idx="5"/>
+          </p:nvPr>
+        </p:nvSpPr>
+        <p:spPr/>
+        <p:txBody>
+          <a:bodyPr/>
+          <a:p>
+            <a:fld id="{3F3366E0-C160-4D75-97E3-33CE4D778844}" type="slidenum">
+              <a:t>&lt;#&gt;</a:t>
+            </a:fld>
+          </a:p>
+        </p:txBody>
+      </p:sp>
+      <p:sp>
+        <p:nvSpPr>
+          <p:cNvPr id="8" name="PlaceHolder 7"/>
+          <p:cNvSpPr>
+            <a:spLocks noGrp="1"/>
+          </p:cNvSpPr>
+          <p:nvPr>
+            <p:ph type="dt" idx="6"/>
+          </p:nvPr>
+        </p:nvSpPr>
+        <p:spPr/>
+        <p:txBody>
+          <a:bodyPr/>
+          <a:p>
+            <a:r>
+              <a:rPr lang="pt-BR"/>
+              <a:t/>
+            </a:r>
+          </a:p>
+        </p:txBody>
+      </p:sp>
+    </p:spTree>
+  </p:cSld>
+</p:sldLayout>
+</file>
+
+<file path=ppt/slideLayouts/slideLayout22.xml><?xml version="1.0" encoding="utf-8"?>
+<p:sldLayout xmlns:a="http://schemas.openxmlformats.org/drawingml/2006/main" xmlns:p="http://schemas.openxmlformats.org/presentationml/2006/main" xmlns:r="http://schemas.openxmlformats.org/officeDocument/2006/relationships" xmlns:p14="http://schemas.microsoft.com/office/powerpoint/2010/main" xmlns:p15="http://schemas.microsoft.com/office/powerpoint/2012/main" xmlns:mc="http://schemas.openxmlformats.org/markup-compatibility/2006" type="objOverTx" preserve="1">
+  <p:cSld name="Title, Content over Content">
+    <p:spTree>
+      <p:nvGrpSpPr>
+        <p:cNvPr id="1" name=""/>
+        <p:cNvGrpSpPr/>
+        <p:nvPr/>
+      </p:nvGrpSpPr>
+      <p:grpSpPr>
+        <a:xfrm>
+          <a:off x="0" y="0"/>
+          <a:ext cx="0" cy="0"/>
+          <a:chOff x="0" y="0"/>
+          <a:chExt cx="0" cy="0"/>
+        </a:xfrm>
+      </p:grpSpPr>
+      <p:sp>
+        <p:nvSpPr>
+          <p:cNvPr id="67" name="PlaceHolder 1"/>
+          <p:cNvSpPr>
+            <a:spLocks noGrp="1"/>
+          </p:cNvSpPr>
+          <p:nvPr>
+            <p:ph type="title"/>
+          </p:nvPr>
+        </p:nvSpPr>
+        <p:spPr>
+          <a:xfrm>
+            <a:off x="504000" y="226080"/>
+            <a:ext cx="9071280" cy="946080"/>
+          </a:xfrm>
+          <a:prstGeom prst="rect">
+            <a:avLst/>
+          </a:prstGeom>
+          <a:noFill/>
+          <a:ln w="0">
+            <a:noFill/>
+          </a:ln>
+        </p:spPr>
+        <p:txBody>
+          <a:bodyPr lIns="0" rIns="0" tIns="0" bIns="0" anchor="ctr">
+            <a:noAutofit/>
+          </a:bodyPr>
+          <a:p>
+            <a:pPr indent="0" algn="ctr">
+              <a:buNone/>
+            </a:pPr>
+            <a:endParaRPr b="0" lang="en-CA" sz="4400" spc="-1" strike="noStrike">
+              <a:solidFill>
+                <a:srgbClr val="000000"/>
+              </a:solidFill>
+              <a:latin typeface="Arial"/>
+            </a:endParaRPr>
+          </a:p>
+        </p:txBody>
+      </p:sp>
+      <p:sp>
+        <p:nvSpPr>
+          <p:cNvPr id="68" name="PlaceHolder 2"/>
+          <p:cNvSpPr>
+            <a:spLocks noGrp="1"/>
+          </p:cNvSpPr>
+          <p:nvPr>
+            <p:ph/>
+          </p:nvPr>
+        </p:nvSpPr>
+        <p:spPr>
+          <a:xfrm>
+            <a:off x="504000" y="1326600"/>
+            <a:ext cx="9071280" cy="1568160"/>
+          </a:xfrm>
+          <a:prstGeom prst="rect">
+            <a:avLst/>
+          </a:prstGeom>
+          <a:noFill/>
+          <a:ln w="0">
+            <a:noFill/>
+          </a:ln>
+        </p:spPr>
+        <p:txBody>
+          <a:bodyPr lIns="0" rIns="0" tIns="0" bIns="0" anchor="t">
+            <a:normAutofit/>
+          </a:bodyPr>
+          <a:p>
+            <a:pPr indent="0">
+              <a:spcBef>
+                <a:spcPts val="1417"/>
+              </a:spcBef>
+              <a:buNone/>
+            </a:pPr>
+            <a:endParaRPr b="0" lang="en-CA" sz="3200" spc="-1" strike="noStrike">
+              <a:solidFill>
+                <a:srgbClr val="000000"/>
+              </a:solidFill>
+              <a:latin typeface="Arial"/>
+            </a:endParaRPr>
+          </a:p>
+        </p:txBody>
+      </p:sp>
+      <p:sp>
+        <p:nvSpPr>
+          <p:cNvPr id="69" name="PlaceHolder 3"/>
+          <p:cNvSpPr>
+            <a:spLocks noGrp="1"/>
+          </p:cNvSpPr>
+          <p:nvPr>
+            <p:ph/>
+          </p:nvPr>
+        </p:nvSpPr>
+        <p:spPr>
+          <a:xfrm>
+            <a:off x="504000" y="3044160"/>
+            <a:ext cx="9071280" cy="1568160"/>
+          </a:xfrm>
+          <a:prstGeom prst="rect">
+            <a:avLst/>
+          </a:prstGeom>
+          <a:noFill/>
+          <a:ln w="0">
+            <a:noFill/>
+          </a:ln>
+        </p:spPr>
+        <p:txBody>
+          <a:bodyPr lIns="0" rIns="0" tIns="0" bIns="0" anchor="t">
+            <a:normAutofit/>
+          </a:bodyPr>
+          <a:p>
+            <a:pPr indent="0">
+              <a:spcBef>
+                <a:spcPts val="1417"/>
+              </a:spcBef>
+              <a:buNone/>
+            </a:pPr>
+            <a:endParaRPr b="0" lang="en-CA" sz="3200" spc="-1" strike="noStrike">
+              <a:solidFill>
+                <a:srgbClr val="000000"/>
+              </a:solidFill>
+              <a:latin typeface="Arial"/>
+            </a:endParaRPr>
+          </a:p>
+        </p:txBody>
+      </p:sp>
+      <p:sp>
+        <p:nvSpPr>
+          <p:cNvPr id="5" name="PlaceHolder 4"/>
+          <p:cNvSpPr>
+            <a:spLocks noGrp="1"/>
+          </p:cNvSpPr>
+          <p:nvPr>
+            <p:ph type="ftr" idx="4"/>
+          </p:nvPr>
+        </p:nvSpPr>
+        <p:spPr/>
+        <p:txBody>
+          <a:bodyPr/>
+          <a:p>
+            <a:r>
+              <a:t>Footer</a:t>
+            </a:r>
+          </a:p>
+        </p:txBody>
+      </p:sp>
+      <p:sp>
+        <p:nvSpPr>
+          <p:cNvPr id="6" name="PlaceHolder 5"/>
+          <p:cNvSpPr>
+            <a:spLocks noGrp="1"/>
+          </p:cNvSpPr>
+          <p:nvPr>
+            <p:ph type="sldNum" idx="5"/>
+          </p:nvPr>
+        </p:nvSpPr>
+        <p:spPr/>
+        <p:txBody>
+          <a:bodyPr/>
+          <a:p>
+            <a:fld id="{AA1E7177-FD50-41E9-830C-8DF55FC1E4D7}" type="slidenum">
+              <a:t>&lt;#&gt;</a:t>
+            </a:fld>
+          </a:p>
+        </p:txBody>
+      </p:sp>
+      <p:sp>
+        <p:nvSpPr>
+          <p:cNvPr id="7" name="PlaceHolder 6"/>
+          <p:cNvSpPr>
+            <a:spLocks noGrp="1"/>
+          </p:cNvSpPr>
+          <p:nvPr>
+            <p:ph type="dt" idx="6"/>
+          </p:nvPr>
+        </p:nvSpPr>
+        <p:spPr/>
+        <p:txBody>
+          <a:bodyPr/>
+          <a:p>
+            <a:r>
+              <a:rPr lang="pt-BR"/>
+              <a:t/>
+            </a:r>
+          </a:p>
+        </p:txBody>
+      </p:sp>
+    </p:spTree>
+  </p:cSld>
+</p:sldLayout>
+</file>
+
+<file path=ppt/slideLayouts/slideLayout23.xml><?xml version="1.0" encoding="utf-8"?>
+<p:sldLayout xmlns:a="http://schemas.openxmlformats.org/drawingml/2006/main" xmlns:p="http://schemas.openxmlformats.org/presentationml/2006/main" xmlns:r="http://schemas.openxmlformats.org/officeDocument/2006/relationships" xmlns:p14="http://schemas.microsoft.com/office/powerpoint/2010/main" xmlns:p15="http://schemas.microsoft.com/office/powerpoint/2012/main" xmlns:mc="http://schemas.openxmlformats.org/markup-compatibility/2006" type="fourObj" preserve="1">
+  <p:cSld name="Title, 4 Content">
+    <p:spTree>
+      <p:nvGrpSpPr>
+        <p:cNvPr id="1" name=""/>
+        <p:cNvGrpSpPr/>
+        <p:nvPr/>
+      </p:nvGrpSpPr>
+      <p:grpSpPr>
+        <a:xfrm>
+          <a:off x="0" y="0"/>
+          <a:ext cx="0" cy="0"/>
+          <a:chOff x="0" y="0"/>
+          <a:chExt cx="0" cy="0"/>
+        </a:xfrm>
+      </p:grpSpPr>
+      <p:sp>
+        <p:nvSpPr>
+          <p:cNvPr id="70" name="PlaceHolder 1"/>
+          <p:cNvSpPr>
+            <a:spLocks noGrp="1"/>
+          </p:cNvSpPr>
+          <p:nvPr>
+            <p:ph type="title"/>
+          </p:nvPr>
+        </p:nvSpPr>
+        <p:spPr>
+          <a:xfrm>
+            <a:off x="504000" y="226080"/>
+            <a:ext cx="9071280" cy="946080"/>
+          </a:xfrm>
+          <a:prstGeom prst="rect">
+            <a:avLst/>
+          </a:prstGeom>
+          <a:noFill/>
+          <a:ln w="0">
+            <a:noFill/>
+          </a:ln>
+        </p:spPr>
+        <p:txBody>
+          <a:bodyPr lIns="0" rIns="0" tIns="0" bIns="0" anchor="ctr">
+            <a:noAutofit/>
+          </a:bodyPr>
+          <a:p>
+            <a:pPr indent="0" algn="ctr">
+              <a:buNone/>
+            </a:pPr>
+            <a:endParaRPr b="0" lang="en-CA" sz="4400" spc="-1" strike="noStrike">
+              <a:solidFill>
+                <a:srgbClr val="000000"/>
+              </a:solidFill>
+              <a:latin typeface="Arial"/>
+            </a:endParaRPr>
+          </a:p>
+        </p:txBody>
+      </p:sp>
+      <p:sp>
+        <p:nvSpPr>
+          <p:cNvPr id="71" name="PlaceHolder 2"/>
+          <p:cNvSpPr>
+            <a:spLocks noGrp="1"/>
+          </p:cNvSpPr>
+          <p:nvPr>
+            <p:ph/>
+          </p:nvPr>
+        </p:nvSpPr>
+        <p:spPr>
+          <a:xfrm>
+            <a:off x="504000" y="1326600"/>
+            <a:ext cx="4426560" cy="1568160"/>
+          </a:xfrm>
+          <a:prstGeom prst="rect">
+            <a:avLst/>
+          </a:prstGeom>
+          <a:noFill/>
+          <a:ln w="0">
+            <a:noFill/>
+          </a:ln>
+        </p:spPr>
+        <p:txBody>
+          <a:bodyPr lIns="0" rIns="0" tIns="0" bIns="0" anchor="t">
+            <a:normAutofit/>
+          </a:bodyPr>
+          <a:p>
+            <a:pPr indent="0">
+              <a:spcBef>
+                <a:spcPts val="1417"/>
+              </a:spcBef>
+              <a:buNone/>
+            </a:pPr>
+            <a:endParaRPr b="0" lang="en-CA" sz="3200" spc="-1" strike="noStrike">
+              <a:solidFill>
+                <a:srgbClr val="000000"/>
+              </a:solidFill>
+              <a:latin typeface="Arial"/>
+            </a:endParaRPr>
+          </a:p>
+        </p:txBody>
+      </p:sp>
+      <p:sp>
+        <p:nvSpPr>
+          <p:cNvPr id="72" name="PlaceHolder 3"/>
+          <p:cNvSpPr>
+            <a:spLocks noGrp="1"/>
+          </p:cNvSpPr>
+          <p:nvPr>
+            <p:ph/>
+          </p:nvPr>
+        </p:nvSpPr>
+        <p:spPr>
+          <a:xfrm>
+            <a:off x="5152320" y="1326600"/>
+            <a:ext cx="4426560" cy="1568160"/>
+          </a:xfrm>
+          <a:prstGeom prst="rect">
+            <a:avLst/>
+          </a:prstGeom>
+          <a:noFill/>
+          <a:ln w="0">
+            <a:noFill/>
+          </a:ln>
+        </p:spPr>
+        <p:txBody>
+          <a:bodyPr lIns="0" rIns="0" tIns="0" bIns="0" anchor="t">
+            <a:normAutofit/>
+          </a:bodyPr>
+          <a:p>
+            <a:pPr indent="0">
+              <a:spcBef>
+                <a:spcPts val="1417"/>
+              </a:spcBef>
+              <a:buNone/>
+            </a:pPr>
+            <a:endParaRPr b="0" lang="en-CA" sz="3200" spc="-1" strike="noStrike">
+              <a:solidFill>
+                <a:srgbClr val="000000"/>
+              </a:solidFill>
+              <a:latin typeface="Arial"/>
+            </a:endParaRPr>
+          </a:p>
+        </p:txBody>
+      </p:sp>
+      <p:sp>
+        <p:nvSpPr>
+          <p:cNvPr id="73" name="PlaceHolder 4"/>
+          <p:cNvSpPr>
+            <a:spLocks noGrp="1"/>
+          </p:cNvSpPr>
+          <p:nvPr>
+            <p:ph/>
+          </p:nvPr>
+        </p:nvSpPr>
+        <p:spPr>
+          <a:xfrm>
+            <a:off x="504000" y="3044160"/>
+            <a:ext cx="4426560" cy="1568160"/>
+          </a:xfrm>
+          <a:prstGeom prst="rect">
+            <a:avLst/>
+          </a:prstGeom>
+          <a:noFill/>
+          <a:ln w="0">
+            <a:noFill/>
+          </a:ln>
+        </p:spPr>
+        <p:txBody>
+          <a:bodyPr lIns="0" rIns="0" tIns="0" bIns="0" anchor="t">
+            <a:normAutofit/>
+          </a:bodyPr>
+          <a:p>
+            <a:pPr indent="0">
+              <a:spcBef>
+                <a:spcPts val="1417"/>
+              </a:spcBef>
+              <a:buNone/>
+            </a:pPr>
+            <a:endParaRPr b="0" lang="en-CA" sz="3200" spc="-1" strike="noStrike">
+              <a:solidFill>
+                <a:srgbClr val="000000"/>
+              </a:solidFill>
+              <a:latin typeface="Arial"/>
+            </a:endParaRPr>
+          </a:p>
+        </p:txBody>
+      </p:sp>
+      <p:sp>
+        <p:nvSpPr>
+          <p:cNvPr id="74" name="PlaceHolder 5"/>
+          <p:cNvSpPr>
+            <a:spLocks noGrp="1"/>
+          </p:cNvSpPr>
+          <p:nvPr>
+            <p:ph/>
+          </p:nvPr>
+        </p:nvSpPr>
+        <p:spPr>
+          <a:xfrm>
+            <a:off x="5152320" y="3044160"/>
+            <a:ext cx="4426560" cy="1568160"/>
+          </a:xfrm>
+          <a:prstGeom prst="rect">
+            <a:avLst/>
+          </a:prstGeom>
+          <a:noFill/>
+          <a:ln w="0">
+            <a:noFill/>
+          </a:ln>
+        </p:spPr>
+        <p:txBody>
+          <a:bodyPr lIns="0" rIns="0" tIns="0" bIns="0" anchor="t">
+            <a:normAutofit/>
+          </a:bodyPr>
+          <a:p>
+            <a:pPr indent="0">
+              <a:spcBef>
+                <a:spcPts val="1417"/>
+              </a:spcBef>
+              <a:buNone/>
+            </a:pPr>
+            <a:endParaRPr b="0" lang="en-CA" sz="3200" spc="-1" strike="noStrike">
+              <a:solidFill>
+                <a:srgbClr val="000000"/>
+              </a:solidFill>
+              <a:latin typeface="Arial"/>
+            </a:endParaRPr>
+          </a:p>
+        </p:txBody>
+      </p:sp>
+      <p:sp>
+        <p:nvSpPr>
+          <p:cNvPr id="7" name="PlaceHolder 6"/>
+          <p:cNvSpPr>
+            <a:spLocks noGrp="1"/>
+          </p:cNvSpPr>
+          <p:nvPr>
+            <p:ph type="ftr" idx="4"/>
+          </p:nvPr>
+        </p:nvSpPr>
+        <p:spPr/>
+        <p:txBody>
+          <a:bodyPr/>
+          <a:p>
+            <a:r>
+              <a:t>Footer</a:t>
+            </a:r>
+          </a:p>
+        </p:txBody>
+      </p:sp>
+      <p:sp>
+        <p:nvSpPr>
+          <p:cNvPr id="8" name="PlaceHolder 7"/>
+          <p:cNvSpPr>
+            <a:spLocks noGrp="1"/>
+          </p:cNvSpPr>
+          <p:nvPr>
+            <p:ph type="sldNum" idx="5"/>
+          </p:nvPr>
+        </p:nvSpPr>
+        <p:spPr/>
+        <p:txBody>
+          <a:bodyPr/>
+          <a:p>
+            <a:fld id="{79F6EBAA-5411-4714-BDEE-89EB2ADF516F}" type="slidenum">
+              <a:t>&lt;#&gt;</a:t>
+            </a:fld>
+          </a:p>
+        </p:txBody>
+      </p:sp>
+      <p:sp>
+        <p:nvSpPr>
+          <p:cNvPr id="9" name="PlaceHolder 8"/>
+          <p:cNvSpPr>
+            <a:spLocks noGrp="1"/>
+          </p:cNvSpPr>
+          <p:nvPr>
+            <p:ph type="dt" idx="6"/>
+          </p:nvPr>
+        </p:nvSpPr>
+        <p:spPr/>
+        <p:txBody>
+          <a:bodyPr/>
+          <a:p>
+            <a:r>
+              <a:rPr lang="pt-BR"/>
+              <a:t/>
+            </a:r>
+          </a:p>
+        </p:txBody>
+      </p:sp>
+    </p:spTree>
+  </p:cSld>
+</p:sldLayout>
+</file>
+
+<file path=ppt/slideLayouts/slideLayout24.xml><?xml version="1.0" encoding="utf-8"?>
+<p:sldLayout xmlns:a="http://schemas.openxmlformats.org/drawingml/2006/main" xmlns:p="http://schemas.openxmlformats.org/presentationml/2006/main" xmlns:r="http://schemas.openxmlformats.org/officeDocument/2006/relationships" xmlns:p14="http://schemas.microsoft.com/office/powerpoint/2010/main" xmlns:p15="http://schemas.microsoft.com/office/powerpoint/2012/main" xmlns:mc="http://schemas.openxmlformats.org/markup-compatibility/2006" type="blank" preserve="1">
+  <p:cSld name="Title, 6 Content">
+    <p:spTree>
+      <p:nvGrpSpPr>
+        <p:cNvPr id="1" name=""/>
+        <p:cNvGrpSpPr/>
+        <p:nvPr/>
+      </p:nvGrpSpPr>
+      <p:grpSpPr>
+        <a:xfrm>
+          <a:off x="0" y="0"/>
+          <a:ext cx="0" cy="0"/>
+          <a:chOff x="0" y="0"/>
+          <a:chExt cx="0" cy="0"/>
+        </a:xfrm>
+      </p:grpSpPr>
+      <p:sp>
+        <p:nvSpPr>
+          <p:cNvPr id="75" name="PlaceHolder 1"/>
+          <p:cNvSpPr>
+            <a:spLocks noGrp="1"/>
+          </p:cNvSpPr>
+          <p:nvPr>
+            <p:ph type="title"/>
+          </p:nvPr>
+        </p:nvSpPr>
+        <p:spPr>
+          <a:xfrm>
+            <a:off x="504000" y="226080"/>
+            <a:ext cx="9071280" cy="946080"/>
+          </a:xfrm>
+          <a:prstGeom prst="rect">
+            <a:avLst/>
+          </a:prstGeom>
+          <a:noFill/>
+          <a:ln w="0">
+            <a:noFill/>
+          </a:ln>
+        </p:spPr>
+        <p:txBody>
+          <a:bodyPr lIns="0" rIns="0" tIns="0" bIns="0" anchor="ctr">
+            <a:noAutofit/>
+          </a:bodyPr>
+          <a:p>
+            <a:pPr indent="0" algn="ctr">
+              <a:buNone/>
+            </a:pPr>
+            <a:endParaRPr b="0" lang="en-CA" sz="4400" spc="-1" strike="noStrike">
+              <a:solidFill>
+                <a:srgbClr val="000000"/>
+              </a:solidFill>
+              <a:latin typeface="Arial"/>
+            </a:endParaRPr>
+          </a:p>
+        </p:txBody>
+      </p:sp>
+      <p:sp>
+        <p:nvSpPr>
+          <p:cNvPr id="76" name="PlaceHolder 2"/>
+          <p:cNvSpPr>
+            <a:spLocks noGrp="1"/>
+          </p:cNvSpPr>
+          <p:nvPr>
+            <p:ph/>
+          </p:nvPr>
+        </p:nvSpPr>
+        <p:spPr>
+          <a:xfrm>
+            <a:off x="504000" y="1326600"/>
+            <a:ext cx="2920680" cy="1568160"/>
+          </a:xfrm>
+          <a:prstGeom prst="rect">
+            <a:avLst/>
+          </a:prstGeom>
+          <a:noFill/>
+          <a:ln w="0">
+            <a:noFill/>
+          </a:ln>
+        </p:spPr>
+        <p:txBody>
+          <a:bodyPr lIns="0" rIns="0" tIns="0" bIns="0" anchor="t">
+            <a:normAutofit/>
+          </a:bodyPr>
+          <a:p>
+            <a:pPr indent="0">
+              <a:spcBef>
+                <a:spcPts val="1417"/>
+              </a:spcBef>
+              <a:buNone/>
+            </a:pPr>
+            <a:endParaRPr b="0" lang="en-CA" sz="3200" spc="-1" strike="noStrike">
+              <a:solidFill>
+                <a:srgbClr val="000000"/>
+              </a:solidFill>
+              <a:latin typeface="Arial"/>
+            </a:endParaRPr>
+          </a:p>
+        </p:txBody>
+      </p:sp>
+      <p:sp>
+        <p:nvSpPr>
+          <p:cNvPr id="77" name="PlaceHolder 3"/>
+          <p:cNvSpPr>
+            <a:spLocks noGrp="1"/>
+          </p:cNvSpPr>
+          <p:nvPr>
+            <p:ph/>
+          </p:nvPr>
+        </p:nvSpPr>
+        <p:spPr>
+          <a:xfrm>
+            <a:off x="3571200" y="1326600"/>
+            <a:ext cx="2920680" cy="1568160"/>
+          </a:xfrm>
+          <a:prstGeom prst="rect">
+            <a:avLst/>
+          </a:prstGeom>
+          <a:noFill/>
+          <a:ln w="0">
+            <a:noFill/>
+          </a:ln>
+        </p:spPr>
+        <p:txBody>
+          <a:bodyPr lIns="0" rIns="0" tIns="0" bIns="0" anchor="t">
+            <a:normAutofit/>
+          </a:bodyPr>
+          <a:p>
+            <a:pPr indent="0">
+              <a:spcBef>
+                <a:spcPts val="1417"/>
+              </a:spcBef>
+              <a:buNone/>
+            </a:pPr>
+            <a:endParaRPr b="0" lang="en-CA" sz="3200" spc="-1" strike="noStrike">
+              <a:solidFill>
+                <a:srgbClr val="000000"/>
+              </a:solidFill>
+              <a:latin typeface="Arial"/>
+            </a:endParaRPr>
+          </a:p>
+        </p:txBody>
+      </p:sp>
+      <p:sp>
+        <p:nvSpPr>
+          <p:cNvPr id="78" name="PlaceHolder 4"/>
+          <p:cNvSpPr>
+            <a:spLocks noGrp="1"/>
+          </p:cNvSpPr>
+          <p:nvPr>
+            <p:ph/>
+          </p:nvPr>
+        </p:nvSpPr>
+        <p:spPr>
+          <a:xfrm>
+            <a:off x="6638040" y="1326600"/>
+            <a:ext cx="2920680" cy="1568160"/>
+          </a:xfrm>
+          <a:prstGeom prst="rect">
+            <a:avLst/>
+          </a:prstGeom>
+          <a:noFill/>
+          <a:ln w="0">
+            <a:noFill/>
+          </a:ln>
+        </p:spPr>
+        <p:txBody>
+          <a:bodyPr lIns="0" rIns="0" tIns="0" bIns="0" anchor="t">
+            <a:normAutofit/>
+          </a:bodyPr>
+          <a:p>
+            <a:pPr indent="0">
+              <a:spcBef>
+                <a:spcPts val="1417"/>
+              </a:spcBef>
+              <a:buNone/>
+            </a:pPr>
+            <a:endParaRPr b="0" lang="en-CA" sz="3200" spc="-1" strike="noStrike">
+              <a:solidFill>
+                <a:srgbClr val="000000"/>
+              </a:solidFill>
+              <a:latin typeface="Arial"/>
+            </a:endParaRPr>
+          </a:p>
+        </p:txBody>
+      </p:sp>
+      <p:sp>
+        <p:nvSpPr>
+          <p:cNvPr id="79" name="PlaceHolder 5"/>
+          <p:cNvSpPr>
+            <a:spLocks noGrp="1"/>
+          </p:cNvSpPr>
+          <p:nvPr>
+            <p:ph/>
+          </p:nvPr>
+        </p:nvSpPr>
+        <p:spPr>
+          <a:xfrm>
+            <a:off x="504000" y="3044160"/>
+            <a:ext cx="2920680" cy="1568160"/>
+          </a:xfrm>
+          <a:prstGeom prst="rect">
+            <a:avLst/>
+          </a:prstGeom>
+          <a:noFill/>
+          <a:ln w="0">
+            <a:noFill/>
+          </a:ln>
+        </p:spPr>
+        <p:txBody>
+          <a:bodyPr lIns="0" rIns="0" tIns="0" bIns="0" anchor="t">
+            <a:normAutofit/>
+          </a:bodyPr>
+          <a:p>
+            <a:pPr indent="0">
+              <a:spcBef>
+                <a:spcPts val="1417"/>
+              </a:spcBef>
+              <a:buNone/>
+            </a:pPr>
+            <a:endParaRPr b="0" lang="en-CA" sz="3200" spc="-1" strike="noStrike">
+              <a:solidFill>
+                <a:srgbClr val="000000"/>
+              </a:solidFill>
+              <a:latin typeface="Arial"/>
+            </a:endParaRPr>
+          </a:p>
+        </p:txBody>
+      </p:sp>
+      <p:sp>
+        <p:nvSpPr>
+          <p:cNvPr id="80" name="PlaceHolder 6"/>
+          <p:cNvSpPr>
+            <a:spLocks noGrp="1"/>
+          </p:cNvSpPr>
+          <p:nvPr>
+            <p:ph/>
+          </p:nvPr>
+        </p:nvSpPr>
+        <p:spPr>
+          <a:xfrm>
+            <a:off x="3571200" y="3044160"/>
+            <a:ext cx="2920680" cy="1568160"/>
+          </a:xfrm>
+          <a:prstGeom prst="rect">
+            <a:avLst/>
+          </a:prstGeom>
+          <a:noFill/>
+          <a:ln w="0">
+            <a:noFill/>
+          </a:ln>
+        </p:spPr>
+        <p:txBody>
+          <a:bodyPr lIns="0" rIns="0" tIns="0" bIns="0" anchor="t">
+            <a:normAutofit/>
+          </a:bodyPr>
+          <a:p>
+            <a:pPr indent="0">
+              <a:spcBef>
+                <a:spcPts val="1417"/>
+              </a:spcBef>
+              <a:buNone/>
+            </a:pPr>
+            <a:endParaRPr b="0" lang="en-CA" sz="3200" spc="-1" strike="noStrike">
+              <a:solidFill>
+                <a:srgbClr val="000000"/>
+              </a:solidFill>
+              <a:latin typeface="Arial"/>
+            </a:endParaRPr>
+          </a:p>
+        </p:txBody>
+      </p:sp>
+      <p:sp>
+        <p:nvSpPr>
+          <p:cNvPr id="81" name="PlaceHolder 7"/>
+          <p:cNvSpPr>
+            <a:spLocks noGrp="1"/>
+          </p:cNvSpPr>
+          <p:nvPr>
+            <p:ph/>
+          </p:nvPr>
+        </p:nvSpPr>
+        <p:spPr>
+          <a:xfrm>
+            <a:off x="6638040" y="3044160"/>
+            <a:ext cx="2920680" cy="1568160"/>
+          </a:xfrm>
+          <a:prstGeom prst="rect">
+            <a:avLst/>
+          </a:prstGeom>
+          <a:noFill/>
+          <a:ln w="0">
+            <a:noFill/>
+          </a:ln>
+        </p:spPr>
+        <p:txBody>
+          <a:bodyPr lIns="0" rIns="0" tIns="0" bIns="0" anchor="t">
+            <a:normAutofit/>
+          </a:bodyPr>
+          <a:p>
+            <a:pPr indent="0">
+              <a:spcBef>
+                <a:spcPts val="1417"/>
+              </a:spcBef>
+              <a:buNone/>
+            </a:pPr>
+            <a:endParaRPr b="0" lang="en-CA" sz="3200" spc="-1" strike="noStrike">
+              <a:solidFill>
+                <a:srgbClr val="000000"/>
+              </a:solidFill>
+              <a:latin typeface="Arial"/>
+            </a:endParaRPr>
+          </a:p>
+        </p:txBody>
+      </p:sp>
+      <p:sp>
+        <p:nvSpPr>
+          <p:cNvPr id="9" name="PlaceHolder 8"/>
+          <p:cNvSpPr>
+            <a:spLocks noGrp="1"/>
+          </p:cNvSpPr>
+          <p:nvPr>
+            <p:ph type="ftr" idx="4"/>
+          </p:nvPr>
+        </p:nvSpPr>
+        <p:spPr/>
+        <p:txBody>
+          <a:bodyPr/>
+          <a:p>
+            <a:r>
+              <a:t>Footer</a:t>
+            </a:r>
+          </a:p>
+        </p:txBody>
+      </p:sp>
+      <p:sp>
+        <p:nvSpPr>
+          <p:cNvPr id="10" name="PlaceHolder 9"/>
+          <p:cNvSpPr>
+            <a:spLocks noGrp="1"/>
+          </p:cNvSpPr>
+          <p:nvPr>
+            <p:ph type="sldNum" idx="5"/>
+          </p:nvPr>
+        </p:nvSpPr>
+        <p:spPr/>
+        <p:txBody>
+          <a:bodyPr/>
+          <a:p>
+            <a:fld id="{73975E3A-C224-4275-9E7E-F5C1E936CADD}" type="slidenum">
+              <a:t>&lt;#&gt;</a:t>
+            </a:fld>
+          </a:p>
+        </p:txBody>
+      </p:sp>
+      <p:sp>
+        <p:nvSpPr>
+          <p:cNvPr id="11" name="PlaceHolder 10"/>
+          <p:cNvSpPr>
+            <a:spLocks noGrp="1"/>
+          </p:cNvSpPr>
+          <p:nvPr>
+            <p:ph type="dt" idx="6"/>
+          </p:nvPr>
+        </p:nvSpPr>
+        <p:spPr/>
+        <p:txBody>
+          <a:bodyPr/>
+          <a:p>
+            <a:r>
+              <a:rPr lang="pt-BR"/>
               <a:t/>
             </a:r>
           </a:p>
@@ -1180,7 +3690,7 @@
         <p:spPr>
           <a:xfrm>
             <a:off x="504000" y="226080"/>
-            <a:ext cx="9071640" cy="946440"/>
+            <a:ext cx="9071280" cy="946080"/>
           </a:xfrm>
           <a:prstGeom prst="rect">
             <a:avLst/>
@@ -1220,7 +3730,7 @@
         <p:spPr>
           <a:xfrm>
             <a:off x="504000" y="1326600"/>
-            <a:ext cx="9071640" cy="3288240"/>
+            <a:ext cx="9071280" cy="3287880"/>
           </a:xfrm>
           <a:prstGeom prst="rect">
             <a:avLst/>
@@ -1257,7 +3767,7 @@
             <a:spLocks noGrp="1"/>
           </p:cNvSpPr>
           <p:nvPr>
-            <p:ph type="ftr" idx="2"/>
+            <p:ph type="ftr" idx="1"/>
           </p:nvPr>
         </p:nvSpPr>
         <p:spPr/>
@@ -1277,14 +3787,14 @@
             <a:spLocks noGrp="1"/>
           </p:cNvSpPr>
           <p:nvPr>
-            <p:ph type="sldNum" idx="3"/>
+            <p:ph type="sldNum" idx="2"/>
           </p:nvPr>
         </p:nvSpPr>
         <p:spPr/>
         <p:txBody>
           <a:bodyPr/>
           <a:p>
-            <a:fld id="{A4A14552-3CAE-4E74-BFD7-8451762FF60A}" type="slidenum">
+            <a:fld id="{4FE801C7-25F2-4B8A-BA61-313884164685}" type="slidenum">
               <a:t>&lt;#&gt;</a:t>
             </a:fld>
           </a:p>
@@ -1297,7 +3807,7 @@
             <a:spLocks noGrp="1"/>
           </p:cNvSpPr>
           <p:nvPr>
-            <p:ph type="dt" idx="1"/>
+            <p:ph type="dt" idx="3"/>
           </p:nvPr>
         </p:nvSpPr>
         <p:spPr/>
@@ -1305,7 +3815,7 @@
           <a:bodyPr/>
           <a:p>
             <a:r>
-              <a:rPr lang="en-CA"/>
+              <a:rPr lang="pt-BR"/>
               <a:t/>
             </a:r>
           </a:p>
@@ -1346,7 +3856,7 @@
         <p:spPr>
           <a:xfrm>
             <a:off x="504000" y="226080"/>
-            <a:ext cx="9071640" cy="946440"/>
+            <a:ext cx="9071280" cy="946080"/>
           </a:xfrm>
           <a:prstGeom prst="rect">
             <a:avLst/>
@@ -1386,7 +3896,7 @@
         <p:spPr>
           <a:xfrm>
             <a:off x="504000" y="1326600"/>
-            <a:ext cx="4426920" cy="3288240"/>
+            <a:ext cx="4426560" cy="3287880"/>
           </a:xfrm>
           <a:prstGeom prst="rect">
             <a:avLst/>
@@ -1428,8 +3938,8 @@
         </p:nvSpPr>
         <p:spPr>
           <a:xfrm>
-            <a:off x="5152680" y="1326600"/>
-            <a:ext cx="4426920" cy="3288240"/>
+            <a:off x="5152320" y="1326600"/>
+            <a:ext cx="4426560" cy="3287880"/>
           </a:xfrm>
           <a:prstGeom prst="rect">
             <a:avLst/>
@@ -1466,7 +3976,7 @@
             <a:spLocks noGrp="1"/>
           </p:cNvSpPr>
           <p:nvPr>
-            <p:ph type="ftr" idx="2"/>
+            <p:ph type="ftr" idx="1"/>
           </p:nvPr>
         </p:nvSpPr>
         <p:spPr/>
@@ -1486,14 +3996,14 @@
             <a:spLocks noGrp="1"/>
           </p:cNvSpPr>
           <p:nvPr>
-            <p:ph type="sldNum" idx="3"/>
+            <p:ph type="sldNum" idx="2"/>
           </p:nvPr>
         </p:nvSpPr>
         <p:spPr/>
         <p:txBody>
           <a:bodyPr/>
           <a:p>
-            <a:fld id="{2F098593-6C1C-441A-BDA0-0118CB00F4E1}" type="slidenum">
+            <a:fld id="{E82BAE47-1E1B-4767-8AAF-1ADA27E9D99D}" type="slidenum">
               <a:t>&lt;#&gt;</a:t>
             </a:fld>
           </a:p>
@@ -1506,7 +4016,7 @@
             <a:spLocks noGrp="1"/>
           </p:cNvSpPr>
           <p:nvPr>
-            <p:ph type="dt" idx="1"/>
+            <p:ph type="dt" idx="3"/>
           </p:nvPr>
         </p:nvSpPr>
         <p:spPr/>
@@ -1514,7 +4024,7 @@
           <a:bodyPr/>
           <a:p>
             <a:r>
-              <a:rPr lang="en-CA"/>
+              <a:rPr lang="pt-BR"/>
               <a:t/>
             </a:r>
           </a:p>
@@ -1555,7 +4065,7 @@
         <p:spPr>
           <a:xfrm>
             <a:off x="504000" y="226080"/>
-            <a:ext cx="9071640" cy="946440"/>
+            <a:ext cx="9071280" cy="946080"/>
           </a:xfrm>
           <a:prstGeom prst="rect">
             <a:avLst/>
@@ -1589,7 +4099,7 @@
             <a:spLocks noGrp="1"/>
           </p:cNvSpPr>
           <p:nvPr>
-            <p:ph type="ftr" idx="2"/>
+            <p:ph type="ftr" idx="1"/>
           </p:nvPr>
         </p:nvSpPr>
         <p:spPr/>
@@ -1609,14 +4119,14 @@
             <a:spLocks noGrp="1"/>
           </p:cNvSpPr>
           <p:nvPr>
-            <p:ph type="sldNum" idx="3"/>
+            <p:ph type="sldNum" idx="2"/>
           </p:nvPr>
         </p:nvSpPr>
         <p:spPr/>
         <p:txBody>
           <a:bodyPr/>
           <a:p>
-            <a:fld id="{47966A8C-2526-4657-A6B5-8FFECD3A15A2}" type="slidenum">
+            <a:fld id="{A0BCBD06-FA49-4261-8EEF-9F8DF57ED630}" type="slidenum">
               <a:t>&lt;#&gt;</a:t>
             </a:fld>
           </a:p>
@@ -1629,7 +4139,7 @@
             <a:spLocks noGrp="1"/>
           </p:cNvSpPr>
           <p:nvPr>
-            <p:ph type="dt" idx="1"/>
+            <p:ph type="dt" idx="3"/>
           </p:nvPr>
         </p:nvSpPr>
         <p:spPr/>
@@ -1637,7 +4147,7 @@
           <a:bodyPr/>
           <a:p>
             <a:r>
-              <a:rPr lang="en-CA"/>
+              <a:rPr lang="pt-BR"/>
               <a:t/>
             </a:r>
           </a:p>
@@ -1678,7 +4188,7 @@
         <p:spPr>
           <a:xfrm>
             <a:off x="504000" y="226080"/>
-            <a:ext cx="9071640" cy="4388400"/>
+            <a:ext cx="9071280" cy="4386600"/>
           </a:xfrm>
           <a:prstGeom prst="rect">
             <a:avLst/>
@@ -1710,7 +4220,7 @@
             <a:spLocks noGrp="1"/>
           </p:cNvSpPr>
           <p:nvPr>
-            <p:ph type="ftr" idx="2"/>
+            <p:ph type="ftr" idx="1"/>
           </p:nvPr>
         </p:nvSpPr>
         <p:spPr/>
@@ -1730,14 +4240,14 @@
             <a:spLocks noGrp="1"/>
           </p:cNvSpPr>
           <p:nvPr>
-            <p:ph type="sldNum" idx="3"/>
+            <p:ph type="sldNum" idx="2"/>
           </p:nvPr>
         </p:nvSpPr>
         <p:spPr/>
         <p:txBody>
           <a:bodyPr/>
           <a:p>
-            <a:fld id="{3FF53834-3705-4AF5-9DE3-BCB8F93C67A2}" type="slidenum">
+            <a:fld id="{BFFB67CC-A159-474C-BEB3-8F6785C425EA}" type="slidenum">
               <a:t>&lt;#&gt;</a:t>
             </a:fld>
           </a:p>
@@ -1750,7 +4260,7 @@
             <a:spLocks noGrp="1"/>
           </p:cNvSpPr>
           <p:nvPr>
-            <p:ph type="dt" idx="1"/>
+            <p:ph type="dt" idx="3"/>
           </p:nvPr>
         </p:nvSpPr>
         <p:spPr/>
@@ -1758,7 +4268,7 @@
           <a:bodyPr/>
           <a:p>
             <a:r>
-              <a:rPr lang="en-CA"/>
+              <a:rPr lang="pt-BR"/>
               <a:t/>
             </a:r>
           </a:p>
@@ -1799,7 +4309,7 @@
         <p:spPr>
           <a:xfrm>
             <a:off x="504000" y="226080"/>
-            <a:ext cx="9071640" cy="946440"/>
+            <a:ext cx="9071280" cy="946080"/>
           </a:xfrm>
           <a:prstGeom prst="rect">
             <a:avLst/>
@@ -1839,7 +4349,7 @@
         <p:spPr>
           <a:xfrm>
             <a:off x="504000" y="1326600"/>
-            <a:ext cx="4426920" cy="1568160"/>
+            <a:ext cx="4426560" cy="1568160"/>
           </a:xfrm>
           <a:prstGeom prst="rect">
             <a:avLst/>
@@ -1881,8 +4391,8 @@
         </p:nvSpPr>
         <p:spPr>
           <a:xfrm>
-            <a:off x="5152680" y="1326600"/>
-            <a:ext cx="4426920" cy="3288240"/>
+            <a:off x="5152320" y="1326600"/>
+            <a:ext cx="4426560" cy="3287880"/>
           </a:xfrm>
           <a:prstGeom prst="rect">
             <a:avLst/>
@@ -1925,7 +4435,7 @@
         <p:spPr>
           <a:xfrm>
             <a:off x="504000" y="3044160"/>
-            <a:ext cx="4426920" cy="1568160"/>
+            <a:ext cx="4426560" cy="1568160"/>
           </a:xfrm>
           <a:prstGeom prst="rect">
             <a:avLst/>
@@ -1962,7 +4472,7 @@
             <a:spLocks noGrp="1"/>
           </p:cNvSpPr>
           <p:nvPr>
-            <p:ph type="ftr" idx="2"/>
+            <p:ph type="ftr" idx="1"/>
           </p:nvPr>
         </p:nvSpPr>
         <p:spPr/>
@@ -1982,14 +4492,14 @@
             <a:spLocks noGrp="1"/>
           </p:cNvSpPr>
           <p:nvPr>
-            <p:ph type="sldNum" idx="3"/>
+            <p:ph type="sldNum" idx="2"/>
           </p:nvPr>
         </p:nvSpPr>
         <p:spPr/>
         <p:txBody>
           <a:bodyPr/>
           <a:p>
-            <a:fld id="{FD40CFC1-A2A2-45AD-8BEC-E339B5479294}" type="slidenum">
+            <a:fld id="{BADBA66F-4FC4-42CF-812F-F1B0FA57D80F}" type="slidenum">
               <a:t>&lt;#&gt;</a:t>
             </a:fld>
           </a:p>
@@ -2002,7 +4512,7 @@
             <a:spLocks noGrp="1"/>
           </p:cNvSpPr>
           <p:nvPr>
-            <p:ph type="dt" idx="1"/>
+            <p:ph type="dt" idx="3"/>
           </p:nvPr>
         </p:nvSpPr>
         <p:spPr/>
@@ -2010,7 +4520,7 @@
           <a:bodyPr/>
           <a:p>
             <a:r>
-              <a:rPr lang="en-CA"/>
+              <a:rPr lang="pt-BR"/>
               <a:t/>
             </a:r>
           </a:p>
@@ -2051,7 +4561,7 @@
         <p:spPr>
           <a:xfrm>
             <a:off x="504000" y="226080"/>
-            <a:ext cx="9071640" cy="946440"/>
+            <a:ext cx="9071280" cy="946080"/>
           </a:xfrm>
           <a:prstGeom prst="rect">
             <a:avLst/>
@@ -2091,7 +4601,7 @@
         <p:spPr>
           <a:xfrm>
             <a:off x="504000" y="1326600"/>
-            <a:ext cx="4426920" cy="3288240"/>
+            <a:ext cx="4426560" cy="3287880"/>
           </a:xfrm>
           <a:prstGeom prst="rect">
             <a:avLst/>
@@ -2133,8 +4643,8 @@
         </p:nvSpPr>
         <p:spPr>
           <a:xfrm>
-            <a:off x="5152680" y="1326600"/>
-            <a:ext cx="4426920" cy="1568160"/>
+            <a:off x="5152320" y="1326600"/>
+            <a:ext cx="4426560" cy="1568160"/>
           </a:xfrm>
           <a:prstGeom prst="rect">
             <a:avLst/>
@@ -2176,8 +4686,8 @@
         </p:nvSpPr>
         <p:spPr>
           <a:xfrm>
-            <a:off x="5152680" y="3044160"/>
-            <a:ext cx="4426920" cy="1568160"/>
+            <a:off x="5152320" y="3044160"/>
+            <a:ext cx="4426560" cy="1568160"/>
           </a:xfrm>
           <a:prstGeom prst="rect">
             <a:avLst/>
@@ -2214,7 +4724,7 @@
             <a:spLocks noGrp="1"/>
           </p:cNvSpPr>
           <p:nvPr>
-            <p:ph type="ftr" idx="2"/>
+            <p:ph type="ftr" idx="1"/>
           </p:nvPr>
         </p:nvSpPr>
         <p:spPr/>
@@ -2234,14 +4744,14 @@
             <a:spLocks noGrp="1"/>
           </p:cNvSpPr>
           <p:nvPr>
-            <p:ph type="sldNum" idx="3"/>
+            <p:ph type="sldNum" idx="2"/>
           </p:nvPr>
         </p:nvSpPr>
         <p:spPr/>
         <p:txBody>
           <a:bodyPr/>
           <a:p>
-            <a:fld id="{7DEC6876-B986-486C-8A7A-71CDAF7527AE}" type="slidenum">
+            <a:fld id="{14E2CEED-903F-4358-A74E-4B190F6F0AF8}" type="slidenum">
               <a:t>&lt;#&gt;</a:t>
             </a:fld>
           </a:p>
@@ -2254,7 +4764,7 @@
             <a:spLocks noGrp="1"/>
           </p:cNvSpPr>
           <p:nvPr>
-            <p:ph type="dt" idx="1"/>
+            <p:ph type="dt" idx="3"/>
           </p:nvPr>
         </p:nvSpPr>
         <p:spPr/>
@@ -2262,7 +4772,7 @@
           <a:bodyPr/>
           <a:p>
             <a:r>
-              <a:rPr lang="en-CA"/>
+              <a:rPr lang="pt-BR"/>
               <a:t/>
             </a:r>
           </a:p>
@@ -2303,7 +4813,7 @@
         <p:spPr>
           <a:xfrm>
             <a:off x="504000" y="226080"/>
-            <a:ext cx="9071640" cy="946440"/>
+            <a:ext cx="9071280" cy="946080"/>
           </a:xfrm>
           <a:prstGeom prst="rect">
             <a:avLst/>
@@ -2343,7 +4853,7 @@
         <p:spPr>
           <a:xfrm>
             <a:off x="504000" y="1326600"/>
-            <a:ext cx="4426920" cy="1568160"/>
+            <a:ext cx="4426560" cy="1568160"/>
           </a:xfrm>
           <a:prstGeom prst="rect">
             <a:avLst/>
@@ -2385,8 +4895,8 @@
         </p:nvSpPr>
         <p:spPr>
           <a:xfrm>
-            <a:off x="5152680" y="1326600"/>
-            <a:ext cx="4426920" cy="1568160"/>
+            <a:off x="5152320" y="1326600"/>
+            <a:ext cx="4426560" cy="1568160"/>
           </a:xfrm>
           <a:prstGeom prst="rect">
             <a:avLst/>
@@ -2429,7 +4939,7 @@
         <p:spPr>
           <a:xfrm>
             <a:off x="504000" y="3044160"/>
-            <a:ext cx="9071640" cy="1568160"/>
+            <a:ext cx="9071280" cy="1568160"/>
           </a:xfrm>
           <a:prstGeom prst="rect">
             <a:avLst/>
@@ -2466,7 +4976,7 @@
             <a:spLocks noGrp="1"/>
           </p:cNvSpPr>
           <p:nvPr>
-            <p:ph type="ftr" idx="2"/>
+            <p:ph type="ftr" idx="1"/>
           </p:nvPr>
         </p:nvSpPr>
         <p:spPr/>
@@ -2486,14 +4996,14 @@
             <a:spLocks noGrp="1"/>
           </p:cNvSpPr>
           <p:nvPr>
-            <p:ph type="sldNum" idx="3"/>
+            <p:ph type="sldNum" idx="2"/>
           </p:nvPr>
         </p:nvSpPr>
         <p:spPr/>
         <p:txBody>
           <a:bodyPr/>
           <a:p>
-            <a:fld id="{586206B5-1181-4246-AAEB-54C6FAE4D908}" type="slidenum">
+            <a:fld id="{45D9103B-4536-47A5-8527-A969CC48F180}" type="slidenum">
               <a:t>&lt;#&gt;</a:t>
             </a:fld>
           </a:p>
@@ -2506,7 +5016,7 @@
             <a:spLocks noGrp="1"/>
           </p:cNvSpPr>
           <p:nvPr>
-            <p:ph type="dt" idx="1"/>
+            <p:ph type="dt" idx="3"/>
           </p:nvPr>
         </p:nvSpPr>
         <p:spPr/>
@@ -2514,7 +5024,7 @@
           <a:bodyPr/>
           <a:p>
             <a:r>
-              <a:rPr lang="en-CA"/>
+              <a:rPr lang="pt-BR"/>
               <a:t/>
             </a:r>
           </a:p>
@@ -2555,7 +5065,7 @@
         <p:spPr>
           <a:xfrm>
             <a:off x="504000" y="226080"/>
-            <a:ext cx="9071640" cy="946440"/>
+            <a:ext cx="9071280" cy="946080"/>
           </a:xfrm>
           <a:prstGeom prst="rect">
             <a:avLst/>
@@ -2570,11 +5080,11 @@
             <a:noAutofit/>
           </a:bodyPr>
           <a:p>
-            <a:pPr indent="0" algn="ctr">
-              <a:buNone/>
-            </a:pPr>
-            <a:r>
-              <a:rPr b="0" lang="en-CA" sz="4400" spc="-1" strike="noStrike">
+            <a:pPr indent="0">
+              <a:buNone/>
+            </a:pPr>
+            <a:r>
+              <a:rPr b="0" lang="en-CA" sz="1800" spc="-1" strike="noStrike">
                 <a:solidFill>
                   <a:srgbClr val="000000"/>
                 </a:solidFill>
@@ -2582,7 +5092,7 @@
               </a:rPr>
               <a:t>Click to edit the title text format</a:t>
             </a:r>
-            <a:endParaRPr b="0" lang="en-CA" sz="4400" spc="-1" strike="noStrike">
+            <a:endParaRPr b="0" lang="en-CA" sz="1800" spc="-1" strike="noStrike">
               <a:solidFill>
                 <a:srgbClr val="000000"/>
               </a:solidFill>
@@ -2598,238 +5108,13 @@
             <a:spLocks noGrp="1"/>
           </p:cNvSpPr>
           <p:nvPr>
-            <p:ph type="body"/>
-          </p:nvPr>
-        </p:nvSpPr>
-        <p:spPr>
-          <a:xfrm>
-            <a:off x="504000" y="1326600"/>
-            <a:ext cx="9071640" cy="3288240"/>
-          </a:xfrm>
-          <a:prstGeom prst="rect">
-            <a:avLst/>
-          </a:prstGeom>
-          <a:noFill/>
-          <a:ln w="0">
-            <a:noFill/>
-          </a:ln>
-        </p:spPr>
-        <p:txBody>
-          <a:bodyPr lIns="0" rIns="0" tIns="0" bIns="0" anchor="t">
-            <a:normAutofit/>
-          </a:bodyPr>
-          <a:p>
-            <a:pPr marL="432000" indent="-324000">
-              <a:spcBef>
-                <a:spcPts val="1417"/>
-              </a:spcBef>
-              <a:buClr>
-                <a:srgbClr val="000000"/>
-              </a:buClr>
-              <a:buSzPct val="45000"/>
-              <a:buFont typeface="Wingdings" charset="2"/>
-              <a:buChar char=""/>
-            </a:pPr>
-            <a:r>
-              <a:rPr b="0" lang="en-CA" sz="3200" spc="-1" strike="noStrike">
-                <a:solidFill>
-                  <a:srgbClr val="000000"/>
-                </a:solidFill>
-                <a:latin typeface="Arial"/>
-              </a:rPr>
-              <a:t>Click to edit the outline text format</a:t>
-            </a:r>
-            <a:endParaRPr b="0" lang="en-CA" sz="3200" spc="-1" strike="noStrike">
-              <a:solidFill>
-                <a:srgbClr val="000000"/>
-              </a:solidFill>
-              <a:latin typeface="Arial"/>
-            </a:endParaRPr>
-          </a:p>
-          <a:p>
-            <a:pPr lvl="1" marL="864000" indent="-324000">
-              <a:spcBef>
-                <a:spcPts val="1134"/>
-              </a:spcBef>
-              <a:buClr>
-                <a:srgbClr val="000000"/>
-              </a:buClr>
-              <a:buSzPct val="75000"/>
-              <a:buFont typeface="Symbol" charset="2"/>
-              <a:buChar char=""/>
-            </a:pPr>
-            <a:r>
-              <a:rPr b="0" lang="en-CA" sz="2800" spc="-1" strike="noStrike">
-                <a:solidFill>
-                  <a:srgbClr val="000000"/>
-                </a:solidFill>
-                <a:latin typeface="Arial"/>
-              </a:rPr>
-              <a:t>Second Outline Level</a:t>
-            </a:r>
-            <a:endParaRPr b="0" lang="en-CA" sz="2800" spc="-1" strike="noStrike">
-              <a:solidFill>
-                <a:srgbClr val="000000"/>
-              </a:solidFill>
-              <a:latin typeface="Arial"/>
-            </a:endParaRPr>
-          </a:p>
-          <a:p>
-            <a:pPr lvl="2" marL="1296000" indent="-288000">
-              <a:spcBef>
-                <a:spcPts val="850"/>
-              </a:spcBef>
-              <a:buClr>
-                <a:srgbClr val="000000"/>
-              </a:buClr>
-              <a:buSzPct val="45000"/>
-              <a:buFont typeface="Wingdings" charset="2"/>
-              <a:buChar char=""/>
-            </a:pPr>
-            <a:r>
-              <a:rPr b="0" lang="en-CA" sz="2400" spc="-1" strike="noStrike">
-                <a:solidFill>
-                  <a:srgbClr val="000000"/>
-                </a:solidFill>
-                <a:latin typeface="Arial"/>
-              </a:rPr>
-              <a:t>Third Outline Level</a:t>
-            </a:r>
-            <a:endParaRPr b="0" lang="en-CA" sz="2400" spc="-1" strike="noStrike">
-              <a:solidFill>
-                <a:srgbClr val="000000"/>
-              </a:solidFill>
-              <a:latin typeface="Arial"/>
-            </a:endParaRPr>
-          </a:p>
-          <a:p>
-            <a:pPr lvl="3" marL="1728000" indent="-216000">
-              <a:spcBef>
-                <a:spcPts val="567"/>
-              </a:spcBef>
-              <a:buClr>
-                <a:srgbClr val="000000"/>
-              </a:buClr>
-              <a:buSzPct val="75000"/>
-              <a:buFont typeface="Symbol" charset="2"/>
-              <a:buChar char=""/>
-            </a:pPr>
-            <a:r>
-              <a:rPr b="0" lang="en-CA" sz="2000" spc="-1" strike="noStrike">
-                <a:solidFill>
-                  <a:srgbClr val="000000"/>
-                </a:solidFill>
-                <a:latin typeface="Arial"/>
-              </a:rPr>
-              <a:t>Fourth Outline Level</a:t>
-            </a:r>
-            <a:endParaRPr b="0" lang="en-CA" sz="2000" spc="-1" strike="noStrike">
-              <a:solidFill>
-                <a:srgbClr val="000000"/>
-              </a:solidFill>
-              <a:latin typeface="Arial"/>
-            </a:endParaRPr>
-          </a:p>
-          <a:p>
-            <a:pPr lvl="4" marL="2160000" indent="-216000">
-              <a:spcBef>
-                <a:spcPts val="283"/>
-              </a:spcBef>
-              <a:buClr>
-                <a:srgbClr val="000000"/>
-              </a:buClr>
-              <a:buSzPct val="45000"/>
-              <a:buFont typeface="Wingdings" charset="2"/>
-              <a:buChar char=""/>
-            </a:pPr>
-            <a:r>
-              <a:rPr b="0" lang="en-CA" sz="2000" spc="-1" strike="noStrike">
-                <a:solidFill>
-                  <a:srgbClr val="000000"/>
-                </a:solidFill>
-                <a:latin typeface="Arial"/>
-              </a:rPr>
-              <a:t>Fifth Outline Level</a:t>
-            </a:r>
-            <a:endParaRPr b="0" lang="en-CA" sz="2000" spc="-1" strike="noStrike">
-              <a:solidFill>
-                <a:srgbClr val="000000"/>
-              </a:solidFill>
-              <a:latin typeface="Arial"/>
-            </a:endParaRPr>
-          </a:p>
-          <a:p>
-            <a:pPr lvl="5" marL="2592000" indent="-216000">
-              <a:spcBef>
-                <a:spcPts val="283"/>
-              </a:spcBef>
-              <a:buClr>
-                <a:srgbClr val="000000"/>
-              </a:buClr>
-              <a:buSzPct val="45000"/>
-              <a:buFont typeface="Wingdings" charset="2"/>
-              <a:buChar char=""/>
-            </a:pPr>
-            <a:r>
-              <a:rPr b="0" lang="en-CA" sz="2000" spc="-1" strike="noStrike">
-                <a:solidFill>
-                  <a:srgbClr val="000000"/>
-                </a:solidFill>
-                <a:latin typeface="Arial"/>
-              </a:rPr>
-              <a:t>Sixth Outline Level</a:t>
-            </a:r>
-            <a:endParaRPr b="0" lang="en-CA" sz="2000" spc="-1" strike="noStrike">
-              <a:solidFill>
-                <a:srgbClr val="000000"/>
-              </a:solidFill>
-              <a:latin typeface="Arial"/>
-            </a:endParaRPr>
-          </a:p>
-          <a:p>
-            <a:pPr lvl="6" marL="3024000" indent="-216000">
-              <a:spcBef>
-                <a:spcPts val="283"/>
-              </a:spcBef>
-              <a:buClr>
-                <a:srgbClr val="000000"/>
-              </a:buClr>
-              <a:buSzPct val="45000"/>
-              <a:buFont typeface="Wingdings" charset="2"/>
-              <a:buChar char=""/>
-            </a:pPr>
-            <a:r>
-              <a:rPr b="0" lang="en-CA" sz="2000" spc="-1" strike="noStrike">
-                <a:solidFill>
-                  <a:srgbClr val="000000"/>
-                </a:solidFill>
-                <a:latin typeface="Arial"/>
-              </a:rPr>
-              <a:t>Seventh Outline Level</a:t>
-            </a:r>
-            <a:endParaRPr b="0" lang="en-CA" sz="2000" spc="-1" strike="noStrike">
-              <a:solidFill>
-                <a:srgbClr val="000000"/>
-              </a:solidFill>
-              <a:latin typeface="Arial"/>
-            </a:endParaRPr>
-          </a:p>
-        </p:txBody>
-      </p:sp>
-      <p:sp>
-        <p:nvSpPr>
-          <p:cNvPr id="2" name="PlaceHolder 3"/>
-          <p:cNvSpPr>
-            <a:spLocks noGrp="1"/>
-          </p:cNvSpPr>
-          <p:nvPr>
-            <p:ph type="dt" idx="1"/>
-          </p:nvPr>
-        </p:nvSpPr>
-        <p:spPr>
-          <a:xfrm>
-            <a:off x="504000" y="5165280"/>
-            <a:ext cx="2348280" cy="390600"/>
+            <p:ph type="ftr" idx="1"/>
+          </p:nvPr>
+        </p:nvSpPr>
+        <p:spPr>
+          <a:xfrm>
+            <a:off x="3447360" y="5165280"/>
+            <a:ext cx="3194640" cy="390240"/>
           </a:xfrm>
           <a:prstGeom prst="rect">
             <a:avLst/>
@@ -2844,8 +5129,14 @@
             <a:noAutofit/>
           </a:bodyPr>
           <a:lstStyle>
-            <a:lvl1pPr indent="0">
-              <a:buNone/>
+            <a:lvl1pPr indent="0" algn="ctr">
+              <a:lnSpc>
+                <a:spcPct val="100000"/>
+              </a:lnSpc>
+              <a:buNone/>
+              <a:tabLst>
+                <a:tab algn="l" pos="0"/>
+              </a:tabLst>
               <a:defRPr b="0" lang="en-CA" sz="1400" spc="-1" strike="noStrike">
                 <a:solidFill>
                   <a:srgbClr val="000000"/>
@@ -2855,8 +5146,14 @@
             </a:lvl1pPr>
           </a:lstStyle>
           <a:p>
-            <a:pPr indent="0">
-              <a:buNone/>
+            <a:pPr indent="0" algn="ctr">
+              <a:lnSpc>
+                <a:spcPct val="100000"/>
+              </a:lnSpc>
+              <a:buNone/>
+              <a:tabLst>
+                <a:tab algn="l" pos="0"/>
+              </a:tabLst>
             </a:pPr>
             <a:r>
               <a:rPr b="0" lang="en-CA" sz="1400" spc="-1" strike="noStrike">
@@ -2865,7 +5162,7 @@
                 </a:solidFill>
                 <a:latin typeface="Times New Roman"/>
               </a:rPr>
-              <a:t>&lt;date/time&gt;</a:t>
+              <a:t>&lt;footer&gt;</a:t>
             </a:r>
             <a:endParaRPr b="0" lang="en-CA" sz="1400" spc="-1" strike="noStrike">
               <a:solidFill>
@@ -2878,18 +5175,18 @@
       </p:sp>
       <p:sp>
         <p:nvSpPr>
-          <p:cNvPr id="3" name="PlaceHolder 4"/>
-          <p:cNvSpPr>
-            <a:spLocks noGrp="1"/>
-          </p:cNvSpPr>
-          <p:nvPr>
-            <p:ph type="ftr" idx="2"/>
-          </p:nvPr>
-        </p:nvSpPr>
-        <p:spPr>
-          <a:xfrm>
-            <a:off x="3447360" y="5165280"/>
-            <a:ext cx="3195000" cy="390600"/>
+          <p:cNvPr id="2" name="PlaceHolder 3"/>
+          <p:cNvSpPr>
+            <a:spLocks noGrp="1"/>
+          </p:cNvSpPr>
+          <p:nvPr>
+            <p:ph type="sldNum" idx="2"/>
+          </p:nvPr>
+        </p:nvSpPr>
+        <p:spPr>
+          <a:xfrm>
+            <a:off x="7227360" y="5165280"/>
+            <a:ext cx="2347920" cy="390240"/>
           </a:xfrm>
           <a:prstGeom prst="rect">
             <a:avLst/>
@@ -2904,8 +5201,14 @@
             <a:noAutofit/>
           </a:bodyPr>
           <a:lstStyle>
-            <a:lvl1pPr indent="0" algn="ctr">
-              <a:buNone/>
+            <a:lvl1pPr indent="0" algn="r">
+              <a:lnSpc>
+                <a:spcPct val="100000"/>
+              </a:lnSpc>
+              <a:buNone/>
+              <a:tabLst>
+                <a:tab algn="l" pos="0"/>
+              </a:tabLst>
               <a:defRPr b="0" lang="en-CA" sz="1400" spc="-1" strike="noStrike">
                 <a:solidFill>
                   <a:srgbClr val="000000"/>
@@ -2915,70 +5218,16 @@
             </a:lvl1pPr>
           </a:lstStyle>
           <a:p>
-            <a:pPr indent="0" algn="ctr">
-              <a:buNone/>
-            </a:pPr>
-            <a:r>
-              <a:rPr b="0" lang="en-CA" sz="1400" spc="-1" strike="noStrike">
-                <a:solidFill>
-                  <a:srgbClr val="000000"/>
-                </a:solidFill>
-                <a:latin typeface="Times New Roman"/>
-              </a:rPr>
-              <a:t>&lt;footer&gt;</a:t>
-            </a:r>
-            <a:endParaRPr b="0" lang="en-CA" sz="1400" spc="-1" strike="noStrike">
-              <a:solidFill>
-                <a:srgbClr val="000000"/>
-              </a:solidFill>
-              <a:latin typeface="Times New Roman"/>
-            </a:endParaRPr>
-          </a:p>
-        </p:txBody>
-      </p:sp>
-      <p:sp>
-        <p:nvSpPr>
-          <p:cNvPr id="4" name="PlaceHolder 5"/>
-          <p:cNvSpPr>
-            <a:spLocks noGrp="1"/>
-          </p:cNvSpPr>
-          <p:nvPr>
-            <p:ph type="sldNum" idx="3"/>
-          </p:nvPr>
-        </p:nvSpPr>
-        <p:spPr>
-          <a:xfrm>
-            <a:off x="7227360" y="5165280"/>
-            <a:ext cx="2348280" cy="390600"/>
-          </a:xfrm>
-          <a:prstGeom prst="rect">
-            <a:avLst/>
-          </a:prstGeom>
-          <a:noFill/>
-          <a:ln w="0">
-            <a:noFill/>
-          </a:ln>
-        </p:spPr>
-        <p:txBody>
-          <a:bodyPr lIns="0" rIns="0" tIns="0" bIns="0" anchor="t">
-            <a:noAutofit/>
-          </a:bodyPr>
-          <a:lstStyle>
-            <a:lvl1pPr indent="0" algn="r">
-              <a:buNone/>
-              <a:defRPr b="0" lang="en-CA" sz="1400" spc="-1" strike="noStrike">
-                <a:solidFill>
-                  <a:srgbClr val="000000"/>
-                </a:solidFill>
-                <a:latin typeface="Times New Roman"/>
-              </a:defRPr>
-            </a:lvl1pPr>
-          </a:lstStyle>
-          <a:p>
             <a:pPr indent="0" algn="r">
-              <a:buNone/>
-            </a:pPr>
-            <a:fld id="{517A9D37-BB6A-4FC5-8A2C-FBF93A47DB61}" type="slidenum">
+              <a:lnSpc>
+                <a:spcPct val="100000"/>
+              </a:lnSpc>
+              <a:buNone/>
+              <a:tabLst>
+                <a:tab algn="l" pos="0"/>
+              </a:tabLst>
+            </a:pPr>
+            <a:fld id="{B9074A8C-2DEB-4C89-B90C-D20F364C62AB}" type="slidenum">
               <a:rPr b="0" lang="en-CA" sz="1400" spc="-1" strike="noStrike">
                 <a:solidFill>
                   <a:srgbClr val="000000"/>
@@ -2992,6 +5241,291 @@
                 <a:srgbClr val="000000"/>
               </a:solidFill>
               <a:latin typeface="Times New Roman"/>
+            </a:endParaRPr>
+          </a:p>
+        </p:txBody>
+      </p:sp>
+      <p:sp>
+        <p:nvSpPr>
+          <p:cNvPr id="3" name="PlaceHolder 4"/>
+          <p:cNvSpPr>
+            <a:spLocks noGrp="1"/>
+          </p:cNvSpPr>
+          <p:nvPr>
+            <p:ph type="dt" idx="3"/>
+          </p:nvPr>
+        </p:nvSpPr>
+        <p:spPr>
+          <a:xfrm>
+            <a:off x="504000" y="5165280"/>
+            <a:ext cx="2347920" cy="390240"/>
+          </a:xfrm>
+          <a:prstGeom prst="rect">
+            <a:avLst/>
+          </a:prstGeom>
+          <a:noFill/>
+          <a:ln w="0">
+            <a:noFill/>
+          </a:ln>
+        </p:spPr>
+        <p:txBody>
+          <a:bodyPr lIns="0" rIns="0" tIns="0" bIns="0" anchor="t">
+            <a:noAutofit/>
+          </a:bodyPr>
+          <a:lstStyle>
+            <a:lvl1pPr indent="0">
+              <a:buNone/>
+              <a:defRPr b="0" lang="en-CA" sz="1400" spc="-1" strike="noStrike">
+                <a:solidFill>
+                  <a:srgbClr val="000000"/>
+                </a:solidFill>
+                <a:latin typeface="Times New Roman"/>
+              </a:defRPr>
+            </a:lvl1pPr>
+          </a:lstStyle>
+          <a:p>
+            <a:pPr indent="0">
+              <a:buNone/>
+            </a:pPr>
+            <a:r>
+              <a:rPr b="0" lang="en-CA" sz="1400" spc="-1" strike="noStrike">
+                <a:solidFill>
+                  <a:srgbClr val="000000"/>
+                </a:solidFill>
+                <a:latin typeface="Times New Roman"/>
+              </a:rPr>
+              <a:t>&lt;date/time&gt;</a:t>
+            </a:r>
+            <a:endParaRPr b="0" lang="en-CA" sz="1400" spc="-1" strike="noStrike">
+              <a:solidFill>
+                <a:srgbClr val="000000"/>
+              </a:solidFill>
+              <a:latin typeface="Times New Roman"/>
+            </a:endParaRPr>
+          </a:p>
+        </p:txBody>
+      </p:sp>
+      <p:sp>
+        <p:nvSpPr>
+          <p:cNvPr id="4" name="PlaceHolder 5"/>
+          <p:cNvSpPr>
+            <a:spLocks noGrp="1"/>
+          </p:cNvSpPr>
+          <p:nvPr>
+            <p:ph type="body"/>
+          </p:nvPr>
+        </p:nvSpPr>
+        <p:spPr>
+          <a:xfrm>
+            <a:off x="504000" y="1326600"/>
+            <a:ext cx="9072000" cy="3288600"/>
+          </a:xfrm>
+          <a:prstGeom prst="rect">
+            <a:avLst/>
+          </a:prstGeom>
+          <a:noFill/>
+          <a:ln w="0">
+            <a:noFill/>
+          </a:ln>
+        </p:spPr>
+        <p:txBody>
+          <a:bodyPr lIns="0" rIns="0" tIns="0" bIns="0" anchor="t">
+            <a:normAutofit/>
+          </a:bodyPr>
+          <a:p>
+            <a:pPr marL="432000" indent="-324000">
+              <a:spcBef>
+                <a:spcPts val="1417"/>
+              </a:spcBef>
+              <a:buClr>
+                <a:srgbClr val="000000"/>
+              </a:buClr>
+              <a:buSzPct val="45000"/>
+              <a:buFont typeface="Wingdings" charset="2"/>
+              <a:buChar char=""/>
+            </a:pPr>
+            <a:r>
+              <a:rPr b="0" lang="en-CA" sz="3200" spc="-1" strike="noStrike">
+                <a:solidFill>
+                  <a:srgbClr val="000000"/>
+                </a:solidFill>
+                <a:latin typeface="Arial"/>
+              </a:rPr>
+              <a:t>Click to edit the outline text format</a:t>
+            </a:r>
+            <a:endParaRPr b="0" lang="en-CA" sz="3200" spc="-1" strike="noStrike">
+              <a:solidFill>
+                <a:srgbClr val="000000"/>
+              </a:solidFill>
+              <a:latin typeface="Arial"/>
+            </a:endParaRPr>
+          </a:p>
+          <a:p>
+            <a:pPr lvl="1" marL="864000" indent="-324000">
+              <a:spcBef>
+                <a:spcPts val="1134"/>
+              </a:spcBef>
+              <a:buClr>
+                <a:srgbClr val="000000"/>
+              </a:buClr>
+              <a:buSzPct val="75000"/>
+              <a:buFont typeface="Symbol" charset="2"/>
+              <a:buChar char=""/>
+            </a:pPr>
+            <a:r>
+              <a:rPr b="0" lang="en-CA" sz="2800" spc="-1" strike="noStrike">
+                <a:solidFill>
+                  <a:srgbClr val="000000"/>
+                </a:solidFill>
+                <a:latin typeface="Arial"/>
+              </a:rPr>
+              <a:t>Second Outline Level</a:t>
+            </a:r>
+            <a:endParaRPr b="0" lang="en-CA" sz="2800" spc="-1" strike="noStrike">
+              <a:solidFill>
+                <a:srgbClr val="000000"/>
+              </a:solidFill>
+              <a:latin typeface="Arial"/>
+            </a:endParaRPr>
+          </a:p>
+          <a:p>
+            <a:pPr lvl="2" marL="1296000" indent="-288000">
+              <a:spcBef>
+                <a:spcPts val="850"/>
+              </a:spcBef>
+              <a:buClr>
+                <a:srgbClr val="000000"/>
+              </a:buClr>
+              <a:buSzPct val="45000"/>
+              <a:buFont typeface="Wingdings" charset="2"/>
+              <a:buChar char=""/>
+            </a:pPr>
+            <a:r>
+              <a:rPr b="0" lang="en-CA" sz="2400" spc="-1" strike="noStrike">
+                <a:solidFill>
+                  <a:srgbClr val="000000"/>
+                </a:solidFill>
+                <a:latin typeface="Arial"/>
+              </a:rPr>
+              <a:t>Third Outline Level</a:t>
+            </a:r>
+            <a:endParaRPr b="0" lang="en-CA" sz="2400" spc="-1" strike="noStrike">
+              <a:solidFill>
+                <a:srgbClr val="000000"/>
+              </a:solidFill>
+              <a:latin typeface="Arial"/>
+            </a:endParaRPr>
+          </a:p>
+          <a:p>
+            <a:pPr lvl="3" marL="1728000" indent="-216000">
+              <a:spcBef>
+                <a:spcPts val="567"/>
+              </a:spcBef>
+              <a:buClr>
+                <a:srgbClr val="000000"/>
+              </a:buClr>
+              <a:buSzPct val="75000"/>
+              <a:buFont typeface="Symbol" charset="2"/>
+              <a:buChar char=""/>
+            </a:pPr>
+            <a:r>
+              <a:rPr b="0" lang="en-CA" sz="2000" spc="-1" strike="noStrike">
+                <a:solidFill>
+                  <a:srgbClr val="000000"/>
+                </a:solidFill>
+                <a:latin typeface="Arial"/>
+              </a:rPr>
+              <a:t>Fourth Outline Level</a:t>
+            </a:r>
+            <a:endParaRPr b="0" lang="en-CA" sz="2000" spc="-1" strike="noStrike">
+              <a:solidFill>
+                <a:srgbClr val="000000"/>
+              </a:solidFill>
+              <a:latin typeface="Arial"/>
+            </a:endParaRPr>
+          </a:p>
+          <a:p>
+            <a:pPr lvl="4" marL="2160000" indent="-216000">
+              <a:spcBef>
+                <a:spcPts val="283"/>
+              </a:spcBef>
+              <a:buClr>
+                <a:srgbClr val="000000"/>
+              </a:buClr>
+              <a:buSzPct val="45000"/>
+              <a:buFont typeface="Wingdings" charset="2"/>
+              <a:buChar char=""/>
+            </a:pPr>
+            <a:r>
+              <a:rPr b="0" lang="en-CA" sz="2000" spc="-1" strike="noStrike">
+                <a:solidFill>
+                  <a:srgbClr val="000000"/>
+                </a:solidFill>
+                <a:latin typeface="Arial"/>
+              </a:rPr>
+              <a:t>Fifth Outline Level</a:t>
+            </a:r>
+            <a:endParaRPr b="0" lang="en-CA" sz="2000" spc="-1" strike="noStrike">
+              <a:solidFill>
+                <a:srgbClr val="000000"/>
+              </a:solidFill>
+              <a:latin typeface="Arial"/>
+            </a:endParaRPr>
+          </a:p>
+          <a:p>
+            <a:pPr lvl="5" marL="2592000" indent="-216000">
+              <a:spcBef>
+                <a:spcPts val="283"/>
+              </a:spcBef>
+              <a:buClr>
+                <a:srgbClr val="000000"/>
+              </a:buClr>
+              <a:buSzPct val="45000"/>
+              <a:buFont typeface="Wingdings" charset="2"/>
+              <a:buChar char=""/>
+            </a:pPr>
+            <a:r>
+              <a:rPr b="0" lang="en-CA" sz="2000" spc="-1" strike="noStrike">
+                <a:solidFill>
+                  <a:srgbClr val="000000"/>
+                </a:solidFill>
+                <a:latin typeface="Arial"/>
+              </a:rPr>
+              <a:t>Sixth Outline Level</a:t>
+            </a:r>
+            <a:endParaRPr b="0" lang="en-CA" sz="2000" spc="-1" strike="noStrike">
+              <a:solidFill>
+                <a:srgbClr val="000000"/>
+              </a:solidFill>
+              <a:latin typeface="Arial"/>
+            </a:endParaRPr>
+          </a:p>
+          <a:p>
+            <a:pPr lvl="6" marL="3024000" indent="-216000">
+              <a:spcBef>
+                <a:spcPts val="283"/>
+              </a:spcBef>
+              <a:buClr>
+                <a:srgbClr val="000000"/>
+              </a:buClr>
+              <a:buSzPct val="45000"/>
+              <a:buFont typeface="Wingdings" charset="2"/>
+              <a:buChar char=""/>
+            </a:pPr>
+            <a:r>
+              <a:rPr b="0" lang="en-CA" sz="2000" spc="-1" strike="noStrike">
+                <a:solidFill>
+                  <a:srgbClr val="000000"/>
+                </a:solidFill>
+                <a:latin typeface="Arial"/>
+              </a:rPr>
+              <a:t>Seventh Outline Level</a:t>
+            </a:r>
+            <a:endParaRPr b="0" lang="en-CA" sz="2000" spc="-1" strike="noStrike">
+              <a:solidFill>
+                <a:srgbClr val="000000"/>
+              </a:solidFill>
+              <a:latin typeface="Arial"/>
             </a:endParaRPr>
           </a:p>
         </p:txBody>
@@ -3012,6 +5546,521 @@
     <p:sldLayoutId id="2147483658" r:id="rId11"/>
     <p:sldLayoutId id="2147483659" r:id="rId12"/>
     <p:sldLayoutId id="2147483660" r:id="rId13"/>
+  </p:sldLayoutIdLst>
+</p:sldMaster>
+</file>
+
+<file path=ppt/slideMasters/slideMaster2.xml><?xml version="1.0" encoding="utf-8"?>
+<p:sldMaster xmlns:a="http://schemas.openxmlformats.org/drawingml/2006/main" xmlns:p="http://schemas.openxmlformats.org/presentationml/2006/main" xmlns:r="http://schemas.openxmlformats.org/officeDocument/2006/relationships" xmlns:p14="http://schemas.microsoft.com/office/powerpoint/2010/main" xmlns:p15="http://schemas.microsoft.com/office/powerpoint/2012/main" xmlns:mc="http://schemas.openxmlformats.org/markup-compatibility/2006">
+  <p:cSld>
+    <p:spTree>
+      <p:nvGrpSpPr>
+        <p:cNvPr id="1" name=""/>
+        <p:cNvGrpSpPr/>
+        <p:nvPr/>
+      </p:nvGrpSpPr>
+      <p:grpSpPr>
+        <a:xfrm>
+          <a:off x="0" y="0"/>
+          <a:ext cx="0" cy="0"/>
+          <a:chOff x="0" y="0"/>
+          <a:chExt cx="0" cy="0"/>
+        </a:xfrm>
+      </p:grpSpPr>
+      <p:sp>
+        <p:nvSpPr>
+          <p:cNvPr id="41" name="PlaceHolder 1"/>
+          <p:cNvSpPr>
+            <a:spLocks noGrp="1"/>
+          </p:cNvSpPr>
+          <p:nvPr>
+            <p:ph type="title"/>
+          </p:nvPr>
+        </p:nvSpPr>
+        <p:spPr>
+          <a:xfrm>
+            <a:off x="504000" y="226080"/>
+            <a:ext cx="9071280" cy="946080"/>
+          </a:xfrm>
+          <a:prstGeom prst="rect">
+            <a:avLst/>
+          </a:prstGeom>
+          <a:noFill/>
+          <a:ln w="0">
+            <a:noFill/>
+          </a:ln>
+        </p:spPr>
+        <p:txBody>
+          <a:bodyPr lIns="0" rIns="0" tIns="0" bIns="0" anchor="ctr">
+            <a:noAutofit/>
+          </a:bodyPr>
+          <a:p>
+            <a:pPr indent="0">
+              <a:buNone/>
+            </a:pPr>
+            <a:r>
+              <a:rPr b="0" lang="en-CA" sz="1800" spc="-1" strike="noStrike">
+                <a:solidFill>
+                  <a:srgbClr val="000000"/>
+                </a:solidFill>
+                <a:latin typeface="Arial"/>
+              </a:rPr>
+              <a:t>Click to edit the title text format</a:t>
+            </a:r>
+            <a:endParaRPr b="0" lang="en-CA" sz="1800" spc="-1" strike="noStrike">
+              <a:solidFill>
+                <a:srgbClr val="000000"/>
+              </a:solidFill>
+              <a:latin typeface="Arial"/>
+            </a:endParaRPr>
+          </a:p>
+        </p:txBody>
+      </p:sp>
+      <p:sp>
+        <p:nvSpPr>
+          <p:cNvPr id="42" name="PlaceHolder 2"/>
+          <p:cNvSpPr>
+            <a:spLocks noGrp="1"/>
+          </p:cNvSpPr>
+          <p:nvPr>
+            <p:ph type="body"/>
+          </p:nvPr>
+        </p:nvSpPr>
+        <p:spPr>
+          <a:xfrm>
+            <a:off x="504000" y="1326600"/>
+            <a:ext cx="9071280" cy="3287880"/>
+          </a:xfrm>
+          <a:prstGeom prst="rect">
+            <a:avLst/>
+          </a:prstGeom>
+          <a:noFill/>
+          <a:ln w="0">
+            <a:noFill/>
+          </a:ln>
+        </p:spPr>
+        <p:txBody>
+          <a:bodyPr lIns="0" rIns="0" tIns="0" bIns="0" anchor="t">
+            <a:normAutofit/>
+          </a:bodyPr>
+          <a:p>
+            <a:pPr marL="432000" indent="-324000">
+              <a:spcBef>
+                <a:spcPts val="1417"/>
+              </a:spcBef>
+              <a:buClr>
+                <a:srgbClr val="000000"/>
+              </a:buClr>
+              <a:buSzPct val="45000"/>
+              <a:buFont typeface="Wingdings" charset="2"/>
+              <a:buChar char=""/>
+            </a:pPr>
+            <a:r>
+              <a:rPr b="0" lang="en-CA" sz="1800" spc="-1" strike="noStrike">
+                <a:solidFill>
+                  <a:srgbClr val="000000"/>
+                </a:solidFill>
+                <a:latin typeface="Arial"/>
+              </a:rPr>
+              <a:t>Click to edit the outline text format</a:t>
+            </a:r>
+            <a:endParaRPr b="0" lang="en-CA" sz="1800" spc="-1" strike="noStrike">
+              <a:solidFill>
+                <a:srgbClr val="000000"/>
+              </a:solidFill>
+              <a:latin typeface="Arial"/>
+            </a:endParaRPr>
+          </a:p>
+          <a:p>
+            <a:pPr lvl="1" marL="864000" indent="-324000">
+              <a:spcBef>
+                <a:spcPts val="1134"/>
+              </a:spcBef>
+              <a:buClr>
+                <a:srgbClr val="000000"/>
+              </a:buClr>
+              <a:buSzPct val="75000"/>
+              <a:buFont typeface="Symbol" charset="2"/>
+              <a:buChar char=""/>
+            </a:pPr>
+            <a:r>
+              <a:rPr b="0" lang="en-CA" sz="1800" spc="-1" strike="noStrike">
+                <a:solidFill>
+                  <a:srgbClr val="000000"/>
+                </a:solidFill>
+                <a:latin typeface="Arial"/>
+              </a:rPr>
+              <a:t>Second Outline Level</a:t>
+            </a:r>
+            <a:endParaRPr b="0" lang="en-CA" sz="1800" spc="-1" strike="noStrike">
+              <a:solidFill>
+                <a:srgbClr val="000000"/>
+              </a:solidFill>
+              <a:latin typeface="Arial"/>
+            </a:endParaRPr>
+          </a:p>
+          <a:p>
+            <a:pPr lvl="2" marL="1296000" indent="-288000">
+              <a:spcBef>
+                <a:spcPts val="850"/>
+              </a:spcBef>
+              <a:buClr>
+                <a:srgbClr val="000000"/>
+              </a:buClr>
+              <a:buSzPct val="45000"/>
+              <a:buFont typeface="Wingdings" charset="2"/>
+              <a:buChar char=""/>
+            </a:pPr>
+            <a:r>
+              <a:rPr b="0" lang="en-CA" sz="1800" spc="-1" strike="noStrike">
+                <a:solidFill>
+                  <a:srgbClr val="000000"/>
+                </a:solidFill>
+                <a:latin typeface="Arial"/>
+              </a:rPr>
+              <a:t>Third Outline Level</a:t>
+            </a:r>
+            <a:endParaRPr b="0" lang="en-CA" sz="1800" spc="-1" strike="noStrike">
+              <a:solidFill>
+                <a:srgbClr val="000000"/>
+              </a:solidFill>
+              <a:latin typeface="Arial"/>
+            </a:endParaRPr>
+          </a:p>
+          <a:p>
+            <a:pPr lvl="3" marL="1728000" indent="-216000">
+              <a:spcBef>
+                <a:spcPts val="567"/>
+              </a:spcBef>
+              <a:buClr>
+                <a:srgbClr val="000000"/>
+              </a:buClr>
+              <a:buSzPct val="75000"/>
+              <a:buFont typeface="Symbol" charset="2"/>
+              <a:buChar char=""/>
+            </a:pPr>
+            <a:r>
+              <a:rPr b="0" lang="en-CA" sz="1800" spc="-1" strike="noStrike">
+                <a:solidFill>
+                  <a:srgbClr val="000000"/>
+                </a:solidFill>
+                <a:latin typeface="Arial"/>
+              </a:rPr>
+              <a:t>Fourth Outline Level</a:t>
+            </a:r>
+            <a:endParaRPr b="0" lang="en-CA" sz="1800" spc="-1" strike="noStrike">
+              <a:solidFill>
+                <a:srgbClr val="000000"/>
+              </a:solidFill>
+              <a:latin typeface="Arial"/>
+            </a:endParaRPr>
+          </a:p>
+          <a:p>
+            <a:pPr lvl="4" marL="2160000" indent="-216000">
+              <a:spcBef>
+                <a:spcPts val="283"/>
+              </a:spcBef>
+              <a:buClr>
+                <a:srgbClr val="000000"/>
+              </a:buClr>
+              <a:buSzPct val="45000"/>
+              <a:buFont typeface="Wingdings" charset="2"/>
+              <a:buChar char=""/>
+            </a:pPr>
+            <a:r>
+              <a:rPr b="0" lang="en-CA" sz="1800" spc="-1" strike="noStrike">
+                <a:solidFill>
+                  <a:srgbClr val="000000"/>
+                </a:solidFill>
+                <a:latin typeface="Arial"/>
+              </a:rPr>
+              <a:t>Fifth Outline Level</a:t>
+            </a:r>
+            <a:endParaRPr b="0" lang="en-CA" sz="1800" spc="-1" strike="noStrike">
+              <a:solidFill>
+                <a:srgbClr val="000000"/>
+              </a:solidFill>
+              <a:latin typeface="Arial"/>
+            </a:endParaRPr>
+          </a:p>
+          <a:p>
+            <a:pPr lvl="5" marL="2592000" indent="-216000">
+              <a:spcBef>
+                <a:spcPts val="283"/>
+              </a:spcBef>
+              <a:buClr>
+                <a:srgbClr val="000000"/>
+              </a:buClr>
+              <a:buSzPct val="45000"/>
+              <a:buFont typeface="Wingdings" charset="2"/>
+              <a:buChar char=""/>
+            </a:pPr>
+            <a:r>
+              <a:rPr b="0" lang="en-CA" sz="1800" spc="-1" strike="noStrike">
+                <a:solidFill>
+                  <a:srgbClr val="000000"/>
+                </a:solidFill>
+                <a:latin typeface="Arial"/>
+              </a:rPr>
+              <a:t>Sixth Outline Level</a:t>
+            </a:r>
+            <a:endParaRPr b="0" lang="en-CA" sz="1800" spc="-1" strike="noStrike">
+              <a:solidFill>
+                <a:srgbClr val="000000"/>
+              </a:solidFill>
+              <a:latin typeface="Arial"/>
+            </a:endParaRPr>
+          </a:p>
+          <a:p>
+            <a:pPr lvl="6" marL="3024000" indent="-216000">
+              <a:spcBef>
+                <a:spcPts val="283"/>
+              </a:spcBef>
+              <a:buClr>
+                <a:srgbClr val="000000"/>
+              </a:buClr>
+              <a:buSzPct val="45000"/>
+              <a:buFont typeface="Wingdings" charset="2"/>
+              <a:buChar char=""/>
+            </a:pPr>
+            <a:r>
+              <a:rPr b="0" lang="en-CA" sz="1800" spc="-1" strike="noStrike">
+                <a:solidFill>
+                  <a:srgbClr val="000000"/>
+                </a:solidFill>
+                <a:latin typeface="Arial"/>
+              </a:rPr>
+              <a:t>Seventh Outline Level</a:t>
+            </a:r>
+            <a:endParaRPr b="0" lang="en-CA" sz="1800" spc="-1" strike="noStrike">
+              <a:solidFill>
+                <a:srgbClr val="000000"/>
+              </a:solidFill>
+              <a:latin typeface="Arial"/>
+            </a:endParaRPr>
+          </a:p>
+        </p:txBody>
+      </p:sp>
+      <p:sp>
+        <p:nvSpPr>
+          <p:cNvPr id="43" name="PlaceHolder 3"/>
+          <p:cNvSpPr>
+            <a:spLocks noGrp="1"/>
+          </p:cNvSpPr>
+          <p:nvPr>
+            <p:ph type="ftr" idx="4"/>
+          </p:nvPr>
+        </p:nvSpPr>
+        <p:spPr>
+          <a:xfrm>
+            <a:off x="3447360" y="5165280"/>
+            <a:ext cx="3194640" cy="390240"/>
+          </a:xfrm>
+          <a:prstGeom prst="rect">
+            <a:avLst/>
+          </a:prstGeom>
+          <a:noFill/>
+          <a:ln w="0">
+            <a:noFill/>
+          </a:ln>
+        </p:spPr>
+        <p:txBody>
+          <a:bodyPr lIns="0" rIns="0" tIns="0" bIns="0" anchor="t">
+            <a:noAutofit/>
+          </a:bodyPr>
+          <a:lstStyle>
+            <a:lvl1pPr indent="0" algn="ctr">
+              <a:lnSpc>
+                <a:spcPct val="100000"/>
+              </a:lnSpc>
+              <a:buNone/>
+              <a:tabLst>
+                <a:tab algn="l" pos="0"/>
+              </a:tabLst>
+              <a:defRPr b="0" lang="en-CA" sz="1400" spc="-1" strike="noStrike">
+                <a:solidFill>
+                  <a:srgbClr val="000000"/>
+                </a:solidFill>
+                <a:latin typeface="Times New Roman"/>
+              </a:defRPr>
+            </a:lvl1pPr>
+          </a:lstStyle>
+          <a:p>
+            <a:pPr indent="0" algn="ctr">
+              <a:lnSpc>
+                <a:spcPct val="100000"/>
+              </a:lnSpc>
+              <a:buNone/>
+              <a:tabLst>
+                <a:tab algn="l" pos="0"/>
+              </a:tabLst>
+            </a:pPr>
+            <a:r>
+              <a:rPr b="0" lang="en-CA" sz="1400" spc="-1" strike="noStrike">
+                <a:solidFill>
+                  <a:srgbClr val="000000"/>
+                </a:solidFill>
+                <a:latin typeface="Times New Roman"/>
+              </a:rPr>
+              <a:t>&lt;footer&gt;</a:t>
+            </a:r>
+            <a:endParaRPr b="0" lang="en-CA" sz="1400" spc="-1" strike="noStrike">
+              <a:solidFill>
+                <a:srgbClr val="000000"/>
+              </a:solidFill>
+              <a:latin typeface="Times New Roman"/>
+            </a:endParaRPr>
+          </a:p>
+        </p:txBody>
+      </p:sp>
+      <p:sp>
+        <p:nvSpPr>
+          <p:cNvPr id="44" name="PlaceHolder 4"/>
+          <p:cNvSpPr>
+            <a:spLocks noGrp="1"/>
+          </p:cNvSpPr>
+          <p:nvPr>
+            <p:ph type="sldNum" idx="5"/>
+          </p:nvPr>
+        </p:nvSpPr>
+        <p:spPr>
+          <a:xfrm>
+            <a:off x="7227360" y="5165280"/>
+            <a:ext cx="2347920" cy="390240"/>
+          </a:xfrm>
+          <a:prstGeom prst="rect">
+            <a:avLst/>
+          </a:prstGeom>
+          <a:noFill/>
+          <a:ln w="0">
+            <a:noFill/>
+          </a:ln>
+        </p:spPr>
+        <p:txBody>
+          <a:bodyPr lIns="0" rIns="0" tIns="0" bIns="0" anchor="t">
+            <a:noAutofit/>
+          </a:bodyPr>
+          <a:lstStyle>
+            <a:lvl1pPr indent="0" algn="r">
+              <a:lnSpc>
+                <a:spcPct val="100000"/>
+              </a:lnSpc>
+              <a:buNone/>
+              <a:tabLst>
+                <a:tab algn="l" pos="0"/>
+              </a:tabLst>
+              <a:defRPr b="0" lang="en-CA" sz="1400" spc="-1" strike="noStrike">
+                <a:solidFill>
+                  <a:srgbClr val="000000"/>
+                </a:solidFill>
+                <a:latin typeface="Times New Roman"/>
+              </a:defRPr>
+            </a:lvl1pPr>
+          </a:lstStyle>
+          <a:p>
+            <a:pPr indent="0" algn="r">
+              <a:lnSpc>
+                <a:spcPct val="100000"/>
+              </a:lnSpc>
+              <a:buNone/>
+              <a:tabLst>
+                <a:tab algn="l" pos="0"/>
+              </a:tabLst>
+            </a:pPr>
+            <a:fld id="{8F14852C-94D9-4C8A-81E1-6689B820EC85}" type="slidenum">
+              <a:rPr b="0" lang="en-CA" sz="1400" spc="-1" strike="noStrike">
+                <a:solidFill>
+                  <a:srgbClr val="000000"/>
+                </a:solidFill>
+                <a:latin typeface="Times New Roman"/>
+              </a:rPr>
+              <a:t>&lt;number&gt;</a:t>
+            </a:fld>
+            <a:endParaRPr b="0" lang="en-CA" sz="1400" spc="-1" strike="noStrike">
+              <a:solidFill>
+                <a:srgbClr val="000000"/>
+              </a:solidFill>
+              <a:latin typeface="Times New Roman"/>
+            </a:endParaRPr>
+          </a:p>
+        </p:txBody>
+      </p:sp>
+      <p:sp>
+        <p:nvSpPr>
+          <p:cNvPr id="45" name="PlaceHolder 5"/>
+          <p:cNvSpPr>
+            <a:spLocks noGrp="1"/>
+          </p:cNvSpPr>
+          <p:nvPr>
+            <p:ph type="dt" idx="6"/>
+          </p:nvPr>
+        </p:nvSpPr>
+        <p:spPr>
+          <a:xfrm>
+            <a:off x="504000" y="5165280"/>
+            <a:ext cx="2347920" cy="390240"/>
+          </a:xfrm>
+          <a:prstGeom prst="rect">
+            <a:avLst/>
+          </a:prstGeom>
+          <a:noFill/>
+          <a:ln w="0">
+            <a:noFill/>
+          </a:ln>
+        </p:spPr>
+        <p:txBody>
+          <a:bodyPr lIns="0" rIns="0" tIns="0" bIns="0" anchor="t">
+            <a:noAutofit/>
+          </a:bodyPr>
+          <a:lstStyle>
+            <a:lvl1pPr indent="0">
+              <a:buNone/>
+              <a:defRPr b="0" lang="en-CA" sz="1400" spc="-1" strike="noStrike">
+                <a:solidFill>
+                  <a:srgbClr val="000000"/>
+                </a:solidFill>
+                <a:latin typeface="Times New Roman"/>
+              </a:defRPr>
+            </a:lvl1pPr>
+          </a:lstStyle>
+          <a:p>
+            <a:pPr indent="0">
+              <a:buNone/>
+            </a:pPr>
+            <a:r>
+              <a:rPr b="0" lang="en-CA" sz="1400" spc="-1" strike="noStrike">
+                <a:solidFill>
+                  <a:srgbClr val="000000"/>
+                </a:solidFill>
+                <a:latin typeface="Times New Roman"/>
+              </a:rPr>
+              <a:t>&lt;date/time&gt;</a:t>
+            </a:r>
+            <a:endParaRPr b="0" lang="en-CA" sz="1400" spc="-1" strike="noStrike">
+              <a:solidFill>
+                <a:srgbClr val="000000"/>
+              </a:solidFill>
+              <a:latin typeface="Times New Roman"/>
+            </a:endParaRPr>
+          </a:p>
+        </p:txBody>
+      </p:sp>
+    </p:spTree>
+  </p:cSld>
+  <p:clrMap bg1="lt1" bg2="lt2" tx1="dk1" tx2="dk2" accent1="accent1" accent2="accent2" accent3="accent3" accent4="accent4" accent5="accent5" accent6="accent6" hlink="hlink" folHlink="folHlink"/>
+  <p:sldLayoutIdLst>
+    <p:sldLayoutId id="2147483662" r:id="rId2"/>
+    <p:sldLayoutId id="2147483663" r:id="rId3"/>
+    <p:sldLayoutId id="2147483664" r:id="rId4"/>
+    <p:sldLayoutId id="2147483665" r:id="rId5"/>
+    <p:sldLayoutId id="2147483666" r:id="rId6"/>
+    <p:sldLayoutId id="2147483667" r:id="rId7"/>
+    <p:sldLayoutId id="2147483668" r:id="rId8"/>
+    <p:sldLayoutId id="2147483669" r:id="rId9"/>
+    <p:sldLayoutId id="2147483670" r:id="rId10"/>
+    <p:sldLayoutId id="2147483671" r:id="rId11"/>
+    <p:sldLayoutId id="2147483672" r:id="rId12"/>
+    <p:sldLayoutId id="2147483673" r:id="rId13"/>
   </p:sldLayoutIdLst>
 </p:sldMaster>
 </file>
@@ -3035,7 +6084,7 @@
       </p:grpSpPr>
       <p:sp>
         <p:nvSpPr>
-          <p:cNvPr id="41" name="PlaceHolder 1"/>
+          <p:cNvPr id="82" name="PlaceHolder 1"/>
           <p:cNvSpPr>
             <a:spLocks noGrp="1"/>
           </p:cNvSpPr>
@@ -3046,7 +6095,7 @@
         <p:spPr>
           <a:xfrm>
             <a:off x="504000" y="226080"/>
-            <a:ext cx="9071640" cy="946440"/>
+            <a:ext cx="9071280" cy="946080"/>
           </a:xfrm>
           <a:prstGeom prst="rect">
             <a:avLst/>
@@ -3062,10 +6111,16 @@
           </a:bodyPr>
           <a:p>
             <a:pPr indent="0" algn="ctr">
-              <a:buNone/>
-            </a:pPr>
-            <a:r>
-              <a:rPr b="0" lang="zxx" sz="4400" spc="-1" strike="noStrike">
+              <a:lnSpc>
+                <a:spcPct val="100000"/>
+              </a:lnSpc>
+              <a:buNone/>
+              <a:tabLst>
+                <a:tab algn="l" pos="0"/>
+              </a:tabLst>
+            </a:pPr>
+            <a:r>
+              <a:rPr b="0" lang="pt-BR" sz="4400" spc="-1" strike="noStrike">
                 <a:solidFill>
                   <a:srgbClr val="000000"/>
                 </a:solidFill>
@@ -3073,18 +6128,18 @@
               </a:rPr>
               <a:t>Brazil Career Hub</a:t>
             </a:r>
-            <a:endParaRPr b="0" lang="zxx" sz="4400" spc="-1" strike="noStrike">
-              <a:solidFill>
-                <a:srgbClr val="000000"/>
-              </a:solidFill>
-              <a:latin typeface="Arial"/>
-            </a:endParaRPr>
-          </a:p>
-        </p:txBody>
-      </p:sp>
-      <p:sp>
-        <p:nvSpPr>
-          <p:cNvPr id="42" name="PlaceHolder 2"/>
+            <a:endParaRPr b="0" lang="pt-BR" sz="4400" spc="-1" strike="noStrike">
+              <a:solidFill>
+                <a:srgbClr val="000000"/>
+              </a:solidFill>
+              <a:latin typeface="Arial"/>
+            </a:endParaRPr>
+          </a:p>
+        </p:txBody>
+      </p:sp>
+      <p:sp>
+        <p:nvSpPr>
+          <p:cNvPr id="83" name="PlaceHolder 2"/>
           <p:cNvSpPr>
             <a:spLocks noGrp="1"/>
           </p:cNvSpPr>
@@ -3095,7 +6150,7 @@
         <p:spPr>
           <a:xfrm>
             <a:off x="504000" y="1326600"/>
-            <a:ext cx="9071640" cy="3288240"/>
+            <a:ext cx="9071280" cy="3287880"/>
           </a:xfrm>
           <a:prstGeom prst="rect">
             <a:avLst/>
@@ -3111,10 +6166,16 @@
           </a:bodyPr>
           <a:p>
             <a:pPr indent="0" algn="ctr">
-              <a:buNone/>
-            </a:pPr>
-            <a:r>
-              <a:rPr b="0" lang="zxx" sz="2600" spc="-1" strike="noStrike">
+              <a:lnSpc>
+                <a:spcPct val="100000"/>
+              </a:lnSpc>
+              <a:buNone/>
+              <a:tabLst>
+                <a:tab algn="l" pos="0"/>
+              </a:tabLst>
+            </a:pPr>
+            <a:r>
+              <a:rPr b="0" lang="pt-BR" sz="2600" spc="-1" strike="noStrike">
                 <a:solidFill>
                   <a:srgbClr val="000000"/>
                 </a:solidFill>
@@ -3122,7 +6183,7 @@
               </a:rPr>
               <a:t>Integrantes:</a:t>
             </a:r>
-            <a:endParaRPr b="0" lang="zxx" sz="2600" spc="-1" strike="noStrike">
+            <a:endParaRPr b="0" lang="pt-BR" sz="2600" spc="-1" strike="noStrike">
               <a:solidFill>
                 <a:srgbClr val="000000"/>
               </a:solidFill>
@@ -3131,15 +6192,21 @@
           </a:p>
           <a:p>
             <a:pPr marL="216000" indent="-216000" algn="ctr">
+              <a:lnSpc>
+                <a:spcPct val="100000"/>
+              </a:lnSpc>
               <a:buClr>
                 <a:srgbClr val="000000"/>
               </a:buClr>
               <a:buSzPct val="45000"/>
               <a:buFont typeface="Wingdings" charset="2"/>
               <a:buChar char=""/>
-            </a:pPr>
-            <a:r>
-              <a:rPr b="0" lang="zxx" sz="2600" spc="-1" strike="noStrike">
+              <a:tabLst>
+                <a:tab algn="l" pos="0"/>
+              </a:tabLst>
+            </a:pPr>
+            <a:r>
+              <a:rPr b="0" lang="pt-BR" sz="2600" spc="-1" strike="noStrike">
                 <a:solidFill>
                   <a:srgbClr val="000000"/>
                 </a:solidFill>
@@ -3147,7 +6214,7 @@
               </a:rPr>
               <a:t>Carlos Eduardo dos Santos Ferreira – N6401C7</a:t>
             </a:r>
-            <a:endParaRPr b="0" lang="zxx" sz="2600" spc="-1" strike="noStrike">
+            <a:endParaRPr b="0" lang="pt-BR" sz="2600" spc="-1" strike="noStrike">
               <a:solidFill>
                 <a:srgbClr val="000000"/>
               </a:solidFill>
@@ -3156,15 +6223,21 @@
           </a:p>
           <a:p>
             <a:pPr marL="216000" indent="-216000" algn="ctr">
+              <a:lnSpc>
+                <a:spcPct val="100000"/>
+              </a:lnSpc>
               <a:buClr>
                 <a:srgbClr val="000000"/>
               </a:buClr>
               <a:buSzPct val="45000"/>
               <a:buFont typeface="Wingdings" charset="2"/>
               <a:buChar char=""/>
-            </a:pPr>
-            <a:r>
-              <a:rPr b="0" lang="zxx" sz="2600" spc="-1" strike="noStrike">
+              <a:tabLst>
+                <a:tab algn="l" pos="0"/>
+              </a:tabLst>
+            </a:pPr>
+            <a:r>
+              <a:rPr b="0" lang="pt-BR" sz="2600" spc="-1" strike="noStrike">
                 <a:solidFill>
                   <a:srgbClr val="000000"/>
                 </a:solidFill>
@@ -3172,7 +6245,7 @@
               </a:rPr>
               <a:t>Gabriel Menezes de Antonio – F13GJI6</a:t>
             </a:r>
-            <a:endParaRPr b="0" lang="zxx" sz="2600" spc="-1" strike="noStrike">
+            <a:endParaRPr b="0" lang="pt-BR" sz="2600" spc="-1" strike="noStrike">
               <a:solidFill>
                 <a:srgbClr val="000000"/>
               </a:solidFill>
@@ -3181,15 +6254,21 @@
           </a:p>
           <a:p>
             <a:pPr marL="216000" indent="-216000" algn="ctr">
+              <a:lnSpc>
+                <a:spcPct val="100000"/>
+              </a:lnSpc>
               <a:buClr>
                 <a:srgbClr val="000000"/>
               </a:buClr>
               <a:buSzPct val="45000"/>
               <a:buFont typeface="Wingdings" charset="2"/>
               <a:buChar char=""/>
-            </a:pPr>
-            <a:r>
-              <a:rPr b="0" lang="zxx" sz="2600" spc="-1" strike="noStrike">
+              <a:tabLst>
+                <a:tab algn="l" pos="0"/>
+              </a:tabLst>
+            </a:pPr>
+            <a:r>
+              <a:rPr b="0" lang="pt-BR" sz="2600" spc="-1" strike="noStrike">
                 <a:solidFill>
                   <a:srgbClr val="000000"/>
                 </a:solidFill>
@@ -3197,7 +6276,7 @@
               </a:rPr>
               <a:t>Gustavo Henrique Dos Santos Faria – F22IFG2</a:t>
             </a:r>
-            <a:endParaRPr b="0" lang="zxx" sz="2600" spc="-1" strike="noStrike">
+            <a:endParaRPr b="0" lang="pt-BR" sz="2600" spc="-1" strike="noStrike">
               <a:solidFill>
                 <a:srgbClr val="000000"/>
               </a:solidFill>
@@ -3206,15 +6285,21 @@
           </a:p>
           <a:p>
             <a:pPr marL="216000" indent="-216000" algn="ctr">
+              <a:lnSpc>
+                <a:spcPct val="100000"/>
+              </a:lnSpc>
               <a:buClr>
                 <a:srgbClr val="000000"/>
               </a:buClr>
               <a:buSzPct val="45000"/>
               <a:buFont typeface="Wingdings" charset="2"/>
               <a:buChar char=""/>
-            </a:pPr>
-            <a:r>
-              <a:rPr b="0" lang="zxx" sz="2600" spc="-1" strike="noStrike">
+              <a:tabLst>
+                <a:tab algn="l" pos="0"/>
+              </a:tabLst>
+            </a:pPr>
+            <a:r>
+              <a:rPr b="0" lang="pt-BR" sz="2600" spc="-1" strike="noStrike">
                 <a:solidFill>
                   <a:srgbClr val="000000"/>
                 </a:solidFill>
@@ -3222,7 +6307,281 @@
               </a:rPr>
               <a:t>Mayara Marques Pereira de Souza – N542DD1</a:t>
             </a:r>
-            <a:endParaRPr b="0" lang="zxx" sz="2600" spc="-1" strike="noStrike">
+            <a:endParaRPr b="0" lang="pt-BR" sz="2600" spc="-1" strike="noStrike">
+              <a:solidFill>
+                <a:srgbClr val="000000"/>
+              </a:solidFill>
+              <a:latin typeface="Arial"/>
+            </a:endParaRPr>
+          </a:p>
+        </p:txBody>
+      </p:sp>
+    </p:spTree>
+  </p:cSld>
+  <mc:AlternateContent>
+    <mc:Choice Requires="p14">
+      <p:transition spd="slow" p14:dur="2000"/>
+    </mc:Choice>
+    <mc:Fallback>
+      <p:transition spd="slow"/>
+    </mc:Fallback>
+  </mc:AlternateContent>
+</p:sld>
+</file>
+
+<file path=ppt/slides/slide10.xml><?xml version="1.0" encoding="utf-8"?>
+<p:sld xmlns:a="http://schemas.openxmlformats.org/drawingml/2006/main" xmlns:p="http://schemas.openxmlformats.org/presentationml/2006/main" xmlns:r="http://schemas.openxmlformats.org/officeDocument/2006/relationships" xmlns:p14="http://schemas.microsoft.com/office/powerpoint/2010/main" xmlns:p15="http://schemas.microsoft.com/office/powerpoint/2012/main" xmlns:mc="http://schemas.openxmlformats.org/markup-compatibility/2006">
+  <p:cSld>
+    <p:spTree>
+      <p:nvGrpSpPr>
+        <p:cNvPr id="1" name=""/>
+        <p:cNvGrpSpPr/>
+        <p:nvPr/>
+      </p:nvGrpSpPr>
+      <p:grpSpPr>
+        <a:xfrm>
+          <a:off x="0" y="0"/>
+          <a:ext cx="0" cy="0"/>
+          <a:chOff x="0" y="0"/>
+          <a:chExt cx="0" cy="0"/>
+        </a:xfrm>
+      </p:grpSpPr>
+      <p:sp>
+        <p:nvSpPr>
+          <p:cNvPr id="100" name="PlaceHolder 1"/>
+          <p:cNvSpPr>
+            <a:spLocks noGrp="1"/>
+          </p:cNvSpPr>
+          <p:nvPr>
+            <p:ph type="title"/>
+          </p:nvPr>
+        </p:nvSpPr>
+        <p:spPr>
+          <a:xfrm>
+            <a:off x="504000" y="226080"/>
+            <a:ext cx="9071280" cy="946080"/>
+          </a:xfrm>
+          <a:prstGeom prst="rect">
+            <a:avLst/>
+          </a:prstGeom>
+          <a:noFill/>
+          <a:ln w="0">
+            <a:noFill/>
+          </a:ln>
+        </p:spPr>
+        <p:txBody>
+          <a:bodyPr lIns="0" rIns="0" tIns="0" bIns="0" anchor="ctr">
+            <a:noAutofit/>
+          </a:bodyPr>
+          <a:p>
+            <a:pPr indent="0" algn="ctr">
+              <a:lnSpc>
+                <a:spcPct val="100000"/>
+              </a:lnSpc>
+              <a:buNone/>
+              <a:tabLst>
+                <a:tab algn="l" pos="0"/>
+              </a:tabLst>
+            </a:pPr>
+            <a:r>
+              <a:rPr b="0" lang="pt-BR" sz="4400" spc="-1" strike="noStrike">
+                <a:solidFill>
+                  <a:srgbClr val="000000"/>
+                </a:solidFill>
+                <a:latin typeface="Arial"/>
+              </a:rPr>
+              <a:t>Source Control</a:t>
+            </a:r>
+            <a:endParaRPr b="0" lang="pt-BR" sz="4400" spc="-1" strike="noStrike">
+              <a:solidFill>
+                <a:srgbClr val="000000"/>
+              </a:solidFill>
+              <a:latin typeface="Arial"/>
+            </a:endParaRPr>
+          </a:p>
+        </p:txBody>
+      </p:sp>
+      <p:sp>
+        <p:nvSpPr>
+          <p:cNvPr id="101" name="PlaceHolder 2"/>
+          <p:cNvSpPr>
+            <a:spLocks noGrp="1"/>
+          </p:cNvSpPr>
+          <p:nvPr>
+            <p:ph/>
+          </p:nvPr>
+        </p:nvSpPr>
+        <p:spPr>
+          <a:xfrm>
+            <a:off x="504000" y="1326600"/>
+            <a:ext cx="9071280" cy="3287880"/>
+          </a:xfrm>
+          <a:prstGeom prst="rect">
+            <a:avLst/>
+          </a:prstGeom>
+          <a:noFill/>
+          <a:ln w="0">
+            <a:noFill/>
+          </a:ln>
+        </p:spPr>
+        <p:txBody>
+          <a:bodyPr lIns="0" rIns="0" tIns="0" bIns="0" anchor="t">
+            <a:normAutofit/>
+          </a:bodyPr>
+          <a:p>
+            <a:pPr indent="0" algn="ctr">
+              <a:lnSpc>
+                <a:spcPct val="100000"/>
+              </a:lnSpc>
+              <a:buNone/>
+            </a:pPr>
+            <a:r>
+              <a:rPr b="0" lang="pt-BR" sz="1800" spc="-1" strike="noStrike">
+                <a:solidFill>
+                  <a:srgbClr val="000000"/>
+                </a:solidFill>
+                <a:latin typeface="Arial"/>
+              </a:rPr>
+              <a:t>&lt;Issues&gt;</a:t>
+            </a:r>
+            <a:endParaRPr b="0" lang="pt-BR" sz="1800" spc="-1" strike="noStrike">
+              <a:solidFill>
+                <a:srgbClr val="000000"/>
+              </a:solidFill>
+              <a:latin typeface="Arial"/>
+            </a:endParaRPr>
+          </a:p>
+        </p:txBody>
+      </p:sp>
+    </p:spTree>
+  </p:cSld>
+  <mc:AlternateContent>
+    <mc:Choice Requires="p14">
+      <p:transition spd="slow" p14:dur="2000"/>
+    </mc:Choice>
+    <mc:Fallback>
+      <p:transition spd="slow"/>
+    </mc:Fallback>
+  </mc:AlternateContent>
+</p:sld>
+</file>
+
+<file path=ppt/slides/slide11.xml><?xml version="1.0" encoding="utf-8"?>
+<p:sld xmlns:a="http://schemas.openxmlformats.org/drawingml/2006/main" xmlns:p="http://schemas.openxmlformats.org/presentationml/2006/main" xmlns:r="http://schemas.openxmlformats.org/officeDocument/2006/relationships" xmlns:p14="http://schemas.microsoft.com/office/powerpoint/2010/main" xmlns:p15="http://schemas.microsoft.com/office/powerpoint/2012/main" xmlns:mc="http://schemas.openxmlformats.org/markup-compatibility/2006">
+  <p:cSld>
+    <p:spTree>
+      <p:nvGrpSpPr>
+        <p:cNvPr id="1" name=""/>
+        <p:cNvGrpSpPr/>
+        <p:nvPr/>
+      </p:nvGrpSpPr>
+      <p:grpSpPr>
+        <a:xfrm>
+          <a:off x="0" y="0"/>
+          <a:ext cx="0" cy="0"/>
+          <a:chOff x="0" y="0"/>
+          <a:chExt cx="0" cy="0"/>
+        </a:xfrm>
+      </p:grpSpPr>
+      <p:sp>
+        <p:nvSpPr>
+          <p:cNvPr id="102" name="PlaceHolder 1"/>
+          <p:cNvSpPr>
+            <a:spLocks noGrp="1"/>
+          </p:cNvSpPr>
+          <p:nvPr>
+            <p:ph type="title"/>
+          </p:nvPr>
+        </p:nvSpPr>
+        <p:spPr>
+          <a:xfrm>
+            <a:off x="504000" y="226080"/>
+            <a:ext cx="9071280" cy="946080"/>
+          </a:xfrm>
+          <a:prstGeom prst="rect">
+            <a:avLst/>
+          </a:prstGeom>
+          <a:noFill/>
+          <a:ln w="0">
+            <a:noFill/>
+          </a:ln>
+        </p:spPr>
+        <p:txBody>
+          <a:bodyPr lIns="0" rIns="0" tIns="0" bIns="0" anchor="ctr">
+            <a:noAutofit/>
+          </a:bodyPr>
+          <a:p>
+            <a:pPr indent="0" algn="ctr">
+              <a:lnSpc>
+                <a:spcPct val="100000"/>
+              </a:lnSpc>
+              <a:buNone/>
+              <a:tabLst>
+                <a:tab algn="l" pos="0"/>
+              </a:tabLst>
+            </a:pPr>
+            <a:r>
+              <a:rPr b="0" lang="pt-BR" sz="4400" spc="-1" strike="noStrike">
+                <a:solidFill>
+                  <a:srgbClr val="000000"/>
+                </a:solidFill>
+                <a:latin typeface="Arial"/>
+              </a:rPr>
+              <a:t>Demo</a:t>
+            </a:r>
+            <a:endParaRPr b="0" lang="pt-BR" sz="4400" spc="-1" strike="noStrike">
+              <a:solidFill>
+                <a:srgbClr val="000000"/>
+              </a:solidFill>
+              <a:latin typeface="Arial"/>
+            </a:endParaRPr>
+          </a:p>
+        </p:txBody>
+      </p:sp>
+      <p:sp>
+        <p:nvSpPr>
+          <p:cNvPr id="103" name="PlaceHolder 2"/>
+          <p:cNvSpPr>
+            <a:spLocks noGrp="1"/>
+          </p:cNvSpPr>
+          <p:nvPr>
+            <p:ph/>
+          </p:nvPr>
+        </p:nvSpPr>
+        <p:spPr>
+          <a:xfrm>
+            <a:off x="504000" y="1326600"/>
+            <a:ext cx="9071280" cy="3287880"/>
+          </a:xfrm>
+          <a:prstGeom prst="rect">
+            <a:avLst/>
+          </a:prstGeom>
+          <a:noFill/>
+          <a:ln w="0">
+            <a:noFill/>
+          </a:ln>
+        </p:spPr>
+        <p:txBody>
+          <a:bodyPr lIns="0" rIns="0" tIns="0" bIns="0" anchor="t">
+            <a:normAutofit/>
+          </a:bodyPr>
+          <a:p>
+            <a:pPr indent="0" algn="ctr">
+              <a:spcBef>
+                <a:spcPts val="1417"/>
+              </a:spcBef>
+              <a:buNone/>
+            </a:pPr>
+            <a:r>
+              <a:rPr b="0" lang="en-CA" sz="1800" spc="-1" strike="noStrike">
+                <a:solidFill>
+                  <a:srgbClr val="000000"/>
+                </a:solidFill>
+                <a:latin typeface="Arial"/>
+              </a:rPr>
+              <a:t>&lt;Vídeo de demonstração do site aqui&gt;</a:t>
+            </a:r>
+            <a:endParaRPr b="0" lang="en-CA" sz="1800" spc="-1" strike="noStrike">
               <a:solidFill>
                 <a:srgbClr val="000000"/>
               </a:solidFill>
@@ -3263,7 +6622,7 @@
       </p:grpSpPr>
       <p:sp>
         <p:nvSpPr>
-          <p:cNvPr id="43" name="PlaceHolder 1"/>
+          <p:cNvPr id="84" name="PlaceHolder 1"/>
           <p:cNvSpPr>
             <a:spLocks noGrp="1"/>
           </p:cNvSpPr>
@@ -3274,7 +6633,7 @@
         <p:spPr>
           <a:xfrm>
             <a:off x="504000" y="226080"/>
-            <a:ext cx="9071640" cy="946440"/>
+            <a:ext cx="9071280" cy="946080"/>
           </a:xfrm>
           <a:prstGeom prst="rect">
             <a:avLst/>
@@ -3290,10 +6649,16 @@
           </a:bodyPr>
           <a:p>
             <a:pPr indent="0" algn="ctr">
-              <a:buNone/>
-            </a:pPr>
-            <a:r>
-              <a:rPr b="0" lang="zxx" sz="4400" spc="-1" strike="noStrike">
+              <a:lnSpc>
+                <a:spcPct val="100000"/>
+              </a:lnSpc>
+              <a:buNone/>
+              <a:tabLst>
+                <a:tab algn="l" pos="0"/>
+              </a:tabLst>
+            </a:pPr>
+            <a:r>
+              <a:rPr b="0" lang="pt-BR" sz="4400" spc="-1" strike="noStrike">
                 <a:solidFill>
                   <a:srgbClr val="000000"/>
                 </a:solidFill>
@@ -3301,18 +6666,18 @@
               </a:rPr>
               <a:t>Objetivos</a:t>
             </a:r>
-            <a:endParaRPr b="0" lang="zxx" sz="4400" spc="-1" strike="noStrike">
-              <a:solidFill>
-                <a:srgbClr val="000000"/>
-              </a:solidFill>
-              <a:latin typeface="Arial"/>
-            </a:endParaRPr>
-          </a:p>
-        </p:txBody>
-      </p:sp>
-      <p:sp>
-        <p:nvSpPr>
-          <p:cNvPr id="44" name="PlaceHolder 2"/>
+            <a:endParaRPr b="0" lang="pt-BR" sz="4400" spc="-1" strike="noStrike">
+              <a:solidFill>
+                <a:srgbClr val="000000"/>
+              </a:solidFill>
+              <a:latin typeface="Arial"/>
+            </a:endParaRPr>
+          </a:p>
+        </p:txBody>
+      </p:sp>
+      <p:sp>
+        <p:nvSpPr>
+          <p:cNvPr id="85" name="PlaceHolder 2"/>
           <p:cNvSpPr>
             <a:spLocks noGrp="1"/>
           </p:cNvSpPr>
@@ -3323,7 +6688,7 @@
         <p:spPr>
           <a:xfrm>
             <a:off x="504000" y="1326600"/>
-            <a:ext cx="9071640" cy="3288240"/>
+            <a:ext cx="9071280" cy="3287880"/>
           </a:xfrm>
           <a:prstGeom prst="rect">
             <a:avLst/>
@@ -3339,12 +6704,107 @@
           </a:bodyPr>
           <a:p>
             <a:pPr indent="0">
-              <a:spcBef>
-                <a:spcPts val="1417"/>
-              </a:spcBef>
-              <a:buNone/>
-            </a:pPr>
-            <a:endParaRPr b="0" lang="zxx" sz="3200" spc="-1" strike="noStrike">
+              <a:lnSpc>
+                <a:spcPct val="100000"/>
+              </a:lnSpc>
+              <a:buNone/>
+            </a:pPr>
+            <a:r>
+              <a:rPr b="0" lang="pt-BR" sz="1800" spc="-1" strike="noStrike">
+                <a:solidFill>
+                  <a:srgbClr val="000000"/>
+                </a:solidFill>
+                <a:latin typeface="Arial"/>
+              </a:rPr>
+              <a:t>Com a crescente globalização, muitos estrangeiros buscam oportunidades de trabalho em países estrangeiros, e a falta de informação e barreiras culturais podem dificultar esse processo.</a:t>
+            </a:r>
+            <a:endParaRPr b="0" lang="pt-BR" sz="1800" spc="-1" strike="noStrike">
+              <a:solidFill>
+                <a:srgbClr val="000000"/>
+              </a:solidFill>
+              <a:latin typeface="Arial"/>
+            </a:endParaRPr>
+          </a:p>
+          <a:p>
+            <a:pPr indent="0">
+              <a:lnSpc>
+                <a:spcPct val="100000"/>
+              </a:lnSpc>
+              <a:buNone/>
+            </a:pPr>
+            <a:endParaRPr b="0" lang="pt-BR" sz="1800" spc="-1" strike="noStrike">
+              <a:solidFill>
+                <a:srgbClr val="000000"/>
+              </a:solidFill>
+              <a:latin typeface="Arial"/>
+            </a:endParaRPr>
+          </a:p>
+          <a:p>
+            <a:pPr indent="-324000">
+              <a:lnSpc>
+                <a:spcPct val="100000"/>
+              </a:lnSpc>
+              <a:buClr>
+                <a:srgbClr val="000000"/>
+              </a:buClr>
+              <a:buFont typeface="Wingdings" charset="2"/>
+              <a:buChar char=""/>
+            </a:pPr>
+            <a:r>
+              <a:rPr b="0" lang="pt-BR" sz="1800" spc="-1" strike="noStrike">
+                <a:solidFill>
+                  <a:srgbClr val="000000"/>
+                </a:solidFill>
+                <a:latin typeface="Arial"/>
+              </a:rPr>
+              <a:t> </a:t>
+            </a:r>
+            <a:r>
+              <a:rPr b="0" lang="pt-BR" sz="1800" spc="-1" strike="noStrike">
+                <a:solidFill>
+                  <a:srgbClr val="000000"/>
+                </a:solidFill>
+                <a:latin typeface="Arial"/>
+              </a:rPr>
+              <a:t>Auxiliar as pessoas a encontrarem empregos no Brasil</a:t>
+            </a:r>
+            <a:endParaRPr b="0" lang="pt-BR" sz="1800" spc="-1" strike="noStrike">
+              <a:solidFill>
+                <a:srgbClr val="000000"/>
+              </a:solidFill>
+              <a:latin typeface="Arial"/>
+            </a:endParaRPr>
+          </a:p>
+          <a:p>
+            <a:pPr indent="-324000">
+              <a:lnSpc>
+                <a:spcPct val="100000"/>
+              </a:lnSpc>
+              <a:buClr>
+                <a:srgbClr val="000000"/>
+              </a:buClr>
+              <a:buFont typeface="Wingdings" charset="2"/>
+              <a:buChar char=""/>
+            </a:pPr>
+            <a:r>
+              <a:rPr b="0" lang="pt-BR" sz="1800" spc="-1" strike="noStrike">
+                <a:solidFill>
+                  <a:srgbClr val="000000"/>
+                </a:solidFill>
+                <a:latin typeface="Arial"/>
+              </a:rPr>
+              <a:t> </a:t>
+            </a:r>
+            <a:r>
+              <a:rPr b="0" lang="pt-BR" sz="1800" spc="-1" strike="noStrike">
+                <a:solidFill>
+                  <a:srgbClr val="000000"/>
+                </a:solidFill>
+                <a:latin typeface="Arial"/>
+              </a:rPr>
+              <a:t>Promover e auxiliar a imigração de mão de obra qualificada no Brasil</a:t>
+            </a:r>
+            <a:endParaRPr b="0" lang="pt-BR" sz="1800" spc="-1" strike="noStrike">
               <a:solidFill>
                 <a:srgbClr val="000000"/>
               </a:solidFill>
@@ -3385,7 +6845,7 @@
       </p:grpSpPr>
       <p:sp>
         <p:nvSpPr>
-          <p:cNvPr id="45" name="PlaceHolder 1"/>
+          <p:cNvPr id="86" name="PlaceHolder 1"/>
           <p:cNvSpPr>
             <a:spLocks noGrp="1"/>
           </p:cNvSpPr>
@@ -3396,7 +6856,7 @@
         <p:spPr>
           <a:xfrm>
             <a:off x="504000" y="226080"/>
-            <a:ext cx="9071640" cy="946440"/>
+            <a:ext cx="9071280" cy="946080"/>
           </a:xfrm>
           <a:prstGeom prst="rect">
             <a:avLst/>
@@ -3412,10 +6872,16 @@
           </a:bodyPr>
           <a:p>
             <a:pPr indent="0" algn="ctr">
-              <a:buNone/>
-            </a:pPr>
-            <a:r>
-              <a:rPr b="0" lang="zxx" sz="4400" spc="-1" strike="noStrike">
+              <a:lnSpc>
+                <a:spcPct val="100000"/>
+              </a:lnSpc>
+              <a:buNone/>
+              <a:tabLst>
+                <a:tab algn="l" pos="0"/>
+              </a:tabLst>
+            </a:pPr>
+            <a:r>
+              <a:rPr b="0" lang="pt-BR" sz="4400" spc="-1" strike="noStrike">
                 <a:solidFill>
                   <a:srgbClr val="000000"/>
                 </a:solidFill>
@@ -3423,18 +6889,18 @@
               </a:rPr>
               <a:t>Proposta</a:t>
             </a:r>
-            <a:endParaRPr b="0" lang="zxx" sz="4400" spc="-1" strike="noStrike">
-              <a:solidFill>
-                <a:srgbClr val="000000"/>
-              </a:solidFill>
-              <a:latin typeface="Arial"/>
-            </a:endParaRPr>
-          </a:p>
-        </p:txBody>
-      </p:sp>
-      <p:sp>
-        <p:nvSpPr>
-          <p:cNvPr id="46" name="PlaceHolder 2"/>
+            <a:endParaRPr b="0" lang="pt-BR" sz="4400" spc="-1" strike="noStrike">
+              <a:solidFill>
+                <a:srgbClr val="000000"/>
+              </a:solidFill>
+              <a:latin typeface="Arial"/>
+            </a:endParaRPr>
+          </a:p>
+        </p:txBody>
+      </p:sp>
+      <p:sp>
+        <p:nvSpPr>
+          <p:cNvPr id="87" name="PlaceHolder 2"/>
           <p:cNvSpPr>
             <a:spLocks noGrp="1"/>
           </p:cNvSpPr>
@@ -3445,7 +6911,7 @@
         <p:spPr>
           <a:xfrm>
             <a:off x="504000" y="1326600"/>
-            <a:ext cx="9071640" cy="3288240"/>
+            <a:ext cx="9071280" cy="3287880"/>
           </a:xfrm>
           <a:prstGeom prst="rect">
             <a:avLst/>
@@ -3466,7 +6932,53 @@
               </a:spcBef>
               <a:buNone/>
             </a:pPr>
-            <a:endParaRPr b="0" lang="zxx" sz="3200" spc="-1" strike="noStrike">
+            <a:r>
+              <a:rPr b="0" lang="pt-BR" sz="1800" spc="-1" strike="noStrike">
+                <a:solidFill>
+                  <a:srgbClr val="000000"/>
+                </a:solidFill>
+                <a:latin typeface="Arial"/>
+              </a:rPr>
+              <a:t>Desenvolver um site para auxiliar na inserção de estrangeiros e brasileiros no mercado de trabalho do Brasil, oferecendo um local para listagem, candidatura e armazenamento de vagas.</a:t>
+            </a:r>
+            <a:endParaRPr b="0" lang="pt-BR" sz="1800" spc="-1" strike="noStrike">
+              <a:solidFill>
+                <a:srgbClr val="000000"/>
+              </a:solidFill>
+              <a:latin typeface="Arial"/>
+            </a:endParaRPr>
+          </a:p>
+          <a:p>
+            <a:pPr indent="0">
+              <a:spcBef>
+                <a:spcPts val="1417"/>
+              </a:spcBef>
+              <a:buNone/>
+            </a:pPr>
+            <a:endParaRPr b="0" lang="pt-BR" sz="1800" spc="-1" strike="noStrike">
+              <a:solidFill>
+                <a:srgbClr val="000000"/>
+              </a:solidFill>
+              <a:latin typeface="Arial"/>
+            </a:endParaRPr>
+          </a:p>
+          <a:p>
+            <a:pPr indent="0" algn="ctr">
+              <a:spcBef>
+                <a:spcPts val="1417"/>
+              </a:spcBef>
+              <a:buNone/>
+            </a:pPr>
+            <a:r>
+              <a:rPr b="0" lang="pt-BR" sz="1800" spc="-1" strike="noStrike">
+                <a:solidFill>
+                  <a:srgbClr val="000000"/>
+                </a:solidFill>
+                <a:latin typeface="Arial"/>
+              </a:rPr>
+              <a:t>&lt;Logo do site aqui&gt;</a:t>
+            </a:r>
+            <a:endParaRPr b="0" lang="pt-BR" sz="1800" spc="-1" strike="noStrike">
               <a:solidFill>
                 <a:srgbClr val="000000"/>
               </a:solidFill>
@@ -3507,7 +7019,7 @@
       </p:grpSpPr>
       <p:sp>
         <p:nvSpPr>
-          <p:cNvPr id="47" name="PlaceHolder 1"/>
+          <p:cNvPr id="88" name="PlaceHolder 1"/>
           <p:cNvSpPr>
             <a:spLocks noGrp="1"/>
           </p:cNvSpPr>
@@ -3518,7 +7030,7 @@
         <p:spPr>
           <a:xfrm>
             <a:off x="504000" y="226080"/>
-            <a:ext cx="9071640" cy="946440"/>
+            <a:ext cx="9071280" cy="946080"/>
           </a:xfrm>
           <a:prstGeom prst="rect">
             <a:avLst/>
@@ -3534,10 +7046,16 @@
           </a:bodyPr>
           <a:p>
             <a:pPr indent="0" algn="ctr">
-              <a:buNone/>
-            </a:pPr>
-            <a:r>
-              <a:rPr b="0" lang="zxx" sz="4400" spc="-1" strike="noStrike">
+              <a:lnSpc>
+                <a:spcPct val="100000"/>
+              </a:lnSpc>
+              <a:buNone/>
+              <a:tabLst>
+                <a:tab algn="l" pos="0"/>
+              </a:tabLst>
+            </a:pPr>
+            <a:r>
+              <a:rPr b="0" lang="pt-BR" sz="4400" spc="-1" strike="noStrike">
                 <a:solidFill>
                   <a:srgbClr val="000000"/>
                 </a:solidFill>
@@ -3545,18 +7063,18 @@
               </a:rPr>
               <a:t>Arquitetura</a:t>
             </a:r>
-            <a:endParaRPr b="0" lang="zxx" sz="4400" spc="-1" strike="noStrike">
-              <a:solidFill>
-                <a:srgbClr val="000000"/>
-              </a:solidFill>
-              <a:latin typeface="Arial"/>
-            </a:endParaRPr>
-          </a:p>
-        </p:txBody>
-      </p:sp>
-      <p:sp>
-        <p:nvSpPr>
-          <p:cNvPr id="48" name="PlaceHolder 2"/>
+            <a:endParaRPr b="0" lang="pt-BR" sz="4400" spc="-1" strike="noStrike">
+              <a:solidFill>
+                <a:srgbClr val="000000"/>
+              </a:solidFill>
+              <a:latin typeface="Arial"/>
+            </a:endParaRPr>
+          </a:p>
+        </p:txBody>
+      </p:sp>
+      <p:sp>
+        <p:nvSpPr>
+          <p:cNvPr id="89" name="PlaceHolder 2"/>
           <p:cNvSpPr>
             <a:spLocks noGrp="1"/>
           </p:cNvSpPr>
@@ -3567,7 +7085,7 @@
         <p:spPr>
           <a:xfrm>
             <a:off x="504000" y="1326600"/>
-            <a:ext cx="9071640" cy="3288240"/>
+            <a:ext cx="9071280" cy="3287880"/>
           </a:xfrm>
           <a:prstGeom prst="rect">
             <a:avLst/>
@@ -3582,13 +7100,22 @@
             <a:normAutofit/>
           </a:bodyPr>
           <a:p>
-            <a:pPr indent="0">
+            <a:pPr indent="0" algn="ctr">
               <a:spcBef>
                 <a:spcPts val="1417"/>
               </a:spcBef>
               <a:buNone/>
             </a:pPr>
-            <a:endParaRPr b="0" lang="zxx" sz="3200" spc="-1" strike="noStrike">
+            <a:r>
+              <a:rPr b="0" lang="pt-BR" sz="1800" spc="-1" strike="noStrike">
+                <a:solidFill>
+                  <a:srgbClr val="000000"/>
+                </a:solidFill>
+                <a:latin typeface="Arial"/>
+              </a:rPr>
+              <a:t>&lt;Diagrama da arquitetura&gt;</a:t>
+            </a:r>
+            <a:endParaRPr b="0" lang="pt-BR" sz="1800" spc="-1" strike="noStrike">
               <a:solidFill>
                 <a:srgbClr val="000000"/>
               </a:solidFill>
@@ -3629,7 +7156,7 @@
       </p:grpSpPr>
       <p:sp>
         <p:nvSpPr>
-          <p:cNvPr id="49" name="PlaceHolder 1"/>
+          <p:cNvPr id="90" name="PlaceHolder 1"/>
           <p:cNvSpPr>
             <a:spLocks noGrp="1"/>
           </p:cNvSpPr>
@@ -3640,7 +7167,7 @@
         <p:spPr>
           <a:xfrm>
             <a:off x="504000" y="226080"/>
-            <a:ext cx="9071640" cy="946440"/>
+            <a:ext cx="9071280" cy="946080"/>
           </a:xfrm>
           <a:prstGeom prst="rect">
             <a:avLst/>
@@ -3656,10 +7183,16 @@
           </a:bodyPr>
           <a:p>
             <a:pPr indent="0" algn="ctr">
-              <a:buNone/>
-            </a:pPr>
-            <a:r>
-              <a:rPr b="0" lang="zxx" sz="4400" spc="-1" strike="noStrike">
+              <a:lnSpc>
+                <a:spcPct val="100000"/>
+              </a:lnSpc>
+              <a:buNone/>
+              <a:tabLst>
+                <a:tab algn="l" pos="0"/>
+              </a:tabLst>
+            </a:pPr>
+            <a:r>
+              <a:rPr b="0" lang="pt-BR" sz="4400" spc="-1" strike="noStrike">
                 <a:solidFill>
                   <a:srgbClr val="000000"/>
                 </a:solidFill>
@@ -3667,18 +7200,18 @@
               </a:rPr>
               <a:t>Front-End</a:t>
             </a:r>
-            <a:endParaRPr b="0" lang="zxx" sz="4400" spc="-1" strike="noStrike">
-              <a:solidFill>
-                <a:srgbClr val="000000"/>
-              </a:solidFill>
-              <a:latin typeface="Arial"/>
-            </a:endParaRPr>
-          </a:p>
-        </p:txBody>
-      </p:sp>
-      <p:sp>
-        <p:nvSpPr>
-          <p:cNvPr id="50" name="PlaceHolder 2"/>
+            <a:endParaRPr b="0" lang="pt-BR" sz="4400" spc="-1" strike="noStrike">
+              <a:solidFill>
+                <a:srgbClr val="000000"/>
+              </a:solidFill>
+              <a:latin typeface="Arial"/>
+            </a:endParaRPr>
+          </a:p>
+        </p:txBody>
+      </p:sp>
+      <p:sp>
+        <p:nvSpPr>
+          <p:cNvPr id="91" name="PlaceHolder 2"/>
           <p:cNvSpPr>
             <a:spLocks noGrp="1"/>
           </p:cNvSpPr>
@@ -3689,7 +7222,7 @@
         <p:spPr>
           <a:xfrm>
             <a:off x="504000" y="1326600"/>
-            <a:ext cx="9071640" cy="3288240"/>
+            <a:ext cx="9071280" cy="3287880"/>
           </a:xfrm>
           <a:prstGeom prst="rect">
             <a:avLst/>
@@ -3710,7 +7243,7 @@
               </a:spcBef>
               <a:buNone/>
             </a:pPr>
-            <a:endParaRPr b="0" lang="zxx" sz="3200" spc="-1" strike="noStrike">
+            <a:endParaRPr b="0" lang="pt-BR" sz="1800" spc="-1" strike="noStrike">
               <a:solidFill>
                 <a:srgbClr val="000000"/>
               </a:solidFill>
@@ -3751,7 +7284,7 @@
       </p:grpSpPr>
       <p:sp>
         <p:nvSpPr>
-          <p:cNvPr id="51" name="PlaceHolder 1"/>
+          <p:cNvPr id="92" name="PlaceHolder 1"/>
           <p:cNvSpPr>
             <a:spLocks noGrp="1"/>
           </p:cNvSpPr>
@@ -3762,7 +7295,7 @@
         <p:spPr>
           <a:xfrm>
             <a:off x="504000" y="226080"/>
-            <a:ext cx="9071640" cy="946440"/>
+            <a:ext cx="9071280" cy="946080"/>
           </a:xfrm>
           <a:prstGeom prst="rect">
             <a:avLst/>
@@ -3778,10 +7311,16 @@
           </a:bodyPr>
           <a:p>
             <a:pPr indent="0" algn="ctr">
-              <a:buNone/>
-            </a:pPr>
-            <a:r>
-              <a:rPr b="0" lang="zxx" sz="4400" spc="-1" strike="noStrike">
+              <a:lnSpc>
+                <a:spcPct val="100000"/>
+              </a:lnSpc>
+              <a:buNone/>
+              <a:tabLst>
+                <a:tab algn="l" pos="0"/>
+              </a:tabLst>
+            </a:pPr>
+            <a:r>
+              <a:rPr b="0" lang="pt-BR" sz="4400" spc="-1" strike="noStrike">
                 <a:solidFill>
                   <a:srgbClr val="000000"/>
                 </a:solidFill>
@@ -3789,18 +7328,18 @@
               </a:rPr>
               <a:t>Back-End</a:t>
             </a:r>
-            <a:endParaRPr b="0" lang="zxx" sz="4400" spc="-1" strike="noStrike">
-              <a:solidFill>
-                <a:srgbClr val="000000"/>
-              </a:solidFill>
-              <a:latin typeface="Arial"/>
-            </a:endParaRPr>
-          </a:p>
-        </p:txBody>
-      </p:sp>
-      <p:sp>
-        <p:nvSpPr>
-          <p:cNvPr id="52" name="PlaceHolder 2"/>
+            <a:endParaRPr b="0" lang="pt-BR" sz="4400" spc="-1" strike="noStrike">
+              <a:solidFill>
+                <a:srgbClr val="000000"/>
+              </a:solidFill>
+              <a:latin typeface="Arial"/>
+            </a:endParaRPr>
+          </a:p>
+        </p:txBody>
+      </p:sp>
+      <p:sp>
+        <p:nvSpPr>
+          <p:cNvPr id="93" name="PlaceHolder 2"/>
           <p:cNvSpPr>
             <a:spLocks noGrp="1"/>
           </p:cNvSpPr>
@@ -3811,7 +7350,7 @@
         <p:spPr>
           <a:xfrm>
             <a:off x="504000" y="1326600"/>
-            <a:ext cx="9071640" cy="3288240"/>
+            <a:ext cx="9071280" cy="3287880"/>
           </a:xfrm>
           <a:prstGeom prst="rect">
             <a:avLst/>
@@ -3826,13 +7365,22 @@
             <a:normAutofit/>
           </a:bodyPr>
           <a:p>
-            <a:pPr indent="0">
-              <a:spcBef>
-                <a:spcPts val="1417"/>
-              </a:spcBef>
-              <a:buNone/>
-            </a:pPr>
-            <a:endParaRPr b="0" lang="zxx" sz="3200" spc="-1" strike="noStrike">
+            <a:pPr indent="0" algn="ctr">
+              <a:lnSpc>
+                <a:spcPct val="100000"/>
+              </a:lnSpc>
+              <a:buNone/>
+            </a:pPr>
+            <a:r>
+              <a:rPr b="0" lang="pt-BR" sz="1800" spc="-1" strike="noStrike">
+                <a:solidFill>
+                  <a:srgbClr val="000000"/>
+                </a:solidFill>
+                <a:latin typeface="Arial"/>
+              </a:rPr>
+              <a:t>&lt;Documentação Swagger&gt;</a:t>
+            </a:r>
+            <a:endParaRPr b="0" lang="pt-BR" sz="1800" spc="-1" strike="noStrike">
               <a:solidFill>
                 <a:srgbClr val="000000"/>
               </a:solidFill>
@@ -3873,7 +7421,7 @@
       </p:grpSpPr>
       <p:sp>
         <p:nvSpPr>
-          <p:cNvPr id="53" name="PlaceHolder 1"/>
+          <p:cNvPr id="94" name="PlaceHolder 1"/>
           <p:cNvSpPr>
             <a:spLocks noGrp="1"/>
           </p:cNvSpPr>
@@ -3884,7 +7432,7 @@
         <p:spPr>
           <a:xfrm>
             <a:off x="504000" y="226080"/>
-            <a:ext cx="9071640" cy="946440"/>
+            <a:ext cx="9071280" cy="946080"/>
           </a:xfrm>
           <a:prstGeom prst="rect">
             <a:avLst/>
@@ -3900,29 +7448,35 @@
           </a:bodyPr>
           <a:p>
             <a:pPr indent="0" algn="ctr">
-              <a:buNone/>
-            </a:pPr>
-            <a:r>
-              <a:rPr b="0" lang="zxx" sz="4400" spc="-1" strike="noStrike">
+              <a:lnSpc>
+                <a:spcPct val="100000"/>
+              </a:lnSpc>
+              <a:buNone/>
+              <a:tabLst>
+                <a:tab algn="l" pos="0"/>
+              </a:tabLst>
+            </a:pPr>
+            <a:r>
+              <a:rPr b="0" lang="pt-BR" sz="4400" spc="-1" strike="noStrike">
                 <a:solidFill>
                   <a:srgbClr val="000000"/>
                 </a:solidFill>
                 <a:latin typeface="Arial"/>
               </a:rPr>
-              <a:t>Source Control</a:t>
-            </a:r>
-            <a:endParaRPr b="0" lang="zxx" sz="4400" spc="-1" strike="noStrike">
-              <a:solidFill>
-                <a:srgbClr val="000000"/>
-              </a:solidFill>
-              <a:latin typeface="Arial"/>
-            </a:endParaRPr>
-          </a:p>
-        </p:txBody>
-      </p:sp>
-      <p:sp>
-        <p:nvSpPr>
-          <p:cNvPr id="54" name="PlaceHolder 2"/>
+              <a:t>Back-End</a:t>
+            </a:r>
+            <a:endParaRPr b="0" lang="pt-BR" sz="4400" spc="-1" strike="noStrike">
+              <a:solidFill>
+                <a:srgbClr val="000000"/>
+              </a:solidFill>
+              <a:latin typeface="Arial"/>
+            </a:endParaRPr>
+          </a:p>
+        </p:txBody>
+      </p:sp>
+      <p:sp>
+        <p:nvSpPr>
+          <p:cNvPr id="95" name="PlaceHolder 2"/>
           <p:cNvSpPr>
             <a:spLocks noGrp="1"/>
           </p:cNvSpPr>
@@ -3933,7 +7487,7 @@
         <p:spPr>
           <a:xfrm>
             <a:off x="504000" y="1326600"/>
-            <a:ext cx="9071640" cy="3288240"/>
+            <a:ext cx="9071280" cy="3287880"/>
           </a:xfrm>
           <a:prstGeom prst="rect">
             <a:avLst/>
@@ -3948,13 +7502,22 @@
             <a:normAutofit/>
           </a:bodyPr>
           <a:p>
-            <a:pPr indent="0">
-              <a:spcBef>
-                <a:spcPts val="1417"/>
-              </a:spcBef>
-              <a:buNone/>
-            </a:pPr>
-            <a:endParaRPr b="0" lang="zxx" sz="3200" spc="-1" strike="noStrike">
+            <a:pPr indent="0" algn="ctr">
+              <a:lnSpc>
+                <a:spcPct val="100000"/>
+              </a:lnSpc>
+              <a:buNone/>
+            </a:pPr>
+            <a:r>
+              <a:rPr b="0" lang="pt-BR" sz="1800" spc="-1" strike="noStrike">
+                <a:solidFill>
+                  <a:srgbClr val="000000"/>
+                </a:solidFill>
+                <a:latin typeface="Arial"/>
+              </a:rPr>
+              <a:t>&lt;Postman&gt;</a:t>
+            </a:r>
+            <a:endParaRPr b="0" lang="pt-BR" sz="1800" spc="-1" strike="noStrike">
               <a:solidFill>
                 <a:srgbClr val="000000"/>
               </a:solidFill>
@@ -3995,7 +7558,7 @@
       </p:grpSpPr>
       <p:sp>
         <p:nvSpPr>
-          <p:cNvPr id="55" name="PlaceHolder 1"/>
+          <p:cNvPr id="96" name="PlaceHolder 1"/>
           <p:cNvSpPr>
             <a:spLocks noGrp="1"/>
           </p:cNvSpPr>
@@ -4006,7 +7569,7 @@
         <p:spPr>
           <a:xfrm>
             <a:off x="504000" y="226080"/>
-            <a:ext cx="9071640" cy="946440"/>
+            <a:ext cx="9071280" cy="946080"/>
           </a:xfrm>
           <a:prstGeom prst="rect">
             <a:avLst/>
@@ -4022,29 +7585,35 @@
           </a:bodyPr>
           <a:p>
             <a:pPr indent="0" algn="ctr">
-              <a:buNone/>
-            </a:pPr>
-            <a:r>
-              <a:rPr b="0" lang="zxx" sz="4400" spc="-1" strike="noStrike">
+              <a:lnSpc>
+                <a:spcPct val="100000"/>
+              </a:lnSpc>
+              <a:buNone/>
+              <a:tabLst>
+                <a:tab algn="l" pos="0"/>
+              </a:tabLst>
+            </a:pPr>
+            <a:r>
+              <a:rPr b="0" lang="pt-BR" sz="4400" spc="-1" strike="noStrike">
                 <a:solidFill>
                   <a:srgbClr val="000000"/>
                 </a:solidFill>
                 <a:latin typeface="Arial"/>
               </a:rPr>
-              <a:t>Demo</a:t>
-            </a:r>
-            <a:endParaRPr b="0" lang="zxx" sz="4400" spc="-1" strike="noStrike">
-              <a:solidFill>
-                <a:srgbClr val="000000"/>
-              </a:solidFill>
-              <a:latin typeface="Arial"/>
-            </a:endParaRPr>
-          </a:p>
-        </p:txBody>
-      </p:sp>
-      <p:sp>
-        <p:nvSpPr>
-          <p:cNvPr id="56" name="PlaceHolder 2"/>
+              <a:t>Source Control</a:t>
+            </a:r>
+            <a:endParaRPr b="0" lang="pt-BR" sz="4400" spc="-1" strike="noStrike">
+              <a:solidFill>
+                <a:srgbClr val="000000"/>
+              </a:solidFill>
+              <a:latin typeface="Arial"/>
+            </a:endParaRPr>
+          </a:p>
+        </p:txBody>
+      </p:sp>
+      <p:sp>
+        <p:nvSpPr>
+          <p:cNvPr id="97" name="PlaceHolder 2"/>
           <p:cNvSpPr>
             <a:spLocks noGrp="1"/>
           </p:cNvSpPr>
@@ -4055,7 +7624,7 @@
         <p:spPr>
           <a:xfrm>
             <a:off x="504000" y="1326600"/>
-            <a:ext cx="9071640" cy="3288240"/>
+            <a:ext cx="9071280" cy="3287880"/>
           </a:xfrm>
           <a:prstGeom prst="rect">
             <a:avLst/>
@@ -4070,13 +7639,159 @@
             <a:normAutofit/>
           </a:bodyPr>
           <a:p>
-            <a:pPr indent="0">
-              <a:spcBef>
-                <a:spcPts val="1417"/>
-              </a:spcBef>
-              <a:buNone/>
-            </a:pPr>
-            <a:endParaRPr b="0" lang="zxx" sz="3200" spc="-1" strike="noStrike">
+            <a:pPr indent="0" algn="ctr">
+              <a:lnSpc>
+                <a:spcPct val="100000"/>
+              </a:lnSpc>
+              <a:buNone/>
+            </a:pPr>
+            <a:r>
+              <a:rPr b="0" lang="pt-BR" sz="1800" spc="-1" strike="noStrike">
+                <a:solidFill>
+                  <a:srgbClr val="000000"/>
+                </a:solidFill>
+                <a:latin typeface="Arial"/>
+              </a:rPr>
+              <a:t>&lt;Pipelines&gt;</a:t>
+            </a:r>
+            <a:endParaRPr b="0" lang="pt-BR" sz="1800" spc="-1" strike="noStrike">
+              <a:solidFill>
+                <a:srgbClr val="000000"/>
+              </a:solidFill>
+              <a:latin typeface="Arial"/>
+            </a:endParaRPr>
+          </a:p>
+        </p:txBody>
+      </p:sp>
+    </p:spTree>
+  </p:cSld>
+  <mc:AlternateContent>
+    <mc:Choice Requires="p14">
+      <p:transition spd="slow" p14:dur="2000"/>
+    </mc:Choice>
+    <mc:Fallback>
+      <p:transition spd="slow"/>
+    </mc:Fallback>
+  </mc:AlternateContent>
+</p:sld>
+</file>
+
+<file path=ppt/slides/slide9.xml><?xml version="1.0" encoding="utf-8"?>
+<p:sld xmlns:a="http://schemas.openxmlformats.org/drawingml/2006/main" xmlns:p="http://schemas.openxmlformats.org/presentationml/2006/main" xmlns:r="http://schemas.openxmlformats.org/officeDocument/2006/relationships" xmlns:p14="http://schemas.microsoft.com/office/powerpoint/2010/main" xmlns:p15="http://schemas.microsoft.com/office/powerpoint/2012/main" xmlns:mc="http://schemas.openxmlformats.org/markup-compatibility/2006">
+  <p:cSld>
+    <p:spTree>
+      <p:nvGrpSpPr>
+        <p:cNvPr id="1" name=""/>
+        <p:cNvGrpSpPr/>
+        <p:nvPr/>
+      </p:nvGrpSpPr>
+      <p:grpSpPr>
+        <a:xfrm>
+          <a:off x="0" y="0"/>
+          <a:ext cx="0" cy="0"/>
+          <a:chOff x="0" y="0"/>
+          <a:chExt cx="0" cy="0"/>
+        </a:xfrm>
+      </p:grpSpPr>
+      <p:sp>
+        <p:nvSpPr>
+          <p:cNvPr id="98" name="PlaceHolder 1"/>
+          <p:cNvSpPr>
+            <a:spLocks noGrp="1"/>
+          </p:cNvSpPr>
+          <p:nvPr>
+            <p:ph type="title"/>
+          </p:nvPr>
+        </p:nvSpPr>
+        <p:spPr>
+          <a:xfrm>
+            <a:off x="504000" y="226080"/>
+            <a:ext cx="9071280" cy="946080"/>
+          </a:xfrm>
+          <a:prstGeom prst="rect">
+            <a:avLst/>
+          </a:prstGeom>
+          <a:noFill/>
+          <a:ln w="0">
+            <a:noFill/>
+          </a:ln>
+        </p:spPr>
+        <p:txBody>
+          <a:bodyPr lIns="0" rIns="0" tIns="0" bIns="0" anchor="ctr">
+            <a:noAutofit/>
+          </a:bodyPr>
+          <a:p>
+            <a:pPr indent="0" algn="ctr">
+              <a:lnSpc>
+                <a:spcPct val="100000"/>
+              </a:lnSpc>
+              <a:buNone/>
+              <a:tabLst>
+                <a:tab algn="l" pos="0"/>
+              </a:tabLst>
+            </a:pPr>
+            <a:r>
+              <a:rPr b="0" lang="pt-BR" sz="4400" spc="-1" strike="noStrike">
+                <a:solidFill>
+                  <a:srgbClr val="000000"/>
+                </a:solidFill>
+                <a:latin typeface="Arial"/>
+              </a:rPr>
+              <a:t>Source Control</a:t>
+            </a:r>
+            <a:endParaRPr b="0" lang="pt-BR" sz="4400" spc="-1" strike="noStrike">
+              <a:solidFill>
+                <a:srgbClr val="000000"/>
+              </a:solidFill>
+              <a:latin typeface="Arial"/>
+            </a:endParaRPr>
+          </a:p>
+        </p:txBody>
+      </p:sp>
+      <p:sp>
+        <p:nvSpPr>
+          <p:cNvPr id="99" name="PlaceHolder 2"/>
+          <p:cNvSpPr>
+            <a:spLocks noGrp="1"/>
+          </p:cNvSpPr>
+          <p:nvPr>
+            <p:ph/>
+          </p:nvPr>
+        </p:nvSpPr>
+        <p:spPr>
+          <a:xfrm>
+            <a:off x="504000" y="1326600"/>
+            <a:ext cx="9071280" cy="3287880"/>
+          </a:xfrm>
+          <a:prstGeom prst="rect">
+            <a:avLst/>
+          </a:prstGeom>
+          <a:noFill/>
+          <a:ln w="0">
+            <a:noFill/>
+          </a:ln>
+        </p:spPr>
+        <p:txBody>
+          <a:bodyPr lIns="0" rIns="0" tIns="0" bIns="0" anchor="t">
+            <a:normAutofit/>
+          </a:bodyPr>
+          <a:p>
+            <a:pPr indent="0" algn="ctr">
+              <a:lnSpc>
+                <a:spcPct val="100000"/>
+              </a:lnSpc>
+              <a:buNone/>
+            </a:pPr>
+            <a:r>
+              <a:rPr b="0" lang="pt-BR" sz="1800" spc="-1" strike="noStrike">
+                <a:solidFill>
+                  <a:srgbClr val="000000"/>
+                </a:solidFill>
+                <a:latin typeface="Arial"/>
+              </a:rPr>
+              <a:t>&lt;Projetos&gt;</a:t>
+            </a:r>
+            <a:endParaRPr b="0" lang="pt-BR" sz="1800" spc="-1" strike="noStrike">
               <a:solidFill>
                 <a:srgbClr val="000000"/>
               </a:solidFill>
@@ -4103,10 +7818,213 @@
   <a:themeElements>
     <a:clrScheme name="Office">
       <a:dk1>
-        <a:sysClr val="windowText" lastClr="000000"/>
+        <a:srgbClr val="000000"/>
       </a:dk1>
       <a:lt1>
-        <a:sysClr val="window" lastClr="FFFFFF"/>
+        <a:srgbClr val="ffffff"/>
+      </a:lt1>
+      <a:dk2>
+        <a:srgbClr val="1f497d"/>
+      </a:dk2>
+      <a:lt2>
+        <a:srgbClr val="eeece1"/>
+      </a:lt2>
+      <a:accent1>
+        <a:srgbClr val="4f81bd"/>
+      </a:accent1>
+      <a:accent2>
+        <a:srgbClr val="c0504d"/>
+      </a:accent2>
+      <a:accent3>
+        <a:srgbClr val="9bbb59"/>
+      </a:accent3>
+      <a:accent4>
+        <a:srgbClr val="8064a2"/>
+      </a:accent4>
+      <a:accent5>
+        <a:srgbClr val="4bacc6"/>
+      </a:accent5>
+      <a:accent6>
+        <a:srgbClr val="f79646"/>
+      </a:accent6>
+      <a:hlink>
+        <a:srgbClr val="0000ff"/>
+      </a:hlink>
+      <a:folHlink>
+        <a:srgbClr val="800080"/>
+      </a:folHlink>
+    </a:clrScheme>
+    <a:fontScheme name="Office">
+      <a:majorFont>
+        <a:latin typeface="Arial"/>
+        <a:ea typeface="DejaVu Sans"/>
+        <a:cs typeface="DejaVu Sans"/>
+      </a:majorFont>
+      <a:minorFont>
+        <a:latin typeface="Arial"/>
+        <a:ea typeface="DejaVu Sans"/>
+        <a:cs typeface="DejaVu Sans"/>
+      </a:minorFont>
+    </a:fontScheme>
+    <a:fmtScheme name="Office">
+      <a:fillStyleLst>
+        <a:solidFill>
+          <a:schemeClr val="phClr"/>
+        </a:solidFill>
+        <a:gradFill rotWithShape="1">
+          <a:gsLst>
+            <a:gs pos="0">
+              <a:schemeClr val="phClr">
+                <a:tint val="50000"/>
+                <a:satMod val="300000"/>
+              </a:schemeClr>
+            </a:gs>
+            <a:gs pos="35000">
+              <a:schemeClr val="phClr">
+                <a:tint val="37000"/>
+                <a:satMod val="300000"/>
+              </a:schemeClr>
+            </a:gs>
+            <a:gs pos="100000">
+              <a:schemeClr val="phClr">
+                <a:tint val="15000"/>
+                <a:satMod val="350000"/>
+              </a:schemeClr>
+            </a:gs>
+          </a:gsLst>
+          <a:lin ang="16200000" scaled="1"/>
+        </a:gradFill>
+        <a:gradFill rotWithShape="1">
+          <a:gsLst>
+            <a:gs pos="0">
+              <a:schemeClr val="phClr">
+                <a:shade val="51000"/>
+                <a:satMod val="130000"/>
+              </a:schemeClr>
+            </a:gs>
+            <a:gs pos="80000">
+              <a:schemeClr val="phClr">
+                <a:shade val="93000"/>
+                <a:satMod val="130000"/>
+              </a:schemeClr>
+            </a:gs>
+            <a:gs pos="100000">
+              <a:schemeClr val="phClr">
+                <a:shade val="94000"/>
+                <a:satMod val="135000"/>
+              </a:schemeClr>
+            </a:gs>
+          </a:gsLst>
+          <a:lin ang="16200000" scaled="0"/>
+        </a:gradFill>
+      </a:fillStyleLst>
+      <a:lnStyleLst>
+        <a:ln w="6350" cap="flat" cmpd="sng" algn="ctr">
+          <a:solidFill>
+            <a:schemeClr val="phClr">
+              <a:shade val="95000"/>
+              <a:satMod val="105000"/>
+            </a:schemeClr>
+          </a:solidFill>
+          <a:prstDash val="solid"/>
+          <a:miter/>
+        </a:ln>
+        <a:ln w="12700" cap="flat" cmpd="sng" algn="ctr">
+          <a:solidFill>
+            <a:schemeClr val="phClr"/>
+          </a:solidFill>
+          <a:prstDash val="solid"/>
+          <a:miter/>
+        </a:ln>
+        <a:ln w="19050" cap="flat" cmpd="sng" algn="ctr">
+          <a:solidFill>
+            <a:schemeClr val="phClr"/>
+          </a:solidFill>
+          <a:prstDash val="solid"/>
+          <a:miter/>
+        </a:ln>
+      </a:lnStyleLst>
+      <a:effectStyleLst>
+        <a:effectStyle>
+          <a:effectLst/>
+        </a:effectStyle>
+        <a:effectStyle>
+          <a:effectLst/>
+        </a:effectStyle>
+        <a:effectStyle>
+          <a:effectLst>
+            <a:outerShdw blurRad="40000" dist="23000" dir="5400000" rotWithShape="0">
+              <a:srgbClr val="000000">
+                <a:alpha val="35000"/>
+              </a:srgbClr>
+            </a:outerShdw>
+          </a:effectLst>
+        </a:effectStyle>
+      </a:effectStyleLst>
+      <a:bgFillStyleLst>
+        <a:solidFill>
+          <a:schemeClr val="phClr"/>
+        </a:solidFill>
+        <a:gradFill rotWithShape="1">
+          <a:gsLst>
+            <a:gs pos="0">
+              <a:schemeClr val="phClr">
+                <a:tint val="40000"/>
+                <a:satMod val="350000"/>
+              </a:schemeClr>
+            </a:gs>
+            <a:gs pos="40000">
+              <a:schemeClr val="phClr">
+                <a:tint val="45000"/>
+                <a:shade val="99000"/>
+                <a:satMod val="350000"/>
+              </a:schemeClr>
+            </a:gs>
+            <a:gs pos="100000">
+              <a:schemeClr val="phClr">
+                <a:shade val="20000"/>
+                <a:satMod val="255000"/>
+              </a:schemeClr>
+            </a:gs>
+          </a:gsLst>
+          <a:path path="circle">
+            <a:fillToRect l="50000" t="-80000" r="50000" b="180000"/>
+          </a:path>
+        </a:gradFill>
+        <a:gradFill rotWithShape="1">
+          <a:gsLst>
+            <a:gs pos="0">
+              <a:schemeClr val="phClr">
+                <a:tint val="80000"/>
+                <a:satMod val="300000"/>
+              </a:schemeClr>
+            </a:gs>
+            <a:gs pos="100000">
+              <a:schemeClr val="phClr">
+                <a:shade val="30000"/>
+                <a:satMod val="200000"/>
+              </a:schemeClr>
+            </a:gs>
+          </a:gsLst>
+          <a:path path="circle">
+            <a:fillToRect l="50000" t="50000" r="50000" b="50000"/>
+          </a:path>
+        </a:gradFill>
+      </a:bgFillStyleLst>
+    </a:fmtScheme>
+  </a:themeElements>
+</a:theme>
+</file>
+
+<file path=ppt/theme/theme2.xml><?xml version="1.0" encoding="utf-8"?>
+<a:theme xmlns:a="http://schemas.openxmlformats.org/drawingml/2006/main" name="Office Theme">
+  <a:themeElements>
+    <a:clrScheme name="Office">
+      <a:dk1>
+        <a:srgbClr val="000000"/>
+      </a:dk1>
+      <a:lt1>
+        <a:srgbClr val="ffffff"/>
       </a:lt1>
       <a:dk2>
         <a:srgbClr val="1f497d"/>

--- a/Files/TCC - Final/Apresentacao_Final.pptx
+++ b/Files/TCC - Final/Apresentacao_Final.pptx
@@ -74,7 +74,7 @@
         <p:txBody>
           <a:bodyPr/>
           <a:p>
-            <a:fld id="{82F32AAE-CD22-4423-A984-774A970779F7}" type="slidenum">
+            <a:fld id="{D78C7CE6-9959-4587-9062-D7F0DA1549A3}" type="slidenum">
               <a:t>&lt;#&gt;</a:t>
             </a:fld>
           </a:p>
@@ -95,7 +95,7 @@
           <a:bodyPr/>
           <a:p>
             <a:r>
-              <a:rPr lang="pt-BR"/>
+              <a:rPr lang="en-CA"/>
               <a:t/>
             </a:r>
           </a:p>
@@ -136,7 +136,7 @@
         <p:spPr>
           <a:xfrm>
             <a:off x="504000" y="226080"/>
-            <a:ext cx="9071280" cy="946080"/>
+            <a:ext cx="9072000" cy="946440"/>
           </a:xfrm>
           <a:prstGeom prst="rect">
             <a:avLst/>
@@ -176,7 +176,7 @@
         <p:spPr>
           <a:xfrm>
             <a:off x="504000" y="1326600"/>
-            <a:ext cx="9071280" cy="1568160"/>
+            <a:ext cx="9072000" cy="1568520"/>
           </a:xfrm>
           <a:prstGeom prst="rect">
             <a:avLst/>
@@ -218,8 +218,8 @@
         </p:nvSpPr>
         <p:spPr>
           <a:xfrm>
-            <a:off x="504000" y="3044160"/>
-            <a:ext cx="9071280" cy="1568160"/>
+            <a:off x="504000" y="3044520"/>
+            <a:ext cx="9072000" cy="1568520"/>
           </a:xfrm>
           <a:prstGeom prst="rect">
             <a:avLst/>
@@ -283,7 +283,7 @@
         <p:txBody>
           <a:bodyPr/>
           <a:p>
-            <a:fld id="{CA08088F-D319-4183-A7DE-5A2498EEB341}" type="slidenum">
+            <a:fld id="{F76DCF2E-7885-41BF-AE70-7239437CD8CC}" type="slidenum">
               <a:t>&lt;#&gt;</a:t>
             </a:fld>
           </a:p>
@@ -304,7 +304,7 @@
           <a:bodyPr/>
           <a:p>
             <a:r>
-              <a:rPr lang="pt-BR"/>
+              <a:rPr lang="en-CA"/>
               <a:t/>
             </a:r>
           </a:p>
@@ -345,7 +345,7 @@
         <p:spPr>
           <a:xfrm>
             <a:off x="504000" y="226080"/>
-            <a:ext cx="9071280" cy="946080"/>
+            <a:ext cx="9072000" cy="946440"/>
           </a:xfrm>
           <a:prstGeom prst="rect">
             <a:avLst/>
@@ -385,7 +385,7 @@
         <p:spPr>
           <a:xfrm>
             <a:off x="504000" y="1326600"/>
-            <a:ext cx="4426560" cy="1568160"/>
+            <a:ext cx="4426920" cy="1568520"/>
           </a:xfrm>
           <a:prstGeom prst="rect">
             <a:avLst/>
@@ -427,8 +427,8 @@
         </p:nvSpPr>
         <p:spPr>
           <a:xfrm>
-            <a:off x="5152320" y="1326600"/>
-            <a:ext cx="4426560" cy="1568160"/>
+            <a:off x="5152680" y="1326600"/>
+            <a:ext cx="4426920" cy="1568520"/>
           </a:xfrm>
           <a:prstGeom prst="rect">
             <a:avLst/>
@@ -470,8 +470,8 @@
         </p:nvSpPr>
         <p:spPr>
           <a:xfrm>
-            <a:off x="504000" y="3044160"/>
-            <a:ext cx="4426560" cy="1568160"/>
+            <a:off x="504000" y="3044520"/>
+            <a:ext cx="4426920" cy="1568520"/>
           </a:xfrm>
           <a:prstGeom prst="rect">
             <a:avLst/>
@@ -513,8 +513,8 @@
         </p:nvSpPr>
         <p:spPr>
           <a:xfrm>
-            <a:off x="5152320" y="3044160"/>
-            <a:ext cx="4426560" cy="1568160"/>
+            <a:off x="5152680" y="3044520"/>
+            <a:ext cx="4426920" cy="1568520"/>
           </a:xfrm>
           <a:prstGeom prst="rect">
             <a:avLst/>
@@ -578,7 +578,7 @@
         <p:txBody>
           <a:bodyPr/>
           <a:p>
-            <a:fld id="{28949732-ED75-44C8-AA2D-48F41F6464DB}" type="slidenum">
+            <a:fld id="{A0FCA35E-9A69-4EC0-A8CD-7AFFB3F65111}" type="slidenum">
               <a:t>&lt;#&gt;</a:t>
             </a:fld>
           </a:p>
@@ -599,7 +599,7 @@
           <a:bodyPr/>
           <a:p>
             <a:r>
-              <a:rPr lang="pt-BR"/>
+              <a:rPr lang="en-CA"/>
               <a:t/>
             </a:r>
           </a:p>
@@ -640,7 +640,7 @@
         <p:spPr>
           <a:xfrm>
             <a:off x="504000" y="226080"/>
-            <a:ext cx="9071280" cy="946080"/>
+            <a:ext cx="9072000" cy="946440"/>
           </a:xfrm>
           <a:prstGeom prst="rect">
             <a:avLst/>
@@ -680,7 +680,7 @@
         <p:spPr>
           <a:xfrm>
             <a:off x="504000" y="1326600"/>
-            <a:ext cx="2920680" cy="1568160"/>
+            <a:ext cx="2921040" cy="1568520"/>
           </a:xfrm>
           <a:prstGeom prst="rect">
             <a:avLst/>
@@ -722,8 +722,8 @@
         </p:nvSpPr>
         <p:spPr>
           <a:xfrm>
-            <a:off x="3571200" y="1326600"/>
-            <a:ext cx="2920680" cy="1568160"/>
+            <a:off x="3571560" y="1326600"/>
+            <a:ext cx="2921040" cy="1568520"/>
           </a:xfrm>
           <a:prstGeom prst="rect">
             <a:avLst/>
@@ -765,8 +765,8 @@
         </p:nvSpPr>
         <p:spPr>
           <a:xfrm>
-            <a:off x="6638040" y="1326600"/>
-            <a:ext cx="2920680" cy="1568160"/>
+            <a:off x="6639120" y="1326600"/>
+            <a:ext cx="2921040" cy="1568520"/>
           </a:xfrm>
           <a:prstGeom prst="rect">
             <a:avLst/>
@@ -808,8 +808,8 @@
         </p:nvSpPr>
         <p:spPr>
           <a:xfrm>
-            <a:off x="504000" y="3044160"/>
-            <a:ext cx="2920680" cy="1568160"/>
+            <a:off x="504000" y="3044520"/>
+            <a:ext cx="2921040" cy="1568520"/>
           </a:xfrm>
           <a:prstGeom prst="rect">
             <a:avLst/>
@@ -851,8 +851,8 @@
         </p:nvSpPr>
         <p:spPr>
           <a:xfrm>
-            <a:off x="3571200" y="3044160"/>
-            <a:ext cx="2920680" cy="1568160"/>
+            <a:off x="3571560" y="3044520"/>
+            <a:ext cx="2921040" cy="1568520"/>
           </a:xfrm>
           <a:prstGeom prst="rect">
             <a:avLst/>
@@ -894,8 +894,8 @@
         </p:nvSpPr>
         <p:spPr>
           <a:xfrm>
-            <a:off x="6638040" y="3044160"/>
-            <a:ext cx="2920680" cy="1568160"/>
+            <a:off x="6639120" y="3044520"/>
+            <a:ext cx="2921040" cy="1568520"/>
           </a:xfrm>
           <a:prstGeom prst="rect">
             <a:avLst/>
@@ -959,7 +959,7 @@
         <p:txBody>
           <a:bodyPr/>
           <a:p>
-            <a:fld id="{A031FE8E-2B97-41AA-8290-78B00645EF5E}" type="slidenum">
+            <a:fld id="{6012B156-A996-4900-BF8E-EAB71E75661C}" type="slidenum">
               <a:t>&lt;#&gt;</a:t>
             </a:fld>
           </a:p>
@@ -980,7 +980,7 @@
           <a:bodyPr/>
           <a:p>
             <a:r>
-              <a:rPr lang="pt-BR"/>
+              <a:rPr lang="en-CA"/>
               <a:t/>
             </a:r>
           </a:p>
@@ -1042,7 +1042,7 @@
         <p:txBody>
           <a:bodyPr/>
           <a:p>
-            <a:fld id="{C73660DC-320C-4FDA-946C-BB7F9307FAD5}" type="slidenum">
+            <a:fld id="{C854EA5C-A5E2-4FC0-8204-1B831F28C5CD}" type="slidenum">
               <a:t>&lt;#&gt;</a:t>
             </a:fld>
           </a:p>
@@ -1063,7 +1063,7 @@
           <a:bodyPr/>
           <a:p>
             <a:r>
-              <a:rPr lang="pt-BR"/>
+              <a:rPr lang="en-CA"/>
               <a:t/>
             </a:r>
           </a:p>
@@ -1104,7 +1104,7 @@
         <p:spPr>
           <a:xfrm>
             <a:off x="504000" y="226080"/>
-            <a:ext cx="9071280" cy="946080"/>
+            <a:ext cx="9072000" cy="946440"/>
           </a:xfrm>
           <a:prstGeom prst="rect">
             <a:avLst/>
@@ -1144,7 +1144,7 @@
         <p:spPr>
           <a:xfrm>
             <a:off x="504000" y="1326600"/>
-            <a:ext cx="9071280" cy="3287880"/>
+            <a:ext cx="9072000" cy="3288600"/>
           </a:xfrm>
           <a:prstGeom prst="rect">
             <a:avLst/>
@@ -1205,7 +1205,7 @@
         <p:txBody>
           <a:bodyPr/>
           <a:p>
-            <a:fld id="{E209963D-9664-490C-80B6-048D46FEA43F}" type="slidenum">
+            <a:fld id="{9948EBCA-D311-49DE-BD43-1FAF1CE0B080}" type="slidenum">
               <a:t>&lt;#&gt;</a:t>
             </a:fld>
           </a:p>
@@ -1226,7 +1226,7 @@
           <a:bodyPr/>
           <a:p>
             <a:r>
-              <a:rPr lang="pt-BR"/>
+              <a:rPr lang="en-CA"/>
               <a:t/>
             </a:r>
           </a:p>
@@ -1267,7 +1267,7 @@
         <p:spPr>
           <a:xfrm>
             <a:off x="504000" y="226080"/>
-            <a:ext cx="9071280" cy="946080"/>
+            <a:ext cx="9072000" cy="946440"/>
           </a:xfrm>
           <a:prstGeom prst="rect">
             <a:avLst/>
@@ -1307,7 +1307,7 @@
         <p:spPr>
           <a:xfrm>
             <a:off x="504000" y="1326600"/>
-            <a:ext cx="9071280" cy="3287880"/>
+            <a:ext cx="9072000" cy="3288600"/>
           </a:xfrm>
           <a:prstGeom prst="rect">
             <a:avLst/>
@@ -1371,7 +1371,7 @@
         <p:txBody>
           <a:bodyPr/>
           <a:p>
-            <a:fld id="{3387BCA0-D972-43DF-9C27-69A93A27B486}" type="slidenum">
+            <a:fld id="{6D1756A9-3440-4600-B1E5-825043B9E43D}" type="slidenum">
               <a:t>&lt;#&gt;</a:t>
             </a:fld>
           </a:p>
@@ -1392,7 +1392,7 @@
           <a:bodyPr/>
           <a:p>
             <a:r>
-              <a:rPr lang="pt-BR"/>
+              <a:rPr lang="en-CA"/>
               <a:t/>
             </a:r>
           </a:p>
@@ -1433,7 +1433,7 @@
         <p:spPr>
           <a:xfrm>
             <a:off x="504000" y="226080"/>
-            <a:ext cx="9071280" cy="946080"/>
+            <a:ext cx="9072000" cy="946440"/>
           </a:xfrm>
           <a:prstGeom prst="rect">
             <a:avLst/>
@@ -1473,7 +1473,7 @@
         <p:spPr>
           <a:xfrm>
             <a:off x="504000" y="1326600"/>
-            <a:ext cx="4426560" cy="3287880"/>
+            <a:ext cx="4426920" cy="3288600"/>
           </a:xfrm>
           <a:prstGeom prst="rect">
             <a:avLst/>
@@ -1515,8 +1515,8 @@
         </p:nvSpPr>
         <p:spPr>
           <a:xfrm>
-            <a:off x="5152320" y="1326600"/>
-            <a:ext cx="4426560" cy="3287880"/>
+            <a:off x="5152680" y="1326600"/>
+            <a:ext cx="4426920" cy="3288600"/>
           </a:xfrm>
           <a:prstGeom prst="rect">
             <a:avLst/>
@@ -1580,7 +1580,7 @@
         <p:txBody>
           <a:bodyPr/>
           <a:p>
-            <a:fld id="{C0180DFA-6F90-4EB2-A375-E48FC6A5DF10}" type="slidenum">
+            <a:fld id="{0127B6C5-794E-4C95-B44A-8C4F21895596}" type="slidenum">
               <a:t>&lt;#&gt;</a:t>
             </a:fld>
           </a:p>
@@ -1601,7 +1601,7 @@
           <a:bodyPr/>
           <a:p>
             <a:r>
-              <a:rPr lang="pt-BR"/>
+              <a:rPr lang="en-CA"/>
               <a:t/>
             </a:r>
           </a:p>
@@ -1642,7 +1642,7 @@
         <p:spPr>
           <a:xfrm>
             <a:off x="504000" y="226080"/>
-            <a:ext cx="9071280" cy="946080"/>
+            <a:ext cx="9072000" cy="946440"/>
           </a:xfrm>
           <a:prstGeom prst="rect">
             <a:avLst/>
@@ -1703,7 +1703,7 @@
         <p:txBody>
           <a:bodyPr/>
           <a:p>
-            <a:fld id="{67A8F826-C4DC-49EE-BE77-B28B6AA175A8}" type="slidenum">
+            <a:fld id="{B5E6BB4B-1477-49A7-851B-01BFA0789A7A}" type="slidenum">
               <a:t>&lt;#&gt;</a:t>
             </a:fld>
           </a:p>
@@ -1724,7 +1724,7 @@
           <a:bodyPr/>
           <a:p>
             <a:r>
-              <a:rPr lang="pt-BR"/>
+              <a:rPr lang="en-CA"/>
               <a:t/>
             </a:r>
           </a:p>
@@ -1765,7 +1765,7 @@
         <p:spPr>
           <a:xfrm>
             <a:off x="504000" y="226080"/>
-            <a:ext cx="9071280" cy="4386600"/>
+            <a:ext cx="9072000" cy="4388400"/>
           </a:xfrm>
           <a:prstGeom prst="rect">
             <a:avLst/>
@@ -1824,7 +1824,7 @@
         <p:txBody>
           <a:bodyPr/>
           <a:p>
-            <a:fld id="{08B27996-EA74-4925-BB98-E670750873C4}" type="slidenum">
+            <a:fld id="{889BA953-BBE8-463C-B36A-8DC016AC980B}" type="slidenum">
               <a:t>&lt;#&gt;</a:t>
             </a:fld>
           </a:p>
@@ -1845,7 +1845,7 @@
           <a:bodyPr/>
           <a:p>
             <a:r>
-              <a:rPr lang="pt-BR"/>
+              <a:rPr lang="en-CA"/>
               <a:t/>
             </a:r>
           </a:p>
@@ -1886,7 +1886,7 @@
         <p:spPr>
           <a:xfrm>
             <a:off x="504000" y="226080"/>
-            <a:ext cx="9071280" cy="946080"/>
+            <a:ext cx="9072000" cy="946440"/>
           </a:xfrm>
           <a:prstGeom prst="rect">
             <a:avLst/>
@@ -1926,7 +1926,7 @@
         <p:spPr>
           <a:xfrm>
             <a:off x="504000" y="1326600"/>
-            <a:ext cx="4426560" cy="1568160"/>
+            <a:ext cx="4426920" cy="1568520"/>
           </a:xfrm>
           <a:prstGeom prst="rect">
             <a:avLst/>
@@ -1968,8 +1968,8 @@
         </p:nvSpPr>
         <p:spPr>
           <a:xfrm>
-            <a:off x="5152320" y="1326600"/>
-            <a:ext cx="4426560" cy="3287880"/>
+            <a:off x="5152680" y="1326600"/>
+            <a:ext cx="4426920" cy="3288600"/>
           </a:xfrm>
           <a:prstGeom prst="rect">
             <a:avLst/>
@@ -2011,8 +2011,8 @@
         </p:nvSpPr>
         <p:spPr>
           <a:xfrm>
-            <a:off x="504000" y="3044160"/>
-            <a:ext cx="4426560" cy="1568160"/>
+            <a:off x="504000" y="3044520"/>
+            <a:ext cx="4426920" cy="1568520"/>
           </a:xfrm>
           <a:prstGeom prst="rect">
             <a:avLst/>
@@ -2076,7 +2076,7 @@
         <p:txBody>
           <a:bodyPr/>
           <a:p>
-            <a:fld id="{6A8182A2-B2DE-4E46-8EA9-30099CD46AA7}" type="slidenum">
+            <a:fld id="{AFCB16EC-A54B-4D7A-BE0B-62A0CFB5FEC8}" type="slidenum">
               <a:t>&lt;#&gt;</a:t>
             </a:fld>
           </a:p>
@@ -2097,7 +2097,7 @@
           <a:bodyPr/>
           <a:p>
             <a:r>
-              <a:rPr lang="pt-BR"/>
+              <a:rPr lang="en-CA"/>
               <a:t/>
             </a:r>
           </a:p>
@@ -2138,7 +2138,7 @@
         <p:spPr>
           <a:xfrm>
             <a:off x="504000" y="226080"/>
-            <a:ext cx="9071280" cy="946080"/>
+            <a:ext cx="9072000" cy="946440"/>
           </a:xfrm>
           <a:prstGeom prst="rect">
             <a:avLst/>
@@ -2178,7 +2178,7 @@
         <p:spPr>
           <a:xfrm>
             <a:off x="504000" y="1326600"/>
-            <a:ext cx="9071280" cy="3287880"/>
+            <a:ext cx="9072000" cy="3288600"/>
           </a:xfrm>
           <a:prstGeom prst="rect">
             <a:avLst/>
@@ -2239,7 +2239,7 @@
         <p:txBody>
           <a:bodyPr/>
           <a:p>
-            <a:fld id="{551955EF-B8FB-492B-A3D1-FD3688929D54}" type="slidenum">
+            <a:fld id="{3BB3FDA0-4C6B-47D9-A51A-FD68FE1C19E3}" type="slidenum">
               <a:t>&lt;#&gt;</a:t>
             </a:fld>
           </a:p>
@@ -2260,7 +2260,7 @@
           <a:bodyPr/>
           <a:p>
             <a:r>
-              <a:rPr lang="pt-BR"/>
+              <a:rPr lang="en-CA"/>
               <a:t/>
             </a:r>
           </a:p>
@@ -2301,7 +2301,7 @@
         <p:spPr>
           <a:xfrm>
             <a:off x="504000" y="226080"/>
-            <a:ext cx="9071280" cy="946080"/>
+            <a:ext cx="9072000" cy="946440"/>
           </a:xfrm>
           <a:prstGeom prst="rect">
             <a:avLst/>
@@ -2341,7 +2341,7 @@
         <p:spPr>
           <a:xfrm>
             <a:off x="504000" y="1326600"/>
-            <a:ext cx="4426560" cy="3287880"/>
+            <a:ext cx="4426920" cy="3288600"/>
           </a:xfrm>
           <a:prstGeom prst="rect">
             <a:avLst/>
@@ -2383,8 +2383,8 @@
         </p:nvSpPr>
         <p:spPr>
           <a:xfrm>
-            <a:off x="5152320" y="1326600"/>
-            <a:ext cx="4426560" cy="1568160"/>
+            <a:off x="5152680" y="1326600"/>
+            <a:ext cx="4426920" cy="1568520"/>
           </a:xfrm>
           <a:prstGeom prst="rect">
             <a:avLst/>
@@ -2426,8 +2426,8 @@
         </p:nvSpPr>
         <p:spPr>
           <a:xfrm>
-            <a:off x="5152320" y="3044160"/>
-            <a:ext cx="4426560" cy="1568160"/>
+            <a:off x="5152680" y="3044520"/>
+            <a:ext cx="4426920" cy="1568520"/>
           </a:xfrm>
           <a:prstGeom prst="rect">
             <a:avLst/>
@@ -2491,7 +2491,7 @@
         <p:txBody>
           <a:bodyPr/>
           <a:p>
-            <a:fld id="{592084E4-CB71-41C5-A28D-5427AD573779}" type="slidenum">
+            <a:fld id="{22F51B99-2A20-43A4-AE37-858F492FADC5}" type="slidenum">
               <a:t>&lt;#&gt;</a:t>
             </a:fld>
           </a:p>
@@ -2512,7 +2512,7 @@
           <a:bodyPr/>
           <a:p>
             <a:r>
-              <a:rPr lang="pt-BR"/>
+              <a:rPr lang="en-CA"/>
               <a:t/>
             </a:r>
           </a:p>
@@ -2553,7 +2553,7 @@
         <p:spPr>
           <a:xfrm>
             <a:off x="504000" y="226080"/>
-            <a:ext cx="9071280" cy="946080"/>
+            <a:ext cx="9072000" cy="946440"/>
           </a:xfrm>
           <a:prstGeom prst="rect">
             <a:avLst/>
@@ -2593,7 +2593,7 @@
         <p:spPr>
           <a:xfrm>
             <a:off x="504000" y="1326600"/>
-            <a:ext cx="4426560" cy="1568160"/>
+            <a:ext cx="4426920" cy="1568520"/>
           </a:xfrm>
           <a:prstGeom prst="rect">
             <a:avLst/>
@@ -2635,8 +2635,8 @@
         </p:nvSpPr>
         <p:spPr>
           <a:xfrm>
-            <a:off x="5152320" y="1326600"/>
-            <a:ext cx="4426560" cy="1568160"/>
+            <a:off x="5152680" y="1326600"/>
+            <a:ext cx="4426920" cy="1568520"/>
           </a:xfrm>
           <a:prstGeom prst="rect">
             <a:avLst/>
@@ -2678,8 +2678,8 @@
         </p:nvSpPr>
         <p:spPr>
           <a:xfrm>
-            <a:off x="504000" y="3044160"/>
-            <a:ext cx="9071280" cy="1568160"/>
+            <a:off x="504000" y="3044520"/>
+            <a:ext cx="9072000" cy="1568520"/>
           </a:xfrm>
           <a:prstGeom prst="rect">
             <a:avLst/>
@@ -2743,7 +2743,7 @@
         <p:txBody>
           <a:bodyPr/>
           <a:p>
-            <a:fld id="{3F3366E0-C160-4D75-97E3-33CE4D778844}" type="slidenum">
+            <a:fld id="{8D891858-E26A-455A-83DF-ADBCE2F3F4AD}" type="slidenum">
               <a:t>&lt;#&gt;</a:t>
             </a:fld>
           </a:p>
@@ -2764,7 +2764,7 @@
           <a:bodyPr/>
           <a:p>
             <a:r>
-              <a:rPr lang="pt-BR"/>
+              <a:rPr lang="en-CA"/>
               <a:t/>
             </a:r>
           </a:p>
@@ -2805,7 +2805,7 @@
         <p:spPr>
           <a:xfrm>
             <a:off x="504000" y="226080"/>
-            <a:ext cx="9071280" cy="946080"/>
+            <a:ext cx="9072000" cy="946440"/>
           </a:xfrm>
           <a:prstGeom prst="rect">
             <a:avLst/>
@@ -2845,7 +2845,7 @@
         <p:spPr>
           <a:xfrm>
             <a:off x="504000" y="1326600"/>
-            <a:ext cx="9071280" cy="1568160"/>
+            <a:ext cx="9072000" cy="1568520"/>
           </a:xfrm>
           <a:prstGeom prst="rect">
             <a:avLst/>
@@ -2887,8 +2887,8 @@
         </p:nvSpPr>
         <p:spPr>
           <a:xfrm>
-            <a:off x="504000" y="3044160"/>
-            <a:ext cx="9071280" cy="1568160"/>
+            <a:off x="504000" y="3044520"/>
+            <a:ext cx="9072000" cy="1568520"/>
           </a:xfrm>
           <a:prstGeom prst="rect">
             <a:avLst/>
@@ -2952,7 +2952,7 @@
         <p:txBody>
           <a:bodyPr/>
           <a:p>
-            <a:fld id="{AA1E7177-FD50-41E9-830C-8DF55FC1E4D7}" type="slidenum">
+            <a:fld id="{45A4E931-1B8A-4496-947C-BC2B0606C54E}" type="slidenum">
               <a:t>&lt;#&gt;</a:t>
             </a:fld>
           </a:p>
@@ -2973,7 +2973,7 @@
           <a:bodyPr/>
           <a:p>
             <a:r>
-              <a:rPr lang="pt-BR"/>
+              <a:rPr lang="en-CA"/>
               <a:t/>
             </a:r>
           </a:p>
@@ -3014,7 +3014,7 @@
         <p:spPr>
           <a:xfrm>
             <a:off x="504000" y="226080"/>
-            <a:ext cx="9071280" cy="946080"/>
+            <a:ext cx="9072000" cy="946440"/>
           </a:xfrm>
           <a:prstGeom prst="rect">
             <a:avLst/>
@@ -3054,7 +3054,7 @@
         <p:spPr>
           <a:xfrm>
             <a:off x="504000" y="1326600"/>
-            <a:ext cx="4426560" cy="1568160"/>
+            <a:ext cx="4426920" cy="1568520"/>
           </a:xfrm>
           <a:prstGeom prst="rect">
             <a:avLst/>
@@ -3096,8 +3096,8 @@
         </p:nvSpPr>
         <p:spPr>
           <a:xfrm>
-            <a:off x="5152320" y="1326600"/>
-            <a:ext cx="4426560" cy="1568160"/>
+            <a:off x="5152680" y="1326600"/>
+            <a:ext cx="4426920" cy="1568520"/>
           </a:xfrm>
           <a:prstGeom prst="rect">
             <a:avLst/>
@@ -3139,8 +3139,8 @@
         </p:nvSpPr>
         <p:spPr>
           <a:xfrm>
-            <a:off x="504000" y="3044160"/>
-            <a:ext cx="4426560" cy="1568160"/>
+            <a:off x="504000" y="3044520"/>
+            <a:ext cx="4426920" cy="1568520"/>
           </a:xfrm>
           <a:prstGeom prst="rect">
             <a:avLst/>
@@ -3182,8 +3182,8 @@
         </p:nvSpPr>
         <p:spPr>
           <a:xfrm>
-            <a:off x="5152320" y="3044160"/>
-            <a:ext cx="4426560" cy="1568160"/>
+            <a:off x="5152680" y="3044520"/>
+            <a:ext cx="4426920" cy="1568520"/>
           </a:xfrm>
           <a:prstGeom prst="rect">
             <a:avLst/>
@@ -3247,7 +3247,7 @@
         <p:txBody>
           <a:bodyPr/>
           <a:p>
-            <a:fld id="{79F6EBAA-5411-4714-BDEE-89EB2ADF516F}" type="slidenum">
+            <a:fld id="{0F09450D-B9E6-4585-9B2E-53A1D5564A9D}" type="slidenum">
               <a:t>&lt;#&gt;</a:t>
             </a:fld>
           </a:p>
@@ -3268,7 +3268,7 @@
           <a:bodyPr/>
           <a:p>
             <a:r>
-              <a:rPr lang="pt-BR"/>
+              <a:rPr lang="en-CA"/>
               <a:t/>
             </a:r>
           </a:p>
@@ -3309,7 +3309,7 @@
         <p:spPr>
           <a:xfrm>
             <a:off x="504000" y="226080"/>
-            <a:ext cx="9071280" cy="946080"/>
+            <a:ext cx="9072000" cy="946440"/>
           </a:xfrm>
           <a:prstGeom prst="rect">
             <a:avLst/>
@@ -3349,7 +3349,7 @@
         <p:spPr>
           <a:xfrm>
             <a:off x="504000" y="1326600"/>
-            <a:ext cx="2920680" cy="1568160"/>
+            <a:ext cx="2921040" cy="1568520"/>
           </a:xfrm>
           <a:prstGeom prst="rect">
             <a:avLst/>
@@ -3391,8 +3391,8 @@
         </p:nvSpPr>
         <p:spPr>
           <a:xfrm>
-            <a:off x="3571200" y="1326600"/>
-            <a:ext cx="2920680" cy="1568160"/>
+            <a:off x="3571560" y="1326600"/>
+            <a:ext cx="2921040" cy="1568520"/>
           </a:xfrm>
           <a:prstGeom prst="rect">
             <a:avLst/>
@@ -3434,8 +3434,8 @@
         </p:nvSpPr>
         <p:spPr>
           <a:xfrm>
-            <a:off x="6638040" y="1326600"/>
-            <a:ext cx="2920680" cy="1568160"/>
+            <a:off x="6639120" y="1326600"/>
+            <a:ext cx="2921040" cy="1568520"/>
           </a:xfrm>
           <a:prstGeom prst="rect">
             <a:avLst/>
@@ -3477,8 +3477,8 @@
         </p:nvSpPr>
         <p:spPr>
           <a:xfrm>
-            <a:off x="504000" y="3044160"/>
-            <a:ext cx="2920680" cy="1568160"/>
+            <a:off x="504000" y="3044520"/>
+            <a:ext cx="2921040" cy="1568520"/>
           </a:xfrm>
           <a:prstGeom prst="rect">
             <a:avLst/>
@@ -3520,8 +3520,8 @@
         </p:nvSpPr>
         <p:spPr>
           <a:xfrm>
-            <a:off x="3571200" y="3044160"/>
-            <a:ext cx="2920680" cy="1568160"/>
+            <a:off x="3571560" y="3044520"/>
+            <a:ext cx="2921040" cy="1568520"/>
           </a:xfrm>
           <a:prstGeom prst="rect">
             <a:avLst/>
@@ -3563,8 +3563,8 @@
         </p:nvSpPr>
         <p:spPr>
           <a:xfrm>
-            <a:off x="6638040" y="3044160"/>
-            <a:ext cx="2920680" cy="1568160"/>
+            <a:off x="6639120" y="3044520"/>
+            <a:ext cx="2921040" cy="1568520"/>
           </a:xfrm>
           <a:prstGeom prst="rect">
             <a:avLst/>
@@ -3628,7 +3628,7 @@
         <p:txBody>
           <a:bodyPr/>
           <a:p>
-            <a:fld id="{73975E3A-C224-4275-9E7E-F5C1E936CADD}" type="slidenum">
+            <a:fld id="{A39D02D6-41FF-475D-8047-7A9647DD6B4B}" type="slidenum">
               <a:t>&lt;#&gt;</a:t>
             </a:fld>
           </a:p>
@@ -3649,7 +3649,7 @@
           <a:bodyPr/>
           <a:p>
             <a:r>
-              <a:rPr lang="pt-BR"/>
+              <a:rPr lang="en-CA"/>
               <a:t/>
             </a:r>
           </a:p>
@@ -3690,7 +3690,7 @@
         <p:spPr>
           <a:xfrm>
             <a:off x="504000" y="226080"/>
-            <a:ext cx="9071280" cy="946080"/>
+            <a:ext cx="9072000" cy="946440"/>
           </a:xfrm>
           <a:prstGeom prst="rect">
             <a:avLst/>
@@ -3730,7 +3730,7 @@
         <p:spPr>
           <a:xfrm>
             <a:off x="504000" y="1326600"/>
-            <a:ext cx="9071280" cy="3287880"/>
+            <a:ext cx="9072000" cy="3288600"/>
           </a:xfrm>
           <a:prstGeom prst="rect">
             <a:avLst/>
@@ -3794,7 +3794,7 @@
         <p:txBody>
           <a:bodyPr/>
           <a:p>
-            <a:fld id="{4FE801C7-25F2-4B8A-BA61-313884164685}" type="slidenum">
+            <a:fld id="{805479E9-0822-44E1-9CDD-C3704A46ED98}" type="slidenum">
               <a:t>&lt;#&gt;</a:t>
             </a:fld>
           </a:p>
@@ -3815,7 +3815,7 @@
           <a:bodyPr/>
           <a:p>
             <a:r>
-              <a:rPr lang="pt-BR"/>
+              <a:rPr lang="en-CA"/>
               <a:t/>
             </a:r>
           </a:p>
@@ -3856,7 +3856,7 @@
         <p:spPr>
           <a:xfrm>
             <a:off x="504000" y="226080"/>
-            <a:ext cx="9071280" cy="946080"/>
+            <a:ext cx="9072000" cy="946440"/>
           </a:xfrm>
           <a:prstGeom prst="rect">
             <a:avLst/>
@@ -3896,7 +3896,7 @@
         <p:spPr>
           <a:xfrm>
             <a:off x="504000" y="1326600"/>
-            <a:ext cx="4426560" cy="3287880"/>
+            <a:ext cx="4426920" cy="3288600"/>
           </a:xfrm>
           <a:prstGeom prst="rect">
             <a:avLst/>
@@ -3938,8 +3938,8 @@
         </p:nvSpPr>
         <p:spPr>
           <a:xfrm>
-            <a:off x="5152320" y="1326600"/>
-            <a:ext cx="4426560" cy="3287880"/>
+            <a:off x="5152680" y="1326600"/>
+            <a:ext cx="4426920" cy="3288600"/>
           </a:xfrm>
           <a:prstGeom prst="rect">
             <a:avLst/>
@@ -4003,7 +4003,7 @@
         <p:txBody>
           <a:bodyPr/>
           <a:p>
-            <a:fld id="{E82BAE47-1E1B-4767-8AAF-1ADA27E9D99D}" type="slidenum">
+            <a:fld id="{D5188253-F770-43DB-9364-188DAD007BEA}" type="slidenum">
               <a:t>&lt;#&gt;</a:t>
             </a:fld>
           </a:p>
@@ -4024,7 +4024,7 @@
           <a:bodyPr/>
           <a:p>
             <a:r>
-              <a:rPr lang="pt-BR"/>
+              <a:rPr lang="en-CA"/>
               <a:t/>
             </a:r>
           </a:p>
@@ -4065,7 +4065,7 @@
         <p:spPr>
           <a:xfrm>
             <a:off x="504000" y="226080"/>
-            <a:ext cx="9071280" cy="946080"/>
+            <a:ext cx="9072000" cy="946440"/>
           </a:xfrm>
           <a:prstGeom prst="rect">
             <a:avLst/>
@@ -4126,7 +4126,7 @@
         <p:txBody>
           <a:bodyPr/>
           <a:p>
-            <a:fld id="{A0BCBD06-FA49-4261-8EEF-9F8DF57ED630}" type="slidenum">
+            <a:fld id="{A1017491-3A45-4D1F-80F4-464C9AF73990}" type="slidenum">
               <a:t>&lt;#&gt;</a:t>
             </a:fld>
           </a:p>
@@ -4147,7 +4147,7 @@
           <a:bodyPr/>
           <a:p>
             <a:r>
-              <a:rPr lang="pt-BR"/>
+              <a:rPr lang="en-CA"/>
               <a:t/>
             </a:r>
           </a:p>
@@ -4188,7 +4188,7 @@
         <p:spPr>
           <a:xfrm>
             <a:off x="504000" y="226080"/>
-            <a:ext cx="9071280" cy="4386600"/>
+            <a:ext cx="9072000" cy="4388400"/>
           </a:xfrm>
           <a:prstGeom prst="rect">
             <a:avLst/>
@@ -4247,7 +4247,7 @@
         <p:txBody>
           <a:bodyPr/>
           <a:p>
-            <a:fld id="{BFFB67CC-A159-474C-BEB3-8F6785C425EA}" type="slidenum">
+            <a:fld id="{739C730A-DAA7-4AA8-8FBF-7B65EE46771E}" type="slidenum">
               <a:t>&lt;#&gt;</a:t>
             </a:fld>
           </a:p>
@@ -4268,7 +4268,7 @@
           <a:bodyPr/>
           <a:p>
             <a:r>
-              <a:rPr lang="pt-BR"/>
+              <a:rPr lang="en-CA"/>
               <a:t/>
             </a:r>
           </a:p>
@@ -4309,7 +4309,7 @@
         <p:spPr>
           <a:xfrm>
             <a:off x="504000" y="226080"/>
-            <a:ext cx="9071280" cy="946080"/>
+            <a:ext cx="9072000" cy="946440"/>
           </a:xfrm>
           <a:prstGeom prst="rect">
             <a:avLst/>
@@ -4349,7 +4349,7 @@
         <p:spPr>
           <a:xfrm>
             <a:off x="504000" y="1326600"/>
-            <a:ext cx="4426560" cy="1568160"/>
+            <a:ext cx="4426920" cy="1568520"/>
           </a:xfrm>
           <a:prstGeom prst="rect">
             <a:avLst/>
@@ -4391,8 +4391,8 @@
         </p:nvSpPr>
         <p:spPr>
           <a:xfrm>
-            <a:off x="5152320" y="1326600"/>
-            <a:ext cx="4426560" cy="3287880"/>
+            <a:off x="5152680" y="1326600"/>
+            <a:ext cx="4426920" cy="3288600"/>
           </a:xfrm>
           <a:prstGeom prst="rect">
             <a:avLst/>
@@ -4434,8 +4434,8 @@
         </p:nvSpPr>
         <p:spPr>
           <a:xfrm>
-            <a:off x="504000" y="3044160"/>
-            <a:ext cx="4426560" cy="1568160"/>
+            <a:off x="504000" y="3044520"/>
+            <a:ext cx="4426920" cy="1568520"/>
           </a:xfrm>
           <a:prstGeom prst="rect">
             <a:avLst/>
@@ -4499,7 +4499,7 @@
         <p:txBody>
           <a:bodyPr/>
           <a:p>
-            <a:fld id="{BADBA66F-4FC4-42CF-812F-F1B0FA57D80F}" type="slidenum">
+            <a:fld id="{9CD60421-5804-4D0C-A818-9037701E9040}" type="slidenum">
               <a:t>&lt;#&gt;</a:t>
             </a:fld>
           </a:p>
@@ -4520,7 +4520,7 @@
           <a:bodyPr/>
           <a:p>
             <a:r>
-              <a:rPr lang="pt-BR"/>
+              <a:rPr lang="en-CA"/>
               <a:t/>
             </a:r>
           </a:p>
@@ -4561,7 +4561,7 @@
         <p:spPr>
           <a:xfrm>
             <a:off x="504000" y="226080"/>
-            <a:ext cx="9071280" cy="946080"/>
+            <a:ext cx="9072000" cy="946440"/>
           </a:xfrm>
           <a:prstGeom prst="rect">
             <a:avLst/>
@@ -4601,7 +4601,7 @@
         <p:spPr>
           <a:xfrm>
             <a:off x="504000" y="1326600"/>
-            <a:ext cx="4426560" cy="3287880"/>
+            <a:ext cx="4426920" cy="3288600"/>
           </a:xfrm>
           <a:prstGeom prst="rect">
             <a:avLst/>
@@ -4643,8 +4643,8 @@
         </p:nvSpPr>
         <p:spPr>
           <a:xfrm>
-            <a:off x="5152320" y="1326600"/>
-            <a:ext cx="4426560" cy="1568160"/>
+            <a:off x="5152680" y="1326600"/>
+            <a:ext cx="4426920" cy="1568520"/>
           </a:xfrm>
           <a:prstGeom prst="rect">
             <a:avLst/>
@@ -4686,8 +4686,8 @@
         </p:nvSpPr>
         <p:spPr>
           <a:xfrm>
-            <a:off x="5152320" y="3044160"/>
-            <a:ext cx="4426560" cy="1568160"/>
+            <a:off x="5152680" y="3044520"/>
+            <a:ext cx="4426920" cy="1568520"/>
           </a:xfrm>
           <a:prstGeom prst="rect">
             <a:avLst/>
@@ -4751,7 +4751,7 @@
         <p:txBody>
           <a:bodyPr/>
           <a:p>
-            <a:fld id="{14E2CEED-903F-4358-A74E-4B190F6F0AF8}" type="slidenum">
+            <a:fld id="{17D0EE83-DD0F-45CA-8BC3-3345C5CB987A}" type="slidenum">
               <a:t>&lt;#&gt;</a:t>
             </a:fld>
           </a:p>
@@ -4772,7 +4772,7 @@
           <a:bodyPr/>
           <a:p>
             <a:r>
-              <a:rPr lang="pt-BR"/>
+              <a:rPr lang="en-CA"/>
               <a:t/>
             </a:r>
           </a:p>
@@ -4813,7 +4813,7 @@
         <p:spPr>
           <a:xfrm>
             <a:off x="504000" y="226080"/>
-            <a:ext cx="9071280" cy="946080"/>
+            <a:ext cx="9072000" cy="946440"/>
           </a:xfrm>
           <a:prstGeom prst="rect">
             <a:avLst/>
@@ -4853,7 +4853,7 @@
         <p:spPr>
           <a:xfrm>
             <a:off x="504000" y="1326600"/>
-            <a:ext cx="4426560" cy="1568160"/>
+            <a:ext cx="4426920" cy="1568520"/>
           </a:xfrm>
           <a:prstGeom prst="rect">
             <a:avLst/>
@@ -4895,8 +4895,8 @@
         </p:nvSpPr>
         <p:spPr>
           <a:xfrm>
-            <a:off x="5152320" y="1326600"/>
-            <a:ext cx="4426560" cy="1568160"/>
+            <a:off x="5152680" y="1326600"/>
+            <a:ext cx="4426920" cy="1568520"/>
           </a:xfrm>
           <a:prstGeom prst="rect">
             <a:avLst/>
@@ -4938,8 +4938,8 @@
         </p:nvSpPr>
         <p:spPr>
           <a:xfrm>
-            <a:off x="504000" y="3044160"/>
-            <a:ext cx="9071280" cy="1568160"/>
+            <a:off x="504000" y="3044520"/>
+            <a:ext cx="9072000" cy="1568520"/>
           </a:xfrm>
           <a:prstGeom prst="rect">
             <a:avLst/>
@@ -5003,7 +5003,7 @@
         <p:txBody>
           <a:bodyPr/>
           <a:p>
-            <a:fld id="{45D9103B-4536-47A5-8527-A969CC48F180}" type="slidenum">
+            <a:fld id="{55CC060A-7293-44E1-8DD1-A4C19A2D8D2F}" type="slidenum">
               <a:t>&lt;#&gt;</a:t>
             </a:fld>
           </a:p>
@@ -5024,7 +5024,7 @@
           <a:bodyPr/>
           <a:p>
             <a:r>
-              <a:rPr lang="pt-BR"/>
+              <a:rPr lang="en-CA"/>
               <a:t/>
             </a:r>
           </a:p>
@@ -5065,7 +5065,7 @@
         <p:spPr>
           <a:xfrm>
             <a:off x="504000" y="226080"/>
-            <a:ext cx="9071280" cy="946080"/>
+            <a:ext cx="9070920" cy="945720"/>
           </a:xfrm>
           <a:prstGeom prst="rect">
             <a:avLst/>
@@ -5108,13 +5108,238 @@
             <a:spLocks noGrp="1"/>
           </p:cNvSpPr>
           <p:nvPr>
+            <p:ph type="body"/>
+          </p:nvPr>
+        </p:nvSpPr>
+        <p:spPr>
+          <a:xfrm>
+            <a:off x="504000" y="1326600"/>
+            <a:ext cx="9070920" cy="3287520"/>
+          </a:xfrm>
+          <a:prstGeom prst="rect">
+            <a:avLst/>
+          </a:prstGeom>
+          <a:noFill/>
+          <a:ln w="0">
+            <a:noFill/>
+          </a:ln>
+        </p:spPr>
+        <p:txBody>
+          <a:bodyPr lIns="0" rIns="0" tIns="0" bIns="0" anchor="t">
+            <a:normAutofit/>
+          </a:bodyPr>
+          <a:p>
+            <a:pPr marL="432000" indent="-324000">
+              <a:spcBef>
+                <a:spcPts val="1417"/>
+              </a:spcBef>
+              <a:buClr>
+                <a:srgbClr val="000000"/>
+              </a:buClr>
+              <a:buSzPct val="45000"/>
+              <a:buFont typeface="Wingdings" charset="2"/>
+              <a:buChar char=""/>
+            </a:pPr>
+            <a:r>
+              <a:rPr b="0" lang="en-CA" sz="1800" spc="-1" strike="noStrike">
+                <a:solidFill>
+                  <a:srgbClr val="000000"/>
+                </a:solidFill>
+                <a:latin typeface="Arial"/>
+              </a:rPr>
+              <a:t>Click to edit the outline text format</a:t>
+            </a:r>
+            <a:endParaRPr b="0" lang="en-CA" sz="1800" spc="-1" strike="noStrike">
+              <a:solidFill>
+                <a:srgbClr val="000000"/>
+              </a:solidFill>
+              <a:latin typeface="Arial"/>
+            </a:endParaRPr>
+          </a:p>
+          <a:p>
+            <a:pPr lvl="1" marL="864000" indent="-324000">
+              <a:spcBef>
+                <a:spcPts val="1134"/>
+              </a:spcBef>
+              <a:buClr>
+                <a:srgbClr val="000000"/>
+              </a:buClr>
+              <a:buSzPct val="75000"/>
+              <a:buFont typeface="Symbol" charset="2"/>
+              <a:buChar char=""/>
+            </a:pPr>
+            <a:r>
+              <a:rPr b="0" lang="en-CA" sz="1800" spc="-1" strike="noStrike">
+                <a:solidFill>
+                  <a:srgbClr val="000000"/>
+                </a:solidFill>
+                <a:latin typeface="Arial"/>
+              </a:rPr>
+              <a:t>Second Outline Level</a:t>
+            </a:r>
+            <a:endParaRPr b="0" lang="en-CA" sz="1800" spc="-1" strike="noStrike">
+              <a:solidFill>
+                <a:srgbClr val="000000"/>
+              </a:solidFill>
+              <a:latin typeface="Arial"/>
+            </a:endParaRPr>
+          </a:p>
+          <a:p>
+            <a:pPr lvl="2" marL="1296000" indent="-288000">
+              <a:spcBef>
+                <a:spcPts val="850"/>
+              </a:spcBef>
+              <a:buClr>
+                <a:srgbClr val="000000"/>
+              </a:buClr>
+              <a:buSzPct val="45000"/>
+              <a:buFont typeface="Wingdings" charset="2"/>
+              <a:buChar char=""/>
+            </a:pPr>
+            <a:r>
+              <a:rPr b="0" lang="en-CA" sz="1800" spc="-1" strike="noStrike">
+                <a:solidFill>
+                  <a:srgbClr val="000000"/>
+                </a:solidFill>
+                <a:latin typeface="Arial"/>
+              </a:rPr>
+              <a:t>Third Outline Level</a:t>
+            </a:r>
+            <a:endParaRPr b="0" lang="en-CA" sz="1800" spc="-1" strike="noStrike">
+              <a:solidFill>
+                <a:srgbClr val="000000"/>
+              </a:solidFill>
+              <a:latin typeface="Arial"/>
+            </a:endParaRPr>
+          </a:p>
+          <a:p>
+            <a:pPr lvl="3" marL="1728000" indent="-216000">
+              <a:spcBef>
+                <a:spcPts val="567"/>
+              </a:spcBef>
+              <a:buClr>
+                <a:srgbClr val="000000"/>
+              </a:buClr>
+              <a:buSzPct val="75000"/>
+              <a:buFont typeface="Symbol" charset="2"/>
+              <a:buChar char=""/>
+            </a:pPr>
+            <a:r>
+              <a:rPr b="0" lang="en-CA" sz="1800" spc="-1" strike="noStrike">
+                <a:solidFill>
+                  <a:srgbClr val="000000"/>
+                </a:solidFill>
+                <a:latin typeface="Arial"/>
+              </a:rPr>
+              <a:t>Fourth Outline Level</a:t>
+            </a:r>
+            <a:endParaRPr b="0" lang="en-CA" sz="1800" spc="-1" strike="noStrike">
+              <a:solidFill>
+                <a:srgbClr val="000000"/>
+              </a:solidFill>
+              <a:latin typeface="Arial"/>
+            </a:endParaRPr>
+          </a:p>
+          <a:p>
+            <a:pPr lvl="4" marL="2160000" indent="-216000">
+              <a:spcBef>
+                <a:spcPts val="283"/>
+              </a:spcBef>
+              <a:buClr>
+                <a:srgbClr val="000000"/>
+              </a:buClr>
+              <a:buSzPct val="45000"/>
+              <a:buFont typeface="Wingdings" charset="2"/>
+              <a:buChar char=""/>
+            </a:pPr>
+            <a:r>
+              <a:rPr b="0" lang="en-CA" sz="1800" spc="-1" strike="noStrike">
+                <a:solidFill>
+                  <a:srgbClr val="000000"/>
+                </a:solidFill>
+                <a:latin typeface="Arial"/>
+              </a:rPr>
+              <a:t>Fifth Outline Level</a:t>
+            </a:r>
+            <a:endParaRPr b="0" lang="en-CA" sz="1800" spc="-1" strike="noStrike">
+              <a:solidFill>
+                <a:srgbClr val="000000"/>
+              </a:solidFill>
+              <a:latin typeface="Arial"/>
+            </a:endParaRPr>
+          </a:p>
+          <a:p>
+            <a:pPr lvl="5" marL="2592000" indent="-216000">
+              <a:spcBef>
+                <a:spcPts val="283"/>
+              </a:spcBef>
+              <a:buClr>
+                <a:srgbClr val="000000"/>
+              </a:buClr>
+              <a:buSzPct val="45000"/>
+              <a:buFont typeface="Wingdings" charset="2"/>
+              <a:buChar char=""/>
+            </a:pPr>
+            <a:r>
+              <a:rPr b="0" lang="en-CA" sz="1800" spc="-1" strike="noStrike">
+                <a:solidFill>
+                  <a:srgbClr val="000000"/>
+                </a:solidFill>
+                <a:latin typeface="Arial"/>
+              </a:rPr>
+              <a:t>Sixth Outline Level</a:t>
+            </a:r>
+            <a:endParaRPr b="0" lang="en-CA" sz="1800" spc="-1" strike="noStrike">
+              <a:solidFill>
+                <a:srgbClr val="000000"/>
+              </a:solidFill>
+              <a:latin typeface="Arial"/>
+            </a:endParaRPr>
+          </a:p>
+          <a:p>
+            <a:pPr lvl="6" marL="3024000" indent="-216000">
+              <a:spcBef>
+                <a:spcPts val="283"/>
+              </a:spcBef>
+              <a:buClr>
+                <a:srgbClr val="000000"/>
+              </a:buClr>
+              <a:buSzPct val="45000"/>
+              <a:buFont typeface="Wingdings" charset="2"/>
+              <a:buChar char=""/>
+            </a:pPr>
+            <a:r>
+              <a:rPr b="0" lang="en-CA" sz="1800" spc="-1" strike="noStrike">
+                <a:solidFill>
+                  <a:srgbClr val="000000"/>
+                </a:solidFill>
+                <a:latin typeface="Arial"/>
+              </a:rPr>
+              <a:t>Seventh Outline Level</a:t>
+            </a:r>
+            <a:endParaRPr b="0" lang="en-CA" sz="1800" spc="-1" strike="noStrike">
+              <a:solidFill>
+                <a:srgbClr val="000000"/>
+              </a:solidFill>
+              <a:latin typeface="Arial"/>
+            </a:endParaRPr>
+          </a:p>
+        </p:txBody>
+      </p:sp>
+      <p:sp>
+        <p:nvSpPr>
+          <p:cNvPr id="2" name="PlaceHolder 3"/>
+          <p:cNvSpPr>
+            <a:spLocks noGrp="1"/>
+          </p:cNvSpPr>
+          <p:nvPr>
             <p:ph type="ftr" idx="1"/>
           </p:nvPr>
         </p:nvSpPr>
         <p:spPr>
           <a:xfrm>
             <a:off x="3447360" y="5165280"/>
-            <a:ext cx="3194640" cy="390240"/>
+            <a:ext cx="3194280" cy="389880"/>
           </a:xfrm>
           <a:prstGeom prst="rect">
             <a:avLst/>
@@ -5175,7 +5400,7 @@
       </p:sp>
       <p:sp>
         <p:nvSpPr>
-          <p:cNvPr id="2" name="PlaceHolder 3"/>
+          <p:cNvPr id="3" name="PlaceHolder 4"/>
           <p:cNvSpPr>
             <a:spLocks noGrp="1"/>
           </p:cNvSpPr>
@@ -5186,7 +5411,7 @@
         <p:spPr>
           <a:xfrm>
             <a:off x="7227360" y="5165280"/>
-            <a:ext cx="2347920" cy="390240"/>
+            <a:ext cx="2347560" cy="389880"/>
           </a:xfrm>
           <a:prstGeom prst="rect">
             <a:avLst/>
@@ -5227,7 +5452,7 @@
                 <a:tab algn="l" pos="0"/>
               </a:tabLst>
             </a:pPr>
-            <a:fld id="{B9074A8C-2DEB-4C89-B90C-D20F364C62AB}" type="slidenum">
+            <a:fld id="{A0018D32-9F2B-46CC-8107-07C368D9EA34}" type="slidenum">
               <a:rPr b="0" lang="en-CA" sz="1400" spc="-1" strike="noStrike">
                 <a:solidFill>
                   <a:srgbClr val="000000"/>
@@ -5247,7 +5472,7 @@
       </p:sp>
       <p:sp>
         <p:nvSpPr>
-          <p:cNvPr id="3" name="PlaceHolder 4"/>
+          <p:cNvPr id="4" name="PlaceHolder 5"/>
           <p:cNvSpPr>
             <a:spLocks noGrp="1"/>
           </p:cNvSpPr>
@@ -5258,7 +5483,7 @@
         <p:spPr>
           <a:xfrm>
             <a:off x="504000" y="5165280"/>
-            <a:ext cx="2347920" cy="390240"/>
+            <a:ext cx="2347560" cy="389880"/>
           </a:xfrm>
           <a:prstGeom prst="rect">
             <a:avLst/>
@@ -5301,231 +5526,6 @@
                 <a:srgbClr val="000000"/>
               </a:solidFill>
               <a:latin typeface="Times New Roman"/>
-            </a:endParaRPr>
-          </a:p>
-        </p:txBody>
-      </p:sp>
-      <p:sp>
-        <p:nvSpPr>
-          <p:cNvPr id="4" name="PlaceHolder 5"/>
-          <p:cNvSpPr>
-            <a:spLocks noGrp="1"/>
-          </p:cNvSpPr>
-          <p:nvPr>
-            <p:ph type="body"/>
-          </p:nvPr>
-        </p:nvSpPr>
-        <p:spPr>
-          <a:xfrm>
-            <a:off x="504000" y="1326600"/>
-            <a:ext cx="9072000" cy="3288600"/>
-          </a:xfrm>
-          <a:prstGeom prst="rect">
-            <a:avLst/>
-          </a:prstGeom>
-          <a:noFill/>
-          <a:ln w="0">
-            <a:noFill/>
-          </a:ln>
-        </p:spPr>
-        <p:txBody>
-          <a:bodyPr lIns="0" rIns="0" tIns="0" bIns="0" anchor="t">
-            <a:normAutofit/>
-          </a:bodyPr>
-          <a:p>
-            <a:pPr marL="432000" indent="-324000">
-              <a:spcBef>
-                <a:spcPts val="1417"/>
-              </a:spcBef>
-              <a:buClr>
-                <a:srgbClr val="000000"/>
-              </a:buClr>
-              <a:buSzPct val="45000"/>
-              <a:buFont typeface="Wingdings" charset="2"/>
-              <a:buChar char=""/>
-            </a:pPr>
-            <a:r>
-              <a:rPr b="0" lang="en-CA" sz="3200" spc="-1" strike="noStrike">
-                <a:solidFill>
-                  <a:srgbClr val="000000"/>
-                </a:solidFill>
-                <a:latin typeface="Arial"/>
-              </a:rPr>
-              <a:t>Click to edit the outline text format</a:t>
-            </a:r>
-            <a:endParaRPr b="0" lang="en-CA" sz="3200" spc="-1" strike="noStrike">
-              <a:solidFill>
-                <a:srgbClr val="000000"/>
-              </a:solidFill>
-              <a:latin typeface="Arial"/>
-            </a:endParaRPr>
-          </a:p>
-          <a:p>
-            <a:pPr lvl="1" marL="864000" indent="-324000">
-              <a:spcBef>
-                <a:spcPts val="1134"/>
-              </a:spcBef>
-              <a:buClr>
-                <a:srgbClr val="000000"/>
-              </a:buClr>
-              <a:buSzPct val="75000"/>
-              <a:buFont typeface="Symbol" charset="2"/>
-              <a:buChar char=""/>
-            </a:pPr>
-            <a:r>
-              <a:rPr b="0" lang="en-CA" sz="2800" spc="-1" strike="noStrike">
-                <a:solidFill>
-                  <a:srgbClr val="000000"/>
-                </a:solidFill>
-                <a:latin typeface="Arial"/>
-              </a:rPr>
-              <a:t>Second Outline Level</a:t>
-            </a:r>
-            <a:endParaRPr b="0" lang="en-CA" sz="2800" spc="-1" strike="noStrike">
-              <a:solidFill>
-                <a:srgbClr val="000000"/>
-              </a:solidFill>
-              <a:latin typeface="Arial"/>
-            </a:endParaRPr>
-          </a:p>
-          <a:p>
-            <a:pPr lvl="2" marL="1296000" indent="-288000">
-              <a:spcBef>
-                <a:spcPts val="850"/>
-              </a:spcBef>
-              <a:buClr>
-                <a:srgbClr val="000000"/>
-              </a:buClr>
-              <a:buSzPct val="45000"/>
-              <a:buFont typeface="Wingdings" charset="2"/>
-              <a:buChar char=""/>
-            </a:pPr>
-            <a:r>
-              <a:rPr b="0" lang="en-CA" sz="2400" spc="-1" strike="noStrike">
-                <a:solidFill>
-                  <a:srgbClr val="000000"/>
-                </a:solidFill>
-                <a:latin typeface="Arial"/>
-              </a:rPr>
-              <a:t>Third Outline Level</a:t>
-            </a:r>
-            <a:endParaRPr b="0" lang="en-CA" sz="2400" spc="-1" strike="noStrike">
-              <a:solidFill>
-                <a:srgbClr val="000000"/>
-              </a:solidFill>
-              <a:latin typeface="Arial"/>
-            </a:endParaRPr>
-          </a:p>
-          <a:p>
-            <a:pPr lvl="3" marL="1728000" indent="-216000">
-              <a:spcBef>
-                <a:spcPts val="567"/>
-              </a:spcBef>
-              <a:buClr>
-                <a:srgbClr val="000000"/>
-              </a:buClr>
-              <a:buSzPct val="75000"/>
-              <a:buFont typeface="Symbol" charset="2"/>
-              <a:buChar char=""/>
-            </a:pPr>
-            <a:r>
-              <a:rPr b="0" lang="en-CA" sz="2000" spc="-1" strike="noStrike">
-                <a:solidFill>
-                  <a:srgbClr val="000000"/>
-                </a:solidFill>
-                <a:latin typeface="Arial"/>
-              </a:rPr>
-              <a:t>Fourth Outline Level</a:t>
-            </a:r>
-            <a:endParaRPr b="0" lang="en-CA" sz="2000" spc="-1" strike="noStrike">
-              <a:solidFill>
-                <a:srgbClr val="000000"/>
-              </a:solidFill>
-              <a:latin typeface="Arial"/>
-            </a:endParaRPr>
-          </a:p>
-          <a:p>
-            <a:pPr lvl="4" marL="2160000" indent="-216000">
-              <a:spcBef>
-                <a:spcPts val="283"/>
-              </a:spcBef>
-              <a:buClr>
-                <a:srgbClr val="000000"/>
-              </a:buClr>
-              <a:buSzPct val="45000"/>
-              <a:buFont typeface="Wingdings" charset="2"/>
-              <a:buChar char=""/>
-            </a:pPr>
-            <a:r>
-              <a:rPr b="0" lang="en-CA" sz="2000" spc="-1" strike="noStrike">
-                <a:solidFill>
-                  <a:srgbClr val="000000"/>
-                </a:solidFill>
-                <a:latin typeface="Arial"/>
-              </a:rPr>
-              <a:t>Fifth Outline Level</a:t>
-            </a:r>
-            <a:endParaRPr b="0" lang="en-CA" sz="2000" spc="-1" strike="noStrike">
-              <a:solidFill>
-                <a:srgbClr val="000000"/>
-              </a:solidFill>
-              <a:latin typeface="Arial"/>
-            </a:endParaRPr>
-          </a:p>
-          <a:p>
-            <a:pPr lvl="5" marL="2592000" indent="-216000">
-              <a:spcBef>
-                <a:spcPts val="283"/>
-              </a:spcBef>
-              <a:buClr>
-                <a:srgbClr val="000000"/>
-              </a:buClr>
-              <a:buSzPct val="45000"/>
-              <a:buFont typeface="Wingdings" charset="2"/>
-              <a:buChar char=""/>
-            </a:pPr>
-            <a:r>
-              <a:rPr b="0" lang="en-CA" sz="2000" spc="-1" strike="noStrike">
-                <a:solidFill>
-                  <a:srgbClr val="000000"/>
-                </a:solidFill>
-                <a:latin typeface="Arial"/>
-              </a:rPr>
-              <a:t>Sixth Outline Level</a:t>
-            </a:r>
-            <a:endParaRPr b="0" lang="en-CA" sz="2000" spc="-1" strike="noStrike">
-              <a:solidFill>
-                <a:srgbClr val="000000"/>
-              </a:solidFill>
-              <a:latin typeface="Arial"/>
-            </a:endParaRPr>
-          </a:p>
-          <a:p>
-            <a:pPr lvl="6" marL="3024000" indent="-216000">
-              <a:spcBef>
-                <a:spcPts val="283"/>
-              </a:spcBef>
-              <a:buClr>
-                <a:srgbClr val="000000"/>
-              </a:buClr>
-              <a:buSzPct val="45000"/>
-              <a:buFont typeface="Wingdings" charset="2"/>
-              <a:buChar char=""/>
-            </a:pPr>
-            <a:r>
-              <a:rPr b="0" lang="en-CA" sz="2000" spc="-1" strike="noStrike">
-                <a:solidFill>
-                  <a:srgbClr val="000000"/>
-                </a:solidFill>
-                <a:latin typeface="Arial"/>
-              </a:rPr>
-              <a:t>Seventh Outline Level</a:t>
-            </a:r>
-            <a:endParaRPr b="0" lang="en-CA" sz="2000" spc="-1" strike="noStrike">
-              <a:solidFill>
-                <a:srgbClr val="000000"/>
-              </a:solidFill>
-              <a:latin typeface="Arial"/>
             </a:endParaRPr>
           </a:p>
         </p:txBody>
@@ -5574,287 +5574,13 @@
             <a:spLocks noGrp="1"/>
           </p:cNvSpPr>
           <p:nvPr>
-            <p:ph type="title"/>
-          </p:nvPr>
-        </p:nvSpPr>
-        <p:spPr>
-          <a:xfrm>
-            <a:off x="504000" y="226080"/>
-            <a:ext cx="9071280" cy="946080"/>
-          </a:xfrm>
-          <a:prstGeom prst="rect">
-            <a:avLst/>
-          </a:prstGeom>
-          <a:noFill/>
-          <a:ln w="0">
-            <a:noFill/>
-          </a:ln>
-        </p:spPr>
-        <p:txBody>
-          <a:bodyPr lIns="0" rIns="0" tIns="0" bIns="0" anchor="ctr">
-            <a:noAutofit/>
-          </a:bodyPr>
-          <a:p>
-            <a:pPr indent="0">
-              <a:buNone/>
-            </a:pPr>
-            <a:r>
-              <a:rPr b="0" lang="en-CA" sz="1800" spc="-1" strike="noStrike">
-                <a:solidFill>
-                  <a:srgbClr val="000000"/>
-                </a:solidFill>
-                <a:latin typeface="Arial"/>
-              </a:rPr>
-              <a:t>Click to edit the title text format</a:t>
-            </a:r>
-            <a:endParaRPr b="0" lang="en-CA" sz="1800" spc="-1" strike="noStrike">
-              <a:solidFill>
-                <a:srgbClr val="000000"/>
-              </a:solidFill>
-              <a:latin typeface="Arial"/>
-            </a:endParaRPr>
-          </a:p>
-        </p:txBody>
-      </p:sp>
-      <p:sp>
-        <p:nvSpPr>
-          <p:cNvPr id="42" name="PlaceHolder 2"/>
-          <p:cNvSpPr>
-            <a:spLocks noGrp="1"/>
-          </p:cNvSpPr>
-          <p:nvPr>
-            <p:ph type="body"/>
-          </p:nvPr>
-        </p:nvSpPr>
-        <p:spPr>
-          <a:xfrm>
-            <a:off x="504000" y="1326600"/>
-            <a:ext cx="9071280" cy="3287880"/>
-          </a:xfrm>
-          <a:prstGeom prst="rect">
-            <a:avLst/>
-          </a:prstGeom>
-          <a:noFill/>
-          <a:ln w="0">
-            <a:noFill/>
-          </a:ln>
-        </p:spPr>
-        <p:txBody>
-          <a:bodyPr lIns="0" rIns="0" tIns="0" bIns="0" anchor="t">
-            <a:normAutofit/>
-          </a:bodyPr>
-          <a:p>
-            <a:pPr marL="432000" indent="-324000">
-              <a:spcBef>
-                <a:spcPts val="1417"/>
-              </a:spcBef>
-              <a:buClr>
-                <a:srgbClr val="000000"/>
-              </a:buClr>
-              <a:buSzPct val="45000"/>
-              <a:buFont typeface="Wingdings" charset="2"/>
-              <a:buChar char=""/>
-            </a:pPr>
-            <a:r>
-              <a:rPr b="0" lang="en-CA" sz="1800" spc="-1" strike="noStrike">
-                <a:solidFill>
-                  <a:srgbClr val="000000"/>
-                </a:solidFill>
-                <a:latin typeface="Arial"/>
-              </a:rPr>
-              <a:t>Click to edit the outline text format</a:t>
-            </a:r>
-            <a:endParaRPr b="0" lang="en-CA" sz="1800" spc="-1" strike="noStrike">
-              <a:solidFill>
-                <a:srgbClr val="000000"/>
-              </a:solidFill>
-              <a:latin typeface="Arial"/>
-            </a:endParaRPr>
-          </a:p>
-          <a:p>
-            <a:pPr lvl="1" marL="864000" indent="-324000">
-              <a:spcBef>
-                <a:spcPts val="1134"/>
-              </a:spcBef>
-              <a:buClr>
-                <a:srgbClr val="000000"/>
-              </a:buClr>
-              <a:buSzPct val="75000"/>
-              <a:buFont typeface="Symbol" charset="2"/>
-              <a:buChar char=""/>
-            </a:pPr>
-            <a:r>
-              <a:rPr b="0" lang="en-CA" sz="1800" spc="-1" strike="noStrike">
-                <a:solidFill>
-                  <a:srgbClr val="000000"/>
-                </a:solidFill>
-                <a:latin typeface="Arial"/>
-              </a:rPr>
-              <a:t>Second Outline Level</a:t>
-            </a:r>
-            <a:endParaRPr b="0" lang="en-CA" sz="1800" spc="-1" strike="noStrike">
-              <a:solidFill>
-                <a:srgbClr val="000000"/>
-              </a:solidFill>
-              <a:latin typeface="Arial"/>
-            </a:endParaRPr>
-          </a:p>
-          <a:p>
-            <a:pPr lvl="2" marL="1296000" indent="-288000">
-              <a:spcBef>
-                <a:spcPts val="850"/>
-              </a:spcBef>
-              <a:buClr>
-                <a:srgbClr val="000000"/>
-              </a:buClr>
-              <a:buSzPct val="45000"/>
-              <a:buFont typeface="Wingdings" charset="2"/>
-              <a:buChar char=""/>
-            </a:pPr>
-            <a:r>
-              <a:rPr b="0" lang="en-CA" sz="1800" spc="-1" strike="noStrike">
-                <a:solidFill>
-                  <a:srgbClr val="000000"/>
-                </a:solidFill>
-                <a:latin typeface="Arial"/>
-              </a:rPr>
-              <a:t>Third Outline Level</a:t>
-            </a:r>
-            <a:endParaRPr b="0" lang="en-CA" sz="1800" spc="-1" strike="noStrike">
-              <a:solidFill>
-                <a:srgbClr val="000000"/>
-              </a:solidFill>
-              <a:latin typeface="Arial"/>
-            </a:endParaRPr>
-          </a:p>
-          <a:p>
-            <a:pPr lvl="3" marL="1728000" indent="-216000">
-              <a:spcBef>
-                <a:spcPts val="567"/>
-              </a:spcBef>
-              <a:buClr>
-                <a:srgbClr val="000000"/>
-              </a:buClr>
-              <a:buSzPct val="75000"/>
-              <a:buFont typeface="Symbol" charset="2"/>
-              <a:buChar char=""/>
-            </a:pPr>
-            <a:r>
-              <a:rPr b="0" lang="en-CA" sz="1800" spc="-1" strike="noStrike">
-                <a:solidFill>
-                  <a:srgbClr val="000000"/>
-                </a:solidFill>
-                <a:latin typeface="Arial"/>
-              </a:rPr>
-              <a:t>Fourth Outline Level</a:t>
-            </a:r>
-            <a:endParaRPr b="0" lang="en-CA" sz="1800" spc="-1" strike="noStrike">
-              <a:solidFill>
-                <a:srgbClr val="000000"/>
-              </a:solidFill>
-              <a:latin typeface="Arial"/>
-            </a:endParaRPr>
-          </a:p>
-          <a:p>
-            <a:pPr lvl="4" marL="2160000" indent="-216000">
-              <a:spcBef>
-                <a:spcPts val="283"/>
-              </a:spcBef>
-              <a:buClr>
-                <a:srgbClr val="000000"/>
-              </a:buClr>
-              <a:buSzPct val="45000"/>
-              <a:buFont typeface="Wingdings" charset="2"/>
-              <a:buChar char=""/>
-            </a:pPr>
-            <a:r>
-              <a:rPr b="0" lang="en-CA" sz="1800" spc="-1" strike="noStrike">
-                <a:solidFill>
-                  <a:srgbClr val="000000"/>
-                </a:solidFill>
-                <a:latin typeface="Arial"/>
-              </a:rPr>
-              <a:t>Fifth Outline Level</a:t>
-            </a:r>
-            <a:endParaRPr b="0" lang="en-CA" sz="1800" spc="-1" strike="noStrike">
-              <a:solidFill>
-                <a:srgbClr val="000000"/>
-              </a:solidFill>
-              <a:latin typeface="Arial"/>
-            </a:endParaRPr>
-          </a:p>
-          <a:p>
-            <a:pPr lvl="5" marL="2592000" indent="-216000">
-              <a:spcBef>
-                <a:spcPts val="283"/>
-              </a:spcBef>
-              <a:buClr>
-                <a:srgbClr val="000000"/>
-              </a:buClr>
-              <a:buSzPct val="45000"/>
-              <a:buFont typeface="Wingdings" charset="2"/>
-              <a:buChar char=""/>
-            </a:pPr>
-            <a:r>
-              <a:rPr b="0" lang="en-CA" sz="1800" spc="-1" strike="noStrike">
-                <a:solidFill>
-                  <a:srgbClr val="000000"/>
-                </a:solidFill>
-                <a:latin typeface="Arial"/>
-              </a:rPr>
-              <a:t>Sixth Outline Level</a:t>
-            </a:r>
-            <a:endParaRPr b="0" lang="en-CA" sz="1800" spc="-1" strike="noStrike">
-              <a:solidFill>
-                <a:srgbClr val="000000"/>
-              </a:solidFill>
-              <a:latin typeface="Arial"/>
-            </a:endParaRPr>
-          </a:p>
-          <a:p>
-            <a:pPr lvl="6" marL="3024000" indent="-216000">
-              <a:spcBef>
-                <a:spcPts val="283"/>
-              </a:spcBef>
-              <a:buClr>
-                <a:srgbClr val="000000"/>
-              </a:buClr>
-              <a:buSzPct val="45000"/>
-              <a:buFont typeface="Wingdings" charset="2"/>
-              <a:buChar char=""/>
-            </a:pPr>
-            <a:r>
-              <a:rPr b="0" lang="en-CA" sz="1800" spc="-1" strike="noStrike">
-                <a:solidFill>
-                  <a:srgbClr val="000000"/>
-                </a:solidFill>
-                <a:latin typeface="Arial"/>
-              </a:rPr>
-              <a:t>Seventh Outline Level</a:t>
-            </a:r>
-            <a:endParaRPr b="0" lang="en-CA" sz="1800" spc="-1" strike="noStrike">
-              <a:solidFill>
-                <a:srgbClr val="000000"/>
-              </a:solidFill>
-              <a:latin typeface="Arial"/>
-            </a:endParaRPr>
-          </a:p>
-        </p:txBody>
-      </p:sp>
-      <p:sp>
-        <p:nvSpPr>
-          <p:cNvPr id="43" name="PlaceHolder 3"/>
-          <p:cNvSpPr>
-            <a:spLocks noGrp="1"/>
-          </p:cNvSpPr>
-          <p:nvPr>
             <p:ph type="ftr" idx="4"/>
           </p:nvPr>
         </p:nvSpPr>
         <p:spPr>
           <a:xfrm>
             <a:off x="3447360" y="5165280"/>
-            <a:ext cx="3194640" cy="390240"/>
+            <a:ext cx="3194280" cy="389880"/>
           </a:xfrm>
           <a:prstGeom prst="rect">
             <a:avLst/>
@@ -5915,7 +5641,7 @@
       </p:sp>
       <p:sp>
         <p:nvSpPr>
-          <p:cNvPr id="44" name="PlaceHolder 4"/>
+          <p:cNvPr id="42" name="PlaceHolder 2"/>
           <p:cNvSpPr>
             <a:spLocks noGrp="1"/>
           </p:cNvSpPr>
@@ -5926,7 +5652,7 @@
         <p:spPr>
           <a:xfrm>
             <a:off x="7227360" y="5165280"/>
-            <a:ext cx="2347920" cy="390240"/>
+            <a:ext cx="2347560" cy="389880"/>
           </a:xfrm>
           <a:prstGeom prst="rect">
             <a:avLst/>
@@ -5967,7 +5693,7 @@
                 <a:tab algn="l" pos="0"/>
               </a:tabLst>
             </a:pPr>
-            <a:fld id="{8F14852C-94D9-4C8A-81E1-6689B820EC85}" type="slidenum">
+            <a:fld id="{76CF2019-1922-47AF-A4B5-437401B8777D}" type="slidenum">
               <a:rPr b="0" lang="en-CA" sz="1400" spc="-1" strike="noStrike">
                 <a:solidFill>
                   <a:srgbClr val="000000"/>
@@ -5987,7 +5713,7 @@
       </p:sp>
       <p:sp>
         <p:nvSpPr>
-          <p:cNvPr id="45" name="PlaceHolder 5"/>
+          <p:cNvPr id="43" name="PlaceHolder 3"/>
           <p:cNvSpPr>
             <a:spLocks noGrp="1"/>
           </p:cNvSpPr>
@@ -5998,7 +5724,7 @@
         <p:spPr>
           <a:xfrm>
             <a:off x="504000" y="5165280"/>
-            <a:ext cx="2347920" cy="390240"/>
+            <a:ext cx="2347560" cy="389880"/>
           </a:xfrm>
           <a:prstGeom prst="rect">
             <a:avLst/>
@@ -6041,6 +5767,280 @@
                 <a:srgbClr val="000000"/>
               </a:solidFill>
               <a:latin typeface="Times New Roman"/>
+            </a:endParaRPr>
+          </a:p>
+        </p:txBody>
+      </p:sp>
+      <p:sp>
+        <p:nvSpPr>
+          <p:cNvPr id="44" name="PlaceHolder 4"/>
+          <p:cNvSpPr>
+            <a:spLocks noGrp="1"/>
+          </p:cNvSpPr>
+          <p:nvPr>
+            <p:ph type="title"/>
+          </p:nvPr>
+        </p:nvSpPr>
+        <p:spPr>
+          <a:xfrm>
+            <a:off x="504000" y="226080"/>
+            <a:ext cx="9072000" cy="946440"/>
+          </a:xfrm>
+          <a:prstGeom prst="rect">
+            <a:avLst/>
+          </a:prstGeom>
+          <a:noFill/>
+          <a:ln w="0">
+            <a:noFill/>
+          </a:ln>
+        </p:spPr>
+        <p:txBody>
+          <a:bodyPr lIns="0" rIns="0" tIns="0" bIns="0" anchor="ctr">
+            <a:noAutofit/>
+          </a:bodyPr>
+          <a:p>
+            <a:pPr indent="0" algn="ctr">
+              <a:buNone/>
+            </a:pPr>
+            <a:r>
+              <a:rPr b="0" lang="en-CA" sz="4400" spc="-1" strike="noStrike">
+                <a:solidFill>
+                  <a:srgbClr val="000000"/>
+                </a:solidFill>
+                <a:latin typeface="Arial"/>
+              </a:rPr>
+              <a:t>Click to edit the title text format</a:t>
+            </a:r>
+            <a:endParaRPr b="0" lang="en-CA" sz="4400" spc="-1" strike="noStrike">
+              <a:solidFill>
+                <a:srgbClr val="000000"/>
+              </a:solidFill>
+              <a:latin typeface="Arial"/>
+            </a:endParaRPr>
+          </a:p>
+        </p:txBody>
+      </p:sp>
+      <p:sp>
+        <p:nvSpPr>
+          <p:cNvPr id="45" name="PlaceHolder 5"/>
+          <p:cNvSpPr>
+            <a:spLocks noGrp="1"/>
+          </p:cNvSpPr>
+          <p:nvPr>
+            <p:ph type="body"/>
+          </p:nvPr>
+        </p:nvSpPr>
+        <p:spPr>
+          <a:xfrm>
+            <a:off x="504000" y="1326600"/>
+            <a:ext cx="9072000" cy="3288600"/>
+          </a:xfrm>
+          <a:prstGeom prst="rect">
+            <a:avLst/>
+          </a:prstGeom>
+          <a:noFill/>
+          <a:ln w="0">
+            <a:noFill/>
+          </a:ln>
+        </p:spPr>
+        <p:txBody>
+          <a:bodyPr lIns="0" rIns="0" tIns="0" bIns="0" anchor="t">
+            <a:normAutofit/>
+          </a:bodyPr>
+          <a:p>
+            <a:pPr marL="432000" indent="-324000">
+              <a:spcBef>
+                <a:spcPts val="1417"/>
+              </a:spcBef>
+              <a:buClr>
+                <a:srgbClr val="000000"/>
+              </a:buClr>
+              <a:buSzPct val="45000"/>
+              <a:buFont typeface="Wingdings" charset="2"/>
+              <a:buChar char=""/>
+            </a:pPr>
+            <a:r>
+              <a:rPr b="0" lang="en-CA" sz="3200" spc="-1" strike="noStrike">
+                <a:solidFill>
+                  <a:srgbClr val="000000"/>
+                </a:solidFill>
+                <a:latin typeface="Arial"/>
+              </a:rPr>
+              <a:t>Click to edit the outline text format</a:t>
+            </a:r>
+            <a:endParaRPr b="0" lang="en-CA" sz="3200" spc="-1" strike="noStrike">
+              <a:solidFill>
+                <a:srgbClr val="000000"/>
+              </a:solidFill>
+              <a:latin typeface="Arial"/>
+            </a:endParaRPr>
+          </a:p>
+          <a:p>
+            <a:pPr lvl="1" marL="864000" indent="-324000">
+              <a:spcBef>
+                <a:spcPts val="1134"/>
+              </a:spcBef>
+              <a:buClr>
+                <a:srgbClr val="000000"/>
+              </a:buClr>
+              <a:buSzPct val="75000"/>
+              <a:buFont typeface="Symbol" charset="2"/>
+              <a:buChar char=""/>
+            </a:pPr>
+            <a:r>
+              <a:rPr b="0" lang="en-CA" sz="2800" spc="-1" strike="noStrike">
+                <a:solidFill>
+                  <a:srgbClr val="000000"/>
+                </a:solidFill>
+                <a:latin typeface="Arial"/>
+              </a:rPr>
+              <a:t>Second Outline Level</a:t>
+            </a:r>
+            <a:endParaRPr b="0" lang="en-CA" sz="2800" spc="-1" strike="noStrike">
+              <a:solidFill>
+                <a:srgbClr val="000000"/>
+              </a:solidFill>
+              <a:latin typeface="Arial"/>
+            </a:endParaRPr>
+          </a:p>
+          <a:p>
+            <a:pPr lvl="2" marL="1296000" indent="-288000">
+              <a:spcBef>
+                <a:spcPts val="850"/>
+              </a:spcBef>
+              <a:buClr>
+                <a:srgbClr val="000000"/>
+              </a:buClr>
+              <a:buSzPct val="45000"/>
+              <a:buFont typeface="Wingdings" charset="2"/>
+              <a:buChar char=""/>
+            </a:pPr>
+            <a:r>
+              <a:rPr b="0" lang="en-CA" sz="2400" spc="-1" strike="noStrike">
+                <a:solidFill>
+                  <a:srgbClr val="000000"/>
+                </a:solidFill>
+                <a:latin typeface="Arial"/>
+              </a:rPr>
+              <a:t>Third Outline Level</a:t>
+            </a:r>
+            <a:endParaRPr b="0" lang="en-CA" sz="2400" spc="-1" strike="noStrike">
+              <a:solidFill>
+                <a:srgbClr val="000000"/>
+              </a:solidFill>
+              <a:latin typeface="Arial"/>
+            </a:endParaRPr>
+          </a:p>
+          <a:p>
+            <a:pPr lvl="3" marL="1728000" indent="-216000">
+              <a:spcBef>
+                <a:spcPts val="567"/>
+              </a:spcBef>
+              <a:buClr>
+                <a:srgbClr val="000000"/>
+              </a:buClr>
+              <a:buSzPct val="75000"/>
+              <a:buFont typeface="Symbol" charset="2"/>
+              <a:buChar char=""/>
+            </a:pPr>
+            <a:r>
+              <a:rPr b="0" lang="en-CA" sz="2000" spc="-1" strike="noStrike">
+                <a:solidFill>
+                  <a:srgbClr val="000000"/>
+                </a:solidFill>
+                <a:latin typeface="Arial"/>
+              </a:rPr>
+              <a:t>Fourth Outline Level</a:t>
+            </a:r>
+            <a:endParaRPr b="0" lang="en-CA" sz="2000" spc="-1" strike="noStrike">
+              <a:solidFill>
+                <a:srgbClr val="000000"/>
+              </a:solidFill>
+              <a:latin typeface="Arial"/>
+            </a:endParaRPr>
+          </a:p>
+          <a:p>
+            <a:pPr lvl="4" marL="2160000" indent="-216000">
+              <a:spcBef>
+                <a:spcPts val="283"/>
+              </a:spcBef>
+              <a:buClr>
+                <a:srgbClr val="000000"/>
+              </a:buClr>
+              <a:buSzPct val="45000"/>
+              <a:buFont typeface="Wingdings" charset="2"/>
+              <a:buChar char=""/>
+            </a:pPr>
+            <a:r>
+              <a:rPr b="0" lang="en-CA" sz="2000" spc="-1" strike="noStrike">
+                <a:solidFill>
+                  <a:srgbClr val="000000"/>
+                </a:solidFill>
+                <a:latin typeface="Arial"/>
+              </a:rPr>
+              <a:t>Fifth Outline Level</a:t>
+            </a:r>
+            <a:endParaRPr b="0" lang="en-CA" sz="2000" spc="-1" strike="noStrike">
+              <a:solidFill>
+                <a:srgbClr val="000000"/>
+              </a:solidFill>
+              <a:latin typeface="Arial"/>
+            </a:endParaRPr>
+          </a:p>
+          <a:p>
+            <a:pPr lvl="5" marL="2592000" indent="-216000">
+              <a:spcBef>
+                <a:spcPts val="283"/>
+              </a:spcBef>
+              <a:buClr>
+                <a:srgbClr val="000000"/>
+              </a:buClr>
+              <a:buSzPct val="45000"/>
+              <a:buFont typeface="Wingdings" charset="2"/>
+              <a:buChar char=""/>
+            </a:pPr>
+            <a:r>
+              <a:rPr b="0" lang="en-CA" sz="2000" spc="-1" strike="noStrike">
+                <a:solidFill>
+                  <a:srgbClr val="000000"/>
+                </a:solidFill>
+                <a:latin typeface="Arial"/>
+              </a:rPr>
+              <a:t>Sixth Outline Level</a:t>
+            </a:r>
+            <a:endParaRPr b="0" lang="en-CA" sz="2000" spc="-1" strike="noStrike">
+              <a:solidFill>
+                <a:srgbClr val="000000"/>
+              </a:solidFill>
+              <a:latin typeface="Arial"/>
+            </a:endParaRPr>
+          </a:p>
+          <a:p>
+            <a:pPr lvl="6" marL="3024000" indent="-216000">
+              <a:spcBef>
+                <a:spcPts val="283"/>
+              </a:spcBef>
+              <a:buClr>
+                <a:srgbClr val="000000"/>
+              </a:buClr>
+              <a:buSzPct val="45000"/>
+              <a:buFont typeface="Wingdings" charset="2"/>
+              <a:buChar char=""/>
+            </a:pPr>
+            <a:r>
+              <a:rPr b="0" lang="en-CA" sz="2000" spc="-1" strike="noStrike">
+                <a:solidFill>
+                  <a:srgbClr val="000000"/>
+                </a:solidFill>
+                <a:latin typeface="Arial"/>
+              </a:rPr>
+              <a:t>Seventh Outline Level</a:t>
+            </a:r>
+            <a:endParaRPr b="0" lang="en-CA" sz="2000" spc="-1" strike="noStrike">
+              <a:solidFill>
+                <a:srgbClr val="000000"/>
+              </a:solidFill>
+              <a:latin typeface="Arial"/>
             </a:endParaRPr>
           </a:p>
         </p:txBody>
@@ -6095,7 +6095,7 @@
         <p:spPr>
           <a:xfrm>
             <a:off x="504000" y="226080"/>
-            <a:ext cx="9071280" cy="946080"/>
+            <a:ext cx="9070920" cy="945720"/>
           </a:xfrm>
           <a:prstGeom prst="rect">
             <a:avLst/>
@@ -6128,7 +6128,7 @@
               </a:rPr>
               <a:t>Brazil Career Hub</a:t>
             </a:r>
-            <a:endParaRPr b="0" lang="pt-BR" sz="4400" spc="-1" strike="noStrike">
+            <a:endParaRPr b="0" lang="en-CA" sz="4400" spc="-1" strike="noStrike">
               <a:solidFill>
                 <a:srgbClr val="000000"/>
               </a:solidFill>
@@ -6150,7 +6150,7 @@
         <p:spPr>
           <a:xfrm>
             <a:off x="504000" y="1326600"/>
-            <a:ext cx="9071280" cy="3287880"/>
+            <a:ext cx="9070920" cy="3287520"/>
           </a:xfrm>
           <a:prstGeom prst="rect">
             <a:avLst/>
@@ -6183,7 +6183,7 @@
               </a:rPr>
               <a:t>Integrantes:</a:t>
             </a:r>
-            <a:endParaRPr b="0" lang="pt-BR" sz="2600" spc="-1" strike="noStrike">
+            <a:endParaRPr b="0" lang="en-CA" sz="2600" spc="-1" strike="noStrike">
               <a:solidFill>
                 <a:srgbClr val="000000"/>
               </a:solidFill>
@@ -6214,7 +6214,7 @@
               </a:rPr>
               <a:t>Carlos Eduardo dos Santos Ferreira – N6401C7</a:t>
             </a:r>
-            <a:endParaRPr b="0" lang="pt-BR" sz="2600" spc="-1" strike="noStrike">
+            <a:endParaRPr b="0" lang="en-CA" sz="2600" spc="-1" strike="noStrike">
               <a:solidFill>
                 <a:srgbClr val="000000"/>
               </a:solidFill>
@@ -6245,7 +6245,7 @@
               </a:rPr>
               <a:t>Gabriel Menezes de Antonio – F13GJI6</a:t>
             </a:r>
-            <a:endParaRPr b="0" lang="pt-BR" sz="2600" spc="-1" strike="noStrike">
+            <a:endParaRPr b="0" lang="en-CA" sz="2600" spc="-1" strike="noStrike">
               <a:solidFill>
                 <a:srgbClr val="000000"/>
               </a:solidFill>
@@ -6276,7 +6276,7 @@
               </a:rPr>
               <a:t>Gustavo Henrique Dos Santos Faria – F22IFG2</a:t>
             </a:r>
-            <a:endParaRPr b="0" lang="pt-BR" sz="2600" spc="-1" strike="noStrike">
+            <a:endParaRPr b="0" lang="en-CA" sz="2600" spc="-1" strike="noStrike">
               <a:solidFill>
                 <a:srgbClr val="000000"/>
               </a:solidFill>
@@ -6307,7 +6307,7 @@
               </a:rPr>
               <a:t>Mayara Marques Pereira de Souza – N542DD1</a:t>
             </a:r>
-            <a:endParaRPr b="0" lang="pt-BR" sz="2600" spc="-1" strike="noStrike">
+            <a:endParaRPr b="0" lang="en-CA" sz="2600" spc="-1" strike="noStrike">
               <a:solidFill>
                 <a:srgbClr val="000000"/>
               </a:solidFill>
@@ -6348,7 +6348,7 @@
       </p:grpSpPr>
       <p:sp>
         <p:nvSpPr>
-          <p:cNvPr id="100" name="PlaceHolder 1"/>
+          <p:cNvPr id="101" name="PlaceHolder 1"/>
           <p:cNvSpPr>
             <a:spLocks noGrp="1"/>
           </p:cNvSpPr>
@@ -6359,7 +6359,7 @@
         <p:spPr>
           <a:xfrm>
             <a:off x="504000" y="226080"/>
-            <a:ext cx="9071280" cy="946080"/>
+            <a:ext cx="9070920" cy="945720"/>
           </a:xfrm>
           <a:prstGeom prst="rect">
             <a:avLst/>
@@ -6390,69 +6390,40 @@
                 </a:solidFill>
                 <a:latin typeface="Arial"/>
               </a:rPr>
-              <a:t>Source Control</a:t>
-            </a:r>
-            <a:endParaRPr b="0" lang="pt-BR" sz="4400" spc="-1" strike="noStrike">
-              <a:solidFill>
-                <a:srgbClr val="000000"/>
-              </a:solidFill>
-              <a:latin typeface="Arial"/>
-            </a:endParaRPr>
-          </a:p>
-        </p:txBody>
-      </p:sp>
-      <p:sp>
-        <p:nvSpPr>
-          <p:cNvPr id="101" name="PlaceHolder 2"/>
-          <p:cNvSpPr>
-            <a:spLocks noGrp="1"/>
-          </p:cNvSpPr>
-          <p:nvPr>
-            <p:ph/>
-          </p:nvPr>
-        </p:nvSpPr>
-        <p:spPr>
-          <a:xfrm>
-            <a:off x="504000" y="1326600"/>
-            <a:ext cx="9071280" cy="3287880"/>
-          </a:xfrm>
-          <a:prstGeom prst="rect">
-            <a:avLst/>
-          </a:prstGeom>
-          <a:noFill/>
-          <a:ln w="0">
-            <a:noFill/>
-          </a:ln>
-        </p:spPr>
-        <p:txBody>
-          <a:bodyPr lIns="0" rIns="0" tIns="0" bIns="0" anchor="t">
-            <a:normAutofit/>
-          </a:bodyPr>
-          <a:p>
-            <a:pPr indent="0" algn="ctr">
-              <a:lnSpc>
-                <a:spcPct val="100000"/>
-              </a:lnSpc>
-              <a:buNone/>
-            </a:pPr>
-            <a:r>
-              <a:rPr b="0" lang="pt-BR" sz="1800" spc="-1" strike="noStrike">
-                <a:solidFill>
-                  <a:srgbClr val="000000"/>
-                </a:solidFill>
-                <a:latin typeface="Arial"/>
-              </a:rPr>
-              <a:t>&lt;Issues&gt;</a:t>
-            </a:r>
-            <a:endParaRPr b="0" lang="pt-BR" sz="1800" spc="-1" strike="noStrike">
-              <a:solidFill>
-                <a:srgbClr val="000000"/>
-              </a:solidFill>
-              <a:latin typeface="Arial"/>
-            </a:endParaRPr>
-          </a:p>
-        </p:txBody>
-      </p:sp>
+              <a:t>Pendências e bugs</a:t>
+            </a:r>
+            <a:endParaRPr b="0" lang="en-CA" sz="4400" spc="-1" strike="noStrike">
+              <a:solidFill>
+                <a:srgbClr val="000000"/>
+              </a:solidFill>
+              <a:latin typeface="Arial"/>
+            </a:endParaRPr>
+          </a:p>
+        </p:txBody>
+      </p:sp>
+      <p:pic>
+        <p:nvPicPr>
+          <p:cNvPr id="102" name="" descr=""/>
+          <p:cNvPicPr/>
+          <p:nvPr/>
+        </p:nvPicPr>
+        <p:blipFill>
+          <a:blip r:embed="rId1"/>
+          <a:stretch/>
+        </p:blipFill>
+        <p:spPr>
+          <a:xfrm>
+            <a:off x="614880" y="1260000"/>
+            <a:ext cx="8925120" cy="4118040"/>
+          </a:xfrm>
+          <a:prstGeom prst="rect">
+            <a:avLst/>
+          </a:prstGeom>
+          <a:ln w="0">
+            <a:noFill/>
+          </a:ln>
+        </p:spPr>
+      </p:pic>
     </p:spTree>
   </p:cSld>
   <mc:AlternateContent>
@@ -6485,7 +6456,7 @@
       </p:grpSpPr>
       <p:sp>
         <p:nvSpPr>
-          <p:cNvPr id="102" name="PlaceHolder 1"/>
+          <p:cNvPr id="103" name="PlaceHolder 1"/>
           <p:cNvSpPr>
             <a:spLocks noGrp="1"/>
           </p:cNvSpPr>
@@ -6496,7 +6467,7 @@
         <p:spPr>
           <a:xfrm>
             <a:off x="504000" y="226080"/>
-            <a:ext cx="9071280" cy="946080"/>
+            <a:ext cx="9070920" cy="945720"/>
           </a:xfrm>
           <a:prstGeom prst="rect">
             <a:avLst/>
@@ -6529,18 +6500,18 @@
               </a:rPr>
               <a:t>Demo</a:t>
             </a:r>
-            <a:endParaRPr b="0" lang="pt-BR" sz="4400" spc="-1" strike="noStrike">
-              <a:solidFill>
-                <a:srgbClr val="000000"/>
-              </a:solidFill>
-              <a:latin typeface="Arial"/>
-            </a:endParaRPr>
-          </a:p>
-        </p:txBody>
-      </p:sp>
-      <p:sp>
-        <p:nvSpPr>
-          <p:cNvPr id="103" name="PlaceHolder 2"/>
+            <a:endParaRPr b="0" lang="en-CA" sz="4400" spc="-1" strike="noStrike">
+              <a:solidFill>
+                <a:srgbClr val="000000"/>
+              </a:solidFill>
+              <a:latin typeface="Arial"/>
+            </a:endParaRPr>
+          </a:p>
+        </p:txBody>
+      </p:sp>
+      <p:sp>
+        <p:nvSpPr>
+          <p:cNvPr id="104" name="PlaceHolder 2"/>
           <p:cNvSpPr>
             <a:spLocks noGrp="1"/>
           </p:cNvSpPr>
@@ -6551,7 +6522,7 @@
         <p:spPr>
           <a:xfrm>
             <a:off x="504000" y="1326600"/>
-            <a:ext cx="9071280" cy="3287880"/>
+            <a:ext cx="9070920" cy="3287520"/>
           </a:xfrm>
           <a:prstGeom prst="rect">
             <a:avLst/>
@@ -6567,10 +6538,16 @@
           </a:bodyPr>
           <a:p>
             <a:pPr indent="0" algn="ctr">
+              <a:lnSpc>
+                <a:spcPct val="100000"/>
+              </a:lnSpc>
               <a:spcBef>
                 <a:spcPts val="1417"/>
               </a:spcBef>
               <a:buNone/>
+              <a:tabLst>
+                <a:tab algn="l" pos="0"/>
+              </a:tabLst>
             </a:pPr>
             <a:r>
               <a:rPr b="0" lang="en-CA" sz="1800" spc="-1" strike="noStrike">
@@ -6633,7 +6610,7 @@
         <p:spPr>
           <a:xfrm>
             <a:off x="504000" y="226080"/>
-            <a:ext cx="9071280" cy="946080"/>
+            <a:ext cx="9070920" cy="945720"/>
           </a:xfrm>
           <a:prstGeom prst="rect">
             <a:avLst/>
@@ -6666,7 +6643,7 @@
               </a:rPr>
               <a:t>Objetivos</a:t>
             </a:r>
-            <a:endParaRPr b="0" lang="pt-BR" sz="4400" spc="-1" strike="noStrike">
+            <a:endParaRPr b="0" lang="en-CA" sz="4400" spc="-1" strike="noStrike">
               <a:solidFill>
                 <a:srgbClr val="000000"/>
               </a:solidFill>
@@ -6688,7 +6665,7 @@
         <p:spPr>
           <a:xfrm>
             <a:off x="504000" y="1326600"/>
-            <a:ext cx="9071280" cy="3287880"/>
+            <a:ext cx="9070920" cy="3287520"/>
           </a:xfrm>
           <a:prstGeom prst="rect">
             <a:avLst/>
@@ -6708,6 +6685,9 @@
                 <a:spcPct val="100000"/>
               </a:lnSpc>
               <a:buNone/>
+              <a:tabLst>
+                <a:tab algn="l" pos="0"/>
+              </a:tabLst>
             </a:pPr>
             <a:r>
               <a:rPr b="0" lang="pt-BR" sz="1800" spc="-1" strike="noStrike">
@@ -6718,7 +6698,7 @@
               </a:rPr>
               <a:t>Com a crescente globalização, muitos estrangeiros buscam oportunidades de trabalho em países estrangeiros, e a falta de informação e barreiras culturais podem dificultar esse processo.</a:t>
             </a:r>
-            <a:endParaRPr b="0" lang="pt-BR" sz="1800" spc="-1" strike="noStrike">
+            <a:endParaRPr b="0" lang="en-CA" sz="1800" spc="-1" strike="noStrike">
               <a:solidFill>
                 <a:srgbClr val="000000"/>
               </a:solidFill>
@@ -6731,16 +6711,19 @@
                 <a:spcPct val="100000"/>
               </a:lnSpc>
               <a:buNone/>
-            </a:pPr>
-            <a:endParaRPr b="0" lang="pt-BR" sz="1800" spc="-1" strike="noStrike">
-              <a:solidFill>
-                <a:srgbClr val="000000"/>
-              </a:solidFill>
-              <a:latin typeface="Arial"/>
-            </a:endParaRPr>
-          </a:p>
-          <a:p>
-            <a:pPr indent="-324000">
+              <a:tabLst>
+                <a:tab algn="l" pos="0"/>
+              </a:tabLst>
+            </a:pPr>
+            <a:endParaRPr b="0" lang="en-CA" sz="1800" spc="-1" strike="noStrike">
+              <a:solidFill>
+                <a:srgbClr val="000000"/>
+              </a:solidFill>
+              <a:latin typeface="Arial"/>
+            </a:endParaRPr>
+          </a:p>
+          <a:p>
+            <a:pPr marL="432000" indent="-324000">
               <a:lnSpc>
                 <a:spcPct val="100000"/>
               </a:lnSpc>
@@ -6749,6 +6732,9 @@
               </a:buClr>
               <a:buFont typeface="Wingdings" charset="2"/>
               <a:buChar char=""/>
+              <a:tabLst>
+                <a:tab algn="l" pos="0"/>
+              </a:tabLst>
             </a:pPr>
             <a:r>
               <a:rPr b="0" lang="pt-BR" sz="1800" spc="-1" strike="noStrike">
@@ -6768,15 +6754,15 @@
               </a:rPr>
               <a:t>Auxiliar as pessoas a encontrarem empregos no Brasil</a:t>
             </a:r>
-            <a:endParaRPr b="0" lang="pt-BR" sz="1800" spc="-1" strike="noStrike">
-              <a:solidFill>
-                <a:srgbClr val="000000"/>
-              </a:solidFill>
-              <a:latin typeface="Arial"/>
-            </a:endParaRPr>
-          </a:p>
-          <a:p>
-            <a:pPr indent="-324000">
+            <a:endParaRPr b="0" lang="en-CA" sz="1800" spc="-1" strike="noStrike">
+              <a:solidFill>
+                <a:srgbClr val="000000"/>
+              </a:solidFill>
+              <a:latin typeface="Arial"/>
+            </a:endParaRPr>
+          </a:p>
+          <a:p>
+            <a:pPr marL="432000" indent="-324000">
               <a:lnSpc>
                 <a:spcPct val="100000"/>
               </a:lnSpc>
@@ -6785,6 +6771,9 @@
               </a:buClr>
               <a:buFont typeface="Wingdings" charset="2"/>
               <a:buChar char=""/>
+              <a:tabLst>
+                <a:tab algn="l" pos="0"/>
+              </a:tabLst>
             </a:pPr>
             <a:r>
               <a:rPr b="0" lang="pt-BR" sz="1800" spc="-1" strike="noStrike">
@@ -6804,7 +6793,7 @@
               </a:rPr>
               <a:t>Promover e auxiliar a imigração de mão de obra qualificada no Brasil</a:t>
             </a:r>
-            <a:endParaRPr b="0" lang="pt-BR" sz="1800" spc="-1" strike="noStrike">
+            <a:endParaRPr b="0" lang="en-CA" sz="1800" spc="-1" strike="noStrike">
               <a:solidFill>
                 <a:srgbClr val="000000"/>
               </a:solidFill>
@@ -6856,7 +6845,7 @@
         <p:spPr>
           <a:xfrm>
             <a:off x="504000" y="226080"/>
-            <a:ext cx="9071280" cy="946080"/>
+            <a:ext cx="9070920" cy="945720"/>
           </a:xfrm>
           <a:prstGeom prst="rect">
             <a:avLst/>
@@ -6889,7 +6878,7 @@
               </a:rPr>
               <a:t>Proposta</a:t>
             </a:r>
-            <a:endParaRPr b="0" lang="pt-BR" sz="4400" spc="-1" strike="noStrike">
+            <a:endParaRPr b="0" lang="en-CA" sz="4400" spc="-1" strike="noStrike">
               <a:solidFill>
                 <a:srgbClr val="000000"/>
               </a:solidFill>
@@ -6911,7 +6900,7 @@
         <p:spPr>
           <a:xfrm>
             <a:off x="504000" y="1326600"/>
-            <a:ext cx="9071280" cy="3287880"/>
+            <a:ext cx="9070920" cy="3287520"/>
           </a:xfrm>
           <a:prstGeom prst="rect">
             <a:avLst/>
@@ -6927,10 +6916,16 @@
           </a:bodyPr>
           <a:p>
             <a:pPr indent="0">
+              <a:lnSpc>
+                <a:spcPct val="100000"/>
+              </a:lnSpc>
               <a:spcBef>
                 <a:spcPts val="1417"/>
               </a:spcBef>
               <a:buNone/>
+              <a:tabLst>
+                <a:tab algn="l" pos="0"/>
+              </a:tabLst>
             </a:pPr>
             <a:r>
               <a:rPr b="0" lang="pt-BR" sz="1800" spc="-1" strike="noStrike">
@@ -6941,52 +6936,38 @@
               </a:rPr>
               <a:t>Desenvolver um site para auxiliar na inserção de estrangeiros e brasileiros no mercado de trabalho do Brasil, oferecendo um local para listagem, candidatura e armazenamento de vagas.</a:t>
             </a:r>
-            <a:endParaRPr b="0" lang="pt-BR" sz="1800" spc="-1" strike="noStrike">
-              <a:solidFill>
-                <a:srgbClr val="000000"/>
-              </a:solidFill>
-              <a:latin typeface="Arial"/>
-            </a:endParaRPr>
-          </a:p>
-          <a:p>
-            <a:pPr indent="0">
-              <a:spcBef>
-                <a:spcPts val="1417"/>
-              </a:spcBef>
-              <a:buNone/>
-            </a:pPr>
-            <a:endParaRPr b="0" lang="pt-BR" sz="1800" spc="-1" strike="noStrike">
-              <a:solidFill>
-                <a:srgbClr val="000000"/>
-              </a:solidFill>
-              <a:latin typeface="Arial"/>
-            </a:endParaRPr>
-          </a:p>
-          <a:p>
-            <a:pPr indent="0" algn="ctr">
-              <a:spcBef>
-                <a:spcPts val="1417"/>
-              </a:spcBef>
-              <a:buNone/>
-            </a:pPr>
-            <a:r>
-              <a:rPr b="0" lang="pt-BR" sz="1800" spc="-1" strike="noStrike">
-                <a:solidFill>
-                  <a:srgbClr val="000000"/>
-                </a:solidFill>
-                <a:latin typeface="Arial"/>
-              </a:rPr>
-              <a:t>&lt;Logo do site aqui&gt;</a:t>
-            </a:r>
-            <a:endParaRPr b="0" lang="pt-BR" sz="1800" spc="-1" strike="noStrike">
-              <a:solidFill>
-                <a:srgbClr val="000000"/>
-              </a:solidFill>
-              <a:latin typeface="Arial"/>
-            </a:endParaRPr>
-          </a:p>
-        </p:txBody>
-      </p:sp>
+            <a:endParaRPr b="0" lang="en-CA" sz="1800" spc="-1" strike="noStrike">
+              <a:solidFill>
+                <a:srgbClr val="000000"/>
+              </a:solidFill>
+              <a:latin typeface="Arial"/>
+            </a:endParaRPr>
+          </a:p>
+        </p:txBody>
+      </p:sp>
+      <p:pic>
+        <p:nvPicPr>
+          <p:cNvPr id="88" name="" descr=""/>
+          <p:cNvPicPr/>
+          <p:nvPr/>
+        </p:nvPicPr>
+        <p:blipFill>
+          <a:blip r:embed="rId1"/>
+          <a:stretch/>
+        </p:blipFill>
+        <p:spPr>
+          <a:xfrm>
+            <a:off x="3060000" y="2340000"/>
+            <a:ext cx="3801960" cy="2918160"/>
+          </a:xfrm>
+          <a:prstGeom prst="rect">
+            <a:avLst/>
+          </a:prstGeom>
+          <a:ln w="0">
+            <a:noFill/>
+          </a:ln>
+        </p:spPr>
+      </p:pic>
     </p:spTree>
   </p:cSld>
   <mc:AlternateContent>
@@ -7019,7 +7000,7 @@
       </p:grpSpPr>
       <p:sp>
         <p:nvSpPr>
-          <p:cNvPr id="88" name="PlaceHolder 1"/>
+          <p:cNvPr id="89" name="PlaceHolder 1"/>
           <p:cNvSpPr>
             <a:spLocks noGrp="1"/>
           </p:cNvSpPr>
@@ -7030,7 +7011,7 @@
         <p:spPr>
           <a:xfrm>
             <a:off x="504000" y="226080"/>
-            <a:ext cx="9071280" cy="946080"/>
+            <a:ext cx="9070920" cy="945720"/>
           </a:xfrm>
           <a:prstGeom prst="rect">
             <a:avLst/>
@@ -7063,67 +7044,38 @@
               </a:rPr>
               <a:t>Arquitetura</a:t>
             </a:r>
-            <a:endParaRPr b="0" lang="pt-BR" sz="4400" spc="-1" strike="noStrike">
-              <a:solidFill>
-                <a:srgbClr val="000000"/>
-              </a:solidFill>
-              <a:latin typeface="Arial"/>
-            </a:endParaRPr>
-          </a:p>
-        </p:txBody>
-      </p:sp>
-      <p:sp>
-        <p:nvSpPr>
-          <p:cNvPr id="89" name="PlaceHolder 2"/>
-          <p:cNvSpPr>
-            <a:spLocks noGrp="1"/>
-          </p:cNvSpPr>
-          <p:nvPr>
-            <p:ph/>
-          </p:nvPr>
-        </p:nvSpPr>
-        <p:spPr>
-          <a:xfrm>
-            <a:off x="504000" y="1326600"/>
-            <a:ext cx="9071280" cy="3287880"/>
-          </a:xfrm>
-          <a:prstGeom prst="rect">
-            <a:avLst/>
-          </a:prstGeom>
-          <a:noFill/>
-          <a:ln w="0">
-            <a:noFill/>
-          </a:ln>
-        </p:spPr>
-        <p:txBody>
-          <a:bodyPr lIns="0" rIns="0" tIns="0" bIns="0" anchor="t">
-            <a:normAutofit/>
-          </a:bodyPr>
-          <a:p>
-            <a:pPr indent="0" algn="ctr">
-              <a:spcBef>
-                <a:spcPts val="1417"/>
-              </a:spcBef>
-              <a:buNone/>
-            </a:pPr>
-            <a:r>
-              <a:rPr b="0" lang="pt-BR" sz="1800" spc="-1" strike="noStrike">
-                <a:solidFill>
-                  <a:srgbClr val="000000"/>
-                </a:solidFill>
-                <a:latin typeface="Arial"/>
-              </a:rPr>
-              <a:t>&lt;Diagrama da arquitetura&gt;</a:t>
-            </a:r>
-            <a:endParaRPr b="0" lang="pt-BR" sz="1800" spc="-1" strike="noStrike">
-              <a:solidFill>
-                <a:srgbClr val="000000"/>
-              </a:solidFill>
-              <a:latin typeface="Arial"/>
-            </a:endParaRPr>
-          </a:p>
-        </p:txBody>
-      </p:sp>
+            <a:endParaRPr b="0" lang="en-CA" sz="4400" spc="-1" strike="noStrike">
+              <a:solidFill>
+                <a:srgbClr val="000000"/>
+              </a:solidFill>
+              <a:latin typeface="Arial"/>
+            </a:endParaRPr>
+          </a:p>
+        </p:txBody>
+      </p:sp>
+      <p:pic>
+        <p:nvPicPr>
+          <p:cNvPr id="90" name="" descr=""/>
+          <p:cNvPicPr/>
+          <p:nvPr/>
+        </p:nvPicPr>
+        <p:blipFill>
+          <a:blip r:embed="rId1"/>
+          <a:stretch/>
+        </p:blipFill>
+        <p:spPr>
+          <a:xfrm>
+            <a:off x="1452600" y="1185840"/>
+            <a:ext cx="7367400" cy="4214160"/>
+          </a:xfrm>
+          <a:prstGeom prst="rect">
+            <a:avLst/>
+          </a:prstGeom>
+          <a:ln w="0">
+            <a:noFill/>
+          </a:ln>
+        </p:spPr>
+      </p:pic>
     </p:spTree>
   </p:cSld>
   <mc:AlternateContent>
@@ -7156,7 +7108,7 @@
       </p:grpSpPr>
       <p:sp>
         <p:nvSpPr>
-          <p:cNvPr id="90" name="PlaceHolder 1"/>
+          <p:cNvPr id="91" name="PlaceHolder 1"/>
           <p:cNvSpPr>
             <a:spLocks noGrp="1"/>
           </p:cNvSpPr>
@@ -7167,7 +7119,7 @@
         <p:spPr>
           <a:xfrm>
             <a:off x="504000" y="226080"/>
-            <a:ext cx="9071280" cy="946080"/>
+            <a:ext cx="9070920" cy="945720"/>
           </a:xfrm>
           <a:prstGeom prst="rect">
             <a:avLst/>
@@ -7200,18 +7152,18 @@
               </a:rPr>
               <a:t>Front-End</a:t>
             </a:r>
-            <a:endParaRPr b="0" lang="pt-BR" sz="4400" spc="-1" strike="noStrike">
-              <a:solidFill>
-                <a:srgbClr val="000000"/>
-              </a:solidFill>
-              <a:latin typeface="Arial"/>
-            </a:endParaRPr>
-          </a:p>
-        </p:txBody>
-      </p:sp>
-      <p:sp>
-        <p:nvSpPr>
-          <p:cNvPr id="91" name="PlaceHolder 2"/>
+            <a:endParaRPr b="0" lang="en-CA" sz="4400" spc="-1" strike="noStrike">
+              <a:solidFill>
+                <a:srgbClr val="000000"/>
+              </a:solidFill>
+              <a:latin typeface="Arial"/>
+            </a:endParaRPr>
+          </a:p>
+        </p:txBody>
+      </p:sp>
+      <p:sp>
+        <p:nvSpPr>
+          <p:cNvPr id="92" name="PlaceHolder 2"/>
           <p:cNvSpPr>
             <a:spLocks noGrp="1"/>
           </p:cNvSpPr>
@@ -7222,7 +7174,7 @@
         <p:spPr>
           <a:xfrm>
             <a:off x="504000" y="1326600"/>
-            <a:ext cx="9071280" cy="3287880"/>
+            <a:ext cx="9070920" cy="3287520"/>
           </a:xfrm>
           <a:prstGeom prst="rect">
             <a:avLst/>
@@ -7243,7 +7195,7 @@
               </a:spcBef>
               <a:buNone/>
             </a:pPr>
-            <a:endParaRPr b="0" lang="pt-BR" sz="1800" spc="-1" strike="noStrike">
+            <a:endParaRPr b="0" lang="en-CA" sz="1800" spc="-1" strike="noStrike">
               <a:solidFill>
                 <a:srgbClr val="000000"/>
               </a:solidFill>
@@ -7284,7 +7236,7 @@
       </p:grpSpPr>
       <p:sp>
         <p:nvSpPr>
-          <p:cNvPr id="92" name="PlaceHolder 1"/>
+          <p:cNvPr id="93" name="PlaceHolder 1"/>
           <p:cNvSpPr>
             <a:spLocks noGrp="1"/>
           </p:cNvSpPr>
@@ -7295,7 +7247,7 @@
         <p:spPr>
           <a:xfrm>
             <a:off x="504000" y="226080"/>
-            <a:ext cx="9071280" cy="946080"/>
+            <a:ext cx="9070920" cy="945720"/>
           </a:xfrm>
           <a:prstGeom prst="rect">
             <a:avLst/>
@@ -7326,69 +7278,40 @@
                 </a:solidFill>
                 <a:latin typeface="Arial"/>
               </a:rPr>
-              <a:t>Back-End</a:t>
-            </a:r>
-            <a:endParaRPr b="0" lang="pt-BR" sz="4400" spc="-1" strike="noStrike">
-              <a:solidFill>
-                <a:srgbClr val="000000"/>
-              </a:solidFill>
-              <a:latin typeface="Arial"/>
-            </a:endParaRPr>
-          </a:p>
-        </p:txBody>
-      </p:sp>
-      <p:sp>
-        <p:nvSpPr>
-          <p:cNvPr id="93" name="PlaceHolder 2"/>
-          <p:cNvSpPr>
-            <a:spLocks noGrp="1"/>
-          </p:cNvSpPr>
-          <p:nvPr>
-            <p:ph/>
-          </p:nvPr>
-        </p:nvSpPr>
-        <p:spPr>
-          <a:xfrm>
-            <a:off x="504000" y="1326600"/>
-            <a:ext cx="9071280" cy="3287880"/>
-          </a:xfrm>
-          <a:prstGeom prst="rect">
-            <a:avLst/>
-          </a:prstGeom>
-          <a:noFill/>
-          <a:ln w="0">
-            <a:noFill/>
-          </a:ln>
-        </p:spPr>
-        <p:txBody>
-          <a:bodyPr lIns="0" rIns="0" tIns="0" bIns="0" anchor="t">
-            <a:normAutofit/>
-          </a:bodyPr>
-          <a:p>
-            <a:pPr indent="0" algn="ctr">
-              <a:lnSpc>
-                <a:spcPct val="100000"/>
-              </a:lnSpc>
-              <a:buNone/>
-            </a:pPr>
-            <a:r>
-              <a:rPr b="0" lang="pt-BR" sz="1800" spc="-1" strike="noStrike">
-                <a:solidFill>
-                  <a:srgbClr val="000000"/>
-                </a:solidFill>
-                <a:latin typeface="Arial"/>
-              </a:rPr>
-              <a:t>&lt;Documentação Swagger&gt;</a:t>
-            </a:r>
-            <a:endParaRPr b="0" lang="pt-BR" sz="1800" spc="-1" strike="noStrike">
-              <a:solidFill>
-                <a:srgbClr val="000000"/>
-              </a:solidFill>
-              <a:latin typeface="Arial"/>
-            </a:endParaRPr>
-          </a:p>
-        </p:txBody>
-      </p:sp>
+              <a:t>Documentação</a:t>
+            </a:r>
+            <a:endParaRPr b="0" lang="en-CA" sz="4400" spc="-1" strike="noStrike">
+              <a:solidFill>
+                <a:srgbClr val="000000"/>
+              </a:solidFill>
+              <a:latin typeface="Arial"/>
+            </a:endParaRPr>
+          </a:p>
+        </p:txBody>
+      </p:sp>
+      <p:pic>
+        <p:nvPicPr>
+          <p:cNvPr id="94" name="" descr=""/>
+          <p:cNvPicPr/>
+          <p:nvPr/>
+        </p:nvPicPr>
+        <p:blipFill>
+          <a:blip r:embed="rId1"/>
+          <a:stretch/>
+        </p:blipFill>
+        <p:spPr>
+          <a:xfrm>
+            <a:off x="685080" y="1171800"/>
+            <a:ext cx="9034920" cy="4323240"/>
+          </a:xfrm>
+          <a:prstGeom prst="rect">
+            <a:avLst/>
+          </a:prstGeom>
+          <a:ln w="0">
+            <a:noFill/>
+          </a:ln>
+        </p:spPr>
+      </p:pic>
     </p:spTree>
   </p:cSld>
   <mc:AlternateContent>
@@ -7421,7 +7344,7 @@
       </p:grpSpPr>
       <p:sp>
         <p:nvSpPr>
-          <p:cNvPr id="94" name="PlaceHolder 1"/>
+          <p:cNvPr id="95" name="PlaceHolder 1"/>
           <p:cNvSpPr>
             <a:spLocks noGrp="1"/>
           </p:cNvSpPr>
@@ -7432,7 +7355,7 @@
         <p:spPr>
           <a:xfrm>
             <a:off x="504000" y="226080"/>
-            <a:ext cx="9071280" cy="946080"/>
+            <a:ext cx="9070920" cy="945720"/>
           </a:xfrm>
           <a:prstGeom prst="rect">
             <a:avLst/>
@@ -7463,69 +7386,40 @@
                 </a:solidFill>
                 <a:latin typeface="Arial"/>
               </a:rPr>
-              <a:t>Back-End</a:t>
-            </a:r>
-            <a:endParaRPr b="0" lang="pt-BR" sz="4400" spc="-1" strike="noStrike">
-              <a:solidFill>
-                <a:srgbClr val="000000"/>
-              </a:solidFill>
-              <a:latin typeface="Arial"/>
-            </a:endParaRPr>
-          </a:p>
-        </p:txBody>
-      </p:sp>
-      <p:sp>
-        <p:nvSpPr>
-          <p:cNvPr id="95" name="PlaceHolder 2"/>
-          <p:cNvSpPr>
-            <a:spLocks noGrp="1"/>
-          </p:cNvSpPr>
-          <p:nvPr>
-            <p:ph/>
-          </p:nvPr>
-        </p:nvSpPr>
-        <p:spPr>
-          <a:xfrm>
-            <a:off x="504000" y="1326600"/>
-            <a:ext cx="9071280" cy="3287880"/>
-          </a:xfrm>
-          <a:prstGeom prst="rect">
-            <a:avLst/>
-          </a:prstGeom>
-          <a:noFill/>
-          <a:ln w="0">
-            <a:noFill/>
-          </a:ln>
-        </p:spPr>
-        <p:txBody>
-          <a:bodyPr lIns="0" rIns="0" tIns="0" bIns="0" anchor="t">
-            <a:normAutofit/>
-          </a:bodyPr>
-          <a:p>
-            <a:pPr indent="0" algn="ctr">
-              <a:lnSpc>
-                <a:spcPct val="100000"/>
-              </a:lnSpc>
-              <a:buNone/>
-            </a:pPr>
-            <a:r>
-              <a:rPr b="0" lang="pt-BR" sz="1800" spc="-1" strike="noStrike">
-                <a:solidFill>
-                  <a:srgbClr val="000000"/>
-                </a:solidFill>
-                <a:latin typeface="Arial"/>
-              </a:rPr>
-              <a:t>&lt;Postman&gt;</a:t>
-            </a:r>
-            <a:endParaRPr b="0" lang="pt-BR" sz="1800" spc="-1" strike="noStrike">
-              <a:solidFill>
-                <a:srgbClr val="000000"/>
-              </a:solidFill>
-              <a:latin typeface="Arial"/>
-            </a:endParaRPr>
-          </a:p>
-        </p:txBody>
-      </p:sp>
+              <a:t>API</a:t>
+            </a:r>
+            <a:endParaRPr b="0" lang="en-CA" sz="4400" spc="-1" strike="noStrike">
+              <a:solidFill>
+                <a:srgbClr val="000000"/>
+              </a:solidFill>
+              <a:latin typeface="Arial"/>
+            </a:endParaRPr>
+          </a:p>
+        </p:txBody>
+      </p:sp>
+      <p:pic>
+        <p:nvPicPr>
+          <p:cNvPr id="96" name="" descr=""/>
+          <p:cNvPicPr/>
+          <p:nvPr/>
+        </p:nvPicPr>
+        <p:blipFill>
+          <a:blip r:embed="rId1"/>
+          <a:stretch/>
+        </p:blipFill>
+        <p:spPr>
+          <a:xfrm>
+            <a:off x="900000" y="1187640"/>
+            <a:ext cx="8605080" cy="4305600"/>
+          </a:xfrm>
+          <a:prstGeom prst="rect">
+            <a:avLst/>
+          </a:prstGeom>
+          <a:ln w="0">
+            <a:noFill/>
+          </a:ln>
+        </p:spPr>
+      </p:pic>
     </p:spTree>
   </p:cSld>
   <mc:AlternateContent>
@@ -7558,7 +7452,7 @@
       </p:grpSpPr>
       <p:sp>
         <p:nvSpPr>
-          <p:cNvPr id="96" name="PlaceHolder 1"/>
+          <p:cNvPr id="97" name="PlaceHolder 1"/>
           <p:cNvSpPr>
             <a:spLocks noGrp="1"/>
           </p:cNvSpPr>
@@ -7569,7 +7463,7 @@
         <p:spPr>
           <a:xfrm>
             <a:off x="504000" y="226080"/>
-            <a:ext cx="9071280" cy="946080"/>
+            <a:ext cx="9070920" cy="945720"/>
           </a:xfrm>
           <a:prstGeom prst="rect">
             <a:avLst/>
@@ -7600,69 +7494,40 @@
                 </a:solidFill>
                 <a:latin typeface="Arial"/>
               </a:rPr>
-              <a:t>Source Control</a:t>
-            </a:r>
-            <a:endParaRPr b="0" lang="pt-BR" sz="4400" spc="-1" strike="noStrike">
-              <a:solidFill>
-                <a:srgbClr val="000000"/>
-              </a:solidFill>
-              <a:latin typeface="Arial"/>
-            </a:endParaRPr>
-          </a:p>
-        </p:txBody>
-      </p:sp>
-      <p:sp>
-        <p:nvSpPr>
-          <p:cNvPr id="97" name="PlaceHolder 2"/>
-          <p:cNvSpPr>
-            <a:spLocks noGrp="1"/>
-          </p:cNvSpPr>
-          <p:nvPr>
-            <p:ph/>
-          </p:nvPr>
-        </p:nvSpPr>
-        <p:spPr>
-          <a:xfrm>
-            <a:off x="504000" y="1326600"/>
-            <a:ext cx="9071280" cy="3287880"/>
-          </a:xfrm>
-          <a:prstGeom prst="rect">
-            <a:avLst/>
-          </a:prstGeom>
-          <a:noFill/>
-          <a:ln w="0">
-            <a:noFill/>
-          </a:ln>
-        </p:spPr>
-        <p:txBody>
-          <a:bodyPr lIns="0" rIns="0" tIns="0" bIns="0" anchor="t">
-            <a:normAutofit/>
-          </a:bodyPr>
-          <a:p>
-            <a:pPr indent="0" algn="ctr">
-              <a:lnSpc>
-                <a:spcPct val="100000"/>
-              </a:lnSpc>
-              <a:buNone/>
-            </a:pPr>
-            <a:r>
-              <a:rPr b="0" lang="pt-BR" sz="1800" spc="-1" strike="noStrike">
-                <a:solidFill>
-                  <a:srgbClr val="000000"/>
-                </a:solidFill>
-                <a:latin typeface="Arial"/>
-              </a:rPr>
-              <a:t>&lt;Pipelines&gt;</a:t>
-            </a:r>
-            <a:endParaRPr b="0" lang="pt-BR" sz="1800" spc="-1" strike="noStrike">
-              <a:solidFill>
-                <a:srgbClr val="000000"/>
-              </a:solidFill>
-              <a:latin typeface="Arial"/>
-            </a:endParaRPr>
-          </a:p>
-        </p:txBody>
-      </p:sp>
+              <a:t>Controle de qualidade</a:t>
+            </a:r>
+            <a:endParaRPr b="0" lang="en-CA" sz="4400" spc="-1" strike="noStrike">
+              <a:solidFill>
+                <a:srgbClr val="000000"/>
+              </a:solidFill>
+              <a:latin typeface="Arial"/>
+            </a:endParaRPr>
+          </a:p>
+        </p:txBody>
+      </p:sp>
+      <p:pic>
+        <p:nvPicPr>
+          <p:cNvPr id="98" name="" descr=""/>
+          <p:cNvPicPr/>
+          <p:nvPr/>
+        </p:nvPicPr>
+        <p:blipFill>
+          <a:blip r:embed="rId1"/>
+          <a:stretch/>
+        </p:blipFill>
+        <p:spPr>
+          <a:xfrm>
+            <a:off x="180000" y="1620000"/>
+            <a:ext cx="9568440" cy="3240000"/>
+          </a:xfrm>
+          <a:prstGeom prst="rect">
+            <a:avLst/>
+          </a:prstGeom>
+          <a:ln w="0">
+            <a:noFill/>
+          </a:ln>
+        </p:spPr>
+      </p:pic>
     </p:spTree>
   </p:cSld>
   <mc:AlternateContent>
@@ -7695,7 +7560,7 @@
       </p:grpSpPr>
       <p:sp>
         <p:nvSpPr>
-          <p:cNvPr id="98" name="PlaceHolder 1"/>
+          <p:cNvPr id="99" name="PlaceHolder 1"/>
           <p:cNvSpPr>
             <a:spLocks noGrp="1"/>
           </p:cNvSpPr>
@@ -7706,7 +7571,7 @@
         <p:spPr>
           <a:xfrm>
             <a:off x="504000" y="226080"/>
-            <a:ext cx="9071280" cy="946080"/>
+            <a:ext cx="9070920" cy="945720"/>
           </a:xfrm>
           <a:prstGeom prst="rect">
             <a:avLst/>
@@ -7737,69 +7602,40 @@
                 </a:solidFill>
                 <a:latin typeface="Arial"/>
               </a:rPr>
-              <a:t>Source Control</a:t>
-            </a:r>
-            <a:endParaRPr b="0" lang="pt-BR" sz="4400" spc="-1" strike="noStrike">
-              <a:solidFill>
-                <a:srgbClr val="000000"/>
-              </a:solidFill>
-              <a:latin typeface="Arial"/>
-            </a:endParaRPr>
-          </a:p>
-        </p:txBody>
-      </p:sp>
-      <p:sp>
-        <p:nvSpPr>
-          <p:cNvPr id="99" name="PlaceHolder 2"/>
-          <p:cNvSpPr>
-            <a:spLocks noGrp="1"/>
-          </p:cNvSpPr>
-          <p:nvPr>
-            <p:ph/>
-          </p:nvPr>
-        </p:nvSpPr>
-        <p:spPr>
-          <a:xfrm>
-            <a:off x="504000" y="1326600"/>
-            <a:ext cx="9071280" cy="3287880"/>
-          </a:xfrm>
-          <a:prstGeom prst="rect">
-            <a:avLst/>
-          </a:prstGeom>
-          <a:noFill/>
-          <a:ln w="0">
-            <a:noFill/>
-          </a:ln>
-        </p:spPr>
-        <p:txBody>
-          <a:bodyPr lIns="0" rIns="0" tIns="0" bIns="0" anchor="t">
-            <a:normAutofit/>
-          </a:bodyPr>
-          <a:p>
-            <a:pPr indent="0" algn="ctr">
-              <a:lnSpc>
-                <a:spcPct val="100000"/>
-              </a:lnSpc>
-              <a:buNone/>
-            </a:pPr>
-            <a:r>
-              <a:rPr b="0" lang="pt-BR" sz="1800" spc="-1" strike="noStrike">
-                <a:solidFill>
-                  <a:srgbClr val="000000"/>
-                </a:solidFill>
-                <a:latin typeface="Arial"/>
-              </a:rPr>
-              <a:t>&lt;Projetos&gt;</a:t>
-            </a:r>
-            <a:endParaRPr b="0" lang="pt-BR" sz="1800" spc="-1" strike="noStrike">
-              <a:solidFill>
-                <a:srgbClr val="000000"/>
-              </a:solidFill>
-              <a:latin typeface="Arial"/>
-            </a:endParaRPr>
-          </a:p>
-        </p:txBody>
-      </p:sp>
+              <a:t>Divisão de tarefas</a:t>
+            </a:r>
+            <a:endParaRPr b="0" lang="en-CA" sz="4400" spc="-1" strike="noStrike">
+              <a:solidFill>
+                <a:srgbClr val="000000"/>
+              </a:solidFill>
+              <a:latin typeface="Arial"/>
+            </a:endParaRPr>
+          </a:p>
+        </p:txBody>
+      </p:sp>
+      <p:pic>
+        <p:nvPicPr>
+          <p:cNvPr id="100" name="" descr=""/>
+          <p:cNvPicPr/>
+          <p:nvPr/>
+        </p:nvPicPr>
+        <p:blipFill>
+          <a:blip r:embed="rId1"/>
+          <a:stretch/>
+        </p:blipFill>
+        <p:spPr>
+          <a:xfrm>
+            <a:off x="180000" y="1440000"/>
+            <a:ext cx="9752040" cy="3688200"/>
+          </a:xfrm>
+          <a:prstGeom prst="rect">
+            <a:avLst/>
+          </a:prstGeom>
+          <a:ln w="0">
+            <a:noFill/>
+          </a:ln>
+        </p:spPr>
+      </p:pic>
     </p:spTree>
   </p:cSld>
   <mc:AlternateContent>
@@ -7814,7 +7650,7 @@
 </file>
 
 <file path=ppt/theme/theme1.xml><?xml version="1.0" encoding="utf-8"?>
-<a:theme xmlns:a="http://schemas.openxmlformats.org/drawingml/2006/main" name="Office Theme">
+<a:theme xmlns:a="http://schemas.openxmlformats.org/drawingml/2006/main" xmlns:r="http://schemas.openxmlformats.org/officeDocument/2006/relationships" name="Office Theme">
   <a:themeElements>
     <a:clrScheme name="Office">
       <a:dk1>
@@ -7856,90 +7692,74 @@
     </a:clrScheme>
     <a:fontScheme name="Office">
       <a:majorFont>
-        <a:latin typeface="Arial"/>
-        <a:ea typeface="DejaVu Sans"/>
-        <a:cs typeface="DejaVu Sans"/>
+        <a:latin typeface="Arial" pitchFamily="0" charset="1"/>
+        <a:ea typeface="DejaVu Sans" pitchFamily="0" charset="1"/>
+        <a:cs typeface="DejaVu Sans" pitchFamily="0" charset="1"/>
       </a:majorFont>
       <a:minorFont>
-        <a:latin typeface="Arial"/>
-        <a:ea typeface="DejaVu Sans"/>
-        <a:cs typeface="DejaVu Sans"/>
+        <a:latin typeface="Arial" pitchFamily="0" charset="1"/>
+        <a:ea typeface="DejaVu Sans" pitchFamily="0" charset="1"/>
+        <a:cs typeface="DejaVu Sans" pitchFamily="0" charset="1"/>
       </a:minorFont>
     </a:fontScheme>
-    <a:fmtScheme name="Office">
+    <a:fmtScheme>
       <a:fillStyleLst>
         <a:solidFill>
           <a:schemeClr val="phClr"/>
         </a:solidFill>
-        <a:gradFill rotWithShape="1">
+        <a:gradFill>
           <a:gsLst>
             <a:gs pos="0">
               <a:schemeClr val="phClr">
                 <a:tint val="50000"/>
-                <a:satMod val="300000"/>
               </a:schemeClr>
             </a:gs>
             <a:gs pos="35000">
               <a:schemeClr val="phClr">
                 <a:tint val="37000"/>
-                <a:satMod val="300000"/>
               </a:schemeClr>
             </a:gs>
             <a:gs pos="100000">
               <a:schemeClr val="phClr">
                 <a:tint val="15000"/>
-                <a:satMod val="350000"/>
               </a:schemeClr>
             </a:gs>
           </a:gsLst>
           <a:lin ang="16200000" scaled="1"/>
+          <a:tileRect l="0" t="0" r="0" b="0"/>
         </a:gradFill>
-        <a:gradFill rotWithShape="1">
+        <a:gradFill>
           <a:gsLst>
             <a:gs pos="0">
               <a:schemeClr val="phClr">
                 <a:shade val="51000"/>
-                <a:satMod val="130000"/>
               </a:schemeClr>
             </a:gs>
             <a:gs pos="80000">
               <a:schemeClr val="phClr">
                 <a:shade val="93000"/>
-                <a:satMod val="130000"/>
               </a:schemeClr>
             </a:gs>
             <a:gs pos="100000">
               <a:schemeClr val="phClr">
                 <a:shade val="94000"/>
-                <a:satMod val="135000"/>
               </a:schemeClr>
             </a:gs>
           </a:gsLst>
           <a:lin ang="16200000" scaled="0"/>
+          <a:tileRect l="0" t="0" r="0" b="0"/>
         </a:gradFill>
       </a:fillStyleLst>
       <a:lnStyleLst>
         <a:ln w="6350" cap="flat" cmpd="sng" algn="ctr">
-          <a:solidFill>
-            <a:schemeClr val="phClr">
-              <a:shade val="95000"/>
-              <a:satMod val="105000"/>
-            </a:schemeClr>
-          </a:solidFill>
           <a:prstDash val="solid"/>
           <a:miter/>
         </a:ln>
         <a:ln w="12700" cap="flat" cmpd="sng" algn="ctr">
-          <a:solidFill>
-            <a:schemeClr val="phClr"/>
-          </a:solidFill>
           <a:prstDash val="solid"/>
           <a:miter/>
         </a:ln>
         <a:ln w="19050" cap="flat" cmpd="sng" algn="ctr">
-          <a:solidFill>
-            <a:schemeClr val="phClr"/>
-          </a:solidFill>
           <a:prstDash val="solid"/>
           <a:miter/>
         </a:ln>
@@ -7952,63 +7772,54 @@
           <a:effectLst/>
         </a:effectStyle>
         <a:effectStyle>
-          <a:effectLst>
-            <a:outerShdw blurRad="40000" dist="23000" dir="5400000" rotWithShape="0">
-              <a:srgbClr val="000000">
-                <a:alpha val="35000"/>
-              </a:srgbClr>
-            </a:outerShdw>
-          </a:effectLst>
+          <a:effectLst/>
         </a:effectStyle>
       </a:effectStyleLst>
       <a:bgFillStyleLst>
         <a:solidFill>
           <a:schemeClr val="phClr"/>
         </a:solidFill>
-        <a:gradFill rotWithShape="1">
+        <a:gradFill>
           <a:gsLst>
             <a:gs pos="0">
               <a:schemeClr val="phClr">
                 <a:tint val="40000"/>
-                <a:satMod val="350000"/>
               </a:schemeClr>
             </a:gs>
             <a:gs pos="40000">
               <a:schemeClr val="phClr">
                 <a:tint val="45000"/>
                 <a:shade val="99000"/>
-                <a:satMod val="350000"/>
               </a:schemeClr>
             </a:gs>
             <a:gs pos="100000">
               <a:schemeClr val="phClr">
                 <a:shade val="20000"/>
-                <a:satMod val="255000"/>
               </a:schemeClr>
             </a:gs>
           </a:gsLst>
           <a:path path="circle">
             <a:fillToRect l="50000" t="-80000" r="50000" b="180000"/>
           </a:path>
+          <a:tileRect l="0" t="0" r="0" b="0"/>
         </a:gradFill>
-        <a:gradFill rotWithShape="1">
+        <a:gradFill>
           <a:gsLst>
             <a:gs pos="0">
               <a:schemeClr val="phClr">
                 <a:tint val="80000"/>
-                <a:satMod val="300000"/>
               </a:schemeClr>
             </a:gs>
             <a:gs pos="100000">
               <a:schemeClr val="phClr">
                 <a:shade val="30000"/>
-                <a:satMod val="200000"/>
               </a:schemeClr>
             </a:gs>
           </a:gsLst>
           <a:path path="circle">
             <a:fillToRect l="50000" t="50000" r="50000" b="50000"/>
           </a:path>
+          <a:tileRect l="0" t="0" r="0" b="0"/>
         </a:gradFill>
       </a:bgFillStyleLst>
     </a:fmtScheme>
@@ -8017,7 +7828,7 @@
 </file>
 
 <file path=ppt/theme/theme2.xml><?xml version="1.0" encoding="utf-8"?>
-<a:theme xmlns:a="http://schemas.openxmlformats.org/drawingml/2006/main" name="Office Theme">
+<a:theme xmlns:a="http://schemas.openxmlformats.org/drawingml/2006/main" xmlns:r="http://schemas.openxmlformats.org/officeDocument/2006/relationships" name="Office Theme">
   <a:themeElements>
     <a:clrScheme name="Office">
       <a:dk1>
@@ -8059,90 +7870,74 @@
     </a:clrScheme>
     <a:fontScheme name="Office">
       <a:majorFont>
-        <a:latin typeface="Arial"/>
-        <a:ea typeface="DejaVu Sans"/>
-        <a:cs typeface="DejaVu Sans"/>
+        <a:latin typeface="Arial" pitchFamily="0" charset="1"/>
+        <a:ea typeface="DejaVu Sans" pitchFamily="0" charset="1"/>
+        <a:cs typeface="DejaVu Sans" pitchFamily="0" charset="1"/>
       </a:majorFont>
       <a:minorFont>
-        <a:latin typeface="Arial"/>
-        <a:ea typeface="DejaVu Sans"/>
-        <a:cs typeface="DejaVu Sans"/>
+        <a:latin typeface="Arial" pitchFamily="0" charset="1"/>
+        <a:ea typeface="DejaVu Sans" pitchFamily="0" charset="1"/>
+        <a:cs typeface="DejaVu Sans" pitchFamily="0" charset="1"/>
       </a:minorFont>
     </a:fontScheme>
-    <a:fmtScheme name="Office">
+    <a:fmtScheme>
       <a:fillStyleLst>
         <a:solidFill>
           <a:schemeClr val="phClr"/>
         </a:solidFill>
-        <a:gradFill rotWithShape="1">
+        <a:gradFill>
           <a:gsLst>
             <a:gs pos="0">
               <a:schemeClr val="phClr">
                 <a:tint val="50000"/>
-                <a:satMod val="300000"/>
               </a:schemeClr>
             </a:gs>
             <a:gs pos="35000">
               <a:schemeClr val="phClr">
                 <a:tint val="37000"/>
-                <a:satMod val="300000"/>
               </a:schemeClr>
             </a:gs>
             <a:gs pos="100000">
               <a:schemeClr val="phClr">
                 <a:tint val="15000"/>
-                <a:satMod val="350000"/>
               </a:schemeClr>
             </a:gs>
           </a:gsLst>
           <a:lin ang="16200000" scaled="1"/>
+          <a:tileRect l="0" t="0" r="0" b="0"/>
         </a:gradFill>
-        <a:gradFill rotWithShape="1">
+        <a:gradFill>
           <a:gsLst>
             <a:gs pos="0">
               <a:schemeClr val="phClr">
                 <a:shade val="51000"/>
-                <a:satMod val="130000"/>
               </a:schemeClr>
             </a:gs>
             <a:gs pos="80000">
               <a:schemeClr val="phClr">
                 <a:shade val="93000"/>
-                <a:satMod val="130000"/>
               </a:schemeClr>
             </a:gs>
             <a:gs pos="100000">
               <a:schemeClr val="phClr">
                 <a:shade val="94000"/>
-                <a:satMod val="135000"/>
               </a:schemeClr>
             </a:gs>
           </a:gsLst>
           <a:lin ang="16200000" scaled="0"/>
+          <a:tileRect l="0" t="0" r="0" b="0"/>
         </a:gradFill>
       </a:fillStyleLst>
       <a:lnStyleLst>
         <a:ln w="6350" cap="flat" cmpd="sng" algn="ctr">
-          <a:solidFill>
-            <a:schemeClr val="phClr">
-              <a:shade val="95000"/>
-              <a:satMod val="105000"/>
-            </a:schemeClr>
-          </a:solidFill>
           <a:prstDash val="solid"/>
           <a:miter/>
         </a:ln>
         <a:ln w="12700" cap="flat" cmpd="sng" algn="ctr">
-          <a:solidFill>
-            <a:schemeClr val="phClr"/>
-          </a:solidFill>
           <a:prstDash val="solid"/>
           <a:miter/>
         </a:ln>
         <a:ln w="19050" cap="flat" cmpd="sng" algn="ctr">
-          <a:solidFill>
-            <a:schemeClr val="phClr"/>
-          </a:solidFill>
           <a:prstDash val="solid"/>
           <a:miter/>
         </a:ln>
@@ -8155,63 +7950,54 @@
           <a:effectLst/>
         </a:effectStyle>
         <a:effectStyle>
-          <a:effectLst>
-            <a:outerShdw blurRad="40000" dist="23000" dir="5400000" rotWithShape="0">
-              <a:srgbClr val="000000">
-                <a:alpha val="35000"/>
-              </a:srgbClr>
-            </a:outerShdw>
-          </a:effectLst>
+          <a:effectLst/>
         </a:effectStyle>
       </a:effectStyleLst>
       <a:bgFillStyleLst>
         <a:solidFill>
           <a:schemeClr val="phClr"/>
         </a:solidFill>
-        <a:gradFill rotWithShape="1">
+        <a:gradFill>
           <a:gsLst>
             <a:gs pos="0">
               <a:schemeClr val="phClr">
                 <a:tint val="40000"/>
-                <a:satMod val="350000"/>
               </a:schemeClr>
             </a:gs>
             <a:gs pos="40000">
               <a:schemeClr val="phClr">
                 <a:tint val="45000"/>
                 <a:shade val="99000"/>
-                <a:satMod val="350000"/>
               </a:schemeClr>
             </a:gs>
             <a:gs pos="100000">
               <a:schemeClr val="phClr">
                 <a:shade val="20000"/>
-                <a:satMod val="255000"/>
               </a:schemeClr>
             </a:gs>
           </a:gsLst>
           <a:path path="circle">
             <a:fillToRect l="50000" t="-80000" r="50000" b="180000"/>
           </a:path>
+          <a:tileRect l="0" t="0" r="0" b="0"/>
         </a:gradFill>
-        <a:gradFill rotWithShape="1">
+        <a:gradFill>
           <a:gsLst>
             <a:gs pos="0">
               <a:schemeClr val="phClr">
                 <a:tint val="80000"/>
-                <a:satMod val="300000"/>
               </a:schemeClr>
             </a:gs>
             <a:gs pos="100000">
               <a:schemeClr val="phClr">
                 <a:shade val="30000"/>
-                <a:satMod val="200000"/>
               </a:schemeClr>
             </a:gs>
           </a:gsLst>
           <a:path path="circle">
             <a:fillToRect l="50000" t="50000" r="50000" b="50000"/>
           </a:path>
+          <a:tileRect l="0" t="0" r="0" b="0"/>
         </a:gradFill>
       </a:bgFillStyleLst>
     </a:fmtScheme>

--- a/Files/TCC - Final/Apresentacao_Final.pptx
+++ b/Files/TCC - Final/Apresentacao_Final.pptx
@@ -1,30 +1,130 @@
 
 <file path=ppt/presentation.xml><?xml version="1.0" encoding="utf-8"?>
-<p:presentation xmlns:a="http://schemas.openxmlformats.org/drawingml/2006/main" xmlns:p="http://schemas.openxmlformats.org/presentationml/2006/main" xmlns:r="http://schemas.openxmlformats.org/officeDocument/2006/relationships" xmlns:p14="http://schemas.microsoft.com/office/powerpoint/2010/main" xmlns:p15="http://schemas.microsoft.com/office/powerpoint/2012/main" xmlns:mc="http://schemas.openxmlformats.org/markup-compatibility/2006">
+<p:presentation xmlns:a="http://schemas.openxmlformats.org/drawingml/2006/main" xmlns:r="http://schemas.openxmlformats.org/officeDocument/2006/relationships" xmlns:p="http://schemas.openxmlformats.org/presentationml/2006/main">
   <p:sldMasterIdLst>
-    <p:sldMasterId id="2147483648" r:id="rId2"/>
-    <p:sldMasterId id="2147483661" r:id="rId3"/>
+    <p:sldMasterId id="2147483648" r:id="rId1"/>
+    <p:sldMasterId id="2147483661" r:id="rId2"/>
   </p:sldMasterIdLst>
   <p:sldIdLst>
-    <p:sldId id="256" r:id="rId4"/>
-    <p:sldId id="257" r:id="rId5"/>
-    <p:sldId id="258" r:id="rId6"/>
-    <p:sldId id="259" r:id="rId7"/>
-    <p:sldId id="260" r:id="rId8"/>
-    <p:sldId id="261" r:id="rId9"/>
-    <p:sldId id="262" r:id="rId10"/>
-    <p:sldId id="263" r:id="rId11"/>
-    <p:sldId id="264" r:id="rId12"/>
-    <p:sldId id="265" r:id="rId13"/>
-    <p:sldId id="266" r:id="rId14"/>
+    <p:sldId id="256" r:id="rId3"/>
+    <p:sldId id="257" r:id="rId4"/>
+    <p:sldId id="258" r:id="rId5"/>
+    <p:sldId id="259" r:id="rId6"/>
+    <p:sldId id="260" r:id="rId7"/>
+    <p:sldId id="261" r:id="rId8"/>
+    <p:sldId id="262" r:id="rId9"/>
+    <p:sldId id="263" r:id="rId10"/>
+    <p:sldId id="264" r:id="rId11"/>
+    <p:sldId id="265" r:id="rId12"/>
+    <p:sldId id="266" r:id="rId13"/>
   </p:sldIdLst>
   <p:sldSz cx="10080625" cy="5670550"/>
   <p:notesSz cx="7772400" cy="10058400"/>
+  <p:defaultTextStyle>
+    <a:defPPr>
+      <a:defRPr lang="en-US"/>
+    </a:defPPr>
+    <a:lvl1pPr marL="0" algn="l" defTabSz="914400" rtl="0" eaLnBrk="1" latinLnBrk="0" hangingPunct="1">
+      <a:defRPr sz="1800" kern="1200">
+        <a:solidFill>
+          <a:schemeClr val="tx1"/>
+        </a:solidFill>
+        <a:latin typeface="+mn-lt"/>
+        <a:ea typeface="+mn-ea"/>
+        <a:cs typeface="+mn-cs"/>
+      </a:defRPr>
+    </a:lvl1pPr>
+    <a:lvl2pPr marL="457200" algn="l" defTabSz="914400" rtl="0" eaLnBrk="1" latinLnBrk="0" hangingPunct="1">
+      <a:defRPr sz="1800" kern="1200">
+        <a:solidFill>
+          <a:schemeClr val="tx1"/>
+        </a:solidFill>
+        <a:latin typeface="+mn-lt"/>
+        <a:ea typeface="+mn-ea"/>
+        <a:cs typeface="+mn-cs"/>
+      </a:defRPr>
+    </a:lvl2pPr>
+    <a:lvl3pPr marL="914400" algn="l" defTabSz="914400" rtl="0" eaLnBrk="1" latinLnBrk="0" hangingPunct="1">
+      <a:defRPr sz="1800" kern="1200">
+        <a:solidFill>
+          <a:schemeClr val="tx1"/>
+        </a:solidFill>
+        <a:latin typeface="+mn-lt"/>
+        <a:ea typeface="+mn-ea"/>
+        <a:cs typeface="+mn-cs"/>
+      </a:defRPr>
+    </a:lvl3pPr>
+    <a:lvl4pPr marL="1371600" algn="l" defTabSz="914400" rtl="0" eaLnBrk="1" latinLnBrk="0" hangingPunct="1">
+      <a:defRPr sz="1800" kern="1200">
+        <a:solidFill>
+          <a:schemeClr val="tx1"/>
+        </a:solidFill>
+        <a:latin typeface="+mn-lt"/>
+        <a:ea typeface="+mn-ea"/>
+        <a:cs typeface="+mn-cs"/>
+      </a:defRPr>
+    </a:lvl4pPr>
+    <a:lvl5pPr marL="1828800" algn="l" defTabSz="914400" rtl="0" eaLnBrk="1" latinLnBrk="0" hangingPunct="1">
+      <a:defRPr sz="1800" kern="1200">
+        <a:solidFill>
+          <a:schemeClr val="tx1"/>
+        </a:solidFill>
+        <a:latin typeface="+mn-lt"/>
+        <a:ea typeface="+mn-ea"/>
+        <a:cs typeface="+mn-cs"/>
+      </a:defRPr>
+    </a:lvl5pPr>
+    <a:lvl6pPr marL="2286000" algn="l" defTabSz="914400" rtl="0" eaLnBrk="1" latinLnBrk="0" hangingPunct="1">
+      <a:defRPr sz="1800" kern="1200">
+        <a:solidFill>
+          <a:schemeClr val="tx1"/>
+        </a:solidFill>
+        <a:latin typeface="+mn-lt"/>
+        <a:ea typeface="+mn-ea"/>
+        <a:cs typeface="+mn-cs"/>
+      </a:defRPr>
+    </a:lvl6pPr>
+    <a:lvl7pPr marL="2743200" algn="l" defTabSz="914400" rtl="0" eaLnBrk="1" latinLnBrk="0" hangingPunct="1">
+      <a:defRPr sz="1800" kern="1200">
+        <a:solidFill>
+          <a:schemeClr val="tx1"/>
+        </a:solidFill>
+        <a:latin typeface="+mn-lt"/>
+        <a:ea typeface="+mn-ea"/>
+        <a:cs typeface="+mn-cs"/>
+      </a:defRPr>
+    </a:lvl7pPr>
+    <a:lvl8pPr marL="3200400" algn="l" defTabSz="914400" rtl="0" eaLnBrk="1" latinLnBrk="0" hangingPunct="1">
+      <a:defRPr sz="1800" kern="1200">
+        <a:solidFill>
+          <a:schemeClr val="tx1"/>
+        </a:solidFill>
+        <a:latin typeface="+mn-lt"/>
+        <a:ea typeface="+mn-ea"/>
+        <a:cs typeface="+mn-cs"/>
+      </a:defRPr>
+    </a:lvl8pPr>
+    <a:lvl9pPr marL="3657600" algn="l" defTabSz="914400" rtl="0" eaLnBrk="1" latinLnBrk="0" hangingPunct="1">
+      <a:defRPr sz="1800" kern="1200">
+        <a:solidFill>
+          <a:schemeClr val="tx1"/>
+        </a:solidFill>
+        <a:latin typeface="+mn-lt"/>
+        <a:ea typeface="+mn-ea"/>
+        <a:cs typeface="+mn-cs"/>
+      </a:defRPr>
+    </a:lvl9pPr>
+  </p:defaultTextStyle>
+  <p:extLst>
+    <p:ext uri="{EFAFB233-063F-42B5-8137-9DF3F51BA10A}">
+      <p15:sldGuideLst xmlns:p15="http://schemas.microsoft.com/office/powerpoint/2012/main"/>
+    </p:ext>
+  </p:extLst>
 </p:presentation>
 </file>
 
 <file path=ppt/slideLayouts/slideLayout1.xml><?xml version="1.0" encoding="utf-8"?>
-<p:sldLayout xmlns:a="http://schemas.openxmlformats.org/drawingml/2006/main" xmlns:p="http://schemas.openxmlformats.org/presentationml/2006/main" xmlns:r="http://schemas.openxmlformats.org/officeDocument/2006/relationships" xmlns:p14="http://schemas.microsoft.com/office/powerpoint/2010/main" xmlns:p15="http://schemas.microsoft.com/office/powerpoint/2012/main" xmlns:mc="http://schemas.openxmlformats.org/markup-compatibility/2006" type="blank" preserve="1">
+<p:sldLayout xmlns:a="http://schemas.openxmlformats.org/drawingml/2006/main" xmlns:r="http://schemas.openxmlformats.org/officeDocument/2006/relationships" xmlns:p="http://schemas.openxmlformats.org/presentationml/2006/main" type="blank" preserve="1">
   <p:cSld name="Blank Slide">
     <p:spTree>
       <p:nvGrpSpPr>
@@ -53,6 +153,7 @@
         <p:spPr/>
         <p:txBody>
           <a:bodyPr/>
+          <a:lstStyle/>
           <a:p>
             <a:r>
               <a:t>Footer</a:t>
@@ -73,10 +174,12 @@
         <p:spPr/>
         <p:txBody>
           <a:bodyPr/>
+          <a:lstStyle/>
           <a:p>
             <a:fld id="{D78C7CE6-9959-4587-9062-D7F0DA1549A3}" type="slidenum">
-              <a:t>&lt;#&gt;</a:t>
+              <a:t>‹#›</a:t>
             </a:fld>
+            <a:endParaRPr/>
           </a:p>
         </p:txBody>
       </p:sp>
@@ -93,21 +196,22 @@
         <p:spPr/>
         <p:txBody>
           <a:bodyPr/>
-          <a:p>
-            <a:r>
-              <a:rPr lang="en-CA"/>
-              <a:t/>
-            </a:r>
+          <a:lstStyle/>
+          <a:p>
+            <a:endParaRPr/>
           </a:p>
         </p:txBody>
       </p:sp>
     </p:spTree>
   </p:cSld>
+  <p:clrMapOvr>
+    <a:masterClrMapping/>
+  </p:clrMapOvr>
 </p:sldLayout>
 </file>
 
 <file path=ppt/slideLayouts/slideLayout10.xml><?xml version="1.0" encoding="utf-8"?>
-<p:sldLayout xmlns:a="http://schemas.openxmlformats.org/drawingml/2006/main" xmlns:p="http://schemas.openxmlformats.org/presentationml/2006/main" xmlns:r="http://schemas.openxmlformats.org/officeDocument/2006/relationships" xmlns:p14="http://schemas.microsoft.com/office/powerpoint/2010/main" xmlns:p15="http://schemas.microsoft.com/office/powerpoint/2012/main" xmlns:mc="http://schemas.openxmlformats.org/markup-compatibility/2006" type="objOverTx" preserve="1">
+<p:sldLayout xmlns:a="http://schemas.openxmlformats.org/drawingml/2006/main" xmlns:r="http://schemas.openxmlformats.org/officeDocument/2006/relationships" xmlns:p="http://schemas.openxmlformats.org/presentationml/2006/main" type="objOverTx" preserve="1">
   <p:cSld name="Title, Content over Content">
     <p:spTree>
       <p:nvGrpSpPr>
@@ -147,14 +251,15 @@
           </a:ln>
         </p:spPr>
         <p:txBody>
-          <a:bodyPr lIns="0" rIns="0" tIns="0" bIns="0" anchor="ctr">
+          <a:bodyPr lIns="0" tIns="0" rIns="0" bIns="0" anchor="ctr">
             <a:noAutofit/>
           </a:bodyPr>
+          <a:lstStyle/>
           <a:p>
             <a:pPr indent="0" algn="ctr">
               <a:buNone/>
             </a:pPr>
-            <a:endParaRPr b="0" lang="en-CA" sz="4400" spc="-1" strike="noStrike">
+            <a:endParaRPr lang="en-CA" sz="4400" b="0" strike="noStrike" spc="-1">
               <a:solidFill>
                 <a:srgbClr val="000000"/>
               </a:solidFill>
@@ -187,9 +292,10 @@
           </a:ln>
         </p:spPr>
         <p:txBody>
-          <a:bodyPr lIns="0" rIns="0" tIns="0" bIns="0" anchor="t">
+          <a:bodyPr lIns="0" tIns="0" rIns="0" bIns="0" anchor="t">
             <a:normAutofit/>
           </a:bodyPr>
+          <a:lstStyle/>
           <a:p>
             <a:pPr indent="0">
               <a:spcBef>
@@ -197,7 +303,7 @@
               </a:spcBef>
               <a:buNone/>
             </a:pPr>
-            <a:endParaRPr b="0" lang="en-CA" sz="3200" spc="-1" strike="noStrike">
+            <a:endParaRPr lang="en-CA" sz="3200" b="0" strike="noStrike" spc="-1">
               <a:solidFill>
                 <a:srgbClr val="000000"/>
               </a:solidFill>
@@ -230,9 +336,10 @@
           </a:ln>
         </p:spPr>
         <p:txBody>
-          <a:bodyPr lIns="0" rIns="0" tIns="0" bIns="0" anchor="t">
+          <a:bodyPr lIns="0" tIns="0" rIns="0" bIns="0" anchor="t">
             <a:normAutofit/>
           </a:bodyPr>
+          <a:lstStyle/>
           <a:p>
             <a:pPr indent="0">
               <a:spcBef>
@@ -240,7 +347,7 @@
               </a:spcBef>
               <a:buNone/>
             </a:pPr>
-            <a:endParaRPr b="0" lang="en-CA" sz="3200" spc="-1" strike="noStrike">
+            <a:endParaRPr lang="en-CA" sz="3200" b="0" strike="noStrike" spc="-1">
               <a:solidFill>
                 <a:srgbClr val="000000"/>
               </a:solidFill>
@@ -262,6 +369,7 @@
         <p:spPr/>
         <p:txBody>
           <a:bodyPr/>
+          <a:lstStyle/>
           <a:p>
             <a:r>
               <a:t>Footer</a:t>
@@ -282,10 +390,12 @@
         <p:spPr/>
         <p:txBody>
           <a:bodyPr/>
+          <a:lstStyle/>
           <a:p>
             <a:fld id="{F76DCF2E-7885-41BF-AE70-7239437CD8CC}" type="slidenum">
-              <a:t>&lt;#&gt;</a:t>
+              <a:t>‹#›</a:t>
             </a:fld>
+            <a:endParaRPr/>
           </a:p>
         </p:txBody>
       </p:sp>
@@ -302,21 +412,22 @@
         <p:spPr/>
         <p:txBody>
           <a:bodyPr/>
-          <a:p>
-            <a:r>
-              <a:rPr lang="en-CA"/>
-              <a:t/>
-            </a:r>
+          <a:lstStyle/>
+          <a:p>
+            <a:endParaRPr/>
           </a:p>
         </p:txBody>
       </p:sp>
     </p:spTree>
   </p:cSld>
+  <p:clrMapOvr>
+    <a:masterClrMapping/>
+  </p:clrMapOvr>
 </p:sldLayout>
 </file>
 
 <file path=ppt/slideLayouts/slideLayout11.xml><?xml version="1.0" encoding="utf-8"?>
-<p:sldLayout xmlns:a="http://schemas.openxmlformats.org/drawingml/2006/main" xmlns:p="http://schemas.openxmlformats.org/presentationml/2006/main" xmlns:r="http://schemas.openxmlformats.org/officeDocument/2006/relationships" xmlns:p14="http://schemas.microsoft.com/office/powerpoint/2010/main" xmlns:p15="http://schemas.microsoft.com/office/powerpoint/2012/main" xmlns:mc="http://schemas.openxmlformats.org/markup-compatibility/2006" type="fourObj" preserve="1">
+<p:sldLayout xmlns:a="http://schemas.openxmlformats.org/drawingml/2006/main" xmlns:r="http://schemas.openxmlformats.org/officeDocument/2006/relationships" xmlns:p="http://schemas.openxmlformats.org/presentationml/2006/main" type="fourObj" preserve="1">
   <p:cSld name="Title, 4 Content">
     <p:spTree>
       <p:nvGrpSpPr>
@@ -356,14 +467,15 @@
           </a:ln>
         </p:spPr>
         <p:txBody>
-          <a:bodyPr lIns="0" rIns="0" tIns="0" bIns="0" anchor="ctr">
+          <a:bodyPr lIns="0" tIns="0" rIns="0" bIns="0" anchor="ctr">
             <a:noAutofit/>
           </a:bodyPr>
+          <a:lstStyle/>
           <a:p>
             <a:pPr indent="0" algn="ctr">
               <a:buNone/>
             </a:pPr>
-            <a:endParaRPr b="0" lang="en-CA" sz="4400" spc="-1" strike="noStrike">
+            <a:endParaRPr lang="en-CA" sz="4400" b="0" strike="noStrike" spc="-1">
               <a:solidFill>
                 <a:srgbClr val="000000"/>
               </a:solidFill>
@@ -396,9 +508,10 @@
           </a:ln>
         </p:spPr>
         <p:txBody>
-          <a:bodyPr lIns="0" rIns="0" tIns="0" bIns="0" anchor="t">
+          <a:bodyPr lIns="0" tIns="0" rIns="0" bIns="0" anchor="t">
             <a:normAutofit/>
           </a:bodyPr>
+          <a:lstStyle/>
           <a:p>
             <a:pPr indent="0">
               <a:spcBef>
@@ -406,7 +519,7 @@
               </a:spcBef>
               <a:buNone/>
             </a:pPr>
-            <a:endParaRPr b="0" lang="en-CA" sz="3200" spc="-1" strike="noStrike">
+            <a:endParaRPr lang="en-CA" sz="3200" b="0" strike="noStrike" spc="-1">
               <a:solidFill>
                 <a:srgbClr val="000000"/>
               </a:solidFill>
@@ -439,9 +552,10 @@
           </a:ln>
         </p:spPr>
         <p:txBody>
-          <a:bodyPr lIns="0" rIns="0" tIns="0" bIns="0" anchor="t">
+          <a:bodyPr lIns="0" tIns="0" rIns="0" bIns="0" anchor="t">
             <a:normAutofit/>
           </a:bodyPr>
+          <a:lstStyle/>
           <a:p>
             <a:pPr indent="0">
               <a:spcBef>
@@ -449,7 +563,7 @@
               </a:spcBef>
               <a:buNone/>
             </a:pPr>
-            <a:endParaRPr b="0" lang="en-CA" sz="3200" spc="-1" strike="noStrike">
+            <a:endParaRPr lang="en-CA" sz="3200" b="0" strike="noStrike" spc="-1">
               <a:solidFill>
                 <a:srgbClr val="000000"/>
               </a:solidFill>
@@ -482,9 +596,10 @@
           </a:ln>
         </p:spPr>
         <p:txBody>
-          <a:bodyPr lIns="0" rIns="0" tIns="0" bIns="0" anchor="t">
+          <a:bodyPr lIns="0" tIns="0" rIns="0" bIns="0" anchor="t">
             <a:normAutofit/>
           </a:bodyPr>
+          <a:lstStyle/>
           <a:p>
             <a:pPr indent="0">
               <a:spcBef>
@@ -492,7 +607,7 @@
               </a:spcBef>
               <a:buNone/>
             </a:pPr>
-            <a:endParaRPr b="0" lang="en-CA" sz="3200" spc="-1" strike="noStrike">
+            <a:endParaRPr lang="en-CA" sz="3200" b="0" strike="noStrike" spc="-1">
               <a:solidFill>
                 <a:srgbClr val="000000"/>
               </a:solidFill>
@@ -525,9 +640,10 @@
           </a:ln>
         </p:spPr>
         <p:txBody>
-          <a:bodyPr lIns="0" rIns="0" tIns="0" bIns="0" anchor="t">
+          <a:bodyPr lIns="0" tIns="0" rIns="0" bIns="0" anchor="t">
             <a:normAutofit/>
           </a:bodyPr>
+          <a:lstStyle/>
           <a:p>
             <a:pPr indent="0">
               <a:spcBef>
@@ -535,7 +651,7 @@
               </a:spcBef>
               <a:buNone/>
             </a:pPr>
-            <a:endParaRPr b="0" lang="en-CA" sz="3200" spc="-1" strike="noStrike">
+            <a:endParaRPr lang="en-CA" sz="3200" b="0" strike="noStrike" spc="-1">
               <a:solidFill>
                 <a:srgbClr val="000000"/>
               </a:solidFill>
@@ -557,6 +673,7 @@
         <p:spPr/>
         <p:txBody>
           <a:bodyPr/>
+          <a:lstStyle/>
           <a:p>
             <a:r>
               <a:t>Footer</a:t>
@@ -577,10 +694,12 @@
         <p:spPr/>
         <p:txBody>
           <a:bodyPr/>
+          <a:lstStyle/>
           <a:p>
             <a:fld id="{A0FCA35E-9A69-4EC0-A8CD-7AFFB3F65111}" type="slidenum">
-              <a:t>&lt;#&gt;</a:t>
+              <a:t>‹#›</a:t>
             </a:fld>
+            <a:endParaRPr/>
           </a:p>
         </p:txBody>
       </p:sp>
@@ -597,21 +716,22 @@
         <p:spPr/>
         <p:txBody>
           <a:bodyPr/>
-          <a:p>
-            <a:r>
-              <a:rPr lang="en-CA"/>
-              <a:t/>
-            </a:r>
+          <a:lstStyle/>
+          <a:p>
+            <a:endParaRPr/>
           </a:p>
         </p:txBody>
       </p:sp>
     </p:spTree>
   </p:cSld>
+  <p:clrMapOvr>
+    <a:masterClrMapping/>
+  </p:clrMapOvr>
 </p:sldLayout>
 </file>
 
 <file path=ppt/slideLayouts/slideLayout12.xml><?xml version="1.0" encoding="utf-8"?>
-<p:sldLayout xmlns:a="http://schemas.openxmlformats.org/drawingml/2006/main" xmlns:p="http://schemas.openxmlformats.org/presentationml/2006/main" xmlns:r="http://schemas.openxmlformats.org/officeDocument/2006/relationships" xmlns:p14="http://schemas.microsoft.com/office/powerpoint/2010/main" xmlns:p15="http://schemas.microsoft.com/office/powerpoint/2012/main" xmlns:mc="http://schemas.openxmlformats.org/markup-compatibility/2006" type="blank" preserve="1">
+<p:sldLayout xmlns:a="http://schemas.openxmlformats.org/drawingml/2006/main" xmlns:r="http://schemas.openxmlformats.org/officeDocument/2006/relationships" xmlns:p="http://schemas.openxmlformats.org/presentationml/2006/main" type="blank" preserve="1">
   <p:cSld name="Title, 6 Content">
     <p:spTree>
       <p:nvGrpSpPr>
@@ -651,14 +771,15 @@
           </a:ln>
         </p:spPr>
         <p:txBody>
-          <a:bodyPr lIns="0" rIns="0" tIns="0" bIns="0" anchor="ctr">
+          <a:bodyPr lIns="0" tIns="0" rIns="0" bIns="0" anchor="ctr">
             <a:noAutofit/>
           </a:bodyPr>
+          <a:lstStyle/>
           <a:p>
             <a:pPr indent="0" algn="ctr">
               <a:buNone/>
             </a:pPr>
-            <a:endParaRPr b="0" lang="en-CA" sz="4400" spc="-1" strike="noStrike">
+            <a:endParaRPr lang="en-CA" sz="4400" b="0" strike="noStrike" spc="-1">
               <a:solidFill>
                 <a:srgbClr val="000000"/>
               </a:solidFill>
@@ -691,9 +812,10 @@
           </a:ln>
         </p:spPr>
         <p:txBody>
-          <a:bodyPr lIns="0" rIns="0" tIns="0" bIns="0" anchor="t">
+          <a:bodyPr lIns="0" tIns="0" rIns="0" bIns="0" anchor="t">
             <a:normAutofit/>
           </a:bodyPr>
+          <a:lstStyle/>
           <a:p>
             <a:pPr indent="0">
               <a:spcBef>
@@ -701,7 +823,7 @@
               </a:spcBef>
               <a:buNone/>
             </a:pPr>
-            <a:endParaRPr b="0" lang="en-CA" sz="3200" spc="-1" strike="noStrike">
+            <a:endParaRPr lang="en-CA" sz="3200" b="0" strike="noStrike" spc="-1">
               <a:solidFill>
                 <a:srgbClr val="000000"/>
               </a:solidFill>
@@ -734,9 +856,10 @@
           </a:ln>
         </p:spPr>
         <p:txBody>
-          <a:bodyPr lIns="0" rIns="0" tIns="0" bIns="0" anchor="t">
+          <a:bodyPr lIns="0" tIns="0" rIns="0" bIns="0" anchor="t">
             <a:normAutofit/>
           </a:bodyPr>
+          <a:lstStyle/>
           <a:p>
             <a:pPr indent="0">
               <a:spcBef>
@@ -744,7 +867,7 @@
               </a:spcBef>
               <a:buNone/>
             </a:pPr>
-            <a:endParaRPr b="0" lang="en-CA" sz="3200" spc="-1" strike="noStrike">
+            <a:endParaRPr lang="en-CA" sz="3200" b="0" strike="noStrike" spc="-1">
               <a:solidFill>
                 <a:srgbClr val="000000"/>
               </a:solidFill>
@@ -777,9 +900,10 @@
           </a:ln>
         </p:spPr>
         <p:txBody>
-          <a:bodyPr lIns="0" rIns="0" tIns="0" bIns="0" anchor="t">
+          <a:bodyPr lIns="0" tIns="0" rIns="0" bIns="0" anchor="t">
             <a:normAutofit/>
           </a:bodyPr>
+          <a:lstStyle/>
           <a:p>
             <a:pPr indent="0">
               <a:spcBef>
@@ -787,7 +911,7 @@
               </a:spcBef>
               <a:buNone/>
             </a:pPr>
-            <a:endParaRPr b="0" lang="en-CA" sz="3200" spc="-1" strike="noStrike">
+            <a:endParaRPr lang="en-CA" sz="3200" b="0" strike="noStrike" spc="-1">
               <a:solidFill>
                 <a:srgbClr val="000000"/>
               </a:solidFill>
@@ -820,9 +944,10 @@
           </a:ln>
         </p:spPr>
         <p:txBody>
-          <a:bodyPr lIns="0" rIns="0" tIns="0" bIns="0" anchor="t">
+          <a:bodyPr lIns="0" tIns="0" rIns="0" bIns="0" anchor="t">
             <a:normAutofit/>
           </a:bodyPr>
+          <a:lstStyle/>
           <a:p>
             <a:pPr indent="0">
               <a:spcBef>
@@ -830,7 +955,7 @@
               </a:spcBef>
               <a:buNone/>
             </a:pPr>
-            <a:endParaRPr b="0" lang="en-CA" sz="3200" spc="-1" strike="noStrike">
+            <a:endParaRPr lang="en-CA" sz="3200" b="0" strike="noStrike" spc="-1">
               <a:solidFill>
                 <a:srgbClr val="000000"/>
               </a:solidFill>
@@ -863,9 +988,10 @@
           </a:ln>
         </p:spPr>
         <p:txBody>
-          <a:bodyPr lIns="0" rIns="0" tIns="0" bIns="0" anchor="t">
+          <a:bodyPr lIns="0" tIns="0" rIns="0" bIns="0" anchor="t">
             <a:normAutofit/>
           </a:bodyPr>
+          <a:lstStyle/>
           <a:p>
             <a:pPr indent="0">
               <a:spcBef>
@@ -873,7 +999,7 @@
               </a:spcBef>
               <a:buNone/>
             </a:pPr>
-            <a:endParaRPr b="0" lang="en-CA" sz="3200" spc="-1" strike="noStrike">
+            <a:endParaRPr lang="en-CA" sz="3200" b="0" strike="noStrike" spc="-1">
               <a:solidFill>
                 <a:srgbClr val="000000"/>
               </a:solidFill>
@@ -906,9 +1032,10 @@
           </a:ln>
         </p:spPr>
         <p:txBody>
-          <a:bodyPr lIns="0" rIns="0" tIns="0" bIns="0" anchor="t">
+          <a:bodyPr lIns="0" tIns="0" rIns="0" bIns="0" anchor="t">
             <a:normAutofit/>
           </a:bodyPr>
+          <a:lstStyle/>
           <a:p>
             <a:pPr indent="0">
               <a:spcBef>
@@ -916,7 +1043,7 @@
               </a:spcBef>
               <a:buNone/>
             </a:pPr>
-            <a:endParaRPr b="0" lang="en-CA" sz="3200" spc="-1" strike="noStrike">
+            <a:endParaRPr lang="en-CA" sz="3200" b="0" strike="noStrike" spc="-1">
               <a:solidFill>
                 <a:srgbClr val="000000"/>
               </a:solidFill>
@@ -938,6 +1065,7 @@
         <p:spPr/>
         <p:txBody>
           <a:bodyPr/>
+          <a:lstStyle/>
           <a:p>
             <a:r>
               <a:t>Footer</a:t>
@@ -958,10 +1086,12 @@
         <p:spPr/>
         <p:txBody>
           <a:bodyPr/>
+          <a:lstStyle/>
           <a:p>
             <a:fld id="{6012B156-A996-4900-BF8E-EAB71E75661C}" type="slidenum">
-              <a:t>&lt;#&gt;</a:t>
+              <a:t>‹#›</a:t>
             </a:fld>
+            <a:endParaRPr/>
           </a:p>
         </p:txBody>
       </p:sp>
@@ -978,21 +1108,22 @@
         <p:spPr/>
         <p:txBody>
           <a:bodyPr/>
-          <a:p>
-            <a:r>
-              <a:rPr lang="en-CA"/>
-              <a:t/>
-            </a:r>
+          <a:lstStyle/>
+          <a:p>
+            <a:endParaRPr/>
           </a:p>
         </p:txBody>
       </p:sp>
     </p:spTree>
   </p:cSld>
+  <p:clrMapOvr>
+    <a:masterClrMapping/>
+  </p:clrMapOvr>
 </p:sldLayout>
 </file>
 
 <file path=ppt/slideLayouts/slideLayout13.xml><?xml version="1.0" encoding="utf-8"?>
-<p:sldLayout xmlns:a="http://schemas.openxmlformats.org/drawingml/2006/main" xmlns:p="http://schemas.openxmlformats.org/presentationml/2006/main" xmlns:r="http://schemas.openxmlformats.org/officeDocument/2006/relationships" xmlns:p14="http://schemas.microsoft.com/office/powerpoint/2010/main" xmlns:p15="http://schemas.microsoft.com/office/powerpoint/2012/main" xmlns:mc="http://schemas.openxmlformats.org/markup-compatibility/2006" type="blank" preserve="1">
+<p:sldLayout xmlns:a="http://schemas.openxmlformats.org/drawingml/2006/main" xmlns:r="http://schemas.openxmlformats.org/officeDocument/2006/relationships" xmlns:p="http://schemas.openxmlformats.org/presentationml/2006/main" type="blank" preserve="1">
   <p:cSld name="Blank Slide">
     <p:spTree>
       <p:nvGrpSpPr>
@@ -1021,6 +1152,7 @@
         <p:spPr/>
         <p:txBody>
           <a:bodyPr/>
+          <a:lstStyle/>
           <a:p>
             <a:r>
               <a:t>Footer</a:t>
@@ -1041,10 +1173,12 @@
         <p:spPr/>
         <p:txBody>
           <a:bodyPr/>
+          <a:lstStyle/>
           <a:p>
             <a:fld id="{C854EA5C-A5E2-4FC0-8204-1B831F28C5CD}" type="slidenum">
-              <a:t>&lt;#&gt;</a:t>
+              <a:t>‹#›</a:t>
             </a:fld>
+            <a:endParaRPr/>
           </a:p>
         </p:txBody>
       </p:sp>
@@ -1061,21 +1195,22 @@
         <p:spPr/>
         <p:txBody>
           <a:bodyPr/>
-          <a:p>
-            <a:r>
-              <a:rPr lang="en-CA"/>
-              <a:t/>
-            </a:r>
+          <a:lstStyle/>
+          <a:p>
+            <a:endParaRPr/>
           </a:p>
         </p:txBody>
       </p:sp>
     </p:spTree>
   </p:cSld>
+  <p:clrMapOvr>
+    <a:masterClrMapping/>
+  </p:clrMapOvr>
 </p:sldLayout>
 </file>
 
 <file path=ppt/slideLayouts/slideLayout14.xml><?xml version="1.0" encoding="utf-8"?>
-<p:sldLayout xmlns:a="http://schemas.openxmlformats.org/drawingml/2006/main" xmlns:p="http://schemas.openxmlformats.org/presentationml/2006/main" xmlns:r="http://schemas.openxmlformats.org/officeDocument/2006/relationships" xmlns:p14="http://schemas.microsoft.com/office/powerpoint/2010/main" xmlns:p15="http://schemas.microsoft.com/office/powerpoint/2012/main" xmlns:mc="http://schemas.openxmlformats.org/markup-compatibility/2006" type="tx" preserve="1">
+<p:sldLayout xmlns:a="http://schemas.openxmlformats.org/drawingml/2006/main" xmlns:r="http://schemas.openxmlformats.org/officeDocument/2006/relationships" xmlns:p="http://schemas.openxmlformats.org/presentationml/2006/main" type="tx" preserve="1">
   <p:cSld name="Title Slide">
     <p:spTree>
       <p:nvGrpSpPr>
@@ -1115,14 +1250,15 @@
           </a:ln>
         </p:spPr>
         <p:txBody>
-          <a:bodyPr lIns="0" rIns="0" tIns="0" bIns="0" anchor="ctr">
+          <a:bodyPr lIns="0" tIns="0" rIns="0" bIns="0" anchor="ctr">
             <a:noAutofit/>
           </a:bodyPr>
+          <a:lstStyle/>
           <a:p>
             <a:pPr indent="0" algn="ctr">
               <a:buNone/>
             </a:pPr>
-            <a:endParaRPr b="0" lang="en-CA" sz="4400" spc="-1" strike="noStrike">
+            <a:endParaRPr lang="en-CA" sz="4400" b="0" strike="noStrike" spc="-1">
               <a:solidFill>
                 <a:srgbClr val="000000"/>
               </a:solidFill>
@@ -1155,14 +1291,15 @@
           </a:ln>
         </p:spPr>
         <p:txBody>
-          <a:bodyPr lIns="0" rIns="0" tIns="0" bIns="0" anchor="ctr">
+          <a:bodyPr lIns="0" tIns="0" rIns="0" bIns="0" anchor="ctr">
             <a:noAutofit/>
           </a:bodyPr>
+          <a:lstStyle/>
           <a:p>
             <a:pPr indent="0" algn="ctr">
               <a:buNone/>
             </a:pPr>
-            <a:endParaRPr b="0" lang="en-CA" sz="3200" spc="-1" strike="noStrike">
+            <a:endParaRPr lang="en-CA" sz="3200" b="0" strike="noStrike" spc="-1">
               <a:solidFill>
                 <a:srgbClr val="000000"/>
               </a:solidFill>
@@ -1184,6 +1321,7 @@
         <p:spPr/>
         <p:txBody>
           <a:bodyPr/>
+          <a:lstStyle/>
           <a:p>
             <a:r>
               <a:t>Footer</a:t>
@@ -1204,10 +1342,12 @@
         <p:spPr/>
         <p:txBody>
           <a:bodyPr/>
+          <a:lstStyle/>
           <a:p>
             <a:fld id="{9948EBCA-D311-49DE-BD43-1FAF1CE0B080}" type="slidenum">
-              <a:t>&lt;#&gt;</a:t>
+              <a:t>‹#›</a:t>
             </a:fld>
+            <a:endParaRPr/>
           </a:p>
         </p:txBody>
       </p:sp>
@@ -1224,21 +1364,22 @@
         <p:spPr/>
         <p:txBody>
           <a:bodyPr/>
-          <a:p>
-            <a:r>
-              <a:rPr lang="en-CA"/>
-              <a:t/>
-            </a:r>
+          <a:lstStyle/>
+          <a:p>
+            <a:endParaRPr/>
           </a:p>
         </p:txBody>
       </p:sp>
     </p:spTree>
   </p:cSld>
+  <p:clrMapOvr>
+    <a:masterClrMapping/>
+  </p:clrMapOvr>
 </p:sldLayout>
 </file>
 
 <file path=ppt/slideLayouts/slideLayout15.xml><?xml version="1.0" encoding="utf-8"?>
-<p:sldLayout xmlns:a="http://schemas.openxmlformats.org/drawingml/2006/main" xmlns:p="http://schemas.openxmlformats.org/presentationml/2006/main" xmlns:r="http://schemas.openxmlformats.org/officeDocument/2006/relationships" xmlns:p14="http://schemas.microsoft.com/office/powerpoint/2010/main" xmlns:p15="http://schemas.microsoft.com/office/powerpoint/2012/main" xmlns:mc="http://schemas.openxmlformats.org/markup-compatibility/2006" type="obj" preserve="1">
+<p:sldLayout xmlns:a="http://schemas.openxmlformats.org/drawingml/2006/main" xmlns:r="http://schemas.openxmlformats.org/officeDocument/2006/relationships" xmlns:p="http://schemas.openxmlformats.org/presentationml/2006/main" type="obj" preserve="1">
   <p:cSld name="Title, Content">
     <p:spTree>
       <p:nvGrpSpPr>
@@ -1278,14 +1419,15 @@
           </a:ln>
         </p:spPr>
         <p:txBody>
-          <a:bodyPr lIns="0" rIns="0" tIns="0" bIns="0" anchor="ctr">
+          <a:bodyPr lIns="0" tIns="0" rIns="0" bIns="0" anchor="ctr">
             <a:noAutofit/>
           </a:bodyPr>
+          <a:lstStyle/>
           <a:p>
             <a:pPr indent="0" algn="ctr">
               <a:buNone/>
             </a:pPr>
-            <a:endParaRPr b="0" lang="en-CA" sz="4400" spc="-1" strike="noStrike">
+            <a:endParaRPr lang="en-CA" sz="4400" b="0" strike="noStrike" spc="-1">
               <a:solidFill>
                 <a:srgbClr val="000000"/>
               </a:solidFill>
@@ -1318,9 +1460,10 @@
           </a:ln>
         </p:spPr>
         <p:txBody>
-          <a:bodyPr lIns="0" rIns="0" tIns="0" bIns="0" anchor="t">
+          <a:bodyPr lIns="0" tIns="0" rIns="0" bIns="0" anchor="t">
             <a:normAutofit/>
           </a:bodyPr>
+          <a:lstStyle/>
           <a:p>
             <a:pPr indent="0">
               <a:spcBef>
@@ -1328,7 +1471,7 @@
               </a:spcBef>
               <a:buNone/>
             </a:pPr>
-            <a:endParaRPr b="0" lang="en-CA" sz="3200" spc="-1" strike="noStrike">
+            <a:endParaRPr lang="en-CA" sz="3200" b="0" strike="noStrike" spc="-1">
               <a:solidFill>
                 <a:srgbClr val="000000"/>
               </a:solidFill>
@@ -1350,6 +1493,7 @@
         <p:spPr/>
         <p:txBody>
           <a:bodyPr/>
+          <a:lstStyle/>
           <a:p>
             <a:r>
               <a:t>Footer</a:t>
@@ -1370,10 +1514,12 @@
         <p:spPr/>
         <p:txBody>
           <a:bodyPr/>
+          <a:lstStyle/>
           <a:p>
             <a:fld id="{6D1756A9-3440-4600-B1E5-825043B9E43D}" type="slidenum">
-              <a:t>&lt;#&gt;</a:t>
+              <a:t>‹#›</a:t>
             </a:fld>
+            <a:endParaRPr/>
           </a:p>
         </p:txBody>
       </p:sp>
@@ -1390,21 +1536,22 @@
         <p:spPr/>
         <p:txBody>
           <a:bodyPr/>
-          <a:p>
-            <a:r>
-              <a:rPr lang="en-CA"/>
-              <a:t/>
-            </a:r>
+          <a:lstStyle/>
+          <a:p>
+            <a:endParaRPr/>
           </a:p>
         </p:txBody>
       </p:sp>
     </p:spTree>
   </p:cSld>
+  <p:clrMapOvr>
+    <a:masterClrMapping/>
+  </p:clrMapOvr>
 </p:sldLayout>
 </file>
 
 <file path=ppt/slideLayouts/slideLayout16.xml><?xml version="1.0" encoding="utf-8"?>
-<p:sldLayout xmlns:a="http://schemas.openxmlformats.org/drawingml/2006/main" xmlns:p="http://schemas.openxmlformats.org/presentationml/2006/main" xmlns:r="http://schemas.openxmlformats.org/officeDocument/2006/relationships" xmlns:p14="http://schemas.microsoft.com/office/powerpoint/2010/main" xmlns:p15="http://schemas.microsoft.com/office/powerpoint/2012/main" xmlns:mc="http://schemas.openxmlformats.org/markup-compatibility/2006" type="twoObj" preserve="1">
+<p:sldLayout xmlns:a="http://schemas.openxmlformats.org/drawingml/2006/main" xmlns:r="http://schemas.openxmlformats.org/officeDocument/2006/relationships" xmlns:p="http://schemas.openxmlformats.org/presentationml/2006/main" type="twoObj" preserve="1">
   <p:cSld name="Title, 2 Content">
     <p:spTree>
       <p:nvGrpSpPr>
@@ -1444,14 +1591,15 @@
           </a:ln>
         </p:spPr>
         <p:txBody>
-          <a:bodyPr lIns="0" rIns="0" tIns="0" bIns="0" anchor="ctr">
+          <a:bodyPr lIns="0" tIns="0" rIns="0" bIns="0" anchor="ctr">
             <a:noAutofit/>
           </a:bodyPr>
+          <a:lstStyle/>
           <a:p>
             <a:pPr indent="0" algn="ctr">
               <a:buNone/>
             </a:pPr>
-            <a:endParaRPr b="0" lang="en-CA" sz="4400" spc="-1" strike="noStrike">
+            <a:endParaRPr lang="en-CA" sz="4400" b="0" strike="noStrike" spc="-1">
               <a:solidFill>
                 <a:srgbClr val="000000"/>
               </a:solidFill>
@@ -1484,9 +1632,10 @@
           </a:ln>
         </p:spPr>
         <p:txBody>
-          <a:bodyPr lIns="0" rIns="0" tIns="0" bIns="0" anchor="t">
+          <a:bodyPr lIns="0" tIns="0" rIns="0" bIns="0" anchor="t">
             <a:normAutofit/>
           </a:bodyPr>
+          <a:lstStyle/>
           <a:p>
             <a:pPr indent="0">
               <a:spcBef>
@@ -1494,7 +1643,7 @@
               </a:spcBef>
               <a:buNone/>
             </a:pPr>
-            <a:endParaRPr b="0" lang="en-CA" sz="3200" spc="-1" strike="noStrike">
+            <a:endParaRPr lang="en-CA" sz="3200" b="0" strike="noStrike" spc="-1">
               <a:solidFill>
                 <a:srgbClr val="000000"/>
               </a:solidFill>
@@ -1527,9 +1676,10 @@
           </a:ln>
         </p:spPr>
         <p:txBody>
-          <a:bodyPr lIns="0" rIns="0" tIns="0" bIns="0" anchor="t">
+          <a:bodyPr lIns="0" tIns="0" rIns="0" bIns="0" anchor="t">
             <a:normAutofit/>
           </a:bodyPr>
+          <a:lstStyle/>
           <a:p>
             <a:pPr indent="0">
               <a:spcBef>
@@ -1537,7 +1687,7 @@
               </a:spcBef>
               <a:buNone/>
             </a:pPr>
-            <a:endParaRPr b="0" lang="en-CA" sz="3200" spc="-1" strike="noStrike">
+            <a:endParaRPr lang="en-CA" sz="3200" b="0" strike="noStrike" spc="-1">
               <a:solidFill>
                 <a:srgbClr val="000000"/>
               </a:solidFill>
@@ -1559,6 +1709,7 @@
         <p:spPr/>
         <p:txBody>
           <a:bodyPr/>
+          <a:lstStyle/>
           <a:p>
             <a:r>
               <a:t>Footer</a:t>
@@ -1579,10 +1730,12 @@
         <p:spPr/>
         <p:txBody>
           <a:bodyPr/>
+          <a:lstStyle/>
           <a:p>
             <a:fld id="{0127B6C5-794E-4C95-B44A-8C4F21895596}" type="slidenum">
-              <a:t>&lt;#&gt;</a:t>
+              <a:t>‹#›</a:t>
             </a:fld>
+            <a:endParaRPr/>
           </a:p>
         </p:txBody>
       </p:sp>
@@ -1599,21 +1752,22 @@
         <p:spPr/>
         <p:txBody>
           <a:bodyPr/>
-          <a:p>
-            <a:r>
-              <a:rPr lang="en-CA"/>
-              <a:t/>
-            </a:r>
+          <a:lstStyle/>
+          <a:p>
+            <a:endParaRPr/>
           </a:p>
         </p:txBody>
       </p:sp>
     </p:spTree>
   </p:cSld>
+  <p:clrMapOvr>
+    <a:masterClrMapping/>
+  </p:clrMapOvr>
 </p:sldLayout>
 </file>
 
 <file path=ppt/slideLayouts/slideLayout17.xml><?xml version="1.0" encoding="utf-8"?>
-<p:sldLayout xmlns:a="http://schemas.openxmlformats.org/drawingml/2006/main" xmlns:p="http://schemas.openxmlformats.org/presentationml/2006/main" xmlns:r="http://schemas.openxmlformats.org/officeDocument/2006/relationships" xmlns:p14="http://schemas.microsoft.com/office/powerpoint/2010/main" xmlns:p15="http://schemas.microsoft.com/office/powerpoint/2012/main" xmlns:mc="http://schemas.openxmlformats.org/markup-compatibility/2006" type="titleOnly" preserve="1">
+<p:sldLayout xmlns:a="http://schemas.openxmlformats.org/drawingml/2006/main" xmlns:r="http://schemas.openxmlformats.org/officeDocument/2006/relationships" xmlns:p="http://schemas.openxmlformats.org/presentationml/2006/main" type="titleOnly" preserve="1">
   <p:cSld name="Title Only">
     <p:spTree>
       <p:nvGrpSpPr>
@@ -1653,14 +1807,15 @@
           </a:ln>
         </p:spPr>
         <p:txBody>
-          <a:bodyPr lIns="0" rIns="0" tIns="0" bIns="0" anchor="ctr">
+          <a:bodyPr lIns="0" tIns="0" rIns="0" bIns="0" anchor="ctr">
             <a:noAutofit/>
           </a:bodyPr>
+          <a:lstStyle/>
           <a:p>
             <a:pPr indent="0" algn="ctr">
               <a:buNone/>
             </a:pPr>
-            <a:endParaRPr b="0" lang="en-CA" sz="4400" spc="-1" strike="noStrike">
+            <a:endParaRPr lang="en-CA" sz="4400" b="0" strike="noStrike" spc="-1">
               <a:solidFill>
                 <a:srgbClr val="000000"/>
               </a:solidFill>
@@ -1682,6 +1837,7 @@
         <p:spPr/>
         <p:txBody>
           <a:bodyPr/>
+          <a:lstStyle/>
           <a:p>
             <a:r>
               <a:t>Footer</a:t>
@@ -1702,10 +1858,12 @@
         <p:spPr/>
         <p:txBody>
           <a:bodyPr/>
+          <a:lstStyle/>
           <a:p>
             <a:fld id="{B5E6BB4B-1477-49A7-851B-01BFA0789A7A}" type="slidenum">
-              <a:t>&lt;#&gt;</a:t>
+              <a:t>‹#›</a:t>
             </a:fld>
+            <a:endParaRPr/>
           </a:p>
         </p:txBody>
       </p:sp>
@@ -1722,21 +1880,22 @@
         <p:spPr/>
         <p:txBody>
           <a:bodyPr/>
-          <a:p>
-            <a:r>
-              <a:rPr lang="en-CA"/>
-              <a:t/>
-            </a:r>
+          <a:lstStyle/>
+          <a:p>
+            <a:endParaRPr/>
           </a:p>
         </p:txBody>
       </p:sp>
     </p:spTree>
   </p:cSld>
+  <p:clrMapOvr>
+    <a:masterClrMapping/>
+  </p:clrMapOvr>
 </p:sldLayout>
 </file>
 
 <file path=ppt/slideLayouts/slideLayout18.xml><?xml version="1.0" encoding="utf-8"?>
-<p:sldLayout xmlns:a="http://schemas.openxmlformats.org/drawingml/2006/main" xmlns:p="http://schemas.openxmlformats.org/presentationml/2006/main" xmlns:r="http://schemas.openxmlformats.org/officeDocument/2006/relationships" xmlns:p14="http://schemas.microsoft.com/office/powerpoint/2010/main" xmlns:p15="http://schemas.microsoft.com/office/powerpoint/2012/main" xmlns:mc="http://schemas.openxmlformats.org/markup-compatibility/2006" type="objOnly" preserve="1">
+<p:sldLayout xmlns:a="http://schemas.openxmlformats.org/drawingml/2006/main" xmlns:r="http://schemas.openxmlformats.org/officeDocument/2006/relationships" xmlns:p="http://schemas.openxmlformats.org/presentationml/2006/main" type="objOnly" preserve="1">
   <p:cSld name="Centered Text">
     <p:spTree>
       <p:nvGrpSpPr>
@@ -1776,12 +1935,13 @@
           </a:ln>
         </p:spPr>
         <p:txBody>
-          <a:bodyPr lIns="0" rIns="0" tIns="0" bIns="0" anchor="ctr">
+          <a:bodyPr lIns="0" tIns="0" rIns="0" bIns="0" anchor="ctr">
             <a:noAutofit/>
           </a:bodyPr>
+          <a:lstStyle/>
           <a:p>
             <a:pPr algn="ctr"/>
-            <a:endParaRPr b="0" lang="en-CA" sz="3200" spc="-1" strike="noStrike">
+            <a:endParaRPr lang="en-CA" sz="3200" b="0" strike="noStrike" spc="-1">
               <a:solidFill>
                 <a:srgbClr val="000000"/>
               </a:solidFill>
@@ -1803,6 +1963,7 @@
         <p:spPr/>
         <p:txBody>
           <a:bodyPr/>
+          <a:lstStyle/>
           <a:p>
             <a:r>
               <a:t>Footer</a:t>
@@ -1823,10 +1984,12 @@
         <p:spPr/>
         <p:txBody>
           <a:bodyPr/>
+          <a:lstStyle/>
           <a:p>
             <a:fld id="{889BA953-BBE8-463C-B36A-8DC016AC980B}" type="slidenum">
-              <a:t>&lt;#&gt;</a:t>
+              <a:t>‹#›</a:t>
             </a:fld>
+            <a:endParaRPr/>
           </a:p>
         </p:txBody>
       </p:sp>
@@ -1843,21 +2006,22 @@
         <p:spPr/>
         <p:txBody>
           <a:bodyPr/>
-          <a:p>
-            <a:r>
-              <a:rPr lang="en-CA"/>
-              <a:t/>
-            </a:r>
+          <a:lstStyle/>
+          <a:p>
+            <a:endParaRPr/>
           </a:p>
         </p:txBody>
       </p:sp>
     </p:spTree>
   </p:cSld>
+  <p:clrMapOvr>
+    <a:masterClrMapping/>
+  </p:clrMapOvr>
 </p:sldLayout>
 </file>
 
 <file path=ppt/slideLayouts/slideLayout19.xml><?xml version="1.0" encoding="utf-8"?>
-<p:sldLayout xmlns:a="http://schemas.openxmlformats.org/drawingml/2006/main" xmlns:p="http://schemas.openxmlformats.org/presentationml/2006/main" xmlns:r="http://schemas.openxmlformats.org/officeDocument/2006/relationships" xmlns:p14="http://schemas.microsoft.com/office/powerpoint/2010/main" xmlns:p15="http://schemas.microsoft.com/office/powerpoint/2012/main" xmlns:mc="http://schemas.openxmlformats.org/markup-compatibility/2006" type="twoObjAndObj" preserve="1">
+<p:sldLayout xmlns:a="http://schemas.openxmlformats.org/drawingml/2006/main" xmlns:r="http://schemas.openxmlformats.org/officeDocument/2006/relationships" xmlns:p="http://schemas.openxmlformats.org/presentationml/2006/main" type="twoObjAndObj" preserve="1">
   <p:cSld name="Title, 2 Content and Content">
     <p:spTree>
       <p:nvGrpSpPr>
@@ -1897,14 +2061,15 @@
           </a:ln>
         </p:spPr>
         <p:txBody>
-          <a:bodyPr lIns="0" rIns="0" tIns="0" bIns="0" anchor="ctr">
+          <a:bodyPr lIns="0" tIns="0" rIns="0" bIns="0" anchor="ctr">
             <a:noAutofit/>
           </a:bodyPr>
+          <a:lstStyle/>
           <a:p>
             <a:pPr indent="0" algn="ctr">
               <a:buNone/>
             </a:pPr>
-            <a:endParaRPr b="0" lang="en-CA" sz="4400" spc="-1" strike="noStrike">
+            <a:endParaRPr lang="en-CA" sz="4400" b="0" strike="noStrike" spc="-1">
               <a:solidFill>
                 <a:srgbClr val="000000"/>
               </a:solidFill>
@@ -1937,9 +2102,10 @@
           </a:ln>
         </p:spPr>
         <p:txBody>
-          <a:bodyPr lIns="0" rIns="0" tIns="0" bIns="0" anchor="t">
+          <a:bodyPr lIns="0" tIns="0" rIns="0" bIns="0" anchor="t">
             <a:normAutofit/>
           </a:bodyPr>
+          <a:lstStyle/>
           <a:p>
             <a:pPr indent="0">
               <a:spcBef>
@@ -1947,7 +2113,7 @@
               </a:spcBef>
               <a:buNone/>
             </a:pPr>
-            <a:endParaRPr b="0" lang="en-CA" sz="3200" spc="-1" strike="noStrike">
+            <a:endParaRPr lang="en-CA" sz="3200" b="0" strike="noStrike" spc="-1">
               <a:solidFill>
                 <a:srgbClr val="000000"/>
               </a:solidFill>
@@ -1980,9 +2146,10 @@
           </a:ln>
         </p:spPr>
         <p:txBody>
-          <a:bodyPr lIns="0" rIns="0" tIns="0" bIns="0" anchor="t">
+          <a:bodyPr lIns="0" tIns="0" rIns="0" bIns="0" anchor="t">
             <a:normAutofit/>
           </a:bodyPr>
+          <a:lstStyle/>
           <a:p>
             <a:pPr indent="0">
               <a:spcBef>
@@ -1990,7 +2157,7 @@
               </a:spcBef>
               <a:buNone/>
             </a:pPr>
-            <a:endParaRPr b="0" lang="en-CA" sz="3200" spc="-1" strike="noStrike">
+            <a:endParaRPr lang="en-CA" sz="3200" b="0" strike="noStrike" spc="-1">
               <a:solidFill>
                 <a:srgbClr val="000000"/>
               </a:solidFill>
@@ -2023,9 +2190,10 @@
           </a:ln>
         </p:spPr>
         <p:txBody>
-          <a:bodyPr lIns="0" rIns="0" tIns="0" bIns="0" anchor="t">
+          <a:bodyPr lIns="0" tIns="0" rIns="0" bIns="0" anchor="t">
             <a:normAutofit/>
           </a:bodyPr>
+          <a:lstStyle/>
           <a:p>
             <a:pPr indent="0">
               <a:spcBef>
@@ -2033,7 +2201,7 @@
               </a:spcBef>
               <a:buNone/>
             </a:pPr>
-            <a:endParaRPr b="0" lang="en-CA" sz="3200" spc="-1" strike="noStrike">
+            <a:endParaRPr lang="en-CA" sz="3200" b="0" strike="noStrike" spc="-1">
               <a:solidFill>
                 <a:srgbClr val="000000"/>
               </a:solidFill>
@@ -2055,6 +2223,7 @@
         <p:spPr/>
         <p:txBody>
           <a:bodyPr/>
+          <a:lstStyle/>
           <a:p>
             <a:r>
               <a:t>Footer</a:t>
@@ -2075,10 +2244,12 @@
         <p:spPr/>
         <p:txBody>
           <a:bodyPr/>
+          <a:lstStyle/>
           <a:p>
             <a:fld id="{AFCB16EC-A54B-4D7A-BE0B-62A0CFB5FEC8}" type="slidenum">
-              <a:t>&lt;#&gt;</a:t>
+              <a:t>‹#›</a:t>
             </a:fld>
+            <a:endParaRPr/>
           </a:p>
         </p:txBody>
       </p:sp>
@@ -2095,21 +2266,22 @@
         <p:spPr/>
         <p:txBody>
           <a:bodyPr/>
-          <a:p>
-            <a:r>
-              <a:rPr lang="en-CA"/>
-              <a:t/>
-            </a:r>
+          <a:lstStyle/>
+          <a:p>
+            <a:endParaRPr/>
           </a:p>
         </p:txBody>
       </p:sp>
     </p:spTree>
   </p:cSld>
+  <p:clrMapOvr>
+    <a:masterClrMapping/>
+  </p:clrMapOvr>
 </p:sldLayout>
 </file>
 
 <file path=ppt/slideLayouts/slideLayout2.xml><?xml version="1.0" encoding="utf-8"?>
-<p:sldLayout xmlns:a="http://schemas.openxmlformats.org/drawingml/2006/main" xmlns:p="http://schemas.openxmlformats.org/presentationml/2006/main" xmlns:r="http://schemas.openxmlformats.org/officeDocument/2006/relationships" xmlns:p14="http://schemas.microsoft.com/office/powerpoint/2010/main" xmlns:p15="http://schemas.microsoft.com/office/powerpoint/2012/main" xmlns:mc="http://schemas.openxmlformats.org/markup-compatibility/2006" type="tx" preserve="1">
+<p:sldLayout xmlns:a="http://schemas.openxmlformats.org/drawingml/2006/main" xmlns:r="http://schemas.openxmlformats.org/officeDocument/2006/relationships" xmlns:p="http://schemas.openxmlformats.org/presentationml/2006/main" type="tx" preserve="1">
   <p:cSld name="Title Slide">
     <p:spTree>
       <p:nvGrpSpPr>
@@ -2149,14 +2321,15 @@
           </a:ln>
         </p:spPr>
         <p:txBody>
-          <a:bodyPr lIns="0" rIns="0" tIns="0" bIns="0" anchor="ctr">
+          <a:bodyPr lIns="0" tIns="0" rIns="0" bIns="0" anchor="ctr">
             <a:noAutofit/>
           </a:bodyPr>
+          <a:lstStyle/>
           <a:p>
             <a:pPr indent="0" algn="ctr">
               <a:buNone/>
             </a:pPr>
-            <a:endParaRPr b="0" lang="en-CA" sz="4400" spc="-1" strike="noStrike">
+            <a:endParaRPr lang="en-CA" sz="4400" b="0" strike="noStrike" spc="-1">
               <a:solidFill>
                 <a:srgbClr val="000000"/>
               </a:solidFill>
@@ -2189,14 +2362,15 @@
           </a:ln>
         </p:spPr>
         <p:txBody>
-          <a:bodyPr lIns="0" rIns="0" tIns="0" bIns="0" anchor="ctr">
+          <a:bodyPr lIns="0" tIns="0" rIns="0" bIns="0" anchor="ctr">
             <a:noAutofit/>
           </a:bodyPr>
+          <a:lstStyle/>
           <a:p>
             <a:pPr indent="0" algn="ctr">
               <a:buNone/>
             </a:pPr>
-            <a:endParaRPr b="0" lang="en-CA" sz="3200" spc="-1" strike="noStrike">
+            <a:endParaRPr lang="en-CA" sz="3200" b="0" strike="noStrike" spc="-1">
               <a:solidFill>
                 <a:srgbClr val="000000"/>
               </a:solidFill>
@@ -2218,6 +2392,7 @@
         <p:spPr/>
         <p:txBody>
           <a:bodyPr/>
+          <a:lstStyle/>
           <a:p>
             <a:r>
               <a:t>Footer</a:t>
@@ -2227,7 +2402,7 @@
       </p:sp>
       <p:sp>
         <p:nvSpPr>
-          <p:cNvPr id="5" name="PlaceHolder 4"/>
+          <p:cNvPr id="2" name="PlaceHolder 4"/>
           <p:cNvSpPr>
             <a:spLocks noGrp="1"/>
           </p:cNvSpPr>
@@ -2238,16 +2413,18 @@
         <p:spPr/>
         <p:txBody>
           <a:bodyPr/>
+          <a:lstStyle/>
           <a:p>
             <a:fld id="{3BB3FDA0-4C6B-47D9-A51A-FD68FE1C19E3}" type="slidenum">
-              <a:t>&lt;#&gt;</a:t>
+              <a:t>‹#›</a:t>
             </a:fld>
-          </a:p>
-        </p:txBody>
-      </p:sp>
-      <p:sp>
-        <p:nvSpPr>
-          <p:cNvPr id="6" name="PlaceHolder 5"/>
+            <a:endParaRPr/>
+          </a:p>
+        </p:txBody>
+      </p:sp>
+      <p:sp>
+        <p:nvSpPr>
+          <p:cNvPr id="3" name="PlaceHolder 5"/>
           <p:cNvSpPr>
             <a:spLocks noGrp="1"/>
           </p:cNvSpPr>
@@ -2258,21 +2435,22 @@
         <p:spPr/>
         <p:txBody>
           <a:bodyPr/>
-          <a:p>
-            <a:r>
-              <a:rPr lang="en-CA"/>
-              <a:t/>
-            </a:r>
+          <a:lstStyle/>
+          <a:p>
+            <a:endParaRPr/>
           </a:p>
         </p:txBody>
       </p:sp>
     </p:spTree>
   </p:cSld>
+  <p:clrMapOvr>
+    <a:masterClrMapping/>
+  </p:clrMapOvr>
 </p:sldLayout>
 </file>
 
 <file path=ppt/slideLayouts/slideLayout20.xml><?xml version="1.0" encoding="utf-8"?>
-<p:sldLayout xmlns:a="http://schemas.openxmlformats.org/drawingml/2006/main" xmlns:p="http://schemas.openxmlformats.org/presentationml/2006/main" xmlns:r="http://schemas.openxmlformats.org/officeDocument/2006/relationships" xmlns:p14="http://schemas.microsoft.com/office/powerpoint/2010/main" xmlns:p15="http://schemas.microsoft.com/office/powerpoint/2012/main" xmlns:mc="http://schemas.openxmlformats.org/markup-compatibility/2006" type="objAndTwoObj" preserve="1">
+<p:sldLayout xmlns:a="http://schemas.openxmlformats.org/drawingml/2006/main" xmlns:r="http://schemas.openxmlformats.org/officeDocument/2006/relationships" xmlns:p="http://schemas.openxmlformats.org/presentationml/2006/main" type="objAndTwoObj" preserve="1">
   <p:cSld name="Title Content and 2 Content">
     <p:spTree>
       <p:nvGrpSpPr>
@@ -2312,14 +2490,15 @@
           </a:ln>
         </p:spPr>
         <p:txBody>
-          <a:bodyPr lIns="0" rIns="0" tIns="0" bIns="0" anchor="ctr">
+          <a:bodyPr lIns="0" tIns="0" rIns="0" bIns="0" anchor="ctr">
             <a:noAutofit/>
           </a:bodyPr>
+          <a:lstStyle/>
           <a:p>
             <a:pPr indent="0" algn="ctr">
               <a:buNone/>
             </a:pPr>
-            <a:endParaRPr b="0" lang="en-CA" sz="4400" spc="-1" strike="noStrike">
+            <a:endParaRPr lang="en-CA" sz="4400" b="0" strike="noStrike" spc="-1">
               <a:solidFill>
                 <a:srgbClr val="000000"/>
               </a:solidFill>
@@ -2352,9 +2531,10 @@
           </a:ln>
         </p:spPr>
         <p:txBody>
-          <a:bodyPr lIns="0" rIns="0" tIns="0" bIns="0" anchor="t">
+          <a:bodyPr lIns="0" tIns="0" rIns="0" bIns="0" anchor="t">
             <a:normAutofit/>
           </a:bodyPr>
+          <a:lstStyle/>
           <a:p>
             <a:pPr indent="0">
               <a:spcBef>
@@ -2362,7 +2542,7 @@
               </a:spcBef>
               <a:buNone/>
             </a:pPr>
-            <a:endParaRPr b="0" lang="en-CA" sz="3200" spc="-1" strike="noStrike">
+            <a:endParaRPr lang="en-CA" sz="3200" b="0" strike="noStrike" spc="-1">
               <a:solidFill>
                 <a:srgbClr val="000000"/>
               </a:solidFill>
@@ -2395,9 +2575,10 @@
           </a:ln>
         </p:spPr>
         <p:txBody>
-          <a:bodyPr lIns="0" rIns="0" tIns="0" bIns="0" anchor="t">
+          <a:bodyPr lIns="0" tIns="0" rIns="0" bIns="0" anchor="t">
             <a:normAutofit/>
           </a:bodyPr>
+          <a:lstStyle/>
           <a:p>
             <a:pPr indent="0">
               <a:spcBef>
@@ -2405,7 +2586,7 @@
               </a:spcBef>
               <a:buNone/>
             </a:pPr>
-            <a:endParaRPr b="0" lang="en-CA" sz="3200" spc="-1" strike="noStrike">
+            <a:endParaRPr lang="en-CA" sz="3200" b="0" strike="noStrike" spc="-1">
               <a:solidFill>
                 <a:srgbClr val="000000"/>
               </a:solidFill>
@@ -2438,9 +2619,10 @@
           </a:ln>
         </p:spPr>
         <p:txBody>
-          <a:bodyPr lIns="0" rIns="0" tIns="0" bIns="0" anchor="t">
+          <a:bodyPr lIns="0" tIns="0" rIns="0" bIns="0" anchor="t">
             <a:normAutofit/>
           </a:bodyPr>
+          <a:lstStyle/>
           <a:p>
             <a:pPr indent="0">
               <a:spcBef>
@@ -2448,7 +2630,7 @@
               </a:spcBef>
               <a:buNone/>
             </a:pPr>
-            <a:endParaRPr b="0" lang="en-CA" sz="3200" spc="-1" strike="noStrike">
+            <a:endParaRPr lang="en-CA" sz="3200" b="0" strike="noStrike" spc="-1">
               <a:solidFill>
                 <a:srgbClr val="000000"/>
               </a:solidFill>
@@ -2470,6 +2652,7 @@
         <p:spPr/>
         <p:txBody>
           <a:bodyPr/>
+          <a:lstStyle/>
           <a:p>
             <a:r>
               <a:t>Footer</a:t>
@@ -2490,10 +2673,12 @@
         <p:spPr/>
         <p:txBody>
           <a:bodyPr/>
+          <a:lstStyle/>
           <a:p>
             <a:fld id="{22F51B99-2A20-43A4-AE37-858F492FADC5}" type="slidenum">
-              <a:t>&lt;#&gt;</a:t>
+              <a:t>‹#›</a:t>
             </a:fld>
+            <a:endParaRPr/>
           </a:p>
         </p:txBody>
       </p:sp>
@@ -2510,21 +2695,22 @@
         <p:spPr/>
         <p:txBody>
           <a:bodyPr/>
-          <a:p>
-            <a:r>
-              <a:rPr lang="en-CA"/>
-              <a:t/>
-            </a:r>
+          <a:lstStyle/>
+          <a:p>
+            <a:endParaRPr/>
           </a:p>
         </p:txBody>
       </p:sp>
     </p:spTree>
   </p:cSld>
+  <p:clrMapOvr>
+    <a:masterClrMapping/>
+  </p:clrMapOvr>
 </p:sldLayout>
 </file>
 
 <file path=ppt/slideLayouts/slideLayout21.xml><?xml version="1.0" encoding="utf-8"?>
-<p:sldLayout xmlns:a="http://schemas.openxmlformats.org/drawingml/2006/main" xmlns:p="http://schemas.openxmlformats.org/presentationml/2006/main" xmlns:r="http://schemas.openxmlformats.org/officeDocument/2006/relationships" xmlns:p14="http://schemas.microsoft.com/office/powerpoint/2010/main" xmlns:p15="http://schemas.microsoft.com/office/powerpoint/2012/main" xmlns:mc="http://schemas.openxmlformats.org/markup-compatibility/2006" type="twoObjOverTx" preserve="1">
+<p:sldLayout xmlns:a="http://schemas.openxmlformats.org/drawingml/2006/main" xmlns:r="http://schemas.openxmlformats.org/officeDocument/2006/relationships" xmlns:p="http://schemas.openxmlformats.org/presentationml/2006/main" type="twoObjOverTx" preserve="1">
   <p:cSld name="Title, 2 Content over Content">
     <p:spTree>
       <p:nvGrpSpPr>
@@ -2564,14 +2750,15 @@
           </a:ln>
         </p:spPr>
         <p:txBody>
-          <a:bodyPr lIns="0" rIns="0" tIns="0" bIns="0" anchor="ctr">
+          <a:bodyPr lIns="0" tIns="0" rIns="0" bIns="0" anchor="ctr">
             <a:noAutofit/>
           </a:bodyPr>
+          <a:lstStyle/>
           <a:p>
             <a:pPr indent="0" algn="ctr">
               <a:buNone/>
             </a:pPr>
-            <a:endParaRPr b="0" lang="en-CA" sz="4400" spc="-1" strike="noStrike">
+            <a:endParaRPr lang="en-CA" sz="4400" b="0" strike="noStrike" spc="-1">
               <a:solidFill>
                 <a:srgbClr val="000000"/>
               </a:solidFill>
@@ -2604,9 +2791,10 @@
           </a:ln>
         </p:spPr>
         <p:txBody>
-          <a:bodyPr lIns="0" rIns="0" tIns="0" bIns="0" anchor="t">
+          <a:bodyPr lIns="0" tIns="0" rIns="0" bIns="0" anchor="t">
             <a:normAutofit/>
           </a:bodyPr>
+          <a:lstStyle/>
           <a:p>
             <a:pPr indent="0">
               <a:spcBef>
@@ -2614,7 +2802,7 @@
               </a:spcBef>
               <a:buNone/>
             </a:pPr>
-            <a:endParaRPr b="0" lang="en-CA" sz="3200" spc="-1" strike="noStrike">
+            <a:endParaRPr lang="en-CA" sz="3200" b="0" strike="noStrike" spc="-1">
               <a:solidFill>
                 <a:srgbClr val="000000"/>
               </a:solidFill>
@@ -2647,9 +2835,10 @@
           </a:ln>
         </p:spPr>
         <p:txBody>
-          <a:bodyPr lIns="0" rIns="0" tIns="0" bIns="0" anchor="t">
+          <a:bodyPr lIns="0" tIns="0" rIns="0" bIns="0" anchor="t">
             <a:normAutofit/>
           </a:bodyPr>
+          <a:lstStyle/>
           <a:p>
             <a:pPr indent="0">
               <a:spcBef>
@@ -2657,7 +2846,7 @@
               </a:spcBef>
               <a:buNone/>
             </a:pPr>
-            <a:endParaRPr b="0" lang="en-CA" sz="3200" spc="-1" strike="noStrike">
+            <a:endParaRPr lang="en-CA" sz="3200" b="0" strike="noStrike" spc="-1">
               <a:solidFill>
                 <a:srgbClr val="000000"/>
               </a:solidFill>
@@ -2690,9 +2879,10 @@
           </a:ln>
         </p:spPr>
         <p:txBody>
-          <a:bodyPr lIns="0" rIns="0" tIns="0" bIns="0" anchor="t">
+          <a:bodyPr lIns="0" tIns="0" rIns="0" bIns="0" anchor="t">
             <a:normAutofit/>
           </a:bodyPr>
+          <a:lstStyle/>
           <a:p>
             <a:pPr indent="0">
               <a:spcBef>
@@ -2700,7 +2890,7 @@
               </a:spcBef>
               <a:buNone/>
             </a:pPr>
-            <a:endParaRPr b="0" lang="en-CA" sz="3200" spc="-1" strike="noStrike">
+            <a:endParaRPr lang="en-CA" sz="3200" b="0" strike="noStrike" spc="-1">
               <a:solidFill>
                 <a:srgbClr val="000000"/>
               </a:solidFill>
@@ -2722,6 +2912,7 @@
         <p:spPr/>
         <p:txBody>
           <a:bodyPr/>
+          <a:lstStyle/>
           <a:p>
             <a:r>
               <a:t>Footer</a:t>
@@ -2742,10 +2933,12 @@
         <p:spPr/>
         <p:txBody>
           <a:bodyPr/>
+          <a:lstStyle/>
           <a:p>
             <a:fld id="{8D891858-E26A-455A-83DF-ADBCE2F3F4AD}" type="slidenum">
-              <a:t>&lt;#&gt;</a:t>
+              <a:t>‹#›</a:t>
             </a:fld>
+            <a:endParaRPr/>
           </a:p>
         </p:txBody>
       </p:sp>
@@ -2762,21 +2955,22 @@
         <p:spPr/>
         <p:txBody>
           <a:bodyPr/>
-          <a:p>
-            <a:r>
-              <a:rPr lang="en-CA"/>
-              <a:t/>
-            </a:r>
+          <a:lstStyle/>
+          <a:p>
+            <a:endParaRPr/>
           </a:p>
         </p:txBody>
       </p:sp>
     </p:spTree>
   </p:cSld>
+  <p:clrMapOvr>
+    <a:masterClrMapping/>
+  </p:clrMapOvr>
 </p:sldLayout>
 </file>
 
 <file path=ppt/slideLayouts/slideLayout22.xml><?xml version="1.0" encoding="utf-8"?>
-<p:sldLayout xmlns:a="http://schemas.openxmlformats.org/drawingml/2006/main" xmlns:p="http://schemas.openxmlformats.org/presentationml/2006/main" xmlns:r="http://schemas.openxmlformats.org/officeDocument/2006/relationships" xmlns:p14="http://schemas.microsoft.com/office/powerpoint/2010/main" xmlns:p15="http://schemas.microsoft.com/office/powerpoint/2012/main" xmlns:mc="http://schemas.openxmlformats.org/markup-compatibility/2006" type="objOverTx" preserve="1">
+<p:sldLayout xmlns:a="http://schemas.openxmlformats.org/drawingml/2006/main" xmlns:r="http://schemas.openxmlformats.org/officeDocument/2006/relationships" xmlns:p="http://schemas.openxmlformats.org/presentationml/2006/main" type="objOverTx" preserve="1">
   <p:cSld name="Title, Content over Content">
     <p:spTree>
       <p:nvGrpSpPr>
@@ -2816,14 +3010,15 @@
           </a:ln>
         </p:spPr>
         <p:txBody>
-          <a:bodyPr lIns="0" rIns="0" tIns="0" bIns="0" anchor="ctr">
+          <a:bodyPr lIns="0" tIns="0" rIns="0" bIns="0" anchor="ctr">
             <a:noAutofit/>
           </a:bodyPr>
+          <a:lstStyle/>
           <a:p>
             <a:pPr indent="0" algn="ctr">
               <a:buNone/>
             </a:pPr>
-            <a:endParaRPr b="0" lang="en-CA" sz="4400" spc="-1" strike="noStrike">
+            <a:endParaRPr lang="en-CA" sz="4400" b="0" strike="noStrike" spc="-1">
               <a:solidFill>
                 <a:srgbClr val="000000"/>
               </a:solidFill>
@@ -2856,9 +3051,10 @@
           </a:ln>
         </p:spPr>
         <p:txBody>
-          <a:bodyPr lIns="0" rIns="0" tIns="0" bIns="0" anchor="t">
+          <a:bodyPr lIns="0" tIns="0" rIns="0" bIns="0" anchor="t">
             <a:normAutofit/>
           </a:bodyPr>
+          <a:lstStyle/>
           <a:p>
             <a:pPr indent="0">
               <a:spcBef>
@@ -2866,7 +3062,7 @@
               </a:spcBef>
               <a:buNone/>
             </a:pPr>
-            <a:endParaRPr b="0" lang="en-CA" sz="3200" spc="-1" strike="noStrike">
+            <a:endParaRPr lang="en-CA" sz="3200" b="0" strike="noStrike" spc="-1">
               <a:solidFill>
                 <a:srgbClr val="000000"/>
               </a:solidFill>
@@ -2899,9 +3095,10 @@
           </a:ln>
         </p:spPr>
         <p:txBody>
-          <a:bodyPr lIns="0" rIns="0" tIns="0" bIns="0" anchor="t">
+          <a:bodyPr lIns="0" tIns="0" rIns="0" bIns="0" anchor="t">
             <a:normAutofit/>
           </a:bodyPr>
+          <a:lstStyle/>
           <a:p>
             <a:pPr indent="0">
               <a:spcBef>
@@ -2909,7 +3106,7 @@
               </a:spcBef>
               <a:buNone/>
             </a:pPr>
-            <a:endParaRPr b="0" lang="en-CA" sz="3200" spc="-1" strike="noStrike">
+            <a:endParaRPr lang="en-CA" sz="3200" b="0" strike="noStrike" spc="-1">
               <a:solidFill>
                 <a:srgbClr val="000000"/>
               </a:solidFill>
@@ -2931,6 +3128,7 @@
         <p:spPr/>
         <p:txBody>
           <a:bodyPr/>
+          <a:lstStyle/>
           <a:p>
             <a:r>
               <a:t>Footer</a:t>
@@ -2951,10 +3149,12 @@
         <p:spPr/>
         <p:txBody>
           <a:bodyPr/>
+          <a:lstStyle/>
           <a:p>
             <a:fld id="{45A4E931-1B8A-4496-947C-BC2B0606C54E}" type="slidenum">
-              <a:t>&lt;#&gt;</a:t>
+              <a:t>‹#›</a:t>
             </a:fld>
+            <a:endParaRPr/>
           </a:p>
         </p:txBody>
       </p:sp>
@@ -2971,21 +3171,22 @@
         <p:spPr/>
         <p:txBody>
           <a:bodyPr/>
-          <a:p>
-            <a:r>
-              <a:rPr lang="en-CA"/>
-              <a:t/>
-            </a:r>
+          <a:lstStyle/>
+          <a:p>
+            <a:endParaRPr/>
           </a:p>
         </p:txBody>
       </p:sp>
     </p:spTree>
   </p:cSld>
+  <p:clrMapOvr>
+    <a:masterClrMapping/>
+  </p:clrMapOvr>
 </p:sldLayout>
 </file>
 
 <file path=ppt/slideLayouts/slideLayout23.xml><?xml version="1.0" encoding="utf-8"?>
-<p:sldLayout xmlns:a="http://schemas.openxmlformats.org/drawingml/2006/main" xmlns:p="http://schemas.openxmlformats.org/presentationml/2006/main" xmlns:r="http://schemas.openxmlformats.org/officeDocument/2006/relationships" xmlns:p14="http://schemas.microsoft.com/office/powerpoint/2010/main" xmlns:p15="http://schemas.microsoft.com/office/powerpoint/2012/main" xmlns:mc="http://schemas.openxmlformats.org/markup-compatibility/2006" type="fourObj" preserve="1">
+<p:sldLayout xmlns:a="http://schemas.openxmlformats.org/drawingml/2006/main" xmlns:r="http://schemas.openxmlformats.org/officeDocument/2006/relationships" xmlns:p="http://schemas.openxmlformats.org/presentationml/2006/main" type="fourObj" preserve="1">
   <p:cSld name="Title, 4 Content">
     <p:spTree>
       <p:nvGrpSpPr>
@@ -3025,14 +3226,15 @@
           </a:ln>
         </p:spPr>
         <p:txBody>
-          <a:bodyPr lIns="0" rIns="0" tIns="0" bIns="0" anchor="ctr">
+          <a:bodyPr lIns="0" tIns="0" rIns="0" bIns="0" anchor="ctr">
             <a:noAutofit/>
           </a:bodyPr>
+          <a:lstStyle/>
           <a:p>
             <a:pPr indent="0" algn="ctr">
               <a:buNone/>
             </a:pPr>
-            <a:endParaRPr b="0" lang="en-CA" sz="4400" spc="-1" strike="noStrike">
+            <a:endParaRPr lang="en-CA" sz="4400" b="0" strike="noStrike" spc="-1">
               <a:solidFill>
                 <a:srgbClr val="000000"/>
               </a:solidFill>
@@ -3065,9 +3267,10 @@
           </a:ln>
         </p:spPr>
         <p:txBody>
-          <a:bodyPr lIns="0" rIns="0" tIns="0" bIns="0" anchor="t">
+          <a:bodyPr lIns="0" tIns="0" rIns="0" bIns="0" anchor="t">
             <a:normAutofit/>
           </a:bodyPr>
+          <a:lstStyle/>
           <a:p>
             <a:pPr indent="0">
               <a:spcBef>
@@ -3075,7 +3278,7 @@
               </a:spcBef>
               <a:buNone/>
             </a:pPr>
-            <a:endParaRPr b="0" lang="en-CA" sz="3200" spc="-1" strike="noStrike">
+            <a:endParaRPr lang="en-CA" sz="3200" b="0" strike="noStrike" spc="-1">
               <a:solidFill>
                 <a:srgbClr val="000000"/>
               </a:solidFill>
@@ -3108,9 +3311,10 @@
           </a:ln>
         </p:spPr>
         <p:txBody>
-          <a:bodyPr lIns="0" rIns="0" tIns="0" bIns="0" anchor="t">
+          <a:bodyPr lIns="0" tIns="0" rIns="0" bIns="0" anchor="t">
             <a:normAutofit/>
           </a:bodyPr>
+          <a:lstStyle/>
           <a:p>
             <a:pPr indent="0">
               <a:spcBef>
@@ -3118,7 +3322,7 @@
               </a:spcBef>
               <a:buNone/>
             </a:pPr>
-            <a:endParaRPr b="0" lang="en-CA" sz="3200" spc="-1" strike="noStrike">
+            <a:endParaRPr lang="en-CA" sz="3200" b="0" strike="noStrike" spc="-1">
               <a:solidFill>
                 <a:srgbClr val="000000"/>
               </a:solidFill>
@@ -3151,9 +3355,10 @@
           </a:ln>
         </p:spPr>
         <p:txBody>
-          <a:bodyPr lIns="0" rIns="0" tIns="0" bIns="0" anchor="t">
+          <a:bodyPr lIns="0" tIns="0" rIns="0" bIns="0" anchor="t">
             <a:normAutofit/>
           </a:bodyPr>
+          <a:lstStyle/>
           <a:p>
             <a:pPr indent="0">
               <a:spcBef>
@@ -3161,7 +3366,7 @@
               </a:spcBef>
               <a:buNone/>
             </a:pPr>
-            <a:endParaRPr b="0" lang="en-CA" sz="3200" spc="-1" strike="noStrike">
+            <a:endParaRPr lang="en-CA" sz="3200" b="0" strike="noStrike" spc="-1">
               <a:solidFill>
                 <a:srgbClr val="000000"/>
               </a:solidFill>
@@ -3194,9 +3399,10 @@
           </a:ln>
         </p:spPr>
         <p:txBody>
-          <a:bodyPr lIns="0" rIns="0" tIns="0" bIns="0" anchor="t">
+          <a:bodyPr lIns="0" tIns="0" rIns="0" bIns="0" anchor="t">
             <a:normAutofit/>
           </a:bodyPr>
+          <a:lstStyle/>
           <a:p>
             <a:pPr indent="0">
               <a:spcBef>
@@ -3204,7 +3410,7 @@
               </a:spcBef>
               <a:buNone/>
             </a:pPr>
-            <a:endParaRPr b="0" lang="en-CA" sz="3200" spc="-1" strike="noStrike">
+            <a:endParaRPr lang="en-CA" sz="3200" b="0" strike="noStrike" spc="-1">
               <a:solidFill>
                 <a:srgbClr val="000000"/>
               </a:solidFill>
@@ -3226,6 +3432,7 @@
         <p:spPr/>
         <p:txBody>
           <a:bodyPr/>
+          <a:lstStyle/>
           <a:p>
             <a:r>
               <a:t>Footer</a:t>
@@ -3246,10 +3453,12 @@
         <p:spPr/>
         <p:txBody>
           <a:bodyPr/>
+          <a:lstStyle/>
           <a:p>
             <a:fld id="{0F09450D-B9E6-4585-9B2E-53A1D5564A9D}" type="slidenum">
-              <a:t>&lt;#&gt;</a:t>
+              <a:t>‹#›</a:t>
             </a:fld>
+            <a:endParaRPr/>
           </a:p>
         </p:txBody>
       </p:sp>
@@ -3266,21 +3475,22 @@
         <p:spPr/>
         <p:txBody>
           <a:bodyPr/>
-          <a:p>
-            <a:r>
-              <a:rPr lang="en-CA"/>
-              <a:t/>
-            </a:r>
+          <a:lstStyle/>
+          <a:p>
+            <a:endParaRPr/>
           </a:p>
         </p:txBody>
       </p:sp>
     </p:spTree>
   </p:cSld>
+  <p:clrMapOvr>
+    <a:masterClrMapping/>
+  </p:clrMapOvr>
 </p:sldLayout>
 </file>
 
 <file path=ppt/slideLayouts/slideLayout24.xml><?xml version="1.0" encoding="utf-8"?>
-<p:sldLayout xmlns:a="http://schemas.openxmlformats.org/drawingml/2006/main" xmlns:p="http://schemas.openxmlformats.org/presentationml/2006/main" xmlns:r="http://schemas.openxmlformats.org/officeDocument/2006/relationships" xmlns:p14="http://schemas.microsoft.com/office/powerpoint/2010/main" xmlns:p15="http://schemas.microsoft.com/office/powerpoint/2012/main" xmlns:mc="http://schemas.openxmlformats.org/markup-compatibility/2006" type="blank" preserve="1">
+<p:sldLayout xmlns:a="http://schemas.openxmlformats.org/drawingml/2006/main" xmlns:r="http://schemas.openxmlformats.org/officeDocument/2006/relationships" xmlns:p="http://schemas.openxmlformats.org/presentationml/2006/main" type="blank" preserve="1">
   <p:cSld name="Title, 6 Content">
     <p:spTree>
       <p:nvGrpSpPr>
@@ -3320,14 +3530,15 @@
           </a:ln>
         </p:spPr>
         <p:txBody>
-          <a:bodyPr lIns="0" rIns="0" tIns="0" bIns="0" anchor="ctr">
+          <a:bodyPr lIns="0" tIns="0" rIns="0" bIns="0" anchor="ctr">
             <a:noAutofit/>
           </a:bodyPr>
+          <a:lstStyle/>
           <a:p>
             <a:pPr indent="0" algn="ctr">
               <a:buNone/>
             </a:pPr>
-            <a:endParaRPr b="0" lang="en-CA" sz="4400" spc="-1" strike="noStrike">
+            <a:endParaRPr lang="en-CA" sz="4400" b="0" strike="noStrike" spc="-1">
               <a:solidFill>
                 <a:srgbClr val="000000"/>
               </a:solidFill>
@@ -3360,9 +3571,10 @@
           </a:ln>
         </p:spPr>
         <p:txBody>
-          <a:bodyPr lIns="0" rIns="0" tIns="0" bIns="0" anchor="t">
+          <a:bodyPr lIns="0" tIns="0" rIns="0" bIns="0" anchor="t">
             <a:normAutofit/>
           </a:bodyPr>
+          <a:lstStyle/>
           <a:p>
             <a:pPr indent="0">
               <a:spcBef>
@@ -3370,7 +3582,7 @@
               </a:spcBef>
               <a:buNone/>
             </a:pPr>
-            <a:endParaRPr b="0" lang="en-CA" sz="3200" spc="-1" strike="noStrike">
+            <a:endParaRPr lang="en-CA" sz="3200" b="0" strike="noStrike" spc="-1">
               <a:solidFill>
                 <a:srgbClr val="000000"/>
               </a:solidFill>
@@ -3403,9 +3615,10 @@
           </a:ln>
         </p:spPr>
         <p:txBody>
-          <a:bodyPr lIns="0" rIns="0" tIns="0" bIns="0" anchor="t">
+          <a:bodyPr lIns="0" tIns="0" rIns="0" bIns="0" anchor="t">
             <a:normAutofit/>
           </a:bodyPr>
+          <a:lstStyle/>
           <a:p>
             <a:pPr indent="0">
               <a:spcBef>
@@ -3413,7 +3626,7 @@
               </a:spcBef>
               <a:buNone/>
             </a:pPr>
-            <a:endParaRPr b="0" lang="en-CA" sz="3200" spc="-1" strike="noStrike">
+            <a:endParaRPr lang="en-CA" sz="3200" b="0" strike="noStrike" spc="-1">
               <a:solidFill>
                 <a:srgbClr val="000000"/>
               </a:solidFill>
@@ -3446,9 +3659,10 @@
           </a:ln>
         </p:spPr>
         <p:txBody>
-          <a:bodyPr lIns="0" rIns="0" tIns="0" bIns="0" anchor="t">
+          <a:bodyPr lIns="0" tIns="0" rIns="0" bIns="0" anchor="t">
             <a:normAutofit/>
           </a:bodyPr>
+          <a:lstStyle/>
           <a:p>
             <a:pPr indent="0">
               <a:spcBef>
@@ -3456,7 +3670,7 @@
               </a:spcBef>
               <a:buNone/>
             </a:pPr>
-            <a:endParaRPr b="0" lang="en-CA" sz="3200" spc="-1" strike="noStrike">
+            <a:endParaRPr lang="en-CA" sz="3200" b="0" strike="noStrike" spc="-1">
               <a:solidFill>
                 <a:srgbClr val="000000"/>
               </a:solidFill>
@@ -3489,9 +3703,10 @@
           </a:ln>
         </p:spPr>
         <p:txBody>
-          <a:bodyPr lIns="0" rIns="0" tIns="0" bIns="0" anchor="t">
+          <a:bodyPr lIns="0" tIns="0" rIns="0" bIns="0" anchor="t">
             <a:normAutofit/>
           </a:bodyPr>
+          <a:lstStyle/>
           <a:p>
             <a:pPr indent="0">
               <a:spcBef>
@@ -3499,7 +3714,7 @@
               </a:spcBef>
               <a:buNone/>
             </a:pPr>
-            <a:endParaRPr b="0" lang="en-CA" sz="3200" spc="-1" strike="noStrike">
+            <a:endParaRPr lang="en-CA" sz="3200" b="0" strike="noStrike" spc="-1">
               <a:solidFill>
                 <a:srgbClr val="000000"/>
               </a:solidFill>
@@ -3532,9 +3747,10 @@
           </a:ln>
         </p:spPr>
         <p:txBody>
-          <a:bodyPr lIns="0" rIns="0" tIns="0" bIns="0" anchor="t">
+          <a:bodyPr lIns="0" tIns="0" rIns="0" bIns="0" anchor="t">
             <a:normAutofit/>
           </a:bodyPr>
+          <a:lstStyle/>
           <a:p>
             <a:pPr indent="0">
               <a:spcBef>
@@ -3542,7 +3758,7 @@
               </a:spcBef>
               <a:buNone/>
             </a:pPr>
-            <a:endParaRPr b="0" lang="en-CA" sz="3200" spc="-1" strike="noStrike">
+            <a:endParaRPr lang="en-CA" sz="3200" b="0" strike="noStrike" spc="-1">
               <a:solidFill>
                 <a:srgbClr val="000000"/>
               </a:solidFill>
@@ -3575,9 +3791,10 @@
           </a:ln>
         </p:spPr>
         <p:txBody>
-          <a:bodyPr lIns="0" rIns="0" tIns="0" bIns="0" anchor="t">
+          <a:bodyPr lIns="0" tIns="0" rIns="0" bIns="0" anchor="t">
             <a:normAutofit/>
           </a:bodyPr>
+          <a:lstStyle/>
           <a:p>
             <a:pPr indent="0">
               <a:spcBef>
@@ -3585,7 +3802,7 @@
               </a:spcBef>
               <a:buNone/>
             </a:pPr>
-            <a:endParaRPr b="0" lang="en-CA" sz="3200" spc="-1" strike="noStrike">
+            <a:endParaRPr lang="en-CA" sz="3200" b="0" strike="noStrike" spc="-1">
               <a:solidFill>
                 <a:srgbClr val="000000"/>
               </a:solidFill>
@@ -3607,6 +3824,7 @@
         <p:spPr/>
         <p:txBody>
           <a:bodyPr/>
+          <a:lstStyle/>
           <a:p>
             <a:r>
               <a:t>Footer</a:t>
@@ -3627,10 +3845,12 @@
         <p:spPr/>
         <p:txBody>
           <a:bodyPr/>
+          <a:lstStyle/>
           <a:p>
             <a:fld id="{A39D02D6-41FF-475D-8047-7A9647DD6B4B}" type="slidenum">
-              <a:t>&lt;#&gt;</a:t>
+              <a:t>‹#›</a:t>
             </a:fld>
+            <a:endParaRPr/>
           </a:p>
         </p:txBody>
       </p:sp>
@@ -3647,21 +3867,22 @@
         <p:spPr/>
         <p:txBody>
           <a:bodyPr/>
-          <a:p>
-            <a:r>
-              <a:rPr lang="en-CA"/>
-              <a:t/>
-            </a:r>
+          <a:lstStyle/>
+          <a:p>
+            <a:endParaRPr/>
           </a:p>
         </p:txBody>
       </p:sp>
     </p:spTree>
   </p:cSld>
+  <p:clrMapOvr>
+    <a:masterClrMapping/>
+  </p:clrMapOvr>
 </p:sldLayout>
 </file>
 
 <file path=ppt/slideLayouts/slideLayout3.xml><?xml version="1.0" encoding="utf-8"?>
-<p:sldLayout xmlns:a="http://schemas.openxmlformats.org/drawingml/2006/main" xmlns:p="http://schemas.openxmlformats.org/presentationml/2006/main" xmlns:r="http://schemas.openxmlformats.org/officeDocument/2006/relationships" xmlns:p14="http://schemas.microsoft.com/office/powerpoint/2010/main" xmlns:p15="http://schemas.microsoft.com/office/powerpoint/2012/main" xmlns:mc="http://schemas.openxmlformats.org/markup-compatibility/2006" type="obj" preserve="1">
+<p:sldLayout xmlns:a="http://schemas.openxmlformats.org/drawingml/2006/main" xmlns:r="http://schemas.openxmlformats.org/officeDocument/2006/relationships" xmlns:p="http://schemas.openxmlformats.org/presentationml/2006/main" type="obj" preserve="1">
   <p:cSld name="Title, Content">
     <p:spTree>
       <p:nvGrpSpPr>
@@ -3701,14 +3922,15 @@
           </a:ln>
         </p:spPr>
         <p:txBody>
-          <a:bodyPr lIns="0" rIns="0" tIns="0" bIns="0" anchor="ctr">
+          <a:bodyPr lIns="0" tIns="0" rIns="0" bIns="0" anchor="ctr">
             <a:noAutofit/>
           </a:bodyPr>
+          <a:lstStyle/>
           <a:p>
             <a:pPr indent="0" algn="ctr">
               <a:buNone/>
             </a:pPr>
-            <a:endParaRPr b="0" lang="en-CA" sz="4400" spc="-1" strike="noStrike">
+            <a:endParaRPr lang="en-CA" sz="4400" b="0" strike="noStrike" spc="-1">
               <a:solidFill>
                 <a:srgbClr val="000000"/>
               </a:solidFill>
@@ -3741,9 +3963,10 @@
           </a:ln>
         </p:spPr>
         <p:txBody>
-          <a:bodyPr lIns="0" rIns="0" tIns="0" bIns="0" anchor="t">
+          <a:bodyPr lIns="0" tIns="0" rIns="0" bIns="0" anchor="t">
             <a:normAutofit/>
           </a:bodyPr>
+          <a:lstStyle/>
           <a:p>
             <a:pPr indent="0">
               <a:spcBef>
@@ -3751,7 +3974,7 @@
               </a:spcBef>
               <a:buNone/>
             </a:pPr>
-            <a:endParaRPr b="0" lang="en-CA" sz="3200" spc="-1" strike="noStrike">
+            <a:endParaRPr lang="en-CA" sz="3200" b="0" strike="noStrike" spc="-1">
               <a:solidFill>
                 <a:srgbClr val="000000"/>
               </a:solidFill>
@@ -3773,6 +3996,7 @@
         <p:spPr/>
         <p:txBody>
           <a:bodyPr/>
+          <a:lstStyle/>
           <a:p>
             <a:r>
               <a:t>Footer</a:t>
@@ -3793,10 +4017,12 @@
         <p:spPr/>
         <p:txBody>
           <a:bodyPr/>
+          <a:lstStyle/>
           <a:p>
             <a:fld id="{805479E9-0822-44E1-9CDD-C3704A46ED98}" type="slidenum">
-              <a:t>&lt;#&gt;</a:t>
+              <a:t>‹#›</a:t>
             </a:fld>
+            <a:endParaRPr/>
           </a:p>
         </p:txBody>
       </p:sp>
@@ -3813,21 +4039,22 @@
         <p:spPr/>
         <p:txBody>
           <a:bodyPr/>
-          <a:p>
-            <a:r>
-              <a:rPr lang="en-CA"/>
-              <a:t/>
-            </a:r>
+          <a:lstStyle/>
+          <a:p>
+            <a:endParaRPr/>
           </a:p>
         </p:txBody>
       </p:sp>
     </p:spTree>
   </p:cSld>
+  <p:clrMapOvr>
+    <a:masterClrMapping/>
+  </p:clrMapOvr>
 </p:sldLayout>
 </file>
 
 <file path=ppt/slideLayouts/slideLayout4.xml><?xml version="1.0" encoding="utf-8"?>
-<p:sldLayout xmlns:a="http://schemas.openxmlformats.org/drawingml/2006/main" xmlns:p="http://schemas.openxmlformats.org/presentationml/2006/main" xmlns:r="http://schemas.openxmlformats.org/officeDocument/2006/relationships" xmlns:p14="http://schemas.microsoft.com/office/powerpoint/2010/main" xmlns:p15="http://schemas.microsoft.com/office/powerpoint/2012/main" xmlns:mc="http://schemas.openxmlformats.org/markup-compatibility/2006" type="twoObj" preserve="1">
+<p:sldLayout xmlns:a="http://schemas.openxmlformats.org/drawingml/2006/main" xmlns:r="http://schemas.openxmlformats.org/officeDocument/2006/relationships" xmlns:p="http://schemas.openxmlformats.org/presentationml/2006/main" type="twoObj" preserve="1">
   <p:cSld name="Title, 2 Content">
     <p:spTree>
       <p:nvGrpSpPr>
@@ -3867,14 +4094,15 @@
           </a:ln>
         </p:spPr>
         <p:txBody>
-          <a:bodyPr lIns="0" rIns="0" tIns="0" bIns="0" anchor="ctr">
+          <a:bodyPr lIns="0" tIns="0" rIns="0" bIns="0" anchor="ctr">
             <a:noAutofit/>
           </a:bodyPr>
+          <a:lstStyle/>
           <a:p>
             <a:pPr indent="0" algn="ctr">
               <a:buNone/>
             </a:pPr>
-            <a:endParaRPr b="0" lang="en-CA" sz="4400" spc="-1" strike="noStrike">
+            <a:endParaRPr lang="en-CA" sz="4400" b="0" strike="noStrike" spc="-1">
               <a:solidFill>
                 <a:srgbClr val="000000"/>
               </a:solidFill>
@@ -3907,9 +4135,10 @@
           </a:ln>
         </p:spPr>
         <p:txBody>
-          <a:bodyPr lIns="0" rIns="0" tIns="0" bIns="0" anchor="t">
+          <a:bodyPr lIns="0" tIns="0" rIns="0" bIns="0" anchor="t">
             <a:normAutofit/>
           </a:bodyPr>
+          <a:lstStyle/>
           <a:p>
             <a:pPr indent="0">
               <a:spcBef>
@@ -3917,7 +4146,7 @@
               </a:spcBef>
               <a:buNone/>
             </a:pPr>
-            <a:endParaRPr b="0" lang="en-CA" sz="3200" spc="-1" strike="noStrike">
+            <a:endParaRPr lang="en-CA" sz="3200" b="0" strike="noStrike" spc="-1">
               <a:solidFill>
                 <a:srgbClr val="000000"/>
               </a:solidFill>
@@ -3950,9 +4179,10 @@
           </a:ln>
         </p:spPr>
         <p:txBody>
-          <a:bodyPr lIns="0" rIns="0" tIns="0" bIns="0" anchor="t">
+          <a:bodyPr lIns="0" tIns="0" rIns="0" bIns="0" anchor="t">
             <a:normAutofit/>
           </a:bodyPr>
+          <a:lstStyle/>
           <a:p>
             <a:pPr indent="0">
               <a:spcBef>
@@ -3960,7 +4190,7 @@
               </a:spcBef>
               <a:buNone/>
             </a:pPr>
-            <a:endParaRPr b="0" lang="en-CA" sz="3200" spc="-1" strike="noStrike">
+            <a:endParaRPr lang="en-CA" sz="3200" b="0" strike="noStrike" spc="-1">
               <a:solidFill>
                 <a:srgbClr val="000000"/>
               </a:solidFill>
@@ -3982,6 +4212,7 @@
         <p:spPr/>
         <p:txBody>
           <a:bodyPr/>
+          <a:lstStyle/>
           <a:p>
             <a:r>
               <a:t>Footer</a:t>
@@ -4002,10 +4233,12 @@
         <p:spPr/>
         <p:txBody>
           <a:bodyPr/>
+          <a:lstStyle/>
           <a:p>
             <a:fld id="{D5188253-F770-43DB-9364-188DAD007BEA}" type="slidenum">
-              <a:t>&lt;#&gt;</a:t>
+              <a:t>‹#›</a:t>
             </a:fld>
+            <a:endParaRPr/>
           </a:p>
         </p:txBody>
       </p:sp>
@@ -4022,21 +4255,22 @@
         <p:spPr/>
         <p:txBody>
           <a:bodyPr/>
-          <a:p>
-            <a:r>
-              <a:rPr lang="en-CA"/>
-              <a:t/>
-            </a:r>
+          <a:lstStyle/>
+          <a:p>
+            <a:endParaRPr/>
           </a:p>
         </p:txBody>
       </p:sp>
     </p:spTree>
   </p:cSld>
+  <p:clrMapOvr>
+    <a:masterClrMapping/>
+  </p:clrMapOvr>
 </p:sldLayout>
 </file>
 
 <file path=ppt/slideLayouts/slideLayout5.xml><?xml version="1.0" encoding="utf-8"?>
-<p:sldLayout xmlns:a="http://schemas.openxmlformats.org/drawingml/2006/main" xmlns:p="http://schemas.openxmlformats.org/presentationml/2006/main" xmlns:r="http://schemas.openxmlformats.org/officeDocument/2006/relationships" xmlns:p14="http://schemas.microsoft.com/office/powerpoint/2010/main" xmlns:p15="http://schemas.microsoft.com/office/powerpoint/2012/main" xmlns:mc="http://schemas.openxmlformats.org/markup-compatibility/2006" type="titleOnly" preserve="1">
+<p:sldLayout xmlns:a="http://schemas.openxmlformats.org/drawingml/2006/main" xmlns:r="http://schemas.openxmlformats.org/officeDocument/2006/relationships" xmlns:p="http://schemas.openxmlformats.org/presentationml/2006/main" type="titleOnly" preserve="1">
   <p:cSld name="Title Only">
     <p:spTree>
       <p:nvGrpSpPr>
@@ -4076,14 +4310,15 @@
           </a:ln>
         </p:spPr>
         <p:txBody>
-          <a:bodyPr lIns="0" rIns="0" tIns="0" bIns="0" anchor="ctr">
+          <a:bodyPr lIns="0" tIns="0" rIns="0" bIns="0" anchor="ctr">
             <a:noAutofit/>
           </a:bodyPr>
+          <a:lstStyle/>
           <a:p>
             <a:pPr indent="0" algn="ctr">
               <a:buNone/>
             </a:pPr>
-            <a:endParaRPr b="0" lang="en-CA" sz="4400" spc="-1" strike="noStrike">
+            <a:endParaRPr lang="en-CA" sz="4400" b="0" strike="noStrike" spc="-1">
               <a:solidFill>
                 <a:srgbClr val="000000"/>
               </a:solidFill>
@@ -4105,6 +4340,7 @@
         <p:spPr/>
         <p:txBody>
           <a:bodyPr/>
+          <a:lstStyle/>
           <a:p>
             <a:r>
               <a:t>Footer</a:t>
@@ -4125,10 +4361,12 @@
         <p:spPr/>
         <p:txBody>
           <a:bodyPr/>
+          <a:lstStyle/>
           <a:p>
             <a:fld id="{A1017491-3A45-4D1F-80F4-464C9AF73990}" type="slidenum">
-              <a:t>&lt;#&gt;</a:t>
+              <a:t>‹#›</a:t>
             </a:fld>
+            <a:endParaRPr/>
           </a:p>
         </p:txBody>
       </p:sp>
@@ -4145,21 +4383,22 @@
         <p:spPr/>
         <p:txBody>
           <a:bodyPr/>
-          <a:p>
-            <a:r>
-              <a:rPr lang="en-CA"/>
-              <a:t/>
-            </a:r>
+          <a:lstStyle/>
+          <a:p>
+            <a:endParaRPr/>
           </a:p>
         </p:txBody>
       </p:sp>
     </p:spTree>
   </p:cSld>
+  <p:clrMapOvr>
+    <a:masterClrMapping/>
+  </p:clrMapOvr>
 </p:sldLayout>
 </file>
 
 <file path=ppt/slideLayouts/slideLayout6.xml><?xml version="1.0" encoding="utf-8"?>
-<p:sldLayout xmlns:a="http://schemas.openxmlformats.org/drawingml/2006/main" xmlns:p="http://schemas.openxmlformats.org/presentationml/2006/main" xmlns:r="http://schemas.openxmlformats.org/officeDocument/2006/relationships" xmlns:p14="http://schemas.microsoft.com/office/powerpoint/2010/main" xmlns:p15="http://schemas.microsoft.com/office/powerpoint/2012/main" xmlns:mc="http://schemas.openxmlformats.org/markup-compatibility/2006" type="objOnly" preserve="1">
+<p:sldLayout xmlns:a="http://schemas.openxmlformats.org/drawingml/2006/main" xmlns:r="http://schemas.openxmlformats.org/officeDocument/2006/relationships" xmlns:p="http://schemas.openxmlformats.org/presentationml/2006/main" type="objOnly" preserve="1">
   <p:cSld name="Centered Text">
     <p:spTree>
       <p:nvGrpSpPr>
@@ -4199,12 +4438,13 @@
           </a:ln>
         </p:spPr>
         <p:txBody>
-          <a:bodyPr lIns="0" rIns="0" tIns="0" bIns="0" anchor="ctr">
+          <a:bodyPr lIns="0" tIns="0" rIns="0" bIns="0" anchor="ctr">
             <a:noAutofit/>
           </a:bodyPr>
+          <a:lstStyle/>
           <a:p>
             <a:pPr algn="ctr"/>
-            <a:endParaRPr b="0" lang="en-CA" sz="3200" spc="-1" strike="noStrike">
+            <a:endParaRPr lang="en-CA" sz="3200" b="0" strike="noStrike" spc="-1">
               <a:solidFill>
                 <a:srgbClr val="000000"/>
               </a:solidFill>
@@ -4226,6 +4466,7 @@
         <p:spPr/>
         <p:txBody>
           <a:bodyPr/>
+          <a:lstStyle/>
           <a:p>
             <a:r>
               <a:t>Footer</a:t>
@@ -4246,10 +4487,12 @@
         <p:spPr/>
         <p:txBody>
           <a:bodyPr/>
+          <a:lstStyle/>
           <a:p>
             <a:fld id="{739C730A-DAA7-4AA8-8FBF-7B65EE46771E}" type="slidenum">
-              <a:t>&lt;#&gt;</a:t>
+              <a:t>‹#›</a:t>
             </a:fld>
+            <a:endParaRPr/>
           </a:p>
         </p:txBody>
       </p:sp>
@@ -4266,21 +4509,22 @@
         <p:spPr/>
         <p:txBody>
           <a:bodyPr/>
-          <a:p>
-            <a:r>
-              <a:rPr lang="en-CA"/>
-              <a:t/>
-            </a:r>
+          <a:lstStyle/>
+          <a:p>
+            <a:endParaRPr/>
           </a:p>
         </p:txBody>
       </p:sp>
     </p:spTree>
   </p:cSld>
+  <p:clrMapOvr>
+    <a:masterClrMapping/>
+  </p:clrMapOvr>
 </p:sldLayout>
 </file>
 
 <file path=ppt/slideLayouts/slideLayout7.xml><?xml version="1.0" encoding="utf-8"?>
-<p:sldLayout xmlns:a="http://schemas.openxmlformats.org/drawingml/2006/main" xmlns:p="http://schemas.openxmlformats.org/presentationml/2006/main" xmlns:r="http://schemas.openxmlformats.org/officeDocument/2006/relationships" xmlns:p14="http://schemas.microsoft.com/office/powerpoint/2010/main" xmlns:p15="http://schemas.microsoft.com/office/powerpoint/2012/main" xmlns:mc="http://schemas.openxmlformats.org/markup-compatibility/2006" type="twoObjAndObj" preserve="1">
+<p:sldLayout xmlns:a="http://schemas.openxmlformats.org/drawingml/2006/main" xmlns:r="http://schemas.openxmlformats.org/officeDocument/2006/relationships" xmlns:p="http://schemas.openxmlformats.org/presentationml/2006/main" type="twoObjAndObj" preserve="1">
   <p:cSld name="Title, 2 Content and Content">
     <p:spTree>
       <p:nvGrpSpPr>
@@ -4320,14 +4564,15 @@
           </a:ln>
         </p:spPr>
         <p:txBody>
-          <a:bodyPr lIns="0" rIns="0" tIns="0" bIns="0" anchor="ctr">
+          <a:bodyPr lIns="0" tIns="0" rIns="0" bIns="0" anchor="ctr">
             <a:noAutofit/>
           </a:bodyPr>
+          <a:lstStyle/>
           <a:p>
             <a:pPr indent="0" algn="ctr">
               <a:buNone/>
             </a:pPr>
-            <a:endParaRPr b="0" lang="en-CA" sz="4400" spc="-1" strike="noStrike">
+            <a:endParaRPr lang="en-CA" sz="4400" b="0" strike="noStrike" spc="-1">
               <a:solidFill>
                 <a:srgbClr val="000000"/>
               </a:solidFill>
@@ -4360,9 +4605,10 @@
           </a:ln>
         </p:spPr>
         <p:txBody>
-          <a:bodyPr lIns="0" rIns="0" tIns="0" bIns="0" anchor="t">
+          <a:bodyPr lIns="0" tIns="0" rIns="0" bIns="0" anchor="t">
             <a:normAutofit/>
           </a:bodyPr>
+          <a:lstStyle/>
           <a:p>
             <a:pPr indent="0">
               <a:spcBef>
@@ -4370,7 +4616,7 @@
               </a:spcBef>
               <a:buNone/>
             </a:pPr>
-            <a:endParaRPr b="0" lang="en-CA" sz="3200" spc="-1" strike="noStrike">
+            <a:endParaRPr lang="en-CA" sz="3200" b="0" strike="noStrike" spc="-1">
               <a:solidFill>
                 <a:srgbClr val="000000"/>
               </a:solidFill>
@@ -4403,9 +4649,10 @@
           </a:ln>
         </p:spPr>
         <p:txBody>
-          <a:bodyPr lIns="0" rIns="0" tIns="0" bIns="0" anchor="t">
+          <a:bodyPr lIns="0" tIns="0" rIns="0" bIns="0" anchor="t">
             <a:normAutofit/>
           </a:bodyPr>
+          <a:lstStyle/>
           <a:p>
             <a:pPr indent="0">
               <a:spcBef>
@@ -4413,7 +4660,7 @@
               </a:spcBef>
               <a:buNone/>
             </a:pPr>
-            <a:endParaRPr b="0" lang="en-CA" sz="3200" spc="-1" strike="noStrike">
+            <a:endParaRPr lang="en-CA" sz="3200" b="0" strike="noStrike" spc="-1">
               <a:solidFill>
                 <a:srgbClr val="000000"/>
               </a:solidFill>
@@ -4446,9 +4693,10 @@
           </a:ln>
         </p:spPr>
         <p:txBody>
-          <a:bodyPr lIns="0" rIns="0" tIns="0" bIns="0" anchor="t">
+          <a:bodyPr lIns="0" tIns="0" rIns="0" bIns="0" anchor="t">
             <a:normAutofit/>
           </a:bodyPr>
+          <a:lstStyle/>
           <a:p>
             <a:pPr indent="0">
               <a:spcBef>
@@ -4456,7 +4704,7 @@
               </a:spcBef>
               <a:buNone/>
             </a:pPr>
-            <a:endParaRPr b="0" lang="en-CA" sz="3200" spc="-1" strike="noStrike">
+            <a:endParaRPr lang="en-CA" sz="3200" b="0" strike="noStrike" spc="-1">
               <a:solidFill>
                 <a:srgbClr val="000000"/>
               </a:solidFill>
@@ -4478,6 +4726,7 @@
         <p:spPr/>
         <p:txBody>
           <a:bodyPr/>
+          <a:lstStyle/>
           <a:p>
             <a:r>
               <a:t>Footer</a:t>
@@ -4498,10 +4747,12 @@
         <p:spPr/>
         <p:txBody>
           <a:bodyPr/>
+          <a:lstStyle/>
           <a:p>
             <a:fld id="{9CD60421-5804-4D0C-A818-9037701E9040}" type="slidenum">
-              <a:t>&lt;#&gt;</a:t>
+              <a:t>‹#›</a:t>
             </a:fld>
+            <a:endParaRPr/>
           </a:p>
         </p:txBody>
       </p:sp>
@@ -4518,21 +4769,22 @@
         <p:spPr/>
         <p:txBody>
           <a:bodyPr/>
-          <a:p>
-            <a:r>
-              <a:rPr lang="en-CA"/>
-              <a:t/>
-            </a:r>
+          <a:lstStyle/>
+          <a:p>
+            <a:endParaRPr/>
           </a:p>
         </p:txBody>
       </p:sp>
     </p:spTree>
   </p:cSld>
+  <p:clrMapOvr>
+    <a:masterClrMapping/>
+  </p:clrMapOvr>
 </p:sldLayout>
 </file>
 
 <file path=ppt/slideLayouts/slideLayout8.xml><?xml version="1.0" encoding="utf-8"?>
-<p:sldLayout xmlns:a="http://schemas.openxmlformats.org/drawingml/2006/main" xmlns:p="http://schemas.openxmlformats.org/presentationml/2006/main" xmlns:r="http://schemas.openxmlformats.org/officeDocument/2006/relationships" xmlns:p14="http://schemas.microsoft.com/office/powerpoint/2010/main" xmlns:p15="http://schemas.microsoft.com/office/powerpoint/2012/main" xmlns:mc="http://schemas.openxmlformats.org/markup-compatibility/2006" type="objAndTwoObj" preserve="1">
+<p:sldLayout xmlns:a="http://schemas.openxmlformats.org/drawingml/2006/main" xmlns:r="http://schemas.openxmlformats.org/officeDocument/2006/relationships" xmlns:p="http://schemas.openxmlformats.org/presentationml/2006/main" type="objAndTwoObj" preserve="1">
   <p:cSld name="Title Content and 2 Content">
     <p:spTree>
       <p:nvGrpSpPr>
@@ -4572,14 +4824,15 @@
           </a:ln>
         </p:spPr>
         <p:txBody>
-          <a:bodyPr lIns="0" rIns="0" tIns="0" bIns="0" anchor="ctr">
+          <a:bodyPr lIns="0" tIns="0" rIns="0" bIns="0" anchor="ctr">
             <a:noAutofit/>
           </a:bodyPr>
+          <a:lstStyle/>
           <a:p>
             <a:pPr indent="0" algn="ctr">
               <a:buNone/>
             </a:pPr>
-            <a:endParaRPr b="0" lang="en-CA" sz="4400" spc="-1" strike="noStrike">
+            <a:endParaRPr lang="en-CA" sz="4400" b="0" strike="noStrike" spc="-1">
               <a:solidFill>
                 <a:srgbClr val="000000"/>
               </a:solidFill>
@@ -4612,9 +4865,10 @@
           </a:ln>
         </p:spPr>
         <p:txBody>
-          <a:bodyPr lIns="0" rIns="0" tIns="0" bIns="0" anchor="t">
+          <a:bodyPr lIns="0" tIns="0" rIns="0" bIns="0" anchor="t">
             <a:normAutofit/>
           </a:bodyPr>
+          <a:lstStyle/>
           <a:p>
             <a:pPr indent="0">
               <a:spcBef>
@@ -4622,7 +4876,7 @@
               </a:spcBef>
               <a:buNone/>
             </a:pPr>
-            <a:endParaRPr b="0" lang="en-CA" sz="3200" spc="-1" strike="noStrike">
+            <a:endParaRPr lang="en-CA" sz="3200" b="0" strike="noStrike" spc="-1">
               <a:solidFill>
                 <a:srgbClr val="000000"/>
               </a:solidFill>
@@ -4655,9 +4909,10 @@
           </a:ln>
         </p:spPr>
         <p:txBody>
-          <a:bodyPr lIns="0" rIns="0" tIns="0" bIns="0" anchor="t">
+          <a:bodyPr lIns="0" tIns="0" rIns="0" bIns="0" anchor="t">
             <a:normAutofit/>
           </a:bodyPr>
+          <a:lstStyle/>
           <a:p>
             <a:pPr indent="0">
               <a:spcBef>
@@ -4665,7 +4920,7 @@
               </a:spcBef>
               <a:buNone/>
             </a:pPr>
-            <a:endParaRPr b="0" lang="en-CA" sz="3200" spc="-1" strike="noStrike">
+            <a:endParaRPr lang="en-CA" sz="3200" b="0" strike="noStrike" spc="-1">
               <a:solidFill>
                 <a:srgbClr val="000000"/>
               </a:solidFill>
@@ -4698,9 +4953,10 @@
           </a:ln>
         </p:spPr>
         <p:txBody>
-          <a:bodyPr lIns="0" rIns="0" tIns="0" bIns="0" anchor="t">
+          <a:bodyPr lIns="0" tIns="0" rIns="0" bIns="0" anchor="t">
             <a:normAutofit/>
           </a:bodyPr>
+          <a:lstStyle/>
           <a:p>
             <a:pPr indent="0">
               <a:spcBef>
@@ -4708,7 +4964,7 @@
               </a:spcBef>
               <a:buNone/>
             </a:pPr>
-            <a:endParaRPr b="0" lang="en-CA" sz="3200" spc="-1" strike="noStrike">
+            <a:endParaRPr lang="en-CA" sz="3200" b="0" strike="noStrike" spc="-1">
               <a:solidFill>
                 <a:srgbClr val="000000"/>
               </a:solidFill>
@@ -4730,6 +4986,7 @@
         <p:spPr/>
         <p:txBody>
           <a:bodyPr/>
+          <a:lstStyle/>
           <a:p>
             <a:r>
               <a:t>Footer</a:t>
@@ -4750,10 +5007,12 @@
         <p:spPr/>
         <p:txBody>
           <a:bodyPr/>
+          <a:lstStyle/>
           <a:p>
             <a:fld id="{17D0EE83-DD0F-45CA-8BC3-3345C5CB987A}" type="slidenum">
-              <a:t>&lt;#&gt;</a:t>
+              <a:t>‹#›</a:t>
             </a:fld>
+            <a:endParaRPr/>
           </a:p>
         </p:txBody>
       </p:sp>
@@ -4770,21 +5029,22 @@
         <p:spPr/>
         <p:txBody>
           <a:bodyPr/>
-          <a:p>
-            <a:r>
-              <a:rPr lang="en-CA"/>
-              <a:t/>
-            </a:r>
+          <a:lstStyle/>
+          <a:p>
+            <a:endParaRPr/>
           </a:p>
         </p:txBody>
       </p:sp>
     </p:spTree>
   </p:cSld>
+  <p:clrMapOvr>
+    <a:masterClrMapping/>
+  </p:clrMapOvr>
 </p:sldLayout>
 </file>
 
 <file path=ppt/slideLayouts/slideLayout9.xml><?xml version="1.0" encoding="utf-8"?>
-<p:sldLayout xmlns:a="http://schemas.openxmlformats.org/drawingml/2006/main" xmlns:p="http://schemas.openxmlformats.org/presentationml/2006/main" xmlns:r="http://schemas.openxmlformats.org/officeDocument/2006/relationships" xmlns:p14="http://schemas.microsoft.com/office/powerpoint/2010/main" xmlns:p15="http://schemas.microsoft.com/office/powerpoint/2012/main" xmlns:mc="http://schemas.openxmlformats.org/markup-compatibility/2006" type="twoObjOverTx" preserve="1">
+<p:sldLayout xmlns:a="http://schemas.openxmlformats.org/drawingml/2006/main" xmlns:r="http://schemas.openxmlformats.org/officeDocument/2006/relationships" xmlns:p="http://schemas.openxmlformats.org/presentationml/2006/main" type="twoObjOverTx" preserve="1">
   <p:cSld name="Title, 2 Content over Content">
     <p:spTree>
       <p:nvGrpSpPr>
@@ -4824,14 +5084,15 @@
           </a:ln>
         </p:spPr>
         <p:txBody>
-          <a:bodyPr lIns="0" rIns="0" tIns="0" bIns="0" anchor="ctr">
+          <a:bodyPr lIns="0" tIns="0" rIns="0" bIns="0" anchor="ctr">
             <a:noAutofit/>
           </a:bodyPr>
+          <a:lstStyle/>
           <a:p>
             <a:pPr indent="0" algn="ctr">
               <a:buNone/>
             </a:pPr>
-            <a:endParaRPr b="0" lang="en-CA" sz="4400" spc="-1" strike="noStrike">
+            <a:endParaRPr lang="en-CA" sz="4400" b="0" strike="noStrike" spc="-1">
               <a:solidFill>
                 <a:srgbClr val="000000"/>
               </a:solidFill>
@@ -4864,9 +5125,10 @@
           </a:ln>
         </p:spPr>
         <p:txBody>
-          <a:bodyPr lIns="0" rIns="0" tIns="0" bIns="0" anchor="t">
+          <a:bodyPr lIns="0" tIns="0" rIns="0" bIns="0" anchor="t">
             <a:normAutofit/>
           </a:bodyPr>
+          <a:lstStyle/>
           <a:p>
             <a:pPr indent="0">
               <a:spcBef>
@@ -4874,7 +5136,7 @@
               </a:spcBef>
               <a:buNone/>
             </a:pPr>
-            <a:endParaRPr b="0" lang="en-CA" sz="3200" spc="-1" strike="noStrike">
+            <a:endParaRPr lang="en-CA" sz="3200" b="0" strike="noStrike" spc="-1">
               <a:solidFill>
                 <a:srgbClr val="000000"/>
               </a:solidFill>
@@ -4907,9 +5169,10 @@
           </a:ln>
         </p:spPr>
         <p:txBody>
-          <a:bodyPr lIns="0" rIns="0" tIns="0" bIns="0" anchor="t">
+          <a:bodyPr lIns="0" tIns="0" rIns="0" bIns="0" anchor="t">
             <a:normAutofit/>
           </a:bodyPr>
+          <a:lstStyle/>
           <a:p>
             <a:pPr indent="0">
               <a:spcBef>
@@ -4917,7 +5180,7 @@
               </a:spcBef>
               <a:buNone/>
             </a:pPr>
-            <a:endParaRPr b="0" lang="en-CA" sz="3200" spc="-1" strike="noStrike">
+            <a:endParaRPr lang="en-CA" sz="3200" b="0" strike="noStrike" spc="-1">
               <a:solidFill>
                 <a:srgbClr val="000000"/>
               </a:solidFill>
@@ -4950,9 +5213,10 @@
           </a:ln>
         </p:spPr>
         <p:txBody>
-          <a:bodyPr lIns="0" rIns="0" tIns="0" bIns="0" anchor="t">
+          <a:bodyPr lIns="0" tIns="0" rIns="0" bIns="0" anchor="t">
             <a:normAutofit/>
           </a:bodyPr>
+          <a:lstStyle/>
           <a:p>
             <a:pPr indent="0">
               <a:spcBef>
@@ -4960,7 +5224,7 @@
               </a:spcBef>
               <a:buNone/>
             </a:pPr>
-            <a:endParaRPr b="0" lang="en-CA" sz="3200" spc="-1" strike="noStrike">
+            <a:endParaRPr lang="en-CA" sz="3200" b="0" strike="noStrike" spc="-1">
               <a:solidFill>
                 <a:srgbClr val="000000"/>
               </a:solidFill>
@@ -4982,6 +5246,7 @@
         <p:spPr/>
         <p:txBody>
           <a:bodyPr/>
+          <a:lstStyle/>
           <a:p>
             <a:r>
               <a:t>Footer</a:t>
@@ -5002,10 +5267,12 @@
         <p:spPr/>
         <p:txBody>
           <a:bodyPr/>
+          <a:lstStyle/>
           <a:p>
             <a:fld id="{55CC060A-7293-44E1-8DD1-A4C19A2D8D2F}" type="slidenum">
-              <a:t>&lt;#&gt;</a:t>
+              <a:t>‹#›</a:t>
             </a:fld>
+            <a:endParaRPr/>
           </a:p>
         </p:txBody>
       </p:sp>
@@ -5022,21 +5289,1506 @@
         <p:spPr/>
         <p:txBody>
           <a:bodyPr/>
-          <a:p>
-            <a:r>
-              <a:rPr lang="en-CA"/>
-              <a:t/>
-            </a:r>
+          <a:lstStyle/>
+          <a:p>
+            <a:endParaRPr/>
           </a:p>
         </p:txBody>
       </p:sp>
     </p:spTree>
   </p:cSld>
+  <p:clrMapOvr>
+    <a:masterClrMapping/>
+  </p:clrMapOvr>
 </p:sldLayout>
 </file>
 
 <file path=ppt/slideMasters/slideMaster1.xml><?xml version="1.0" encoding="utf-8"?>
-<p:sldMaster xmlns:a="http://schemas.openxmlformats.org/drawingml/2006/main" xmlns:p="http://schemas.openxmlformats.org/presentationml/2006/main" xmlns:r="http://schemas.openxmlformats.org/officeDocument/2006/relationships" xmlns:p14="http://schemas.microsoft.com/office/powerpoint/2010/main" xmlns:p15="http://schemas.microsoft.com/office/powerpoint/2012/main" xmlns:mc="http://schemas.openxmlformats.org/markup-compatibility/2006">
+<p:sldMaster xmlns:a="http://schemas.openxmlformats.org/drawingml/2006/main" xmlns:r="http://schemas.openxmlformats.org/officeDocument/2006/relationships" xmlns:p="http://schemas.openxmlformats.org/presentationml/2006/main">
+  <p:cSld>
+    <p:bg>
+      <p:bgRef idx="1001">
+        <a:schemeClr val="bg1"/>
+      </p:bgRef>
+    </p:bg>
+    <p:spTree>
+      <p:nvGrpSpPr>
+        <p:cNvPr id="1" name=""/>
+        <p:cNvGrpSpPr/>
+        <p:nvPr/>
+      </p:nvGrpSpPr>
+      <p:grpSpPr>
+        <a:xfrm>
+          <a:off x="0" y="0"/>
+          <a:ext cx="0" cy="0"/>
+          <a:chOff x="0" y="0"/>
+          <a:chExt cx="0" cy="0"/>
+        </a:xfrm>
+      </p:grpSpPr>
+      <p:sp>
+        <p:nvSpPr>
+          <p:cNvPr id="5" name="PlaceHolder 1"/>
+          <p:cNvSpPr>
+            <a:spLocks noGrp="1"/>
+          </p:cNvSpPr>
+          <p:nvPr>
+            <p:ph type="title"/>
+          </p:nvPr>
+        </p:nvSpPr>
+        <p:spPr>
+          <a:xfrm>
+            <a:off x="504000" y="226080"/>
+            <a:ext cx="9070920" cy="945720"/>
+          </a:xfrm>
+          <a:prstGeom prst="rect">
+            <a:avLst/>
+          </a:prstGeom>
+          <a:noFill/>
+          <a:ln w="0">
+            <a:noFill/>
+          </a:ln>
+        </p:spPr>
+        <p:txBody>
+          <a:bodyPr lIns="0" tIns="0" rIns="0" bIns="0" anchor="ctr">
+            <a:noAutofit/>
+          </a:bodyPr>
+          <a:lstStyle/>
+          <a:p>
+            <a:pPr indent="0">
+              <a:buNone/>
+            </a:pPr>
+            <a:r>
+              <a:rPr lang="en-CA" sz="1800" b="0" strike="noStrike" spc="-1">
+                <a:solidFill>
+                  <a:srgbClr val="000000"/>
+                </a:solidFill>
+                <a:latin typeface="Arial"/>
+              </a:rPr>
+              <a:t>Click to edit the title text format</a:t>
+            </a:r>
+          </a:p>
+        </p:txBody>
+      </p:sp>
+      <p:sp>
+        <p:nvSpPr>
+          <p:cNvPr id="6" name="PlaceHolder 2"/>
+          <p:cNvSpPr>
+            <a:spLocks noGrp="1"/>
+          </p:cNvSpPr>
+          <p:nvPr>
+            <p:ph type="body"/>
+          </p:nvPr>
+        </p:nvSpPr>
+        <p:spPr>
+          <a:xfrm>
+            <a:off x="504000" y="1326600"/>
+            <a:ext cx="9070920" cy="3287520"/>
+          </a:xfrm>
+          <a:prstGeom prst="rect">
+            <a:avLst/>
+          </a:prstGeom>
+          <a:noFill/>
+          <a:ln w="0">
+            <a:noFill/>
+          </a:ln>
+        </p:spPr>
+        <p:txBody>
+          <a:bodyPr lIns="0" tIns="0" rIns="0" bIns="0" anchor="t">
+            <a:normAutofit/>
+          </a:bodyPr>
+          <a:lstStyle/>
+          <a:p>
+            <a:pPr marL="432000" indent="-324000">
+              <a:spcBef>
+                <a:spcPts val="1417"/>
+              </a:spcBef>
+              <a:buClr>
+                <a:srgbClr val="000000"/>
+              </a:buClr>
+              <a:buSzPct val="45000"/>
+              <a:buFont typeface="Wingdings" charset="2"/>
+              <a:buChar char=""/>
+            </a:pPr>
+            <a:r>
+              <a:rPr lang="en-CA" sz="1800" b="0" strike="noStrike" spc="-1">
+                <a:solidFill>
+                  <a:srgbClr val="000000"/>
+                </a:solidFill>
+                <a:latin typeface="Arial"/>
+              </a:rPr>
+              <a:t>Click to edit the outline text format</a:t>
+            </a:r>
+          </a:p>
+          <a:p>
+            <a:pPr marL="864000" lvl="1" indent="-324000">
+              <a:spcBef>
+                <a:spcPts val="1134"/>
+              </a:spcBef>
+              <a:buClr>
+                <a:srgbClr val="000000"/>
+              </a:buClr>
+              <a:buSzPct val="75000"/>
+              <a:buFont typeface="Symbol" charset="2"/>
+              <a:buChar char=""/>
+            </a:pPr>
+            <a:r>
+              <a:rPr lang="en-CA" sz="1800" b="0" strike="noStrike" spc="-1">
+                <a:solidFill>
+                  <a:srgbClr val="000000"/>
+                </a:solidFill>
+                <a:latin typeface="Arial"/>
+              </a:rPr>
+              <a:t>Second Outline Level</a:t>
+            </a:r>
+          </a:p>
+          <a:p>
+            <a:pPr marL="1296000" lvl="2" indent="-288000">
+              <a:spcBef>
+                <a:spcPts val="850"/>
+              </a:spcBef>
+              <a:buClr>
+                <a:srgbClr val="000000"/>
+              </a:buClr>
+              <a:buSzPct val="45000"/>
+              <a:buFont typeface="Wingdings" charset="2"/>
+              <a:buChar char=""/>
+            </a:pPr>
+            <a:r>
+              <a:rPr lang="en-CA" sz="1800" b="0" strike="noStrike" spc="-1">
+                <a:solidFill>
+                  <a:srgbClr val="000000"/>
+                </a:solidFill>
+                <a:latin typeface="Arial"/>
+              </a:rPr>
+              <a:t>Third Outline Level</a:t>
+            </a:r>
+          </a:p>
+          <a:p>
+            <a:pPr marL="1728000" lvl="3" indent="-216000">
+              <a:spcBef>
+                <a:spcPts val="567"/>
+              </a:spcBef>
+              <a:buClr>
+                <a:srgbClr val="000000"/>
+              </a:buClr>
+              <a:buSzPct val="75000"/>
+              <a:buFont typeface="Symbol" charset="2"/>
+              <a:buChar char=""/>
+            </a:pPr>
+            <a:r>
+              <a:rPr lang="en-CA" sz="1800" b="0" strike="noStrike" spc="-1">
+                <a:solidFill>
+                  <a:srgbClr val="000000"/>
+                </a:solidFill>
+                <a:latin typeface="Arial"/>
+              </a:rPr>
+              <a:t>Fourth Outline Level</a:t>
+            </a:r>
+          </a:p>
+          <a:p>
+            <a:pPr marL="2160000" lvl="4" indent="-216000">
+              <a:spcBef>
+                <a:spcPts val="283"/>
+              </a:spcBef>
+              <a:buClr>
+                <a:srgbClr val="000000"/>
+              </a:buClr>
+              <a:buSzPct val="45000"/>
+              <a:buFont typeface="Wingdings" charset="2"/>
+              <a:buChar char=""/>
+            </a:pPr>
+            <a:r>
+              <a:rPr lang="en-CA" sz="1800" b="0" strike="noStrike" spc="-1">
+                <a:solidFill>
+                  <a:srgbClr val="000000"/>
+                </a:solidFill>
+                <a:latin typeface="Arial"/>
+              </a:rPr>
+              <a:t>Fifth Outline Level</a:t>
+            </a:r>
+          </a:p>
+          <a:p>
+            <a:pPr marL="2592000" lvl="5" indent="-216000">
+              <a:spcBef>
+                <a:spcPts val="283"/>
+              </a:spcBef>
+              <a:buClr>
+                <a:srgbClr val="000000"/>
+              </a:buClr>
+              <a:buSzPct val="45000"/>
+              <a:buFont typeface="Wingdings" charset="2"/>
+              <a:buChar char=""/>
+            </a:pPr>
+            <a:r>
+              <a:rPr lang="en-CA" sz="1800" b="0" strike="noStrike" spc="-1">
+                <a:solidFill>
+                  <a:srgbClr val="000000"/>
+                </a:solidFill>
+                <a:latin typeface="Arial"/>
+              </a:rPr>
+              <a:t>Sixth Outline Level</a:t>
+            </a:r>
+          </a:p>
+          <a:p>
+            <a:pPr marL="3024000" lvl="6" indent="-216000">
+              <a:spcBef>
+                <a:spcPts val="283"/>
+              </a:spcBef>
+              <a:buClr>
+                <a:srgbClr val="000000"/>
+              </a:buClr>
+              <a:buSzPct val="45000"/>
+              <a:buFont typeface="Wingdings" charset="2"/>
+              <a:buChar char=""/>
+            </a:pPr>
+            <a:r>
+              <a:rPr lang="en-CA" sz="1800" b="0" strike="noStrike" spc="-1">
+                <a:solidFill>
+                  <a:srgbClr val="000000"/>
+                </a:solidFill>
+                <a:latin typeface="Arial"/>
+              </a:rPr>
+              <a:t>Seventh Outline Level</a:t>
+            </a:r>
+          </a:p>
+        </p:txBody>
+      </p:sp>
+      <p:sp>
+        <p:nvSpPr>
+          <p:cNvPr id="2" name="PlaceHolder 3"/>
+          <p:cNvSpPr>
+            <a:spLocks noGrp="1"/>
+          </p:cNvSpPr>
+          <p:nvPr>
+            <p:ph type="ftr" idx="1"/>
+          </p:nvPr>
+        </p:nvSpPr>
+        <p:spPr>
+          <a:xfrm>
+            <a:off x="3447360" y="5165280"/>
+            <a:ext cx="3194280" cy="389880"/>
+          </a:xfrm>
+          <a:prstGeom prst="rect">
+            <a:avLst/>
+          </a:prstGeom>
+          <a:noFill/>
+          <a:ln w="0">
+            <a:noFill/>
+          </a:ln>
+        </p:spPr>
+        <p:txBody>
+          <a:bodyPr lIns="0" tIns="0" rIns="0" bIns="0" anchor="t">
+            <a:noAutofit/>
+          </a:bodyPr>
+          <a:lstStyle>
+            <a:lvl1pPr indent="0" algn="ctr">
+              <a:lnSpc>
+                <a:spcPct val="100000"/>
+              </a:lnSpc>
+              <a:buNone/>
+              <a:tabLst>
+                <a:tab pos="0" algn="l"/>
+              </a:tabLst>
+              <a:defRPr lang="en-CA" sz="1400" b="0" strike="noStrike" spc="-1">
+                <a:solidFill>
+                  <a:srgbClr val="000000"/>
+                </a:solidFill>
+                <a:latin typeface="Times New Roman"/>
+              </a:defRPr>
+            </a:lvl1pPr>
+          </a:lstStyle>
+          <a:p>
+            <a:pPr indent="0" algn="ctr">
+              <a:lnSpc>
+                <a:spcPct val="100000"/>
+              </a:lnSpc>
+              <a:buNone/>
+              <a:tabLst>
+                <a:tab pos="0" algn="l"/>
+              </a:tabLst>
+            </a:pPr>
+            <a:r>
+              <a:rPr lang="en-CA" sz="1400" b="0" strike="noStrike" spc="-1">
+                <a:solidFill>
+                  <a:srgbClr val="000000"/>
+                </a:solidFill>
+                <a:latin typeface="Times New Roman"/>
+              </a:rPr>
+              <a:t>&lt;footer&gt;</a:t>
+            </a:r>
+          </a:p>
+        </p:txBody>
+      </p:sp>
+      <p:sp>
+        <p:nvSpPr>
+          <p:cNvPr id="3" name="PlaceHolder 4"/>
+          <p:cNvSpPr>
+            <a:spLocks noGrp="1"/>
+          </p:cNvSpPr>
+          <p:nvPr>
+            <p:ph type="sldNum" idx="2"/>
+          </p:nvPr>
+        </p:nvSpPr>
+        <p:spPr>
+          <a:xfrm>
+            <a:off x="7227360" y="5165280"/>
+            <a:ext cx="2347560" cy="389880"/>
+          </a:xfrm>
+          <a:prstGeom prst="rect">
+            <a:avLst/>
+          </a:prstGeom>
+          <a:noFill/>
+          <a:ln w="0">
+            <a:noFill/>
+          </a:ln>
+        </p:spPr>
+        <p:txBody>
+          <a:bodyPr lIns="0" tIns="0" rIns="0" bIns="0" anchor="t">
+            <a:noAutofit/>
+          </a:bodyPr>
+          <a:lstStyle>
+            <a:lvl1pPr indent="0" algn="r">
+              <a:lnSpc>
+                <a:spcPct val="100000"/>
+              </a:lnSpc>
+              <a:buNone/>
+              <a:tabLst>
+                <a:tab pos="0" algn="l"/>
+              </a:tabLst>
+              <a:defRPr lang="en-CA" sz="1400" b="0" strike="noStrike" spc="-1">
+                <a:solidFill>
+                  <a:srgbClr val="000000"/>
+                </a:solidFill>
+                <a:latin typeface="Times New Roman"/>
+              </a:defRPr>
+            </a:lvl1pPr>
+          </a:lstStyle>
+          <a:p>
+            <a:pPr indent="0" algn="r">
+              <a:lnSpc>
+                <a:spcPct val="100000"/>
+              </a:lnSpc>
+              <a:buNone/>
+              <a:tabLst>
+                <a:tab pos="0" algn="l"/>
+              </a:tabLst>
+            </a:pPr>
+            <a:fld id="{A0018D32-9F2B-46CC-8107-07C368D9EA34}" type="slidenum">
+              <a:rPr lang="en-CA" sz="1400" b="0" strike="noStrike" spc="-1">
+                <a:solidFill>
+                  <a:srgbClr val="000000"/>
+                </a:solidFill>
+                <a:latin typeface="Times New Roman"/>
+              </a:rPr>
+              <a:t>‹#›</a:t>
+            </a:fld>
+            <a:endParaRPr lang="en-CA" sz="1400" b="0" strike="noStrike" spc="-1">
+              <a:solidFill>
+                <a:srgbClr val="000000"/>
+              </a:solidFill>
+              <a:latin typeface="Times New Roman"/>
+            </a:endParaRPr>
+          </a:p>
+        </p:txBody>
+      </p:sp>
+      <p:sp>
+        <p:nvSpPr>
+          <p:cNvPr id="4" name="PlaceHolder 5"/>
+          <p:cNvSpPr>
+            <a:spLocks noGrp="1"/>
+          </p:cNvSpPr>
+          <p:nvPr>
+            <p:ph type="dt" idx="3"/>
+          </p:nvPr>
+        </p:nvSpPr>
+        <p:spPr>
+          <a:xfrm>
+            <a:off x="504000" y="5165280"/>
+            <a:ext cx="2347560" cy="389880"/>
+          </a:xfrm>
+          <a:prstGeom prst="rect">
+            <a:avLst/>
+          </a:prstGeom>
+          <a:noFill/>
+          <a:ln w="0">
+            <a:noFill/>
+          </a:ln>
+        </p:spPr>
+        <p:txBody>
+          <a:bodyPr lIns="0" tIns="0" rIns="0" bIns="0" anchor="t">
+            <a:noAutofit/>
+          </a:bodyPr>
+          <a:lstStyle>
+            <a:lvl1pPr indent="0">
+              <a:buNone/>
+              <a:defRPr lang="en-CA" sz="1400" b="0" strike="noStrike" spc="-1">
+                <a:solidFill>
+                  <a:srgbClr val="000000"/>
+                </a:solidFill>
+                <a:latin typeface="Times New Roman"/>
+              </a:defRPr>
+            </a:lvl1pPr>
+          </a:lstStyle>
+          <a:p>
+            <a:pPr indent="0">
+              <a:buNone/>
+            </a:pPr>
+            <a:r>
+              <a:rPr lang="en-CA" sz="1400" b="0" strike="noStrike" spc="-1">
+                <a:solidFill>
+                  <a:srgbClr val="000000"/>
+                </a:solidFill>
+                <a:latin typeface="Times New Roman"/>
+              </a:rPr>
+              <a:t>&lt;date/time&gt;</a:t>
+            </a:r>
+          </a:p>
+        </p:txBody>
+      </p:sp>
+    </p:spTree>
+  </p:cSld>
+  <p:clrMap bg1="lt1" tx1="dk1" bg2="lt2" tx2="dk2" accent1="accent1" accent2="accent2" accent3="accent3" accent4="accent4" accent5="accent5" accent6="accent6" hlink="hlink" folHlink="folHlink"/>
+  <p:sldLayoutIdLst>
+    <p:sldLayoutId id="2147483649" r:id="rId1"/>
+    <p:sldLayoutId id="2147483650" r:id="rId2"/>
+    <p:sldLayoutId id="2147483651" r:id="rId3"/>
+    <p:sldLayoutId id="2147483652" r:id="rId4"/>
+    <p:sldLayoutId id="2147483653" r:id="rId5"/>
+    <p:sldLayoutId id="2147483654" r:id="rId6"/>
+    <p:sldLayoutId id="2147483655" r:id="rId7"/>
+    <p:sldLayoutId id="2147483656" r:id="rId8"/>
+    <p:sldLayoutId id="2147483657" r:id="rId9"/>
+    <p:sldLayoutId id="2147483658" r:id="rId10"/>
+    <p:sldLayoutId id="2147483659" r:id="rId11"/>
+    <p:sldLayoutId id="2147483660" r:id="rId12"/>
+  </p:sldLayoutIdLst>
+  <p:txStyles>
+    <p:titleStyle>
+      <a:lvl1pPr algn="l" defTabSz="914400" rtl="0" eaLnBrk="1" latinLnBrk="0" hangingPunct="1">
+        <a:lnSpc>
+          <a:spcPct val="90000"/>
+        </a:lnSpc>
+        <a:spcBef>
+          <a:spcPct val="0"/>
+        </a:spcBef>
+        <a:buNone/>
+        <a:defRPr sz="4400" kern="1200">
+          <a:solidFill>
+            <a:schemeClr val="tx1"/>
+          </a:solidFill>
+          <a:latin typeface="+mj-lt"/>
+          <a:ea typeface="+mj-ea"/>
+          <a:cs typeface="+mj-cs"/>
+        </a:defRPr>
+      </a:lvl1pPr>
+    </p:titleStyle>
+    <p:bodyStyle>
+      <a:lvl1pPr marL="228600" indent="-228600" algn="l" defTabSz="914400" rtl="0" eaLnBrk="1" latinLnBrk="0" hangingPunct="1">
+        <a:lnSpc>
+          <a:spcPct val="90000"/>
+        </a:lnSpc>
+        <a:spcBef>
+          <a:spcPts val="1000"/>
+        </a:spcBef>
+        <a:buFont typeface="Arial" panose="020B0604020202020204" pitchFamily="34" charset="0"/>
+        <a:buChar char="•"/>
+        <a:defRPr sz="2800" kern="1200">
+          <a:solidFill>
+            <a:schemeClr val="tx1"/>
+          </a:solidFill>
+          <a:latin typeface="+mn-lt"/>
+          <a:ea typeface="+mn-ea"/>
+          <a:cs typeface="+mn-cs"/>
+        </a:defRPr>
+      </a:lvl1pPr>
+      <a:lvl2pPr marL="685800" indent="-228600" algn="l" defTabSz="914400" rtl="0" eaLnBrk="1" latinLnBrk="0" hangingPunct="1">
+        <a:lnSpc>
+          <a:spcPct val="90000"/>
+        </a:lnSpc>
+        <a:spcBef>
+          <a:spcPts val="500"/>
+        </a:spcBef>
+        <a:buFont typeface="Arial" panose="020B0604020202020204" pitchFamily="34" charset="0"/>
+        <a:buChar char="•"/>
+        <a:defRPr sz="2400" kern="1200">
+          <a:solidFill>
+            <a:schemeClr val="tx1"/>
+          </a:solidFill>
+          <a:latin typeface="+mn-lt"/>
+          <a:ea typeface="+mn-ea"/>
+          <a:cs typeface="+mn-cs"/>
+        </a:defRPr>
+      </a:lvl2pPr>
+      <a:lvl3pPr marL="1143000" indent="-228600" algn="l" defTabSz="914400" rtl="0" eaLnBrk="1" latinLnBrk="0" hangingPunct="1">
+        <a:lnSpc>
+          <a:spcPct val="90000"/>
+        </a:lnSpc>
+        <a:spcBef>
+          <a:spcPts val="500"/>
+        </a:spcBef>
+        <a:buFont typeface="Arial" panose="020B0604020202020204" pitchFamily="34" charset="0"/>
+        <a:buChar char="•"/>
+        <a:defRPr sz="2000" kern="1200">
+          <a:solidFill>
+            <a:schemeClr val="tx1"/>
+          </a:solidFill>
+          <a:latin typeface="+mn-lt"/>
+          <a:ea typeface="+mn-ea"/>
+          <a:cs typeface="+mn-cs"/>
+        </a:defRPr>
+      </a:lvl3pPr>
+      <a:lvl4pPr marL="1600200" indent="-228600" algn="l" defTabSz="914400" rtl="0" eaLnBrk="1" latinLnBrk="0" hangingPunct="1">
+        <a:lnSpc>
+          <a:spcPct val="90000"/>
+        </a:lnSpc>
+        <a:spcBef>
+          <a:spcPts val="500"/>
+        </a:spcBef>
+        <a:buFont typeface="Arial" panose="020B0604020202020204" pitchFamily="34" charset="0"/>
+        <a:buChar char="•"/>
+        <a:defRPr sz="1800" kern="1200">
+          <a:solidFill>
+            <a:schemeClr val="tx1"/>
+          </a:solidFill>
+          <a:latin typeface="+mn-lt"/>
+          <a:ea typeface="+mn-ea"/>
+          <a:cs typeface="+mn-cs"/>
+        </a:defRPr>
+      </a:lvl4pPr>
+      <a:lvl5pPr marL="2057400" indent="-228600" algn="l" defTabSz="914400" rtl="0" eaLnBrk="1" latinLnBrk="0" hangingPunct="1">
+        <a:lnSpc>
+          <a:spcPct val="90000"/>
+        </a:lnSpc>
+        <a:spcBef>
+          <a:spcPts val="500"/>
+        </a:spcBef>
+        <a:buFont typeface="Arial" panose="020B0604020202020204" pitchFamily="34" charset="0"/>
+        <a:buChar char="•"/>
+        <a:defRPr sz="1800" kern="1200">
+          <a:solidFill>
+            <a:schemeClr val="tx1"/>
+          </a:solidFill>
+          <a:latin typeface="+mn-lt"/>
+          <a:ea typeface="+mn-ea"/>
+          <a:cs typeface="+mn-cs"/>
+        </a:defRPr>
+      </a:lvl5pPr>
+      <a:lvl6pPr marL="2514600" indent="-228600" algn="l" defTabSz="914400" rtl="0" eaLnBrk="1" latinLnBrk="0" hangingPunct="1">
+        <a:lnSpc>
+          <a:spcPct val="90000"/>
+        </a:lnSpc>
+        <a:spcBef>
+          <a:spcPts val="500"/>
+        </a:spcBef>
+        <a:buFont typeface="Arial" panose="020B0604020202020204" pitchFamily="34" charset="0"/>
+        <a:buChar char="•"/>
+        <a:defRPr sz="1800" kern="1200">
+          <a:solidFill>
+            <a:schemeClr val="tx1"/>
+          </a:solidFill>
+          <a:latin typeface="+mn-lt"/>
+          <a:ea typeface="+mn-ea"/>
+          <a:cs typeface="+mn-cs"/>
+        </a:defRPr>
+      </a:lvl6pPr>
+      <a:lvl7pPr marL="2971800" indent="-228600" algn="l" defTabSz="914400" rtl="0" eaLnBrk="1" latinLnBrk="0" hangingPunct="1">
+        <a:lnSpc>
+          <a:spcPct val="90000"/>
+        </a:lnSpc>
+        <a:spcBef>
+          <a:spcPts val="500"/>
+        </a:spcBef>
+        <a:buFont typeface="Arial" panose="020B0604020202020204" pitchFamily="34" charset="0"/>
+        <a:buChar char="•"/>
+        <a:defRPr sz="1800" kern="1200">
+          <a:solidFill>
+            <a:schemeClr val="tx1"/>
+          </a:solidFill>
+          <a:latin typeface="+mn-lt"/>
+          <a:ea typeface="+mn-ea"/>
+          <a:cs typeface="+mn-cs"/>
+        </a:defRPr>
+      </a:lvl7pPr>
+      <a:lvl8pPr marL="3429000" indent="-228600" algn="l" defTabSz="914400" rtl="0" eaLnBrk="1" latinLnBrk="0" hangingPunct="1">
+        <a:lnSpc>
+          <a:spcPct val="90000"/>
+        </a:lnSpc>
+        <a:spcBef>
+          <a:spcPts val="500"/>
+        </a:spcBef>
+        <a:buFont typeface="Arial" panose="020B0604020202020204" pitchFamily="34" charset="0"/>
+        <a:buChar char="•"/>
+        <a:defRPr sz="1800" kern="1200">
+          <a:solidFill>
+            <a:schemeClr val="tx1"/>
+          </a:solidFill>
+          <a:latin typeface="+mn-lt"/>
+          <a:ea typeface="+mn-ea"/>
+          <a:cs typeface="+mn-cs"/>
+        </a:defRPr>
+      </a:lvl8pPr>
+      <a:lvl9pPr marL="3886200" indent="-228600" algn="l" defTabSz="914400" rtl="0" eaLnBrk="1" latinLnBrk="0" hangingPunct="1">
+        <a:lnSpc>
+          <a:spcPct val="90000"/>
+        </a:lnSpc>
+        <a:spcBef>
+          <a:spcPts val="500"/>
+        </a:spcBef>
+        <a:buFont typeface="Arial" panose="020B0604020202020204" pitchFamily="34" charset="0"/>
+        <a:buChar char="•"/>
+        <a:defRPr sz="1800" kern="1200">
+          <a:solidFill>
+            <a:schemeClr val="tx1"/>
+          </a:solidFill>
+          <a:latin typeface="+mn-lt"/>
+          <a:ea typeface="+mn-ea"/>
+          <a:cs typeface="+mn-cs"/>
+        </a:defRPr>
+      </a:lvl9pPr>
+    </p:bodyStyle>
+    <p:otherStyle>
+      <a:defPPr>
+        <a:defRPr lang="en-US"/>
+      </a:defPPr>
+      <a:lvl1pPr marL="0" algn="l" defTabSz="914400" rtl="0" eaLnBrk="1" latinLnBrk="0" hangingPunct="1">
+        <a:defRPr sz="1800" kern="1200">
+          <a:solidFill>
+            <a:schemeClr val="tx1"/>
+          </a:solidFill>
+          <a:latin typeface="+mn-lt"/>
+          <a:ea typeface="+mn-ea"/>
+          <a:cs typeface="+mn-cs"/>
+        </a:defRPr>
+      </a:lvl1pPr>
+      <a:lvl2pPr marL="457200" algn="l" defTabSz="914400" rtl="0" eaLnBrk="1" latinLnBrk="0" hangingPunct="1">
+        <a:defRPr sz="1800" kern="1200">
+          <a:solidFill>
+            <a:schemeClr val="tx1"/>
+          </a:solidFill>
+          <a:latin typeface="+mn-lt"/>
+          <a:ea typeface="+mn-ea"/>
+          <a:cs typeface="+mn-cs"/>
+        </a:defRPr>
+      </a:lvl2pPr>
+      <a:lvl3pPr marL="914400" algn="l" defTabSz="914400" rtl="0" eaLnBrk="1" latinLnBrk="0" hangingPunct="1">
+        <a:defRPr sz="1800" kern="1200">
+          <a:solidFill>
+            <a:schemeClr val="tx1"/>
+          </a:solidFill>
+          <a:latin typeface="+mn-lt"/>
+          <a:ea typeface="+mn-ea"/>
+          <a:cs typeface="+mn-cs"/>
+        </a:defRPr>
+      </a:lvl3pPr>
+      <a:lvl4pPr marL="1371600" algn="l" defTabSz="914400" rtl="0" eaLnBrk="1" latinLnBrk="0" hangingPunct="1">
+        <a:defRPr sz="1800" kern="1200">
+          <a:solidFill>
+            <a:schemeClr val="tx1"/>
+          </a:solidFill>
+          <a:latin typeface="+mn-lt"/>
+          <a:ea typeface="+mn-ea"/>
+          <a:cs typeface="+mn-cs"/>
+        </a:defRPr>
+      </a:lvl4pPr>
+      <a:lvl5pPr marL="1828800" algn="l" defTabSz="914400" rtl="0" eaLnBrk="1" latinLnBrk="0" hangingPunct="1">
+        <a:defRPr sz="1800" kern="1200">
+          <a:solidFill>
+            <a:schemeClr val="tx1"/>
+          </a:solidFill>
+          <a:latin typeface="+mn-lt"/>
+          <a:ea typeface="+mn-ea"/>
+          <a:cs typeface="+mn-cs"/>
+        </a:defRPr>
+      </a:lvl5pPr>
+      <a:lvl6pPr marL="2286000" algn="l" defTabSz="914400" rtl="0" eaLnBrk="1" latinLnBrk="0" hangingPunct="1">
+        <a:defRPr sz="1800" kern="1200">
+          <a:solidFill>
+            <a:schemeClr val="tx1"/>
+          </a:solidFill>
+          <a:latin typeface="+mn-lt"/>
+          <a:ea typeface="+mn-ea"/>
+          <a:cs typeface="+mn-cs"/>
+        </a:defRPr>
+      </a:lvl6pPr>
+      <a:lvl7pPr marL="2743200" algn="l" defTabSz="914400" rtl="0" eaLnBrk="1" latinLnBrk="0" hangingPunct="1">
+        <a:defRPr sz="1800" kern="1200">
+          <a:solidFill>
+            <a:schemeClr val="tx1"/>
+          </a:solidFill>
+          <a:latin typeface="+mn-lt"/>
+          <a:ea typeface="+mn-ea"/>
+          <a:cs typeface="+mn-cs"/>
+        </a:defRPr>
+      </a:lvl7pPr>
+      <a:lvl8pPr marL="3200400" algn="l" defTabSz="914400" rtl="0" eaLnBrk="1" latinLnBrk="0" hangingPunct="1">
+        <a:defRPr sz="1800" kern="1200">
+          <a:solidFill>
+            <a:schemeClr val="tx1"/>
+          </a:solidFill>
+          <a:latin typeface="+mn-lt"/>
+          <a:ea typeface="+mn-ea"/>
+          <a:cs typeface="+mn-cs"/>
+        </a:defRPr>
+      </a:lvl8pPr>
+      <a:lvl9pPr marL="3657600" algn="l" defTabSz="914400" rtl="0" eaLnBrk="1" latinLnBrk="0" hangingPunct="1">
+        <a:defRPr sz="1800" kern="1200">
+          <a:solidFill>
+            <a:schemeClr val="tx1"/>
+          </a:solidFill>
+          <a:latin typeface="+mn-lt"/>
+          <a:ea typeface="+mn-ea"/>
+          <a:cs typeface="+mn-cs"/>
+        </a:defRPr>
+      </a:lvl9pPr>
+    </p:otherStyle>
+  </p:txStyles>
+</p:sldMaster>
+</file>
+
+<file path=ppt/slideMasters/slideMaster2.xml><?xml version="1.0" encoding="utf-8"?>
+<p:sldMaster xmlns:a="http://schemas.openxmlformats.org/drawingml/2006/main" xmlns:r="http://schemas.openxmlformats.org/officeDocument/2006/relationships" xmlns:p="http://schemas.openxmlformats.org/presentationml/2006/main">
+  <p:cSld>
+    <p:bg>
+      <p:bgRef idx="1001">
+        <a:schemeClr val="bg1"/>
+      </p:bgRef>
+    </p:bg>
+    <p:spTree>
+      <p:nvGrpSpPr>
+        <p:cNvPr id="1" name=""/>
+        <p:cNvGrpSpPr/>
+        <p:nvPr/>
+      </p:nvGrpSpPr>
+      <p:grpSpPr>
+        <a:xfrm>
+          <a:off x="0" y="0"/>
+          <a:ext cx="0" cy="0"/>
+          <a:chOff x="0" y="0"/>
+          <a:chExt cx="0" cy="0"/>
+        </a:xfrm>
+      </p:grpSpPr>
+      <p:sp>
+        <p:nvSpPr>
+          <p:cNvPr id="41" name="PlaceHolder 1"/>
+          <p:cNvSpPr>
+            <a:spLocks noGrp="1"/>
+          </p:cNvSpPr>
+          <p:nvPr>
+            <p:ph type="ftr" idx="4"/>
+          </p:nvPr>
+        </p:nvSpPr>
+        <p:spPr>
+          <a:xfrm>
+            <a:off x="3447360" y="5165280"/>
+            <a:ext cx="3194280" cy="389880"/>
+          </a:xfrm>
+          <a:prstGeom prst="rect">
+            <a:avLst/>
+          </a:prstGeom>
+          <a:noFill/>
+          <a:ln w="0">
+            <a:noFill/>
+          </a:ln>
+        </p:spPr>
+        <p:txBody>
+          <a:bodyPr lIns="0" tIns="0" rIns="0" bIns="0" anchor="t">
+            <a:noAutofit/>
+          </a:bodyPr>
+          <a:lstStyle>
+            <a:lvl1pPr indent="0" algn="ctr">
+              <a:lnSpc>
+                <a:spcPct val="100000"/>
+              </a:lnSpc>
+              <a:buNone/>
+              <a:tabLst>
+                <a:tab pos="0" algn="l"/>
+              </a:tabLst>
+              <a:defRPr lang="en-CA" sz="1400" b="0" strike="noStrike" spc="-1">
+                <a:solidFill>
+                  <a:srgbClr val="000000"/>
+                </a:solidFill>
+                <a:latin typeface="Times New Roman"/>
+              </a:defRPr>
+            </a:lvl1pPr>
+          </a:lstStyle>
+          <a:p>
+            <a:pPr indent="0" algn="ctr">
+              <a:lnSpc>
+                <a:spcPct val="100000"/>
+              </a:lnSpc>
+              <a:buNone/>
+              <a:tabLst>
+                <a:tab pos="0" algn="l"/>
+              </a:tabLst>
+            </a:pPr>
+            <a:r>
+              <a:rPr lang="en-CA" sz="1400" b="0" strike="noStrike" spc="-1">
+                <a:solidFill>
+                  <a:srgbClr val="000000"/>
+                </a:solidFill>
+                <a:latin typeface="Times New Roman"/>
+              </a:rPr>
+              <a:t>&lt;footer&gt;</a:t>
+            </a:r>
+          </a:p>
+        </p:txBody>
+      </p:sp>
+      <p:sp>
+        <p:nvSpPr>
+          <p:cNvPr id="42" name="PlaceHolder 2"/>
+          <p:cNvSpPr>
+            <a:spLocks noGrp="1"/>
+          </p:cNvSpPr>
+          <p:nvPr>
+            <p:ph type="sldNum" idx="5"/>
+          </p:nvPr>
+        </p:nvSpPr>
+        <p:spPr>
+          <a:xfrm>
+            <a:off x="7227360" y="5165280"/>
+            <a:ext cx="2347560" cy="389880"/>
+          </a:xfrm>
+          <a:prstGeom prst="rect">
+            <a:avLst/>
+          </a:prstGeom>
+          <a:noFill/>
+          <a:ln w="0">
+            <a:noFill/>
+          </a:ln>
+        </p:spPr>
+        <p:txBody>
+          <a:bodyPr lIns="0" tIns="0" rIns="0" bIns="0" anchor="t">
+            <a:noAutofit/>
+          </a:bodyPr>
+          <a:lstStyle>
+            <a:lvl1pPr indent="0" algn="r">
+              <a:lnSpc>
+                <a:spcPct val="100000"/>
+              </a:lnSpc>
+              <a:buNone/>
+              <a:tabLst>
+                <a:tab pos="0" algn="l"/>
+              </a:tabLst>
+              <a:defRPr lang="en-CA" sz="1400" b="0" strike="noStrike" spc="-1">
+                <a:solidFill>
+                  <a:srgbClr val="000000"/>
+                </a:solidFill>
+                <a:latin typeface="Times New Roman"/>
+              </a:defRPr>
+            </a:lvl1pPr>
+          </a:lstStyle>
+          <a:p>
+            <a:pPr indent="0" algn="r">
+              <a:lnSpc>
+                <a:spcPct val="100000"/>
+              </a:lnSpc>
+              <a:buNone/>
+              <a:tabLst>
+                <a:tab pos="0" algn="l"/>
+              </a:tabLst>
+            </a:pPr>
+            <a:fld id="{76CF2019-1922-47AF-A4B5-437401B8777D}" type="slidenum">
+              <a:rPr lang="en-CA" sz="1400" b="0" strike="noStrike" spc="-1">
+                <a:solidFill>
+                  <a:srgbClr val="000000"/>
+                </a:solidFill>
+                <a:latin typeface="Times New Roman"/>
+              </a:rPr>
+              <a:t>‹#›</a:t>
+            </a:fld>
+            <a:endParaRPr lang="en-CA" sz="1400" b="0" strike="noStrike" spc="-1">
+              <a:solidFill>
+                <a:srgbClr val="000000"/>
+              </a:solidFill>
+              <a:latin typeface="Times New Roman"/>
+            </a:endParaRPr>
+          </a:p>
+        </p:txBody>
+      </p:sp>
+      <p:sp>
+        <p:nvSpPr>
+          <p:cNvPr id="43" name="PlaceHolder 3"/>
+          <p:cNvSpPr>
+            <a:spLocks noGrp="1"/>
+          </p:cNvSpPr>
+          <p:nvPr>
+            <p:ph type="dt" idx="6"/>
+          </p:nvPr>
+        </p:nvSpPr>
+        <p:spPr>
+          <a:xfrm>
+            <a:off x="504000" y="5165280"/>
+            <a:ext cx="2347560" cy="389880"/>
+          </a:xfrm>
+          <a:prstGeom prst="rect">
+            <a:avLst/>
+          </a:prstGeom>
+          <a:noFill/>
+          <a:ln w="0">
+            <a:noFill/>
+          </a:ln>
+        </p:spPr>
+        <p:txBody>
+          <a:bodyPr lIns="0" tIns="0" rIns="0" bIns="0" anchor="t">
+            <a:noAutofit/>
+          </a:bodyPr>
+          <a:lstStyle>
+            <a:lvl1pPr indent="0">
+              <a:buNone/>
+              <a:defRPr lang="en-CA" sz="1400" b="0" strike="noStrike" spc="-1">
+                <a:solidFill>
+                  <a:srgbClr val="000000"/>
+                </a:solidFill>
+                <a:latin typeface="Times New Roman"/>
+              </a:defRPr>
+            </a:lvl1pPr>
+          </a:lstStyle>
+          <a:p>
+            <a:pPr indent="0">
+              <a:buNone/>
+            </a:pPr>
+            <a:r>
+              <a:rPr lang="en-CA" sz="1400" b="0" strike="noStrike" spc="-1">
+                <a:solidFill>
+                  <a:srgbClr val="000000"/>
+                </a:solidFill>
+                <a:latin typeface="Times New Roman"/>
+              </a:rPr>
+              <a:t>&lt;date/time&gt;</a:t>
+            </a:r>
+          </a:p>
+        </p:txBody>
+      </p:sp>
+      <p:sp>
+        <p:nvSpPr>
+          <p:cNvPr id="44" name="PlaceHolder 4"/>
+          <p:cNvSpPr>
+            <a:spLocks noGrp="1"/>
+          </p:cNvSpPr>
+          <p:nvPr>
+            <p:ph type="title"/>
+          </p:nvPr>
+        </p:nvSpPr>
+        <p:spPr>
+          <a:xfrm>
+            <a:off x="504000" y="226080"/>
+            <a:ext cx="9072000" cy="946440"/>
+          </a:xfrm>
+          <a:prstGeom prst="rect">
+            <a:avLst/>
+          </a:prstGeom>
+          <a:noFill/>
+          <a:ln w="0">
+            <a:noFill/>
+          </a:ln>
+        </p:spPr>
+        <p:txBody>
+          <a:bodyPr lIns="0" tIns="0" rIns="0" bIns="0" anchor="ctr">
+            <a:noAutofit/>
+          </a:bodyPr>
+          <a:lstStyle/>
+          <a:p>
+            <a:pPr indent="0" algn="ctr">
+              <a:buNone/>
+            </a:pPr>
+            <a:r>
+              <a:rPr lang="en-CA" sz="4400" b="0" strike="noStrike" spc="-1">
+                <a:solidFill>
+                  <a:srgbClr val="000000"/>
+                </a:solidFill>
+                <a:latin typeface="Arial"/>
+              </a:rPr>
+              <a:t>Click to edit the title text format</a:t>
+            </a:r>
+          </a:p>
+        </p:txBody>
+      </p:sp>
+      <p:sp>
+        <p:nvSpPr>
+          <p:cNvPr id="45" name="PlaceHolder 5"/>
+          <p:cNvSpPr>
+            <a:spLocks noGrp="1"/>
+          </p:cNvSpPr>
+          <p:nvPr>
+            <p:ph type="body"/>
+          </p:nvPr>
+        </p:nvSpPr>
+        <p:spPr>
+          <a:xfrm>
+            <a:off x="504000" y="1326600"/>
+            <a:ext cx="9072000" cy="3288600"/>
+          </a:xfrm>
+          <a:prstGeom prst="rect">
+            <a:avLst/>
+          </a:prstGeom>
+          <a:noFill/>
+          <a:ln w="0">
+            <a:noFill/>
+          </a:ln>
+        </p:spPr>
+        <p:txBody>
+          <a:bodyPr lIns="0" tIns="0" rIns="0" bIns="0" anchor="t">
+            <a:normAutofit/>
+          </a:bodyPr>
+          <a:lstStyle/>
+          <a:p>
+            <a:pPr marL="432000" indent="-324000">
+              <a:spcBef>
+                <a:spcPts val="1417"/>
+              </a:spcBef>
+              <a:buClr>
+                <a:srgbClr val="000000"/>
+              </a:buClr>
+              <a:buSzPct val="45000"/>
+              <a:buFont typeface="Wingdings" charset="2"/>
+              <a:buChar char=""/>
+            </a:pPr>
+            <a:r>
+              <a:rPr lang="en-CA" sz="3200" b="0" strike="noStrike" spc="-1">
+                <a:solidFill>
+                  <a:srgbClr val="000000"/>
+                </a:solidFill>
+                <a:latin typeface="Arial"/>
+              </a:rPr>
+              <a:t>Click to edit the outline text format</a:t>
+            </a:r>
+          </a:p>
+          <a:p>
+            <a:pPr marL="864000" lvl="1" indent="-324000">
+              <a:spcBef>
+                <a:spcPts val="1134"/>
+              </a:spcBef>
+              <a:buClr>
+                <a:srgbClr val="000000"/>
+              </a:buClr>
+              <a:buSzPct val="75000"/>
+              <a:buFont typeface="Symbol" charset="2"/>
+              <a:buChar char=""/>
+            </a:pPr>
+            <a:r>
+              <a:rPr lang="en-CA" sz="2800" b="0" strike="noStrike" spc="-1">
+                <a:solidFill>
+                  <a:srgbClr val="000000"/>
+                </a:solidFill>
+                <a:latin typeface="Arial"/>
+              </a:rPr>
+              <a:t>Second Outline Level</a:t>
+            </a:r>
+          </a:p>
+          <a:p>
+            <a:pPr marL="1296000" lvl="2" indent="-288000">
+              <a:spcBef>
+                <a:spcPts val="850"/>
+              </a:spcBef>
+              <a:buClr>
+                <a:srgbClr val="000000"/>
+              </a:buClr>
+              <a:buSzPct val="45000"/>
+              <a:buFont typeface="Wingdings" charset="2"/>
+              <a:buChar char=""/>
+            </a:pPr>
+            <a:r>
+              <a:rPr lang="en-CA" sz="2400" b="0" strike="noStrike" spc="-1">
+                <a:solidFill>
+                  <a:srgbClr val="000000"/>
+                </a:solidFill>
+                <a:latin typeface="Arial"/>
+              </a:rPr>
+              <a:t>Third Outline Level</a:t>
+            </a:r>
+          </a:p>
+          <a:p>
+            <a:pPr marL="1728000" lvl="3" indent="-216000">
+              <a:spcBef>
+                <a:spcPts val="567"/>
+              </a:spcBef>
+              <a:buClr>
+                <a:srgbClr val="000000"/>
+              </a:buClr>
+              <a:buSzPct val="75000"/>
+              <a:buFont typeface="Symbol" charset="2"/>
+              <a:buChar char=""/>
+            </a:pPr>
+            <a:r>
+              <a:rPr lang="en-CA" sz="2000" b="0" strike="noStrike" spc="-1">
+                <a:solidFill>
+                  <a:srgbClr val="000000"/>
+                </a:solidFill>
+                <a:latin typeface="Arial"/>
+              </a:rPr>
+              <a:t>Fourth Outline Level</a:t>
+            </a:r>
+          </a:p>
+          <a:p>
+            <a:pPr marL="2160000" lvl="4" indent="-216000">
+              <a:spcBef>
+                <a:spcPts val="283"/>
+              </a:spcBef>
+              <a:buClr>
+                <a:srgbClr val="000000"/>
+              </a:buClr>
+              <a:buSzPct val="45000"/>
+              <a:buFont typeface="Wingdings" charset="2"/>
+              <a:buChar char=""/>
+            </a:pPr>
+            <a:r>
+              <a:rPr lang="en-CA" sz="2000" b="0" strike="noStrike" spc="-1">
+                <a:solidFill>
+                  <a:srgbClr val="000000"/>
+                </a:solidFill>
+                <a:latin typeface="Arial"/>
+              </a:rPr>
+              <a:t>Fifth Outline Level</a:t>
+            </a:r>
+          </a:p>
+          <a:p>
+            <a:pPr marL="2592000" lvl="5" indent="-216000">
+              <a:spcBef>
+                <a:spcPts val="283"/>
+              </a:spcBef>
+              <a:buClr>
+                <a:srgbClr val="000000"/>
+              </a:buClr>
+              <a:buSzPct val="45000"/>
+              <a:buFont typeface="Wingdings" charset="2"/>
+              <a:buChar char=""/>
+            </a:pPr>
+            <a:r>
+              <a:rPr lang="en-CA" sz="2000" b="0" strike="noStrike" spc="-1">
+                <a:solidFill>
+                  <a:srgbClr val="000000"/>
+                </a:solidFill>
+                <a:latin typeface="Arial"/>
+              </a:rPr>
+              <a:t>Sixth Outline Level</a:t>
+            </a:r>
+          </a:p>
+          <a:p>
+            <a:pPr marL="3024000" lvl="6" indent="-216000">
+              <a:spcBef>
+                <a:spcPts val="283"/>
+              </a:spcBef>
+              <a:buClr>
+                <a:srgbClr val="000000"/>
+              </a:buClr>
+              <a:buSzPct val="45000"/>
+              <a:buFont typeface="Wingdings" charset="2"/>
+              <a:buChar char=""/>
+            </a:pPr>
+            <a:r>
+              <a:rPr lang="en-CA" sz="2000" b="0" strike="noStrike" spc="-1">
+                <a:solidFill>
+                  <a:srgbClr val="000000"/>
+                </a:solidFill>
+                <a:latin typeface="Arial"/>
+              </a:rPr>
+              <a:t>Seventh Outline Level</a:t>
+            </a:r>
+          </a:p>
+        </p:txBody>
+      </p:sp>
+    </p:spTree>
+  </p:cSld>
+  <p:clrMap bg1="lt1" tx1="dk1" bg2="lt2" tx2="dk2" accent1="accent1" accent2="accent2" accent3="accent3" accent4="accent4" accent5="accent5" accent6="accent6" hlink="hlink" folHlink="folHlink"/>
+  <p:sldLayoutIdLst>
+    <p:sldLayoutId id="2147483662" r:id="rId1"/>
+    <p:sldLayoutId id="2147483663" r:id="rId2"/>
+    <p:sldLayoutId id="2147483664" r:id="rId3"/>
+    <p:sldLayoutId id="2147483665" r:id="rId4"/>
+    <p:sldLayoutId id="2147483666" r:id="rId5"/>
+    <p:sldLayoutId id="2147483667" r:id="rId6"/>
+    <p:sldLayoutId id="2147483668" r:id="rId7"/>
+    <p:sldLayoutId id="2147483669" r:id="rId8"/>
+    <p:sldLayoutId id="2147483670" r:id="rId9"/>
+    <p:sldLayoutId id="2147483671" r:id="rId10"/>
+    <p:sldLayoutId id="2147483672" r:id="rId11"/>
+    <p:sldLayoutId id="2147483673" r:id="rId12"/>
+  </p:sldLayoutIdLst>
+  <p:txStyles>
+    <p:titleStyle>
+      <a:lvl1pPr algn="l" defTabSz="914400" rtl="0" eaLnBrk="1" latinLnBrk="0" hangingPunct="1">
+        <a:lnSpc>
+          <a:spcPct val="90000"/>
+        </a:lnSpc>
+        <a:spcBef>
+          <a:spcPct val="0"/>
+        </a:spcBef>
+        <a:buNone/>
+        <a:defRPr sz="4400" kern="1200">
+          <a:solidFill>
+            <a:schemeClr val="tx1"/>
+          </a:solidFill>
+          <a:latin typeface="+mj-lt"/>
+          <a:ea typeface="+mj-ea"/>
+          <a:cs typeface="+mj-cs"/>
+        </a:defRPr>
+      </a:lvl1pPr>
+    </p:titleStyle>
+    <p:bodyStyle>
+      <a:lvl1pPr marL="228600" indent="-228600" algn="l" defTabSz="914400" rtl="0" eaLnBrk="1" latinLnBrk="0" hangingPunct="1">
+        <a:lnSpc>
+          <a:spcPct val="90000"/>
+        </a:lnSpc>
+        <a:spcBef>
+          <a:spcPts val="1000"/>
+        </a:spcBef>
+        <a:buFont typeface="Arial" panose="020B0604020202020204" pitchFamily="34" charset="0"/>
+        <a:buChar char="•"/>
+        <a:defRPr sz="2800" kern="1200">
+          <a:solidFill>
+            <a:schemeClr val="tx1"/>
+          </a:solidFill>
+          <a:latin typeface="+mn-lt"/>
+          <a:ea typeface="+mn-ea"/>
+          <a:cs typeface="+mn-cs"/>
+        </a:defRPr>
+      </a:lvl1pPr>
+      <a:lvl2pPr marL="685800" indent="-228600" algn="l" defTabSz="914400" rtl="0" eaLnBrk="1" latinLnBrk="0" hangingPunct="1">
+        <a:lnSpc>
+          <a:spcPct val="90000"/>
+        </a:lnSpc>
+        <a:spcBef>
+          <a:spcPts val="500"/>
+        </a:spcBef>
+        <a:buFont typeface="Arial" panose="020B0604020202020204" pitchFamily="34" charset="0"/>
+        <a:buChar char="•"/>
+        <a:defRPr sz="2400" kern="1200">
+          <a:solidFill>
+            <a:schemeClr val="tx1"/>
+          </a:solidFill>
+          <a:latin typeface="+mn-lt"/>
+          <a:ea typeface="+mn-ea"/>
+          <a:cs typeface="+mn-cs"/>
+        </a:defRPr>
+      </a:lvl2pPr>
+      <a:lvl3pPr marL="1143000" indent="-228600" algn="l" defTabSz="914400" rtl="0" eaLnBrk="1" latinLnBrk="0" hangingPunct="1">
+        <a:lnSpc>
+          <a:spcPct val="90000"/>
+        </a:lnSpc>
+        <a:spcBef>
+          <a:spcPts val="500"/>
+        </a:spcBef>
+        <a:buFont typeface="Arial" panose="020B0604020202020204" pitchFamily="34" charset="0"/>
+        <a:buChar char="•"/>
+        <a:defRPr sz="2000" kern="1200">
+          <a:solidFill>
+            <a:schemeClr val="tx1"/>
+          </a:solidFill>
+          <a:latin typeface="+mn-lt"/>
+          <a:ea typeface="+mn-ea"/>
+          <a:cs typeface="+mn-cs"/>
+        </a:defRPr>
+      </a:lvl3pPr>
+      <a:lvl4pPr marL="1600200" indent="-228600" algn="l" defTabSz="914400" rtl="0" eaLnBrk="1" latinLnBrk="0" hangingPunct="1">
+        <a:lnSpc>
+          <a:spcPct val="90000"/>
+        </a:lnSpc>
+        <a:spcBef>
+          <a:spcPts val="500"/>
+        </a:spcBef>
+        <a:buFont typeface="Arial" panose="020B0604020202020204" pitchFamily="34" charset="0"/>
+        <a:buChar char="•"/>
+        <a:defRPr sz="1800" kern="1200">
+          <a:solidFill>
+            <a:schemeClr val="tx1"/>
+          </a:solidFill>
+          <a:latin typeface="+mn-lt"/>
+          <a:ea typeface="+mn-ea"/>
+          <a:cs typeface="+mn-cs"/>
+        </a:defRPr>
+      </a:lvl4pPr>
+      <a:lvl5pPr marL="2057400" indent="-228600" algn="l" defTabSz="914400" rtl="0" eaLnBrk="1" latinLnBrk="0" hangingPunct="1">
+        <a:lnSpc>
+          <a:spcPct val="90000"/>
+        </a:lnSpc>
+        <a:spcBef>
+          <a:spcPts val="500"/>
+        </a:spcBef>
+        <a:buFont typeface="Arial" panose="020B0604020202020204" pitchFamily="34" charset="0"/>
+        <a:buChar char="•"/>
+        <a:defRPr sz="1800" kern="1200">
+          <a:solidFill>
+            <a:schemeClr val="tx1"/>
+          </a:solidFill>
+          <a:latin typeface="+mn-lt"/>
+          <a:ea typeface="+mn-ea"/>
+          <a:cs typeface="+mn-cs"/>
+        </a:defRPr>
+      </a:lvl5pPr>
+      <a:lvl6pPr marL="2514600" indent="-228600" algn="l" defTabSz="914400" rtl="0" eaLnBrk="1" latinLnBrk="0" hangingPunct="1">
+        <a:lnSpc>
+          <a:spcPct val="90000"/>
+        </a:lnSpc>
+        <a:spcBef>
+          <a:spcPts val="500"/>
+        </a:spcBef>
+        <a:buFont typeface="Arial" panose="020B0604020202020204" pitchFamily="34" charset="0"/>
+        <a:buChar char="•"/>
+        <a:defRPr sz="1800" kern="1200">
+          <a:solidFill>
+            <a:schemeClr val="tx1"/>
+          </a:solidFill>
+          <a:latin typeface="+mn-lt"/>
+          <a:ea typeface="+mn-ea"/>
+          <a:cs typeface="+mn-cs"/>
+        </a:defRPr>
+      </a:lvl6pPr>
+      <a:lvl7pPr marL="2971800" indent="-228600" algn="l" defTabSz="914400" rtl="0" eaLnBrk="1" latinLnBrk="0" hangingPunct="1">
+        <a:lnSpc>
+          <a:spcPct val="90000"/>
+        </a:lnSpc>
+        <a:spcBef>
+          <a:spcPts val="500"/>
+        </a:spcBef>
+        <a:buFont typeface="Arial" panose="020B0604020202020204" pitchFamily="34" charset="0"/>
+        <a:buChar char="•"/>
+        <a:defRPr sz="1800" kern="1200">
+          <a:solidFill>
+            <a:schemeClr val="tx1"/>
+          </a:solidFill>
+          <a:latin typeface="+mn-lt"/>
+          <a:ea typeface="+mn-ea"/>
+          <a:cs typeface="+mn-cs"/>
+        </a:defRPr>
+      </a:lvl7pPr>
+      <a:lvl8pPr marL="3429000" indent="-228600" algn="l" defTabSz="914400" rtl="0" eaLnBrk="1" latinLnBrk="0" hangingPunct="1">
+        <a:lnSpc>
+          <a:spcPct val="90000"/>
+        </a:lnSpc>
+        <a:spcBef>
+          <a:spcPts val="500"/>
+        </a:spcBef>
+        <a:buFont typeface="Arial" panose="020B0604020202020204" pitchFamily="34" charset="0"/>
+        <a:buChar char="•"/>
+        <a:defRPr sz="1800" kern="1200">
+          <a:solidFill>
+            <a:schemeClr val="tx1"/>
+          </a:solidFill>
+          <a:latin typeface="+mn-lt"/>
+          <a:ea typeface="+mn-ea"/>
+          <a:cs typeface="+mn-cs"/>
+        </a:defRPr>
+      </a:lvl8pPr>
+      <a:lvl9pPr marL="3886200" indent="-228600" algn="l" defTabSz="914400" rtl="0" eaLnBrk="1" latinLnBrk="0" hangingPunct="1">
+        <a:lnSpc>
+          <a:spcPct val="90000"/>
+        </a:lnSpc>
+        <a:spcBef>
+          <a:spcPts val="500"/>
+        </a:spcBef>
+        <a:buFont typeface="Arial" panose="020B0604020202020204" pitchFamily="34" charset="0"/>
+        <a:buChar char="•"/>
+        <a:defRPr sz="1800" kern="1200">
+          <a:solidFill>
+            <a:schemeClr val="tx1"/>
+          </a:solidFill>
+          <a:latin typeface="+mn-lt"/>
+          <a:ea typeface="+mn-ea"/>
+          <a:cs typeface="+mn-cs"/>
+        </a:defRPr>
+      </a:lvl9pPr>
+    </p:bodyStyle>
+    <p:otherStyle>
+      <a:defPPr>
+        <a:defRPr lang="en-US"/>
+      </a:defPPr>
+      <a:lvl1pPr marL="0" algn="l" defTabSz="914400" rtl="0" eaLnBrk="1" latinLnBrk="0" hangingPunct="1">
+        <a:defRPr sz="1800" kern="1200">
+          <a:solidFill>
+            <a:schemeClr val="tx1"/>
+          </a:solidFill>
+          <a:latin typeface="+mn-lt"/>
+          <a:ea typeface="+mn-ea"/>
+          <a:cs typeface="+mn-cs"/>
+        </a:defRPr>
+      </a:lvl1pPr>
+      <a:lvl2pPr marL="457200" algn="l" defTabSz="914400" rtl="0" eaLnBrk="1" latinLnBrk="0" hangingPunct="1">
+        <a:defRPr sz="1800" kern="1200">
+          <a:solidFill>
+            <a:schemeClr val="tx1"/>
+          </a:solidFill>
+          <a:latin typeface="+mn-lt"/>
+          <a:ea typeface="+mn-ea"/>
+          <a:cs typeface="+mn-cs"/>
+        </a:defRPr>
+      </a:lvl2pPr>
+      <a:lvl3pPr marL="914400" algn="l" defTabSz="914400" rtl="0" eaLnBrk="1" latinLnBrk="0" hangingPunct="1">
+        <a:defRPr sz="1800" kern="1200">
+          <a:solidFill>
+            <a:schemeClr val="tx1"/>
+          </a:solidFill>
+          <a:latin typeface="+mn-lt"/>
+          <a:ea typeface="+mn-ea"/>
+          <a:cs typeface="+mn-cs"/>
+        </a:defRPr>
+      </a:lvl3pPr>
+      <a:lvl4pPr marL="1371600" algn="l" defTabSz="914400" rtl="0" eaLnBrk="1" latinLnBrk="0" hangingPunct="1">
+        <a:defRPr sz="1800" kern="1200">
+          <a:solidFill>
+            <a:schemeClr val="tx1"/>
+          </a:solidFill>
+          <a:latin typeface="+mn-lt"/>
+          <a:ea typeface="+mn-ea"/>
+          <a:cs typeface="+mn-cs"/>
+        </a:defRPr>
+      </a:lvl4pPr>
+      <a:lvl5pPr marL="1828800" algn="l" defTabSz="914400" rtl="0" eaLnBrk="1" latinLnBrk="0" hangingPunct="1">
+        <a:defRPr sz="1800" kern="1200">
+          <a:solidFill>
+            <a:schemeClr val="tx1"/>
+          </a:solidFill>
+          <a:latin typeface="+mn-lt"/>
+          <a:ea typeface="+mn-ea"/>
+          <a:cs typeface="+mn-cs"/>
+        </a:defRPr>
+      </a:lvl5pPr>
+      <a:lvl6pPr marL="2286000" algn="l" defTabSz="914400" rtl="0" eaLnBrk="1" latinLnBrk="0" hangingPunct="1">
+        <a:defRPr sz="1800" kern="1200">
+          <a:solidFill>
+            <a:schemeClr val="tx1"/>
+          </a:solidFill>
+          <a:latin typeface="+mn-lt"/>
+          <a:ea typeface="+mn-ea"/>
+          <a:cs typeface="+mn-cs"/>
+        </a:defRPr>
+      </a:lvl6pPr>
+      <a:lvl7pPr marL="2743200" algn="l" defTabSz="914400" rtl="0" eaLnBrk="1" latinLnBrk="0" hangingPunct="1">
+        <a:defRPr sz="1800" kern="1200">
+          <a:solidFill>
+            <a:schemeClr val="tx1"/>
+          </a:solidFill>
+          <a:latin typeface="+mn-lt"/>
+          <a:ea typeface="+mn-ea"/>
+          <a:cs typeface="+mn-cs"/>
+        </a:defRPr>
+      </a:lvl7pPr>
+      <a:lvl8pPr marL="3200400" algn="l" defTabSz="914400" rtl="0" eaLnBrk="1" latinLnBrk="0" hangingPunct="1">
+        <a:defRPr sz="1800" kern="1200">
+          <a:solidFill>
+            <a:schemeClr val="tx1"/>
+          </a:solidFill>
+          <a:latin typeface="+mn-lt"/>
+          <a:ea typeface="+mn-ea"/>
+          <a:cs typeface="+mn-cs"/>
+        </a:defRPr>
+      </a:lvl8pPr>
+      <a:lvl9pPr marL="3657600" algn="l" defTabSz="914400" rtl="0" eaLnBrk="1" latinLnBrk="0" hangingPunct="1">
+        <a:defRPr sz="1800" kern="1200">
+          <a:solidFill>
+            <a:schemeClr val="tx1"/>
+          </a:solidFill>
+          <a:latin typeface="+mn-lt"/>
+          <a:ea typeface="+mn-ea"/>
+          <a:cs typeface="+mn-cs"/>
+        </a:defRPr>
+      </a:lvl9pPr>
+    </p:otherStyle>
+  </p:txStyles>
+</p:sldMaster>
+</file>
+
+<file path=ppt/slides/slide1.xml><?xml version="1.0" encoding="utf-8"?>
+<p:sld xmlns:a="http://schemas.openxmlformats.org/drawingml/2006/main" xmlns:r="http://schemas.openxmlformats.org/officeDocument/2006/relationships" xmlns:p="http://schemas.openxmlformats.org/presentationml/2006/main">
   <p:cSld>
     <p:spTree>
       <p:nvGrpSpPr>
@@ -5054,7 +6806,7 @@
       </p:grpSpPr>
       <p:sp>
         <p:nvSpPr>
-          <p:cNvPr id="0" name="PlaceHolder 1"/>
+          <p:cNvPr id="82" name="PlaceHolder 1"/>
           <p:cNvSpPr>
             <a:spLocks noGrp="1"/>
           </p:cNvSpPr>
@@ -5076,39 +6828,46 @@
           </a:ln>
         </p:spPr>
         <p:txBody>
-          <a:bodyPr lIns="0" rIns="0" tIns="0" bIns="0" anchor="ctr">
+          <a:bodyPr lIns="0" tIns="0" rIns="0" bIns="0" anchor="ctr">
             <a:noAutofit/>
           </a:bodyPr>
-          <a:p>
-            <a:pPr indent="0">
-              <a:buNone/>
+          <a:lstStyle/>
+          <a:p>
+            <a:pPr indent="0" algn="ctr">
+              <a:lnSpc>
+                <a:spcPct val="100000"/>
+              </a:lnSpc>
+              <a:buNone/>
+              <a:tabLst>
+                <a:tab pos="0" algn="l"/>
+              </a:tabLst>
             </a:pPr>
             <a:r>
-              <a:rPr b="0" lang="en-CA" sz="1800" spc="-1" strike="noStrike">
+              <a:rPr lang="pt-BR" sz="4400" b="0" strike="noStrike" spc="-1">
                 <a:solidFill>
                   <a:srgbClr val="000000"/>
                 </a:solidFill>
                 <a:latin typeface="Arial"/>
               </a:rPr>
-              <a:t>Click to edit the title text format</a:t>
+              <a:t>Brazil Career Hub</a:t>
             </a:r>
-            <a:endParaRPr b="0" lang="en-CA" sz="1800" spc="-1" strike="noStrike">
-              <a:solidFill>
-                <a:srgbClr val="000000"/>
-              </a:solidFill>
-              <a:latin typeface="Arial"/>
-            </a:endParaRPr>
-          </a:p>
-        </p:txBody>
-      </p:sp>
-      <p:sp>
-        <p:nvSpPr>
-          <p:cNvPr id="1" name="PlaceHolder 2"/>
-          <p:cNvSpPr>
-            <a:spLocks noGrp="1"/>
-          </p:cNvSpPr>
-          <p:nvPr>
-            <p:ph type="body"/>
+            <a:endParaRPr lang="en-CA" sz="4400" b="0" strike="noStrike" spc="-1">
+              <a:solidFill>
+                <a:srgbClr val="000000"/>
+              </a:solidFill>
+              <a:latin typeface="Arial"/>
+            </a:endParaRPr>
+          </a:p>
+        </p:txBody>
+      </p:sp>
+      <p:sp>
+        <p:nvSpPr>
+          <p:cNvPr id="83" name="PlaceHolder 2"/>
+          <p:cNvSpPr>
+            <a:spLocks noGrp="1"/>
+          </p:cNvSpPr>
+          <p:nvPr>
+            <p:ph type="subTitle"/>
           </p:nvPr>
         </p:nvSpPr>
         <p:spPr>
@@ -5125,433 +6884,172 @@
           </a:ln>
         </p:spPr>
         <p:txBody>
-          <a:bodyPr lIns="0" rIns="0" tIns="0" bIns="0" anchor="t">
-            <a:normAutofit/>
-          </a:bodyPr>
-          <a:p>
-            <a:pPr marL="432000" indent="-324000">
-              <a:spcBef>
-                <a:spcPts val="1417"/>
-              </a:spcBef>
-              <a:buClr>
-                <a:srgbClr val="000000"/>
-              </a:buClr>
-              <a:buSzPct val="45000"/>
-              <a:buFont typeface="Wingdings" charset="2"/>
-              <a:buChar char=""/>
+          <a:bodyPr lIns="0" tIns="0" rIns="0" bIns="0" anchor="ctr">
+            <a:noAutofit/>
+          </a:bodyPr>
+          <a:lstStyle/>
+          <a:p>
+            <a:pPr indent="0" algn="ctr">
+              <a:lnSpc>
+                <a:spcPct val="100000"/>
+              </a:lnSpc>
+              <a:buNone/>
+              <a:tabLst>
+                <a:tab pos="0" algn="l"/>
+              </a:tabLst>
             </a:pPr>
             <a:r>
-              <a:rPr b="0" lang="en-CA" sz="1800" spc="-1" strike="noStrike">
+              <a:rPr lang="pt-BR" sz="2600" b="0" strike="noStrike" spc="-1">
                 <a:solidFill>
                   <a:srgbClr val="000000"/>
                 </a:solidFill>
                 <a:latin typeface="Arial"/>
               </a:rPr>
-              <a:t>Click to edit the outline text format</a:t>
+              <a:t>Integrantes:</a:t>
             </a:r>
-            <a:endParaRPr b="0" lang="en-CA" sz="1800" spc="-1" strike="noStrike">
-              <a:solidFill>
-                <a:srgbClr val="000000"/>
-              </a:solidFill>
-              <a:latin typeface="Arial"/>
-            </a:endParaRPr>
-          </a:p>
-          <a:p>
-            <a:pPr lvl="1" marL="864000" indent="-324000">
-              <a:spcBef>
-                <a:spcPts val="1134"/>
-              </a:spcBef>
+            <a:endParaRPr lang="en-CA" sz="2600" b="0" strike="noStrike" spc="-1">
+              <a:solidFill>
+                <a:srgbClr val="000000"/>
+              </a:solidFill>
+              <a:latin typeface="Arial"/>
+            </a:endParaRPr>
+          </a:p>
+          <a:p>
+            <a:pPr marL="216000" indent="-216000" algn="ctr">
+              <a:lnSpc>
+                <a:spcPct val="100000"/>
+              </a:lnSpc>
               <a:buClr>
                 <a:srgbClr val="000000"/>
               </a:buClr>
-              <a:buSzPct val="75000"/>
-              <a:buFont typeface="Symbol" charset="2"/>
-              <a:buChar char=""/>
+              <a:buSzPct val="45000"/>
+              <a:buFont typeface="Wingdings" charset="2"/>
+              <a:buChar char=""/>
+              <a:tabLst>
+                <a:tab pos="0" algn="l"/>
+              </a:tabLst>
             </a:pPr>
             <a:r>
-              <a:rPr b="0" lang="en-CA" sz="1800" spc="-1" strike="noStrike">
+              <a:rPr lang="pt-BR" sz="2600" b="0" strike="noStrike" spc="-1">
                 <a:solidFill>
                   <a:srgbClr val="000000"/>
                 </a:solidFill>
                 <a:latin typeface="Arial"/>
               </a:rPr>
-              <a:t>Second Outline Level</a:t>
+              <a:t>Carlos Eduardo dos Santos Ferreira – N6401C7</a:t>
             </a:r>
-            <a:endParaRPr b="0" lang="en-CA" sz="1800" spc="-1" strike="noStrike">
-              <a:solidFill>
-                <a:srgbClr val="000000"/>
-              </a:solidFill>
-              <a:latin typeface="Arial"/>
-            </a:endParaRPr>
-          </a:p>
-          <a:p>
-            <a:pPr lvl="2" marL="1296000" indent="-288000">
-              <a:spcBef>
-                <a:spcPts val="850"/>
-              </a:spcBef>
+            <a:endParaRPr lang="en-CA" sz="2600" b="0" strike="noStrike" spc="-1">
+              <a:solidFill>
+                <a:srgbClr val="000000"/>
+              </a:solidFill>
+              <a:latin typeface="Arial"/>
+            </a:endParaRPr>
+          </a:p>
+          <a:p>
+            <a:pPr marL="216000" indent="-216000" algn="ctr">
+              <a:lnSpc>
+                <a:spcPct val="100000"/>
+              </a:lnSpc>
               <a:buClr>
                 <a:srgbClr val="000000"/>
               </a:buClr>
               <a:buSzPct val="45000"/>
               <a:buFont typeface="Wingdings" charset="2"/>
               <a:buChar char=""/>
+              <a:tabLst>
+                <a:tab pos="0" algn="l"/>
+              </a:tabLst>
             </a:pPr>
             <a:r>
-              <a:rPr b="0" lang="en-CA" sz="1800" spc="-1" strike="noStrike">
+              <a:rPr lang="pt-BR" sz="2600" b="0" strike="noStrike" spc="-1">
                 <a:solidFill>
                   <a:srgbClr val="000000"/>
                 </a:solidFill>
                 <a:latin typeface="Arial"/>
               </a:rPr>
-              <a:t>Third Outline Level</a:t>
+              <a:t>Gabriel Menezes de Antonio – F13GJI6</a:t>
             </a:r>
-            <a:endParaRPr b="0" lang="en-CA" sz="1800" spc="-1" strike="noStrike">
-              <a:solidFill>
-                <a:srgbClr val="000000"/>
-              </a:solidFill>
-              <a:latin typeface="Arial"/>
-            </a:endParaRPr>
-          </a:p>
-          <a:p>
-            <a:pPr lvl="3" marL="1728000" indent="-216000">
-              <a:spcBef>
-                <a:spcPts val="567"/>
-              </a:spcBef>
+            <a:endParaRPr lang="en-CA" sz="2600" b="0" strike="noStrike" spc="-1">
+              <a:solidFill>
+                <a:srgbClr val="000000"/>
+              </a:solidFill>
+              <a:latin typeface="Arial"/>
+            </a:endParaRPr>
+          </a:p>
+          <a:p>
+            <a:pPr marL="216000" indent="-216000" algn="ctr">
+              <a:lnSpc>
+                <a:spcPct val="100000"/>
+              </a:lnSpc>
               <a:buClr>
                 <a:srgbClr val="000000"/>
               </a:buClr>
-              <a:buSzPct val="75000"/>
-              <a:buFont typeface="Symbol" charset="2"/>
-              <a:buChar char=""/>
+              <a:buSzPct val="45000"/>
+              <a:buFont typeface="Wingdings" charset="2"/>
+              <a:buChar char=""/>
+              <a:tabLst>
+                <a:tab pos="0" algn="l"/>
+              </a:tabLst>
             </a:pPr>
             <a:r>
-              <a:rPr b="0" lang="en-CA" sz="1800" spc="-1" strike="noStrike">
+              <a:rPr lang="pt-BR" sz="2600" b="0" strike="noStrike" spc="-1">
                 <a:solidFill>
                   <a:srgbClr val="000000"/>
                 </a:solidFill>
                 <a:latin typeface="Arial"/>
               </a:rPr>
-              <a:t>Fourth Outline Level</a:t>
+              <a:t>Gustavo Henrique Dos Santos Faria – F22IFG2</a:t>
             </a:r>
-            <a:endParaRPr b="0" lang="en-CA" sz="1800" spc="-1" strike="noStrike">
-              <a:solidFill>
-                <a:srgbClr val="000000"/>
-              </a:solidFill>
-              <a:latin typeface="Arial"/>
-            </a:endParaRPr>
-          </a:p>
-          <a:p>
-            <a:pPr lvl="4" marL="2160000" indent="-216000">
-              <a:spcBef>
-                <a:spcPts val="283"/>
-              </a:spcBef>
+            <a:endParaRPr lang="en-CA" sz="2600" b="0" strike="noStrike" spc="-1">
+              <a:solidFill>
+                <a:srgbClr val="000000"/>
+              </a:solidFill>
+              <a:latin typeface="Arial"/>
+            </a:endParaRPr>
+          </a:p>
+          <a:p>
+            <a:pPr marL="216000" indent="-216000" algn="ctr">
+              <a:lnSpc>
+                <a:spcPct val="100000"/>
+              </a:lnSpc>
               <a:buClr>
                 <a:srgbClr val="000000"/>
               </a:buClr>
               <a:buSzPct val="45000"/>
               <a:buFont typeface="Wingdings" charset="2"/>
               <a:buChar char=""/>
+              <a:tabLst>
+                <a:tab pos="0" algn="l"/>
+              </a:tabLst>
             </a:pPr>
             <a:r>
-              <a:rPr b="0" lang="en-CA" sz="1800" spc="-1" strike="noStrike">
+              <a:rPr lang="pt-BR" sz="2600" b="0" strike="noStrike" spc="-1">
                 <a:solidFill>
                   <a:srgbClr val="000000"/>
                 </a:solidFill>
                 <a:latin typeface="Arial"/>
               </a:rPr>
-              <a:t>Fifth Outline Level</a:t>
+              <a:t>Mayara Marques Pereira de Souza – N542DD1</a:t>
             </a:r>
-            <a:endParaRPr b="0" lang="en-CA" sz="1800" spc="-1" strike="noStrike">
-              <a:solidFill>
-                <a:srgbClr val="000000"/>
-              </a:solidFill>
-              <a:latin typeface="Arial"/>
-            </a:endParaRPr>
-          </a:p>
-          <a:p>
-            <a:pPr lvl="5" marL="2592000" indent="-216000">
-              <a:spcBef>
-                <a:spcPts val="283"/>
-              </a:spcBef>
-              <a:buClr>
-                <a:srgbClr val="000000"/>
-              </a:buClr>
-              <a:buSzPct val="45000"/>
-              <a:buFont typeface="Wingdings" charset="2"/>
-              <a:buChar char=""/>
-            </a:pPr>
-            <a:r>
-              <a:rPr b="0" lang="en-CA" sz="1800" spc="-1" strike="noStrike">
-                <a:solidFill>
-                  <a:srgbClr val="000000"/>
-                </a:solidFill>
-                <a:latin typeface="Arial"/>
-              </a:rPr>
-              <a:t>Sixth Outline Level</a:t>
-            </a:r>
-            <a:endParaRPr b="0" lang="en-CA" sz="1800" spc="-1" strike="noStrike">
-              <a:solidFill>
-                <a:srgbClr val="000000"/>
-              </a:solidFill>
-              <a:latin typeface="Arial"/>
-            </a:endParaRPr>
-          </a:p>
-          <a:p>
-            <a:pPr lvl="6" marL="3024000" indent="-216000">
-              <a:spcBef>
-                <a:spcPts val="283"/>
-              </a:spcBef>
-              <a:buClr>
-                <a:srgbClr val="000000"/>
-              </a:buClr>
-              <a:buSzPct val="45000"/>
-              <a:buFont typeface="Wingdings" charset="2"/>
-              <a:buChar char=""/>
-            </a:pPr>
-            <a:r>
-              <a:rPr b="0" lang="en-CA" sz="1800" spc="-1" strike="noStrike">
-                <a:solidFill>
-                  <a:srgbClr val="000000"/>
-                </a:solidFill>
-                <a:latin typeface="Arial"/>
-              </a:rPr>
-              <a:t>Seventh Outline Level</a:t>
-            </a:r>
-            <a:endParaRPr b="0" lang="en-CA" sz="1800" spc="-1" strike="noStrike">
-              <a:solidFill>
-                <a:srgbClr val="000000"/>
-              </a:solidFill>
-              <a:latin typeface="Arial"/>
-            </a:endParaRPr>
-          </a:p>
-        </p:txBody>
-      </p:sp>
-      <p:sp>
-        <p:nvSpPr>
-          <p:cNvPr id="2" name="PlaceHolder 3"/>
-          <p:cNvSpPr>
-            <a:spLocks noGrp="1"/>
-          </p:cNvSpPr>
-          <p:nvPr>
-            <p:ph type="ftr" idx="1"/>
-          </p:nvPr>
-        </p:nvSpPr>
-        <p:spPr>
-          <a:xfrm>
-            <a:off x="3447360" y="5165280"/>
-            <a:ext cx="3194280" cy="389880"/>
-          </a:xfrm>
-          <a:prstGeom prst="rect">
-            <a:avLst/>
-          </a:prstGeom>
-          <a:noFill/>
-          <a:ln w="0">
-            <a:noFill/>
-          </a:ln>
-        </p:spPr>
-        <p:txBody>
-          <a:bodyPr lIns="0" rIns="0" tIns="0" bIns="0" anchor="t">
-            <a:noAutofit/>
-          </a:bodyPr>
-          <a:lstStyle>
-            <a:lvl1pPr indent="0" algn="ctr">
-              <a:lnSpc>
-                <a:spcPct val="100000"/>
-              </a:lnSpc>
-              <a:buNone/>
-              <a:tabLst>
-                <a:tab algn="l" pos="0"/>
-              </a:tabLst>
-              <a:defRPr b="0" lang="en-CA" sz="1400" spc="-1" strike="noStrike">
-                <a:solidFill>
-                  <a:srgbClr val="000000"/>
-                </a:solidFill>
-                <a:latin typeface="Times New Roman"/>
-              </a:defRPr>
-            </a:lvl1pPr>
-          </a:lstStyle>
-          <a:p>
-            <a:pPr indent="0" algn="ctr">
-              <a:lnSpc>
-                <a:spcPct val="100000"/>
-              </a:lnSpc>
-              <a:buNone/>
-              <a:tabLst>
-                <a:tab algn="l" pos="0"/>
-              </a:tabLst>
-            </a:pPr>
-            <a:r>
-              <a:rPr b="0" lang="en-CA" sz="1400" spc="-1" strike="noStrike">
-                <a:solidFill>
-                  <a:srgbClr val="000000"/>
-                </a:solidFill>
-                <a:latin typeface="Times New Roman"/>
-              </a:rPr>
-              <a:t>&lt;footer&gt;</a:t>
-            </a:r>
-            <a:endParaRPr b="0" lang="en-CA" sz="1400" spc="-1" strike="noStrike">
-              <a:solidFill>
-                <a:srgbClr val="000000"/>
-              </a:solidFill>
-              <a:latin typeface="Times New Roman"/>
-            </a:endParaRPr>
-          </a:p>
-        </p:txBody>
-      </p:sp>
-      <p:sp>
-        <p:nvSpPr>
-          <p:cNvPr id="3" name="PlaceHolder 4"/>
-          <p:cNvSpPr>
-            <a:spLocks noGrp="1"/>
-          </p:cNvSpPr>
-          <p:nvPr>
-            <p:ph type="sldNum" idx="2"/>
-          </p:nvPr>
-        </p:nvSpPr>
-        <p:spPr>
-          <a:xfrm>
-            <a:off x="7227360" y="5165280"/>
-            <a:ext cx="2347560" cy="389880"/>
-          </a:xfrm>
-          <a:prstGeom prst="rect">
-            <a:avLst/>
-          </a:prstGeom>
-          <a:noFill/>
-          <a:ln w="0">
-            <a:noFill/>
-          </a:ln>
-        </p:spPr>
-        <p:txBody>
-          <a:bodyPr lIns="0" rIns="0" tIns="0" bIns="0" anchor="t">
-            <a:noAutofit/>
-          </a:bodyPr>
-          <a:lstStyle>
-            <a:lvl1pPr indent="0" algn="r">
-              <a:lnSpc>
-                <a:spcPct val="100000"/>
-              </a:lnSpc>
-              <a:buNone/>
-              <a:tabLst>
-                <a:tab algn="l" pos="0"/>
-              </a:tabLst>
-              <a:defRPr b="0" lang="en-CA" sz="1400" spc="-1" strike="noStrike">
-                <a:solidFill>
-                  <a:srgbClr val="000000"/>
-                </a:solidFill>
-                <a:latin typeface="Times New Roman"/>
-              </a:defRPr>
-            </a:lvl1pPr>
-          </a:lstStyle>
-          <a:p>
-            <a:pPr indent="0" algn="r">
-              <a:lnSpc>
-                <a:spcPct val="100000"/>
-              </a:lnSpc>
-              <a:buNone/>
-              <a:tabLst>
-                <a:tab algn="l" pos="0"/>
-              </a:tabLst>
-            </a:pPr>
-            <a:fld id="{A0018D32-9F2B-46CC-8107-07C368D9EA34}" type="slidenum">
-              <a:rPr b="0" lang="en-CA" sz="1400" spc="-1" strike="noStrike">
-                <a:solidFill>
-                  <a:srgbClr val="000000"/>
-                </a:solidFill>
-                <a:latin typeface="Times New Roman"/>
-              </a:rPr>
-              <a:t>&lt;number&gt;</a:t>
-            </a:fld>
-            <a:endParaRPr b="0" lang="en-CA" sz="1400" spc="-1" strike="noStrike">
-              <a:solidFill>
-                <a:srgbClr val="000000"/>
-              </a:solidFill>
-              <a:latin typeface="Times New Roman"/>
-            </a:endParaRPr>
-          </a:p>
-        </p:txBody>
-      </p:sp>
-      <p:sp>
-        <p:nvSpPr>
-          <p:cNvPr id="4" name="PlaceHolder 5"/>
-          <p:cNvSpPr>
-            <a:spLocks noGrp="1"/>
-          </p:cNvSpPr>
-          <p:nvPr>
-            <p:ph type="dt" idx="3"/>
-          </p:nvPr>
-        </p:nvSpPr>
-        <p:spPr>
-          <a:xfrm>
-            <a:off x="504000" y="5165280"/>
-            <a:ext cx="2347560" cy="389880"/>
-          </a:xfrm>
-          <a:prstGeom prst="rect">
-            <a:avLst/>
-          </a:prstGeom>
-          <a:noFill/>
-          <a:ln w="0">
-            <a:noFill/>
-          </a:ln>
-        </p:spPr>
-        <p:txBody>
-          <a:bodyPr lIns="0" rIns="0" tIns="0" bIns="0" anchor="t">
-            <a:noAutofit/>
-          </a:bodyPr>
-          <a:lstStyle>
-            <a:lvl1pPr indent="0">
-              <a:buNone/>
-              <a:defRPr b="0" lang="en-CA" sz="1400" spc="-1" strike="noStrike">
-                <a:solidFill>
-                  <a:srgbClr val="000000"/>
-                </a:solidFill>
-                <a:latin typeface="Times New Roman"/>
-              </a:defRPr>
-            </a:lvl1pPr>
-          </a:lstStyle>
-          <a:p>
-            <a:pPr indent="0">
-              <a:buNone/>
-            </a:pPr>
-            <a:r>
-              <a:rPr b="0" lang="en-CA" sz="1400" spc="-1" strike="noStrike">
-                <a:solidFill>
-                  <a:srgbClr val="000000"/>
-                </a:solidFill>
-                <a:latin typeface="Times New Roman"/>
-              </a:rPr>
-              <a:t>&lt;date/time&gt;</a:t>
-            </a:r>
-            <a:endParaRPr b="0" lang="en-CA" sz="1400" spc="-1" strike="noStrike">
-              <a:solidFill>
-                <a:srgbClr val="000000"/>
-              </a:solidFill>
-              <a:latin typeface="Times New Roman"/>
+            <a:endParaRPr lang="en-CA" sz="2600" b="0" strike="noStrike" spc="-1">
+              <a:solidFill>
+                <a:srgbClr val="000000"/>
+              </a:solidFill>
+              <a:latin typeface="Arial"/>
             </a:endParaRPr>
           </a:p>
         </p:txBody>
       </p:sp>
     </p:spTree>
   </p:cSld>
-  <p:clrMap bg1="lt1" bg2="lt2" tx1="dk1" tx2="dk2" accent1="accent1" accent2="accent2" accent3="accent3" accent4="accent4" accent5="accent5" accent6="accent6" hlink="hlink" folHlink="folHlink"/>
-  <p:sldLayoutIdLst>
-    <p:sldLayoutId id="2147483649" r:id="rId2"/>
-    <p:sldLayoutId id="2147483650" r:id="rId3"/>
-    <p:sldLayoutId id="2147483651" r:id="rId4"/>
-    <p:sldLayoutId id="2147483652" r:id="rId5"/>
-    <p:sldLayoutId id="2147483653" r:id="rId6"/>
-    <p:sldLayoutId id="2147483654" r:id="rId7"/>
-    <p:sldLayoutId id="2147483655" r:id="rId8"/>
-    <p:sldLayoutId id="2147483656" r:id="rId9"/>
-    <p:sldLayoutId id="2147483657" r:id="rId10"/>
-    <p:sldLayoutId id="2147483658" r:id="rId11"/>
-    <p:sldLayoutId id="2147483659" r:id="rId12"/>
-    <p:sldLayoutId id="2147483660" r:id="rId13"/>
-  </p:sldLayoutIdLst>
-</p:sldMaster>
+  <p:clrMapOvr>
+    <a:masterClrMapping/>
+  </p:clrMapOvr>
+</p:sld>
 </file>
 
-<file path=ppt/slideMasters/slideMaster2.xml><?xml version="1.0" encoding="utf-8"?>
-<p:sldMaster xmlns:a="http://schemas.openxmlformats.org/drawingml/2006/main" xmlns:p="http://schemas.openxmlformats.org/presentationml/2006/main" xmlns:r="http://schemas.openxmlformats.org/officeDocument/2006/relationships" xmlns:p14="http://schemas.microsoft.com/office/powerpoint/2010/main" xmlns:p15="http://schemas.microsoft.com/office/powerpoint/2012/main" xmlns:mc="http://schemas.openxmlformats.org/markup-compatibility/2006">
+<file path=ppt/slides/slide10.xml><?xml version="1.0" encoding="utf-8"?>
+<p:sld xmlns:a="http://schemas.openxmlformats.org/drawingml/2006/main" xmlns:r="http://schemas.openxmlformats.org/officeDocument/2006/relationships" xmlns:p="http://schemas.openxmlformats.org/presentationml/2006/main">
   <p:cSld>
     <p:spTree>
       <p:nvGrpSpPr>
@@ -5569,48 +7067,32 @@
       </p:grpSpPr>
       <p:sp>
         <p:nvSpPr>
-          <p:cNvPr id="41" name="PlaceHolder 1"/>
-          <p:cNvSpPr>
-            <a:spLocks noGrp="1"/>
-          </p:cNvSpPr>
-          <p:nvPr>
-            <p:ph type="ftr" idx="4"/>
-          </p:nvPr>
-        </p:nvSpPr>
-        <p:spPr>
-          <a:xfrm>
-            <a:off x="3447360" y="5165280"/>
-            <a:ext cx="3194280" cy="389880"/>
-          </a:xfrm>
-          <a:prstGeom prst="rect">
-            <a:avLst/>
-          </a:prstGeom>
-          <a:noFill/>
-          <a:ln w="0">
-            <a:noFill/>
-          </a:ln>
-        </p:spPr>
-        <p:txBody>
-          <a:bodyPr lIns="0" rIns="0" tIns="0" bIns="0" anchor="t">
+          <p:cNvPr id="101" name="PlaceHolder 1"/>
+          <p:cNvSpPr>
+            <a:spLocks noGrp="1"/>
+          </p:cNvSpPr>
+          <p:nvPr>
+            <p:ph type="title"/>
+          </p:nvPr>
+        </p:nvSpPr>
+        <p:spPr>
+          <a:xfrm>
+            <a:off x="504000" y="226080"/>
+            <a:ext cx="9070920" cy="945720"/>
+          </a:xfrm>
+          <a:prstGeom prst="rect">
+            <a:avLst/>
+          </a:prstGeom>
+          <a:noFill/>
+          <a:ln w="0">
+            <a:noFill/>
+          </a:ln>
+        </p:spPr>
+        <p:txBody>
+          <a:bodyPr lIns="0" tIns="0" rIns="0" bIns="0" anchor="ctr">
             <a:noAutofit/>
           </a:bodyPr>
-          <a:lstStyle>
-            <a:lvl1pPr indent="0" algn="ctr">
-              <a:lnSpc>
-                <a:spcPct val="100000"/>
-              </a:lnSpc>
-              <a:buNone/>
-              <a:tabLst>
-                <a:tab algn="l" pos="0"/>
-              </a:tabLst>
-              <a:defRPr b="0" lang="en-CA" sz="1400" spc="-1" strike="noStrike">
-                <a:solidFill>
-                  <a:srgbClr val="000000"/>
-                </a:solidFill>
-                <a:latin typeface="Times New Roman"/>
-              </a:defRPr>
-            </a:lvl1pPr>
-          </a:lstStyle>
+          <a:lstStyle/>
           <a:p>
             <a:pPr indent="0" algn="ctr">
               <a:lnSpc>
@@ -5618,455 +7100,60 @@
               </a:lnSpc>
               <a:buNone/>
               <a:tabLst>
-                <a:tab algn="l" pos="0"/>
+                <a:tab pos="0" algn="l"/>
               </a:tabLst>
             </a:pPr>
             <a:r>
-              <a:rPr b="0" lang="en-CA" sz="1400" spc="-1" strike="noStrike">
-                <a:solidFill>
-                  <a:srgbClr val="000000"/>
-                </a:solidFill>
-                <a:latin typeface="Times New Roman"/>
-              </a:rPr>
-              <a:t>&lt;footer&gt;</a:t>
-            </a:r>
-            <a:endParaRPr b="0" lang="en-CA" sz="1400" spc="-1" strike="noStrike">
-              <a:solidFill>
-                <a:srgbClr val="000000"/>
-              </a:solidFill>
-              <a:latin typeface="Times New Roman"/>
-            </a:endParaRPr>
-          </a:p>
-        </p:txBody>
-      </p:sp>
-      <p:sp>
-        <p:nvSpPr>
-          <p:cNvPr id="42" name="PlaceHolder 2"/>
-          <p:cNvSpPr>
-            <a:spLocks noGrp="1"/>
-          </p:cNvSpPr>
-          <p:nvPr>
-            <p:ph type="sldNum" idx="5"/>
-          </p:nvPr>
-        </p:nvSpPr>
-        <p:spPr>
-          <a:xfrm>
-            <a:off x="7227360" y="5165280"/>
-            <a:ext cx="2347560" cy="389880"/>
-          </a:xfrm>
-          <a:prstGeom prst="rect">
-            <a:avLst/>
-          </a:prstGeom>
-          <a:noFill/>
-          <a:ln w="0">
-            <a:noFill/>
-          </a:ln>
-        </p:spPr>
-        <p:txBody>
-          <a:bodyPr lIns="0" rIns="0" tIns="0" bIns="0" anchor="t">
-            <a:noAutofit/>
-          </a:bodyPr>
-          <a:lstStyle>
-            <a:lvl1pPr indent="0" algn="r">
-              <a:lnSpc>
-                <a:spcPct val="100000"/>
-              </a:lnSpc>
-              <a:buNone/>
-              <a:tabLst>
-                <a:tab algn="l" pos="0"/>
-              </a:tabLst>
-              <a:defRPr b="0" lang="en-CA" sz="1400" spc="-1" strike="noStrike">
-                <a:solidFill>
-                  <a:srgbClr val="000000"/>
-                </a:solidFill>
-                <a:latin typeface="Times New Roman"/>
-              </a:defRPr>
-            </a:lvl1pPr>
-          </a:lstStyle>
-          <a:p>
-            <a:pPr indent="0" algn="r">
-              <a:lnSpc>
-                <a:spcPct val="100000"/>
-              </a:lnSpc>
-              <a:buNone/>
-              <a:tabLst>
-                <a:tab algn="l" pos="0"/>
-              </a:tabLst>
-            </a:pPr>
-            <a:fld id="{76CF2019-1922-47AF-A4B5-437401B8777D}" type="slidenum">
-              <a:rPr b="0" lang="en-CA" sz="1400" spc="-1" strike="noStrike">
-                <a:solidFill>
-                  <a:srgbClr val="000000"/>
-                </a:solidFill>
-                <a:latin typeface="Times New Roman"/>
-              </a:rPr>
-              <a:t>&lt;number&gt;</a:t>
-            </a:fld>
-            <a:endParaRPr b="0" lang="en-CA" sz="1400" spc="-1" strike="noStrike">
-              <a:solidFill>
-                <a:srgbClr val="000000"/>
-              </a:solidFill>
-              <a:latin typeface="Times New Roman"/>
-            </a:endParaRPr>
-          </a:p>
-        </p:txBody>
-      </p:sp>
-      <p:sp>
-        <p:nvSpPr>
-          <p:cNvPr id="43" name="PlaceHolder 3"/>
-          <p:cNvSpPr>
-            <a:spLocks noGrp="1"/>
-          </p:cNvSpPr>
-          <p:nvPr>
-            <p:ph type="dt" idx="6"/>
-          </p:nvPr>
-        </p:nvSpPr>
-        <p:spPr>
-          <a:xfrm>
-            <a:off x="504000" y="5165280"/>
-            <a:ext cx="2347560" cy="389880"/>
-          </a:xfrm>
-          <a:prstGeom prst="rect">
-            <a:avLst/>
-          </a:prstGeom>
-          <a:noFill/>
-          <a:ln w="0">
-            <a:noFill/>
-          </a:ln>
-        </p:spPr>
-        <p:txBody>
-          <a:bodyPr lIns="0" rIns="0" tIns="0" bIns="0" anchor="t">
-            <a:noAutofit/>
-          </a:bodyPr>
-          <a:lstStyle>
-            <a:lvl1pPr indent="0">
-              <a:buNone/>
-              <a:defRPr b="0" lang="en-CA" sz="1400" spc="-1" strike="noStrike">
-                <a:solidFill>
-                  <a:srgbClr val="000000"/>
-                </a:solidFill>
-                <a:latin typeface="Times New Roman"/>
-              </a:defRPr>
-            </a:lvl1pPr>
-          </a:lstStyle>
-          <a:p>
-            <a:pPr indent="0">
-              <a:buNone/>
-            </a:pPr>
-            <a:r>
-              <a:rPr b="0" lang="en-CA" sz="1400" spc="-1" strike="noStrike">
-                <a:solidFill>
-                  <a:srgbClr val="000000"/>
-                </a:solidFill>
-                <a:latin typeface="Times New Roman"/>
-              </a:rPr>
-              <a:t>&lt;date/time&gt;</a:t>
-            </a:r>
-            <a:endParaRPr b="0" lang="en-CA" sz="1400" spc="-1" strike="noStrike">
-              <a:solidFill>
-                <a:srgbClr val="000000"/>
-              </a:solidFill>
-              <a:latin typeface="Times New Roman"/>
-            </a:endParaRPr>
-          </a:p>
-        </p:txBody>
-      </p:sp>
-      <p:sp>
-        <p:nvSpPr>
-          <p:cNvPr id="44" name="PlaceHolder 4"/>
-          <p:cNvSpPr>
-            <a:spLocks noGrp="1"/>
-          </p:cNvSpPr>
-          <p:nvPr>
-            <p:ph type="title"/>
-          </p:nvPr>
-        </p:nvSpPr>
-        <p:spPr>
-          <a:xfrm>
-            <a:off x="504000" y="226080"/>
-            <a:ext cx="9072000" cy="946440"/>
-          </a:xfrm>
-          <a:prstGeom prst="rect">
-            <a:avLst/>
-          </a:prstGeom>
-          <a:noFill/>
-          <a:ln w="0">
-            <a:noFill/>
-          </a:ln>
-        </p:spPr>
-        <p:txBody>
-          <a:bodyPr lIns="0" rIns="0" tIns="0" bIns="0" anchor="ctr">
-            <a:noAutofit/>
-          </a:bodyPr>
-          <a:p>
-            <a:pPr indent="0" algn="ctr">
-              <a:buNone/>
-            </a:pPr>
-            <a:r>
-              <a:rPr b="0" lang="en-CA" sz="4400" spc="-1" strike="noStrike">
+              <a:rPr lang="pt-BR" sz="4400" b="0" strike="noStrike" spc="-1">
                 <a:solidFill>
                   <a:srgbClr val="000000"/>
                 </a:solidFill>
                 <a:latin typeface="Arial"/>
               </a:rPr>
-              <a:t>Click to edit the title text format</a:t>
+              <a:t>Pendências e bugs</a:t>
             </a:r>
-            <a:endParaRPr b="0" lang="en-CA" sz="4400" spc="-1" strike="noStrike">
-              <a:solidFill>
-                <a:srgbClr val="000000"/>
-              </a:solidFill>
-              <a:latin typeface="Arial"/>
-            </a:endParaRPr>
-          </a:p>
-        </p:txBody>
-      </p:sp>
-      <p:sp>
-        <p:nvSpPr>
-          <p:cNvPr id="45" name="PlaceHolder 5"/>
-          <p:cNvSpPr>
-            <a:spLocks noGrp="1"/>
-          </p:cNvSpPr>
-          <p:nvPr>
-            <p:ph type="body"/>
-          </p:nvPr>
-        </p:nvSpPr>
-        <p:spPr>
-          <a:xfrm>
-            <a:off x="504000" y="1326600"/>
-            <a:ext cx="9072000" cy="3288600"/>
-          </a:xfrm>
-          <a:prstGeom prst="rect">
-            <a:avLst/>
-          </a:prstGeom>
-          <a:noFill/>
-          <a:ln w="0">
-            <a:noFill/>
-          </a:ln>
-        </p:spPr>
-        <p:txBody>
-          <a:bodyPr lIns="0" rIns="0" tIns="0" bIns="0" anchor="t">
-            <a:normAutofit/>
-          </a:bodyPr>
-          <a:p>
-            <a:pPr marL="432000" indent="-324000">
-              <a:spcBef>
-                <a:spcPts val="1417"/>
-              </a:spcBef>
-              <a:buClr>
-                <a:srgbClr val="000000"/>
-              </a:buClr>
-              <a:buSzPct val="45000"/>
-              <a:buFont typeface="Wingdings" charset="2"/>
-              <a:buChar char=""/>
-            </a:pPr>
-            <a:r>
-              <a:rPr b="0" lang="en-CA" sz="3200" spc="-1" strike="noStrike">
-                <a:solidFill>
-                  <a:srgbClr val="000000"/>
-                </a:solidFill>
-                <a:latin typeface="Arial"/>
-              </a:rPr>
-              <a:t>Click to edit the outline text format</a:t>
-            </a:r>
-            <a:endParaRPr b="0" lang="en-CA" sz="3200" spc="-1" strike="noStrike">
-              <a:solidFill>
-                <a:srgbClr val="000000"/>
-              </a:solidFill>
-              <a:latin typeface="Arial"/>
-            </a:endParaRPr>
-          </a:p>
-          <a:p>
-            <a:pPr lvl="1" marL="864000" indent="-324000">
-              <a:spcBef>
-                <a:spcPts val="1134"/>
-              </a:spcBef>
-              <a:buClr>
-                <a:srgbClr val="000000"/>
-              </a:buClr>
-              <a:buSzPct val="75000"/>
-              <a:buFont typeface="Symbol" charset="2"/>
-              <a:buChar char=""/>
-            </a:pPr>
-            <a:r>
-              <a:rPr b="0" lang="en-CA" sz="2800" spc="-1" strike="noStrike">
-                <a:solidFill>
-                  <a:srgbClr val="000000"/>
-                </a:solidFill>
-                <a:latin typeface="Arial"/>
-              </a:rPr>
-              <a:t>Second Outline Level</a:t>
-            </a:r>
-            <a:endParaRPr b="0" lang="en-CA" sz="2800" spc="-1" strike="noStrike">
-              <a:solidFill>
-                <a:srgbClr val="000000"/>
-              </a:solidFill>
-              <a:latin typeface="Arial"/>
-            </a:endParaRPr>
-          </a:p>
-          <a:p>
-            <a:pPr lvl="2" marL="1296000" indent="-288000">
-              <a:spcBef>
-                <a:spcPts val="850"/>
-              </a:spcBef>
-              <a:buClr>
-                <a:srgbClr val="000000"/>
-              </a:buClr>
-              <a:buSzPct val="45000"/>
-              <a:buFont typeface="Wingdings" charset="2"/>
-              <a:buChar char=""/>
-            </a:pPr>
-            <a:r>
-              <a:rPr b="0" lang="en-CA" sz="2400" spc="-1" strike="noStrike">
-                <a:solidFill>
-                  <a:srgbClr val="000000"/>
-                </a:solidFill>
-                <a:latin typeface="Arial"/>
-              </a:rPr>
-              <a:t>Third Outline Level</a:t>
-            </a:r>
-            <a:endParaRPr b="0" lang="en-CA" sz="2400" spc="-1" strike="noStrike">
-              <a:solidFill>
-                <a:srgbClr val="000000"/>
-              </a:solidFill>
-              <a:latin typeface="Arial"/>
-            </a:endParaRPr>
-          </a:p>
-          <a:p>
-            <a:pPr lvl="3" marL="1728000" indent="-216000">
-              <a:spcBef>
-                <a:spcPts val="567"/>
-              </a:spcBef>
-              <a:buClr>
-                <a:srgbClr val="000000"/>
-              </a:buClr>
-              <a:buSzPct val="75000"/>
-              <a:buFont typeface="Symbol" charset="2"/>
-              <a:buChar char=""/>
-            </a:pPr>
-            <a:r>
-              <a:rPr b="0" lang="en-CA" sz="2000" spc="-1" strike="noStrike">
-                <a:solidFill>
-                  <a:srgbClr val="000000"/>
-                </a:solidFill>
-                <a:latin typeface="Arial"/>
-              </a:rPr>
-              <a:t>Fourth Outline Level</a:t>
-            </a:r>
-            <a:endParaRPr b="0" lang="en-CA" sz="2000" spc="-1" strike="noStrike">
-              <a:solidFill>
-                <a:srgbClr val="000000"/>
-              </a:solidFill>
-              <a:latin typeface="Arial"/>
-            </a:endParaRPr>
-          </a:p>
-          <a:p>
-            <a:pPr lvl="4" marL="2160000" indent="-216000">
-              <a:spcBef>
-                <a:spcPts val="283"/>
-              </a:spcBef>
-              <a:buClr>
-                <a:srgbClr val="000000"/>
-              </a:buClr>
-              <a:buSzPct val="45000"/>
-              <a:buFont typeface="Wingdings" charset="2"/>
-              <a:buChar char=""/>
-            </a:pPr>
-            <a:r>
-              <a:rPr b="0" lang="en-CA" sz="2000" spc="-1" strike="noStrike">
-                <a:solidFill>
-                  <a:srgbClr val="000000"/>
-                </a:solidFill>
-                <a:latin typeface="Arial"/>
-              </a:rPr>
-              <a:t>Fifth Outline Level</a:t>
-            </a:r>
-            <a:endParaRPr b="0" lang="en-CA" sz="2000" spc="-1" strike="noStrike">
-              <a:solidFill>
-                <a:srgbClr val="000000"/>
-              </a:solidFill>
-              <a:latin typeface="Arial"/>
-            </a:endParaRPr>
-          </a:p>
-          <a:p>
-            <a:pPr lvl="5" marL="2592000" indent="-216000">
-              <a:spcBef>
-                <a:spcPts val="283"/>
-              </a:spcBef>
-              <a:buClr>
-                <a:srgbClr val="000000"/>
-              </a:buClr>
-              <a:buSzPct val="45000"/>
-              <a:buFont typeface="Wingdings" charset="2"/>
-              <a:buChar char=""/>
-            </a:pPr>
-            <a:r>
-              <a:rPr b="0" lang="en-CA" sz="2000" spc="-1" strike="noStrike">
-                <a:solidFill>
-                  <a:srgbClr val="000000"/>
-                </a:solidFill>
-                <a:latin typeface="Arial"/>
-              </a:rPr>
-              <a:t>Sixth Outline Level</a:t>
-            </a:r>
-            <a:endParaRPr b="0" lang="en-CA" sz="2000" spc="-1" strike="noStrike">
-              <a:solidFill>
-                <a:srgbClr val="000000"/>
-              </a:solidFill>
-              <a:latin typeface="Arial"/>
-            </a:endParaRPr>
-          </a:p>
-          <a:p>
-            <a:pPr lvl="6" marL="3024000" indent="-216000">
-              <a:spcBef>
-                <a:spcPts val="283"/>
-              </a:spcBef>
-              <a:buClr>
-                <a:srgbClr val="000000"/>
-              </a:buClr>
-              <a:buSzPct val="45000"/>
-              <a:buFont typeface="Wingdings" charset="2"/>
-              <a:buChar char=""/>
-            </a:pPr>
-            <a:r>
-              <a:rPr b="0" lang="en-CA" sz="2000" spc="-1" strike="noStrike">
-                <a:solidFill>
-                  <a:srgbClr val="000000"/>
-                </a:solidFill>
-                <a:latin typeface="Arial"/>
-              </a:rPr>
-              <a:t>Seventh Outline Level</a:t>
-            </a:r>
-            <a:endParaRPr b="0" lang="en-CA" sz="2000" spc="-1" strike="noStrike">
-              <a:solidFill>
-                <a:srgbClr val="000000"/>
-              </a:solidFill>
-              <a:latin typeface="Arial"/>
-            </a:endParaRPr>
-          </a:p>
-        </p:txBody>
-      </p:sp>
+            <a:endParaRPr lang="en-CA" sz="4400" b="0" strike="noStrike" spc="-1">
+              <a:solidFill>
+                <a:srgbClr val="000000"/>
+              </a:solidFill>
+              <a:latin typeface="Arial"/>
+            </a:endParaRPr>
+          </a:p>
+        </p:txBody>
+      </p:sp>
+      <p:pic>
+        <p:nvPicPr>
+          <p:cNvPr id="102" name="Picture 101"/>
+          <p:cNvPicPr/>
+          <p:nvPr/>
+        </p:nvPicPr>
+        <p:blipFill>
+          <a:blip r:embed="rId2"/>
+          <a:stretch/>
+        </p:blipFill>
+        <p:spPr>
+          <a:xfrm>
+            <a:off x="614880" y="1260000"/>
+            <a:ext cx="8925120" cy="4118040"/>
+          </a:xfrm>
+          <a:prstGeom prst="rect">
+            <a:avLst/>
+          </a:prstGeom>
+          <a:ln w="0">
+            <a:noFill/>
+          </a:ln>
+        </p:spPr>
+      </p:pic>
     </p:spTree>
   </p:cSld>
-  <p:clrMap bg1="lt1" bg2="lt2" tx1="dk1" tx2="dk2" accent1="accent1" accent2="accent2" accent3="accent3" accent4="accent4" accent5="accent5" accent6="accent6" hlink="hlink" folHlink="folHlink"/>
-  <p:sldLayoutIdLst>
-    <p:sldLayoutId id="2147483662" r:id="rId2"/>
-    <p:sldLayoutId id="2147483663" r:id="rId3"/>
-    <p:sldLayoutId id="2147483664" r:id="rId4"/>
-    <p:sldLayoutId id="2147483665" r:id="rId5"/>
-    <p:sldLayoutId id="2147483666" r:id="rId6"/>
-    <p:sldLayoutId id="2147483667" r:id="rId7"/>
-    <p:sldLayoutId id="2147483668" r:id="rId8"/>
-    <p:sldLayoutId id="2147483669" r:id="rId9"/>
-    <p:sldLayoutId id="2147483670" r:id="rId10"/>
-    <p:sldLayoutId id="2147483671" r:id="rId11"/>
-    <p:sldLayoutId id="2147483672" r:id="rId12"/>
-    <p:sldLayoutId id="2147483673" r:id="rId13"/>
-  </p:sldLayoutIdLst>
-</p:sldMaster>
+  <p:clrMapOvr>
+    <a:masterClrMapping/>
+  </p:clrMapOvr>
+</p:sld>
 </file>
 
-<file path=ppt/slides/slide1.xml><?xml version="1.0" encoding="utf-8"?>
-<p:sld xmlns:a="http://schemas.openxmlformats.org/drawingml/2006/main" xmlns:p="http://schemas.openxmlformats.org/presentationml/2006/main" xmlns:r="http://schemas.openxmlformats.org/officeDocument/2006/relationships" xmlns:p14="http://schemas.microsoft.com/office/powerpoint/2010/main" xmlns:p15="http://schemas.microsoft.com/office/powerpoint/2012/main" xmlns:mc="http://schemas.openxmlformats.org/markup-compatibility/2006">
+<file path=ppt/slides/slide11.xml><?xml version="1.0" encoding="utf-8"?>
+<p:sld xmlns:a="http://schemas.openxmlformats.org/drawingml/2006/main" xmlns:r="http://schemas.openxmlformats.org/officeDocument/2006/relationships" xmlns:p="http://schemas.openxmlformats.org/presentationml/2006/main">
   <p:cSld>
     <p:spTree>
       <p:nvGrpSpPr>
@@ -6084,7 +7171,7 @@
       </p:grpSpPr>
       <p:sp>
         <p:nvSpPr>
-          <p:cNvPr id="82" name="PlaceHolder 1"/>
+          <p:cNvPr id="103" name="PlaceHolder 1"/>
           <p:cNvSpPr>
             <a:spLocks noGrp="1"/>
           </p:cNvSpPr>
@@ -6106,9 +7193,10 @@
           </a:ln>
         </p:spPr>
         <p:txBody>
-          <a:bodyPr lIns="0" rIns="0" tIns="0" bIns="0" anchor="ctr">
+          <a:bodyPr lIns="0" tIns="0" rIns="0" bIns="0" anchor="ctr">
             <a:noAutofit/>
           </a:bodyPr>
+          <a:lstStyle/>
           <a:p>
             <a:pPr indent="0" algn="ctr">
               <a:lnSpc>
@@ -6116,35 +7204,35 @@
               </a:lnSpc>
               <a:buNone/>
               <a:tabLst>
-                <a:tab algn="l" pos="0"/>
+                <a:tab pos="0" algn="l"/>
               </a:tabLst>
             </a:pPr>
             <a:r>
-              <a:rPr b="0" lang="pt-BR" sz="4400" spc="-1" strike="noStrike">
+              <a:rPr lang="pt-BR" sz="4400" b="0" strike="noStrike" spc="-1">
                 <a:solidFill>
                   <a:srgbClr val="000000"/>
                 </a:solidFill>
                 <a:latin typeface="Arial"/>
               </a:rPr>
-              <a:t>Brazil Career Hub</a:t>
+              <a:t>Demo</a:t>
             </a:r>
-            <a:endParaRPr b="0" lang="en-CA" sz="4400" spc="-1" strike="noStrike">
-              <a:solidFill>
-                <a:srgbClr val="000000"/>
-              </a:solidFill>
-              <a:latin typeface="Arial"/>
-            </a:endParaRPr>
-          </a:p>
-        </p:txBody>
-      </p:sp>
-      <p:sp>
-        <p:nvSpPr>
-          <p:cNvPr id="83" name="PlaceHolder 2"/>
-          <p:cNvSpPr>
-            <a:spLocks noGrp="1"/>
-          </p:cNvSpPr>
-          <p:nvPr>
-            <p:ph type="subTitle"/>
+            <a:endParaRPr lang="en-CA" sz="4400" b="0" strike="noStrike" spc="-1">
+              <a:solidFill>
+                <a:srgbClr val="000000"/>
+              </a:solidFill>
+              <a:latin typeface="Arial"/>
+            </a:endParaRPr>
+          </a:p>
+        </p:txBody>
+      </p:sp>
+      <p:sp>
+        <p:nvSpPr>
+          <p:cNvPr id="104" name="PlaceHolder 2"/>
+          <p:cNvSpPr>
+            <a:spLocks noGrp="1"/>
+          </p:cNvSpPr>
+          <p:nvPr>
+            <p:ph/>
           </p:nvPr>
         </p:nvSpPr>
         <p:spPr>
@@ -6161,176 +7249,45 @@
           </a:ln>
         </p:spPr>
         <p:txBody>
-          <a:bodyPr lIns="0" rIns="0" tIns="0" bIns="0" anchor="ctr">
-            <a:noAutofit/>
-          </a:bodyPr>
+          <a:bodyPr lIns="0" tIns="0" rIns="0" bIns="0" anchor="t">
+            <a:normAutofit/>
+          </a:bodyPr>
+          <a:lstStyle/>
           <a:p>
             <a:pPr indent="0" algn="ctr">
               <a:lnSpc>
                 <a:spcPct val="100000"/>
               </a:lnSpc>
+              <a:spcBef>
+                <a:spcPts val="1417"/>
+              </a:spcBef>
               <a:buNone/>
               <a:tabLst>
-                <a:tab algn="l" pos="0"/>
+                <a:tab pos="0" algn="l"/>
               </a:tabLst>
             </a:pPr>
             <a:r>
-              <a:rPr b="0" lang="pt-BR" sz="2600" spc="-1" strike="noStrike">
+              <a:rPr lang="en-CA" sz="1800" b="0" strike="noStrike" spc="-1">
                 <a:solidFill>
                   <a:srgbClr val="000000"/>
                 </a:solidFill>
                 <a:latin typeface="Arial"/>
               </a:rPr>
-              <a:t>Integrantes:</a:t>
+              <a:t>&lt;Vídeo de demonstração do site aqui&gt;</a:t>
             </a:r>
-            <a:endParaRPr b="0" lang="en-CA" sz="2600" spc="-1" strike="noStrike">
-              <a:solidFill>
-                <a:srgbClr val="000000"/>
-              </a:solidFill>
-              <a:latin typeface="Arial"/>
-            </a:endParaRPr>
-          </a:p>
-          <a:p>
-            <a:pPr marL="216000" indent="-216000" algn="ctr">
-              <a:lnSpc>
-                <a:spcPct val="100000"/>
-              </a:lnSpc>
-              <a:buClr>
-                <a:srgbClr val="000000"/>
-              </a:buClr>
-              <a:buSzPct val="45000"/>
-              <a:buFont typeface="Wingdings" charset="2"/>
-              <a:buChar char=""/>
-              <a:tabLst>
-                <a:tab algn="l" pos="0"/>
-              </a:tabLst>
-            </a:pPr>
-            <a:r>
-              <a:rPr b="0" lang="pt-BR" sz="2600" spc="-1" strike="noStrike">
-                <a:solidFill>
-                  <a:srgbClr val="000000"/>
-                </a:solidFill>
-                <a:latin typeface="Arial"/>
-              </a:rPr>
-              <a:t>Carlos Eduardo dos Santos Ferreira – N6401C7</a:t>
-            </a:r>
-            <a:endParaRPr b="0" lang="en-CA" sz="2600" spc="-1" strike="noStrike">
-              <a:solidFill>
-                <a:srgbClr val="000000"/>
-              </a:solidFill>
-              <a:latin typeface="Arial"/>
-            </a:endParaRPr>
-          </a:p>
-          <a:p>
-            <a:pPr marL="216000" indent="-216000" algn="ctr">
-              <a:lnSpc>
-                <a:spcPct val="100000"/>
-              </a:lnSpc>
-              <a:buClr>
-                <a:srgbClr val="000000"/>
-              </a:buClr>
-              <a:buSzPct val="45000"/>
-              <a:buFont typeface="Wingdings" charset="2"/>
-              <a:buChar char=""/>
-              <a:tabLst>
-                <a:tab algn="l" pos="0"/>
-              </a:tabLst>
-            </a:pPr>
-            <a:r>
-              <a:rPr b="0" lang="pt-BR" sz="2600" spc="-1" strike="noStrike">
-                <a:solidFill>
-                  <a:srgbClr val="000000"/>
-                </a:solidFill>
-                <a:latin typeface="Arial"/>
-              </a:rPr>
-              <a:t>Gabriel Menezes de Antonio – F13GJI6</a:t>
-            </a:r>
-            <a:endParaRPr b="0" lang="en-CA" sz="2600" spc="-1" strike="noStrike">
-              <a:solidFill>
-                <a:srgbClr val="000000"/>
-              </a:solidFill>
-              <a:latin typeface="Arial"/>
-            </a:endParaRPr>
-          </a:p>
-          <a:p>
-            <a:pPr marL="216000" indent="-216000" algn="ctr">
-              <a:lnSpc>
-                <a:spcPct val="100000"/>
-              </a:lnSpc>
-              <a:buClr>
-                <a:srgbClr val="000000"/>
-              </a:buClr>
-              <a:buSzPct val="45000"/>
-              <a:buFont typeface="Wingdings" charset="2"/>
-              <a:buChar char=""/>
-              <a:tabLst>
-                <a:tab algn="l" pos="0"/>
-              </a:tabLst>
-            </a:pPr>
-            <a:r>
-              <a:rPr b="0" lang="pt-BR" sz="2600" spc="-1" strike="noStrike">
-                <a:solidFill>
-                  <a:srgbClr val="000000"/>
-                </a:solidFill>
-                <a:latin typeface="Arial"/>
-              </a:rPr>
-              <a:t>Gustavo Henrique Dos Santos Faria – F22IFG2</a:t>
-            </a:r>
-            <a:endParaRPr b="0" lang="en-CA" sz="2600" spc="-1" strike="noStrike">
-              <a:solidFill>
-                <a:srgbClr val="000000"/>
-              </a:solidFill>
-              <a:latin typeface="Arial"/>
-            </a:endParaRPr>
-          </a:p>
-          <a:p>
-            <a:pPr marL="216000" indent="-216000" algn="ctr">
-              <a:lnSpc>
-                <a:spcPct val="100000"/>
-              </a:lnSpc>
-              <a:buClr>
-                <a:srgbClr val="000000"/>
-              </a:buClr>
-              <a:buSzPct val="45000"/>
-              <a:buFont typeface="Wingdings" charset="2"/>
-              <a:buChar char=""/>
-              <a:tabLst>
-                <a:tab algn="l" pos="0"/>
-              </a:tabLst>
-            </a:pPr>
-            <a:r>
-              <a:rPr b="0" lang="pt-BR" sz="2600" spc="-1" strike="noStrike">
-                <a:solidFill>
-                  <a:srgbClr val="000000"/>
-                </a:solidFill>
-                <a:latin typeface="Arial"/>
-              </a:rPr>
-              <a:t>Mayara Marques Pereira de Souza – N542DD1</a:t>
-            </a:r>
-            <a:endParaRPr b="0" lang="en-CA" sz="2600" spc="-1" strike="noStrike">
-              <a:solidFill>
-                <a:srgbClr val="000000"/>
-              </a:solidFill>
-              <a:latin typeface="Arial"/>
-            </a:endParaRPr>
           </a:p>
         </p:txBody>
       </p:sp>
     </p:spTree>
   </p:cSld>
-  <mc:AlternateContent>
-    <mc:Choice Requires="p14">
-      <p:transition spd="slow" p14:dur="2000"/>
-    </mc:Choice>
-    <mc:Fallback>
-      <p:transition spd="slow"/>
-    </mc:Fallback>
-  </mc:AlternateContent>
+  <p:clrMapOvr>
+    <a:masterClrMapping/>
+  </p:clrMapOvr>
 </p:sld>
 </file>
 
-<file path=ppt/slides/slide10.xml><?xml version="1.0" encoding="utf-8"?>
-<p:sld xmlns:a="http://schemas.openxmlformats.org/drawingml/2006/main" xmlns:p="http://schemas.openxmlformats.org/presentationml/2006/main" xmlns:r="http://schemas.openxmlformats.org/officeDocument/2006/relationships" xmlns:p14="http://schemas.microsoft.com/office/powerpoint/2010/main" xmlns:p15="http://schemas.microsoft.com/office/powerpoint/2012/main" xmlns:mc="http://schemas.openxmlformats.org/markup-compatibility/2006">
+<file path=ppt/slides/slide2.xml><?xml version="1.0" encoding="utf-8"?>
+<p:sld xmlns:a="http://schemas.openxmlformats.org/drawingml/2006/main" xmlns:r="http://schemas.openxmlformats.org/officeDocument/2006/relationships" xmlns:p="http://schemas.openxmlformats.org/presentationml/2006/main">
   <p:cSld>
     <p:spTree>
       <p:nvGrpSpPr>
@@ -6348,7 +7305,7 @@
       </p:grpSpPr>
       <p:sp>
         <p:nvSpPr>
-          <p:cNvPr id="101" name="PlaceHolder 1"/>
+          <p:cNvPr id="84" name="PlaceHolder 1"/>
           <p:cNvSpPr>
             <a:spLocks noGrp="1"/>
           </p:cNvSpPr>
@@ -6370,9 +7327,10 @@
           </a:ln>
         </p:spPr>
         <p:txBody>
-          <a:bodyPr lIns="0" rIns="0" tIns="0" bIns="0" anchor="ctr">
+          <a:bodyPr lIns="0" tIns="0" rIns="0" bIns="0" anchor="ctr">
             <a:noAutofit/>
           </a:bodyPr>
+          <a:lstStyle/>
           <a:p>
             <a:pPr indent="0" algn="ctr">
               <a:lnSpc>
@@ -6380,65 +7338,170 @@
               </a:lnSpc>
               <a:buNone/>
               <a:tabLst>
-                <a:tab algn="l" pos="0"/>
+                <a:tab pos="0" algn="l"/>
               </a:tabLst>
             </a:pPr>
             <a:r>
-              <a:rPr b="0" lang="pt-BR" sz="4400" spc="-1" strike="noStrike">
+              <a:rPr lang="pt-BR" sz="4400" b="0" strike="noStrike" spc="-1">
                 <a:solidFill>
                   <a:srgbClr val="000000"/>
                 </a:solidFill>
                 <a:latin typeface="Arial"/>
               </a:rPr>
-              <a:t>Pendências e bugs</a:t>
+              <a:t>Objetivos</a:t>
             </a:r>
-            <a:endParaRPr b="0" lang="en-CA" sz="4400" spc="-1" strike="noStrike">
-              <a:solidFill>
-                <a:srgbClr val="000000"/>
-              </a:solidFill>
-              <a:latin typeface="Arial"/>
-            </a:endParaRPr>
-          </a:p>
-        </p:txBody>
-      </p:sp>
-      <p:pic>
-        <p:nvPicPr>
-          <p:cNvPr id="102" name="" descr=""/>
-          <p:cNvPicPr/>
-          <p:nvPr/>
-        </p:nvPicPr>
-        <p:blipFill>
-          <a:blip r:embed="rId1"/>
-          <a:stretch/>
-        </p:blipFill>
-        <p:spPr>
-          <a:xfrm>
-            <a:off x="614880" y="1260000"/>
-            <a:ext cx="8925120" cy="4118040"/>
-          </a:xfrm>
-          <a:prstGeom prst="rect">
-            <a:avLst/>
-          </a:prstGeom>
-          <a:ln w="0">
-            <a:noFill/>
-          </a:ln>
-        </p:spPr>
-      </p:pic>
+            <a:endParaRPr lang="en-CA" sz="4400" b="0" strike="noStrike" spc="-1">
+              <a:solidFill>
+                <a:srgbClr val="000000"/>
+              </a:solidFill>
+              <a:latin typeface="Arial"/>
+            </a:endParaRPr>
+          </a:p>
+        </p:txBody>
+      </p:sp>
+      <p:sp>
+        <p:nvSpPr>
+          <p:cNvPr id="85" name="PlaceHolder 2"/>
+          <p:cNvSpPr>
+            <a:spLocks noGrp="1"/>
+          </p:cNvSpPr>
+          <p:nvPr>
+            <p:ph/>
+          </p:nvPr>
+        </p:nvSpPr>
+        <p:spPr>
+          <a:xfrm>
+            <a:off x="504000" y="1326600"/>
+            <a:ext cx="9070920" cy="3287520"/>
+          </a:xfrm>
+          <a:prstGeom prst="rect">
+            <a:avLst/>
+          </a:prstGeom>
+          <a:noFill/>
+          <a:ln w="0">
+            <a:noFill/>
+          </a:ln>
+        </p:spPr>
+        <p:txBody>
+          <a:bodyPr lIns="0" tIns="0" rIns="0" bIns="0" anchor="t">
+            <a:normAutofit/>
+          </a:bodyPr>
+          <a:lstStyle/>
+          <a:p>
+            <a:pPr indent="0">
+              <a:lnSpc>
+                <a:spcPct val="100000"/>
+              </a:lnSpc>
+              <a:buNone/>
+              <a:tabLst>
+                <a:tab pos="0" algn="l"/>
+              </a:tabLst>
+            </a:pPr>
+            <a:r>
+              <a:rPr lang="pt-BR" sz="1800" b="0" strike="noStrike" spc="-1" dirty="0">
+                <a:solidFill>
+                  <a:srgbClr val="000000"/>
+                </a:solidFill>
+                <a:latin typeface="Arial"/>
+              </a:rPr>
+              <a:t>Com a crescente globalização, muitos estrangeiros buscam oportunidades de trabalho em países estrangeiros, e a falta de informação e barreiras culturais podem dificultar esse processo.</a:t>
+            </a:r>
+            <a:endParaRPr lang="en-CA" sz="1800" b="0" strike="noStrike" spc="-1" dirty="0">
+              <a:solidFill>
+                <a:srgbClr val="000000"/>
+              </a:solidFill>
+              <a:latin typeface="Arial"/>
+            </a:endParaRPr>
+          </a:p>
+          <a:p>
+            <a:pPr indent="0">
+              <a:lnSpc>
+                <a:spcPct val="100000"/>
+              </a:lnSpc>
+              <a:buNone/>
+              <a:tabLst>
+                <a:tab pos="0" algn="l"/>
+              </a:tabLst>
+            </a:pPr>
+            <a:endParaRPr lang="en-CA" sz="1800" b="0" strike="noStrike" spc="-1" dirty="0">
+              <a:solidFill>
+                <a:srgbClr val="000000"/>
+              </a:solidFill>
+              <a:latin typeface="Arial"/>
+            </a:endParaRPr>
+          </a:p>
+          <a:p>
+            <a:pPr marL="432000" indent="-324000">
+              <a:lnSpc>
+                <a:spcPct val="100000"/>
+              </a:lnSpc>
+              <a:buClr>
+                <a:srgbClr val="000000"/>
+              </a:buClr>
+              <a:buFont typeface="Wingdings" charset="2"/>
+              <a:buChar char=""/>
+              <a:tabLst>
+                <a:tab pos="0" algn="l"/>
+              </a:tabLst>
+            </a:pPr>
+            <a:r>
+              <a:rPr lang="pt-BR" sz="1800" b="0" strike="noStrike" spc="-1" dirty="0">
+                <a:solidFill>
+                  <a:srgbClr val="000000"/>
+                </a:solidFill>
+                <a:latin typeface="Arial"/>
+              </a:rPr>
+              <a:t> Auxiliar as pessoas a encontrarem empregos no Brasil</a:t>
+            </a:r>
+            <a:endParaRPr lang="en-CA" sz="1800" b="0" strike="noStrike" spc="-1" dirty="0">
+              <a:solidFill>
+                <a:srgbClr val="000000"/>
+              </a:solidFill>
+              <a:latin typeface="Arial"/>
+            </a:endParaRPr>
+          </a:p>
+          <a:p>
+            <a:pPr marL="432000" indent="-324000">
+              <a:lnSpc>
+                <a:spcPct val="100000"/>
+              </a:lnSpc>
+              <a:buClr>
+                <a:srgbClr val="000000"/>
+              </a:buClr>
+              <a:buFont typeface="Wingdings" charset="2"/>
+              <a:buChar char=""/>
+              <a:tabLst>
+                <a:tab pos="0" algn="l"/>
+              </a:tabLst>
+            </a:pPr>
+            <a:r>
+              <a:rPr lang="pt-BR" sz="1800" b="0" strike="noStrike" spc="-1" dirty="0">
+                <a:solidFill>
+                  <a:srgbClr val="000000"/>
+                </a:solidFill>
+                <a:latin typeface="Arial"/>
+              </a:rPr>
+              <a:t> Promover e auxiliar a imigração de mão de obra qualificada no Brasil</a:t>
+            </a:r>
+            <a:endParaRPr lang="en-CA" sz="1800" b="0" strike="noStrike" spc="-1" dirty="0">
+              <a:solidFill>
+                <a:srgbClr val="000000"/>
+              </a:solidFill>
+              <a:latin typeface="Arial"/>
+            </a:endParaRPr>
+          </a:p>
+        </p:txBody>
+      </p:sp>
     </p:spTree>
   </p:cSld>
-  <mc:AlternateContent>
-    <mc:Choice Requires="p14">
-      <p:transition spd="slow" p14:dur="2000"/>
-    </mc:Choice>
-    <mc:Fallback>
-      <p:transition spd="slow"/>
-    </mc:Fallback>
-  </mc:AlternateContent>
+  <p:clrMapOvr>
+    <a:masterClrMapping/>
+  </p:clrMapOvr>
 </p:sld>
 </file>
 
-<file path=ppt/slides/slide11.xml><?xml version="1.0" encoding="utf-8"?>
-<p:sld xmlns:a="http://schemas.openxmlformats.org/drawingml/2006/main" xmlns:p="http://schemas.openxmlformats.org/presentationml/2006/main" xmlns:r="http://schemas.openxmlformats.org/officeDocument/2006/relationships" xmlns:p14="http://schemas.microsoft.com/office/powerpoint/2010/main" xmlns:p15="http://schemas.microsoft.com/office/powerpoint/2012/main" xmlns:mc="http://schemas.openxmlformats.org/markup-compatibility/2006">
+<file path=ppt/slides/slide3.xml><?xml version="1.0" encoding="utf-8"?>
+<p:sld xmlns:a="http://schemas.openxmlformats.org/drawingml/2006/main" xmlns:r="http://schemas.openxmlformats.org/officeDocument/2006/relationships" xmlns:p="http://schemas.openxmlformats.org/presentationml/2006/main">
   <p:cSld>
     <p:spTree>
       <p:nvGrpSpPr>
@@ -6456,7 +7519,7 @@
       </p:grpSpPr>
       <p:sp>
         <p:nvSpPr>
-          <p:cNvPr id="103" name="PlaceHolder 1"/>
+          <p:cNvPr id="86" name="PlaceHolder 1"/>
           <p:cNvSpPr>
             <a:spLocks noGrp="1"/>
           </p:cNvSpPr>
@@ -6478,9 +7541,10 @@
           </a:ln>
         </p:spPr>
         <p:txBody>
-          <a:bodyPr lIns="0" rIns="0" tIns="0" bIns="0" anchor="ctr">
+          <a:bodyPr lIns="0" tIns="0" rIns="0" bIns="0" anchor="ctr">
             <a:noAutofit/>
           </a:bodyPr>
+          <a:lstStyle/>
           <a:p>
             <a:pPr indent="0" algn="ctr">
               <a:lnSpc>
@@ -6488,30 +7552,30 @@
               </a:lnSpc>
               <a:buNone/>
               <a:tabLst>
-                <a:tab algn="l" pos="0"/>
+                <a:tab pos="0" algn="l"/>
               </a:tabLst>
             </a:pPr>
             <a:r>
-              <a:rPr b="0" lang="pt-BR" sz="4400" spc="-1" strike="noStrike">
+              <a:rPr lang="pt-BR" sz="4400" b="0" strike="noStrike" spc="-1">
                 <a:solidFill>
                   <a:srgbClr val="000000"/>
                 </a:solidFill>
                 <a:latin typeface="Arial"/>
               </a:rPr>
-              <a:t>Demo</a:t>
+              <a:t>Proposta</a:t>
             </a:r>
-            <a:endParaRPr b="0" lang="en-CA" sz="4400" spc="-1" strike="noStrike">
-              <a:solidFill>
-                <a:srgbClr val="000000"/>
-              </a:solidFill>
-              <a:latin typeface="Arial"/>
-            </a:endParaRPr>
-          </a:p>
-        </p:txBody>
-      </p:sp>
-      <p:sp>
-        <p:nvSpPr>
-          <p:cNvPr id="104" name="PlaceHolder 2"/>
+            <a:endParaRPr lang="en-CA" sz="4400" b="0" strike="noStrike" spc="-1">
+              <a:solidFill>
+                <a:srgbClr val="000000"/>
+              </a:solidFill>
+              <a:latin typeface="Arial"/>
+            </a:endParaRPr>
+          </a:p>
+        </p:txBody>
+      </p:sp>
+      <p:sp>
+        <p:nvSpPr>
+          <p:cNvPr id="87" name="PlaceHolder 2"/>
           <p:cNvSpPr>
             <a:spLocks noGrp="1"/>
           </p:cNvSpPr>
@@ -6533,11 +7597,12 @@
           </a:ln>
         </p:spPr>
         <p:txBody>
-          <a:bodyPr lIns="0" rIns="0" tIns="0" bIns="0" anchor="t">
+          <a:bodyPr lIns="0" tIns="0" rIns="0" bIns="0" anchor="t">
             <a:normAutofit/>
           </a:bodyPr>
-          <a:p>
-            <a:pPr indent="0" algn="ctr">
+          <a:lstStyle/>
+          <a:p>
+            <a:pPr indent="0">
               <a:lnSpc>
                 <a:spcPct val="100000"/>
               </a:lnSpc>
@@ -6546,42 +7611,60 @@
               </a:spcBef>
               <a:buNone/>
               <a:tabLst>
-                <a:tab algn="l" pos="0"/>
+                <a:tab pos="0" algn="l"/>
               </a:tabLst>
             </a:pPr>
             <a:r>
-              <a:rPr b="0" lang="en-CA" sz="1800" spc="-1" strike="noStrike">
+              <a:rPr lang="pt-BR" sz="1800" b="0" strike="noStrike" spc="-1">
                 <a:solidFill>
                   <a:srgbClr val="000000"/>
                 </a:solidFill>
                 <a:latin typeface="Arial"/>
               </a:rPr>
-              <a:t>&lt;Vídeo de demonstração do site aqui&gt;</a:t>
+              <a:t>Desenvolver um site para auxiliar na inserção de estrangeiros e brasileiros no mercado de trabalho do Brasil, oferecendo um local para listagem, candidatura e armazenamento de vagas.</a:t>
             </a:r>
-            <a:endParaRPr b="0" lang="en-CA" sz="1800" spc="-1" strike="noStrike">
-              <a:solidFill>
-                <a:srgbClr val="000000"/>
-              </a:solidFill>
-              <a:latin typeface="Arial"/>
-            </a:endParaRPr>
-          </a:p>
-        </p:txBody>
-      </p:sp>
+            <a:endParaRPr lang="en-CA" sz="1800" b="0" strike="noStrike" spc="-1">
+              <a:solidFill>
+                <a:srgbClr val="000000"/>
+              </a:solidFill>
+              <a:latin typeface="Arial"/>
+            </a:endParaRPr>
+          </a:p>
+        </p:txBody>
+      </p:sp>
+      <p:pic>
+        <p:nvPicPr>
+          <p:cNvPr id="88" name="Picture 87"/>
+          <p:cNvPicPr/>
+          <p:nvPr/>
+        </p:nvPicPr>
+        <p:blipFill>
+          <a:blip r:embed="rId2"/>
+          <a:stretch/>
+        </p:blipFill>
+        <p:spPr>
+          <a:xfrm>
+            <a:off x="3060000" y="2340000"/>
+            <a:ext cx="3801960" cy="2918160"/>
+          </a:xfrm>
+          <a:prstGeom prst="rect">
+            <a:avLst/>
+          </a:prstGeom>
+          <a:ln w="0">
+            <a:noFill/>
+          </a:ln>
+        </p:spPr>
+      </p:pic>
     </p:spTree>
   </p:cSld>
-  <mc:AlternateContent>
-    <mc:Choice Requires="p14">
-      <p:transition spd="slow" p14:dur="2000"/>
-    </mc:Choice>
-    <mc:Fallback>
-      <p:transition spd="slow"/>
-    </mc:Fallback>
-  </mc:AlternateContent>
+  <p:clrMapOvr>
+    <a:masterClrMapping/>
+  </p:clrMapOvr>
 </p:sld>
 </file>
 
-<file path=ppt/slides/slide2.xml><?xml version="1.0" encoding="utf-8"?>
-<p:sld xmlns:a="http://schemas.openxmlformats.org/drawingml/2006/main" xmlns:p="http://schemas.openxmlformats.org/presentationml/2006/main" xmlns:r="http://schemas.openxmlformats.org/officeDocument/2006/relationships" xmlns:p14="http://schemas.microsoft.com/office/powerpoint/2010/main" xmlns:p15="http://schemas.microsoft.com/office/powerpoint/2012/main" xmlns:mc="http://schemas.openxmlformats.org/markup-compatibility/2006">
+<file path=ppt/slides/slide4.xml><?xml version="1.0" encoding="utf-8"?>
+<p:sld xmlns:a="http://schemas.openxmlformats.org/drawingml/2006/main" xmlns:r="http://schemas.openxmlformats.org/officeDocument/2006/relationships" xmlns:p="http://schemas.openxmlformats.org/presentationml/2006/main">
   <p:cSld>
     <p:spTree>
       <p:nvGrpSpPr>
@@ -6599,7 +7682,7 @@
       </p:grpSpPr>
       <p:sp>
         <p:nvSpPr>
-          <p:cNvPr id="84" name="PlaceHolder 1"/>
+          <p:cNvPr id="89" name="PlaceHolder 1"/>
           <p:cNvSpPr>
             <a:spLocks noGrp="1"/>
           </p:cNvSpPr>
@@ -6621,9 +7704,10 @@
           </a:ln>
         </p:spPr>
         <p:txBody>
-          <a:bodyPr lIns="0" rIns="0" tIns="0" bIns="0" anchor="ctr">
+          <a:bodyPr lIns="0" tIns="0" rIns="0" bIns="0" anchor="ctr">
             <a:noAutofit/>
           </a:bodyPr>
+          <a:lstStyle/>
           <a:p>
             <a:pPr indent="0" algn="ctr">
               <a:lnSpc>
@@ -6631,192 +7715,60 @@
               </a:lnSpc>
               <a:buNone/>
               <a:tabLst>
-                <a:tab algn="l" pos="0"/>
+                <a:tab pos="0" algn="l"/>
               </a:tabLst>
             </a:pPr>
             <a:r>
-              <a:rPr b="0" lang="pt-BR" sz="4400" spc="-1" strike="noStrike">
+              <a:rPr lang="pt-BR" sz="4400" b="0" strike="noStrike" spc="-1">
                 <a:solidFill>
                   <a:srgbClr val="000000"/>
                 </a:solidFill>
                 <a:latin typeface="Arial"/>
               </a:rPr>
-              <a:t>Objetivos</a:t>
+              <a:t>Arquitetura</a:t>
             </a:r>
-            <a:endParaRPr b="0" lang="en-CA" sz="4400" spc="-1" strike="noStrike">
-              <a:solidFill>
-                <a:srgbClr val="000000"/>
-              </a:solidFill>
-              <a:latin typeface="Arial"/>
-            </a:endParaRPr>
-          </a:p>
-        </p:txBody>
-      </p:sp>
-      <p:sp>
-        <p:nvSpPr>
-          <p:cNvPr id="85" name="PlaceHolder 2"/>
-          <p:cNvSpPr>
-            <a:spLocks noGrp="1"/>
-          </p:cNvSpPr>
-          <p:nvPr>
-            <p:ph/>
-          </p:nvPr>
-        </p:nvSpPr>
-        <p:spPr>
-          <a:xfrm>
-            <a:off x="504000" y="1326600"/>
-            <a:ext cx="9070920" cy="3287520"/>
-          </a:xfrm>
-          <a:prstGeom prst="rect">
-            <a:avLst/>
-          </a:prstGeom>
-          <a:noFill/>
-          <a:ln w="0">
-            <a:noFill/>
-          </a:ln>
-        </p:spPr>
-        <p:txBody>
-          <a:bodyPr lIns="0" rIns="0" tIns="0" bIns="0" anchor="t">
-            <a:normAutofit/>
-          </a:bodyPr>
-          <a:p>
-            <a:pPr indent="0">
-              <a:lnSpc>
-                <a:spcPct val="100000"/>
-              </a:lnSpc>
-              <a:buNone/>
-              <a:tabLst>
-                <a:tab algn="l" pos="0"/>
-              </a:tabLst>
-            </a:pPr>
-            <a:r>
-              <a:rPr b="0" lang="pt-BR" sz="1800" spc="-1" strike="noStrike">
-                <a:solidFill>
-                  <a:srgbClr val="000000"/>
-                </a:solidFill>
-                <a:latin typeface="Arial"/>
-              </a:rPr>
-              <a:t>Com a crescente globalização, muitos estrangeiros buscam oportunidades de trabalho em países estrangeiros, e a falta de informação e barreiras culturais podem dificultar esse processo.</a:t>
-            </a:r>
-            <a:endParaRPr b="0" lang="en-CA" sz="1800" spc="-1" strike="noStrike">
-              <a:solidFill>
-                <a:srgbClr val="000000"/>
-              </a:solidFill>
-              <a:latin typeface="Arial"/>
-            </a:endParaRPr>
-          </a:p>
-          <a:p>
-            <a:pPr indent="0">
-              <a:lnSpc>
-                <a:spcPct val="100000"/>
-              </a:lnSpc>
-              <a:buNone/>
-              <a:tabLst>
-                <a:tab algn="l" pos="0"/>
-              </a:tabLst>
-            </a:pPr>
-            <a:endParaRPr b="0" lang="en-CA" sz="1800" spc="-1" strike="noStrike">
-              <a:solidFill>
-                <a:srgbClr val="000000"/>
-              </a:solidFill>
-              <a:latin typeface="Arial"/>
-            </a:endParaRPr>
-          </a:p>
-          <a:p>
-            <a:pPr marL="432000" indent="-324000">
-              <a:lnSpc>
-                <a:spcPct val="100000"/>
-              </a:lnSpc>
-              <a:buClr>
-                <a:srgbClr val="000000"/>
-              </a:buClr>
-              <a:buFont typeface="Wingdings" charset="2"/>
-              <a:buChar char=""/>
-              <a:tabLst>
-                <a:tab algn="l" pos="0"/>
-              </a:tabLst>
-            </a:pPr>
-            <a:r>
-              <a:rPr b="0" lang="pt-BR" sz="1800" spc="-1" strike="noStrike">
-                <a:solidFill>
-                  <a:srgbClr val="000000"/>
-                </a:solidFill>
-                <a:latin typeface="Arial"/>
-              </a:rPr>
-              <a:t> </a:t>
-            </a:r>
-            <a:r>
-              <a:rPr b="0" lang="pt-BR" sz="1800" spc="-1" strike="noStrike">
-                <a:solidFill>
-                  <a:srgbClr val="000000"/>
-                </a:solidFill>
-                <a:latin typeface="Arial"/>
-              </a:rPr>
-              <a:t>Auxiliar as pessoas a encontrarem empregos no Brasil</a:t>
-            </a:r>
-            <a:endParaRPr b="0" lang="en-CA" sz="1800" spc="-1" strike="noStrike">
-              <a:solidFill>
-                <a:srgbClr val="000000"/>
-              </a:solidFill>
-              <a:latin typeface="Arial"/>
-            </a:endParaRPr>
-          </a:p>
-          <a:p>
-            <a:pPr marL="432000" indent="-324000">
-              <a:lnSpc>
-                <a:spcPct val="100000"/>
-              </a:lnSpc>
-              <a:buClr>
-                <a:srgbClr val="000000"/>
-              </a:buClr>
-              <a:buFont typeface="Wingdings" charset="2"/>
-              <a:buChar char=""/>
-              <a:tabLst>
-                <a:tab algn="l" pos="0"/>
-              </a:tabLst>
-            </a:pPr>
-            <a:r>
-              <a:rPr b="0" lang="pt-BR" sz="1800" spc="-1" strike="noStrike">
-                <a:solidFill>
-                  <a:srgbClr val="000000"/>
-                </a:solidFill>
-                <a:latin typeface="Arial"/>
-              </a:rPr>
-              <a:t> </a:t>
-            </a:r>
-            <a:r>
-              <a:rPr b="0" lang="pt-BR" sz="1800" spc="-1" strike="noStrike">
-                <a:solidFill>
-                  <a:srgbClr val="000000"/>
-                </a:solidFill>
-                <a:latin typeface="Arial"/>
-              </a:rPr>
-              <a:t>Promover e auxiliar a imigração de mão de obra qualificada no Brasil</a:t>
-            </a:r>
-            <a:endParaRPr b="0" lang="en-CA" sz="1800" spc="-1" strike="noStrike">
-              <a:solidFill>
-                <a:srgbClr val="000000"/>
-              </a:solidFill>
-              <a:latin typeface="Arial"/>
-            </a:endParaRPr>
-          </a:p>
-        </p:txBody>
-      </p:sp>
+            <a:endParaRPr lang="en-CA" sz="4400" b="0" strike="noStrike" spc="-1">
+              <a:solidFill>
+                <a:srgbClr val="000000"/>
+              </a:solidFill>
+              <a:latin typeface="Arial"/>
+            </a:endParaRPr>
+          </a:p>
+        </p:txBody>
+      </p:sp>
+      <p:pic>
+        <p:nvPicPr>
+          <p:cNvPr id="90" name="Picture 89"/>
+          <p:cNvPicPr/>
+          <p:nvPr/>
+        </p:nvPicPr>
+        <p:blipFill>
+          <a:blip r:embed="rId2"/>
+          <a:stretch/>
+        </p:blipFill>
+        <p:spPr>
+          <a:xfrm>
+            <a:off x="1452600" y="1185840"/>
+            <a:ext cx="7367400" cy="4214160"/>
+          </a:xfrm>
+          <a:prstGeom prst="rect">
+            <a:avLst/>
+          </a:prstGeom>
+          <a:ln w="0">
+            <a:noFill/>
+          </a:ln>
+        </p:spPr>
+      </p:pic>
     </p:spTree>
   </p:cSld>
-  <mc:AlternateContent>
-    <mc:Choice Requires="p14">
-      <p:transition spd="slow" p14:dur="2000"/>
-    </mc:Choice>
-    <mc:Fallback>
-      <p:transition spd="slow"/>
-    </mc:Fallback>
-  </mc:AlternateContent>
+  <p:clrMapOvr>
+    <a:masterClrMapping/>
+  </p:clrMapOvr>
 </p:sld>
 </file>
 
-<file path=ppt/slides/slide3.xml><?xml version="1.0" encoding="utf-8"?>
-<p:sld xmlns:a="http://schemas.openxmlformats.org/drawingml/2006/main" xmlns:p="http://schemas.openxmlformats.org/presentationml/2006/main" xmlns:r="http://schemas.openxmlformats.org/officeDocument/2006/relationships" xmlns:p14="http://schemas.microsoft.com/office/powerpoint/2010/main" xmlns:p15="http://schemas.microsoft.com/office/powerpoint/2012/main" xmlns:mc="http://schemas.openxmlformats.org/markup-compatibility/2006">
+<file path=ppt/slides/slide5.xml><?xml version="1.0" encoding="utf-8"?>
+<p:sld xmlns:a="http://schemas.openxmlformats.org/drawingml/2006/main" xmlns:r="http://schemas.openxmlformats.org/officeDocument/2006/relationships" xmlns:p="http://schemas.openxmlformats.org/presentationml/2006/main">
   <p:cSld>
     <p:spTree>
       <p:nvGrpSpPr>
@@ -6834,7 +7786,7 @@
       </p:grpSpPr>
       <p:sp>
         <p:nvSpPr>
-          <p:cNvPr id="86" name="PlaceHolder 1"/>
+          <p:cNvPr id="91" name="PlaceHolder 1"/>
           <p:cNvSpPr>
             <a:spLocks noGrp="1"/>
           </p:cNvSpPr>
@@ -6856,9 +7808,10 @@
           </a:ln>
         </p:spPr>
         <p:txBody>
-          <a:bodyPr lIns="0" rIns="0" tIns="0" bIns="0" anchor="ctr">
+          <a:bodyPr lIns="0" tIns="0" rIns="0" bIns="0" anchor="ctr">
             <a:noAutofit/>
           </a:bodyPr>
+          <a:lstStyle/>
           <a:p>
             <a:pPr indent="0" algn="ctr">
               <a:lnSpc>
@@ -6866,30 +7819,30 @@
               </a:lnSpc>
               <a:buNone/>
               <a:tabLst>
-                <a:tab algn="l" pos="0"/>
+                <a:tab pos="0" algn="l"/>
               </a:tabLst>
             </a:pPr>
             <a:r>
-              <a:rPr b="0" lang="pt-BR" sz="4400" spc="-1" strike="noStrike">
+              <a:rPr lang="pt-BR" sz="4400" b="0" strike="noStrike" spc="-1">
                 <a:solidFill>
                   <a:srgbClr val="000000"/>
                 </a:solidFill>
                 <a:latin typeface="Arial"/>
               </a:rPr>
-              <a:t>Proposta</a:t>
+              <a:t>Front-End</a:t>
             </a:r>
-            <a:endParaRPr b="0" lang="en-CA" sz="4400" spc="-1" strike="noStrike">
-              <a:solidFill>
-                <a:srgbClr val="000000"/>
-              </a:solidFill>
-              <a:latin typeface="Arial"/>
-            </a:endParaRPr>
-          </a:p>
-        </p:txBody>
-      </p:sp>
-      <p:sp>
-        <p:nvSpPr>
-          <p:cNvPr id="87" name="PlaceHolder 2"/>
+            <a:endParaRPr lang="en-CA" sz="4400" b="0" strike="noStrike" spc="-1">
+              <a:solidFill>
+                <a:srgbClr val="000000"/>
+              </a:solidFill>
+              <a:latin typeface="Arial"/>
+            </a:endParaRPr>
+          </a:p>
+        </p:txBody>
+      </p:sp>
+      <p:sp>
+        <p:nvSpPr>
+          <p:cNvPr id="92" name="PlaceHolder 2"/>
           <p:cNvSpPr>
             <a:spLocks noGrp="1"/>
           </p:cNvSpPr>
@@ -6911,78 +7864,177 @@
           </a:ln>
         </p:spPr>
         <p:txBody>
-          <a:bodyPr lIns="0" rIns="0" tIns="0" bIns="0" anchor="t">
+          <a:bodyPr lIns="0" tIns="0" rIns="0" bIns="0" anchor="t">
             <a:normAutofit/>
           </a:bodyPr>
-          <a:p>
-            <a:pPr indent="0">
-              <a:lnSpc>
-                <a:spcPct val="100000"/>
-              </a:lnSpc>
+          <a:lstStyle/>
+          <a:p>
+            <a:pPr marL="514350" indent="-285750">
               <a:spcBef>
                 <a:spcPts val="1417"/>
               </a:spcBef>
-              <a:buNone/>
-              <a:tabLst>
-                <a:tab algn="l" pos="0"/>
-              </a:tabLst>
+            </a:pPr>
+            <a:endParaRPr lang="en-CA" sz="1800" b="0" strike="noStrike" spc="-1" dirty="0">
+              <a:solidFill>
+                <a:srgbClr val="000000"/>
+              </a:solidFill>
+              <a:latin typeface="Arial"/>
+            </a:endParaRPr>
+          </a:p>
+          <a:p>
+            <a:pPr marL="514350" indent="-285750">
+              <a:spcBef>
+                <a:spcPts val="1417"/>
+              </a:spcBef>
+            </a:pPr>
+            <a:endParaRPr lang="en-CA" sz="1800" spc="-1" dirty="0">
+              <a:solidFill>
+                <a:srgbClr val="000000"/>
+              </a:solidFill>
+              <a:latin typeface="Arial"/>
+            </a:endParaRPr>
+          </a:p>
+          <a:p>
+            <a:pPr marL="514350" indent="-285750">
+              <a:spcBef>
+                <a:spcPts val="1417"/>
+              </a:spcBef>
             </a:pPr>
             <a:r>
-              <a:rPr b="0" lang="pt-BR" sz="1800" spc="-1" strike="noStrike">
+              <a:rPr lang="en-CA" sz="1800" b="0" strike="noStrike" spc="-1" dirty="0" err="1">
                 <a:solidFill>
                   <a:srgbClr val="000000"/>
                 </a:solidFill>
                 <a:latin typeface="Arial"/>
               </a:rPr>
-              <a:t>Desenvolver um site para auxiliar na inserção de estrangeiros e brasileiros no mercado de trabalho do Brasil, oferecendo um local para listagem, candidatura e armazenamento de vagas.</a:t>
+              <a:t>Motivos</a:t>
             </a:r>
-            <a:endParaRPr b="0" lang="en-CA" sz="1800" spc="-1" strike="noStrike">
-              <a:solidFill>
-                <a:srgbClr val="000000"/>
-              </a:solidFill>
-              <a:latin typeface="Arial"/>
-            </a:endParaRPr>
-          </a:p>
-        </p:txBody>
-      </p:sp>
-      <p:pic>
-        <p:nvPicPr>
-          <p:cNvPr id="88" name="" descr=""/>
-          <p:cNvPicPr/>
-          <p:nvPr/>
-        </p:nvPicPr>
-        <p:blipFill>
-          <a:blip r:embed="rId1"/>
-          <a:stretch/>
-        </p:blipFill>
-        <p:spPr>
-          <a:xfrm>
-            <a:off x="3060000" y="2340000"/>
-            <a:ext cx="3801960" cy="2918160"/>
-          </a:xfrm>
-          <a:prstGeom prst="rect">
-            <a:avLst/>
-          </a:prstGeom>
-          <a:ln w="0">
-            <a:noFill/>
-          </a:ln>
-        </p:spPr>
-      </p:pic>
+            <a:r>
+              <a:rPr lang="en-CA" sz="1800" b="0" strike="noStrike" spc="-1" dirty="0">
+                <a:solidFill>
+                  <a:srgbClr val="000000"/>
+                </a:solidFill>
+                <a:latin typeface="Arial"/>
+              </a:rPr>
+              <a:t> </a:t>
+            </a:r>
+            <a:r>
+              <a:rPr lang="en-CA" sz="1800" b="0" strike="noStrike" spc="-1" dirty="0" err="1">
+                <a:solidFill>
+                  <a:srgbClr val="000000"/>
+                </a:solidFill>
+                <a:latin typeface="Arial"/>
+              </a:rPr>
+              <a:t>pelo</a:t>
+            </a:r>
+            <a:r>
+              <a:rPr lang="en-CA" sz="1800" b="0" strike="noStrike" spc="-1" dirty="0">
+                <a:solidFill>
+                  <a:srgbClr val="000000"/>
+                </a:solidFill>
+                <a:latin typeface="Arial"/>
+              </a:rPr>
+              <a:t> qual </a:t>
+            </a:r>
+            <a:r>
+              <a:rPr lang="en-CA" sz="1800" b="0" strike="noStrike" spc="-1" dirty="0" err="1">
+                <a:solidFill>
+                  <a:srgbClr val="000000"/>
+                </a:solidFill>
+                <a:latin typeface="Arial"/>
+              </a:rPr>
+              <a:t>usamos</a:t>
+            </a:r>
+            <a:r>
+              <a:rPr lang="en-CA" sz="1800" b="0" strike="noStrike" spc="-1" dirty="0">
+                <a:solidFill>
+                  <a:srgbClr val="000000"/>
+                </a:solidFill>
+                <a:latin typeface="Arial"/>
+              </a:rPr>
+              <a:t> </a:t>
+            </a:r>
+            <a:r>
+              <a:rPr lang="en-CA" sz="1800" b="0" strike="noStrike" spc="-1">
+                <a:solidFill>
+                  <a:srgbClr val="000000"/>
+                </a:solidFill>
+                <a:latin typeface="Arial"/>
+              </a:rPr>
+              <a:t>o React</a:t>
+            </a:r>
+            <a:endParaRPr lang="en-CA" sz="1800" b="0" strike="noStrike" spc="-1" dirty="0">
+              <a:solidFill>
+                <a:srgbClr val="000000"/>
+              </a:solidFill>
+              <a:latin typeface="Arial"/>
+            </a:endParaRPr>
+          </a:p>
+          <a:p>
+            <a:pPr marL="514350" indent="-285750">
+              <a:spcBef>
+                <a:spcPts val="1417"/>
+              </a:spcBef>
+            </a:pPr>
+            <a:r>
+              <a:rPr lang="en-CA" sz="1800" spc="-1" dirty="0" err="1">
+                <a:solidFill>
+                  <a:srgbClr val="000000"/>
+                </a:solidFill>
+                <a:latin typeface="Arial"/>
+              </a:rPr>
+              <a:t>Bibliotecas</a:t>
+            </a:r>
+            <a:r>
+              <a:rPr lang="en-CA" sz="1800" spc="-1" dirty="0">
+                <a:solidFill>
+                  <a:srgbClr val="000000"/>
+                </a:solidFill>
+                <a:latin typeface="Arial"/>
+              </a:rPr>
+              <a:t> </a:t>
+            </a:r>
+            <a:r>
+              <a:rPr lang="en-CA" sz="1800" spc="-1" dirty="0" err="1">
+                <a:solidFill>
+                  <a:srgbClr val="000000"/>
+                </a:solidFill>
+                <a:latin typeface="Arial"/>
+              </a:rPr>
+              <a:t>utilizadas</a:t>
+            </a:r>
+            <a:endParaRPr lang="en-CA" sz="1800" spc="-1" dirty="0">
+              <a:solidFill>
+                <a:srgbClr val="000000"/>
+              </a:solidFill>
+              <a:latin typeface="Arial"/>
+            </a:endParaRPr>
+          </a:p>
+          <a:p>
+            <a:pPr marL="514350" indent="-285750">
+              <a:spcBef>
+                <a:spcPts val="1417"/>
+              </a:spcBef>
+            </a:pPr>
+            <a:endParaRPr lang="en-CA" sz="1800" b="0" strike="noStrike" spc="-1" dirty="0">
+              <a:solidFill>
+                <a:srgbClr val="000000"/>
+              </a:solidFill>
+              <a:latin typeface="Arial"/>
+            </a:endParaRPr>
+          </a:p>
+        </p:txBody>
+      </p:sp>
     </p:spTree>
   </p:cSld>
-  <mc:AlternateContent>
-    <mc:Choice Requires="p14">
-      <p:transition spd="slow" p14:dur="2000"/>
-    </mc:Choice>
-    <mc:Fallback>
-      <p:transition spd="slow"/>
-    </mc:Fallback>
-  </mc:AlternateContent>
+  <p:clrMapOvr>
+    <a:masterClrMapping/>
+  </p:clrMapOvr>
 </p:sld>
 </file>
 
-<file path=ppt/slides/slide4.xml><?xml version="1.0" encoding="utf-8"?>
-<p:sld xmlns:a="http://schemas.openxmlformats.org/drawingml/2006/main" xmlns:p="http://schemas.openxmlformats.org/presentationml/2006/main" xmlns:r="http://schemas.openxmlformats.org/officeDocument/2006/relationships" xmlns:p14="http://schemas.microsoft.com/office/powerpoint/2010/main" xmlns:p15="http://schemas.microsoft.com/office/powerpoint/2012/main" xmlns:mc="http://schemas.openxmlformats.org/markup-compatibility/2006">
+<file path=ppt/slides/slide6.xml><?xml version="1.0" encoding="utf-8"?>
+<p:sld xmlns:a="http://schemas.openxmlformats.org/drawingml/2006/main" xmlns:r="http://schemas.openxmlformats.org/officeDocument/2006/relationships" xmlns:p="http://schemas.openxmlformats.org/presentationml/2006/main">
   <p:cSld>
     <p:spTree>
       <p:nvGrpSpPr>
@@ -7000,7 +8052,7 @@
       </p:grpSpPr>
       <p:sp>
         <p:nvSpPr>
-          <p:cNvPr id="89" name="PlaceHolder 1"/>
+          <p:cNvPr id="93" name="PlaceHolder 1"/>
           <p:cNvSpPr>
             <a:spLocks noGrp="1"/>
           </p:cNvSpPr>
@@ -7022,9 +8074,10 @@
           </a:ln>
         </p:spPr>
         <p:txBody>
-          <a:bodyPr lIns="0" rIns="0" tIns="0" bIns="0" anchor="ctr">
+          <a:bodyPr lIns="0" tIns="0" rIns="0" bIns="0" anchor="ctr">
             <a:noAutofit/>
           </a:bodyPr>
+          <a:lstStyle/>
           <a:p>
             <a:pPr indent="0" algn="ctr">
               <a:lnSpc>
@@ -7032,19 +8085,19 @@
               </a:lnSpc>
               <a:buNone/>
               <a:tabLst>
-                <a:tab algn="l" pos="0"/>
+                <a:tab pos="0" algn="l"/>
               </a:tabLst>
             </a:pPr>
             <a:r>
-              <a:rPr b="0" lang="pt-BR" sz="4400" spc="-1" strike="noStrike">
+              <a:rPr lang="pt-BR" sz="4400" b="0" strike="noStrike" spc="-1">
                 <a:solidFill>
                   <a:srgbClr val="000000"/>
                 </a:solidFill>
                 <a:latin typeface="Arial"/>
               </a:rPr>
-              <a:t>Arquitetura</a:t>
+              <a:t>Documentação</a:t>
             </a:r>
-            <a:endParaRPr b="0" lang="en-CA" sz="4400" spc="-1" strike="noStrike">
+            <a:endParaRPr lang="en-CA" sz="4400" b="0" strike="noStrike" spc="-1">
               <a:solidFill>
                 <a:srgbClr val="000000"/>
               </a:solidFill>
@@ -7055,18 +8108,18 @@
       </p:sp>
       <p:pic>
         <p:nvPicPr>
-          <p:cNvPr id="90" name="" descr=""/>
+          <p:cNvPr id="94" name="Picture 93"/>
           <p:cNvPicPr/>
           <p:nvPr/>
         </p:nvPicPr>
         <p:blipFill>
-          <a:blip r:embed="rId1"/>
+          <a:blip r:embed="rId2"/>
           <a:stretch/>
         </p:blipFill>
         <p:spPr>
           <a:xfrm>
-            <a:off x="1452600" y="1185840"/>
-            <a:ext cx="7367400" cy="4214160"/>
+            <a:off x="685080" y="1171800"/>
+            <a:ext cx="9034920" cy="4323240"/>
           </a:xfrm>
           <a:prstGeom prst="rect">
             <a:avLst/>
@@ -7078,19 +8131,14 @@
       </p:pic>
     </p:spTree>
   </p:cSld>
-  <mc:AlternateContent>
-    <mc:Choice Requires="p14">
-      <p:transition spd="slow" p14:dur="2000"/>
-    </mc:Choice>
-    <mc:Fallback>
-      <p:transition spd="slow"/>
-    </mc:Fallback>
-  </mc:AlternateContent>
+  <p:clrMapOvr>
+    <a:masterClrMapping/>
+  </p:clrMapOvr>
 </p:sld>
 </file>
 
-<file path=ppt/slides/slide5.xml><?xml version="1.0" encoding="utf-8"?>
-<p:sld xmlns:a="http://schemas.openxmlformats.org/drawingml/2006/main" xmlns:p="http://schemas.openxmlformats.org/presentationml/2006/main" xmlns:r="http://schemas.openxmlformats.org/officeDocument/2006/relationships" xmlns:p14="http://schemas.microsoft.com/office/powerpoint/2010/main" xmlns:p15="http://schemas.microsoft.com/office/powerpoint/2012/main" xmlns:mc="http://schemas.openxmlformats.org/markup-compatibility/2006">
+<file path=ppt/slides/slide7.xml><?xml version="1.0" encoding="utf-8"?>
+<p:sld xmlns:a="http://schemas.openxmlformats.org/drawingml/2006/main" xmlns:r="http://schemas.openxmlformats.org/officeDocument/2006/relationships" xmlns:p="http://schemas.openxmlformats.org/presentationml/2006/main">
   <p:cSld>
     <p:spTree>
       <p:nvGrpSpPr>
@@ -7108,7 +8156,7 @@
       </p:grpSpPr>
       <p:sp>
         <p:nvSpPr>
-          <p:cNvPr id="91" name="PlaceHolder 1"/>
+          <p:cNvPr id="95" name="PlaceHolder 1"/>
           <p:cNvSpPr>
             <a:spLocks noGrp="1"/>
           </p:cNvSpPr>
@@ -7130,9 +8178,10 @@
           </a:ln>
         </p:spPr>
         <p:txBody>
-          <a:bodyPr lIns="0" rIns="0" tIns="0" bIns="0" anchor="ctr">
+          <a:bodyPr lIns="0" tIns="0" rIns="0" bIns="0" anchor="ctr">
             <a:noAutofit/>
           </a:bodyPr>
+          <a:lstStyle/>
           <a:p>
             <a:pPr indent="0" algn="ctr">
               <a:lnSpc>
@@ -7140,85 +8189,60 @@
               </a:lnSpc>
               <a:buNone/>
               <a:tabLst>
-                <a:tab algn="l" pos="0"/>
+                <a:tab pos="0" algn="l"/>
               </a:tabLst>
             </a:pPr>
             <a:r>
-              <a:rPr b="0" lang="pt-BR" sz="4400" spc="-1" strike="noStrike">
+              <a:rPr lang="pt-BR" sz="4400" b="0" strike="noStrike" spc="-1">
                 <a:solidFill>
                   <a:srgbClr val="000000"/>
                 </a:solidFill>
                 <a:latin typeface="Arial"/>
               </a:rPr>
-              <a:t>Front-End</a:t>
+              <a:t>API</a:t>
             </a:r>
-            <a:endParaRPr b="0" lang="en-CA" sz="4400" spc="-1" strike="noStrike">
-              <a:solidFill>
-                <a:srgbClr val="000000"/>
-              </a:solidFill>
-              <a:latin typeface="Arial"/>
-            </a:endParaRPr>
-          </a:p>
-        </p:txBody>
-      </p:sp>
-      <p:sp>
-        <p:nvSpPr>
-          <p:cNvPr id="92" name="PlaceHolder 2"/>
-          <p:cNvSpPr>
-            <a:spLocks noGrp="1"/>
-          </p:cNvSpPr>
-          <p:nvPr>
-            <p:ph/>
-          </p:nvPr>
-        </p:nvSpPr>
-        <p:spPr>
-          <a:xfrm>
-            <a:off x="504000" y="1326600"/>
-            <a:ext cx="9070920" cy="3287520"/>
-          </a:xfrm>
-          <a:prstGeom prst="rect">
-            <a:avLst/>
-          </a:prstGeom>
-          <a:noFill/>
-          <a:ln w="0">
-            <a:noFill/>
-          </a:ln>
-        </p:spPr>
-        <p:txBody>
-          <a:bodyPr lIns="0" rIns="0" tIns="0" bIns="0" anchor="t">
-            <a:normAutofit/>
-          </a:bodyPr>
-          <a:p>
-            <a:pPr indent="0">
-              <a:spcBef>
-                <a:spcPts val="1417"/>
-              </a:spcBef>
-              <a:buNone/>
-            </a:pPr>
-            <a:endParaRPr b="0" lang="en-CA" sz="1800" spc="-1" strike="noStrike">
-              <a:solidFill>
-                <a:srgbClr val="000000"/>
-              </a:solidFill>
-              <a:latin typeface="Arial"/>
-            </a:endParaRPr>
-          </a:p>
-        </p:txBody>
-      </p:sp>
+            <a:endParaRPr lang="en-CA" sz="4400" b="0" strike="noStrike" spc="-1">
+              <a:solidFill>
+                <a:srgbClr val="000000"/>
+              </a:solidFill>
+              <a:latin typeface="Arial"/>
+            </a:endParaRPr>
+          </a:p>
+        </p:txBody>
+      </p:sp>
+      <p:pic>
+        <p:nvPicPr>
+          <p:cNvPr id="96" name="Picture 95"/>
+          <p:cNvPicPr/>
+          <p:nvPr/>
+        </p:nvPicPr>
+        <p:blipFill>
+          <a:blip r:embed="rId2"/>
+          <a:stretch/>
+        </p:blipFill>
+        <p:spPr>
+          <a:xfrm>
+            <a:off x="900000" y="1187640"/>
+            <a:ext cx="8605080" cy="4305600"/>
+          </a:xfrm>
+          <a:prstGeom prst="rect">
+            <a:avLst/>
+          </a:prstGeom>
+          <a:ln w="0">
+            <a:noFill/>
+          </a:ln>
+        </p:spPr>
+      </p:pic>
     </p:spTree>
   </p:cSld>
-  <mc:AlternateContent>
-    <mc:Choice Requires="p14">
-      <p:transition spd="slow" p14:dur="2000"/>
-    </mc:Choice>
-    <mc:Fallback>
-      <p:transition spd="slow"/>
-    </mc:Fallback>
-  </mc:AlternateContent>
+  <p:clrMapOvr>
+    <a:masterClrMapping/>
+  </p:clrMapOvr>
 </p:sld>
 </file>
 
-<file path=ppt/slides/slide6.xml><?xml version="1.0" encoding="utf-8"?>
-<p:sld xmlns:a="http://schemas.openxmlformats.org/drawingml/2006/main" xmlns:p="http://schemas.openxmlformats.org/presentationml/2006/main" xmlns:r="http://schemas.openxmlformats.org/officeDocument/2006/relationships" xmlns:p14="http://schemas.microsoft.com/office/powerpoint/2010/main" xmlns:p15="http://schemas.microsoft.com/office/powerpoint/2012/main" xmlns:mc="http://schemas.openxmlformats.org/markup-compatibility/2006">
+<file path=ppt/slides/slide8.xml><?xml version="1.0" encoding="utf-8"?>
+<p:sld xmlns:a="http://schemas.openxmlformats.org/drawingml/2006/main" xmlns:r="http://schemas.openxmlformats.org/officeDocument/2006/relationships" xmlns:p="http://schemas.openxmlformats.org/presentationml/2006/main">
   <p:cSld>
     <p:spTree>
       <p:nvGrpSpPr>
@@ -7236,7 +8260,7 @@
       </p:grpSpPr>
       <p:sp>
         <p:nvSpPr>
-          <p:cNvPr id="93" name="PlaceHolder 1"/>
+          <p:cNvPr id="97" name="PlaceHolder 1"/>
           <p:cNvSpPr>
             <a:spLocks noGrp="1"/>
           </p:cNvSpPr>
@@ -7258,9 +8282,10 @@
           </a:ln>
         </p:spPr>
         <p:txBody>
-          <a:bodyPr lIns="0" rIns="0" tIns="0" bIns="0" anchor="ctr">
+          <a:bodyPr lIns="0" tIns="0" rIns="0" bIns="0" anchor="ctr">
             <a:noAutofit/>
           </a:bodyPr>
+          <a:lstStyle/>
           <a:p>
             <a:pPr indent="0" algn="ctr">
               <a:lnSpc>
@@ -7268,19 +8293,19 @@
               </a:lnSpc>
               <a:buNone/>
               <a:tabLst>
-                <a:tab algn="l" pos="0"/>
+                <a:tab pos="0" algn="l"/>
               </a:tabLst>
             </a:pPr>
             <a:r>
-              <a:rPr b="0" lang="pt-BR" sz="4400" spc="-1" strike="noStrike">
+              <a:rPr lang="pt-BR" sz="4400" b="0" strike="noStrike" spc="-1">
                 <a:solidFill>
                   <a:srgbClr val="000000"/>
                 </a:solidFill>
                 <a:latin typeface="Arial"/>
               </a:rPr>
-              <a:t>Documentação</a:t>
+              <a:t>Controle de qualidade</a:t>
             </a:r>
-            <a:endParaRPr b="0" lang="en-CA" sz="4400" spc="-1" strike="noStrike">
+            <a:endParaRPr lang="en-CA" sz="4400" b="0" strike="noStrike" spc="-1">
               <a:solidFill>
                 <a:srgbClr val="000000"/>
               </a:solidFill>
@@ -7291,18 +8316,18 @@
       </p:sp>
       <p:pic>
         <p:nvPicPr>
-          <p:cNvPr id="94" name="" descr=""/>
+          <p:cNvPr id="98" name="Picture 97"/>
           <p:cNvPicPr/>
           <p:nvPr/>
         </p:nvPicPr>
         <p:blipFill>
-          <a:blip r:embed="rId1"/>
+          <a:blip r:embed="rId2"/>
           <a:stretch/>
         </p:blipFill>
         <p:spPr>
           <a:xfrm>
-            <a:off x="685080" y="1171800"/>
-            <a:ext cx="9034920" cy="4323240"/>
+            <a:off x="180000" y="1620000"/>
+            <a:ext cx="9568440" cy="3240000"/>
           </a:xfrm>
           <a:prstGeom prst="rect">
             <a:avLst/>
@@ -7314,19 +8339,14 @@
       </p:pic>
     </p:spTree>
   </p:cSld>
-  <mc:AlternateContent>
-    <mc:Choice Requires="p14">
-      <p:transition spd="slow" p14:dur="2000"/>
-    </mc:Choice>
-    <mc:Fallback>
-      <p:transition spd="slow"/>
-    </mc:Fallback>
-  </mc:AlternateContent>
+  <p:clrMapOvr>
+    <a:masterClrMapping/>
+  </p:clrMapOvr>
 </p:sld>
 </file>
 
-<file path=ppt/slides/slide7.xml><?xml version="1.0" encoding="utf-8"?>
-<p:sld xmlns:a="http://schemas.openxmlformats.org/drawingml/2006/main" xmlns:p="http://schemas.openxmlformats.org/presentationml/2006/main" xmlns:r="http://schemas.openxmlformats.org/officeDocument/2006/relationships" xmlns:p14="http://schemas.microsoft.com/office/powerpoint/2010/main" xmlns:p15="http://schemas.microsoft.com/office/powerpoint/2012/main" xmlns:mc="http://schemas.openxmlformats.org/markup-compatibility/2006">
+<file path=ppt/slides/slide9.xml><?xml version="1.0" encoding="utf-8"?>
+<p:sld xmlns:a="http://schemas.openxmlformats.org/drawingml/2006/main" xmlns:r="http://schemas.openxmlformats.org/officeDocument/2006/relationships" xmlns:p="http://schemas.openxmlformats.org/presentationml/2006/main">
   <p:cSld>
     <p:spTree>
       <p:nvGrpSpPr>
@@ -7344,7 +8364,7 @@
       </p:grpSpPr>
       <p:sp>
         <p:nvSpPr>
-          <p:cNvPr id="95" name="PlaceHolder 1"/>
+          <p:cNvPr id="99" name="PlaceHolder 1"/>
           <p:cNvSpPr>
             <a:spLocks noGrp="1"/>
           </p:cNvSpPr>
@@ -7366,9 +8386,10 @@
           </a:ln>
         </p:spPr>
         <p:txBody>
-          <a:bodyPr lIns="0" rIns="0" tIns="0" bIns="0" anchor="ctr">
+          <a:bodyPr lIns="0" tIns="0" rIns="0" bIns="0" anchor="ctr">
             <a:noAutofit/>
           </a:bodyPr>
+          <a:lstStyle/>
           <a:p>
             <a:pPr indent="0" algn="ctr">
               <a:lnSpc>
@@ -7376,227 +8397,11 @@
               </a:lnSpc>
               <a:buNone/>
               <a:tabLst>
-                <a:tab algn="l" pos="0"/>
+                <a:tab pos="0" algn="l"/>
               </a:tabLst>
             </a:pPr>
             <a:r>
-              <a:rPr b="0" lang="pt-BR" sz="4400" spc="-1" strike="noStrike">
-                <a:solidFill>
-                  <a:srgbClr val="000000"/>
-                </a:solidFill>
-                <a:latin typeface="Arial"/>
-              </a:rPr>
-              <a:t>API</a:t>
-            </a:r>
-            <a:endParaRPr b="0" lang="en-CA" sz="4400" spc="-1" strike="noStrike">
-              <a:solidFill>
-                <a:srgbClr val="000000"/>
-              </a:solidFill>
-              <a:latin typeface="Arial"/>
-            </a:endParaRPr>
-          </a:p>
-        </p:txBody>
-      </p:sp>
-      <p:pic>
-        <p:nvPicPr>
-          <p:cNvPr id="96" name="" descr=""/>
-          <p:cNvPicPr/>
-          <p:nvPr/>
-        </p:nvPicPr>
-        <p:blipFill>
-          <a:blip r:embed="rId1"/>
-          <a:stretch/>
-        </p:blipFill>
-        <p:spPr>
-          <a:xfrm>
-            <a:off x="900000" y="1187640"/>
-            <a:ext cx="8605080" cy="4305600"/>
-          </a:xfrm>
-          <a:prstGeom prst="rect">
-            <a:avLst/>
-          </a:prstGeom>
-          <a:ln w="0">
-            <a:noFill/>
-          </a:ln>
-        </p:spPr>
-      </p:pic>
-    </p:spTree>
-  </p:cSld>
-  <mc:AlternateContent>
-    <mc:Choice Requires="p14">
-      <p:transition spd="slow" p14:dur="2000"/>
-    </mc:Choice>
-    <mc:Fallback>
-      <p:transition spd="slow"/>
-    </mc:Fallback>
-  </mc:AlternateContent>
-</p:sld>
-</file>
-
-<file path=ppt/slides/slide8.xml><?xml version="1.0" encoding="utf-8"?>
-<p:sld xmlns:a="http://schemas.openxmlformats.org/drawingml/2006/main" xmlns:p="http://schemas.openxmlformats.org/presentationml/2006/main" xmlns:r="http://schemas.openxmlformats.org/officeDocument/2006/relationships" xmlns:p14="http://schemas.microsoft.com/office/powerpoint/2010/main" xmlns:p15="http://schemas.microsoft.com/office/powerpoint/2012/main" xmlns:mc="http://schemas.openxmlformats.org/markup-compatibility/2006">
-  <p:cSld>
-    <p:spTree>
-      <p:nvGrpSpPr>
-        <p:cNvPr id="1" name=""/>
-        <p:cNvGrpSpPr/>
-        <p:nvPr/>
-      </p:nvGrpSpPr>
-      <p:grpSpPr>
-        <a:xfrm>
-          <a:off x="0" y="0"/>
-          <a:ext cx="0" cy="0"/>
-          <a:chOff x="0" y="0"/>
-          <a:chExt cx="0" cy="0"/>
-        </a:xfrm>
-      </p:grpSpPr>
-      <p:sp>
-        <p:nvSpPr>
-          <p:cNvPr id="97" name="PlaceHolder 1"/>
-          <p:cNvSpPr>
-            <a:spLocks noGrp="1"/>
-          </p:cNvSpPr>
-          <p:nvPr>
-            <p:ph type="title"/>
-          </p:nvPr>
-        </p:nvSpPr>
-        <p:spPr>
-          <a:xfrm>
-            <a:off x="504000" y="226080"/>
-            <a:ext cx="9070920" cy="945720"/>
-          </a:xfrm>
-          <a:prstGeom prst="rect">
-            <a:avLst/>
-          </a:prstGeom>
-          <a:noFill/>
-          <a:ln w="0">
-            <a:noFill/>
-          </a:ln>
-        </p:spPr>
-        <p:txBody>
-          <a:bodyPr lIns="0" rIns="0" tIns="0" bIns="0" anchor="ctr">
-            <a:noAutofit/>
-          </a:bodyPr>
-          <a:p>
-            <a:pPr indent="0" algn="ctr">
-              <a:lnSpc>
-                <a:spcPct val="100000"/>
-              </a:lnSpc>
-              <a:buNone/>
-              <a:tabLst>
-                <a:tab algn="l" pos="0"/>
-              </a:tabLst>
-            </a:pPr>
-            <a:r>
-              <a:rPr b="0" lang="pt-BR" sz="4400" spc="-1" strike="noStrike">
-                <a:solidFill>
-                  <a:srgbClr val="000000"/>
-                </a:solidFill>
-                <a:latin typeface="Arial"/>
-              </a:rPr>
-              <a:t>Controle de qualidade</a:t>
-            </a:r>
-            <a:endParaRPr b="0" lang="en-CA" sz="4400" spc="-1" strike="noStrike">
-              <a:solidFill>
-                <a:srgbClr val="000000"/>
-              </a:solidFill>
-              <a:latin typeface="Arial"/>
-            </a:endParaRPr>
-          </a:p>
-        </p:txBody>
-      </p:sp>
-      <p:pic>
-        <p:nvPicPr>
-          <p:cNvPr id="98" name="" descr=""/>
-          <p:cNvPicPr/>
-          <p:nvPr/>
-        </p:nvPicPr>
-        <p:blipFill>
-          <a:blip r:embed="rId1"/>
-          <a:stretch/>
-        </p:blipFill>
-        <p:spPr>
-          <a:xfrm>
-            <a:off x="180000" y="1620000"/>
-            <a:ext cx="9568440" cy="3240000"/>
-          </a:xfrm>
-          <a:prstGeom prst="rect">
-            <a:avLst/>
-          </a:prstGeom>
-          <a:ln w="0">
-            <a:noFill/>
-          </a:ln>
-        </p:spPr>
-      </p:pic>
-    </p:spTree>
-  </p:cSld>
-  <mc:AlternateContent>
-    <mc:Choice Requires="p14">
-      <p:transition spd="slow" p14:dur="2000"/>
-    </mc:Choice>
-    <mc:Fallback>
-      <p:transition spd="slow"/>
-    </mc:Fallback>
-  </mc:AlternateContent>
-</p:sld>
-</file>
-
-<file path=ppt/slides/slide9.xml><?xml version="1.0" encoding="utf-8"?>
-<p:sld xmlns:a="http://schemas.openxmlformats.org/drawingml/2006/main" xmlns:p="http://schemas.openxmlformats.org/presentationml/2006/main" xmlns:r="http://schemas.openxmlformats.org/officeDocument/2006/relationships" xmlns:p14="http://schemas.microsoft.com/office/powerpoint/2010/main" xmlns:p15="http://schemas.microsoft.com/office/powerpoint/2012/main" xmlns:mc="http://schemas.openxmlformats.org/markup-compatibility/2006">
-  <p:cSld>
-    <p:spTree>
-      <p:nvGrpSpPr>
-        <p:cNvPr id="1" name=""/>
-        <p:cNvGrpSpPr/>
-        <p:nvPr/>
-      </p:nvGrpSpPr>
-      <p:grpSpPr>
-        <a:xfrm>
-          <a:off x="0" y="0"/>
-          <a:ext cx="0" cy="0"/>
-          <a:chOff x="0" y="0"/>
-          <a:chExt cx="0" cy="0"/>
-        </a:xfrm>
-      </p:grpSpPr>
-      <p:sp>
-        <p:nvSpPr>
-          <p:cNvPr id="99" name="PlaceHolder 1"/>
-          <p:cNvSpPr>
-            <a:spLocks noGrp="1"/>
-          </p:cNvSpPr>
-          <p:nvPr>
-            <p:ph type="title"/>
-          </p:nvPr>
-        </p:nvSpPr>
-        <p:spPr>
-          <a:xfrm>
-            <a:off x="504000" y="226080"/>
-            <a:ext cx="9070920" cy="945720"/>
-          </a:xfrm>
-          <a:prstGeom prst="rect">
-            <a:avLst/>
-          </a:prstGeom>
-          <a:noFill/>
-          <a:ln w="0">
-            <a:noFill/>
-          </a:ln>
-        </p:spPr>
-        <p:txBody>
-          <a:bodyPr lIns="0" rIns="0" tIns="0" bIns="0" anchor="ctr">
-            <a:noAutofit/>
-          </a:bodyPr>
-          <a:p>
-            <a:pPr indent="0" algn="ctr">
-              <a:lnSpc>
-                <a:spcPct val="100000"/>
-              </a:lnSpc>
-              <a:buNone/>
-              <a:tabLst>
-                <a:tab algn="l" pos="0"/>
-              </a:tabLst>
-            </a:pPr>
-            <a:r>
-              <a:rPr b="0" lang="pt-BR" sz="4400" spc="-1" strike="noStrike">
+              <a:rPr lang="pt-BR" sz="4400" b="0" strike="noStrike" spc="-1">
                 <a:solidFill>
                   <a:srgbClr val="000000"/>
                 </a:solidFill>
@@ -7604,7 +8409,7 @@
               </a:rPr>
               <a:t>Divisão de tarefas</a:t>
             </a:r>
-            <a:endParaRPr b="0" lang="en-CA" sz="4400" spc="-1" strike="noStrike">
+            <a:endParaRPr lang="en-CA" sz="4400" b="0" strike="noStrike" spc="-1">
               <a:solidFill>
                 <a:srgbClr val="000000"/>
               </a:solidFill>
@@ -7615,12 +8420,12 @@
       </p:sp>
       <p:pic>
         <p:nvPicPr>
-          <p:cNvPr id="100" name="" descr=""/>
+          <p:cNvPr id="100" name="Picture 99"/>
           <p:cNvPicPr/>
           <p:nvPr/>
         </p:nvPicPr>
         <p:blipFill>
-          <a:blip r:embed="rId1"/>
+          <a:blip r:embed="rId2"/>
           <a:stretch/>
         </p:blipFill>
         <p:spPr>
@@ -7638,53 +8443,48 @@
       </p:pic>
     </p:spTree>
   </p:cSld>
-  <mc:AlternateContent>
-    <mc:Choice Requires="p14">
-      <p:transition spd="slow" p14:dur="2000"/>
-    </mc:Choice>
-    <mc:Fallback>
-      <p:transition spd="slow"/>
-    </mc:Fallback>
-  </mc:AlternateContent>
+  <p:clrMapOvr>
+    <a:masterClrMapping/>
+  </p:clrMapOvr>
 </p:sld>
 </file>
 
 <file path=ppt/theme/theme1.xml><?xml version="1.0" encoding="utf-8"?>
-<a:theme xmlns:a="http://schemas.openxmlformats.org/drawingml/2006/main" xmlns:r="http://schemas.openxmlformats.org/officeDocument/2006/relationships" name="Office Theme">
+<a:theme xmlns:a="http://schemas.openxmlformats.org/drawingml/2006/main" name="Office Theme">
   <a:themeElements>
     <a:clrScheme name="Office">
       <a:dk1>
         <a:srgbClr val="000000"/>
       </a:dk1>
       <a:lt1>
-        <a:srgbClr val="ffffff"/>
+        <a:srgbClr val="FFFFFF"/>
       </a:lt1>
       <a:dk2>
-        <a:srgbClr val="1f497d"/>
+        <a:srgbClr val="1F497D"/>
       </a:dk2>
       <a:lt2>
-        <a:srgbClr val="eeece1"/>
+        <a:srgbClr val="EEECE1"/>
       </a:lt2>
       <a:accent1>
-        <a:srgbClr val="4f81bd"/>
+        <a:srgbClr val="4F81BD"/>
       </a:accent1>
       <a:accent2>
-        <a:srgbClr val="c0504d"/>
+        <a:srgbClr val="C0504D"/>
       </a:accent2>
       <a:accent3>
-        <a:srgbClr val="9bbb59"/>
+        <a:srgbClr val="9BBB59"/>
       </a:accent3>
       <a:accent4>
-        <a:srgbClr val="8064a2"/>
+        <a:srgbClr val="8064A2"/>
       </a:accent4>
       <a:accent5>
-        <a:srgbClr val="4bacc6"/>
+        <a:srgbClr val="4BACC6"/>
       </a:accent5>
       <a:accent6>
-        <a:srgbClr val="f79646"/>
+        <a:srgbClr val="F79646"/>
       </a:accent6>
       <a:hlink>
-        <a:srgbClr val="0000ff"/>
+        <a:srgbClr val="0000FF"/>
       </a:hlink>
       <a:folHlink>
         <a:srgbClr val="800080"/>
@@ -7692,14 +8492,14 @@
     </a:clrScheme>
     <a:fontScheme name="Office">
       <a:majorFont>
-        <a:latin typeface="Arial" pitchFamily="0" charset="1"/>
-        <a:ea typeface="DejaVu Sans" pitchFamily="0" charset="1"/>
-        <a:cs typeface="DejaVu Sans" pitchFamily="0" charset="1"/>
+        <a:latin typeface="Arial"/>
+        <a:ea typeface="DejaVu Sans"/>
+        <a:cs typeface="DejaVu Sans"/>
       </a:majorFont>
       <a:minorFont>
-        <a:latin typeface="Arial" pitchFamily="0" charset="1"/>
-        <a:ea typeface="DejaVu Sans" pitchFamily="0" charset="1"/>
-        <a:cs typeface="DejaVu Sans" pitchFamily="0" charset="1"/>
+        <a:latin typeface="Arial"/>
+        <a:ea typeface="DejaVu Sans"/>
+        <a:cs typeface="DejaVu Sans"/>
       </a:minorFont>
     </a:fontScheme>
     <a:fmtScheme>
@@ -7726,7 +8526,7 @@
             </a:gs>
           </a:gsLst>
           <a:lin ang="16200000" scaled="1"/>
-          <a:tileRect l="0" t="0" r="0" b="0"/>
+          <a:tileRect/>
         </a:gradFill>
         <a:gradFill>
           <a:gsLst>
@@ -7747,7 +8547,7 @@
             </a:gs>
           </a:gsLst>
           <a:lin ang="16200000" scaled="0"/>
-          <a:tileRect l="0" t="0" r="0" b="0"/>
+          <a:tileRect/>
         </a:gradFill>
       </a:fillStyleLst>
       <a:lnStyleLst>
@@ -7801,7 +8601,7 @@
           <a:path path="circle">
             <a:fillToRect l="50000" t="-80000" r="50000" b="180000"/>
           </a:path>
-          <a:tileRect l="0" t="0" r="0" b="0"/>
+          <a:tileRect/>
         </a:gradFill>
         <a:gradFill>
           <a:gsLst>
@@ -7819,50 +8619,52 @@
           <a:path path="circle">
             <a:fillToRect l="50000" t="50000" r="50000" b="50000"/>
           </a:path>
-          <a:tileRect l="0" t="0" r="0" b="0"/>
+          <a:tileRect/>
         </a:gradFill>
       </a:bgFillStyleLst>
     </a:fmtScheme>
   </a:themeElements>
+  <a:objectDefaults/>
+  <a:extraClrSchemeLst/>
 </a:theme>
 </file>
 
 <file path=ppt/theme/theme2.xml><?xml version="1.0" encoding="utf-8"?>
-<a:theme xmlns:a="http://schemas.openxmlformats.org/drawingml/2006/main" xmlns:r="http://schemas.openxmlformats.org/officeDocument/2006/relationships" name="Office Theme">
+<a:theme xmlns:a="http://schemas.openxmlformats.org/drawingml/2006/main" name="Office Theme">
   <a:themeElements>
     <a:clrScheme name="Office">
       <a:dk1>
         <a:srgbClr val="000000"/>
       </a:dk1>
       <a:lt1>
-        <a:srgbClr val="ffffff"/>
+        <a:srgbClr val="FFFFFF"/>
       </a:lt1>
       <a:dk2>
-        <a:srgbClr val="1f497d"/>
+        <a:srgbClr val="1F497D"/>
       </a:dk2>
       <a:lt2>
-        <a:srgbClr val="eeece1"/>
+        <a:srgbClr val="EEECE1"/>
       </a:lt2>
       <a:accent1>
-        <a:srgbClr val="4f81bd"/>
+        <a:srgbClr val="4F81BD"/>
       </a:accent1>
       <a:accent2>
-        <a:srgbClr val="c0504d"/>
+        <a:srgbClr val="C0504D"/>
       </a:accent2>
       <a:accent3>
-        <a:srgbClr val="9bbb59"/>
+        <a:srgbClr val="9BBB59"/>
       </a:accent3>
       <a:accent4>
-        <a:srgbClr val="8064a2"/>
+        <a:srgbClr val="8064A2"/>
       </a:accent4>
       <a:accent5>
-        <a:srgbClr val="4bacc6"/>
+        <a:srgbClr val="4BACC6"/>
       </a:accent5>
       <a:accent6>
-        <a:srgbClr val="f79646"/>
+        <a:srgbClr val="F79646"/>
       </a:accent6>
       <a:hlink>
-        <a:srgbClr val="0000ff"/>
+        <a:srgbClr val="0000FF"/>
       </a:hlink>
       <a:folHlink>
         <a:srgbClr val="800080"/>
@@ -7870,14 +8672,14 @@
     </a:clrScheme>
     <a:fontScheme name="Office">
       <a:majorFont>
-        <a:latin typeface="Arial" pitchFamily="0" charset="1"/>
-        <a:ea typeface="DejaVu Sans" pitchFamily="0" charset="1"/>
-        <a:cs typeface="DejaVu Sans" pitchFamily="0" charset="1"/>
+        <a:latin typeface="Arial"/>
+        <a:ea typeface="DejaVu Sans"/>
+        <a:cs typeface="DejaVu Sans"/>
       </a:majorFont>
       <a:minorFont>
-        <a:latin typeface="Arial" pitchFamily="0" charset="1"/>
-        <a:ea typeface="DejaVu Sans" pitchFamily="0" charset="1"/>
-        <a:cs typeface="DejaVu Sans" pitchFamily="0" charset="1"/>
+        <a:latin typeface="Arial"/>
+        <a:ea typeface="DejaVu Sans"/>
+        <a:cs typeface="DejaVu Sans"/>
       </a:minorFont>
     </a:fontScheme>
     <a:fmtScheme>
@@ -7904,7 +8706,7 @@
             </a:gs>
           </a:gsLst>
           <a:lin ang="16200000" scaled="1"/>
-          <a:tileRect l="0" t="0" r="0" b="0"/>
+          <a:tileRect/>
         </a:gradFill>
         <a:gradFill>
           <a:gsLst>
@@ -7925,7 +8727,7 @@
             </a:gs>
           </a:gsLst>
           <a:lin ang="16200000" scaled="0"/>
-          <a:tileRect l="0" t="0" r="0" b="0"/>
+          <a:tileRect/>
         </a:gradFill>
       </a:fillStyleLst>
       <a:lnStyleLst>
@@ -7979,7 +8781,7 @@
           <a:path path="circle">
             <a:fillToRect l="50000" t="-80000" r="50000" b="180000"/>
           </a:path>
-          <a:tileRect l="0" t="0" r="0" b="0"/>
+          <a:tileRect/>
         </a:gradFill>
         <a:gradFill>
           <a:gsLst>
@@ -7997,10 +8799,12 @@
           <a:path path="circle">
             <a:fillToRect l="50000" t="50000" r="50000" b="50000"/>
           </a:path>
-          <a:tileRect l="0" t="0" r="0" b="0"/>
+          <a:tileRect/>
         </a:gradFill>
       </a:bgFillStyleLst>
     </a:fmtScheme>
   </a:themeElements>
+  <a:objectDefaults/>
+  <a:extraClrSchemeLst/>
 </a:theme>
 </file>
--- a/Files/TCC - Final/Apresentacao_Final.pptx
+++ b/Files/TCC - Final/Apresentacao_Final.pptx
@@ -1,130 +1,29 @@
 
 <file path=ppt/presentation.xml><?xml version="1.0" encoding="utf-8"?>
-<p:presentation xmlns:a="http://schemas.openxmlformats.org/drawingml/2006/main" xmlns:r="http://schemas.openxmlformats.org/officeDocument/2006/relationships" xmlns:p="http://schemas.openxmlformats.org/presentationml/2006/main">
+<p:presentation xmlns:a="http://schemas.openxmlformats.org/drawingml/2006/main" xmlns:p="http://schemas.openxmlformats.org/presentationml/2006/main" xmlns:r="http://schemas.openxmlformats.org/officeDocument/2006/relationships" xmlns:p14="http://schemas.microsoft.com/office/powerpoint/2010/main" xmlns:p15="http://schemas.microsoft.com/office/powerpoint/2012/main" xmlns:mc="http://schemas.openxmlformats.org/markup-compatibility/2006">
   <p:sldMasterIdLst>
-    <p:sldMasterId id="2147483648" r:id="rId1"/>
-    <p:sldMasterId id="2147483661" r:id="rId2"/>
+    <p:sldMasterId id="2147483648" r:id="rId2"/>
+    <p:sldMasterId id="2147483661" r:id="rId3"/>
   </p:sldMasterIdLst>
   <p:sldIdLst>
-    <p:sldId id="256" r:id="rId3"/>
-    <p:sldId id="257" r:id="rId4"/>
-    <p:sldId id="258" r:id="rId5"/>
-    <p:sldId id="259" r:id="rId6"/>
-    <p:sldId id="260" r:id="rId7"/>
-    <p:sldId id="261" r:id="rId8"/>
-    <p:sldId id="262" r:id="rId9"/>
-    <p:sldId id="263" r:id="rId10"/>
-    <p:sldId id="264" r:id="rId11"/>
-    <p:sldId id="265" r:id="rId12"/>
-    <p:sldId id="266" r:id="rId13"/>
+    <p:sldId id="256" r:id="rId4"/>
+    <p:sldId id="257" r:id="rId5"/>
+    <p:sldId id="258" r:id="rId6"/>
+    <p:sldId id="259" r:id="rId7"/>
+    <p:sldId id="260" r:id="rId8"/>
+    <p:sldId id="261" r:id="rId9"/>
+    <p:sldId id="262" r:id="rId10"/>
+    <p:sldId id="263" r:id="rId11"/>
+    <p:sldId id="264" r:id="rId12"/>
+    <p:sldId id="265" r:id="rId13"/>
   </p:sldIdLst>
   <p:sldSz cx="10080625" cy="5670550"/>
-  <p:notesSz cx="7772400" cy="10058400"/>
-  <p:defaultTextStyle>
-    <a:defPPr>
-      <a:defRPr lang="en-US"/>
-    </a:defPPr>
-    <a:lvl1pPr marL="0" algn="l" defTabSz="914400" rtl="0" eaLnBrk="1" latinLnBrk="0" hangingPunct="1">
-      <a:defRPr sz="1800" kern="1200">
-        <a:solidFill>
-          <a:schemeClr val="tx1"/>
-        </a:solidFill>
-        <a:latin typeface="+mn-lt"/>
-        <a:ea typeface="+mn-ea"/>
-        <a:cs typeface="+mn-cs"/>
-      </a:defRPr>
-    </a:lvl1pPr>
-    <a:lvl2pPr marL="457200" algn="l" defTabSz="914400" rtl="0" eaLnBrk="1" latinLnBrk="0" hangingPunct="1">
-      <a:defRPr sz="1800" kern="1200">
-        <a:solidFill>
-          <a:schemeClr val="tx1"/>
-        </a:solidFill>
-        <a:latin typeface="+mn-lt"/>
-        <a:ea typeface="+mn-ea"/>
-        <a:cs typeface="+mn-cs"/>
-      </a:defRPr>
-    </a:lvl2pPr>
-    <a:lvl3pPr marL="914400" algn="l" defTabSz="914400" rtl="0" eaLnBrk="1" latinLnBrk="0" hangingPunct="1">
-      <a:defRPr sz="1800" kern="1200">
-        <a:solidFill>
-          <a:schemeClr val="tx1"/>
-        </a:solidFill>
-        <a:latin typeface="+mn-lt"/>
-        <a:ea typeface="+mn-ea"/>
-        <a:cs typeface="+mn-cs"/>
-      </a:defRPr>
-    </a:lvl3pPr>
-    <a:lvl4pPr marL="1371600" algn="l" defTabSz="914400" rtl="0" eaLnBrk="1" latinLnBrk="0" hangingPunct="1">
-      <a:defRPr sz="1800" kern="1200">
-        <a:solidFill>
-          <a:schemeClr val="tx1"/>
-        </a:solidFill>
-        <a:latin typeface="+mn-lt"/>
-        <a:ea typeface="+mn-ea"/>
-        <a:cs typeface="+mn-cs"/>
-      </a:defRPr>
-    </a:lvl4pPr>
-    <a:lvl5pPr marL="1828800" algn="l" defTabSz="914400" rtl="0" eaLnBrk="1" latinLnBrk="0" hangingPunct="1">
-      <a:defRPr sz="1800" kern="1200">
-        <a:solidFill>
-          <a:schemeClr val="tx1"/>
-        </a:solidFill>
-        <a:latin typeface="+mn-lt"/>
-        <a:ea typeface="+mn-ea"/>
-        <a:cs typeface="+mn-cs"/>
-      </a:defRPr>
-    </a:lvl5pPr>
-    <a:lvl6pPr marL="2286000" algn="l" defTabSz="914400" rtl="0" eaLnBrk="1" latinLnBrk="0" hangingPunct="1">
-      <a:defRPr sz="1800" kern="1200">
-        <a:solidFill>
-          <a:schemeClr val="tx1"/>
-        </a:solidFill>
-        <a:latin typeface="+mn-lt"/>
-        <a:ea typeface="+mn-ea"/>
-        <a:cs typeface="+mn-cs"/>
-      </a:defRPr>
-    </a:lvl6pPr>
-    <a:lvl7pPr marL="2743200" algn="l" defTabSz="914400" rtl="0" eaLnBrk="1" latinLnBrk="0" hangingPunct="1">
-      <a:defRPr sz="1800" kern="1200">
-        <a:solidFill>
-          <a:schemeClr val="tx1"/>
-        </a:solidFill>
-        <a:latin typeface="+mn-lt"/>
-        <a:ea typeface="+mn-ea"/>
-        <a:cs typeface="+mn-cs"/>
-      </a:defRPr>
-    </a:lvl7pPr>
-    <a:lvl8pPr marL="3200400" algn="l" defTabSz="914400" rtl="0" eaLnBrk="1" latinLnBrk="0" hangingPunct="1">
-      <a:defRPr sz="1800" kern="1200">
-        <a:solidFill>
-          <a:schemeClr val="tx1"/>
-        </a:solidFill>
-        <a:latin typeface="+mn-lt"/>
-        <a:ea typeface="+mn-ea"/>
-        <a:cs typeface="+mn-cs"/>
-      </a:defRPr>
-    </a:lvl8pPr>
-    <a:lvl9pPr marL="3657600" algn="l" defTabSz="914400" rtl="0" eaLnBrk="1" latinLnBrk="0" hangingPunct="1">
-      <a:defRPr sz="1800" kern="1200">
-        <a:solidFill>
-          <a:schemeClr val="tx1"/>
-        </a:solidFill>
-        <a:latin typeface="+mn-lt"/>
-        <a:ea typeface="+mn-ea"/>
-        <a:cs typeface="+mn-cs"/>
-      </a:defRPr>
-    </a:lvl9pPr>
-  </p:defaultTextStyle>
-  <p:extLst>
-    <p:ext uri="{EFAFB233-063F-42B5-8137-9DF3F51BA10A}">
-      <p15:sldGuideLst xmlns:p15="http://schemas.microsoft.com/office/powerpoint/2012/main"/>
-    </p:ext>
-  </p:extLst>
+  <p:notesSz cx="7559675" cy="10691813"/>
 </p:presentation>
 </file>
 
 <file path=ppt/slideLayouts/slideLayout1.xml><?xml version="1.0" encoding="utf-8"?>
-<p:sldLayout xmlns:a="http://schemas.openxmlformats.org/drawingml/2006/main" xmlns:r="http://schemas.openxmlformats.org/officeDocument/2006/relationships" xmlns:p="http://schemas.openxmlformats.org/presentationml/2006/main" type="blank" preserve="1">
+<p:sldLayout xmlns:a="http://schemas.openxmlformats.org/drawingml/2006/main" xmlns:p="http://schemas.openxmlformats.org/presentationml/2006/main" xmlns:r="http://schemas.openxmlformats.org/officeDocument/2006/relationships" xmlns:p14="http://schemas.microsoft.com/office/powerpoint/2010/main" xmlns:p15="http://schemas.microsoft.com/office/powerpoint/2012/main" xmlns:mc="http://schemas.openxmlformats.org/markup-compatibility/2006" type="blank" preserve="1">
   <p:cSld name="Blank Slide">
     <p:spTree>
       <p:nvGrpSpPr>
@@ -153,7 +52,6 @@
         <p:spPr/>
         <p:txBody>
           <a:bodyPr/>
-          <a:lstStyle/>
           <a:p>
             <a:r>
               <a:t>Footer</a:t>
@@ -174,12 +72,10 @@
         <p:spPr/>
         <p:txBody>
           <a:bodyPr/>
-          <a:lstStyle/>
-          <a:p>
-            <a:fld id="{D78C7CE6-9959-4587-9062-D7F0DA1549A3}" type="slidenum">
-              <a:t>‹#›</a:t>
+          <a:p>
+            <a:fld id="{99F17327-625F-492F-872C-048A8D22C7CE}" type="slidenum">
+              <a:t>&lt;#&gt;</a:t>
             </a:fld>
-            <a:endParaRPr/>
           </a:p>
         </p:txBody>
       </p:sp>
@@ -196,22 +92,21 @@
         <p:spPr/>
         <p:txBody>
           <a:bodyPr/>
-          <a:lstStyle/>
-          <a:p>
-            <a:endParaRPr/>
+          <a:p>
+            <a:r>
+              <a:rPr lang="pt-BR"/>
+              <a:t/>
+            </a:r>
           </a:p>
         </p:txBody>
       </p:sp>
     </p:spTree>
   </p:cSld>
-  <p:clrMapOvr>
-    <a:masterClrMapping/>
-  </p:clrMapOvr>
 </p:sldLayout>
 </file>
 
 <file path=ppt/slideLayouts/slideLayout10.xml><?xml version="1.0" encoding="utf-8"?>
-<p:sldLayout xmlns:a="http://schemas.openxmlformats.org/drawingml/2006/main" xmlns:r="http://schemas.openxmlformats.org/officeDocument/2006/relationships" xmlns:p="http://schemas.openxmlformats.org/presentationml/2006/main" type="objOverTx" preserve="1">
+<p:sldLayout xmlns:a="http://schemas.openxmlformats.org/drawingml/2006/main" xmlns:p="http://schemas.openxmlformats.org/presentationml/2006/main" xmlns:r="http://schemas.openxmlformats.org/officeDocument/2006/relationships" xmlns:p14="http://schemas.microsoft.com/office/powerpoint/2010/main" xmlns:p15="http://schemas.microsoft.com/office/powerpoint/2012/main" xmlns:mc="http://schemas.openxmlformats.org/markup-compatibility/2006" type="objOverTx" preserve="1">
   <p:cSld name="Title, Content over Content">
     <p:spTree>
       <p:nvGrpSpPr>
@@ -251,15 +146,14 @@
           </a:ln>
         </p:spPr>
         <p:txBody>
-          <a:bodyPr lIns="0" tIns="0" rIns="0" bIns="0" anchor="ctr">
+          <a:bodyPr lIns="0" rIns="0" tIns="0" bIns="0" anchor="ctr">
             <a:noAutofit/>
           </a:bodyPr>
-          <a:lstStyle/>
-          <a:p>
-            <a:pPr indent="0" algn="ctr">
-              <a:buNone/>
-            </a:pPr>
-            <a:endParaRPr lang="en-CA" sz="4400" b="0" strike="noStrike" spc="-1">
+          <a:p>
+            <a:pPr indent="0">
+              <a:buNone/>
+            </a:pPr>
+            <a:endParaRPr b="0" lang="en-US" sz="1800" spc="-1" strike="noStrike">
               <a:solidFill>
                 <a:srgbClr val="000000"/>
               </a:solidFill>
@@ -292,18 +186,20 @@
           </a:ln>
         </p:spPr>
         <p:txBody>
-          <a:bodyPr lIns="0" tIns="0" rIns="0" bIns="0" anchor="t">
+          <a:bodyPr lIns="0" rIns="0" tIns="0" bIns="0" anchor="t">
             <a:normAutofit/>
           </a:bodyPr>
-          <a:lstStyle/>
           <a:p>
             <a:pPr indent="0">
+              <a:lnSpc>
+                <a:spcPct val="90000"/>
+              </a:lnSpc>
               <a:spcBef>
                 <a:spcPts val="1417"/>
               </a:spcBef>
               <a:buNone/>
             </a:pPr>
-            <a:endParaRPr lang="en-CA" sz="3200" b="0" strike="noStrike" spc="-1">
+            <a:endParaRPr b="0" lang="en-US" sz="2800" spc="-1" strike="noStrike">
               <a:solidFill>
                 <a:srgbClr val="000000"/>
               </a:solidFill>
@@ -336,18 +232,20 @@
           </a:ln>
         </p:spPr>
         <p:txBody>
-          <a:bodyPr lIns="0" tIns="0" rIns="0" bIns="0" anchor="t">
+          <a:bodyPr lIns="0" rIns="0" tIns="0" bIns="0" anchor="t">
             <a:normAutofit/>
           </a:bodyPr>
-          <a:lstStyle/>
           <a:p>
             <a:pPr indent="0">
+              <a:lnSpc>
+                <a:spcPct val="90000"/>
+              </a:lnSpc>
               <a:spcBef>
                 <a:spcPts val="1417"/>
               </a:spcBef>
               <a:buNone/>
             </a:pPr>
-            <a:endParaRPr lang="en-CA" sz="3200" b="0" strike="noStrike" spc="-1">
+            <a:endParaRPr b="0" lang="en-US" sz="2800" spc="-1" strike="noStrike">
               <a:solidFill>
                 <a:srgbClr val="000000"/>
               </a:solidFill>
@@ -369,7 +267,6 @@
         <p:spPr/>
         <p:txBody>
           <a:bodyPr/>
-          <a:lstStyle/>
           <a:p>
             <a:r>
               <a:t>Footer</a:t>
@@ -390,12 +287,10 @@
         <p:spPr/>
         <p:txBody>
           <a:bodyPr/>
-          <a:lstStyle/>
-          <a:p>
-            <a:fld id="{F76DCF2E-7885-41BF-AE70-7239437CD8CC}" type="slidenum">
-              <a:t>‹#›</a:t>
+          <a:p>
+            <a:fld id="{D39C72FD-FCA4-49DC-9701-CE1C2CA22BB8}" type="slidenum">
+              <a:t>&lt;#&gt;</a:t>
             </a:fld>
-            <a:endParaRPr/>
           </a:p>
         </p:txBody>
       </p:sp>
@@ -412,22 +307,21 @@
         <p:spPr/>
         <p:txBody>
           <a:bodyPr/>
-          <a:lstStyle/>
-          <a:p>
-            <a:endParaRPr/>
+          <a:p>
+            <a:r>
+              <a:rPr lang="pt-BR"/>
+              <a:t/>
+            </a:r>
           </a:p>
         </p:txBody>
       </p:sp>
     </p:spTree>
   </p:cSld>
-  <p:clrMapOvr>
-    <a:masterClrMapping/>
-  </p:clrMapOvr>
 </p:sldLayout>
 </file>
 
 <file path=ppt/slideLayouts/slideLayout11.xml><?xml version="1.0" encoding="utf-8"?>
-<p:sldLayout xmlns:a="http://schemas.openxmlformats.org/drawingml/2006/main" xmlns:r="http://schemas.openxmlformats.org/officeDocument/2006/relationships" xmlns:p="http://schemas.openxmlformats.org/presentationml/2006/main" type="fourObj" preserve="1">
+<p:sldLayout xmlns:a="http://schemas.openxmlformats.org/drawingml/2006/main" xmlns:p="http://schemas.openxmlformats.org/presentationml/2006/main" xmlns:r="http://schemas.openxmlformats.org/officeDocument/2006/relationships" xmlns:p14="http://schemas.microsoft.com/office/powerpoint/2010/main" xmlns:p15="http://schemas.microsoft.com/office/powerpoint/2012/main" xmlns:mc="http://schemas.openxmlformats.org/markup-compatibility/2006" type="fourObj" preserve="1">
   <p:cSld name="Title, 4 Content">
     <p:spTree>
       <p:nvGrpSpPr>
@@ -467,15 +361,14 @@
           </a:ln>
         </p:spPr>
         <p:txBody>
-          <a:bodyPr lIns="0" tIns="0" rIns="0" bIns="0" anchor="ctr">
+          <a:bodyPr lIns="0" rIns="0" tIns="0" bIns="0" anchor="ctr">
             <a:noAutofit/>
           </a:bodyPr>
-          <a:lstStyle/>
-          <a:p>
-            <a:pPr indent="0" algn="ctr">
-              <a:buNone/>
-            </a:pPr>
-            <a:endParaRPr lang="en-CA" sz="4400" b="0" strike="noStrike" spc="-1">
+          <a:p>
+            <a:pPr indent="0">
+              <a:buNone/>
+            </a:pPr>
+            <a:endParaRPr b="0" lang="en-US" sz="1800" spc="-1" strike="noStrike">
               <a:solidFill>
                 <a:srgbClr val="000000"/>
               </a:solidFill>
@@ -508,18 +401,20 @@
           </a:ln>
         </p:spPr>
         <p:txBody>
-          <a:bodyPr lIns="0" tIns="0" rIns="0" bIns="0" anchor="t">
+          <a:bodyPr lIns="0" rIns="0" tIns="0" bIns="0" anchor="t">
             <a:normAutofit/>
           </a:bodyPr>
-          <a:lstStyle/>
           <a:p>
             <a:pPr indent="0">
+              <a:lnSpc>
+                <a:spcPct val="90000"/>
+              </a:lnSpc>
               <a:spcBef>
                 <a:spcPts val="1417"/>
               </a:spcBef>
               <a:buNone/>
             </a:pPr>
-            <a:endParaRPr lang="en-CA" sz="3200" b="0" strike="noStrike" spc="-1">
+            <a:endParaRPr b="0" lang="en-US" sz="2800" spc="-1" strike="noStrike">
               <a:solidFill>
                 <a:srgbClr val="000000"/>
               </a:solidFill>
@@ -552,18 +447,20 @@
           </a:ln>
         </p:spPr>
         <p:txBody>
-          <a:bodyPr lIns="0" tIns="0" rIns="0" bIns="0" anchor="t">
+          <a:bodyPr lIns="0" rIns="0" tIns="0" bIns="0" anchor="t">
             <a:normAutofit/>
           </a:bodyPr>
-          <a:lstStyle/>
           <a:p>
             <a:pPr indent="0">
+              <a:lnSpc>
+                <a:spcPct val="90000"/>
+              </a:lnSpc>
               <a:spcBef>
                 <a:spcPts val="1417"/>
               </a:spcBef>
               <a:buNone/>
             </a:pPr>
-            <a:endParaRPr lang="en-CA" sz="3200" b="0" strike="noStrike" spc="-1">
+            <a:endParaRPr b="0" lang="en-US" sz="2800" spc="-1" strike="noStrike">
               <a:solidFill>
                 <a:srgbClr val="000000"/>
               </a:solidFill>
@@ -596,18 +493,20 @@
           </a:ln>
         </p:spPr>
         <p:txBody>
-          <a:bodyPr lIns="0" tIns="0" rIns="0" bIns="0" anchor="t">
+          <a:bodyPr lIns="0" rIns="0" tIns="0" bIns="0" anchor="t">
             <a:normAutofit/>
           </a:bodyPr>
-          <a:lstStyle/>
           <a:p>
             <a:pPr indent="0">
+              <a:lnSpc>
+                <a:spcPct val="90000"/>
+              </a:lnSpc>
               <a:spcBef>
                 <a:spcPts val="1417"/>
               </a:spcBef>
               <a:buNone/>
             </a:pPr>
-            <a:endParaRPr lang="en-CA" sz="3200" b="0" strike="noStrike" spc="-1">
+            <a:endParaRPr b="0" lang="en-US" sz="2800" spc="-1" strike="noStrike">
               <a:solidFill>
                 <a:srgbClr val="000000"/>
               </a:solidFill>
@@ -640,18 +539,20 @@
           </a:ln>
         </p:spPr>
         <p:txBody>
-          <a:bodyPr lIns="0" tIns="0" rIns="0" bIns="0" anchor="t">
+          <a:bodyPr lIns="0" rIns="0" tIns="0" bIns="0" anchor="t">
             <a:normAutofit/>
           </a:bodyPr>
-          <a:lstStyle/>
           <a:p>
             <a:pPr indent="0">
+              <a:lnSpc>
+                <a:spcPct val="90000"/>
+              </a:lnSpc>
               <a:spcBef>
                 <a:spcPts val="1417"/>
               </a:spcBef>
               <a:buNone/>
             </a:pPr>
-            <a:endParaRPr lang="en-CA" sz="3200" b="0" strike="noStrike" spc="-1">
+            <a:endParaRPr b="0" lang="en-US" sz="2800" spc="-1" strike="noStrike">
               <a:solidFill>
                 <a:srgbClr val="000000"/>
               </a:solidFill>
@@ -673,7 +574,6 @@
         <p:spPr/>
         <p:txBody>
           <a:bodyPr/>
-          <a:lstStyle/>
           <a:p>
             <a:r>
               <a:t>Footer</a:t>
@@ -694,12 +594,10 @@
         <p:spPr/>
         <p:txBody>
           <a:bodyPr/>
-          <a:lstStyle/>
-          <a:p>
-            <a:fld id="{A0FCA35E-9A69-4EC0-A8CD-7AFFB3F65111}" type="slidenum">
-              <a:t>‹#›</a:t>
+          <a:p>
+            <a:fld id="{D1C27CF2-C1E3-4782-A826-1A0F242E26ED}" type="slidenum">
+              <a:t>&lt;#&gt;</a:t>
             </a:fld>
-            <a:endParaRPr/>
           </a:p>
         </p:txBody>
       </p:sp>
@@ -716,22 +614,21 @@
         <p:spPr/>
         <p:txBody>
           <a:bodyPr/>
-          <a:lstStyle/>
-          <a:p>
-            <a:endParaRPr/>
+          <a:p>
+            <a:r>
+              <a:rPr lang="pt-BR"/>
+              <a:t/>
+            </a:r>
           </a:p>
         </p:txBody>
       </p:sp>
     </p:spTree>
   </p:cSld>
-  <p:clrMapOvr>
-    <a:masterClrMapping/>
-  </p:clrMapOvr>
 </p:sldLayout>
 </file>
 
 <file path=ppt/slideLayouts/slideLayout12.xml><?xml version="1.0" encoding="utf-8"?>
-<p:sldLayout xmlns:a="http://schemas.openxmlformats.org/drawingml/2006/main" xmlns:r="http://schemas.openxmlformats.org/officeDocument/2006/relationships" xmlns:p="http://schemas.openxmlformats.org/presentationml/2006/main" type="blank" preserve="1">
+<p:sldLayout xmlns:a="http://schemas.openxmlformats.org/drawingml/2006/main" xmlns:p="http://schemas.openxmlformats.org/presentationml/2006/main" xmlns:r="http://schemas.openxmlformats.org/officeDocument/2006/relationships" xmlns:p14="http://schemas.microsoft.com/office/powerpoint/2010/main" xmlns:p15="http://schemas.microsoft.com/office/powerpoint/2012/main" xmlns:mc="http://schemas.openxmlformats.org/markup-compatibility/2006" type="blank" preserve="1">
   <p:cSld name="Title, 6 Content">
     <p:spTree>
       <p:nvGrpSpPr>
@@ -771,15 +668,14 @@
           </a:ln>
         </p:spPr>
         <p:txBody>
-          <a:bodyPr lIns="0" tIns="0" rIns="0" bIns="0" anchor="ctr">
+          <a:bodyPr lIns="0" rIns="0" tIns="0" bIns="0" anchor="ctr">
             <a:noAutofit/>
           </a:bodyPr>
-          <a:lstStyle/>
-          <a:p>
-            <a:pPr indent="0" algn="ctr">
-              <a:buNone/>
-            </a:pPr>
-            <a:endParaRPr lang="en-CA" sz="4400" b="0" strike="noStrike" spc="-1">
+          <a:p>
+            <a:pPr indent="0">
+              <a:buNone/>
+            </a:pPr>
+            <a:endParaRPr b="0" lang="en-US" sz="1800" spc="-1" strike="noStrike">
               <a:solidFill>
                 <a:srgbClr val="000000"/>
               </a:solidFill>
@@ -812,18 +708,20 @@
           </a:ln>
         </p:spPr>
         <p:txBody>
-          <a:bodyPr lIns="0" tIns="0" rIns="0" bIns="0" anchor="t">
+          <a:bodyPr lIns="0" rIns="0" tIns="0" bIns="0" anchor="t">
             <a:normAutofit/>
           </a:bodyPr>
-          <a:lstStyle/>
           <a:p>
             <a:pPr indent="0">
+              <a:lnSpc>
+                <a:spcPct val="90000"/>
+              </a:lnSpc>
               <a:spcBef>
                 <a:spcPts val="1417"/>
               </a:spcBef>
               <a:buNone/>
             </a:pPr>
-            <a:endParaRPr lang="en-CA" sz="3200" b="0" strike="noStrike" spc="-1">
+            <a:endParaRPr b="0" lang="en-US" sz="2800" spc="-1" strike="noStrike">
               <a:solidFill>
                 <a:srgbClr val="000000"/>
               </a:solidFill>
@@ -856,18 +754,20 @@
           </a:ln>
         </p:spPr>
         <p:txBody>
-          <a:bodyPr lIns="0" tIns="0" rIns="0" bIns="0" anchor="t">
+          <a:bodyPr lIns="0" rIns="0" tIns="0" bIns="0" anchor="t">
             <a:normAutofit/>
           </a:bodyPr>
-          <a:lstStyle/>
           <a:p>
             <a:pPr indent="0">
+              <a:lnSpc>
+                <a:spcPct val="90000"/>
+              </a:lnSpc>
               <a:spcBef>
                 <a:spcPts val="1417"/>
               </a:spcBef>
               <a:buNone/>
             </a:pPr>
-            <a:endParaRPr lang="en-CA" sz="3200" b="0" strike="noStrike" spc="-1">
+            <a:endParaRPr b="0" lang="en-US" sz="2800" spc="-1" strike="noStrike">
               <a:solidFill>
                 <a:srgbClr val="000000"/>
               </a:solidFill>
@@ -900,18 +800,20 @@
           </a:ln>
         </p:spPr>
         <p:txBody>
-          <a:bodyPr lIns="0" tIns="0" rIns="0" bIns="0" anchor="t">
+          <a:bodyPr lIns="0" rIns="0" tIns="0" bIns="0" anchor="t">
             <a:normAutofit/>
           </a:bodyPr>
-          <a:lstStyle/>
           <a:p>
             <a:pPr indent="0">
+              <a:lnSpc>
+                <a:spcPct val="90000"/>
+              </a:lnSpc>
               <a:spcBef>
                 <a:spcPts val="1417"/>
               </a:spcBef>
               <a:buNone/>
             </a:pPr>
-            <a:endParaRPr lang="en-CA" sz="3200" b="0" strike="noStrike" spc="-1">
+            <a:endParaRPr b="0" lang="en-US" sz="2800" spc="-1" strike="noStrike">
               <a:solidFill>
                 <a:srgbClr val="000000"/>
               </a:solidFill>
@@ -944,18 +846,20 @@
           </a:ln>
         </p:spPr>
         <p:txBody>
-          <a:bodyPr lIns="0" tIns="0" rIns="0" bIns="0" anchor="t">
+          <a:bodyPr lIns="0" rIns="0" tIns="0" bIns="0" anchor="t">
             <a:normAutofit/>
           </a:bodyPr>
-          <a:lstStyle/>
           <a:p>
             <a:pPr indent="0">
+              <a:lnSpc>
+                <a:spcPct val="90000"/>
+              </a:lnSpc>
               <a:spcBef>
                 <a:spcPts val="1417"/>
               </a:spcBef>
               <a:buNone/>
             </a:pPr>
-            <a:endParaRPr lang="en-CA" sz="3200" b="0" strike="noStrike" spc="-1">
+            <a:endParaRPr b="0" lang="en-US" sz="2800" spc="-1" strike="noStrike">
               <a:solidFill>
                 <a:srgbClr val="000000"/>
               </a:solidFill>
@@ -988,18 +892,20 @@
           </a:ln>
         </p:spPr>
         <p:txBody>
-          <a:bodyPr lIns="0" tIns="0" rIns="0" bIns="0" anchor="t">
+          <a:bodyPr lIns="0" rIns="0" tIns="0" bIns="0" anchor="t">
             <a:normAutofit/>
           </a:bodyPr>
-          <a:lstStyle/>
           <a:p>
             <a:pPr indent="0">
+              <a:lnSpc>
+                <a:spcPct val="90000"/>
+              </a:lnSpc>
               <a:spcBef>
                 <a:spcPts val="1417"/>
               </a:spcBef>
               <a:buNone/>
             </a:pPr>
-            <a:endParaRPr lang="en-CA" sz="3200" b="0" strike="noStrike" spc="-1">
+            <a:endParaRPr b="0" lang="en-US" sz="2800" spc="-1" strike="noStrike">
               <a:solidFill>
                 <a:srgbClr val="000000"/>
               </a:solidFill>
@@ -1032,18 +938,20 @@
           </a:ln>
         </p:spPr>
         <p:txBody>
-          <a:bodyPr lIns="0" tIns="0" rIns="0" bIns="0" anchor="t">
+          <a:bodyPr lIns="0" rIns="0" tIns="0" bIns="0" anchor="t">
             <a:normAutofit/>
           </a:bodyPr>
-          <a:lstStyle/>
           <a:p>
             <a:pPr indent="0">
+              <a:lnSpc>
+                <a:spcPct val="90000"/>
+              </a:lnSpc>
               <a:spcBef>
                 <a:spcPts val="1417"/>
               </a:spcBef>
               <a:buNone/>
             </a:pPr>
-            <a:endParaRPr lang="en-CA" sz="3200" b="0" strike="noStrike" spc="-1">
+            <a:endParaRPr b="0" lang="en-US" sz="2800" spc="-1" strike="noStrike">
               <a:solidFill>
                 <a:srgbClr val="000000"/>
               </a:solidFill>
@@ -1065,7 +973,6 @@
         <p:spPr/>
         <p:txBody>
           <a:bodyPr/>
-          <a:lstStyle/>
           <a:p>
             <a:r>
               <a:t>Footer</a:t>
@@ -1086,12 +993,10 @@
         <p:spPr/>
         <p:txBody>
           <a:bodyPr/>
-          <a:lstStyle/>
-          <a:p>
-            <a:fld id="{6012B156-A996-4900-BF8E-EAB71E75661C}" type="slidenum">
-              <a:t>‹#›</a:t>
+          <a:p>
+            <a:fld id="{715A3422-CF1E-417D-8714-03060AF5A27A}" type="slidenum">
+              <a:t>&lt;#&gt;</a:t>
             </a:fld>
-            <a:endParaRPr/>
           </a:p>
         </p:txBody>
       </p:sp>
@@ -1108,22 +1013,21 @@
         <p:spPr/>
         <p:txBody>
           <a:bodyPr/>
-          <a:lstStyle/>
-          <a:p>
-            <a:endParaRPr/>
+          <a:p>
+            <a:r>
+              <a:rPr lang="pt-BR"/>
+              <a:t/>
+            </a:r>
           </a:p>
         </p:txBody>
       </p:sp>
     </p:spTree>
   </p:cSld>
-  <p:clrMapOvr>
-    <a:masterClrMapping/>
-  </p:clrMapOvr>
 </p:sldLayout>
 </file>
 
 <file path=ppt/slideLayouts/slideLayout13.xml><?xml version="1.0" encoding="utf-8"?>
-<p:sldLayout xmlns:a="http://schemas.openxmlformats.org/drawingml/2006/main" xmlns:r="http://schemas.openxmlformats.org/officeDocument/2006/relationships" xmlns:p="http://schemas.openxmlformats.org/presentationml/2006/main" type="blank" preserve="1">
+<p:sldLayout xmlns:a="http://schemas.openxmlformats.org/drawingml/2006/main" xmlns:p="http://schemas.openxmlformats.org/presentationml/2006/main" xmlns:r="http://schemas.openxmlformats.org/officeDocument/2006/relationships" xmlns:p14="http://schemas.microsoft.com/office/powerpoint/2010/main" xmlns:p15="http://schemas.microsoft.com/office/powerpoint/2012/main" xmlns:mc="http://schemas.openxmlformats.org/markup-compatibility/2006" type="blank" preserve="1">
   <p:cSld name="Blank Slide">
     <p:spTree>
       <p:nvGrpSpPr>
@@ -1152,7 +1056,6 @@
         <p:spPr/>
         <p:txBody>
           <a:bodyPr/>
-          <a:lstStyle/>
           <a:p>
             <a:r>
               <a:t>Footer</a:t>
@@ -1173,12 +1076,10 @@
         <p:spPr/>
         <p:txBody>
           <a:bodyPr/>
-          <a:lstStyle/>
-          <a:p>
-            <a:fld id="{C854EA5C-A5E2-4FC0-8204-1B831F28C5CD}" type="slidenum">
-              <a:t>‹#›</a:t>
+          <a:p>
+            <a:fld id="{4D2B7147-6500-4042-87B2-CB003C7A4285}" type="slidenum">
+              <a:t>&lt;#&gt;</a:t>
             </a:fld>
-            <a:endParaRPr/>
           </a:p>
         </p:txBody>
       </p:sp>
@@ -1195,22 +1096,21 @@
         <p:spPr/>
         <p:txBody>
           <a:bodyPr/>
-          <a:lstStyle/>
-          <a:p>
-            <a:endParaRPr/>
+          <a:p>
+            <a:r>
+              <a:rPr lang="pt-BR"/>
+              <a:t/>
+            </a:r>
           </a:p>
         </p:txBody>
       </p:sp>
     </p:spTree>
   </p:cSld>
-  <p:clrMapOvr>
-    <a:masterClrMapping/>
-  </p:clrMapOvr>
 </p:sldLayout>
 </file>
 
 <file path=ppt/slideLayouts/slideLayout14.xml><?xml version="1.0" encoding="utf-8"?>
-<p:sldLayout xmlns:a="http://schemas.openxmlformats.org/drawingml/2006/main" xmlns:r="http://schemas.openxmlformats.org/officeDocument/2006/relationships" xmlns:p="http://schemas.openxmlformats.org/presentationml/2006/main" type="tx" preserve="1">
+<p:sldLayout xmlns:a="http://schemas.openxmlformats.org/drawingml/2006/main" xmlns:p="http://schemas.openxmlformats.org/presentationml/2006/main" xmlns:r="http://schemas.openxmlformats.org/officeDocument/2006/relationships" xmlns:p14="http://schemas.microsoft.com/office/powerpoint/2010/main" xmlns:p15="http://schemas.microsoft.com/office/powerpoint/2012/main" xmlns:mc="http://schemas.openxmlformats.org/markup-compatibility/2006" type="tx" preserve="1">
   <p:cSld name="Title Slide">
     <p:spTree>
       <p:nvGrpSpPr>
@@ -1250,15 +1150,14 @@
           </a:ln>
         </p:spPr>
         <p:txBody>
-          <a:bodyPr lIns="0" tIns="0" rIns="0" bIns="0" anchor="ctr">
+          <a:bodyPr lIns="0" rIns="0" tIns="0" bIns="0" anchor="ctr">
             <a:noAutofit/>
           </a:bodyPr>
-          <a:lstStyle/>
-          <a:p>
-            <a:pPr indent="0" algn="ctr">
-              <a:buNone/>
-            </a:pPr>
-            <a:endParaRPr lang="en-CA" sz="4400" b="0" strike="noStrike" spc="-1">
+          <a:p>
+            <a:pPr indent="0">
+              <a:buNone/>
+            </a:pPr>
+            <a:endParaRPr b="0" lang="en-US" sz="1800" spc="-1" strike="noStrike">
               <a:solidFill>
                 <a:srgbClr val="000000"/>
               </a:solidFill>
@@ -1291,15 +1190,14 @@
           </a:ln>
         </p:spPr>
         <p:txBody>
-          <a:bodyPr lIns="0" tIns="0" rIns="0" bIns="0" anchor="ctr">
+          <a:bodyPr lIns="0" rIns="0" tIns="0" bIns="0" anchor="ctr">
             <a:noAutofit/>
           </a:bodyPr>
-          <a:lstStyle/>
           <a:p>
             <a:pPr indent="0" algn="ctr">
               <a:buNone/>
             </a:pPr>
-            <a:endParaRPr lang="en-CA" sz="3200" b="0" strike="noStrike" spc="-1">
+            <a:endParaRPr b="0" lang="pt-BR" sz="3200" spc="-1" strike="noStrike">
               <a:solidFill>
                 <a:srgbClr val="000000"/>
               </a:solidFill>
@@ -1321,7 +1219,6 @@
         <p:spPr/>
         <p:txBody>
           <a:bodyPr/>
-          <a:lstStyle/>
           <a:p>
             <a:r>
               <a:t>Footer</a:t>
@@ -1342,12 +1239,10 @@
         <p:spPr/>
         <p:txBody>
           <a:bodyPr/>
-          <a:lstStyle/>
-          <a:p>
-            <a:fld id="{9948EBCA-D311-49DE-BD43-1FAF1CE0B080}" type="slidenum">
-              <a:t>‹#›</a:t>
+          <a:p>
+            <a:fld id="{A5DB25FB-D827-42C9-AF06-433C32E1BC60}" type="slidenum">
+              <a:t>&lt;#&gt;</a:t>
             </a:fld>
-            <a:endParaRPr/>
           </a:p>
         </p:txBody>
       </p:sp>
@@ -1364,22 +1259,21 @@
         <p:spPr/>
         <p:txBody>
           <a:bodyPr/>
-          <a:lstStyle/>
-          <a:p>
-            <a:endParaRPr/>
+          <a:p>
+            <a:r>
+              <a:rPr lang="pt-BR"/>
+              <a:t/>
+            </a:r>
           </a:p>
         </p:txBody>
       </p:sp>
     </p:spTree>
   </p:cSld>
-  <p:clrMapOvr>
-    <a:masterClrMapping/>
-  </p:clrMapOvr>
 </p:sldLayout>
 </file>
 
 <file path=ppt/slideLayouts/slideLayout15.xml><?xml version="1.0" encoding="utf-8"?>
-<p:sldLayout xmlns:a="http://schemas.openxmlformats.org/drawingml/2006/main" xmlns:r="http://schemas.openxmlformats.org/officeDocument/2006/relationships" xmlns:p="http://schemas.openxmlformats.org/presentationml/2006/main" type="obj" preserve="1">
+<p:sldLayout xmlns:a="http://schemas.openxmlformats.org/drawingml/2006/main" xmlns:p="http://schemas.openxmlformats.org/presentationml/2006/main" xmlns:r="http://schemas.openxmlformats.org/officeDocument/2006/relationships" xmlns:p14="http://schemas.microsoft.com/office/powerpoint/2010/main" xmlns:p15="http://schemas.microsoft.com/office/powerpoint/2012/main" xmlns:mc="http://schemas.openxmlformats.org/markup-compatibility/2006" type="obj" preserve="1">
   <p:cSld name="Title, Content">
     <p:spTree>
       <p:nvGrpSpPr>
@@ -1419,15 +1313,14 @@
           </a:ln>
         </p:spPr>
         <p:txBody>
-          <a:bodyPr lIns="0" tIns="0" rIns="0" bIns="0" anchor="ctr">
+          <a:bodyPr lIns="0" rIns="0" tIns="0" bIns="0" anchor="ctr">
             <a:noAutofit/>
           </a:bodyPr>
-          <a:lstStyle/>
-          <a:p>
-            <a:pPr indent="0" algn="ctr">
-              <a:buNone/>
-            </a:pPr>
-            <a:endParaRPr lang="en-CA" sz="4400" b="0" strike="noStrike" spc="-1">
+          <a:p>
+            <a:pPr indent="0">
+              <a:buNone/>
+            </a:pPr>
+            <a:endParaRPr b="0" lang="en-US" sz="1800" spc="-1" strike="noStrike">
               <a:solidFill>
                 <a:srgbClr val="000000"/>
               </a:solidFill>
@@ -1460,18 +1353,20 @@
           </a:ln>
         </p:spPr>
         <p:txBody>
-          <a:bodyPr lIns="0" tIns="0" rIns="0" bIns="0" anchor="t">
+          <a:bodyPr lIns="0" rIns="0" tIns="0" bIns="0" anchor="t">
             <a:normAutofit/>
           </a:bodyPr>
-          <a:lstStyle/>
           <a:p>
             <a:pPr indent="0">
+              <a:lnSpc>
+                <a:spcPct val="90000"/>
+              </a:lnSpc>
               <a:spcBef>
                 <a:spcPts val="1417"/>
               </a:spcBef>
               <a:buNone/>
             </a:pPr>
-            <a:endParaRPr lang="en-CA" sz="3200" b="0" strike="noStrike" spc="-1">
+            <a:endParaRPr b="0" lang="en-US" sz="2800" spc="-1" strike="noStrike">
               <a:solidFill>
                 <a:srgbClr val="000000"/>
               </a:solidFill>
@@ -1493,7 +1388,6 @@
         <p:spPr/>
         <p:txBody>
           <a:bodyPr/>
-          <a:lstStyle/>
           <a:p>
             <a:r>
               <a:t>Footer</a:t>
@@ -1514,12 +1408,10 @@
         <p:spPr/>
         <p:txBody>
           <a:bodyPr/>
-          <a:lstStyle/>
-          <a:p>
-            <a:fld id="{6D1756A9-3440-4600-B1E5-825043B9E43D}" type="slidenum">
-              <a:t>‹#›</a:t>
+          <a:p>
+            <a:fld id="{688AB4E6-564D-48DE-AA04-9E5DB1D62FC4}" type="slidenum">
+              <a:t>&lt;#&gt;</a:t>
             </a:fld>
-            <a:endParaRPr/>
           </a:p>
         </p:txBody>
       </p:sp>
@@ -1536,22 +1428,21 @@
         <p:spPr/>
         <p:txBody>
           <a:bodyPr/>
-          <a:lstStyle/>
-          <a:p>
-            <a:endParaRPr/>
+          <a:p>
+            <a:r>
+              <a:rPr lang="pt-BR"/>
+              <a:t/>
+            </a:r>
           </a:p>
         </p:txBody>
       </p:sp>
     </p:spTree>
   </p:cSld>
-  <p:clrMapOvr>
-    <a:masterClrMapping/>
-  </p:clrMapOvr>
 </p:sldLayout>
 </file>
 
 <file path=ppt/slideLayouts/slideLayout16.xml><?xml version="1.0" encoding="utf-8"?>
-<p:sldLayout xmlns:a="http://schemas.openxmlformats.org/drawingml/2006/main" xmlns:r="http://schemas.openxmlformats.org/officeDocument/2006/relationships" xmlns:p="http://schemas.openxmlformats.org/presentationml/2006/main" type="twoObj" preserve="1">
+<p:sldLayout xmlns:a="http://schemas.openxmlformats.org/drawingml/2006/main" xmlns:p="http://schemas.openxmlformats.org/presentationml/2006/main" xmlns:r="http://schemas.openxmlformats.org/officeDocument/2006/relationships" xmlns:p14="http://schemas.microsoft.com/office/powerpoint/2010/main" xmlns:p15="http://schemas.microsoft.com/office/powerpoint/2012/main" xmlns:mc="http://schemas.openxmlformats.org/markup-compatibility/2006" type="twoObj" preserve="1">
   <p:cSld name="Title, 2 Content">
     <p:spTree>
       <p:nvGrpSpPr>
@@ -1591,15 +1482,14 @@
           </a:ln>
         </p:spPr>
         <p:txBody>
-          <a:bodyPr lIns="0" tIns="0" rIns="0" bIns="0" anchor="ctr">
+          <a:bodyPr lIns="0" rIns="0" tIns="0" bIns="0" anchor="ctr">
             <a:noAutofit/>
           </a:bodyPr>
-          <a:lstStyle/>
-          <a:p>
-            <a:pPr indent="0" algn="ctr">
-              <a:buNone/>
-            </a:pPr>
-            <a:endParaRPr lang="en-CA" sz="4400" b="0" strike="noStrike" spc="-1">
+          <a:p>
+            <a:pPr indent="0">
+              <a:buNone/>
+            </a:pPr>
+            <a:endParaRPr b="0" lang="en-US" sz="1800" spc="-1" strike="noStrike">
               <a:solidFill>
                 <a:srgbClr val="000000"/>
               </a:solidFill>
@@ -1632,18 +1522,20 @@
           </a:ln>
         </p:spPr>
         <p:txBody>
-          <a:bodyPr lIns="0" tIns="0" rIns="0" bIns="0" anchor="t">
+          <a:bodyPr lIns="0" rIns="0" tIns="0" bIns="0" anchor="t">
             <a:normAutofit/>
           </a:bodyPr>
-          <a:lstStyle/>
           <a:p>
             <a:pPr indent="0">
+              <a:lnSpc>
+                <a:spcPct val="90000"/>
+              </a:lnSpc>
               <a:spcBef>
                 <a:spcPts val="1417"/>
               </a:spcBef>
               <a:buNone/>
             </a:pPr>
-            <a:endParaRPr lang="en-CA" sz="3200" b="0" strike="noStrike" spc="-1">
+            <a:endParaRPr b="0" lang="en-US" sz="2800" spc="-1" strike="noStrike">
               <a:solidFill>
                 <a:srgbClr val="000000"/>
               </a:solidFill>
@@ -1676,18 +1568,20 @@
           </a:ln>
         </p:spPr>
         <p:txBody>
-          <a:bodyPr lIns="0" tIns="0" rIns="0" bIns="0" anchor="t">
+          <a:bodyPr lIns="0" rIns="0" tIns="0" bIns="0" anchor="t">
             <a:normAutofit/>
           </a:bodyPr>
-          <a:lstStyle/>
           <a:p>
             <a:pPr indent="0">
+              <a:lnSpc>
+                <a:spcPct val="90000"/>
+              </a:lnSpc>
               <a:spcBef>
                 <a:spcPts val="1417"/>
               </a:spcBef>
               <a:buNone/>
             </a:pPr>
-            <a:endParaRPr lang="en-CA" sz="3200" b="0" strike="noStrike" spc="-1">
+            <a:endParaRPr b="0" lang="en-US" sz="2800" spc="-1" strike="noStrike">
               <a:solidFill>
                 <a:srgbClr val="000000"/>
               </a:solidFill>
@@ -1709,7 +1603,6 @@
         <p:spPr/>
         <p:txBody>
           <a:bodyPr/>
-          <a:lstStyle/>
           <a:p>
             <a:r>
               <a:t>Footer</a:t>
@@ -1730,12 +1623,10 @@
         <p:spPr/>
         <p:txBody>
           <a:bodyPr/>
-          <a:lstStyle/>
-          <a:p>
-            <a:fld id="{0127B6C5-794E-4C95-B44A-8C4F21895596}" type="slidenum">
-              <a:t>‹#›</a:t>
+          <a:p>
+            <a:fld id="{712FB1B2-4187-4D68-926A-DA4645EF8044}" type="slidenum">
+              <a:t>&lt;#&gt;</a:t>
             </a:fld>
-            <a:endParaRPr/>
           </a:p>
         </p:txBody>
       </p:sp>
@@ -1752,22 +1643,21 @@
         <p:spPr/>
         <p:txBody>
           <a:bodyPr/>
-          <a:lstStyle/>
-          <a:p>
-            <a:endParaRPr/>
+          <a:p>
+            <a:r>
+              <a:rPr lang="pt-BR"/>
+              <a:t/>
+            </a:r>
           </a:p>
         </p:txBody>
       </p:sp>
     </p:spTree>
   </p:cSld>
-  <p:clrMapOvr>
-    <a:masterClrMapping/>
-  </p:clrMapOvr>
 </p:sldLayout>
 </file>
 
 <file path=ppt/slideLayouts/slideLayout17.xml><?xml version="1.0" encoding="utf-8"?>
-<p:sldLayout xmlns:a="http://schemas.openxmlformats.org/drawingml/2006/main" xmlns:r="http://schemas.openxmlformats.org/officeDocument/2006/relationships" xmlns:p="http://schemas.openxmlformats.org/presentationml/2006/main" type="titleOnly" preserve="1">
+<p:sldLayout xmlns:a="http://schemas.openxmlformats.org/drawingml/2006/main" xmlns:p="http://schemas.openxmlformats.org/presentationml/2006/main" xmlns:r="http://schemas.openxmlformats.org/officeDocument/2006/relationships" xmlns:p14="http://schemas.microsoft.com/office/powerpoint/2010/main" xmlns:p15="http://schemas.microsoft.com/office/powerpoint/2012/main" xmlns:mc="http://schemas.openxmlformats.org/markup-compatibility/2006" type="titleOnly" preserve="1">
   <p:cSld name="Title Only">
     <p:spTree>
       <p:nvGrpSpPr>
@@ -1807,15 +1697,14 @@
           </a:ln>
         </p:spPr>
         <p:txBody>
-          <a:bodyPr lIns="0" tIns="0" rIns="0" bIns="0" anchor="ctr">
+          <a:bodyPr lIns="0" rIns="0" tIns="0" bIns="0" anchor="ctr">
             <a:noAutofit/>
           </a:bodyPr>
-          <a:lstStyle/>
-          <a:p>
-            <a:pPr indent="0" algn="ctr">
-              <a:buNone/>
-            </a:pPr>
-            <a:endParaRPr lang="en-CA" sz="4400" b="0" strike="noStrike" spc="-1">
+          <a:p>
+            <a:pPr indent="0">
+              <a:buNone/>
+            </a:pPr>
+            <a:endParaRPr b="0" lang="en-US" sz="1800" spc="-1" strike="noStrike">
               <a:solidFill>
                 <a:srgbClr val="000000"/>
               </a:solidFill>
@@ -1837,7 +1726,6 @@
         <p:spPr/>
         <p:txBody>
           <a:bodyPr/>
-          <a:lstStyle/>
           <a:p>
             <a:r>
               <a:t>Footer</a:t>
@@ -1858,12 +1746,10 @@
         <p:spPr/>
         <p:txBody>
           <a:bodyPr/>
-          <a:lstStyle/>
-          <a:p>
-            <a:fld id="{B5E6BB4B-1477-49A7-851B-01BFA0789A7A}" type="slidenum">
-              <a:t>‹#›</a:t>
+          <a:p>
+            <a:fld id="{5C9E37B6-B89B-4D2B-9151-C4A3EF644AF8}" type="slidenum">
+              <a:t>&lt;#&gt;</a:t>
             </a:fld>
-            <a:endParaRPr/>
           </a:p>
         </p:txBody>
       </p:sp>
@@ -1880,22 +1766,21 @@
         <p:spPr/>
         <p:txBody>
           <a:bodyPr/>
-          <a:lstStyle/>
-          <a:p>
-            <a:endParaRPr/>
+          <a:p>
+            <a:r>
+              <a:rPr lang="pt-BR"/>
+              <a:t/>
+            </a:r>
           </a:p>
         </p:txBody>
       </p:sp>
     </p:spTree>
   </p:cSld>
-  <p:clrMapOvr>
-    <a:masterClrMapping/>
-  </p:clrMapOvr>
 </p:sldLayout>
 </file>
 
 <file path=ppt/slideLayouts/slideLayout18.xml><?xml version="1.0" encoding="utf-8"?>
-<p:sldLayout xmlns:a="http://schemas.openxmlformats.org/drawingml/2006/main" xmlns:r="http://schemas.openxmlformats.org/officeDocument/2006/relationships" xmlns:p="http://schemas.openxmlformats.org/presentationml/2006/main" type="objOnly" preserve="1">
+<p:sldLayout xmlns:a="http://schemas.openxmlformats.org/drawingml/2006/main" xmlns:p="http://schemas.openxmlformats.org/presentationml/2006/main" xmlns:r="http://schemas.openxmlformats.org/officeDocument/2006/relationships" xmlns:p14="http://schemas.microsoft.com/office/powerpoint/2010/main" xmlns:p15="http://schemas.microsoft.com/office/powerpoint/2012/main" xmlns:mc="http://schemas.openxmlformats.org/markup-compatibility/2006" type="objOnly" preserve="1">
   <p:cSld name="Centered Text">
     <p:spTree>
       <p:nvGrpSpPr>
@@ -1935,13 +1820,12 @@
           </a:ln>
         </p:spPr>
         <p:txBody>
-          <a:bodyPr lIns="0" tIns="0" rIns="0" bIns="0" anchor="ctr">
+          <a:bodyPr lIns="0" rIns="0" tIns="0" bIns="0" anchor="ctr">
             <a:noAutofit/>
           </a:bodyPr>
-          <a:lstStyle/>
           <a:p>
             <a:pPr algn="ctr"/>
-            <a:endParaRPr lang="en-CA" sz="3200" b="0" strike="noStrike" spc="-1">
+            <a:endParaRPr b="0" lang="pt-BR" sz="3200" spc="-1" strike="noStrike">
               <a:solidFill>
                 <a:srgbClr val="000000"/>
               </a:solidFill>
@@ -1963,7 +1847,6 @@
         <p:spPr/>
         <p:txBody>
           <a:bodyPr/>
-          <a:lstStyle/>
           <a:p>
             <a:r>
               <a:t>Footer</a:t>
@@ -1984,12 +1867,10 @@
         <p:spPr/>
         <p:txBody>
           <a:bodyPr/>
-          <a:lstStyle/>
-          <a:p>
-            <a:fld id="{889BA953-BBE8-463C-B36A-8DC016AC980B}" type="slidenum">
-              <a:t>‹#›</a:t>
+          <a:p>
+            <a:fld id="{07898EA2-039F-49F8-9B92-3E36DEAD5370}" type="slidenum">
+              <a:t>&lt;#&gt;</a:t>
             </a:fld>
-            <a:endParaRPr/>
           </a:p>
         </p:txBody>
       </p:sp>
@@ -2006,22 +1887,21 @@
         <p:spPr/>
         <p:txBody>
           <a:bodyPr/>
-          <a:lstStyle/>
-          <a:p>
-            <a:endParaRPr/>
+          <a:p>
+            <a:r>
+              <a:rPr lang="pt-BR"/>
+              <a:t/>
+            </a:r>
           </a:p>
         </p:txBody>
       </p:sp>
     </p:spTree>
   </p:cSld>
-  <p:clrMapOvr>
-    <a:masterClrMapping/>
-  </p:clrMapOvr>
 </p:sldLayout>
 </file>
 
 <file path=ppt/slideLayouts/slideLayout19.xml><?xml version="1.0" encoding="utf-8"?>
-<p:sldLayout xmlns:a="http://schemas.openxmlformats.org/drawingml/2006/main" xmlns:r="http://schemas.openxmlformats.org/officeDocument/2006/relationships" xmlns:p="http://schemas.openxmlformats.org/presentationml/2006/main" type="twoObjAndObj" preserve="1">
+<p:sldLayout xmlns:a="http://schemas.openxmlformats.org/drawingml/2006/main" xmlns:p="http://schemas.openxmlformats.org/presentationml/2006/main" xmlns:r="http://schemas.openxmlformats.org/officeDocument/2006/relationships" xmlns:p14="http://schemas.microsoft.com/office/powerpoint/2010/main" xmlns:p15="http://schemas.microsoft.com/office/powerpoint/2012/main" xmlns:mc="http://schemas.openxmlformats.org/markup-compatibility/2006" type="twoObjAndObj" preserve="1">
   <p:cSld name="Title, 2 Content and Content">
     <p:spTree>
       <p:nvGrpSpPr>
@@ -2061,15 +1941,14 @@
           </a:ln>
         </p:spPr>
         <p:txBody>
-          <a:bodyPr lIns="0" tIns="0" rIns="0" bIns="0" anchor="ctr">
+          <a:bodyPr lIns="0" rIns="0" tIns="0" bIns="0" anchor="ctr">
             <a:noAutofit/>
           </a:bodyPr>
-          <a:lstStyle/>
-          <a:p>
-            <a:pPr indent="0" algn="ctr">
-              <a:buNone/>
-            </a:pPr>
-            <a:endParaRPr lang="en-CA" sz="4400" b="0" strike="noStrike" spc="-1">
+          <a:p>
+            <a:pPr indent="0">
+              <a:buNone/>
+            </a:pPr>
+            <a:endParaRPr b="0" lang="en-US" sz="1800" spc="-1" strike="noStrike">
               <a:solidFill>
                 <a:srgbClr val="000000"/>
               </a:solidFill>
@@ -2102,18 +1981,20 @@
           </a:ln>
         </p:spPr>
         <p:txBody>
-          <a:bodyPr lIns="0" tIns="0" rIns="0" bIns="0" anchor="t">
+          <a:bodyPr lIns="0" rIns="0" tIns="0" bIns="0" anchor="t">
             <a:normAutofit/>
           </a:bodyPr>
-          <a:lstStyle/>
           <a:p>
             <a:pPr indent="0">
+              <a:lnSpc>
+                <a:spcPct val="90000"/>
+              </a:lnSpc>
               <a:spcBef>
                 <a:spcPts val="1417"/>
               </a:spcBef>
               <a:buNone/>
             </a:pPr>
-            <a:endParaRPr lang="en-CA" sz="3200" b="0" strike="noStrike" spc="-1">
+            <a:endParaRPr b="0" lang="en-US" sz="2800" spc="-1" strike="noStrike">
               <a:solidFill>
                 <a:srgbClr val="000000"/>
               </a:solidFill>
@@ -2146,18 +2027,20 @@
           </a:ln>
         </p:spPr>
         <p:txBody>
-          <a:bodyPr lIns="0" tIns="0" rIns="0" bIns="0" anchor="t">
+          <a:bodyPr lIns="0" rIns="0" tIns="0" bIns="0" anchor="t">
             <a:normAutofit/>
           </a:bodyPr>
-          <a:lstStyle/>
           <a:p>
             <a:pPr indent="0">
+              <a:lnSpc>
+                <a:spcPct val="90000"/>
+              </a:lnSpc>
               <a:spcBef>
                 <a:spcPts val="1417"/>
               </a:spcBef>
               <a:buNone/>
             </a:pPr>
-            <a:endParaRPr lang="en-CA" sz="3200" b="0" strike="noStrike" spc="-1">
+            <a:endParaRPr b="0" lang="en-US" sz="2800" spc="-1" strike="noStrike">
               <a:solidFill>
                 <a:srgbClr val="000000"/>
               </a:solidFill>
@@ -2190,18 +2073,20 @@
           </a:ln>
         </p:spPr>
         <p:txBody>
-          <a:bodyPr lIns="0" tIns="0" rIns="0" bIns="0" anchor="t">
+          <a:bodyPr lIns="0" rIns="0" tIns="0" bIns="0" anchor="t">
             <a:normAutofit/>
           </a:bodyPr>
-          <a:lstStyle/>
           <a:p>
             <a:pPr indent="0">
+              <a:lnSpc>
+                <a:spcPct val="90000"/>
+              </a:lnSpc>
               <a:spcBef>
                 <a:spcPts val="1417"/>
               </a:spcBef>
               <a:buNone/>
             </a:pPr>
-            <a:endParaRPr lang="en-CA" sz="3200" b="0" strike="noStrike" spc="-1">
+            <a:endParaRPr b="0" lang="en-US" sz="2800" spc="-1" strike="noStrike">
               <a:solidFill>
                 <a:srgbClr val="000000"/>
               </a:solidFill>
@@ -2223,7 +2108,6 @@
         <p:spPr/>
         <p:txBody>
           <a:bodyPr/>
-          <a:lstStyle/>
           <a:p>
             <a:r>
               <a:t>Footer</a:t>
@@ -2244,12 +2128,10 @@
         <p:spPr/>
         <p:txBody>
           <a:bodyPr/>
-          <a:lstStyle/>
-          <a:p>
-            <a:fld id="{AFCB16EC-A54B-4D7A-BE0B-62A0CFB5FEC8}" type="slidenum">
-              <a:t>‹#›</a:t>
+          <a:p>
+            <a:fld id="{D5E0263B-6D94-4C5B-AAAE-44E03314FFFF}" type="slidenum">
+              <a:t>&lt;#&gt;</a:t>
             </a:fld>
-            <a:endParaRPr/>
           </a:p>
         </p:txBody>
       </p:sp>
@@ -2266,22 +2148,21 @@
         <p:spPr/>
         <p:txBody>
           <a:bodyPr/>
-          <a:lstStyle/>
-          <a:p>
-            <a:endParaRPr/>
+          <a:p>
+            <a:r>
+              <a:rPr lang="pt-BR"/>
+              <a:t/>
+            </a:r>
           </a:p>
         </p:txBody>
       </p:sp>
     </p:spTree>
   </p:cSld>
-  <p:clrMapOvr>
-    <a:masterClrMapping/>
-  </p:clrMapOvr>
 </p:sldLayout>
 </file>
 
 <file path=ppt/slideLayouts/slideLayout2.xml><?xml version="1.0" encoding="utf-8"?>
-<p:sldLayout xmlns:a="http://schemas.openxmlformats.org/drawingml/2006/main" xmlns:r="http://schemas.openxmlformats.org/officeDocument/2006/relationships" xmlns:p="http://schemas.openxmlformats.org/presentationml/2006/main" type="tx" preserve="1">
+<p:sldLayout xmlns:a="http://schemas.openxmlformats.org/drawingml/2006/main" xmlns:p="http://schemas.openxmlformats.org/presentationml/2006/main" xmlns:r="http://schemas.openxmlformats.org/officeDocument/2006/relationships" xmlns:p14="http://schemas.microsoft.com/office/powerpoint/2010/main" xmlns:p15="http://schemas.microsoft.com/office/powerpoint/2012/main" xmlns:mc="http://schemas.openxmlformats.org/markup-compatibility/2006" type="tx" preserve="1">
   <p:cSld name="Title Slide">
     <p:spTree>
       <p:nvGrpSpPr>
@@ -2321,15 +2202,14 @@
           </a:ln>
         </p:spPr>
         <p:txBody>
-          <a:bodyPr lIns="0" tIns="0" rIns="0" bIns="0" anchor="ctr">
+          <a:bodyPr lIns="0" rIns="0" tIns="0" bIns="0" anchor="ctr">
             <a:noAutofit/>
           </a:bodyPr>
-          <a:lstStyle/>
-          <a:p>
-            <a:pPr indent="0" algn="ctr">
-              <a:buNone/>
-            </a:pPr>
-            <a:endParaRPr lang="en-CA" sz="4400" b="0" strike="noStrike" spc="-1">
+          <a:p>
+            <a:pPr indent="0">
+              <a:buNone/>
+            </a:pPr>
+            <a:endParaRPr b="0" lang="en-US" sz="1800" spc="-1" strike="noStrike">
               <a:solidFill>
                 <a:srgbClr val="000000"/>
               </a:solidFill>
@@ -2362,15 +2242,14 @@
           </a:ln>
         </p:spPr>
         <p:txBody>
-          <a:bodyPr lIns="0" tIns="0" rIns="0" bIns="0" anchor="ctr">
+          <a:bodyPr lIns="0" rIns="0" tIns="0" bIns="0" anchor="ctr">
             <a:noAutofit/>
           </a:bodyPr>
-          <a:lstStyle/>
           <a:p>
             <a:pPr indent="0" algn="ctr">
               <a:buNone/>
             </a:pPr>
-            <a:endParaRPr lang="en-CA" sz="3200" b="0" strike="noStrike" spc="-1">
+            <a:endParaRPr b="0" lang="pt-BR" sz="3200" spc="-1" strike="noStrike">
               <a:solidFill>
                 <a:srgbClr val="000000"/>
               </a:solidFill>
@@ -2392,7 +2271,6 @@
         <p:spPr/>
         <p:txBody>
           <a:bodyPr/>
-          <a:lstStyle/>
           <a:p>
             <a:r>
               <a:t>Footer</a:t>
@@ -2402,7 +2280,7 @@
       </p:sp>
       <p:sp>
         <p:nvSpPr>
-          <p:cNvPr id="2" name="PlaceHolder 4"/>
+          <p:cNvPr id="5" name="PlaceHolder 4"/>
           <p:cNvSpPr>
             <a:spLocks noGrp="1"/>
           </p:cNvSpPr>
@@ -2413,18 +2291,16 @@
         <p:spPr/>
         <p:txBody>
           <a:bodyPr/>
-          <a:lstStyle/>
-          <a:p>
-            <a:fld id="{3BB3FDA0-4C6B-47D9-A51A-FD68FE1C19E3}" type="slidenum">
-              <a:t>‹#›</a:t>
+          <a:p>
+            <a:fld id="{40801747-18D5-49D6-8772-A6C8FB4B9D00}" type="slidenum">
+              <a:t>&lt;#&gt;</a:t>
             </a:fld>
-            <a:endParaRPr/>
-          </a:p>
-        </p:txBody>
-      </p:sp>
-      <p:sp>
-        <p:nvSpPr>
-          <p:cNvPr id="3" name="PlaceHolder 5"/>
+          </a:p>
+        </p:txBody>
+      </p:sp>
+      <p:sp>
+        <p:nvSpPr>
+          <p:cNvPr id="6" name="PlaceHolder 5"/>
           <p:cNvSpPr>
             <a:spLocks noGrp="1"/>
           </p:cNvSpPr>
@@ -2435,22 +2311,21 @@
         <p:spPr/>
         <p:txBody>
           <a:bodyPr/>
-          <a:lstStyle/>
-          <a:p>
-            <a:endParaRPr/>
+          <a:p>
+            <a:r>
+              <a:rPr lang="pt-BR"/>
+              <a:t/>
+            </a:r>
           </a:p>
         </p:txBody>
       </p:sp>
     </p:spTree>
   </p:cSld>
-  <p:clrMapOvr>
-    <a:masterClrMapping/>
-  </p:clrMapOvr>
 </p:sldLayout>
 </file>
 
 <file path=ppt/slideLayouts/slideLayout20.xml><?xml version="1.0" encoding="utf-8"?>
-<p:sldLayout xmlns:a="http://schemas.openxmlformats.org/drawingml/2006/main" xmlns:r="http://schemas.openxmlformats.org/officeDocument/2006/relationships" xmlns:p="http://schemas.openxmlformats.org/presentationml/2006/main" type="objAndTwoObj" preserve="1">
+<p:sldLayout xmlns:a="http://schemas.openxmlformats.org/drawingml/2006/main" xmlns:p="http://schemas.openxmlformats.org/presentationml/2006/main" xmlns:r="http://schemas.openxmlformats.org/officeDocument/2006/relationships" xmlns:p14="http://schemas.microsoft.com/office/powerpoint/2010/main" xmlns:p15="http://schemas.microsoft.com/office/powerpoint/2012/main" xmlns:mc="http://schemas.openxmlformats.org/markup-compatibility/2006" type="objAndTwoObj" preserve="1">
   <p:cSld name="Title Content and 2 Content">
     <p:spTree>
       <p:nvGrpSpPr>
@@ -2490,15 +2365,14 @@
           </a:ln>
         </p:spPr>
         <p:txBody>
-          <a:bodyPr lIns="0" tIns="0" rIns="0" bIns="0" anchor="ctr">
+          <a:bodyPr lIns="0" rIns="0" tIns="0" bIns="0" anchor="ctr">
             <a:noAutofit/>
           </a:bodyPr>
-          <a:lstStyle/>
-          <a:p>
-            <a:pPr indent="0" algn="ctr">
-              <a:buNone/>
-            </a:pPr>
-            <a:endParaRPr lang="en-CA" sz="4400" b="0" strike="noStrike" spc="-1">
+          <a:p>
+            <a:pPr indent="0">
+              <a:buNone/>
+            </a:pPr>
+            <a:endParaRPr b="0" lang="en-US" sz="1800" spc="-1" strike="noStrike">
               <a:solidFill>
                 <a:srgbClr val="000000"/>
               </a:solidFill>
@@ -2531,18 +2405,20 @@
           </a:ln>
         </p:spPr>
         <p:txBody>
-          <a:bodyPr lIns="0" tIns="0" rIns="0" bIns="0" anchor="t">
+          <a:bodyPr lIns="0" rIns="0" tIns="0" bIns="0" anchor="t">
             <a:normAutofit/>
           </a:bodyPr>
-          <a:lstStyle/>
           <a:p>
             <a:pPr indent="0">
+              <a:lnSpc>
+                <a:spcPct val="90000"/>
+              </a:lnSpc>
               <a:spcBef>
                 <a:spcPts val="1417"/>
               </a:spcBef>
               <a:buNone/>
             </a:pPr>
-            <a:endParaRPr lang="en-CA" sz="3200" b="0" strike="noStrike" spc="-1">
+            <a:endParaRPr b="0" lang="en-US" sz="2800" spc="-1" strike="noStrike">
               <a:solidFill>
                 <a:srgbClr val="000000"/>
               </a:solidFill>
@@ -2575,18 +2451,20 @@
           </a:ln>
         </p:spPr>
         <p:txBody>
-          <a:bodyPr lIns="0" tIns="0" rIns="0" bIns="0" anchor="t">
+          <a:bodyPr lIns="0" rIns="0" tIns="0" bIns="0" anchor="t">
             <a:normAutofit/>
           </a:bodyPr>
-          <a:lstStyle/>
           <a:p>
             <a:pPr indent="0">
+              <a:lnSpc>
+                <a:spcPct val="90000"/>
+              </a:lnSpc>
               <a:spcBef>
                 <a:spcPts val="1417"/>
               </a:spcBef>
               <a:buNone/>
             </a:pPr>
-            <a:endParaRPr lang="en-CA" sz="3200" b="0" strike="noStrike" spc="-1">
+            <a:endParaRPr b="0" lang="en-US" sz="2800" spc="-1" strike="noStrike">
               <a:solidFill>
                 <a:srgbClr val="000000"/>
               </a:solidFill>
@@ -2619,18 +2497,20 @@
           </a:ln>
         </p:spPr>
         <p:txBody>
-          <a:bodyPr lIns="0" tIns="0" rIns="0" bIns="0" anchor="t">
+          <a:bodyPr lIns="0" rIns="0" tIns="0" bIns="0" anchor="t">
             <a:normAutofit/>
           </a:bodyPr>
-          <a:lstStyle/>
           <a:p>
             <a:pPr indent="0">
+              <a:lnSpc>
+                <a:spcPct val="90000"/>
+              </a:lnSpc>
               <a:spcBef>
                 <a:spcPts val="1417"/>
               </a:spcBef>
               <a:buNone/>
             </a:pPr>
-            <a:endParaRPr lang="en-CA" sz="3200" b="0" strike="noStrike" spc="-1">
+            <a:endParaRPr b="0" lang="en-US" sz="2800" spc="-1" strike="noStrike">
               <a:solidFill>
                 <a:srgbClr val="000000"/>
               </a:solidFill>
@@ -2652,7 +2532,6 @@
         <p:spPr/>
         <p:txBody>
           <a:bodyPr/>
-          <a:lstStyle/>
           <a:p>
             <a:r>
               <a:t>Footer</a:t>
@@ -2673,12 +2552,10 @@
         <p:spPr/>
         <p:txBody>
           <a:bodyPr/>
-          <a:lstStyle/>
-          <a:p>
-            <a:fld id="{22F51B99-2A20-43A4-AE37-858F492FADC5}" type="slidenum">
-              <a:t>‹#›</a:t>
+          <a:p>
+            <a:fld id="{F362F664-9FB8-4BA3-9A40-5D3FFD09DA31}" type="slidenum">
+              <a:t>&lt;#&gt;</a:t>
             </a:fld>
-            <a:endParaRPr/>
           </a:p>
         </p:txBody>
       </p:sp>
@@ -2695,22 +2572,21 @@
         <p:spPr/>
         <p:txBody>
           <a:bodyPr/>
-          <a:lstStyle/>
-          <a:p>
-            <a:endParaRPr/>
+          <a:p>
+            <a:r>
+              <a:rPr lang="pt-BR"/>
+              <a:t/>
+            </a:r>
           </a:p>
         </p:txBody>
       </p:sp>
     </p:spTree>
   </p:cSld>
-  <p:clrMapOvr>
-    <a:masterClrMapping/>
-  </p:clrMapOvr>
 </p:sldLayout>
 </file>
 
 <file path=ppt/slideLayouts/slideLayout21.xml><?xml version="1.0" encoding="utf-8"?>
-<p:sldLayout xmlns:a="http://schemas.openxmlformats.org/drawingml/2006/main" xmlns:r="http://schemas.openxmlformats.org/officeDocument/2006/relationships" xmlns:p="http://schemas.openxmlformats.org/presentationml/2006/main" type="twoObjOverTx" preserve="1">
+<p:sldLayout xmlns:a="http://schemas.openxmlformats.org/drawingml/2006/main" xmlns:p="http://schemas.openxmlformats.org/presentationml/2006/main" xmlns:r="http://schemas.openxmlformats.org/officeDocument/2006/relationships" xmlns:p14="http://schemas.microsoft.com/office/powerpoint/2010/main" xmlns:p15="http://schemas.microsoft.com/office/powerpoint/2012/main" xmlns:mc="http://schemas.openxmlformats.org/markup-compatibility/2006" type="twoObjOverTx" preserve="1">
   <p:cSld name="Title, 2 Content over Content">
     <p:spTree>
       <p:nvGrpSpPr>
@@ -2750,15 +2626,14 @@
           </a:ln>
         </p:spPr>
         <p:txBody>
-          <a:bodyPr lIns="0" tIns="0" rIns="0" bIns="0" anchor="ctr">
+          <a:bodyPr lIns="0" rIns="0" tIns="0" bIns="0" anchor="ctr">
             <a:noAutofit/>
           </a:bodyPr>
-          <a:lstStyle/>
-          <a:p>
-            <a:pPr indent="0" algn="ctr">
-              <a:buNone/>
-            </a:pPr>
-            <a:endParaRPr lang="en-CA" sz="4400" b="0" strike="noStrike" spc="-1">
+          <a:p>
+            <a:pPr indent="0">
+              <a:buNone/>
+            </a:pPr>
+            <a:endParaRPr b="0" lang="en-US" sz="1800" spc="-1" strike="noStrike">
               <a:solidFill>
                 <a:srgbClr val="000000"/>
               </a:solidFill>
@@ -2791,18 +2666,20 @@
           </a:ln>
         </p:spPr>
         <p:txBody>
-          <a:bodyPr lIns="0" tIns="0" rIns="0" bIns="0" anchor="t">
+          <a:bodyPr lIns="0" rIns="0" tIns="0" bIns="0" anchor="t">
             <a:normAutofit/>
           </a:bodyPr>
-          <a:lstStyle/>
           <a:p>
             <a:pPr indent="0">
+              <a:lnSpc>
+                <a:spcPct val="90000"/>
+              </a:lnSpc>
               <a:spcBef>
                 <a:spcPts val="1417"/>
               </a:spcBef>
               <a:buNone/>
             </a:pPr>
-            <a:endParaRPr lang="en-CA" sz="3200" b="0" strike="noStrike" spc="-1">
+            <a:endParaRPr b="0" lang="en-US" sz="2800" spc="-1" strike="noStrike">
               <a:solidFill>
                 <a:srgbClr val="000000"/>
               </a:solidFill>
@@ -2835,18 +2712,20 @@
           </a:ln>
         </p:spPr>
         <p:txBody>
-          <a:bodyPr lIns="0" tIns="0" rIns="0" bIns="0" anchor="t">
+          <a:bodyPr lIns="0" rIns="0" tIns="0" bIns="0" anchor="t">
             <a:normAutofit/>
           </a:bodyPr>
-          <a:lstStyle/>
           <a:p>
             <a:pPr indent="0">
+              <a:lnSpc>
+                <a:spcPct val="90000"/>
+              </a:lnSpc>
               <a:spcBef>
                 <a:spcPts val="1417"/>
               </a:spcBef>
               <a:buNone/>
             </a:pPr>
-            <a:endParaRPr lang="en-CA" sz="3200" b="0" strike="noStrike" spc="-1">
+            <a:endParaRPr b="0" lang="en-US" sz="2800" spc="-1" strike="noStrike">
               <a:solidFill>
                 <a:srgbClr val="000000"/>
               </a:solidFill>
@@ -2879,18 +2758,20 @@
           </a:ln>
         </p:spPr>
         <p:txBody>
-          <a:bodyPr lIns="0" tIns="0" rIns="0" bIns="0" anchor="t">
+          <a:bodyPr lIns="0" rIns="0" tIns="0" bIns="0" anchor="t">
             <a:normAutofit/>
           </a:bodyPr>
-          <a:lstStyle/>
           <a:p>
             <a:pPr indent="0">
+              <a:lnSpc>
+                <a:spcPct val="90000"/>
+              </a:lnSpc>
               <a:spcBef>
                 <a:spcPts val="1417"/>
               </a:spcBef>
               <a:buNone/>
             </a:pPr>
-            <a:endParaRPr lang="en-CA" sz="3200" b="0" strike="noStrike" spc="-1">
+            <a:endParaRPr b="0" lang="en-US" sz="2800" spc="-1" strike="noStrike">
               <a:solidFill>
                 <a:srgbClr val="000000"/>
               </a:solidFill>
@@ -2912,7 +2793,6 @@
         <p:spPr/>
         <p:txBody>
           <a:bodyPr/>
-          <a:lstStyle/>
           <a:p>
             <a:r>
               <a:t>Footer</a:t>
@@ -2933,12 +2813,10 @@
         <p:spPr/>
         <p:txBody>
           <a:bodyPr/>
-          <a:lstStyle/>
-          <a:p>
-            <a:fld id="{8D891858-E26A-455A-83DF-ADBCE2F3F4AD}" type="slidenum">
-              <a:t>‹#›</a:t>
+          <a:p>
+            <a:fld id="{6E402453-F0E8-4857-9BBE-291D19A5560F}" type="slidenum">
+              <a:t>&lt;#&gt;</a:t>
             </a:fld>
-            <a:endParaRPr/>
           </a:p>
         </p:txBody>
       </p:sp>
@@ -2955,22 +2833,21 @@
         <p:spPr/>
         <p:txBody>
           <a:bodyPr/>
-          <a:lstStyle/>
-          <a:p>
-            <a:endParaRPr/>
+          <a:p>
+            <a:r>
+              <a:rPr lang="pt-BR"/>
+              <a:t/>
+            </a:r>
           </a:p>
         </p:txBody>
       </p:sp>
     </p:spTree>
   </p:cSld>
-  <p:clrMapOvr>
-    <a:masterClrMapping/>
-  </p:clrMapOvr>
 </p:sldLayout>
 </file>
 
 <file path=ppt/slideLayouts/slideLayout22.xml><?xml version="1.0" encoding="utf-8"?>
-<p:sldLayout xmlns:a="http://schemas.openxmlformats.org/drawingml/2006/main" xmlns:r="http://schemas.openxmlformats.org/officeDocument/2006/relationships" xmlns:p="http://schemas.openxmlformats.org/presentationml/2006/main" type="objOverTx" preserve="1">
+<p:sldLayout xmlns:a="http://schemas.openxmlformats.org/drawingml/2006/main" xmlns:p="http://schemas.openxmlformats.org/presentationml/2006/main" xmlns:r="http://schemas.openxmlformats.org/officeDocument/2006/relationships" xmlns:p14="http://schemas.microsoft.com/office/powerpoint/2010/main" xmlns:p15="http://schemas.microsoft.com/office/powerpoint/2012/main" xmlns:mc="http://schemas.openxmlformats.org/markup-compatibility/2006" type="objOverTx" preserve="1">
   <p:cSld name="Title, Content over Content">
     <p:spTree>
       <p:nvGrpSpPr>
@@ -3010,15 +2887,14 @@
           </a:ln>
         </p:spPr>
         <p:txBody>
-          <a:bodyPr lIns="0" tIns="0" rIns="0" bIns="0" anchor="ctr">
+          <a:bodyPr lIns="0" rIns="0" tIns="0" bIns="0" anchor="ctr">
             <a:noAutofit/>
           </a:bodyPr>
-          <a:lstStyle/>
-          <a:p>
-            <a:pPr indent="0" algn="ctr">
-              <a:buNone/>
-            </a:pPr>
-            <a:endParaRPr lang="en-CA" sz="4400" b="0" strike="noStrike" spc="-1">
+          <a:p>
+            <a:pPr indent="0">
+              <a:buNone/>
+            </a:pPr>
+            <a:endParaRPr b="0" lang="en-US" sz="1800" spc="-1" strike="noStrike">
               <a:solidFill>
                 <a:srgbClr val="000000"/>
               </a:solidFill>
@@ -3051,18 +2927,20 @@
           </a:ln>
         </p:spPr>
         <p:txBody>
-          <a:bodyPr lIns="0" tIns="0" rIns="0" bIns="0" anchor="t">
+          <a:bodyPr lIns="0" rIns="0" tIns="0" bIns="0" anchor="t">
             <a:normAutofit/>
           </a:bodyPr>
-          <a:lstStyle/>
           <a:p>
             <a:pPr indent="0">
+              <a:lnSpc>
+                <a:spcPct val="90000"/>
+              </a:lnSpc>
               <a:spcBef>
                 <a:spcPts val="1417"/>
               </a:spcBef>
               <a:buNone/>
             </a:pPr>
-            <a:endParaRPr lang="en-CA" sz="3200" b="0" strike="noStrike" spc="-1">
+            <a:endParaRPr b="0" lang="en-US" sz="2800" spc="-1" strike="noStrike">
               <a:solidFill>
                 <a:srgbClr val="000000"/>
               </a:solidFill>
@@ -3095,18 +2973,20 @@
           </a:ln>
         </p:spPr>
         <p:txBody>
-          <a:bodyPr lIns="0" tIns="0" rIns="0" bIns="0" anchor="t">
+          <a:bodyPr lIns="0" rIns="0" tIns="0" bIns="0" anchor="t">
             <a:normAutofit/>
           </a:bodyPr>
-          <a:lstStyle/>
           <a:p>
             <a:pPr indent="0">
+              <a:lnSpc>
+                <a:spcPct val="90000"/>
+              </a:lnSpc>
               <a:spcBef>
                 <a:spcPts val="1417"/>
               </a:spcBef>
               <a:buNone/>
             </a:pPr>
-            <a:endParaRPr lang="en-CA" sz="3200" b="0" strike="noStrike" spc="-1">
+            <a:endParaRPr b="0" lang="en-US" sz="2800" spc="-1" strike="noStrike">
               <a:solidFill>
                 <a:srgbClr val="000000"/>
               </a:solidFill>
@@ -3128,7 +3008,6 @@
         <p:spPr/>
         <p:txBody>
           <a:bodyPr/>
-          <a:lstStyle/>
           <a:p>
             <a:r>
               <a:t>Footer</a:t>
@@ -3149,12 +3028,10 @@
         <p:spPr/>
         <p:txBody>
           <a:bodyPr/>
-          <a:lstStyle/>
-          <a:p>
-            <a:fld id="{45A4E931-1B8A-4496-947C-BC2B0606C54E}" type="slidenum">
-              <a:t>‹#›</a:t>
+          <a:p>
+            <a:fld id="{1BFC7498-1500-4CD5-85EA-FFF97B7486E0}" type="slidenum">
+              <a:t>&lt;#&gt;</a:t>
             </a:fld>
-            <a:endParaRPr/>
           </a:p>
         </p:txBody>
       </p:sp>
@@ -3171,22 +3048,21 @@
         <p:spPr/>
         <p:txBody>
           <a:bodyPr/>
-          <a:lstStyle/>
-          <a:p>
-            <a:endParaRPr/>
+          <a:p>
+            <a:r>
+              <a:rPr lang="pt-BR"/>
+              <a:t/>
+            </a:r>
           </a:p>
         </p:txBody>
       </p:sp>
     </p:spTree>
   </p:cSld>
-  <p:clrMapOvr>
-    <a:masterClrMapping/>
-  </p:clrMapOvr>
 </p:sldLayout>
 </file>
 
 <file path=ppt/slideLayouts/slideLayout23.xml><?xml version="1.0" encoding="utf-8"?>
-<p:sldLayout xmlns:a="http://schemas.openxmlformats.org/drawingml/2006/main" xmlns:r="http://schemas.openxmlformats.org/officeDocument/2006/relationships" xmlns:p="http://schemas.openxmlformats.org/presentationml/2006/main" type="fourObj" preserve="1">
+<p:sldLayout xmlns:a="http://schemas.openxmlformats.org/drawingml/2006/main" xmlns:p="http://schemas.openxmlformats.org/presentationml/2006/main" xmlns:r="http://schemas.openxmlformats.org/officeDocument/2006/relationships" xmlns:p14="http://schemas.microsoft.com/office/powerpoint/2010/main" xmlns:p15="http://schemas.microsoft.com/office/powerpoint/2012/main" xmlns:mc="http://schemas.openxmlformats.org/markup-compatibility/2006" type="fourObj" preserve="1">
   <p:cSld name="Title, 4 Content">
     <p:spTree>
       <p:nvGrpSpPr>
@@ -3226,15 +3102,14 @@
           </a:ln>
         </p:spPr>
         <p:txBody>
-          <a:bodyPr lIns="0" tIns="0" rIns="0" bIns="0" anchor="ctr">
+          <a:bodyPr lIns="0" rIns="0" tIns="0" bIns="0" anchor="ctr">
             <a:noAutofit/>
           </a:bodyPr>
-          <a:lstStyle/>
-          <a:p>
-            <a:pPr indent="0" algn="ctr">
-              <a:buNone/>
-            </a:pPr>
-            <a:endParaRPr lang="en-CA" sz="4400" b="0" strike="noStrike" spc="-1">
+          <a:p>
+            <a:pPr indent="0">
+              <a:buNone/>
+            </a:pPr>
+            <a:endParaRPr b="0" lang="en-US" sz="1800" spc="-1" strike="noStrike">
               <a:solidFill>
                 <a:srgbClr val="000000"/>
               </a:solidFill>
@@ -3267,18 +3142,20 @@
           </a:ln>
         </p:spPr>
         <p:txBody>
-          <a:bodyPr lIns="0" tIns="0" rIns="0" bIns="0" anchor="t">
+          <a:bodyPr lIns="0" rIns="0" tIns="0" bIns="0" anchor="t">
             <a:normAutofit/>
           </a:bodyPr>
-          <a:lstStyle/>
           <a:p>
             <a:pPr indent="0">
+              <a:lnSpc>
+                <a:spcPct val="90000"/>
+              </a:lnSpc>
               <a:spcBef>
                 <a:spcPts val="1417"/>
               </a:spcBef>
               <a:buNone/>
             </a:pPr>
-            <a:endParaRPr lang="en-CA" sz="3200" b="0" strike="noStrike" spc="-1">
+            <a:endParaRPr b="0" lang="en-US" sz="2800" spc="-1" strike="noStrike">
               <a:solidFill>
                 <a:srgbClr val="000000"/>
               </a:solidFill>
@@ -3311,18 +3188,20 @@
           </a:ln>
         </p:spPr>
         <p:txBody>
-          <a:bodyPr lIns="0" tIns="0" rIns="0" bIns="0" anchor="t">
+          <a:bodyPr lIns="0" rIns="0" tIns="0" bIns="0" anchor="t">
             <a:normAutofit/>
           </a:bodyPr>
-          <a:lstStyle/>
           <a:p>
             <a:pPr indent="0">
+              <a:lnSpc>
+                <a:spcPct val="90000"/>
+              </a:lnSpc>
               <a:spcBef>
                 <a:spcPts val="1417"/>
               </a:spcBef>
               <a:buNone/>
             </a:pPr>
-            <a:endParaRPr lang="en-CA" sz="3200" b="0" strike="noStrike" spc="-1">
+            <a:endParaRPr b="0" lang="en-US" sz="2800" spc="-1" strike="noStrike">
               <a:solidFill>
                 <a:srgbClr val="000000"/>
               </a:solidFill>
@@ -3355,18 +3234,20 @@
           </a:ln>
         </p:spPr>
         <p:txBody>
-          <a:bodyPr lIns="0" tIns="0" rIns="0" bIns="0" anchor="t">
+          <a:bodyPr lIns="0" rIns="0" tIns="0" bIns="0" anchor="t">
             <a:normAutofit/>
           </a:bodyPr>
-          <a:lstStyle/>
           <a:p>
             <a:pPr indent="0">
+              <a:lnSpc>
+                <a:spcPct val="90000"/>
+              </a:lnSpc>
               <a:spcBef>
                 <a:spcPts val="1417"/>
               </a:spcBef>
               <a:buNone/>
             </a:pPr>
-            <a:endParaRPr lang="en-CA" sz="3200" b="0" strike="noStrike" spc="-1">
+            <a:endParaRPr b="0" lang="en-US" sz="2800" spc="-1" strike="noStrike">
               <a:solidFill>
                 <a:srgbClr val="000000"/>
               </a:solidFill>
@@ -3399,18 +3280,20 @@
           </a:ln>
         </p:spPr>
         <p:txBody>
-          <a:bodyPr lIns="0" tIns="0" rIns="0" bIns="0" anchor="t">
+          <a:bodyPr lIns="0" rIns="0" tIns="0" bIns="0" anchor="t">
             <a:normAutofit/>
           </a:bodyPr>
-          <a:lstStyle/>
           <a:p>
             <a:pPr indent="0">
+              <a:lnSpc>
+                <a:spcPct val="90000"/>
+              </a:lnSpc>
               <a:spcBef>
                 <a:spcPts val="1417"/>
               </a:spcBef>
               <a:buNone/>
             </a:pPr>
-            <a:endParaRPr lang="en-CA" sz="3200" b="0" strike="noStrike" spc="-1">
+            <a:endParaRPr b="0" lang="en-US" sz="2800" spc="-1" strike="noStrike">
               <a:solidFill>
                 <a:srgbClr val="000000"/>
               </a:solidFill>
@@ -3432,7 +3315,6 @@
         <p:spPr/>
         <p:txBody>
           <a:bodyPr/>
-          <a:lstStyle/>
           <a:p>
             <a:r>
               <a:t>Footer</a:t>
@@ -3453,12 +3335,10 @@
         <p:spPr/>
         <p:txBody>
           <a:bodyPr/>
-          <a:lstStyle/>
-          <a:p>
-            <a:fld id="{0F09450D-B9E6-4585-9B2E-53A1D5564A9D}" type="slidenum">
-              <a:t>‹#›</a:t>
+          <a:p>
+            <a:fld id="{B787A5FA-FB6A-42BF-94EB-40C5B87F0603}" type="slidenum">
+              <a:t>&lt;#&gt;</a:t>
             </a:fld>
-            <a:endParaRPr/>
           </a:p>
         </p:txBody>
       </p:sp>
@@ -3475,22 +3355,21 @@
         <p:spPr/>
         <p:txBody>
           <a:bodyPr/>
-          <a:lstStyle/>
-          <a:p>
-            <a:endParaRPr/>
+          <a:p>
+            <a:r>
+              <a:rPr lang="pt-BR"/>
+              <a:t/>
+            </a:r>
           </a:p>
         </p:txBody>
       </p:sp>
     </p:spTree>
   </p:cSld>
-  <p:clrMapOvr>
-    <a:masterClrMapping/>
-  </p:clrMapOvr>
 </p:sldLayout>
 </file>
 
 <file path=ppt/slideLayouts/slideLayout24.xml><?xml version="1.0" encoding="utf-8"?>
-<p:sldLayout xmlns:a="http://schemas.openxmlformats.org/drawingml/2006/main" xmlns:r="http://schemas.openxmlformats.org/officeDocument/2006/relationships" xmlns:p="http://schemas.openxmlformats.org/presentationml/2006/main" type="blank" preserve="1">
+<p:sldLayout xmlns:a="http://schemas.openxmlformats.org/drawingml/2006/main" xmlns:p="http://schemas.openxmlformats.org/presentationml/2006/main" xmlns:r="http://schemas.openxmlformats.org/officeDocument/2006/relationships" xmlns:p14="http://schemas.microsoft.com/office/powerpoint/2010/main" xmlns:p15="http://schemas.microsoft.com/office/powerpoint/2012/main" xmlns:mc="http://schemas.openxmlformats.org/markup-compatibility/2006" type="blank" preserve="1">
   <p:cSld name="Title, 6 Content">
     <p:spTree>
       <p:nvGrpSpPr>
@@ -3530,15 +3409,14 @@
           </a:ln>
         </p:spPr>
         <p:txBody>
-          <a:bodyPr lIns="0" tIns="0" rIns="0" bIns="0" anchor="ctr">
+          <a:bodyPr lIns="0" rIns="0" tIns="0" bIns="0" anchor="ctr">
             <a:noAutofit/>
           </a:bodyPr>
-          <a:lstStyle/>
-          <a:p>
-            <a:pPr indent="0" algn="ctr">
-              <a:buNone/>
-            </a:pPr>
-            <a:endParaRPr lang="en-CA" sz="4400" b="0" strike="noStrike" spc="-1">
+          <a:p>
+            <a:pPr indent="0">
+              <a:buNone/>
+            </a:pPr>
+            <a:endParaRPr b="0" lang="en-US" sz="1800" spc="-1" strike="noStrike">
               <a:solidFill>
                 <a:srgbClr val="000000"/>
               </a:solidFill>
@@ -3571,18 +3449,20 @@
           </a:ln>
         </p:spPr>
         <p:txBody>
-          <a:bodyPr lIns="0" tIns="0" rIns="0" bIns="0" anchor="t">
+          <a:bodyPr lIns="0" rIns="0" tIns="0" bIns="0" anchor="t">
             <a:normAutofit/>
           </a:bodyPr>
-          <a:lstStyle/>
           <a:p>
             <a:pPr indent="0">
+              <a:lnSpc>
+                <a:spcPct val="90000"/>
+              </a:lnSpc>
               <a:spcBef>
                 <a:spcPts val="1417"/>
               </a:spcBef>
               <a:buNone/>
             </a:pPr>
-            <a:endParaRPr lang="en-CA" sz="3200" b="0" strike="noStrike" spc="-1">
+            <a:endParaRPr b="0" lang="en-US" sz="2800" spc="-1" strike="noStrike">
               <a:solidFill>
                 <a:srgbClr val="000000"/>
               </a:solidFill>
@@ -3615,18 +3495,20 @@
           </a:ln>
         </p:spPr>
         <p:txBody>
-          <a:bodyPr lIns="0" tIns="0" rIns="0" bIns="0" anchor="t">
+          <a:bodyPr lIns="0" rIns="0" tIns="0" bIns="0" anchor="t">
             <a:normAutofit/>
           </a:bodyPr>
-          <a:lstStyle/>
           <a:p>
             <a:pPr indent="0">
+              <a:lnSpc>
+                <a:spcPct val="90000"/>
+              </a:lnSpc>
               <a:spcBef>
                 <a:spcPts val="1417"/>
               </a:spcBef>
               <a:buNone/>
             </a:pPr>
-            <a:endParaRPr lang="en-CA" sz="3200" b="0" strike="noStrike" spc="-1">
+            <a:endParaRPr b="0" lang="en-US" sz="2800" spc="-1" strike="noStrike">
               <a:solidFill>
                 <a:srgbClr val="000000"/>
               </a:solidFill>
@@ -3659,18 +3541,20 @@
           </a:ln>
         </p:spPr>
         <p:txBody>
-          <a:bodyPr lIns="0" tIns="0" rIns="0" bIns="0" anchor="t">
+          <a:bodyPr lIns="0" rIns="0" tIns="0" bIns="0" anchor="t">
             <a:normAutofit/>
           </a:bodyPr>
-          <a:lstStyle/>
           <a:p>
             <a:pPr indent="0">
+              <a:lnSpc>
+                <a:spcPct val="90000"/>
+              </a:lnSpc>
               <a:spcBef>
                 <a:spcPts val="1417"/>
               </a:spcBef>
               <a:buNone/>
             </a:pPr>
-            <a:endParaRPr lang="en-CA" sz="3200" b="0" strike="noStrike" spc="-1">
+            <a:endParaRPr b="0" lang="en-US" sz="2800" spc="-1" strike="noStrike">
               <a:solidFill>
                 <a:srgbClr val="000000"/>
               </a:solidFill>
@@ -3703,18 +3587,20 @@
           </a:ln>
         </p:spPr>
         <p:txBody>
-          <a:bodyPr lIns="0" tIns="0" rIns="0" bIns="0" anchor="t">
+          <a:bodyPr lIns="0" rIns="0" tIns="0" bIns="0" anchor="t">
             <a:normAutofit/>
           </a:bodyPr>
-          <a:lstStyle/>
           <a:p>
             <a:pPr indent="0">
+              <a:lnSpc>
+                <a:spcPct val="90000"/>
+              </a:lnSpc>
               <a:spcBef>
                 <a:spcPts val="1417"/>
               </a:spcBef>
               <a:buNone/>
             </a:pPr>
-            <a:endParaRPr lang="en-CA" sz="3200" b="0" strike="noStrike" spc="-1">
+            <a:endParaRPr b="0" lang="en-US" sz="2800" spc="-1" strike="noStrike">
               <a:solidFill>
                 <a:srgbClr val="000000"/>
               </a:solidFill>
@@ -3747,18 +3633,20 @@
           </a:ln>
         </p:spPr>
         <p:txBody>
-          <a:bodyPr lIns="0" tIns="0" rIns="0" bIns="0" anchor="t">
+          <a:bodyPr lIns="0" rIns="0" tIns="0" bIns="0" anchor="t">
             <a:normAutofit/>
           </a:bodyPr>
-          <a:lstStyle/>
           <a:p>
             <a:pPr indent="0">
+              <a:lnSpc>
+                <a:spcPct val="90000"/>
+              </a:lnSpc>
               <a:spcBef>
                 <a:spcPts val="1417"/>
               </a:spcBef>
               <a:buNone/>
             </a:pPr>
-            <a:endParaRPr lang="en-CA" sz="3200" b="0" strike="noStrike" spc="-1">
+            <a:endParaRPr b="0" lang="en-US" sz="2800" spc="-1" strike="noStrike">
               <a:solidFill>
                 <a:srgbClr val="000000"/>
               </a:solidFill>
@@ -3791,18 +3679,20 @@
           </a:ln>
         </p:spPr>
         <p:txBody>
-          <a:bodyPr lIns="0" tIns="0" rIns="0" bIns="0" anchor="t">
+          <a:bodyPr lIns="0" rIns="0" tIns="0" bIns="0" anchor="t">
             <a:normAutofit/>
           </a:bodyPr>
-          <a:lstStyle/>
           <a:p>
             <a:pPr indent="0">
+              <a:lnSpc>
+                <a:spcPct val="90000"/>
+              </a:lnSpc>
               <a:spcBef>
                 <a:spcPts val="1417"/>
               </a:spcBef>
               <a:buNone/>
             </a:pPr>
-            <a:endParaRPr lang="en-CA" sz="3200" b="0" strike="noStrike" spc="-1">
+            <a:endParaRPr b="0" lang="en-US" sz="2800" spc="-1" strike="noStrike">
               <a:solidFill>
                 <a:srgbClr val="000000"/>
               </a:solidFill>
@@ -3824,7 +3714,6 @@
         <p:spPr/>
         <p:txBody>
           <a:bodyPr/>
-          <a:lstStyle/>
           <a:p>
             <a:r>
               <a:t>Footer</a:t>
@@ -3845,12 +3734,10 @@
         <p:spPr/>
         <p:txBody>
           <a:bodyPr/>
-          <a:lstStyle/>
-          <a:p>
-            <a:fld id="{A39D02D6-41FF-475D-8047-7A9647DD6B4B}" type="slidenum">
-              <a:t>‹#›</a:t>
+          <a:p>
+            <a:fld id="{83744C02-383D-4696-8180-029EA061FA4A}" type="slidenum">
+              <a:t>&lt;#&gt;</a:t>
             </a:fld>
-            <a:endParaRPr/>
           </a:p>
         </p:txBody>
       </p:sp>
@@ -3867,22 +3754,21 @@
         <p:spPr/>
         <p:txBody>
           <a:bodyPr/>
-          <a:lstStyle/>
-          <a:p>
-            <a:endParaRPr/>
+          <a:p>
+            <a:r>
+              <a:rPr lang="pt-BR"/>
+              <a:t/>
+            </a:r>
           </a:p>
         </p:txBody>
       </p:sp>
     </p:spTree>
   </p:cSld>
-  <p:clrMapOvr>
-    <a:masterClrMapping/>
-  </p:clrMapOvr>
 </p:sldLayout>
 </file>
 
 <file path=ppt/slideLayouts/slideLayout3.xml><?xml version="1.0" encoding="utf-8"?>
-<p:sldLayout xmlns:a="http://schemas.openxmlformats.org/drawingml/2006/main" xmlns:r="http://schemas.openxmlformats.org/officeDocument/2006/relationships" xmlns:p="http://schemas.openxmlformats.org/presentationml/2006/main" type="obj" preserve="1">
+<p:sldLayout xmlns:a="http://schemas.openxmlformats.org/drawingml/2006/main" xmlns:p="http://schemas.openxmlformats.org/presentationml/2006/main" xmlns:r="http://schemas.openxmlformats.org/officeDocument/2006/relationships" xmlns:p14="http://schemas.microsoft.com/office/powerpoint/2010/main" xmlns:p15="http://schemas.microsoft.com/office/powerpoint/2012/main" xmlns:mc="http://schemas.openxmlformats.org/markup-compatibility/2006" type="obj" preserve="1">
   <p:cSld name="Title, Content">
     <p:spTree>
       <p:nvGrpSpPr>
@@ -3922,15 +3808,14 @@
           </a:ln>
         </p:spPr>
         <p:txBody>
-          <a:bodyPr lIns="0" tIns="0" rIns="0" bIns="0" anchor="ctr">
+          <a:bodyPr lIns="0" rIns="0" tIns="0" bIns="0" anchor="ctr">
             <a:noAutofit/>
           </a:bodyPr>
-          <a:lstStyle/>
-          <a:p>
-            <a:pPr indent="0" algn="ctr">
-              <a:buNone/>
-            </a:pPr>
-            <a:endParaRPr lang="en-CA" sz="4400" b="0" strike="noStrike" spc="-1">
+          <a:p>
+            <a:pPr indent="0">
+              <a:buNone/>
+            </a:pPr>
+            <a:endParaRPr b="0" lang="en-US" sz="1800" spc="-1" strike="noStrike">
               <a:solidFill>
                 <a:srgbClr val="000000"/>
               </a:solidFill>
@@ -3963,18 +3848,20 @@
           </a:ln>
         </p:spPr>
         <p:txBody>
-          <a:bodyPr lIns="0" tIns="0" rIns="0" bIns="0" anchor="t">
+          <a:bodyPr lIns="0" rIns="0" tIns="0" bIns="0" anchor="t">
             <a:normAutofit/>
           </a:bodyPr>
-          <a:lstStyle/>
           <a:p>
             <a:pPr indent="0">
+              <a:lnSpc>
+                <a:spcPct val="90000"/>
+              </a:lnSpc>
               <a:spcBef>
                 <a:spcPts val="1417"/>
               </a:spcBef>
               <a:buNone/>
             </a:pPr>
-            <a:endParaRPr lang="en-CA" sz="3200" b="0" strike="noStrike" spc="-1">
+            <a:endParaRPr b="0" lang="en-US" sz="2800" spc="-1" strike="noStrike">
               <a:solidFill>
                 <a:srgbClr val="000000"/>
               </a:solidFill>
@@ -3996,7 +3883,6 @@
         <p:spPr/>
         <p:txBody>
           <a:bodyPr/>
-          <a:lstStyle/>
           <a:p>
             <a:r>
               <a:t>Footer</a:t>
@@ -4017,12 +3903,10 @@
         <p:spPr/>
         <p:txBody>
           <a:bodyPr/>
-          <a:lstStyle/>
-          <a:p>
-            <a:fld id="{805479E9-0822-44E1-9CDD-C3704A46ED98}" type="slidenum">
-              <a:t>‹#›</a:t>
+          <a:p>
+            <a:fld id="{557D4940-3CF8-4E84-AC5C-916CF4EDBE4D}" type="slidenum">
+              <a:t>&lt;#&gt;</a:t>
             </a:fld>
-            <a:endParaRPr/>
           </a:p>
         </p:txBody>
       </p:sp>
@@ -4039,22 +3923,21 @@
         <p:spPr/>
         <p:txBody>
           <a:bodyPr/>
-          <a:lstStyle/>
-          <a:p>
-            <a:endParaRPr/>
+          <a:p>
+            <a:r>
+              <a:rPr lang="pt-BR"/>
+              <a:t/>
+            </a:r>
           </a:p>
         </p:txBody>
       </p:sp>
     </p:spTree>
   </p:cSld>
-  <p:clrMapOvr>
-    <a:masterClrMapping/>
-  </p:clrMapOvr>
 </p:sldLayout>
 </file>
 
 <file path=ppt/slideLayouts/slideLayout4.xml><?xml version="1.0" encoding="utf-8"?>
-<p:sldLayout xmlns:a="http://schemas.openxmlformats.org/drawingml/2006/main" xmlns:r="http://schemas.openxmlformats.org/officeDocument/2006/relationships" xmlns:p="http://schemas.openxmlformats.org/presentationml/2006/main" type="twoObj" preserve="1">
+<p:sldLayout xmlns:a="http://schemas.openxmlformats.org/drawingml/2006/main" xmlns:p="http://schemas.openxmlformats.org/presentationml/2006/main" xmlns:r="http://schemas.openxmlformats.org/officeDocument/2006/relationships" xmlns:p14="http://schemas.microsoft.com/office/powerpoint/2010/main" xmlns:p15="http://schemas.microsoft.com/office/powerpoint/2012/main" xmlns:mc="http://schemas.openxmlformats.org/markup-compatibility/2006" type="twoObj" preserve="1">
   <p:cSld name="Title, 2 Content">
     <p:spTree>
       <p:nvGrpSpPr>
@@ -4094,15 +3977,14 @@
           </a:ln>
         </p:spPr>
         <p:txBody>
-          <a:bodyPr lIns="0" tIns="0" rIns="0" bIns="0" anchor="ctr">
+          <a:bodyPr lIns="0" rIns="0" tIns="0" bIns="0" anchor="ctr">
             <a:noAutofit/>
           </a:bodyPr>
-          <a:lstStyle/>
-          <a:p>
-            <a:pPr indent="0" algn="ctr">
-              <a:buNone/>
-            </a:pPr>
-            <a:endParaRPr lang="en-CA" sz="4400" b="0" strike="noStrike" spc="-1">
+          <a:p>
+            <a:pPr indent="0">
+              <a:buNone/>
+            </a:pPr>
+            <a:endParaRPr b="0" lang="en-US" sz="1800" spc="-1" strike="noStrike">
               <a:solidFill>
                 <a:srgbClr val="000000"/>
               </a:solidFill>
@@ -4135,18 +4017,20 @@
           </a:ln>
         </p:spPr>
         <p:txBody>
-          <a:bodyPr lIns="0" tIns="0" rIns="0" bIns="0" anchor="t">
+          <a:bodyPr lIns="0" rIns="0" tIns="0" bIns="0" anchor="t">
             <a:normAutofit/>
           </a:bodyPr>
-          <a:lstStyle/>
           <a:p>
             <a:pPr indent="0">
+              <a:lnSpc>
+                <a:spcPct val="90000"/>
+              </a:lnSpc>
               <a:spcBef>
                 <a:spcPts val="1417"/>
               </a:spcBef>
               <a:buNone/>
             </a:pPr>
-            <a:endParaRPr lang="en-CA" sz="3200" b="0" strike="noStrike" spc="-1">
+            <a:endParaRPr b="0" lang="en-US" sz="2800" spc="-1" strike="noStrike">
               <a:solidFill>
                 <a:srgbClr val="000000"/>
               </a:solidFill>
@@ -4179,18 +4063,20 @@
           </a:ln>
         </p:spPr>
         <p:txBody>
-          <a:bodyPr lIns="0" tIns="0" rIns="0" bIns="0" anchor="t">
+          <a:bodyPr lIns="0" rIns="0" tIns="0" bIns="0" anchor="t">
             <a:normAutofit/>
           </a:bodyPr>
-          <a:lstStyle/>
           <a:p>
             <a:pPr indent="0">
+              <a:lnSpc>
+                <a:spcPct val="90000"/>
+              </a:lnSpc>
               <a:spcBef>
                 <a:spcPts val="1417"/>
               </a:spcBef>
               <a:buNone/>
             </a:pPr>
-            <a:endParaRPr lang="en-CA" sz="3200" b="0" strike="noStrike" spc="-1">
+            <a:endParaRPr b="0" lang="en-US" sz="2800" spc="-1" strike="noStrike">
               <a:solidFill>
                 <a:srgbClr val="000000"/>
               </a:solidFill>
@@ -4212,7 +4098,6 @@
         <p:spPr/>
         <p:txBody>
           <a:bodyPr/>
-          <a:lstStyle/>
           <a:p>
             <a:r>
               <a:t>Footer</a:t>
@@ -4233,12 +4118,10 @@
         <p:spPr/>
         <p:txBody>
           <a:bodyPr/>
-          <a:lstStyle/>
-          <a:p>
-            <a:fld id="{D5188253-F770-43DB-9364-188DAD007BEA}" type="slidenum">
-              <a:t>‹#›</a:t>
+          <a:p>
+            <a:fld id="{172A6B34-E2E6-46B2-A97E-A561D76E1F06}" type="slidenum">
+              <a:t>&lt;#&gt;</a:t>
             </a:fld>
-            <a:endParaRPr/>
           </a:p>
         </p:txBody>
       </p:sp>
@@ -4255,22 +4138,21 @@
         <p:spPr/>
         <p:txBody>
           <a:bodyPr/>
-          <a:lstStyle/>
-          <a:p>
-            <a:endParaRPr/>
+          <a:p>
+            <a:r>
+              <a:rPr lang="pt-BR"/>
+              <a:t/>
+            </a:r>
           </a:p>
         </p:txBody>
       </p:sp>
     </p:spTree>
   </p:cSld>
-  <p:clrMapOvr>
-    <a:masterClrMapping/>
-  </p:clrMapOvr>
 </p:sldLayout>
 </file>
 
 <file path=ppt/slideLayouts/slideLayout5.xml><?xml version="1.0" encoding="utf-8"?>
-<p:sldLayout xmlns:a="http://schemas.openxmlformats.org/drawingml/2006/main" xmlns:r="http://schemas.openxmlformats.org/officeDocument/2006/relationships" xmlns:p="http://schemas.openxmlformats.org/presentationml/2006/main" type="titleOnly" preserve="1">
+<p:sldLayout xmlns:a="http://schemas.openxmlformats.org/drawingml/2006/main" xmlns:p="http://schemas.openxmlformats.org/presentationml/2006/main" xmlns:r="http://schemas.openxmlformats.org/officeDocument/2006/relationships" xmlns:p14="http://schemas.microsoft.com/office/powerpoint/2010/main" xmlns:p15="http://schemas.microsoft.com/office/powerpoint/2012/main" xmlns:mc="http://schemas.openxmlformats.org/markup-compatibility/2006" type="titleOnly" preserve="1">
   <p:cSld name="Title Only">
     <p:spTree>
       <p:nvGrpSpPr>
@@ -4310,15 +4192,14 @@
           </a:ln>
         </p:spPr>
         <p:txBody>
-          <a:bodyPr lIns="0" tIns="0" rIns="0" bIns="0" anchor="ctr">
+          <a:bodyPr lIns="0" rIns="0" tIns="0" bIns="0" anchor="ctr">
             <a:noAutofit/>
           </a:bodyPr>
-          <a:lstStyle/>
-          <a:p>
-            <a:pPr indent="0" algn="ctr">
-              <a:buNone/>
-            </a:pPr>
-            <a:endParaRPr lang="en-CA" sz="4400" b="0" strike="noStrike" spc="-1">
+          <a:p>
+            <a:pPr indent="0">
+              <a:buNone/>
+            </a:pPr>
+            <a:endParaRPr b="0" lang="en-US" sz="1800" spc="-1" strike="noStrike">
               <a:solidFill>
                 <a:srgbClr val="000000"/>
               </a:solidFill>
@@ -4340,7 +4221,6 @@
         <p:spPr/>
         <p:txBody>
           <a:bodyPr/>
-          <a:lstStyle/>
           <a:p>
             <a:r>
               <a:t>Footer</a:t>
@@ -4361,12 +4241,10 @@
         <p:spPr/>
         <p:txBody>
           <a:bodyPr/>
-          <a:lstStyle/>
-          <a:p>
-            <a:fld id="{A1017491-3A45-4D1F-80F4-464C9AF73990}" type="slidenum">
-              <a:t>‹#›</a:t>
+          <a:p>
+            <a:fld id="{313FE6F4-22F6-45C3-90F6-EEA616996209}" type="slidenum">
+              <a:t>&lt;#&gt;</a:t>
             </a:fld>
-            <a:endParaRPr/>
           </a:p>
         </p:txBody>
       </p:sp>
@@ -4383,22 +4261,21 @@
         <p:spPr/>
         <p:txBody>
           <a:bodyPr/>
-          <a:lstStyle/>
-          <a:p>
-            <a:endParaRPr/>
+          <a:p>
+            <a:r>
+              <a:rPr lang="pt-BR"/>
+              <a:t/>
+            </a:r>
           </a:p>
         </p:txBody>
       </p:sp>
     </p:spTree>
   </p:cSld>
-  <p:clrMapOvr>
-    <a:masterClrMapping/>
-  </p:clrMapOvr>
 </p:sldLayout>
 </file>
 
 <file path=ppt/slideLayouts/slideLayout6.xml><?xml version="1.0" encoding="utf-8"?>
-<p:sldLayout xmlns:a="http://schemas.openxmlformats.org/drawingml/2006/main" xmlns:r="http://schemas.openxmlformats.org/officeDocument/2006/relationships" xmlns:p="http://schemas.openxmlformats.org/presentationml/2006/main" type="objOnly" preserve="1">
+<p:sldLayout xmlns:a="http://schemas.openxmlformats.org/drawingml/2006/main" xmlns:p="http://schemas.openxmlformats.org/presentationml/2006/main" xmlns:r="http://schemas.openxmlformats.org/officeDocument/2006/relationships" xmlns:p14="http://schemas.microsoft.com/office/powerpoint/2010/main" xmlns:p15="http://schemas.microsoft.com/office/powerpoint/2012/main" xmlns:mc="http://schemas.openxmlformats.org/markup-compatibility/2006" type="objOnly" preserve="1">
   <p:cSld name="Centered Text">
     <p:spTree>
       <p:nvGrpSpPr>
@@ -4438,13 +4315,12 @@
           </a:ln>
         </p:spPr>
         <p:txBody>
-          <a:bodyPr lIns="0" tIns="0" rIns="0" bIns="0" anchor="ctr">
+          <a:bodyPr lIns="0" rIns="0" tIns="0" bIns="0" anchor="ctr">
             <a:noAutofit/>
           </a:bodyPr>
-          <a:lstStyle/>
           <a:p>
             <a:pPr algn="ctr"/>
-            <a:endParaRPr lang="en-CA" sz="3200" b="0" strike="noStrike" spc="-1">
+            <a:endParaRPr b="0" lang="pt-BR" sz="3200" spc="-1" strike="noStrike">
               <a:solidFill>
                 <a:srgbClr val="000000"/>
               </a:solidFill>
@@ -4466,7 +4342,6 @@
         <p:spPr/>
         <p:txBody>
           <a:bodyPr/>
-          <a:lstStyle/>
           <a:p>
             <a:r>
               <a:t>Footer</a:t>
@@ -4487,12 +4362,10 @@
         <p:spPr/>
         <p:txBody>
           <a:bodyPr/>
-          <a:lstStyle/>
-          <a:p>
-            <a:fld id="{739C730A-DAA7-4AA8-8FBF-7B65EE46771E}" type="slidenum">
-              <a:t>‹#›</a:t>
+          <a:p>
+            <a:fld id="{083B78A5-3BB8-4342-84A3-A5DE7FC4B18B}" type="slidenum">
+              <a:t>&lt;#&gt;</a:t>
             </a:fld>
-            <a:endParaRPr/>
           </a:p>
         </p:txBody>
       </p:sp>
@@ -4509,22 +4382,21 @@
         <p:spPr/>
         <p:txBody>
           <a:bodyPr/>
-          <a:lstStyle/>
-          <a:p>
-            <a:endParaRPr/>
+          <a:p>
+            <a:r>
+              <a:rPr lang="pt-BR"/>
+              <a:t/>
+            </a:r>
           </a:p>
         </p:txBody>
       </p:sp>
     </p:spTree>
   </p:cSld>
-  <p:clrMapOvr>
-    <a:masterClrMapping/>
-  </p:clrMapOvr>
 </p:sldLayout>
 </file>
 
 <file path=ppt/slideLayouts/slideLayout7.xml><?xml version="1.0" encoding="utf-8"?>
-<p:sldLayout xmlns:a="http://schemas.openxmlformats.org/drawingml/2006/main" xmlns:r="http://schemas.openxmlformats.org/officeDocument/2006/relationships" xmlns:p="http://schemas.openxmlformats.org/presentationml/2006/main" type="twoObjAndObj" preserve="1">
+<p:sldLayout xmlns:a="http://schemas.openxmlformats.org/drawingml/2006/main" xmlns:p="http://schemas.openxmlformats.org/presentationml/2006/main" xmlns:r="http://schemas.openxmlformats.org/officeDocument/2006/relationships" xmlns:p14="http://schemas.microsoft.com/office/powerpoint/2010/main" xmlns:p15="http://schemas.microsoft.com/office/powerpoint/2012/main" xmlns:mc="http://schemas.openxmlformats.org/markup-compatibility/2006" type="twoObjAndObj" preserve="1">
   <p:cSld name="Title, 2 Content and Content">
     <p:spTree>
       <p:nvGrpSpPr>
@@ -4564,15 +4436,14 @@
           </a:ln>
         </p:spPr>
         <p:txBody>
-          <a:bodyPr lIns="0" tIns="0" rIns="0" bIns="0" anchor="ctr">
+          <a:bodyPr lIns="0" rIns="0" tIns="0" bIns="0" anchor="ctr">
             <a:noAutofit/>
           </a:bodyPr>
-          <a:lstStyle/>
-          <a:p>
-            <a:pPr indent="0" algn="ctr">
-              <a:buNone/>
-            </a:pPr>
-            <a:endParaRPr lang="en-CA" sz="4400" b="0" strike="noStrike" spc="-1">
+          <a:p>
+            <a:pPr indent="0">
+              <a:buNone/>
+            </a:pPr>
+            <a:endParaRPr b="0" lang="en-US" sz="1800" spc="-1" strike="noStrike">
               <a:solidFill>
                 <a:srgbClr val="000000"/>
               </a:solidFill>
@@ -4605,18 +4476,20 @@
           </a:ln>
         </p:spPr>
         <p:txBody>
-          <a:bodyPr lIns="0" tIns="0" rIns="0" bIns="0" anchor="t">
+          <a:bodyPr lIns="0" rIns="0" tIns="0" bIns="0" anchor="t">
             <a:normAutofit/>
           </a:bodyPr>
-          <a:lstStyle/>
           <a:p>
             <a:pPr indent="0">
+              <a:lnSpc>
+                <a:spcPct val="90000"/>
+              </a:lnSpc>
               <a:spcBef>
                 <a:spcPts val="1417"/>
               </a:spcBef>
               <a:buNone/>
             </a:pPr>
-            <a:endParaRPr lang="en-CA" sz="3200" b="0" strike="noStrike" spc="-1">
+            <a:endParaRPr b="0" lang="en-US" sz="2800" spc="-1" strike="noStrike">
               <a:solidFill>
                 <a:srgbClr val="000000"/>
               </a:solidFill>
@@ -4649,18 +4522,20 @@
           </a:ln>
         </p:spPr>
         <p:txBody>
-          <a:bodyPr lIns="0" tIns="0" rIns="0" bIns="0" anchor="t">
+          <a:bodyPr lIns="0" rIns="0" tIns="0" bIns="0" anchor="t">
             <a:normAutofit/>
           </a:bodyPr>
-          <a:lstStyle/>
           <a:p>
             <a:pPr indent="0">
+              <a:lnSpc>
+                <a:spcPct val="90000"/>
+              </a:lnSpc>
               <a:spcBef>
                 <a:spcPts val="1417"/>
               </a:spcBef>
               <a:buNone/>
             </a:pPr>
-            <a:endParaRPr lang="en-CA" sz="3200" b="0" strike="noStrike" spc="-1">
+            <a:endParaRPr b="0" lang="en-US" sz="2800" spc="-1" strike="noStrike">
               <a:solidFill>
                 <a:srgbClr val="000000"/>
               </a:solidFill>
@@ -4693,18 +4568,20 @@
           </a:ln>
         </p:spPr>
         <p:txBody>
-          <a:bodyPr lIns="0" tIns="0" rIns="0" bIns="0" anchor="t">
+          <a:bodyPr lIns="0" rIns="0" tIns="0" bIns="0" anchor="t">
             <a:normAutofit/>
           </a:bodyPr>
-          <a:lstStyle/>
           <a:p>
             <a:pPr indent="0">
+              <a:lnSpc>
+                <a:spcPct val="90000"/>
+              </a:lnSpc>
               <a:spcBef>
                 <a:spcPts val="1417"/>
               </a:spcBef>
               <a:buNone/>
             </a:pPr>
-            <a:endParaRPr lang="en-CA" sz="3200" b="0" strike="noStrike" spc="-1">
+            <a:endParaRPr b="0" lang="en-US" sz="2800" spc="-1" strike="noStrike">
               <a:solidFill>
                 <a:srgbClr val="000000"/>
               </a:solidFill>
@@ -4726,7 +4603,6 @@
         <p:spPr/>
         <p:txBody>
           <a:bodyPr/>
-          <a:lstStyle/>
           <a:p>
             <a:r>
               <a:t>Footer</a:t>
@@ -4747,12 +4623,10 @@
         <p:spPr/>
         <p:txBody>
           <a:bodyPr/>
-          <a:lstStyle/>
-          <a:p>
-            <a:fld id="{9CD60421-5804-4D0C-A818-9037701E9040}" type="slidenum">
-              <a:t>‹#›</a:t>
+          <a:p>
+            <a:fld id="{7DEE8911-D9AF-4547-946D-03CE222733F1}" type="slidenum">
+              <a:t>&lt;#&gt;</a:t>
             </a:fld>
-            <a:endParaRPr/>
           </a:p>
         </p:txBody>
       </p:sp>
@@ -4769,22 +4643,21 @@
         <p:spPr/>
         <p:txBody>
           <a:bodyPr/>
-          <a:lstStyle/>
-          <a:p>
-            <a:endParaRPr/>
+          <a:p>
+            <a:r>
+              <a:rPr lang="pt-BR"/>
+              <a:t/>
+            </a:r>
           </a:p>
         </p:txBody>
       </p:sp>
     </p:spTree>
   </p:cSld>
-  <p:clrMapOvr>
-    <a:masterClrMapping/>
-  </p:clrMapOvr>
 </p:sldLayout>
 </file>
 
 <file path=ppt/slideLayouts/slideLayout8.xml><?xml version="1.0" encoding="utf-8"?>
-<p:sldLayout xmlns:a="http://schemas.openxmlformats.org/drawingml/2006/main" xmlns:r="http://schemas.openxmlformats.org/officeDocument/2006/relationships" xmlns:p="http://schemas.openxmlformats.org/presentationml/2006/main" type="objAndTwoObj" preserve="1">
+<p:sldLayout xmlns:a="http://schemas.openxmlformats.org/drawingml/2006/main" xmlns:p="http://schemas.openxmlformats.org/presentationml/2006/main" xmlns:r="http://schemas.openxmlformats.org/officeDocument/2006/relationships" xmlns:p14="http://schemas.microsoft.com/office/powerpoint/2010/main" xmlns:p15="http://schemas.microsoft.com/office/powerpoint/2012/main" xmlns:mc="http://schemas.openxmlformats.org/markup-compatibility/2006" type="objAndTwoObj" preserve="1">
   <p:cSld name="Title Content and 2 Content">
     <p:spTree>
       <p:nvGrpSpPr>
@@ -4824,15 +4697,14 @@
           </a:ln>
         </p:spPr>
         <p:txBody>
-          <a:bodyPr lIns="0" tIns="0" rIns="0" bIns="0" anchor="ctr">
+          <a:bodyPr lIns="0" rIns="0" tIns="0" bIns="0" anchor="ctr">
             <a:noAutofit/>
           </a:bodyPr>
-          <a:lstStyle/>
-          <a:p>
-            <a:pPr indent="0" algn="ctr">
-              <a:buNone/>
-            </a:pPr>
-            <a:endParaRPr lang="en-CA" sz="4400" b="0" strike="noStrike" spc="-1">
+          <a:p>
+            <a:pPr indent="0">
+              <a:buNone/>
+            </a:pPr>
+            <a:endParaRPr b="0" lang="en-US" sz="1800" spc="-1" strike="noStrike">
               <a:solidFill>
                 <a:srgbClr val="000000"/>
               </a:solidFill>
@@ -4865,18 +4737,20 @@
           </a:ln>
         </p:spPr>
         <p:txBody>
-          <a:bodyPr lIns="0" tIns="0" rIns="0" bIns="0" anchor="t">
+          <a:bodyPr lIns="0" rIns="0" tIns="0" bIns="0" anchor="t">
             <a:normAutofit/>
           </a:bodyPr>
-          <a:lstStyle/>
           <a:p>
             <a:pPr indent="0">
+              <a:lnSpc>
+                <a:spcPct val="90000"/>
+              </a:lnSpc>
               <a:spcBef>
                 <a:spcPts val="1417"/>
               </a:spcBef>
               <a:buNone/>
             </a:pPr>
-            <a:endParaRPr lang="en-CA" sz="3200" b="0" strike="noStrike" spc="-1">
+            <a:endParaRPr b="0" lang="en-US" sz="2800" spc="-1" strike="noStrike">
               <a:solidFill>
                 <a:srgbClr val="000000"/>
               </a:solidFill>
@@ -4909,18 +4783,20 @@
           </a:ln>
         </p:spPr>
         <p:txBody>
-          <a:bodyPr lIns="0" tIns="0" rIns="0" bIns="0" anchor="t">
+          <a:bodyPr lIns="0" rIns="0" tIns="0" bIns="0" anchor="t">
             <a:normAutofit/>
           </a:bodyPr>
-          <a:lstStyle/>
           <a:p>
             <a:pPr indent="0">
+              <a:lnSpc>
+                <a:spcPct val="90000"/>
+              </a:lnSpc>
               <a:spcBef>
                 <a:spcPts val="1417"/>
               </a:spcBef>
               <a:buNone/>
             </a:pPr>
-            <a:endParaRPr lang="en-CA" sz="3200" b="0" strike="noStrike" spc="-1">
+            <a:endParaRPr b="0" lang="en-US" sz="2800" spc="-1" strike="noStrike">
               <a:solidFill>
                 <a:srgbClr val="000000"/>
               </a:solidFill>
@@ -4953,18 +4829,20 @@
           </a:ln>
         </p:spPr>
         <p:txBody>
-          <a:bodyPr lIns="0" tIns="0" rIns="0" bIns="0" anchor="t">
+          <a:bodyPr lIns="0" rIns="0" tIns="0" bIns="0" anchor="t">
             <a:normAutofit/>
           </a:bodyPr>
-          <a:lstStyle/>
           <a:p>
             <a:pPr indent="0">
+              <a:lnSpc>
+                <a:spcPct val="90000"/>
+              </a:lnSpc>
               <a:spcBef>
                 <a:spcPts val="1417"/>
               </a:spcBef>
               <a:buNone/>
             </a:pPr>
-            <a:endParaRPr lang="en-CA" sz="3200" b="0" strike="noStrike" spc="-1">
+            <a:endParaRPr b="0" lang="en-US" sz="2800" spc="-1" strike="noStrike">
               <a:solidFill>
                 <a:srgbClr val="000000"/>
               </a:solidFill>
@@ -4986,7 +4864,6 @@
         <p:spPr/>
         <p:txBody>
           <a:bodyPr/>
-          <a:lstStyle/>
           <a:p>
             <a:r>
               <a:t>Footer</a:t>
@@ -5007,12 +4884,10 @@
         <p:spPr/>
         <p:txBody>
           <a:bodyPr/>
-          <a:lstStyle/>
-          <a:p>
-            <a:fld id="{17D0EE83-DD0F-45CA-8BC3-3345C5CB987A}" type="slidenum">
-              <a:t>‹#›</a:t>
+          <a:p>
+            <a:fld id="{C5815A65-9B00-4A57-85BD-6ADBB08F5AE7}" type="slidenum">
+              <a:t>&lt;#&gt;</a:t>
             </a:fld>
-            <a:endParaRPr/>
           </a:p>
         </p:txBody>
       </p:sp>
@@ -5029,22 +4904,21 @@
         <p:spPr/>
         <p:txBody>
           <a:bodyPr/>
-          <a:lstStyle/>
-          <a:p>
-            <a:endParaRPr/>
+          <a:p>
+            <a:r>
+              <a:rPr lang="pt-BR"/>
+              <a:t/>
+            </a:r>
           </a:p>
         </p:txBody>
       </p:sp>
     </p:spTree>
   </p:cSld>
-  <p:clrMapOvr>
-    <a:masterClrMapping/>
-  </p:clrMapOvr>
 </p:sldLayout>
 </file>
 
 <file path=ppt/slideLayouts/slideLayout9.xml><?xml version="1.0" encoding="utf-8"?>
-<p:sldLayout xmlns:a="http://schemas.openxmlformats.org/drawingml/2006/main" xmlns:r="http://schemas.openxmlformats.org/officeDocument/2006/relationships" xmlns:p="http://schemas.openxmlformats.org/presentationml/2006/main" type="twoObjOverTx" preserve="1">
+<p:sldLayout xmlns:a="http://schemas.openxmlformats.org/drawingml/2006/main" xmlns:p="http://schemas.openxmlformats.org/presentationml/2006/main" xmlns:r="http://schemas.openxmlformats.org/officeDocument/2006/relationships" xmlns:p14="http://schemas.microsoft.com/office/powerpoint/2010/main" xmlns:p15="http://schemas.microsoft.com/office/powerpoint/2012/main" xmlns:mc="http://schemas.openxmlformats.org/markup-compatibility/2006" type="twoObjOverTx" preserve="1">
   <p:cSld name="Title, 2 Content over Content">
     <p:spTree>
       <p:nvGrpSpPr>
@@ -5084,15 +4958,14 @@
           </a:ln>
         </p:spPr>
         <p:txBody>
-          <a:bodyPr lIns="0" tIns="0" rIns="0" bIns="0" anchor="ctr">
+          <a:bodyPr lIns="0" rIns="0" tIns="0" bIns="0" anchor="ctr">
             <a:noAutofit/>
           </a:bodyPr>
-          <a:lstStyle/>
-          <a:p>
-            <a:pPr indent="0" algn="ctr">
-              <a:buNone/>
-            </a:pPr>
-            <a:endParaRPr lang="en-CA" sz="4400" b="0" strike="noStrike" spc="-1">
+          <a:p>
+            <a:pPr indent="0">
+              <a:buNone/>
+            </a:pPr>
+            <a:endParaRPr b="0" lang="en-US" sz="1800" spc="-1" strike="noStrike">
               <a:solidFill>
                 <a:srgbClr val="000000"/>
               </a:solidFill>
@@ -5125,18 +4998,20 @@
           </a:ln>
         </p:spPr>
         <p:txBody>
-          <a:bodyPr lIns="0" tIns="0" rIns="0" bIns="0" anchor="t">
+          <a:bodyPr lIns="0" rIns="0" tIns="0" bIns="0" anchor="t">
             <a:normAutofit/>
           </a:bodyPr>
-          <a:lstStyle/>
           <a:p>
             <a:pPr indent="0">
+              <a:lnSpc>
+                <a:spcPct val="90000"/>
+              </a:lnSpc>
               <a:spcBef>
                 <a:spcPts val="1417"/>
               </a:spcBef>
               <a:buNone/>
             </a:pPr>
-            <a:endParaRPr lang="en-CA" sz="3200" b="0" strike="noStrike" spc="-1">
+            <a:endParaRPr b="0" lang="en-US" sz="2800" spc="-1" strike="noStrike">
               <a:solidFill>
                 <a:srgbClr val="000000"/>
               </a:solidFill>
@@ -5169,18 +5044,20 @@
           </a:ln>
         </p:spPr>
         <p:txBody>
-          <a:bodyPr lIns="0" tIns="0" rIns="0" bIns="0" anchor="t">
+          <a:bodyPr lIns="0" rIns="0" tIns="0" bIns="0" anchor="t">
             <a:normAutofit/>
           </a:bodyPr>
-          <a:lstStyle/>
           <a:p>
             <a:pPr indent="0">
+              <a:lnSpc>
+                <a:spcPct val="90000"/>
+              </a:lnSpc>
               <a:spcBef>
                 <a:spcPts val="1417"/>
               </a:spcBef>
               <a:buNone/>
             </a:pPr>
-            <a:endParaRPr lang="en-CA" sz="3200" b="0" strike="noStrike" spc="-1">
+            <a:endParaRPr b="0" lang="en-US" sz="2800" spc="-1" strike="noStrike">
               <a:solidFill>
                 <a:srgbClr val="000000"/>
               </a:solidFill>
@@ -5213,18 +5090,20 @@
           </a:ln>
         </p:spPr>
         <p:txBody>
-          <a:bodyPr lIns="0" tIns="0" rIns="0" bIns="0" anchor="t">
+          <a:bodyPr lIns="0" rIns="0" tIns="0" bIns="0" anchor="t">
             <a:normAutofit/>
           </a:bodyPr>
-          <a:lstStyle/>
           <a:p>
             <a:pPr indent="0">
+              <a:lnSpc>
+                <a:spcPct val="90000"/>
+              </a:lnSpc>
               <a:spcBef>
                 <a:spcPts val="1417"/>
               </a:spcBef>
               <a:buNone/>
             </a:pPr>
-            <a:endParaRPr lang="en-CA" sz="3200" b="0" strike="noStrike" spc="-1">
+            <a:endParaRPr b="0" lang="en-US" sz="2800" spc="-1" strike="noStrike">
               <a:solidFill>
                 <a:srgbClr val="000000"/>
               </a:solidFill>
@@ -5246,7 +5125,6 @@
         <p:spPr/>
         <p:txBody>
           <a:bodyPr/>
-          <a:lstStyle/>
           <a:p>
             <a:r>
               <a:t>Footer</a:t>
@@ -5267,12 +5145,10 @@
         <p:spPr/>
         <p:txBody>
           <a:bodyPr/>
-          <a:lstStyle/>
-          <a:p>
-            <a:fld id="{55CC060A-7293-44E1-8DD1-A4C19A2D8D2F}" type="slidenum">
-              <a:t>‹#›</a:t>
+          <a:p>
+            <a:fld id="{E6EC1209-FE22-4B96-9801-28007230D72C}" type="slidenum">
+              <a:t>&lt;#&gt;</a:t>
             </a:fld>
-            <a:endParaRPr/>
           </a:p>
         </p:txBody>
       </p:sp>
@@ -5289,27 +5165,28 @@
         <p:spPr/>
         <p:txBody>
           <a:bodyPr/>
-          <a:lstStyle/>
-          <a:p>
-            <a:endParaRPr/>
+          <a:p>
+            <a:r>
+              <a:rPr lang="pt-BR"/>
+              <a:t/>
+            </a:r>
           </a:p>
         </p:txBody>
       </p:sp>
     </p:spTree>
   </p:cSld>
-  <p:clrMapOvr>
-    <a:masterClrMapping/>
-  </p:clrMapOvr>
 </p:sldLayout>
 </file>
 
 <file path=ppt/slideMasters/slideMaster1.xml><?xml version="1.0" encoding="utf-8"?>
-<p:sldMaster xmlns:a="http://schemas.openxmlformats.org/drawingml/2006/main" xmlns:r="http://schemas.openxmlformats.org/officeDocument/2006/relationships" xmlns:p="http://schemas.openxmlformats.org/presentationml/2006/main">
+<p:sldMaster xmlns:a="http://schemas.openxmlformats.org/drawingml/2006/main" xmlns:p="http://schemas.openxmlformats.org/presentationml/2006/main" xmlns:r="http://schemas.openxmlformats.org/officeDocument/2006/relationships" xmlns:p14="http://schemas.microsoft.com/office/powerpoint/2010/main" xmlns:p15="http://schemas.microsoft.com/office/powerpoint/2012/main" xmlns:mc="http://schemas.openxmlformats.org/markup-compatibility/2006">
   <p:cSld>
     <p:bg>
-      <p:bgRef idx="1001">
-        <a:schemeClr val="bg1"/>
-      </p:bgRef>
+      <p:bgPr>
+        <a:solidFill>
+          <a:srgbClr val="ffffff"/>
+        </a:solidFill>
+      </p:bgPr>
     </p:bg>
     <p:spTree>
       <p:nvGrpSpPr>
@@ -5327,229 +5204,149 @@
       </p:grpSpPr>
       <p:sp>
         <p:nvSpPr>
-          <p:cNvPr id="5" name="PlaceHolder 1"/>
-          <p:cNvSpPr>
-            <a:spLocks noGrp="1"/>
-          </p:cNvSpPr>
-          <p:nvPr>
-            <p:ph type="title"/>
-          </p:nvPr>
-        </p:nvSpPr>
-        <p:spPr>
-          <a:xfrm>
-            <a:off x="504000" y="226080"/>
-            <a:ext cx="9070920" cy="945720"/>
-          </a:xfrm>
-          <a:prstGeom prst="rect">
-            <a:avLst/>
-          </a:prstGeom>
-          <a:noFill/>
-          <a:ln w="0">
-            <a:noFill/>
-          </a:ln>
-        </p:spPr>
-        <p:txBody>
-          <a:bodyPr lIns="0" tIns="0" rIns="0" bIns="0" anchor="ctr">
+          <p:cNvPr id="0" name="PlaceHolder 1"/>
+          <p:cNvSpPr>
+            <a:spLocks noGrp="1"/>
+          </p:cNvSpPr>
+          <p:nvPr>
+            <p:ph type="ftr" idx="1"/>
+          </p:nvPr>
+        </p:nvSpPr>
+        <p:spPr>
+          <a:xfrm>
+            <a:off x="3447360" y="5165280"/>
+            <a:ext cx="3193920" cy="389520"/>
+          </a:xfrm>
+          <a:prstGeom prst="rect">
+            <a:avLst/>
+          </a:prstGeom>
+          <a:noFill/>
+          <a:ln w="0">
+            <a:noFill/>
+          </a:ln>
+        </p:spPr>
+        <p:txBody>
+          <a:bodyPr lIns="0" rIns="0" tIns="0" bIns="0" anchor="t">
             <a:noAutofit/>
           </a:bodyPr>
-          <a:lstStyle/>
-          <a:p>
-            <a:pPr indent="0">
-              <a:buNone/>
-            </a:pPr>
-            <a:r>
-              <a:rPr lang="en-CA" sz="1800" b="0" strike="noStrike" spc="-1">
+          <a:lstStyle>
+            <a:lvl1pPr indent="0" algn="ctr">
+              <a:lnSpc>
+                <a:spcPct val="100000"/>
+              </a:lnSpc>
+              <a:buNone/>
+              <a:tabLst>
+                <a:tab algn="l" pos="0"/>
+              </a:tabLst>
+              <a:defRPr b="0" lang="en-CA" sz="1400" spc="-1" strike="noStrike">
                 <a:solidFill>
                   <a:srgbClr val="000000"/>
                 </a:solidFill>
-                <a:latin typeface="Arial"/>
-              </a:rPr>
-              <a:t>Click to edit the title text format</a:t>
-            </a:r>
-          </a:p>
-        </p:txBody>
-      </p:sp>
-      <p:sp>
-        <p:nvSpPr>
-          <p:cNvPr id="6" name="PlaceHolder 2"/>
-          <p:cNvSpPr>
-            <a:spLocks noGrp="1"/>
-          </p:cNvSpPr>
-          <p:nvPr>
-            <p:ph type="body"/>
-          </p:nvPr>
-        </p:nvSpPr>
-        <p:spPr>
-          <a:xfrm>
-            <a:off x="504000" y="1326600"/>
-            <a:ext cx="9070920" cy="3287520"/>
-          </a:xfrm>
-          <a:prstGeom prst="rect">
-            <a:avLst/>
-          </a:prstGeom>
-          <a:noFill/>
-          <a:ln w="0">
-            <a:noFill/>
-          </a:ln>
-        </p:spPr>
-        <p:txBody>
-          <a:bodyPr lIns="0" tIns="0" rIns="0" bIns="0" anchor="t">
-            <a:normAutofit/>
-          </a:bodyPr>
-          <a:lstStyle/>
-          <a:p>
-            <a:pPr marL="432000" indent="-324000">
-              <a:spcBef>
-                <a:spcPts val="1417"/>
-              </a:spcBef>
-              <a:buClr>
-                <a:srgbClr val="000000"/>
-              </a:buClr>
-              <a:buSzPct val="45000"/>
-              <a:buFont typeface="Wingdings" charset="2"/>
-              <a:buChar char=""/>
-            </a:pPr>
-            <a:r>
-              <a:rPr lang="en-CA" sz="1800" b="0" strike="noStrike" spc="-1">
+                <a:latin typeface="Times New Roman"/>
+                <a:ea typeface="DejaVu Sans"/>
+              </a:defRPr>
+            </a:lvl1pPr>
+          </a:lstStyle>
+          <a:p>
+            <a:pPr indent="0" algn="ctr">
+              <a:lnSpc>
+                <a:spcPct val="100000"/>
+              </a:lnSpc>
+              <a:buNone/>
+              <a:tabLst>
+                <a:tab algn="l" pos="0"/>
+              </a:tabLst>
+            </a:pPr>
+            <a:r>
+              <a:rPr b="0" lang="en-CA" sz="1400" spc="-1" strike="noStrike">
                 <a:solidFill>
                   <a:srgbClr val="000000"/>
                 </a:solidFill>
-                <a:latin typeface="Arial"/>
+                <a:latin typeface="Times New Roman"/>
+                <a:ea typeface="DejaVu Sans"/>
               </a:rPr>
-              <a:t>Click to edit the outline text format</a:t>
-            </a:r>
-          </a:p>
-          <a:p>
-            <a:pPr marL="864000" lvl="1" indent="-324000">
-              <a:spcBef>
-                <a:spcPts val="1134"/>
-              </a:spcBef>
-              <a:buClr>
-                <a:srgbClr val="000000"/>
-              </a:buClr>
-              <a:buSzPct val="75000"/>
-              <a:buFont typeface="Symbol" charset="2"/>
-              <a:buChar char=""/>
-            </a:pPr>
-            <a:r>
-              <a:rPr lang="en-CA" sz="1800" b="0" strike="noStrike" spc="-1">
+              <a:t> </a:t>
+            </a:r>
+            <a:endParaRPr b="0" lang="pt-BR" sz="1400" spc="-1" strike="noStrike">
+              <a:solidFill>
+                <a:srgbClr val="000000"/>
+              </a:solidFill>
+              <a:latin typeface="Times New Roman"/>
+            </a:endParaRPr>
+          </a:p>
+        </p:txBody>
+      </p:sp>
+      <p:sp>
+        <p:nvSpPr>
+          <p:cNvPr id="1" name="PlaceHolder 2"/>
+          <p:cNvSpPr>
+            <a:spLocks noGrp="1"/>
+          </p:cNvSpPr>
+          <p:nvPr>
+            <p:ph type="sldNum" idx="2"/>
+          </p:nvPr>
+        </p:nvSpPr>
+        <p:spPr>
+          <a:xfrm>
+            <a:off x="7227360" y="5165280"/>
+            <a:ext cx="2347200" cy="389520"/>
+          </a:xfrm>
+          <a:prstGeom prst="rect">
+            <a:avLst/>
+          </a:prstGeom>
+          <a:noFill/>
+          <a:ln w="0">
+            <a:noFill/>
+          </a:ln>
+        </p:spPr>
+        <p:txBody>
+          <a:bodyPr lIns="0" rIns="0" tIns="0" bIns="0" anchor="t">
+            <a:noAutofit/>
+          </a:bodyPr>
+          <a:lstStyle>
+            <a:lvl1pPr indent="0" algn="r">
+              <a:lnSpc>
+                <a:spcPct val="100000"/>
+              </a:lnSpc>
+              <a:buNone/>
+              <a:tabLst>
+                <a:tab algn="l" pos="0"/>
+              </a:tabLst>
+              <a:defRPr b="0" lang="en-CA" sz="1400" spc="-1" strike="noStrike">
                 <a:solidFill>
                   <a:srgbClr val="000000"/>
                 </a:solidFill>
-                <a:latin typeface="Arial"/>
-              </a:rPr>
-              <a:t>Second Outline Level</a:t>
-            </a:r>
-          </a:p>
-          <a:p>
-            <a:pPr marL="1296000" lvl="2" indent="-288000">
-              <a:spcBef>
-                <a:spcPts val="850"/>
-              </a:spcBef>
-              <a:buClr>
-                <a:srgbClr val="000000"/>
-              </a:buClr>
-              <a:buSzPct val="45000"/>
-              <a:buFont typeface="Wingdings" charset="2"/>
-              <a:buChar char=""/>
-            </a:pPr>
-            <a:r>
-              <a:rPr lang="en-CA" sz="1800" b="0" strike="noStrike" spc="-1">
+                <a:latin typeface="Times New Roman"/>
+                <a:ea typeface="DejaVu Sans"/>
+              </a:defRPr>
+            </a:lvl1pPr>
+          </a:lstStyle>
+          <a:p>
+            <a:pPr indent="0" algn="r">
+              <a:lnSpc>
+                <a:spcPct val="100000"/>
+              </a:lnSpc>
+              <a:buNone/>
+              <a:tabLst>
+                <a:tab algn="l" pos="0"/>
+              </a:tabLst>
+            </a:pPr>
+            <a:fld id="{6E34B4D3-8A1B-4856-806B-2BC8561B4C7B}" type="slidenum">
+              <a:rPr b="0" lang="en-CA" sz="1400" spc="-1" strike="noStrike">
                 <a:solidFill>
                   <a:srgbClr val="000000"/>
                 </a:solidFill>
-                <a:latin typeface="Arial"/>
+                <a:latin typeface="Times New Roman"/>
+                <a:ea typeface="DejaVu Sans"/>
               </a:rPr>
-              <a:t>Third Outline Level</a:t>
-            </a:r>
-          </a:p>
-          <a:p>
-            <a:pPr marL="1728000" lvl="3" indent="-216000">
-              <a:spcBef>
-                <a:spcPts val="567"/>
-              </a:spcBef>
-              <a:buClr>
-                <a:srgbClr val="000000"/>
-              </a:buClr>
-              <a:buSzPct val="75000"/>
-              <a:buFont typeface="Symbol" charset="2"/>
-              <a:buChar char=""/>
-            </a:pPr>
-            <a:r>
-              <a:rPr lang="en-CA" sz="1800" b="0" strike="noStrike" spc="-1">
-                <a:solidFill>
-                  <a:srgbClr val="000000"/>
-                </a:solidFill>
-                <a:latin typeface="Arial"/>
-              </a:rPr>
-              <a:t>Fourth Outline Level</a:t>
-            </a:r>
-          </a:p>
-          <a:p>
-            <a:pPr marL="2160000" lvl="4" indent="-216000">
-              <a:spcBef>
-                <a:spcPts val="283"/>
-              </a:spcBef>
-              <a:buClr>
-                <a:srgbClr val="000000"/>
-              </a:buClr>
-              <a:buSzPct val="45000"/>
-              <a:buFont typeface="Wingdings" charset="2"/>
-              <a:buChar char=""/>
-            </a:pPr>
-            <a:r>
-              <a:rPr lang="en-CA" sz="1800" b="0" strike="noStrike" spc="-1">
-                <a:solidFill>
-                  <a:srgbClr val="000000"/>
-                </a:solidFill>
-                <a:latin typeface="Arial"/>
-              </a:rPr>
-              <a:t>Fifth Outline Level</a:t>
-            </a:r>
-          </a:p>
-          <a:p>
-            <a:pPr marL="2592000" lvl="5" indent="-216000">
-              <a:spcBef>
-                <a:spcPts val="283"/>
-              </a:spcBef>
-              <a:buClr>
-                <a:srgbClr val="000000"/>
-              </a:buClr>
-              <a:buSzPct val="45000"/>
-              <a:buFont typeface="Wingdings" charset="2"/>
-              <a:buChar char=""/>
-            </a:pPr>
-            <a:r>
-              <a:rPr lang="en-CA" sz="1800" b="0" strike="noStrike" spc="-1">
-                <a:solidFill>
-                  <a:srgbClr val="000000"/>
-                </a:solidFill>
-                <a:latin typeface="Arial"/>
-              </a:rPr>
-              <a:t>Sixth Outline Level</a:t>
-            </a:r>
-          </a:p>
-          <a:p>
-            <a:pPr marL="3024000" lvl="6" indent="-216000">
-              <a:spcBef>
-                <a:spcPts val="283"/>
-              </a:spcBef>
-              <a:buClr>
-                <a:srgbClr val="000000"/>
-              </a:buClr>
-              <a:buSzPct val="45000"/>
-              <a:buFont typeface="Wingdings" charset="2"/>
-              <a:buChar char=""/>
-            </a:pPr>
-            <a:r>
-              <a:rPr lang="en-CA" sz="1800" b="0" strike="noStrike" spc="-1">
-                <a:solidFill>
-                  <a:srgbClr val="000000"/>
-                </a:solidFill>
-                <a:latin typeface="Arial"/>
-              </a:rPr>
-              <a:t>Seventh Outline Level</a:t>
-            </a:r>
+              <a:t>1</a:t>
+            </a:fld>
+            <a:endParaRPr b="0" lang="pt-BR" sz="1400" spc="-1" strike="noStrike">
+              <a:solidFill>
+                <a:srgbClr val="000000"/>
+              </a:solidFill>
+              <a:latin typeface="Times New Roman"/>
+            </a:endParaRPr>
           </a:p>
         </p:txBody>
       </p:sp>
@@ -5560,36 +5357,30 @@
             <a:spLocks noGrp="1"/>
           </p:cNvSpPr>
           <p:nvPr>
-            <p:ph type="ftr" idx="1"/>
-          </p:nvPr>
-        </p:nvSpPr>
-        <p:spPr>
-          <a:xfrm>
-            <a:off x="3447360" y="5165280"/>
-            <a:ext cx="3194280" cy="389880"/>
-          </a:xfrm>
-          <a:prstGeom prst="rect">
-            <a:avLst/>
-          </a:prstGeom>
-          <a:noFill/>
-          <a:ln w="0">
-            <a:noFill/>
-          </a:ln>
-        </p:spPr>
-        <p:txBody>
-          <a:bodyPr lIns="0" tIns="0" rIns="0" bIns="0" anchor="t">
+            <p:ph type="dt" idx="3"/>
+          </p:nvPr>
+        </p:nvSpPr>
+        <p:spPr>
+          <a:xfrm>
+            <a:off x="504000" y="5165280"/>
+            <a:ext cx="2347200" cy="389520"/>
+          </a:xfrm>
+          <a:prstGeom prst="rect">
+            <a:avLst/>
+          </a:prstGeom>
+          <a:noFill/>
+          <a:ln w="0">
+            <a:noFill/>
+          </a:ln>
+        </p:spPr>
+        <p:txBody>
+          <a:bodyPr lIns="0" rIns="0" tIns="0" bIns="0" anchor="t">
             <a:noAutofit/>
           </a:bodyPr>
           <a:lstStyle>
-            <a:lvl1pPr indent="0" algn="ctr">
-              <a:lnSpc>
-                <a:spcPct val="100000"/>
-              </a:lnSpc>
-              <a:buNone/>
-              <a:tabLst>
-                <a:tab pos="0" algn="l"/>
-              </a:tabLst>
-              <a:defRPr lang="en-CA" sz="1400" b="0" strike="noStrike" spc="-1">
+            <a:lvl1pPr indent="0">
+              <a:buNone/>
+              <a:defRPr b="0" lang="pt-BR" sz="1400" spc="-1" strike="noStrike">
                 <a:solidFill>
                   <a:srgbClr val="000000"/>
                 </a:solidFill>
@@ -5598,24 +5389,24 @@
             </a:lvl1pPr>
           </a:lstStyle>
           <a:p>
-            <a:pPr indent="0" algn="ctr">
-              <a:lnSpc>
-                <a:spcPct val="100000"/>
-              </a:lnSpc>
-              <a:buNone/>
-              <a:tabLst>
-                <a:tab pos="0" algn="l"/>
-              </a:tabLst>
-            </a:pPr>
-            <a:r>
-              <a:rPr lang="en-CA" sz="1400" b="0" strike="noStrike" spc="-1">
+            <a:pPr indent="0">
+              <a:buNone/>
+            </a:pPr>
+            <a:r>
+              <a:rPr b="0" lang="pt-BR" sz="1400" spc="-1" strike="noStrike">
                 <a:solidFill>
                   <a:srgbClr val="000000"/>
                 </a:solidFill>
                 <a:latin typeface="Times New Roman"/>
               </a:rPr>
-              <a:t>&lt;footer&gt;</a:t>
-            </a:r>
+              <a:t> </a:t>
+            </a:r>
+            <a:endParaRPr b="0" lang="pt-BR" sz="1400" spc="-1" strike="noStrike">
+              <a:solidFill>
+                <a:srgbClr val="000000"/>
+              </a:solidFill>
+              <a:latin typeface="Times New Roman"/>
+            </a:endParaRPr>
           </a:p>
         </p:txBody>
       </p:sp>
@@ -5626,432 +5417,323 @@
             <a:spLocks noGrp="1"/>
           </p:cNvSpPr>
           <p:nvPr>
-            <p:ph type="sldNum" idx="2"/>
-          </p:nvPr>
-        </p:nvSpPr>
-        <p:spPr>
-          <a:xfrm>
-            <a:off x="7227360" y="5165280"/>
-            <a:ext cx="2347560" cy="389880"/>
-          </a:xfrm>
-          <a:prstGeom prst="rect">
-            <a:avLst/>
-          </a:prstGeom>
-          <a:noFill/>
-          <a:ln w="0">
-            <a:noFill/>
-          </a:ln>
-        </p:spPr>
-        <p:txBody>
-          <a:bodyPr lIns="0" tIns="0" rIns="0" bIns="0" anchor="t">
+            <p:ph type="title"/>
+          </p:nvPr>
+        </p:nvSpPr>
+        <p:spPr>
+          <a:xfrm>
+            <a:off x="504000" y="226080"/>
+            <a:ext cx="9072000" cy="946440"/>
+          </a:xfrm>
+          <a:prstGeom prst="rect">
+            <a:avLst/>
+          </a:prstGeom>
+          <a:noFill/>
+          <a:ln w="0">
+            <a:noFill/>
+          </a:ln>
+        </p:spPr>
+        <p:txBody>
+          <a:bodyPr lIns="0" rIns="0" tIns="0" bIns="0" anchor="ctr">
             <a:noAutofit/>
           </a:bodyPr>
-          <a:lstStyle>
-            <a:lvl1pPr indent="0" algn="r">
-              <a:lnSpc>
-                <a:spcPct val="100000"/>
-              </a:lnSpc>
-              <a:buNone/>
-              <a:tabLst>
-                <a:tab pos="0" algn="l"/>
-              </a:tabLst>
-              <a:defRPr lang="en-CA" sz="1400" b="0" strike="noStrike" spc="-1">
+          <a:p>
+            <a:pPr indent="0">
+              <a:buNone/>
+            </a:pPr>
+            <a:r>
+              <a:rPr b="0" lang="en-US" sz="1800" spc="-1" strike="noStrike">
                 <a:solidFill>
                   <a:srgbClr val="000000"/>
                 </a:solidFill>
-                <a:latin typeface="Times New Roman"/>
-              </a:defRPr>
-            </a:lvl1pPr>
-          </a:lstStyle>
-          <a:p>
-            <a:pPr indent="0" algn="r">
-              <a:lnSpc>
-                <a:spcPct val="100000"/>
-              </a:lnSpc>
-              <a:buNone/>
-              <a:tabLst>
-                <a:tab pos="0" algn="l"/>
-              </a:tabLst>
-            </a:pPr>
-            <a:fld id="{A0018D32-9F2B-46CC-8107-07C368D9EA34}" type="slidenum">
-              <a:rPr lang="en-CA" sz="1400" b="0" strike="noStrike" spc="-1">
+                <a:latin typeface="Arial"/>
+              </a:rPr>
+              <a:t>Click to edit the title text format</a:t>
+            </a:r>
+            <a:endParaRPr b="0" lang="en-US" sz="1800" spc="-1" strike="noStrike">
+              <a:solidFill>
+                <a:srgbClr val="000000"/>
+              </a:solidFill>
+              <a:latin typeface="Arial"/>
+            </a:endParaRPr>
+          </a:p>
+        </p:txBody>
+      </p:sp>
+      <p:sp>
+        <p:nvSpPr>
+          <p:cNvPr id="4" name="PlaceHolder 5"/>
+          <p:cNvSpPr>
+            <a:spLocks noGrp="1"/>
+          </p:cNvSpPr>
+          <p:nvPr>
+            <p:ph type="body"/>
+          </p:nvPr>
+        </p:nvSpPr>
+        <p:spPr>
+          <a:xfrm>
+            <a:off x="504000" y="1326600"/>
+            <a:ext cx="9072000" cy="3288600"/>
+          </a:xfrm>
+          <a:prstGeom prst="rect">
+            <a:avLst/>
+          </a:prstGeom>
+          <a:noFill/>
+          <a:ln w="0">
+            <a:noFill/>
+          </a:ln>
+        </p:spPr>
+        <p:txBody>
+          <a:bodyPr lIns="0" rIns="0" tIns="0" bIns="0" anchor="t">
+            <a:normAutofit/>
+          </a:bodyPr>
+          <a:p>
+            <a:pPr marL="432000" indent="-324000">
+              <a:lnSpc>
+                <a:spcPct val="90000"/>
+              </a:lnSpc>
+              <a:spcBef>
+                <a:spcPts val="1417"/>
+              </a:spcBef>
+              <a:buClr>
+                <a:srgbClr val="000000"/>
+              </a:buClr>
+              <a:buSzPct val="45000"/>
+              <a:buFont typeface="Wingdings" charset="2"/>
+              <a:buChar char=""/>
+            </a:pPr>
+            <a:r>
+              <a:rPr b="0" lang="en-US" sz="2800" spc="-1" strike="noStrike">
                 <a:solidFill>
                   <a:srgbClr val="000000"/>
                 </a:solidFill>
-                <a:latin typeface="Times New Roman"/>
+                <a:latin typeface="Arial"/>
               </a:rPr>
-              <a:t>‹#›</a:t>
-            </a:fld>
-            <a:endParaRPr lang="en-CA" sz="1400" b="0" strike="noStrike" spc="-1">
-              <a:solidFill>
-                <a:srgbClr val="000000"/>
-              </a:solidFill>
-              <a:latin typeface="Times New Roman"/>
-            </a:endParaRPr>
-          </a:p>
-        </p:txBody>
-      </p:sp>
-      <p:sp>
-        <p:nvSpPr>
-          <p:cNvPr id="4" name="PlaceHolder 5"/>
-          <p:cNvSpPr>
-            <a:spLocks noGrp="1"/>
-          </p:cNvSpPr>
-          <p:nvPr>
-            <p:ph type="dt" idx="3"/>
-          </p:nvPr>
-        </p:nvSpPr>
-        <p:spPr>
-          <a:xfrm>
-            <a:off x="504000" y="5165280"/>
-            <a:ext cx="2347560" cy="389880"/>
-          </a:xfrm>
-          <a:prstGeom prst="rect">
-            <a:avLst/>
-          </a:prstGeom>
-          <a:noFill/>
-          <a:ln w="0">
-            <a:noFill/>
-          </a:ln>
-        </p:spPr>
-        <p:txBody>
-          <a:bodyPr lIns="0" tIns="0" rIns="0" bIns="0" anchor="t">
-            <a:noAutofit/>
-          </a:bodyPr>
-          <a:lstStyle>
-            <a:lvl1pPr indent="0">
-              <a:buNone/>
-              <a:defRPr lang="en-CA" sz="1400" b="0" strike="noStrike" spc="-1">
+              <a:t>Click to edit the outline text format</a:t>
+            </a:r>
+            <a:endParaRPr b="0" lang="en-US" sz="2800" spc="-1" strike="noStrike">
+              <a:solidFill>
+                <a:srgbClr val="000000"/>
+              </a:solidFill>
+              <a:latin typeface="Arial"/>
+            </a:endParaRPr>
+          </a:p>
+          <a:p>
+            <a:pPr lvl="1" marL="864000" indent="-324000">
+              <a:lnSpc>
+                <a:spcPct val="90000"/>
+              </a:lnSpc>
+              <a:spcBef>
+                <a:spcPts val="1134"/>
+              </a:spcBef>
+              <a:buClr>
+                <a:srgbClr val="000000"/>
+              </a:buClr>
+              <a:buSzPct val="75000"/>
+              <a:buFont typeface="Symbol" charset="2"/>
+              <a:buChar char=""/>
+            </a:pPr>
+            <a:r>
+              <a:rPr b="0" lang="en-US" sz="2000" spc="-1" strike="noStrike">
                 <a:solidFill>
                   <a:srgbClr val="000000"/>
                 </a:solidFill>
-                <a:latin typeface="Times New Roman"/>
-              </a:defRPr>
-            </a:lvl1pPr>
-          </a:lstStyle>
-          <a:p>
-            <a:pPr indent="0">
-              <a:buNone/>
-            </a:pPr>
-            <a:r>
-              <a:rPr lang="en-CA" sz="1400" b="0" strike="noStrike" spc="-1">
+                <a:latin typeface="Arial"/>
+              </a:rPr>
+              <a:t>Second Outline Level</a:t>
+            </a:r>
+            <a:endParaRPr b="0" lang="en-US" sz="2000" spc="-1" strike="noStrike">
+              <a:solidFill>
+                <a:srgbClr val="000000"/>
+              </a:solidFill>
+              <a:latin typeface="Arial"/>
+            </a:endParaRPr>
+          </a:p>
+          <a:p>
+            <a:pPr lvl="2" marL="1296000" indent="-288000">
+              <a:lnSpc>
+                <a:spcPct val="90000"/>
+              </a:lnSpc>
+              <a:spcBef>
+                <a:spcPts val="850"/>
+              </a:spcBef>
+              <a:buClr>
+                <a:srgbClr val="000000"/>
+              </a:buClr>
+              <a:buSzPct val="45000"/>
+              <a:buFont typeface="Wingdings" charset="2"/>
+              <a:buChar char=""/>
+            </a:pPr>
+            <a:r>
+              <a:rPr b="0" lang="en-US" sz="1800" spc="-1" strike="noStrike">
                 <a:solidFill>
                   <a:srgbClr val="000000"/>
                 </a:solidFill>
-                <a:latin typeface="Times New Roman"/>
+                <a:latin typeface="Arial"/>
               </a:rPr>
-              <a:t>&lt;date/time&gt;</a:t>
-            </a:r>
+              <a:t>Third Outline Level</a:t>
+            </a:r>
+            <a:endParaRPr b="0" lang="en-US" sz="1800" spc="-1" strike="noStrike">
+              <a:solidFill>
+                <a:srgbClr val="000000"/>
+              </a:solidFill>
+              <a:latin typeface="Arial"/>
+            </a:endParaRPr>
+          </a:p>
+          <a:p>
+            <a:pPr lvl="3" marL="1728000" indent="-216000">
+              <a:lnSpc>
+                <a:spcPct val="90000"/>
+              </a:lnSpc>
+              <a:spcBef>
+                <a:spcPts val="567"/>
+              </a:spcBef>
+              <a:buClr>
+                <a:srgbClr val="000000"/>
+              </a:buClr>
+              <a:buSzPct val="75000"/>
+              <a:buFont typeface="Symbol" charset="2"/>
+              <a:buChar char=""/>
+            </a:pPr>
+            <a:r>
+              <a:rPr b="0" lang="en-US" sz="1800" spc="-1" strike="noStrike">
+                <a:solidFill>
+                  <a:srgbClr val="000000"/>
+                </a:solidFill>
+                <a:latin typeface="Arial"/>
+              </a:rPr>
+              <a:t>Fourth Outline Level</a:t>
+            </a:r>
+            <a:endParaRPr b="0" lang="en-US" sz="1800" spc="-1" strike="noStrike">
+              <a:solidFill>
+                <a:srgbClr val="000000"/>
+              </a:solidFill>
+              <a:latin typeface="Arial"/>
+            </a:endParaRPr>
+          </a:p>
+          <a:p>
+            <a:pPr lvl="4" marL="2160000" indent="-216000">
+              <a:lnSpc>
+                <a:spcPct val="90000"/>
+              </a:lnSpc>
+              <a:spcBef>
+                <a:spcPts val="283"/>
+              </a:spcBef>
+              <a:buClr>
+                <a:srgbClr val="000000"/>
+              </a:buClr>
+              <a:buSzPct val="45000"/>
+              <a:buFont typeface="Wingdings" charset="2"/>
+              <a:buChar char=""/>
+            </a:pPr>
+            <a:r>
+              <a:rPr b="0" lang="en-US" sz="2000" spc="-1" strike="noStrike">
+                <a:solidFill>
+                  <a:srgbClr val="000000"/>
+                </a:solidFill>
+                <a:latin typeface="Arial"/>
+              </a:rPr>
+              <a:t>Fifth Outline Level</a:t>
+            </a:r>
+            <a:endParaRPr b="0" lang="en-US" sz="2000" spc="-1" strike="noStrike">
+              <a:solidFill>
+                <a:srgbClr val="000000"/>
+              </a:solidFill>
+              <a:latin typeface="Arial"/>
+            </a:endParaRPr>
+          </a:p>
+          <a:p>
+            <a:pPr lvl="5" marL="2592000" indent="-216000">
+              <a:lnSpc>
+                <a:spcPct val="90000"/>
+              </a:lnSpc>
+              <a:spcBef>
+                <a:spcPts val="283"/>
+              </a:spcBef>
+              <a:buClr>
+                <a:srgbClr val="000000"/>
+              </a:buClr>
+              <a:buSzPct val="45000"/>
+              <a:buFont typeface="Wingdings" charset="2"/>
+              <a:buChar char=""/>
+            </a:pPr>
+            <a:r>
+              <a:rPr b="0" lang="en-US" sz="2000" spc="-1" strike="noStrike">
+                <a:solidFill>
+                  <a:srgbClr val="000000"/>
+                </a:solidFill>
+                <a:latin typeface="Arial"/>
+              </a:rPr>
+              <a:t>Sixth Outline Level</a:t>
+            </a:r>
+            <a:endParaRPr b="0" lang="en-US" sz="2000" spc="-1" strike="noStrike">
+              <a:solidFill>
+                <a:srgbClr val="000000"/>
+              </a:solidFill>
+              <a:latin typeface="Arial"/>
+            </a:endParaRPr>
+          </a:p>
+          <a:p>
+            <a:pPr lvl="6" marL="3024000" indent="-216000">
+              <a:lnSpc>
+                <a:spcPct val="90000"/>
+              </a:lnSpc>
+              <a:spcBef>
+                <a:spcPts val="283"/>
+              </a:spcBef>
+              <a:buClr>
+                <a:srgbClr val="000000"/>
+              </a:buClr>
+              <a:buSzPct val="45000"/>
+              <a:buFont typeface="Wingdings" charset="2"/>
+              <a:buChar char=""/>
+            </a:pPr>
+            <a:r>
+              <a:rPr b="0" lang="en-US" sz="2000" spc="-1" strike="noStrike">
+                <a:solidFill>
+                  <a:srgbClr val="000000"/>
+                </a:solidFill>
+                <a:latin typeface="Arial"/>
+              </a:rPr>
+              <a:t>Seventh Outline Level</a:t>
+            </a:r>
+            <a:endParaRPr b="0" lang="en-US" sz="2000" spc="-1" strike="noStrike">
+              <a:solidFill>
+                <a:srgbClr val="000000"/>
+              </a:solidFill>
+              <a:latin typeface="Arial"/>
+            </a:endParaRPr>
           </a:p>
         </p:txBody>
       </p:sp>
     </p:spTree>
   </p:cSld>
-  <p:clrMap bg1="lt1" tx1="dk1" bg2="lt2" tx2="dk2" accent1="accent1" accent2="accent2" accent3="accent3" accent4="accent4" accent5="accent5" accent6="accent6" hlink="hlink" folHlink="folHlink"/>
+  <p:clrMap bg1="lt1" bg2="lt2" tx1="dk1" tx2="dk2" accent1="accent1" accent2="accent2" accent3="accent3" accent4="accent4" accent5="accent5" accent6="accent6" hlink="hlink" folHlink="folHlink"/>
   <p:sldLayoutIdLst>
-    <p:sldLayoutId id="2147483649" r:id="rId1"/>
-    <p:sldLayoutId id="2147483650" r:id="rId2"/>
-    <p:sldLayoutId id="2147483651" r:id="rId3"/>
-    <p:sldLayoutId id="2147483652" r:id="rId4"/>
-    <p:sldLayoutId id="2147483653" r:id="rId5"/>
-    <p:sldLayoutId id="2147483654" r:id="rId6"/>
-    <p:sldLayoutId id="2147483655" r:id="rId7"/>
-    <p:sldLayoutId id="2147483656" r:id="rId8"/>
-    <p:sldLayoutId id="2147483657" r:id="rId9"/>
-    <p:sldLayoutId id="2147483658" r:id="rId10"/>
-    <p:sldLayoutId id="2147483659" r:id="rId11"/>
-    <p:sldLayoutId id="2147483660" r:id="rId12"/>
+    <p:sldLayoutId id="2147483649" r:id="rId2"/>
+    <p:sldLayoutId id="2147483650" r:id="rId3"/>
+    <p:sldLayoutId id="2147483651" r:id="rId4"/>
+    <p:sldLayoutId id="2147483652" r:id="rId5"/>
+    <p:sldLayoutId id="2147483653" r:id="rId6"/>
+    <p:sldLayoutId id="2147483654" r:id="rId7"/>
+    <p:sldLayoutId id="2147483655" r:id="rId8"/>
+    <p:sldLayoutId id="2147483656" r:id="rId9"/>
+    <p:sldLayoutId id="2147483657" r:id="rId10"/>
+    <p:sldLayoutId id="2147483658" r:id="rId11"/>
+    <p:sldLayoutId id="2147483659" r:id="rId12"/>
+    <p:sldLayoutId id="2147483660" r:id="rId13"/>
   </p:sldLayoutIdLst>
-  <p:txStyles>
-    <p:titleStyle>
-      <a:lvl1pPr algn="l" defTabSz="914400" rtl="0" eaLnBrk="1" latinLnBrk="0" hangingPunct="1">
-        <a:lnSpc>
-          <a:spcPct val="90000"/>
-        </a:lnSpc>
-        <a:spcBef>
-          <a:spcPct val="0"/>
-        </a:spcBef>
-        <a:buNone/>
-        <a:defRPr sz="4400" kern="1200">
-          <a:solidFill>
-            <a:schemeClr val="tx1"/>
-          </a:solidFill>
-          <a:latin typeface="+mj-lt"/>
-          <a:ea typeface="+mj-ea"/>
-          <a:cs typeface="+mj-cs"/>
-        </a:defRPr>
-      </a:lvl1pPr>
-    </p:titleStyle>
-    <p:bodyStyle>
-      <a:lvl1pPr marL="228600" indent="-228600" algn="l" defTabSz="914400" rtl="0" eaLnBrk="1" latinLnBrk="0" hangingPunct="1">
-        <a:lnSpc>
-          <a:spcPct val="90000"/>
-        </a:lnSpc>
-        <a:spcBef>
-          <a:spcPts val="1000"/>
-        </a:spcBef>
-        <a:buFont typeface="Arial" panose="020B0604020202020204" pitchFamily="34" charset="0"/>
-        <a:buChar char="•"/>
-        <a:defRPr sz="2800" kern="1200">
-          <a:solidFill>
-            <a:schemeClr val="tx1"/>
-          </a:solidFill>
-          <a:latin typeface="+mn-lt"/>
-          <a:ea typeface="+mn-ea"/>
-          <a:cs typeface="+mn-cs"/>
-        </a:defRPr>
-      </a:lvl1pPr>
-      <a:lvl2pPr marL="685800" indent="-228600" algn="l" defTabSz="914400" rtl="0" eaLnBrk="1" latinLnBrk="0" hangingPunct="1">
-        <a:lnSpc>
-          <a:spcPct val="90000"/>
-        </a:lnSpc>
-        <a:spcBef>
-          <a:spcPts val="500"/>
-        </a:spcBef>
-        <a:buFont typeface="Arial" panose="020B0604020202020204" pitchFamily="34" charset="0"/>
-        <a:buChar char="•"/>
-        <a:defRPr sz="2400" kern="1200">
-          <a:solidFill>
-            <a:schemeClr val="tx1"/>
-          </a:solidFill>
-          <a:latin typeface="+mn-lt"/>
-          <a:ea typeface="+mn-ea"/>
-          <a:cs typeface="+mn-cs"/>
-        </a:defRPr>
-      </a:lvl2pPr>
-      <a:lvl3pPr marL="1143000" indent="-228600" algn="l" defTabSz="914400" rtl="0" eaLnBrk="1" latinLnBrk="0" hangingPunct="1">
-        <a:lnSpc>
-          <a:spcPct val="90000"/>
-        </a:lnSpc>
-        <a:spcBef>
-          <a:spcPts val="500"/>
-        </a:spcBef>
-        <a:buFont typeface="Arial" panose="020B0604020202020204" pitchFamily="34" charset="0"/>
-        <a:buChar char="•"/>
-        <a:defRPr sz="2000" kern="1200">
-          <a:solidFill>
-            <a:schemeClr val="tx1"/>
-          </a:solidFill>
-          <a:latin typeface="+mn-lt"/>
-          <a:ea typeface="+mn-ea"/>
-          <a:cs typeface="+mn-cs"/>
-        </a:defRPr>
-      </a:lvl3pPr>
-      <a:lvl4pPr marL="1600200" indent="-228600" algn="l" defTabSz="914400" rtl="0" eaLnBrk="1" latinLnBrk="0" hangingPunct="1">
-        <a:lnSpc>
-          <a:spcPct val="90000"/>
-        </a:lnSpc>
-        <a:spcBef>
-          <a:spcPts val="500"/>
-        </a:spcBef>
-        <a:buFont typeface="Arial" panose="020B0604020202020204" pitchFamily="34" charset="0"/>
-        <a:buChar char="•"/>
-        <a:defRPr sz="1800" kern="1200">
-          <a:solidFill>
-            <a:schemeClr val="tx1"/>
-          </a:solidFill>
-          <a:latin typeface="+mn-lt"/>
-          <a:ea typeface="+mn-ea"/>
-          <a:cs typeface="+mn-cs"/>
-        </a:defRPr>
-      </a:lvl4pPr>
-      <a:lvl5pPr marL="2057400" indent="-228600" algn="l" defTabSz="914400" rtl="0" eaLnBrk="1" latinLnBrk="0" hangingPunct="1">
-        <a:lnSpc>
-          <a:spcPct val="90000"/>
-        </a:lnSpc>
-        <a:spcBef>
-          <a:spcPts val="500"/>
-        </a:spcBef>
-        <a:buFont typeface="Arial" panose="020B0604020202020204" pitchFamily="34" charset="0"/>
-        <a:buChar char="•"/>
-        <a:defRPr sz="1800" kern="1200">
-          <a:solidFill>
-            <a:schemeClr val="tx1"/>
-          </a:solidFill>
-          <a:latin typeface="+mn-lt"/>
-          <a:ea typeface="+mn-ea"/>
-          <a:cs typeface="+mn-cs"/>
-        </a:defRPr>
-      </a:lvl5pPr>
-      <a:lvl6pPr marL="2514600" indent="-228600" algn="l" defTabSz="914400" rtl="0" eaLnBrk="1" latinLnBrk="0" hangingPunct="1">
-        <a:lnSpc>
-          <a:spcPct val="90000"/>
-        </a:lnSpc>
-        <a:spcBef>
-          <a:spcPts val="500"/>
-        </a:spcBef>
-        <a:buFont typeface="Arial" panose="020B0604020202020204" pitchFamily="34" charset="0"/>
-        <a:buChar char="•"/>
-        <a:defRPr sz="1800" kern="1200">
-          <a:solidFill>
-            <a:schemeClr val="tx1"/>
-          </a:solidFill>
-          <a:latin typeface="+mn-lt"/>
-          <a:ea typeface="+mn-ea"/>
-          <a:cs typeface="+mn-cs"/>
-        </a:defRPr>
-      </a:lvl6pPr>
-      <a:lvl7pPr marL="2971800" indent="-228600" algn="l" defTabSz="914400" rtl="0" eaLnBrk="1" latinLnBrk="0" hangingPunct="1">
-        <a:lnSpc>
-          <a:spcPct val="90000"/>
-        </a:lnSpc>
-        <a:spcBef>
-          <a:spcPts val="500"/>
-        </a:spcBef>
-        <a:buFont typeface="Arial" panose="020B0604020202020204" pitchFamily="34" charset="0"/>
-        <a:buChar char="•"/>
-        <a:defRPr sz="1800" kern="1200">
-          <a:solidFill>
-            <a:schemeClr val="tx1"/>
-          </a:solidFill>
-          <a:latin typeface="+mn-lt"/>
-          <a:ea typeface="+mn-ea"/>
-          <a:cs typeface="+mn-cs"/>
-        </a:defRPr>
-      </a:lvl7pPr>
-      <a:lvl8pPr marL="3429000" indent="-228600" algn="l" defTabSz="914400" rtl="0" eaLnBrk="1" latinLnBrk="0" hangingPunct="1">
-        <a:lnSpc>
-          <a:spcPct val="90000"/>
-        </a:lnSpc>
-        <a:spcBef>
-          <a:spcPts val="500"/>
-        </a:spcBef>
-        <a:buFont typeface="Arial" panose="020B0604020202020204" pitchFamily="34" charset="0"/>
-        <a:buChar char="•"/>
-        <a:defRPr sz="1800" kern="1200">
-          <a:solidFill>
-            <a:schemeClr val="tx1"/>
-          </a:solidFill>
-          <a:latin typeface="+mn-lt"/>
-          <a:ea typeface="+mn-ea"/>
-          <a:cs typeface="+mn-cs"/>
-        </a:defRPr>
-      </a:lvl8pPr>
-      <a:lvl9pPr marL="3886200" indent="-228600" algn="l" defTabSz="914400" rtl="0" eaLnBrk="1" latinLnBrk="0" hangingPunct="1">
-        <a:lnSpc>
-          <a:spcPct val="90000"/>
-        </a:lnSpc>
-        <a:spcBef>
-          <a:spcPts val="500"/>
-        </a:spcBef>
-        <a:buFont typeface="Arial" panose="020B0604020202020204" pitchFamily="34" charset="0"/>
-        <a:buChar char="•"/>
-        <a:defRPr sz="1800" kern="1200">
-          <a:solidFill>
-            <a:schemeClr val="tx1"/>
-          </a:solidFill>
-          <a:latin typeface="+mn-lt"/>
-          <a:ea typeface="+mn-ea"/>
-          <a:cs typeface="+mn-cs"/>
-        </a:defRPr>
-      </a:lvl9pPr>
-    </p:bodyStyle>
-    <p:otherStyle>
-      <a:defPPr>
-        <a:defRPr lang="en-US"/>
-      </a:defPPr>
-      <a:lvl1pPr marL="0" algn="l" defTabSz="914400" rtl="0" eaLnBrk="1" latinLnBrk="0" hangingPunct="1">
-        <a:defRPr sz="1800" kern="1200">
-          <a:solidFill>
-            <a:schemeClr val="tx1"/>
-          </a:solidFill>
-          <a:latin typeface="+mn-lt"/>
-          <a:ea typeface="+mn-ea"/>
-          <a:cs typeface="+mn-cs"/>
-        </a:defRPr>
-      </a:lvl1pPr>
-      <a:lvl2pPr marL="457200" algn="l" defTabSz="914400" rtl="0" eaLnBrk="1" latinLnBrk="0" hangingPunct="1">
-        <a:defRPr sz="1800" kern="1200">
-          <a:solidFill>
-            <a:schemeClr val="tx1"/>
-          </a:solidFill>
-          <a:latin typeface="+mn-lt"/>
-          <a:ea typeface="+mn-ea"/>
-          <a:cs typeface="+mn-cs"/>
-        </a:defRPr>
-      </a:lvl2pPr>
-      <a:lvl3pPr marL="914400" algn="l" defTabSz="914400" rtl="0" eaLnBrk="1" latinLnBrk="0" hangingPunct="1">
-        <a:defRPr sz="1800" kern="1200">
-          <a:solidFill>
-            <a:schemeClr val="tx1"/>
-          </a:solidFill>
-          <a:latin typeface="+mn-lt"/>
-          <a:ea typeface="+mn-ea"/>
-          <a:cs typeface="+mn-cs"/>
-        </a:defRPr>
-      </a:lvl3pPr>
-      <a:lvl4pPr marL="1371600" algn="l" defTabSz="914400" rtl="0" eaLnBrk="1" latinLnBrk="0" hangingPunct="1">
-        <a:defRPr sz="1800" kern="1200">
-          <a:solidFill>
-            <a:schemeClr val="tx1"/>
-          </a:solidFill>
-          <a:latin typeface="+mn-lt"/>
-          <a:ea typeface="+mn-ea"/>
-          <a:cs typeface="+mn-cs"/>
-        </a:defRPr>
-      </a:lvl4pPr>
-      <a:lvl5pPr marL="1828800" algn="l" defTabSz="914400" rtl="0" eaLnBrk="1" latinLnBrk="0" hangingPunct="1">
-        <a:defRPr sz="1800" kern="1200">
-          <a:solidFill>
-            <a:schemeClr val="tx1"/>
-          </a:solidFill>
-          <a:latin typeface="+mn-lt"/>
-          <a:ea typeface="+mn-ea"/>
-          <a:cs typeface="+mn-cs"/>
-        </a:defRPr>
-      </a:lvl5pPr>
-      <a:lvl6pPr marL="2286000" algn="l" defTabSz="914400" rtl="0" eaLnBrk="1" latinLnBrk="0" hangingPunct="1">
-        <a:defRPr sz="1800" kern="1200">
-          <a:solidFill>
-            <a:schemeClr val="tx1"/>
-          </a:solidFill>
-          <a:latin typeface="+mn-lt"/>
-          <a:ea typeface="+mn-ea"/>
-          <a:cs typeface="+mn-cs"/>
-        </a:defRPr>
-      </a:lvl6pPr>
-      <a:lvl7pPr marL="2743200" algn="l" defTabSz="914400" rtl="0" eaLnBrk="1" latinLnBrk="0" hangingPunct="1">
-        <a:defRPr sz="1800" kern="1200">
-          <a:solidFill>
-            <a:schemeClr val="tx1"/>
-          </a:solidFill>
-          <a:latin typeface="+mn-lt"/>
-          <a:ea typeface="+mn-ea"/>
-          <a:cs typeface="+mn-cs"/>
-        </a:defRPr>
-      </a:lvl7pPr>
-      <a:lvl8pPr marL="3200400" algn="l" defTabSz="914400" rtl="0" eaLnBrk="1" latinLnBrk="0" hangingPunct="1">
-        <a:defRPr sz="1800" kern="1200">
-          <a:solidFill>
-            <a:schemeClr val="tx1"/>
-          </a:solidFill>
-          <a:latin typeface="+mn-lt"/>
-          <a:ea typeface="+mn-ea"/>
-          <a:cs typeface="+mn-cs"/>
-        </a:defRPr>
-      </a:lvl8pPr>
-      <a:lvl9pPr marL="3657600" algn="l" defTabSz="914400" rtl="0" eaLnBrk="1" latinLnBrk="0" hangingPunct="1">
-        <a:defRPr sz="1800" kern="1200">
-          <a:solidFill>
-            <a:schemeClr val="tx1"/>
-          </a:solidFill>
-          <a:latin typeface="+mn-lt"/>
-          <a:ea typeface="+mn-ea"/>
-          <a:cs typeface="+mn-cs"/>
-        </a:defRPr>
-      </a:lvl9pPr>
-    </p:otherStyle>
-  </p:txStyles>
 </p:sldMaster>
 </file>
 
 <file path=ppt/slideMasters/slideMaster2.xml><?xml version="1.0" encoding="utf-8"?>
-<p:sldMaster xmlns:a="http://schemas.openxmlformats.org/drawingml/2006/main" xmlns:r="http://schemas.openxmlformats.org/officeDocument/2006/relationships" xmlns:p="http://schemas.openxmlformats.org/presentationml/2006/main">
+<p:sldMaster xmlns:a="http://schemas.openxmlformats.org/drawingml/2006/main" xmlns:p="http://schemas.openxmlformats.org/presentationml/2006/main" xmlns:r="http://schemas.openxmlformats.org/officeDocument/2006/relationships" xmlns:p14="http://schemas.microsoft.com/office/powerpoint/2010/main" xmlns:p15="http://schemas.microsoft.com/office/powerpoint/2012/main" xmlns:mc="http://schemas.openxmlformats.org/markup-compatibility/2006">
   <p:cSld>
     <p:bg>
-      <p:bgRef idx="1001">
-        <a:schemeClr val="bg1"/>
-      </p:bgRef>
+      <p:bgPr>
+        <a:solidFill>
+          <a:srgbClr val="ffffff"/>
+        </a:solidFill>
+      </p:bgPr>
     </p:bg>
     <p:spTree>
       <p:nvGrpSpPr>
@@ -6080,18 +5762,18 @@
         <p:spPr>
           <a:xfrm>
             <a:off x="3447360" y="5165280"/>
-            <a:ext cx="3194280" cy="389880"/>
-          </a:xfrm>
-          <a:prstGeom prst="rect">
-            <a:avLst/>
-          </a:prstGeom>
-          <a:noFill/>
-          <a:ln w="0">
-            <a:noFill/>
-          </a:ln>
-        </p:spPr>
-        <p:txBody>
-          <a:bodyPr lIns="0" tIns="0" rIns="0" bIns="0" anchor="t">
+            <a:ext cx="3193920" cy="389520"/>
+          </a:xfrm>
+          <a:prstGeom prst="rect">
+            <a:avLst/>
+          </a:prstGeom>
+          <a:noFill/>
+          <a:ln w="0">
+            <a:noFill/>
+          </a:ln>
+        </p:spPr>
+        <p:txBody>
+          <a:bodyPr lIns="0" rIns="0" tIns="0" bIns="0" anchor="t">
             <a:noAutofit/>
           </a:bodyPr>
           <a:lstStyle>
@@ -6101,9 +5783,151 @@
               </a:lnSpc>
               <a:buNone/>
               <a:tabLst>
-                <a:tab pos="0" algn="l"/>
+                <a:tab algn="l" pos="0"/>
               </a:tabLst>
-              <a:defRPr lang="en-CA" sz="1400" b="0" strike="noStrike" spc="-1">
+              <a:defRPr b="0" lang="en-CA" sz="1400" spc="-1" strike="noStrike">
+                <a:solidFill>
+                  <a:srgbClr val="000000"/>
+                </a:solidFill>
+                <a:latin typeface="Times New Roman"/>
+                <a:ea typeface="DejaVu Sans"/>
+              </a:defRPr>
+            </a:lvl1pPr>
+          </a:lstStyle>
+          <a:p>
+            <a:pPr indent="0" algn="ctr">
+              <a:lnSpc>
+                <a:spcPct val="100000"/>
+              </a:lnSpc>
+              <a:buNone/>
+              <a:tabLst>
+                <a:tab algn="l" pos="0"/>
+              </a:tabLst>
+            </a:pPr>
+            <a:r>
+              <a:rPr b="0" lang="en-CA" sz="1400" spc="-1" strike="noStrike">
+                <a:solidFill>
+                  <a:srgbClr val="000000"/>
+                </a:solidFill>
+                <a:latin typeface="Times New Roman"/>
+                <a:ea typeface="DejaVu Sans"/>
+              </a:rPr>
+              <a:t>&lt;footer&gt;</a:t>
+            </a:r>
+            <a:endParaRPr b="0" lang="pt-BR" sz="1400" spc="-1" strike="noStrike">
+              <a:solidFill>
+                <a:srgbClr val="000000"/>
+              </a:solidFill>
+              <a:latin typeface="Times New Roman"/>
+            </a:endParaRPr>
+          </a:p>
+        </p:txBody>
+      </p:sp>
+      <p:sp>
+        <p:nvSpPr>
+          <p:cNvPr id="42" name="PlaceHolder 2"/>
+          <p:cNvSpPr>
+            <a:spLocks noGrp="1"/>
+          </p:cNvSpPr>
+          <p:nvPr>
+            <p:ph type="sldNum" idx="5"/>
+          </p:nvPr>
+        </p:nvSpPr>
+        <p:spPr>
+          <a:xfrm>
+            <a:off x="7227360" y="5165280"/>
+            <a:ext cx="2347200" cy="389520"/>
+          </a:xfrm>
+          <a:prstGeom prst="rect">
+            <a:avLst/>
+          </a:prstGeom>
+          <a:noFill/>
+          <a:ln w="0">
+            <a:noFill/>
+          </a:ln>
+        </p:spPr>
+        <p:txBody>
+          <a:bodyPr lIns="0" rIns="0" tIns="0" bIns="0" anchor="t">
+            <a:noAutofit/>
+          </a:bodyPr>
+          <a:lstStyle>
+            <a:lvl1pPr indent="0" algn="r">
+              <a:lnSpc>
+                <a:spcPct val="100000"/>
+              </a:lnSpc>
+              <a:buNone/>
+              <a:tabLst>
+                <a:tab algn="l" pos="0"/>
+              </a:tabLst>
+              <a:defRPr b="0" lang="en-CA" sz="1400" spc="-1" strike="noStrike">
+                <a:solidFill>
+                  <a:srgbClr val="000000"/>
+                </a:solidFill>
+                <a:latin typeface="Times New Roman"/>
+                <a:ea typeface="DejaVu Sans"/>
+              </a:defRPr>
+            </a:lvl1pPr>
+          </a:lstStyle>
+          <a:p>
+            <a:pPr indent="0" algn="r">
+              <a:lnSpc>
+                <a:spcPct val="100000"/>
+              </a:lnSpc>
+              <a:buNone/>
+              <a:tabLst>
+                <a:tab algn="l" pos="0"/>
+              </a:tabLst>
+            </a:pPr>
+            <a:fld id="{DE8C3A02-970E-46AE-9A5A-E193F069F7DC}" type="slidenum">
+              <a:rPr b="0" lang="en-CA" sz="1400" spc="-1" strike="noStrike">
+                <a:solidFill>
+                  <a:srgbClr val="000000"/>
+                </a:solidFill>
+                <a:latin typeface="Times New Roman"/>
+                <a:ea typeface="DejaVu Sans"/>
+              </a:rPr>
+              <a:t>&lt;number&gt;</a:t>
+            </a:fld>
+            <a:endParaRPr b="0" lang="pt-BR" sz="1400" spc="-1" strike="noStrike">
+              <a:solidFill>
+                <a:srgbClr val="000000"/>
+              </a:solidFill>
+              <a:latin typeface="Times New Roman"/>
+            </a:endParaRPr>
+          </a:p>
+        </p:txBody>
+      </p:sp>
+      <p:sp>
+        <p:nvSpPr>
+          <p:cNvPr id="43" name="PlaceHolder 3"/>
+          <p:cNvSpPr>
+            <a:spLocks noGrp="1"/>
+          </p:cNvSpPr>
+          <p:nvPr>
+            <p:ph type="dt" idx="6"/>
+          </p:nvPr>
+        </p:nvSpPr>
+        <p:spPr>
+          <a:xfrm>
+            <a:off x="504000" y="5165280"/>
+            <a:ext cx="2347200" cy="389520"/>
+          </a:xfrm>
+          <a:prstGeom prst="rect">
+            <a:avLst/>
+          </a:prstGeom>
+          <a:noFill/>
+          <a:ln w="0">
+            <a:noFill/>
+          </a:ln>
+        </p:spPr>
+        <p:txBody>
+          <a:bodyPr lIns="0" rIns="0" tIns="0" bIns="0" anchor="t">
+            <a:noAutofit/>
+          </a:bodyPr>
+          <a:lstStyle>
+            <a:lvl1pPr indent="0">
+              <a:buNone/>
+              <a:defRPr b="0" lang="pt-BR" sz="1400" spc="-1" strike="noStrike">
                 <a:solidFill>
                   <a:srgbClr val="000000"/>
                 </a:solidFill>
@@ -6112,143 +5936,11 @@
             </a:lvl1pPr>
           </a:lstStyle>
           <a:p>
-            <a:pPr indent="0" algn="ctr">
-              <a:lnSpc>
-                <a:spcPct val="100000"/>
-              </a:lnSpc>
-              <a:buNone/>
-              <a:tabLst>
-                <a:tab pos="0" algn="l"/>
-              </a:tabLst>
-            </a:pPr>
-            <a:r>
-              <a:rPr lang="en-CA" sz="1400" b="0" strike="noStrike" spc="-1">
-                <a:solidFill>
-                  <a:srgbClr val="000000"/>
-                </a:solidFill>
-                <a:latin typeface="Times New Roman"/>
-              </a:rPr>
-              <a:t>&lt;footer&gt;</a:t>
-            </a:r>
-          </a:p>
-        </p:txBody>
-      </p:sp>
-      <p:sp>
-        <p:nvSpPr>
-          <p:cNvPr id="42" name="PlaceHolder 2"/>
-          <p:cNvSpPr>
-            <a:spLocks noGrp="1"/>
-          </p:cNvSpPr>
-          <p:nvPr>
-            <p:ph type="sldNum" idx="5"/>
-          </p:nvPr>
-        </p:nvSpPr>
-        <p:spPr>
-          <a:xfrm>
-            <a:off x="7227360" y="5165280"/>
-            <a:ext cx="2347560" cy="389880"/>
-          </a:xfrm>
-          <a:prstGeom prst="rect">
-            <a:avLst/>
-          </a:prstGeom>
-          <a:noFill/>
-          <a:ln w="0">
-            <a:noFill/>
-          </a:ln>
-        </p:spPr>
-        <p:txBody>
-          <a:bodyPr lIns="0" tIns="0" rIns="0" bIns="0" anchor="t">
-            <a:noAutofit/>
-          </a:bodyPr>
-          <a:lstStyle>
-            <a:lvl1pPr indent="0" algn="r">
-              <a:lnSpc>
-                <a:spcPct val="100000"/>
-              </a:lnSpc>
-              <a:buNone/>
-              <a:tabLst>
-                <a:tab pos="0" algn="l"/>
-              </a:tabLst>
-              <a:defRPr lang="en-CA" sz="1400" b="0" strike="noStrike" spc="-1">
-                <a:solidFill>
-                  <a:srgbClr val="000000"/>
-                </a:solidFill>
-                <a:latin typeface="Times New Roman"/>
-              </a:defRPr>
-            </a:lvl1pPr>
-          </a:lstStyle>
-          <a:p>
-            <a:pPr indent="0" algn="r">
-              <a:lnSpc>
-                <a:spcPct val="100000"/>
-              </a:lnSpc>
-              <a:buNone/>
-              <a:tabLst>
-                <a:tab pos="0" algn="l"/>
-              </a:tabLst>
-            </a:pPr>
-            <a:fld id="{76CF2019-1922-47AF-A4B5-437401B8777D}" type="slidenum">
-              <a:rPr lang="en-CA" sz="1400" b="0" strike="noStrike" spc="-1">
-                <a:solidFill>
-                  <a:srgbClr val="000000"/>
-                </a:solidFill>
-                <a:latin typeface="Times New Roman"/>
-              </a:rPr>
-              <a:t>‹#›</a:t>
-            </a:fld>
-            <a:endParaRPr lang="en-CA" sz="1400" b="0" strike="noStrike" spc="-1">
-              <a:solidFill>
-                <a:srgbClr val="000000"/>
-              </a:solidFill>
-              <a:latin typeface="Times New Roman"/>
-            </a:endParaRPr>
-          </a:p>
-        </p:txBody>
-      </p:sp>
-      <p:sp>
-        <p:nvSpPr>
-          <p:cNvPr id="43" name="PlaceHolder 3"/>
-          <p:cNvSpPr>
-            <a:spLocks noGrp="1"/>
-          </p:cNvSpPr>
-          <p:nvPr>
-            <p:ph type="dt" idx="6"/>
-          </p:nvPr>
-        </p:nvSpPr>
-        <p:spPr>
-          <a:xfrm>
-            <a:off x="504000" y="5165280"/>
-            <a:ext cx="2347560" cy="389880"/>
-          </a:xfrm>
-          <a:prstGeom prst="rect">
-            <a:avLst/>
-          </a:prstGeom>
-          <a:noFill/>
-          <a:ln w="0">
-            <a:noFill/>
-          </a:ln>
-        </p:spPr>
-        <p:txBody>
-          <a:bodyPr lIns="0" tIns="0" rIns="0" bIns="0" anchor="t">
-            <a:noAutofit/>
-          </a:bodyPr>
-          <a:lstStyle>
-            <a:lvl1pPr indent="0">
-              <a:buNone/>
-              <a:defRPr lang="en-CA" sz="1400" b="0" strike="noStrike" spc="-1">
-                <a:solidFill>
-                  <a:srgbClr val="000000"/>
-                </a:solidFill>
-                <a:latin typeface="Times New Roman"/>
-              </a:defRPr>
-            </a:lvl1pPr>
-          </a:lstStyle>
-          <a:p>
             <a:pPr indent="0">
               <a:buNone/>
             </a:pPr>
             <a:r>
-              <a:rPr lang="en-CA" sz="1400" b="0" strike="noStrike" spc="-1">
+              <a:rPr b="0" lang="pt-BR" sz="1400" spc="-1" strike="noStrike">
                 <a:solidFill>
                   <a:srgbClr val="000000"/>
                 </a:solidFill>
@@ -6256,6 +5948,12 @@
               </a:rPr>
               <a:t>&lt;date/time&gt;</a:t>
             </a:r>
+            <a:endParaRPr b="0" lang="pt-BR" sz="1400" spc="-1" strike="noStrike">
+              <a:solidFill>
+                <a:srgbClr val="000000"/>
+              </a:solidFill>
+              <a:latin typeface="Times New Roman"/>
+            </a:endParaRPr>
           </a:p>
         </p:txBody>
       </p:sp>
@@ -6283,16 +5981,15 @@
           </a:ln>
         </p:spPr>
         <p:txBody>
-          <a:bodyPr lIns="0" tIns="0" rIns="0" bIns="0" anchor="ctr">
+          <a:bodyPr lIns="0" rIns="0" tIns="0" bIns="0" anchor="ctr">
             <a:noAutofit/>
           </a:bodyPr>
-          <a:lstStyle/>
-          <a:p>
-            <a:pPr indent="0" algn="ctr">
-              <a:buNone/>
-            </a:pPr>
-            <a:r>
-              <a:rPr lang="en-CA" sz="4400" b="0" strike="noStrike" spc="-1">
+          <a:p>
+            <a:pPr indent="0">
+              <a:buNone/>
+            </a:pPr>
+            <a:r>
+              <a:rPr b="0" lang="en-US" sz="1800" spc="-1" strike="noStrike">
                 <a:solidFill>
                   <a:srgbClr val="000000"/>
                 </a:solidFill>
@@ -6300,6 +5997,12 @@
               </a:rPr>
               <a:t>Click to edit the title text format</a:t>
             </a:r>
+            <a:endParaRPr b="0" lang="en-US" sz="1800" spc="-1" strike="noStrike">
+              <a:solidFill>
+                <a:srgbClr val="000000"/>
+              </a:solidFill>
+              <a:latin typeface="Arial"/>
+            </a:endParaRPr>
           </a:p>
         </p:txBody>
       </p:sp>
@@ -6327,12 +6030,14 @@
           </a:ln>
         </p:spPr>
         <p:txBody>
-          <a:bodyPr lIns="0" tIns="0" rIns="0" bIns="0" anchor="t">
+          <a:bodyPr lIns="0" rIns="0" tIns="0" bIns="0" anchor="t">
             <a:normAutofit/>
           </a:bodyPr>
-          <a:lstStyle/>
           <a:p>
             <a:pPr marL="432000" indent="-324000">
+              <a:lnSpc>
+                <a:spcPct val="90000"/>
+              </a:lnSpc>
               <a:spcBef>
                 <a:spcPts val="1417"/>
               </a:spcBef>
@@ -6344,7 +6049,7 @@
               <a:buChar char=""/>
             </a:pPr>
             <a:r>
-              <a:rPr lang="en-CA" sz="3200" b="0" strike="noStrike" spc="-1">
+              <a:rPr b="0" lang="en-US" sz="2800" spc="-1" strike="noStrike">
                 <a:solidFill>
                   <a:srgbClr val="000000"/>
                 </a:solidFill>
@@ -6352,9 +6057,18 @@
               </a:rPr>
               <a:t>Click to edit the outline text format</a:t>
             </a:r>
-          </a:p>
-          <a:p>
-            <a:pPr marL="864000" lvl="1" indent="-324000">
+            <a:endParaRPr b="0" lang="en-US" sz="2800" spc="-1" strike="noStrike">
+              <a:solidFill>
+                <a:srgbClr val="000000"/>
+              </a:solidFill>
+              <a:latin typeface="Arial"/>
+            </a:endParaRPr>
+          </a:p>
+          <a:p>
+            <a:pPr lvl="1" marL="864000" indent="-324000">
+              <a:lnSpc>
+                <a:spcPct val="90000"/>
+              </a:lnSpc>
               <a:spcBef>
                 <a:spcPts val="1134"/>
               </a:spcBef>
@@ -6366,7 +6080,7 @@
               <a:buChar char=""/>
             </a:pPr>
             <a:r>
-              <a:rPr lang="en-CA" sz="2800" b="0" strike="noStrike" spc="-1">
+              <a:rPr b="0" lang="en-US" sz="2000" spc="-1" strike="noStrike">
                 <a:solidFill>
                   <a:srgbClr val="000000"/>
                 </a:solidFill>
@@ -6374,9 +6088,18 @@
               </a:rPr>
               <a:t>Second Outline Level</a:t>
             </a:r>
-          </a:p>
-          <a:p>
-            <a:pPr marL="1296000" lvl="2" indent="-288000">
+            <a:endParaRPr b="0" lang="en-US" sz="2000" spc="-1" strike="noStrike">
+              <a:solidFill>
+                <a:srgbClr val="000000"/>
+              </a:solidFill>
+              <a:latin typeface="Arial"/>
+            </a:endParaRPr>
+          </a:p>
+          <a:p>
+            <a:pPr lvl="2" marL="1296000" indent="-288000">
+              <a:lnSpc>
+                <a:spcPct val="90000"/>
+              </a:lnSpc>
               <a:spcBef>
                 <a:spcPts val="850"/>
               </a:spcBef>
@@ -6388,7 +6111,7 @@
               <a:buChar char=""/>
             </a:pPr>
             <a:r>
-              <a:rPr lang="en-CA" sz="2400" b="0" strike="noStrike" spc="-1">
+              <a:rPr b="0" lang="en-US" sz="1800" spc="-1" strike="noStrike">
                 <a:solidFill>
                   <a:srgbClr val="000000"/>
                 </a:solidFill>
@@ -6396,9 +6119,18 @@
               </a:rPr>
               <a:t>Third Outline Level</a:t>
             </a:r>
-          </a:p>
-          <a:p>
-            <a:pPr marL="1728000" lvl="3" indent="-216000">
+            <a:endParaRPr b="0" lang="en-US" sz="1800" spc="-1" strike="noStrike">
+              <a:solidFill>
+                <a:srgbClr val="000000"/>
+              </a:solidFill>
+              <a:latin typeface="Arial"/>
+            </a:endParaRPr>
+          </a:p>
+          <a:p>
+            <a:pPr lvl="3" marL="1728000" indent="-216000">
+              <a:lnSpc>
+                <a:spcPct val="90000"/>
+              </a:lnSpc>
               <a:spcBef>
                 <a:spcPts val="567"/>
               </a:spcBef>
@@ -6410,7 +6142,7 @@
               <a:buChar char=""/>
             </a:pPr>
             <a:r>
-              <a:rPr lang="en-CA" sz="2000" b="0" strike="noStrike" spc="-1">
+              <a:rPr b="0" lang="en-US" sz="1800" spc="-1" strike="noStrike">
                 <a:solidFill>
                   <a:srgbClr val="000000"/>
                 </a:solidFill>
@@ -6418,9 +6150,18 @@
               </a:rPr>
               <a:t>Fourth Outline Level</a:t>
             </a:r>
-          </a:p>
-          <a:p>
-            <a:pPr marL="2160000" lvl="4" indent="-216000">
+            <a:endParaRPr b="0" lang="en-US" sz="1800" spc="-1" strike="noStrike">
+              <a:solidFill>
+                <a:srgbClr val="000000"/>
+              </a:solidFill>
+              <a:latin typeface="Arial"/>
+            </a:endParaRPr>
+          </a:p>
+          <a:p>
+            <a:pPr lvl="4" marL="2160000" indent="-216000">
+              <a:lnSpc>
+                <a:spcPct val="90000"/>
+              </a:lnSpc>
               <a:spcBef>
                 <a:spcPts val="283"/>
               </a:spcBef>
@@ -6432,7 +6173,7 @@
               <a:buChar char=""/>
             </a:pPr>
             <a:r>
-              <a:rPr lang="en-CA" sz="2000" b="0" strike="noStrike" spc="-1">
+              <a:rPr b="0" lang="en-US" sz="2000" spc="-1" strike="noStrike">
                 <a:solidFill>
                   <a:srgbClr val="000000"/>
                 </a:solidFill>
@@ -6440,9 +6181,18 @@
               </a:rPr>
               <a:t>Fifth Outline Level</a:t>
             </a:r>
-          </a:p>
-          <a:p>
-            <a:pPr marL="2592000" lvl="5" indent="-216000">
+            <a:endParaRPr b="0" lang="en-US" sz="2000" spc="-1" strike="noStrike">
+              <a:solidFill>
+                <a:srgbClr val="000000"/>
+              </a:solidFill>
+              <a:latin typeface="Arial"/>
+            </a:endParaRPr>
+          </a:p>
+          <a:p>
+            <a:pPr lvl="5" marL="2592000" indent="-216000">
+              <a:lnSpc>
+                <a:spcPct val="90000"/>
+              </a:lnSpc>
               <a:spcBef>
                 <a:spcPts val="283"/>
               </a:spcBef>
@@ -6454,7 +6204,7 @@
               <a:buChar char=""/>
             </a:pPr>
             <a:r>
-              <a:rPr lang="en-CA" sz="2000" b="0" strike="noStrike" spc="-1">
+              <a:rPr b="0" lang="en-US" sz="2000" spc="-1" strike="noStrike">
                 <a:solidFill>
                   <a:srgbClr val="000000"/>
                 </a:solidFill>
@@ -6462,9 +6212,18 @@
               </a:rPr>
               <a:t>Sixth Outline Level</a:t>
             </a:r>
-          </a:p>
-          <a:p>
-            <a:pPr marL="3024000" lvl="6" indent="-216000">
+            <a:endParaRPr b="0" lang="en-US" sz="2000" spc="-1" strike="noStrike">
+              <a:solidFill>
+                <a:srgbClr val="000000"/>
+              </a:solidFill>
+              <a:latin typeface="Arial"/>
+            </a:endParaRPr>
+          </a:p>
+          <a:p>
+            <a:pPr lvl="6" marL="3024000" indent="-216000">
+              <a:lnSpc>
+                <a:spcPct val="90000"/>
+              </a:lnSpc>
               <a:spcBef>
                 <a:spcPts val="283"/>
               </a:spcBef>
@@ -6476,7 +6235,7 @@
               <a:buChar char=""/>
             </a:pPr>
             <a:r>
-              <a:rPr lang="en-CA" sz="2000" b="0" strike="noStrike" spc="-1">
+              <a:rPr b="0" lang="en-US" sz="2000" spc="-1" strike="noStrike">
                 <a:solidFill>
                   <a:srgbClr val="000000"/>
                 </a:solidFill>
@@ -6484,311 +6243,37 @@
               </a:rPr>
               <a:t>Seventh Outline Level</a:t>
             </a:r>
+            <a:endParaRPr b="0" lang="en-US" sz="2000" spc="-1" strike="noStrike">
+              <a:solidFill>
+                <a:srgbClr val="000000"/>
+              </a:solidFill>
+              <a:latin typeface="Arial"/>
+            </a:endParaRPr>
           </a:p>
         </p:txBody>
       </p:sp>
     </p:spTree>
   </p:cSld>
-  <p:clrMap bg1="lt1" tx1="dk1" bg2="lt2" tx2="dk2" accent1="accent1" accent2="accent2" accent3="accent3" accent4="accent4" accent5="accent5" accent6="accent6" hlink="hlink" folHlink="folHlink"/>
+  <p:clrMap bg1="lt1" bg2="lt2" tx1="dk1" tx2="dk2" accent1="accent1" accent2="accent2" accent3="accent3" accent4="accent4" accent5="accent5" accent6="accent6" hlink="hlink" folHlink="folHlink"/>
   <p:sldLayoutIdLst>
-    <p:sldLayoutId id="2147483662" r:id="rId1"/>
-    <p:sldLayoutId id="2147483663" r:id="rId2"/>
-    <p:sldLayoutId id="2147483664" r:id="rId3"/>
-    <p:sldLayoutId id="2147483665" r:id="rId4"/>
-    <p:sldLayoutId id="2147483666" r:id="rId5"/>
-    <p:sldLayoutId id="2147483667" r:id="rId6"/>
-    <p:sldLayoutId id="2147483668" r:id="rId7"/>
-    <p:sldLayoutId id="2147483669" r:id="rId8"/>
-    <p:sldLayoutId id="2147483670" r:id="rId9"/>
-    <p:sldLayoutId id="2147483671" r:id="rId10"/>
-    <p:sldLayoutId id="2147483672" r:id="rId11"/>
-    <p:sldLayoutId id="2147483673" r:id="rId12"/>
+    <p:sldLayoutId id="2147483662" r:id="rId2"/>
+    <p:sldLayoutId id="2147483663" r:id="rId3"/>
+    <p:sldLayoutId id="2147483664" r:id="rId4"/>
+    <p:sldLayoutId id="2147483665" r:id="rId5"/>
+    <p:sldLayoutId id="2147483666" r:id="rId6"/>
+    <p:sldLayoutId id="2147483667" r:id="rId7"/>
+    <p:sldLayoutId id="2147483668" r:id="rId8"/>
+    <p:sldLayoutId id="2147483669" r:id="rId9"/>
+    <p:sldLayoutId id="2147483670" r:id="rId10"/>
+    <p:sldLayoutId id="2147483671" r:id="rId11"/>
+    <p:sldLayoutId id="2147483672" r:id="rId12"/>
+    <p:sldLayoutId id="2147483673" r:id="rId13"/>
   </p:sldLayoutIdLst>
-  <p:txStyles>
-    <p:titleStyle>
-      <a:lvl1pPr algn="l" defTabSz="914400" rtl="0" eaLnBrk="1" latinLnBrk="0" hangingPunct="1">
-        <a:lnSpc>
-          <a:spcPct val="90000"/>
-        </a:lnSpc>
-        <a:spcBef>
-          <a:spcPct val="0"/>
-        </a:spcBef>
-        <a:buNone/>
-        <a:defRPr sz="4400" kern="1200">
-          <a:solidFill>
-            <a:schemeClr val="tx1"/>
-          </a:solidFill>
-          <a:latin typeface="+mj-lt"/>
-          <a:ea typeface="+mj-ea"/>
-          <a:cs typeface="+mj-cs"/>
-        </a:defRPr>
-      </a:lvl1pPr>
-    </p:titleStyle>
-    <p:bodyStyle>
-      <a:lvl1pPr marL="228600" indent="-228600" algn="l" defTabSz="914400" rtl="0" eaLnBrk="1" latinLnBrk="0" hangingPunct="1">
-        <a:lnSpc>
-          <a:spcPct val="90000"/>
-        </a:lnSpc>
-        <a:spcBef>
-          <a:spcPts val="1000"/>
-        </a:spcBef>
-        <a:buFont typeface="Arial" panose="020B0604020202020204" pitchFamily="34" charset="0"/>
-        <a:buChar char="•"/>
-        <a:defRPr sz="2800" kern="1200">
-          <a:solidFill>
-            <a:schemeClr val="tx1"/>
-          </a:solidFill>
-          <a:latin typeface="+mn-lt"/>
-          <a:ea typeface="+mn-ea"/>
-          <a:cs typeface="+mn-cs"/>
-        </a:defRPr>
-      </a:lvl1pPr>
-      <a:lvl2pPr marL="685800" indent="-228600" algn="l" defTabSz="914400" rtl="0" eaLnBrk="1" latinLnBrk="0" hangingPunct="1">
-        <a:lnSpc>
-          <a:spcPct val="90000"/>
-        </a:lnSpc>
-        <a:spcBef>
-          <a:spcPts val="500"/>
-        </a:spcBef>
-        <a:buFont typeface="Arial" panose="020B0604020202020204" pitchFamily="34" charset="0"/>
-        <a:buChar char="•"/>
-        <a:defRPr sz="2400" kern="1200">
-          <a:solidFill>
-            <a:schemeClr val="tx1"/>
-          </a:solidFill>
-          <a:latin typeface="+mn-lt"/>
-          <a:ea typeface="+mn-ea"/>
-          <a:cs typeface="+mn-cs"/>
-        </a:defRPr>
-      </a:lvl2pPr>
-      <a:lvl3pPr marL="1143000" indent="-228600" algn="l" defTabSz="914400" rtl="0" eaLnBrk="1" latinLnBrk="0" hangingPunct="1">
-        <a:lnSpc>
-          <a:spcPct val="90000"/>
-        </a:lnSpc>
-        <a:spcBef>
-          <a:spcPts val="500"/>
-        </a:spcBef>
-        <a:buFont typeface="Arial" panose="020B0604020202020204" pitchFamily="34" charset="0"/>
-        <a:buChar char="•"/>
-        <a:defRPr sz="2000" kern="1200">
-          <a:solidFill>
-            <a:schemeClr val="tx1"/>
-          </a:solidFill>
-          <a:latin typeface="+mn-lt"/>
-          <a:ea typeface="+mn-ea"/>
-          <a:cs typeface="+mn-cs"/>
-        </a:defRPr>
-      </a:lvl3pPr>
-      <a:lvl4pPr marL="1600200" indent="-228600" algn="l" defTabSz="914400" rtl="0" eaLnBrk="1" latinLnBrk="0" hangingPunct="1">
-        <a:lnSpc>
-          <a:spcPct val="90000"/>
-        </a:lnSpc>
-        <a:spcBef>
-          <a:spcPts val="500"/>
-        </a:spcBef>
-        <a:buFont typeface="Arial" panose="020B0604020202020204" pitchFamily="34" charset="0"/>
-        <a:buChar char="•"/>
-        <a:defRPr sz="1800" kern="1200">
-          <a:solidFill>
-            <a:schemeClr val="tx1"/>
-          </a:solidFill>
-          <a:latin typeface="+mn-lt"/>
-          <a:ea typeface="+mn-ea"/>
-          <a:cs typeface="+mn-cs"/>
-        </a:defRPr>
-      </a:lvl4pPr>
-      <a:lvl5pPr marL="2057400" indent="-228600" algn="l" defTabSz="914400" rtl="0" eaLnBrk="1" latinLnBrk="0" hangingPunct="1">
-        <a:lnSpc>
-          <a:spcPct val="90000"/>
-        </a:lnSpc>
-        <a:spcBef>
-          <a:spcPts val="500"/>
-        </a:spcBef>
-        <a:buFont typeface="Arial" panose="020B0604020202020204" pitchFamily="34" charset="0"/>
-        <a:buChar char="•"/>
-        <a:defRPr sz="1800" kern="1200">
-          <a:solidFill>
-            <a:schemeClr val="tx1"/>
-          </a:solidFill>
-          <a:latin typeface="+mn-lt"/>
-          <a:ea typeface="+mn-ea"/>
-          <a:cs typeface="+mn-cs"/>
-        </a:defRPr>
-      </a:lvl5pPr>
-      <a:lvl6pPr marL="2514600" indent="-228600" algn="l" defTabSz="914400" rtl="0" eaLnBrk="1" latinLnBrk="0" hangingPunct="1">
-        <a:lnSpc>
-          <a:spcPct val="90000"/>
-        </a:lnSpc>
-        <a:spcBef>
-          <a:spcPts val="500"/>
-        </a:spcBef>
-        <a:buFont typeface="Arial" panose="020B0604020202020204" pitchFamily="34" charset="0"/>
-        <a:buChar char="•"/>
-        <a:defRPr sz="1800" kern="1200">
-          <a:solidFill>
-            <a:schemeClr val="tx1"/>
-          </a:solidFill>
-          <a:latin typeface="+mn-lt"/>
-          <a:ea typeface="+mn-ea"/>
-          <a:cs typeface="+mn-cs"/>
-        </a:defRPr>
-      </a:lvl6pPr>
-      <a:lvl7pPr marL="2971800" indent="-228600" algn="l" defTabSz="914400" rtl="0" eaLnBrk="1" latinLnBrk="0" hangingPunct="1">
-        <a:lnSpc>
-          <a:spcPct val="90000"/>
-        </a:lnSpc>
-        <a:spcBef>
-          <a:spcPts val="500"/>
-        </a:spcBef>
-        <a:buFont typeface="Arial" panose="020B0604020202020204" pitchFamily="34" charset="0"/>
-        <a:buChar char="•"/>
-        <a:defRPr sz="1800" kern="1200">
-          <a:solidFill>
-            <a:schemeClr val="tx1"/>
-          </a:solidFill>
-          <a:latin typeface="+mn-lt"/>
-          <a:ea typeface="+mn-ea"/>
-          <a:cs typeface="+mn-cs"/>
-        </a:defRPr>
-      </a:lvl7pPr>
-      <a:lvl8pPr marL="3429000" indent="-228600" algn="l" defTabSz="914400" rtl="0" eaLnBrk="1" latinLnBrk="0" hangingPunct="1">
-        <a:lnSpc>
-          <a:spcPct val="90000"/>
-        </a:lnSpc>
-        <a:spcBef>
-          <a:spcPts val="500"/>
-        </a:spcBef>
-        <a:buFont typeface="Arial" panose="020B0604020202020204" pitchFamily="34" charset="0"/>
-        <a:buChar char="•"/>
-        <a:defRPr sz="1800" kern="1200">
-          <a:solidFill>
-            <a:schemeClr val="tx1"/>
-          </a:solidFill>
-          <a:latin typeface="+mn-lt"/>
-          <a:ea typeface="+mn-ea"/>
-          <a:cs typeface="+mn-cs"/>
-        </a:defRPr>
-      </a:lvl8pPr>
-      <a:lvl9pPr marL="3886200" indent="-228600" algn="l" defTabSz="914400" rtl="0" eaLnBrk="1" latinLnBrk="0" hangingPunct="1">
-        <a:lnSpc>
-          <a:spcPct val="90000"/>
-        </a:lnSpc>
-        <a:spcBef>
-          <a:spcPts val="500"/>
-        </a:spcBef>
-        <a:buFont typeface="Arial" panose="020B0604020202020204" pitchFamily="34" charset="0"/>
-        <a:buChar char="•"/>
-        <a:defRPr sz="1800" kern="1200">
-          <a:solidFill>
-            <a:schemeClr val="tx1"/>
-          </a:solidFill>
-          <a:latin typeface="+mn-lt"/>
-          <a:ea typeface="+mn-ea"/>
-          <a:cs typeface="+mn-cs"/>
-        </a:defRPr>
-      </a:lvl9pPr>
-    </p:bodyStyle>
-    <p:otherStyle>
-      <a:defPPr>
-        <a:defRPr lang="en-US"/>
-      </a:defPPr>
-      <a:lvl1pPr marL="0" algn="l" defTabSz="914400" rtl="0" eaLnBrk="1" latinLnBrk="0" hangingPunct="1">
-        <a:defRPr sz="1800" kern="1200">
-          <a:solidFill>
-            <a:schemeClr val="tx1"/>
-          </a:solidFill>
-          <a:latin typeface="+mn-lt"/>
-          <a:ea typeface="+mn-ea"/>
-          <a:cs typeface="+mn-cs"/>
-        </a:defRPr>
-      </a:lvl1pPr>
-      <a:lvl2pPr marL="457200" algn="l" defTabSz="914400" rtl="0" eaLnBrk="1" latinLnBrk="0" hangingPunct="1">
-        <a:defRPr sz="1800" kern="1200">
-          <a:solidFill>
-            <a:schemeClr val="tx1"/>
-          </a:solidFill>
-          <a:latin typeface="+mn-lt"/>
-          <a:ea typeface="+mn-ea"/>
-          <a:cs typeface="+mn-cs"/>
-        </a:defRPr>
-      </a:lvl2pPr>
-      <a:lvl3pPr marL="914400" algn="l" defTabSz="914400" rtl="0" eaLnBrk="1" latinLnBrk="0" hangingPunct="1">
-        <a:defRPr sz="1800" kern="1200">
-          <a:solidFill>
-            <a:schemeClr val="tx1"/>
-          </a:solidFill>
-          <a:latin typeface="+mn-lt"/>
-          <a:ea typeface="+mn-ea"/>
-          <a:cs typeface="+mn-cs"/>
-        </a:defRPr>
-      </a:lvl3pPr>
-      <a:lvl4pPr marL="1371600" algn="l" defTabSz="914400" rtl="0" eaLnBrk="1" latinLnBrk="0" hangingPunct="1">
-        <a:defRPr sz="1800" kern="1200">
-          <a:solidFill>
-            <a:schemeClr val="tx1"/>
-          </a:solidFill>
-          <a:latin typeface="+mn-lt"/>
-          <a:ea typeface="+mn-ea"/>
-          <a:cs typeface="+mn-cs"/>
-        </a:defRPr>
-      </a:lvl4pPr>
-      <a:lvl5pPr marL="1828800" algn="l" defTabSz="914400" rtl="0" eaLnBrk="1" latinLnBrk="0" hangingPunct="1">
-        <a:defRPr sz="1800" kern="1200">
-          <a:solidFill>
-            <a:schemeClr val="tx1"/>
-          </a:solidFill>
-          <a:latin typeface="+mn-lt"/>
-          <a:ea typeface="+mn-ea"/>
-          <a:cs typeface="+mn-cs"/>
-        </a:defRPr>
-      </a:lvl5pPr>
-      <a:lvl6pPr marL="2286000" algn="l" defTabSz="914400" rtl="0" eaLnBrk="1" latinLnBrk="0" hangingPunct="1">
-        <a:defRPr sz="1800" kern="1200">
-          <a:solidFill>
-            <a:schemeClr val="tx1"/>
-          </a:solidFill>
-          <a:latin typeface="+mn-lt"/>
-          <a:ea typeface="+mn-ea"/>
-          <a:cs typeface="+mn-cs"/>
-        </a:defRPr>
-      </a:lvl6pPr>
-      <a:lvl7pPr marL="2743200" algn="l" defTabSz="914400" rtl="0" eaLnBrk="1" latinLnBrk="0" hangingPunct="1">
-        <a:defRPr sz="1800" kern="1200">
-          <a:solidFill>
-            <a:schemeClr val="tx1"/>
-          </a:solidFill>
-          <a:latin typeface="+mn-lt"/>
-          <a:ea typeface="+mn-ea"/>
-          <a:cs typeface="+mn-cs"/>
-        </a:defRPr>
-      </a:lvl7pPr>
-      <a:lvl8pPr marL="3200400" algn="l" defTabSz="914400" rtl="0" eaLnBrk="1" latinLnBrk="0" hangingPunct="1">
-        <a:defRPr sz="1800" kern="1200">
-          <a:solidFill>
-            <a:schemeClr val="tx1"/>
-          </a:solidFill>
-          <a:latin typeface="+mn-lt"/>
-          <a:ea typeface="+mn-ea"/>
-          <a:cs typeface="+mn-cs"/>
-        </a:defRPr>
-      </a:lvl8pPr>
-      <a:lvl9pPr marL="3657600" algn="l" defTabSz="914400" rtl="0" eaLnBrk="1" latinLnBrk="0" hangingPunct="1">
-        <a:defRPr sz="1800" kern="1200">
-          <a:solidFill>
-            <a:schemeClr val="tx1"/>
-          </a:solidFill>
-          <a:latin typeface="+mn-lt"/>
-          <a:ea typeface="+mn-ea"/>
-          <a:cs typeface="+mn-cs"/>
-        </a:defRPr>
-      </a:lvl9pPr>
-    </p:otherStyle>
-  </p:txStyles>
 </p:sldMaster>
 </file>
 
 <file path=ppt/slides/slide1.xml><?xml version="1.0" encoding="utf-8"?>
-<p:sld xmlns:a="http://schemas.openxmlformats.org/drawingml/2006/main" xmlns:r="http://schemas.openxmlformats.org/officeDocument/2006/relationships" xmlns:p="http://schemas.openxmlformats.org/presentationml/2006/main">
+<p:sld xmlns:a="http://schemas.openxmlformats.org/drawingml/2006/main" xmlns:p="http://schemas.openxmlformats.org/presentationml/2006/main" xmlns:r="http://schemas.openxmlformats.org/officeDocument/2006/relationships" xmlns:p14="http://schemas.microsoft.com/office/powerpoint/2010/main" xmlns:p15="http://schemas.microsoft.com/office/powerpoint/2012/main" xmlns:mc="http://schemas.openxmlformats.org/markup-compatibility/2006">
   <p:cSld>
     <p:spTree>
       <p:nvGrpSpPr>
@@ -6817,21 +6302,20 @@
         <p:spPr>
           <a:xfrm>
             <a:off x="504000" y="226080"/>
-            <a:ext cx="9070920" cy="945720"/>
-          </a:xfrm>
-          <a:prstGeom prst="rect">
-            <a:avLst/>
-          </a:prstGeom>
-          <a:noFill/>
-          <a:ln w="0">
-            <a:noFill/>
-          </a:ln>
-        </p:spPr>
-        <p:txBody>
-          <a:bodyPr lIns="0" tIns="0" rIns="0" bIns="0" anchor="ctr">
+            <a:ext cx="9070560" cy="945360"/>
+          </a:xfrm>
+          <a:prstGeom prst="rect">
+            <a:avLst/>
+          </a:prstGeom>
+          <a:noFill/>
+          <a:ln w="0">
+            <a:noFill/>
+          </a:ln>
+        </p:spPr>
+        <p:txBody>
+          <a:bodyPr lIns="0" rIns="0" tIns="0" bIns="0" anchor="ctr">
             <a:noAutofit/>
           </a:bodyPr>
-          <a:lstStyle/>
           <a:p>
             <a:pPr indent="0" algn="ctr">
               <a:lnSpc>
@@ -6839,19 +6323,20 @@
               </a:lnSpc>
               <a:buNone/>
               <a:tabLst>
-                <a:tab pos="0" algn="l"/>
+                <a:tab algn="l" pos="0"/>
               </a:tabLst>
             </a:pPr>
             <a:r>
-              <a:rPr lang="pt-BR" sz="4400" b="0" strike="noStrike" spc="-1">
+              <a:rPr b="0" lang="pt-BR" sz="4400" spc="-1" strike="noStrike">
                 <a:solidFill>
                   <a:srgbClr val="000000"/>
                 </a:solidFill>
                 <a:latin typeface="Arial"/>
+                <a:ea typeface="DejaVu Sans"/>
               </a:rPr>
               <a:t>Brazil Career Hub</a:t>
             </a:r>
-            <a:endParaRPr lang="en-CA" sz="4400" b="0" strike="noStrike" spc="-1">
+            <a:endParaRPr b="0" lang="en-US" sz="4400" spc="-1" strike="noStrike">
               <a:solidFill>
                 <a:srgbClr val="000000"/>
               </a:solidFill>
@@ -6873,41 +6358,44 @@
         <p:spPr>
           <a:xfrm>
             <a:off x="504000" y="1326600"/>
-            <a:ext cx="9070920" cy="3287520"/>
-          </a:xfrm>
-          <a:prstGeom prst="rect">
-            <a:avLst/>
-          </a:prstGeom>
-          <a:noFill/>
-          <a:ln w="0">
-            <a:noFill/>
-          </a:ln>
-        </p:spPr>
-        <p:txBody>
-          <a:bodyPr lIns="0" tIns="0" rIns="0" bIns="0" anchor="ctr">
+            <a:ext cx="9070560" cy="3287160"/>
+          </a:xfrm>
+          <a:prstGeom prst="rect">
+            <a:avLst/>
+          </a:prstGeom>
+          <a:noFill/>
+          <a:ln w="0">
+            <a:noFill/>
+          </a:ln>
+        </p:spPr>
+        <p:txBody>
+          <a:bodyPr lIns="0" rIns="0" tIns="0" bIns="0" anchor="ctr">
             <a:noAutofit/>
           </a:bodyPr>
-          <a:lstStyle/>
-          <a:p>
-            <a:pPr indent="0" algn="ctr">
+          <a:p>
+            <a:pPr marL="228600" indent="0" algn="ctr">
               <a:lnSpc>
                 <a:spcPct val="100000"/>
               </a:lnSpc>
+              <a:spcBef>
+                <a:spcPts val="1001"/>
+              </a:spcBef>
               <a:buNone/>
               <a:tabLst>
-                <a:tab pos="0" algn="l"/>
+                <a:tab algn="l" pos="0"/>
               </a:tabLst>
             </a:pPr>
             <a:r>
-              <a:rPr lang="pt-BR" sz="2600" b="0" strike="noStrike" spc="-1">
+              <a:rPr b="0" lang="pt-BR" sz="2600" spc="-1" strike="noStrike">
                 <a:solidFill>
                   <a:srgbClr val="000000"/>
                 </a:solidFill>
                 <a:latin typeface="Arial"/>
+                <a:ea typeface="DejaVu Sans"/>
               </a:rPr>
               <a:t>Integrantes:</a:t>
             </a:r>
-            <a:endParaRPr lang="en-CA" sz="2600" b="0" strike="noStrike" spc="-1">
+            <a:endParaRPr b="0" lang="pt-BR" sz="2600" spc="-1" strike="noStrike">
               <a:solidFill>
                 <a:srgbClr val="000000"/>
               </a:solidFill>
@@ -6919,6 +6407,9 @@
               <a:lnSpc>
                 <a:spcPct val="100000"/>
               </a:lnSpc>
+              <a:spcBef>
+                <a:spcPts val="1001"/>
+              </a:spcBef>
               <a:buClr>
                 <a:srgbClr val="000000"/>
               </a:buClr>
@@ -6926,19 +6417,20 @@
               <a:buFont typeface="Wingdings" charset="2"/>
               <a:buChar char=""/>
               <a:tabLst>
-                <a:tab pos="0" algn="l"/>
+                <a:tab algn="l" pos="0"/>
               </a:tabLst>
             </a:pPr>
             <a:r>
-              <a:rPr lang="pt-BR" sz="2600" b="0" strike="noStrike" spc="-1">
+              <a:rPr b="0" lang="pt-BR" sz="2600" spc="-1" strike="noStrike">
                 <a:solidFill>
                   <a:srgbClr val="000000"/>
                 </a:solidFill>
                 <a:latin typeface="Arial"/>
+                <a:ea typeface="DejaVu Sans"/>
               </a:rPr>
               <a:t>Carlos Eduardo dos Santos Ferreira – N6401C7</a:t>
             </a:r>
-            <a:endParaRPr lang="en-CA" sz="2600" b="0" strike="noStrike" spc="-1">
+            <a:endParaRPr b="0" lang="pt-BR" sz="2600" spc="-1" strike="noStrike">
               <a:solidFill>
                 <a:srgbClr val="000000"/>
               </a:solidFill>
@@ -6950,6 +6442,9 @@
               <a:lnSpc>
                 <a:spcPct val="100000"/>
               </a:lnSpc>
+              <a:spcBef>
+                <a:spcPts val="1001"/>
+              </a:spcBef>
               <a:buClr>
                 <a:srgbClr val="000000"/>
               </a:buClr>
@@ -6957,19 +6452,20 @@
               <a:buFont typeface="Wingdings" charset="2"/>
               <a:buChar char=""/>
               <a:tabLst>
-                <a:tab pos="0" algn="l"/>
+                <a:tab algn="l" pos="0"/>
               </a:tabLst>
             </a:pPr>
             <a:r>
-              <a:rPr lang="pt-BR" sz="2600" b="0" strike="noStrike" spc="-1">
+              <a:rPr b="0" lang="pt-BR" sz="2600" spc="-1" strike="noStrike">
                 <a:solidFill>
                   <a:srgbClr val="000000"/>
                 </a:solidFill>
                 <a:latin typeface="Arial"/>
+                <a:ea typeface="DejaVu Sans"/>
               </a:rPr>
               <a:t>Gabriel Menezes de Antonio – F13GJI6</a:t>
             </a:r>
-            <a:endParaRPr lang="en-CA" sz="2600" b="0" strike="noStrike" spc="-1">
+            <a:endParaRPr b="0" lang="pt-BR" sz="2600" spc="-1" strike="noStrike">
               <a:solidFill>
                 <a:srgbClr val="000000"/>
               </a:solidFill>
@@ -6981,6 +6477,9 @@
               <a:lnSpc>
                 <a:spcPct val="100000"/>
               </a:lnSpc>
+              <a:spcBef>
+                <a:spcPts val="1001"/>
+              </a:spcBef>
               <a:buClr>
                 <a:srgbClr val="000000"/>
               </a:buClr>
@@ -6988,19 +6487,20 @@
               <a:buFont typeface="Wingdings" charset="2"/>
               <a:buChar char=""/>
               <a:tabLst>
-                <a:tab pos="0" algn="l"/>
+                <a:tab algn="l" pos="0"/>
               </a:tabLst>
             </a:pPr>
             <a:r>
-              <a:rPr lang="pt-BR" sz="2600" b="0" strike="noStrike" spc="-1">
+              <a:rPr b="0" lang="pt-BR" sz="2600" spc="-1" strike="noStrike">
                 <a:solidFill>
                   <a:srgbClr val="000000"/>
                 </a:solidFill>
                 <a:latin typeface="Arial"/>
+                <a:ea typeface="DejaVu Sans"/>
               </a:rPr>
               <a:t>Gustavo Henrique Dos Santos Faria – F22IFG2</a:t>
             </a:r>
-            <a:endParaRPr lang="en-CA" sz="2600" b="0" strike="noStrike" spc="-1">
+            <a:endParaRPr b="0" lang="pt-BR" sz="2600" spc="-1" strike="noStrike">
               <a:solidFill>
                 <a:srgbClr val="000000"/>
               </a:solidFill>
@@ -7012,6 +6512,9 @@
               <a:lnSpc>
                 <a:spcPct val="100000"/>
               </a:lnSpc>
+              <a:spcBef>
+                <a:spcPts val="1001"/>
+              </a:spcBef>
               <a:buClr>
                 <a:srgbClr val="000000"/>
               </a:buClr>
@@ -7019,19 +6522,20 @@
               <a:buFont typeface="Wingdings" charset="2"/>
               <a:buChar char=""/>
               <a:tabLst>
-                <a:tab pos="0" algn="l"/>
+                <a:tab algn="l" pos="0"/>
               </a:tabLst>
             </a:pPr>
             <a:r>
-              <a:rPr lang="pt-BR" sz="2600" b="0" strike="noStrike" spc="-1">
+              <a:rPr b="0" lang="pt-BR" sz="2600" spc="-1" strike="noStrike">
                 <a:solidFill>
                   <a:srgbClr val="000000"/>
                 </a:solidFill>
                 <a:latin typeface="Arial"/>
+                <a:ea typeface="DejaVu Sans"/>
               </a:rPr>
               <a:t>Mayara Marques Pereira de Souza – N542DD1</a:t>
             </a:r>
-            <a:endParaRPr lang="en-CA" sz="2600" b="0" strike="noStrike" spc="-1">
+            <a:endParaRPr b="0" lang="pt-BR" sz="2600" spc="-1" strike="noStrike">
               <a:solidFill>
                 <a:srgbClr val="000000"/>
               </a:solidFill>
@@ -7042,14 +6546,19 @@
       </p:sp>
     </p:spTree>
   </p:cSld>
-  <p:clrMapOvr>
-    <a:masterClrMapping/>
-  </p:clrMapOvr>
+  <mc:AlternateContent>
+    <mc:Choice Requires="p14">
+      <p:transition spd="slow" p14:dur="2000"/>
+    </mc:Choice>
+    <mc:Fallback>
+      <p:transition spd="slow"/>
+    </mc:Fallback>
+  </mc:AlternateContent>
 </p:sld>
 </file>
 
 <file path=ppt/slides/slide10.xml><?xml version="1.0" encoding="utf-8"?>
-<p:sld xmlns:a="http://schemas.openxmlformats.org/drawingml/2006/main" xmlns:r="http://schemas.openxmlformats.org/officeDocument/2006/relationships" xmlns:p="http://schemas.openxmlformats.org/presentationml/2006/main">
+<p:sld xmlns:a="http://schemas.openxmlformats.org/drawingml/2006/main" xmlns:p="http://schemas.openxmlformats.org/presentationml/2006/main" xmlns:r="http://schemas.openxmlformats.org/officeDocument/2006/relationships" xmlns:p14="http://schemas.microsoft.com/office/powerpoint/2010/main" xmlns:p15="http://schemas.microsoft.com/office/powerpoint/2012/main" xmlns:mc="http://schemas.openxmlformats.org/markup-compatibility/2006">
   <p:cSld>
     <p:spTree>
       <p:nvGrpSpPr>
@@ -7078,21 +6587,20 @@
         <p:spPr>
           <a:xfrm>
             <a:off x="504000" y="226080"/>
-            <a:ext cx="9070920" cy="945720"/>
-          </a:xfrm>
-          <a:prstGeom prst="rect">
-            <a:avLst/>
-          </a:prstGeom>
-          <a:noFill/>
-          <a:ln w="0">
-            <a:noFill/>
-          </a:ln>
-        </p:spPr>
-        <p:txBody>
-          <a:bodyPr lIns="0" tIns="0" rIns="0" bIns="0" anchor="ctr">
+            <a:ext cx="9070560" cy="945360"/>
+          </a:xfrm>
+          <a:prstGeom prst="rect">
+            <a:avLst/>
+          </a:prstGeom>
+          <a:noFill/>
+          <a:ln w="0">
+            <a:noFill/>
+          </a:ln>
+        </p:spPr>
+        <p:txBody>
+          <a:bodyPr lIns="0" rIns="0" tIns="0" bIns="0" anchor="ctr">
             <a:noAutofit/>
           </a:bodyPr>
-          <a:lstStyle/>
           <a:p>
             <a:pPr indent="0" algn="ctr">
               <a:lnSpc>
@@ -7100,19 +6608,20 @@
               </a:lnSpc>
               <a:buNone/>
               <a:tabLst>
-                <a:tab pos="0" algn="l"/>
+                <a:tab algn="l" pos="0"/>
               </a:tabLst>
             </a:pPr>
             <a:r>
-              <a:rPr lang="pt-BR" sz="4400" b="0" strike="noStrike" spc="-1">
+              <a:rPr b="0" lang="pt-BR" sz="4400" spc="-1" strike="noStrike">
                 <a:solidFill>
                   <a:srgbClr val="000000"/>
                 </a:solidFill>
                 <a:latin typeface="Arial"/>
+                <a:ea typeface="DejaVu Sans"/>
               </a:rPr>
               <a:t>Pendências e bugs</a:t>
             </a:r>
-            <a:endParaRPr lang="en-CA" sz="4400" b="0" strike="noStrike" spc="-1">
+            <a:endParaRPr b="0" lang="en-US" sz="4400" spc="-1" strike="noStrike">
               <a:solidFill>
                 <a:srgbClr val="000000"/>
               </a:solidFill>
@@ -7123,18 +6632,18 @@
       </p:sp>
       <p:pic>
         <p:nvPicPr>
-          <p:cNvPr id="102" name="Picture 101"/>
+          <p:cNvPr id="102" name="Picture 101" descr=""/>
           <p:cNvPicPr/>
           <p:nvPr/>
         </p:nvPicPr>
         <p:blipFill>
-          <a:blip r:embed="rId2"/>
+          <a:blip r:embed="rId1"/>
           <a:stretch/>
         </p:blipFill>
         <p:spPr>
           <a:xfrm>
             <a:off x="614880" y="1260000"/>
-            <a:ext cx="8925120" cy="4118040"/>
+            <a:ext cx="8924760" cy="4117680"/>
           </a:xfrm>
           <a:prstGeom prst="rect">
             <a:avLst/>
@@ -7146,14 +6655,19 @@
       </p:pic>
     </p:spTree>
   </p:cSld>
-  <p:clrMapOvr>
-    <a:masterClrMapping/>
-  </p:clrMapOvr>
+  <mc:AlternateContent>
+    <mc:Choice Requires="p14">
+      <p:transition spd="slow" p14:dur="2000"/>
+    </mc:Choice>
+    <mc:Fallback>
+      <p:transition spd="slow"/>
+    </mc:Fallback>
+  </mc:AlternateContent>
 </p:sld>
 </file>
 
-<file path=ppt/slides/slide11.xml><?xml version="1.0" encoding="utf-8"?>
-<p:sld xmlns:a="http://schemas.openxmlformats.org/drawingml/2006/main" xmlns:r="http://schemas.openxmlformats.org/officeDocument/2006/relationships" xmlns:p="http://schemas.openxmlformats.org/presentationml/2006/main">
+<file path=ppt/slides/slide2.xml><?xml version="1.0" encoding="utf-8"?>
+<p:sld xmlns:a="http://schemas.openxmlformats.org/drawingml/2006/main" xmlns:p="http://schemas.openxmlformats.org/presentationml/2006/main" xmlns:r="http://schemas.openxmlformats.org/officeDocument/2006/relationships" xmlns:p14="http://schemas.microsoft.com/office/powerpoint/2010/main" xmlns:p15="http://schemas.microsoft.com/office/powerpoint/2012/main" xmlns:mc="http://schemas.openxmlformats.org/markup-compatibility/2006">
   <p:cSld>
     <p:spTree>
       <p:nvGrpSpPr>
@@ -7171,7 +6685,7 @@
       </p:grpSpPr>
       <p:sp>
         <p:nvSpPr>
-          <p:cNvPr id="103" name="PlaceHolder 1"/>
+          <p:cNvPr id="84" name="PlaceHolder 1"/>
           <p:cNvSpPr>
             <a:spLocks noGrp="1"/>
           </p:cNvSpPr>
@@ -7182,21 +6696,20 @@
         <p:spPr>
           <a:xfrm>
             <a:off x="504000" y="226080"/>
-            <a:ext cx="9070920" cy="945720"/>
-          </a:xfrm>
-          <a:prstGeom prst="rect">
-            <a:avLst/>
-          </a:prstGeom>
-          <a:noFill/>
-          <a:ln w="0">
-            <a:noFill/>
-          </a:ln>
-        </p:spPr>
-        <p:txBody>
-          <a:bodyPr lIns="0" tIns="0" rIns="0" bIns="0" anchor="ctr">
+            <a:ext cx="9070560" cy="945360"/>
+          </a:xfrm>
+          <a:prstGeom prst="rect">
+            <a:avLst/>
+          </a:prstGeom>
+          <a:noFill/>
+          <a:ln w="0">
+            <a:noFill/>
+          </a:ln>
+        </p:spPr>
+        <p:txBody>
+          <a:bodyPr lIns="0" rIns="0" tIns="0" bIns="0" anchor="ctr">
             <a:noAutofit/>
           </a:bodyPr>
-          <a:lstStyle/>
           <a:p>
             <a:pPr indent="0" algn="ctr">
               <a:lnSpc>
@@ -7204,30 +6717,31 @@
               </a:lnSpc>
               <a:buNone/>
               <a:tabLst>
-                <a:tab pos="0" algn="l"/>
+                <a:tab algn="l" pos="0"/>
               </a:tabLst>
             </a:pPr>
             <a:r>
-              <a:rPr lang="pt-BR" sz="4400" b="0" strike="noStrike" spc="-1">
+              <a:rPr b="0" lang="pt-BR" sz="4400" spc="-1" strike="noStrike">
                 <a:solidFill>
                   <a:srgbClr val="000000"/>
                 </a:solidFill>
                 <a:latin typeface="Arial"/>
+                <a:ea typeface="DejaVu Sans"/>
               </a:rPr>
-              <a:t>Demo</a:t>
-            </a:r>
-            <a:endParaRPr lang="en-CA" sz="4400" b="0" strike="noStrike" spc="-1">
-              <a:solidFill>
-                <a:srgbClr val="000000"/>
-              </a:solidFill>
-              <a:latin typeface="Arial"/>
-            </a:endParaRPr>
-          </a:p>
-        </p:txBody>
-      </p:sp>
-      <p:sp>
-        <p:nvSpPr>
-          <p:cNvPr id="104" name="PlaceHolder 2"/>
+              <a:t>Objetivos</a:t>
+            </a:r>
+            <a:endParaRPr b="0" lang="en-US" sz="4400" spc="-1" strike="noStrike">
+              <a:solidFill>
+                <a:srgbClr val="000000"/>
+              </a:solidFill>
+              <a:latin typeface="Arial"/>
+            </a:endParaRPr>
+          </a:p>
+        </p:txBody>
+      </p:sp>
+      <p:sp>
+        <p:nvSpPr>
+          <p:cNvPr id="85" name="PlaceHolder 2"/>
           <p:cNvSpPr>
             <a:spLocks noGrp="1"/>
           </p:cNvSpPr>
@@ -7238,56 +6752,175 @@
         <p:spPr>
           <a:xfrm>
             <a:off x="504000" y="1326600"/>
-            <a:ext cx="9070920" cy="3287520"/>
-          </a:xfrm>
-          <a:prstGeom prst="rect">
-            <a:avLst/>
-          </a:prstGeom>
-          <a:noFill/>
-          <a:ln w="0">
-            <a:noFill/>
-          </a:ln>
-        </p:spPr>
-        <p:txBody>
-          <a:bodyPr lIns="0" tIns="0" rIns="0" bIns="0" anchor="t">
+            <a:ext cx="9070560" cy="3287160"/>
+          </a:xfrm>
+          <a:prstGeom prst="rect">
+            <a:avLst/>
+          </a:prstGeom>
+          <a:noFill/>
+          <a:ln w="0">
+            <a:noFill/>
+          </a:ln>
+        </p:spPr>
+        <p:txBody>
+          <a:bodyPr lIns="0" rIns="0" tIns="0" bIns="0" anchor="t">
             <a:normAutofit/>
           </a:bodyPr>
-          <a:lstStyle/>
-          <a:p>
-            <a:pPr indent="0" algn="ctr">
+          <a:p>
+            <a:pPr marL="228600" indent="0">
               <a:lnSpc>
                 <a:spcPct val="100000"/>
               </a:lnSpc>
               <a:spcBef>
-                <a:spcPts val="1417"/>
+                <a:spcPts val="1001"/>
               </a:spcBef>
               <a:buNone/>
               <a:tabLst>
-                <a:tab pos="0" algn="l"/>
+                <a:tab algn="l" pos="0"/>
               </a:tabLst>
             </a:pPr>
             <a:r>
-              <a:rPr lang="en-CA" sz="1800" b="0" strike="noStrike" spc="-1">
+              <a:rPr b="0" lang="pt-BR" sz="1800" spc="-1" strike="noStrike">
                 <a:solidFill>
                   <a:srgbClr val="000000"/>
                 </a:solidFill>
                 <a:latin typeface="Arial"/>
+                <a:ea typeface="DejaVu Sans"/>
               </a:rPr>
-              <a:t>&lt;Vídeo de demonstração do site aqui&gt;</a:t>
-            </a:r>
+              <a:t>Com a crescente globalização, muitos estrangeiros buscam oportunidades de trabalho em países estrangeiros, e a falta de informação e barreiras culturais podem dificultar esse processo.</a:t>
+            </a:r>
+            <a:endParaRPr b="0" lang="en-US" sz="1800" spc="-1" strike="noStrike">
+              <a:solidFill>
+                <a:srgbClr val="000000"/>
+              </a:solidFill>
+              <a:latin typeface="Arial"/>
+            </a:endParaRPr>
+          </a:p>
+          <a:p>
+            <a:pPr marL="228600" indent="0">
+              <a:lnSpc>
+                <a:spcPct val="100000"/>
+              </a:lnSpc>
+              <a:spcBef>
+                <a:spcPts val="1001"/>
+              </a:spcBef>
+              <a:buNone/>
+              <a:tabLst>
+                <a:tab algn="l" pos="0"/>
+              </a:tabLst>
+            </a:pPr>
+            <a:endParaRPr b="0" lang="en-US" sz="1800" spc="-1" strike="noStrike">
+              <a:solidFill>
+                <a:srgbClr val="000000"/>
+              </a:solidFill>
+              <a:latin typeface="Arial"/>
+            </a:endParaRPr>
+          </a:p>
+          <a:p>
+            <a:pPr marL="432000" indent="-324000">
+              <a:lnSpc>
+                <a:spcPct val="100000"/>
+              </a:lnSpc>
+              <a:spcBef>
+                <a:spcPts val="1001"/>
+              </a:spcBef>
+              <a:buClr>
+                <a:srgbClr val="000000"/>
+              </a:buClr>
+              <a:buFont typeface="Wingdings" charset="2"/>
+              <a:buChar char=""/>
+              <a:tabLst>
+                <a:tab algn="l" pos="0"/>
+              </a:tabLst>
+            </a:pPr>
+            <a:r>
+              <a:rPr b="0" lang="pt-BR" sz="1800" spc="-1" strike="noStrike">
+                <a:solidFill>
+                  <a:srgbClr val="000000"/>
+                </a:solidFill>
+                <a:latin typeface="Arial"/>
+                <a:ea typeface="DejaVu Sans"/>
+              </a:rPr>
+              <a:t> </a:t>
+            </a:r>
+            <a:r>
+              <a:rPr b="0" lang="pt-BR" sz="1800" spc="-1" strike="noStrike">
+                <a:solidFill>
+                  <a:srgbClr val="000000"/>
+                </a:solidFill>
+                <a:latin typeface="Arial"/>
+                <a:ea typeface="DejaVu Sans"/>
+              </a:rPr>
+              <a:t>Auxiliar as pessoas a encontrarem empregos no Brasil</a:t>
+            </a:r>
+            <a:endParaRPr b="0" lang="en-US" sz="1800" spc="-1" strike="noStrike">
+              <a:solidFill>
+                <a:srgbClr val="000000"/>
+              </a:solidFill>
+              <a:latin typeface="Arial"/>
+            </a:endParaRPr>
+          </a:p>
+          <a:p>
+            <a:pPr marL="432000" indent="-324000">
+              <a:lnSpc>
+                <a:spcPct val="100000"/>
+              </a:lnSpc>
+              <a:spcBef>
+                <a:spcPts val="1001"/>
+              </a:spcBef>
+              <a:buClr>
+                <a:srgbClr val="000000"/>
+              </a:buClr>
+              <a:buFont typeface="Wingdings" charset="2"/>
+              <a:buChar char=""/>
+              <a:tabLst>
+                <a:tab algn="l" pos="0"/>
+              </a:tabLst>
+            </a:pPr>
+            <a:r>
+              <a:rPr b="0" lang="pt-BR" sz="1800" spc="-1" strike="noStrike">
+                <a:solidFill>
+                  <a:srgbClr val="000000"/>
+                </a:solidFill>
+                <a:latin typeface="Arial"/>
+                <a:ea typeface="DejaVu Sans"/>
+              </a:rPr>
+              <a:t> </a:t>
+            </a:r>
+            <a:r>
+              <a:rPr b="0" lang="pt-BR" sz="1800" spc="-1" strike="noStrike">
+                <a:solidFill>
+                  <a:srgbClr val="000000"/>
+                </a:solidFill>
+                <a:latin typeface="Arial"/>
+                <a:ea typeface="DejaVu Sans"/>
+              </a:rPr>
+              <a:t>Promover e auxiliar a imigração de mão de obra qualificada no Brasil</a:t>
+            </a:r>
+            <a:endParaRPr b="0" lang="en-US" sz="1800" spc="-1" strike="noStrike">
+              <a:solidFill>
+                <a:srgbClr val="000000"/>
+              </a:solidFill>
+              <a:latin typeface="Arial"/>
+            </a:endParaRPr>
           </a:p>
         </p:txBody>
       </p:sp>
     </p:spTree>
   </p:cSld>
-  <p:clrMapOvr>
-    <a:masterClrMapping/>
-  </p:clrMapOvr>
+  <mc:AlternateContent>
+    <mc:Choice Requires="p14">
+      <p:transition spd="slow" p14:dur="2000"/>
+    </mc:Choice>
+    <mc:Fallback>
+      <p:transition spd="slow"/>
+    </mc:Fallback>
+  </mc:AlternateContent>
 </p:sld>
 </file>
 
-<file path=ppt/slides/slide2.xml><?xml version="1.0" encoding="utf-8"?>
-<p:sld xmlns:a="http://schemas.openxmlformats.org/drawingml/2006/main" xmlns:r="http://schemas.openxmlformats.org/officeDocument/2006/relationships" xmlns:p="http://schemas.openxmlformats.org/presentationml/2006/main">
+<file path=ppt/slides/slide3.xml><?xml version="1.0" encoding="utf-8"?>
+<p:sld xmlns:a="http://schemas.openxmlformats.org/drawingml/2006/main" xmlns:p="http://schemas.openxmlformats.org/presentationml/2006/main" xmlns:r="http://schemas.openxmlformats.org/officeDocument/2006/relationships" xmlns:p14="http://schemas.microsoft.com/office/powerpoint/2010/main" xmlns:p15="http://schemas.microsoft.com/office/powerpoint/2012/main" xmlns:mc="http://schemas.openxmlformats.org/markup-compatibility/2006">
   <p:cSld>
     <p:spTree>
       <p:nvGrpSpPr>
@@ -7305,7 +6938,7 @@
       </p:grpSpPr>
       <p:sp>
         <p:nvSpPr>
-          <p:cNvPr id="84" name="PlaceHolder 1"/>
+          <p:cNvPr id="86" name="PlaceHolder 1"/>
           <p:cNvSpPr>
             <a:spLocks noGrp="1"/>
           </p:cNvSpPr>
@@ -7316,21 +6949,20 @@
         <p:spPr>
           <a:xfrm>
             <a:off x="504000" y="226080"/>
-            <a:ext cx="9070920" cy="945720"/>
-          </a:xfrm>
-          <a:prstGeom prst="rect">
-            <a:avLst/>
-          </a:prstGeom>
-          <a:noFill/>
-          <a:ln w="0">
-            <a:noFill/>
-          </a:ln>
-        </p:spPr>
-        <p:txBody>
-          <a:bodyPr lIns="0" tIns="0" rIns="0" bIns="0" anchor="ctr">
+            <a:ext cx="9070560" cy="945360"/>
+          </a:xfrm>
+          <a:prstGeom prst="rect">
+            <a:avLst/>
+          </a:prstGeom>
+          <a:noFill/>
+          <a:ln w="0">
+            <a:noFill/>
+          </a:ln>
+        </p:spPr>
+        <p:txBody>
+          <a:bodyPr lIns="0" rIns="0" tIns="0" bIns="0" anchor="ctr">
             <a:noAutofit/>
           </a:bodyPr>
-          <a:lstStyle/>
           <a:p>
             <a:pPr indent="0" algn="ctr">
               <a:lnSpc>
@@ -7338,30 +6970,31 @@
               </a:lnSpc>
               <a:buNone/>
               <a:tabLst>
-                <a:tab pos="0" algn="l"/>
+                <a:tab algn="l" pos="0"/>
               </a:tabLst>
             </a:pPr>
             <a:r>
-              <a:rPr lang="pt-BR" sz="4400" b="0" strike="noStrike" spc="-1">
+              <a:rPr b="0" lang="pt-BR" sz="4400" spc="-1" strike="noStrike">
                 <a:solidFill>
                   <a:srgbClr val="000000"/>
                 </a:solidFill>
                 <a:latin typeface="Arial"/>
+                <a:ea typeface="DejaVu Sans"/>
               </a:rPr>
-              <a:t>Objetivos</a:t>
-            </a:r>
-            <a:endParaRPr lang="en-CA" sz="4400" b="0" strike="noStrike" spc="-1">
-              <a:solidFill>
-                <a:srgbClr val="000000"/>
-              </a:solidFill>
-              <a:latin typeface="Arial"/>
-            </a:endParaRPr>
-          </a:p>
-        </p:txBody>
-      </p:sp>
-      <p:sp>
-        <p:nvSpPr>
-          <p:cNvPr id="85" name="PlaceHolder 2"/>
+              <a:t>Proposta</a:t>
+            </a:r>
+            <a:endParaRPr b="0" lang="en-US" sz="4400" spc="-1" strike="noStrike">
+              <a:solidFill>
+                <a:srgbClr val="000000"/>
+              </a:solidFill>
+              <a:latin typeface="Arial"/>
+            </a:endParaRPr>
+          </a:p>
+        </p:txBody>
+      </p:sp>
+      <p:sp>
+        <p:nvSpPr>
+          <p:cNvPr id="87" name="PlaceHolder 2"/>
           <p:cNvSpPr>
             <a:spLocks noGrp="1"/>
           </p:cNvSpPr>
@@ -7372,136 +7005,90 @@
         <p:spPr>
           <a:xfrm>
             <a:off x="504000" y="1326600"/>
-            <a:ext cx="9070920" cy="3287520"/>
-          </a:xfrm>
-          <a:prstGeom prst="rect">
-            <a:avLst/>
-          </a:prstGeom>
-          <a:noFill/>
-          <a:ln w="0">
-            <a:noFill/>
-          </a:ln>
-        </p:spPr>
-        <p:txBody>
-          <a:bodyPr lIns="0" tIns="0" rIns="0" bIns="0" anchor="t">
+            <a:ext cx="9070560" cy="3287160"/>
+          </a:xfrm>
+          <a:prstGeom prst="rect">
+            <a:avLst/>
+          </a:prstGeom>
+          <a:noFill/>
+          <a:ln w="0">
+            <a:noFill/>
+          </a:ln>
+        </p:spPr>
+        <p:txBody>
+          <a:bodyPr lIns="0" rIns="0" tIns="0" bIns="0" anchor="t">
             <a:normAutofit/>
           </a:bodyPr>
-          <a:lstStyle/>
-          <a:p>
-            <a:pPr indent="0">
+          <a:p>
+            <a:pPr marL="228600" indent="0">
               <a:lnSpc>
                 <a:spcPct val="100000"/>
               </a:lnSpc>
+              <a:spcBef>
+                <a:spcPts val="1417"/>
+              </a:spcBef>
               <a:buNone/>
               <a:tabLst>
-                <a:tab pos="0" algn="l"/>
+                <a:tab algn="l" pos="0"/>
               </a:tabLst>
             </a:pPr>
             <a:r>
-              <a:rPr lang="pt-BR" sz="1800" b="0" strike="noStrike" spc="-1" dirty="0">
+              <a:rPr b="0" lang="pt-BR" sz="1800" spc="-1" strike="noStrike">
                 <a:solidFill>
                   <a:srgbClr val="000000"/>
                 </a:solidFill>
                 <a:latin typeface="Arial"/>
+                <a:ea typeface="DejaVu Sans"/>
               </a:rPr>
-              <a:t>Com a crescente globalização, muitos estrangeiros buscam oportunidades de trabalho em países estrangeiros, e a falta de informação e barreiras culturais podem dificultar esse processo.</a:t>
-            </a:r>
-            <a:endParaRPr lang="en-CA" sz="1800" b="0" strike="noStrike" spc="-1" dirty="0">
-              <a:solidFill>
-                <a:srgbClr val="000000"/>
-              </a:solidFill>
-              <a:latin typeface="Arial"/>
-            </a:endParaRPr>
-          </a:p>
-          <a:p>
-            <a:pPr indent="0">
-              <a:lnSpc>
-                <a:spcPct val="100000"/>
-              </a:lnSpc>
-              <a:buNone/>
-              <a:tabLst>
-                <a:tab pos="0" algn="l"/>
-              </a:tabLst>
-            </a:pPr>
-            <a:endParaRPr lang="en-CA" sz="1800" b="0" strike="noStrike" spc="-1" dirty="0">
-              <a:solidFill>
-                <a:srgbClr val="000000"/>
-              </a:solidFill>
-              <a:latin typeface="Arial"/>
-            </a:endParaRPr>
-          </a:p>
-          <a:p>
-            <a:pPr marL="432000" indent="-324000">
-              <a:lnSpc>
-                <a:spcPct val="100000"/>
-              </a:lnSpc>
-              <a:buClr>
-                <a:srgbClr val="000000"/>
-              </a:buClr>
-              <a:buFont typeface="Wingdings" charset="2"/>
-              <a:buChar char=""/>
-              <a:tabLst>
-                <a:tab pos="0" algn="l"/>
-              </a:tabLst>
-            </a:pPr>
-            <a:r>
-              <a:rPr lang="pt-BR" sz="1800" b="0" strike="noStrike" spc="-1" dirty="0">
-                <a:solidFill>
-                  <a:srgbClr val="000000"/>
-                </a:solidFill>
-                <a:latin typeface="Arial"/>
-              </a:rPr>
-              <a:t> Auxiliar as pessoas a encontrarem empregos no Brasil</a:t>
-            </a:r>
-            <a:endParaRPr lang="en-CA" sz="1800" b="0" strike="noStrike" spc="-1" dirty="0">
-              <a:solidFill>
-                <a:srgbClr val="000000"/>
-              </a:solidFill>
-              <a:latin typeface="Arial"/>
-            </a:endParaRPr>
-          </a:p>
-          <a:p>
-            <a:pPr marL="432000" indent="-324000">
-              <a:lnSpc>
-                <a:spcPct val="100000"/>
-              </a:lnSpc>
-              <a:buClr>
-                <a:srgbClr val="000000"/>
-              </a:buClr>
-              <a:buFont typeface="Wingdings" charset="2"/>
-              <a:buChar char=""/>
-              <a:tabLst>
-                <a:tab pos="0" algn="l"/>
-              </a:tabLst>
-            </a:pPr>
-            <a:r>
-              <a:rPr lang="pt-BR" sz="1800" b="0" strike="noStrike" spc="-1" dirty="0">
-                <a:solidFill>
-                  <a:srgbClr val="000000"/>
-                </a:solidFill>
-                <a:latin typeface="Arial"/>
-              </a:rPr>
-              <a:t> Promover e auxiliar a imigração de mão de obra qualificada no Brasil</a:t>
-            </a:r>
-            <a:endParaRPr lang="en-CA" sz="1800" b="0" strike="noStrike" spc="-1" dirty="0">
-              <a:solidFill>
-                <a:srgbClr val="000000"/>
-              </a:solidFill>
-              <a:latin typeface="Arial"/>
-            </a:endParaRPr>
-          </a:p>
-        </p:txBody>
-      </p:sp>
+              <a:t>Desenvolver um site para auxiliar na inserção de estrangeiros e brasileiros no mercado de trabalho do Brasil, oferecendo um local para listagem, candidatura e armazenamento de vagas.</a:t>
+            </a:r>
+            <a:endParaRPr b="0" lang="en-US" sz="1800" spc="-1" strike="noStrike">
+              <a:solidFill>
+                <a:srgbClr val="000000"/>
+              </a:solidFill>
+              <a:latin typeface="Arial"/>
+            </a:endParaRPr>
+          </a:p>
+        </p:txBody>
+      </p:sp>
+      <p:pic>
+        <p:nvPicPr>
+          <p:cNvPr id="88" name="Picture 87" descr=""/>
+          <p:cNvPicPr/>
+          <p:nvPr/>
+        </p:nvPicPr>
+        <p:blipFill>
+          <a:blip r:embed="rId1"/>
+          <a:stretch/>
+        </p:blipFill>
+        <p:spPr>
+          <a:xfrm>
+            <a:off x="3060000" y="2340000"/>
+            <a:ext cx="3801600" cy="2917800"/>
+          </a:xfrm>
+          <a:prstGeom prst="rect">
+            <a:avLst/>
+          </a:prstGeom>
+          <a:ln w="0">
+            <a:noFill/>
+          </a:ln>
+        </p:spPr>
+      </p:pic>
     </p:spTree>
   </p:cSld>
-  <p:clrMapOvr>
-    <a:masterClrMapping/>
-  </p:clrMapOvr>
+  <mc:AlternateContent>
+    <mc:Choice Requires="p14">
+      <p:transition spd="slow" p14:dur="2000"/>
+    </mc:Choice>
+    <mc:Fallback>
+      <p:transition spd="slow"/>
+    </mc:Fallback>
+  </mc:AlternateContent>
 </p:sld>
 </file>
 
-<file path=ppt/slides/slide3.xml><?xml version="1.0" encoding="utf-8"?>
-<p:sld xmlns:a="http://schemas.openxmlformats.org/drawingml/2006/main" xmlns:r="http://schemas.openxmlformats.org/officeDocument/2006/relationships" xmlns:p="http://schemas.openxmlformats.org/presentationml/2006/main">
+<file path=ppt/slides/slide4.xml><?xml version="1.0" encoding="utf-8"?>
+<p:sld xmlns:a="http://schemas.openxmlformats.org/drawingml/2006/main" xmlns:p="http://schemas.openxmlformats.org/presentationml/2006/main" xmlns:r="http://schemas.openxmlformats.org/officeDocument/2006/relationships" xmlns:p14="http://schemas.microsoft.com/office/powerpoint/2010/main" xmlns:p15="http://schemas.microsoft.com/office/powerpoint/2012/main" xmlns:mc="http://schemas.openxmlformats.org/markup-compatibility/2006">
   <p:cSld>
     <p:spTree>
       <p:nvGrpSpPr>
@@ -7519,7 +7106,7 @@
       </p:grpSpPr>
       <p:sp>
         <p:nvSpPr>
-          <p:cNvPr id="86" name="PlaceHolder 1"/>
+          <p:cNvPr id="89" name="PlaceHolder 1"/>
           <p:cNvSpPr>
             <a:spLocks noGrp="1"/>
           </p:cNvSpPr>
@@ -7530,21 +7117,20 @@
         <p:spPr>
           <a:xfrm>
             <a:off x="504000" y="226080"/>
-            <a:ext cx="9070920" cy="945720"/>
-          </a:xfrm>
-          <a:prstGeom prst="rect">
-            <a:avLst/>
-          </a:prstGeom>
-          <a:noFill/>
-          <a:ln w="0">
-            <a:noFill/>
-          </a:ln>
-        </p:spPr>
-        <p:txBody>
-          <a:bodyPr lIns="0" tIns="0" rIns="0" bIns="0" anchor="ctr">
+            <a:ext cx="9070560" cy="945360"/>
+          </a:xfrm>
+          <a:prstGeom prst="rect">
+            <a:avLst/>
+          </a:prstGeom>
+          <a:noFill/>
+          <a:ln w="0">
+            <a:noFill/>
+          </a:ln>
+        </p:spPr>
+        <p:txBody>
+          <a:bodyPr lIns="0" rIns="0" tIns="0" bIns="0" anchor="ctr">
             <a:noAutofit/>
           </a:bodyPr>
-          <a:lstStyle/>
           <a:p>
             <a:pPr indent="0" algn="ctr">
               <a:lnSpc>
@@ -7552,78 +7138,20 @@
               </a:lnSpc>
               <a:buNone/>
               <a:tabLst>
-                <a:tab pos="0" algn="l"/>
+                <a:tab algn="l" pos="0"/>
               </a:tabLst>
             </a:pPr>
             <a:r>
-              <a:rPr lang="pt-BR" sz="4400" b="0" strike="noStrike" spc="-1">
+              <a:rPr b="0" lang="pt-BR" sz="4400" spc="-1" strike="noStrike">
                 <a:solidFill>
                   <a:srgbClr val="000000"/>
                 </a:solidFill>
                 <a:latin typeface="Arial"/>
+                <a:ea typeface="DejaVu Sans"/>
               </a:rPr>
-              <a:t>Proposta</a:t>
-            </a:r>
-            <a:endParaRPr lang="en-CA" sz="4400" b="0" strike="noStrike" spc="-1">
-              <a:solidFill>
-                <a:srgbClr val="000000"/>
-              </a:solidFill>
-              <a:latin typeface="Arial"/>
-            </a:endParaRPr>
-          </a:p>
-        </p:txBody>
-      </p:sp>
-      <p:sp>
-        <p:nvSpPr>
-          <p:cNvPr id="87" name="PlaceHolder 2"/>
-          <p:cNvSpPr>
-            <a:spLocks noGrp="1"/>
-          </p:cNvSpPr>
-          <p:nvPr>
-            <p:ph/>
-          </p:nvPr>
-        </p:nvSpPr>
-        <p:spPr>
-          <a:xfrm>
-            <a:off x="504000" y="1326600"/>
-            <a:ext cx="9070920" cy="3287520"/>
-          </a:xfrm>
-          <a:prstGeom prst="rect">
-            <a:avLst/>
-          </a:prstGeom>
-          <a:noFill/>
-          <a:ln w="0">
-            <a:noFill/>
-          </a:ln>
-        </p:spPr>
-        <p:txBody>
-          <a:bodyPr lIns="0" tIns="0" rIns="0" bIns="0" anchor="t">
-            <a:normAutofit/>
-          </a:bodyPr>
-          <a:lstStyle/>
-          <a:p>
-            <a:pPr indent="0">
-              <a:lnSpc>
-                <a:spcPct val="100000"/>
-              </a:lnSpc>
-              <a:spcBef>
-                <a:spcPts val="1417"/>
-              </a:spcBef>
-              <a:buNone/>
-              <a:tabLst>
-                <a:tab pos="0" algn="l"/>
-              </a:tabLst>
-            </a:pPr>
-            <a:r>
-              <a:rPr lang="pt-BR" sz="1800" b="0" strike="noStrike" spc="-1">
-                <a:solidFill>
-                  <a:srgbClr val="000000"/>
-                </a:solidFill>
-                <a:latin typeface="Arial"/>
-              </a:rPr>
-              <a:t>Desenvolver um site para auxiliar na inserção de estrangeiros e brasileiros no mercado de trabalho do Brasil, oferecendo um local para listagem, candidatura e armazenamento de vagas.</a:t>
-            </a:r>
-            <a:endParaRPr lang="en-CA" sz="1800" b="0" strike="noStrike" spc="-1">
+              <a:t>Arquitetura</a:t>
+            </a:r>
+            <a:endParaRPr b="0" lang="en-US" sz="4400" spc="-1" strike="noStrike">
               <a:solidFill>
                 <a:srgbClr val="000000"/>
               </a:solidFill>
@@ -7634,18 +7162,18 @@
       </p:sp>
       <p:pic>
         <p:nvPicPr>
-          <p:cNvPr id="88" name="Picture 87"/>
+          <p:cNvPr id="90" name="Picture 89" descr=""/>
           <p:cNvPicPr/>
           <p:nvPr/>
         </p:nvPicPr>
         <p:blipFill>
-          <a:blip r:embed="rId2"/>
+          <a:blip r:embed="rId1"/>
           <a:stretch/>
         </p:blipFill>
         <p:spPr>
           <a:xfrm>
-            <a:off x="3060000" y="2340000"/>
-            <a:ext cx="3801960" cy="2918160"/>
+            <a:off x="1452600" y="1185840"/>
+            <a:ext cx="7367040" cy="4213800"/>
           </a:xfrm>
           <a:prstGeom prst="rect">
             <a:avLst/>
@@ -7657,14 +7185,19 @@
       </p:pic>
     </p:spTree>
   </p:cSld>
-  <p:clrMapOvr>
-    <a:masterClrMapping/>
-  </p:clrMapOvr>
+  <mc:AlternateContent>
+    <mc:Choice Requires="p14">
+      <p:transition spd="slow" p14:dur="2000"/>
+    </mc:Choice>
+    <mc:Fallback>
+      <p:transition spd="slow"/>
+    </mc:Fallback>
+  </mc:AlternateContent>
 </p:sld>
 </file>
 
-<file path=ppt/slides/slide4.xml><?xml version="1.0" encoding="utf-8"?>
-<p:sld xmlns:a="http://schemas.openxmlformats.org/drawingml/2006/main" xmlns:r="http://schemas.openxmlformats.org/officeDocument/2006/relationships" xmlns:p="http://schemas.openxmlformats.org/presentationml/2006/main">
+<file path=ppt/slides/slide5.xml><?xml version="1.0" encoding="utf-8"?>
+<p:sld xmlns:a="http://schemas.openxmlformats.org/drawingml/2006/main" xmlns:p="http://schemas.openxmlformats.org/presentationml/2006/main" xmlns:r="http://schemas.openxmlformats.org/officeDocument/2006/relationships" xmlns:p14="http://schemas.microsoft.com/office/powerpoint/2010/main" xmlns:p15="http://schemas.microsoft.com/office/powerpoint/2012/main" xmlns:mc="http://schemas.openxmlformats.org/markup-compatibility/2006">
   <p:cSld>
     <p:spTree>
       <p:nvGrpSpPr>
@@ -7682,7 +7215,7 @@
       </p:grpSpPr>
       <p:sp>
         <p:nvSpPr>
-          <p:cNvPr id="89" name="PlaceHolder 1"/>
+          <p:cNvPr id="91" name="PlaceHolder 1"/>
           <p:cNvSpPr>
             <a:spLocks noGrp="1"/>
           </p:cNvSpPr>
@@ -7693,21 +7226,20 @@
         <p:spPr>
           <a:xfrm>
             <a:off x="504000" y="226080"/>
-            <a:ext cx="9070920" cy="945720"/>
-          </a:xfrm>
-          <a:prstGeom prst="rect">
-            <a:avLst/>
-          </a:prstGeom>
-          <a:noFill/>
-          <a:ln w="0">
-            <a:noFill/>
-          </a:ln>
-        </p:spPr>
-        <p:txBody>
-          <a:bodyPr lIns="0" tIns="0" rIns="0" bIns="0" anchor="ctr">
+            <a:ext cx="9070560" cy="945360"/>
+          </a:xfrm>
+          <a:prstGeom prst="rect">
+            <a:avLst/>
+          </a:prstGeom>
+          <a:noFill/>
+          <a:ln w="0">
+            <a:noFill/>
+          </a:ln>
+        </p:spPr>
+        <p:txBody>
+          <a:bodyPr lIns="0" rIns="0" tIns="0" bIns="0" anchor="ctr">
             <a:noAutofit/>
           </a:bodyPr>
-          <a:lstStyle/>
           <a:p>
             <a:pPr indent="0" algn="ctr">
               <a:lnSpc>
@@ -7715,60 +7247,185 @@
               </a:lnSpc>
               <a:buNone/>
               <a:tabLst>
-                <a:tab pos="0" algn="l"/>
+                <a:tab algn="l" pos="0"/>
               </a:tabLst>
             </a:pPr>
             <a:r>
-              <a:rPr lang="pt-BR" sz="4400" b="0" strike="noStrike" spc="-1">
+              <a:rPr b="0" lang="pt-BR" sz="4400" spc="-1" strike="noStrike">
                 <a:solidFill>
                   <a:srgbClr val="000000"/>
                 </a:solidFill>
                 <a:latin typeface="Arial"/>
+                <a:ea typeface="DejaVu Sans"/>
               </a:rPr>
-              <a:t>Arquitetura</a:t>
-            </a:r>
-            <a:endParaRPr lang="en-CA" sz="4400" b="0" strike="noStrike" spc="-1">
-              <a:solidFill>
-                <a:srgbClr val="000000"/>
-              </a:solidFill>
-              <a:latin typeface="Arial"/>
-            </a:endParaRPr>
-          </a:p>
-        </p:txBody>
-      </p:sp>
-      <p:pic>
-        <p:nvPicPr>
-          <p:cNvPr id="90" name="Picture 89"/>
-          <p:cNvPicPr/>
-          <p:nvPr/>
-        </p:nvPicPr>
-        <p:blipFill>
-          <a:blip r:embed="rId2"/>
-          <a:stretch/>
-        </p:blipFill>
-        <p:spPr>
-          <a:xfrm>
-            <a:off x="1452600" y="1185840"/>
-            <a:ext cx="7367400" cy="4214160"/>
-          </a:xfrm>
-          <a:prstGeom prst="rect">
-            <a:avLst/>
-          </a:prstGeom>
-          <a:ln w="0">
-            <a:noFill/>
-          </a:ln>
-        </p:spPr>
-      </p:pic>
+              <a:t>Front-End</a:t>
+            </a:r>
+            <a:endParaRPr b="0" lang="en-US" sz="4400" spc="-1" strike="noStrike">
+              <a:solidFill>
+                <a:srgbClr val="000000"/>
+              </a:solidFill>
+              <a:latin typeface="Arial"/>
+            </a:endParaRPr>
+          </a:p>
+        </p:txBody>
+      </p:sp>
+      <p:sp>
+        <p:nvSpPr>
+          <p:cNvPr id="92" name="PlaceHolder 2"/>
+          <p:cNvSpPr>
+            <a:spLocks noGrp="1"/>
+          </p:cNvSpPr>
+          <p:nvPr>
+            <p:ph/>
+          </p:nvPr>
+        </p:nvSpPr>
+        <p:spPr>
+          <a:xfrm>
+            <a:off x="504000" y="1326600"/>
+            <a:ext cx="9070560" cy="3287160"/>
+          </a:xfrm>
+          <a:prstGeom prst="rect">
+            <a:avLst/>
+          </a:prstGeom>
+          <a:noFill/>
+          <a:ln w="0">
+            <a:noFill/>
+          </a:ln>
+        </p:spPr>
+        <p:txBody>
+          <a:bodyPr lIns="0" rIns="0" tIns="0" bIns="0" anchor="t">
+            <a:normAutofit/>
+          </a:bodyPr>
+          <a:p>
+            <a:pPr indent="0">
+              <a:lnSpc>
+                <a:spcPct val="90000"/>
+              </a:lnSpc>
+              <a:spcBef>
+                <a:spcPts val="1417"/>
+              </a:spcBef>
+              <a:buNone/>
+            </a:pPr>
+            <a:endParaRPr b="0" lang="en-US" sz="1800" spc="-1" strike="noStrike">
+              <a:solidFill>
+                <a:srgbClr val="000000"/>
+              </a:solidFill>
+              <a:latin typeface="Arial"/>
+            </a:endParaRPr>
+          </a:p>
+          <a:p>
+            <a:pPr indent="0">
+              <a:lnSpc>
+                <a:spcPct val="90000"/>
+              </a:lnSpc>
+              <a:spcBef>
+                <a:spcPts val="1417"/>
+              </a:spcBef>
+              <a:buNone/>
+            </a:pPr>
+            <a:endParaRPr b="0" lang="en-US" sz="1800" spc="-1" strike="noStrike">
+              <a:solidFill>
+                <a:srgbClr val="000000"/>
+              </a:solidFill>
+              <a:latin typeface="Arial"/>
+            </a:endParaRPr>
+          </a:p>
+          <a:p>
+            <a:pPr marL="514440" indent="-285840">
+              <a:lnSpc>
+                <a:spcPct val="90000"/>
+              </a:lnSpc>
+              <a:spcBef>
+                <a:spcPts val="1417"/>
+              </a:spcBef>
+              <a:buClr>
+                <a:srgbClr val="000000"/>
+              </a:buClr>
+              <a:buFont typeface="Arial"/>
+              <a:buChar char="•"/>
+            </a:pPr>
+            <a:r>
+              <a:rPr b="0" lang="en-CA" sz="1800" spc="-1" strike="noStrike">
+                <a:solidFill>
+                  <a:srgbClr val="000000"/>
+                </a:solidFill>
+                <a:latin typeface="Arial"/>
+                <a:ea typeface="DejaVu Sans"/>
+              </a:rPr>
+              <a:t>Motivos pelo qual usamos o React</a:t>
+            </a:r>
+            <a:endParaRPr b="0" lang="en-US" sz="1800" spc="-1" strike="noStrike">
+              <a:solidFill>
+                <a:srgbClr val="000000"/>
+              </a:solidFill>
+              <a:latin typeface="Arial"/>
+            </a:endParaRPr>
+          </a:p>
+          <a:p>
+            <a:pPr marL="514440" indent="-285840">
+              <a:lnSpc>
+                <a:spcPct val="90000"/>
+              </a:lnSpc>
+              <a:spcBef>
+                <a:spcPts val="1417"/>
+              </a:spcBef>
+              <a:buClr>
+                <a:srgbClr val="000000"/>
+              </a:buClr>
+              <a:buFont typeface="Arial"/>
+              <a:buChar char="•"/>
+            </a:pPr>
+            <a:r>
+              <a:rPr b="0" lang="en-CA" sz="1800" spc="-1" strike="noStrike">
+                <a:solidFill>
+                  <a:srgbClr val="000000"/>
+                </a:solidFill>
+                <a:latin typeface="Arial"/>
+                <a:ea typeface="DejaVu Sans"/>
+              </a:rPr>
+              <a:t>Bibliotecas utilizadas</a:t>
+            </a:r>
+            <a:endParaRPr b="0" lang="en-US" sz="1800" spc="-1" strike="noStrike">
+              <a:solidFill>
+                <a:srgbClr val="000000"/>
+              </a:solidFill>
+              <a:latin typeface="Arial"/>
+            </a:endParaRPr>
+          </a:p>
+          <a:p>
+            <a:pPr indent="0">
+              <a:lnSpc>
+                <a:spcPct val="90000"/>
+              </a:lnSpc>
+              <a:spcBef>
+                <a:spcPts val="1417"/>
+              </a:spcBef>
+              <a:buNone/>
+            </a:pPr>
+            <a:endParaRPr b="0" lang="en-US" sz="1800" spc="-1" strike="noStrike">
+              <a:solidFill>
+                <a:srgbClr val="000000"/>
+              </a:solidFill>
+              <a:latin typeface="Arial"/>
+            </a:endParaRPr>
+          </a:p>
+        </p:txBody>
+      </p:sp>
     </p:spTree>
   </p:cSld>
-  <p:clrMapOvr>
-    <a:masterClrMapping/>
-  </p:clrMapOvr>
+  <mc:AlternateContent>
+    <mc:Choice Requires="p14">
+      <p:transition spd="slow" p14:dur="2000"/>
+    </mc:Choice>
+    <mc:Fallback>
+      <p:transition spd="slow"/>
+    </mc:Fallback>
+  </mc:AlternateContent>
 </p:sld>
 </file>
 
-<file path=ppt/slides/slide5.xml><?xml version="1.0" encoding="utf-8"?>
-<p:sld xmlns:a="http://schemas.openxmlformats.org/drawingml/2006/main" xmlns:r="http://schemas.openxmlformats.org/officeDocument/2006/relationships" xmlns:p="http://schemas.openxmlformats.org/presentationml/2006/main">
+<file path=ppt/slides/slide6.xml><?xml version="1.0" encoding="utf-8"?>
+<p:sld xmlns:a="http://schemas.openxmlformats.org/drawingml/2006/main" xmlns:p="http://schemas.openxmlformats.org/presentationml/2006/main" xmlns:r="http://schemas.openxmlformats.org/officeDocument/2006/relationships" xmlns:p14="http://schemas.microsoft.com/office/powerpoint/2010/main" xmlns:p15="http://schemas.microsoft.com/office/powerpoint/2012/main" xmlns:mc="http://schemas.openxmlformats.org/markup-compatibility/2006">
   <p:cSld>
     <p:spTree>
       <p:nvGrpSpPr>
@@ -7786,7 +7443,7 @@
       </p:grpSpPr>
       <p:sp>
         <p:nvSpPr>
-          <p:cNvPr id="91" name="PlaceHolder 1"/>
+          <p:cNvPr id="93" name="PlaceHolder 1"/>
           <p:cNvSpPr>
             <a:spLocks noGrp="1"/>
           </p:cNvSpPr>
@@ -7797,21 +7454,20 @@
         <p:spPr>
           <a:xfrm>
             <a:off x="504000" y="226080"/>
-            <a:ext cx="9070920" cy="945720"/>
-          </a:xfrm>
-          <a:prstGeom prst="rect">
-            <a:avLst/>
-          </a:prstGeom>
-          <a:noFill/>
-          <a:ln w="0">
-            <a:noFill/>
-          </a:ln>
-        </p:spPr>
-        <p:txBody>
-          <a:bodyPr lIns="0" tIns="0" rIns="0" bIns="0" anchor="ctr">
+            <a:ext cx="9070560" cy="945360"/>
+          </a:xfrm>
+          <a:prstGeom prst="rect">
+            <a:avLst/>
+          </a:prstGeom>
+          <a:noFill/>
+          <a:ln w="0">
+            <a:noFill/>
+          </a:ln>
+        </p:spPr>
+        <p:txBody>
+          <a:bodyPr lIns="0" rIns="0" tIns="0" bIns="0" anchor="ctr">
             <a:noAutofit/>
           </a:bodyPr>
-          <a:lstStyle/>
           <a:p>
             <a:pPr indent="0" algn="ctr">
               <a:lnSpc>
@@ -7819,222 +7475,66 @@
               </a:lnSpc>
               <a:buNone/>
               <a:tabLst>
-                <a:tab pos="0" algn="l"/>
+                <a:tab algn="l" pos="0"/>
               </a:tabLst>
             </a:pPr>
             <a:r>
-              <a:rPr lang="pt-BR" sz="4400" b="0" strike="noStrike" spc="-1">
+              <a:rPr b="0" lang="pt-BR" sz="4400" spc="-1" strike="noStrike">
                 <a:solidFill>
                   <a:srgbClr val="000000"/>
                 </a:solidFill>
                 <a:latin typeface="Arial"/>
+                <a:ea typeface="DejaVu Sans"/>
               </a:rPr>
-              <a:t>Front-End</a:t>
-            </a:r>
-            <a:endParaRPr lang="en-CA" sz="4400" b="0" strike="noStrike" spc="-1">
-              <a:solidFill>
-                <a:srgbClr val="000000"/>
-              </a:solidFill>
-              <a:latin typeface="Arial"/>
-            </a:endParaRPr>
-          </a:p>
-        </p:txBody>
-      </p:sp>
-      <p:sp>
-        <p:nvSpPr>
-          <p:cNvPr id="92" name="PlaceHolder 2"/>
-          <p:cNvSpPr>
-            <a:spLocks noGrp="1"/>
-          </p:cNvSpPr>
-          <p:nvPr>
-            <p:ph/>
-          </p:nvPr>
-        </p:nvSpPr>
-        <p:spPr>
-          <a:xfrm>
-            <a:off x="504000" y="1326600"/>
-            <a:ext cx="9070920" cy="3287520"/>
-          </a:xfrm>
-          <a:prstGeom prst="rect">
-            <a:avLst/>
-          </a:prstGeom>
-          <a:noFill/>
-          <a:ln w="0">
-            <a:noFill/>
-          </a:ln>
-        </p:spPr>
-        <p:txBody>
-          <a:bodyPr lIns="0" tIns="0" rIns="0" bIns="0" anchor="t">
-            <a:normAutofit/>
-          </a:bodyPr>
-          <a:lstStyle/>
-          <a:p>
-            <a:pPr marL="514350" indent="-285750">
-              <a:spcBef>
-                <a:spcPts val="1417"/>
-              </a:spcBef>
-            </a:pPr>
-            <a:endParaRPr lang="en-CA" sz="1800" b="0" strike="noStrike" spc="-1" dirty="0">
-              <a:solidFill>
-                <a:srgbClr val="000000"/>
-              </a:solidFill>
-              <a:latin typeface="Arial"/>
-            </a:endParaRPr>
-          </a:p>
-          <a:p>
-            <a:pPr marL="514350" indent="-285750">
-              <a:spcBef>
-                <a:spcPts val="1417"/>
-              </a:spcBef>
-            </a:pPr>
-            <a:endParaRPr lang="en-CA" sz="1800" spc="-1" dirty="0">
-              <a:solidFill>
-                <a:srgbClr val="000000"/>
-              </a:solidFill>
-              <a:latin typeface="Arial"/>
-            </a:endParaRPr>
-          </a:p>
-          <a:p>
-            <a:pPr marL="514350" indent="-285750">
-              <a:spcBef>
-                <a:spcPts val="1417"/>
-              </a:spcBef>
-            </a:pPr>
-            <a:r>
-              <a:rPr lang="en-CA" sz="1800" b="0" strike="noStrike" spc="-1" dirty="0" err="1">
-                <a:solidFill>
-                  <a:srgbClr val="000000"/>
-                </a:solidFill>
-                <a:latin typeface="Arial"/>
-              </a:rPr>
-              <a:t>Motivos</a:t>
-            </a:r>
-            <a:r>
-              <a:rPr lang="en-CA" sz="1800" b="0" strike="noStrike" spc="-1" dirty="0">
-                <a:solidFill>
-                  <a:srgbClr val="000000"/>
-                </a:solidFill>
-                <a:latin typeface="Arial"/>
-              </a:rPr>
-              <a:t> </a:t>
-            </a:r>
-            <a:r>
-              <a:rPr lang="en-CA" sz="1800" b="0" strike="noStrike" spc="-1" dirty="0" err="1">
-                <a:solidFill>
-                  <a:srgbClr val="000000"/>
-                </a:solidFill>
-                <a:latin typeface="Arial"/>
-              </a:rPr>
-              <a:t>pelo</a:t>
-            </a:r>
-            <a:r>
-              <a:rPr lang="en-CA" sz="1800" b="0" strike="noStrike" spc="-1" dirty="0">
-                <a:solidFill>
-                  <a:srgbClr val="000000"/>
-                </a:solidFill>
-                <a:latin typeface="Arial"/>
-              </a:rPr>
-              <a:t> qual </a:t>
-            </a:r>
-            <a:r>
-              <a:rPr lang="en-CA" sz="1800" b="0" strike="noStrike" spc="-1" dirty="0" err="1">
-                <a:solidFill>
-                  <a:srgbClr val="000000"/>
-                </a:solidFill>
-                <a:latin typeface="Arial"/>
-              </a:rPr>
-              <a:t>usamos</a:t>
-            </a:r>
-            <a:r>
-              <a:rPr lang="en-CA" sz="1800" b="0" strike="noStrike" spc="-1" dirty="0">
-                <a:solidFill>
-                  <a:srgbClr val="000000"/>
-                </a:solidFill>
-                <a:latin typeface="Arial"/>
-              </a:rPr>
-              <a:t> </a:t>
-            </a:r>
-            <a:r>
-              <a:rPr lang="en-CA" sz="1800" b="0" strike="noStrike" spc="-1">
-                <a:solidFill>
-                  <a:srgbClr val="000000"/>
-                </a:solidFill>
-                <a:latin typeface="Arial"/>
-              </a:rPr>
-              <a:t>o React</a:t>
-            </a:r>
-            <a:endParaRPr lang="en-CA" sz="1800" b="0" strike="noStrike" spc="-1" dirty="0">
-              <a:solidFill>
-                <a:srgbClr val="000000"/>
-              </a:solidFill>
-              <a:latin typeface="Arial"/>
-            </a:endParaRPr>
-          </a:p>
-          <a:p>
-            <a:pPr marL="514350" indent="-285750">
-              <a:spcBef>
-                <a:spcPts val="1417"/>
-              </a:spcBef>
-            </a:pPr>
-            <a:r>
-              <a:rPr lang="en-CA" sz="1800" spc="-1" dirty="0" err="1">
-                <a:solidFill>
-                  <a:srgbClr val="000000"/>
-                </a:solidFill>
-                <a:latin typeface="Arial"/>
-              </a:rPr>
-              <a:t>Bibliotecas</a:t>
-            </a:r>
-            <a:r>
-              <a:rPr lang="en-CA" sz="1800" spc="-1" dirty="0">
-                <a:solidFill>
-                  <a:srgbClr val="000000"/>
-                </a:solidFill>
-                <a:latin typeface="Arial"/>
-              </a:rPr>
-              <a:t> </a:t>
-            </a:r>
-            <a:r>
-              <a:rPr lang="en-CA" sz="1800" spc="-1" dirty="0" err="1">
-                <a:solidFill>
-                  <a:srgbClr val="000000"/>
-                </a:solidFill>
-                <a:latin typeface="Arial"/>
-              </a:rPr>
-              <a:t>utilizadas</a:t>
-            </a:r>
-            <a:endParaRPr lang="en-CA" sz="1800" spc="-1" dirty="0">
-              <a:solidFill>
-                <a:srgbClr val="000000"/>
-              </a:solidFill>
-              <a:latin typeface="Arial"/>
-            </a:endParaRPr>
-          </a:p>
-          <a:p>
-            <a:pPr marL="514350" indent="-285750">
-              <a:spcBef>
-                <a:spcPts val="1417"/>
-              </a:spcBef>
-            </a:pPr>
-            <a:endParaRPr lang="en-CA" sz="1800" b="0" strike="noStrike" spc="-1" dirty="0">
-              <a:solidFill>
-                <a:srgbClr val="000000"/>
-              </a:solidFill>
-              <a:latin typeface="Arial"/>
-            </a:endParaRPr>
-          </a:p>
-        </p:txBody>
-      </p:sp>
+              <a:t>Documentação</a:t>
+            </a:r>
+            <a:endParaRPr b="0" lang="en-US" sz="4400" spc="-1" strike="noStrike">
+              <a:solidFill>
+                <a:srgbClr val="000000"/>
+              </a:solidFill>
+              <a:latin typeface="Arial"/>
+            </a:endParaRPr>
+          </a:p>
+        </p:txBody>
+      </p:sp>
+      <p:pic>
+        <p:nvPicPr>
+          <p:cNvPr id="94" name="Picture 93" descr=""/>
+          <p:cNvPicPr/>
+          <p:nvPr/>
+        </p:nvPicPr>
+        <p:blipFill>
+          <a:blip r:embed="rId1"/>
+          <a:stretch/>
+        </p:blipFill>
+        <p:spPr>
+          <a:xfrm>
+            <a:off x="685080" y="1171800"/>
+            <a:ext cx="9034560" cy="4322880"/>
+          </a:xfrm>
+          <a:prstGeom prst="rect">
+            <a:avLst/>
+          </a:prstGeom>
+          <a:ln w="0">
+            <a:noFill/>
+          </a:ln>
+        </p:spPr>
+      </p:pic>
     </p:spTree>
   </p:cSld>
-  <p:clrMapOvr>
-    <a:masterClrMapping/>
-  </p:clrMapOvr>
+  <mc:AlternateContent>
+    <mc:Choice Requires="p14">
+      <p:transition spd="slow" p14:dur="2000"/>
+    </mc:Choice>
+    <mc:Fallback>
+      <p:transition spd="slow"/>
+    </mc:Fallback>
+  </mc:AlternateContent>
 </p:sld>
 </file>
 
-<file path=ppt/slides/slide6.xml><?xml version="1.0" encoding="utf-8"?>
-<p:sld xmlns:a="http://schemas.openxmlformats.org/drawingml/2006/main" xmlns:r="http://schemas.openxmlformats.org/officeDocument/2006/relationships" xmlns:p="http://schemas.openxmlformats.org/presentationml/2006/main">
+<file path=ppt/slides/slide7.xml><?xml version="1.0" encoding="utf-8"?>
+<p:sld xmlns:a="http://schemas.openxmlformats.org/drawingml/2006/main" xmlns:p="http://schemas.openxmlformats.org/presentationml/2006/main" xmlns:r="http://schemas.openxmlformats.org/officeDocument/2006/relationships" xmlns:p14="http://schemas.microsoft.com/office/powerpoint/2010/main" xmlns:p15="http://schemas.microsoft.com/office/powerpoint/2012/main" xmlns:mc="http://schemas.openxmlformats.org/markup-compatibility/2006">
   <p:cSld>
     <p:spTree>
       <p:nvGrpSpPr>
@@ -8052,7 +7552,7 @@
       </p:grpSpPr>
       <p:sp>
         <p:nvSpPr>
-          <p:cNvPr id="93" name="PlaceHolder 1"/>
+          <p:cNvPr id="95" name="PlaceHolder 1"/>
           <p:cNvSpPr>
             <a:spLocks noGrp="1"/>
           </p:cNvSpPr>
@@ -8063,21 +7563,20 @@
         <p:spPr>
           <a:xfrm>
             <a:off x="504000" y="226080"/>
-            <a:ext cx="9070920" cy="945720"/>
-          </a:xfrm>
-          <a:prstGeom prst="rect">
-            <a:avLst/>
-          </a:prstGeom>
-          <a:noFill/>
-          <a:ln w="0">
-            <a:noFill/>
-          </a:ln>
-        </p:spPr>
-        <p:txBody>
-          <a:bodyPr lIns="0" tIns="0" rIns="0" bIns="0" anchor="ctr">
+            <a:ext cx="9070560" cy="945360"/>
+          </a:xfrm>
+          <a:prstGeom prst="rect">
+            <a:avLst/>
+          </a:prstGeom>
+          <a:noFill/>
+          <a:ln w="0">
+            <a:noFill/>
+          </a:ln>
+        </p:spPr>
+        <p:txBody>
+          <a:bodyPr lIns="0" rIns="0" tIns="0" bIns="0" anchor="ctr">
             <a:noAutofit/>
           </a:bodyPr>
-          <a:lstStyle/>
           <a:p>
             <a:pPr indent="0" algn="ctr">
               <a:lnSpc>
@@ -8085,19 +7584,20 @@
               </a:lnSpc>
               <a:buNone/>
               <a:tabLst>
-                <a:tab pos="0" algn="l"/>
+                <a:tab algn="l" pos="0"/>
               </a:tabLst>
             </a:pPr>
             <a:r>
-              <a:rPr lang="pt-BR" sz="4400" b="0" strike="noStrike" spc="-1">
+              <a:rPr b="0" lang="pt-BR" sz="4400" spc="-1" strike="noStrike">
                 <a:solidFill>
                   <a:srgbClr val="000000"/>
                 </a:solidFill>
                 <a:latin typeface="Arial"/>
+                <a:ea typeface="DejaVu Sans"/>
               </a:rPr>
-              <a:t>Documentação</a:t>
-            </a:r>
-            <a:endParaRPr lang="en-CA" sz="4400" b="0" strike="noStrike" spc="-1">
+              <a:t>API</a:t>
+            </a:r>
+            <a:endParaRPr b="0" lang="en-US" sz="4400" spc="-1" strike="noStrike">
               <a:solidFill>
                 <a:srgbClr val="000000"/>
               </a:solidFill>
@@ -8108,18 +7608,18 @@
       </p:sp>
       <p:pic>
         <p:nvPicPr>
-          <p:cNvPr id="94" name="Picture 93"/>
+          <p:cNvPr id="96" name="Picture 95" descr=""/>
           <p:cNvPicPr/>
           <p:nvPr/>
         </p:nvPicPr>
         <p:blipFill>
-          <a:blip r:embed="rId2"/>
+          <a:blip r:embed="rId1"/>
           <a:stretch/>
         </p:blipFill>
         <p:spPr>
           <a:xfrm>
-            <a:off x="685080" y="1171800"/>
-            <a:ext cx="9034920" cy="4323240"/>
+            <a:off x="900000" y="1187640"/>
+            <a:ext cx="8604720" cy="4305240"/>
           </a:xfrm>
           <a:prstGeom prst="rect">
             <a:avLst/>
@@ -8131,14 +7631,19 @@
       </p:pic>
     </p:spTree>
   </p:cSld>
-  <p:clrMapOvr>
-    <a:masterClrMapping/>
-  </p:clrMapOvr>
+  <mc:AlternateContent>
+    <mc:Choice Requires="p14">
+      <p:transition spd="slow" p14:dur="2000"/>
+    </mc:Choice>
+    <mc:Fallback>
+      <p:transition spd="slow"/>
+    </mc:Fallback>
+  </mc:AlternateContent>
 </p:sld>
 </file>
 
-<file path=ppt/slides/slide7.xml><?xml version="1.0" encoding="utf-8"?>
-<p:sld xmlns:a="http://schemas.openxmlformats.org/drawingml/2006/main" xmlns:r="http://schemas.openxmlformats.org/officeDocument/2006/relationships" xmlns:p="http://schemas.openxmlformats.org/presentationml/2006/main">
+<file path=ppt/slides/slide8.xml><?xml version="1.0" encoding="utf-8"?>
+<p:sld xmlns:a="http://schemas.openxmlformats.org/drawingml/2006/main" xmlns:p="http://schemas.openxmlformats.org/presentationml/2006/main" xmlns:r="http://schemas.openxmlformats.org/officeDocument/2006/relationships" xmlns:p14="http://schemas.microsoft.com/office/powerpoint/2010/main" xmlns:p15="http://schemas.microsoft.com/office/powerpoint/2012/main" xmlns:mc="http://schemas.openxmlformats.org/markup-compatibility/2006">
   <p:cSld>
     <p:spTree>
       <p:nvGrpSpPr>
@@ -8156,7 +7661,7 @@
       </p:grpSpPr>
       <p:sp>
         <p:nvSpPr>
-          <p:cNvPr id="95" name="PlaceHolder 1"/>
+          <p:cNvPr id="97" name="PlaceHolder 1"/>
           <p:cNvSpPr>
             <a:spLocks noGrp="1"/>
           </p:cNvSpPr>
@@ -8167,21 +7672,20 @@
         <p:spPr>
           <a:xfrm>
             <a:off x="504000" y="226080"/>
-            <a:ext cx="9070920" cy="945720"/>
-          </a:xfrm>
-          <a:prstGeom prst="rect">
-            <a:avLst/>
-          </a:prstGeom>
-          <a:noFill/>
-          <a:ln w="0">
-            <a:noFill/>
-          </a:ln>
-        </p:spPr>
-        <p:txBody>
-          <a:bodyPr lIns="0" tIns="0" rIns="0" bIns="0" anchor="ctr">
+            <a:ext cx="9070560" cy="945360"/>
+          </a:xfrm>
+          <a:prstGeom prst="rect">
+            <a:avLst/>
+          </a:prstGeom>
+          <a:noFill/>
+          <a:ln w="0">
+            <a:noFill/>
+          </a:ln>
+        </p:spPr>
+        <p:txBody>
+          <a:bodyPr lIns="0" rIns="0" tIns="0" bIns="0" anchor="ctr">
             <a:noAutofit/>
           </a:bodyPr>
-          <a:lstStyle/>
           <a:p>
             <a:pPr indent="0" algn="ctr">
               <a:lnSpc>
@@ -8189,19 +7693,20 @@
               </a:lnSpc>
               <a:buNone/>
               <a:tabLst>
-                <a:tab pos="0" algn="l"/>
+                <a:tab algn="l" pos="0"/>
               </a:tabLst>
             </a:pPr>
             <a:r>
-              <a:rPr lang="pt-BR" sz="4400" b="0" strike="noStrike" spc="-1">
+              <a:rPr b="0" lang="pt-BR" sz="4400" spc="-1" strike="noStrike">
                 <a:solidFill>
                   <a:srgbClr val="000000"/>
                 </a:solidFill>
                 <a:latin typeface="Arial"/>
+                <a:ea typeface="DejaVu Sans"/>
               </a:rPr>
-              <a:t>API</a:t>
-            </a:r>
-            <a:endParaRPr lang="en-CA" sz="4400" b="0" strike="noStrike" spc="-1">
+              <a:t>Controle de qualidade</a:t>
+            </a:r>
+            <a:endParaRPr b="0" lang="en-US" sz="4400" spc="-1" strike="noStrike">
               <a:solidFill>
                 <a:srgbClr val="000000"/>
               </a:solidFill>
@@ -8212,18 +7717,18 @@
       </p:sp>
       <p:pic>
         <p:nvPicPr>
-          <p:cNvPr id="96" name="Picture 95"/>
+          <p:cNvPr id="98" name="Picture 97" descr=""/>
           <p:cNvPicPr/>
           <p:nvPr/>
         </p:nvPicPr>
         <p:blipFill>
-          <a:blip r:embed="rId2"/>
+          <a:blip r:embed="rId1"/>
           <a:stretch/>
         </p:blipFill>
         <p:spPr>
           <a:xfrm>
-            <a:off x="900000" y="1187640"/>
-            <a:ext cx="8605080" cy="4305600"/>
+            <a:off x="180000" y="1620000"/>
+            <a:ext cx="9568080" cy="3239640"/>
           </a:xfrm>
           <a:prstGeom prst="rect">
             <a:avLst/>
@@ -8235,14 +7740,19 @@
       </p:pic>
     </p:spTree>
   </p:cSld>
-  <p:clrMapOvr>
-    <a:masterClrMapping/>
-  </p:clrMapOvr>
+  <mc:AlternateContent>
+    <mc:Choice Requires="p14">
+      <p:transition spd="slow" p14:dur="2000"/>
+    </mc:Choice>
+    <mc:Fallback>
+      <p:transition spd="slow"/>
+    </mc:Fallback>
+  </mc:AlternateContent>
 </p:sld>
 </file>
 
-<file path=ppt/slides/slide8.xml><?xml version="1.0" encoding="utf-8"?>
-<p:sld xmlns:a="http://schemas.openxmlformats.org/drawingml/2006/main" xmlns:r="http://schemas.openxmlformats.org/officeDocument/2006/relationships" xmlns:p="http://schemas.openxmlformats.org/presentationml/2006/main">
+<file path=ppt/slides/slide9.xml><?xml version="1.0" encoding="utf-8"?>
+<p:sld xmlns:a="http://schemas.openxmlformats.org/drawingml/2006/main" xmlns:p="http://schemas.openxmlformats.org/presentationml/2006/main" xmlns:r="http://schemas.openxmlformats.org/officeDocument/2006/relationships" xmlns:p14="http://schemas.microsoft.com/office/powerpoint/2010/main" xmlns:p15="http://schemas.microsoft.com/office/powerpoint/2012/main" xmlns:mc="http://schemas.openxmlformats.org/markup-compatibility/2006">
   <p:cSld>
     <p:spTree>
       <p:nvGrpSpPr>
@@ -8260,7 +7770,7 @@
       </p:grpSpPr>
       <p:sp>
         <p:nvSpPr>
-          <p:cNvPr id="97" name="PlaceHolder 1"/>
+          <p:cNvPr id="99" name="PlaceHolder 1"/>
           <p:cNvSpPr>
             <a:spLocks noGrp="1"/>
           </p:cNvSpPr>
@@ -8271,21 +7781,20 @@
         <p:spPr>
           <a:xfrm>
             <a:off x="504000" y="226080"/>
-            <a:ext cx="9070920" cy="945720"/>
-          </a:xfrm>
-          <a:prstGeom prst="rect">
-            <a:avLst/>
-          </a:prstGeom>
-          <a:noFill/>
-          <a:ln w="0">
-            <a:noFill/>
-          </a:ln>
-        </p:spPr>
-        <p:txBody>
-          <a:bodyPr lIns="0" tIns="0" rIns="0" bIns="0" anchor="ctr">
+            <a:ext cx="9070560" cy="945360"/>
+          </a:xfrm>
+          <a:prstGeom prst="rect">
+            <a:avLst/>
+          </a:prstGeom>
+          <a:noFill/>
+          <a:ln w="0">
+            <a:noFill/>
+          </a:ln>
+        </p:spPr>
+        <p:txBody>
+          <a:bodyPr lIns="0" rIns="0" tIns="0" bIns="0" anchor="ctr">
             <a:noAutofit/>
           </a:bodyPr>
-          <a:lstStyle/>
           <a:p>
             <a:pPr indent="0" algn="ctr">
               <a:lnSpc>
@@ -8293,19 +7802,20 @@
               </a:lnSpc>
               <a:buNone/>
               <a:tabLst>
-                <a:tab pos="0" algn="l"/>
+                <a:tab algn="l" pos="0"/>
               </a:tabLst>
             </a:pPr>
             <a:r>
-              <a:rPr lang="pt-BR" sz="4400" b="0" strike="noStrike" spc="-1">
+              <a:rPr b="0" lang="pt-BR" sz="4400" spc="-1" strike="noStrike">
                 <a:solidFill>
                   <a:srgbClr val="000000"/>
                 </a:solidFill>
                 <a:latin typeface="Arial"/>
+                <a:ea typeface="DejaVu Sans"/>
               </a:rPr>
-              <a:t>Controle de qualidade</a:t>
-            </a:r>
-            <a:endParaRPr lang="en-CA" sz="4400" b="0" strike="noStrike" spc="-1">
+              <a:t>Divisão de tarefas</a:t>
+            </a:r>
+            <a:endParaRPr b="0" lang="en-US" sz="4400" spc="-1" strike="noStrike">
               <a:solidFill>
                 <a:srgbClr val="000000"/>
               </a:solidFill>
@@ -8316,18 +7826,18 @@
       </p:sp>
       <p:pic>
         <p:nvPicPr>
-          <p:cNvPr id="98" name="Picture 97"/>
+          <p:cNvPr id="100" name="Picture 99" descr=""/>
           <p:cNvPicPr/>
           <p:nvPr/>
         </p:nvPicPr>
         <p:blipFill>
-          <a:blip r:embed="rId2"/>
+          <a:blip r:embed="rId1"/>
           <a:stretch/>
         </p:blipFill>
         <p:spPr>
           <a:xfrm>
-            <a:off x="180000" y="1620000"/>
-            <a:ext cx="9568440" cy="3240000"/>
+            <a:off x="180000" y="1440000"/>
+            <a:ext cx="9751680" cy="3687840"/>
           </a:xfrm>
           <a:prstGeom prst="rect">
             <a:avLst/>
@@ -8339,113 +7849,14 @@
       </p:pic>
     </p:spTree>
   </p:cSld>
-  <p:clrMapOvr>
-    <a:masterClrMapping/>
-  </p:clrMapOvr>
-</p:sld>
-</file>
-
-<file path=ppt/slides/slide9.xml><?xml version="1.0" encoding="utf-8"?>
-<p:sld xmlns:a="http://schemas.openxmlformats.org/drawingml/2006/main" xmlns:r="http://schemas.openxmlformats.org/officeDocument/2006/relationships" xmlns:p="http://schemas.openxmlformats.org/presentationml/2006/main">
-  <p:cSld>
-    <p:spTree>
-      <p:nvGrpSpPr>
-        <p:cNvPr id="1" name=""/>
-        <p:cNvGrpSpPr/>
-        <p:nvPr/>
-      </p:nvGrpSpPr>
-      <p:grpSpPr>
-        <a:xfrm>
-          <a:off x="0" y="0"/>
-          <a:ext cx="0" cy="0"/>
-          <a:chOff x="0" y="0"/>
-          <a:chExt cx="0" cy="0"/>
-        </a:xfrm>
-      </p:grpSpPr>
-      <p:sp>
-        <p:nvSpPr>
-          <p:cNvPr id="99" name="PlaceHolder 1"/>
-          <p:cNvSpPr>
-            <a:spLocks noGrp="1"/>
-          </p:cNvSpPr>
-          <p:nvPr>
-            <p:ph type="title"/>
-          </p:nvPr>
-        </p:nvSpPr>
-        <p:spPr>
-          <a:xfrm>
-            <a:off x="504000" y="226080"/>
-            <a:ext cx="9070920" cy="945720"/>
-          </a:xfrm>
-          <a:prstGeom prst="rect">
-            <a:avLst/>
-          </a:prstGeom>
-          <a:noFill/>
-          <a:ln w="0">
-            <a:noFill/>
-          </a:ln>
-        </p:spPr>
-        <p:txBody>
-          <a:bodyPr lIns="0" tIns="0" rIns="0" bIns="0" anchor="ctr">
-            <a:noAutofit/>
-          </a:bodyPr>
-          <a:lstStyle/>
-          <a:p>
-            <a:pPr indent="0" algn="ctr">
-              <a:lnSpc>
-                <a:spcPct val="100000"/>
-              </a:lnSpc>
-              <a:buNone/>
-              <a:tabLst>
-                <a:tab pos="0" algn="l"/>
-              </a:tabLst>
-            </a:pPr>
-            <a:r>
-              <a:rPr lang="pt-BR" sz="4400" b="0" strike="noStrike" spc="-1">
-                <a:solidFill>
-                  <a:srgbClr val="000000"/>
-                </a:solidFill>
-                <a:latin typeface="Arial"/>
-              </a:rPr>
-              <a:t>Divisão de tarefas</a:t>
-            </a:r>
-            <a:endParaRPr lang="en-CA" sz="4400" b="0" strike="noStrike" spc="-1">
-              <a:solidFill>
-                <a:srgbClr val="000000"/>
-              </a:solidFill>
-              <a:latin typeface="Arial"/>
-            </a:endParaRPr>
-          </a:p>
-        </p:txBody>
-      </p:sp>
-      <p:pic>
-        <p:nvPicPr>
-          <p:cNvPr id="100" name="Picture 99"/>
-          <p:cNvPicPr/>
-          <p:nvPr/>
-        </p:nvPicPr>
-        <p:blipFill>
-          <a:blip r:embed="rId2"/>
-          <a:stretch/>
-        </p:blipFill>
-        <p:spPr>
-          <a:xfrm>
-            <a:off x="180000" y="1440000"/>
-            <a:ext cx="9752040" cy="3688200"/>
-          </a:xfrm>
-          <a:prstGeom prst="rect">
-            <a:avLst/>
-          </a:prstGeom>
-          <a:ln w="0">
-            <a:noFill/>
-          </a:ln>
-        </p:spPr>
-      </p:pic>
-    </p:spTree>
-  </p:cSld>
-  <p:clrMapOvr>
-    <a:masterClrMapping/>
-  </p:clrMapOvr>
+  <mc:AlternateContent>
+    <mc:Choice Requires="p14">
+      <p:transition spd="slow" p14:dur="2000"/>
+    </mc:Choice>
+    <mc:Fallback>
+      <p:transition spd="slow"/>
+    </mc:Fallback>
+  </mc:AlternateContent>
 </p:sld>
 </file>
 
@@ -8457,34 +7868,34 @@
         <a:srgbClr val="000000"/>
       </a:dk1>
       <a:lt1>
-        <a:srgbClr val="FFFFFF"/>
+        <a:srgbClr val="ffffff"/>
       </a:lt1>
       <a:dk2>
-        <a:srgbClr val="1F497D"/>
+        <a:srgbClr val="1f497d"/>
       </a:dk2>
       <a:lt2>
-        <a:srgbClr val="EEECE1"/>
+        <a:srgbClr val="eeece1"/>
       </a:lt2>
       <a:accent1>
-        <a:srgbClr val="4F81BD"/>
+        <a:srgbClr val="4f81bd"/>
       </a:accent1>
       <a:accent2>
-        <a:srgbClr val="C0504D"/>
+        <a:srgbClr val="c0504d"/>
       </a:accent2>
       <a:accent3>
-        <a:srgbClr val="9BBB59"/>
+        <a:srgbClr val="9bbb59"/>
       </a:accent3>
       <a:accent4>
-        <a:srgbClr val="8064A2"/>
+        <a:srgbClr val="8064a2"/>
       </a:accent4>
       <a:accent5>
-        <a:srgbClr val="4BACC6"/>
+        <a:srgbClr val="4bacc6"/>
       </a:accent5>
       <a:accent6>
-        <a:srgbClr val="F79646"/>
+        <a:srgbClr val="f79646"/>
       </a:accent6>
       <a:hlink>
-        <a:srgbClr val="0000FF"/>
+        <a:srgbClr val="0000ff"/>
       </a:hlink>
       <a:folHlink>
         <a:srgbClr val="800080"/>
@@ -8502,64 +7913,80 @@
         <a:cs typeface="DejaVu Sans"/>
       </a:minorFont>
     </a:fontScheme>
-    <a:fmtScheme>
+    <a:fmtScheme name="Office">
       <a:fillStyleLst>
         <a:solidFill>
           <a:schemeClr val="phClr"/>
         </a:solidFill>
-        <a:gradFill>
+        <a:gradFill rotWithShape="1">
           <a:gsLst>
             <a:gs pos="0">
               <a:schemeClr val="phClr">
                 <a:tint val="50000"/>
+                <a:satMod val="300000"/>
               </a:schemeClr>
             </a:gs>
             <a:gs pos="35000">
               <a:schemeClr val="phClr">
                 <a:tint val="37000"/>
+                <a:satMod val="300000"/>
               </a:schemeClr>
             </a:gs>
             <a:gs pos="100000">
               <a:schemeClr val="phClr">
                 <a:tint val="15000"/>
+                <a:satMod val="350000"/>
               </a:schemeClr>
             </a:gs>
           </a:gsLst>
           <a:lin ang="16200000" scaled="1"/>
-          <a:tileRect/>
         </a:gradFill>
-        <a:gradFill>
+        <a:gradFill rotWithShape="1">
           <a:gsLst>
             <a:gs pos="0">
               <a:schemeClr val="phClr">
                 <a:shade val="51000"/>
+                <a:satMod val="130000"/>
               </a:schemeClr>
             </a:gs>
             <a:gs pos="80000">
               <a:schemeClr val="phClr">
                 <a:shade val="93000"/>
+                <a:satMod val="130000"/>
               </a:schemeClr>
             </a:gs>
             <a:gs pos="100000">
               <a:schemeClr val="phClr">
                 <a:shade val="94000"/>
+                <a:satMod val="135000"/>
               </a:schemeClr>
             </a:gs>
           </a:gsLst>
           <a:lin ang="16200000" scaled="0"/>
-          <a:tileRect/>
         </a:gradFill>
       </a:fillStyleLst>
       <a:lnStyleLst>
         <a:ln w="6350" cap="flat" cmpd="sng" algn="ctr">
+          <a:solidFill>
+            <a:schemeClr val="phClr">
+              <a:shade val="95000"/>
+              <a:satMod val="105000"/>
+            </a:schemeClr>
+          </a:solidFill>
           <a:prstDash val="solid"/>
           <a:miter/>
         </a:ln>
         <a:ln w="12700" cap="flat" cmpd="sng" algn="ctr">
+          <a:solidFill>
+            <a:schemeClr val="phClr"/>
+          </a:solidFill>
           <a:prstDash val="solid"/>
           <a:miter/>
         </a:ln>
         <a:ln w="19050" cap="flat" cmpd="sng" algn="ctr">
+          <a:solidFill>
+            <a:schemeClr val="phClr"/>
+          </a:solidFill>
           <a:prstDash val="solid"/>
           <a:miter/>
         </a:ln>
@@ -8572,60 +7999,67 @@
           <a:effectLst/>
         </a:effectStyle>
         <a:effectStyle>
-          <a:effectLst/>
+          <a:effectLst>
+            <a:outerShdw blurRad="40000" dist="23000" dir="5400000" rotWithShape="0">
+              <a:srgbClr val="000000">
+                <a:alpha val="35000"/>
+              </a:srgbClr>
+            </a:outerShdw>
+          </a:effectLst>
         </a:effectStyle>
       </a:effectStyleLst>
       <a:bgFillStyleLst>
         <a:solidFill>
           <a:schemeClr val="phClr"/>
         </a:solidFill>
-        <a:gradFill>
+        <a:gradFill rotWithShape="1">
           <a:gsLst>
             <a:gs pos="0">
               <a:schemeClr val="phClr">
                 <a:tint val="40000"/>
+                <a:satMod val="350000"/>
               </a:schemeClr>
             </a:gs>
             <a:gs pos="40000">
               <a:schemeClr val="phClr">
                 <a:tint val="45000"/>
                 <a:shade val="99000"/>
+                <a:satMod val="350000"/>
               </a:schemeClr>
             </a:gs>
             <a:gs pos="100000">
               <a:schemeClr val="phClr">
                 <a:shade val="20000"/>
+                <a:satMod val="255000"/>
               </a:schemeClr>
             </a:gs>
           </a:gsLst>
           <a:path path="circle">
             <a:fillToRect l="50000" t="-80000" r="50000" b="180000"/>
           </a:path>
-          <a:tileRect/>
         </a:gradFill>
-        <a:gradFill>
+        <a:gradFill rotWithShape="1">
           <a:gsLst>
             <a:gs pos="0">
               <a:schemeClr val="phClr">
                 <a:tint val="80000"/>
+                <a:satMod val="300000"/>
               </a:schemeClr>
             </a:gs>
             <a:gs pos="100000">
               <a:schemeClr val="phClr">
                 <a:shade val="30000"/>
+                <a:satMod val="200000"/>
               </a:schemeClr>
             </a:gs>
           </a:gsLst>
           <a:path path="circle">
             <a:fillToRect l="50000" t="50000" r="50000" b="50000"/>
           </a:path>
-          <a:tileRect/>
         </a:gradFill>
       </a:bgFillStyleLst>
     </a:fmtScheme>
   </a:themeElements>
-  <a:objectDefaults/>
-  <a:extraClrSchemeLst/>
 </a:theme>
 </file>
 
@@ -8637,34 +8071,34 @@
         <a:srgbClr val="000000"/>
       </a:dk1>
       <a:lt1>
-        <a:srgbClr val="FFFFFF"/>
+        <a:srgbClr val="ffffff"/>
       </a:lt1>
       <a:dk2>
-        <a:srgbClr val="1F497D"/>
+        <a:srgbClr val="1f497d"/>
       </a:dk2>
       <a:lt2>
-        <a:srgbClr val="EEECE1"/>
+        <a:srgbClr val="eeece1"/>
       </a:lt2>
       <a:accent1>
-        <a:srgbClr val="4F81BD"/>
+        <a:srgbClr val="4f81bd"/>
       </a:accent1>
       <a:accent2>
-        <a:srgbClr val="C0504D"/>
+        <a:srgbClr val="c0504d"/>
       </a:accent2>
       <a:accent3>
-        <a:srgbClr val="9BBB59"/>
+        <a:srgbClr val="9bbb59"/>
       </a:accent3>
       <a:accent4>
-        <a:srgbClr val="8064A2"/>
+        <a:srgbClr val="8064a2"/>
       </a:accent4>
       <a:accent5>
-        <a:srgbClr val="4BACC6"/>
+        <a:srgbClr val="4bacc6"/>
       </a:accent5>
       <a:accent6>
-        <a:srgbClr val="F79646"/>
+        <a:srgbClr val="f79646"/>
       </a:accent6>
       <a:hlink>
-        <a:srgbClr val="0000FF"/>
+        <a:srgbClr val="0000ff"/>
       </a:hlink>
       <a:folHlink>
         <a:srgbClr val="800080"/>
@@ -8682,64 +8116,80 @@
         <a:cs typeface="DejaVu Sans"/>
       </a:minorFont>
     </a:fontScheme>
-    <a:fmtScheme>
+    <a:fmtScheme name="Office">
       <a:fillStyleLst>
         <a:solidFill>
           <a:schemeClr val="phClr"/>
         </a:solidFill>
-        <a:gradFill>
+        <a:gradFill rotWithShape="1">
           <a:gsLst>
             <a:gs pos="0">
               <a:schemeClr val="phClr">
                 <a:tint val="50000"/>
+                <a:satMod val="300000"/>
               </a:schemeClr>
             </a:gs>
             <a:gs pos="35000">
               <a:schemeClr val="phClr">
                 <a:tint val="37000"/>
+                <a:satMod val="300000"/>
               </a:schemeClr>
             </a:gs>
             <a:gs pos="100000">
               <a:schemeClr val="phClr">
                 <a:tint val="15000"/>
+                <a:satMod val="350000"/>
               </a:schemeClr>
             </a:gs>
           </a:gsLst>
           <a:lin ang="16200000" scaled="1"/>
-          <a:tileRect/>
         </a:gradFill>
-        <a:gradFill>
+        <a:gradFill rotWithShape="1">
           <a:gsLst>
             <a:gs pos="0">
               <a:schemeClr val="phClr">
                 <a:shade val="51000"/>
+                <a:satMod val="130000"/>
               </a:schemeClr>
             </a:gs>
             <a:gs pos="80000">
               <a:schemeClr val="phClr">
                 <a:shade val="93000"/>
+                <a:satMod val="130000"/>
               </a:schemeClr>
             </a:gs>
             <a:gs pos="100000">
               <a:schemeClr val="phClr">
                 <a:shade val="94000"/>
+                <a:satMod val="135000"/>
               </a:schemeClr>
             </a:gs>
           </a:gsLst>
           <a:lin ang="16200000" scaled="0"/>
-          <a:tileRect/>
         </a:gradFill>
       </a:fillStyleLst>
       <a:lnStyleLst>
         <a:ln w="6350" cap="flat" cmpd="sng" algn="ctr">
+          <a:solidFill>
+            <a:schemeClr val="phClr">
+              <a:shade val="95000"/>
+              <a:satMod val="105000"/>
+            </a:schemeClr>
+          </a:solidFill>
           <a:prstDash val="solid"/>
           <a:miter/>
         </a:ln>
         <a:ln w="12700" cap="flat" cmpd="sng" algn="ctr">
+          <a:solidFill>
+            <a:schemeClr val="phClr"/>
+          </a:solidFill>
           <a:prstDash val="solid"/>
           <a:miter/>
         </a:ln>
         <a:ln w="19050" cap="flat" cmpd="sng" algn="ctr">
+          <a:solidFill>
+            <a:schemeClr val="phClr"/>
+          </a:solidFill>
           <a:prstDash val="solid"/>
           <a:miter/>
         </a:ln>
@@ -8752,59 +8202,66 @@
           <a:effectLst/>
         </a:effectStyle>
         <a:effectStyle>
-          <a:effectLst/>
+          <a:effectLst>
+            <a:outerShdw blurRad="40000" dist="23000" dir="5400000" rotWithShape="0">
+              <a:srgbClr val="000000">
+                <a:alpha val="35000"/>
+              </a:srgbClr>
+            </a:outerShdw>
+          </a:effectLst>
         </a:effectStyle>
       </a:effectStyleLst>
       <a:bgFillStyleLst>
         <a:solidFill>
           <a:schemeClr val="phClr"/>
         </a:solidFill>
-        <a:gradFill>
+        <a:gradFill rotWithShape="1">
           <a:gsLst>
             <a:gs pos="0">
               <a:schemeClr val="phClr">
                 <a:tint val="40000"/>
+                <a:satMod val="350000"/>
               </a:schemeClr>
             </a:gs>
             <a:gs pos="40000">
               <a:schemeClr val="phClr">
                 <a:tint val="45000"/>
                 <a:shade val="99000"/>
+                <a:satMod val="350000"/>
               </a:schemeClr>
             </a:gs>
             <a:gs pos="100000">
               <a:schemeClr val="phClr">
                 <a:shade val="20000"/>
+                <a:satMod val="255000"/>
               </a:schemeClr>
             </a:gs>
           </a:gsLst>
           <a:path path="circle">
             <a:fillToRect l="50000" t="-80000" r="50000" b="180000"/>
           </a:path>
-          <a:tileRect/>
         </a:gradFill>
-        <a:gradFill>
+        <a:gradFill rotWithShape="1">
           <a:gsLst>
             <a:gs pos="0">
               <a:schemeClr val="phClr">
                 <a:tint val="80000"/>
+                <a:satMod val="300000"/>
               </a:schemeClr>
             </a:gs>
             <a:gs pos="100000">
               <a:schemeClr val="phClr">
                 <a:shade val="30000"/>
+                <a:satMod val="200000"/>
               </a:schemeClr>
             </a:gs>
           </a:gsLst>
           <a:path path="circle">
             <a:fillToRect l="50000" t="50000" r="50000" b="50000"/>
           </a:path>
-          <a:tileRect/>
         </a:gradFill>
       </a:bgFillStyleLst>
     </a:fmtScheme>
   </a:themeElements>
-  <a:objectDefaults/>
-  <a:extraClrSchemeLst/>
 </a:theme>
 </file>
--- a/Files/TCC - Final/Apresentacao_Final.pptx
+++ b/Files/TCC - Final/Apresentacao_Final.pptx
@@ -1,29 +1,130 @@
 
 <file path=ppt/presentation.xml><?xml version="1.0" encoding="utf-8"?>
-<p:presentation xmlns:a="http://schemas.openxmlformats.org/drawingml/2006/main" xmlns:p="http://schemas.openxmlformats.org/presentationml/2006/main" xmlns:r="http://schemas.openxmlformats.org/officeDocument/2006/relationships" xmlns:p14="http://schemas.microsoft.com/office/powerpoint/2010/main" xmlns:p15="http://schemas.microsoft.com/office/powerpoint/2012/main" xmlns:mc="http://schemas.openxmlformats.org/markup-compatibility/2006">
+<p:presentation xmlns:a="http://schemas.openxmlformats.org/drawingml/2006/main" xmlns:r="http://schemas.openxmlformats.org/officeDocument/2006/relationships" xmlns:p="http://schemas.openxmlformats.org/presentationml/2006/main">
   <p:sldMasterIdLst>
-    <p:sldMasterId id="2147483648" r:id="rId2"/>
-    <p:sldMasterId id="2147483661" r:id="rId3"/>
+    <p:sldMasterId id="2147483648" r:id="rId1"/>
+    <p:sldMasterId id="2147483661" r:id="rId2"/>
   </p:sldMasterIdLst>
   <p:sldIdLst>
-    <p:sldId id="256" r:id="rId4"/>
-    <p:sldId id="257" r:id="rId5"/>
-    <p:sldId id="258" r:id="rId6"/>
-    <p:sldId id="259" r:id="rId7"/>
-    <p:sldId id="260" r:id="rId8"/>
-    <p:sldId id="261" r:id="rId9"/>
-    <p:sldId id="262" r:id="rId10"/>
-    <p:sldId id="263" r:id="rId11"/>
-    <p:sldId id="264" r:id="rId12"/>
-    <p:sldId id="265" r:id="rId13"/>
+    <p:sldId id="256" r:id="rId3"/>
+    <p:sldId id="257" r:id="rId4"/>
+    <p:sldId id="258" r:id="rId5"/>
+    <p:sldId id="259" r:id="rId6"/>
+    <p:sldId id="260" r:id="rId7"/>
+    <p:sldId id="261" r:id="rId8"/>
+    <p:sldId id="262" r:id="rId9"/>
+    <p:sldId id="263" r:id="rId10"/>
+    <p:sldId id="264" r:id="rId11"/>
+    <p:sldId id="265" r:id="rId12"/>
+    <p:sldId id="266" r:id="rId13"/>
   </p:sldIdLst>
   <p:sldSz cx="10080625" cy="5670550"/>
-  <p:notesSz cx="7559675" cy="10691813"/>
+  <p:notesSz cx="7772400" cy="10058400"/>
+  <p:defaultTextStyle>
+    <a:defPPr>
+      <a:defRPr lang="en-US"/>
+    </a:defPPr>
+    <a:lvl1pPr marL="0" algn="l" defTabSz="914400" rtl="0" eaLnBrk="1" latinLnBrk="0" hangingPunct="1">
+      <a:defRPr sz="1800" kern="1200">
+        <a:solidFill>
+          <a:schemeClr val="tx1"/>
+        </a:solidFill>
+        <a:latin typeface="+mn-lt"/>
+        <a:ea typeface="+mn-ea"/>
+        <a:cs typeface="+mn-cs"/>
+      </a:defRPr>
+    </a:lvl1pPr>
+    <a:lvl2pPr marL="457200" algn="l" defTabSz="914400" rtl="0" eaLnBrk="1" latinLnBrk="0" hangingPunct="1">
+      <a:defRPr sz="1800" kern="1200">
+        <a:solidFill>
+          <a:schemeClr val="tx1"/>
+        </a:solidFill>
+        <a:latin typeface="+mn-lt"/>
+        <a:ea typeface="+mn-ea"/>
+        <a:cs typeface="+mn-cs"/>
+      </a:defRPr>
+    </a:lvl2pPr>
+    <a:lvl3pPr marL="914400" algn="l" defTabSz="914400" rtl="0" eaLnBrk="1" latinLnBrk="0" hangingPunct="1">
+      <a:defRPr sz="1800" kern="1200">
+        <a:solidFill>
+          <a:schemeClr val="tx1"/>
+        </a:solidFill>
+        <a:latin typeface="+mn-lt"/>
+        <a:ea typeface="+mn-ea"/>
+        <a:cs typeface="+mn-cs"/>
+      </a:defRPr>
+    </a:lvl3pPr>
+    <a:lvl4pPr marL="1371600" algn="l" defTabSz="914400" rtl="0" eaLnBrk="1" latinLnBrk="0" hangingPunct="1">
+      <a:defRPr sz="1800" kern="1200">
+        <a:solidFill>
+          <a:schemeClr val="tx1"/>
+        </a:solidFill>
+        <a:latin typeface="+mn-lt"/>
+        <a:ea typeface="+mn-ea"/>
+        <a:cs typeface="+mn-cs"/>
+      </a:defRPr>
+    </a:lvl4pPr>
+    <a:lvl5pPr marL="1828800" algn="l" defTabSz="914400" rtl="0" eaLnBrk="1" latinLnBrk="0" hangingPunct="1">
+      <a:defRPr sz="1800" kern="1200">
+        <a:solidFill>
+          <a:schemeClr val="tx1"/>
+        </a:solidFill>
+        <a:latin typeface="+mn-lt"/>
+        <a:ea typeface="+mn-ea"/>
+        <a:cs typeface="+mn-cs"/>
+      </a:defRPr>
+    </a:lvl5pPr>
+    <a:lvl6pPr marL="2286000" algn="l" defTabSz="914400" rtl="0" eaLnBrk="1" latinLnBrk="0" hangingPunct="1">
+      <a:defRPr sz="1800" kern="1200">
+        <a:solidFill>
+          <a:schemeClr val="tx1"/>
+        </a:solidFill>
+        <a:latin typeface="+mn-lt"/>
+        <a:ea typeface="+mn-ea"/>
+        <a:cs typeface="+mn-cs"/>
+      </a:defRPr>
+    </a:lvl6pPr>
+    <a:lvl7pPr marL="2743200" algn="l" defTabSz="914400" rtl="0" eaLnBrk="1" latinLnBrk="0" hangingPunct="1">
+      <a:defRPr sz="1800" kern="1200">
+        <a:solidFill>
+          <a:schemeClr val="tx1"/>
+        </a:solidFill>
+        <a:latin typeface="+mn-lt"/>
+        <a:ea typeface="+mn-ea"/>
+        <a:cs typeface="+mn-cs"/>
+      </a:defRPr>
+    </a:lvl7pPr>
+    <a:lvl8pPr marL="3200400" algn="l" defTabSz="914400" rtl="0" eaLnBrk="1" latinLnBrk="0" hangingPunct="1">
+      <a:defRPr sz="1800" kern="1200">
+        <a:solidFill>
+          <a:schemeClr val="tx1"/>
+        </a:solidFill>
+        <a:latin typeface="+mn-lt"/>
+        <a:ea typeface="+mn-ea"/>
+        <a:cs typeface="+mn-cs"/>
+      </a:defRPr>
+    </a:lvl8pPr>
+    <a:lvl9pPr marL="3657600" algn="l" defTabSz="914400" rtl="0" eaLnBrk="1" latinLnBrk="0" hangingPunct="1">
+      <a:defRPr sz="1800" kern="1200">
+        <a:solidFill>
+          <a:schemeClr val="tx1"/>
+        </a:solidFill>
+        <a:latin typeface="+mn-lt"/>
+        <a:ea typeface="+mn-ea"/>
+        <a:cs typeface="+mn-cs"/>
+      </a:defRPr>
+    </a:lvl9pPr>
+  </p:defaultTextStyle>
+  <p:extLst>
+    <p:ext uri="{EFAFB233-063F-42B5-8137-9DF3F51BA10A}">
+      <p15:sldGuideLst xmlns:p15="http://schemas.microsoft.com/office/powerpoint/2012/main"/>
+    </p:ext>
+  </p:extLst>
 </p:presentation>
 </file>
 
 <file path=ppt/slideLayouts/slideLayout1.xml><?xml version="1.0" encoding="utf-8"?>
-<p:sldLayout xmlns:a="http://schemas.openxmlformats.org/drawingml/2006/main" xmlns:p="http://schemas.openxmlformats.org/presentationml/2006/main" xmlns:r="http://schemas.openxmlformats.org/officeDocument/2006/relationships" xmlns:p14="http://schemas.microsoft.com/office/powerpoint/2010/main" xmlns:p15="http://schemas.microsoft.com/office/powerpoint/2012/main" xmlns:mc="http://schemas.openxmlformats.org/markup-compatibility/2006" type="blank" preserve="1">
+<p:sldLayout xmlns:a="http://schemas.openxmlformats.org/drawingml/2006/main" xmlns:r="http://schemas.openxmlformats.org/officeDocument/2006/relationships" xmlns:p="http://schemas.openxmlformats.org/presentationml/2006/main" type="blank" preserve="1">
   <p:cSld name="Blank Slide">
     <p:spTree>
       <p:nvGrpSpPr>
@@ -52,6 +153,7 @@
         <p:spPr/>
         <p:txBody>
           <a:bodyPr/>
+          <a:lstStyle/>
           <a:p>
             <a:r>
               <a:t>Footer</a:t>
@@ -72,10 +174,12 @@
         <p:spPr/>
         <p:txBody>
           <a:bodyPr/>
-          <a:p>
-            <a:fld id="{99F17327-625F-492F-872C-048A8D22C7CE}" type="slidenum">
-              <a:t>&lt;#&gt;</a:t>
+          <a:lstStyle/>
+          <a:p>
+            <a:fld id="{D78C7CE6-9959-4587-9062-D7F0DA1549A3}" type="slidenum">
+              <a:t>‹#›</a:t>
             </a:fld>
+            <a:endParaRPr/>
           </a:p>
         </p:txBody>
       </p:sp>
@@ -92,21 +196,22 @@
         <p:spPr/>
         <p:txBody>
           <a:bodyPr/>
-          <a:p>
-            <a:r>
-              <a:rPr lang="pt-BR"/>
-              <a:t/>
-            </a:r>
+          <a:lstStyle/>
+          <a:p>
+            <a:endParaRPr/>
           </a:p>
         </p:txBody>
       </p:sp>
     </p:spTree>
   </p:cSld>
+  <p:clrMapOvr>
+    <a:masterClrMapping/>
+  </p:clrMapOvr>
 </p:sldLayout>
 </file>
 
 <file path=ppt/slideLayouts/slideLayout10.xml><?xml version="1.0" encoding="utf-8"?>
-<p:sldLayout xmlns:a="http://schemas.openxmlformats.org/drawingml/2006/main" xmlns:p="http://schemas.openxmlformats.org/presentationml/2006/main" xmlns:r="http://schemas.openxmlformats.org/officeDocument/2006/relationships" xmlns:p14="http://schemas.microsoft.com/office/powerpoint/2010/main" xmlns:p15="http://schemas.microsoft.com/office/powerpoint/2012/main" xmlns:mc="http://schemas.openxmlformats.org/markup-compatibility/2006" type="objOverTx" preserve="1">
+<p:sldLayout xmlns:a="http://schemas.openxmlformats.org/drawingml/2006/main" xmlns:r="http://schemas.openxmlformats.org/officeDocument/2006/relationships" xmlns:p="http://schemas.openxmlformats.org/presentationml/2006/main" type="objOverTx" preserve="1">
   <p:cSld name="Title, Content over Content">
     <p:spTree>
       <p:nvGrpSpPr>
@@ -146,14 +251,15 @@
           </a:ln>
         </p:spPr>
         <p:txBody>
-          <a:bodyPr lIns="0" rIns="0" tIns="0" bIns="0" anchor="ctr">
+          <a:bodyPr lIns="0" tIns="0" rIns="0" bIns="0" anchor="ctr">
             <a:noAutofit/>
           </a:bodyPr>
-          <a:p>
-            <a:pPr indent="0">
-              <a:buNone/>
-            </a:pPr>
-            <a:endParaRPr b="0" lang="en-US" sz="1800" spc="-1" strike="noStrike">
+          <a:lstStyle/>
+          <a:p>
+            <a:pPr indent="0" algn="ctr">
+              <a:buNone/>
+            </a:pPr>
+            <a:endParaRPr lang="en-CA" sz="4400" b="0" strike="noStrike" spc="-1">
               <a:solidFill>
                 <a:srgbClr val="000000"/>
               </a:solidFill>
@@ -186,20 +292,18 @@
           </a:ln>
         </p:spPr>
         <p:txBody>
-          <a:bodyPr lIns="0" rIns="0" tIns="0" bIns="0" anchor="t">
+          <a:bodyPr lIns="0" tIns="0" rIns="0" bIns="0" anchor="t">
             <a:normAutofit/>
           </a:bodyPr>
+          <a:lstStyle/>
           <a:p>
             <a:pPr indent="0">
-              <a:lnSpc>
-                <a:spcPct val="90000"/>
-              </a:lnSpc>
               <a:spcBef>
                 <a:spcPts val="1417"/>
               </a:spcBef>
               <a:buNone/>
             </a:pPr>
-            <a:endParaRPr b="0" lang="en-US" sz="2800" spc="-1" strike="noStrike">
+            <a:endParaRPr lang="en-CA" sz="3200" b="0" strike="noStrike" spc="-1">
               <a:solidFill>
                 <a:srgbClr val="000000"/>
               </a:solidFill>
@@ -232,20 +336,18 @@
           </a:ln>
         </p:spPr>
         <p:txBody>
-          <a:bodyPr lIns="0" rIns="0" tIns="0" bIns="0" anchor="t">
+          <a:bodyPr lIns="0" tIns="0" rIns="0" bIns="0" anchor="t">
             <a:normAutofit/>
           </a:bodyPr>
+          <a:lstStyle/>
           <a:p>
             <a:pPr indent="0">
-              <a:lnSpc>
-                <a:spcPct val="90000"/>
-              </a:lnSpc>
               <a:spcBef>
                 <a:spcPts val="1417"/>
               </a:spcBef>
               <a:buNone/>
             </a:pPr>
-            <a:endParaRPr b="0" lang="en-US" sz="2800" spc="-1" strike="noStrike">
+            <a:endParaRPr lang="en-CA" sz="3200" b="0" strike="noStrike" spc="-1">
               <a:solidFill>
                 <a:srgbClr val="000000"/>
               </a:solidFill>
@@ -267,6 +369,7 @@
         <p:spPr/>
         <p:txBody>
           <a:bodyPr/>
+          <a:lstStyle/>
           <a:p>
             <a:r>
               <a:t>Footer</a:t>
@@ -287,10 +390,12 @@
         <p:spPr/>
         <p:txBody>
           <a:bodyPr/>
-          <a:p>
-            <a:fld id="{D39C72FD-FCA4-49DC-9701-CE1C2CA22BB8}" type="slidenum">
-              <a:t>&lt;#&gt;</a:t>
+          <a:lstStyle/>
+          <a:p>
+            <a:fld id="{F76DCF2E-7885-41BF-AE70-7239437CD8CC}" type="slidenum">
+              <a:t>‹#›</a:t>
             </a:fld>
+            <a:endParaRPr/>
           </a:p>
         </p:txBody>
       </p:sp>
@@ -307,21 +412,22 @@
         <p:spPr/>
         <p:txBody>
           <a:bodyPr/>
-          <a:p>
-            <a:r>
-              <a:rPr lang="pt-BR"/>
-              <a:t/>
-            </a:r>
+          <a:lstStyle/>
+          <a:p>
+            <a:endParaRPr/>
           </a:p>
         </p:txBody>
       </p:sp>
     </p:spTree>
   </p:cSld>
+  <p:clrMapOvr>
+    <a:masterClrMapping/>
+  </p:clrMapOvr>
 </p:sldLayout>
 </file>
 
 <file path=ppt/slideLayouts/slideLayout11.xml><?xml version="1.0" encoding="utf-8"?>
-<p:sldLayout xmlns:a="http://schemas.openxmlformats.org/drawingml/2006/main" xmlns:p="http://schemas.openxmlformats.org/presentationml/2006/main" xmlns:r="http://schemas.openxmlformats.org/officeDocument/2006/relationships" xmlns:p14="http://schemas.microsoft.com/office/powerpoint/2010/main" xmlns:p15="http://schemas.microsoft.com/office/powerpoint/2012/main" xmlns:mc="http://schemas.openxmlformats.org/markup-compatibility/2006" type="fourObj" preserve="1">
+<p:sldLayout xmlns:a="http://schemas.openxmlformats.org/drawingml/2006/main" xmlns:r="http://schemas.openxmlformats.org/officeDocument/2006/relationships" xmlns:p="http://schemas.openxmlformats.org/presentationml/2006/main" type="fourObj" preserve="1">
   <p:cSld name="Title, 4 Content">
     <p:spTree>
       <p:nvGrpSpPr>
@@ -361,14 +467,15 @@
           </a:ln>
         </p:spPr>
         <p:txBody>
-          <a:bodyPr lIns="0" rIns="0" tIns="0" bIns="0" anchor="ctr">
+          <a:bodyPr lIns="0" tIns="0" rIns="0" bIns="0" anchor="ctr">
             <a:noAutofit/>
           </a:bodyPr>
-          <a:p>
-            <a:pPr indent="0">
-              <a:buNone/>
-            </a:pPr>
-            <a:endParaRPr b="0" lang="en-US" sz="1800" spc="-1" strike="noStrike">
+          <a:lstStyle/>
+          <a:p>
+            <a:pPr indent="0" algn="ctr">
+              <a:buNone/>
+            </a:pPr>
+            <a:endParaRPr lang="en-CA" sz="4400" b="0" strike="noStrike" spc="-1">
               <a:solidFill>
                 <a:srgbClr val="000000"/>
               </a:solidFill>
@@ -401,20 +508,18 @@
           </a:ln>
         </p:spPr>
         <p:txBody>
-          <a:bodyPr lIns="0" rIns="0" tIns="0" bIns="0" anchor="t">
+          <a:bodyPr lIns="0" tIns="0" rIns="0" bIns="0" anchor="t">
             <a:normAutofit/>
           </a:bodyPr>
+          <a:lstStyle/>
           <a:p>
             <a:pPr indent="0">
-              <a:lnSpc>
-                <a:spcPct val="90000"/>
-              </a:lnSpc>
               <a:spcBef>
                 <a:spcPts val="1417"/>
               </a:spcBef>
               <a:buNone/>
             </a:pPr>
-            <a:endParaRPr b="0" lang="en-US" sz="2800" spc="-1" strike="noStrike">
+            <a:endParaRPr lang="en-CA" sz="3200" b="0" strike="noStrike" spc="-1">
               <a:solidFill>
                 <a:srgbClr val="000000"/>
               </a:solidFill>
@@ -447,20 +552,18 @@
           </a:ln>
         </p:spPr>
         <p:txBody>
-          <a:bodyPr lIns="0" rIns="0" tIns="0" bIns="0" anchor="t">
+          <a:bodyPr lIns="0" tIns="0" rIns="0" bIns="0" anchor="t">
             <a:normAutofit/>
           </a:bodyPr>
+          <a:lstStyle/>
           <a:p>
             <a:pPr indent="0">
-              <a:lnSpc>
-                <a:spcPct val="90000"/>
-              </a:lnSpc>
               <a:spcBef>
                 <a:spcPts val="1417"/>
               </a:spcBef>
               <a:buNone/>
             </a:pPr>
-            <a:endParaRPr b="0" lang="en-US" sz="2800" spc="-1" strike="noStrike">
+            <a:endParaRPr lang="en-CA" sz="3200" b="0" strike="noStrike" spc="-1">
               <a:solidFill>
                 <a:srgbClr val="000000"/>
               </a:solidFill>
@@ -493,20 +596,18 @@
           </a:ln>
         </p:spPr>
         <p:txBody>
-          <a:bodyPr lIns="0" rIns="0" tIns="0" bIns="0" anchor="t">
+          <a:bodyPr lIns="0" tIns="0" rIns="0" bIns="0" anchor="t">
             <a:normAutofit/>
           </a:bodyPr>
+          <a:lstStyle/>
           <a:p>
             <a:pPr indent="0">
-              <a:lnSpc>
-                <a:spcPct val="90000"/>
-              </a:lnSpc>
               <a:spcBef>
                 <a:spcPts val="1417"/>
               </a:spcBef>
               <a:buNone/>
             </a:pPr>
-            <a:endParaRPr b="0" lang="en-US" sz="2800" spc="-1" strike="noStrike">
+            <a:endParaRPr lang="en-CA" sz="3200" b="0" strike="noStrike" spc="-1">
               <a:solidFill>
                 <a:srgbClr val="000000"/>
               </a:solidFill>
@@ -539,20 +640,18 @@
           </a:ln>
         </p:spPr>
         <p:txBody>
-          <a:bodyPr lIns="0" rIns="0" tIns="0" bIns="0" anchor="t">
+          <a:bodyPr lIns="0" tIns="0" rIns="0" bIns="0" anchor="t">
             <a:normAutofit/>
           </a:bodyPr>
+          <a:lstStyle/>
           <a:p>
             <a:pPr indent="0">
-              <a:lnSpc>
-                <a:spcPct val="90000"/>
-              </a:lnSpc>
               <a:spcBef>
                 <a:spcPts val="1417"/>
               </a:spcBef>
               <a:buNone/>
             </a:pPr>
-            <a:endParaRPr b="0" lang="en-US" sz="2800" spc="-1" strike="noStrike">
+            <a:endParaRPr lang="en-CA" sz="3200" b="0" strike="noStrike" spc="-1">
               <a:solidFill>
                 <a:srgbClr val="000000"/>
               </a:solidFill>
@@ -574,6 +673,7 @@
         <p:spPr/>
         <p:txBody>
           <a:bodyPr/>
+          <a:lstStyle/>
           <a:p>
             <a:r>
               <a:t>Footer</a:t>
@@ -594,10 +694,12 @@
         <p:spPr/>
         <p:txBody>
           <a:bodyPr/>
-          <a:p>
-            <a:fld id="{D1C27CF2-C1E3-4782-A826-1A0F242E26ED}" type="slidenum">
-              <a:t>&lt;#&gt;</a:t>
+          <a:lstStyle/>
+          <a:p>
+            <a:fld id="{A0FCA35E-9A69-4EC0-A8CD-7AFFB3F65111}" type="slidenum">
+              <a:t>‹#›</a:t>
             </a:fld>
+            <a:endParaRPr/>
           </a:p>
         </p:txBody>
       </p:sp>
@@ -614,21 +716,22 @@
         <p:spPr/>
         <p:txBody>
           <a:bodyPr/>
-          <a:p>
-            <a:r>
-              <a:rPr lang="pt-BR"/>
-              <a:t/>
-            </a:r>
+          <a:lstStyle/>
+          <a:p>
+            <a:endParaRPr/>
           </a:p>
         </p:txBody>
       </p:sp>
     </p:spTree>
   </p:cSld>
+  <p:clrMapOvr>
+    <a:masterClrMapping/>
+  </p:clrMapOvr>
 </p:sldLayout>
 </file>
 
 <file path=ppt/slideLayouts/slideLayout12.xml><?xml version="1.0" encoding="utf-8"?>
-<p:sldLayout xmlns:a="http://schemas.openxmlformats.org/drawingml/2006/main" xmlns:p="http://schemas.openxmlformats.org/presentationml/2006/main" xmlns:r="http://schemas.openxmlformats.org/officeDocument/2006/relationships" xmlns:p14="http://schemas.microsoft.com/office/powerpoint/2010/main" xmlns:p15="http://schemas.microsoft.com/office/powerpoint/2012/main" xmlns:mc="http://schemas.openxmlformats.org/markup-compatibility/2006" type="blank" preserve="1">
+<p:sldLayout xmlns:a="http://schemas.openxmlformats.org/drawingml/2006/main" xmlns:r="http://schemas.openxmlformats.org/officeDocument/2006/relationships" xmlns:p="http://schemas.openxmlformats.org/presentationml/2006/main" type="blank" preserve="1">
   <p:cSld name="Title, 6 Content">
     <p:spTree>
       <p:nvGrpSpPr>
@@ -668,14 +771,15 @@
           </a:ln>
         </p:spPr>
         <p:txBody>
-          <a:bodyPr lIns="0" rIns="0" tIns="0" bIns="0" anchor="ctr">
+          <a:bodyPr lIns="0" tIns="0" rIns="0" bIns="0" anchor="ctr">
             <a:noAutofit/>
           </a:bodyPr>
-          <a:p>
-            <a:pPr indent="0">
-              <a:buNone/>
-            </a:pPr>
-            <a:endParaRPr b="0" lang="en-US" sz="1800" spc="-1" strike="noStrike">
+          <a:lstStyle/>
+          <a:p>
+            <a:pPr indent="0" algn="ctr">
+              <a:buNone/>
+            </a:pPr>
+            <a:endParaRPr lang="en-CA" sz="4400" b="0" strike="noStrike" spc="-1">
               <a:solidFill>
                 <a:srgbClr val="000000"/>
               </a:solidFill>
@@ -708,20 +812,18 @@
           </a:ln>
         </p:spPr>
         <p:txBody>
-          <a:bodyPr lIns="0" rIns="0" tIns="0" bIns="0" anchor="t">
+          <a:bodyPr lIns="0" tIns="0" rIns="0" bIns="0" anchor="t">
             <a:normAutofit/>
           </a:bodyPr>
+          <a:lstStyle/>
           <a:p>
             <a:pPr indent="0">
-              <a:lnSpc>
-                <a:spcPct val="90000"/>
-              </a:lnSpc>
               <a:spcBef>
                 <a:spcPts val="1417"/>
               </a:spcBef>
               <a:buNone/>
             </a:pPr>
-            <a:endParaRPr b="0" lang="en-US" sz="2800" spc="-1" strike="noStrike">
+            <a:endParaRPr lang="en-CA" sz="3200" b="0" strike="noStrike" spc="-1">
               <a:solidFill>
                 <a:srgbClr val="000000"/>
               </a:solidFill>
@@ -754,20 +856,18 @@
           </a:ln>
         </p:spPr>
         <p:txBody>
-          <a:bodyPr lIns="0" rIns="0" tIns="0" bIns="0" anchor="t">
+          <a:bodyPr lIns="0" tIns="0" rIns="0" bIns="0" anchor="t">
             <a:normAutofit/>
           </a:bodyPr>
+          <a:lstStyle/>
           <a:p>
             <a:pPr indent="0">
-              <a:lnSpc>
-                <a:spcPct val="90000"/>
-              </a:lnSpc>
               <a:spcBef>
                 <a:spcPts val="1417"/>
               </a:spcBef>
               <a:buNone/>
             </a:pPr>
-            <a:endParaRPr b="0" lang="en-US" sz="2800" spc="-1" strike="noStrike">
+            <a:endParaRPr lang="en-CA" sz="3200" b="0" strike="noStrike" spc="-1">
               <a:solidFill>
                 <a:srgbClr val="000000"/>
               </a:solidFill>
@@ -800,20 +900,18 @@
           </a:ln>
         </p:spPr>
         <p:txBody>
-          <a:bodyPr lIns="0" rIns="0" tIns="0" bIns="0" anchor="t">
+          <a:bodyPr lIns="0" tIns="0" rIns="0" bIns="0" anchor="t">
             <a:normAutofit/>
           </a:bodyPr>
+          <a:lstStyle/>
           <a:p>
             <a:pPr indent="0">
-              <a:lnSpc>
-                <a:spcPct val="90000"/>
-              </a:lnSpc>
               <a:spcBef>
                 <a:spcPts val="1417"/>
               </a:spcBef>
               <a:buNone/>
             </a:pPr>
-            <a:endParaRPr b="0" lang="en-US" sz="2800" spc="-1" strike="noStrike">
+            <a:endParaRPr lang="en-CA" sz="3200" b="0" strike="noStrike" spc="-1">
               <a:solidFill>
                 <a:srgbClr val="000000"/>
               </a:solidFill>
@@ -846,20 +944,18 @@
           </a:ln>
         </p:spPr>
         <p:txBody>
-          <a:bodyPr lIns="0" rIns="0" tIns="0" bIns="0" anchor="t">
+          <a:bodyPr lIns="0" tIns="0" rIns="0" bIns="0" anchor="t">
             <a:normAutofit/>
           </a:bodyPr>
+          <a:lstStyle/>
           <a:p>
             <a:pPr indent="0">
-              <a:lnSpc>
-                <a:spcPct val="90000"/>
-              </a:lnSpc>
               <a:spcBef>
                 <a:spcPts val="1417"/>
               </a:spcBef>
               <a:buNone/>
             </a:pPr>
-            <a:endParaRPr b="0" lang="en-US" sz="2800" spc="-1" strike="noStrike">
+            <a:endParaRPr lang="en-CA" sz="3200" b="0" strike="noStrike" spc="-1">
               <a:solidFill>
                 <a:srgbClr val="000000"/>
               </a:solidFill>
@@ -892,20 +988,18 @@
           </a:ln>
         </p:spPr>
         <p:txBody>
-          <a:bodyPr lIns="0" rIns="0" tIns="0" bIns="0" anchor="t">
+          <a:bodyPr lIns="0" tIns="0" rIns="0" bIns="0" anchor="t">
             <a:normAutofit/>
           </a:bodyPr>
+          <a:lstStyle/>
           <a:p>
             <a:pPr indent="0">
-              <a:lnSpc>
-                <a:spcPct val="90000"/>
-              </a:lnSpc>
               <a:spcBef>
                 <a:spcPts val="1417"/>
               </a:spcBef>
               <a:buNone/>
             </a:pPr>
-            <a:endParaRPr b="0" lang="en-US" sz="2800" spc="-1" strike="noStrike">
+            <a:endParaRPr lang="en-CA" sz="3200" b="0" strike="noStrike" spc="-1">
               <a:solidFill>
                 <a:srgbClr val="000000"/>
               </a:solidFill>
@@ -938,20 +1032,18 @@
           </a:ln>
         </p:spPr>
         <p:txBody>
-          <a:bodyPr lIns="0" rIns="0" tIns="0" bIns="0" anchor="t">
+          <a:bodyPr lIns="0" tIns="0" rIns="0" bIns="0" anchor="t">
             <a:normAutofit/>
           </a:bodyPr>
+          <a:lstStyle/>
           <a:p>
             <a:pPr indent="0">
-              <a:lnSpc>
-                <a:spcPct val="90000"/>
-              </a:lnSpc>
               <a:spcBef>
                 <a:spcPts val="1417"/>
               </a:spcBef>
               <a:buNone/>
             </a:pPr>
-            <a:endParaRPr b="0" lang="en-US" sz="2800" spc="-1" strike="noStrike">
+            <a:endParaRPr lang="en-CA" sz="3200" b="0" strike="noStrike" spc="-1">
               <a:solidFill>
                 <a:srgbClr val="000000"/>
               </a:solidFill>
@@ -973,6 +1065,7 @@
         <p:spPr/>
         <p:txBody>
           <a:bodyPr/>
+          <a:lstStyle/>
           <a:p>
             <a:r>
               <a:t>Footer</a:t>
@@ -993,10 +1086,12 @@
         <p:spPr/>
         <p:txBody>
           <a:bodyPr/>
-          <a:p>
-            <a:fld id="{715A3422-CF1E-417D-8714-03060AF5A27A}" type="slidenum">
-              <a:t>&lt;#&gt;</a:t>
+          <a:lstStyle/>
+          <a:p>
+            <a:fld id="{6012B156-A996-4900-BF8E-EAB71E75661C}" type="slidenum">
+              <a:t>‹#›</a:t>
             </a:fld>
+            <a:endParaRPr/>
           </a:p>
         </p:txBody>
       </p:sp>
@@ -1013,21 +1108,22 @@
         <p:spPr/>
         <p:txBody>
           <a:bodyPr/>
-          <a:p>
-            <a:r>
-              <a:rPr lang="pt-BR"/>
-              <a:t/>
-            </a:r>
+          <a:lstStyle/>
+          <a:p>
+            <a:endParaRPr/>
           </a:p>
         </p:txBody>
       </p:sp>
     </p:spTree>
   </p:cSld>
+  <p:clrMapOvr>
+    <a:masterClrMapping/>
+  </p:clrMapOvr>
 </p:sldLayout>
 </file>
 
 <file path=ppt/slideLayouts/slideLayout13.xml><?xml version="1.0" encoding="utf-8"?>
-<p:sldLayout xmlns:a="http://schemas.openxmlformats.org/drawingml/2006/main" xmlns:p="http://schemas.openxmlformats.org/presentationml/2006/main" xmlns:r="http://schemas.openxmlformats.org/officeDocument/2006/relationships" xmlns:p14="http://schemas.microsoft.com/office/powerpoint/2010/main" xmlns:p15="http://schemas.microsoft.com/office/powerpoint/2012/main" xmlns:mc="http://schemas.openxmlformats.org/markup-compatibility/2006" type="blank" preserve="1">
+<p:sldLayout xmlns:a="http://schemas.openxmlformats.org/drawingml/2006/main" xmlns:r="http://schemas.openxmlformats.org/officeDocument/2006/relationships" xmlns:p="http://schemas.openxmlformats.org/presentationml/2006/main" type="blank" preserve="1">
   <p:cSld name="Blank Slide">
     <p:spTree>
       <p:nvGrpSpPr>
@@ -1056,6 +1152,7 @@
         <p:spPr/>
         <p:txBody>
           <a:bodyPr/>
+          <a:lstStyle/>
           <a:p>
             <a:r>
               <a:t>Footer</a:t>
@@ -1076,10 +1173,12 @@
         <p:spPr/>
         <p:txBody>
           <a:bodyPr/>
-          <a:p>
-            <a:fld id="{4D2B7147-6500-4042-87B2-CB003C7A4285}" type="slidenum">
-              <a:t>&lt;#&gt;</a:t>
+          <a:lstStyle/>
+          <a:p>
+            <a:fld id="{C854EA5C-A5E2-4FC0-8204-1B831F28C5CD}" type="slidenum">
+              <a:t>‹#›</a:t>
             </a:fld>
+            <a:endParaRPr/>
           </a:p>
         </p:txBody>
       </p:sp>
@@ -1096,21 +1195,22 @@
         <p:spPr/>
         <p:txBody>
           <a:bodyPr/>
-          <a:p>
-            <a:r>
-              <a:rPr lang="pt-BR"/>
-              <a:t/>
-            </a:r>
+          <a:lstStyle/>
+          <a:p>
+            <a:endParaRPr/>
           </a:p>
         </p:txBody>
       </p:sp>
     </p:spTree>
   </p:cSld>
+  <p:clrMapOvr>
+    <a:masterClrMapping/>
+  </p:clrMapOvr>
 </p:sldLayout>
 </file>
 
 <file path=ppt/slideLayouts/slideLayout14.xml><?xml version="1.0" encoding="utf-8"?>
-<p:sldLayout xmlns:a="http://schemas.openxmlformats.org/drawingml/2006/main" xmlns:p="http://schemas.openxmlformats.org/presentationml/2006/main" xmlns:r="http://schemas.openxmlformats.org/officeDocument/2006/relationships" xmlns:p14="http://schemas.microsoft.com/office/powerpoint/2010/main" xmlns:p15="http://schemas.microsoft.com/office/powerpoint/2012/main" xmlns:mc="http://schemas.openxmlformats.org/markup-compatibility/2006" type="tx" preserve="1">
+<p:sldLayout xmlns:a="http://schemas.openxmlformats.org/drawingml/2006/main" xmlns:r="http://schemas.openxmlformats.org/officeDocument/2006/relationships" xmlns:p="http://schemas.openxmlformats.org/presentationml/2006/main" type="tx" preserve="1">
   <p:cSld name="Title Slide">
     <p:spTree>
       <p:nvGrpSpPr>
@@ -1150,14 +1250,15 @@
           </a:ln>
         </p:spPr>
         <p:txBody>
-          <a:bodyPr lIns="0" rIns="0" tIns="0" bIns="0" anchor="ctr">
+          <a:bodyPr lIns="0" tIns="0" rIns="0" bIns="0" anchor="ctr">
             <a:noAutofit/>
           </a:bodyPr>
-          <a:p>
-            <a:pPr indent="0">
-              <a:buNone/>
-            </a:pPr>
-            <a:endParaRPr b="0" lang="en-US" sz="1800" spc="-1" strike="noStrike">
+          <a:lstStyle/>
+          <a:p>
+            <a:pPr indent="0" algn="ctr">
+              <a:buNone/>
+            </a:pPr>
+            <a:endParaRPr lang="en-CA" sz="4400" b="0" strike="noStrike" spc="-1">
               <a:solidFill>
                 <a:srgbClr val="000000"/>
               </a:solidFill>
@@ -1190,14 +1291,15 @@
           </a:ln>
         </p:spPr>
         <p:txBody>
-          <a:bodyPr lIns="0" rIns="0" tIns="0" bIns="0" anchor="ctr">
+          <a:bodyPr lIns="0" tIns="0" rIns="0" bIns="0" anchor="ctr">
             <a:noAutofit/>
           </a:bodyPr>
+          <a:lstStyle/>
           <a:p>
             <a:pPr indent="0" algn="ctr">
               <a:buNone/>
             </a:pPr>
-            <a:endParaRPr b="0" lang="pt-BR" sz="3200" spc="-1" strike="noStrike">
+            <a:endParaRPr lang="en-CA" sz="3200" b="0" strike="noStrike" spc="-1">
               <a:solidFill>
                 <a:srgbClr val="000000"/>
               </a:solidFill>
@@ -1219,6 +1321,7 @@
         <p:spPr/>
         <p:txBody>
           <a:bodyPr/>
+          <a:lstStyle/>
           <a:p>
             <a:r>
               <a:t>Footer</a:t>
@@ -1239,10 +1342,12 @@
         <p:spPr/>
         <p:txBody>
           <a:bodyPr/>
-          <a:p>
-            <a:fld id="{A5DB25FB-D827-42C9-AF06-433C32E1BC60}" type="slidenum">
-              <a:t>&lt;#&gt;</a:t>
+          <a:lstStyle/>
+          <a:p>
+            <a:fld id="{9948EBCA-D311-49DE-BD43-1FAF1CE0B080}" type="slidenum">
+              <a:t>‹#›</a:t>
             </a:fld>
+            <a:endParaRPr/>
           </a:p>
         </p:txBody>
       </p:sp>
@@ -1259,21 +1364,22 @@
         <p:spPr/>
         <p:txBody>
           <a:bodyPr/>
-          <a:p>
-            <a:r>
-              <a:rPr lang="pt-BR"/>
-              <a:t/>
-            </a:r>
+          <a:lstStyle/>
+          <a:p>
+            <a:endParaRPr/>
           </a:p>
         </p:txBody>
       </p:sp>
     </p:spTree>
   </p:cSld>
+  <p:clrMapOvr>
+    <a:masterClrMapping/>
+  </p:clrMapOvr>
 </p:sldLayout>
 </file>
 
 <file path=ppt/slideLayouts/slideLayout15.xml><?xml version="1.0" encoding="utf-8"?>
-<p:sldLayout xmlns:a="http://schemas.openxmlformats.org/drawingml/2006/main" xmlns:p="http://schemas.openxmlformats.org/presentationml/2006/main" xmlns:r="http://schemas.openxmlformats.org/officeDocument/2006/relationships" xmlns:p14="http://schemas.microsoft.com/office/powerpoint/2010/main" xmlns:p15="http://schemas.microsoft.com/office/powerpoint/2012/main" xmlns:mc="http://schemas.openxmlformats.org/markup-compatibility/2006" type="obj" preserve="1">
+<p:sldLayout xmlns:a="http://schemas.openxmlformats.org/drawingml/2006/main" xmlns:r="http://schemas.openxmlformats.org/officeDocument/2006/relationships" xmlns:p="http://schemas.openxmlformats.org/presentationml/2006/main" type="obj" preserve="1">
   <p:cSld name="Title, Content">
     <p:spTree>
       <p:nvGrpSpPr>
@@ -1313,14 +1419,15 @@
           </a:ln>
         </p:spPr>
         <p:txBody>
-          <a:bodyPr lIns="0" rIns="0" tIns="0" bIns="0" anchor="ctr">
+          <a:bodyPr lIns="0" tIns="0" rIns="0" bIns="0" anchor="ctr">
             <a:noAutofit/>
           </a:bodyPr>
-          <a:p>
-            <a:pPr indent="0">
-              <a:buNone/>
-            </a:pPr>
-            <a:endParaRPr b="0" lang="en-US" sz="1800" spc="-1" strike="noStrike">
+          <a:lstStyle/>
+          <a:p>
+            <a:pPr indent="0" algn="ctr">
+              <a:buNone/>
+            </a:pPr>
+            <a:endParaRPr lang="en-CA" sz="4400" b="0" strike="noStrike" spc="-1">
               <a:solidFill>
                 <a:srgbClr val="000000"/>
               </a:solidFill>
@@ -1353,20 +1460,18 @@
           </a:ln>
         </p:spPr>
         <p:txBody>
-          <a:bodyPr lIns="0" rIns="0" tIns="0" bIns="0" anchor="t">
+          <a:bodyPr lIns="0" tIns="0" rIns="0" bIns="0" anchor="t">
             <a:normAutofit/>
           </a:bodyPr>
+          <a:lstStyle/>
           <a:p>
             <a:pPr indent="0">
-              <a:lnSpc>
-                <a:spcPct val="90000"/>
-              </a:lnSpc>
               <a:spcBef>
                 <a:spcPts val="1417"/>
               </a:spcBef>
               <a:buNone/>
             </a:pPr>
-            <a:endParaRPr b="0" lang="en-US" sz="2800" spc="-1" strike="noStrike">
+            <a:endParaRPr lang="en-CA" sz="3200" b="0" strike="noStrike" spc="-1">
               <a:solidFill>
                 <a:srgbClr val="000000"/>
               </a:solidFill>
@@ -1388,6 +1493,7 @@
         <p:spPr/>
         <p:txBody>
           <a:bodyPr/>
+          <a:lstStyle/>
           <a:p>
             <a:r>
               <a:t>Footer</a:t>
@@ -1408,10 +1514,12 @@
         <p:spPr/>
         <p:txBody>
           <a:bodyPr/>
-          <a:p>
-            <a:fld id="{688AB4E6-564D-48DE-AA04-9E5DB1D62FC4}" type="slidenum">
-              <a:t>&lt;#&gt;</a:t>
+          <a:lstStyle/>
+          <a:p>
+            <a:fld id="{6D1756A9-3440-4600-B1E5-825043B9E43D}" type="slidenum">
+              <a:t>‹#›</a:t>
             </a:fld>
+            <a:endParaRPr/>
           </a:p>
         </p:txBody>
       </p:sp>
@@ -1428,21 +1536,22 @@
         <p:spPr/>
         <p:txBody>
           <a:bodyPr/>
-          <a:p>
-            <a:r>
-              <a:rPr lang="pt-BR"/>
-              <a:t/>
-            </a:r>
+          <a:lstStyle/>
+          <a:p>
+            <a:endParaRPr/>
           </a:p>
         </p:txBody>
       </p:sp>
     </p:spTree>
   </p:cSld>
+  <p:clrMapOvr>
+    <a:masterClrMapping/>
+  </p:clrMapOvr>
 </p:sldLayout>
 </file>
 
 <file path=ppt/slideLayouts/slideLayout16.xml><?xml version="1.0" encoding="utf-8"?>
-<p:sldLayout xmlns:a="http://schemas.openxmlformats.org/drawingml/2006/main" xmlns:p="http://schemas.openxmlformats.org/presentationml/2006/main" xmlns:r="http://schemas.openxmlformats.org/officeDocument/2006/relationships" xmlns:p14="http://schemas.microsoft.com/office/powerpoint/2010/main" xmlns:p15="http://schemas.microsoft.com/office/powerpoint/2012/main" xmlns:mc="http://schemas.openxmlformats.org/markup-compatibility/2006" type="twoObj" preserve="1">
+<p:sldLayout xmlns:a="http://schemas.openxmlformats.org/drawingml/2006/main" xmlns:r="http://schemas.openxmlformats.org/officeDocument/2006/relationships" xmlns:p="http://schemas.openxmlformats.org/presentationml/2006/main" type="twoObj" preserve="1">
   <p:cSld name="Title, 2 Content">
     <p:spTree>
       <p:nvGrpSpPr>
@@ -1482,14 +1591,15 @@
           </a:ln>
         </p:spPr>
         <p:txBody>
-          <a:bodyPr lIns="0" rIns="0" tIns="0" bIns="0" anchor="ctr">
+          <a:bodyPr lIns="0" tIns="0" rIns="0" bIns="0" anchor="ctr">
             <a:noAutofit/>
           </a:bodyPr>
-          <a:p>
-            <a:pPr indent="0">
-              <a:buNone/>
-            </a:pPr>
-            <a:endParaRPr b="0" lang="en-US" sz="1800" spc="-1" strike="noStrike">
+          <a:lstStyle/>
+          <a:p>
+            <a:pPr indent="0" algn="ctr">
+              <a:buNone/>
+            </a:pPr>
+            <a:endParaRPr lang="en-CA" sz="4400" b="0" strike="noStrike" spc="-1">
               <a:solidFill>
                 <a:srgbClr val="000000"/>
               </a:solidFill>
@@ -1522,20 +1632,18 @@
           </a:ln>
         </p:spPr>
         <p:txBody>
-          <a:bodyPr lIns="0" rIns="0" tIns="0" bIns="0" anchor="t">
+          <a:bodyPr lIns="0" tIns="0" rIns="0" bIns="0" anchor="t">
             <a:normAutofit/>
           </a:bodyPr>
+          <a:lstStyle/>
           <a:p>
             <a:pPr indent="0">
-              <a:lnSpc>
-                <a:spcPct val="90000"/>
-              </a:lnSpc>
               <a:spcBef>
                 <a:spcPts val="1417"/>
               </a:spcBef>
               <a:buNone/>
             </a:pPr>
-            <a:endParaRPr b="0" lang="en-US" sz="2800" spc="-1" strike="noStrike">
+            <a:endParaRPr lang="en-CA" sz="3200" b="0" strike="noStrike" spc="-1">
               <a:solidFill>
                 <a:srgbClr val="000000"/>
               </a:solidFill>
@@ -1568,20 +1676,18 @@
           </a:ln>
         </p:spPr>
         <p:txBody>
-          <a:bodyPr lIns="0" rIns="0" tIns="0" bIns="0" anchor="t">
+          <a:bodyPr lIns="0" tIns="0" rIns="0" bIns="0" anchor="t">
             <a:normAutofit/>
           </a:bodyPr>
+          <a:lstStyle/>
           <a:p>
             <a:pPr indent="0">
-              <a:lnSpc>
-                <a:spcPct val="90000"/>
-              </a:lnSpc>
               <a:spcBef>
                 <a:spcPts val="1417"/>
               </a:spcBef>
               <a:buNone/>
             </a:pPr>
-            <a:endParaRPr b="0" lang="en-US" sz="2800" spc="-1" strike="noStrike">
+            <a:endParaRPr lang="en-CA" sz="3200" b="0" strike="noStrike" spc="-1">
               <a:solidFill>
                 <a:srgbClr val="000000"/>
               </a:solidFill>
@@ -1603,6 +1709,7 @@
         <p:spPr/>
         <p:txBody>
           <a:bodyPr/>
+          <a:lstStyle/>
           <a:p>
             <a:r>
               <a:t>Footer</a:t>
@@ -1623,10 +1730,12 @@
         <p:spPr/>
         <p:txBody>
           <a:bodyPr/>
-          <a:p>
-            <a:fld id="{712FB1B2-4187-4D68-926A-DA4645EF8044}" type="slidenum">
-              <a:t>&lt;#&gt;</a:t>
+          <a:lstStyle/>
+          <a:p>
+            <a:fld id="{0127B6C5-794E-4C95-B44A-8C4F21895596}" type="slidenum">
+              <a:t>‹#›</a:t>
             </a:fld>
+            <a:endParaRPr/>
           </a:p>
         </p:txBody>
       </p:sp>
@@ -1643,21 +1752,22 @@
         <p:spPr/>
         <p:txBody>
           <a:bodyPr/>
-          <a:p>
-            <a:r>
-              <a:rPr lang="pt-BR"/>
-              <a:t/>
-            </a:r>
+          <a:lstStyle/>
+          <a:p>
+            <a:endParaRPr/>
           </a:p>
         </p:txBody>
       </p:sp>
     </p:spTree>
   </p:cSld>
+  <p:clrMapOvr>
+    <a:masterClrMapping/>
+  </p:clrMapOvr>
 </p:sldLayout>
 </file>
 
 <file path=ppt/slideLayouts/slideLayout17.xml><?xml version="1.0" encoding="utf-8"?>
-<p:sldLayout xmlns:a="http://schemas.openxmlformats.org/drawingml/2006/main" xmlns:p="http://schemas.openxmlformats.org/presentationml/2006/main" xmlns:r="http://schemas.openxmlformats.org/officeDocument/2006/relationships" xmlns:p14="http://schemas.microsoft.com/office/powerpoint/2010/main" xmlns:p15="http://schemas.microsoft.com/office/powerpoint/2012/main" xmlns:mc="http://schemas.openxmlformats.org/markup-compatibility/2006" type="titleOnly" preserve="1">
+<p:sldLayout xmlns:a="http://schemas.openxmlformats.org/drawingml/2006/main" xmlns:r="http://schemas.openxmlformats.org/officeDocument/2006/relationships" xmlns:p="http://schemas.openxmlformats.org/presentationml/2006/main" type="titleOnly" preserve="1">
   <p:cSld name="Title Only">
     <p:spTree>
       <p:nvGrpSpPr>
@@ -1697,14 +1807,15 @@
           </a:ln>
         </p:spPr>
         <p:txBody>
-          <a:bodyPr lIns="0" rIns="0" tIns="0" bIns="0" anchor="ctr">
+          <a:bodyPr lIns="0" tIns="0" rIns="0" bIns="0" anchor="ctr">
             <a:noAutofit/>
           </a:bodyPr>
-          <a:p>
-            <a:pPr indent="0">
-              <a:buNone/>
-            </a:pPr>
-            <a:endParaRPr b="0" lang="en-US" sz="1800" spc="-1" strike="noStrike">
+          <a:lstStyle/>
+          <a:p>
+            <a:pPr indent="0" algn="ctr">
+              <a:buNone/>
+            </a:pPr>
+            <a:endParaRPr lang="en-CA" sz="4400" b="0" strike="noStrike" spc="-1">
               <a:solidFill>
                 <a:srgbClr val="000000"/>
               </a:solidFill>
@@ -1726,6 +1837,7 @@
         <p:spPr/>
         <p:txBody>
           <a:bodyPr/>
+          <a:lstStyle/>
           <a:p>
             <a:r>
               <a:t>Footer</a:t>
@@ -1746,10 +1858,12 @@
         <p:spPr/>
         <p:txBody>
           <a:bodyPr/>
-          <a:p>
-            <a:fld id="{5C9E37B6-B89B-4D2B-9151-C4A3EF644AF8}" type="slidenum">
-              <a:t>&lt;#&gt;</a:t>
+          <a:lstStyle/>
+          <a:p>
+            <a:fld id="{B5E6BB4B-1477-49A7-851B-01BFA0789A7A}" type="slidenum">
+              <a:t>‹#›</a:t>
             </a:fld>
+            <a:endParaRPr/>
           </a:p>
         </p:txBody>
       </p:sp>
@@ -1766,21 +1880,22 @@
         <p:spPr/>
         <p:txBody>
           <a:bodyPr/>
-          <a:p>
-            <a:r>
-              <a:rPr lang="pt-BR"/>
-              <a:t/>
-            </a:r>
+          <a:lstStyle/>
+          <a:p>
+            <a:endParaRPr/>
           </a:p>
         </p:txBody>
       </p:sp>
     </p:spTree>
   </p:cSld>
+  <p:clrMapOvr>
+    <a:masterClrMapping/>
+  </p:clrMapOvr>
 </p:sldLayout>
 </file>
 
 <file path=ppt/slideLayouts/slideLayout18.xml><?xml version="1.0" encoding="utf-8"?>
-<p:sldLayout xmlns:a="http://schemas.openxmlformats.org/drawingml/2006/main" xmlns:p="http://schemas.openxmlformats.org/presentationml/2006/main" xmlns:r="http://schemas.openxmlformats.org/officeDocument/2006/relationships" xmlns:p14="http://schemas.microsoft.com/office/powerpoint/2010/main" xmlns:p15="http://schemas.microsoft.com/office/powerpoint/2012/main" xmlns:mc="http://schemas.openxmlformats.org/markup-compatibility/2006" type="objOnly" preserve="1">
+<p:sldLayout xmlns:a="http://schemas.openxmlformats.org/drawingml/2006/main" xmlns:r="http://schemas.openxmlformats.org/officeDocument/2006/relationships" xmlns:p="http://schemas.openxmlformats.org/presentationml/2006/main" type="objOnly" preserve="1">
   <p:cSld name="Centered Text">
     <p:spTree>
       <p:nvGrpSpPr>
@@ -1820,12 +1935,13 @@
           </a:ln>
         </p:spPr>
         <p:txBody>
-          <a:bodyPr lIns="0" rIns="0" tIns="0" bIns="0" anchor="ctr">
+          <a:bodyPr lIns="0" tIns="0" rIns="0" bIns="0" anchor="ctr">
             <a:noAutofit/>
           </a:bodyPr>
+          <a:lstStyle/>
           <a:p>
             <a:pPr algn="ctr"/>
-            <a:endParaRPr b="0" lang="pt-BR" sz="3200" spc="-1" strike="noStrike">
+            <a:endParaRPr lang="en-CA" sz="3200" b="0" strike="noStrike" spc="-1">
               <a:solidFill>
                 <a:srgbClr val="000000"/>
               </a:solidFill>
@@ -1847,6 +1963,7 @@
         <p:spPr/>
         <p:txBody>
           <a:bodyPr/>
+          <a:lstStyle/>
           <a:p>
             <a:r>
               <a:t>Footer</a:t>
@@ -1867,10 +1984,12 @@
         <p:spPr/>
         <p:txBody>
           <a:bodyPr/>
-          <a:p>
-            <a:fld id="{07898EA2-039F-49F8-9B92-3E36DEAD5370}" type="slidenum">
-              <a:t>&lt;#&gt;</a:t>
+          <a:lstStyle/>
+          <a:p>
+            <a:fld id="{889BA953-BBE8-463C-B36A-8DC016AC980B}" type="slidenum">
+              <a:t>‹#›</a:t>
             </a:fld>
+            <a:endParaRPr/>
           </a:p>
         </p:txBody>
       </p:sp>
@@ -1887,21 +2006,22 @@
         <p:spPr/>
         <p:txBody>
           <a:bodyPr/>
-          <a:p>
-            <a:r>
-              <a:rPr lang="pt-BR"/>
-              <a:t/>
-            </a:r>
+          <a:lstStyle/>
+          <a:p>
+            <a:endParaRPr/>
           </a:p>
         </p:txBody>
       </p:sp>
     </p:spTree>
   </p:cSld>
+  <p:clrMapOvr>
+    <a:masterClrMapping/>
+  </p:clrMapOvr>
 </p:sldLayout>
 </file>
 
 <file path=ppt/slideLayouts/slideLayout19.xml><?xml version="1.0" encoding="utf-8"?>
-<p:sldLayout xmlns:a="http://schemas.openxmlformats.org/drawingml/2006/main" xmlns:p="http://schemas.openxmlformats.org/presentationml/2006/main" xmlns:r="http://schemas.openxmlformats.org/officeDocument/2006/relationships" xmlns:p14="http://schemas.microsoft.com/office/powerpoint/2010/main" xmlns:p15="http://schemas.microsoft.com/office/powerpoint/2012/main" xmlns:mc="http://schemas.openxmlformats.org/markup-compatibility/2006" type="twoObjAndObj" preserve="1">
+<p:sldLayout xmlns:a="http://schemas.openxmlformats.org/drawingml/2006/main" xmlns:r="http://schemas.openxmlformats.org/officeDocument/2006/relationships" xmlns:p="http://schemas.openxmlformats.org/presentationml/2006/main" type="twoObjAndObj" preserve="1">
   <p:cSld name="Title, 2 Content and Content">
     <p:spTree>
       <p:nvGrpSpPr>
@@ -1941,14 +2061,15 @@
           </a:ln>
         </p:spPr>
         <p:txBody>
-          <a:bodyPr lIns="0" rIns="0" tIns="0" bIns="0" anchor="ctr">
+          <a:bodyPr lIns="0" tIns="0" rIns="0" bIns="0" anchor="ctr">
             <a:noAutofit/>
           </a:bodyPr>
-          <a:p>
-            <a:pPr indent="0">
-              <a:buNone/>
-            </a:pPr>
-            <a:endParaRPr b="0" lang="en-US" sz="1800" spc="-1" strike="noStrike">
+          <a:lstStyle/>
+          <a:p>
+            <a:pPr indent="0" algn="ctr">
+              <a:buNone/>
+            </a:pPr>
+            <a:endParaRPr lang="en-CA" sz="4400" b="0" strike="noStrike" spc="-1">
               <a:solidFill>
                 <a:srgbClr val="000000"/>
               </a:solidFill>
@@ -1981,20 +2102,18 @@
           </a:ln>
         </p:spPr>
         <p:txBody>
-          <a:bodyPr lIns="0" rIns="0" tIns="0" bIns="0" anchor="t">
+          <a:bodyPr lIns="0" tIns="0" rIns="0" bIns="0" anchor="t">
             <a:normAutofit/>
           </a:bodyPr>
+          <a:lstStyle/>
           <a:p>
             <a:pPr indent="0">
-              <a:lnSpc>
-                <a:spcPct val="90000"/>
-              </a:lnSpc>
               <a:spcBef>
                 <a:spcPts val="1417"/>
               </a:spcBef>
               <a:buNone/>
             </a:pPr>
-            <a:endParaRPr b="0" lang="en-US" sz="2800" spc="-1" strike="noStrike">
+            <a:endParaRPr lang="en-CA" sz="3200" b="0" strike="noStrike" spc="-1">
               <a:solidFill>
                 <a:srgbClr val="000000"/>
               </a:solidFill>
@@ -2027,20 +2146,18 @@
           </a:ln>
         </p:spPr>
         <p:txBody>
-          <a:bodyPr lIns="0" rIns="0" tIns="0" bIns="0" anchor="t">
+          <a:bodyPr lIns="0" tIns="0" rIns="0" bIns="0" anchor="t">
             <a:normAutofit/>
           </a:bodyPr>
+          <a:lstStyle/>
           <a:p>
             <a:pPr indent="0">
-              <a:lnSpc>
-                <a:spcPct val="90000"/>
-              </a:lnSpc>
               <a:spcBef>
                 <a:spcPts val="1417"/>
               </a:spcBef>
               <a:buNone/>
             </a:pPr>
-            <a:endParaRPr b="0" lang="en-US" sz="2800" spc="-1" strike="noStrike">
+            <a:endParaRPr lang="en-CA" sz="3200" b="0" strike="noStrike" spc="-1">
               <a:solidFill>
                 <a:srgbClr val="000000"/>
               </a:solidFill>
@@ -2073,20 +2190,18 @@
           </a:ln>
         </p:spPr>
         <p:txBody>
-          <a:bodyPr lIns="0" rIns="0" tIns="0" bIns="0" anchor="t">
+          <a:bodyPr lIns="0" tIns="0" rIns="0" bIns="0" anchor="t">
             <a:normAutofit/>
           </a:bodyPr>
+          <a:lstStyle/>
           <a:p>
             <a:pPr indent="0">
-              <a:lnSpc>
-                <a:spcPct val="90000"/>
-              </a:lnSpc>
               <a:spcBef>
                 <a:spcPts val="1417"/>
               </a:spcBef>
               <a:buNone/>
             </a:pPr>
-            <a:endParaRPr b="0" lang="en-US" sz="2800" spc="-1" strike="noStrike">
+            <a:endParaRPr lang="en-CA" sz="3200" b="0" strike="noStrike" spc="-1">
               <a:solidFill>
                 <a:srgbClr val="000000"/>
               </a:solidFill>
@@ -2108,6 +2223,7 @@
         <p:spPr/>
         <p:txBody>
           <a:bodyPr/>
+          <a:lstStyle/>
           <a:p>
             <a:r>
               <a:t>Footer</a:t>
@@ -2128,10 +2244,12 @@
         <p:spPr/>
         <p:txBody>
           <a:bodyPr/>
-          <a:p>
-            <a:fld id="{D5E0263B-6D94-4C5B-AAAE-44E03314FFFF}" type="slidenum">
-              <a:t>&lt;#&gt;</a:t>
+          <a:lstStyle/>
+          <a:p>
+            <a:fld id="{AFCB16EC-A54B-4D7A-BE0B-62A0CFB5FEC8}" type="slidenum">
+              <a:t>‹#›</a:t>
             </a:fld>
+            <a:endParaRPr/>
           </a:p>
         </p:txBody>
       </p:sp>
@@ -2148,21 +2266,22 @@
         <p:spPr/>
         <p:txBody>
           <a:bodyPr/>
-          <a:p>
-            <a:r>
-              <a:rPr lang="pt-BR"/>
-              <a:t/>
-            </a:r>
+          <a:lstStyle/>
+          <a:p>
+            <a:endParaRPr/>
           </a:p>
         </p:txBody>
       </p:sp>
     </p:spTree>
   </p:cSld>
+  <p:clrMapOvr>
+    <a:masterClrMapping/>
+  </p:clrMapOvr>
 </p:sldLayout>
 </file>
 
 <file path=ppt/slideLayouts/slideLayout2.xml><?xml version="1.0" encoding="utf-8"?>
-<p:sldLayout xmlns:a="http://schemas.openxmlformats.org/drawingml/2006/main" xmlns:p="http://schemas.openxmlformats.org/presentationml/2006/main" xmlns:r="http://schemas.openxmlformats.org/officeDocument/2006/relationships" xmlns:p14="http://schemas.microsoft.com/office/powerpoint/2010/main" xmlns:p15="http://schemas.microsoft.com/office/powerpoint/2012/main" xmlns:mc="http://schemas.openxmlformats.org/markup-compatibility/2006" type="tx" preserve="1">
+<p:sldLayout xmlns:a="http://schemas.openxmlformats.org/drawingml/2006/main" xmlns:r="http://schemas.openxmlformats.org/officeDocument/2006/relationships" xmlns:p="http://schemas.openxmlformats.org/presentationml/2006/main" type="tx" preserve="1">
   <p:cSld name="Title Slide">
     <p:spTree>
       <p:nvGrpSpPr>
@@ -2202,14 +2321,15 @@
           </a:ln>
         </p:spPr>
         <p:txBody>
-          <a:bodyPr lIns="0" rIns="0" tIns="0" bIns="0" anchor="ctr">
+          <a:bodyPr lIns="0" tIns="0" rIns="0" bIns="0" anchor="ctr">
             <a:noAutofit/>
           </a:bodyPr>
-          <a:p>
-            <a:pPr indent="0">
-              <a:buNone/>
-            </a:pPr>
-            <a:endParaRPr b="0" lang="en-US" sz="1800" spc="-1" strike="noStrike">
+          <a:lstStyle/>
+          <a:p>
+            <a:pPr indent="0" algn="ctr">
+              <a:buNone/>
+            </a:pPr>
+            <a:endParaRPr lang="en-CA" sz="4400" b="0" strike="noStrike" spc="-1">
               <a:solidFill>
                 <a:srgbClr val="000000"/>
               </a:solidFill>
@@ -2242,14 +2362,15 @@
           </a:ln>
         </p:spPr>
         <p:txBody>
-          <a:bodyPr lIns="0" rIns="0" tIns="0" bIns="0" anchor="ctr">
+          <a:bodyPr lIns="0" tIns="0" rIns="0" bIns="0" anchor="ctr">
             <a:noAutofit/>
           </a:bodyPr>
+          <a:lstStyle/>
           <a:p>
             <a:pPr indent="0" algn="ctr">
               <a:buNone/>
             </a:pPr>
-            <a:endParaRPr b="0" lang="pt-BR" sz="3200" spc="-1" strike="noStrike">
+            <a:endParaRPr lang="en-CA" sz="3200" b="0" strike="noStrike" spc="-1">
               <a:solidFill>
                 <a:srgbClr val="000000"/>
               </a:solidFill>
@@ -2271,6 +2392,7 @@
         <p:spPr/>
         <p:txBody>
           <a:bodyPr/>
+          <a:lstStyle/>
           <a:p>
             <a:r>
               <a:t>Footer</a:t>
@@ -2280,7 +2402,7 @@
       </p:sp>
       <p:sp>
         <p:nvSpPr>
-          <p:cNvPr id="5" name="PlaceHolder 4"/>
+          <p:cNvPr id="2" name="PlaceHolder 4"/>
           <p:cNvSpPr>
             <a:spLocks noGrp="1"/>
           </p:cNvSpPr>
@@ -2291,16 +2413,18 @@
         <p:spPr/>
         <p:txBody>
           <a:bodyPr/>
-          <a:p>
-            <a:fld id="{40801747-18D5-49D6-8772-A6C8FB4B9D00}" type="slidenum">
-              <a:t>&lt;#&gt;</a:t>
+          <a:lstStyle/>
+          <a:p>
+            <a:fld id="{3BB3FDA0-4C6B-47D9-A51A-FD68FE1C19E3}" type="slidenum">
+              <a:t>‹#›</a:t>
             </a:fld>
-          </a:p>
-        </p:txBody>
-      </p:sp>
-      <p:sp>
-        <p:nvSpPr>
-          <p:cNvPr id="6" name="PlaceHolder 5"/>
+            <a:endParaRPr/>
+          </a:p>
+        </p:txBody>
+      </p:sp>
+      <p:sp>
+        <p:nvSpPr>
+          <p:cNvPr id="3" name="PlaceHolder 5"/>
           <p:cNvSpPr>
             <a:spLocks noGrp="1"/>
           </p:cNvSpPr>
@@ -2311,21 +2435,22 @@
         <p:spPr/>
         <p:txBody>
           <a:bodyPr/>
-          <a:p>
-            <a:r>
-              <a:rPr lang="pt-BR"/>
-              <a:t/>
-            </a:r>
+          <a:lstStyle/>
+          <a:p>
+            <a:endParaRPr/>
           </a:p>
         </p:txBody>
       </p:sp>
     </p:spTree>
   </p:cSld>
+  <p:clrMapOvr>
+    <a:masterClrMapping/>
+  </p:clrMapOvr>
 </p:sldLayout>
 </file>
 
 <file path=ppt/slideLayouts/slideLayout20.xml><?xml version="1.0" encoding="utf-8"?>
-<p:sldLayout xmlns:a="http://schemas.openxmlformats.org/drawingml/2006/main" xmlns:p="http://schemas.openxmlformats.org/presentationml/2006/main" xmlns:r="http://schemas.openxmlformats.org/officeDocument/2006/relationships" xmlns:p14="http://schemas.microsoft.com/office/powerpoint/2010/main" xmlns:p15="http://schemas.microsoft.com/office/powerpoint/2012/main" xmlns:mc="http://schemas.openxmlformats.org/markup-compatibility/2006" type="objAndTwoObj" preserve="1">
+<p:sldLayout xmlns:a="http://schemas.openxmlformats.org/drawingml/2006/main" xmlns:r="http://schemas.openxmlformats.org/officeDocument/2006/relationships" xmlns:p="http://schemas.openxmlformats.org/presentationml/2006/main" type="objAndTwoObj" preserve="1">
   <p:cSld name="Title Content and 2 Content">
     <p:spTree>
       <p:nvGrpSpPr>
@@ -2365,14 +2490,15 @@
           </a:ln>
         </p:spPr>
         <p:txBody>
-          <a:bodyPr lIns="0" rIns="0" tIns="0" bIns="0" anchor="ctr">
+          <a:bodyPr lIns="0" tIns="0" rIns="0" bIns="0" anchor="ctr">
             <a:noAutofit/>
           </a:bodyPr>
-          <a:p>
-            <a:pPr indent="0">
-              <a:buNone/>
-            </a:pPr>
-            <a:endParaRPr b="0" lang="en-US" sz="1800" spc="-1" strike="noStrike">
+          <a:lstStyle/>
+          <a:p>
+            <a:pPr indent="0" algn="ctr">
+              <a:buNone/>
+            </a:pPr>
+            <a:endParaRPr lang="en-CA" sz="4400" b="0" strike="noStrike" spc="-1">
               <a:solidFill>
                 <a:srgbClr val="000000"/>
               </a:solidFill>
@@ -2405,20 +2531,18 @@
           </a:ln>
         </p:spPr>
         <p:txBody>
-          <a:bodyPr lIns="0" rIns="0" tIns="0" bIns="0" anchor="t">
+          <a:bodyPr lIns="0" tIns="0" rIns="0" bIns="0" anchor="t">
             <a:normAutofit/>
           </a:bodyPr>
+          <a:lstStyle/>
           <a:p>
             <a:pPr indent="0">
-              <a:lnSpc>
-                <a:spcPct val="90000"/>
-              </a:lnSpc>
               <a:spcBef>
                 <a:spcPts val="1417"/>
               </a:spcBef>
               <a:buNone/>
             </a:pPr>
-            <a:endParaRPr b="0" lang="en-US" sz="2800" spc="-1" strike="noStrike">
+            <a:endParaRPr lang="en-CA" sz="3200" b="0" strike="noStrike" spc="-1">
               <a:solidFill>
                 <a:srgbClr val="000000"/>
               </a:solidFill>
@@ -2451,20 +2575,18 @@
           </a:ln>
         </p:spPr>
         <p:txBody>
-          <a:bodyPr lIns="0" rIns="0" tIns="0" bIns="0" anchor="t">
+          <a:bodyPr lIns="0" tIns="0" rIns="0" bIns="0" anchor="t">
             <a:normAutofit/>
           </a:bodyPr>
+          <a:lstStyle/>
           <a:p>
             <a:pPr indent="0">
-              <a:lnSpc>
-                <a:spcPct val="90000"/>
-              </a:lnSpc>
               <a:spcBef>
                 <a:spcPts val="1417"/>
               </a:spcBef>
               <a:buNone/>
             </a:pPr>
-            <a:endParaRPr b="0" lang="en-US" sz="2800" spc="-1" strike="noStrike">
+            <a:endParaRPr lang="en-CA" sz="3200" b="0" strike="noStrike" spc="-1">
               <a:solidFill>
                 <a:srgbClr val="000000"/>
               </a:solidFill>
@@ -2497,20 +2619,18 @@
           </a:ln>
         </p:spPr>
         <p:txBody>
-          <a:bodyPr lIns="0" rIns="0" tIns="0" bIns="0" anchor="t">
+          <a:bodyPr lIns="0" tIns="0" rIns="0" bIns="0" anchor="t">
             <a:normAutofit/>
           </a:bodyPr>
+          <a:lstStyle/>
           <a:p>
             <a:pPr indent="0">
-              <a:lnSpc>
-                <a:spcPct val="90000"/>
-              </a:lnSpc>
               <a:spcBef>
                 <a:spcPts val="1417"/>
               </a:spcBef>
               <a:buNone/>
             </a:pPr>
-            <a:endParaRPr b="0" lang="en-US" sz="2800" spc="-1" strike="noStrike">
+            <a:endParaRPr lang="en-CA" sz="3200" b="0" strike="noStrike" spc="-1">
               <a:solidFill>
                 <a:srgbClr val="000000"/>
               </a:solidFill>
@@ -2532,6 +2652,7 @@
         <p:spPr/>
         <p:txBody>
           <a:bodyPr/>
+          <a:lstStyle/>
           <a:p>
             <a:r>
               <a:t>Footer</a:t>
@@ -2552,10 +2673,12 @@
         <p:spPr/>
         <p:txBody>
           <a:bodyPr/>
-          <a:p>
-            <a:fld id="{F362F664-9FB8-4BA3-9A40-5D3FFD09DA31}" type="slidenum">
-              <a:t>&lt;#&gt;</a:t>
+          <a:lstStyle/>
+          <a:p>
+            <a:fld id="{22F51B99-2A20-43A4-AE37-858F492FADC5}" type="slidenum">
+              <a:t>‹#›</a:t>
             </a:fld>
+            <a:endParaRPr/>
           </a:p>
         </p:txBody>
       </p:sp>
@@ -2572,21 +2695,22 @@
         <p:spPr/>
         <p:txBody>
           <a:bodyPr/>
-          <a:p>
-            <a:r>
-              <a:rPr lang="pt-BR"/>
-              <a:t/>
-            </a:r>
+          <a:lstStyle/>
+          <a:p>
+            <a:endParaRPr/>
           </a:p>
         </p:txBody>
       </p:sp>
     </p:spTree>
   </p:cSld>
+  <p:clrMapOvr>
+    <a:masterClrMapping/>
+  </p:clrMapOvr>
 </p:sldLayout>
 </file>
 
 <file path=ppt/slideLayouts/slideLayout21.xml><?xml version="1.0" encoding="utf-8"?>
-<p:sldLayout xmlns:a="http://schemas.openxmlformats.org/drawingml/2006/main" xmlns:p="http://schemas.openxmlformats.org/presentationml/2006/main" xmlns:r="http://schemas.openxmlformats.org/officeDocument/2006/relationships" xmlns:p14="http://schemas.microsoft.com/office/powerpoint/2010/main" xmlns:p15="http://schemas.microsoft.com/office/powerpoint/2012/main" xmlns:mc="http://schemas.openxmlformats.org/markup-compatibility/2006" type="twoObjOverTx" preserve="1">
+<p:sldLayout xmlns:a="http://schemas.openxmlformats.org/drawingml/2006/main" xmlns:r="http://schemas.openxmlformats.org/officeDocument/2006/relationships" xmlns:p="http://schemas.openxmlformats.org/presentationml/2006/main" type="twoObjOverTx" preserve="1">
   <p:cSld name="Title, 2 Content over Content">
     <p:spTree>
       <p:nvGrpSpPr>
@@ -2626,14 +2750,15 @@
           </a:ln>
         </p:spPr>
         <p:txBody>
-          <a:bodyPr lIns="0" rIns="0" tIns="0" bIns="0" anchor="ctr">
+          <a:bodyPr lIns="0" tIns="0" rIns="0" bIns="0" anchor="ctr">
             <a:noAutofit/>
           </a:bodyPr>
-          <a:p>
-            <a:pPr indent="0">
-              <a:buNone/>
-            </a:pPr>
-            <a:endParaRPr b="0" lang="en-US" sz="1800" spc="-1" strike="noStrike">
+          <a:lstStyle/>
+          <a:p>
+            <a:pPr indent="0" algn="ctr">
+              <a:buNone/>
+            </a:pPr>
+            <a:endParaRPr lang="en-CA" sz="4400" b="0" strike="noStrike" spc="-1">
               <a:solidFill>
                 <a:srgbClr val="000000"/>
               </a:solidFill>
@@ -2666,20 +2791,18 @@
           </a:ln>
         </p:spPr>
         <p:txBody>
-          <a:bodyPr lIns="0" rIns="0" tIns="0" bIns="0" anchor="t">
+          <a:bodyPr lIns="0" tIns="0" rIns="0" bIns="0" anchor="t">
             <a:normAutofit/>
           </a:bodyPr>
+          <a:lstStyle/>
           <a:p>
             <a:pPr indent="0">
-              <a:lnSpc>
-                <a:spcPct val="90000"/>
-              </a:lnSpc>
               <a:spcBef>
                 <a:spcPts val="1417"/>
               </a:spcBef>
               <a:buNone/>
             </a:pPr>
-            <a:endParaRPr b="0" lang="en-US" sz="2800" spc="-1" strike="noStrike">
+            <a:endParaRPr lang="en-CA" sz="3200" b="0" strike="noStrike" spc="-1">
               <a:solidFill>
                 <a:srgbClr val="000000"/>
               </a:solidFill>
@@ -2712,20 +2835,18 @@
           </a:ln>
         </p:spPr>
         <p:txBody>
-          <a:bodyPr lIns="0" rIns="0" tIns="0" bIns="0" anchor="t">
+          <a:bodyPr lIns="0" tIns="0" rIns="0" bIns="0" anchor="t">
             <a:normAutofit/>
           </a:bodyPr>
+          <a:lstStyle/>
           <a:p>
             <a:pPr indent="0">
-              <a:lnSpc>
-                <a:spcPct val="90000"/>
-              </a:lnSpc>
               <a:spcBef>
                 <a:spcPts val="1417"/>
               </a:spcBef>
               <a:buNone/>
             </a:pPr>
-            <a:endParaRPr b="0" lang="en-US" sz="2800" spc="-1" strike="noStrike">
+            <a:endParaRPr lang="en-CA" sz="3200" b="0" strike="noStrike" spc="-1">
               <a:solidFill>
                 <a:srgbClr val="000000"/>
               </a:solidFill>
@@ -2758,20 +2879,18 @@
           </a:ln>
         </p:spPr>
         <p:txBody>
-          <a:bodyPr lIns="0" rIns="0" tIns="0" bIns="0" anchor="t">
+          <a:bodyPr lIns="0" tIns="0" rIns="0" bIns="0" anchor="t">
             <a:normAutofit/>
           </a:bodyPr>
+          <a:lstStyle/>
           <a:p>
             <a:pPr indent="0">
-              <a:lnSpc>
-                <a:spcPct val="90000"/>
-              </a:lnSpc>
               <a:spcBef>
                 <a:spcPts val="1417"/>
               </a:spcBef>
               <a:buNone/>
             </a:pPr>
-            <a:endParaRPr b="0" lang="en-US" sz="2800" spc="-1" strike="noStrike">
+            <a:endParaRPr lang="en-CA" sz="3200" b="0" strike="noStrike" spc="-1">
               <a:solidFill>
                 <a:srgbClr val="000000"/>
               </a:solidFill>
@@ -2793,6 +2912,7 @@
         <p:spPr/>
         <p:txBody>
           <a:bodyPr/>
+          <a:lstStyle/>
           <a:p>
             <a:r>
               <a:t>Footer</a:t>
@@ -2813,10 +2933,12 @@
         <p:spPr/>
         <p:txBody>
           <a:bodyPr/>
-          <a:p>
-            <a:fld id="{6E402453-F0E8-4857-9BBE-291D19A5560F}" type="slidenum">
-              <a:t>&lt;#&gt;</a:t>
+          <a:lstStyle/>
+          <a:p>
+            <a:fld id="{8D891858-E26A-455A-83DF-ADBCE2F3F4AD}" type="slidenum">
+              <a:t>‹#›</a:t>
             </a:fld>
+            <a:endParaRPr/>
           </a:p>
         </p:txBody>
       </p:sp>
@@ -2833,21 +2955,22 @@
         <p:spPr/>
         <p:txBody>
           <a:bodyPr/>
-          <a:p>
-            <a:r>
-              <a:rPr lang="pt-BR"/>
-              <a:t/>
-            </a:r>
+          <a:lstStyle/>
+          <a:p>
+            <a:endParaRPr/>
           </a:p>
         </p:txBody>
       </p:sp>
     </p:spTree>
   </p:cSld>
+  <p:clrMapOvr>
+    <a:masterClrMapping/>
+  </p:clrMapOvr>
 </p:sldLayout>
 </file>
 
 <file path=ppt/slideLayouts/slideLayout22.xml><?xml version="1.0" encoding="utf-8"?>
-<p:sldLayout xmlns:a="http://schemas.openxmlformats.org/drawingml/2006/main" xmlns:p="http://schemas.openxmlformats.org/presentationml/2006/main" xmlns:r="http://schemas.openxmlformats.org/officeDocument/2006/relationships" xmlns:p14="http://schemas.microsoft.com/office/powerpoint/2010/main" xmlns:p15="http://schemas.microsoft.com/office/powerpoint/2012/main" xmlns:mc="http://schemas.openxmlformats.org/markup-compatibility/2006" type="objOverTx" preserve="1">
+<p:sldLayout xmlns:a="http://schemas.openxmlformats.org/drawingml/2006/main" xmlns:r="http://schemas.openxmlformats.org/officeDocument/2006/relationships" xmlns:p="http://schemas.openxmlformats.org/presentationml/2006/main" type="objOverTx" preserve="1">
   <p:cSld name="Title, Content over Content">
     <p:spTree>
       <p:nvGrpSpPr>
@@ -2887,14 +3010,15 @@
           </a:ln>
         </p:spPr>
         <p:txBody>
-          <a:bodyPr lIns="0" rIns="0" tIns="0" bIns="0" anchor="ctr">
+          <a:bodyPr lIns="0" tIns="0" rIns="0" bIns="0" anchor="ctr">
             <a:noAutofit/>
           </a:bodyPr>
-          <a:p>
-            <a:pPr indent="0">
-              <a:buNone/>
-            </a:pPr>
-            <a:endParaRPr b="0" lang="en-US" sz="1800" spc="-1" strike="noStrike">
+          <a:lstStyle/>
+          <a:p>
+            <a:pPr indent="0" algn="ctr">
+              <a:buNone/>
+            </a:pPr>
+            <a:endParaRPr lang="en-CA" sz="4400" b="0" strike="noStrike" spc="-1">
               <a:solidFill>
                 <a:srgbClr val="000000"/>
               </a:solidFill>
@@ -2927,20 +3051,18 @@
           </a:ln>
         </p:spPr>
         <p:txBody>
-          <a:bodyPr lIns="0" rIns="0" tIns="0" bIns="0" anchor="t">
+          <a:bodyPr lIns="0" tIns="0" rIns="0" bIns="0" anchor="t">
             <a:normAutofit/>
           </a:bodyPr>
+          <a:lstStyle/>
           <a:p>
             <a:pPr indent="0">
-              <a:lnSpc>
-                <a:spcPct val="90000"/>
-              </a:lnSpc>
               <a:spcBef>
                 <a:spcPts val="1417"/>
               </a:spcBef>
               <a:buNone/>
             </a:pPr>
-            <a:endParaRPr b="0" lang="en-US" sz="2800" spc="-1" strike="noStrike">
+            <a:endParaRPr lang="en-CA" sz="3200" b="0" strike="noStrike" spc="-1">
               <a:solidFill>
                 <a:srgbClr val="000000"/>
               </a:solidFill>
@@ -2973,20 +3095,18 @@
           </a:ln>
         </p:spPr>
         <p:txBody>
-          <a:bodyPr lIns="0" rIns="0" tIns="0" bIns="0" anchor="t">
+          <a:bodyPr lIns="0" tIns="0" rIns="0" bIns="0" anchor="t">
             <a:normAutofit/>
           </a:bodyPr>
+          <a:lstStyle/>
           <a:p>
             <a:pPr indent="0">
-              <a:lnSpc>
-                <a:spcPct val="90000"/>
-              </a:lnSpc>
               <a:spcBef>
                 <a:spcPts val="1417"/>
               </a:spcBef>
               <a:buNone/>
             </a:pPr>
-            <a:endParaRPr b="0" lang="en-US" sz="2800" spc="-1" strike="noStrike">
+            <a:endParaRPr lang="en-CA" sz="3200" b="0" strike="noStrike" spc="-1">
               <a:solidFill>
                 <a:srgbClr val="000000"/>
               </a:solidFill>
@@ -3008,6 +3128,7 @@
         <p:spPr/>
         <p:txBody>
           <a:bodyPr/>
+          <a:lstStyle/>
           <a:p>
             <a:r>
               <a:t>Footer</a:t>
@@ -3028,10 +3149,12 @@
         <p:spPr/>
         <p:txBody>
           <a:bodyPr/>
-          <a:p>
-            <a:fld id="{1BFC7498-1500-4CD5-85EA-FFF97B7486E0}" type="slidenum">
-              <a:t>&lt;#&gt;</a:t>
+          <a:lstStyle/>
+          <a:p>
+            <a:fld id="{45A4E931-1B8A-4496-947C-BC2B0606C54E}" type="slidenum">
+              <a:t>‹#›</a:t>
             </a:fld>
+            <a:endParaRPr/>
           </a:p>
         </p:txBody>
       </p:sp>
@@ -3048,21 +3171,22 @@
         <p:spPr/>
         <p:txBody>
           <a:bodyPr/>
-          <a:p>
-            <a:r>
-              <a:rPr lang="pt-BR"/>
-              <a:t/>
-            </a:r>
+          <a:lstStyle/>
+          <a:p>
+            <a:endParaRPr/>
           </a:p>
         </p:txBody>
       </p:sp>
     </p:spTree>
   </p:cSld>
+  <p:clrMapOvr>
+    <a:masterClrMapping/>
+  </p:clrMapOvr>
 </p:sldLayout>
 </file>
 
 <file path=ppt/slideLayouts/slideLayout23.xml><?xml version="1.0" encoding="utf-8"?>
-<p:sldLayout xmlns:a="http://schemas.openxmlformats.org/drawingml/2006/main" xmlns:p="http://schemas.openxmlformats.org/presentationml/2006/main" xmlns:r="http://schemas.openxmlformats.org/officeDocument/2006/relationships" xmlns:p14="http://schemas.microsoft.com/office/powerpoint/2010/main" xmlns:p15="http://schemas.microsoft.com/office/powerpoint/2012/main" xmlns:mc="http://schemas.openxmlformats.org/markup-compatibility/2006" type="fourObj" preserve="1">
+<p:sldLayout xmlns:a="http://schemas.openxmlformats.org/drawingml/2006/main" xmlns:r="http://schemas.openxmlformats.org/officeDocument/2006/relationships" xmlns:p="http://schemas.openxmlformats.org/presentationml/2006/main" type="fourObj" preserve="1">
   <p:cSld name="Title, 4 Content">
     <p:spTree>
       <p:nvGrpSpPr>
@@ -3102,14 +3226,15 @@
           </a:ln>
         </p:spPr>
         <p:txBody>
-          <a:bodyPr lIns="0" rIns="0" tIns="0" bIns="0" anchor="ctr">
+          <a:bodyPr lIns="0" tIns="0" rIns="0" bIns="0" anchor="ctr">
             <a:noAutofit/>
           </a:bodyPr>
-          <a:p>
-            <a:pPr indent="0">
-              <a:buNone/>
-            </a:pPr>
-            <a:endParaRPr b="0" lang="en-US" sz="1800" spc="-1" strike="noStrike">
+          <a:lstStyle/>
+          <a:p>
+            <a:pPr indent="0" algn="ctr">
+              <a:buNone/>
+            </a:pPr>
+            <a:endParaRPr lang="en-CA" sz="4400" b="0" strike="noStrike" spc="-1">
               <a:solidFill>
                 <a:srgbClr val="000000"/>
               </a:solidFill>
@@ -3142,20 +3267,18 @@
           </a:ln>
         </p:spPr>
         <p:txBody>
-          <a:bodyPr lIns="0" rIns="0" tIns="0" bIns="0" anchor="t">
+          <a:bodyPr lIns="0" tIns="0" rIns="0" bIns="0" anchor="t">
             <a:normAutofit/>
           </a:bodyPr>
+          <a:lstStyle/>
           <a:p>
             <a:pPr indent="0">
-              <a:lnSpc>
-                <a:spcPct val="90000"/>
-              </a:lnSpc>
               <a:spcBef>
                 <a:spcPts val="1417"/>
               </a:spcBef>
               <a:buNone/>
             </a:pPr>
-            <a:endParaRPr b="0" lang="en-US" sz="2800" spc="-1" strike="noStrike">
+            <a:endParaRPr lang="en-CA" sz="3200" b="0" strike="noStrike" spc="-1">
               <a:solidFill>
                 <a:srgbClr val="000000"/>
               </a:solidFill>
@@ -3188,20 +3311,18 @@
           </a:ln>
         </p:spPr>
         <p:txBody>
-          <a:bodyPr lIns="0" rIns="0" tIns="0" bIns="0" anchor="t">
+          <a:bodyPr lIns="0" tIns="0" rIns="0" bIns="0" anchor="t">
             <a:normAutofit/>
           </a:bodyPr>
+          <a:lstStyle/>
           <a:p>
             <a:pPr indent="0">
-              <a:lnSpc>
-                <a:spcPct val="90000"/>
-              </a:lnSpc>
               <a:spcBef>
                 <a:spcPts val="1417"/>
               </a:spcBef>
               <a:buNone/>
             </a:pPr>
-            <a:endParaRPr b="0" lang="en-US" sz="2800" spc="-1" strike="noStrike">
+            <a:endParaRPr lang="en-CA" sz="3200" b="0" strike="noStrike" spc="-1">
               <a:solidFill>
                 <a:srgbClr val="000000"/>
               </a:solidFill>
@@ -3234,20 +3355,18 @@
           </a:ln>
         </p:spPr>
         <p:txBody>
-          <a:bodyPr lIns="0" rIns="0" tIns="0" bIns="0" anchor="t">
+          <a:bodyPr lIns="0" tIns="0" rIns="0" bIns="0" anchor="t">
             <a:normAutofit/>
           </a:bodyPr>
+          <a:lstStyle/>
           <a:p>
             <a:pPr indent="0">
-              <a:lnSpc>
-                <a:spcPct val="90000"/>
-              </a:lnSpc>
               <a:spcBef>
                 <a:spcPts val="1417"/>
               </a:spcBef>
               <a:buNone/>
             </a:pPr>
-            <a:endParaRPr b="0" lang="en-US" sz="2800" spc="-1" strike="noStrike">
+            <a:endParaRPr lang="en-CA" sz="3200" b="0" strike="noStrike" spc="-1">
               <a:solidFill>
                 <a:srgbClr val="000000"/>
               </a:solidFill>
@@ -3280,20 +3399,18 @@
           </a:ln>
         </p:spPr>
         <p:txBody>
-          <a:bodyPr lIns="0" rIns="0" tIns="0" bIns="0" anchor="t">
+          <a:bodyPr lIns="0" tIns="0" rIns="0" bIns="0" anchor="t">
             <a:normAutofit/>
           </a:bodyPr>
+          <a:lstStyle/>
           <a:p>
             <a:pPr indent="0">
-              <a:lnSpc>
-                <a:spcPct val="90000"/>
-              </a:lnSpc>
               <a:spcBef>
                 <a:spcPts val="1417"/>
               </a:spcBef>
               <a:buNone/>
             </a:pPr>
-            <a:endParaRPr b="0" lang="en-US" sz="2800" spc="-1" strike="noStrike">
+            <a:endParaRPr lang="en-CA" sz="3200" b="0" strike="noStrike" spc="-1">
               <a:solidFill>
                 <a:srgbClr val="000000"/>
               </a:solidFill>
@@ -3315,6 +3432,7 @@
         <p:spPr/>
         <p:txBody>
           <a:bodyPr/>
+          <a:lstStyle/>
           <a:p>
             <a:r>
               <a:t>Footer</a:t>
@@ -3335,10 +3453,12 @@
         <p:spPr/>
         <p:txBody>
           <a:bodyPr/>
-          <a:p>
-            <a:fld id="{B787A5FA-FB6A-42BF-94EB-40C5B87F0603}" type="slidenum">
-              <a:t>&lt;#&gt;</a:t>
+          <a:lstStyle/>
+          <a:p>
+            <a:fld id="{0F09450D-B9E6-4585-9B2E-53A1D5564A9D}" type="slidenum">
+              <a:t>‹#›</a:t>
             </a:fld>
+            <a:endParaRPr/>
           </a:p>
         </p:txBody>
       </p:sp>
@@ -3355,21 +3475,22 @@
         <p:spPr/>
         <p:txBody>
           <a:bodyPr/>
-          <a:p>
-            <a:r>
-              <a:rPr lang="pt-BR"/>
-              <a:t/>
-            </a:r>
+          <a:lstStyle/>
+          <a:p>
+            <a:endParaRPr/>
           </a:p>
         </p:txBody>
       </p:sp>
     </p:spTree>
   </p:cSld>
+  <p:clrMapOvr>
+    <a:masterClrMapping/>
+  </p:clrMapOvr>
 </p:sldLayout>
 </file>
 
 <file path=ppt/slideLayouts/slideLayout24.xml><?xml version="1.0" encoding="utf-8"?>
-<p:sldLayout xmlns:a="http://schemas.openxmlformats.org/drawingml/2006/main" xmlns:p="http://schemas.openxmlformats.org/presentationml/2006/main" xmlns:r="http://schemas.openxmlformats.org/officeDocument/2006/relationships" xmlns:p14="http://schemas.microsoft.com/office/powerpoint/2010/main" xmlns:p15="http://schemas.microsoft.com/office/powerpoint/2012/main" xmlns:mc="http://schemas.openxmlformats.org/markup-compatibility/2006" type="blank" preserve="1">
+<p:sldLayout xmlns:a="http://schemas.openxmlformats.org/drawingml/2006/main" xmlns:r="http://schemas.openxmlformats.org/officeDocument/2006/relationships" xmlns:p="http://schemas.openxmlformats.org/presentationml/2006/main" type="blank" preserve="1">
   <p:cSld name="Title, 6 Content">
     <p:spTree>
       <p:nvGrpSpPr>
@@ -3409,14 +3530,15 @@
           </a:ln>
         </p:spPr>
         <p:txBody>
-          <a:bodyPr lIns="0" rIns="0" tIns="0" bIns="0" anchor="ctr">
+          <a:bodyPr lIns="0" tIns="0" rIns="0" bIns="0" anchor="ctr">
             <a:noAutofit/>
           </a:bodyPr>
-          <a:p>
-            <a:pPr indent="0">
-              <a:buNone/>
-            </a:pPr>
-            <a:endParaRPr b="0" lang="en-US" sz="1800" spc="-1" strike="noStrike">
+          <a:lstStyle/>
+          <a:p>
+            <a:pPr indent="0" algn="ctr">
+              <a:buNone/>
+            </a:pPr>
+            <a:endParaRPr lang="en-CA" sz="4400" b="0" strike="noStrike" spc="-1">
               <a:solidFill>
                 <a:srgbClr val="000000"/>
               </a:solidFill>
@@ -3449,20 +3571,18 @@
           </a:ln>
         </p:spPr>
         <p:txBody>
-          <a:bodyPr lIns="0" rIns="0" tIns="0" bIns="0" anchor="t">
+          <a:bodyPr lIns="0" tIns="0" rIns="0" bIns="0" anchor="t">
             <a:normAutofit/>
           </a:bodyPr>
+          <a:lstStyle/>
           <a:p>
             <a:pPr indent="0">
-              <a:lnSpc>
-                <a:spcPct val="90000"/>
-              </a:lnSpc>
               <a:spcBef>
                 <a:spcPts val="1417"/>
               </a:spcBef>
               <a:buNone/>
             </a:pPr>
-            <a:endParaRPr b="0" lang="en-US" sz="2800" spc="-1" strike="noStrike">
+            <a:endParaRPr lang="en-CA" sz="3200" b="0" strike="noStrike" spc="-1">
               <a:solidFill>
                 <a:srgbClr val="000000"/>
               </a:solidFill>
@@ -3495,20 +3615,18 @@
           </a:ln>
         </p:spPr>
         <p:txBody>
-          <a:bodyPr lIns="0" rIns="0" tIns="0" bIns="0" anchor="t">
+          <a:bodyPr lIns="0" tIns="0" rIns="0" bIns="0" anchor="t">
             <a:normAutofit/>
           </a:bodyPr>
+          <a:lstStyle/>
           <a:p>
             <a:pPr indent="0">
-              <a:lnSpc>
-                <a:spcPct val="90000"/>
-              </a:lnSpc>
               <a:spcBef>
                 <a:spcPts val="1417"/>
               </a:spcBef>
               <a:buNone/>
             </a:pPr>
-            <a:endParaRPr b="0" lang="en-US" sz="2800" spc="-1" strike="noStrike">
+            <a:endParaRPr lang="en-CA" sz="3200" b="0" strike="noStrike" spc="-1">
               <a:solidFill>
                 <a:srgbClr val="000000"/>
               </a:solidFill>
@@ -3541,20 +3659,18 @@
           </a:ln>
         </p:spPr>
         <p:txBody>
-          <a:bodyPr lIns="0" rIns="0" tIns="0" bIns="0" anchor="t">
+          <a:bodyPr lIns="0" tIns="0" rIns="0" bIns="0" anchor="t">
             <a:normAutofit/>
           </a:bodyPr>
+          <a:lstStyle/>
           <a:p>
             <a:pPr indent="0">
-              <a:lnSpc>
-                <a:spcPct val="90000"/>
-              </a:lnSpc>
               <a:spcBef>
                 <a:spcPts val="1417"/>
               </a:spcBef>
               <a:buNone/>
             </a:pPr>
-            <a:endParaRPr b="0" lang="en-US" sz="2800" spc="-1" strike="noStrike">
+            <a:endParaRPr lang="en-CA" sz="3200" b="0" strike="noStrike" spc="-1">
               <a:solidFill>
                 <a:srgbClr val="000000"/>
               </a:solidFill>
@@ -3587,20 +3703,18 @@
           </a:ln>
         </p:spPr>
         <p:txBody>
-          <a:bodyPr lIns="0" rIns="0" tIns="0" bIns="0" anchor="t">
+          <a:bodyPr lIns="0" tIns="0" rIns="0" bIns="0" anchor="t">
             <a:normAutofit/>
           </a:bodyPr>
+          <a:lstStyle/>
           <a:p>
             <a:pPr indent="0">
-              <a:lnSpc>
-                <a:spcPct val="90000"/>
-              </a:lnSpc>
               <a:spcBef>
                 <a:spcPts val="1417"/>
               </a:spcBef>
               <a:buNone/>
             </a:pPr>
-            <a:endParaRPr b="0" lang="en-US" sz="2800" spc="-1" strike="noStrike">
+            <a:endParaRPr lang="en-CA" sz="3200" b="0" strike="noStrike" spc="-1">
               <a:solidFill>
                 <a:srgbClr val="000000"/>
               </a:solidFill>
@@ -3633,20 +3747,18 @@
           </a:ln>
         </p:spPr>
         <p:txBody>
-          <a:bodyPr lIns="0" rIns="0" tIns="0" bIns="0" anchor="t">
+          <a:bodyPr lIns="0" tIns="0" rIns="0" bIns="0" anchor="t">
             <a:normAutofit/>
           </a:bodyPr>
+          <a:lstStyle/>
           <a:p>
             <a:pPr indent="0">
-              <a:lnSpc>
-                <a:spcPct val="90000"/>
-              </a:lnSpc>
               <a:spcBef>
                 <a:spcPts val="1417"/>
               </a:spcBef>
               <a:buNone/>
             </a:pPr>
-            <a:endParaRPr b="0" lang="en-US" sz="2800" spc="-1" strike="noStrike">
+            <a:endParaRPr lang="en-CA" sz="3200" b="0" strike="noStrike" spc="-1">
               <a:solidFill>
                 <a:srgbClr val="000000"/>
               </a:solidFill>
@@ -3679,20 +3791,18 @@
           </a:ln>
         </p:spPr>
         <p:txBody>
-          <a:bodyPr lIns="0" rIns="0" tIns="0" bIns="0" anchor="t">
+          <a:bodyPr lIns="0" tIns="0" rIns="0" bIns="0" anchor="t">
             <a:normAutofit/>
           </a:bodyPr>
+          <a:lstStyle/>
           <a:p>
             <a:pPr indent="0">
-              <a:lnSpc>
-                <a:spcPct val="90000"/>
-              </a:lnSpc>
               <a:spcBef>
                 <a:spcPts val="1417"/>
               </a:spcBef>
               <a:buNone/>
             </a:pPr>
-            <a:endParaRPr b="0" lang="en-US" sz="2800" spc="-1" strike="noStrike">
+            <a:endParaRPr lang="en-CA" sz="3200" b="0" strike="noStrike" spc="-1">
               <a:solidFill>
                 <a:srgbClr val="000000"/>
               </a:solidFill>
@@ -3714,6 +3824,7 @@
         <p:spPr/>
         <p:txBody>
           <a:bodyPr/>
+          <a:lstStyle/>
           <a:p>
             <a:r>
               <a:t>Footer</a:t>
@@ -3734,10 +3845,12 @@
         <p:spPr/>
         <p:txBody>
           <a:bodyPr/>
-          <a:p>
-            <a:fld id="{83744C02-383D-4696-8180-029EA061FA4A}" type="slidenum">
-              <a:t>&lt;#&gt;</a:t>
+          <a:lstStyle/>
+          <a:p>
+            <a:fld id="{A39D02D6-41FF-475D-8047-7A9647DD6B4B}" type="slidenum">
+              <a:t>‹#›</a:t>
             </a:fld>
+            <a:endParaRPr/>
           </a:p>
         </p:txBody>
       </p:sp>
@@ -3754,21 +3867,22 @@
         <p:spPr/>
         <p:txBody>
           <a:bodyPr/>
-          <a:p>
-            <a:r>
-              <a:rPr lang="pt-BR"/>
-              <a:t/>
-            </a:r>
+          <a:lstStyle/>
+          <a:p>
+            <a:endParaRPr/>
           </a:p>
         </p:txBody>
       </p:sp>
     </p:spTree>
   </p:cSld>
+  <p:clrMapOvr>
+    <a:masterClrMapping/>
+  </p:clrMapOvr>
 </p:sldLayout>
 </file>
 
 <file path=ppt/slideLayouts/slideLayout3.xml><?xml version="1.0" encoding="utf-8"?>
-<p:sldLayout xmlns:a="http://schemas.openxmlformats.org/drawingml/2006/main" xmlns:p="http://schemas.openxmlformats.org/presentationml/2006/main" xmlns:r="http://schemas.openxmlformats.org/officeDocument/2006/relationships" xmlns:p14="http://schemas.microsoft.com/office/powerpoint/2010/main" xmlns:p15="http://schemas.microsoft.com/office/powerpoint/2012/main" xmlns:mc="http://schemas.openxmlformats.org/markup-compatibility/2006" type="obj" preserve="1">
+<p:sldLayout xmlns:a="http://schemas.openxmlformats.org/drawingml/2006/main" xmlns:r="http://schemas.openxmlformats.org/officeDocument/2006/relationships" xmlns:p="http://schemas.openxmlformats.org/presentationml/2006/main" type="obj" preserve="1">
   <p:cSld name="Title, Content">
     <p:spTree>
       <p:nvGrpSpPr>
@@ -3808,14 +3922,15 @@
           </a:ln>
         </p:spPr>
         <p:txBody>
-          <a:bodyPr lIns="0" rIns="0" tIns="0" bIns="0" anchor="ctr">
+          <a:bodyPr lIns="0" tIns="0" rIns="0" bIns="0" anchor="ctr">
             <a:noAutofit/>
           </a:bodyPr>
-          <a:p>
-            <a:pPr indent="0">
-              <a:buNone/>
-            </a:pPr>
-            <a:endParaRPr b="0" lang="en-US" sz="1800" spc="-1" strike="noStrike">
+          <a:lstStyle/>
+          <a:p>
+            <a:pPr indent="0" algn="ctr">
+              <a:buNone/>
+            </a:pPr>
+            <a:endParaRPr lang="en-CA" sz="4400" b="0" strike="noStrike" spc="-1">
               <a:solidFill>
                 <a:srgbClr val="000000"/>
               </a:solidFill>
@@ -3848,20 +3963,18 @@
           </a:ln>
         </p:spPr>
         <p:txBody>
-          <a:bodyPr lIns="0" rIns="0" tIns="0" bIns="0" anchor="t">
+          <a:bodyPr lIns="0" tIns="0" rIns="0" bIns="0" anchor="t">
             <a:normAutofit/>
           </a:bodyPr>
+          <a:lstStyle/>
           <a:p>
             <a:pPr indent="0">
-              <a:lnSpc>
-                <a:spcPct val="90000"/>
-              </a:lnSpc>
               <a:spcBef>
                 <a:spcPts val="1417"/>
               </a:spcBef>
               <a:buNone/>
             </a:pPr>
-            <a:endParaRPr b="0" lang="en-US" sz="2800" spc="-1" strike="noStrike">
+            <a:endParaRPr lang="en-CA" sz="3200" b="0" strike="noStrike" spc="-1">
               <a:solidFill>
                 <a:srgbClr val="000000"/>
               </a:solidFill>
@@ -3883,6 +3996,7 @@
         <p:spPr/>
         <p:txBody>
           <a:bodyPr/>
+          <a:lstStyle/>
           <a:p>
             <a:r>
               <a:t>Footer</a:t>
@@ -3903,10 +4017,12 @@
         <p:spPr/>
         <p:txBody>
           <a:bodyPr/>
-          <a:p>
-            <a:fld id="{557D4940-3CF8-4E84-AC5C-916CF4EDBE4D}" type="slidenum">
-              <a:t>&lt;#&gt;</a:t>
+          <a:lstStyle/>
+          <a:p>
+            <a:fld id="{805479E9-0822-44E1-9CDD-C3704A46ED98}" type="slidenum">
+              <a:t>‹#›</a:t>
             </a:fld>
+            <a:endParaRPr/>
           </a:p>
         </p:txBody>
       </p:sp>
@@ -3923,21 +4039,22 @@
         <p:spPr/>
         <p:txBody>
           <a:bodyPr/>
-          <a:p>
-            <a:r>
-              <a:rPr lang="pt-BR"/>
-              <a:t/>
-            </a:r>
+          <a:lstStyle/>
+          <a:p>
+            <a:endParaRPr/>
           </a:p>
         </p:txBody>
       </p:sp>
     </p:spTree>
   </p:cSld>
+  <p:clrMapOvr>
+    <a:masterClrMapping/>
+  </p:clrMapOvr>
 </p:sldLayout>
 </file>
 
 <file path=ppt/slideLayouts/slideLayout4.xml><?xml version="1.0" encoding="utf-8"?>
-<p:sldLayout xmlns:a="http://schemas.openxmlformats.org/drawingml/2006/main" xmlns:p="http://schemas.openxmlformats.org/presentationml/2006/main" xmlns:r="http://schemas.openxmlformats.org/officeDocument/2006/relationships" xmlns:p14="http://schemas.microsoft.com/office/powerpoint/2010/main" xmlns:p15="http://schemas.microsoft.com/office/powerpoint/2012/main" xmlns:mc="http://schemas.openxmlformats.org/markup-compatibility/2006" type="twoObj" preserve="1">
+<p:sldLayout xmlns:a="http://schemas.openxmlformats.org/drawingml/2006/main" xmlns:r="http://schemas.openxmlformats.org/officeDocument/2006/relationships" xmlns:p="http://schemas.openxmlformats.org/presentationml/2006/main" type="twoObj" preserve="1">
   <p:cSld name="Title, 2 Content">
     <p:spTree>
       <p:nvGrpSpPr>
@@ -3977,14 +4094,15 @@
           </a:ln>
         </p:spPr>
         <p:txBody>
-          <a:bodyPr lIns="0" rIns="0" tIns="0" bIns="0" anchor="ctr">
+          <a:bodyPr lIns="0" tIns="0" rIns="0" bIns="0" anchor="ctr">
             <a:noAutofit/>
           </a:bodyPr>
-          <a:p>
-            <a:pPr indent="0">
-              <a:buNone/>
-            </a:pPr>
-            <a:endParaRPr b="0" lang="en-US" sz="1800" spc="-1" strike="noStrike">
+          <a:lstStyle/>
+          <a:p>
+            <a:pPr indent="0" algn="ctr">
+              <a:buNone/>
+            </a:pPr>
+            <a:endParaRPr lang="en-CA" sz="4400" b="0" strike="noStrike" spc="-1">
               <a:solidFill>
                 <a:srgbClr val="000000"/>
               </a:solidFill>
@@ -4017,20 +4135,18 @@
           </a:ln>
         </p:spPr>
         <p:txBody>
-          <a:bodyPr lIns="0" rIns="0" tIns="0" bIns="0" anchor="t">
+          <a:bodyPr lIns="0" tIns="0" rIns="0" bIns="0" anchor="t">
             <a:normAutofit/>
           </a:bodyPr>
+          <a:lstStyle/>
           <a:p>
             <a:pPr indent="0">
-              <a:lnSpc>
-                <a:spcPct val="90000"/>
-              </a:lnSpc>
               <a:spcBef>
                 <a:spcPts val="1417"/>
               </a:spcBef>
               <a:buNone/>
             </a:pPr>
-            <a:endParaRPr b="0" lang="en-US" sz="2800" spc="-1" strike="noStrike">
+            <a:endParaRPr lang="en-CA" sz="3200" b="0" strike="noStrike" spc="-1">
               <a:solidFill>
                 <a:srgbClr val="000000"/>
               </a:solidFill>
@@ -4063,20 +4179,18 @@
           </a:ln>
         </p:spPr>
         <p:txBody>
-          <a:bodyPr lIns="0" rIns="0" tIns="0" bIns="0" anchor="t">
+          <a:bodyPr lIns="0" tIns="0" rIns="0" bIns="0" anchor="t">
             <a:normAutofit/>
           </a:bodyPr>
+          <a:lstStyle/>
           <a:p>
             <a:pPr indent="0">
-              <a:lnSpc>
-                <a:spcPct val="90000"/>
-              </a:lnSpc>
               <a:spcBef>
                 <a:spcPts val="1417"/>
               </a:spcBef>
               <a:buNone/>
             </a:pPr>
-            <a:endParaRPr b="0" lang="en-US" sz="2800" spc="-1" strike="noStrike">
+            <a:endParaRPr lang="en-CA" sz="3200" b="0" strike="noStrike" spc="-1">
               <a:solidFill>
                 <a:srgbClr val="000000"/>
               </a:solidFill>
@@ -4098,6 +4212,7 @@
         <p:spPr/>
         <p:txBody>
           <a:bodyPr/>
+          <a:lstStyle/>
           <a:p>
             <a:r>
               <a:t>Footer</a:t>
@@ -4118,10 +4233,12 @@
         <p:spPr/>
         <p:txBody>
           <a:bodyPr/>
-          <a:p>
-            <a:fld id="{172A6B34-E2E6-46B2-A97E-A561D76E1F06}" type="slidenum">
-              <a:t>&lt;#&gt;</a:t>
+          <a:lstStyle/>
+          <a:p>
+            <a:fld id="{D5188253-F770-43DB-9364-188DAD007BEA}" type="slidenum">
+              <a:t>‹#›</a:t>
             </a:fld>
+            <a:endParaRPr/>
           </a:p>
         </p:txBody>
       </p:sp>
@@ -4138,21 +4255,22 @@
         <p:spPr/>
         <p:txBody>
           <a:bodyPr/>
-          <a:p>
-            <a:r>
-              <a:rPr lang="pt-BR"/>
-              <a:t/>
-            </a:r>
+          <a:lstStyle/>
+          <a:p>
+            <a:endParaRPr/>
           </a:p>
         </p:txBody>
       </p:sp>
     </p:spTree>
   </p:cSld>
+  <p:clrMapOvr>
+    <a:masterClrMapping/>
+  </p:clrMapOvr>
 </p:sldLayout>
 </file>
 
 <file path=ppt/slideLayouts/slideLayout5.xml><?xml version="1.0" encoding="utf-8"?>
-<p:sldLayout xmlns:a="http://schemas.openxmlformats.org/drawingml/2006/main" xmlns:p="http://schemas.openxmlformats.org/presentationml/2006/main" xmlns:r="http://schemas.openxmlformats.org/officeDocument/2006/relationships" xmlns:p14="http://schemas.microsoft.com/office/powerpoint/2010/main" xmlns:p15="http://schemas.microsoft.com/office/powerpoint/2012/main" xmlns:mc="http://schemas.openxmlformats.org/markup-compatibility/2006" type="titleOnly" preserve="1">
+<p:sldLayout xmlns:a="http://schemas.openxmlformats.org/drawingml/2006/main" xmlns:r="http://schemas.openxmlformats.org/officeDocument/2006/relationships" xmlns:p="http://schemas.openxmlformats.org/presentationml/2006/main" type="titleOnly" preserve="1">
   <p:cSld name="Title Only">
     <p:spTree>
       <p:nvGrpSpPr>
@@ -4192,14 +4310,15 @@
           </a:ln>
         </p:spPr>
         <p:txBody>
-          <a:bodyPr lIns="0" rIns="0" tIns="0" bIns="0" anchor="ctr">
+          <a:bodyPr lIns="0" tIns="0" rIns="0" bIns="0" anchor="ctr">
             <a:noAutofit/>
           </a:bodyPr>
-          <a:p>
-            <a:pPr indent="0">
-              <a:buNone/>
-            </a:pPr>
-            <a:endParaRPr b="0" lang="en-US" sz="1800" spc="-1" strike="noStrike">
+          <a:lstStyle/>
+          <a:p>
+            <a:pPr indent="0" algn="ctr">
+              <a:buNone/>
+            </a:pPr>
+            <a:endParaRPr lang="en-CA" sz="4400" b="0" strike="noStrike" spc="-1">
               <a:solidFill>
                 <a:srgbClr val="000000"/>
               </a:solidFill>
@@ -4221,6 +4340,7 @@
         <p:spPr/>
         <p:txBody>
           <a:bodyPr/>
+          <a:lstStyle/>
           <a:p>
             <a:r>
               <a:t>Footer</a:t>
@@ -4241,10 +4361,12 @@
         <p:spPr/>
         <p:txBody>
           <a:bodyPr/>
-          <a:p>
-            <a:fld id="{313FE6F4-22F6-45C3-90F6-EEA616996209}" type="slidenum">
-              <a:t>&lt;#&gt;</a:t>
+          <a:lstStyle/>
+          <a:p>
+            <a:fld id="{A1017491-3A45-4D1F-80F4-464C9AF73990}" type="slidenum">
+              <a:t>‹#›</a:t>
             </a:fld>
+            <a:endParaRPr/>
           </a:p>
         </p:txBody>
       </p:sp>
@@ -4261,21 +4383,22 @@
         <p:spPr/>
         <p:txBody>
           <a:bodyPr/>
-          <a:p>
-            <a:r>
-              <a:rPr lang="pt-BR"/>
-              <a:t/>
-            </a:r>
+          <a:lstStyle/>
+          <a:p>
+            <a:endParaRPr/>
           </a:p>
         </p:txBody>
       </p:sp>
     </p:spTree>
   </p:cSld>
+  <p:clrMapOvr>
+    <a:masterClrMapping/>
+  </p:clrMapOvr>
 </p:sldLayout>
 </file>
 
 <file path=ppt/slideLayouts/slideLayout6.xml><?xml version="1.0" encoding="utf-8"?>
-<p:sldLayout xmlns:a="http://schemas.openxmlformats.org/drawingml/2006/main" xmlns:p="http://schemas.openxmlformats.org/presentationml/2006/main" xmlns:r="http://schemas.openxmlformats.org/officeDocument/2006/relationships" xmlns:p14="http://schemas.microsoft.com/office/powerpoint/2010/main" xmlns:p15="http://schemas.microsoft.com/office/powerpoint/2012/main" xmlns:mc="http://schemas.openxmlformats.org/markup-compatibility/2006" type="objOnly" preserve="1">
+<p:sldLayout xmlns:a="http://schemas.openxmlformats.org/drawingml/2006/main" xmlns:r="http://schemas.openxmlformats.org/officeDocument/2006/relationships" xmlns:p="http://schemas.openxmlformats.org/presentationml/2006/main" type="objOnly" preserve="1">
   <p:cSld name="Centered Text">
     <p:spTree>
       <p:nvGrpSpPr>
@@ -4315,12 +4438,13 @@
           </a:ln>
         </p:spPr>
         <p:txBody>
-          <a:bodyPr lIns="0" rIns="0" tIns="0" bIns="0" anchor="ctr">
+          <a:bodyPr lIns="0" tIns="0" rIns="0" bIns="0" anchor="ctr">
             <a:noAutofit/>
           </a:bodyPr>
+          <a:lstStyle/>
           <a:p>
             <a:pPr algn="ctr"/>
-            <a:endParaRPr b="0" lang="pt-BR" sz="3200" spc="-1" strike="noStrike">
+            <a:endParaRPr lang="en-CA" sz="3200" b="0" strike="noStrike" spc="-1">
               <a:solidFill>
                 <a:srgbClr val="000000"/>
               </a:solidFill>
@@ -4342,6 +4466,7 @@
         <p:spPr/>
         <p:txBody>
           <a:bodyPr/>
+          <a:lstStyle/>
           <a:p>
             <a:r>
               <a:t>Footer</a:t>
@@ -4362,10 +4487,12 @@
         <p:spPr/>
         <p:txBody>
           <a:bodyPr/>
-          <a:p>
-            <a:fld id="{083B78A5-3BB8-4342-84A3-A5DE7FC4B18B}" type="slidenum">
-              <a:t>&lt;#&gt;</a:t>
+          <a:lstStyle/>
+          <a:p>
+            <a:fld id="{739C730A-DAA7-4AA8-8FBF-7B65EE46771E}" type="slidenum">
+              <a:t>‹#›</a:t>
             </a:fld>
+            <a:endParaRPr/>
           </a:p>
         </p:txBody>
       </p:sp>
@@ -4382,21 +4509,22 @@
         <p:spPr/>
         <p:txBody>
           <a:bodyPr/>
-          <a:p>
-            <a:r>
-              <a:rPr lang="pt-BR"/>
-              <a:t/>
-            </a:r>
+          <a:lstStyle/>
+          <a:p>
+            <a:endParaRPr/>
           </a:p>
         </p:txBody>
       </p:sp>
     </p:spTree>
   </p:cSld>
+  <p:clrMapOvr>
+    <a:masterClrMapping/>
+  </p:clrMapOvr>
 </p:sldLayout>
 </file>
 
 <file path=ppt/slideLayouts/slideLayout7.xml><?xml version="1.0" encoding="utf-8"?>
-<p:sldLayout xmlns:a="http://schemas.openxmlformats.org/drawingml/2006/main" xmlns:p="http://schemas.openxmlformats.org/presentationml/2006/main" xmlns:r="http://schemas.openxmlformats.org/officeDocument/2006/relationships" xmlns:p14="http://schemas.microsoft.com/office/powerpoint/2010/main" xmlns:p15="http://schemas.microsoft.com/office/powerpoint/2012/main" xmlns:mc="http://schemas.openxmlformats.org/markup-compatibility/2006" type="twoObjAndObj" preserve="1">
+<p:sldLayout xmlns:a="http://schemas.openxmlformats.org/drawingml/2006/main" xmlns:r="http://schemas.openxmlformats.org/officeDocument/2006/relationships" xmlns:p="http://schemas.openxmlformats.org/presentationml/2006/main" type="twoObjAndObj" preserve="1">
   <p:cSld name="Title, 2 Content and Content">
     <p:spTree>
       <p:nvGrpSpPr>
@@ -4436,14 +4564,15 @@
           </a:ln>
         </p:spPr>
         <p:txBody>
-          <a:bodyPr lIns="0" rIns="0" tIns="0" bIns="0" anchor="ctr">
+          <a:bodyPr lIns="0" tIns="0" rIns="0" bIns="0" anchor="ctr">
             <a:noAutofit/>
           </a:bodyPr>
-          <a:p>
-            <a:pPr indent="0">
-              <a:buNone/>
-            </a:pPr>
-            <a:endParaRPr b="0" lang="en-US" sz="1800" spc="-1" strike="noStrike">
+          <a:lstStyle/>
+          <a:p>
+            <a:pPr indent="0" algn="ctr">
+              <a:buNone/>
+            </a:pPr>
+            <a:endParaRPr lang="en-CA" sz="4400" b="0" strike="noStrike" spc="-1">
               <a:solidFill>
                 <a:srgbClr val="000000"/>
               </a:solidFill>
@@ -4476,20 +4605,18 @@
           </a:ln>
         </p:spPr>
         <p:txBody>
-          <a:bodyPr lIns="0" rIns="0" tIns="0" bIns="0" anchor="t">
+          <a:bodyPr lIns="0" tIns="0" rIns="0" bIns="0" anchor="t">
             <a:normAutofit/>
           </a:bodyPr>
+          <a:lstStyle/>
           <a:p>
             <a:pPr indent="0">
-              <a:lnSpc>
-                <a:spcPct val="90000"/>
-              </a:lnSpc>
               <a:spcBef>
                 <a:spcPts val="1417"/>
               </a:spcBef>
               <a:buNone/>
             </a:pPr>
-            <a:endParaRPr b="0" lang="en-US" sz="2800" spc="-1" strike="noStrike">
+            <a:endParaRPr lang="en-CA" sz="3200" b="0" strike="noStrike" spc="-1">
               <a:solidFill>
                 <a:srgbClr val="000000"/>
               </a:solidFill>
@@ -4522,20 +4649,18 @@
           </a:ln>
         </p:spPr>
         <p:txBody>
-          <a:bodyPr lIns="0" rIns="0" tIns="0" bIns="0" anchor="t">
+          <a:bodyPr lIns="0" tIns="0" rIns="0" bIns="0" anchor="t">
             <a:normAutofit/>
           </a:bodyPr>
+          <a:lstStyle/>
           <a:p>
             <a:pPr indent="0">
-              <a:lnSpc>
-                <a:spcPct val="90000"/>
-              </a:lnSpc>
               <a:spcBef>
                 <a:spcPts val="1417"/>
               </a:spcBef>
               <a:buNone/>
             </a:pPr>
-            <a:endParaRPr b="0" lang="en-US" sz="2800" spc="-1" strike="noStrike">
+            <a:endParaRPr lang="en-CA" sz="3200" b="0" strike="noStrike" spc="-1">
               <a:solidFill>
                 <a:srgbClr val="000000"/>
               </a:solidFill>
@@ -4568,20 +4693,18 @@
           </a:ln>
         </p:spPr>
         <p:txBody>
-          <a:bodyPr lIns="0" rIns="0" tIns="0" bIns="0" anchor="t">
+          <a:bodyPr lIns="0" tIns="0" rIns="0" bIns="0" anchor="t">
             <a:normAutofit/>
           </a:bodyPr>
+          <a:lstStyle/>
           <a:p>
             <a:pPr indent="0">
-              <a:lnSpc>
-                <a:spcPct val="90000"/>
-              </a:lnSpc>
               <a:spcBef>
                 <a:spcPts val="1417"/>
               </a:spcBef>
               <a:buNone/>
             </a:pPr>
-            <a:endParaRPr b="0" lang="en-US" sz="2800" spc="-1" strike="noStrike">
+            <a:endParaRPr lang="en-CA" sz="3200" b="0" strike="noStrike" spc="-1">
               <a:solidFill>
                 <a:srgbClr val="000000"/>
               </a:solidFill>
@@ -4603,6 +4726,7 @@
         <p:spPr/>
         <p:txBody>
           <a:bodyPr/>
+          <a:lstStyle/>
           <a:p>
             <a:r>
               <a:t>Footer</a:t>
@@ -4623,10 +4747,12 @@
         <p:spPr/>
         <p:txBody>
           <a:bodyPr/>
-          <a:p>
-            <a:fld id="{7DEE8911-D9AF-4547-946D-03CE222733F1}" type="slidenum">
-              <a:t>&lt;#&gt;</a:t>
+          <a:lstStyle/>
+          <a:p>
+            <a:fld id="{9CD60421-5804-4D0C-A818-9037701E9040}" type="slidenum">
+              <a:t>‹#›</a:t>
             </a:fld>
+            <a:endParaRPr/>
           </a:p>
         </p:txBody>
       </p:sp>
@@ -4643,21 +4769,22 @@
         <p:spPr/>
         <p:txBody>
           <a:bodyPr/>
-          <a:p>
-            <a:r>
-              <a:rPr lang="pt-BR"/>
-              <a:t/>
-            </a:r>
+          <a:lstStyle/>
+          <a:p>
+            <a:endParaRPr/>
           </a:p>
         </p:txBody>
       </p:sp>
     </p:spTree>
   </p:cSld>
+  <p:clrMapOvr>
+    <a:masterClrMapping/>
+  </p:clrMapOvr>
 </p:sldLayout>
 </file>
 
 <file path=ppt/slideLayouts/slideLayout8.xml><?xml version="1.0" encoding="utf-8"?>
-<p:sldLayout xmlns:a="http://schemas.openxmlformats.org/drawingml/2006/main" xmlns:p="http://schemas.openxmlformats.org/presentationml/2006/main" xmlns:r="http://schemas.openxmlformats.org/officeDocument/2006/relationships" xmlns:p14="http://schemas.microsoft.com/office/powerpoint/2010/main" xmlns:p15="http://schemas.microsoft.com/office/powerpoint/2012/main" xmlns:mc="http://schemas.openxmlformats.org/markup-compatibility/2006" type="objAndTwoObj" preserve="1">
+<p:sldLayout xmlns:a="http://schemas.openxmlformats.org/drawingml/2006/main" xmlns:r="http://schemas.openxmlformats.org/officeDocument/2006/relationships" xmlns:p="http://schemas.openxmlformats.org/presentationml/2006/main" type="objAndTwoObj" preserve="1">
   <p:cSld name="Title Content and 2 Content">
     <p:spTree>
       <p:nvGrpSpPr>
@@ -4697,14 +4824,15 @@
           </a:ln>
         </p:spPr>
         <p:txBody>
-          <a:bodyPr lIns="0" rIns="0" tIns="0" bIns="0" anchor="ctr">
+          <a:bodyPr lIns="0" tIns="0" rIns="0" bIns="0" anchor="ctr">
             <a:noAutofit/>
           </a:bodyPr>
-          <a:p>
-            <a:pPr indent="0">
-              <a:buNone/>
-            </a:pPr>
-            <a:endParaRPr b="0" lang="en-US" sz="1800" spc="-1" strike="noStrike">
+          <a:lstStyle/>
+          <a:p>
+            <a:pPr indent="0" algn="ctr">
+              <a:buNone/>
+            </a:pPr>
+            <a:endParaRPr lang="en-CA" sz="4400" b="0" strike="noStrike" spc="-1">
               <a:solidFill>
                 <a:srgbClr val="000000"/>
               </a:solidFill>
@@ -4737,20 +4865,18 @@
           </a:ln>
         </p:spPr>
         <p:txBody>
-          <a:bodyPr lIns="0" rIns="0" tIns="0" bIns="0" anchor="t">
+          <a:bodyPr lIns="0" tIns="0" rIns="0" bIns="0" anchor="t">
             <a:normAutofit/>
           </a:bodyPr>
+          <a:lstStyle/>
           <a:p>
             <a:pPr indent="0">
-              <a:lnSpc>
-                <a:spcPct val="90000"/>
-              </a:lnSpc>
               <a:spcBef>
                 <a:spcPts val="1417"/>
               </a:spcBef>
               <a:buNone/>
             </a:pPr>
-            <a:endParaRPr b="0" lang="en-US" sz="2800" spc="-1" strike="noStrike">
+            <a:endParaRPr lang="en-CA" sz="3200" b="0" strike="noStrike" spc="-1">
               <a:solidFill>
                 <a:srgbClr val="000000"/>
               </a:solidFill>
@@ -4783,20 +4909,18 @@
           </a:ln>
         </p:spPr>
         <p:txBody>
-          <a:bodyPr lIns="0" rIns="0" tIns="0" bIns="0" anchor="t">
+          <a:bodyPr lIns="0" tIns="0" rIns="0" bIns="0" anchor="t">
             <a:normAutofit/>
           </a:bodyPr>
+          <a:lstStyle/>
           <a:p>
             <a:pPr indent="0">
-              <a:lnSpc>
-                <a:spcPct val="90000"/>
-              </a:lnSpc>
               <a:spcBef>
                 <a:spcPts val="1417"/>
               </a:spcBef>
               <a:buNone/>
             </a:pPr>
-            <a:endParaRPr b="0" lang="en-US" sz="2800" spc="-1" strike="noStrike">
+            <a:endParaRPr lang="en-CA" sz="3200" b="0" strike="noStrike" spc="-1">
               <a:solidFill>
                 <a:srgbClr val="000000"/>
               </a:solidFill>
@@ -4829,20 +4953,18 @@
           </a:ln>
         </p:spPr>
         <p:txBody>
-          <a:bodyPr lIns="0" rIns="0" tIns="0" bIns="0" anchor="t">
+          <a:bodyPr lIns="0" tIns="0" rIns="0" bIns="0" anchor="t">
             <a:normAutofit/>
           </a:bodyPr>
+          <a:lstStyle/>
           <a:p>
             <a:pPr indent="0">
-              <a:lnSpc>
-                <a:spcPct val="90000"/>
-              </a:lnSpc>
               <a:spcBef>
                 <a:spcPts val="1417"/>
               </a:spcBef>
               <a:buNone/>
             </a:pPr>
-            <a:endParaRPr b="0" lang="en-US" sz="2800" spc="-1" strike="noStrike">
+            <a:endParaRPr lang="en-CA" sz="3200" b="0" strike="noStrike" spc="-1">
               <a:solidFill>
                 <a:srgbClr val="000000"/>
               </a:solidFill>
@@ -4864,6 +4986,7 @@
         <p:spPr/>
         <p:txBody>
           <a:bodyPr/>
+          <a:lstStyle/>
           <a:p>
             <a:r>
               <a:t>Footer</a:t>
@@ -4884,10 +5007,12 @@
         <p:spPr/>
         <p:txBody>
           <a:bodyPr/>
-          <a:p>
-            <a:fld id="{C5815A65-9B00-4A57-85BD-6ADBB08F5AE7}" type="slidenum">
-              <a:t>&lt;#&gt;</a:t>
+          <a:lstStyle/>
+          <a:p>
+            <a:fld id="{17D0EE83-DD0F-45CA-8BC3-3345C5CB987A}" type="slidenum">
+              <a:t>‹#›</a:t>
             </a:fld>
+            <a:endParaRPr/>
           </a:p>
         </p:txBody>
       </p:sp>
@@ -4904,21 +5029,22 @@
         <p:spPr/>
         <p:txBody>
           <a:bodyPr/>
-          <a:p>
-            <a:r>
-              <a:rPr lang="pt-BR"/>
-              <a:t/>
-            </a:r>
+          <a:lstStyle/>
+          <a:p>
+            <a:endParaRPr/>
           </a:p>
         </p:txBody>
       </p:sp>
     </p:spTree>
   </p:cSld>
+  <p:clrMapOvr>
+    <a:masterClrMapping/>
+  </p:clrMapOvr>
 </p:sldLayout>
 </file>
 
 <file path=ppt/slideLayouts/slideLayout9.xml><?xml version="1.0" encoding="utf-8"?>
-<p:sldLayout xmlns:a="http://schemas.openxmlformats.org/drawingml/2006/main" xmlns:p="http://schemas.openxmlformats.org/presentationml/2006/main" xmlns:r="http://schemas.openxmlformats.org/officeDocument/2006/relationships" xmlns:p14="http://schemas.microsoft.com/office/powerpoint/2010/main" xmlns:p15="http://schemas.microsoft.com/office/powerpoint/2012/main" xmlns:mc="http://schemas.openxmlformats.org/markup-compatibility/2006" type="twoObjOverTx" preserve="1">
+<p:sldLayout xmlns:a="http://schemas.openxmlformats.org/drawingml/2006/main" xmlns:r="http://schemas.openxmlformats.org/officeDocument/2006/relationships" xmlns:p="http://schemas.openxmlformats.org/presentationml/2006/main" type="twoObjOverTx" preserve="1">
   <p:cSld name="Title, 2 Content over Content">
     <p:spTree>
       <p:nvGrpSpPr>
@@ -4958,14 +5084,15 @@
           </a:ln>
         </p:spPr>
         <p:txBody>
-          <a:bodyPr lIns="0" rIns="0" tIns="0" bIns="0" anchor="ctr">
+          <a:bodyPr lIns="0" tIns="0" rIns="0" bIns="0" anchor="ctr">
             <a:noAutofit/>
           </a:bodyPr>
-          <a:p>
-            <a:pPr indent="0">
-              <a:buNone/>
-            </a:pPr>
-            <a:endParaRPr b="0" lang="en-US" sz="1800" spc="-1" strike="noStrike">
+          <a:lstStyle/>
+          <a:p>
+            <a:pPr indent="0" algn="ctr">
+              <a:buNone/>
+            </a:pPr>
+            <a:endParaRPr lang="en-CA" sz="4400" b="0" strike="noStrike" spc="-1">
               <a:solidFill>
                 <a:srgbClr val="000000"/>
               </a:solidFill>
@@ -4998,20 +5125,18 @@
           </a:ln>
         </p:spPr>
         <p:txBody>
-          <a:bodyPr lIns="0" rIns="0" tIns="0" bIns="0" anchor="t">
+          <a:bodyPr lIns="0" tIns="0" rIns="0" bIns="0" anchor="t">
             <a:normAutofit/>
           </a:bodyPr>
+          <a:lstStyle/>
           <a:p>
             <a:pPr indent="0">
-              <a:lnSpc>
-                <a:spcPct val="90000"/>
-              </a:lnSpc>
               <a:spcBef>
                 <a:spcPts val="1417"/>
               </a:spcBef>
               <a:buNone/>
             </a:pPr>
-            <a:endParaRPr b="0" lang="en-US" sz="2800" spc="-1" strike="noStrike">
+            <a:endParaRPr lang="en-CA" sz="3200" b="0" strike="noStrike" spc="-1">
               <a:solidFill>
                 <a:srgbClr val="000000"/>
               </a:solidFill>
@@ -5044,20 +5169,18 @@
           </a:ln>
         </p:spPr>
         <p:txBody>
-          <a:bodyPr lIns="0" rIns="0" tIns="0" bIns="0" anchor="t">
+          <a:bodyPr lIns="0" tIns="0" rIns="0" bIns="0" anchor="t">
             <a:normAutofit/>
           </a:bodyPr>
+          <a:lstStyle/>
           <a:p>
             <a:pPr indent="0">
-              <a:lnSpc>
-                <a:spcPct val="90000"/>
-              </a:lnSpc>
               <a:spcBef>
                 <a:spcPts val="1417"/>
               </a:spcBef>
               <a:buNone/>
             </a:pPr>
-            <a:endParaRPr b="0" lang="en-US" sz="2800" spc="-1" strike="noStrike">
+            <a:endParaRPr lang="en-CA" sz="3200" b="0" strike="noStrike" spc="-1">
               <a:solidFill>
                 <a:srgbClr val="000000"/>
               </a:solidFill>
@@ -5090,20 +5213,18 @@
           </a:ln>
         </p:spPr>
         <p:txBody>
-          <a:bodyPr lIns="0" rIns="0" tIns="0" bIns="0" anchor="t">
+          <a:bodyPr lIns="0" tIns="0" rIns="0" bIns="0" anchor="t">
             <a:normAutofit/>
           </a:bodyPr>
+          <a:lstStyle/>
           <a:p>
             <a:pPr indent="0">
-              <a:lnSpc>
-                <a:spcPct val="90000"/>
-              </a:lnSpc>
               <a:spcBef>
                 <a:spcPts val="1417"/>
               </a:spcBef>
               <a:buNone/>
             </a:pPr>
-            <a:endParaRPr b="0" lang="en-US" sz="2800" spc="-1" strike="noStrike">
+            <a:endParaRPr lang="en-CA" sz="3200" b="0" strike="noStrike" spc="-1">
               <a:solidFill>
                 <a:srgbClr val="000000"/>
               </a:solidFill>
@@ -5125,6 +5246,7 @@
         <p:spPr/>
         <p:txBody>
           <a:bodyPr/>
+          <a:lstStyle/>
           <a:p>
             <a:r>
               <a:t>Footer</a:t>
@@ -5145,10 +5267,12 @@
         <p:spPr/>
         <p:txBody>
           <a:bodyPr/>
-          <a:p>
-            <a:fld id="{E6EC1209-FE22-4B96-9801-28007230D72C}" type="slidenum">
-              <a:t>&lt;#&gt;</a:t>
+          <a:lstStyle/>
+          <a:p>
+            <a:fld id="{55CC060A-7293-44E1-8DD1-A4C19A2D8D2F}" type="slidenum">
+              <a:t>‹#›</a:t>
             </a:fld>
+            <a:endParaRPr/>
           </a:p>
         </p:txBody>
       </p:sp>
@@ -5165,28 +5289,27 @@
         <p:spPr/>
         <p:txBody>
           <a:bodyPr/>
-          <a:p>
-            <a:r>
-              <a:rPr lang="pt-BR"/>
-              <a:t/>
-            </a:r>
+          <a:lstStyle/>
+          <a:p>
+            <a:endParaRPr/>
           </a:p>
         </p:txBody>
       </p:sp>
     </p:spTree>
   </p:cSld>
+  <p:clrMapOvr>
+    <a:masterClrMapping/>
+  </p:clrMapOvr>
 </p:sldLayout>
 </file>
 
 <file path=ppt/slideMasters/slideMaster1.xml><?xml version="1.0" encoding="utf-8"?>
-<p:sldMaster xmlns:a="http://schemas.openxmlformats.org/drawingml/2006/main" xmlns:p="http://schemas.openxmlformats.org/presentationml/2006/main" xmlns:r="http://schemas.openxmlformats.org/officeDocument/2006/relationships" xmlns:p14="http://schemas.microsoft.com/office/powerpoint/2010/main" xmlns:p15="http://schemas.microsoft.com/office/powerpoint/2012/main" xmlns:mc="http://schemas.openxmlformats.org/markup-compatibility/2006">
+<p:sldMaster xmlns:a="http://schemas.openxmlformats.org/drawingml/2006/main" xmlns:r="http://schemas.openxmlformats.org/officeDocument/2006/relationships" xmlns:p="http://schemas.openxmlformats.org/presentationml/2006/main">
   <p:cSld>
     <p:bg>
-      <p:bgPr>
-        <a:solidFill>
-          <a:srgbClr val="ffffff"/>
-        </a:solidFill>
-      </p:bgPr>
+      <p:bgRef idx="1001">
+        <a:schemeClr val="bg1"/>
+      </p:bgRef>
     </p:bg>
     <p:spTree>
       <p:nvGrpSpPr>
@@ -5204,7 +5327,235 @@
       </p:grpSpPr>
       <p:sp>
         <p:nvSpPr>
-          <p:cNvPr id="0" name="PlaceHolder 1"/>
+          <p:cNvPr id="5" name="PlaceHolder 1"/>
+          <p:cNvSpPr>
+            <a:spLocks noGrp="1"/>
+          </p:cNvSpPr>
+          <p:nvPr>
+            <p:ph type="title"/>
+          </p:nvPr>
+        </p:nvSpPr>
+        <p:spPr>
+          <a:xfrm>
+            <a:off x="504000" y="226080"/>
+            <a:ext cx="9070920" cy="945720"/>
+          </a:xfrm>
+          <a:prstGeom prst="rect">
+            <a:avLst/>
+          </a:prstGeom>
+          <a:noFill/>
+          <a:ln w="0">
+            <a:noFill/>
+          </a:ln>
+        </p:spPr>
+        <p:txBody>
+          <a:bodyPr lIns="0" tIns="0" rIns="0" bIns="0" anchor="ctr">
+            <a:noAutofit/>
+          </a:bodyPr>
+          <a:lstStyle/>
+          <a:p>
+            <a:pPr indent="0">
+              <a:buNone/>
+            </a:pPr>
+            <a:r>
+              <a:rPr lang="en-CA" sz="1800" b="0" strike="noStrike" spc="-1">
+                <a:solidFill>
+                  <a:srgbClr val="000000"/>
+                </a:solidFill>
+                <a:latin typeface="Arial"/>
+              </a:rPr>
+              <a:t>Click to edit the title text format</a:t>
+            </a:r>
+          </a:p>
+        </p:txBody>
+      </p:sp>
+      <p:sp>
+        <p:nvSpPr>
+          <p:cNvPr id="6" name="PlaceHolder 2"/>
+          <p:cNvSpPr>
+            <a:spLocks noGrp="1"/>
+          </p:cNvSpPr>
+          <p:nvPr>
+            <p:ph type="body"/>
+          </p:nvPr>
+        </p:nvSpPr>
+        <p:spPr>
+          <a:xfrm>
+            <a:off x="504000" y="1326600"/>
+            <a:ext cx="9070920" cy="3287520"/>
+          </a:xfrm>
+          <a:prstGeom prst="rect">
+            <a:avLst/>
+          </a:prstGeom>
+          <a:noFill/>
+          <a:ln w="0">
+            <a:noFill/>
+          </a:ln>
+        </p:spPr>
+        <p:txBody>
+          <a:bodyPr lIns="0" tIns="0" rIns="0" bIns="0" anchor="t">
+            <a:normAutofit/>
+          </a:bodyPr>
+          <a:lstStyle/>
+          <a:p>
+            <a:pPr marL="432000" indent="-324000">
+              <a:spcBef>
+                <a:spcPts val="1417"/>
+              </a:spcBef>
+              <a:buClr>
+                <a:srgbClr val="000000"/>
+              </a:buClr>
+              <a:buSzPct val="45000"/>
+              <a:buFont typeface="Wingdings" charset="2"/>
+              <a:buChar char=""/>
+            </a:pPr>
+            <a:r>
+              <a:rPr lang="en-CA" sz="1800" b="0" strike="noStrike" spc="-1">
+                <a:solidFill>
+                  <a:srgbClr val="000000"/>
+                </a:solidFill>
+                <a:latin typeface="Arial"/>
+              </a:rPr>
+              <a:t>Click to edit the outline text format</a:t>
+            </a:r>
+          </a:p>
+          <a:p>
+            <a:pPr marL="864000" lvl="1" indent="-324000">
+              <a:spcBef>
+                <a:spcPts val="1134"/>
+              </a:spcBef>
+              <a:buClr>
+                <a:srgbClr val="000000"/>
+              </a:buClr>
+              <a:buSzPct val="75000"/>
+              <a:buFont typeface="Symbol" charset="2"/>
+              <a:buChar char=""/>
+            </a:pPr>
+            <a:r>
+              <a:rPr lang="en-CA" sz="1800" b="0" strike="noStrike" spc="-1">
+                <a:solidFill>
+                  <a:srgbClr val="000000"/>
+                </a:solidFill>
+                <a:latin typeface="Arial"/>
+              </a:rPr>
+              <a:t>Second Outline Level</a:t>
+            </a:r>
+          </a:p>
+          <a:p>
+            <a:pPr marL="1296000" lvl="2" indent="-288000">
+              <a:spcBef>
+                <a:spcPts val="850"/>
+              </a:spcBef>
+              <a:buClr>
+                <a:srgbClr val="000000"/>
+              </a:buClr>
+              <a:buSzPct val="45000"/>
+              <a:buFont typeface="Wingdings" charset="2"/>
+              <a:buChar char=""/>
+            </a:pPr>
+            <a:r>
+              <a:rPr lang="en-CA" sz="1800" b="0" strike="noStrike" spc="-1">
+                <a:solidFill>
+                  <a:srgbClr val="000000"/>
+                </a:solidFill>
+                <a:latin typeface="Arial"/>
+              </a:rPr>
+              <a:t>Third Outline Level</a:t>
+            </a:r>
+          </a:p>
+          <a:p>
+            <a:pPr marL="1728000" lvl="3" indent="-216000">
+              <a:spcBef>
+                <a:spcPts val="567"/>
+              </a:spcBef>
+              <a:buClr>
+                <a:srgbClr val="000000"/>
+              </a:buClr>
+              <a:buSzPct val="75000"/>
+              <a:buFont typeface="Symbol" charset="2"/>
+              <a:buChar char=""/>
+            </a:pPr>
+            <a:r>
+              <a:rPr lang="en-CA" sz="1800" b="0" strike="noStrike" spc="-1">
+                <a:solidFill>
+                  <a:srgbClr val="000000"/>
+                </a:solidFill>
+                <a:latin typeface="Arial"/>
+              </a:rPr>
+              <a:t>Fourth Outline Level</a:t>
+            </a:r>
+          </a:p>
+          <a:p>
+            <a:pPr marL="2160000" lvl="4" indent="-216000">
+              <a:spcBef>
+                <a:spcPts val="283"/>
+              </a:spcBef>
+              <a:buClr>
+                <a:srgbClr val="000000"/>
+              </a:buClr>
+              <a:buSzPct val="45000"/>
+              <a:buFont typeface="Wingdings" charset="2"/>
+              <a:buChar char=""/>
+            </a:pPr>
+            <a:r>
+              <a:rPr lang="en-CA" sz="1800" b="0" strike="noStrike" spc="-1">
+                <a:solidFill>
+                  <a:srgbClr val="000000"/>
+                </a:solidFill>
+                <a:latin typeface="Arial"/>
+              </a:rPr>
+              <a:t>Fifth Outline Level</a:t>
+            </a:r>
+          </a:p>
+          <a:p>
+            <a:pPr marL="2592000" lvl="5" indent="-216000">
+              <a:spcBef>
+                <a:spcPts val="283"/>
+              </a:spcBef>
+              <a:buClr>
+                <a:srgbClr val="000000"/>
+              </a:buClr>
+              <a:buSzPct val="45000"/>
+              <a:buFont typeface="Wingdings" charset="2"/>
+              <a:buChar char=""/>
+            </a:pPr>
+            <a:r>
+              <a:rPr lang="en-CA" sz="1800" b="0" strike="noStrike" spc="-1">
+                <a:solidFill>
+                  <a:srgbClr val="000000"/>
+                </a:solidFill>
+                <a:latin typeface="Arial"/>
+              </a:rPr>
+              <a:t>Sixth Outline Level</a:t>
+            </a:r>
+          </a:p>
+          <a:p>
+            <a:pPr marL="3024000" lvl="6" indent="-216000">
+              <a:spcBef>
+                <a:spcPts val="283"/>
+              </a:spcBef>
+              <a:buClr>
+                <a:srgbClr val="000000"/>
+              </a:buClr>
+              <a:buSzPct val="45000"/>
+              <a:buFont typeface="Wingdings" charset="2"/>
+              <a:buChar char=""/>
+            </a:pPr>
+            <a:r>
+              <a:rPr lang="en-CA" sz="1800" b="0" strike="noStrike" spc="-1">
+                <a:solidFill>
+                  <a:srgbClr val="000000"/>
+                </a:solidFill>
+                <a:latin typeface="Arial"/>
+              </a:rPr>
+              <a:t>Seventh Outline Level</a:t>
+            </a:r>
+          </a:p>
+        </p:txBody>
+      </p:sp>
+      <p:sp>
+        <p:nvSpPr>
+          <p:cNvPr id="2" name="PlaceHolder 3"/>
           <p:cNvSpPr>
             <a:spLocks noGrp="1"/>
           </p:cNvSpPr>
@@ -5215,18 +5566,18 @@
         <p:spPr>
           <a:xfrm>
             <a:off x="3447360" y="5165280"/>
-            <a:ext cx="3193920" cy="389520"/>
-          </a:xfrm>
-          <a:prstGeom prst="rect">
-            <a:avLst/>
-          </a:prstGeom>
-          <a:noFill/>
-          <a:ln w="0">
-            <a:noFill/>
-          </a:ln>
-        </p:spPr>
-        <p:txBody>
-          <a:bodyPr lIns="0" rIns="0" tIns="0" bIns="0" anchor="t">
+            <a:ext cx="3194280" cy="389880"/>
+          </a:xfrm>
+          <a:prstGeom prst="rect">
+            <a:avLst/>
+          </a:prstGeom>
+          <a:noFill/>
+          <a:ln w="0">
+            <a:noFill/>
+          </a:ln>
+        </p:spPr>
+        <p:txBody>
+          <a:bodyPr lIns="0" tIns="0" rIns="0" bIns="0" anchor="t">
             <a:noAutofit/>
           </a:bodyPr>
           <a:lstStyle>
@@ -5236,151 +5587,9 @@
               </a:lnSpc>
               <a:buNone/>
               <a:tabLst>
-                <a:tab algn="l" pos="0"/>
+                <a:tab pos="0" algn="l"/>
               </a:tabLst>
-              <a:defRPr b="0" lang="en-CA" sz="1400" spc="-1" strike="noStrike">
-                <a:solidFill>
-                  <a:srgbClr val="000000"/>
-                </a:solidFill>
-                <a:latin typeface="Times New Roman"/>
-                <a:ea typeface="DejaVu Sans"/>
-              </a:defRPr>
-            </a:lvl1pPr>
-          </a:lstStyle>
-          <a:p>
-            <a:pPr indent="0" algn="ctr">
-              <a:lnSpc>
-                <a:spcPct val="100000"/>
-              </a:lnSpc>
-              <a:buNone/>
-              <a:tabLst>
-                <a:tab algn="l" pos="0"/>
-              </a:tabLst>
-            </a:pPr>
-            <a:r>
-              <a:rPr b="0" lang="en-CA" sz="1400" spc="-1" strike="noStrike">
-                <a:solidFill>
-                  <a:srgbClr val="000000"/>
-                </a:solidFill>
-                <a:latin typeface="Times New Roman"/>
-                <a:ea typeface="DejaVu Sans"/>
-              </a:rPr>
-              <a:t> </a:t>
-            </a:r>
-            <a:endParaRPr b="0" lang="pt-BR" sz="1400" spc="-1" strike="noStrike">
-              <a:solidFill>
-                <a:srgbClr val="000000"/>
-              </a:solidFill>
-              <a:latin typeface="Times New Roman"/>
-            </a:endParaRPr>
-          </a:p>
-        </p:txBody>
-      </p:sp>
-      <p:sp>
-        <p:nvSpPr>
-          <p:cNvPr id="1" name="PlaceHolder 2"/>
-          <p:cNvSpPr>
-            <a:spLocks noGrp="1"/>
-          </p:cNvSpPr>
-          <p:nvPr>
-            <p:ph type="sldNum" idx="2"/>
-          </p:nvPr>
-        </p:nvSpPr>
-        <p:spPr>
-          <a:xfrm>
-            <a:off x="7227360" y="5165280"/>
-            <a:ext cx="2347200" cy="389520"/>
-          </a:xfrm>
-          <a:prstGeom prst="rect">
-            <a:avLst/>
-          </a:prstGeom>
-          <a:noFill/>
-          <a:ln w="0">
-            <a:noFill/>
-          </a:ln>
-        </p:spPr>
-        <p:txBody>
-          <a:bodyPr lIns="0" rIns="0" tIns="0" bIns="0" anchor="t">
-            <a:noAutofit/>
-          </a:bodyPr>
-          <a:lstStyle>
-            <a:lvl1pPr indent="0" algn="r">
-              <a:lnSpc>
-                <a:spcPct val="100000"/>
-              </a:lnSpc>
-              <a:buNone/>
-              <a:tabLst>
-                <a:tab algn="l" pos="0"/>
-              </a:tabLst>
-              <a:defRPr b="0" lang="en-CA" sz="1400" spc="-1" strike="noStrike">
-                <a:solidFill>
-                  <a:srgbClr val="000000"/>
-                </a:solidFill>
-                <a:latin typeface="Times New Roman"/>
-                <a:ea typeface="DejaVu Sans"/>
-              </a:defRPr>
-            </a:lvl1pPr>
-          </a:lstStyle>
-          <a:p>
-            <a:pPr indent="0" algn="r">
-              <a:lnSpc>
-                <a:spcPct val="100000"/>
-              </a:lnSpc>
-              <a:buNone/>
-              <a:tabLst>
-                <a:tab algn="l" pos="0"/>
-              </a:tabLst>
-            </a:pPr>
-            <a:fld id="{6E34B4D3-8A1B-4856-806B-2BC8561B4C7B}" type="slidenum">
-              <a:rPr b="0" lang="en-CA" sz="1400" spc="-1" strike="noStrike">
-                <a:solidFill>
-                  <a:srgbClr val="000000"/>
-                </a:solidFill>
-                <a:latin typeface="Times New Roman"/>
-                <a:ea typeface="DejaVu Sans"/>
-              </a:rPr>
-              <a:t>1</a:t>
-            </a:fld>
-            <a:endParaRPr b="0" lang="pt-BR" sz="1400" spc="-1" strike="noStrike">
-              <a:solidFill>
-                <a:srgbClr val="000000"/>
-              </a:solidFill>
-              <a:latin typeface="Times New Roman"/>
-            </a:endParaRPr>
-          </a:p>
-        </p:txBody>
-      </p:sp>
-      <p:sp>
-        <p:nvSpPr>
-          <p:cNvPr id="2" name="PlaceHolder 3"/>
-          <p:cNvSpPr>
-            <a:spLocks noGrp="1"/>
-          </p:cNvSpPr>
-          <p:nvPr>
-            <p:ph type="dt" idx="3"/>
-          </p:nvPr>
-        </p:nvSpPr>
-        <p:spPr>
-          <a:xfrm>
-            <a:off x="504000" y="5165280"/>
-            <a:ext cx="2347200" cy="389520"/>
-          </a:xfrm>
-          <a:prstGeom prst="rect">
-            <a:avLst/>
-          </a:prstGeom>
-          <a:noFill/>
-          <a:ln w="0">
-            <a:noFill/>
-          </a:ln>
-        </p:spPr>
-        <p:txBody>
-          <a:bodyPr lIns="0" rIns="0" tIns="0" bIns="0" anchor="t">
-            <a:noAutofit/>
-          </a:bodyPr>
-          <a:lstStyle>
-            <a:lvl1pPr indent="0">
-              <a:buNone/>
-              <a:defRPr b="0" lang="pt-BR" sz="1400" spc="-1" strike="noStrike">
+              <a:defRPr lang="en-CA" sz="1400" b="0" strike="noStrike" spc="-1">
                 <a:solidFill>
                   <a:srgbClr val="000000"/>
                 </a:solidFill>
@@ -5389,24 +5598,24 @@
             </a:lvl1pPr>
           </a:lstStyle>
           <a:p>
-            <a:pPr indent="0">
-              <a:buNone/>
+            <a:pPr indent="0" algn="ctr">
+              <a:lnSpc>
+                <a:spcPct val="100000"/>
+              </a:lnSpc>
+              <a:buNone/>
+              <a:tabLst>
+                <a:tab pos="0" algn="l"/>
+              </a:tabLst>
             </a:pPr>
             <a:r>
-              <a:rPr b="0" lang="pt-BR" sz="1400" spc="-1" strike="noStrike">
+              <a:rPr lang="en-CA" sz="1400" b="0" strike="noStrike" spc="-1">
                 <a:solidFill>
                   <a:srgbClr val="000000"/>
                 </a:solidFill>
                 <a:latin typeface="Times New Roman"/>
               </a:rPr>
-              <a:t> </a:t>
+              <a:t>&lt;footer&gt;</a:t>
             </a:r>
-            <a:endParaRPr b="0" lang="pt-BR" sz="1400" spc="-1" strike="noStrike">
-              <a:solidFill>
-                <a:srgbClr val="000000"/>
-              </a:solidFill>
-              <a:latin typeface="Times New Roman"/>
-            </a:endParaRPr>
           </a:p>
         </p:txBody>
       </p:sp>
@@ -5417,323 +5626,432 @@
             <a:spLocks noGrp="1"/>
           </p:cNvSpPr>
           <p:nvPr>
-            <p:ph type="title"/>
-          </p:nvPr>
-        </p:nvSpPr>
-        <p:spPr>
-          <a:xfrm>
-            <a:off x="504000" y="226080"/>
-            <a:ext cx="9072000" cy="946440"/>
-          </a:xfrm>
-          <a:prstGeom prst="rect">
-            <a:avLst/>
-          </a:prstGeom>
-          <a:noFill/>
-          <a:ln w="0">
-            <a:noFill/>
-          </a:ln>
-        </p:spPr>
-        <p:txBody>
-          <a:bodyPr lIns="0" rIns="0" tIns="0" bIns="0" anchor="ctr">
+            <p:ph type="sldNum" idx="2"/>
+          </p:nvPr>
+        </p:nvSpPr>
+        <p:spPr>
+          <a:xfrm>
+            <a:off x="7227360" y="5165280"/>
+            <a:ext cx="2347560" cy="389880"/>
+          </a:xfrm>
+          <a:prstGeom prst="rect">
+            <a:avLst/>
+          </a:prstGeom>
+          <a:noFill/>
+          <a:ln w="0">
+            <a:noFill/>
+          </a:ln>
+        </p:spPr>
+        <p:txBody>
+          <a:bodyPr lIns="0" tIns="0" rIns="0" bIns="0" anchor="t">
             <a:noAutofit/>
           </a:bodyPr>
-          <a:p>
-            <a:pPr indent="0">
-              <a:buNone/>
-            </a:pPr>
-            <a:r>
-              <a:rPr b="0" lang="en-US" sz="1800" spc="-1" strike="noStrike">
+          <a:lstStyle>
+            <a:lvl1pPr indent="0" algn="r">
+              <a:lnSpc>
+                <a:spcPct val="100000"/>
+              </a:lnSpc>
+              <a:buNone/>
+              <a:tabLst>
+                <a:tab pos="0" algn="l"/>
+              </a:tabLst>
+              <a:defRPr lang="en-CA" sz="1400" b="0" strike="noStrike" spc="-1">
                 <a:solidFill>
                   <a:srgbClr val="000000"/>
                 </a:solidFill>
-                <a:latin typeface="Arial"/>
-              </a:rPr>
-              <a:t>Click to edit the title text format</a:t>
-            </a:r>
-            <a:endParaRPr b="0" lang="en-US" sz="1800" spc="-1" strike="noStrike">
-              <a:solidFill>
-                <a:srgbClr val="000000"/>
-              </a:solidFill>
-              <a:latin typeface="Arial"/>
-            </a:endParaRPr>
-          </a:p>
-        </p:txBody>
-      </p:sp>
-      <p:sp>
-        <p:nvSpPr>
-          <p:cNvPr id="4" name="PlaceHolder 5"/>
-          <p:cNvSpPr>
-            <a:spLocks noGrp="1"/>
-          </p:cNvSpPr>
-          <p:nvPr>
-            <p:ph type="body"/>
-          </p:nvPr>
-        </p:nvSpPr>
-        <p:spPr>
-          <a:xfrm>
-            <a:off x="504000" y="1326600"/>
-            <a:ext cx="9072000" cy="3288600"/>
-          </a:xfrm>
-          <a:prstGeom prst="rect">
-            <a:avLst/>
-          </a:prstGeom>
-          <a:noFill/>
-          <a:ln w="0">
-            <a:noFill/>
-          </a:ln>
-        </p:spPr>
-        <p:txBody>
-          <a:bodyPr lIns="0" rIns="0" tIns="0" bIns="0" anchor="t">
-            <a:normAutofit/>
-          </a:bodyPr>
-          <a:p>
-            <a:pPr marL="432000" indent="-324000">
+                <a:latin typeface="Times New Roman"/>
+              </a:defRPr>
+            </a:lvl1pPr>
+          </a:lstStyle>
+          <a:p>
+            <a:pPr indent="0" algn="r">
               <a:lnSpc>
-                <a:spcPct val="90000"/>
+                <a:spcPct val="100000"/>
               </a:lnSpc>
-              <a:spcBef>
-                <a:spcPts val="1417"/>
-              </a:spcBef>
-              <a:buClr>
-                <a:srgbClr val="000000"/>
-              </a:buClr>
-              <a:buSzPct val="45000"/>
-              <a:buFont typeface="Wingdings" charset="2"/>
-              <a:buChar char=""/>
-            </a:pPr>
-            <a:r>
-              <a:rPr b="0" lang="en-US" sz="2800" spc="-1" strike="noStrike">
+              <a:buNone/>
+              <a:tabLst>
+                <a:tab pos="0" algn="l"/>
+              </a:tabLst>
+            </a:pPr>
+            <a:fld id="{A0018D32-9F2B-46CC-8107-07C368D9EA34}" type="slidenum">
+              <a:rPr lang="en-CA" sz="1400" b="0" strike="noStrike" spc="-1">
                 <a:solidFill>
                   <a:srgbClr val="000000"/>
                 </a:solidFill>
-                <a:latin typeface="Arial"/>
+                <a:latin typeface="Times New Roman"/>
               </a:rPr>
-              <a:t>Click to edit the outline text format</a:t>
-            </a:r>
-            <a:endParaRPr b="0" lang="en-US" sz="2800" spc="-1" strike="noStrike">
-              <a:solidFill>
-                <a:srgbClr val="000000"/>
-              </a:solidFill>
-              <a:latin typeface="Arial"/>
-            </a:endParaRPr>
-          </a:p>
-          <a:p>
-            <a:pPr lvl="1" marL="864000" indent="-324000">
-              <a:lnSpc>
-                <a:spcPct val="90000"/>
-              </a:lnSpc>
-              <a:spcBef>
-                <a:spcPts val="1134"/>
-              </a:spcBef>
-              <a:buClr>
-                <a:srgbClr val="000000"/>
-              </a:buClr>
-              <a:buSzPct val="75000"/>
-              <a:buFont typeface="Symbol" charset="2"/>
-              <a:buChar char=""/>
-            </a:pPr>
-            <a:r>
-              <a:rPr b="0" lang="en-US" sz="2000" spc="-1" strike="noStrike">
+              <a:t>‹#›</a:t>
+            </a:fld>
+            <a:endParaRPr lang="en-CA" sz="1400" b="0" strike="noStrike" spc="-1">
+              <a:solidFill>
+                <a:srgbClr val="000000"/>
+              </a:solidFill>
+              <a:latin typeface="Times New Roman"/>
+            </a:endParaRPr>
+          </a:p>
+        </p:txBody>
+      </p:sp>
+      <p:sp>
+        <p:nvSpPr>
+          <p:cNvPr id="4" name="PlaceHolder 5"/>
+          <p:cNvSpPr>
+            <a:spLocks noGrp="1"/>
+          </p:cNvSpPr>
+          <p:nvPr>
+            <p:ph type="dt" idx="3"/>
+          </p:nvPr>
+        </p:nvSpPr>
+        <p:spPr>
+          <a:xfrm>
+            <a:off x="504000" y="5165280"/>
+            <a:ext cx="2347560" cy="389880"/>
+          </a:xfrm>
+          <a:prstGeom prst="rect">
+            <a:avLst/>
+          </a:prstGeom>
+          <a:noFill/>
+          <a:ln w="0">
+            <a:noFill/>
+          </a:ln>
+        </p:spPr>
+        <p:txBody>
+          <a:bodyPr lIns="0" tIns="0" rIns="0" bIns="0" anchor="t">
+            <a:noAutofit/>
+          </a:bodyPr>
+          <a:lstStyle>
+            <a:lvl1pPr indent="0">
+              <a:buNone/>
+              <a:defRPr lang="en-CA" sz="1400" b="0" strike="noStrike" spc="-1">
                 <a:solidFill>
                   <a:srgbClr val="000000"/>
                 </a:solidFill>
-                <a:latin typeface="Arial"/>
-              </a:rPr>
-              <a:t>Second Outline Level</a:t>
-            </a:r>
-            <a:endParaRPr b="0" lang="en-US" sz="2000" spc="-1" strike="noStrike">
-              <a:solidFill>
-                <a:srgbClr val="000000"/>
-              </a:solidFill>
-              <a:latin typeface="Arial"/>
-            </a:endParaRPr>
-          </a:p>
-          <a:p>
-            <a:pPr lvl="2" marL="1296000" indent="-288000">
-              <a:lnSpc>
-                <a:spcPct val="90000"/>
-              </a:lnSpc>
-              <a:spcBef>
-                <a:spcPts val="850"/>
-              </a:spcBef>
-              <a:buClr>
-                <a:srgbClr val="000000"/>
-              </a:buClr>
-              <a:buSzPct val="45000"/>
-              <a:buFont typeface="Wingdings" charset="2"/>
-              <a:buChar char=""/>
+                <a:latin typeface="Times New Roman"/>
+              </a:defRPr>
+            </a:lvl1pPr>
+          </a:lstStyle>
+          <a:p>
+            <a:pPr indent="0">
+              <a:buNone/>
             </a:pPr>
             <a:r>
-              <a:rPr b="0" lang="en-US" sz="1800" spc="-1" strike="noStrike">
+              <a:rPr lang="en-CA" sz="1400" b="0" strike="noStrike" spc="-1">
                 <a:solidFill>
                   <a:srgbClr val="000000"/>
                 </a:solidFill>
-                <a:latin typeface="Arial"/>
+                <a:latin typeface="Times New Roman"/>
               </a:rPr>
-              <a:t>Third Outline Level</a:t>
+              <a:t>&lt;date/time&gt;</a:t>
             </a:r>
-            <a:endParaRPr b="0" lang="en-US" sz="1800" spc="-1" strike="noStrike">
-              <a:solidFill>
-                <a:srgbClr val="000000"/>
-              </a:solidFill>
-              <a:latin typeface="Arial"/>
-            </a:endParaRPr>
-          </a:p>
-          <a:p>
-            <a:pPr lvl="3" marL="1728000" indent="-216000">
-              <a:lnSpc>
-                <a:spcPct val="90000"/>
-              </a:lnSpc>
-              <a:spcBef>
-                <a:spcPts val="567"/>
-              </a:spcBef>
-              <a:buClr>
-                <a:srgbClr val="000000"/>
-              </a:buClr>
-              <a:buSzPct val="75000"/>
-              <a:buFont typeface="Symbol" charset="2"/>
-              <a:buChar char=""/>
-            </a:pPr>
-            <a:r>
-              <a:rPr b="0" lang="en-US" sz="1800" spc="-1" strike="noStrike">
-                <a:solidFill>
-                  <a:srgbClr val="000000"/>
-                </a:solidFill>
-                <a:latin typeface="Arial"/>
-              </a:rPr>
-              <a:t>Fourth Outline Level</a:t>
-            </a:r>
-            <a:endParaRPr b="0" lang="en-US" sz="1800" spc="-1" strike="noStrike">
-              <a:solidFill>
-                <a:srgbClr val="000000"/>
-              </a:solidFill>
-              <a:latin typeface="Arial"/>
-            </a:endParaRPr>
-          </a:p>
-          <a:p>
-            <a:pPr lvl="4" marL="2160000" indent="-216000">
-              <a:lnSpc>
-                <a:spcPct val="90000"/>
-              </a:lnSpc>
-              <a:spcBef>
-                <a:spcPts val="283"/>
-              </a:spcBef>
-              <a:buClr>
-                <a:srgbClr val="000000"/>
-              </a:buClr>
-              <a:buSzPct val="45000"/>
-              <a:buFont typeface="Wingdings" charset="2"/>
-              <a:buChar char=""/>
-            </a:pPr>
-            <a:r>
-              <a:rPr b="0" lang="en-US" sz="2000" spc="-1" strike="noStrike">
-                <a:solidFill>
-                  <a:srgbClr val="000000"/>
-                </a:solidFill>
-                <a:latin typeface="Arial"/>
-              </a:rPr>
-              <a:t>Fifth Outline Level</a:t>
-            </a:r>
-            <a:endParaRPr b="0" lang="en-US" sz="2000" spc="-1" strike="noStrike">
-              <a:solidFill>
-                <a:srgbClr val="000000"/>
-              </a:solidFill>
-              <a:latin typeface="Arial"/>
-            </a:endParaRPr>
-          </a:p>
-          <a:p>
-            <a:pPr lvl="5" marL="2592000" indent="-216000">
-              <a:lnSpc>
-                <a:spcPct val="90000"/>
-              </a:lnSpc>
-              <a:spcBef>
-                <a:spcPts val="283"/>
-              </a:spcBef>
-              <a:buClr>
-                <a:srgbClr val="000000"/>
-              </a:buClr>
-              <a:buSzPct val="45000"/>
-              <a:buFont typeface="Wingdings" charset="2"/>
-              <a:buChar char=""/>
-            </a:pPr>
-            <a:r>
-              <a:rPr b="0" lang="en-US" sz="2000" spc="-1" strike="noStrike">
-                <a:solidFill>
-                  <a:srgbClr val="000000"/>
-                </a:solidFill>
-                <a:latin typeface="Arial"/>
-              </a:rPr>
-              <a:t>Sixth Outline Level</a:t>
-            </a:r>
-            <a:endParaRPr b="0" lang="en-US" sz="2000" spc="-1" strike="noStrike">
-              <a:solidFill>
-                <a:srgbClr val="000000"/>
-              </a:solidFill>
-              <a:latin typeface="Arial"/>
-            </a:endParaRPr>
-          </a:p>
-          <a:p>
-            <a:pPr lvl="6" marL="3024000" indent="-216000">
-              <a:lnSpc>
-                <a:spcPct val="90000"/>
-              </a:lnSpc>
-              <a:spcBef>
-                <a:spcPts val="283"/>
-              </a:spcBef>
-              <a:buClr>
-                <a:srgbClr val="000000"/>
-              </a:buClr>
-              <a:buSzPct val="45000"/>
-              <a:buFont typeface="Wingdings" charset="2"/>
-              <a:buChar char=""/>
-            </a:pPr>
-            <a:r>
-              <a:rPr b="0" lang="en-US" sz="2000" spc="-1" strike="noStrike">
-                <a:solidFill>
-                  <a:srgbClr val="000000"/>
-                </a:solidFill>
-                <a:latin typeface="Arial"/>
-              </a:rPr>
-              <a:t>Seventh Outline Level</a:t>
-            </a:r>
-            <a:endParaRPr b="0" lang="en-US" sz="2000" spc="-1" strike="noStrike">
-              <a:solidFill>
-                <a:srgbClr val="000000"/>
-              </a:solidFill>
-              <a:latin typeface="Arial"/>
-            </a:endParaRPr>
           </a:p>
         </p:txBody>
       </p:sp>
     </p:spTree>
   </p:cSld>
-  <p:clrMap bg1="lt1" bg2="lt2" tx1="dk1" tx2="dk2" accent1="accent1" accent2="accent2" accent3="accent3" accent4="accent4" accent5="accent5" accent6="accent6" hlink="hlink" folHlink="folHlink"/>
+  <p:clrMap bg1="lt1" tx1="dk1" bg2="lt2" tx2="dk2" accent1="accent1" accent2="accent2" accent3="accent3" accent4="accent4" accent5="accent5" accent6="accent6" hlink="hlink" folHlink="folHlink"/>
   <p:sldLayoutIdLst>
-    <p:sldLayoutId id="2147483649" r:id="rId2"/>
-    <p:sldLayoutId id="2147483650" r:id="rId3"/>
-    <p:sldLayoutId id="2147483651" r:id="rId4"/>
-    <p:sldLayoutId id="2147483652" r:id="rId5"/>
-    <p:sldLayoutId id="2147483653" r:id="rId6"/>
-    <p:sldLayoutId id="2147483654" r:id="rId7"/>
-    <p:sldLayoutId id="2147483655" r:id="rId8"/>
-    <p:sldLayoutId id="2147483656" r:id="rId9"/>
-    <p:sldLayoutId id="2147483657" r:id="rId10"/>
-    <p:sldLayoutId id="2147483658" r:id="rId11"/>
-    <p:sldLayoutId id="2147483659" r:id="rId12"/>
-    <p:sldLayoutId id="2147483660" r:id="rId13"/>
+    <p:sldLayoutId id="2147483649" r:id="rId1"/>
+    <p:sldLayoutId id="2147483650" r:id="rId2"/>
+    <p:sldLayoutId id="2147483651" r:id="rId3"/>
+    <p:sldLayoutId id="2147483652" r:id="rId4"/>
+    <p:sldLayoutId id="2147483653" r:id="rId5"/>
+    <p:sldLayoutId id="2147483654" r:id="rId6"/>
+    <p:sldLayoutId id="2147483655" r:id="rId7"/>
+    <p:sldLayoutId id="2147483656" r:id="rId8"/>
+    <p:sldLayoutId id="2147483657" r:id="rId9"/>
+    <p:sldLayoutId id="2147483658" r:id="rId10"/>
+    <p:sldLayoutId id="2147483659" r:id="rId11"/>
+    <p:sldLayoutId id="2147483660" r:id="rId12"/>
   </p:sldLayoutIdLst>
+  <p:txStyles>
+    <p:titleStyle>
+      <a:lvl1pPr algn="l" defTabSz="914400" rtl="0" eaLnBrk="1" latinLnBrk="0" hangingPunct="1">
+        <a:lnSpc>
+          <a:spcPct val="90000"/>
+        </a:lnSpc>
+        <a:spcBef>
+          <a:spcPct val="0"/>
+        </a:spcBef>
+        <a:buNone/>
+        <a:defRPr sz="4400" kern="1200">
+          <a:solidFill>
+            <a:schemeClr val="tx1"/>
+          </a:solidFill>
+          <a:latin typeface="+mj-lt"/>
+          <a:ea typeface="+mj-ea"/>
+          <a:cs typeface="+mj-cs"/>
+        </a:defRPr>
+      </a:lvl1pPr>
+    </p:titleStyle>
+    <p:bodyStyle>
+      <a:lvl1pPr marL="228600" indent="-228600" algn="l" defTabSz="914400" rtl="0" eaLnBrk="1" latinLnBrk="0" hangingPunct="1">
+        <a:lnSpc>
+          <a:spcPct val="90000"/>
+        </a:lnSpc>
+        <a:spcBef>
+          <a:spcPts val="1000"/>
+        </a:spcBef>
+        <a:buFont typeface="Arial" panose="020B0604020202020204" pitchFamily="34" charset="0"/>
+        <a:buChar char="•"/>
+        <a:defRPr sz="2800" kern="1200">
+          <a:solidFill>
+            <a:schemeClr val="tx1"/>
+          </a:solidFill>
+          <a:latin typeface="+mn-lt"/>
+          <a:ea typeface="+mn-ea"/>
+          <a:cs typeface="+mn-cs"/>
+        </a:defRPr>
+      </a:lvl1pPr>
+      <a:lvl2pPr marL="685800" indent="-228600" algn="l" defTabSz="914400" rtl="0" eaLnBrk="1" latinLnBrk="0" hangingPunct="1">
+        <a:lnSpc>
+          <a:spcPct val="90000"/>
+        </a:lnSpc>
+        <a:spcBef>
+          <a:spcPts val="500"/>
+        </a:spcBef>
+        <a:buFont typeface="Arial" panose="020B0604020202020204" pitchFamily="34" charset="0"/>
+        <a:buChar char="•"/>
+        <a:defRPr sz="2400" kern="1200">
+          <a:solidFill>
+            <a:schemeClr val="tx1"/>
+          </a:solidFill>
+          <a:latin typeface="+mn-lt"/>
+          <a:ea typeface="+mn-ea"/>
+          <a:cs typeface="+mn-cs"/>
+        </a:defRPr>
+      </a:lvl2pPr>
+      <a:lvl3pPr marL="1143000" indent="-228600" algn="l" defTabSz="914400" rtl="0" eaLnBrk="1" latinLnBrk="0" hangingPunct="1">
+        <a:lnSpc>
+          <a:spcPct val="90000"/>
+        </a:lnSpc>
+        <a:spcBef>
+          <a:spcPts val="500"/>
+        </a:spcBef>
+        <a:buFont typeface="Arial" panose="020B0604020202020204" pitchFamily="34" charset="0"/>
+        <a:buChar char="•"/>
+        <a:defRPr sz="2000" kern="1200">
+          <a:solidFill>
+            <a:schemeClr val="tx1"/>
+          </a:solidFill>
+          <a:latin typeface="+mn-lt"/>
+          <a:ea typeface="+mn-ea"/>
+          <a:cs typeface="+mn-cs"/>
+        </a:defRPr>
+      </a:lvl3pPr>
+      <a:lvl4pPr marL="1600200" indent="-228600" algn="l" defTabSz="914400" rtl="0" eaLnBrk="1" latinLnBrk="0" hangingPunct="1">
+        <a:lnSpc>
+          <a:spcPct val="90000"/>
+        </a:lnSpc>
+        <a:spcBef>
+          <a:spcPts val="500"/>
+        </a:spcBef>
+        <a:buFont typeface="Arial" panose="020B0604020202020204" pitchFamily="34" charset="0"/>
+        <a:buChar char="•"/>
+        <a:defRPr sz="1800" kern="1200">
+          <a:solidFill>
+            <a:schemeClr val="tx1"/>
+          </a:solidFill>
+          <a:latin typeface="+mn-lt"/>
+          <a:ea typeface="+mn-ea"/>
+          <a:cs typeface="+mn-cs"/>
+        </a:defRPr>
+      </a:lvl4pPr>
+      <a:lvl5pPr marL="2057400" indent="-228600" algn="l" defTabSz="914400" rtl="0" eaLnBrk="1" latinLnBrk="0" hangingPunct="1">
+        <a:lnSpc>
+          <a:spcPct val="90000"/>
+        </a:lnSpc>
+        <a:spcBef>
+          <a:spcPts val="500"/>
+        </a:spcBef>
+        <a:buFont typeface="Arial" panose="020B0604020202020204" pitchFamily="34" charset="0"/>
+        <a:buChar char="•"/>
+        <a:defRPr sz="1800" kern="1200">
+          <a:solidFill>
+            <a:schemeClr val="tx1"/>
+          </a:solidFill>
+          <a:latin typeface="+mn-lt"/>
+          <a:ea typeface="+mn-ea"/>
+          <a:cs typeface="+mn-cs"/>
+        </a:defRPr>
+      </a:lvl5pPr>
+      <a:lvl6pPr marL="2514600" indent="-228600" algn="l" defTabSz="914400" rtl="0" eaLnBrk="1" latinLnBrk="0" hangingPunct="1">
+        <a:lnSpc>
+          <a:spcPct val="90000"/>
+        </a:lnSpc>
+        <a:spcBef>
+          <a:spcPts val="500"/>
+        </a:spcBef>
+        <a:buFont typeface="Arial" panose="020B0604020202020204" pitchFamily="34" charset="0"/>
+        <a:buChar char="•"/>
+        <a:defRPr sz="1800" kern="1200">
+          <a:solidFill>
+            <a:schemeClr val="tx1"/>
+          </a:solidFill>
+          <a:latin typeface="+mn-lt"/>
+          <a:ea typeface="+mn-ea"/>
+          <a:cs typeface="+mn-cs"/>
+        </a:defRPr>
+      </a:lvl6pPr>
+      <a:lvl7pPr marL="2971800" indent="-228600" algn="l" defTabSz="914400" rtl="0" eaLnBrk="1" latinLnBrk="0" hangingPunct="1">
+        <a:lnSpc>
+          <a:spcPct val="90000"/>
+        </a:lnSpc>
+        <a:spcBef>
+          <a:spcPts val="500"/>
+        </a:spcBef>
+        <a:buFont typeface="Arial" panose="020B0604020202020204" pitchFamily="34" charset="0"/>
+        <a:buChar char="•"/>
+        <a:defRPr sz="1800" kern="1200">
+          <a:solidFill>
+            <a:schemeClr val="tx1"/>
+          </a:solidFill>
+          <a:latin typeface="+mn-lt"/>
+          <a:ea typeface="+mn-ea"/>
+          <a:cs typeface="+mn-cs"/>
+        </a:defRPr>
+      </a:lvl7pPr>
+      <a:lvl8pPr marL="3429000" indent="-228600" algn="l" defTabSz="914400" rtl="0" eaLnBrk="1" latinLnBrk="0" hangingPunct="1">
+        <a:lnSpc>
+          <a:spcPct val="90000"/>
+        </a:lnSpc>
+        <a:spcBef>
+          <a:spcPts val="500"/>
+        </a:spcBef>
+        <a:buFont typeface="Arial" panose="020B0604020202020204" pitchFamily="34" charset="0"/>
+        <a:buChar char="•"/>
+        <a:defRPr sz="1800" kern="1200">
+          <a:solidFill>
+            <a:schemeClr val="tx1"/>
+          </a:solidFill>
+          <a:latin typeface="+mn-lt"/>
+          <a:ea typeface="+mn-ea"/>
+          <a:cs typeface="+mn-cs"/>
+        </a:defRPr>
+      </a:lvl8pPr>
+      <a:lvl9pPr marL="3886200" indent="-228600" algn="l" defTabSz="914400" rtl="0" eaLnBrk="1" latinLnBrk="0" hangingPunct="1">
+        <a:lnSpc>
+          <a:spcPct val="90000"/>
+        </a:lnSpc>
+        <a:spcBef>
+          <a:spcPts val="500"/>
+        </a:spcBef>
+        <a:buFont typeface="Arial" panose="020B0604020202020204" pitchFamily="34" charset="0"/>
+        <a:buChar char="•"/>
+        <a:defRPr sz="1800" kern="1200">
+          <a:solidFill>
+            <a:schemeClr val="tx1"/>
+          </a:solidFill>
+          <a:latin typeface="+mn-lt"/>
+          <a:ea typeface="+mn-ea"/>
+          <a:cs typeface="+mn-cs"/>
+        </a:defRPr>
+      </a:lvl9pPr>
+    </p:bodyStyle>
+    <p:otherStyle>
+      <a:defPPr>
+        <a:defRPr lang="en-US"/>
+      </a:defPPr>
+      <a:lvl1pPr marL="0" algn="l" defTabSz="914400" rtl="0" eaLnBrk="1" latinLnBrk="0" hangingPunct="1">
+        <a:defRPr sz="1800" kern="1200">
+          <a:solidFill>
+            <a:schemeClr val="tx1"/>
+          </a:solidFill>
+          <a:latin typeface="+mn-lt"/>
+          <a:ea typeface="+mn-ea"/>
+          <a:cs typeface="+mn-cs"/>
+        </a:defRPr>
+      </a:lvl1pPr>
+      <a:lvl2pPr marL="457200" algn="l" defTabSz="914400" rtl="0" eaLnBrk="1" latinLnBrk="0" hangingPunct="1">
+        <a:defRPr sz="1800" kern="1200">
+          <a:solidFill>
+            <a:schemeClr val="tx1"/>
+          </a:solidFill>
+          <a:latin typeface="+mn-lt"/>
+          <a:ea typeface="+mn-ea"/>
+          <a:cs typeface="+mn-cs"/>
+        </a:defRPr>
+      </a:lvl2pPr>
+      <a:lvl3pPr marL="914400" algn="l" defTabSz="914400" rtl="0" eaLnBrk="1" latinLnBrk="0" hangingPunct="1">
+        <a:defRPr sz="1800" kern="1200">
+          <a:solidFill>
+            <a:schemeClr val="tx1"/>
+          </a:solidFill>
+          <a:latin typeface="+mn-lt"/>
+          <a:ea typeface="+mn-ea"/>
+          <a:cs typeface="+mn-cs"/>
+        </a:defRPr>
+      </a:lvl3pPr>
+      <a:lvl4pPr marL="1371600" algn="l" defTabSz="914400" rtl="0" eaLnBrk="1" latinLnBrk="0" hangingPunct="1">
+        <a:defRPr sz="1800" kern="1200">
+          <a:solidFill>
+            <a:schemeClr val="tx1"/>
+          </a:solidFill>
+          <a:latin typeface="+mn-lt"/>
+          <a:ea typeface="+mn-ea"/>
+          <a:cs typeface="+mn-cs"/>
+        </a:defRPr>
+      </a:lvl4pPr>
+      <a:lvl5pPr marL="1828800" algn="l" defTabSz="914400" rtl="0" eaLnBrk="1" latinLnBrk="0" hangingPunct="1">
+        <a:defRPr sz="1800" kern="1200">
+          <a:solidFill>
+            <a:schemeClr val="tx1"/>
+          </a:solidFill>
+          <a:latin typeface="+mn-lt"/>
+          <a:ea typeface="+mn-ea"/>
+          <a:cs typeface="+mn-cs"/>
+        </a:defRPr>
+      </a:lvl5pPr>
+      <a:lvl6pPr marL="2286000" algn="l" defTabSz="914400" rtl="0" eaLnBrk="1" latinLnBrk="0" hangingPunct="1">
+        <a:defRPr sz="1800" kern="1200">
+          <a:solidFill>
+            <a:schemeClr val="tx1"/>
+          </a:solidFill>
+          <a:latin typeface="+mn-lt"/>
+          <a:ea typeface="+mn-ea"/>
+          <a:cs typeface="+mn-cs"/>
+        </a:defRPr>
+      </a:lvl6pPr>
+      <a:lvl7pPr marL="2743200" algn="l" defTabSz="914400" rtl="0" eaLnBrk="1" latinLnBrk="0" hangingPunct="1">
+        <a:defRPr sz="1800" kern="1200">
+          <a:solidFill>
+            <a:schemeClr val="tx1"/>
+          </a:solidFill>
+          <a:latin typeface="+mn-lt"/>
+          <a:ea typeface="+mn-ea"/>
+          <a:cs typeface="+mn-cs"/>
+        </a:defRPr>
+      </a:lvl7pPr>
+      <a:lvl8pPr marL="3200400" algn="l" defTabSz="914400" rtl="0" eaLnBrk="1" latinLnBrk="0" hangingPunct="1">
+        <a:defRPr sz="1800" kern="1200">
+          <a:solidFill>
+            <a:schemeClr val="tx1"/>
+          </a:solidFill>
+          <a:latin typeface="+mn-lt"/>
+          <a:ea typeface="+mn-ea"/>
+          <a:cs typeface="+mn-cs"/>
+        </a:defRPr>
+      </a:lvl8pPr>
+      <a:lvl9pPr marL="3657600" algn="l" defTabSz="914400" rtl="0" eaLnBrk="1" latinLnBrk="0" hangingPunct="1">
+        <a:defRPr sz="1800" kern="1200">
+          <a:solidFill>
+            <a:schemeClr val="tx1"/>
+          </a:solidFill>
+          <a:latin typeface="+mn-lt"/>
+          <a:ea typeface="+mn-ea"/>
+          <a:cs typeface="+mn-cs"/>
+        </a:defRPr>
+      </a:lvl9pPr>
+    </p:otherStyle>
+  </p:txStyles>
 </p:sldMaster>
 </file>
 
 <file path=ppt/slideMasters/slideMaster2.xml><?xml version="1.0" encoding="utf-8"?>
-<p:sldMaster xmlns:a="http://schemas.openxmlformats.org/drawingml/2006/main" xmlns:p="http://schemas.openxmlformats.org/presentationml/2006/main" xmlns:r="http://schemas.openxmlformats.org/officeDocument/2006/relationships" xmlns:p14="http://schemas.microsoft.com/office/powerpoint/2010/main" xmlns:p15="http://schemas.microsoft.com/office/powerpoint/2012/main" xmlns:mc="http://schemas.openxmlformats.org/markup-compatibility/2006">
+<p:sldMaster xmlns:a="http://schemas.openxmlformats.org/drawingml/2006/main" xmlns:r="http://schemas.openxmlformats.org/officeDocument/2006/relationships" xmlns:p="http://schemas.openxmlformats.org/presentationml/2006/main">
   <p:cSld>
     <p:bg>
-      <p:bgPr>
-        <a:solidFill>
-          <a:srgbClr val="ffffff"/>
-        </a:solidFill>
-      </p:bgPr>
+      <p:bgRef idx="1001">
+        <a:schemeClr val="bg1"/>
+      </p:bgRef>
     </p:bg>
     <p:spTree>
       <p:nvGrpSpPr>
@@ -5762,18 +6080,18 @@
         <p:spPr>
           <a:xfrm>
             <a:off x="3447360" y="5165280"/>
-            <a:ext cx="3193920" cy="389520"/>
-          </a:xfrm>
-          <a:prstGeom prst="rect">
-            <a:avLst/>
-          </a:prstGeom>
-          <a:noFill/>
-          <a:ln w="0">
-            <a:noFill/>
-          </a:ln>
-        </p:spPr>
-        <p:txBody>
-          <a:bodyPr lIns="0" rIns="0" tIns="0" bIns="0" anchor="t">
+            <a:ext cx="3194280" cy="389880"/>
+          </a:xfrm>
+          <a:prstGeom prst="rect">
+            <a:avLst/>
+          </a:prstGeom>
+          <a:noFill/>
+          <a:ln w="0">
+            <a:noFill/>
+          </a:ln>
+        </p:spPr>
+        <p:txBody>
+          <a:bodyPr lIns="0" tIns="0" rIns="0" bIns="0" anchor="t">
             <a:noAutofit/>
           </a:bodyPr>
           <a:lstStyle>
@@ -5783,151 +6101,9 @@
               </a:lnSpc>
               <a:buNone/>
               <a:tabLst>
-                <a:tab algn="l" pos="0"/>
+                <a:tab pos="0" algn="l"/>
               </a:tabLst>
-              <a:defRPr b="0" lang="en-CA" sz="1400" spc="-1" strike="noStrike">
-                <a:solidFill>
-                  <a:srgbClr val="000000"/>
-                </a:solidFill>
-                <a:latin typeface="Times New Roman"/>
-                <a:ea typeface="DejaVu Sans"/>
-              </a:defRPr>
-            </a:lvl1pPr>
-          </a:lstStyle>
-          <a:p>
-            <a:pPr indent="0" algn="ctr">
-              <a:lnSpc>
-                <a:spcPct val="100000"/>
-              </a:lnSpc>
-              <a:buNone/>
-              <a:tabLst>
-                <a:tab algn="l" pos="0"/>
-              </a:tabLst>
-            </a:pPr>
-            <a:r>
-              <a:rPr b="0" lang="en-CA" sz="1400" spc="-1" strike="noStrike">
-                <a:solidFill>
-                  <a:srgbClr val="000000"/>
-                </a:solidFill>
-                <a:latin typeface="Times New Roman"/>
-                <a:ea typeface="DejaVu Sans"/>
-              </a:rPr>
-              <a:t>&lt;footer&gt;</a:t>
-            </a:r>
-            <a:endParaRPr b="0" lang="pt-BR" sz="1400" spc="-1" strike="noStrike">
-              <a:solidFill>
-                <a:srgbClr val="000000"/>
-              </a:solidFill>
-              <a:latin typeface="Times New Roman"/>
-            </a:endParaRPr>
-          </a:p>
-        </p:txBody>
-      </p:sp>
-      <p:sp>
-        <p:nvSpPr>
-          <p:cNvPr id="42" name="PlaceHolder 2"/>
-          <p:cNvSpPr>
-            <a:spLocks noGrp="1"/>
-          </p:cNvSpPr>
-          <p:nvPr>
-            <p:ph type="sldNum" idx="5"/>
-          </p:nvPr>
-        </p:nvSpPr>
-        <p:spPr>
-          <a:xfrm>
-            <a:off x="7227360" y="5165280"/>
-            <a:ext cx="2347200" cy="389520"/>
-          </a:xfrm>
-          <a:prstGeom prst="rect">
-            <a:avLst/>
-          </a:prstGeom>
-          <a:noFill/>
-          <a:ln w="0">
-            <a:noFill/>
-          </a:ln>
-        </p:spPr>
-        <p:txBody>
-          <a:bodyPr lIns="0" rIns="0" tIns="0" bIns="0" anchor="t">
-            <a:noAutofit/>
-          </a:bodyPr>
-          <a:lstStyle>
-            <a:lvl1pPr indent="0" algn="r">
-              <a:lnSpc>
-                <a:spcPct val="100000"/>
-              </a:lnSpc>
-              <a:buNone/>
-              <a:tabLst>
-                <a:tab algn="l" pos="0"/>
-              </a:tabLst>
-              <a:defRPr b="0" lang="en-CA" sz="1400" spc="-1" strike="noStrike">
-                <a:solidFill>
-                  <a:srgbClr val="000000"/>
-                </a:solidFill>
-                <a:latin typeface="Times New Roman"/>
-                <a:ea typeface="DejaVu Sans"/>
-              </a:defRPr>
-            </a:lvl1pPr>
-          </a:lstStyle>
-          <a:p>
-            <a:pPr indent="0" algn="r">
-              <a:lnSpc>
-                <a:spcPct val="100000"/>
-              </a:lnSpc>
-              <a:buNone/>
-              <a:tabLst>
-                <a:tab algn="l" pos="0"/>
-              </a:tabLst>
-            </a:pPr>
-            <a:fld id="{DE8C3A02-970E-46AE-9A5A-E193F069F7DC}" type="slidenum">
-              <a:rPr b="0" lang="en-CA" sz="1400" spc="-1" strike="noStrike">
-                <a:solidFill>
-                  <a:srgbClr val="000000"/>
-                </a:solidFill>
-                <a:latin typeface="Times New Roman"/>
-                <a:ea typeface="DejaVu Sans"/>
-              </a:rPr>
-              <a:t>&lt;number&gt;</a:t>
-            </a:fld>
-            <a:endParaRPr b="0" lang="pt-BR" sz="1400" spc="-1" strike="noStrike">
-              <a:solidFill>
-                <a:srgbClr val="000000"/>
-              </a:solidFill>
-              <a:latin typeface="Times New Roman"/>
-            </a:endParaRPr>
-          </a:p>
-        </p:txBody>
-      </p:sp>
-      <p:sp>
-        <p:nvSpPr>
-          <p:cNvPr id="43" name="PlaceHolder 3"/>
-          <p:cNvSpPr>
-            <a:spLocks noGrp="1"/>
-          </p:cNvSpPr>
-          <p:nvPr>
-            <p:ph type="dt" idx="6"/>
-          </p:nvPr>
-        </p:nvSpPr>
-        <p:spPr>
-          <a:xfrm>
-            <a:off x="504000" y="5165280"/>
-            <a:ext cx="2347200" cy="389520"/>
-          </a:xfrm>
-          <a:prstGeom prst="rect">
-            <a:avLst/>
-          </a:prstGeom>
-          <a:noFill/>
-          <a:ln w="0">
-            <a:noFill/>
-          </a:ln>
-        </p:spPr>
-        <p:txBody>
-          <a:bodyPr lIns="0" rIns="0" tIns="0" bIns="0" anchor="t">
-            <a:noAutofit/>
-          </a:bodyPr>
-          <a:lstStyle>
-            <a:lvl1pPr indent="0">
-              <a:buNone/>
-              <a:defRPr b="0" lang="pt-BR" sz="1400" spc="-1" strike="noStrike">
+              <a:defRPr lang="en-CA" sz="1400" b="0" strike="noStrike" spc="-1">
                 <a:solidFill>
                   <a:srgbClr val="000000"/>
                 </a:solidFill>
@@ -5936,11 +6112,143 @@
             </a:lvl1pPr>
           </a:lstStyle>
           <a:p>
+            <a:pPr indent="0" algn="ctr">
+              <a:lnSpc>
+                <a:spcPct val="100000"/>
+              </a:lnSpc>
+              <a:buNone/>
+              <a:tabLst>
+                <a:tab pos="0" algn="l"/>
+              </a:tabLst>
+            </a:pPr>
+            <a:r>
+              <a:rPr lang="en-CA" sz="1400" b="0" strike="noStrike" spc="-1">
+                <a:solidFill>
+                  <a:srgbClr val="000000"/>
+                </a:solidFill>
+                <a:latin typeface="Times New Roman"/>
+              </a:rPr>
+              <a:t>&lt;footer&gt;</a:t>
+            </a:r>
+          </a:p>
+        </p:txBody>
+      </p:sp>
+      <p:sp>
+        <p:nvSpPr>
+          <p:cNvPr id="42" name="PlaceHolder 2"/>
+          <p:cNvSpPr>
+            <a:spLocks noGrp="1"/>
+          </p:cNvSpPr>
+          <p:nvPr>
+            <p:ph type="sldNum" idx="5"/>
+          </p:nvPr>
+        </p:nvSpPr>
+        <p:spPr>
+          <a:xfrm>
+            <a:off x="7227360" y="5165280"/>
+            <a:ext cx="2347560" cy="389880"/>
+          </a:xfrm>
+          <a:prstGeom prst="rect">
+            <a:avLst/>
+          </a:prstGeom>
+          <a:noFill/>
+          <a:ln w="0">
+            <a:noFill/>
+          </a:ln>
+        </p:spPr>
+        <p:txBody>
+          <a:bodyPr lIns="0" tIns="0" rIns="0" bIns="0" anchor="t">
+            <a:noAutofit/>
+          </a:bodyPr>
+          <a:lstStyle>
+            <a:lvl1pPr indent="0" algn="r">
+              <a:lnSpc>
+                <a:spcPct val="100000"/>
+              </a:lnSpc>
+              <a:buNone/>
+              <a:tabLst>
+                <a:tab pos="0" algn="l"/>
+              </a:tabLst>
+              <a:defRPr lang="en-CA" sz="1400" b="0" strike="noStrike" spc="-1">
+                <a:solidFill>
+                  <a:srgbClr val="000000"/>
+                </a:solidFill>
+                <a:latin typeface="Times New Roman"/>
+              </a:defRPr>
+            </a:lvl1pPr>
+          </a:lstStyle>
+          <a:p>
+            <a:pPr indent="0" algn="r">
+              <a:lnSpc>
+                <a:spcPct val="100000"/>
+              </a:lnSpc>
+              <a:buNone/>
+              <a:tabLst>
+                <a:tab pos="0" algn="l"/>
+              </a:tabLst>
+            </a:pPr>
+            <a:fld id="{76CF2019-1922-47AF-A4B5-437401B8777D}" type="slidenum">
+              <a:rPr lang="en-CA" sz="1400" b="0" strike="noStrike" spc="-1">
+                <a:solidFill>
+                  <a:srgbClr val="000000"/>
+                </a:solidFill>
+                <a:latin typeface="Times New Roman"/>
+              </a:rPr>
+              <a:t>‹#›</a:t>
+            </a:fld>
+            <a:endParaRPr lang="en-CA" sz="1400" b="0" strike="noStrike" spc="-1">
+              <a:solidFill>
+                <a:srgbClr val="000000"/>
+              </a:solidFill>
+              <a:latin typeface="Times New Roman"/>
+            </a:endParaRPr>
+          </a:p>
+        </p:txBody>
+      </p:sp>
+      <p:sp>
+        <p:nvSpPr>
+          <p:cNvPr id="43" name="PlaceHolder 3"/>
+          <p:cNvSpPr>
+            <a:spLocks noGrp="1"/>
+          </p:cNvSpPr>
+          <p:nvPr>
+            <p:ph type="dt" idx="6"/>
+          </p:nvPr>
+        </p:nvSpPr>
+        <p:spPr>
+          <a:xfrm>
+            <a:off x="504000" y="5165280"/>
+            <a:ext cx="2347560" cy="389880"/>
+          </a:xfrm>
+          <a:prstGeom prst="rect">
+            <a:avLst/>
+          </a:prstGeom>
+          <a:noFill/>
+          <a:ln w="0">
+            <a:noFill/>
+          </a:ln>
+        </p:spPr>
+        <p:txBody>
+          <a:bodyPr lIns="0" tIns="0" rIns="0" bIns="0" anchor="t">
+            <a:noAutofit/>
+          </a:bodyPr>
+          <a:lstStyle>
+            <a:lvl1pPr indent="0">
+              <a:buNone/>
+              <a:defRPr lang="en-CA" sz="1400" b="0" strike="noStrike" spc="-1">
+                <a:solidFill>
+                  <a:srgbClr val="000000"/>
+                </a:solidFill>
+                <a:latin typeface="Times New Roman"/>
+              </a:defRPr>
+            </a:lvl1pPr>
+          </a:lstStyle>
+          <a:p>
             <a:pPr indent="0">
               <a:buNone/>
             </a:pPr>
             <a:r>
-              <a:rPr b="0" lang="pt-BR" sz="1400" spc="-1" strike="noStrike">
+              <a:rPr lang="en-CA" sz="1400" b="0" strike="noStrike" spc="-1">
                 <a:solidFill>
                   <a:srgbClr val="000000"/>
                 </a:solidFill>
@@ -5948,12 +6256,6 @@
               </a:rPr>
               <a:t>&lt;date/time&gt;</a:t>
             </a:r>
-            <a:endParaRPr b="0" lang="pt-BR" sz="1400" spc="-1" strike="noStrike">
-              <a:solidFill>
-                <a:srgbClr val="000000"/>
-              </a:solidFill>
-              <a:latin typeface="Times New Roman"/>
-            </a:endParaRPr>
           </a:p>
         </p:txBody>
       </p:sp>
@@ -5981,15 +6283,16 @@
           </a:ln>
         </p:spPr>
         <p:txBody>
-          <a:bodyPr lIns="0" rIns="0" tIns="0" bIns="0" anchor="ctr">
+          <a:bodyPr lIns="0" tIns="0" rIns="0" bIns="0" anchor="ctr">
             <a:noAutofit/>
           </a:bodyPr>
-          <a:p>
-            <a:pPr indent="0">
+          <a:lstStyle/>
+          <a:p>
+            <a:pPr indent="0" algn="ctr">
               <a:buNone/>
             </a:pPr>
             <a:r>
-              <a:rPr b="0" lang="en-US" sz="1800" spc="-1" strike="noStrike">
+              <a:rPr lang="en-CA" sz="4400" b="0" strike="noStrike" spc="-1">
                 <a:solidFill>
                   <a:srgbClr val="000000"/>
                 </a:solidFill>
@@ -5997,12 +6300,6 @@
               </a:rPr>
               <a:t>Click to edit the title text format</a:t>
             </a:r>
-            <a:endParaRPr b="0" lang="en-US" sz="1800" spc="-1" strike="noStrike">
-              <a:solidFill>
-                <a:srgbClr val="000000"/>
-              </a:solidFill>
-              <a:latin typeface="Arial"/>
-            </a:endParaRPr>
           </a:p>
         </p:txBody>
       </p:sp>
@@ -6030,14 +6327,12 @@
           </a:ln>
         </p:spPr>
         <p:txBody>
-          <a:bodyPr lIns="0" rIns="0" tIns="0" bIns="0" anchor="t">
+          <a:bodyPr lIns="0" tIns="0" rIns="0" bIns="0" anchor="t">
             <a:normAutofit/>
           </a:bodyPr>
+          <a:lstStyle/>
           <a:p>
             <a:pPr marL="432000" indent="-324000">
-              <a:lnSpc>
-                <a:spcPct val="90000"/>
-              </a:lnSpc>
               <a:spcBef>
                 <a:spcPts val="1417"/>
               </a:spcBef>
@@ -6049,7 +6344,7 @@
               <a:buChar char=""/>
             </a:pPr>
             <a:r>
-              <a:rPr b="0" lang="en-US" sz="2800" spc="-1" strike="noStrike">
+              <a:rPr lang="en-CA" sz="3200" b="0" strike="noStrike" spc="-1">
                 <a:solidFill>
                   <a:srgbClr val="000000"/>
                 </a:solidFill>
@@ -6057,18 +6352,9 @@
               </a:rPr>
               <a:t>Click to edit the outline text format</a:t>
             </a:r>
-            <a:endParaRPr b="0" lang="en-US" sz="2800" spc="-1" strike="noStrike">
-              <a:solidFill>
-                <a:srgbClr val="000000"/>
-              </a:solidFill>
-              <a:latin typeface="Arial"/>
-            </a:endParaRPr>
-          </a:p>
-          <a:p>
-            <a:pPr lvl="1" marL="864000" indent="-324000">
-              <a:lnSpc>
-                <a:spcPct val="90000"/>
-              </a:lnSpc>
+          </a:p>
+          <a:p>
+            <a:pPr marL="864000" lvl="1" indent="-324000">
               <a:spcBef>
                 <a:spcPts val="1134"/>
               </a:spcBef>
@@ -6080,7 +6366,7 @@
               <a:buChar char=""/>
             </a:pPr>
             <a:r>
-              <a:rPr b="0" lang="en-US" sz="2000" spc="-1" strike="noStrike">
+              <a:rPr lang="en-CA" sz="2800" b="0" strike="noStrike" spc="-1">
                 <a:solidFill>
                   <a:srgbClr val="000000"/>
                 </a:solidFill>
@@ -6088,18 +6374,9 @@
               </a:rPr>
               <a:t>Second Outline Level</a:t>
             </a:r>
-            <a:endParaRPr b="0" lang="en-US" sz="2000" spc="-1" strike="noStrike">
-              <a:solidFill>
-                <a:srgbClr val="000000"/>
-              </a:solidFill>
-              <a:latin typeface="Arial"/>
-            </a:endParaRPr>
-          </a:p>
-          <a:p>
-            <a:pPr lvl="2" marL="1296000" indent="-288000">
-              <a:lnSpc>
-                <a:spcPct val="90000"/>
-              </a:lnSpc>
+          </a:p>
+          <a:p>
+            <a:pPr marL="1296000" lvl="2" indent="-288000">
               <a:spcBef>
                 <a:spcPts val="850"/>
               </a:spcBef>
@@ -6111,7 +6388,7 @@
               <a:buChar char=""/>
             </a:pPr>
             <a:r>
-              <a:rPr b="0" lang="en-US" sz="1800" spc="-1" strike="noStrike">
+              <a:rPr lang="en-CA" sz="2400" b="0" strike="noStrike" spc="-1">
                 <a:solidFill>
                   <a:srgbClr val="000000"/>
                 </a:solidFill>
@@ -6119,18 +6396,9 @@
               </a:rPr>
               <a:t>Third Outline Level</a:t>
             </a:r>
-            <a:endParaRPr b="0" lang="en-US" sz="1800" spc="-1" strike="noStrike">
-              <a:solidFill>
-                <a:srgbClr val="000000"/>
-              </a:solidFill>
-              <a:latin typeface="Arial"/>
-            </a:endParaRPr>
-          </a:p>
-          <a:p>
-            <a:pPr lvl="3" marL="1728000" indent="-216000">
-              <a:lnSpc>
-                <a:spcPct val="90000"/>
-              </a:lnSpc>
+          </a:p>
+          <a:p>
+            <a:pPr marL="1728000" lvl="3" indent="-216000">
               <a:spcBef>
                 <a:spcPts val="567"/>
               </a:spcBef>
@@ -6142,7 +6410,7 @@
               <a:buChar char=""/>
             </a:pPr>
             <a:r>
-              <a:rPr b="0" lang="en-US" sz="1800" spc="-1" strike="noStrike">
+              <a:rPr lang="en-CA" sz="2000" b="0" strike="noStrike" spc="-1">
                 <a:solidFill>
                   <a:srgbClr val="000000"/>
                 </a:solidFill>
@@ -6150,18 +6418,9 @@
               </a:rPr>
               <a:t>Fourth Outline Level</a:t>
             </a:r>
-            <a:endParaRPr b="0" lang="en-US" sz="1800" spc="-1" strike="noStrike">
-              <a:solidFill>
-                <a:srgbClr val="000000"/>
-              </a:solidFill>
-              <a:latin typeface="Arial"/>
-            </a:endParaRPr>
-          </a:p>
-          <a:p>
-            <a:pPr lvl="4" marL="2160000" indent="-216000">
-              <a:lnSpc>
-                <a:spcPct val="90000"/>
-              </a:lnSpc>
+          </a:p>
+          <a:p>
+            <a:pPr marL="2160000" lvl="4" indent="-216000">
               <a:spcBef>
                 <a:spcPts val="283"/>
               </a:spcBef>
@@ -6173,7 +6432,7 @@
               <a:buChar char=""/>
             </a:pPr>
             <a:r>
-              <a:rPr b="0" lang="en-US" sz="2000" spc="-1" strike="noStrike">
+              <a:rPr lang="en-CA" sz="2000" b="0" strike="noStrike" spc="-1">
                 <a:solidFill>
                   <a:srgbClr val="000000"/>
                 </a:solidFill>
@@ -6181,18 +6440,9 @@
               </a:rPr>
               <a:t>Fifth Outline Level</a:t>
             </a:r>
-            <a:endParaRPr b="0" lang="en-US" sz="2000" spc="-1" strike="noStrike">
-              <a:solidFill>
-                <a:srgbClr val="000000"/>
-              </a:solidFill>
-              <a:latin typeface="Arial"/>
-            </a:endParaRPr>
-          </a:p>
-          <a:p>
-            <a:pPr lvl="5" marL="2592000" indent="-216000">
-              <a:lnSpc>
-                <a:spcPct val="90000"/>
-              </a:lnSpc>
+          </a:p>
+          <a:p>
+            <a:pPr marL="2592000" lvl="5" indent="-216000">
               <a:spcBef>
                 <a:spcPts val="283"/>
               </a:spcBef>
@@ -6204,7 +6454,7 @@
               <a:buChar char=""/>
             </a:pPr>
             <a:r>
-              <a:rPr b="0" lang="en-US" sz="2000" spc="-1" strike="noStrike">
+              <a:rPr lang="en-CA" sz="2000" b="0" strike="noStrike" spc="-1">
                 <a:solidFill>
                   <a:srgbClr val="000000"/>
                 </a:solidFill>
@@ -6212,18 +6462,9 @@
               </a:rPr>
               <a:t>Sixth Outline Level</a:t>
             </a:r>
-            <a:endParaRPr b="0" lang="en-US" sz="2000" spc="-1" strike="noStrike">
-              <a:solidFill>
-                <a:srgbClr val="000000"/>
-              </a:solidFill>
-              <a:latin typeface="Arial"/>
-            </a:endParaRPr>
-          </a:p>
-          <a:p>
-            <a:pPr lvl="6" marL="3024000" indent="-216000">
-              <a:lnSpc>
-                <a:spcPct val="90000"/>
-              </a:lnSpc>
+          </a:p>
+          <a:p>
+            <a:pPr marL="3024000" lvl="6" indent="-216000">
               <a:spcBef>
                 <a:spcPts val="283"/>
               </a:spcBef>
@@ -6235,7 +6476,7 @@
               <a:buChar char=""/>
             </a:pPr>
             <a:r>
-              <a:rPr b="0" lang="en-US" sz="2000" spc="-1" strike="noStrike">
+              <a:rPr lang="en-CA" sz="2000" b="0" strike="noStrike" spc="-1">
                 <a:solidFill>
                   <a:srgbClr val="000000"/>
                 </a:solidFill>
@@ -6243,37 +6484,311 @@
               </a:rPr>
               <a:t>Seventh Outline Level</a:t>
             </a:r>
-            <a:endParaRPr b="0" lang="en-US" sz="2000" spc="-1" strike="noStrike">
-              <a:solidFill>
-                <a:srgbClr val="000000"/>
-              </a:solidFill>
-              <a:latin typeface="Arial"/>
-            </a:endParaRPr>
           </a:p>
         </p:txBody>
       </p:sp>
     </p:spTree>
   </p:cSld>
-  <p:clrMap bg1="lt1" bg2="lt2" tx1="dk1" tx2="dk2" accent1="accent1" accent2="accent2" accent3="accent3" accent4="accent4" accent5="accent5" accent6="accent6" hlink="hlink" folHlink="folHlink"/>
+  <p:clrMap bg1="lt1" tx1="dk1" bg2="lt2" tx2="dk2" accent1="accent1" accent2="accent2" accent3="accent3" accent4="accent4" accent5="accent5" accent6="accent6" hlink="hlink" folHlink="folHlink"/>
   <p:sldLayoutIdLst>
-    <p:sldLayoutId id="2147483662" r:id="rId2"/>
-    <p:sldLayoutId id="2147483663" r:id="rId3"/>
-    <p:sldLayoutId id="2147483664" r:id="rId4"/>
-    <p:sldLayoutId id="2147483665" r:id="rId5"/>
-    <p:sldLayoutId id="2147483666" r:id="rId6"/>
-    <p:sldLayoutId id="2147483667" r:id="rId7"/>
-    <p:sldLayoutId id="2147483668" r:id="rId8"/>
-    <p:sldLayoutId id="2147483669" r:id="rId9"/>
-    <p:sldLayoutId id="2147483670" r:id="rId10"/>
-    <p:sldLayoutId id="2147483671" r:id="rId11"/>
-    <p:sldLayoutId id="2147483672" r:id="rId12"/>
-    <p:sldLayoutId id="2147483673" r:id="rId13"/>
+    <p:sldLayoutId id="2147483662" r:id="rId1"/>
+    <p:sldLayoutId id="2147483663" r:id="rId2"/>
+    <p:sldLayoutId id="2147483664" r:id="rId3"/>
+    <p:sldLayoutId id="2147483665" r:id="rId4"/>
+    <p:sldLayoutId id="2147483666" r:id="rId5"/>
+    <p:sldLayoutId id="2147483667" r:id="rId6"/>
+    <p:sldLayoutId id="2147483668" r:id="rId7"/>
+    <p:sldLayoutId id="2147483669" r:id="rId8"/>
+    <p:sldLayoutId id="2147483670" r:id="rId9"/>
+    <p:sldLayoutId id="2147483671" r:id="rId10"/>
+    <p:sldLayoutId id="2147483672" r:id="rId11"/>
+    <p:sldLayoutId id="2147483673" r:id="rId12"/>
   </p:sldLayoutIdLst>
+  <p:txStyles>
+    <p:titleStyle>
+      <a:lvl1pPr algn="l" defTabSz="914400" rtl="0" eaLnBrk="1" latinLnBrk="0" hangingPunct="1">
+        <a:lnSpc>
+          <a:spcPct val="90000"/>
+        </a:lnSpc>
+        <a:spcBef>
+          <a:spcPct val="0"/>
+        </a:spcBef>
+        <a:buNone/>
+        <a:defRPr sz="4400" kern="1200">
+          <a:solidFill>
+            <a:schemeClr val="tx1"/>
+          </a:solidFill>
+          <a:latin typeface="+mj-lt"/>
+          <a:ea typeface="+mj-ea"/>
+          <a:cs typeface="+mj-cs"/>
+        </a:defRPr>
+      </a:lvl1pPr>
+    </p:titleStyle>
+    <p:bodyStyle>
+      <a:lvl1pPr marL="228600" indent="-228600" algn="l" defTabSz="914400" rtl="0" eaLnBrk="1" latinLnBrk="0" hangingPunct="1">
+        <a:lnSpc>
+          <a:spcPct val="90000"/>
+        </a:lnSpc>
+        <a:spcBef>
+          <a:spcPts val="1000"/>
+        </a:spcBef>
+        <a:buFont typeface="Arial" panose="020B0604020202020204" pitchFamily="34" charset="0"/>
+        <a:buChar char="•"/>
+        <a:defRPr sz="2800" kern="1200">
+          <a:solidFill>
+            <a:schemeClr val="tx1"/>
+          </a:solidFill>
+          <a:latin typeface="+mn-lt"/>
+          <a:ea typeface="+mn-ea"/>
+          <a:cs typeface="+mn-cs"/>
+        </a:defRPr>
+      </a:lvl1pPr>
+      <a:lvl2pPr marL="685800" indent="-228600" algn="l" defTabSz="914400" rtl="0" eaLnBrk="1" latinLnBrk="0" hangingPunct="1">
+        <a:lnSpc>
+          <a:spcPct val="90000"/>
+        </a:lnSpc>
+        <a:spcBef>
+          <a:spcPts val="500"/>
+        </a:spcBef>
+        <a:buFont typeface="Arial" panose="020B0604020202020204" pitchFamily="34" charset="0"/>
+        <a:buChar char="•"/>
+        <a:defRPr sz="2400" kern="1200">
+          <a:solidFill>
+            <a:schemeClr val="tx1"/>
+          </a:solidFill>
+          <a:latin typeface="+mn-lt"/>
+          <a:ea typeface="+mn-ea"/>
+          <a:cs typeface="+mn-cs"/>
+        </a:defRPr>
+      </a:lvl2pPr>
+      <a:lvl3pPr marL="1143000" indent="-228600" algn="l" defTabSz="914400" rtl="0" eaLnBrk="1" latinLnBrk="0" hangingPunct="1">
+        <a:lnSpc>
+          <a:spcPct val="90000"/>
+        </a:lnSpc>
+        <a:spcBef>
+          <a:spcPts val="500"/>
+        </a:spcBef>
+        <a:buFont typeface="Arial" panose="020B0604020202020204" pitchFamily="34" charset="0"/>
+        <a:buChar char="•"/>
+        <a:defRPr sz="2000" kern="1200">
+          <a:solidFill>
+            <a:schemeClr val="tx1"/>
+          </a:solidFill>
+          <a:latin typeface="+mn-lt"/>
+          <a:ea typeface="+mn-ea"/>
+          <a:cs typeface="+mn-cs"/>
+        </a:defRPr>
+      </a:lvl3pPr>
+      <a:lvl4pPr marL="1600200" indent="-228600" algn="l" defTabSz="914400" rtl="0" eaLnBrk="1" latinLnBrk="0" hangingPunct="1">
+        <a:lnSpc>
+          <a:spcPct val="90000"/>
+        </a:lnSpc>
+        <a:spcBef>
+          <a:spcPts val="500"/>
+        </a:spcBef>
+        <a:buFont typeface="Arial" panose="020B0604020202020204" pitchFamily="34" charset="0"/>
+        <a:buChar char="•"/>
+        <a:defRPr sz="1800" kern="1200">
+          <a:solidFill>
+            <a:schemeClr val="tx1"/>
+          </a:solidFill>
+          <a:latin typeface="+mn-lt"/>
+          <a:ea typeface="+mn-ea"/>
+          <a:cs typeface="+mn-cs"/>
+        </a:defRPr>
+      </a:lvl4pPr>
+      <a:lvl5pPr marL="2057400" indent="-228600" algn="l" defTabSz="914400" rtl="0" eaLnBrk="1" latinLnBrk="0" hangingPunct="1">
+        <a:lnSpc>
+          <a:spcPct val="90000"/>
+        </a:lnSpc>
+        <a:spcBef>
+          <a:spcPts val="500"/>
+        </a:spcBef>
+        <a:buFont typeface="Arial" panose="020B0604020202020204" pitchFamily="34" charset="0"/>
+        <a:buChar char="•"/>
+        <a:defRPr sz="1800" kern="1200">
+          <a:solidFill>
+            <a:schemeClr val="tx1"/>
+          </a:solidFill>
+          <a:latin typeface="+mn-lt"/>
+          <a:ea typeface="+mn-ea"/>
+          <a:cs typeface="+mn-cs"/>
+        </a:defRPr>
+      </a:lvl5pPr>
+      <a:lvl6pPr marL="2514600" indent="-228600" algn="l" defTabSz="914400" rtl="0" eaLnBrk="1" latinLnBrk="0" hangingPunct="1">
+        <a:lnSpc>
+          <a:spcPct val="90000"/>
+        </a:lnSpc>
+        <a:spcBef>
+          <a:spcPts val="500"/>
+        </a:spcBef>
+        <a:buFont typeface="Arial" panose="020B0604020202020204" pitchFamily="34" charset="0"/>
+        <a:buChar char="•"/>
+        <a:defRPr sz="1800" kern="1200">
+          <a:solidFill>
+            <a:schemeClr val="tx1"/>
+          </a:solidFill>
+          <a:latin typeface="+mn-lt"/>
+          <a:ea typeface="+mn-ea"/>
+          <a:cs typeface="+mn-cs"/>
+        </a:defRPr>
+      </a:lvl6pPr>
+      <a:lvl7pPr marL="2971800" indent="-228600" algn="l" defTabSz="914400" rtl="0" eaLnBrk="1" latinLnBrk="0" hangingPunct="1">
+        <a:lnSpc>
+          <a:spcPct val="90000"/>
+        </a:lnSpc>
+        <a:spcBef>
+          <a:spcPts val="500"/>
+        </a:spcBef>
+        <a:buFont typeface="Arial" panose="020B0604020202020204" pitchFamily="34" charset="0"/>
+        <a:buChar char="•"/>
+        <a:defRPr sz="1800" kern="1200">
+          <a:solidFill>
+            <a:schemeClr val="tx1"/>
+          </a:solidFill>
+          <a:latin typeface="+mn-lt"/>
+          <a:ea typeface="+mn-ea"/>
+          <a:cs typeface="+mn-cs"/>
+        </a:defRPr>
+      </a:lvl7pPr>
+      <a:lvl8pPr marL="3429000" indent="-228600" algn="l" defTabSz="914400" rtl="0" eaLnBrk="1" latinLnBrk="0" hangingPunct="1">
+        <a:lnSpc>
+          <a:spcPct val="90000"/>
+        </a:lnSpc>
+        <a:spcBef>
+          <a:spcPts val="500"/>
+        </a:spcBef>
+        <a:buFont typeface="Arial" panose="020B0604020202020204" pitchFamily="34" charset="0"/>
+        <a:buChar char="•"/>
+        <a:defRPr sz="1800" kern="1200">
+          <a:solidFill>
+            <a:schemeClr val="tx1"/>
+          </a:solidFill>
+          <a:latin typeface="+mn-lt"/>
+          <a:ea typeface="+mn-ea"/>
+          <a:cs typeface="+mn-cs"/>
+        </a:defRPr>
+      </a:lvl8pPr>
+      <a:lvl9pPr marL="3886200" indent="-228600" algn="l" defTabSz="914400" rtl="0" eaLnBrk="1" latinLnBrk="0" hangingPunct="1">
+        <a:lnSpc>
+          <a:spcPct val="90000"/>
+        </a:lnSpc>
+        <a:spcBef>
+          <a:spcPts val="500"/>
+        </a:spcBef>
+        <a:buFont typeface="Arial" panose="020B0604020202020204" pitchFamily="34" charset="0"/>
+        <a:buChar char="•"/>
+        <a:defRPr sz="1800" kern="1200">
+          <a:solidFill>
+            <a:schemeClr val="tx1"/>
+          </a:solidFill>
+          <a:latin typeface="+mn-lt"/>
+          <a:ea typeface="+mn-ea"/>
+          <a:cs typeface="+mn-cs"/>
+        </a:defRPr>
+      </a:lvl9pPr>
+    </p:bodyStyle>
+    <p:otherStyle>
+      <a:defPPr>
+        <a:defRPr lang="en-US"/>
+      </a:defPPr>
+      <a:lvl1pPr marL="0" algn="l" defTabSz="914400" rtl="0" eaLnBrk="1" latinLnBrk="0" hangingPunct="1">
+        <a:defRPr sz="1800" kern="1200">
+          <a:solidFill>
+            <a:schemeClr val="tx1"/>
+          </a:solidFill>
+          <a:latin typeface="+mn-lt"/>
+          <a:ea typeface="+mn-ea"/>
+          <a:cs typeface="+mn-cs"/>
+        </a:defRPr>
+      </a:lvl1pPr>
+      <a:lvl2pPr marL="457200" algn="l" defTabSz="914400" rtl="0" eaLnBrk="1" latinLnBrk="0" hangingPunct="1">
+        <a:defRPr sz="1800" kern="1200">
+          <a:solidFill>
+            <a:schemeClr val="tx1"/>
+          </a:solidFill>
+          <a:latin typeface="+mn-lt"/>
+          <a:ea typeface="+mn-ea"/>
+          <a:cs typeface="+mn-cs"/>
+        </a:defRPr>
+      </a:lvl2pPr>
+      <a:lvl3pPr marL="914400" algn="l" defTabSz="914400" rtl="0" eaLnBrk="1" latinLnBrk="0" hangingPunct="1">
+        <a:defRPr sz="1800" kern="1200">
+          <a:solidFill>
+            <a:schemeClr val="tx1"/>
+          </a:solidFill>
+          <a:latin typeface="+mn-lt"/>
+          <a:ea typeface="+mn-ea"/>
+          <a:cs typeface="+mn-cs"/>
+        </a:defRPr>
+      </a:lvl3pPr>
+      <a:lvl4pPr marL="1371600" algn="l" defTabSz="914400" rtl="0" eaLnBrk="1" latinLnBrk="0" hangingPunct="1">
+        <a:defRPr sz="1800" kern="1200">
+          <a:solidFill>
+            <a:schemeClr val="tx1"/>
+          </a:solidFill>
+          <a:latin typeface="+mn-lt"/>
+          <a:ea typeface="+mn-ea"/>
+          <a:cs typeface="+mn-cs"/>
+        </a:defRPr>
+      </a:lvl4pPr>
+      <a:lvl5pPr marL="1828800" algn="l" defTabSz="914400" rtl="0" eaLnBrk="1" latinLnBrk="0" hangingPunct="1">
+        <a:defRPr sz="1800" kern="1200">
+          <a:solidFill>
+            <a:schemeClr val="tx1"/>
+          </a:solidFill>
+          <a:latin typeface="+mn-lt"/>
+          <a:ea typeface="+mn-ea"/>
+          <a:cs typeface="+mn-cs"/>
+        </a:defRPr>
+      </a:lvl5pPr>
+      <a:lvl6pPr marL="2286000" algn="l" defTabSz="914400" rtl="0" eaLnBrk="1" latinLnBrk="0" hangingPunct="1">
+        <a:defRPr sz="1800" kern="1200">
+          <a:solidFill>
+            <a:schemeClr val="tx1"/>
+          </a:solidFill>
+          <a:latin typeface="+mn-lt"/>
+          <a:ea typeface="+mn-ea"/>
+          <a:cs typeface="+mn-cs"/>
+        </a:defRPr>
+      </a:lvl6pPr>
+      <a:lvl7pPr marL="2743200" algn="l" defTabSz="914400" rtl="0" eaLnBrk="1" latinLnBrk="0" hangingPunct="1">
+        <a:defRPr sz="1800" kern="1200">
+          <a:solidFill>
+            <a:schemeClr val="tx1"/>
+          </a:solidFill>
+          <a:latin typeface="+mn-lt"/>
+          <a:ea typeface="+mn-ea"/>
+          <a:cs typeface="+mn-cs"/>
+        </a:defRPr>
+      </a:lvl7pPr>
+      <a:lvl8pPr marL="3200400" algn="l" defTabSz="914400" rtl="0" eaLnBrk="1" latinLnBrk="0" hangingPunct="1">
+        <a:defRPr sz="1800" kern="1200">
+          <a:solidFill>
+            <a:schemeClr val="tx1"/>
+          </a:solidFill>
+          <a:latin typeface="+mn-lt"/>
+          <a:ea typeface="+mn-ea"/>
+          <a:cs typeface="+mn-cs"/>
+        </a:defRPr>
+      </a:lvl8pPr>
+      <a:lvl9pPr marL="3657600" algn="l" defTabSz="914400" rtl="0" eaLnBrk="1" latinLnBrk="0" hangingPunct="1">
+        <a:defRPr sz="1800" kern="1200">
+          <a:solidFill>
+            <a:schemeClr val="tx1"/>
+          </a:solidFill>
+          <a:latin typeface="+mn-lt"/>
+          <a:ea typeface="+mn-ea"/>
+          <a:cs typeface="+mn-cs"/>
+        </a:defRPr>
+      </a:lvl9pPr>
+    </p:otherStyle>
+  </p:txStyles>
 </p:sldMaster>
 </file>
 
 <file path=ppt/slides/slide1.xml><?xml version="1.0" encoding="utf-8"?>
-<p:sld xmlns:a="http://schemas.openxmlformats.org/drawingml/2006/main" xmlns:p="http://schemas.openxmlformats.org/presentationml/2006/main" xmlns:r="http://schemas.openxmlformats.org/officeDocument/2006/relationships" xmlns:p14="http://schemas.microsoft.com/office/powerpoint/2010/main" xmlns:p15="http://schemas.microsoft.com/office/powerpoint/2012/main" xmlns:mc="http://schemas.openxmlformats.org/markup-compatibility/2006">
+<p:sld xmlns:a="http://schemas.openxmlformats.org/drawingml/2006/main" xmlns:r="http://schemas.openxmlformats.org/officeDocument/2006/relationships" xmlns:p="http://schemas.openxmlformats.org/presentationml/2006/main">
   <p:cSld>
     <p:spTree>
       <p:nvGrpSpPr>
@@ -6302,20 +6817,21 @@
         <p:spPr>
           <a:xfrm>
             <a:off x="504000" y="226080"/>
-            <a:ext cx="9070560" cy="945360"/>
-          </a:xfrm>
-          <a:prstGeom prst="rect">
-            <a:avLst/>
-          </a:prstGeom>
-          <a:noFill/>
-          <a:ln w="0">
-            <a:noFill/>
-          </a:ln>
-        </p:spPr>
-        <p:txBody>
-          <a:bodyPr lIns="0" rIns="0" tIns="0" bIns="0" anchor="ctr">
+            <a:ext cx="9070920" cy="945720"/>
+          </a:xfrm>
+          <a:prstGeom prst="rect">
+            <a:avLst/>
+          </a:prstGeom>
+          <a:noFill/>
+          <a:ln w="0">
+            <a:noFill/>
+          </a:ln>
+        </p:spPr>
+        <p:txBody>
+          <a:bodyPr lIns="0" tIns="0" rIns="0" bIns="0" anchor="ctr">
             <a:noAutofit/>
           </a:bodyPr>
+          <a:lstStyle/>
           <a:p>
             <a:pPr indent="0" algn="ctr">
               <a:lnSpc>
@@ -6323,20 +6839,19 @@
               </a:lnSpc>
               <a:buNone/>
               <a:tabLst>
-                <a:tab algn="l" pos="0"/>
+                <a:tab pos="0" algn="l"/>
               </a:tabLst>
             </a:pPr>
             <a:r>
-              <a:rPr b="0" lang="pt-BR" sz="4400" spc="-1" strike="noStrike">
+              <a:rPr lang="pt-BR" sz="4400" b="0" strike="noStrike" spc="-1">
                 <a:solidFill>
                   <a:srgbClr val="000000"/>
                 </a:solidFill>
                 <a:latin typeface="Arial"/>
-                <a:ea typeface="DejaVu Sans"/>
               </a:rPr>
               <a:t>Brazil Career Hub</a:t>
             </a:r>
-            <a:endParaRPr b="0" lang="en-US" sz="4400" spc="-1" strike="noStrike">
+            <a:endParaRPr lang="en-CA" sz="4400" b="0" strike="noStrike" spc="-1">
               <a:solidFill>
                 <a:srgbClr val="000000"/>
               </a:solidFill>
@@ -6358,44 +6873,41 @@
         <p:spPr>
           <a:xfrm>
             <a:off x="504000" y="1326600"/>
-            <a:ext cx="9070560" cy="3287160"/>
-          </a:xfrm>
-          <a:prstGeom prst="rect">
-            <a:avLst/>
-          </a:prstGeom>
-          <a:noFill/>
-          <a:ln w="0">
-            <a:noFill/>
-          </a:ln>
-        </p:spPr>
-        <p:txBody>
-          <a:bodyPr lIns="0" rIns="0" tIns="0" bIns="0" anchor="ctr">
+            <a:ext cx="9070920" cy="3287520"/>
+          </a:xfrm>
+          <a:prstGeom prst="rect">
+            <a:avLst/>
+          </a:prstGeom>
+          <a:noFill/>
+          <a:ln w="0">
+            <a:noFill/>
+          </a:ln>
+        </p:spPr>
+        <p:txBody>
+          <a:bodyPr lIns="0" tIns="0" rIns="0" bIns="0" anchor="ctr">
             <a:noAutofit/>
           </a:bodyPr>
-          <a:p>
-            <a:pPr marL="228600" indent="0" algn="ctr">
+          <a:lstStyle/>
+          <a:p>
+            <a:pPr indent="0" algn="ctr">
               <a:lnSpc>
                 <a:spcPct val="100000"/>
               </a:lnSpc>
-              <a:spcBef>
-                <a:spcPts val="1001"/>
-              </a:spcBef>
               <a:buNone/>
               <a:tabLst>
-                <a:tab algn="l" pos="0"/>
+                <a:tab pos="0" algn="l"/>
               </a:tabLst>
             </a:pPr>
             <a:r>
-              <a:rPr b="0" lang="pt-BR" sz="2600" spc="-1" strike="noStrike">
+              <a:rPr lang="pt-BR" sz="2600" b="0" strike="noStrike" spc="-1">
                 <a:solidFill>
                   <a:srgbClr val="000000"/>
                 </a:solidFill>
                 <a:latin typeface="Arial"/>
-                <a:ea typeface="DejaVu Sans"/>
               </a:rPr>
               <a:t>Integrantes:</a:t>
             </a:r>
-            <a:endParaRPr b="0" lang="pt-BR" sz="2600" spc="-1" strike="noStrike">
+            <a:endParaRPr lang="en-CA" sz="2600" b="0" strike="noStrike" spc="-1">
               <a:solidFill>
                 <a:srgbClr val="000000"/>
               </a:solidFill>
@@ -6407,9 +6919,6 @@
               <a:lnSpc>
                 <a:spcPct val="100000"/>
               </a:lnSpc>
-              <a:spcBef>
-                <a:spcPts val="1001"/>
-              </a:spcBef>
               <a:buClr>
                 <a:srgbClr val="000000"/>
               </a:buClr>
@@ -6417,20 +6926,19 @@
               <a:buFont typeface="Wingdings" charset="2"/>
               <a:buChar char=""/>
               <a:tabLst>
-                <a:tab algn="l" pos="0"/>
+                <a:tab pos="0" algn="l"/>
               </a:tabLst>
             </a:pPr>
             <a:r>
-              <a:rPr b="0" lang="pt-BR" sz="2600" spc="-1" strike="noStrike">
+              <a:rPr lang="pt-BR" sz="2600" b="0" strike="noStrike" spc="-1">
                 <a:solidFill>
                   <a:srgbClr val="000000"/>
                 </a:solidFill>
                 <a:latin typeface="Arial"/>
-                <a:ea typeface="DejaVu Sans"/>
               </a:rPr>
               <a:t>Carlos Eduardo dos Santos Ferreira – N6401C7</a:t>
             </a:r>
-            <a:endParaRPr b="0" lang="pt-BR" sz="2600" spc="-1" strike="noStrike">
+            <a:endParaRPr lang="en-CA" sz="2600" b="0" strike="noStrike" spc="-1">
               <a:solidFill>
                 <a:srgbClr val="000000"/>
               </a:solidFill>
@@ -6442,9 +6950,6 @@
               <a:lnSpc>
                 <a:spcPct val="100000"/>
               </a:lnSpc>
-              <a:spcBef>
-                <a:spcPts val="1001"/>
-              </a:spcBef>
               <a:buClr>
                 <a:srgbClr val="000000"/>
               </a:buClr>
@@ -6452,20 +6957,19 @@
               <a:buFont typeface="Wingdings" charset="2"/>
               <a:buChar char=""/>
               <a:tabLst>
-                <a:tab algn="l" pos="0"/>
+                <a:tab pos="0" algn="l"/>
               </a:tabLst>
             </a:pPr>
             <a:r>
-              <a:rPr b="0" lang="pt-BR" sz="2600" spc="-1" strike="noStrike">
+              <a:rPr lang="pt-BR" sz="2600" b="0" strike="noStrike" spc="-1">
                 <a:solidFill>
                   <a:srgbClr val="000000"/>
                 </a:solidFill>
                 <a:latin typeface="Arial"/>
-                <a:ea typeface="DejaVu Sans"/>
               </a:rPr>
               <a:t>Gabriel Menezes de Antonio – F13GJI6</a:t>
             </a:r>
-            <a:endParaRPr b="0" lang="pt-BR" sz="2600" spc="-1" strike="noStrike">
+            <a:endParaRPr lang="en-CA" sz="2600" b="0" strike="noStrike" spc="-1">
               <a:solidFill>
                 <a:srgbClr val="000000"/>
               </a:solidFill>
@@ -6477,9 +6981,6 @@
               <a:lnSpc>
                 <a:spcPct val="100000"/>
               </a:lnSpc>
-              <a:spcBef>
-                <a:spcPts val="1001"/>
-              </a:spcBef>
               <a:buClr>
                 <a:srgbClr val="000000"/>
               </a:buClr>
@@ -6487,20 +6988,19 @@
               <a:buFont typeface="Wingdings" charset="2"/>
               <a:buChar char=""/>
               <a:tabLst>
-                <a:tab algn="l" pos="0"/>
+                <a:tab pos="0" algn="l"/>
               </a:tabLst>
             </a:pPr>
             <a:r>
-              <a:rPr b="0" lang="pt-BR" sz="2600" spc="-1" strike="noStrike">
+              <a:rPr lang="pt-BR" sz="2600" b="0" strike="noStrike" spc="-1">
                 <a:solidFill>
                   <a:srgbClr val="000000"/>
                 </a:solidFill>
                 <a:latin typeface="Arial"/>
-                <a:ea typeface="DejaVu Sans"/>
               </a:rPr>
               <a:t>Gustavo Henrique Dos Santos Faria – F22IFG2</a:t>
             </a:r>
-            <a:endParaRPr b="0" lang="pt-BR" sz="2600" spc="-1" strike="noStrike">
+            <a:endParaRPr lang="en-CA" sz="2600" b="0" strike="noStrike" spc="-1">
               <a:solidFill>
                 <a:srgbClr val="000000"/>
               </a:solidFill>
@@ -6512,9 +7012,6 @@
               <a:lnSpc>
                 <a:spcPct val="100000"/>
               </a:lnSpc>
-              <a:spcBef>
-                <a:spcPts val="1001"/>
-              </a:spcBef>
               <a:buClr>
                 <a:srgbClr val="000000"/>
               </a:buClr>
@@ -6522,20 +7019,19 @@
               <a:buFont typeface="Wingdings" charset="2"/>
               <a:buChar char=""/>
               <a:tabLst>
-                <a:tab algn="l" pos="0"/>
+                <a:tab pos="0" algn="l"/>
               </a:tabLst>
             </a:pPr>
             <a:r>
-              <a:rPr b="0" lang="pt-BR" sz="2600" spc="-1" strike="noStrike">
+              <a:rPr lang="pt-BR" sz="2600" b="0" strike="noStrike" spc="-1">
                 <a:solidFill>
                   <a:srgbClr val="000000"/>
                 </a:solidFill>
                 <a:latin typeface="Arial"/>
-                <a:ea typeface="DejaVu Sans"/>
               </a:rPr>
               <a:t>Mayara Marques Pereira de Souza – N542DD1</a:t>
             </a:r>
-            <a:endParaRPr b="0" lang="pt-BR" sz="2600" spc="-1" strike="noStrike">
+            <a:endParaRPr lang="en-CA" sz="2600" b="0" strike="noStrike" spc="-1">
               <a:solidFill>
                 <a:srgbClr val="000000"/>
               </a:solidFill>
@@ -6546,19 +7042,14 @@
       </p:sp>
     </p:spTree>
   </p:cSld>
-  <mc:AlternateContent>
-    <mc:Choice Requires="p14">
-      <p:transition spd="slow" p14:dur="2000"/>
-    </mc:Choice>
-    <mc:Fallback>
-      <p:transition spd="slow"/>
-    </mc:Fallback>
-  </mc:AlternateContent>
+  <p:clrMapOvr>
+    <a:masterClrMapping/>
+  </p:clrMapOvr>
 </p:sld>
 </file>
 
 <file path=ppt/slides/slide10.xml><?xml version="1.0" encoding="utf-8"?>
-<p:sld xmlns:a="http://schemas.openxmlformats.org/drawingml/2006/main" xmlns:p="http://schemas.openxmlformats.org/presentationml/2006/main" xmlns:r="http://schemas.openxmlformats.org/officeDocument/2006/relationships" xmlns:p14="http://schemas.microsoft.com/office/powerpoint/2010/main" xmlns:p15="http://schemas.microsoft.com/office/powerpoint/2012/main" xmlns:mc="http://schemas.openxmlformats.org/markup-compatibility/2006">
+<p:sld xmlns:a="http://schemas.openxmlformats.org/drawingml/2006/main" xmlns:r="http://schemas.openxmlformats.org/officeDocument/2006/relationships" xmlns:p="http://schemas.openxmlformats.org/presentationml/2006/main">
   <p:cSld>
     <p:spTree>
       <p:nvGrpSpPr>
@@ -6587,20 +7078,21 @@
         <p:spPr>
           <a:xfrm>
             <a:off x="504000" y="226080"/>
-            <a:ext cx="9070560" cy="945360"/>
-          </a:xfrm>
-          <a:prstGeom prst="rect">
-            <a:avLst/>
-          </a:prstGeom>
-          <a:noFill/>
-          <a:ln w="0">
-            <a:noFill/>
-          </a:ln>
-        </p:spPr>
-        <p:txBody>
-          <a:bodyPr lIns="0" rIns="0" tIns="0" bIns="0" anchor="ctr">
+            <a:ext cx="9070920" cy="945720"/>
+          </a:xfrm>
+          <a:prstGeom prst="rect">
+            <a:avLst/>
+          </a:prstGeom>
+          <a:noFill/>
+          <a:ln w="0">
+            <a:noFill/>
+          </a:ln>
+        </p:spPr>
+        <p:txBody>
+          <a:bodyPr lIns="0" tIns="0" rIns="0" bIns="0" anchor="ctr">
             <a:noAutofit/>
           </a:bodyPr>
+          <a:lstStyle/>
           <a:p>
             <a:pPr indent="0" algn="ctr">
               <a:lnSpc>
@@ -6608,20 +7100,19 @@
               </a:lnSpc>
               <a:buNone/>
               <a:tabLst>
-                <a:tab algn="l" pos="0"/>
+                <a:tab pos="0" algn="l"/>
               </a:tabLst>
             </a:pPr>
             <a:r>
-              <a:rPr b="0" lang="pt-BR" sz="4400" spc="-1" strike="noStrike">
+              <a:rPr lang="pt-BR" sz="4400" b="0" strike="noStrike" spc="-1">
                 <a:solidFill>
                   <a:srgbClr val="000000"/>
                 </a:solidFill>
                 <a:latin typeface="Arial"/>
-                <a:ea typeface="DejaVu Sans"/>
               </a:rPr>
               <a:t>Pendências e bugs</a:t>
             </a:r>
-            <a:endParaRPr b="0" lang="en-US" sz="4400" spc="-1" strike="noStrike">
+            <a:endParaRPr lang="en-CA" sz="4400" b="0" strike="noStrike" spc="-1">
               <a:solidFill>
                 <a:srgbClr val="000000"/>
               </a:solidFill>
@@ -6632,18 +7123,18 @@
       </p:sp>
       <p:pic>
         <p:nvPicPr>
-          <p:cNvPr id="102" name="Picture 101" descr=""/>
+          <p:cNvPr id="102" name="Picture 101"/>
           <p:cNvPicPr/>
           <p:nvPr/>
         </p:nvPicPr>
         <p:blipFill>
-          <a:blip r:embed="rId1"/>
+          <a:blip r:embed="rId2"/>
           <a:stretch/>
         </p:blipFill>
         <p:spPr>
           <a:xfrm>
             <a:off x="614880" y="1260000"/>
-            <a:ext cx="8924760" cy="4117680"/>
+            <a:ext cx="8925120" cy="4118040"/>
           </a:xfrm>
           <a:prstGeom prst="rect">
             <a:avLst/>
@@ -6655,19 +7146,14 @@
       </p:pic>
     </p:spTree>
   </p:cSld>
-  <mc:AlternateContent>
-    <mc:Choice Requires="p14">
-      <p:transition spd="slow" p14:dur="2000"/>
-    </mc:Choice>
-    <mc:Fallback>
-      <p:transition spd="slow"/>
-    </mc:Fallback>
-  </mc:AlternateContent>
+  <p:clrMapOvr>
+    <a:masterClrMapping/>
+  </p:clrMapOvr>
 </p:sld>
 </file>
 
-<file path=ppt/slides/slide2.xml><?xml version="1.0" encoding="utf-8"?>
-<p:sld xmlns:a="http://schemas.openxmlformats.org/drawingml/2006/main" xmlns:p="http://schemas.openxmlformats.org/presentationml/2006/main" xmlns:r="http://schemas.openxmlformats.org/officeDocument/2006/relationships" xmlns:p14="http://schemas.microsoft.com/office/powerpoint/2010/main" xmlns:p15="http://schemas.microsoft.com/office/powerpoint/2012/main" xmlns:mc="http://schemas.openxmlformats.org/markup-compatibility/2006">
+<file path=ppt/slides/slide11.xml><?xml version="1.0" encoding="utf-8"?>
+<p:sld xmlns:a="http://schemas.openxmlformats.org/drawingml/2006/main" xmlns:r="http://schemas.openxmlformats.org/officeDocument/2006/relationships" xmlns:p="http://schemas.openxmlformats.org/presentationml/2006/main">
   <p:cSld>
     <p:spTree>
       <p:nvGrpSpPr>
@@ -6685,7 +7171,7 @@
       </p:grpSpPr>
       <p:sp>
         <p:nvSpPr>
-          <p:cNvPr id="84" name="PlaceHolder 1"/>
+          <p:cNvPr id="103" name="PlaceHolder 1"/>
           <p:cNvSpPr>
             <a:spLocks noGrp="1"/>
           </p:cNvSpPr>
@@ -6696,20 +7182,21 @@
         <p:spPr>
           <a:xfrm>
             <a:off x="504000" y="226080"/>
-            <a:ext cx="9070560" cy="945360"/>
-          </a:xfrm>
-          <a:prstGeom prst="rect">
-            <a:avLst/>
-          </a:prstGeom>
-          <a:noFill/>
-          <a:ln w="0">
-            <a:noFill/>
-          </a:ln>
-        </p:spPr>
-        <p:txBody>
-          <a:bodyPr lIns="0" rIns="0" tIns="0" bIns="0" anchor="ctr">
+            <a:ext cx="9070920" cy="945720"/>
+          </a:xfrm>
+          <a:prstGeom prst="rect">
+            <a:avLst/>
+          </a:prstGeom>
+          <a:noFill/>
+          <a:ln w="0">
+            <a:noFill/>
+          </a:ln>
+        </p:spPr>
+        <p:txBody>
+          <a:bodyPr lIns="0" tIns="0" rIns="0" bIns="0" anchor="ctr">
             <a:noAutofit/>
           </a:bodyPr>
+          <a:lstStyle/>
           <a:p>
             <a:pPr indent="0" algn="ctr">
               <a:lnSpc>
@@ -6717,31 +7204,30 @@
               </a:lnSpc>
               <a:buNone/>
               <a:tabLst>
-                <a:tab algn="l" pos="0"/>
+                <a:tab pos="0" algn="l"/>
               </a:tabLst>
             </a:pPr>
             <a:r>
-              <a:rPr b="0" lang="pt-BR" sz="4400" spc="-1" strike="noStrike">
+              <a:rPr lang="pt-BR" sz="4400" b="0" strike="noStrike" spc="-1">
                 <a:solidFill>
                   <a:srgbClr val="000000"/>
                 </a:solidFill>
                 <a:latin typeface="Arial"/>
-                <a:ea typeface="DejaVu Sans"/>
               </a:rPr>
-              <a:t>Objetivos</a:t>
+              <a:t>Demo</a:t>
             </a:r>
-            <a:endParaRPr b="0" lang="en-US" sz="4400" spc="-1" strike="noStrike">
-              <a:solidFill>
-                <a:srgbClr val="000000"/>
-              </a:solidFill>
-              <a:latin typeface="Arial"/>
-            </a:endParaRPr>
-          </a:p>
-        </p:txBody>
-      </p:sp>
-      <p:sp>
-        <p:nvSpPr>
-          <p:cNvPr id="85" name="PlaceHolder 2"/>
+            <a:endParaRPr lang="en-CA" sz="4400" b="0" strike="noStrike" spc="-1">
+              <a:solidFill>
+                <a:srgbClr val="000000"/>
+              </a:solidFill>
+              <a:latin typeface="Arial"/>
+            </a:endParaRPr>
+          </a:p>
+        </p:txBody>
+      </p:sp>
+      <p:sp>
+        <p:nvSpPr>
+          <p:cNvPr id="104" name="PlaceHolder 2"/>
           <p:cNvSpPr>
             <a:spLocks noGrp="1"/>
           </p:cNvSpPr>
@@ -6752,175 +7238,56 @@
         <p:spPr>
           <a:xfrm>
             <a:off x="504000" y="1326600"/>
-            <a:ext cx="9070560" cy="3287160"/>
-          </a:xfrm>
-          <a:prstGeom prst="rect">
-            <a:avLst/>
-          </a:prstGeom>
-          <a:noFill/>
-          <a:ln w="0">
-            <a:noFill/>
-          </a:ln>
-        </p:spPr>
-        <p:txBody>
-          <a:bodyPr lIns="0" rIns="0" tIns="0" bIns="0" anchor="t">
+            <a:ext cx="9070920" cy="3287520"/>
+          </a:xfrm>
+          <a:prstGeom prst="rect">
+            <a:avLst/>
+          </a:prstGeom>
+          <a:noFill/>
+          <a:ln w="0">
+            <a:noFill/>
+          </a:ln>
+        </p:spPr>
+        <p:txBody>
+          <a:bodyPr lIns="0" tIns="0" rIns="0" bIns="0" anchor="t">
             <a:normAutofit/>
           </a:bodyPr>
-          <a:p>
-            <a:pPr marL="228600" indent="0">
+          <a:lstStyle/>
+          <a:p>
+            <a:pPr indent="0" algn="ctr">
               <a:lnSpc>
                 <a:spcPct val="100000"/>
               </a:lnSpc>
               <a:spcBef>
-                <a:spcPts val="1001"/>
+                <a:spcPts val="1417"/>
               </a:spcBef>
               <a:buNone/>
               <a:tabLst>
-                <a:tab algn="l" pos="0"/>
+                <a:tab pos="0" algn="l"/>
               </a:tabLst>
             </a:pPr>
             <a:r>
-              <a:rPr b="0" lang="pt-BR" sz="1800" spc="-1" strike="noStrike">
+              <a:rPr lang="en-CA" sz="1800" b="0" strike="noStrike" spc="-1">
                 <a:solidFill>
                   <a:srgbClr val="000000"/>
                 </a:solidFill>
                 <a:latin typeface="Arial"/>
-                <a:ea typeface="DejaVu Sans"/>
               </a:rPr>
-              <a:t>Com a crescente globalização, muitos estrangeiros buscam oportunidades de trabalho em países estrangeiros, e a falta de informação e barreiras culturais podem dificultar esse processo.</a:t>
+              <a:t>&lt;Vídeo de demonstração do site aqui&gt;</a:t>
             </a:r>
-            <a:endParaRPr b="0" lang="en-US" sz="1800" spc="-1" strike="noStrike">
-              <a:solidFill>
-                <a:srgbClr val="000000"/>
-              </a:solidFill>
-              <a:latin typeface="Arial"/>
-            </a:endParaRPr>
-          </a:p>
-          <a:p>
-            <a:pPr marL="228600" indent="0">
-              <a:lnSpc>
-                <a:spcPct val="100000"/>
-              </a:lnSpc>
-              <a:spcBef>
-                <a:spcPts val="1001"/>
-              </a:spcBef>
-              <a:buNone/>
-              <a:tabLst>
-                <a:tab algn="l" pos="0"/>
-              </a:tabLst>
-            </a:pPr>
-            <a:endParaRPr b="0" lang="en-US" sz="1800" spc="-1" strike="noStrike">
-              <a:solidFill>
-                <a:srgbClr val="000000"/>
-              </a:solidFill>
-              <a:latin typeface="Arial"/>
-            </a:endParaRPr>
-          </a:p>
-          <a:p>
-            <a:pPr marL="432000" indent="-324000">
-              <a:lnSpc>
-                <a:spcPct val="100000"/>
-              </a:lnSpc>
-              <a:spcBef>
-                <a:spcPts val="1001"/>
-              </a:spcBef>
-              <a:buClr>
-                <a:srgbClr val="000000"/>
-              </a:buClr>
-              <a:buFont typeface="Wingdings" charset="2"/>
-              <a:buChar char=""/>
-              <a:tabLst>
-                <a:tab algn="l" pos="0"/>
-              </a:tabLst>
-            </a:pPr>
-            <a:r>
-              <a:rPr b="0" lang="pt-BR" sz="1800" spc="-1" strike="noStrike">
-                <a:solidFill>
-                  <a:srgbClr val="000000"/>
-                </a:solidFill>
-                <a:latin typeface="Arial"/>
-                <a:ea typeface="DejaVu Sans"/>
-              </a:rPr>
-              <a:t> </a:t>
-            </a:r>
-            <a:r>
-              <a:rPr b="0" lang="pt-BR" sz="1800" spc="-1" strike="noStrike">
-                <a:solidFill>
-                  <a:srgbClr val="000000"/>
-                </a:solidFill>
-                <a:latin typeface="Arial"/>
-                <a:ea typeface="DejaVu Sans"/>
-              </a:rPr>
-              <a:t>Auxiliar as pessoas a encontrarem empregos no Brasil</a:t>
-            </a:r>
-            <a:endParaRPr b="0" lang="en-US" sz="1800" spc="-1" strike="noStrike">
-              <a:solidFill>
-                <a:srgbClr val="000000"/>
-              </a:solidFill>
-              <a:latin typeface="Arial"/>
-            </a:endParaRPr>
-          </a:p>
-          <a:p>
-            <a:pPr marL="432000" indent="-324000">
-              <a:lnSpc>
-                <a:spcPct val="100000"/>
-              </a:lnSpc>
-              <a:spcBef>
-                <a:spcPts val="1001"/>
-              </a:spcBef>
-              <a:buClr>
-                <a:srgbClr val="000000"/>
-              </a:buClr>
-              <a:buFont typeface="Wingdings" charset="2"/>
-              <a:buChar char=""/>
-              <a:tabLst>
-                <a:tab algn="l" pos="0"/>
-              </a:tabLst>
-            </a:pPr>
-            <a:r>
-              <a:rPr b="0" lang="pt-BR" sz="1800" spc="-1" strike="noStrike">
-                <a:solidFill>
-                  <a:srgbClr val="000000"/>
-                </a:solidFill>
-                <a:latin typeface="Arial"/>
-                <a:ea typeface="DejaVu Sans"/>
-              </a:rPr>
-              <a:t> </a:t>
-            </a:r>
-            <a:r>
-              <a:rPr b="0" lang="pt-BR" sz="1800" spc="-1" strike="noStrike">
-                <a:solidFill>
-                  <a:srgbClr val="000000"/>
-                </a:solidFill>
-                <a:latin typeface="Arial"/>
-                <a:ea typeface="DejaVu Sans"/>
-              </a:rPr>
-              <a:t>Promover e auxiliar a imigração de mão de obra qualificada no Brasil</a:t>
-            </a:r>
-            <a:endParaRPr b="0" lang="en-US" sz="1800" spc="-1" strike="noStrike">
-              <a:solidFill>
-                <a:srgbClr val="000000"/>
-              </a:solidFill>
-              <a:latin typeface="Arial"/>
-            </a:endParaRPr>
           </a:p>
         </p:txBody>
       </p:sp>
     </p:spTree>
   </p:cSld>
-  <mc:AlternateContent>
-    <mc:Choice Requires="p14">
-      <p:transition spd="slow" p14:dur="2000"/>
-    </mc:Choice>
-    <mc:Fallback>
-      <p:transition spd="slow"/>
-    </mc:Fallback>
-  </mc:AlternateContent>
+  <p:clrMapOvr>
+    <a:masterClrMapping/>
+  </p:clrMapOvr>
 </p:sld>
 </file>
 
-<file path=ppt/slides/slide3.xml><?xml version="1.0" encoding="utf-8"?>
-<p:sld xmlns:a="http://schemas.openxmlformats.org/drawingml/2006/main" xmlns:p="http://schemas.openxmlformats.org/presentationml/2006/main" xmlns:r="http://schemas.openxmlformats.org/officeDocument/2006/relationships" xmlns:p14="http://schemas.microsoft.com/office/powerpoint/2010/main" xmlns:p15="http://schemas.microsoft.com/office/powerpoint/2012/main" xmlns:mc="http://schemas.openxmlformats.org/markup-compatibility/2006">
+<file path=ppt/slides/slide2.xml><?xml version="1.0" encoding="utf-8"?>
+<p:sld xmlns:a="http://schemas.openxmlformats.org/drawingml/2006/main" xmlns:r="http://schemas.openxmlformats.org/officeDocument/2006/relationships" xmlns:p="http://schemas.openxmlformats.org/presentationml/2006/main">
   <p:cSld>
     <p:spTree>
       <p:nvGrpSpPr>
@@ -6938,7 +7305,7 @@
       </p:grpSpPr>
       <p:sp>
         <p:nvSpPr>
-          <p:cNvPr id="86" name="PlaceHolder 1"/>
+          <p:cNvPr id="84" name="PlaceHolder 1"/>
           <p:cNvSpPr>
             <a:spLocks noGrp="1"/>
           </p:cNvSpPr>
@@ -6949,20 +7316,21 @@
         <p:spPr>
           <a:xfrm>
             <a:off x="504000" y="226080"/>
-            <a:ext cx="9070560" cy="945360"/>
-          </a:xfrm>
-          <a:prstGeom prst="rect">
-            <a:avLst/>
-          </a:prstGeom>
-          <a:noFill/>
-          <a:ln w="0">
-            <a:noFill/>
-          </a:ln>
-        </p:spPr>
-        <p:txBody>
-          <a:bodyPr lIns="0" rIns="0" tIns="0" bIns="0" anchor="ctr">
+            <a:ext cx="9070920" cy="945720"/>
+          </a:xfrm>
+          <a:prstGeom prst="rect">
+            <a:avLst/>
+          </a:prstGeom>
+          <a:noFill/>
+          <a:ln w="0">
+            <a:noFill/>
+          </a:ln>
+        </p:spPr>
+        <p:txBody>
+          <a:bodyPr lIns="0" tIns="0" rIns="0" bIns="0" anchor="ctr">
             <a:noAutofit/>
           </a:bodyPr>
+          <a:lstStyle/>
           <a:p>
             <a:pPr indent="0" algn="ctr">
               <a:lnSpc>
@@ -6970,31 +7338,30 @@
               </a:lnSpc>
               <a:buNone/>
               <a:tabLst>
-                <a:tab algn="l" pos="0"/>
+                <a:tab pos="0" algn="l"/>
               </a:tabLst>
             </a:pPr>
             <a:r>
-              <a:rPr b="0" lang="pt-BR" sz="4400" spc="-1" strike="noStrike">
+              <a:rPr lang="pt-BR" sz="4400" b="0" strike="noStrike" spc="-1">
                 <a:solidFill>
                   <a:srgbClr val="000000"/>
                 </a:solidFill>
                 <a:latin typeface="Arial"/>
-                <a:ea typeface="DejaVu Sans"/>
               </a:rPr>
-              <a:t>Proposta</a:t>
+              <a:t>Objetivos</a:t>
             </a:r>
-            <a:endParaRPr b="0" lang="en-US" sz="4400" spc="-1" strike="noStrike">
-              <a:solidFill>
-                <a:srgbClr val="000000"/>
-              </a:solidFill>
-              <a:latin typeface="Arial"/>
-            </a:endParaRPr>
-          </a:p>
-        </p:txBody>
-      </p:sp>
-      <p:sp>
-        <p:nvSpPr>
-          <p:cNvPr id="87" name="PlaceHolder 2"/>
+            <a:endParaRPr lang="en-CA" sz="4400" b="0" strike="noStrike" spc="-1">
+              <a:solidFill>
+                <a:srgbClr val="000000"/>
+              </a:solidFill>
+              <a:latin typeface="Arial"/>
+            </a:endParaRPr>
+          </a:p>
+        </p:txBody>
+      </p:sp>
+      <p:sp>
+        <p:nvSpPr>
+          <p:cNvPr id="85" name="PlaceHolder 2"/>
           <p:cNvSpPr>
             <a:spLocks noGrp="1"/>
           </p:cNvSpPr>
@@ -7005,90 +7372,136 @@
         <p:spPr>
           <a:xfrm>
             <a:off x="504000" y="1326600"/>
-            <a:ext cx="9070560" cy="3287160"/>
-          </a:xfrm>
-          <a:prstGeom prst="rect">
-            <a:avLst/>
-          </a:prstGeom>
-          <a:noFill/>
-          <a:ln w="0">
-            <a:noFill/>
-          </a:ln>
-        </p:spPr>
-        <p:txBody>
-          <a:bodyPr lIns="0" rIns="0" tIns="0" bIns="0" anchor="t">
+            <a:ext cx="9070920" cy="3287520"/>
+          </a:xfrm>
+          <a:prstGeom prst="rect">
+            <a:avLst/>
+          </a:prstGeom>
+          <a:noFill/>
+          <a:ln w="0">
+            <a:noFill/>
+          </a:ln>
+        </p:spPr>
+        <p:txBody>
+          <a:bodyPr lIns="0" tIns="0" rIns="0" bIns="0" anchor="t">
             <a:normAutofit/>
           </a:bodyPr>
-          <a:p>
-            <a:pPr marL="228600" indent="0">
+          <a:lstStyle/>
+          <a:p>
+            <a:pPr indent="0">
               <a:lnSpc>
                 <a:spcPct val="100000"/>
               </a:lnSpc>
-              <a:spcBef>
-                <a:spcPts val="1417"/>
-              </a:spcBef>
               <a:buNone/>
               <a:tabLst>
-                <a:tab algn="l" pos="0"/>
+                <a:tab pos="0" algn="l"/>
               </a:tabLst>
             </a:pPr>
             <a:r>
-              <a:rPr b="0" lang="pt-BR" sz="1800" spc="-1" strike="noStrike">
+              <a:rPr lang="pt-BR" sz="1800" b="0" strike="noStrike" spc="-1" dirty="0">
                 <a:solidFill>
                   <a:srgbClr val="000000"/>
                 </a:solidFill>
                 <a:latin typeface="Arial"/>
-                <a:ea typeface="DejaVu Sans"/>
               </a:rPr>
-              <a:t>Desenvolver um site para auxiliar na inserção de estrangeiros e brasileiros no mercado de trabalho do Brasil, oferecendo um local para listagem, candidatura e armazenamento de vagas.</a:t>
+              <a:t>Com a crescente globalização, muitos estrangeiros buscam oportunidades de trabalho em países estrangeiros, e a falta de informação e barreiras culturais podem dificultar esse processo.</a:t>
             </a:r>
-            <a:endParaRPr b="0" lang="en-US" sz="1800" spc="-1" strike="noStrike">
-              <a:solidFill>
-                <a:srgbClr val="000000"/>
-              </a:solidFill>
-              <a:latin typeface="Arial"/>
-            </a:endParaRPr>
-          </a:p>
-        </p:txBody>
-      </p:sp>
-      <p:pic>
-        <p:nvPicPr>
-          <p:cNvPr id="88" name="Picture 87" descr=""/>
-          <p:cNvPicPr/>
-          <p:nvPr/>
-        </p:nvPicPr>
-        <p:blipFill>
-          <a:blip r:embed="rId1"/>
-          <a:stretch/>
-        </p:blipFill>
-        <p:spPr>
-          <a:xfrm>
-            <a:off x="3060000" y="2340000"/>
-            <a:ext cx="3801600" cy="2917800"/>
-          </a:xfrm>
-          <a:prstGeom prst="rect">
-            <a:avLst/>
-          </a:prstGeom>
-          <a:ln w="0">
-            <a:noFill/>
-          </a:ln>
-        </p:spPr>
-      </p:pic>
+            <a:endParaRPr lang="en-CA" sz="1800" b="0" strike="noStrike" spc="-1" dirty="0">
+              <a:solidFill>
+                <a:srgbClr val="000000"/>
+              </a:solidFill>
+              <a:latin typeface="Arial"/>
+            </a:endParaRPr>
+          </a:p>
+          <a:p>
+            <a:pPr indent="0">
+              <a:lnSpc>
+                <a:spcPct val="100000"/>
+              </a:lnSpc>
+              <a:buNone/>
+              <a:tabLst>
+                <a:tab pos="0" algn="l"/>
+              </a:tabLst>
+            </a:pPr>
+            <a:endParaRPr lang="en-CA" sz="1800" b="0" strike="noStrike" spc="-1" dirty="0">
+              <a:solidFill>
+                <a:srgbClr val="000000"/>
+              </a:solidFill>
+              <a:latin typeface="Arial"/>
+            </a:endParaRPr>
+          </a:p>
+          <a:p>
+            <a:pPr marL="432000" indent="-324000">
+              <a:lnSpc>
+                <a:spcPct val="100000"/>
+              </a:lnSpc>
+              <a:buClr>
+                <a:srgbClr val="000000"/>
+              </a:buClr>
+              <a:buFont typeface="Wingdings" charset="2"/>
+              <a:buChar char=""/>
+              <a:tabLst>
+                <a:tab pos="0" algn="l"/>
+              </a:tabLst>
+            </a:pPr>
+            <a:r>
+              <a:rPr lang="pt-BR" sz="1800" b="0" strike="noStrike" spc="-1" dirty="0">
+                <a:solidFill>
+                  <a:srgbClr val="000000"/>
+                </a:solidFill>
+                <a:latin typeface="Arial"/>
+              </a:rPr>
+              <a:t> Auxiliar as pessoas a encontrarem empregos no Brasil</a:t>
+            </a:r>
+            <a:endParaRPr lang="en-CA" sz="1800" b="0" strike="noStrike" spc="-1" dirty="0">
+              <a:solidFill>
+                <a:srgbClr val="000000"/>
+              </a:solidFill>
+              <a:latin typeface="Arial"/>
+            </a:endParaRPr>
+          </a:p>
+          <a:p>
+            <a:pPr marL="432000" indent="-324000">
+              <a:lnSpc>
+                <a:spcPct val="100000"/>
+              </a:lnSpc>
+              <a:buClr>
+                <a:srgbClr val="000000"/>
+              </a:buClr>
+              <a:buFont typeface="Wingdings" charset="2"/>
+              <a:buChar char=""/>
+              <a:tabLst>
+                <a:tab pos="0" algn="l"/>
+              </a:tabLst>
+            </a:pPr>
+            <a:r>
+              <a:rPr lang="pt-BR" sz="1800" b="0" strike="noStrike" spc="-1" dirty="0">
+                <a:solidFill>
+                  <a:srgbClr val="000000"/>
+                </a:solidFill>
+                <a:latin typeface="Arial"/>
+              </a:rPr>
+              <a:t> Promover e auxiliar a imigração de mão de obra qualificada no Brasil</a:t>
+            </a:r>
+            <a:endParaRPr lang="en-CA" sz="1800" b="0" strike="noStrike" spc="-1" dirty="0">
+              <a:solidFill>
+                <a:srgbClr val="000000"/>
+              </a:solidFill>
+              <a:latin typeface="Arial"/>
+            </a:endParaRPr>
+          </a:p>
+        </p:txBody>
+      </p:sp>
     </p:spTree>
   </p:cSld>
-  <mc:AlternateContent>
-    <mc:Choice Requires="p14">
-      <p:transition spd="slow" p14:dur="2000"/>
-    </mc:Choice>
-    <mc:Fallback>
-      <p:transition spd="slow"/>
-    </mc:Fallback>
-  </mc:AlternateContent>
+  <p:clrMapOvr>
+    <a:masterClrMapping/>
+  </p:clrMapOvr>
 </p:sld>
 </file>
 
-<file path=ppt/slides/slide4.xml><?xml version="1.0" encoding="utf-8"?>
-<p:sld xmlns:a="http://schemas.openxmlformats.org/drawingml/2006/main" xmlns:p="http://schemas.openxmlformats.org/presentationml/2006/main" xmlns:r="http://schemas.openxmlformats.org/officeDocument/2006/relationships" xmlns:p14="http://schemas.microsoft.com/office/powerpoint/2010/main" xmlns:p15="http://schemas.microsoft.com/office/powerpoint/2012/main" xmlns:mc="http://schemas.openxmlformats.org/markup-compatibility/2006">
+<file path=ppt/slides/slide3.xml><?xml version="1.0" encoding="utf-8"?>
+<p:sld xmlns:a="http://schemas.openxmlformats.org/drawingml/2006/main" xmlns:r="http://schemas.openxmlformats.org/officeDocument/2006/relationships" xmlns:p="http://schemas.openxmlformats.org/presentationml/2006/main">
   <p:cSld>
     <p:spTree>
       <p:nvGrpSpPr>
@@ -7106,7 +7519,7 @@
       </p:grpSpPr>
       <p:sp>
         <p:nvSpPr>
-          <p:cNvPr id="89" name="PlaceHolder 1"/>
+          <p:cNvPr id="86" name="PlaceHolder 1"/>
           <p:cNvSpPr>
             <a:spLocks noGrp="1"/>
           </p:cNvSpPr>
@@ -7117,20 +7530,21 @@
         <p:spPr>
           <a:xfrm>
             <a:off x="504000" y="226080"/>
-            <a:ext cx="9070560" cy="945360"/>
-          </a:xfrm>
-          <a:prstGeom prst="rect">
-            <a:avLst/>
-          </a:prstGeom>
-          <a:noFill/>
-          <a:ln w="0">
-            <a:noFill/>
-          </a:ln>
-        </p:spPr>
-        <p:txBody>
-          <a:bodyPr lIns="0" rIns="0" tIns="0" bIns="0" anchor="ctr">
+            <a:ext cx="9070920" cy="945720"/>
+          </a:xfrm>
+          <a:prstGeom prst="rect">
+            <a:avLst/>
+          </a:prstGeom>
+          <a:noFill/>
+          <a:ln w="0">
+            <a:noFill/>
+          </a:ln>
+        </p:spPr>
+        <p:txBody>
+          <a:bodyPr lIns="0" tIns="0" rIns="0" bIns="0" anchor="ctr">
             <a:noAutofit/>
           </a:bodyPr>
+          <a:lstStyle/>
           <a:p>
             <a:pPr indent="0" algn="ctr">
               <a:lnSpc>
@@ -7138,20 +7552,78 @@
               </a:lnSpc>
               <a:buNone/>
               <a:tabLst>
-                <a:tab algn="l" pos="0"/>
+                <a:tab pos="0" algn="l"/>
               </a:tabLst>
             </a:pPr>
             <a:r>
-              <a:rPr b="0" lang="pt-BR" sz="4400" spc="-1" strike="noStrike">
+              <a:rPr lang="pt-BR" sz="4400" b="0" strike="noStrike" spc="-1">
                 <a:solidFill>
                   <a:srgbClr val="000000"/>
                 </a:solidFill>
                 <a:latin typeface="Arial"/>
-                <a:ea typeface="DejaVu Sans"/>
               </a:rPr>
-              <a:t>Arquitetura</a:t>
+              <a:t>Proposta</a:t>
             </a:r>
-            <a:endParaRPr b="0" lang="en-US" sz="4400" spc="-1" strike="noStrike">
+            <a:endParaRPr lang="en-CA" sz="4400" b="0" strike="noStrike" spc="-1">
+              <a:solidFill>
+                <a:srgbClr val="000000"/>
+              </a:solidFill>
+              <a:latin typeface="Arial"/>
+            </a:endParaRPr>
+          </a:p>
+        </p:txBody>
+      </p:sp>
+      <p:sp>
+        <p:nvSpPr>
+          <p:cNvPr id="87" name="PlaceHolder 2"/>
+          <p:cNvSpPr>
+            <a:spLocks noGrp="1"/>
+          </p:cNvSpPr>
+          <p:nvPr>
+            <p:ph/>
+          </p:nvPr>
+        </p:nvSpPr>
+        <p:spPr>
+          <a:xfrm>
+            <a:off x="504000" y="1326600"/>
+            <a:ext cx="9070920" cy="3287520"/>
+          </a:xfrm>
+          <a:prstGeom prst="rect">
+            <a:avLst/>
+          </a:prstGeom>
+          <a:noFill/>
+          <a:ln w="0">
+            <a:noFill/>
+          </a:ln>
+        </p:spPr>
+        <p:txBody>
+          <a:bodyPr lIns="0" tIns="0" rIns="0" bIns="0" anchor="t">
+            <a:normAutofit/>
+          </a:bodyPr>
+          <a:lstStyle/>
+          <a:p>
+            <a:pPr indent="0">
+              <a:lnSpc>
+                <a:spcPct val="100000"/>
+              </a:lnSpc>
+              <a:spcBef>
+                <a:spcPts val="1417"/>
+              </a:spcBef>
+              <a:buNone/>
+              <a:tabLst>
+                <a:tab pos="0" algn="l"/>
+              </a:tabLst>
+            </a:pPr>
+            <a:r>
+              <a:rPr lang="pt-BR" sz="1800" b="0" strike="noStrike" spc="-1">
+                <a:solidFill>
+                  <a:srgbClr val="000000"/>
+                </a:solidFill>
+                <a:latin typeface="Arial"/>
+              </a:rPr>
+              <a:t>Desenvolver um site para auxiliar na inserção de estrangeiros e brasileiros no mercado de trabalho do Brasil, oferecendo um local para listagem, candidatura e armazenamento de vagas.</a:t>
+            </a:r>
+            <a:endParaRPr lang="en-CA" sz="1800" b="0" strike="noStrike" spc="-1">
               <a:solidFill>
                 <a:srgbClr val="000000"/>
               </a:solidFill>
@@ -7162,18 +7634,18 @@
       </p:sp>
       <p:pic>
         <p:nvPicPr>
-          <p:cNvPr id="90" name="Picture 89" descr=""/>
+          <p:cNvPr id="88" name="Picture 87"/>
           <p:cNvPicPr/>
           <p:nvPr/>
         </p:nvPicPr>
         <p:blipFill>
-          <a:blip r:embed="rId1"/>
+          <a:blip r:embed="rId2"/>
           <a:stretch/>
         </p:blipFill>
         <p:spPr>
           <a:xfrm>
-            <a:off x="1452600" y="1185840"/>
-            <a:ext cx="7367040" cy="4213800"/>
+            <a:off x="3060000" y="2340000"/>
+            <a:ext cx="3801960" cy="2918160"/>
           </a:xfrm>
           <a:prstGeom prst="rect">
             <a:avLst/>
@@ -7185,19 +7657,14 @@
       </p:pic>
     </p:spTree>
   </p:cSld>
-  <mc:AlternateContent>
-    <mc:Choice Requires="p14">
-      <p:transition spd="slow" p14:dur="2000"/>
-    </mc:Choice>
-    <mc:Fallback>
-      <p:transition spd="slow"/>
-    </mc:Fallback>
-  </mc:AlternateContent>
+  <p:clrMapOvr>
+    <a:masterClrMapping/>
+  </p:clrMapOvr>
 </p:sld>
 </file>
 
-<file path=ppt/slides/slide5.xml><?xml version="1.0" encoding="utf-8"?>
-<p:sld xmlns:a="http://schemas.openxmlformats.org/drawingml/2006/main" xmlns:p="http://schemas.openxmlformats.org/presentationml/2006/main" xmlns:r="http://schemas.openxmlformats.org/officeDocument/2006/relationships" xmlns:p14="http://schemas.microsoft.com/office/powerpoint/2010/main" xmlns:p15="http://schemas.microsoft.com/office/powerpoint/2012/main" xmlns:mc="http://schemas.openxmlformats.org/markup-compatibility/2006">
+<file path=ppt/slides/slide4.xml><?xml version="1.0" encoding="utf-8"?>
+<p:sld xmlns:a="http://schemas.openxmlformats.org/drawingml/2006/main" xmlns:r="http://schemas.openxmlformats.org/officeDocument/2006/relationships" xmlns:p="http://schemas.openxmlformats.org/presentationml/2006/main">
   <p:cSld>
     <p:spTree>
       <p:nvGrpSpPr>
@@ -7215,7 +7682,7 @@
       </p:grpSpPr>
       <p:sp>
         <p:nvSpPr>
-          <p:cNvPr id="91" name="PlaceHolder 1"/>
+          <p:cNvPr id="89" name="PlaceHolder 1"/>
           <p:cNvSpPr>
             <a:spLocks noGrp="1"/>
           </p:cNvSpPr>
@@ -7226,20 +7693,21 @@
         <p:spPr>
           <a:xfrm>
             <a:off x="504000" y="226080"/>
-            <a:ext cx="9070560" cy="945360"/>
-          </a:xfrm>
-          <a:prstGeom prst="rect">
-            <a:avLst/>
-          </a:prstGeom>
-          <a:noFill/>
-          <a:ln w="0">
-            <a:noFill/>
-          </a:ln>
-        </p:spPr>
-        <p:txBody>
-          <a:bodyPr lIns="0" rIns="0" tIns="0" bIns="0" anchor="ctr">
+            <a:ext cx="9070920" cy="945720"/>
+          </a:xfrm>
+          <a:prstGeom prst="rect">
+            <a:avLst/>
+          </a:prstGeom>
+          <a:noFill/>
+          <a:ln w="0">
+            <a:noFill/>
+          </a:ln>
+        </p:spPr>
+        <p:txBody>
+          <a:bodyPr lIns="0" tIns="0" rIns="0" bIns="0" anchor="ctr">
             <a:noAutofit/>
           </a:bodyPr>
+          <a:lstStyle/>
           <a:p>
             <a:pPr indent="0" algn="ctr">
               <a:lnSpc>
@@ -7247,185 +7715,60 @@
               </a:lnSpc>
               <a:buNone/>
               <a:tabLst>
-                <a:tab algn="l" pos="0"/>
+                <a:tab pos="0" algn="l"/>
               </a:tabLst>
             </a:pPr>
             <a:r>
-              <a:rPr b="0" lang="pt-BR" sz="4400" spc="-1" strike="noStrike">
+              <a:rPr lang="pt-BR" sz="4400" b="0" strike="noStrike" spc="-1">
                 <a:solidFill>
                   <a:srgbClr val="000000"/>
                 </a:solidFill>
                 <a:latin typeface="Arial"/>
-                <a:ea typeface="DejaVu Sans"/>
               </a:rPr>
-              <a:t>Front-End</a:t>
+              <a:t>Arquitetura</a:t>
             </a:r>
-            <a:endParaRPr b="0" lang="en-US" sz="4400" spc="-1" strike="noStrike">
-              <a:solidFill>
-                <a:srgbClr val="000000"/>
-              </a:solidFill>
-              <a:latin typeface="Arial"/>
-            </a:endParaRPr>
-          </a:p>
-        </p:txBody>
-      </p:sp>
-      <p:sp>
-        <p:nvSpPr>
-          <p:cNvPr id="92" name="PlaceHolder 2"/>
-          <p:cNvSpPr>
-            <a:spLocks noGrp="1"/>
-          </p:cNvSpPr>
-          <p:nvPr>
-            <p:ph/>
-          </p:nvPr>
-        </p:nvSpPr>
-        <p:spPr>
-          <a:xfrm>
-            <a:off x="504000" y="1326600"/>
-            <a:ext cx="9070560" cy="3287160"/>
-          </a:xfrm>
-          <a:prstGeom prst="rect">
-            <a:avLst/>
-          </a:prstGeom>
-          <a:noFill/>
-          <a:ln w="0">
-            <a:noFill/>
-          </a:ln>
-        </p:spPr>
-        <p:txBody>
-          <a:bodyPr lIns="0" rIns="0" tIns="0" bIns="0" anchor="t">
-            <a:normAutofit/>
-          </a:bodyPr>
-          <a:p>
-            <a:pPr indent="0">
-              <a:lnSpc>
-                <a:spcPct val="90000"/>
-              </a:lnSpc>
-              <a:spcBef>
-                <a:spcPts val="1417"/>
-              </a:spcBef>
-              <a:buNone/>
-            </a:pPr>
-            <a:endParaRPr b="0" lang="en-US" sz="1800" spc="-1" strike="noStrike">
-              <a:solidFill>
-                <a:srgbClr val="000000"/>
-              </a:solidFill>
-              <a:latin typeface="Arial"/>
-            </a:endParaRPr>
-          </a:p>
-          <a:p>
-            <a:pPr indent="0">
-              <a:lnSpc>
-                <a:spcPct val="90000"/>
-              </a:lnSpc>
-              <a:spcBef>
-                <a:spcPts val="1417"/>
-              </a:spcBef>
-              <a:buNone/>
-            </a:pPr>
-            <a:endParaRPr b="0" lang="en-US" sz="1800" spc="-1" strike="noStrike">
-              <a:solidFill>
-                <a:srgbClr val="000000"/>
-              </a:solidFill>
-              <a:latin typeface="Arial"/>
-            </a:endParaRPr>
-          </a:p>
-          <a:p>
-            <a:pPr marL="514440" indent="-285840">
-              <a:lnSpc>
-                <a:spcPct val="90000"/>
-              </a:lnSpc>
-              <a:spcBef>
-                <a:spcPts val="1417"/>
-              </a:spcBef>
-              <a:buClr>
-                <a:srgbClr val="000000"/>
-              </a:buClr>
-              <a:buFont typeface="Arial"/>
-              <a:buChar char="•"/>
-            </a:pPr>
-            <a:r>
-              <a:rPr b="0" lang="en-CA" sz="1800" spc="-1" strike="noStrike">
-                <a:solidFill>
-                  <a:srgbClr val="000000"/>
-                </a:solidFill>
-                <a:latin typeface="Arial"/>
-                <a:ea typeface="DejaVu Sans"/>
-              </a:rPr>
-              <a:t>Motivos pelo qual usamos o React</a:t>
-            </a:r>
-            <a:endParaRPr b="0" lang="en-US" sz="1800" spc="-1" strike="noStrike">
-              <a:solidFill>
-                <a:srgbClr val="000000"/>
-              </a:solidFill>
-              <a:latin typeface="Arial"/>
-            </a:endParaRPr>
-          </a:p>
-          <a:p>
-            <a:pPr marL="514440" indent="-285840">
-              <a:lnSpc>
-                <a:spcPct val="90000"/>
-              </a:lnSpc>
-              <a:spcBef>
-                <a:spcPts val="1417"/>
-              </a:spcBef>
-              <a:buClr>
-                <a:srgbClr val="000000"/>
-              </a:buClr>
-              <a:buFont typeface="Arial"/>
-              <a:buChar char="•"/>
-            </a:pPr>
-            <a:r>
-              <a:rPr b="0" lang="en-CA" sz="1800" spc="-1" strike="noStrike">
-                <a:solidFill>
-                  <a:srgbClr val="000000"/>
-                </a:solidFill>
-                <a:latin typeface="Arial"/>
-                <a:ea typeface="DejaVu Sans"/>
-              </a:rPr>
-              <a:t>Bibliotecas utilizadas</a:t>
-            </a:r>
-            <a:endParaRPr b="0" lang="en-US" sz="1800" spc="-1" strike="noStrike">
-              <a:solidFill>
-                <a:srgbClr val="000000"/>
-              </a:solidFill>
-              <a:latin typeface="Arial"/>
-            </a:endParaRPr>
-          </a:p>
-          <a:p>
-            <a:pPr indent="0">
-              <a:lnSpc>
-                <a:spcPct val="90000"/>
-              </a:lnSpc>
-              <a:spcBef>
-                <a:spcPts val="1417"/>
-              </a:spcBef>
-              <a:buNone/>
-            </a:pPr>
-            <a:endParaRPr b="0" lang="en-US" sz="1800" spc="-1" strike="noStrike">
-              <a:solidFill>
-                <a:srgbClr val="000000"/>
-              </a:solidFill>
-              <a:latin typeface="Arial"/>
-            </a:endParaRPr>
-          </a:p>
-        </p:txBody>
-      </p:sp>
+            <a:endParaRPr lang="en-CA" sz="4400" b="0" strike="noStrike" spc="-1">
+              <a:solidFill>
+                <a:srgbClr val="000000"/>
+              </a:solidFill>
+              <a:latin typeface="Arial"/>
+            </a:endParaRPr>
+          </a:p>
+        </p:txBody>
+      </p:sp>
+      <p:pic>
+        <p:nvPicPr>
+          <p:cNvPr id="90" name="Picture 89"/>
+          <p:cNvPicPr/>
+          <p:nvPr/>
+        </p:nvPicPr>
+        <p:blipFill>
+          <a:blip r:embed="rId2"/>
+          <a:stretch/>
+        </p:blipFill>
+        <p:spPr>
+          <a:xfrm>
+            <a:off x="1452600" y="1185840"/>
+            <a:ext cx="7367400" cy="4214160"/>
+          </a:xfrm>
+          <a:prstGeom prst="rect">
+            <a:avLst/>
+          </a:prstGeom>
+          <a:ln w="0">
+            <a:noFill/>
+          </a:ln>
+        </p:spPr>
+      </p:pic>
     </p:spTree>
   </p:cSld>
-  <mc:AlternateContent>
-    <mc:Choice Requires="p14">
-      <p:transition spd="slow" p14:dur="2000"/>
-    </mc:Choice>
-    <mc:Fallback>
-      <p:transition spd="slow"/>
-    </mc:Fallback>
-  </mc:AlternateContent>
+  <p:clrMapOvr>
+    <a:masterClrMapping/>
+  </p:clrMapOvr>
 </p:sld>
 </file>
 
-<file path=ppt/slides/slide6.xml><?xml version="1.0" encoding="utf-8"?>
-<p:sld xmlns:a="http://schemas.openxmlformats.org/drawingml/2006/main" xmlns:p="http://schemas.openxmlformats.org/presentationml/2006/main" xmlns:r="http://schemas.openxmlformats.org/officeDocument/2006/relationships" xmlns:p14="http://schemas.microsoft.com/office/powerpoint/2010/main" xmlns:p15="http://schemas.microsoft.com/office/powerpoint/2012/main" xmlns:mc="http://schemas.openxmlformats.org/markup-compatibility/2006">
+<file path=ppt/slides/slide5.xml><?xml version="1.0" encoding="utf-8"?>
+<p:sld xmlns:a="http://schemas.openxmlformats.org/drawingml/2006/main" xmlns:r="http://schemas.openxmlformats.org/officeDocument/2006/relationships" xmlns:p="http://schemas.openxmlformats.org/presentationml/2006/main">
   <p:cSld>
     <p:spTree>
       <p:nvGrpSpPr>
@@ -7443,7 +7786,7 @@
       </p:grpSpPr>
       <p:sp>
         <p:nvSpPr>
-          <p:cNvPr id="93" name="PlaceHolder 1"/>
+          <p:cNvPr id="91" name="PlaceHolder 1"/>
           <p:cNvSpPr>
             <a:spLocks noGrp="1"/>
           </p:cNvSpPr>
@@ -7454,20 +7797,21 @@
         <p:spPr>
           <a:xfrm>
             <a:off x="504000" y="226080"/>
-            <a:ext cx="9070560" cy="945360"/>
-          </a:xfrm>
-          <a:prstGeom prst="rect">
-            <a:avLst/>
-          </a:prstGeom>
-          <a:noFill/>
-          <a:ln w="0">
-            <a:noFill/>
-          </a:ln>
-        </p:spPr>
-        <p:txBody>
-          <a:bodyPr lIns="0" rIns="0" tIns="0" bIns="0" anchor="ctr">
+            <a:ext cx="9070920" cy="945720"/>
+          </a:xfrm>
+          <a:prstGeom prst="rect">
+            <a:avLst/>
+          </a:prstGeom>
+          <a:noFill/>
+          <a:ln w="0">
+            <a:noFill/>
+          </a:ln>
+        </p:spPr>
+        <p:txBody>
+          <a:bodyPr lIns="0" tIns="0" rIns="0" bIns="0" anchor="ctr">
             <a:noAutofit/>
           </a:bodyPr>
+          <a:lstStyle/>
           <a:p>
             <a:pPr indent="0" algn="ctr">
               <a:lnSpc>
@@ -7475,66 +7819,222 @@
               </a:lnSpc>
               <a:buNone/>
               <a:tabLst>
-                <a:tab algn="l" pos="0"/>
+                <a:tab pos="0" algn="l"/>
               </a:tabLst>
             </a:pPr>
             <a:r>
-              <a:rPr b="0" lang="pt-BR" sz="4400" spc="-1" strike="noStrike">
+              <a:rPr lang="pt-BR" sz="4400" b="0" strike="noStrike" spc="-1">
                 <a:solidFill>
                   <a:srgbClr val="000000"/>
                 </a:solidFill>
                 <a:latin typeface="Arial"/>
-                <a:ea typeface="DejaVu Sans"/>
               </a:rPr>
-              <a:t>Documentação</a:t>
+              <a:t>Front-End</a:t>
             </a:r>
-            <a:endParaRPr b="0" lang="en-US" sz="4400" spc="-1" strike="noStrike">
-              <a:solidFill>
-                <a:srgbClr val="000000"/>
-              </a:solidFill>
-              <a:latin typeface="Arial"/>
-            </a:endParaRPr>
-          </a:p>
-        </p:txBody>
-      </p:sp>
-      <p:pic>
-        <p:nvPicPr>
-          <p:cNvPr id="94" name="Picture 93" descr=""/>
-          <p:cNvPicPr/>
-          <p:nvPr/>
-        </p:nvPicPr>
-        <p:blipFill>
-          <a:blip r:embed="rId1"/>
-          <a:stretch/>
-        </p:blipFill>
-        <p:spPr>
-          <a:xfrm>
-            <a:off x="685080" y="1171800"/>
-            <a:ext cx="9034560" cy="4322880"/>
-          </a:xfrm>
-          <a:prstGeom prst="rect">
-            <a:avLst/>
-          </a:prstGeom>
-          <a:ln w="0">
-            <a:noFill/>
-          </a:ln>
-        </p:spPr>
-      </p:pic>
+            <a:endParaRPr lang="en-CA" sz="4400" b="0" strike="noStrike" spc="-1">
+              <a:solidFill>
+                <a:srgbClr val="000000"/>
+              </a:solidFill>
+              <a:latin typeface="Arial"/>
+            </a:endParaRPr>
+          </a:p>
+        </p:txBody>
+      </p:sp>
+      <p:sp>
+        <p:nvSpPr>
+          <p:cNvPr id="92" name="PlaceHolder 2"/>
+          <p:cNvSpPr>
+            <a:spLocks noGrp="1"/>
+          </p:cNvSpPr>
+          <p:nvPr>
+            <p:ph/>
+          </p:nvPr>
+        </p:nvSpPr>
+        <p:spPr>
+          <a:xfrm>
+            <a:off x="504000" y="1326600"/>
+            <a:ext cx="9070920" cy="3287520"/>
+          </a:xfrm>
+          <a:prstGeom prst="rect">
+            <a:avLst/>
+          </a:prstGeom>
+          <a:noFill/>
+          <a:ln w="0">
+            <a:noFill/>
+          </a:ln>
+        </p:spPr>
+        <p:txBody>
+          <a:bodyPr lIns="0" tIns="0" rIns="0" bIns="0" anchor="t">
+            <a:normAutofit/>
+          </a:bodyPr>
+          <a:lstStyle/>
+          <a:p>
+            <a:pPr marL="514350" indent="-285750">
+              <a:spcBef>
+                <a:spcPts val="1417"/>
+              </a:spcBef>
+            </a:pPr>
+            <a:endParaRPr lang="en-CA" sz="1800" b="0" strike="noStrike" spc="-1" dirty="0">
+              <a:solidFill>
+                <a:srgbClr val="000000"/>
+              </a:solidFill>
+              <a:latin typeface="Arial"/>
+            </a:endParaRPr>
+          </a:p>
+          <a:p>
+            <a:pPr marL="514350" indent="-285750">
+              <a:spcBef>
+                <a:spcPts val="1417"/>
+              </a:spcBef>
+            </a:pPr>
+            <a:endParaRPr lang="en-CA" sz="1800" spc="-1" dirty="0">
+              <a:solidFill>
+                <a:srgbClr val="000000"/>
+              </a:solidFill>
+              <a:latin typeface="Arial"/>
+            </a:endParaRPr>
+          </a:p>
+          <a:p>
+            <a:pPr marL="514350" indent="-285750">
+              <a:spcBef>
+                <a:spcPts val="1417"/>
+              </a:spcBef>
+            </a:pPr>
+            <a:r>
+              <a:rPr lang="en-CA" sz="1800" b="0" strike="noStrike" spc="-1" dirty="0" err="1">
+                <a:solidFill>
+                  <a:srgbClr val="000000"/>
+                </a:solidFill>
+                <a:latin typeface="Arial"/>
+              </a:rPr>
+              <a:t>Motivos</a:t>
+            </a:r>
+            <a:r>
+              <a:rPr lang="en-CA" sz="1800" b="0" strike="noStrike" spc="-1" dirty="0">
+                <a:solidFill>
+                  <a:srgbClr val="000000"/>
+                </a:solidFill>
+                <a:latin typeface="Arial"/>
+              </a:rPr>
+              <a:t> </a:t>
+            </a:r>
+            <a:r>
+              <a:rPr lang="en-CA" sz="1800" b="0" strike="noStrike" spc="-1" dirty="0" err="1">
+                <a:solidFill>
+                  <a:srgbClr val="000000"/>
+                </a:solidFill>
+                <a:latin typeface="Arial"/>
+              </a:rPr>
+              <a:t>pelo</a:t>
+            </a:r>
+            <a:r>
+              <a:rPr lang="en-CA" sz="1800" b="0" strike="noStrike" spc="-1" dirty="0">
+                <a:solidFill>
+                  <a:srgbClr val="000000"/>
+                </a:solidFill>
+                <a:latin typeface="Arial"/>
+              </a:rPr>
+              <a:t> qual </a:t>
+            </a:r>
+            <a:r>
+              <a:rPr lang="en-CA" sz="1800" b="0" strike="noStrike" spc="-1" dirty="0" err="1">
+                <a:solidFill>
+                  <a:srgbClr val="000000"/>
+                </a:solidFill>
+                <a:latin typeface="Arial"/>
+              </a:rPr>
+              <a:t>usamos</a:t>
+            </a:r>
+            <a:r>
+              <a:rPr lang="en-CA" sz="1800" b="0" strike="noStrike" spc="-1" dirty="0">
+                <a:solidFill>
+                  <a:srgbClr val="000000"/>
+                </a:solidFill>
+                <a:latin typeface="Arial"/>
+              </a:rPr>
+              <a:t> </a:t>
+            </a:r>
+            <a:r>
+              <a:rPr lang="en-CA" sz="1800" b="0" strike="noStrike" spc="-1">
+                <a:solidFill>
+                  <a:srgbClr val="000000"/>
+                </a:solidFill>
+                <a:latin typeface="Arial"/>
+              </a:rPr>
+              <a:t>o React</a:t>
+            </a:r>
+            <a:endParaRPr lang="en-CA" sz="1800" b="0" strike="noStrike" spc="-1" dirty="0">
+              <a:solidFill>
+                <a:srgbClr val="000000"/>
+              </a:solidFill>
+              <a:latin typeface="Arial"/>
+            </a:endParaRPr>
+          </a:p>
+          <a:p>
+            <a:pPr marL="514350" indent="-285750">
+              <a:spcBef>
+                <a:spcPts val="1417"/>
+              </a:spcBef>
+            </a:pPr>
+            <a:r>
+              <a:rPr lang="en-CA" sz="1800" spc="-1" dirty="0" err="1">
+                <a:solidFill>
+                  <a:srgbClr val="000000"/>
+                </a:solidFill>
+                <a:latin typeface="Arial"/>
+              </a:rPr>
+              <a:t>Bibliotecas</a:t>
+            </a:r>
+            <a:r>
+              <a:rPr lang="en-CA" sz="1800" spc="-1" dirty="0">
+                <a:solidFill>
+                  <a:srgbClr val="000000"/>
+                </a:solidFill>
+                <a:latin typeface="Arial"/>
+              </a:rPr>
+              <a:t> </a:t>
+            </a:r>
+            <a:r>
+              <a:rPr lang="en-CA" sz="1800" spc="-1" dirty="0" err="1">
+                <a:solidFill>
+                  <a:srgbClr val="000000"/>
+                </a:solidFill>
+                <a:latin typeface="Arial"/>
+              </a:rPr>
+              <a:t>utilizadas</a:t>
+            </a:r>
+            <a:endParaRPr lang="en-CA" sz="1800" spc="-1" dirty="0">
+              <a:solidFill>
+                <a:srgbClr val="000000"/>
+              </a:solidFill>
+              <a:latin typeface="Arial"/>
+            </a:endParaRPr>
+          </a:p>
+          <a:p>
+            <a:pPr marL="514350" indent="-285750">
+              <a:spcBef>
+                <a:spcPts val="1417"/>
+              </a:spcBef>
+            </a:pPr>
+            <a:endParaRPr lang="en-CA" sz="1800" b="0" strike="noStrike" spc="-1" dirty="0">
+              <a:solidFill>
+                <a:srgbClr val="000000"/>
+              </a:solidFill>
+              <a:latin typeface="Arial"/>
+            </a:endParaRPr>
+          </a:p>
+        </p:txBody>
+      </p:sp>
     </p:spTree>
   </p:cSld>
-  <mc:AlternateContent>
-    <mc:Choice Requires="p14">
-      <p:transition spd="slow" p14:dur="2000"/>
-    </mc:Choice>
-    <mc:Fallback>
-      <p:transition spd="slow"/>
-    </mc:Fallback>
-  </mc:AlternateContent>
+  <p:clrMapOvr>
+    <a:masterClrMapping/>
+  </p:clrMapOvr>
 </p:sld>
 </file>
 
-<file path=ppt/slides/slide7.xml><?xml version="1.0" encoding="utf-8"?>
-<p:sld xmlns:a="http://schemas.openxmlformats.org/drawingml/2006/main" xmlns:p="http://schemas.openxmlformats.org/presentationml/2006/main" xmlns:r="http://schemas.openxmlformats.org/officeDocument/2006/relationships" xmlns:p14="http://schemas.microsoft.com/office/powerpoint/2010/main" xmlns:p15="http://schemas.microsoft.com/office/powerpoint/2012/main" xmlns:mc="http://schemas.openxmlformats.org/markup-compatibility/2006">
+<file path=ppt/slides/slide6.xml><?xml version="1.0" encoding="utf-8"?>
+<p:sld xmlns:a="http://schemas.openxmlformats.org/drawingml/2006/main" xmlns:r="http://schemas.openxmlformats.org/officeDocument/2006/relationships" xmlns:p="http://schemas.openxmlformats.org/presentationml/2006/main">
   <p:cSld>
     <p:spTree>
       <p:nvGrpSpPr>
@@ -7552,7 +8052,7 @@
       </p:grpSpPr>
       <p:sp>
         <p:nvSpPr>
-          <p:cNvPr id="95" name="PlaceHolder 1"/>
+          <p:cNvPr id="93" name="PlaceHolder 1"/>
           <p:cNvSpPr>
             <a:spLocks noGrp="1"/>
           </p:cNvSpPr>
@@ -7563,20 +8063,21 @@
         <p:spPr>
           <a:xfrm>
             <a:off x="504000" y="226080"/>
-            <a:ext cx="9070560" cy="945360"/>
-          </a:xfrm>
-          <a:prstGeom prst="rect">
-            <a:avLst/>
-          </a:prstGeom>
-          <a:noFill/>
-          <a:ln w="0">
-            <a:noFill/>
-          </a:ln>
-        </p:spPr>
-        <p:txBody>
-          <a:bodyPr lIns="0" rIns="0" tIns="0" bIns="0" anchor="ctr">
+            <a:ext cx="9070920" cy="945720"/>
+          </a:xfrm>
+          <a:prstGeom prst="rect">
+            <a:avLst/>
+          </a:prstGeom>
+          <a:noFill/>
+          <a:ln w="0">
+            <a:noFill/>
+          </a:ln>
+        </p:spPr>
+        <p:txBody>
+          <a:bodyPr lIns="0" tIns="0" rIns="0" bIns="0" anchor="ctr">
             <a:noAutofit/>
           </a:bodyPr>
+          <a:lstStyle/>
           <a:p>
             <a:pPr indent="0" algn="ctr">
               <a:lnSpc>
@@ -7584,20 +8085,19 @@
               </a:lnSpc>
               <a:buNone/>
               <a:tabLst>
-                <a:tab algn="l" pos="0"/>
+                <a:tab pos="0" algn="l"/>
               </a:tabLst>
             </a:pPr>
             <a:r>
-              <a:rPr b="0" lang="pt-BR" sz="4400" spc="-1" strike="noStrike">
+              <a:rPr lang="pt-BR" sz="4400" b="0" strike="noStrike" spc="-1">
                 <a:solidFill>
                   <a:srgbClr val="000000"/>
                 </a:solidFill>
                 <a:latin typeface="Arial"/>
-                <a:ea typeface="DejaVu Sans"/>
               </a:rPr>
-              <a:t>API</a:t>
+              <a:t>Documentação</a:t>
             </a:r>
-            <a:endParaRPr b="0" lang="en-US" sz="4400" spc="-1" strike="noStrike">
+            <a:endParaRPr lang="en-CA" sz="4400" b="0" strike="noStrike" spc="-1">
               <a:solidFill>
                 <a:srgbClr val="000000"/>
               </a:solidFill>
@@ -7608,18 +8108,18 @@
       </p:sp>
       <p:pic>
         <p:nvPicPr>
-          <p:cNvPr id="96" name="Picture 95" descr=""/>
+          <p:cNvPr id="94" name="Picture 93"/>
           <p:cNvPicPr/>
           <p:nvPr/>
         </p:nvPicPr>
         <p:blipFill>
-          <a:blip r:embed="rId1"/>
+          <a:blip r:embed="rId2"/>
           <a:stretch/>
         </p:blipFill>
         <p:spPr>
           <a:xfrm>
-            <a:off x="900000" y="1187640"/>
-            <a:ext cx="8604720" cy="4305240"/>
+            <a:off x="685080" y="1171800"/>
+            <a:ext cx="9034920" cy="4323240"/>
           </a:xfrm>
           <a:prstGeom prst="rect">
             <a:avLst/>
@@ -7631,19 +8131,14 @@
       </p:pic>
     </p:spTree>
   </p:cSld>
-  <mc:AlternateContent>
-    <mc:Choice Requires="p14">
-      <p:transition spd="slow" p14:dur="2000"/>
-    </mc:Choice>
-    <mc:Fallback>
-      <p:transition spd="slow"/>
-    </mc:Fallback>
-  </mc:AlternateContent>
+  <p:clrMapOvr>
+    <a:masterClrMapping/>
+  </p:clrMapOvr>
 </p:sld>
 </file>
 
-<file path=ppt/slides/slide8.xml><?xml version="1.0" encoding="utf-8"?>
-<p:sld xmlns:a="http://schemas.openxmlformats.org/drawingml/2006/main" xmlns:p="http://schemas.openxmlformats.org/presentationml/2006/main" xmlns:r="http://schemas.openxmlformats.org/officeDocument/2006/relationships" xmlns:p14="http://schemas.microsoft.com/office/powerpoint/2010/main" xmlns:p15="http://schemas.microsoft.com/office/powerpoint/2012/main" xmlns:mc="http://schemas.openxmlformats.org/markup-compatibility/2006">
+<file path=ppt/slides/slide7.xml><?xml version="1.0" encoding="utf-8"?>
+<p:sld xmlns:a="http://schemas.openxmlformats.org/drawingml/2006/main" xmlns:r="http://schemas.openxmlformats.org/officeDocument/2006/relationships" xmlns:p="http://schemas.openxmlformats.org/presentationml/2006/main">
   <p:cSld>
     <p:spTree>
       <p:nvGrpSpPr>
@@ -7661,7 +8156,7 @@
       </p:grpSpPr>
       <p:sp>
         <p:nvSpPr>
-          <p:cNvPr id="97" name="PlaceHolder 1"/>
+          <p:cNvPr id="95" name="PlaceHolder 1"/>
           <p:cNvSpPr>
             <a:spLocks noGrp="1"/>
           </p:cNvSpPr>
@@ -7672,20 +8167,21 @@
         <p:spPr>
           <a:xfrm>
             <a:off x="504000" y="226080"/>
-            <a:ext cx="9070560" cy="945360"/>
-          </a:xfrm>
-          <a:prstGeom prst="rect">
-            <a:avLst/>
-          </a:prstGeom>
-          <a:noFill/>
-          <a:ln w="0">
-            <a:noFill/>
-          </a:ln>
-        </p:spPr>
-        <p:txBody>
-          <a:bodyPr lIns="0" rIns="0" tIns="0" bIns="0" anchor="ctr">
+            <a:ext cx="9070920" cy="945720"/>
+          </a:xfrm>
+          <a:prstGeom prst="rect">
+            <a:avLst/>
+          </a:prstGeom>
+          <a:noFill/>
+          <a:ln w="0">
+            <a:noFill/>
+          </a:ln>
+        </p:spPr>
+        <p:txBody>
+          <a:bodyPr lIns="0" tIns="0" rIns="0" bIns="0" anchor="ctr">
             <a:noAutofit/>
           </a:bodyPr>
+          <a:lstStyle/>
           <a:p>
             <a:pPr indent="0" algn="ctr">
               <a:lnSpc>
@@ -7693,20 +8189,19 @@
               </a:lnSpc>
               <a:buNone/>
               <a:tabLst>
-                <a:tab algn="l" pos="0"/>
+                <a:tab pos="0" algn="l"/>
               </a:tabLst>
             </a:pPr>
             <a:r>
-              <a:rPr b="0" lang="pt-BR" sz="4400" spc="-1" strike="noStrike">
+              <a:rPr lang="pt-BR" sz="4400" b="0" strike="noStrike" spc="-1">
                 <a:solidFill>
                   <a:srgbClr val="000000"/>
                 </a:solidFill>
                 <a:latin typeface="Arial"/>
-                <a:ea typeface="DejaVu Sans"/>
               </a:rPr>
-              <a:t>Controle de qualidade</a:t>
+              <a:t>API</a:t>
             </a:r>
-            <a:endParaRPr b="0" lang="en-US" sz="4400" spc="-1" strike="noStrike">
+            <a:endParaRPr lang="en-CA" sz="4400" b="0" strike="noStrike" spc="-1">
               <a:solidFill>
                 <a:srgbClr val="000000"/>
               </a:solidFill>
@@ -7717,18 +8212,18 @@
       </p:sp>
       <p:pic>
         <p:nvPicPr>
-          <p:cNvPr id="98" name="Picture 97" descr=""/>
+          <p:cNvPr id="96" name="Picture 95"/>
           <p:cNvPicPr/>
           <p:nvPr/>
         </p:nvPicPr>
         <p:blipFill>
-          <a:blip r:embed="rId1"/>
+          <a:blip r:embed="rId2"/>
           <a:stretch/>
         </p:blipFill>
         <p:spPr>
           <a:xfrm>
-            <a:off x="180000" y="1620000"/>
-            <a:ext cx="9568080" cy="3239640"/>
+            <a:off x="900000" y="1187640"/>
+            <a:ext cx="8605080" cy="4305600"/>
           </a:xfrm>
           <a:prstGeom prst="rect">
             <a:avLst/>
@@ -7740,19 +8235,14 @@
       </p:pic>
     </p:spTree>
   </p:cSld>
-  <mc:AlternateContent>
-    <mc:Choice Requires="p14">
-      <p:transition spd="slow" p14:dur="2000"/>
-    </mc:Choice>
-    <mc:Fallback>
-      <p:transition spd="slow"/>
-    </mc:Fallback>
-  </mc:AlternateContent>
+  <p:clrMapOvr>
+    <a:masterClrMapping/>
+  </p:clrMapOvr>
 </p:sld>
 </file>
 
-<file path=ppt/slides/slide9.xml><?xml version="1.0" encoding="utf-8"?>
-<p:sld xmlns:a="http://schemas.openxmlformats.org/drawingml/2006/main" xmlns:p="http://schemas.openxmlformats.org/presentationml/2006/main" xmlns:r="http://schemas.openxmlformats.org/officeDocument/2006/relationships" xmlns:p14="http://schemas.microsoft.com/office/powerpoint/2010/main" xmlns:p15="http://schemas.microsoft.com/office/powerpoint/2012/main" xmlns:mc="http://schemas.openxmlformats.org/markup-compatibility/2006">
+<file path=ppt/slides/slide8.xml><?xml version="1.0" encoding="utf-8"?>
+<p:sld xmlns:a="http://schemas.openxmlformats.org/drawingml/2006/main" xmlns:r="http://schemas.openxmlformats.org/officeDocument/2006/relationships" xmlns:p="http://schemas.openxmlformats.org/presentationml/2006/main">
   <p:cSld>
     <p:spTree>
       <p:nvGrpSpPr>
@@ -7770,7 +8260,7 @@
       </p:grpSpPr>
       <p:sp>
         <p:nvSpPr>
-          <p:cNvPr id="99" name="PlaceHolder 1"/>
+          <p:cNvPr id="97" name="PlaceHolder 1"/>
           <p:cNvSpPr>
             <a:spLocks noGrp="1"/>
           </p:cNvSpPr>
@@ -7781,20 +8271,21 @@
         <p:spPr>
           <a:xfrm>
             <a:off x="504000" y="226080"/>
-            <a:ext cx="9070560" cy="945360"/>
-          </a:xfrm>
-          <a:prstGeom prst="rect">
-            <a:avLst/>
-          </a:prstGeom>
-          <a:noFill/>
-          <a:ln w="0">
-            <a:noFill/>
-          </a:ln>
-        </p:spPr>
-        <p:txBody>
-          <a:bodyPr lIns="0" rIns="0" tIns="0" bIns="0" anchor="ctr">
+            <a:ext cx="9070920" cy="945720"/>
+          </a:xfrm>
+          <a:prstGeom prst="rect">
+            <a:avLst/>
+          </a:prstGeom>
+          <a:noFill/>
+          <a:ln w="0">
+            <a:noFill/>
+          </a:ln>
+        </p:spPr>
+        <p:txBody>
+          <a:bodyPr lIns="0" tIns="0" rIns="0" bIns="0" anchor="ctr">
             <a:noAutofit/>
           </a:bodyPr>
+          <a:lstStyle/>
           <a:p>
             <a:pPr indent="0" algn="ctr">
               <a:lnSpc>
@@ -7802,20 +8293,19 @@
               </a:lnSpc>
               <a:buNone/>
               <a:tabLst>
-                <a:tab algn="l" pos="0"/>
+                <a:tab pos="0" algn="l"/>
               </a:tabLst>
             </a:pPr>
             <a:r>
-              <a:rPr b="0" lang="pt-BR" sz="4400" spc="-1" strike="noStrike">
+              <a:rPr lang="pt-BR" sz="4400" b="0" strike="noStrike" spc="-1">
                 <a:solidFill>
                   <a:srgbClr val="000000"/>
                 </a:solidFill>
                 <a:latin typeface="Arial"/>
-                <a:ea typeface="DejaVu Sans"/>
               </a:rPr>
-              <a:t>Divisão de tarefas</a:t>
+              <a:t>Controle de qualidade</a:t>
             </a:r>
-            <a:endParaRPr b="0" lang="en-US" sz="4400" spc="-1" strike="noStrike">
+            <a:endParaRPr lang="en-CA" sz="4400" b="0" strike="noStrike" spc="-1">
               <a:solidFill>
                 <a:srgbClr val="000000"/>
               </a:solidFill>
@@ -7826,18 +8316,18 @@
       </p:sp>
       <p:pic>
         <p:nvPicPr>
-          <p:cNvPr id="100" name="Picture 99" descr=""/>
+          <p:cNvPr id="98" name="Picture 97"/>
           <p:cNvPicPr/>
           <p:nvPr/>
         </p:nvPicPr>
         <p:blipFill>
-          <a:blip r:embed="rId1"/>
+          <a:blip r:embed="rId2"/>
           <a:stretch/>
         </p:blipFill>
         <p:spPr>
           <a:xfrm>
-            <a:off x="180000" y="1440000"/>
-            <a:ext cx="9751680" cy="3687840"/>
+            <a:off x="180000" y="1620000"/>
+            <a:ext cx="9568440" cy="3240000"/>
           </a:xfrm>
           <a:prstGeom prst="rect">
             <a:avLst/>
@@ -7849,14 +8339,113 @@
       </p:pic>
     </p:spTree>
   </p:cSld>
-  <mc:AlternateContent>
-    <mc:Choice Requires="p14">
-      <p:transition spd="slow" p14:dur="2000"/>
-    </mc:Choice>
-    <mc:Fallback>
-      <p:transition spd="slow"/>
-    </mc:Fallback>
-  </mc:AlternateContent>
+  <p:clrMapOvr>
+    <a:masterClrMapping/>
+  </p:clrMapOvr>
+</p:sld>
+</file>
+
+<file path=ppt/slides/slide9.xml><?xml version="1.0" encoding="utf-8"?>
+<p:sld xmlns:a="http://schemas.openxmlformats.org/drawingml/2006/main" xmlns:r="http://schemas.openxmlformats.org/officeDocument/2006/relationships" xmlns:p="http://schemas.openxmlformats.org/presentationml/2006/main">
+  <p:cSld>
+    <p:spTree>
+      <p:nvGrpSpPr>
+        <p:cNvPr id="1" name=""/>
+        <p:cNvGrpSpPr/>
+        <p:nvPr/>
+      </p:nvGrpSpPr>
+      <p:grpSpPr>
+        <a:xfrm>
+          <a:off x="0" y="0"/>
+          <a:ext cx="0" cy="0"/>
+          <a:chOff x="0" y="0"/>
+          <a:chExt cx="0" cy="0"/>
+        </a:xfrm>
+      </p:grpSpPr>
+      <p:sp>
+        <p:nvSpPr>
+          <p:cNvPr id="99" name="PlaceHolder 1"/>
+          <p:cNvSpPr>
+            <a:spLocks noGrp="1"/>
+          </p:cNvSpPr>
+          <p:nvPr>
+            <p:ph type="title"/>
+          </p:nvPr>
+        </p:nvSpPr>
+        <p:spPr>
+          <a:xfrm>
+            <a:off x="504000" y="226080"/>
+            <a:ext cx="9070920" cy="945720"/>
+          </a:xfrm>
+          <a:prstGeom prst="rect">
+            <a:avLst/>
+          </a:prstGeom>
+          <a:noFill/>
+          <a:ln w="0">
+            <a:noFill/>
+          </a:ln>
+        </p:spPr>
+        <p:txBody>
+          <a:bodyPr lIns="0" tIns="0" rIns="0" bIns="0" anchor="ctr">
+            <a:noAutofit/>
+          </a:bodyPr>
+          <a:lstStyle/>
+          <a:p>
+            <a:pPr indent="0" algn="ctr">
+              <a:lnSpc>
+                <a:spcPct val="100000"/>
+              </a:lnSpc>
+              <a:buNone/>
+              <a:tabLst>
+                <a:tab pos="0" algn="l"/>
+              </a:tabLst>
+            </a:pPr>
+            <a:r>
+              <a:rPr lang="pt-BR" sz="4400" b="0" strike="noStrike" spc="-1">
+                <a:solidFill>
+                  <a:srgbClr val="000000"/>
+                </a:solidFill>
+                <a:latin typeface="Arial"/>
+              </a:rPr>
+              <a:t>Divisão de tarefas</a:t>
+            </a:r>
+            <a:endParaRPr lang="en-CA" sz="4400" b="0" strike="noStrike" spc="-1">
+              <a:solidFill>
+                <a:srgbClr val="000000"/>
+              </a:solidFill>
+              <a:latin typeface="Arial"/>
+            </a:endParaRPr>
+          </a:p>
+        </p:txBody>
+      </p:sp>
+      <p:pic>
+        <p:nvPicPr>
+          <p:cNvPr id="100" name="Picture 99"/>
+          <p:cNvPicPr/>
+          <p:nvPr/>
+        </p:nvPicPr>
+        <p:blipFill>
+          <a:blip r:embed="rId2"/>
+          <a:stretch/>
+        </p:blipFill>
+        <p:spPr>
+          <a:xfrm>
+            <a:off x="180000" y="1440000"/>
+            <a:ext cx="9752040" cy="3688200"/>
+          </a:xfrm>
+          <a:prstGeom prst="rect">
+            <a:avLst/>
+          </a:prstGeom>
+          <a:ln w="0">
+            <a:noFill/>
+          </a:ln>
+        </p:spPr>
+      </p:pic>
+    </p:spTree>
+  </p:cSld>
+  <p:clrMapOvr>
+    <a:masterClrMapping/>
+  </p:clrMapOvr>
 </p:sld>
 </file>
 
@@ -7868,34 +8457,34 @@
         <a:srgbClr val="000000"/>
       </a:dk1>
       <a:lt1>
-        <a:srgbClr val="ffffff"/>
+        <a:srgbClr val="FFFFFF"/>
       </a:lt1>
       <a:dk2>
-        <a:srgbClr val="1f497d"/>
+        <a:srgbClr val="1F497D"/>
       </a:dk2>
       <a:lt2>
-        <a:srgbClr val="eeece1"/>
+        <a:srgbClr val="EEECE1"/>
       </a:lt2>
       <a:accent1>
-        <a:srgbClr val="4f81bd"/>
+        <a:srgbClr val="4F81BD"/>
       </a:accent1>
       <a:accent2>
-        <a:srgbClr val="c0504d"/>
+        <a:srgbClr val="C0504D"/>
       </a:accent2>
       <a:accent3>
-        <a:srgbClr val="9bbb59"/>
+        <a:srgbClr val="9BBB59"/>
       </a:accent3>
       <a:accent4>
-        <a:srgbClr val="8064a2"/>
+        <a:srgbClr val="8064A2"/>
       </a:accent4>
       <a:accent5>
-        <a:srgbClr val="4bacc6"/>
+        <a:srgbClr val="4BACC6"/>
       </a:accent5>
       <a:accent6>
-        <a:srgbClr val="f79646"/>
+        <a:srgbClr val="F79646"/>
       </a:accent6>
       <a:hlink>
-        <a:srgbClr val="0000ff"/>
+        <a:srgbClr val="0000FF"/>
       </a:hlink>
       <a:folHlink>
         <a:srgbClr val="800080"/>
@@ -7913,80 +8502,64 @@
         <a:cs typeface="DejaVu Sans"/>
       </a:minorFont>
     </a:fontScheme>
-    <a:fmtScheme name="Office">
+    <a:fmtScheme>
       <a:fillStyleLst>
         <a:solidFill>
           <a:schemeClr val="phClr"/>
         </a:solidFill>
-        <a:gradFill rotWithShape="1">
+        <a:gradFill>
           <a:gsLst>
             <a:gs pos="0">
               <a:schemeClr val="phClr">
                 <a:tint val="50000"/>
-                <a:satMod val="300000"/>
               </a:schemeClr>
             </a:gs>
             <a:gs pos="35000">
               <a:schemeClr val="phClr">
                 <a:tint val="37000"/>
-                <a:satMod val="300000"/>
               </a:schemeClr>
             </a:gs>
             <a:gs pos="100000">
               <a:schemeClr val="phClr">
                 <a:tint val="15000"/>
-                <a:satMod val="350000"/>
               </a:schemeClr>
             </a:gs>
           </a:gsLst>
           <a:lin ang="16200000" scaled="1"/>
+          <a:tileRect/>
         </a:gradFill>
-        <a:gradFill rotWithShape="1">
+        <a:gradFill>
           <a:gsLst>
             <a:gs pos="0">
               <a:schemeClr val="phClr">
                 <a:shade val="51000"/>
-                <a:satMod val="130000"/>
               </a:schemeClr>
             </a:gs>
             <a:gs pos="80000">
               <a:schemeClr val="phClr">
                 <a:shade val="93000"/>
-                <a:satMod val="130000"/>
               </a:schemeClr>
             </a:gs>
             <a:gs pos="100000">
               <a:schemeClr val="phClr">
                 <a:shade val="94000"/>
-                <a:satMod val="135000"/>
               </a:schemeClr>
             </a:gs>
           </a:gsLst>
           <a:lin ang="16200000" scaled="0"/>
+          <a:tileRect/>
         </a:gradFill>
       </a:fillStyleLst>
       <a:lnStyleLst>
         <a:ln w="6350" cap="flat" cmpd="sng" algn="ctr">
-          <a:solidFill>
-            <a:schemeClr val="phClr">
-              <a:shade val="95000"/>
-              <a:satMod val="105000"/>
-            </a:schemeClr>
-          </a:solidFill>
           <a:prstDash val="solid"/>
           <a:miter/>
         </a:ln>
         <a:ln w="12700" cap="flat" cmpd="sng" algn="ctr">
-          <a:solidFill>
-            <a:schemeClr val="phClr"/>
-          </a:solidFill>
           <a:prstDash val="solid"/>
           <a:miter/>
         </a:ln>
         <a:ln w="19050" cap="flat" cmpd="sng" algn="ctr">
-          <a:solidFill>
-            <a:schemeClr val="phClr"/>
-          </a:solidFill>
           <a:prstDash val="solid"/>
           <a:miter/>
         </a:ln>
@@ -7999,67 +8572,60 @@
           <a:effectLst/>
         </a:effectStyle>
         <a:effectStyle>
-          <a:effectLst>
-            <a:outerShdw blurRad="40000" dist="23000" dir="5400000" rotWithShape="0">
-              <a:srgbClr val="000000">
-                <a:alpha val="35000"/>
-              </a:srgbClr>
-            </a:outerShdw>
-          </a:effectLst>
+          <a:effectLst/>
         </a:effectStyle>
       </a:effectStyleLst>
       <a:bgFillStyleLst>
         <a:solidFill>
           <a:schemeClr val="phClr"/>
         </a:solidFill>
-        <a:gradFill rotWithShape="1">
+        <a:gradFill>
           <a:gsLst>
             <a:gs pos="0">
               <a:schemeClr val="phClr">
                 <a:tint val="40000"/>
-                <a:satMod val="350000"/>
               </a:schemeClr>
             </a:gs>
             <a:gs pos="40000">
               <a:schemeClr val="phClr">
                 <a:tint val="45000"/>
                 <a:shade val="99000"/>
-                <a:satMod val="350000"/>
               </a:schemeClr>
             </a:gs>
             <a:gs pos="100000">
               <a:schemeClr val="phClr">
                 <a:shade val="20000"/>
-                <a:satMod val="255000"/>
               </a:schemeClr>
             </a:gs>
           </a:gsLst>
           <a:path path="circle">
             <a:fillToRect l="50000" t="-80000" r="50000" b="180000"/>
           </a:path>
+          <a:tileRect/>
         </a:gradFill>
-        <a:gradFill rotWithShape="1">
+        <a:gradFill>
           <a:gsLst>
             <a:gs pos="0">
               <a:schemeClr val="phClr">
                 <a:tint val="80000"/>
-                <a:satMod val="300000"/>
               </a:schemeClr>
             </a:gs>
             <a:gs pos="100000">
               <a:schemeClr val="phClr">
                 <a:shade val="30000"/>
-                <a:satMod val="200000"/>
               </a:schemeClr>
             </a:gs>
           </a:gsLst>
           <a:path path="circle">
             <a:fillToRect l="50000" t="50000" r="50000" b="50000"/>
           </a:path>
+          <a:tileRect/>
         </a:gradFill>
       </a:bgFillStyleLst>
     </a:fmtScheme>
   </a:themeElements>
+  <a:objectDefaults/>
+  <a:extraClrSchemeLst/>
 </a:theme>
 </file>
 
@@ -8071,34 +8637,34 @@
         <a:srgbClr val="000000"/>
       </a:dk1>
       <a:lt1>
-        <a:srgbClr val="ffffff"/>
+        <a:srgbClr val="FFFFFF"/>
       </a:lt1>
       <a:dk2>
-        <a:srgbClr val="1f497d"/>
+        <a:srgbClr val="1F497D"/>
       </a:dk2>
       <a:lt2>
-        <a:srgbClr val="eeece1"/>
+        <a:srgbClr val="EEECE1"/>
       </a:lt2>
       <a:accent1>
-        <a:srgbClr val="4f81bd"/>
+        <a:srgbClr val="4F81BD"/>
       </a:accent1>
       <a:accent2>
-        <a:srgbClr val="c0504d"/>
+        <a:srgbClr val="C0504D"/>
       </a:accent2>
       <a:accent3>
-        <a:srgbClr val="9bbb59"/>
+        <a:srgbClr val="9BBB59"/>
       </a:accent3>
       <a:accent4>
-        <a:srgbClr val="8064a2"/>
+        <a:srgbClr val="8064A2"/>
       </a:accent4>
       <a:accent5>
-        <a:srgbClr val="4bacc6"/>
+        <a:srgbClr val="4BACC6"/>
       </a:accent5>
       <a:accent6>
-        <a:srgbClr val="f79646"/>
+        <a:srgbClr val="F79646"/>
       </a:accent6>
       <a:hlink>
-        <a:srgbClr val="0000ff"/>
+        <a:srgbClr val="0000FF"/>
       </a:hlink>
       <a:folHlink>
         <a:srgbClr val="800080"/>
@@ -8116,80 +8682,64 @@
         <a:cs typeface="DejaVu Sans"/>
       </a:minorFont>
     </a:fontScheme>
-    <a:fmtScheme name="Office">
+    <a:fmtScheme>
       <a:fillStyleLst>
         <a:solidFill>
           <a:schemeClr val="phClr"/>
         </a:solidFill>
-        <a:gradFill rotWithShape="1">
+        <a:gradFill>
           <a:gsLst>
             <a:gs pos="0">
               <a:schemeClr val="phClr">
                 <a:tint val="50000"/>
-                <a:satMod val="300000"/>
               </a:schemeClr>
             </a:gs>
             <a:gs pos="35000">
               <a:schemeClr val="phClr">
                 <a:tint val="37000"/>
-                <a:satMod val="300000"/>
               </a:schemeClr>
             </a:gs>
             <a:gs pos="100000">
               <a:schemeClr val="phClr">
                 <a:tint val="15000"/>
-                <a:satMod val="350000"/>
               </a:schemeClr>
             </a:gs>
           </a:gsLst>
           <a:lin ang="16200000" scaled="1"/>
+          <a:tileRect/>
         </a:gradFill>
-        <a:gradFill rotWithShape="1">
+        <a:gradFill>
           <a:gsLst>
             <a:gs pos="0">
               <a:schemeClr val="phClr">
                 <a:shade val="51000"/>
-                <a:satMod val="130000"/>
               </a:schemeClr>
             </a:gs>
             <a:gs pos="80000">
               <a:schemeClr val="phClr">
                 <a:shade val="93000"/>
-                <a:satMod val="130000"/>
               </a:schemeClr>
             </a:gs>
             <a:gs pos="100000">
               <a:schemeClr val="phClr">
                 <a:shade val="94000"/>
-                <a:satMod val="135000"/>
               </a:schemeClr>
             </a:gs>
           </a:gsLst>
           <a:lin ang="16200000" scaled="0"/>
+          <a:tileRect/>
         </a:gradFill>
       </a:fillStyleLst>
       <a:lnStyleLst>
         <a:ln w="6350" cap="flat" cmpd="sng" algn="ctr">
-          <a:solidFill>
-            <a:schemeClr val="phClr">
-              <a:shade val="95000"/>
-              <a:satMod val="105000"/>
-            </a:schemeClr>
-          </a:solidFill>
           <a:prstDash val="solid"/>
           <a:miter/>
         </a:ln>
         <a:ln w="12700" cap="flat" cmpd="sng" algn="ctr">
-          <a:solidFill>
-            <a:schemeClr val="phClr"/>
-          </a:solidFill>
           <a:prstDash val="solid"/>
           <a:miter/>
         </a:ln>
         <a:ln w="19050" cap="flat" cmpd="sng" algn="ctr">
-          <a:solidFill>
-            <a:schemeClr val="phClr"/>
-          </a:solidFill>
           <a:prstDash val="solid"/>
           <a:miter/>
         </a:ln>
@@ -8202,66 +8752,59 @@
           <a:effectLst/>
         </a:effectStyle>
         <a:effectStyle>
-          <a:effectLst>
-            <a:outerShdw blurRad="40000" dist="23000" dir="5400000" rotWithShape="0">
-              <a:srgbClr val="000000">
-                <a:alpha val="35000"/>
-              </a:srgbClr>
-            </a:outerShdw>
-          </a:effectLst>
+          <a:effectLst/>
         </a:effectStyle>
       </a:effectStyleLst>
       <a:bgFillStyleLst>
         <a:solidFill>
           <a:schemeClr val="phClr"/>
         </a:solidFill>
-        <a:gradFill rotWithShape="1">
+        <a:gradFill>
           <a:gsLst>
             <a:gs pos="0">
               <a:schemeClr val="phClr">
                 <a:tint val="40000"/>
-                <a:satMod val="350000"/>
               </a:schemeClr>
             </a:gs>
             <a:gs pos="40000">
               <a:schemeClr val="phClr">
                 <a:tint val="45000"/>
                 <a:shade val="99000"/>
-                <a:satMod val="350000"/>
               </a:schemeClr>
             </a:gs>
             <a:gs pos="100000">
               <a:schemeClr val="phClr">
                 <a:shade val="20000"/>
-                <a:satMod val="255000"/>
               </a:schemeClr>
             </a:gs>
           </a:gsLst>
           <a:path path="circle">
             <a:fillToRect l="50000" t="-80000" r="50000" b="180000"/>
           </a:path>
+          <a:tileRect/>
         </a:gradFill>
-        <a:gradFill rotWithShape="1">
+        <a:gradFill>
           <a:gsLst>
             <a:gs pos="0">
               <a:schemeClr val="phClr">
                 <a:tint val="80000"/>
-                <a:satMod val="300000"/>
               </a:schemeClr>
             </a:gs>
             <a:gs pos="100000">
               <a:schemeClr val="phClr">
                 <a:shade val="30000"/>
-                <a:satMod val="200000"/>
               </a:schemeClr>
             </a:gs>
           </a:gsLst>
           <a:path path="circle">
             <a:fillToRect l="50000" t="50000" r="50000" b="50000"/>
           </a:path>
+          <a:tileRect/>
         </a:gradFill>
       </a:bgFillStyleLst>
     </a:fmtScheme>
   </a:themeElements>
+  <a:objectDefaults/>
+  <a:extraClrSchemeLst/>
 </a:theme>
 </file>
--- a/Files/TCC - Final/Apresentacao_Final.pptx
+++ b/Files/TCC - Final/Apresentacao_Final.pptx
@@ -5,18 +5,23 @@
     <p:sldMasterId id="2147483648" r:id="rId1"/>
     <p:sldMasterId id="2147483661" r:id="rId2"/>
   </p:sldMasterIdLst>
+  <p:notesMasterIdLst>
+    <p:notesMasterId r:id="rId16"/>
+  </p:notesMasterIdLst>
   <p:sldIdLst>
     <p:sldId id="256" r:id="rId3"/>
-    <p:sldId id="257" r:id="rId4"/>
-    <p:sldId id="258" r:id="rId5"/>
-    <p:sldId id="259" r:id="rId6"/>
-    <p:sldId id="260" r:id="rId7"/>
-    <p:sldId id="261" r:id="rId8"/>
-    <p:sldId id="262" r:id="rId9"/>
-    <p:sldId id="263" r:id="rId10"/>
-    <p:sldId id="264" r:id="rId11"/>
-    <p:sldId id="265" r:id="rId12"/>
-    <p:sldId id="266" r:id="rId13"/>
+    <p:sldId id="267" r:id="rId4"/>
+    <p:sldId id="257" r:id="rId5"/>
+    <p:sldId id="269" r:id="rId6"/>
+    <p:sldId id="258" r:id="rId7"/>
+    <p:sldId id="259" r:id="rId8"/>
+    <p:sldId id="260" r:id="rId9"/>
+    <p:sldId id="261" r:id="rId10"/>
+    <p:sldId id="262" r:id="rId11"/>
+    <p:sldId id="263" r:id="rId12"/>
+    <p:sldId id="264" r:id="rId13"/>
+    <p:sldId id="265" r:id="rId14"/>
+    <p:sldId id="266" r:id="rId15"/>
   </p:sldIdLst>
   <p:sldSz cx="10080625" cy="5670550"/>
   <p:notesSz cx="7772400" cy="10058400"/>
@@ -117,10 +122,622 @@
   </p:defaultTextStyle>
   <p:extLst>
     <p:ext uri="{EFAFB233-063F-42B5-8137-9DF3F51BA10A}">
-      <p15:sldGuideLst xmlns:p15="http://schemas.microsoft.com/office/powerpoint/2012/main"/>
+      <p15:sldGuideLst xmlns:p15="http://schemas.microsoft.com/office/powerpoint/2012/main">
+        <p15:guide id="1" orient="horz" pos="1786" userDrawn="1">
+          <p15:clr>
+            <a:srgbClr val="A4A3A4"/>
+          </p15:clr>
+        </p15:guide>
+        <p15:guide id="2" pos="3175" userDrawn="1">
+          <p15:clr>
+            <a:srgbClr val="A4A3A4"/>
+          </p15:clr>
+        </p15:guide>
+      </p15:sldGuideLst>
     </p:ext>
   </p:extLst>
 </p:presentation>
+</file>
+
+<file path=ppt/notesMasters/notesMaster1.xml><?xml version="1.0" encoding="utf-8"?>
+<p:notesMaster xmlns:a="http://schemas.openxmlformats.org/drawingml/2006/main" xmlns:r="http://schemas.openxmlformats.org/officeDocument/2006/relationships" xmlns:p="http://schemas.openxmlformats.org/presentationml/2006/main">
+  <p:cSld>
+    <p:bg>
+      <p:bgRef idx="1001">
+        <a:schemeClr val="bg1"/>
+      </p:bgRef>
+    </p:bg>
+    <p:spTree>
+      <p:nvGrpSpPr>
+        <p:cNvPr id="1" name=""/>
+        <p:cNvGrpSpPr/>
+        <p:nvPr/>
+      </p:nvGrpSpPr>
+      <p:grpSpPr>
+        <a:xfrm>
+          <a:off x="0" y="0"/>
+          <a:ext cx="0" cy="0"/>
+          <a:chOff x="0" y="0"/>
+          <a:chExt cx="0" cy="0"/>
+        </a:xfrm>
+      </p:grpSpPr>
+      <p:sp>
+        <p:nvSpPr>
+          <p:cNvPr id="2" name="Espaço Reservado para Cabeçalho 1"/>
+          <p:cNvSpPr>
+            <a:spLocks noGrp="1"/>
+          </p:cNvSpPr>
+          <p:nvPr>
+            <p:ph type="hdr" sz="quarter"/>
+          </p:nvPr>
+        </p:nvSpPr>
+        <p:spPr>
+          <a:xfrm>
+            <a:off x="0" y="0"/>
+            <a:ext cx="3368675" cy="504825"/>
+          </a:xfrm>
+          <a:prstGeom prst="rect">
+            <a:avLst/>
+          </a:prstGeom>
+        </p:spPr>
+        <p:txBody>
+          <a:bodyPr vert="horz" lIns="91440" tIns="45720" rIns="91440" bIns="45720" rtlCol="0"/>
+          <a:lstStyle>
+            <a:lvl1pPr algn="l">
+              <a:defRPr sz="1200"/>
+            </a:lvl1pPr>
+          </a:lstStyle>
+          <a:p>
+            <a:endParaRPr lang="pt-BR"/>
+          </a:p>
+        </p:txBody>
+      </p:sp>
+      <p:sp>
+        <p:nvSpPr>
+          <p:cNvPr id="3" name="Espaço Reservado para Data 2"/>
+          <p:cNvSpPr>
+            <a:spLocks noGrp="1"/>
+          </p:cNvSpPr>
+          <p:nvPr>
+            <p:ph type="dt" idx="1"/>
+          </p:nvPr>
+        </p:nvSpPr>
+        <p:spPr>
+          <a:xfrm>
+            <a:off x="4402138" y="0"/>
+            <a:ext cx="3368675" cy="504825"/>
+          </a:xfrm>
+          <a:prstGeom prst="rect">
+            <a:avLst/>
+          </a:prstGeom>
+        </p:spPr>
+        <p:txBody>
+          <a:bodyPr vert="horz" lIns="91440" tIns="45720" rIns="91440" bIns="45720" rtlCol="0"/>
+          <a:lstStyle>
+            <a:lvl1pPr algn="r">
+              <a:defRPr sz="1200"/>
+            </a:lvl1pPr>
+          </a:lstStyle>
+          <a:p>
+            <a:fld id="{619A112A-5880-4A22-92FF-F7AB151FC844}" type="datetimeFigureOut">
+              <a:rPr lang="pt-BR" smtClean="0"/>
+              <a:t>06/11/2023</a:t>
+            </a:fld>
+            <a:endParaRPr lang="pt-BR"/>
+          </a:p>
+        </p:txBody>
+      </p:sp>
+      <p:sp>
+        <p:nvSpPr>
+          <p:cNvPr id="4" name="Espaço Reservado para Imagem de Slide 3"/>
+          <p:cNvSpPr>
+            <a:spLocks noGrp="1" noRot="1" noChangeAspect="1"/>
+          </p:cNvSpPr>
+          <p:nvPr>
+            <p:ph type="sldImg" idx="2"/>
+          </p:nvPr>
+        </p:nvSpPr>
+        <p:spPr>
+          <a:xfrm>
+            <a:off x="869950" y="1257300"/>
+            <a:ext cx="6032500" cy="3394075"/>
+          </a:xfrm>
+          <a:prstGeom prst="rect">
+            <a:avLst/>
+          </a:prstGeom>
+          <a:noFill/>
+          <a:ln w="12700">
+            <a:solidFill>
+              <a:prstClr val="black"/>
+            </a:solidFill>
+          </a:ln>
+        </p:spPr>
+        <p:txBody>
+          <a:bodyPr vert="horz" lIns="91440" tIns="45720" rIns="91440" bIns="45720" rtlCol="0" anchor="ctr"/>
+          <a:lstStyle/>
+          <a:p>
+            <a:endParaRPr lang="pt-BR"/>
+          </a:p>
+        </p:txBody>
+      </p:sp>
+      <p:sp>
+        <p:nvSpPr>
+          <p:cNvPr id="5" name="Espaço Reservado para Anotações 4"/>
+          <p:cNvSpPr>
+            <a:spLocks noGrp="1"/>
+          </p:cNvSpPr>
+          <p:nvPr>
+            <p:ph type="body" sz="quarter" idx="3"/>
+          </p:nvPr>
+        </p:nvSpPr>
+        <p:spPr>
+          <a:xfrm>
+            <a:off x="777875" y="4840288"/>
+            <a:ext cx="6216650" cy="3960812"/>
+          </a:xfrm>
+          <a:prstGeom prst="rect">
+            <a:avLst/>
+          </a:prstGeom>
+        </p:spPr>
+        <p:txBody>
+          <a:bodyPr vert="horz" lIns="91440" tIns="45720" rIns="91440" bIns="45720" rtlCol="0"/>
+          <a:lstStyle/>
+          <a:p>
+            <a:pPr lvl="0"/>
+            <a:r>
+              <a:rPr lang="pt-BR"/>
+              <a:t>Clique para editar os estilos de texto Mestres</a:t>
+            </a:r>
+          </a:p>
+          <a:p>
+            <a:pPr lvl="1"/>
+            <a:r>
+              <a:rPr lang="pt-BR"/>
+              <a:t>Segundo nível</a:t>
+            </a:r>
+          </a:p>
+          <a:p>
+            <a:pPr lvl="2"/>
+            <a:r>
+              <a:rPr lang="pt-BR"/>
+              <a:t>Terceiro nível</a:t>
+            </a:r>
+          </a:p>
+          <a:p>
+            <a:pPr lvl="3"/>
+            <a:r>
+              <a:rPr lang="pt-BR"/>
+              <a:t>Quarto nível</a:t>
+            </a:r>
+          </a:p>
+          <a:p>
+            <a:pPr lvl="4"/>
+            <a:r>
+              <a:rPr lang="pt-BR"/>
+              <a:t>Quinto nível</a:t>
+            </a:r>
+          </a:p>
+        </p:txBody>
+      </p:sp>
+      <p:sp>
+        <p:nvSpPr>
+          <p:cNvPr id="6" name="Espaço Reservado para Rodapé 5"/>
+          <p:cNvSpPr>
+            <a:spLocks noGrp="1"/>
+          </p:cNvSpPr>
+          <p:nvPr>
+            <p:ph type="ftr" sz="quarter" idx="4"/>
+          </p:nvPr>
+        </p:nvSpPr>
+        <p:spPr>
+          <a:xfrm>
+            <a:off x="0" y="9553575"/>
+            <a:ext cx="3368675" cy="504825"/>
+          </a:xfrm>
+          <a:prstGeom prst="rect">
+            <a:avLst/>
+          </a:prstGeom>
+        </p:spPr>
+        <p:txBody>
+          <a:bodyPr vert="horz" lIns="91440" tIns="45720" rIns="91440" bIns="45720" rtlCol="0" anchor="b"/>
+          <a:lstStyle>
+            <a:lvl1pPr algn="l">
+              <a:defRPr sz="1200"/>
+            </a:lvl1pPr>
+          </a:lstStyle>
+          <a:p>
+            <a:endParaRPr lang="pt-BR"/>
+          </a:p>
+        </p:txBody>
+      </p:sp>
+      <p:sp>
+        <p:nvSpPr>
+          <p:cNvPr id="7" name="Espaço Reservado para Número de Slide 6"/>
+          <p:cNvSpPr>
+            <a:spLocks noGrp="1"/>
+          </p:cNvSpPr>
+          <p:nvPr>
+            <p:ph type="sldNum" sz="quarter" idx="5"/>
+          </p:nvPr>
+        </p:nvSpPr>
+        <p:spPr>
+          <a:xfrm>
+            <a:off x="4402138" y="9553575"/>
+            <a:ext cx="3368675" cy="504825"/>
+          </a:xfrm>
+          <a:prstGeom prst="rect">
+            <a:avLst/>
+          </a:prstGeom>
+        </p:spPr>
+        <p:txBody>
+          <a:bodyPr vert="horz" lIns="91440" tIns="45720" rIns="91440" bIns="45720" rtlCol="0" anchor="b"/>
+          <a:lstStyle>
+            <a:lvl1pPr algn="r">
+              <a:defRPr sz="1200"/>
+            </a:lvl1pPr>
+          </a:lstStyle>
+          <a:p>
+            <a:fld id="{0E7C65F3-F583-4F8D-8C03-405C2DB79CEE}" type="slidenum">
+              <a:rPr lang="pt-BR" smtClean="0"/>
+              <a:t>‹nº›</a:t>
+            </a:fld>
+            <a:endParaRPr lang="pt-BR"/>
+          </a:p>
+        </p:txBody>
+      </p:sp>
+    </p:spTree>
+    <p:extLst>
+      <p:ext uri="{BB962C8B-B14F-4D97-AF65-F5344CB8AC3E}">
+        <p14:creationId xmlns:p14="http://schemas.microsoft.com/office/powerpoint/2010/main" val="3478207699"/>
+      </p:ext>
+    </p:extLst>
+  </p:cSld>
+  <p:clrMap bg1="lt1" tx1="dk1" bg2="lt2" tx2="dk2" accent1="accent1" accent2="accent2" accent3="accent3" accent4="accent4" accent5="accent5" accent6="accent6" hlink="hlink" folHlink="folHlink"/>
+  <p:notesStyle>
+    <a:lvl1pPr marL="0" algn="l" defTabSz="914400" rtl="0" eaLnBrk="1" latinLnBrk="0" hangingPunct="1">
+      <a:defRPr sz="1200" kern="1200">
+        <a:solidFill>
+          <a:schemeClr val="tx1"/>
+        </a:solidFill>
+        <a:latin typeface="+mn-lt"/>
+        <a:ea typeface="+mn-ea"/>
+        <a:cs typeface="+mn-cs"/>
+      </a:defRPr>
+    </a:lvl1pPr>
+    <a:lvl2pPr marL="457200" algn="l" defTabSz="914400" rtl="0" eaLnBrk="1" latinLnBrk="0" hangingPunct="1">
+      <a:defRPr sz="1200" kern="1200">
+        <a:solidFill>
+          <a:schemeClr val="tx1"/>
+        </a:solidFill>
+        <a:latin typeface="+mn-lt"/>
+        <a:ea typeface="+mn-ea"/>
+        <a:cs typeface="+mn-cs"/>
+      </a:defRPr>
+    </a:lvl2pPr>
+    <a:lvl3pPr marL="914400" algn="l" defTabSz="914400" rtl="0" eaLnBrk="1" latinLnBrk="0" hangingPunct="1">
+      <a:defRPr sz="1200" kern="1200">
+        <a:solidFill>
+          <a:schemeClr val="tx1"/>
+        </a:solidFill>
+        <a:latin typeface="+mn-lt"/>
+        <a:ea typeface="+mn-ea"/>
+        <a:cs typeface="+mn-cs"/>
+      </a:defRPr>
+    </a:lvl3pPr>
+    <a:lvl4pPr marL="1371600" algn="l" defTabSz="914400" rtl="0" eaLnBrk="1" latinLnBrk="0" hangingPunct="1">
+      <a:defRPr sz="1200" kern="1200">
+        <a:solidFill>
+          <a:schemeClr val="tx1"/>
+        </a:solidFill>
+        <a:latin typeface="+mn-lt"/>
+        <a:ea typeface="+mn-ea"/>
+        <a:cs typeface="+mn-cs"/>
+      </a:defRPr>
+    </a:lvl4pPr>
+    <a:lvl5pPr marL="1828800" algn="l" defTabSz="914400" rtl="0" eaLnBrk="1" latinLnBrk="0" hangingPunct="1">
+      <a:defRPr sz="1200" kern="1200">
+        <a:solidFill>
+          <a:schemeClr val="tx1"/>
+        </a:solidFill>
+        <a:latin typeface="+mn-lt"/>
+        <a:ea typeface="+mn-ea"/>
+        <a:cs typeface="+mn-cs"/>
+      </a:defRPr>
+    </a:lvl5pPr>
+    <a:lvl6pPr marL="2286000" algn="l" defTabSz="914400" rtl="0" eaLnBrk="1" latinLnBrk="0" hangingPunct="1">
+      <a:defRPr sz="1200" kern="1200">
+        <a:solidFill>
+          <a:schemeClr val="tx1"/>
+        </a:solidFill>
+        <a:latin typeface="+mn-lt"/>
+        <a:ea typeface="+mn-ea"/>
+        <a:cs typeface="+mn-cs"/>
+      </a:defRPr>
+    </a:lvl6pPr>
+    <a:lvl7pPr marL="2743200" algn="l" defTabSz="914400" rtl="0" eaLnBrk="1" latinLnBrk="0" hangingPunct="1">
+      <a:defRPr sz="1200" kern="1200">
+        <a:solidFill>
+          <a:schemeClr val="tx1"/>
+        </a:solidFill>
+        <a:latin typeface="+mn-lt"/>
+        <a:ea typeface="+mn-ea"/>
+        <a:cs typeface="+mn-cs"/>
+      </a:defRPr>
+    </a:lvl7pPr>
+    <a:lvl8pPr marL="3200400" algn="l" defTabSz="914400" rtl="0" eaLnBrk="1" latinLnBrk="0" hangingPunct="1">
+      <a:defRPr sz="1200" kern="1200">
+        <a:solidFill>
+          <a:schemeClr val="tx1"/>
+        </a:solidFill>
+        <a:latin typeface="+mn-lt"/>
+        <a:ea typeface="+mn-ea"/>
+        <a:cs typeface="+mn-cs"/>
+      </a:defRPr>
+    </a:lvl8pPr>
+    <a:lvl9pPr marL="3657600" algn="l" defTabSz="914400" rtl="0" eaLnBrk="1" latinLnBrk="0" hangingPunct="1">
+      <a:defRPr sz="1200" kern="1200">
+        <a:solidFill>
+          <a:schemeClr val="tx1"/>
+        </a:solidFill>
+        <a:latin typeface="+mn-lt"/>
+        <a:ea typeface="+mn-ea"/>
+        <a:cs typeface="+mn-cs"/>
+      </a:defRPr>
+    </a:lvl9pPr>
+  </p:notesStyle>
+</p:notesMaster>
+</file>
+
+<file path=ppt/notesSlides/notesSlide1.xml><?xml version="1.0" encoding="utf-8"?>
+<p:notes xmlns:a="http://schemas.openxmlformats.org/drawingml/2006/main" xmlns:r="http://schemas.openxmlformats.org/officeDocument/2006/relationships" xmlns:p="http://schemas.openxmlformats.org/presentationml/2006/main">
+  <p:cSld>
+    <p:spTree>
+      <p:nvGrpSpPr>
+        <p:cNvPr id="1" name=""/>
+        <p:cNvGrpSpPr/>
+        <p:nvPr/>
+      </p:nvGrpSpPr>
+      <p:grpSpPr>
+        <a:xfrm>
+          <a:off x="0" y="0"/>
+          <a:ext cx="0" cy="0"/>
+          <a:chOff x="0" y="0"/>
+          <a:chExt cx="0" cy="0"/>
+        </a:xfrm>
+      </p:grpSpPr>
+      <p:sp>
+        <p:nvSpPr>
+          <p:cNvPr id="2" name="Espaço Reservado para Imagem de Slide 1"/>
+          <p:cNvSpPr>
+            <a:spLocks noGrp="1" noRot="1" noChangeAspect="1"/>
+          </p:cNvSpPr>
+          <p:nvPr>
+            <p:ph type="sldImg"/>
+          </p:nvPr>
+        </p:nvSpPr>
+        <p:spPr/>
+      </p:sp>
+      <p:sp>
+        <p:nvSpPr>
+          <p:cNvPr id="3" name="Espaço Reservado para Anotações 2"/>
+          <p:cNvSpPr>
+            <a:spLocks noGrp="1"/>
+          </p:cNvSpPr>
+          <p:nvPr>
+            <p:ph type="body" idx="1"/>
+          </p:nvPr>
+        </p:nvSpPr>
+        <p:spPr/>
+        <p:txBody>
+          <a:bodyPr/>
+          <a:lstStyle/>
+          <a:p>
+            <a:endParaRPr lang="pt-BR" dirty="0"/>
+          </a:p>
+        </p:txBody>
+      </p:sp>
+      <p:sp>
+        <p:nvSpPr>
+          <p:cNvPr id="4" name="Espaço Reservado para Número de Slide 3"/>
+          <p:cNvSpPr>
+            <a:spLocks noGrp="1"/>
+          </p:cNvSpPr>
+          <p:nvPr>
+            <p:ph type="sldNum" sz="quarter" idx="5"/>
+          </p:nvPr>
+        </p:nvSpPr>
+        <p:spPr/>
+        <p:txBody>
+          <a:bodyPr/>
+          <a:lstStyle/>
+          <a:p>
+            <a:fld id="{0E7C65F3-F583-4F8D-8C03-405C2DB79CEE}" type="slidenum">
+              <a:rPr lang="pt-BR" smtClean="0"/>
+              <a:t>1</a:t>
+            </a:fld>
+            <a:endParaRPr lang="pt-BR"/>
+          </a:p>
+        </p:txBody>
+      </p:sp>
+    </p:spTree>
+    <p:extLst>
+      <p:ext uri="{BB962C8B-B14F-4D97-AF65-F5344CB8AC3E}">
+        <p14:creationId xmlns:p14="http://schemas.microsoft.com/office/powerpoint/2010/main" val="592129909"/>
+      </p:ext>
+    </p:extLst>
+  </p:cSld>
+  <p:clrMapOvr>
+    <a:masterClrMapping/>
+  </p:clrMapOvr>
+</p:notes>
+</file>
+
+<file path=ppt/notesSlides/notesSlide2.xml><?xml version="1.0" encoding="utf-8"?>
+<p:notes xmlns:a="http://schemas.openxmlformats.org/drawingml/2006/main" xmlns:r="http://schemas.openxmlformats.org/officeDocument/2006/relationships" xmlns:p="http://schemas.openxmlformats.org/presentationml/2006/main">
+  <p:cSld>
+    <p:spTree>
+      <p:nvGrpSpPr>
+        <p:cNvPr id="1" name=""/>
+        <p:cNvGrpSpPr/>
+        <p:nvPr/>
+      </p:nvGrpSpPr>
+      <p:grpSpPr>
+        <a:xfrm>
+          <a:off x="0" y="0"/>
+          <a:ext cx="0" cy="0"/>
+          <a:chOff x="0" y="0"/>
+          <a:chExt cx="0" cy="0"/>
+        </a:xfrm>
+      </p:grpSpPr>
+      <p:sp>
+        <p:nvSpPr>
+          <p:cNvPr id="2" name="Espaço Reservado para Imagem de Slide 1"/>
+          <p:cNvSpPr>
+            <a:spLocks noGrp="1" noRot="1" noChangeAspect="1"/>
+          </p:cNvSpPr>
+          <p:nvPr>
+            <p:ph type="sldImg"/>
+          </p:nvPr>
+        </p:nvSpPr>
+        <p:spPr/>
+      </p:sp>
+      <p:sp>
+        <p:nvSpPr>
+          <p:cNvPr id="3" name="Espaço Reservado para Anotações 2"/>
+          <p:cNvSpPr>
+            <a:spLocks noGrp="1"/>
+          </p:cNvSpPr>
+          <p:nvPr>
+            <p:ph type="body" idx="1"/>
+          </p:nvPr>
+        </p:nvSpPr>
+        <p:spPr/>
+        <p:txBody>
+          <a:bodyPr/>
+          <a:lstStyle/>
+          <a:p>
+            <a:endParaRPr lang="pt-BR" dirty="0"/>
+          </a:p>
+        </p:txBody>
+      </p:sp>
+      <p:sp>
+        <p:nvSpPr>
+          <p:cNvPr id="4" name="Espaço Reservado para Número de Slide 3"/>
+          <p:cNvSpPr>
+            <a:spLocks noGrp="1"/>
+          </p:cNvSpPr>
+          <p:nvPr>
+            <p:ph type="sldNum" sz="quarter" idx="5"/>
+          </p:nvPr>
+        </p:nvSpPr>
+        <p:spPr/>
+        <p:txBody>
+          <a:bodyPr/>
+          <a:lstStyle/>
+          <a:p>
+            <a:fld id="{0E7C65F3-F583-4F8D-8C03-405C2DB79CEE}" type="slidenum">
+              <a:rPr lang="pt-BR" smtClean="0"/>
+              <a:t>3</a:t>
+            </a:fld>
+            <a:endParaRPr lang="pt-BR"/>
+          </a:p>
+        </p:txBody>
+      </p:sp>
+    </p:spTree>
+    <p:extLst>
+      <p:ext uri="{BB962C8B-B14F-4D97-AF65-F5344CB8AC3E}">
+        <p14:creationId xmlns:p14="http://schemas.microsoft.com/office/powerpoint/2010/main" val="1239006961"/>
+      </p:ext>
+    </p:extLst>
+  </p:cSld>
+  <p:clrMapOvr>
+    <a:masterClrMapping/>
+  </p:clrMapOvr>
+</p:notes>
+</file>
+
+<file path=ppt/notesSlides/notesSlide3.xml><?xml version="1.0" encoding="utf-8"?>
+<p:notes xmlns:a="http://schemas.openxmlformats.org/drawingml/2006/main" xmlns:r="http://schemas.openxmlformats.org/officeDocument/2006/relationships" xmlns:p="http://schemas.openxmlformats.org/presentationml/2006/main">
+  <p:cSld>
+    <p:spTree>
+      <p:nvGrpSpPr>
+        <p:cNvPr id="1" name=""/>
+        <p:cNvGrpSpPr/>
+        <p:nvPr/>
+      </p:nvGrpSpPr>
+      <p:grpSpPr>
+        <a:xfrm>
+          <a:off x="0" y="0"/>
+          <a:ext cx="0" cy="0"/>
+          <a:chOff x="0" y="0"/>
+          <a:chExt cx="0" cy="0"/>
+        </a:xfrm>
+      </p:grpSpPr>
+      <p:sp>
+        <p:nvSpPr>
+          <p:cNvPr id="2" name="Espaço Reservado para Imagem de Slide 1"/>
+          <p:cNvSpPr>
+            <a:spLocks noGrp="1" noRot="1" noChangeAspect="1"/>
+          </p:cNvSpPr>
+          <p:nvPr>
+            <p:ph type="sldImg"/>
+          </p:nvPr>
+        </p:nvSpPr>
+        <p:spPr/>
+      </p:sp>
+      <p:sp>
+        <p:nvSpPr>
+          <p:cNvPr id="3" name="Espaço Reservado para Anotações 2"/>
+          <p:cNvSpPr>
+            <a:spLocks noGrp="1"/>
+          </p:cNvSpPr>
+          <p:nvPr>
+            <p:ph type="body" idx="1"/>
+          </p:nvPr>
+        </p:nvSpPr>
+        <p:spPr/>
+        <p:txBody>
+          <a:bodyPr/>
+          <a:lstStyle/>
+          <a:p>
+            <a:endParaRPr lang="pt-BR" dirty="0"/>
+          </a:p>
+        </p:txBody>
+      </p:sp>
+      <p:sp>
+        <p:nvSpPr>
+          <p:cNvPr id="4" name="Espaço Reservado para Número de Slide 3"/>
+          <p:cNvSpPr>
+            <a:spLocks noGrp="1"/>
+          </p:cNvSpPr>
+          <p:nvPr>
+            <p:ph type="sldNum" sz="quarter" idx="5"/>
+          </p:nvPr>
+        </p:nvSpPr>
+        <p:spPr/>
+        <p:txBody>
+          <a:bodyPr/>
+          <a:lstStyle/>
+          <a:p>
+            <a:fld id="{0E7C65F3-F583-4F8D-8C03-405C2DB79CEE}" type="slidenum">
+              <a:rPr lang="pt-BR" smtClean="0"/>
+              <a:t>4</a:t>
+            </a:fld>
+            <a:endParaRPr lang="pt-BR"/>
+          </a:p>
+        </p:txBody>
+      </p:sp>
+    </p:spTree>
+    <p:extLst>
+      <p:ext uri="{BB962C8B-B14F-4D97-AF65-F5344CB8AC3E}">
+        <p14:creationId xmlns:p14="http://schemas.microsoft.com/office/powerpoint/2010/main" val="1325472567"/>
+      </p:ext>
+    </p:extLst>
+  </p:cSld>
+  <p:clrMapOvr>
+    <a:masterClrMapping/>
+  </p:clrMapOvr>
+</p:notes>
 </file>
 
 <file path=ppt/slideLayouts/slideLayout1.xml><?xml version="1.0" encoding="utf-8"?>
@@ -177,7 +794,7 @@
           <a:lstStyle/>
           <a:p>
             <a:fld id="{D78C7CE6-9959-4587-9062-D7F0DA1549A3}" type="slidenum">
-              <a:t>‹#›</a:t>
+              <a:t>‹nº›</a:t>
             </a:fld>
             <a:endParaRPr/>
           </a:p>
@@ -393,7 +1010,7 @@
           <a:lstStyle/>
           <a:p>
             <a:fld id="{F76DCF2E-7885-41BF-AE70-7239437CD8CC}" type="slidenum">
-              <a:t>‹#›</a:t>
+              <a:t>‹nº›</a:t>
             </a:fld>
             <a:endParaRPr/>
           </a:p>
@@ -697,7 +1314,7 @@
           <a:lstStyle/>
           <a:p>
             <a:fld id="{A0FCA35E-9A69-4EC0-A8CD-7AFFB3F65111}" type="slidenum">
-              <a:t>‹#›</a:t>
+              <a:t>‹nº›</a:t>
             </a:fld>
             <a:endParaRPr/>
           </a:p>
@@ -1089,7 +1706,7 @@
           <a:lstStyle/>
           <a:p>
             <a:fld id="{6012B156-A996-4900-BF8E-EAB71E75661C}" type="slidenum">
-              <a:t>‹#›</a:t>
+              <a:t>‹nº›</a:t>
             </a:fld>
             <a:endParaRPr/>
           </a:p>
@@ -1176,7 +1793,7 @@
           <a:lstStyle/>
           <a:p>
             <a:fld id="{C854EA5C-A5E2-4FC0-8204-1B831F28C5CD}" type="slidenum">
-              <a:t>‹#›</a:t>
+              <a:t>‹nº›</a:t>
             </a:fld>
             <a:endParaRPr/>
           </a:p>
@@ -1345,7 +1962,7 @@
           <a:lstStyle/>
           <a:p>
             <a:fld id="{9948EBCA-D311-49DE-BD43-1FAF1CE0B080}" type="slidenum">
-              <a:t>‹#›</a:t>
+              <a:t>‹nº›</a:t>
             </a:fld>
             <a:endParaRPr/>
           </a:p>
@@ -1517,7 +2134,7 @@
           <a:lstStyle/>
           <a:p>
             <a:fld id="{6D1756A9-3440-4600-B1E5-825043B9E43D}" type="slidenum">
-              <a:t>‹#›</a:t>
+              <a:t>‹nº›</a:t>
             </a:fld>
             <a:endParaRPr/>
           </a:p>
@@ -1733,7 +2350,7 @@
           <a:lstStyle/>
           <a:p>
             <a:fld id="{0127B6C5-794E-4C95-B44A-8C4F21895596}" type="slidenum">
-              <a:t>‹#›</a:t>
+              <a:t>‹nº›</a:t>
             </a:fld>
             <a:endParaRPr/>
           </a:p>
@@ -1861,7 +2478,7 @@
           <a:lstStyle/>
           <a:p>
             <a:fld id="{B5E6BB4B-1477-49A7-851B-01BFA0789A7A}" type="slidenum">
-              <a:t>‹#›</a:t>
+              <a:t>‹nº›</a:t>
             </a:fld>
             <a:endParaRPr/>
           </a:p>
@@ -1987,7 +2604,7 @@
           <a:lstStyle/>
           <a:p>
             <a:fld id="{889BA953-BBE8-463C-B36A-8DC016AC980B}" type="slidenum">
-              <a:t>‹#›</a:t>
+              <a:t>‹nº›</a:t>
             </a:fld>
             <a:endParaRPr/>
           </a:p>
@@ -2247,7 +2864,7 @@
           <a:lstStyle/>
           <a:p>
             <a:fld id="{AFCB16EC-A54B-4D7A-BE0B-62A0CFB5FEC8}" type="slidenum">
-              <a:t>‹#›</a:t>
+              <a:t>‹nº›</a:t>
             </a:fld>
             <a:endParaRPr/>
           </a:p>
@@ -2416,7 +3033,7 @@
           <a:lstStyle/>
           <a:p>
             <a:fld id="{3BB3FDA0-4C6B-47D9-A51A-FD68FE1C19E3}" type="slidenum">
-              <a:t>‹#›</a:t>
+              <a:t>‹nº›</a:t>
             </a:fld>
             <a:endParaRPr/>
           </a:p>
@@ -2676,7 +3293,7 @@
           <a:lstStyle/>
           <a:p>
             <a:fld id="{22F51B99-2A20-43A4-AE37-858F492FADC5}" type="slidenum">
-              <a:t>‹#›</a:t>
+              <a:t>‹nº›</a:t>
             </a:fld>
             <a:endParaRPr/>
           </a:p>
@@ -2936,7 +3553,7 @@
           <a:lstStyle/>
           <a:p>
             <a:fld id="{8D891858-E26A-455A-83DF-ADBCE2F3F4AD}" type="slidenum">
-              <a:t>‹#›</a:t>
+              <a:t>‹nº›</a:t>
             </a:fld>
             <a:endParaRPr/>
           </a:p>
@@ -3152,7 +3769,7 @@
           <a:lstStyle/>
           <a:p>
             <a:fld id="{45A4E931-1B8A-4496-947C-BC2B0606C54E}" type="slidenum">
-              <a:t>‹#›</a:t>
+              <a:t>‹nº›</a:t>
             </a:fld>
             <a:endParaRPr/>
           </a:p>
@@ -3456,7 +4073,7 @@
           <a:lstStyle/>
           <a:p>
             <a:fld id="{0F09450D-B9E6-4585-9B2E-53A1D5564A9D}" type="slidenum">
-              <a:t>‹#›</a:t>
+              <a:t>‹nº›</a:t>
             </a:fld>
             <a:endParaRPr/>
           </a:p>
@@ -3848,7 +4465,7 @@
           <a:lstStyle/>
           <a:p>
             <a:fld id="{A39D02D6-41FF-475D-8047-7A9647DD6B4B}" type="slidenum">
-              <a:t>‹#›</a:t>
+              <a:t>‹nº›</a:t>
             </a:fld>
             <a:endParaRPr/>
           </a:p>
@@ -4020,7 +4637,7 @@
           <a:lstStyle/>
           <a:p>
             <a:fld id="{805479E9-0822-44E1-9CDD-C3704A46ED98}" type="slidenum">
-              <a:t>‹#›</a:t>
+              <a:t>‹nº›</a:t>
             </a:fld>
             <a:endParaRPr/>
           </a:p>
@@ -4236,7 +4853,7 @@
           <a:lstStyle/>
           <a:p>
             <a:fld id="{D5188253-F770-43DB-9364-188DAD007BEA}" type="slidenum">
-              <a:t>‹#›</a:t>
+              <a:t>‹nº›</a:t>
             </a:fld>
             <a:endParaRPr/>
           </a:p>
@@ -4364,7 +4981,7 @@
           <a:lstStyle/>
           <a:p>
             <a:fld id="{A1017491-3A45-4D1F-80F4-464C9AF73990}" type="slidenum">
-              <a:t>‹#›</a:t>
+              <a:t>‹nº›</a:t>
             </a:fld>
             <a:endParaRPr/>
           </a:p>
@@ -4490,7 +5107,7 @@
           <a:lstStyle/>
           <a:p>
             <a:fld id="{739C730A-DAA7-4AA8-8FBF-7B65EE46771E}" type="slidenum">
-              <a:t>‹#›</a:t>
+              <a:t>‹nº›</a:t>
             </a:fld>
             <a:endParaRPr/>
           </a:p>
@@ -4750,7 +5367,7 @@
           <a:lstStyle/>
           <a:p>
             <a:fld id="{9CD60421-5804-4D0C-A818-9037701E9040}" type="slidenum">
-              <a:t>‹#›</a:t>
+              <a:t>‹nº›</a:t>
             </a:fld>
             <a:endParaRPr/>
           </a:p>
@@ -5010,7 +5627,7 @@
           <a:lstStyle/>
           <a:p>
             <a:fld id="{17D0EE83-DD0F-45CA-8BC3-3345C5CB987A}" type="slidenum">
-              <a:t>‹#›</a:t>
+              <a:t>‹nº›</a:t>
             </a:fld>
             <a:endParaRPr/>
           </a:p>
@@ -5270,7 +5887,7 @@
           <a:lstStyle/>
           <a:p>
             <a:fld id="{55CC060A-7293-44E1-8DD1-A4C19A2D8D2F}" type="slidenum">
-              <a:t>‹#›</a:t>
+              <a:t>‹nº›</a:t>
             </a:fld>
             <a:endParaRPr/>
           </a:p>
@@ -5307,9 +5924,14 @@
 <p:sldMaster xmlns:a="http://schemas.openxmlformats.org/drawingml/2006/main" xmlns:r="http://schemas.openxmlformats.org/officeDocument/2006/relationships" xmlns:p="http://schemas.openxmlformats.org/presentationml/2006/main">
   <p:cSld>
     <p:bg>
-      <p:bgRef idx="1001">
-        <a:schemeClr val="bg1"/>
-      </p:bgRef>
+      <p:bgPr>
+        <a:solidFill>
+          <a:schemeClr val="bg1">
+            <a:lumMod val="95000"/>
+          </a:schemeClr>
+        </a:solidFill>
+        <a:effectLst/>
+      </p:bgPr>
     </p:bg>
     <p:spTree>
       <p:nvGrpSpPr>
@@ -5680,7 +6302,7 @@
                 </a:solidFill>
                 <a:latin typeface="Times New Roman"/>
               </a:rPr>
-              <a:t>‹#›</a:t>
+              <a:t>‹nº›</a:t>
             </a:fld>
             <a:endParaRPr lang="en-CA" sz="1400" b="0" strike="noStrike" spc="-1">
               <a:solidFill>
@@ -6049,9 +6671,14 @@
 <p:sldMaster xmlns:a="http://schemas.openxmlformats.org/drawingml/2006/main" xmlns:r="http://schemas.openxmlformats.org/officeDocument/2006/relationships" xmlns:p="http://schemas.openxmlformats.org/presentationml/2006/main">
   <p:cSld>
     <p:bg>
-      <p:bgRef idx="1001">
-        <a:schemeClr val="bg1"/>
-      </p:bgRef>
+      <p:bgPr>
+        <a:solidFill>
+          <a:schemeClr val="bg1">
+            <a:lumMod val="95000"/>
+          </a:schemeClr>
+        </a:solidFill>
+        <a:effectLst/>
+      </p:bgPr>
     </p:bg>
     <p:spTree>
       <p:nvGrpSpPr>
@@ -6194,7 +6821,7 @@
                 </a:solidFill>
                 <a:latin typeface="Times New Roman"/>
               </a:rPr>
-              <a:t>‹#›</a:t>
+              <a:t>‹nº›</a:t>
             </a:fld>
             <a:endParaRPr lang="en-CA" sz="1400" b="0" strike="noStrike" spc="-1">
               <a:solidFill>
@@ -6806,6 +7433,159 @@
       </p:grpSpPr>
       <p:sp>
         <p:nvSpPr>
+          <p:cNvPr id="33" name="Triângulo Retângulo 32">
+            <a:extLst>
+              <a:ext uri="{FF2B5EF4-FFF2-40B4-BE49-F238E27FC236}">
+                <a16:creationId xmlns:a16="http://schemas.microsoft.com/office/drawing/2014/main" id="{E7D43A6C-F633-B517-B2DA-02FDCAB649A4}"/>
+              </a:ext>
+            </a:extLst>
+          </p:cNvPr>
+          <p:cNvSpPr/>
+          <p:nvPr/>
+        </p:nvSpPr>
+        <p:spPr>
+          <a:xfrm>
+            <a:off x="2939272" y="0"/>
+            <a:ext cx="2288328" cy="5670550"/>
+          </a:xfrm>
+          <a:prstGeom prst="rtTriangle">
+            <a:avLst/>
+          </a:prstGeom>
+          <a:solidFill>
+            <a:schemeClr val="bg1">
+              <a:lumMod val="65000"/>
+            </a:schemeClr>
+          </a:solidFill>
+        </p:spPr>
+        <p:style>
+          <a:lnRef idx="2">
+            <a:schemeClr val="accent1">
+              <a:shade val="15000"/>
+            </a:schemeClr>
+          </a:lnRef>
+          <a:fillRef idx="1">
+            <a:schemeClr val="accent1"/>
+          </a:fillRef>
+          <a:effectRef idx="0">
+            <a:schemeClr val="accent1"/>
+          </a:effectRef>
+          <a:fontRef idx="minor">
+            <a:schemeClr val="lt1"/>
+          </a:fontRef>
+        </p:style>
+        <p:txBody>
+          <a:bodyPr rtlCol="0" anchor="ctr"/>
+          <a:lstStyle/>
+          <a:p>
+            <a:pPr algn="ctr"/>
+            <a:endParaRPr lang="pt-BR" dirty="0"/>
+          </a:p>
+        </p:txBody>
+      </p:sp>
+      <p:sp>
+        <p:nvSpPr>
+          <p:cNvPr id="34" name="Retângulo 33">
+            <a:extLst>
+              <a:ext uri="{FF2B5EF4-FFF2-40B4-BE49-F238E27FC236}">
+                <a16:creationId xmlns:a16="http://schemas.microsoft.com/office/drawing/2014/main" id="{C8199B90-4382-E0A1-F222-C682A7135343}"/>
+              </a:ext>
+            </a:extLst>
+          </p:cNvPr>
+          <p:cNvSpPr/>
+          <p:nvPr/>
+        </p:nvSpPr>
+        <p:spPr>
+          <a:xfrm>
+            <a:off x="0" y="0"/>
+            <a:ext cx="2939272" cy="5670550"/>
+          </a:xfrm>
+          <a:prstGeom prst="rect">
+            <a:avLst/>
+          </a:prstGeom>
+          <a:solidFill>
+            <a:schemeClr val="bg1">
+              <a:lumMod val="65000"/>
+            </a:schemeClr>
+          </a:solidFill>
+        </p:spPr>
+        <p:style>
+          <a:lnRef idx="2">
+            <a:schemeClr val="accent1">
+              <a:shade val="15000"/>
+            </a:schemeClr>
+          </a:lnRef>
+          <a:fillRef idx="1">
+            <a:schemeClr val="accent1"/>
+          </a:fillRef>
+          <a:effectRef idx="0">
+            <a:schemeClr val="accent1"/>
+          </a:effectRef>
+          <a:fontRef idx="minor">
+            <a:schemeClr val="lt1"/>
+          </a:fontRef>
+        </p:style>
+        <p:txBody>
+          <a:bodyPr rtlCol="0" anchor="ctr"/>
+          <a:lstStyle/>
+          <a:p>
+            <a:pPr algn="ctr"/>
+            <a:endParaRPr lang="pt-BR"/>
+          </a:p>
+        </p:txBody>
+      </p:sp>
+      <p:sp>
+        <p:nvSpPr>
+          <p:cNvPr id="35" name="Elipse 34">
+            <a:extLst>
+              <a:ext uri="{FF2B5EF4-FFF2-40B4-BE49-F238E27FC236}">
+                <a16:creationId xmlns:a16="http://schemas.microsoft.com/office/drawing/2014/main" id="{FFC1DCD5-007D-CCBA-25A7-C41A1C2AA87F}"/>
+              </a:ext>
+            </a:extLst>
+          </p:cNvPr>
+          <p:cNvSpPr/>
+          <p:nvPr/>
+        </p:nvSpPr>
+        <p:spPr>
+          <a:xfrm>
+            <a:off x="806065" y="1444646"/>
+            <a:ext cx="2732189" cy="2746785"/>
+          </a:xfrm>
+          <a:prstGeom prst="ellipse">
+            <a:avLst/>
+          </a:prstGeom>
+          <a:solidFill>
+            <a:schemeClr val="bg1">
+              <a:lumMod val="50000"/>
+            </a:schemeClr>
+          </a:solidFill>
+        </p:spPr>
+        <p:style>
+          <a:lnRef idx="2">
+            <a:schemeClr val="accent1">
+              <a:shade val="15000"/>
+            </a:schemeClr>
+          </a:lnRef>
+          <a:fillRef idx="1">
+            <a:schemeClr val="accent1"/>
+          </a:fillRef>
+          <a:effectRef idx="0">
+            <a:schemeClr val="accent1"/>
+          </a:effectRef>
+          <a:fontRef idx="minor">
+            <a:schemeClr val="lt1"/>
+          </a:fontRef>
+        </p:style>
+        <p:txBody>
+          <a:bodyPr rtlCol="0" anchor="ctr"/>
+          <a:lstStyle/>
+          <a:p>
+            <a:pPr algn="ctr"/>
+            <a:endParaRPr lang="pt-BR" dirty="0"/>
+          </a:p>
+        </p:txBody>
+      </p:sp>
+      <p:sp>
+        <p:nvSpPr>
           <p:cNvPr id="82" name="PlaceHolder 1"/>
           <p:cNvSpPr>
             <a:spLocks noGrp="1"/>
@@ -6816,8 +7596,8 @@
         </p:nvSpPr>
         <p:spPr>
           <a:xfrm>
-            <a:off x="504000" y="226080"/>
-            <a:ext cx="9070920" cy="945720"/>
+            <a:off x="5040313" y="1612570"/>
+            <a:ext cx="4917769" cy="2445410"/>
           </a:xfrm>
           <a:prstGeom prst="rect">
             <a:avLst/>
@@ -6828,12 +7608,12 @@
           </a:ln>
         </p:spPr>
         <p:txBody>
-          <a:bodyPr lIns="0" tIns="0" rIns="0" bIns="0" anchor="ctr">
+          <a:bodyPr lIns="0" tIns="0" rIns="0" bIns="0" anchor="t">
             <a:noAutofit/>
           </a:bodyPr>
           <a:lstStyle/>
           <a:p>
-            <a:pPr indent="0" algn="ctr">
+            <a:pPr indent="0">
               <a:lnSpc>
                 <a:spcPct val="100000"/>
               </a:lnSpc>
@@ -6843,17 +7623,21 @@
               </a:tabLst>
             </a:pPr>
             <a:r>
-              <a:rPr lang="pt-BR" sz="4400" b="0" strike="noStrike" spc="-1">
+              <a:rPr lang="pt-BR" sz="5400" b="0" strike="noStrike" spc="-1" dirty="0">
                 <a:solidFill>
-                  <a:srgbClr val="000000"/>
+                  <a:schemeClr val="tx2">
+                    <a:lumMod val="75000"/>
+                  </a:schemeClr>
                 </a:solidFill>
-                <a:latin typeface="Arial"/>
+                <a:latin typeface="Trade Gothic Next Heavy" panose="020F0502020204030204" pitchFamily="34" charset="0"/>
               </a:rPr>
-              <a:t>Brazil Career Hub</a:t>
+              <a:t>TRABALHO DE CONCLUSÃO DE CURSO</a:t>
             </a:r>
-            <a:endParaRPr lang="en-CA" sz="4400" b="0" strike="noStrike" spc="-1">
+            <a:endParaRPr lang="en-CA" sz="5400" b="0" strike="noStrike" spc="-1" dirty="0">
               <a:solidFill>
-                <a:srgbClr val="000000"/>
+                <a:schemeClr val="tx2">
+                  <a:lumMod val="75000"/>
+                </a:schemeClr>
               </a:solidFill>
               <a:latin typeface="Arial"/>
             </a:endParaRPr>
@@ -6862,184 +7646,234 @@
       </p:sp>
       <p:sp>
         <p:nvSpPr>
-          <p:cNvPr id="83" name="PlaceHolder 2"/>
-          <p:cNvSpPr>
-            <a:spLocks noGrp="1"/>
-          </p:cNvSpPr>
-          <p:nvPr>
-            <p:ph type="subTitle"/>
-          </p:nvPr>
-        </p:nvSpPr>
-        <p:spPr>
-          <a:xfrm>
-            <a:off x="504000" y="1326600"/>
-            <a:ext cx="9070920" cy="3287520"/>
+          <p:cNvPr id="9" name="CaixaDeTexto 8">
+            <a:extLst>
+              <a:ext uri="{FF2B5EF4-FFF2-40B4-BE49-F238E27FC236}">
+                <a16:creationId xmlns:a16="http://schemas.microsoft.com/office/drawing/2014/main" id="{CA87D6A3-44EF-BFAA-5ED2-C2E8F06714AD}"/>
+              </a:ext>
+            </a:extLst>
+          </p:cNvPr>
+          <p:cNvSpPr txBox="1"/>
+          <p:nvPr/>
+        </p:nvSpPr>
+        <p:spPr>
+          <a:xfrm>
+            <a:off x="4938713" y="1244592"/>
+            <a:ext cx="3362632" cy="400110"/>
           </a:xfrm>
           <a:prstGeom prst="rect">
             <a:avLst/>
           </a:prstGeom>
           <a:noFill/>
-          <a:ln w="0">
-            <a:noFill/>
+        </p:spPr>
+        <p:txBody>
+          <a:bodyPr wrap="square" rtlCol="0">
+            <a:spAutoFit/>
+          </a:bodyPr>
+          <a:lstStyle/>
+          <a:p>
+            <a:r>
+              <a:rPr lang="en-US" sz="2000" dirty="0">
+                <a:latin typeface="Trade Gothic Next" panose="020F0502020204030204" pitchFamily="34" charset="0"/>
+              </a:rPr>
+              <a:t>UNIVERSIDADE PAULISTA</a:t>
+            </a:r>
+          </a:p>
+        </p:txBody>
+      </p:sp>
+      <p:sp>
+        <p:nvSpPr>
+          <p:cNvPr id="10" name="CaixaDeTexto 9">
+            <a:extLst>
+              <a:ext uri="{FF2B5EF4-FFF2-40B4-BE49-F238E27FC236}">
+                <a16:creationId xmlns:a16="http://schemas.microsoft.com/office/drawing/2014/main" id="{918819E4-2C3F-5E8C-6907-40537DB3504E}"/>
+              </a:ext>
+            </a:extLst>
+          </p:cNvPr>
+          <p:cNvSpPr txBox="1"/>
+          <p:nvPr/>
+        </p:nvSpPr>
+        <p:spPr>
+          <a:xfrm>
+            <a:off x="4938713" y="4095275"/>
+            <a:ext cx="3362632" cy="400110"/>
+          </a:xfrm>
+          <a:prstGeom prst="rect">
+            <a:avLst/>
+          </a:prstGeom>
+          <a:noFill/>
+        </p:spPr>
+        <p:txBody>
+          <a:bodyPr wrap="square" rtlCol="0">
+            <a:spAutoFit/>
+          </a:bodyPr>
+          <a:lstStyle/>
+          <a:p>
+            <a:r>
+              <a:rPr lang="en-US" sz="2000" dirty="0" err="1">
+                <a:latin typeface="Trade Gothic Next" panose="020F0502020204030204" pitchFamily="34" charset="0"/>
+              </a:rPr>
+              <a:t>Orientador</a:t>
+            </a:r>
+            <a:r>
+              <a:rPr lang="en-US" sz="2000" dirty="0">
+                <a:latin typeface="Trade Gothic Next" panose="020F0502020204030204" pitchFamily="34" charset="0"/>
+              </a:rPr>
+              <a:t>: </a:t>
+            </a:r>
+            <a:r>
+              <a:rPr lang="en-US" sz="2000" dirty="0" err="1">
+                <a:latin typeface="Trade Gothic Next" panose="020F0502020204030204" pitchFamily="34" charset="0"/>
+              </a:rPr>
+              <a:t>Élio</a:t>
+            </a:r>
+            <a:r>
+              <a:rPr lang="en-US" sz="2000" dirty="0">
+                <a:latin typeface="Trade Gothic Next" panose="020F0502020204030204" pitchFamily="34" charset="0"/>
+              </a:rPr>
+              <a:t> Caruso Filho</a:t>
+            </a:r>
+          </a:p>
+        </p:txBody>
+      </p:sp>
+      <p:sp>
+        <p:nvSpPr>
+          <p:cNvPr id="32" name="Elipse 31">
+            <a:extLst>
+              <a:ext uri="{FF2B5EF4-FFF2-40B4-BE49-F238E27FC236}">
+                <a16:creationId xmlns:a16="http://schemas.microsoft.com/office/drawing/2014/main" id="{DA8CD860-893B-E29F-1D80-5AFA5BC2A382}"/>
+              </a:ext>
+            </a:extLst>
+          </p:cNvPr>
+          <p:cNvSpPr/>
+          <p:nvPr/>
+        </p:nvSpPr>
+        <p:spPr>
+          <a:xfrm>
+            <a:off x="1602566" y="1444645"/>
+            <a:ext cx="2732189" cy="2746785"/>
+          </a:xfrm>
+          <a:prstGeom prst="ellipse">
+            <a:avLst/>
+          </a:prstGeom>
+          <a:solidFill>
+            <a:srgbClr val="0070C0"/>
+          </a:solidFill>
+        </p:spPr>
+        <p:style>
+          <a:lnRef idx="2">
+            <a:schemeClr val="accent1">
+              <a:shade val="15000"/>
+            </a:schemeClr>
+          </a:lnRef>
+          <a:fillRef idx="1">
+            <a:schemeClr val="accent1"/>
+          </a:fillRef>
+          <a:effectRef idx="0">
+            <a:schemeClr val="accent1"/>
+          </a:effectRef>
+          <a:fontRef idx="minor">
+            <a:schemeClr val="lt1"/>
+          </a:fontRef>
+        </p:style>
+        <p:txBody>
+          <a:bodyPr rtlCol="0" anchor="ctr"/>
+          <a:lstStyle/>
+          <a:p>
+            <a:pPr algn="ctr"/>
+            <a:endParaRPr lang="pt-BR" dirty="0"/>
+          </a:p>
+        </p:txBody>
+      </p:sp>
+      <p:cxnSp>
+        <p:nvCxnSpPr>
+          <p:cNvPr id="36" name="Conector reto 35">
+            <a:extLst>
+              <a:ext uri="{FF2B5EF4-FFF2-40B4-BE49-F238E27FC236}">
+                <a16:creationId xmlns:a16="http://schemas.microsoft.com/office/drawing/2014/main" id="{81A5CBCC-9E1A-CD95-1F72-7F62EBCAF3A1}"/>
+              </a:ext>
+            </a:extLst>
+          </p:cNvPr>
+          <p:cNvCxnSpPr>
+            <a:cxnSpLocks/>
+          </p:cNvCxnSpPr>
+          <p:nvPr/>
+        </p:nvCxnSpPr>
+        <p:spPr>
+          <a:xfrm flipV="1">
+            <a:off x="2930901" y="3976007"/>
+            <a:ext cx="0" cy="1694543"/>
+          </a:xfrm>
+          <a:prstGeom prst="line">
+            <a:avLst/>
+          </a:prstGeom>
+          <a:ln w="76200">
+            <a:solidFill>
+              <a:srgbClr val="0070C0"/>
+            </a:solidFill>
           </a:ln>
         </p:spPr>
-        <p:txBody>
-          <a:bodyPr lIns="0" tIns="0" rIns="0" bIns="0" anchor="ctr">
-            <a:noAutofit/>
-          </a:bodyPr>
-          <a:lstStyle/>
-          <a:p>
-            <a:pPr indent="0" algn="ctr">
-              <a:lnSpc>
-                <a:spcPct val="100000"/>
-              </a:lnSpc>
-              <a:buNone/>
-              <a:tabLst>
-                <a:tab pos="0" algn="l"/>
-              </a:tabLst>
-            </a:pPr>
-            <a:r>
-              <a:rPr lang="pt-BR" sz="2600" b="0" strike="noStrike" spc="-1">
-                <a:solidFill>
-                  <a:srgbClr val="000000"/>
-                </a:solidFill>
-                <a:latin typeface="Arial"/>
-              </a:rPr>
-              <a:t>Integrantes:</a:t>
-            </a:r>
-            <a:endParaRPr lang="en-CA" sz="2600" b="0" strike="noStrike" spc="-1">
-              <a:solidFill>
-                <a:srgbClr val="000000"/>
-              </a:solidFill>
-              <a:latin typeface="Arial"/>
-            </a:endParaRPr>
-          </a:p>
-          <a:p>
-            <a:pPr marL="216000" indent="-216000" algn="ctr">
-              <a:lnSpc>
-                <a:spcPct val="100000"/>
-              </a:lnSpc>
-              <a:buClr>
-                <a:srgbClr val="000000"/>
-              </a:buClr>
-              <a:buSzPct val="45000"/>
-              <a:buFont typeface="Wingdings" charset="2"/>
-              <a:buChar char=""/>
-              <a:tabLst>
-                <a:tab pos="0" algn="l"/>
-              </a:tabLst>
-            </a:pPr>
-            <a:r>
-              <a:rPr lang="pt-BR" sz="2600" b="0" strike="noStrike" spc="-1">
-                <a:solidFill>
-                  <a:srgbClr val="000000"/>
-                </a:solidFill>
-                <a:latin typeface="Arial"/>
-              </a:rPr>
-              <a:t>Carlos Eduardo dos Santos Ferreira – N6401C7</a:t>
-            </a:r>
-            <a:endParaRPr lang="en-CA" sz="2600" b="0" strike="noStrike" spc="-1">
-              <a:solidFill>
-                <a:srgbClr val="000000"/>
-              </a:solidFill>
-              <a:latin typeface="Arial"/>
-            </a:endParaRPr>
-          </a:p>
-          <a:p>
-            <a:pPr marL="216000" indent="-216000" algn="ctr">
-              <a:lnSpc>
-                <a:spcPct val="100000"/>
-              </a:lnSpc>
-              <a:buClr>
-                <a:srgbClr val="000000"/>
-              </a:buClr>
-              <a:buSzPct val="45000"/>
-              <a:buFont typeface="Wingdings" charset="2"/>
-              <a:buChar char=""/>
-              <a:tabLst>
-                <a:tab pos="0" algn="l"/>
-              </a:tabLst>
-            </a:pPr>
-            <a:r>
-              <a:rPr lang="pt-BR" sz="2600" b="0" strike="noStrike" spc="-1">
-                <a:solidFill>
-                  <a:srgbClr val="000000"/>
-                </a:solidFill>
-                <a:latin typeface="Arial"/>
-              </a:rPr>
-              <a:t>Gabriel Menezes de Antonio – F13GJI6</a:t>
-            </a:r>
-            <a:endParaRPr lang="en-CA" sz="2600" b="0" strike="noStrike" spc="-1">
-              <a:solidFill>
-                <a:srgbClr val="000000"/>
-              </a:solidFill>
-              <a:latin typeface="Arial"/>
-            </a:endParaRPr>
-          </a:p>
-          <a:p>
-            <a:pPr marL="216000" indent="-216000" algn="ctr">
-              <a:lnSpc>
-                <a:spcPct val="100000"/>
-              </a:lnSpc>
-              <a:buClr>
-                <a:srgbClr val="000000"/>
-              </a:buClr>
-              <a:buSzPct val="45000"/>
-              <a:buFont typeface="Wingdings" charset="2"/>
-              <a:buChar char=""/>
-              <a:tabLst>
-                <a:tab pos="0" algn="l"/>
-              </a:tabLst>
-            </a:pPr>
-            <a:r>
-              <a:rPr lang="pt-BR" sz="2600" b="0" strike="noStrike" spc="-1">
-                <a:solidFill>
-                  <a:srgbClr val="000000"/>
-                </a:solidFill>
-                <a:latin typeface="Arial"/>
-              </a:rPr>
-              <a:t>Gustavo Henrique Dos Santos Faria – F22IFG2</a:t>
-            </a:r>
-            <a:endParaRPr lang="en-CA" sz="2600" b="0" strike="noStrike" spc="-1">
-              <a:solidFill>
-                <a:srgbClr val="000000"/>
-              </a:solidFill>
-              <a:latin typeface="Arial"/>
-            </a:endParaRPr>
-          </a:p>
-          <a:p>
-            <a:pPr marL="216000" indent="-216000" algn="ctr">
-              <a:lnSpc>
-                <a:spcPct val="100000"/>
-              </a:lnSpc>
-              <a:buClr>
-                <a:srgbClr val="000000"/>
-              </a:buClr>
-              <a:buSzPct val="45000"/>
-              <a:buFont typeface="Wingdings" charset="2"/>
-              <a:buChar char=""/>
-              <a:tabLst>
-                <a:tab pos="0" algn="l"/>
-              </a:tabLst>
-            </a:pPr>
-            <a:r>
-              <a:rPr lang="pt-BR" sz="2600" b="0" strike="noStrike" spc="-1">
-                <a:solidFill>
-                  <a:srgbClr val="000000"/>
-                </a:solidFill>
-                <a:latin typeface="Arial"/>
-              </a:rPr>
-              <a:t>Mayara Marques Pereira de Souza – N542DD1</a:t>
-            </a:r>
-            <a:endParaRPr lang="en-CA" sz="2600" b="0" strike="noStrike" spc="-1">
-              <a:solidFill>
-                <a:srgbClr val="000000"/>
-              </a:solidFill>
-              <a:latin typeface="Arial"/>
-            </a:endParaRPr>
-          </a:p>
-        </p:txBody>
-      </p:sp>
+        <p:style>
+          <a:lnRef idx="1">
+            <a:schemeClr val="accent1"/>
+          </a:lnRef>
+          <a:fillRef idx="0">
+            <a:schemeClr val="accent1"/>
+          </a:fillRef>
+          <a:effectRef idx="0">
+            <a:schemeClr val="accent1"/>
+          </a:effectRef>
+          <a:fontRef idx="minor">
+            <a:schemeClr val="tx1"/>
+          </a:fontRef>
+        </p:style>
+      </p:cxnSp>
+      <p:cxnSp>
+        <p:nvCxnSpPr>
+          <p:cNvPr id="40" name="Conector reto 39">
+            <a:extLst>
+              <a:ext uri="{FF2B5EF4-FFF2-40B4-BE49-F238E27FC236}">
+                <a16:creationId xmlns:a16="http://schemas.microsoft.com/office/drawing/2014/main" id="{6EC7AB2A-C05F-7026-3B3D-D3BE0A0F2E48}"/>
+              </a:ext>
+            </a:extLst>
+          </p:cNvPr>
+          <p:cNvCxnSpPr>
+            <a:cxnSpLocks/>
+            <a:stCxn id="35" idx="0"/>
+          </p:cNvCxnSpPr>
+          <p:nvPr/>
+        </p:nvCxnSpPr>
+        <p:spPr>
+          <a:xfrm flipH="1" flipV="1">
+            <a:off x="2172159" y="0"/>
+            <a:ext cx="1" cy="1444646"/>
+          </a:xfrm>
+          <a:prstGeom prst="line">
+            <a:avLst/>
+          </a:prstGeom>
+          <a:ln w="76200">
+            <a:solidFill>
+              <a:schemeClr val="bg1">
+                <a:lumMod val="50000"/>
+              </a:schemeClr>
+            </a:solidFill>
+          </a:ln>
+        </p:spPr>
+        <p:style>
+          <a:lnRef idx="1">
+            <a:schemeClr val="accent1"/>
+          </a:lnRef>
+          <a:fillRef idx="0">
+            <a:schemeClr val="accent1"/>
+          </a:fillRef>
+          <a:effectRef idx="0">
+            <a:schemeClr val="accent1"/>
+          </a:effectRef>
+          <a:fontRef idx="minor">
+            <a:schemeClr val="tx1"/>
+          </a:fontRef>
+        </p:style>
+      </p:cxnSp>
     </p:spTree>
   </p:cSld>
   <p:clrMapOvr>
@@ -7067,63 +7901,103 @@
       </p:grpSpPr>
       <p:sp>
         <p:nvSpPr>
-          <p:cNvPr id="101" name="PlaceHolder 1"/>
-          <p:cNvSpPr>
-            <a:spLocks noGrp="1"/>
-          </p:cNvSpPr>
-          <p:nvPr>
-            <p:ph type="title"/>
-          </p:nvPr>
-        </p:nvSpPr>
-        <p:spPr>
-          <a:xfrm>
-            <a:off x="504000" y="226080"/>
-            <a:ext cx="9070920" cy="945720"/>
-          </a:xfrm>
-          <a:prstGeom prst="rect">
-            <a:avLst/>
-          </a:prstGeom>
-          <a:noFill/>
-          <a:ln w="0">
-            <a:noFill/>
+          <p:cNvPr id="4" name="Retângulo 3">
+            <a:extLst>
+              <a:ext uri="{FF2B5EF4-FFF2-40B4-BE49-F238E27FC236}">
+                <a16:creationId xmlns:a16="http://schemas.microsoft.com/office/drawing/2014/main" id="{2442FD22-229E-D216-F158-CCC0CEB174B1}"/>
+              </a:ext>
+            </a:extLst>
+          </p:cNvPr>
+          <p:cNvSpPr/>
+          <p:nvPr/>
+        </p:nvSpPr>
+        <p:spPr>
+          <a:xfrm>
+            <a:off x="-1705" y="1"/>
+            <a:ext cx="692861" cy="5670548"/>
+          </a:xfrm>
+          <a:prstGeom prst="rect">
+            <a:avLst/>
+          </a:prstGeom>
+          <a:solidFill>
+            <a:schemeClr val="bg1">
+              <a:lumMod val="65000"/>
+            </a:schemeClr>
+          </a:solidFill>
+        </p:spPr>
+        <p:style>
+          <a:lnRef idx="2">
+            <a:schemeClr val="accent1">
+              <a:shade val="15000"/>
+            </a:schemeClr>
+          </a:lnRef>
+          <a:fillRef idx="1">
+            <a:schemeClr val="accent1"/>
+          </a:fillRef>
+          <a:effectRef idx="0">
+            <a:schemeClr val="accent1"/>
+          </a:effectRef>
+          <a:fontRef idx="minor">
+            <a:schemeClr val="lt1"/>
+          </a:fontRef>
+        </p:style>
+        <p:txBody>
+          <a:bodyPr rtlCol="0" anchor="ctr"/>
+          <a:lstStyle/>
+          <a:p>
+            <a:pPr algn="ctr"/>
+            <a:endParaRPr lang="pt-BR" dirty="0"/>
+          </a:p>
+        </p:txBody>
+      </p:sp>
+      <p:cxnSp>
+        <p:nvCxnSpPr>
+          <p:cNvPr id="5" name="Conector reto 4">
+            <a:extLst>
+              <a:ext uri="{FF2B5EF4-FFF2-40B4-BE49-F238E27FC236}">
+                <a16:creationId xmlns:a16="http://schemas.microsoft.com/office/drawing/2014/main" id="{067428E8-D1A1-6E13-C760-CF1872E5733F}"/>
+              </a:ext>
+            </a:extLst>
+          </p:cNvPr>
+          <p:cNvCxnSpPr>
+            <a:cxnSpLocks/>
+          </p:cNvCxnSpPr>
+          <p:nvPr/>
+        </p:nvCxnSpPr>
+        <p:spPr>
+          <a:xfrm flipV="1">
+            <a:off x="691156" y="0"/>
+            <a:ext cx="4" cy="5088835"/>
+          </a:xfrm>
+          <a:prstGeom prst="line">
+            <a:avLst/>
+          </a:prstGeom>
+          <a:ln w="76200">
+            <a:solidFill>
+              <a:srgbClr val="0070C0"/>
+            </a:solidFill>
+            <a:headEnd type="none"/>
+            <a:tailEnd type="none"/>
           </a:ln>
         </p:spPr>
-        <p:txBody>
-          <a:bodyPr lIns="0" tIns="0" rIns="0" bIns="0" anchor="ctr">
-            <a:noAutofit/>
-          </a:bodyPr>
-          <a:lstStyle/>
-          <a:p>
-            <a:pPr indent="0" algn="ctr">
-              <a:lnSpc>
-                <a:spcPct val="100000"/>
-              </a:lnSpc>
-              <a:buNone/>
-              <a:tabLst>
-                <a:tab pos="0" algn="l"/>
-              </a:tabLst>
-            </a:pPr>
-            <a:r>
-              <a:rPr lang="pt-BR" sz="4400" b="0" strike="noStrike" spc="-1">
-                <a:solidFill>
-                  <a:srgbClr val="000000"/>
-                </a:solidFill>
-                <a:latin typeface="Arial"/>
-              </a:rPr>
-              <a:t>Pendências e bugs</a:t>
-            </a:r>
-            <a:endParaRPr lang="en-CA" sz="4400" b="0" strike="noStrike" spc="-1">
-              <a:solidFill>
-                <a:srgbClr val="000000"/>
-              </a:solidFill>
-              <a:latin typeface="Arial"/>
-            </a:endParaRPr>
-          </a:p>
-        </p:txBody>
-      </p:sp>
+        <p:style>
+          <a:lnRef idx="1">
+            <a:schemeClr val="accent1"/>
+          </a:lnRef>
+          <a:fillRef idx="0">
+            <a:schemeClr val="accent1"/>
+          </a:fillRef>
+          <a:effectRef idx="0">
+            <a:schemeClr val="accent1"/>
+          </a:effectRef>
+          <a:fontRef idx="minor">
+            <a:schemeClr val="tx1"/>
+          </a:fontRef>
+        </p:style>
+      </p:cxnSp>
       <p:pic>
         <p:nvPicPr>
-          <p:cNvPr id="102" name="Picture 101"/>
+          <p:cNvPr id="98" name="Picture 97"/>
           <p:cNvPicPr/>
           <p:nvPr/>
         </p:nvPicPr>
@@ -7133,8 +8007,8 @@
         </p:blipFill>
         <p:spPr>
           <a:xfrm>
-            <a:off x="614880" y="1260000"/>
-            <a:ext cx="8925120" cy="4118040"/>
+            <a:off x="342009" y="1322837"/>
+            <a:ext cx="9394902" cy="3388880"/>
           </a:xfrm>
           <a:prstGeom prst="rect">
             <a:avLst/>
@@ -7144,11 +8018,191 @@
           </a:ln>
         </p:spPr>
       </p:pic>
+      <p:sp>
+        <p:nvSpPr>
+          <p:cNvPr id="2" name="PlaceHolder 1">
+            <a:extLst>
+              <a:ext uri="{FF2B5EF4-FFF2-40B4-BE49-F238E27FC236}">
+                <a16:creationId xmlns:a16="http://schemas.microsoft.com/office/drawing/2014/main" id="{5BA71376-C258-B775-5AB1-4658027C6C5E}"/>
+              </a:ext>
+            </a:extLst>
+          </p:cNvPr>
+          <p:cNvSpPr txBox="1">
+            <a:spLocks/>
+          </p:cNvSpPr>
+          <p:nvPr/>
+        </p:nvSpPr>
+        <p:spPr>
+          <a:xfrm>
+            <a:off x="504000" y="0"/>
+            <a:ext cx="9070920" cy="945720"/>
+          </a:xfrm>
+          <a:prstGeom prst="rect">
+            <a:avLst/>
+          </a:prstGeom>
+          <a:noFill/>
+          <a:ln w="0">
+            <a:noFill/>
+          </a:ln>
+        </p:spPr>
+        <p:txBody>
+          <a:bodyPr lIns="0" tIns="0" rIns="0" bIns="0" anchor="ctr">
+            <a:noAutofit/>
+          </a:bodyPr>
+          <a:lstStyle>
+            <a:lvl1pPr algn="l" defTabSz="914400" rtl="0" eaLnBrk="1" latinLnBrk="0" hangingPunct="1">
+              <a:lnSpc>
+                <a:spcPct val="90000"/>
+              </a:lnSpc>
+              <a:spcBef>
+                <a:spcPct val="0"/>
+              </a:spcBef>
+              <a:buNone/>
+              <a:defRPr sz="4400" kern="1200">
+                <a:solidFill>
+                  <a:schemeClr val="tx1"/>
+                </a:solidFill>
+                <a:latin typeface="+mj-lt"/>
+                <a:ea typeface="+mj-ea"/>
+                <a:cs typeface="+mj-cs"/>
+              </a:defRPr>
+            </a:lvl1pPr>
+          </a:lstStyle>
+          <a:p>
+            <a:pPr algn="ctr">
+              <a:lnSpc>
+                <a:spcPct val="100000"/>
+              </a:lnSpc>
+              <a:tabLst>
+                <a:tab pos="0" algn="l"/>
+              </a:tabLst>
+            </a:pPr>
+            <a:r>
+              <a:rPr lang="en-US" sz="4800" spc="-1" dirty="0">
+                <a:solidFill>
+                  <a:schemeClr val="tx2">
+                    <a:lumMod val="75000"/>
+                  </a:schemeClr>
+                </a:solidFill>
+                <a:latin typeface="Trade Gothic Next Heavy" panose="020B0903040303020004" pitchFamily="34" charset="0"/>
+              </a:rPr>
+              <a:t>CONTROLE DE QUALIDADE</a:t>
+            </a:r>
+            <a:endParaRPr lang="en-CA" sz="4800" spc="-1" dirty="0">
+              <a:solidFill>
+                <a:schemeClr val="tx2">
+                  <a:lumMod val="75000"/>
+                </a:schemeClr>
+              </a:solidFill>
+              <a:latin typeface="Trade Gothic Next Heavy" panose="020B0903040303020004" pitchFamily="34" charset="0"/>
+            </a:endParaRPr>
+          </a:p>
+        </p:txBody>
+      </p:sp>
+      <p:sp>
+        <p:nvSpPr>
+          <p:cNvPr id="7" name="Retângulo 6">
+            <a:extLst>
+              <a:ext uri="{FF2B5EF4-FFF2-40B4-BE49-F238E27FC236}">
+                <a16:creationId xmlns:a16="http://schemas.microsoft.com/office/drawing/2014/main" id="{ACF905A2-E2B3-60D4-5B63-4618B429B76A}"/>
+              </a:ext>
+            </a:extLst>
+          </p:cNvPr>
+          <p:cNvSpPr/>
+          <p:nvPr/>
+        </p:nvSpPr>
+        <p:spPr>
+          <a:xfrm>
+            <a:off x="150695" y="5088835"/>
+            <a:ext cx="9929930" cy="581715"/>
+          </a:xfrm>
+          <a:prstGeom prst="rect">
+            <a:avLst/>
+          </a:prstGeom>
+          <a:solidFill>
+            <a:schemeClr val="bg1">
+              <a:lumMod val="65000"/>
+            </a:schemeClr>
+          </a:solidFill>
+        </p:spPr>
+        <p:style>
+          <a:lnRef idx="2">
+            <a:schemeClr val="accent1">
+              <a:shade val="15000"/>
+            </a:schemeClr>
+          </a:lnRef>
+          <a:fillRef idx="1">
+            <a:schemeClr val="accent1"/>
+          </a:fillRef>
+          <a:effectRef idx="0">
+            <a:schemeClr val="accent1"/>
+          </a:effectRef>
+          <a:fontRef idx="minor">
+            <a:schemeClr val="lt1"/>
+          </a:fontRef>
+        </p:style>
+        <p:txBody>
+          <a:bodyPr rtlCol="0" anchor="ctr"/>
+          <a:lstStyle/>
+          <a:p>
+            <a:pPr algn="ctr"/>
+            <a:endParaRPr lang="pt-BR" dirty="0"/>
+          </a:p>
+        </p:txBody>
+      </p:sp>
+      <p:cxnSp>
+        <p:nvCxnSpPr>
+          <p:cNvPr id="9" name="Conector reto 8">
+            <a:extLst>
+              <a:ext uri="{FF2B5EF4-FFF2-40B4-BE49-F238E27FC236}">
+                <a16:creationId xmlns:a16="http://schemas.microsoft.com/office/drawing/2014/main" id="{45D8A6A8-AE41-E344-B550-E982A4AC05FB}"/>
+              </a:ext>
+            </a:extLst>
+          </p:cNvPr>
+          <p:cNvCxnSpPr>
+            <a:cxnSpLocks/>
+          </p:cNvCxnSpPr>
+          <p:nvPr/>
+        </p:nvCxnSpPr>
+        <p:spPr>
+          <a:xfrm flipH="1">
+            <a:off x="691156" y="5088835"/>
+            <a:ext cx="9466635" cy="0"/>
+          </a:xfrm>
+          <a:prstGeom prst="line">
+            <a:avLst/>
+          </a:prstGeom>
+          <a:ln w="76200">
+            <a:solidFill>
+              <a:srgbClr val="0070C0"/>
+            </a:solidFill>
+            <a:headEnd type="none"/>
+            <a:tailEnd type="oval"/>
+          </a:ln>
+        </p:spPr>
+        <p:style>
+          <a:lnRef idx="1">
+            <a:schemeClr val="accent1"/>
+          </a:lnRef>
+          <a:fillRef idx="0">
+            <a:schemeClr val="accent1"/>
+          </a:fillRef>
+          <a:effectRef idx="0">
+            <a:schemeClr val="accent1"/>
+          </a:effectRef>
+          <a:fontRef idx="minor">
+            <a:schemeClr val="tx1"/>
+          </a:fontRef>
+        </p:style>
+      </p:cxnSp>
     </p:spTree>
   </p:cSld>
   <p:clrMapOvr>
     <a:masterClrMapping/>
   </p:clrMapOvr>
+  <p:transition spd="slow">
+    <p:push dir="u"/>
+  </p:transition>
 </p:sld>
 </file>
 
@@ -7169,19 +8223,46 @@
           <a:chExt cx="0" cy="0"/>
         </a:xfrm>
       </p:grpSpPr>
-      <p:sp>
-        <p:nvSpPr>
-          <p:cNvPr id="103" name="PlaceHolder 1"/>
-          <p:cNvSpPr>
-            <a:spLocks noGrp="1"/>
-          </p:cNvSpPr>
-          <p:nvPr>
-            <p:ph type="title"/>
-          </p:nvPr>
-        </p:nvSpPr>
-        <p:spPr>
-          <a:xfrm>
-            <a:off x="504000" y="226080"/>
+      <p:pic>
+        <p:nvPicPr>
+          <p:cNvPr id="100" name="Picture 99"/>
+          <p:cNvPicPr/>
+          <p:nvPr/>
+        </p:nvPicPr>
+        <p:blipFill>
+          <a:blip r:embed="rId2"/>
+          <a:stretch/>
+        </p:blipFill>
+        <p:spPr>
+          <a:xfrm>
+            <a:off x="342853" y="991175"/>
+            <a:ext cx="9394920" cy="3688200"/>
+          </a:xfrm>
+          <a:prstGeom prst="rect">
+            <a:avLst/>
+          </a:prstGeom>
+          <a:ln w="0">
+            <a:noFill/>
+          </a:ln>
+        </p:spPr>
+      </p:pic>
+      <p:sp>
+        <p:nvSpPr>
+          <p:cNvPr id="2" name="PlaceHolder 1">
+            <a:extLst>
+              <a:ext uri="{FF2B5EF4-FFF2-40B4-BE49-F238E27FC236}">
+                <a16:creationId xmlns:a16="http://schemas.microsoft.com/office/drawing/2014/main" id="{F8D53A56-14E8-6AA5-B233-3D0698607ABB}"/>
+              </a:ext>
+            </a:extLst>
+          </p:cNvPr>
+          <p:cNvSpPr txBox="1">
+            <a:spLocks/>
+          </p:cNvSpPr>
+          <p:nvPr/>
+        </p:nvSpPr>
+        <p:spPr>
+          <a:xfrm>
+            <a:off x="504000" y="0"/>
             <a:ext cx="9070920" cy="945720"/>
           </a:xfrm>
           <a:prstGeom prst="rect">
@@ -7196,35 +8277,418 @@
           <a:bodyPr lIns="0" tIns="0" rIns="0" bIns="0" anchor="ctr">
             <a:noAutofit/>
           </a:bodyPr>
-          <a:lstStyle/>
-          <a:p>
-            <a:pPr indent="0" algn="ctr">
+          <a:lstStyle>
+            <a:lvl1pPr algn="l" defTabSz="914400" rtl="0" eaLnBrk="1" latinLnBrk="0" hangingPunct="1">
+              <a:lnSpc>
+                <a:spcPct val="90000"/>
+              </a:lnSpc>
+              <a:spcBef>
+                <a:spcPct val="0"/>
+              </a:spcBef>
+              <a:buNone/>
+              <a:defRPr sz="4400" kern="1200">
+                <a:solidFill>
+                  <a:schemeClr val="tx1"/>
+                </a:solidFill>
+                <a:latin typeface="+mj-lt"/>
+                <a:ea typeface="+mj-ea"/>
+                <a:cs typeface="+mj-cs"/>
+              </a:defRPr>
+            </a:lvl1pPr>
+          </a:lstStyle>
+          <a:p>
+            <a:pPr algn="ctr">
               <a:lnSpc>
                 <a:spcPct val="100000"/>
               </a:lnSpc>
-              <a:buNone/>
               <a:tabLst>
                 <a:tab pos="0" algn="l"/>
               </a:tabLst>
             </a:pPr>
             <a:r>
-              <a:rPr lang="pt-BR" sz="4400" b="0" strike="noStrike" spc="-1">
+              <a:rPr lang="en-US" sz="5400" spc="-1" dirty="0">
                 <a:solidFill>
-                  <a:srgbClr val="000000"/>
+                  <a:schemeClr val="tx2">
+                    <a:lumMod val="75000"/>
+                  </a:schemeClr>
                 </a:solidFill>
-                <a:latin typeface="Arial"/>
+                <a:latin typeface="Trade Gothic Next Heavy" panose="020B0903040303020004" pitchFamily="34" charset="0"/>
               </a:rPr>
-              <a:t>Demo</a:t>
+              <a:t>DIVISÃO DE TAREFAS</a:t>
             </a:r>
-            <a:endParaRPr lang="en-CA" sz="4400" b="0" strike="noStrike" spc="-1">
+            <a:endParaRPr lang="en-CA" sz="5400" spc="-1" dirty="0">
               <a:solidFill>
-                <a:srgbClr val="000000"/>
+                <a:schemeClr val="tx2">
+                  <a:lumMod val="75000"/>
+                </a:schemeClr>
               </a:solidFill>
-              <a:latin typeface="Arial"/>
+              <a:latin typeface="Trade Gothic Next Heavy" panose="020B0903040303020004" pitchFamily="34" charset="0"/>
             </a:endParaRPr>
           </a:p>
         </p:txBody>
       </p:sp>
+      <p:sp>
+        <p:nvSpPr>
+          <p:cNvPr id="5" name="Retângulo 4">
+            <a:extLst>
+              <a:ext uri="{FF2B5EF4-FFF2-40B4-BE49-F238E27FC236}">
+                <a16:creationId xmlns:a16="http://schemas.microsoft.com/office/drawing/2014/main" id="{B3714B9F-4C12-5CE2-4C2D-72F2DFF61FD6}"/>
+              </a:ext>
+            </a:extLst>
+          </p:cNvPr>
+          <p:cNvSpPr/>
+          <p:nvPr/>
+        </p:nvSpPr>
+        <p:spPr>
+          <a:xfrm>
+            <a:off x="0" y="5088835"/>
+            <a:ext cx="10080625" cy="581715"/>
+          </a:xfrm>
+          <a:prstGeom prst="rect">
+            <a:avLst/>
+          </a:prstGeom>
+          <a:solidFill>
+            <a:schemeClr val="bg1">
+              <a:lumMod val="65000"/>
+            </a:schemeClr>
+          </a:solidFill>
+        </p:spPr>
+        <p:style>
+          <a:lnRef idx="2">
+            <a:schemeClr val="accent1">
+              <a:shade val="15000"/>
+            </a:schemeClr>
+          </a:lnRef>
+          <a:fillRef idx="1">
+            <a:schemeClr val="accent1"/>
+          </a:fillRef>
+          <a:effectRef idx="0">
+            <a:schemeClr val="accent1"/>
+          </a:effectRef>
+          <a:fontRef idx="minor">
+            <a:schemeClr val="lt1"/>
+          </a:fontRef>
+        </p:style>
+        <p:txBody>
+          <a:bodyPr rtlCol="0" anchor="ctr"/>
+          <a:lstStyle/>
+          <a:p>
+            <a:pPr algn="ctr"/>
+            <a:endParaRPr lang="pt-BR" dirty="0"/>
+          </a:p>
+        </p:txBody>
+      </p:sp>
+      <p:cxnSp>
+        <p:nvCxnSpPr>
+          <p:cNvPr id="6" name="Conector reto 5">
+            <a:extLst>
+              <a:ext uri="{FF2B5EF4-FFF2-40B4-BE49-F238E27FC236}">
+                <a16:creationId xmlns:a16="http://schemas.microsoft.com/office/drawing/2014/main" id="{AB04A585-59B9-3EC4-06DB-C02DF7437001}"/>
+              </a:ext>
+            </a:extLst>
+          </p:cNvPr>
+          <p:cNvCxnSpPr>
+            <a:cxnSpLocks/>
+          </p:cNvCxnSpPr>
+          <p:nvPr/>
+        </p:nvCxnSpPr>
+        <p:spPr>
+          <a:xfrm flipH="1">
+            <a:off x="-238539" y="5088835"/>
+            <a:ext cx="10396330" cy="0"/>
+          </a:xfrm>
+          <a:prstGeom prst="line">
+            <a:avLst/>
+          </a:prstGeom>
+          <a:ln w="76200">
+            <a:solidFill>
+              <a:srgbClr val="0070C0"/>
+            </a:solidFill>
+            <a:headEnd type="none"/>
+            <a:tailEnd type="none"/>
+          </a:ln>
+        </p:spPr>
+        <p:style>
+          <a:lnRef idx="1">
+            <a:schemeClr val="accent1"/>
+          </a:lnRef>
+          <a:fillRef idx="0">
+            <a:schemeClr val="accent1"/>
+          </a:fillRef>
+          <a:effectRef idx="0">
+            <a:schemeClr val="accent1"/>
+          </a:effectRef>
+          <a:fontRef idx="minor">
+            <a:schemeClr val="tx1"/>
+          </a:fontRef>
+        </p:style>
+      </p:cxnSp>
+    </p:spTree>
+  </p:cSld>
+  <p:clrMapOvr>
+    <a:masterClrMapping/>
+  </p:clrMapOvr>
+  <p:transition spd="slow">
+    <p:push/>
+  </p:transition>
+</p:sld>
+</file>
+
+<file path=ppt/slides/slide12.xml><?xml version="1.0" encoding="utf-8"?>
+<p:sld xmlns:a="http://schemas.openxmlformats.org/drawingml/2006/main" xmlns:r="http://schemas.openxmlformats.org/officeDocument/2006/relationships" xmlns:p="http://schemas.openxmlformats.org/presentationml/2006/main">
+  <p:cSld>
+    <p:spTree>
+      <p:nvGrpSpPr>
+        <p:cNvPr id="1" name=""/>
+        <p:cNvGrpSpPr/>
+        <p:nvPr/>
+      </p:nvGrpSpPr>
+      <p:grpSpPr>
+        <a:xfrm>
+          <a:off x="0" y="0"/>
+          <a:ext cx="0" cy="0"/>
+          <a:chOff x="0" y="0"/>
+          <a:chExt cx="0" cy="0"/>
+        </a:xfrm>
+      </p:grpSpPr>
+      <p:pic>
+        <p:nvPicPr>
+          <p:cNvPr id="102" name="Picture 101"/>
+          <p:cNvPicPr/>
+          <p:nvPr/>
+        </p:nvPicPr>
+        <p:blipFill>
+          <a:blip r:embed="rId2"/>
+          <a:stretch/>
+        </p:blipFill>
+        <p:spPr>
+          <a:xfrm>
+            <a:off x="576900" y="866207"/>
+            <a:ext cx="8925120" cy="4118040"/>
+          </a:xfrm>
+          <a:prstGeom prst="rect">
+            <a:avLst/>
+          </a:prstGeom>
+          <a:ln w="0">
+            <a:noFill/>
+          </a:ln>
+        </p:spPr>
+      </p:pic>
+      <p:sp>
+        <p:nvSpPr>
+          <p:cNvPr id="2" name="PlaceHolder 1">
+            <a:extLst>
+              <a:ext uri="{FF2B5EF4-FFF2-40B4-BE49-F238E27FC236}">
+                <a16:creationId xmlns:a16="http://schemas.microsoft.com/office/drawing/2014/main" id="{FE299225-44F3-686A-6880-D92CC953F810}"/>
+              </a:ext>
+            </a:extLst>
+          </p:cNvPr>
+          <p:cNvSpPr txBox="1">
+            <a:spLocks/>
+          </p:cNvSpPr>
+          <p:nvPr/>
+        </p:nvSpPr>
+        <p:spPr>
+          <a:xfrm>
+            <a:off x="504000" y="0"/>
+            <a:ext cx="9070920" cy="945720"/>
+          </a:xfrm>
+          <a:prstGeom prst="rect">
+            <a:avLst/>
+          </a:prstGeom>
+          <a:noFill/>
+          <a:ln w="0">
+            <a:noFill/>
+          </a:ln>
+        </p:spPr>
+        <p:txBody>
+          <a:bodyPr lIns="0" tIns="0" rIns="0" bIns="0" anchor="ctr">
+            <a:noAutofit/>
+          </a:bodyPr>
+          <a:lstStyle>
+            <a:lvl1pPr algn="l" defTabSz="914400" rtl="0" eaLnBrk="1" latinLnBrk="0" hangingPunct="1">
+              <a:lnSpc>
+                <a:spcPct val="90000"/>
+              </a:lnSpc>
+              <a:spcBef>
+                <a:spcPct val="0"/>
+              </a:spcBef>
+              <a:buNone/>
+              <a:defRPr sz="4400" kern="1200">
+                <a:solidFill>
+                  <a:schemeClr val="tx1"/>
+                </a:solidFill>
+                <a:latin typeface="+mj-lt"/>
+                <a:ea typeface="+mj-ea"/>
+                <a:cs typeface="+mj-cs"/>
+              </a:defRPr>
+            </a:lvl1pPr>
+          </a:lstStyle>
+          <a:p>
+            <a:pPr algn="ctr">
+              <a:lnSpc>
+                <a:spcPct val="100000"/>
+              </a:lnSpc>
+              <a:tabLst>
+                <a:tab pos="0" algn="l"/>
+              </a:tabLst>
+            </a:pPr>
+            <a:r>
+              <a:rPr lang="en-US" sz="5400" spc="-1" dirty="0">
+                <a:solidFill>
+                  <a:schemeClr val="tx2">
+                    <a:lumMod val="75000"/>
+                  </a:schemeClr>
+                </a:solidFill>
+                <a:latin typeface="Trade Gothic Next Heavy" panose="020B0903040303020004" pitchFamily="34" charset="0"/>
+              </a:rPr>
+              <a:t>PENDÊNCIAS E BUGS</a:t>
+            </a:r>
+            <a:endParaRPr lang="en-CA" sz="5400" spc="-1" dirty="0">
+              <a:solidFill>
+                <a:schemeClr val="tx2">
+                  <a:lumMod val="75000"/>
+                </a:schemeClr>
+              </a:solidFill>
+              <a:latin typeface="Trade Gothic Next Heavy" panose="020B0903040303020004" pitchFamily="34" charset="0"/>
+            </a:endParaRPr>
+          </a:p>
+        </p:txBody>
+      </p:sp>
+      <p:sp>
+        <p:nvSpPr>
+          <p:cNvPr id="5" name="Retângulo 4">
+            <a:extLst>
+              <a:ext uri="{FF2B5EF4-FFF2-40B4-BE49-F238E27FC236}">
+                <a16:creationId xmlns:a16="http://schemas.microsoft.com/office/drawing/2014/main" id="{B767B536-3479-0608-6BDF-D8AA5C6044AF}"/>
+              </a:ext>
+            </a:extLst>
+          </p:cNvPr>
+          <p:cNvSpPr/>
+          <p:nvPr/>
+        </p:nvSpPr>
+        <p:spPr>
+          <a:xfrm>
+            <a:off x="0" y="5088835"/>
+            <a:ext cx="10080625" cy="581715"/>
+          </a:xfrm>
+          <a:prstGeom prst="rect">
+            <a:avLst/>
+          </a:prstGeom>
+          <a:solidFill>
+            <a:schemeClr val="bg1">
+              <a:lumMod val="65000"/>
+            </a:schemeClr>
+          </a:solidFill>
+        </p:spPr>
+        <p:style>
+          <a:lnRef idx="2">
+            <a:schemeClr val="accent1">
+              <a:shade val="15000"/>
+            </a:schemeClr>
+          </a:lnRef>
+          <a:fillRef idx="1">
+            <a:schemeClr val="accent1"/>
+          </a:fillRef>
+          <a:effectRef idx="0">
+            <a:schemeClr val="accent1"/>
+          </a:effectRef>
+          <a:fontRef idx="minor">
+            <a:schemeClr val="lt1"/>
+          </a:fontRef>
+        </p:style>
+        <p:txBody>
+          <a:bodyPr rtlCol="0" anchor="ctr"/>
+          <a:lstStyle/>
+          <a:p>
+            <a:pPr algn="ctr"/>
+            <a:endParaRPr lang="pt-BR" dirty="0"/>
+          </a:p>
+        </p:txBody>
+      </p:sp>
+      <p:cxnSp>
+        <p:nvCxnSpPr>
+          <p:cNvPr id="6" name="Conector reto 5">
+            <a:extLst>
+              <a:ext uri="{FF2B5EF4-FFF2-40B4-BE49-F238E27FC236}">
+                <a16:creationId xmlns:a16="http://schemas.microsoft.com/office/drawing/2014/main" id="{0AAA6053-EA97-66CA-10A9-EBD6B4650371}"/>
+              </a:ext>
+            </a:extLst>
+          </p:cNvPr>
+          <p:cNvCxnSpPr>
+            <a:cxnSpLocks/>
+          </p:cNvCxnSpPr>
+          <p:nvPr/>
+        </p:nvCxnSpPr>
+        <p:spPr>
+          <a:xfrm flipH="1">
+            <a:off x="-238539" y="5088835"/>
+            <a:ext cx="10396330" cy="0"/>
+          </a:xfrm>
+          <a:prstGeom prst="line">
+            <a:avLst/>
+          </a:prstGeom>
+          <a:ln w="76200">
+            <a:solidFill>
+              <a:srgbClr val="0070C0"/>
+            </a:solidFill>
+            <a:headEnd type="none"/>
+            <a:tailEnd type="none"/>
+          </a:ln>
+        </p:spPr>
+        <p:style>
+          <a:lnRef idx="1">
+            <a:schemeClr val="accent1"/>
+          </a:lnRef>
+          <a:fillRef idx="0">
+            <a:schemeClr val="accent1"/>
+          </a:fillRef>
+          <a:effectRef idx="0">
+            <a:schemeClr val="accent1"/>
+          </a:effectRef>
+          <a:fontRef idx="minor">
+            <a:schemeClr val="tx1"/>
+          </a:fontRef>
+        </p:style>
+      </p:cxnSp>
+    </p:spTree>
+  </p:cSld>
+  <p:clrMapOvr>
+    <a:masterClrMapping/>
+  </p:clrMapOvr>
+  <p:transition spd="slow">
+    <p:push/>
+  </p:transition>
+</p:sld>
+</file>
+
+<file path=ppt/slides/slide13.xml><?xml version="1.0" encoding="utf-8"?>
+<p:sld xmlns:a="http://schemas.openxmlformats.org/drawingml/2006/main" xmlns:r="http://schemas.openxmlformats.org/officeDocument/2006/relationships" xmlns:p="http://schemas.openxmlformats.org/presentationml/2006/main">
+  <p:cSld>
+    <p:bg>
+      <p:bgPr>
+        <a:solidFill>
+          <a:schemeClr val="bg1">
+            <a:lumMod val="65000"/>
+          </a:schemeClr>
+        </a:solidFill>
+        <a:effectLst/>
+      </p:bgPr>
+    </p:bg>
+    <p:spTree>
+      <p:nvGrpSpPr>
+        <p:cNvPr id="1" name=""/>
+        <p:cNvGrpSpPr/>
+        <p:nvPr/>
+      </p:nvGrpSpPr>
+      <p:grpSpPr>
+        <a:xfrm>
+          <a:off x="0" y="0"/>
+          <a:ext cx="0" cy="0"/>
+          <a:chOff x="0" y="0"/>
+          <a:chExt cx="0" cy="0"/>
+        </a:xfrm>
+      </p:grpSpPr>
       <p:sp>
         <p:nvSpPr>
           <p:cNvPr id="104" name="PlaceHolder 2"/>
@@ -7278,17 +8742,107 @@
           </a:p>
         </p:txBody>
       </p:sp>
+      <p:sp>
+        <p:nvSpPr>
+          <p:cNvPr id="2" name="PlaceHolder 1">
+            <a:extLst>
+              <a:ext uri="{FF2B5EF4-FFF2-40B4-BE49-F238E27FC236}">
+                <a16:creationId xmlns:a16="http://schemas.microsoft.com/office/drawing/2014/main" id="{458F9E88-64C7-47F0-A86D-759DF099DE63}"/>
+              </a:ext>
+            </a:extLst>
+          </p:cNvPr>
+          <p:cNvSpPr txBox="1">
+            <a:spLocks/>
+          </p:cNvSpPr>
+          <p:nvPr/>
+        </p:nvSpPr>
+        <p:spPr>
+          <a:xfrm>
+            <a:off x="504000" y="0"/>
+            <a:ext cx="9070920" cy="945720"/>
+          </a:xfrm>
+          <a:prstGeom prst="rect">
+            <a:avLst/>
+          </a:prstGeom>
+          <a:noFill/>
+          <a:ln w="0">
+            <a:noFill/>
+          </a:ln>
+        </p:spPr>
+        <p:txBody>
+          <a:bodyPr lIns="0" tIns="0" rIns="0" bIns="0" anchor="ctr">
+            <a:noAutofit/>
+          </a:bodyPr>
+          <a:lstStyle>
+            <a:lvl1pPr algn="l" defTabSz="914400" rtl="0" eaLnBrk="1" latinLnBrk="0" hangingPunct="1">
+              <a:lnSpc>
+                <a:spcPct val="90000"/>
+              </a:lnSpc>
+              <a:spcBef>
+                <a:spcPct val="0"/>
+              </a:spcBef>
+              <a:buNone/>
+              <a:defRPr sz="4400" kern="1200">
+                <a:solidFill>
+                  <a:schemeClr val="tx1"/>
+                </a:solidFill>
+                <a:latin typeface="+mj-lt"/>
+                <a:ea typeface="+mj-ea"/>
+                <a:cs typeface="+mj-cs"/>
+              </a:defRPr>
+            </a:lvl1pPr>
+          </a:lstStyle>
+          <a:p>
+            <a:pPr algn="ctr">
+              <a:lnSpc>
+                <a:spcPct val="100000"/>
+              </a:lnSpc>
+              <a:tabLst>
+                <a:tab pos="0" algn="l"/>
+              </a:tabLst>
+            </a:pPr>
+            <a:r>
+              <a:rPr lang="en-US" sz="5400" spc="-1" dirty="0">
+                <a:solidFill>
+                  <a:schemeClr val="bg1"/>
+                </a:solidFill>
+                <a:latin typeface="Trade Gothic Next Heavy" panose="020B0903040303020004" pitchFamily="34" charset="0"/>
+              </a:rPr>
+              <a:t>DEMONSTRAÇÃO</a:t>
+            </a:r>
+            <a:endParaRPr lang="en-CA" sz="5400" spc="-1" dirty="0">
+              <a:solidFill>
+                <a:schemeClr val="bg1"/>
+              </a:solidFill>
+              <a:latin typeface="Trade Gothic Next Heavy" panose="020B0903040303020004" pitchFamily="34" charset="0"/>
+            </a:endParaRPr>
+          </a:p>
+        </p:txBody>
+      </p:sp>
     </p:spTree>
   </p:cSld>
   <p:clrMapOvr>
     <a:masterClrMapping/>
   </p:clrMapOvr>
+  <p:transition spd="slow">
+    <p:push dir="u"/>
+  </p:transition>
 </p:sld>
 </file>
 
 <file path=ppt/slides/slide2.xml><?xml version="1.0" encoding="utf-8"?>
 <p:sld xmlns:a="http://schemas.openxmlformats.org/drawingml/2006/main" xmlns:r="http://schemas.openxmlformats.org/officeDocument/2006/relationships" xmlns:p="http://schemas.openxmlformats.org/presentationml/2006/main">
   <p:cSld>
+    <p:bg>
+      <p:bgPr>
+        <a:solidFill>
+          <a:schemeClr val="bg1">
+            <a:lumMod val="95000"/>
+          </a:schemeClr>
+        </a:solidFill>
+        <a:effectLst/>
+      </p:bgPr>
+    </p:bg>
     <p:spTree>
       <p:nvGrpSpPr>
         <p:cNvPr id="1" name=""/>
@@ -7305,7 +8859,64 @@
       </p:grpSpPr>
       <p:sp>
         <p:nvSpPr>
-          <p:cNvPr id="84" name="PlaceHolder 1"/>
+          <p:cNvPr id="10" name="Retângulo 9">
+            <a:extLst>
+              <a:ext uri="{FF2B5EF4-FFF2-40B4-BE49-F238E27FC236}">
+                <a16:creationId xmlns:a16="http://schemas.microsoft.com/office/drawing/2014/main" id="{E6016259-80FB-2518-6661-D55C7A9FF550}"/>
+              </a:ext>
+            </a:extLst>
+          </p:cNvPr>
+          <p:cNvSpPr/>
+          <p:nvPr/>
+        </p:nvSpPr>
+        <p:spPr>
+          <a:xfrm>
+            <a:off x="2929892" y="-3380"/>
+            <a:ext cx="7150734" cy="5673930"/>
+          </a:xfrm>
+          <a:prstGeom prst="rect">
+            <a:avLst/>
+          </a:prstGeom>
+          <a:solidFill>
+            <a:schemeClr val="bg1">
+              <a:lumMod val="65000"/>
+            </a:schemeClr>
+          </a:solidFill>
+        </p:spPr>
+        <p:style>
+          <a:lnRef idx="2">
+            <a:schemeClr val="accent1">
+              <a:shade val="15000"/>
+            </a:schemeClr>
+          </a:lnRef>
+          <a:fillRef idx="1">
+            <a:schemeClr val="accent1"/>
+          </a:fillRef>
+          <a:effectRef idx="0">
+            <a:schemeClr val="accent1"/>
+          </a:effectRef>
+          <a:fontRef idx="minor">
+            <a:schemeClr val="lt1"/>
+          </a:fontRef>
+        </p:style>
+        <p:txBody>
+          <a:bodyPr rtlCol="0" anchor="ctr"/>
+          <a:lstStyle/>
+          <a:p>
+            <a:pPr algn="ctr"/>
+            <a:endParaRPr lang="pt-BR" dirty="0"/>
+          </a:p>
+        </p:txBody>
+      </p:sp>
+      <p:sp>
+        <p:nvSpPr>
+          <p:cNvPr id="2" name="Título 1">
+            <a:extLst>
+              <a:ext uri="{FF2B5EF4-FFF2-40B4-BE49-F238E27FC236}">
+                <a16:creationId xmlns:a16="http://schemas.microsoft.com/office/drawing/2014/main" id="{68D6CF72-2F0C-2680-EC57-98BBA1508A70}"/>
+              </a:ext>
+            </a:extLst>
+          </p:cNvPr>
           <p:cNvSpPr>
             <a:spLocks noGrp="1"/>
           </p:cNvSpPr>
@@ -7315,188 +8926,614 @@
         </p:nvSpPr>
         <p:spPr>
           <a:xfrm>
-            <a:off x="504000" y="226080"/>
-            <a:ext cx="9070920" cy="945720"/>
+            <a:off x="-1" y="2536620"/>
+            <a:ext cx="2964119" cy="597310"/>
+          </a:xfrm>
+        </p:spPr>
+        <p:txBody>
+          <a:bodyPr vert="horz"/>
+          <a:lstStyle/>
+          <a:p>
+            <a:pPr algn="ctr"/>
+            <a:r>
+              <a:rPr lang="en-US" sz="4000" dirty="0">
+                <a:solidFill>
+                  <a:schemeClr val="tx2">
+                    <a:lumMod val="75000"/>
+                  </a:schemeClr>
+                </a:solidFill>
+                <a:latin typeface="Trade Gothic Next Heavy" panose="020B0903040303020004" pitchFamily="34" charset="0"/>
+              </a:rPr>
+              <a:t>MEMBROS</a:t>
+            </a:r>
+            <a:endParaRPr lang="pt-BR" dirty="0">
+              <a:solidFill>
+                <a:schemeClr val="tx2">
+                  <a:lumMod val="75000"/>
+                </a:schemeClr>
+              </a:solidFill>
+              <a:latin typeface="Trade Gothic Next Heavy" panose="020B0903040303020004" pitchFamily="34" charset="0"/>
+            </a:endParaRPr>
+          </a:p>
+        </p:txBody>
+      </p:sp>
+      <p:sp>
+        <p:nvSpPr>
+          <p:cNvPr id="8" name="Retângulo: Cantos Superiores Arredondados 7">
+            <a:extLst>
+              <a:ext uri="{FF2B5EF4-FFF2-40B4-BE49-F238E27FC236}">
+                <a16:creationId xmlns:a16="http://schemas.microsoft.com/office/drawing/2014/main" id="{9F6C6E84-7940-891D-BFA5-0FDECE9459BA}"/>
+              </a:ext>
+            </a:extLst>
+          </p:cNvPr>
+          <p:cNvSpPr/>
+          <p:nvPr/>
+        </p:nvSpPr>
+        <p:spPr>
+          <a:xfrm>
+            <a:off x="3915250" y="152400"/>
+            <a:ext cx="2030308" cy="2008853"/>
+          </a:xfrm>
+          <a:prstGeom prst="round2SameRect">
+            <a:avLst/>
+          </a:prstGeom>
+          <a:blipFill dpi="0" rotWithShape="1">
+            <a:blip r:embed="rId2" cstate="print">
+              <a:extLst>
+                <a:ext uri="{28A0092B-C50C-407E-A947-70E740481C1C}">
+                  <a14:useLocalDpi xmlns:a14="http://schemas.microsoft.com/office/drawing/2010/main" val="0"/>
+                </a:ext>
+              </a:extLst>
+            </a:blip>
+            <a:srcRect/>
+            <a:stretch>
+              <a:fillRect/>
+            </a:stretch>
+          </a:blipFill>
+        </p:spPr>
+        <p:style>
+          <a:lnRef idx="2">
+            <a:schemeClr val="accent1">
+              <a:shade val="15000"/>
+            </a:schemeClr>
+          </a:lnRef>
+          <a:fillRef idx="1">
+            <a:schemeClr val="accent1"/>
+          </a:fillRef>
+          <a:effectRef idx="0">
+            <a:schemeClr val="accent1"/>
+          </a:effectRef>
+          <a:fontRef idx="minor">
+            <a:schemeClr val="lt1"/>
+          </a:fontRef>
+        </p:style>
+        <p:txBody>
+          <a:bodyPr rtlCol="0" anchor="ctr"/>
+          <a:lstStyle/>
+          <a:p>
+            <a:pPr algn="ctr"/>
+            <a:endParaRPr lang="pt-BR" dirty="0"/>
+          </a:p>
+        </p:txBody>
+      </p:sp>
+      <p:sp>
+        <p:nvSpPr>
+          <p:cNvPr id="16" name="CaixaDeTexto 15">
+            <a:extLst>
+              <a:ext uri="{FF2B5EF4-FFF2-40B4-BE49-F238E27FC236}">
+                <a16:creationId xmlns:a16="http://schemas.microsoft.com/office/drawing/2014/main" id="{C4EA22FE-B04C-1796-A7CF-787E1223D8DC}"/>
+              </a:ext>
+            </a:extLst>
+          </p:cNvPr>
+          <p:cNvSpPr txBox="1"/>
+          <p:nvPr/>
+        </p:nvSpPr>
+        <p:spPr>
+          <a:xfrm>
+            <a:off x="3913292" y="2161253"/>
+            <a:ext cx="2030308" cy="584775"/>
           </a:xfrm>
           <a:prstGeom prst="rect">
             <a:avLst/>
           </a:prstGeom>
           <a:noFill/>
-          <a:ln w="0">
-            <a:noFill/>
+        </p:spPr>
+        <p:txBody>
+          <a:bodyPr wrap="square" rtlCol="0">
+            <a:spAutoFit/>
+          </a:bodyPr>
+          <a:lstStyle/>
+          <a:p>
+            <a:pPr algn="ctr"/>
+            <a:r>
+              <a:rPr lang="es-ES" sz="1600" dirty="0">
+                <a:solidFill>
+                  <a:schemeClr val="bg1"/>
+                </a:solidFill>
+                <a:latin typeface="Trade Gothic Next Heavy" panose="020B0903040303020004" pitchFamily="34" charset="0"/>
+              </a:rPr>
+              <a:t>GABRIEL MENEZES</a:t>
+            </a:r>
+          </a:p>
+          <a:p>
+            <a:pPr algn="ctr"/>
+            <a:r>
+              <a:rPr lang="es-ES" sz="1600" dirty="0">
+                <a:solidFill>
+                  <a:schemeClr val="bg1"/>
+                </a:solidFill>
+                <a:latin typeface="Trade Gothic Next Heavy" panose="020B0903040303020004" pitchFamily="34" charset="0"/>
+              </a:rPr>
+              <a:t>F13GJI6</a:t>
+            </a:r>
+            <a:endParaRPr lang="pt-BR" sz="1600" dirty="0">
+              <a:solidFill>
+                <a:schemeClr val="bg1"/>
+              </a:solidFill>
+              <a:latin typeface="Trade Gothic Next Heavy" panose="020B0903040303020004" pitchFamily="34" charset="0"/>
+            </a:endParaRPr>
+          </a:p>
+        </p:txBody>
+      </p:sp>
+      <p:sp>
+        <p:nvSpPr>
+          <p:cNvPr id="17" name="CaixaDeTexto 16">
+            <a:extLst>
+              <a:ext uri="{FF2B5EF4-FFF2-40B4-BE49-F238E27FC236}">
+                <a16:creationId xmlns:a16="http://schemas.microsoft.com/office/drawing/2014/main" id="{1E8110CE-CAD8-4D3D-BE6C-2DFC985B36D6}"/>
+              </a:ext>
+            </a:extLst>
+          </p:cNvPr>
+          <p:cNvSpPr txBox="1"/>
+          <p:nvPr/>
+        </p:nvSpPr>
+        <p:spPr>
+          <a:xfrm>
+            <a:off x="6995979" y="2161252"/>
+            <a:ext cx="2030308" cy="584775"/>
+          </a:xfrm>
+          <a:prstGeom prst="rect">
+            <a:avLst/>
+          </a:prstGeom>
+          <a:noFill/>
+        </p:spPr>
+        <p:txBody>
+          <a:bodyPr wrap="square" rtlCol="0">
+            <a:spAutoFit/>
+          </a:bodyPr>
+          <a:lstStyle/>
+          <a:p>
+            <a:pPr algn="ctr"/>
+            <a:r>
+              <a:rPr lang="es-ES" sz="1600" dirty="0">
+                <a:solidFill>
+                  <a:schemeClr val="bg1"/>
+                </a:solidFill>
+                <a:latin typeface="Trade Gothic Next Heavy" panose="020B0903040303020004" pitchFamily="34" charset="0"/>
+              </a:rPr>
+              <a:t>CARLOS FERREIRA</a:t>
+            </a:r>
+          </a:p>
+          <a:p>
+            <a:pPr algn="ctr"/>
+            <a:r>
+              <a:rPr lang="es-ES" sz="1600" dirty="0">
+                <a:solidFill>
+                  <a:schemeClr val="bg1"/>
+                </a:solidFill>
+                <a:latin typeface="Trade Gothic Next Heavy" panose="020B0903040303020004" pitchFamily="34" charset="0"/>
+              </a:rPr>
+              <a:t>N6401C7</a:t>
+            </a:r>
+            <a:endParaRPr lang="pt-BR" sz="1600" dirty="0">
+              <a:solidFill>
+                <a:schemeClr val="bg1"/>
+              </a:solidFill>
+              <a:latin typeface="Trade Gothic Next Heavy" panose="020B0903040303020004" pitchFamily="34" charset="0"/>
+            </a:endParaRPr>
+          </a:p>
+        </p:txBody>
+      </p:sp>
+      <p:sp>
+        <p:nvSpPr>
+          <p:cNvPr id="18" name="CaixaDeTexto 17">
+            <a:extLst>
+              <a:ext uri="{FF2B5EF4-FFF2-40B4-BE49-F238E27FC236}">
+                <a16:creationId xmlns:a16="http://schemas.microsoft.com/office/drawing/2014/main" id="{7BF1DF0B-FEDB-208A-1ED4-6405F7D14DE8}"/>
+              </a:ext>
+            </a:extLst>
+          </p:cNvPr>
+          <p:cNvSpPr txBox="1"/>
+          <p:nvPr/>
+        </p:nvSpPr>
+        <p:spPr>
+          <a:xfrm>
+            <a:off x="3913292" y="4977151"/>
+            <a:ext cx="2030308" cy="584775"/>
+          </a:xfrm>
+          <a:prstGeom prst="rect">
+            <a:avLst/>
+          </a:prstGeom>
+          <a:noFill/>
+        </p:spPr>
+        <p:txBody>
+          <a:bodyPr wrap="square" rtlCol="0">
+            <a:spAutoFit/>
+          </a:bodyPr>
+          <a:lstStyle/>
+          <a:p>
+            <a:pPr algn="ctr"/>
+            <a:r>
+              <a:rPr lang="es-ES" sz="1600" dirty="0">
+                <a:solidFill>
+                  <a:schemeClr val="bg1"/>
+                </a:solidFill>
+                <a:latin typeface="Trade Gothic Next Heavy" panose="020B0903040303020004" pitchFamily="34" charset="0"/>
+              </a:rPr>
+              <a:t>GUSTAVO FARIA</a:t>
+            </a:r>
+          </a:p>
+          <a:p>
+            <a:pPr algn="ctr"/>
+            <a:r>
+              <a:rPr lang="es-ES" sz="1600" dirty="0">
+                <a:solidFill>
+                  <a:schemeClr val="bg1"/>
+                </a:solidFill>
+                <a:latin typeface="Trade Gothic Next Heavy" panose="020B0903040303020004" pitchFamily="34" charset="0"/>
+              </a:rPr>
+              <a:t>F22IFG2</a:t>
+            </a:r>
+            <a:endParaRPr lang="pt-BR" sz="1600" dirty="0">
+              <a:solidFill>
+                <a:schemeClr val="bg1"/>
+              </a:solidFill>
+              <a:latin typeface="Trade Gothic Next Heavy" panose="020B0903040303020004" pitchFamily="34" charset="0"/>
+            </a:endParaRPr>
+          </a:p>
+        </p:txBody>
+      </p:sp>
+      <p:sp>
+        <p:nvSpPr>
+          <p:cNvPr id="19" name="CaixaDeTexto 18">
+            <a:extLst>
+              <a:ext uri="{FF2B5EF4-FFF2-40B4-BE49-F238E27FC236}">
+                <a16:creationId xmlns:a16="http://schemas.microsoft.com/office/drawing/2014/main" id="{1EFF087C-0B2B-0FB3-2860-E5046AEBDDA1}"/>
+              </a:ext>
+            </a:extLst>
+          </p:cNvPr>
+          <p:cNvSpPr txBox="1"/>
+          <p:nvPr/>
+        </p:nvSpPr>
+        <p:spPr>
+          <a:xfrm>
+            <a:off x="6940535" y="4977150"/>
+            <a:ext cx="2141195" cy="584775"/>
+          </a:xfrm>
+          <a:prstGeom prst="rect">
+            <a:avLst/>
+          </a:prstGeom>
+          <a:noFill/>
+        </p:spPr>
+        <p:txBody>
+          <a:bodyPr wrap="square" rtlCol="0">
+            <a:spAutoFit/>
+          </a:bodyPr>
+          <a:lstStyle/>
+          <a:p>
+            <a:pPr algn="ctr"/>
+            <a:r>
+              <a:rPr lang="es-ES" sz="1600" dirty="0">
+                <a:solidFill>
+                  <a:schemeClr val="bg1"/>
+                </a:solidFill>
+                <a:latin typeface="Trade Gothic Next Heavy" panose="020B0903040303020004" pitchFamily="34" charset="0"/>
+              </a:rPr>
+              <a:t>MAYARA MARQUES</a:t>
+            </a:r>
+          </a:p>
+          <a:p>
+            <a:pPr algn="ctr"/>
+            <a:r>
+              <a:rPr lang="es-ES" sz="1600" dirty="0">
+                <a:solidFill>
+                  <a:schemeClr val="bg1"/>
+                </a:solidFill>
+                <a:latin typeface="Trade Gothic Next Heavy" panose="020B0903040303020004" pitchFamily="34" charset="0"/>
+              </a:rPr>
+              <a:t>N542DD1</a:t>
+            </a:r>
+          </a:p>
+        </p:txBody>
+      </p:sp>
+      <p:sp>
+        <p:nvSpPr>
+          <p:cNvPr id="20" name="Retângulo: Cantos Superiores Arredondados 19">
+            <a:extLst>
+              <a:ext uri="{FF2B5EF4-FFF2-40B4-BE49-F238E27FC236}">
+                <a16:creationId xmlns:a16="http://schemas.microsoft.com/office/drawing/2014/main" id="{E844AE5A-A342-2977-C422-8576718A17F8}"/>
+              </a:ext>
+            </a:extLst>
+          </p:cNvPr>
+          <p:cNvSpPr/>
+          <p:nvPr/>
+        </p:nvSpPr>
+        <p:spPr>
+          <a:xfrm>
+            <a:off x="6995979" y="152399"/>
+            <a:ext cx="2030308" cy="2008853"/>
+          </a:xfrm>
+          <a:prstGeom prst="round2SameRect">
+            <a:avLst/>
+          </a:prstGeom>
+          <a:blipFill dpi="0" rotWithShape="1">
+            <a:blip r:embed="rId3" cstate="print">
+              <a:extLst>
+                <a:ext uri="{28A0092B-C50C-407E-A947-70E740481C1C}">
+                  <a14:useLocalDpi xmlns:a14="http://schemas.microsoft.com/office/drawing/2010/main" val="0"/>
+                </a:ext>
+              </a:extLst>
+            </a:blip>
+            <a:srcRect/>
+            <a:stretch>
+              <a:fillRect/>
+            </a:stretch>
+          </a:blipFill>
+        </p:spPr>
+        <p:style>
+          <a:lnRef idx="2">
+            <a:schemeClr val="accent1">
+              <a:shade val="15000"/>
+            </a:schemeClr>
+          </a:lnRef>
+          <a:fillRef idx="1">
+            <a:schemeClr val="accent1"/>
+          </a:fillRef>
+          <a:effectRef idx="0">
+            <a:schemeClr val="accent1"/>
+          </a:effectRef>
+          <a:fontRef idx="minor">
+            <a:schemeClr val="lt1"/>
+          </a:fontRef>
+        </p:style>
+        <p:txBody>
+          <a:bodyPr rtlCol="0" anchor="ctr"/>
+          <a:lstStyle/>
+          <a:p>
+            <a:pPr algn="ctr"/>
+            <a:endParaRPr lang="pt-BR" dirty="0"/>
+          </a:p>
+        </p:txBody>
+      </p:sp>
+      <p:sp>
+        <p:nvSpPr>
+          <p:cNvPr id="21" name="Retângulo: Cantos Superiores Arredondados 20">
+            <a:extLst>
+              <a:ext uri="{FF2B5EF4-FFF2-40B4-BE49-F238E27FC236}">
+                <a16:creationId xmlns:a16="http://schemas.microsoft.com/office/drawing/2014/main" id="{D5C06AD3-3907-EAF4-FCF1-8649C1643852}"/>
+              </a:ext>
+            </a:extLst>
+          </p:cNvPr>
+          <p:cNvSpPr/>
+          <p:nvPr/>
+        </p:nvSpPr>
+        <p:spPr>
+          <a:xfrm>
+            <a:off x="3911332" y="2968298"/>
+            <a:ext cx="2030308" cy="2008853"/>
+          </a:xfrm>
+          <a:prstGeom prst="round2SameRect">
+            <a:avLst/>
+          </a:prstGeom>
+          <a:blipFill dpi="0" rotWithShape="1">
+            <a:blip r:embed="rId4" cstate="print">
+              <a:extLst>
+                <a:ext uri="{28A0092B-C50C-407E-A947-70E740481C1C}">
+                  <a14:useLocalDpi xmlns:a14="http://schemas.microsoft.com/office/drawing/2010/main" val="0"/>
+                </a:ext>
+              </a:extLst>
+            </a:blip>
+            <a:srcRect/>
+            <a:stretch>
+              <a:fillRect/>
+            </a:stretch>
+          </a:blipFill>
+        </p:spPr>
+        <p:style>
+          <a:lnRef idx="2">
+            <a:schemeClr val="accent1">
+              <a:shade val="15000"/>
+            </a:schemeClr>
+          </a:lnRef>
+          <a:fillRef idx="1">
+            <a:schemeClr val="accent1"/>
+          </a:fillRef>
+          <a:effectRef idx="0">
+            <a:schemeClr val="accent1"/>
+          </a:effectRef>
+          <a:fontRef idx="minor">
+            <a:schemeClr val="lt1"/>
+          </a:fontRef>
+        </p:style>
+        <p:txBody>
+          <a:bodyPr rtlCol="0" anchor="ctr"/>
+          <a:lstStyle/>
+          <a:p>
+            <a:pPr algn="ctr"/>
+            <a:endParaRPr lang="pt-BR" dirty="0"/>
+          </a:p>
+        </p:txBody>
+      </p:sp>
+      <p:sp>
+        <p:nvSpPr>
+          <p:cNvPr id="22" name="Retângulo: Cantos Superiores Arredondados 21">
+            <a:extLst>
+              <a:ext uri="{FF2B5EF4-FFF2-40B4-BE49-F238E27FC236}">
+                <a16:creationId xmlns:a16="http://schemas.microsoft.com/office/drawing/2014/main" id="{17980685-20AD-BE8E-E11D-610814348D49}"/>
+              </a:ext>
+            </a:extLst>
+          </p:cNvPr>
+          <p:cNvSpPr/>
+          <p:nvPr/>
+        </p:nvSpPr>
+        <p:spPr>
+          <a:xfrm>
+            <a:off x="6994998" y="2968298"/>
+            <a:ext cx="2030308" cy="2008853"/>
+          </a:xfrm>
+          <a:prstGeom prst="round2SameRect">
+            <a:avLst/>
+          </a:prstGeom>
+          <a:blipFill dpi="0" rotWithShape="1">
+            <a:blip r:embed="rId5" cstate="print">
+              <a:extLst>
+                <a:ext uri="{BEBA8EAE-BF5A-486C-A8C5-ECC9F3942E4B}">
+                  <a14:imgProps xmlns:a14="http://schemas.microsoft.com/office/drawing/2010/main">
+                    <a14:imgLayer r:embed="rId6">
+                      <a14:imgEffect>
+                        <a14:sharpenSoften amount="-25000"/>
+                      </a14:imgEffect>
+                    </a14:imgLayer>
+                  </a14:imgProps>
+                </a:ext>
+                <a:ext uri="{28A0092B-C50C-407E-A947-70E740481C1C}">
+                  <a14:useLocalDpi xmlns:a14="http://schemas.microsoft.com/office/drawing/2010/main" val="0"/>
+                </a:ext>
+              </a:extLst>
+            </a:blip>
+            <a:srcRect/>
+            <a:stretch>
+              <a:fillRect l="-534" r="-534"/>
+            </a:stretch>
+          </a:blipFill>
+        </p:spPr>
+        <p:style>
+          <a:lnRef idx="2">
+            <a:schemeClr val="accent1">
+              <a:shade val="15000"/>
+            </a:schemeClr>
+          </a:lnRef>
+          <a:fillRef idx="1">
+            <a:schemeClr val="accent1"/>
+          </a:fillRef>
+          <a:effectRef idx="0">
+            <a:schemeClr val="accent1"/>
+          </a:effectRef>
+          <a:fontRef idx="minor">
+            <a:schemeClr val="lt1"/>
+          </a:fontRef>
+        </p:style>
+        <p:txBody>
+          <a:bodyPr rtlCol="0" anchor="ctr"/>
+          <a:lstStyle/>
+          <a:p>
+            <a:pPr algn="ctr"/>
+            <a:endParaRPr lang="pt-BR" dirty="0"/>
+          </a:p>
+        </p:txBody>
+      </p:sp>
+      <p:cxnSp>
+        <p:nvCxnSpPr>
+          <p:cNvPr id="25" name="Conector reto 24">
+            <a:extLst>
+              <a:ext uri="{FF2B5EF4-FFF2-40B4-BE49-F238E27FC236}">
+                <a16:creationId xmlns:a16="http://schemas.microsoft.com/office/drawing/2014/main" id="{B1EE88B6-5D47-1B31-5C0F-871EC645503B}"/>
+              </a:ext>
+            </a:extLst>
+          </p:cNvPr>
+          <p:cNvCxnSpPr>
+            <a:cxnSpLocks/>
+            <a:stCxn id="10" idx="1"/>
+            <a:endCxn id="10" idx="3"/>
+          </p:cNvCxnSpPr>
+          <p:nvPr/>
+        </p:nvCxnSpPr>
+        <p:spPr>
+          <a:xfrm>
+            <a:off x="2929892" y="2833585"/>
+            <a:ext cx="7150734" cy="0"/>
+          </a:xfrm>
+          <a:prstGeom prst="line">
+            <a:avLst/>
+          </a:prstGeom>
+          <a:ln w="76200">
+            <a:solidFill>
+              <a:srgbClr val="0070C0"/>
+            </a:solidFill>
+            <a:headEnd type="oval"/>
           </a:ln>
         </p:spPr>
-        <p:txBody>
-          <a:bodyPr lIns="0" tIns="0" rIns="0" bIns="0" anchor="ctr">
-            <a:noAutofit/>
-          </a:bodyPr>
-          <a:lstStyle/>
-          <a:p>
-            <a:pPr indent="0" algn="ctr">
-              <a:lnSpc>
-                <a:spcPct val="100000"/>
-              </a:lnSpc>
-              <a:buNone/>
-              <a:tabLst>
-                <a:tab pos="0" algn="l"/>
-              </a:tabLst>
-            </a:pPr>
-            <a:r>
-              <a:rPr lang="pt-BR" sz="4400" b="0" strike="noStrike" spc="-1">
-                <a:solidFill>
-                  <a:srgbClr val="000000"/>
-                </a:solidFill>
-                <a:latin typeface="Arial"/>
-              </a:rPr>
-              <a:t>Objetivos</a:t>
-            </a:r>
-            <a:endParaRPr lang="en-CA" sz="4400" b="0" strike="noStrike" spc="-1">
-              <a:solidFill>
-                <a:srgbClr val="000000"/>
-              </a:solidFill>
-              <a:latin typeface="Arial"/>
-            </a:endParaRPr>
-          </a:p>
-        </p:txBody>
-      </p:sp>
-      <p:sp>
-        <p:nvSpPr>
-          <p:cNvPr id="85" name="PlaceHolder 2"/>
-          <p:cNvSpPr>
-            <a:spLocks noGrp="1"/>
-          </p:cNvSpPr>
-          <p:nvPr>
-            <p:ph/>
-          </p:nvPr>
-        </p:nvSpPr>
-        <p:spPr>
-          <a:xfrm>
-            <a:off x="504000" y="1326600"/>
-            <a:ext cx="9070920" cy="3287520"/>
-          </a:xfrm>
-          <a:prstGeom prst="rect">
-            <a:avLst/>
-          </a:prstGeom>
-          <a:noFill/>
-          <a:ln w="0">
-            <a:noFill/>
+        <p:style>
+          <a:lnRef idx="1">
+            <a:schemeClr val="accent1"/>
+          </a:lnRef>
+          <a:fillRef idx="0">
+            <a:schemeClr val="accent1"/>
+          </a:fillRef>
+          <a:effectRef idx="0">
+            <a:schemeClr val="accent1"/>
+          </a:effectRef>
+          <a:fontRef idx="minor">
+            <a:schemeClr val="tx1"/>
+          </a:fontRef>
+        </p:style>
+      </p:cxnSp>
+      <p:cxnSp>
+        <p:nvCxnSpPr>
+          <p:cNvPr id="26" name="Conector reto 25">
+            <a:extLst>
+              <a:ext uri="{FF2B5EF4-FFF2-40B4-BE49-F238E27FC236}">
+                <a16:creationId xmlns:a16="http://schemas.microsoft.com/office/drawing/2014/main" id="{C08CA2A7-C242-DFFE-DE0C-7DE0AF092083}"/>
+              </a:ext>
+            </a:extLst>
+          </p:cNvPr>
+          <p:cNvCxnSpPr>
+            <a:cxnSpLocks/>
+          </p:cNvCxnSpPr>
+          <p:nvPr/>
+        </p:nvCxnSpPr>
+        <p:spPr>
+          <a:xfrm flipV="1">
+            <a:off x="2929892" y="-3380"/>
+            <a:ext cx="0" cy="2836965"/>
+          </a:xfrm>
+          <a:prstGeom prst="line">
+            <a:avLst/>
+          </a:prstGeom>
+          <a:ln w="76200">
+            <a:solidFill>
+              <a:srgbClr val="0070C0"/>
+            </a:solidFill>
           </a:ln>
         </p:spPr>
-        <p:txBody>
-          <a:bodyPr lIns="0" tIns="0" rIns="0" bIns="0" anchor="t">
-            <a:normAutofit/>
-          </a:bodyPr>
-          <a:lstStyle/>
-          <a:p>
-            <a:pPr indent="0">
-              <a:lnSpc>
-                <a:spcPct val="100000"/>
-              </a:lnSpc>
-              <a:buNone/>
-              <a:tabLst>
-                <a:tab pos="0" algn="l"/>
-              </a:tabLst>
-            </a:pPr>
-            <a:r>
-              <a:rPr lang="pt-BR" sz="1800" b="0" strike="noStrike" spc="-1" dirty="0">
-                <a:solidFill>
-                  <a:srgbClr val="000000"/>
-                </a:solidFill>
-                <a:latin typeface="Arial"/>
-              </a:rPr>
-              <a:t>Com a crescente globalização, muitos estrangeiros buscam oportunidades de trabalho em países estrangeiros, e a falta de informação e barreiras culturais podem dificultar esse processo.</a:t>
-            </a:r>
-            <a:endParaRPr lang="en-CA" sz="1800" b="0" strike="noStrike" spc="-1" dirty="0">
-              <a:solidFill>
-                <a:srgbClr val="000000"/>
-              </a:solidFill>
-              <a:latin typeface="Arial"/>
-            </a:endParaRPr>
-          </a:p>
-          <a:p>
-            <a:pPr indent="0">
-              <a:lnSpc>
-                <a:spcPct val="100000"/>
-              </a:lnSpc>
-              <a:buNone/>
-              <a:tabLst>
-                <a:tab pos="0" algn="l"/>
-              </a:tabLst>
-            </a:pPr>
-            <a:endParaRPr lang="en-CA" sz="1800" b="0" strike="noStrike" spc="-1" dirty="0">
-              <a:solidFill>
-                <a:srgbClr val="000000"/>
-              </a:solidFill>
-              <a:latin typeface="Arial"/>
-            </a:endParaRPr>
-          </a:p>
-          <a:p>
-            <a:pPr marL="432000" indent="-324000">
-              <a:lnSpc>
-                <a:spcPct val="100000"/>
-              </a:lnSpc>
-              <a:buClr>
-                <a:srgbClr val="000000"/>
-              </a:buClr>
-              <a:buFont typeface="Wingdings" charset="2"/>
-              <a:buChar char=""/>
-              <a:tabLst>
-                <a:tab pos="0" algn="l"/>
-              </a:tabLst>
-            </a:pPr>
-            <a:r>
-              <a:rPr lang="pt-BR" sz="1800" b="0" strike="noStrike" spc="-1" dirty="0">
-                <a:solidFill>
-                  <a:srgbClr val="000000"/>
-                </a:solidFill>
-                <a:latin typeface="Arial"/>
-              </a:rPr>
-              <a:t> Auxiliar as pessoas a encontrarem empregos no Brasil</a:t>
-            </a:r>
-            <a:endParaRPr lang="en-CA" sz="1800" b="0" strike="noStrike" spc="-1" dirty="0">
-              <a:solidFill>
-                <a:srgbClr val="000000"/>
-              </a:solidFill>
-              <a:latin typeface="Arial"/>
-            </a:endParaRPr>
-          </a:p>
-          <a:p>
-            <a:pPr marL="432000" indent="-324000">
-              <a:lnSpc>
-                <a:spcPct val="100000"/>
-              </a:lnSpc>
-              <a:buClr>
-                <a:srgbClr val="000000"/>
-              </a:buClr>
-              <a:buFont typeface="Wingdings" charset="2"/>
-              <a:buChar char=""/>
-              <a:tabLst>
-                <a:tab pos="0" algn="l"/>
-              </a:tabLst>
-            </a:pPr>
-            <a:r>
-              <a:rPr lang="pt-BR" sz="1800" b="0" strike="noStrike" spc="-1" dirty="0">
-                <a:solidFill>
-                  <a:srgbClr val="000000"/>
-                </a:solidFill>
-                <a:latin typeface="Arial"/>
-              </a:rPr>
-              <a:t> Promover e auxiliar a imigração de mão de obra qualificada no Brasil</a:t>
-            </a:r>
-            <a:endParaRPr lang="en-CA" sz="1800" b="0" strike="noStrike" spc="-1" dirty="0">
-              <a:solidFill>
-                <a:srgbClr val="000000"/>
-              </a:solidFill>
-              <a:latin typeface="Arial"/>
-            </a:endParaRPr>
-          </a:p>
-        </p:txBody>
-      </p:sp>
+        <p:style>
+          <a:lnRef idx="1">
+            <a:schemeClr val="accent1"/>
+          </a:lnRef>
+          <a:fillRef idx="0">
+            <a:schemeClr val="accent1"/>
+          </a:fillRef>
+          <a:effectRef idx="0">
+            <a:schemeClr val="accent1"/>
+          </a:effectRef>
+          <a:fontRef idx="minor">
+            <a:schemeClr val="tx1"/>
+          </a:fontRef>
+        </p:style>
+      </p:cxnSp>
     </p:spTree>
+    <p:extLst>
+      <p:ext uri="{BB962C8B-B14F-4D97-AF65-F5344CB8AC3E}">
+        <p14:creationId xmlns:p14="http://schemas.microsoft.com/office/powerpoint/2010/main" val="3472991072"/>
+      </p:ext>
+    </p:extLst>
   </p:cSld>
   <p:clrMapOvr>
     <a:masterClrMapping/>
   </p:clrMapOvr>
+  <p:transition spd="slow">
+    <p:push dir="u"/>
+  </p:transition>
 </p:sld>
 </file>
 
@@ -7519,7 +9556,109 @@
       </p:grpSpPr>
       <p:sp>
         <p:nvSpPr>
-          <p:cNvPr id="86" name="PlaceHolder 1"/>
+          <p:cNvPr id="4" name="Retângulo 3">
+            <a:extLst>
+              <a:ext uri="{FF2B5EF4-FFF2-40B4-BE49-F238E27FC236}">
+                <a16:creationId xmlns:a16="http://schemas.microsoft.com/office/drawing/2014/main" id="{D1DC97AA-45FA-951A-F8CC-133BB2CA2E1A}"/>
+              </a:ext>
+            </a:extLst>
+          </p:cNvPr>
+          <p:cNvSpPr/>
+          <p:nvPr/>
+        </p:nvSpPr>
+        <p:spPr>
+          <a:xfrm>
+            <a:off x="152398" y="4975207"/>
+            <a:ext cx="9889251" cy="695344"/>
+          </a:xfrm>
+          <a:prstGeom prst="rect">
+            <a:avLst/>
+          </a:prstGeom>
+          <a:solidFill>
+            <a:schemeClr val="bg1">
+              <a:lumMod val="65000"/>
+            </a:schemeClr>
+          </a:solidFill>
+        </p:spPr>
+        <p:style>
+          <a:lnRef idx="2">
+            <a:schemeClr val="accent1">
+              <a:shade val="15000"/>
+            </a:schemeClr>
+          </a:lnRef>
+          <a:fillRef idx="1">
+            <a:schemeClr val="accent1"/>
+          </a:fillRef>
+          <a:effectRef idx="0">
+            <a:schemeClr val="accent1"/>
+          </a:effectRef>
+          <a:fontRef idx="minor">
+            <a:schemeClr val="lt1"/>
+          </a:fontRef>
+        </p:style>
+        <p:txBody>
+          <a:bodyPr rtlCol="0" anchor="ctr"/>
+          <a:lstStyle/>
+          <a:p>
+            <a:pPr algn="ctr"/>
+            <a:endParaRPr lang="pt-BR"/>
+          </a:p>
+        </p:txBody>
+      </p:sp>
+      <p:sp>
+        <p:nvSpPr>
+          <p:cNvPr id="3" name="Retângulo 2">
+            <a:extLst>
+              <a:ext uri="{FF2B5EF4-FFF2-40B4-BE49-F238E27FC236}">
+                <a16:creationId xmlns:a16="http://schemas.microsoft.com/office/drawing/2014/main" id="{FC895BDB-5A96-4F9E-5494-1883A14D688C}"/>
+              </a:ext>
+            </a:extLst>
+          </p:cNvPr>
+          <p:cNvSpPr/>
+          <p:nvPr/>
+        </p:nvSpPr>
+        <p:spPr>
+          <a:xfrm>
+            <a:off x="0" y="2835275"/>
+            <a:ext cx="432000" cy="2835275"/>
+          </a:xfrm>
+          <a:prstGeom prst="rect">
+            <a:avLst/>
+          </a:prstGeom>
+          <a:solidFill>
+            <a:schemeClr val="bg1">
+              <a:lumMod val="65000"/>
+            </a:schemeClr>
+          </a:solidFill>
+        </p:spPr>
+        <p:style>
+          <a:lnRef idx="2">
+            <a:schemeClr val="accent1">
+              <a:shade val="15000"/>
+            </a:schemeClr>
+          </a:lnRef>
+          <a:fillRef idx="1">
+            <a:schemeClr val="accent1"/>
+          </a:fillRef>
+          <a:effectRef idx="0">
+            <a:schemeClr val="accent1"/>
+          </a:effectRef>
+          <a:fontRef idx="minor">
+            <a:schemeClr val="lt1"/>
+          </a:fontRef>
+        </p:style>
+        <p:txBody>
+          <a:bodyPr rtlCol="0" anchor="ctr"/>
+          <a:lstStyle/>
+          <a:p>
+            <a:pPr algn="ctr"/>
+            <a:endParaRPr lang="pt-BR"/>
+          </a:p>
+        </p:txBody>
+      </p:sp>
+      <p:sp>
+        <p:nvSpPr>
+          <p:cNvPr id="84" name="PlaceHolder 1"/>
           <p:cNvSpPr>
             <a:spLocks noGrp="1"/>
           </p:cNvSpPr>
@@ -7529,7 +9668,7 @@
         </p:nvSpPr>
         <p:spPr>
           <a:xfrm>
-            <a:off x="504000" y="226080"/>
+            <a:off x="504853" y="0"/>
             <a:ext cx="9070920" cy="945720"/>
           </a:xfrm>
           <a:prstGeom prst="rect">
@@ -7556,15 +9695,345 @@
               </a:tabLst>
             </a:pPr>
             <a:r>
-              <a:rPr lang="pt-BR" sz="4400" b="0" strike="noStrike" spc="-1">
+              <a:rPr lang="en-US" sz="5400" spc="-1" dirty="0">
+                <a:solidFill>
+                  <a:schemeClr val="tx2">
+                    <a:lumMod val="75000"/>
+                  </a:schemeClr>
+                </a:solidFill>
+                <a:latin typeface="Trade Gothic Next Heavy" panose="020B0903040303020004" pitchFamily="34" charset="0"/>
+              </a:rPr>
+              <a:t>INTRODU</a:t>
+            </a:r>
+            <a:r>
+              <a:rPr lang="pt-BR" sz="5400" spc="-1" dirty="0">
+                <a:solidFill>
+                  <a:schemeClr val="tx2">
+                    <a:lumMod val="75000"/>
+                  </a:schemeClr>
+                </a:solidFill>
+                <a:latin typeface="Trade Gothic Next Heavy" panose="020B0903040303020004" pitchFamily="34" charset="0"/>
+              </a:rPr>
+              <a:t>ÇÃO</a:t>
+            </a:r>
+            <a:endParaRPr lang="en-CA" sz="5400" b="0" strike="noStrike" spc="-1" dirty="0">
+              <a:solidFill>
+                <a:schemeClr val="tx2">
+                  <a:lumMod val="75000"/>
+                </a:schemeClr>
+              </a:solidFill>
+              <a:latin typeface="Trade Gothic Next Heavy" panose="020B0903040303020004" pitchFamily="34" charset="0"/>
+            </a:endParaRPr>
+          </a:p>
+        </p:txBody>
+      </p:sp>
+      <p:sp>
+        <p:nvSpPr>
+          <p:cNvPr id="85" name="PlaceHolder 2"/>
+          <p:cNvSpPr>
+            <a:spLocks noGrp="1"/>
+          </p:cNvSpPr>
+          <p:nvPr>
+            <p:ph/>
+          </p:nvPr>
+        </p:nvSpPr>
+        <p:spPr>
+          <a:xfrm>
+            <a:off x="529403" y="1280163"/>
+            <a:ext cx="9185737" cy="3657576"/>
+          </a:xfrm>
+          <a:prstGeom prst="rect">
+            <a:avLst/>
+          </a:prstGeom>
+          <a:noFill/>
+          <a:ln w="0">
+            <a:noFill/>
+          </a:ln>
+        </p:spPr>
+        <p:txBody>
+          <a:bodyPr lIns="0" tIns="0" rIns="0" bIns="0" anchor="t">
+            <a:normAutofit fontScale="92500"/>
+          </a:bodyPr>
+          <a:lstStyle/>
+          <a:p>
+            <a:pPr marL="685800" indent="-457200">
+              <a:lnSpc>
+                <a:spcPct val="100000"/>
+              </a:lnSpc>
+              <a:tabLst>
+                <a:tab pos="0" algn="l"/>
+              </a:tabLst>
+            </a:pPr>
+            <a:r>
+              <a:rPr lang="pt-BR" sz="3500" spc="-1" dirty="0">
                 <a:solidFill>
                   <a:srgbClr val="000000"/>
                 </a:solidFill>
-                <a:latin typeface="Arial"/>
+                <a:latin typeface="Trade Gothic Next" panose="020B0503040303020004" pitchFamily="34" charset="0"/>
               </a:rPr>
-              <a:t>Proposta</a:t>
+              <a:t>Globalização</a:t>
             </a:r>
-            <a:endParaRPr lang="en-CA" sz="4400" b="0" strike="noStrike" spc="-1">
+          </a:p>
+          <a:p>
+            <a:pPr marL="685800" indent="-457200">
+              <a:lnSpc>
+                <a:spcPct val="100000"/>
+              </a:lnSpc>
+              <a:tabLst>
+                <a:tab pos="0" algn="l"/>
+              </a:tabLst>
+            </a:pPr>
+            <a:r>
+              <a:rPr lang="pt-BR" sz="3500" spc="-1" dirty="0">
+                <a:solidFill>
+                  <a:srgbClr val="000000"/>
+                </a:solidFill>
+                <a:latin typeface="Trade Gothic Next" panose="020B0503040303020004" pitchFamily="34" charset="0"/>
+              </a:rPr>
+              <a:t>Mercado de trabalho</a:t>
+            </a:r>
+          </a:p>
+          <a:p>
+            <a:pPr marL="685800" indent="-457200">
+              <a:lnSpc>
+                <a:spcPct val="100000"/>
+              </a:lnSpc>
+              <a:tabLst>
+                <a:tab pos="0" algn="l"/>
+              </a:tabLst>
+            </a:pPr>
+            <a:r>
+              <a:rPr lang="en-CA" sz="3500" spc="-1" dirty="0" err="1">
+                <a:solidFill>
+                  <a:srgbClr val="000000"/>
+                </a:solidFill>
+                <a:latin typeface="Trade Gothic Next" panose="020B0503040303020004" pitchFamily="34" charset="0"/>
+              </a:rPr>
+              <a:t>Muitas</a:t>
+            </a:r>
+            <a:r>
+              <a:rPr lang="en-CA" sz="3500" spc="-1" dirty="0">
+                <a:solidFill>
+                  <a:srgbClr val="000000"/>
+                </a:solidFill>
+                <a:latin typeface="Trade Gothic Next" panose="020B0503040303020004" pitchFamily="34" charset="0"/>
+              </a:rPr>
+              <a:t> </a:t>
+            </a:r>
+            <a:r>
+              <a:rPr lang="en-CA" sz="3500" spc="-1" dirty="0" err="1">
+                <a:solidFill>
+                  <a:srgbClr val="000000"/>
+                </a:solidFill>
+                <a:latin typeface="Trade Gothic Next" panose="020B0503040303020004" pitchFamily="34" charset="0"/>
+              </a:rPr>
+              <a:t>informações</a:t>
+            </a:r>
+            <a:r>
+              <a:rPr lang="en-CA" sz="3500" spc="-1" dirty="0">
+                <a:solidFill>
+                  <a:srgbClr val="000000"/>
+                </a:solidFill>
+                <a:latin typeface="Trade Gothic Next" panose="020B0503040303020004" pitchFamily="34" charset="0"/>
+              </a:rPr>
+              <a:t> de </a:t>
+            </a:r>
+            <a:r>
+              <a:rPr lang="en-CA" sz="3500" spc="-1" dirty="0" err="1">
+                <a:solidFill>
+                  <a:srgbClr val="000000"/>
+                </a:solidFill>
+                <a:latin typeface="Trade Gothic Next" panose="020B0503040303020004" pitchFamily="34" charset="0"/>
+              </a:rPr>
+              <a:t>emprego</a:t>
+            </a:r>
+            <a:r>
+              <a:rPr lang="en-CA" sz="3500" spc="-1" dirty="0">
+                <a:solidFill>
+                  <a:srgbClr val="000000"/>
+                </a:solidFill>
+                <a:latin typeface="Trade Gothic Next" panose="020B0503040303020004" pitchFamily="34" charset="0"/>
+              </a:rPr>
+              <a:t> fora do </a:t>
+            </a:r>
+            <a:r>
+              <a:rPr lang="en-CA" sz="3500" spc="-1" dirty="0" err="1">
+                <a:solidFill>
+                  <a:srgbClr val="000000"/>
+                </a:solidFill>
+                <a:latin typeface="Trade Gothic Next" panose="020B0503040303020004" pitchFamily="34" charset="0"/>
+              </a:rPr>
+              <a:t>Brasil</a:t>
+            </a:r>
+            <a:endParaRPr lang="en-CA" sz="3500" spc="-1" dirty="0">
+              <a:solidFill>
+                <a:srgbClr val="000000"/>
+              </a:solidFill>
+              <a:latin typeface="Trade Gothic Next" panose="020B0503040303020004" pitchFamily="34" charset="0"/>
+            </a:endParaRPr>
+          </a:p>
+          <a:p>
+            <a:pPr marL="685800" indent="-457200">
+              <a:lnSpc>
+                <a:spcPct val="100000"/>
+              </a:lnSpc>
+              <a:tabLst>
+                <a:tab pos="0" algn="l"/>
+              </a:tabLst>
+            </a:pPr>
+            <a:r>
+              <a:rPr lang="en-CA" sz="3500" spc="-1" dirty="0" err="1">
+                <a:solidFill>
+                  <a:srgbClr val="000000"/>
+                </a:solidFill>
+                <a:latin typeface="Trade Gothic Next" panose="020B0503040303020004" pitchFamily="34" charset="0"/>
+              </a:rPr>
+              <a:t>Pouca</a:t>
+            </a:r>
+            <a:r>
+              <a:rPr lang="en-CA" sz="3500" spc="-1" dirty="0">
+                <a:solidFill>
+                  <a:srgbClr val="000000"/>
+                </a:solidFill>
+                <a:latin typeface="Trade Gothic Next" panose="020B0503040303020004" pitchFamily="34" charset="0"/>
+              </a:rPr>
+              <a:t> </a:t>
+            </a:r>
+            <a:r>
+              <a:rPr lang="en-CA" sz="3500" spc="-1" dirty="0" err="1">
+                <a:solidFill>
+                  <a:srgbClr val="000000"/>
+                </a:solidFill>
+                <a:latin typeface="Trade Gothic Next" panose="020B0503040303020004" pitchFamily="34" charset="0"/>
+              </a:rPr>
+              <a:t>informação</a:t>
+            </a:r>
+            <a:r>
+              <a:rPr lang="en-CA" sz="3500" spc="-1" dirty="0">
+                <a:solidFill>
+                  <a:srgbClr val="000000"/>
+                </a:solidFill>
+                <a:latin typeface="Trade Gothic Next" panose="020B0503040303020004" pitchFamily="34" charset="0"/>
+              </a:rPr>
+              <a:t> </a:t>
+            </a:r>
+            <a:r>
+              <a:rPr lang="en-CA" sz="3500" spc="-1" dirty="0" err="1">
+                <a:solidFill>
+                  <a:srgbClr val="000000"/>
+                </a:solidFill>
+                <a:latin typeface="Trade Gothic Next" panose="020B0503040303020004" pitchFamily="34" charset="0"/>
+              </a:rPr>
+              <a:t>sobre</a:t>
+            </a:r>
+            <a:r>
+              <a:rPr lang="en-CA" sz="3500" spc="-1" dirty="0">
+                <a:solidFill>
+                  <a:srgbClr val="000000"/>
+                </a:solidFill>
+                <a:latin typeface="Trade Gothic Next" panose="020B0503040303020004" pitchFamily="34" charset="0"/>
+              </a:rPr>
+              <a:t> o </a:t>
+            </a:r>
+            <a:r>
+              <a:rPr lang="en-CA" sz="3500" spc="-1" dirty="0" err="1">
+                <a:solidFill>
+                  <a:srgbClr val="000000"/>
+                </a:solidFill>
+                <a:latin typeface="Trade Gothic Next" panose="020B0503040303020004" pitchFamily="34" charset="0"/>
+              </a:rPr>
+              <a:t>contrário</a:t>
+            </a:r>
+            <a:endParaRPr lang="en-CA" sz="3500" spc="-1" dirty="0">
+              <a:solidFill>
+                <a:srgbClr val="000000"/>
+              </a:solidFill>
+              <a:latin typeface="Trade Gothic Next" panose="020B0503040303020004" pitchFamily="34" charset="0"/>
+            </a:endParaRPr>
+          </a:p>
+          <a:p>
+            <a:pPr marL="685800" indent="-457200">
+              <a:lnSpc>
+                <a:spcPct val="100000"/>
+              </a:lnSpc>
+              <a:tabLst>
+                <a:tab pos="0" algn="l"/>
+              </a:tabLst>
+            </a:pPr>
+            <a:r>
+              <a:rPr lang="en-CA" sz="3500" spc="-1" dirty="0">
+                <a:solidFill>
+                  <a:srgbClr val="000000"/>
+                </a:solidFill>
+                <a:latin typeface="Trade Gothic Next" panose="020B0503040303020004" pitchFamily="34" charset="0"/>
+              </a:rPr>
+              <a:t>Por que?</a:t>
+            </a:r>
+          </a:p>
+          <a:p>
+            <a:pPr marL="685800" indent="-457200">
+              <a:lnSpc>
+                <a:spcPct val="100000"/>
+              </a:lnSpc>
+              <a:tabLst>
+                <a:tab pos="0" algn="l"/>
+              </a:tabLst>
+            </a:pPr>
+            <a:r>
+              <a:rPr lang="en-CA" sz="3500" spc="-1" dirty="0">
+                <a:solidFill>
+                  <a:srgbClr val="000000"/>
+                </a:solidFill>
+                <a:latin typeface="Trade Gothic Next" panose="020B0503040303020004" pitchFamily="34" charset="0"/>
+              </a:rPr>
+              <a:t>Como </a:t>
+            </a:r>
+            <a:r>
+              <a:rPr lang="en-CA" sz="3500" spc="-1" dirty="0" err="1">
+                <a:solidFill>
+                  <a:srgbClr val="000000"/>
+                </a:solidFill>
+                <a:latin typeface="Trade Gothic Next" panose="020B0503040303020004" pitchFamily="34" charset="0"/>
+              </a:rPr>
+              <a:t>ajudar</a:t>
+            </a:r>
+            <a:r>
+              <a:rPr lang="en-CA" sz="3500" spc="-1" dirty="0">
+                <a:solidFill>
+                  <a:srgbClr val="000000"/>
+                </a:solidFill>
+                <a:latin typeface="Trade Gothic Next" panose="020B0503040303020004" pitchFamily="34" charset="0"/>
+              </a:rPr>
+              <a:t>?</a:t>
+            </a:r>
+          </a:p>
+          <a:p>
+            <a:pPr marL="571500" indent="-342900">
+              <a:lnSpc>
+                <a:spcPct val="100000"/>
+              </a:lnSpc>
+              <a:tabLst>
+                <a:tab pos="0" algn="l"/>
+              </a:tabLst>
+            </a:pPr>
+            <a:endParaRPr lang="en-CA" sz="2400" b="1" spc="-1" dirty="0">
+              <a:solidFill>
+                <a:srgbClr val="000000"/>
+              </a:solidFill>
+              <a:latin typeface="Trade Gothic Next" panose="020B0503040303020004" pitchFamily="34" charset="0"/>
+            </a:endParaRPr>
+          </a:p>
+          <a:p>
+            <a:pPr indent="0">
+              <a:lnSpc>
+                <a:spcPct val="100000"/>
+              </a:lnSpc>
+              <a:buNone/>
+              <a:tabLst>
+                <a:tab pos="0" algn="l"/>
+              </a:tabLst>
+            </a:pPr>
+            <a:endParaRPr lang="en-CA" sz="1800" b="0" strike="noStrike" spc="-1" dirty="0">
               <a:solidFill>
                 <a:srgbClr val="000000"/>
               </a:solidFill>
@@ -7573,93 +10042,106 @@
           </a:p>
         </p:txBody>
       </p:sp>
-      <p:sp>
-        <p:nvSpPr>
-          <p:cNvPr id="87" name="PlaceHolder 2"/>
-          <p:cNvSpPr>
-            <a:spLocks noGrp="1"/>
-          </p:cNvSpPr>
-          <p:nvPr>
-            <p:ph/>
-          </p:nvPr>
-        </p:nvSpPr>
-        <p:spPr>
-          <a:xfrm>
-            <a:off x="504000" y="1326600"/>
-            <a:ext cx="9070920" cy="3287520"/>
-          </a:xfrm>
-          <a:prstGeom prst="rect">
-            <a:avLst/>
-          </a:prstGeom>
-          <a:noFill/>
-          <a:ln w="0">
-            <a:noFill/>
+      <p:cxnSp>
+        <p:nvCxnSpPr>
+          <p:cNvPr id="5" name="Conector: Angulado 4">
+            <a:extLst>
+              <a:ext uri="{FF2B5EF4-FFF2-40B4-BE49-F238E27FC236}">
+                <a16:creationId xmlns:a16="http://schemas.microsoft.com/office/drawing/2014/main" id="{9789CA88-1119-A093-98FD-00A196273471}"/>
+              </a:ext>
+            </a:extLst>
+          </p:cNvPr>
+          <p:cNvCxnSpPr>
+            <a:cxnSpLocks/>
+          </p:cNvCxnSpPr>
+          <p:nvPr/>
+        </p:nvCxnSpPr>
+        <p:spPr>
+          <a:xfrm>
+            <a:off x="-36000" y="2835275"/>
+            <a:ext cx="10190265" cy="2139930"/>
+          </a:xfrm>
+          <a:prstGeom prst="bentConnector3">
+            <a:avLst>
+              <a:gd name="adj1" fmla="val 4627"/>
+            </a:avLst>
+          </a:prstGeom>
+          <a:ln w="76200">
+            <a:solidFill>
+              <a:srgbClr val="0070C0"/>
+            </a:solidFill>
+            <a:round/>
           </a:ln>
         </p:spPr>
-        <p:txBody>
-          <a:bodyPr lIns="0" tIns="0" rIns="0" bIns="0" anchor="t">
-            <a:normAutofit/>
-          </a:bodyPr>
-          <a:lstStyle/>
-          <a:p>
-            <a:pPr indent="0">
-              <a:lnSpc>
-                <a:spcPct val="100000"/>
-              </a:lnSpc>
-              <a:spcBef>
-                <a:spcPts val="1417"/>
-              </a:spcBef>
-              <a:buNone/>
-              <a:tabLst>
-                <a:tab pos="0" algn="l"/>
-              </a:tabLst>
-            </a:pPr>
-            <a:r>
-              <a:rPr lang="pt-BR" sz="1800" b="0" strike="noStrike" spc="-1">
-                <a:solidFill>
-                  <a:srgbClr val="000000"/>
-                </a:solidFill>
-                <a:latin typeface="Arial"/>
-              </a:rPr>
-              <a:t>Desenvolver um site para auxiliar na inserção de estrangeiros e brasileiros no mercado de trabalho do Brasil, oferecendo um local para listagem, candidatura e armazenamento de vagas.</a:t>
-            </a:r>
-            <a:endParaRPr lang="en-CA" sz="1800" b="0" strike="noStrike" spc="-1">
-              <a:solidFill>
-                <a:srgbClr val="000000"/>
-              </a:solidFill>
-              <a:latin typeface="Arial"/>
-            </a:endParaRPr>
-          </a:p>
-        </p:txBody>
-      </p:sp>
-      <p:pic>
-        <p:nvPicPr>
-          <p:cNvPr id="88" name="Picture 87"/>
-          <p:cNvPicPr/>
+        <p:style>
+          <a:lnRef idx="1">
+            <a:schemeClr val="accent1"/>
+          </a:lnRef>
+          <a:fillRef idx="0">
+            <a:schemeClr val="accent1"/>
+          </a:fillRef>
+          <a:effectRef idx="0">
+            <a:schemeClr val="accent1"/>
+          </a:effectRef>
+          <a:fontRef idx="minor">
+            <a:schemeClr val="tx1"/>
+          </a:fontRef>
+        </p:style>
+      </p:cxnSp>
+      <p:cxnSp>
+        <p:nvCxnSpPr>
+          <p:cNvPr id="22" name="Conector reto 21">
+            <a:extLst>
+              <a:ext uri="{FF2B5EF4-FFF2-40B4-BE49-F238E27FC236}">
+                <a16:creationId xmlns:a16="http://schemas.microsoft.com/office/drawing/2014/main" id="{7EEE596D-617C-C6FF-5702-39F72797C666}"/>
+              </a:ext>
+            </a:extLst>
+          </p:cNvPr>
+          <p:cNvCxnSpPr>
+            <a:cxnSpLocks/>
+          </p:cNvCxnSpPr>
           <p:nvPr/>
-        </p:nvPicPr>
-        <p:blipFill>
-          <a:blip r:embed="rId2"/>
-          <a:stretch/>
-        </p:blipFill>
-        <p:spPr>
-          <a:xfrm>
-            <a:off x="3060000" y="2340000"/>
-            <a:ext cx="3801960" cy="2918160"/>
-          </a:xfrm>
-          <a:prstGeom prst="rect">
-            <a:avLst/>
-          </a:prstGeom>
-          <a:ln w="0">
-            <a:noFill/>
+        </p:nvCxnSpPr>
+        <p:spPr>
+          <a:xfrm flipV="1">
+            <a:off x="10047600" y="4975205"/>
+            <a:ext cx="0" cy="695345"/>
+          </a:xfrm>
+          <a:prstGeom prst="line">
+            <a:avLst/>
+          </a:prstGeom>
+          <a:ln w="76200">
+            <a:solidFill>
+              <a:srgbClr val="0070C0"/>
+            </a:solidFill>
+            <a:round/>
+            <a:headEnd type="none"/>
+            <a:tailEnd type="none"/>
           </a:ln>
         </p:spPr>
-      </p:pic>
+        <p:style>
+          <a:lnRef idx="1">
+            <a:schemeClr val="accent1"/>
+          </a:lnRef>
+          <a:fillRef idx="0">
+            <a:schemeClr val="accent1"/>
+          </a:fillRef>
+          <a:effectRef idx="0">
+            <a:schemeClr val="accent1"/>
+          </a:effectRef>
+          <a:fontRef idx="minor">
+            <a:schemeClr val="tx1"/>
+          </a:fontRef>
+        </p:style>
+      </p:cxnSp>
     </p:spTree>
   </p:cSld>
   <p:clrMapOvr>
     <a:masterClrMapping/>
   </p:clrMapOvr>
+  <p:transition spd="slow">
+    <p:push/>
+  </p:transition>
 </p:sld>
 </file>
 
@@ -7682,7 +10164,109 @@
       </p:grpSpPr>
       <p:sp>
         <p:nvSpPr>
-          <p:cNvPr id="89" name="PlaceHolder 1"/>
+          <p:cNvPr id="14" name="Retângulo 13">
+            <a:extLst>
+              <a:ext uri="{FF2B5EF4-FFF2-40B4-BE49-F238E27FC236}">
+                <a16:creationId xmlns:a16="http://schemas.microsoft.com/office/drawing/2014/main" id="{6FB97949-5C91-75B0-2E9C-327F8760F8DF}"/>
+              </a:ext>
+            </a:extLst>
+          </p:cNvPr>
+          <p:cNvSpPr/>
+          <p:nvPr/>
+        </p:nvSpPr>
+        <p:spPr>
+          <a:xfrm>
+            <a:off x="-1" y="0"/>
+            <a:ext cx="807285" cy="5670550"/>
+          </a:xfrm>
+          <a:prstGeom prst="rect">
+            <a:avLst/>
+          </a:prstGeom>
+          <a:solidFill>
+            <a:schemeClr val="bg1">
+              <a:lumMod val="65000"/>
+            </a:schemeClr>
+          </a:solidFill>
+        </p:spPr>
+        <p:style>
+          <a:lnRef idx="2">
+            <a:schemeClr val="accent1">
+              <a:shade val="15000"/>
+            </a:schemeClr>
+          </a:lnRef>
+          <a:fillRef idx="1">
+            <a:schemeClr val="accent1"/>
+          </a:fillRef>
+          <a:effectRef idx="0">
+            <a:schemeClr val="accent1"/>
+          </a:effectRef>
+          <a:fontRef idx="minor">
+            <a:schemeClr val="lt1"/>
+          </a:fontRef>
+        </p:style>
+        <p:txBody>
+          <a:bodyPr rtlCol="0" anchor="ctr"/>
+          <a:lstStyle/>
+          <a:p>
+            <a:pPr algn="ctr"/>
+            <a:endParaRPr lang="pt-BR"/>
+          </a:p>
+        </p:txBody>
+      </p:sp>
+      <p:sp>
+        <p:nvSpPr>
+          <p:cNvPr id="3" name="Retângulo 2">
+            <a:extLst>
+              <a:ext uri="{FF2B5EF4-FFF2-40B4-BE49-F238E27FC236}">
+                <a16:creationId xmlns:a16="http://schemas.microsoft.com/office/drawing/2014/main" id="{E7B8CECC-541B-5A46-230C-8F1E14987069}"/>
+              </a:ext>
+            </a:extLst>
+          </p:cNvPr>
+          <p:cNvSpPr/>
+          <p:nvPr/>
+        </p:nvSpPr>
+        <p:spPr>
+          <a:xfrm>
+            <a:off x="-1" y="-44695"/>
+            <a:ext cx="10080623" cy="1223829"/>
+          </a:xfrm>
+          <a:prstGeom prst="rect">
+            <a:avLst/>
+          </a:prstGeom>
+          <a:solidFill>
+            <a:schemeClr val="bg1">
+              <a:lumMod val="65000"/>
+            </a:schemeClr>
+          </a:solidFill>
+        </p:spPr>
+        <p:style>
+          <a:lnRef idx="2">
+            <a:schemeClr val="accent1">
+              <a:shade val="15000"/>
+            </a:schemeClr>
+          </a:lnRef>
+          <a:fillRef idx="1">
+            <a:schemeClr val="accent1"/>
+          </a:fillRef>
+          <a:effectRef idx="0">
+            <a:schemeClr val="accent1"/>
+          </a:effectRef>
+          <a:fontRef idx="minor">
+            <a:schemeClr val="lt1"/>
+          </a:fontRef>
+        </p:style>
+        <p:txBody>
+          <a:bodyPr rtlCol="0" anchor="ctr"/>
+          <a:lstStyle/>
+          <a:p>
+            <a:pPr algn="ctr"/>
+            <a:endParaRPr lang="pt-BR"/>
+          </a:p>
+        </p:txBody>
+      </p:sp>
+      <p:sp>
+        <p:nvSpPr>
+          <p:cNvPr id="84" name="PlaceHolder 1"/>
           <p:cNvSpPr>
             <a:spLocks noGrp="1"/>
           </p:cNvSpPr>
@@ -7692,7 +10276,7 @@
         </p:nvSpPr>
         <p:spPr>
           <a:xfrm>
-            <a:off x="504000" y="226080"/>
+            <a:off x="504853" y="0"/>
             <a:ext cx="9070920" cy="945720"/>
           </a:xfrm>
           <a:prstGeom prst="rect">
@@ -7719,15 +10303,286 @@
               </a:tabLst>
             </a:pPr>
             <a:r>
-              <a:rPr lang="pt-BR" sz="4400" b="0" strike="noStrike" spc="-1">
+              <a:rPr lang="en-US" sz="5400" spc="-1" dirty="0">
+                <a:solidFill>
+                  <a:schemeClr val="tx2">
+                    <a:lumMod val="75000"/>
+                  </a:schemeClr>
+                </a:solidFill>
+                <a:latin typeface="Trade Gothic Next Heavy" panose="020B0903040303020004" pitchFamily="34" charset="0"/>
+              </a:rPr>
+              <a:t>PESQUISA</a:t>
+            </a:r>
+            <a:endParaRPr lang="en-CA" sz="5400" b="0" strike="noStrike" spc="-1" dirty="0">
+              <a:solidFill>
+                <a:schemeClr val="tx2">
+                  <a:lumMod val="75000"/>
+                </a:schemeClr>
+              </a:solidFill>
+              <a:latin typeface="Trade Gothic Next Heavy" panose="020B0903040303020004" pitchFamily="34" charset="0"/>
+            </a:endParaRPr>
+          </a:p>
+        </p:txBody>
+      </p:sp>
+      <p:sp>
+        <p:nvSpPr>
+          <p:cNvPr id="85" name="PlaceHolder 2"/>
+          <p:cNvSpPr>
+            <a:spLocks noGrp="1"/>
+          </p:cNvSpPr>
+          <p:nvPr>
+            <p:ph/>
+          </p:nvPr>
+        </p:nvSpPr>
+        <p:spPr>
+          <a:xfrm>
+            <a:off x="917807" y="1382681"/>
+            <a:ext cx="9070920" cy="4084320"/>
+          </a:xfrm>
+          <a:prstGeom prst="rect">
+            <a:avLst/>
+          </a:prstGeom>
+          <a:noFill/>
+          <a:ln w="0">
+            <a:noFill/>
+          </a:ln>
+        </p:spPr>
+        <p:txBody>
+          <a:bodyPr lIns="0" tIns="0" rIns="0" bIns="0" anchor="t">
+            <a:normAutofit/>
+          </a:bodyPr>
+          <a:lstStyle/>
+          <a:p>
+            <a:pPr marL="800100" indent="-571500">
+              <a:lnSpc>
+                <a:spcPct val="100000"/>
+              </a:lnSpc>
+              <a:tabLst>
+                <a:tab pos="0" algn="l"/>
+              </a:tabLst>
+            </a:pPr>
+            <a:r>
+              <a:rPr lang="en-CA" sz="3200" b="0" strike="noStrike" spc="-1" dirty="0" err="1">
                 <a:solidFill>
                   <a:srgbClr val="000000"/>
                 </a:solidFill>
-                <a:latin typeface="Arial"/>
+                <a:latin typeface="Trade Gothic Next" panose="020B0503040303020004" pitchFamily="34" charset="0"/>
               </a:rPr>
-              <a:t>Arquitetura</a:t>
+              <a:t>OBMigra</a:t>
             </a:r>
-            <a:endParaRPr lang="en-CA" sz="4400" b="0" strike="noStrike" spc="-1">
+            <a:endParaRPr lang="en-CA" sz="3200" b="0" strike="noStrike" spc="-1" dirty="0">
+              <a:solidFill>
+                <a:srgbClr val="000000"/>
+              </a:solidFill>
+              <a:latin typeface="Trade Gothic Next" panose="020B0503040303020004" pitchFamily="34" charset="0"/>
+            </a:endParaRPr>
+          </a:p>
+          <a:p>
+            <a:pPr marL="800100" indent="-571500">
+              <a:lnSpc>
+                <a:spcPct val="100000"/>
+              </a:lnSpc>
+              <a:tabLst>
+                <a:tab pos="0" algn="l"/>
+              </a:tabLst>
+            </a:pPr>
+            <a:r>
+              <a:rPr lang="en-CA" sz="3200" spc="-1" dirty="0">
+                <a:solidFill>
+                  <a:srgbClr val="000000"/>
+                </a:solidFill>
+                <a:latin typeface="Trade Gothic Next" panose="020B0503040303020004" pitchFamily="34" charset="0"/>
+              </a:rPr>
+              <a:t>67.423 (2011) para 187.985 (2021)</a:t>
+            </a:r>
+          </a:p>
+          <a:p>
+            <a:pPr marL="800100" indent="-571500">
+              <a:lnSpc>
+                <a:spcPct val="100000"/>
+              </a:lnSpc>
+              <a:tabLst>
+                <a:tab pos="0" algn="l"/>
+              </a:tabLst>
+            </a:pPr>
+            <a:r>
+              <a:rPr lang="en-CA" sz="3200" spc="-1" dirty="0">
+                <a:solidFill>
+                  <a:srgbClr val="000000"/>
+                </a:solidFill>
+                <a:latin typeface="Trade Gothic Next" panose="020B0503040303020004" pitchFamily="34" charset="0"/>
+              </a:rPr>
+              <a:t>EUA </a:t>
+            </a:r>
+            <a:r>
+              <a:rPr lang="en-CA" sz="3200" spc="-1" dirty="0" err="1">
+                <a:solidFill>
+                  <a:srgbClr val="000000"/>
+                </a:solidFill>
+                <a:latin typeface="Trade Gothic Next" panose="020B0503040303020004" pitchFamily="34" charset="0"/>
+              </a:rPr>
+              <a:t>tem</a:t>
+            </a:r>
+            <a:r>
+              <a:rPr lang="en-CA" sz="3200" spc="-1" dirty="0">
+                <a:solidFill>
+                  <a:srgbClr val="000000"/>
+                </a:solidFill>
+                <a:latin typeface="Trade Gothic Next" panose="020B0503040303020004" pitchFamily="34" charset="0"/>
+              </a:rPr>
+              <a:t> 28 </a:t>
+            </a:r>
+            <a:r>
+              <a:rPr lang="en-CA" sz="3200" spc="-1" dirty="0" err="1">
+                <a:solidFill>
+                  <a:srgbClr val="000000"/>
+                </a:solidFill>
+                <a:latin typeface="Trade Gothic Next" panose="020B0503040303020004" pitchFamily="34" charset="0"/>
+              </a:rPr>
+              <a:t>milhões</a:t>
+            </a:r>
+            <a:r>
+              <a:rPr lang="en-CA" sz="3200" spc="-1" dirty="0">
+                <a:solidFill>
+                  <a:srgbClr val="000000"/>
+                </a:solidFill>
+                <a:latin typeface="Trade Gothic Next" panose="020B0503040303020004" pitchFamily="34" charset="0"/>
+              </a:rPr>
+              <a:t> de </a:t>
+            </a:r>
+            <a:r>
+              <a:rPr lang="en-CA" sz="3200" spc="-1" dirty="0" err="1">
+                <a:solidFill>
+                  <a:srgbClr val="000000"/>
+                </a:solidFill>
+                <a:latin typeface="Trade Gothic Next" panose="020B0503040303020004" pitchFamily="34" charset="0"/>
+              </a:rPr>
+              <a:t>imigrantes</a:t>
+            </a:r>
+            <a:endParaRPr lang="en-CA" sz="3200" spc="-1" dirty="0">
+              <a:solidFill>
+                <a:srgbClr val="000000"/>
+              </a:solidFill>
+              <a:latin typeface="Trade Gothic Next" panose="020B0503040303020004" pitchFamily="34" charset="0"/>
+            </a:endParaRPr>
+          </a:p>
+          <a:p>
+            <a:pPr marL="800100" indent="-571500">
+              <a:lnSpc>
+                <a:spcPct val="100000"/>
+              </a:lnSpc>
+              <a:tabLst>
+                <a:tab pos="0" algn="l"/>
+              </a:tabLst>
+            </a:pPr>
+            <a:r>
+              <a:rPr lang="en-CA" sz="3200" spc="-1" dirty="0">
+                <a:solidFill>
+                  <a:srgbClr val="000000"/>
+                </a:solidFill>
+                <a:latin typeface="Trade Gothic Next" panose="020B0503040303020004" pitchFamily="34" charset="0"/>
+              </a:rPr>
+              <a:t>Lei de </a:t>
+            </a:r>
+            <a:r>
+              <a:rPr lang="en-CA" sz="3200" spc="-1" dirty="0" err="1">
+                <a:solidFill>
+                  <a:srgbClr val="000000"/>
+                </a:solidFill>
+                <a:latin typeface="Trade Gothic Next" panose="020B0503040303020004" pitchFamily="34" charset="0"/>
+              </a:rPr>
+              <a:t>refúgio</a:t>
+            </a:r>
+            <a:endParaRPr lang="en-CA" sz="3200" spc="-1" dirty="0">
+              <a:solidFill>
+                <a:srgbClr val="000000"/>
+              </a:solidFill>
+              <a:latin typeface="Trade Gothic Next" panose="020B0503040303020004" pitchFamily="34" charset="0"/>
+            </a:endParaRPr>
+          </a:p>
+          <a:p>
+            <a:pPr marL="800100" indent="-571500">
+              <a:lnSpc>
+                <a:spcPct val="100000"/>
+              </a:lnSpc>
+              <a:tabLst>
+                <a:tab pos="0" algn="l"/>
+              </a:tabLst>
+            </a:pPr>
+            <a:r>
+              <a:rPr lang="en-CA" sz="3200" spc="-1" dirty="0">
+                <a:solidFill>
+                  <a:srgbClr val="000000"/>
+                </a:solidFill>
+                <a:latin typeface="Trade Gothic Next" panose="020B0503040303020004" pitchFamily="34" charset="0"/>
+              </a:rPr>
+              <a:t>2.448 </a:t>
+            </a:r>
+            <a:r>
+              <a:rPr lang="en-CA" sz="3200" spc="-1" dirty="0" err="1">
+                <a:solidFill>
+                  <a:srgbClr val="000000"/>
+                </a:solidFill>
+                <a:latin typeface="Trade Gothic Next" panose="020B0503040303020004" pitchFamily="34" charset="0"/>
+              </a:rPr>
+              <a:t>solicitações</a:t>
+            </a:r>
+            <a:r>
+              <a:rPr lang="en-CA" sz="3200" spc="-1" dirty="0">
+                <a:solidFill>
+                  <a:srgbClr val="000000"/>
+                </a:solidFill>
+                <a:latin typeface="Trade Gothic Next" panose="020B0503040303020004" pitchFamily="34" charset="0"/>
+              </a:rPr>
+              <a:t> (1997-2009) para 298.331 (2010-2021)</a:t>
+            </a:r>
+          </a:p>
+          <a:p>
+            <a:pPr marL="800100" indent="-571500">
+              <a:lnSpc>
+                <a:spcPct val="100000"/>
+              </a:lnSpc>
+              <a:tabLst>
+                <a:tab pos="0" algn="l"/>
+              </a:tabLst>
+            </a:pPr>
+            <a:r>
+              <a:rPr lang="en-CA" sz="3200" spc="-1" dirty="0">
+                <a:solidFill>
+                  <a:srgbClr val="000000"/>
+                </a:solidFill>
+                <a:latin typeface="Trade Gothic Next" panose="020B0503040303020004" pitchFamily="34" charset="0"/>
+              </a:rPr>
+              <a:t>59% Venezuela e 13% Haiti</a:t>
+            </a:r>
+          </a:p>
+          <a:p>
+            <a:pPr marL="800100" indent="-571500">
+              <a:lnSpc>
+                <a:spcPct val="100000"/>
+              </a:lnSpc>
+              <a:tabLst>
+                <a:tab pos="0" algn="l"/>
+              </a:tabLst>
+            </a:pPr>
+            <a:endParaRPr lang="en-CA" sz="3800" spc="-1" dirty="0">
+              <a:solidFill>
+                <a:srgbClr val="000000"/>
+              </a:solidFill>
+              <a:latin typeface="Trade Gothic Next" panose="020B0503040303020004" pitchFamily="34" charset="0"/>
+            </a:endParaRPr>
+          </a:p>
+          <a:p>
+            <a:pPr indent="0">
+              <a:lnSpc>
+                <a:spcPct val="100000"/>
+              </a:lnSpc>
+              <a:buNone/>
+              <a:tabLst>
+                <a:tab pos="0" algn="l"/>
+              </a:tabLst>
+            </a:pPr>
+            <a:endParaRPr lang="en-CA" sz="1800" b="0" strike="noStrike" spc="-1" dirty="0">
               <a:solidFill>
                 <a:srgbClr val="000000"/>
               </a:solidFill>
@@ -7736,34 +10591,151 @@
           </a:p>
         </p:txBody>
       </p:sp>
-      <p:pic>
-        <p:nvPicPr>
-          <p:cNvPr id="90" name="Picture 89"/>
-          <p:cNvPicPr/>
+      <p:cxnSp>
+        <p:nvCxnSpPr>
+          <p:cNvPr id="2" name="Conector reto 1">
+            <a:extLst>
+              <a:ext uri="{FF2B5EF4-FFF2-40B4-BE49-F238E27FC236}">
+                <a16:creationId xmlns:a16="http://schemas.microsoft.com/office/drawing/2014/main" id="{EA2BCE63-95F3-3B00-775B-EAB76ECCC497}"/>
+              </a:ext>
+            </a:extLst>
+          </p:cNvPr>
+          <p:cNvCxnSpPr>
+            <a:cxnSpLocks/>
+          </p:cNvCxnSpPr>
           <p:nvPr/>
-        </p:nvPicPr>
-        <p:blipFill>
-          <a:blip r:embed="rId2"/>
-          <a:stretch/>
-        </p:blipFill>
-        <p:spPr>
-          <a:xfrm>
-            <a:off x="1452600" y="1185840"/>
-            <a:ext cx="7367400" cy="4214160"/>
-          </a:xfrm>
-          <a:prstGeom prst="rect">
-            <a:avLst/>
-          </a:prstGeom>
-          <a:ln w="0">
-            <a:noFill/>
+        </p:nvCxnSpPr>
+        <p:spPr>
+          <a:xfrm flipV="1">
+            <a:off x="10048243" y="-44695"/>
+            <a:ext cx="0" cy="1215134"/>
+          </a:xfrm>
+          <a:prstGeom prst="line">
+            <a:avLst/>
+          </a:prstGeom>
+          <a:ln w="76200">
+            <a:solidFill>
+              <a:srgbClr val="0070C0"/>
+            </a:solidFill>
+            <a:headEnd type="none"/>
           </a:ln>
         </p:spPr>
-      </p:pic>
+        <p:style>
+          <a:lnRef idx="1">
+            <a:schemeClr val="accent1"/>
+          </a:lnRef>
+          <a:fillRef idx="0">
+            <a:schemeClr val="accent1"/>
+          </a:fillRef>
+          <a:effectRef idx="0">
+            <a:schemeClr val="accent1"/>
+          </a:effectRef>
+          <a:fontRef idx="minor">
+            <a:schemeClr val="tx1"/>
+          </a:fontRef>
+        </p:style>
+      </p:cxnSp>
+      <p:cxnSp>
+        <p:nvCxnSpPr>
+          <p:cNvPr id="9" name="Conector reto 8">
+            <a:extLst>
+              <a:ext uri="{FF2B5EF4-FFF2-40B4-BE49-F238E27FC236}">
+                <a16:creationId xmlns:a16="http://schemas.microsoft.com/office/drawing/2014/main" id="{41600D60-9EBC-FCAE-0C05-1E8C461AA471}"/>
+              </a:ext>
+            </a:extLst>
+          </p:cNvPr>
+          <p:cNvCxnSpPr>
+            <a:cxnSpLocks/>
+          </p:cNvCxnSpPr>
+          <p:nvPr/>
+        </p:nvCxnSpPr>
+        <p:spPr>
+          <a:xfrm flipH="1">
+            <a:off x="795076" y="1170439"/>
+            <a:ext cx="9396059" cy="8695"/>
+          </a:xfrm>
+          <a:prstGeom prst="line">
+            <a:avLst/>
+          </a:prstGeom>
+          <a:ln w="76200">
+            <a:solidFill>
+              <a:srgbClr val="0070C0"/>
+            </a:solidFill>
+          </a:ln>
+        </p:spPr>
+        <p:style>
+          <a:lnRef idx="1">
+            <a:schemeClr val="accent1"/>
+          </a:lnRef>
+          <a:fillRef idx="0">
+            <a:schemeClr val="accent1"/>
+          </a:fillRef>
+          <a:effectRef idx="0">
+            <a:schemeClr val="accent1"/>
+          </a:effectRef>
+          <a:fontRef idx="minor">
+            <a:schemeClr val="tx1"/>
+          </a:fontRef>
+        </p:style>
+      </p:cxnSp>
+      <p:cxnSp>
+        <p:nvCxnSpPr>
+          <p:cNvPr id="12" name="Conector reto 11">
+            <a:extLst>
+              <a:ext uri="{FF2B5EF4-FFF2-40B4-BE49-F238E27FC236}">
+                <a16:creationId xmlns:a16="http://schemas.microsoft.com/office/drawing/2014/main" id="{20F1BAE2-620B-BFDA-542F-B1E558506B5C}"/>
+              </a:ext>
+            </a:extLst>
+          </p:cNvPr>
+          <p:cNvCxnSpPr>
+            <a:cxnSpLocks/>
+          </p:cNvCxnSpPr>
+          <p:nvPr/>
+        </p:nvCxnSpPr>
+        <p:spPr>
+          <a:xfrm flipV="1">
+            <a:off x="795076" y="1170439"/>
+            <a:ext cx="0" cy="4585562"/>
+          </a:xfrm>
+          <a:prstGeom prst="line">
+            <a:avLst/>
+          </a:prstGeom>
+          <a:ln w="76200">
+            <a:solidFill>
+              <a:srgbClr val="0070C0"/>
+            </a:solidFill>
+            <a:headEnd type="none"/>
+            <a:tailEnd type="oval"/>
+          </a:ln>
+        </p:spPr>
+        <p:style>
+          <a:lnRef idx="1">
+            <a:schemeClr val="accent1"/>
+          </a:lnRef>
+          <a:fillRef idx="0">
+            <a:schemeClr val="accent1"/>
+          </a:fillRef>
+          <a:effectRef idx="0">
+            <a:schemeClr val="accent1"/>
+          </a:effectRef>
+          <a:fontRef idx="minor">
+            <a:schemeClr val="tx1"/>
+          </a:fontRef>
+        </p:style>
+      </p:cxnSp>
     </p:spTree>
+    <p:extLst>
+      <p:ext uri="{BB962C8B-B14F-4D97-AF65-F5344CB8AC3E}">
+        <p14:creationId xmlns:p14="http://schemas.microsoft.com/office/powerpoint/2010/main" val="1243168874"/>
+      </p:ext>
+    </p:extLst>
   </p:cSld>
   <p:clrMapOvr>
     <a:masterClrMapping/>
   </p:clrMapOvr>
+  <p:transition spd="slow">
+    <p:push dir="u"/>
+  </p:transition>
 </p:sld>
 </file>
 
@@ -7786,7 +10758,7 @@
       </p:grpSpPr>
       <p:sp>
         <p:nvSpPr>
-          <p:cNvPr id="91" name="PlaceHolder 1"/>
+          <p:cNvPr id="86" name="PlaceHolder 1"/>
           <p:cNvSpPr>
             <a:spLocks noGrp="1"/>
           </p:cNvSpPr>
@@ -7796,7 +10768,7 @@
         </p:nvSpPr>
         <p:spPr>
           <a:xfrm>
-            <a:off x="504000" y="226080"/>
+            <a:off x="504000" y="0"/>
             <a:ext cx="9070920" cy="945720"/>
           </a:xfrm>
           <a:prstGeom prst="rect">
@@ -7823,37 +10795,87 @@
               </a:tabLst>
             </a:pPr>
             <a:r>
-              <a:rPr lang="pt-BR" sz="4400" b="0" strike="noStrike" spc="-1">
+              <a:rPr lang="en-US" sz="5400" spc="-1" dirty="0">
                 <a:solidFill>
-                  <a:srgbClr val="000000"/>
+                  <a:schemeClr val="tx2">
+                    <a:lumMod val="75000"/>
+                  </a:schemeClr>
                 </a:solidFill>
-                <a:latin typeface="Arial"/>
+                <a:latin typeface="Trade Gothic Next Heavy" panose="020B0903040303020004" pitchFamily="34" charset="0"/>
               </a:rPr>
-              <a:t>Front-End</a:t>
+              <a:t>P</a:t>
             </a:r>
-            <a:endParaRPr lang="en-CA" sz="4400" b="0" strike="noStrike" spc="-1">
+            <a:r>
+              <a:rPr lang="pt-BR" sz="5400" spc="-1" dirty="0">
+                <a:solidFill>
+                  <a:schemeClr val="tx2">
+                    <a:lumMod val="75000"/>
+                  </a:schemeClr>
+                </a:solidFill>
+                <a:latin typeface="Trade Gothic Next Heavy" panose="020B0903040303020004" pitchFamily="34" charset="0"/>
+              </a:rPr>
+              <a:t>ROPOSTA</a:t>
+            </a:r>
+            <a:endParaRPr lang="en-CA" sz="4400" b="0" strike="noStrike" spc="-1" dirty="0">
               <a:solidFill>
-                <a:srgbClr val="000000"/>
+                <a:schemeClr val="tx2">
+                  <a:lumMod val="75000"/>
+                </a:schemeClr>
               </a:solidFill>
-              <a:latin typeface="Arial"/>
+              <a:latin typeface="Trade Gothic Next Heavy" panose="020B0903040303020004" pitchFamily="34" charset="0"/>
             </a:endParaRPr>
           </a:p>
         </p:txBody>
       </p:sp>
-      <p:sp>
-        <p:nvSpPr>
-          <p:cNvPr id="92" name="PlaceHolder 2"/>
-          <p:cNvSpPr>
-            <a:spLocks noGrp="1"/>
-          </p:cNvSpPr>
-          <p:nvPr>
-            <p:ph/>
-          </p:nvPr>
-        </p:nvSpPr>
-        <p:spPr>
-          <a:xfrm>
-            <a:off x="504000" y="1326600"/>
-            <a:ext cx="9070920" cy="3287520"/>
+      <p:pic>
+        <p:nvPicPr>
+          <p:cNvPr id="2" name="Picture 87">
+            <a:extLst>
+              <a:ext uri="{FF2B5EF4-FFF2-40B4-BE49-F238E27FC236}">
+                <a16:creationId xmlns:a16="http://schemas.microsoft.com/office/drawing/2014/main" id="{35D8F9DD-DA22-6CA7-DCE2-67AC99FDB537}"/>
+              </a:ext>
+            </a:extLst>
+          </p:cNvPr>
+          <p:cNvPicPr>
+            <a:picLocks noChangeAspect="1"/>
+          </p:cNvPicPr>
+          <p:nvPr/>
+        </p:nvPicPr>
+        <p:blipFill>
+          <a:blip r:embed="rId2"/>
+          <a:stretch/>
+        </p:blipFill>
+        <p:spPr>
+          <a:xfrm>
+            <a:off x="2962075" y="2743937"/>
+            <a:ext cx="4156475" cy="3190240"/>
+          </a:xfrm>
+          <a:prstGeom prst="rect">
+            <a:avLst/>
+          </a:prstGeom>
+          <a:ln w="0">
+            <a:noFill/>
+          </a:ln>
+        </p:spPr>
+      </p:pic>
+      <p:sp>
+        <p:nvSpPr>
+          <p:cNvPr id="4" name="PlaceHolder 2">
+            <a:extLst>
+              <a:ext uri="{FF2B5EF4-FFF2-40B4-BE49-F238E27FC236}">
+                <a16:creationId xmlns:a16="http://schemas.microsoft.com/office/drawing/2014/main" id="{C0C4EBAB-1482-58E9-CFF9-E708C62ED992}"/>
+              </a:ext>
+            </a:extLst>
+          </p:cNvPr>
+          <p:cNvSpPr txBox="1">
+            <a:spLocks/>
+          </p:cNvSpPr>
+          <p:nvPr/>
+        </p:nvSpPr>
+        <p:spPr>
+          <a:xfrm>
+            <a:off x="1396277" y="1306728"/>
+            <a:ext cx="8455646" cy="2295525"/>
           </a:xfrm>
           <a:prstGeom prst="rect">
             <a:avLst/>
@@ -7865,27 +10887,370 @@
         </p:spPr>
         <p:txBody>
           <a:bodyPr lIns="0" tIns="0" rIns="0" bIns="0" anchor="t">
-            <a:normAutofit/>
+            <a:normAutofit fontScale="92500" lnSpcReduction="10000"/>
           </a:bodyPr>
-          <a:lstStyle/>
-          <a:p>
-            <a:pPr marL="514350" indent="-285750">
+          <a:lstStyle>
+            <a:lvl1pPr marL="228600" indent="-228600" algn="l" defTabSz="914400" rtl="0" eaLnBrk="1" latinLnBrk="0" hangingPunct="1">
+              <a:lnSpc>
+                <a:spcPct val="90000"/>
+              </a:lnSpc>
               <a:spcBef>
-                <a:spcPts val="1417"/>
+                <a:spcPts val="1000"/>
               </a:spcBef>
+              <a:buFont typeface="Arial" panose="020B0604020202020204" pitchFamily="34" charset="0"/>
+              <a:buChar char="•"/>
+              <a:defRPr sz="2800" kern="1200">
+                <a:solidFill>
+                  <a:schemeClr val="tx1"/>
+                </a:solidFill>
+                <a:latin typeface="+mn-lt"/>
+                <a:ea typeface="+mn-ea"/>
+                <a:cs typeface="+mn-cs"/>
+              </a:defRPr>
+            </a:lvl1pPr>
+            <a:lvl2pPr marL="685800" indent="-228600" algn="l" defTabSz="914400" rtl="0" eaLnBrk="1" latinLnBrk="0" hangingPunct="1">
+              <a:lnSpc>
+                <a:spcPct val="90000"/>
+              </a:lnSpc>
+              <a:spcBef>
+                <a:spcPts val="500"/>
+              </a:spcBef>
+              <a:buFont typeface="Arial" panose="020B0604020202020204" pitchFamily="34" charset="0"/>
+              <a:buChar char="•"/>
+              <a:defRPr sz="2400" kern="1200">
+                <a:solidFill>
+                  <a:schemeClr val="tx1"/>
+                </a:solidFill>
+                <a:latin typeface="+mn-lt"/>
+                <a:ea typeface="+mn-ea"/>
+                <a:cs typeface="+mn-cs"/>
+              </a:defRPr>
+            </a:lvl2pPr>
+            <a:lvl3pPr marL="1143000" indent="-228600" algn="l" defTabSz="914400" rtl="0" eaLnBrk="1" latinLnBrk="0" hangingPunct="1">
+              <a:lnSpc>
+                <a:spcPct val="90000"/>
+              </a:lnSpc>
+              <a:spcBef>
+                <a:spcPts val="500"/>
+              </a:spcBef>
+              <a:buFont typeface="Arial" panose="020B0604020202020204" pitchFamily="34" charset="0"/>
+              <a:buChar char="•"/>
+              <a:defRPr sz="2000" kern="1200">
+                <a:solidFill>
+                  <a:schemeClr val="tx1"/>
+                </a:solidFill>
+                <a:latin typeface="+mn-lt"/>
+                <a:ea typeface="+mn-ea"/>
+                <a:cs typeface="+mn-cs"/>
+              </a:defRPr>
+            </a:lvl3pPr>
+            <a:lvl4pPr marL="1600200" indent="-228600" algn="l" defTabSz="914400" rtl="0" eaLnBrk="1" latinLnBrk="0" hangingPunct="1">
+              <a:lnSpc>
+                <a:spcPct val="90000"/>
+              </a:lnSpc>
+              <a:spcBef>
+                <a:spcPts val="500"/>
+              </a:spcBef>
+              <a:buFont typeface="Arial" panose="020B0604020202020204" pitchFamily="34" charset="0"/>
+              <a:buChar char="•"/>
+              <a:defRPr sz="1800" kern="1200">
+                <a:solidFill>
+                  <a:schemeClr val="tx1"/>
+                </a:solidFill>
+                <a:latin typeface="+mn-lt"/>
+                <a:ea typeface="+mn-ea"/>
+                <a:cs typeface="+mn-cs"/>
+              </a:defRPr>
+            </a:lvl4pPr>
+            <a:lvl5pPr marL="2057400" indent="-228600" algn="l" defTabSz="914400" rtl="0" eaLnBrk="1" latinLnBrk="0" hangingPunct="1">
+              <a:lnSpc>
+                <a:spcPct val="90000"/>
+              </a:lnSpc>
+              <a:spcBef>
+                <a:spcPts val="500"/>
+              </a:spcBef>
+              <a:buFont typeface="Arial" panose="020B0604020202020204" pitchFamily="34" charset="0"/>
+              <a:buChar char="•"/>
+              <a:defRPr sz="1800" kern="1200">
+                <a:solidFill>
+                  <a:schemeClr val="tx1"/>
+                </a:solidFill>
+                <a:latin typeface="+mn-lt"/>
+                <a:ea typeface="+mn-ea"/>
+                <a:cs typeface="+mn-cs"/>
+              </a:defRPr>
+            </a:lvl5pPr>
+            <a:lvl6pPr marL="2514600" indent="-228600" algn="l" defTabSz="914400" rtl="0" eaLnBrk="1" latinLnBrk="0" hangingPunct="1">
+              <a:lnSpc>
+                <a:spcPct val="90000"/>
+              </a:lnSpc>
+              <a:spcBef>
+                <a:spcPts val="500"/>
+              </a:spcBef>
+              <a:buFont typeface="Arial" panose="020B0604020202020204" pitchFamily="34" charset="0"/>
+              <a:buChar char="•"/>
+              <a:defRPr sz="1800" kern="1200">
+                <a:solidFill>
+                  <a:schemeClr val="tx1"/>
+                </a:solidFill>
+                <a:latin typeface="+mn-lt"/>
+                <a:ea typeface="+mn-ea"/>
+                <a:cs typeface="+mn-cs"/>
+              </a:defRPr>
+            </a:lvl6pPr>
+            <a:lvl7pPr marL="2971800" indent="-228600" algn="l" defTabSz="914400" rtl="0" eaLnBrk="1" latinLnBrk="0" hangingPunct="1">
+              <a:lnSpc>
+                <a:spcPct val="90000"/>
+              </a:lnSpc>
+              <a:spcBef>
+                <a:spcPts val="500"/>
+              </a:spcBef>
+              <a:buFont typeface="Arial" panose="020B0604020202020204" pitchFamily="34" charset="0"/>
+              <a:buChar char="•"/>
+              <a:defRPr sz="1800" kern="1200">
+                <a:solidFill>
+                  <a:schemeClr val="tx1"/>
+                </a:solidFill>
+                <a:latin typeface="+mn-lt"/>
+                <a:ea typeface="+mn-ea"/>
+                <a:cs typeface="+mn-cs"/>
+              </a:defRPr>
+            </a:lvl7pPr>
+            <a:lvl8pPr marL="3429000" indent="-228600" algn="l" defTabSz="914400" rtl="0" eaLnBrk="1" latinLnBrk="0" hangingPunct="1">
+              <a:lnSpc>
+                <a:spcPct val="90000"/>
+              </a:lnSpc>
+              <a:spcBef>
+                <a:spcPts val="500"/>
+              </a:spcBef>
+              <a:buFont typeface="Arial" panose="020B0604020202020204" pitchFamily="34" charset="0"/>
+              <a:buChar char="•"/>
+              <a:defRPr sz="1800" kern="1200">
+                <a:solidFill>
+                  <a:schemeClr val="tx1"/>
+                </a:solidFill>
+                <a:latin typeface="+mn-lt"/>
+                <a:ea typeface="+mn-ea"/>
+                <a:cs typeface="+mn-cs"/>
+              </a:defRPr>
+            </a:lvl8pPr>
+            <a:lvl9pPr marL="3886200" indent="-228600" algn="l" defTabSz="914400" rtl="0" eaLnBrk="1" latinLnBrk="0" hangingPunct="1">
+              <a:lnSpc>
+                <a:spcPct val="90000"/>
+              </a:lnSpc>
+              <a:spcBef>
+                <a:spcPts val="500"/>
+              </a:spcBef>
+              <a:buFont typeface="Arial" panose="020B0604020202020204" pitchFamily="34" charset="0"/>
+              <a:buChar char="•"/>
+              <a:defRPr sz="1800" kern="1200">
+                <a:solidFill>
+                  <a:schemeClr val="tx1"/>
+                </a:solidFill>
+                <a:latin typeface="+mn-lt"/>
+                <a:ea typeface="+mn-ea"/>
+                <a:cs typeface="+mn-cs"/>
+              </a:defRPr>
+            </a:lvl9pPr>
+          </a:lstStyle>
+          <a:p>
+            <a:pPr marL="800100" indent="-571500">
+              <a:lnSpc>
+                <a:spcPct val="100000"/>
+              </a:lnSpc>
+              <a:tabLst>
+                <a:tab pos="0" algn="l"/>
+              </a:tabLst>
             </a:pPr>
-            <a:endParaRPr lang="en-CA" sz="1800" b="0" strike="noStrike" spc="-1" dirty="0">
+            <a:r>
+              <a:rPr lang="en-CA" sz="3500" spc="-1" dirty="0" err="1">
+                <a:solidFill>
+                  <a:srgbClr val="000000"/>
+                </a:solidFill>
+                <a:latin typeface="Trade Gothic Next" panose="020B0503040303020004" pitchFamily="34" charset="0"/>
+              </a:rPr>
+              <a:t>Facilitador</a:t>
+            </a:r>
+            <a:endParaRPr lang="en-CA" sz="3500" spc="-1" dirty="0">
               <a:solidFill>
                 <a:srgbClr val="000000"/>
               </a:solidFill>
-              <a:latin typeface="Arial"/>
+              <a:latin typeface="Trade Gothic Next" panose="020B0503040303020004" pitchFamily="34" charset="0"/>
             </a:endParaRPr>
           </a:p>
           <a:p>
-            <a:pPr marL="514350" indent="-285750">
-              <a:spcBef>
-                <a:spcPts val="1417"/>
-              </a:spcBef>
+            <a:pPr marL="800100" indent="-571500">
+              <a:lnSpc>
+                <a:spcPct val="100000"/>
+              </a:lnSpc>
+              <a:tabLst>
+                <a:tab pos="0" algn="l"/>
+              </a:tabLst>
+            </a:pPr>
+            <a:r>
+              <a:rPr lang="en-CA" sz="3500" spc="-1" dirty="0" err="1">
+                <a:solidFill>
+                  <a:srgbClr val="000000"/>
+                </a:solidFill>
+                <a:latin typeface="Trade Gothic Next" panose="020B0503040303020004" pitchFamily="34" charset="0"/>
+              </a:rPr>
+              <a:t>Mão</a:t>
+            </a:r>
+            <a:r>
+              <a:rPr lang="en-CA" sz="3500" spc="-1" dirty="0">
+                <a:solidFill>
+                  <a:srgbClr val="000000"/>
+                </a:solidFill>
+                <a:latin typeface="Trade Gothic Next" panose="020B0503040303020004" pitchFamily="34" charset="0"/>
+              </a:rPr>
+              <a:t> de </a:t>
+            </a:r>
+            <a:r>
+              <a:rPr lang="en-CA" sz="3500" spc="-1" dirty="0" err="1">
+                <a:solidFill>
+                  <a:srgbClr val="000000"/>
+                </a:solidFill>
+                <a:latin typeface="Trade Gothic Next" panose="020B0503040303020004" pitchFamily="34" charset="0"/>
+              </a:rPr>
+              <a:t>obra</a:t>
+            </a:r>
+            <a:r>
+              <a:rPr lang="en-CA" sz="3500" spc="-1" dirty="0">
+                <a:solidFill>
+                  <a:srgbClr val="000000"/>
+                </a:solidFill>
+                <a:latin typeface="Trade Gothic Next" panose="020B0503040303020004" pitchFamily="34" charset="0"/>
+              </a:rPr>
+              <a:t> </a:t>
+            </a:r>
+            <a:r>
+              <a:rPr lang="en-CA" sz="3500" spc="-1" dirty="0" err="1">
+                <a:solidFill>
+                  <a:srgbClr val="000000"/>
+                </a:solidFill>
+                <a:latin typeface="Trade Gothic Next" panose="020B0503040303020004" pitchFamily="34" charset="0"/>
+              </a:rPr>
+              <a:t>qualificada</a:t>
+            </a:r>
+            <a:endParaRPr lang="en-CA" sz="3500" spc="-1" dirty="0">
+              <a:solidFill>
+                <a:srgbClr val="000000"/>
+              </a:solidFill>
+              <a:latin typeface="Trade Gothic Next" panose="020B0503040303020004" pitchFamily="34" charset="0"/>
+            </a:endParaRPr>
+          </a:p>
+          <a:p>
+            <a:pPr marL="800100" indent="-571500">
+              <a:lnSpc>
+                <a:spcPct val="100000"/>
+              </a:lnSpc>
+              <a:tabLst>
+                <a:tab pos="0" algn="l"/>
+              </a:tabLst>
+            </a:pPr>
+            <a:r>
+              <a:rPr lang="en-CA" sz="3500" spc="-1" dirty="0" err="1">
+                <a:solidFill>
+                  <a:srgbClr val="000000"/>
+                </a:solidFill>
+                <a:latin typeface="Trade Gothic Next" panose="020B0503040303020004" pitchFamily="34" charset="0"/>
+              </a:rPr>
+              <a:t>Documentação</a:t>
+            </a:r>
+            <a:endParaRPr lang="en-CA" sz="3500" spc="-1" dirty="0">
+              <a:solidFill>
+                <a:srgbClr val="000000"/>
+              </a:solidFill>
+              <a:latin typeface="Trade Gothic Next" panose="020B0503040303020004" pitchFamily="34" charset="0"/>
+            </a:endParaRPr>
+          </a:p>
+          <a:p>
+            <a:pPr marL="800100" indent="-571500">
+              <a:lnSpc>
+                <a:spcPct val="100000"/>
+              </a:lnSpc>
+              <a:tabLst>
+                <a:tab pos="0" algn="l"/>
+              </a:tabLst>
+            </a:pPr>
+            <a:r>
+              <a:rPr lang="en-CA" sz="3500" spc="-1" dirty="0" err="1">
+                <a:solidFill>
+                  <a:srgbClr val="000000"/>
+                </a:solidFill>
+                <a:latin typeface="Trade Gothic Next" panose="020B0503040303020004" pitchFamily="34" charset="0"/>
+              </a:rPr>
+              <a:t>Segurança</a:t>
+            </a:r>
+            <a:r>
+              <a:rPr lang="en-CA" sz="3500" spc="-1" dirty="0">
+                <a:solidFill>
+                  <a:srgbClr val="000000"/>
+                </a:solidFill>
+                <a:latin typeface="Trade Gothic Next" panose="020B0503040303020004" pitchFamily="34" charset="0"/>
+              </a:rPr>
+              <a:t> </a:t>
+            </a:r>
+            <a:r>
+              <a:rPr lang="en-CA" sz="3500" spc="-1" dirty="0" err="1">
+                <a:solidFill>
+                  <a:srgbClr val="000000"/>
+                </a:solidFill>
+                <a:latin typeface="Trade Gothic Next" panose="020B0503040303020004" pitchFamily="34" charset="0"/>
+              </a:rPr>
+              <a:t>sobre</a:t>
+            </a:r>
+            <a:r>
+              <a:rPr lang="en-CA" sz="3500" spc="-1" dirty="0">
+                <a:solidFill>
+                  <a:srgbClr val="000000"/>
+                </a:solidFill>
+                <a:latin typeface="Trade Gothic Next" panose="020B0503040303020004" pitchFamily="34" charset="0"/>
+              </a:rPr>
+              <a:t> as </a:t>
+            </a:r>
+            <a:r>
+              <a:rPr lang="en-CA" sz="3500" spc="-1" dirty="0" err="1">
+                <a:solidFill>
+                  <a:srgbClr val="000000"/>
+                </a:solidFill>
+                <a:latin typeface="Trade Gothic Next" panose="020B0503040303020004" pitchFamily="34" charset="0"/>
+              </a:rPr>
+              <a:t>informações</a:t>
+            </a:r>
+            <a:endParaRPr lang="en-CA" sz="3500" spc="-1" dirty="0">
+              <a:solidFill>
+                <a:srgbClr val="000000"/>
+              </a:solidFill>
+              <a:latin typeface="Trade Gothic Next" panose="020B0503040303020004" pitchFamily="34" charset="0"/>
+            </a:endParaRPr>
+          </a:p>
+          <a:p>
+            <a:pPr marL="800100" indent="-571500">
+              <a:lnSpc>
+                <a:spcPct val="100000"/>
+              </a:lnSpc>
+              <a:tabLst>
+                <a:tab pos="0" algn="l"/>
+              </a:tabLst>
+            </a:pPr>
+            <a:endParaRPr lang="en-CA" sz="3500" spc="-1" dirty="0">
+              <a:solidFill>
+                <a:srgbClr val="000000"/>
+              </a:solidFill>
+              <a:latin typeface="Trade Gothic Next" panose="020B0503040303020004" pitchFamily="34" charset="0"/>
+            </a:endParaRPr>
+          </a:p>
+          <a:p>
+            <a:pPr indent="0">
+              <a:lnSpc>
+                <a:spcPct val="100000"/>
+              </a:lnSpc>
+              <a:buFont typeface="Arial" panose="020B0604020202020204" pitchFamily="34" charset="0"/>
+              <a:buNone/>
+              <a:tabLst>
+                <a:tab pos="0" algn="l"/>
+              </a:tabLst>
             </a:pPr>
             <a:endParaRPr lang="en-CA" sz="1800" spc="-1" dirty="0">
               <a:solidFill>
@@ -7894,142 +11259,112 @@
               <a:latin typeface="Arial"/>
             </a:endParaRPr>
           </a:p>
-          <a:p>
-            <a:pPr marL="514350" indent="-285750">
-              <a:spcBef>
-                <a:spcPts val="1417"/>
-              </a:spcBef>
-            </a:pPr>
-            <a:r>
-              <a:rPr lang="en-CA" sz="1800" b="0" strike="noStrike" spc="-1" dirty="0" err="1">
-                <a:solidFill>
-                  <a:srgbClr val="000000"/>
-                </a:solidFill>
-                <a:latin typeface="Arial"/>
-              </a:rPr>
-              <a:t>Motivos</a:t>
-            </a:r>
-            <a:r>
-              <a:rPr lang="en-CA" sz="1800" b="0" strike="noStrike" spc="-1" dirty="0">
-                <a:solidFill>
-                  <a:srgbClr val="000000"/>
-                </a:solidFill>
-                <a:latin typeface="Arial"/>
-              </a:rPr>
-              <a:t> </a:t>
-            </a:r>
-            <a:r>
-              <a:rPr lang="en-CA" sz="1800" b="0" strike="noStrike" spc="-1" dirty="0" err="1">
-                <a:solidFill>
-                  <a:srgbClr val="000000"/>
-                </a:solidFill>
-                <a:latin typeface="Arial"/>
-              </a:rPr>
-              <a:t>pelo</a:t>
-            </a:r>
-            <a:r>
-              <a:rPr lang="en-CA" sz="1800" b="0" strike="noStrike" spc="-1" dirty="0">
-                <a:solidFill>
-                  <a:srgbClr val="000000"/>
-                </a:solidFill>
-                <a:latin typeface="Arial"/>
-              </a:rPr>
-              <a:t> qual </a:t>
-            </a:r>
-            <a:r>
-              <a:rPr lang="en-CA" sz="1800" b="0" strike="noStrike" spc="-1" dirty="0" err="1">
-                <a:solidFill>
-                  <a:srgbClr val="000000"/>
-                </a:solidFill>
-                <a:latin typeface="Arial"/>
-              </a:rPr>
-              <a:t>usamos</a:t>
-            </a:r>
-            <a:r>
-              <a:rPr lang="en-CA" sz="1800" b="0" strike="noStrike" spc="-1" dirty="0">
-                <a:solidFill>
-                  <a:srgbClr val="000000"/>
-                </a:solidFill>
-                <a:latin typeface="Arial"/>
-              </a:rPr>
-              <a:t> </a:t>
-            </a:r>
-            <a:r>
-              <a:rPr lang="en-CA" sz="1800" b="0" strike="noStrike" spc="-1">
-                <a:solidFill>
-                  <a:srgbClr val="000000"/>
-                </a:solidFill>
-                <a:latin typeface="Arial"/>
-              </a:rPr>
-              <a:t>o React</a:t>
-            </a:r>
-            <a:endParaRPr lang="en-CA" sz="1800" b="0" strike="noStrike" spc="-1" dirty="0">
-              <a:solidFill>
-                <a:srgbClr val="000000"/>
-              </a:solidFill>
-              <a:latin typeface="Arial"/>
-            </a:endParaRPr>
-          </a:p>
-          <a:p>
-            <a:pPr marL="514350" indent="-285750">
-              <a:spcBef>
-                <a:spcPts val="1417"/>
-              </a:spcBef>
-            </a:pPr>
-            <a:r>
-              <a:rPr lang="en-CA" sz="1800" spc="-1" dirty="0" err="1">
-                <a:solidFill>
-                  <a:srgbClr val="000000"/>
-                </a:solidFill>
-                <a:latin typeface="Arial"/>
-              </a:rPr>
-              <a:t>Bibliotecas</a:t>
-            </a:r>
-            <a:r>
-              <a:rPr lang="en-CA" sz="1800" spc="-1" dirty="0">
-                <a:solidFill>
-                  <a:srgbClr val="000000"/>
-                </a:solidFill>
-                <a:latin typeface="Arial"/>
-              </a:rPr>
-              <a:t> </a:t>
-            </a:r>
-            <a:r>
-              <a:rPr lang="en-CA" sz="1800" spc="-1" dirty="0" err="1">
-                <a:solidFill>
-                  <a:srgbClr val="000000"/>
-                </a:solidFill>
-                <a:latin typeface="Arial"/>
-              </a:rPr>
-              <a:t>utilizadas</a:t>
-            </a:r>
-            <a:endParaRPr lang="en-CA" sz="1800" spc="-1" dirty="0">
-              <a:solidFill>
-                <a:srgbClr val="000000"/>
-              </a:solidFill>
-              <a:latin typeface="Arial"/>
-            </a:endParaRPr>
-          </a:p>
-          <a:p>
-            <a:pPr marL="514350" indent="-285750">
-              <a:spcBef>
-                <a:spcPts val="1417"/>
-              </a:spcBef>
-            </a:pPr>
-            <a:endParaRPr lang="en-CA" sz="1800" b="0" strike="noStrike" spc="-1" dirty="0">
-              <a:solidFill>
-                <a:srgbClr val="000000"/>
-              </a:solidFill>
-              <a:latin typeface="Arial"/>
-            </a:endParaRPr>
-          </a:p>
-        </p:txBody>
-      </p:sp>
+        </p:txBody>
+      </p:sp>
+      <p:sp>
+        <p:nvSpPr>
+          <p:cNvPr id="8" name="Retângulo 7">
+            <a:extLst>
+              <a:ext uri="{FF2B5EF4-FFF2-40B4-BE49-F238E27FC236}">
+                <a16:creationId xmlns:a16="http://schemas.microsoft.com/office/drawing/2014/main" id="{549A061D-A27E-ED27-34FF-100443651FFE}"/>
+              </a:ext>
+            </a:extLst>
+          </p:cNvPr>
+          <p:cNvSpPr/>
+          <p:nvPr/>
+        </p:nvSpPr>
+        <p:spPr>
+          <a:xfrm>
+            <a:off x="-1" y="0"/>
+            <a:ext cx="807285" cy="5670550"/>
+          </a:xfrm>
+          <a:prstGeom prst="rect">
+            <a:avLst/>
+          </a:prstGeom>
+          <a:solidFill>
+            <a:schemeClr val="bg1">
+              <a:lumMod val="65000"/>
+            </a:schemeClr>
+          </a:solidFill>
+        </p:spPr>
+        <p:style>
+          <a:lnRef idx="2">
+            <a:schemeClr val="accent1">
+              <a:shade val="15000"/>
+            </a:schemeClr>
+          </a:lnRef>
+          <a:fillRef idx="1">
+            <a:schemeClr val="accent1"/>
+          </a:fillRef>
+          <a:effectRef idx="0">
+            <a:schemeClr val="accent1"/>
+          </a:effectRef>
+          <a:fontRef idx="minor">
+            <a:schemeClr val="lt1"/>
+          </a:fontRef>
+        </p:style>
+        <p:txBody>
+          <a:bodyPr rtlCol="0" anchor="ctr"/>
+          <a:lstStyle/>
+          <a:p>
+            <a:pPr algn="ctr"/>
+            <a:endParaRPr lang="pt-BR"/>
+          </a:p>
+        </p:txBody>
+      </p:sp>
+      <p:cxnSp>
+        <p:nvCxnSpPr>
+          <p:cNvPr id="9" name="Conector reto 8">
+            <a:extLst>
+              <a:ext uri="{FF2B5EF4-FFF2-40B4-BE49-F238E27FC236}">
+                <a16:creationId xmlns:a16="http://schemas.microsoft.com/office/drawing/2014/main" id="{F4B11E43-5E7A-D262-DEA4-56DAE0202B23}"/>
+              </a:ext>
+            </a:extLst>
+          </p:cNvPr>
+          <p:cNvCxnSpPr>
+            <a:cxnSpLocks/>
+          </p:cNvCxnSpPr>
+          <p:nvPr/>
+        </p:nvCxnSpPr>
+        <p:spPr>
+          <a:xfrm flipV="1">
+            <a:off x="795076" y="-73742"/>
+            <a:ext cx="0" cy="5829743"/>
+          </a:xfrm>
+          <a:prstGeom prst="line">
+            <a:avLst/>
+          </a:prstGeom>
+          <a:ln w="76200">
+            <a:solidFill>
+              <a:srgbClr val="0070C0"/>
+            </a:solidFill>
+            <a:headEnd type="none"/>
+            <a:tailEnd type="none"/>
+          </a:ln>
+        </p:spPr>
+        <p:style>
+          <a:lnRef idx="1">
+            <a:schemeClr val="accent1"/>
+          </a:lnRef>
+          <a:fillRef idx="0">
+            <a:schemeClr val="accent1"/>
+          </a:fillRef>
+          <a:effectRef idx="0">
+            <a:schemeClr val="accent1"/>
+          </a:effectRef>
+          <a:fontRef idx="minor">
+            <a:schemeClr val="tx1"/>
+          </a:fontRef>
+        </p:style>
+      </p:cxnSp>
     </p:spTree>
   </p:cSld>
   <p:clrMapOvr>
     <a:masterClrMapping/>
   </p:clrMapOvr>
+  <p:transition spd="slow">
+    <p:push dir="u"/>
+  </p:transition>
 </p:sld>
 </file>
 
@@ -8052,7 +11387,154 @@
       </p:grpSpPr>
       <p:sp>
         <p:nvSpPr>
-          <p:cNvPr id="93" name="PlaceHolder 1"/>
+          <p:cNvPr id="12" name="Retângulo 11">
+            <a:extLst>
+              <a:ext uri="{FF2B5EF4-FFF2-40B4-BE49-F238E27FC236}">
+                <a16:creationId xmlns:a16="http://schemas.microsoft.com/office/drawing/2014/main" id="{5DB75C8B-5A5F-10B2-2A97-9E814015E113}"/>
+              </a:ext>
+            </a:extLst>
+          </p:cNvPr>
+          <p:cNvSpPr/>
+          <p:nvPr/>
+        </p:nvSpPr>
+        <p:spPr>
+          <a:xfrm>
+            <a:off x="-1" y="0"/>
+            <a:ext cx="807285" cy="5670550"/>
+          </a:xfrm>
+          <a:prstGeom prst="rect">
+            <a:avLst/>
+          </a:prstGeom>
+          <a:solidFill>
+            <a:schemeClr val="bg1">
+              <a:lumMod val="65000"/>
+            </a:schemeClr>
+          </a:solidFill>
+        </p:spPr>
+        <p:style>
+          <a:lnRef idx="2">
+            <a:schemeClr val="accent1">
+              <a:shade val="15000"/>
+            </a:schemeClr>
+          </a:lnRef>
+          <a:fillRef idx="1">
+            <a:schemeClr val="accent1"/>
+          </a:fillRef>
+          <a:effectRef idx="0">
+            <a:schemeClr val="accent1"/>
+          </a:effectRef>
+          <a:fontRef idx="minor">
+            <a:schemeClr val="lt1"/>
+          </a:fontRef>
+        </p:style>
+        <p:txBody>
+          <a:bodyPr rtlCol="0" anchor="ctr"/>
+          <a:lstStyle/>
+          <a:p>
+            <a:pPr algn="ctr"/>
+            <a:endParaRPr lang="pt-BR"/>
+          </a:p>
+        </p:txBody>
+      </p:sp>
+      <p:sp>
+        <p:nvSpPr>
+          <p:cNvPr id="9" name="Retângulo 8">
+            <a:extLst>
+              <a:ext uri="{FF2B5EF4-FFF2-40B4-BE49-F238E27FC236}">
+                <a16:creationId xmlns:a16="http://schemas.microsoft.com/office/drawing/2014/main" id="{ACC3F824-8081-CC12-2ED2-95FAEE9D4C3C}"/>
+              </a:ext>
+            </a:extLst>
+          </p:cNvPr>
+          <p:cNvSpPr/>
+          <p:nvPr/>
+        </p:nvSpPr>
+        <p:spPr>
+          <a:xfrm>
+            <a:off x="252426" y="4929811"/>
+            <a:ext cx="9828198" cy="740736"/>
+          </a:xfrm>
+          <a:prstGeom prst="rect">
+            <a:avLst/>
+          </a:prstGeom>
+          <a:solidFill>
+            <a:schemeClr val="bg1">
+              <a:lumMod val="65000"/>
+            </a:schemeClr>
+          </a:solidFill>
+        </p:spPr>
+        <p:style>
+          <a:lnRef idx="2">
+            <a:schemeClr val="accent1">
+              <a:shade val="15000"/>
+            </a:schemeClr>
+          </a:lnRef>
+          <a:fillRef idx="1">
+            <a:schemeClr val="accent1"/>
+          </a:fillRef>
+          <a:effectRef idx="0">
+            <a:schemeClr val="accent1"/>
+          </a:effectRef>
+          <a:fontRef idx="minor">
+            <a:schemeClr val="lt1"/>
+          </a:fontRef>
+        </p:style>
+        <p:txBody>
+          <a:bodyPr rtlCol="0" anchor="ctr"/>
+          <a:lstStyle/>
+          <a:p>
+            <a:pPr algn="ctr"/>
+            <a:endParaRPr lang="pt-BR"/>
+          </a:p>
+        </p:txBody>
+      </p:sp>
+      <p:cxnSp>
+        <p:nvCxnSpPr>
+          <p:cNvPr id="6" name="Conector reto 5">
+            <a:extLst>
+              <a:ext uri="{FF2B5EF4-FFF2-40B4-BE49-F238E27FC236}">
+                <a16:creationId xmlns:a16="http://schemas.microsoft.com/office/drawing/2014/main" id="{3171CBCA-8291-4125-2B7E-A97ECDD68F15}"/>
+              </a:ext>
+            </a:extLst>
+          </p:cNvPr>
+          <p:cNvCxnSpPr>
+            <a:cxnSpLocks/>
+          </p:cNvCxnSpPr>
+          <p:nvPr/>
+        </p:nvCxnSpPr>
+        <p:spPr>
+          <a:xfrm flipH="1">
+            <a:off x="807284" y="4929811"/>
+            <a:ext cx="9350507" cy="0"/>
+          </a:xfrm>
+          <a:prstGeom prst="line">
+            <a:avLst/>
+          </a:prstGeom>
+          <a:ln w="76200">
+            <a:solidFill>
+              <a:srgbClr val="0070C0"/>
+            </a:solidFill>
+            <a:headEnd type="none"/>
+            <a:tailEnd type="none"/>
+          </a:ln>
+        </p:spPr>
+        <p:style>
+          <a:lnRef idx="1">
+            <a:schemeClr val="accent1"/>
+          </a:lnRef>
+          <a:fillRef idx="0">
+            <a:schemeClr val="accent1"/>
+          </a:fillRef>
+          <a:effectRef idx="0">
+            <a:schemeClr val="accent1"/>
+          </a:effectRef>
+          <a:fontRef idx="minor">
+            <a:schemeClr val="tx1"/>
+          </a:fontRef>
+        </p:style>
+      </p:cxnSp>
+      <p:sp>
+        <p:nvSpPr>
+          <p:cNvPr id="89" name="PlaceHolder 1"/>
           <p:cNvSpPr>
             <a:spLocks noGrp="1"/>
           </p:cNvSpPr>
@@ -8062,7 +11544,7 @@
         </p:nvSpPr>
         <p:spPr>
           <a:xfrm>
-            <a:off x="504000" y="226080"/>
+            <a:off x="504852" y="0"/>
             <a:ext cx="9070920" cy="945720"/>
           </a:xfrm>
           <a:prstGeom prst="rect">
@@ -8089,26 +11571,30 @@
               </a:tabLst>
             </a:pPr>
             <a:r>
-              <a:rPr lang="pt-BR" sz="4400" b="0" strike="noStrike" spc="-1">
+              <a:rPr lang="pt-BR" sz="5400" b="0" strike="noStrike" spc="-1" dirty="0">
                 <a:solidFill>
-                  <a:srgbClr val="000000"/>
+                  <a:schemeClr val="tx2">
+                    <a:lumMod val="75000"/>
+                  </a:schemeClr>
                 </a:solidFill>
-                <a:latin typeface="Arial"/>
+                <a:latin typeface="Trade Gothic Next Heavy" panose="020B0903040303020004" pitchFamily="34" charset="0"/>
               </a:rPr>
-              <a:t>Documentação</a:t>
+              <a:t>ARQUITETURA</a:t>
             </a:r>
-            <a:endParaRPr lang="en-CA" sz="4400" b="0" strike="noStrike" spc="-1">
+            <a:endParaRPr lang="en-CA" sz="4400" b="0" strike="noStrike" spc="-1" dirty="0">
               <a:solidFill>
-                <a:srgbClr val="000000"/>
+                <a:schemeClr val="tx2">
+                  <a:lumMod val="75000"/>
+                </a:schemeClr>
               </a:solidFill>
-              <a:latin typeface="Arial"/>
+              <a:latin typeface="Trade Gothic Next Heavy" panose="020B0903040303020004" pitchFamily="34" charset="0"/>
             </a:endParaRPr>
           </a:p>
         </p:txBody>
       </p:sp>
       <p:pic>
         <p:nvPicPr>
-          <p:cNvPr id="94" name="Picture 93"/>
+          <p:cNvPr id="90" name="Picture 89"/>
           <p:cNvPicPr/>
           <p:nvPr/>
         </p:nvPicPr>
@@ -8118,8 +11604,8 @@
         </p:blipFill>
         <p:spPr>
           <a:xfrm>
-            <a:off x="685080" y="1171800"/>
-            <a:ext cx="9034920" cy="4323240"/>
+            <a:off x="1356613" y="945717"/>
+            <a:ext cx="7367400" cy="4214160"/>
           </a:xfrm>
           <a:prstGeom prst="rect">
             <a:avLst/>
@@ -8129,11 +11615,110 @@
           </a:ln>
         </p:spPr>
       </p:pic>
+      <p:sp>
+        <p:nvSpPr>
+          <p:cNvPr id="3" name="Retângulo 2">
+            <a:extLst>
+              <a:ext uri="{FF2B5EF4-FFF2-40B4-BE49-F238E27FC236}">
+                <a16:creationId xmlns:a16="http://schemas.microsoft.com/office/drawing/2014/main" id="{5226E2F1-70F2-1DC4-EB6D-AF098C6CC255}"/>
+              </a:ext>
+            </a:extLst>
+          </p:cNvPr>
+          <p:cNvSpPr/>
+          <p:nvPr/>
+        </p:nvSpPr>
+        <p:spPr>
+          <a:xfrm>
+            <a:off x="0" y="0"/>
+            <a:ext cx="343409" cy="5670550"/>
+          </a:xfrm>
+          <a:prstGeom prst="rect">
+            <a:avLst/>
+          </a:prstGeom>
+          <a:solidFill>
+            <a:schemeClr val="bg1">
+              <a:lumMod val="65000"/>
+            </a:schemeClr>
+          </a:solidFill>
+        </p:spPr>
+        <p:style>
+          <a:lnRef idx="2">
+            <a:schemeClr val="accent1">
+              <a:shade val="15000"/>
+            </a:schemeClr>
+          </a:lnRef>
+          <a:fillRef idx="1">
+            <a:schemeClr val="accent1"/>
+          </a:fillRef>
+          <a:effectRef idx="0">
+            <a:schemeClr val="accent1"/>
+          </a:effectRef>
+          <a:fontRef idx="minor">
+            <a:schemeClr val="lt1"/>
+          </a:fontRef>
+        </p:style>
+        <p:txBody>
+          <a:bodyPr rtlCol="0" anchor="ctr"/>
+          <a:lstStyle/>
+          <a:p>
+            <a:pPr algn="ctr"/>
+            <a:endParaRPr lang="pt-BR"/>
+          </a:p>
+        </p:txBody>
+      </p:sp>
+      <p:cxnSp>
+        <p:nvCxnSpPr>
+          <p:cNvPr id="15" name="Conector reto 14">
+            <a:extLst>
+              <a:ext uri="{FF2B5EF4-FFF2-40B4-BE49-F238E27FC236}">
+                <a16:creationId xmlns:a16="http://schemas.microsoft.com/office/drawing/2014/main" id="{55D5D23F-B9E9-C804-9AB9-4A0B6D59947B}"/>
+              </a:ext>
+            </a:extLst>
+          </p:cNvPr>
+          <p:cNvCxnSpPr>
+            <a:cxnSpLocks/>
+          </p:cNvCxnSpPr>
+          <p:nvPr/>
+        </p:nvCxnSpPr>
+        <p:spPr>
+          <a:xfrm flipV="1">
+            <a:off x="795076" y="-73742"/>
+            <a:ext cx="0" cy="5003553"/>
+          </a:xfrm>
+          <a:prstGeom prst="line">
+            <a:avLst/>
+          </a:prstGeom>
+          <a:ln w="76200">
+            <a:solidFill>
+              <a:srgbClr val="0070C0"/>
+            </a:solidFill>
+            <a:headEnd type="oval"/>
+            <a:tailEnd type="none"/>
+          </a:ln>
+        </p:spPr>
+        <p:style>
+          <a:lnRef idx="1">
+            <a:schemeClr val="accent1"/>
+          </a:lnRef>
+          <a:fillRef idx="0">
+            <a:schemeClr val="accent1"/>
+          </a:fillRef>
+          <a:effectRef idx="0">
+            <a:schemeClr val="accent1"/>
+          </a:effectRef>
+          <a:fontRef idx="minor">
+            <a:schemeClr val="tx1"/>
+          </a:fontRef>
+        </p:style>
+      </p:cxnSp>
     </p:spTree>
   </p:cSld>
   <p:clrMapOvr>
     <a:masterClrMapping/>
   </p:clrMapOvr>
+  <p:transition spd="slow">
+    <p:push dir="u"/>
+  </p:transition>
 </p:sld>
 </file>
 
@@ -8156,7 +11741,58 @@
       </p:grpSpPr>
       <p:sp>
         <p:nvSpPr>
-          <p:cNvPr id="95" name="PlaceHolder 1"/>
+          <p:cNvPr id="17" name="Retângulo 16">
+            <a:extLst>
+              <a:ext uri="{FF2B5EF4-FFF2-40B4-BE49-F238E27FC236}">
+                <a16:creationId xmlns:a16="http://schemas.microsoft.com/office/drawing/2014/main" id="{808780BE-38A4-44F9-4CF6-A66BF63D222E}"/>
+              </a:ext>
+            </a:extLst>
+          </p:cNvPr>
+          <p:cNvSpPr/>
+          <p:nvPr/>
+        </p:nvSpPr>
+        <p:spPr>
+          <a:xfrm>
+            <a:off x="1" y="4929811"/>
+            <a:ext cx="10080624" cy="740739"/>
+          </a:xfrm>
+          <a:prstGeom prst="rect">
+            <a:avLst/>
+          </a:prstGeom>
+          <a:solidFill>
+            <a:schemeClr val="bg1">
+              <a:lumMod val="65000"/>
+            </a:schemeClr>
+          </a:solidFill>
+        </p:spPr>
+        <p:style>
+          <a:lnRef idx="2">
+            <a:schemeClr val="accent1">
+              <a:shade val="15000"/>
+            </a:schemeClr>
+          </a:lnRef>
+          <a:fillRef idx="1">
+            <a:schemeClr val="accent1"/>
+          </a:fillRef>
+          <a:effectRef idx="0">
+            <a:schemeClr val="accent1"/>
+          </a:effectRef>
+          <a:fontRef idx="minor">
+            <a:schemeClr val="lt1"/>
+          </a:fontRef>
+        </p:style>
+        <p:txBody>
+          <a:bodyPr rtlCol="0" anchor="ctr"/>
+          <a:lstStyle/>
+          <a:p>
+            <a:pPr algn="ctr"/>
+            <a:endParaRPr lang="pt-BR" dirty="0"/>
+          </a:p>
+        </p:txBody>
+      </p:sp>
+      <p:sp>
+        <p:nvSpPr>
+          <p:cNvPr id="91" name="PlaceHolder 1"/>
           <p:cNvSpPr>
             <a:spLocks noGrp="1"/>
           </p:cNvSpPr>
@@ -8166,7 +11802,7 @@
         </p:nvSpPr>
         <p:spPr>
           <a:xfrm>
-            <a:off x="504000" y="226080"/>
+            <a:off x="504000" y="0"/>
             <a:ext cx="9070920" cy="945720"/>
           </a:xfrm>
           <a:prstGeom prst="rect">
@@ -8193,15 +11829,416 @@
               </a:tabLst>
             </a:pPr>
             <a:r>
-              <a:rPr lang="pt-BR" sz="4400" b="0" strike="noStrike" spc="-1">
+              <a:rPr lang="en-US" sz="5400" spc="-1">
+                <a:solidFill>
+                  <a:schemeClr val="tx2">
+                    <a:lumMod val="75000"/>
+                  </a:schemeClr>
+                </a:solidFill>
+                <a:latin typeface="Trade Gothic Next Heavy" panose="020B0903040303020004" pitchFamily="34" charset="0"/>
+              </a:rPr>
+              <a:t>F</a:t>
+            </a:r>
+            <a:r>
+              <a:rPr lang="pt-BR" sz="5400" spc="-1">
+                <a:solidFill>
+                  <a:schemeClr val="tx2">
+                    <a:lumMod val="75000"/>
+                  </a:schemeClr>
+                </a:solidFill>
+                <a:latin typeface="Trade Gothic Next Heavy" panose="020B0903040303020004" pitchFamily="34" charset="0"/>
+              </a:rPr>
+              <a:t>RONT-END</a:t>
+            </a:r>
+            <a:endParaRPr lang="en-CA" sz="5400" b="0" strike="noStrike" spc="-1" dirty="0">
+              <a:solidFill>
+                <a:schemeClr val="tx2">
+                  <a:lumMod val="75000"/>
+                </a:schemeClr>
+              </a:solidFill>
+              <a:latin typeface="Trade Gothic Next Heavy" panose="020B0903040303020004" pitchFamily="34" charset="0"/>
+            </a:endParaRPr>
+          </a:p>
+        </p:txBody>
+      </p:sp>
+      <p:pic>
+        <p:nvPicPr>
+          <p:cNvPr id="5" name="Imagem 4" descr="Ícone&#10;&#10;Descrição gerada automaticamente">
+            <a:extLst>
+              <a:ext uri="{FF2B5EF4-FFF2-40B4-BE49-F238E27FC236}">
+                <a16:creationId xmlns:a16="http://schemas.microsoft.com/office/drawing/2014/main" id="{8927CAA1-9503-BC87-7256-5A4D8541643C}"/>
+              </a:ext>
+            </a:extLst>
+          </p:cNvPr>
+          <p:cNvPicPr>
+            <a:picLocks noChangeAspect="1"/>
+          </p:cNvPicPr>
+          <p:nvPr/>
+        </p:nvPicPr>
+        <p:blipFill>
+          <a:blip r:embed="rId2" cstate="print">
+            <a:extLst>
+              <a:ext uri="{28A0092B-C50C-407E-A947-70E740481C1C}">
+                <a14:useLocalDpi xmlns:a14="http://schemas.microsoft.com/office/drawing/2010/main" val="0"/>
+              </a:ext>
+            </a:extLst>
+          </a:blip>
+          <a:stretch>
+            <a:fillRect/>
+          </a:stretch>
+        </p:blipFill>
+        <p:spPr>
+          <a:xfrm>
+            <a:off x="504000" y="783272"/>
+            <a:ext cx="4104005" cy="4104005"/>
+          </a:xfrm>
+          <a:prstGeom prst="rect">
+            <a:avLst/>
+          </a:prstGeom>
+        </p:spPr>
+      </p:pic>
+      <p:sp>
+        <p:nvSpPr>
+          <p:cNvPr id="6" name="PlaceHolder 2">
+            <a:extLst>
+              <a:ext uri="{FF2B5EF4-FFF2-40B4-BE49-F238E27FC236}">
+                <a16:creationId xmlns:a16="http://schemas.microsoft.com/office/drawing/2014/main" id="{E6286281-AD1C-57AB-720A-96EA071E0305}"/>
+              </a:ext>
+            </a:extLst>
+          </p:cNvPr>
+          <p:cNvSpPr txBox="1">
+            <a:spLocks/>
+          </p:cNvSpPr>
+          <p:nvPr/>
+        </p:nvSpPr>
+        <p:spPr>
+          <a:xfrm>
+            <a:off x="5113710" y="999919"/>
+            <a:ext cx="4966915" cy="3768520"/>
+          </a:xfrm>
+          <a:prstGeom prst="rect">
+            <a:avLst/>
+          </a:prstGeom>
+          <a:noFill/>
+          <a:ln w="0">
+            <a:noFill/>
+          </a:ln>
+        </p:spPr>
+        <p:txBody>
+          <a:bodyPr lIns="0" tIns="0" rIns="0" bIns="0" anchor="t">
+            <a:normAutofit/>
+          </a:bodyPr>
+          <a:lstStyle>
+            <a:lvl1pPr marL="228600" indent="-228600" algn="l" defTabSz="914400" rtl="0" eaLnBrk="1" latinLnBrk="0" hangingPunct="1">
+              <a:lnSpc>
+                <a:spcPct val="90000"/>
+              </a:lnSpc>
+              <a:spcBef>
+                <a:spcPts val="1000"/>
+              </a:spcBef>
+              <a:buFont typeface="Arial" panose="020B0604020202020204" pitchFamily="34" charset="0"/>
+              <a:buChar char="•"/>
+              <a:defRPr sz="2800" kern="1200">
+                <a:solidFill>
+                  <a:schemeClr val="tx1"/>
+                </a:solidFill>
+                <a:latin typeface="+mn-lt"/>
+                <a:ea typeface="+mn-ea"/>
+                <a:cs typeface="+mn-cs"/>
+              </a:defRPr>
+            </a:lvl1pPr>
+            <a:lvl2pPr marL="685800" indent="-228600" algn="l" defTabSz="914400" rtl="0" eaLnBrk="1" latinLnBrk="0" hangingPunct="1">
+              <a:lnSpc>
+                <a:spcPct val="90000"/>
+              </a:lnSpc>
+              <a:spcBef>
+                <a:spcPts val="500"/>
+              </a:spcBef>
+              <a:buFont typeface="Arial" panose="020B0604020202020204" pitchFamily="34" charset="0"/>
+              <a:buChar char="•"/>
+              <a:defRPr sz="2400" kern="1200">
+                <a:solidFill>
+                  <a:schemeClr val="tx1"/>
+                </a:solidFill>
+                <a:latin typeface="+mn-lt"/>
+                <a:ea typeface="+mn-ea"/>
+                <a:cs typeface="+mn-cs"/>
+              </a:defRPr>
+            </a:lvl2pPr>
+            <a:lvl3pPr marL="1143000" indent="-228600" algn="l" defTabSz="914400" rtl="0" eaLnBrk="1" latinLnBrk="0" hangingPunct="1">
+              <a:lnSpc>
+                <a:spcPct val="90000"/>
+              </a:lnSpc>
+              <a:spcBef>
+                <a:spcPts val="500"/>
+              </a:spcBef>
+              <a:buFont typeface="Arial" panose="020B0604020202020204" pitchFamily="34" charset="0"/>
+              <a:buChar char="•"/>
+              <a:defRPr sz="2000" kern="1200">
+                <a:solidFill>
+                  <a:schemeClr val="tx1"/>
+                </a:solidFill>
+                <a:latin typeface="+mn-lt"/>
+                <a:ea typeface="+mn-ea"/>
+                <a:cs typeface="+mn-cs"/>
+              </a:defRPr>
+            </a:lvl3pPr>
+            <a:lvl4pPr marL="1600200" indent="-228600" algn="l" defTabSz="914400" rtl="0" eaLnBrk="1" latinLnBrk="0" hangingPunct="1">
+              <a:lnSpc>
+                <a:spcPct val="90000"/>
+              </a:lnSpc>
+              <a:spcBef>
+                <a:spcPts val="500"/>
+              </a:spcBef>
+              <a:buFont typeface="Arial" panose="020B0604020202020204" pitchFamily="34" charset="0"/>
+              <a:buChar char="•"/>
+              <a:defRPr sz="1800" kern="1200">
+                <a:solidFill>
+                  <a:schemeClr val="tx1"/>
+                </a:solidFill>
+                <a:latin typeface="+mn-lt"/>
+                <a:ea typeface="+mn-ea"/>
+                <a:cs typeface="+mn-cs"/>
+              </a:defRPr>
+            </a:lvl4pPr>
+            <a:lvl5pPr marL="2057400" indent="-228600" algn="l" defTabSz="914400" rtl="0" eaLnBrk="1" latinLnBrk="0" hangingPunct="1">
+              <a:lnSpc>
+                <a:spcPct val="90000"/>
+              </a:lnSpc>
+              <a:spcBef>
+                <a:spcPts val="500"/>
+              </a:spcBef>
+              <a:buFont typeface="Arial" panose="020B0604020202020204" pitchFamily="34" charset="0"/>
+              <a:buChar char="•"/>
+              <a:defRPr sz="1800" kern="1200">
+                <a:solidFill>
+                  <a:schemeClr val="tx1"/>
+                </a:solidFill>
+                <a:latin typeface="+mn-lt"/>
+                <a:ea typeface="+mn-ea"/>
+                <a:cs typeface="+mn-cs"/>
+              </a:defRPr>
+            </a:lvl5pPr>
+            <a:lvl6pPr marL="2514600" indent="-228600" algn="l" defTabSz="914400" rtl="0" eaLnBrk="1" latinLnBrk="0" hangingPunct="1">
+              <a:lnSpc>
+                <a:spcPct val="90000"/>
+              </a:lnSpc>
+              <a:spcBef>
+                <a:spcPts val="500"/>
+              </a:spcBef>
+              <a:buFont typeface="Arial" panose="020B0604020202020204" pitchFamily="34" charset="0"/>
+              <a:buChar char="•"/>
+              <a:defRPr sz="1800" kern="1200">
+                <a:solidFill>
+                  <a:schemeClr val="tx1"/>
+                </a:solidFill>
+                <a:latin typeface="+mn-lt"/>
+                <a:ea typeface="+mn-ea"/>
+                <a:cs typeface="+mn-cs"/>
+              </a:defRPr>
+            </a:lvl6pPr>
+            <a:lvl7pPr marL="2971800" indent="-228600" algn="l" defTabSz="914400" rtl="0" eaLnBrk="1" latinLnBrk="0" hangingPunct="1">
+              <a:lnSpc>
+                <a:spcPct val="90000"/>
+              </a:lnSpc>
+              <a:spcBef>
+                <a:spcPts val="500"/>
+              </a:spcBef>
+              <a:buFont typeface="Arial" panose="020B0604020202020204" pitchFamily="34" charset="0"/>
+              <a:buChar char="•"/>
+              <a:defRPr sz="1800" kern="1200">
+                <a:solidFill>
+                  <a:schemeClr val="tx1"/>
+                </a:solidFill>
+                <a:latin typeface="+mn-lt"/>
+                <a:ea typeface="+mn-ea"/>
+                <a:cs typeface="+mn-cs"/>
+              </a:defRPr>
+            </a:lvl7pPr>
+            <a:lvl8pPr marL="3429000" indent="-228600" algn="l" defTabSz="914400" rtl="0" eaLnBrk="1" latinLnBrk="0" hangingPunct="1">
+              <a:lnSpc>
+                <a:spcPct val="90000"/>
+              </a:lnSpc>
+              <a:spcBef>
+                <a:spcPts val="500"/>
+              </a:spcBef>
+              <a:buFont typeface="Arial" panose="020B0604020202020204" pitchFamily="34" charset="0"/>
+              <a:buChar char="•"/>
+              <a:defRPr sz="1800" kern="1200">
+                <a:solidFill>
+                  <a:schemeClr val="tx1"/>
+                </a:solidFill>
+                <a:latin typeface="+mn-lt"/>
+                <a:ea typeface="+mn-ea"/>
+                <a:cs typeface="+mn-cs"/>
+              </a:defRPr>
+            </a:lvl8pPr>
+            <a:lvl9pPr marL="3886200" indent="-228600" algn="l" defTabSz="914400" rtl="0" eaLnBrk="1" latinLnBrk="0" hangingPunct="1">
+              <a:lnSpc>
+                <a:spcPct val="90000"/>
+              </a:lnSpc>
+              <a:spcBef>
+                <a:spcPts val="500"/>
+              </a:spcBef>
+              <a:buFont typeface="Arial" panose="020B0604020202020204" pitchFamily="34" charset="0"/>
+              <a:buChar char="•"/>
+              <a:defRPr sz="1800" kern="1200">
+                <a:solidFill>
+                  <a:schemeClr val="tx1"/>
+                </a:solidFill>
+                <a:latin typeface="+mn-lt"/>
+                <a:ea typeface="+mn-ea"/>
+                <a:cs typeface="+mn-cs"/>
+              </a:defRPr>
+            </a:lvl9pPr>
+          </a:lstStyle>
+          <a:p>
+            <a:pPr marL="800100" indent="-571500">
+              <a:lnSpc>
+                <a:spcPct val="100000"/>
+              </a:lnSpc>
+              <a:tabLst>
+                <a:tab pos="0" algn="l"/>
+              </a:tabLst>
+            </a:pPr>
+            <a:r>
+              <a:rPr lang="en-CA" sz="3500" spc="-1" dirty="0" err="1">
                 <a:solidFill>
                   <a:srgbClr val="000000"/>
                 </a:solidFill>
-                <a:latin typeface="Arial"/>
+                <a:latin typeface="Trade Gothic Next" panose="020B0503040303020004" pitchFamily="34" charset="0"/>
               </a:rPr>
-              <a:t>API</a:t>
+              <a:t>Esboço</a:t>
             </a:r>
-            <a:endParaRPr lang="en-CA" sz="4400" b="0" strike="noStrike" spc="-1">
+            <a:r>
+              <a:rPr lang="en-CA" sz="3500" spc="-1" dirty="0">
+                <a:solidFill>
+                  <a:srgbClr val="000000"/>
+                </a:solidFill>
+                <a:latin typeface="Trade Gothic Next" panose="020B0503040303020004" pitchFamily="34" charset="0"/>
+              </a:rPr>
+              <a:t> no Figma</a:t>
+            </a:r>
+          </a:p>
+          <a:p>
+            <a:pPr marL="800100" indent="-571500">
+              <a:lnSpc>
+                <a:spcPct val="100000"/>
+              </a:lnSpc>
+              <a:tabLst>
+                <a:tab pos="0" algn="l"/>
+              </a:tabLst>
+            </a:pPr>
+            <a:r>
+              <a:rPr lang="en-CA" sz="3500" spc="-1" dirty="0">
+                <a:solidFill>
+                  <a:srgbClr val="000000"/>
+                </a:solidFill>
+                <a:latin typeface="Trade Gothic Next" panose="020B0503040303020004" pitchFamily="34" charset="0"/>
+              </a:rPr>
+              <a:t>React</a:t>
+            </a:r>
+          </a:p>
+          <a:p>
+            <a:pPr marL="800100" indent="-571500">
+              <a:lnSpc>
+                <a:spcPct val="100000"/>
+              </a:lnSpc>
+              <a:tabLst>
+                <a:tab pos="0" algn="l"/>
+              </a:tabLst>
+            </a:pPr>
+            <a:r>
+              <a:rPr lang="en-CA" sz="3500" spc="-1" dirty="0">
+                <a:solidFill>
+                  <a:srgbClr val="000000"/>
+                </a:solidFill>
+                <a:latin typeface="Trade Gothic Next" panose="020B0503040303020004" pitchFamily="34" charset="0"/>
+              </a:rPr>
+              <a:t>Styled-components</a:t>
+            </a:r>
+          </a:p>
+          <a:p>
+            <a:pPr marL="800100" indent="-571500">
+              <a:lnSpc>
+                <a:spcPct val="100000"/>
+              </a:lnSpc>
+              <a:tabLst>
+                <a:tab pos="0" algn="l"/>
+              </a:tabLst>
+            </a:pPr>
+            <a:r>
+              <a:rPr lang="en-CA" sz="3500" spc="-1" dirty="0">
+                <a:solidFill>
+                  <a:srgbClr val="000000"/>
+                </a:solidFill>
+                <a:latin typeface="Trade Gothic Next" panose="020B0503040303020004" pitchFamily="34" charset="0"/>
+              </a:rPr>
+              <a:t>React-router-</a:t>
+            </a:r>
+            <a:r>
+              <a:rPr lang="en-CA" sz="3500" spc="-1" dirty="0" err="1">
+                <a:solidFill>
+                  <a:srgbClr val="000000"/>
+                </a:solidFill>
+                <a:latin typeface="Trade Gothic Next" panose="020B0503040303020004" pitchFamily="34" charset="0"/>
+              </a:rPr>
+              <a:t>dom</a:t>
+            </a:r>
+            <a:endParaRPr lang="en-CA" sz="3500" spc="-1" dirty="0">
+              <a:solidFill>
+                <a:srgbClr val="000000"/>
+              </a:solidFill>
+              <a:latin typeface="Trade Gothic Next" panose="020B0503040303020004" pitchFamily="34" charset="0"/>
+            </a:endParaRPr>
+          </a:p>
+          <a:p>
+            <a:pPr marL="800100" indent="-571500">
+              <a:lnSpc>
+                <a:spcPct val="100000"/>
+              </a:lnSpc>
+              <a:tabLst>
+                <a:tab pos="0" algn="l"/>
+              </a:tabLst>
+            </a:pPr>
+            <a:r>
+              <a:rPr lang="en-CA" sz="3500" spc="-1" dirty="0">
+                <a:solidFill>
+                  <a:srgbClr val="000000"/>
+                </a:solidFill>
+                <a:latin typeface="Trade Gothic Next" panose="020B0503040303020004" pitchFamily="34" charset="0"/>
+              </a:rPr>
+              <a:t>Material UI</a:t>
+            </a:r>
+          </a:p>
+          <a:p>
+            <a:pPr marL="800100" indent="-571500">
+              <a:lnSpc>
+                <a:spcPct val="100000"/>
+              </a:lnSpc>
+              <a:tabLst>
+                <a:tab pos="0" algn="l"/>
+              </a:tabLst>
+            </a:pPr>
+            <a:endParaRPr lang="en-CA" sz="3500" spc="-1" dirty="0">
+              <a:solidFill>
+                <a:srgbClr val="000000"/>
+              </a:solidFill>
+              <a:latin typeface="Trade Gothic Next" panose="020B0503040303020004" pitchFamily="34" charset="0"/>
+            </a:endParaRPr>
+          </a:p>
+          <a:p>
+            <a:pPr indent="0">
+              <a:lnSpc>
+                <a:spcPct val="100000"/>
+              </a:lnSpc>
+              <a:buFont typeface="Arial" panose="020B0604020202020204" pitchFamily="34" charset="0"/>
+              <a:buNone/>
+              <a:tabLst>
+                <a:tab pos="0" algn="l"/>
+              </a:tabLst>
+            </a:pPr>
+            <a:endParaRPr lang="en-CA" sz="1800" spc="-1" dirty="0">
               <a:solidFill>
                 <a:srgbClr val="000000"/>
               </a:solidFill>
@@ -8210,34 +12247,102 @@
           </a:p>
         </p:txBody>
       </p:sp>
-      <p:pic>
-        <p:nvPicPr>
-          <p:cNvPr id="96" name="Picture 95"/>
-          <p:cNvPicPr/>
+      <p:cxnSp>
+        <p:nvCxnSpPr>
+          <p:cNvPr id="18" name="Conector reto 17">
+            <a:extLst>
+              <a:ext uri="{FF2B5EF4-FFF2-40B4-BE49-F238E27FC236}">
+                <a16:creationId xmlns:a16="http://schemas.microsoft.com/office/drawing/2014/main" id="{D995892D-EA1B-5265-F618-2CAD32225FF9}"/>
+              </a:ext>
+            </a:extLst>
+          </p:cNvPr>
+          <p:cNvCxnSpPr>
+            <a:cxnSpLocks/>
+          </p:cNvCxnSpPr>
           <p:nvPr/>
-        </p:nvPicPr>
-        <p:blipFill>
-          <a:blip r:embed="rId2"/>
-          <a:stretch/>
-        </p:blipFill>
-        <p:spPr>
-          <a:xfrm>
-            <a:off x="900000" y="1187640"/>
-            <a:ext cx="8605080" cy="4305600"/>
-          </a:xfrm>
-          <a:prstGeom prst="rect">
-            <a:avLst/>
-          </a:prstGeom>
-          <a:ln w="0">
-            <a:noFill/>
+        </p:nvCxnSpPr>
+        <p:spPr>
+          <a:xfrm flipH="1">
+            <a:off x="0" y="4929811"/>
+            <a:ext cx="10157791" cy="0"/>
+          </a:xfrm>
+          <a:prstGeom prst="line">
+            <a:avLst/>
+          </a:prstGeom>
+          <a:ln w="76200">
+            <a:solidFill>
+              <a:srgbClr val="0070C0"/>
+            </a:solidFill>
+            <a:headEnd type="none"/>
+            <a:tailEnd type="none"/>
           </a:ln>
         </p:spPr>
-      </p:pic>
+        <p:style>
+          <a:lnRef idx="1">
+            <a:schemeClr val="accent1"/>
+          </a:lnRef>
+          <a:fillRef idx="0">
+            <a:schemeClr val="accent1"/>
+          </a:fillRef>
+          <a:effectRef idx="0">
+            <a:schemeClr val="accent1"/>
+          </a:effectRef>
+          <a:fontRef idx="minor">
+            <a:schemeClr val="tx1"/>
+          </a:fontRef>
+        </p:style>
+      </p:cxnSp>
+      <p:cxnSp>
+        <p:nvCxnSpPr>
+          <p:cNvPr id="20" name="Conector reto 19">
+            <a:extLst>
+              <a:ext uri="{FF2B5EF4-FFF2-40B4-BE49-F238E27FC236}">
+                <a16:creationId xmlns:a16="http://schemas.microsoft.com/office/drawing/2014/main" id="{E3438778-612A-E0E8-08C5-D81768FB883F}"/>
+              </a:ext>
+            </a:extLst>
+          </p:cNvPr>
+          <p:cNvCxnSpPr>
+            <a:cxnSpLocks/>
+          </p:cNvCxnSpPr>
+          <p:nvPr/>
+        </p:nvCxnSpPr>
+        <p:spPr>
+          <a:xfrm flipV="1">
+            <a:off x="10043880" y="4929811"/>
+            <a:ext cx="0" cy="945720"/>
+          </a:xfrm>
+          <a:prstGeom prst="line">
+            <a:avLst/>
+          </a:prstGeom>
+          <a:ln w="76200">
+            <a:solidFill>
+              <a:srgbClr val="0070C0"/>
+            </a:solidFill>
+          </a:ln>
+        </p:spPr>
+        <p:style>
+          <a:lnRef idx="1">
+            <a:schemeClr val="accent1"/>
+          </a:lnRef>
+          <a:fillRef idx="0">
+            <a:schemeClr val="accent1"/>
+          </a:fillRef>
+          <a:effectRef idx="0">
+            <a:schemeClr val="accent1"/>
+          </a:effectRef>
+          <a:fontRef idx="minor">
+            <a:schemeClr val="tx1"/>
+          </a:fontRef>
+        </p:style>
+      </p:cxnSp>
     </p:spTree>
   </p:cSld>
   <p:clrMapOvr>
     <a:masterClrMapping/>
   </p:clrMapOvr>
+  <p:transition spd="slow">
+    <p:push/>
+  </p:transition>
 </p:sld>
 </file>
 
@@ -8260,7 +12365,101 @@
       </p:grpSpPr>
       <p:sp>
         <p:nvSpPr>
-          <p:cNvPr id="97" name="PlaceHolder 1"/>
+          <p:cNvPr id="5" name="Retângulo 4">
+            <a:extLst>
+              <a:ext uri="{FF2B5EF4-FFF2-40B4-BE49-F238E27FC236}">
+                <a16:creationId xmlns:a16="http://schemas.microsoft.com/office/drawing/2014/main" id="{2E5D7197-55B6-EF20-C5FB-29E52A04C6BA}"/>
+              </a:ext>
+            </a:extLst>
+          </p:cNvPr>
+          <p:cNvSpPr/>
+          <p:nvPr/>
+        </p:nvSpPr>
+        <p:spPr>
+          <a:xfrm>
+            <a:off x="1" y="0"/>
+            <a:ext cx="10080624" cy="925842"/>
+          </a:xfrm>
+          <a:prstGeom prst="rect">
+            <a:avLst/>
+          </a:prstGeom>
+          <a:solidFill>
+            <a:schemeClr val="bg1">
+              <a:lumMod val="65000"/>
+            </a:schemeClr>
+          </a:solidFill>
+        </p:spPr>
+        <p:style>
+          <a:lnRef idx="2">
+            <a:schemeClr val="accent1">
+              <a:shade val="15000"/>
+            </a:schemeClr>
+          </a:lnRef>
+          <a:fillRef idx="1">
+            <a:schemeClr val="accent1"/>
+          </a:fillRef>
+          <a:effectRef idx="0">
+            <a:schemeClr val="accent1"/>
+          </a:effectRef>
+          <a:fontRef idx="minor">
+            <a:schemeClr val="lt1"/>
+          </a:fontRef>
+        </p:style>
+        <p:txBody>
+          <a:bodyPr rtlCol="0" anchor="ctr"/>
+          <a:lstStyle/>
+          <a:p>
+            <a:pPr algn="ctr"/>
+            <a:endParaRPr lang="pt-BR" dirty="0"/>
+          </a:p>
+        </p:txBody>
+      </p:sp>
+      <p:cxnSp>
+        <p:nvCxnSpPr>
+          <p:cNvPr id="2" name="Conector reto 1">
+            <a:extLst>
+              <a:ext uri="{FF2B5EF4-FFF2-40B4-BE49-F238E27FC236}">
+                <a16:creationId xmlns:a16="http://schemas.microsoft.com/office/drawing/2014/main" id="{86610E47-C3DF-0BD9-2683-F5C71412E05C}"/>
+              </a:ext>
+            </a:extLst>
+          </p:cNvPr>
+          <p:cNvCxnSpPr>
+            <a:cxnSpLocks/>
+          </p:cNvCxnSpPr>
+          <p:nvPr/>
+        </p:nvCxnSpPr>
+        <p:spPr>
+          <a:xfrm flipV="1">
+            <a:off x="10044000" y="0"/>
+            <a:ext cx="0" cy="945720"/>
+          </a:xfrm>
+          <a:prstGeom prst="line">
+            <a:avLst/>
+          </a:prstGeom>
+          <a:ln w="76200">
+            <a:solidFill>
+              <a:srgbClr val="0070C0"/>
+            </a:solidFill>
+          </a:ln>
+        </p:spPr>
+        <p:style>
+          <a:lnRef idx="1">
+            <a:schemeClr val="accent1"/>
+          </a:lnRef>
+          <a:fillRef idx="0">
+            <a:schemeClr val="accent1"/>
+          </a:fillRef>
+          <a:effectRef idx="0">
+            <a:schemeClr val="accent1"/>
+          </a:effectRef>
+          <a:fontRef idx="minor">
+            <a:schemeClr val="tx1"/>
+          </a:fontRef>
+        </p:style>
+      </p:cxnSp>
+      <p:sp>
+        <p:nvSpPr>
+          <p:cNvPr id="93" name="PlaceHolder 1"/>
           <p:cNvSpPr>
             <a:spLocks noGrp="1"/>
           </p:cNvSpPr>
@@ -8270,7 +12469,7 @@
         </p:nvSpPr>
         <p:spPr>
           <a:xfrm>
-            <a:off x="504000" y="226080"/>
+            <a:off x="504853" y="0"/>
             <a:ext cx="9070920" cy="945720"/>
           </a:xfrm>
           <a:prstGeom prst="rect">
@@ -8297,26 +12496,30 @@
               </a:tabLst>
             </a:pPr>
             <a:r>
-              <a:rPr lang="pt-BR" sz="4400" b="0" strike="noStrike" spc="-1">
+              <a:rPr lang="pt-BR" sz="5400" b="0" strike="noStrike" spc="-1" dirty="0">
                 <a:solidFill>
-                  <a:srgbClr val="000000"/>
+                  <a:schemeClr val="tx2">
+                    <a:lumMod val="75000"/>
+                  </a:schemeClr>
                 </a:solidFill>
-                <a:latin typeface="Arial"/>
+                <a:latin typeface="Trade Gothic Next Heavy" panose="020B0903040303020004" pitchFamily="34" charset="0"/>
               </a:rPr>
-              <a:t>Controle de qualidade</a:t>
+              <a:t>DOCUMENTAÇÃO</a:t>
             </a:r>
-            <a:endParaRPr lang="en-CA" sz="4400" b="0" strike="noStrike" spc="-1">
+            <a:endParaRPr lang="en-CA" sz="4400" b="0" strike="noStrike" spc="-1" dirty="0">
               <a:solidFill>
-                <a:srgbClr val="000000"/>
+                <a:schemeClr val="tx2">
+                  <a:lumMod val="75000"/>
+                </a:schemeClr>
               </a:solidFill>
-              <a:latin typeface="Arial"/>
+              <a:latin typeface="Trade Gothic Next Heavy" panose="020B0903040303020004" pitchFamily="34" charset="0"/>
             </a:endParaRPr>
           </a:p>
         </p:txBody>
       </p:sp>
       <p:pic>
         <p:nvPicPr>
-          <p:cNvPr id="98" name="Picture 97"/>
+          <p:cNvPr id="94" name="Picture 93"/>
           <p:cNvPicPr/>
           <p:nvPr/>
         </p:nvPicPr>
@@ -8326,8 +12529,8 @@
         </p:blipFill>
         <p:spPr>
           <a:xfrm>
-            <a:off x="180000" y="1620000"/>
-            <a:ext cx="9568440" cy="3240000"/>
+            <a:off x="540853" y="1110978"/>
+            <a:ext cx="9034920" cy="4323240"/>
           </a:xfrm>
           <a:prstGeom prst="rect">
             <a:avLst/>
@@ -8337,11 +12540,59 @@
           </a:ln>
         </p:spPr>
       </p:pic>
+      <p:cxnSp>
+        <p:nvCxnSpPr>
+          <p:cNvPr id="3" name="Conector reto 2">
+            <a:extLst>
+              <a:ext uri="{FF2B5EF4-FFF2-40B4-BE49-F238E27FC236}">
+                <a16:creationId xmlns:a16="http://schemas.microsoft.com/office/drawing/2014/main" id="{59963C4B-8D3A-349D-F26E-329206944663}"/>
+              </a:ext>
+            </a:extLst>
+          </p:cNvPr>
+          <p:cNvCxnSpPr>
+            <a:cxnSpLocks/>
+          </p:cNvCxnSpPr>
+          <p:nvPr/>
+        </p:nvCxnSpPr>
+        <p:spPr>
+          <a:xfrm flipH="1">
+            <a:off x="-38584" y="935783"/>
+            <a:ext cx="10157791" cy="0"/>
+          </a:xfrm>
+          <a:prstGeom prst="line">
+            <a:avLst/>
+          </a:prstGeom>
+          <a:ln w="76200">
+            <a:solidFill>
+              <a:srgbClr val="0070C0"/>
+            </a:solidFill>
+            <a:headEnd type="none"/>
+            <a:tailEnd type="none"/>
+          </a:ln>
+        </p:spPr>
+        <p:style>
+          <a:lnRef idx="1">
+            <a:schemeClr val="accent1"/>
+          </a:lnRef>
+          <a:fillRef idx="0">
+            <a:schemeClr val="accent1"/>
+          </a:fillRef>
+          <a:effectRef idx="0">
+            <a:schemeClr val="accent1"/>
+          </a:effectRef>
+          <a:fontRef idx="minor">
+            <a:schemeClr val="tx1"/>
+          </a:fontRef>
+        </p:style>
+      </p:cxnSp>
     </p:spTree>
   </p:cSld>
   <p:clrMapOvr>
     <a:masterClrMapping/>
   </p:clrMapOvr>
+  <p:transition spd="slow">
+    <p:push dir="u"/>
+  </p:transition>
 </p:sld>
 </file>
 
@@ -8364,63 +12615,109 @@
       </p:grpSpPr>
       <p:sp>
         <p:nvSpPr>
-          <p:cNvPr id="99" name="PlaceHolder 1"/>
-          <p:cNvSpPr>
-            <a:spLocks noGrp="1"/>
-          </p:cNvSpPr>
-          <p:nvPr>
-            <p:ph type="title"/>
-          </p:nvPr>
-        </p:nvSpPr>
-        <p:spPr>
-          <a:xfrm>
-            <a:off x="504000" y="226080"/>
-            <a:ext cx="9070920" cy="945720"/>
-          </a:xfrm>
-          <a:prstGeom prst="rect">
-            <a:avLst/>
-          </a:prstGeom>
-          <a:noFill/>
-          <a:ln w="0">
-            <a:noFill/>
-          </a:ln>
-        </p:spPr>
-        <p:txBody>
-          <a:bodyPr lIns="0" tIns="0" rIns="0" bIns="0" anchor="ctr">
-            <a:noAutofit/>
-          </a:bodyPr>
-          <a:lstStyle/>
-          <a:p>
-            <a:pPr indent="0" algn="ctr">
-              <a:lnSpc>
-                <a:spcPct val="100000"/>
-              </a:lnSpc>
-              <a:buNone/>
-              <a:tabLst>
-                <a:tab pos="0" algn="l"/>
-              </a:tabLst>
-            </a:pPr>
-            <a:r>
-              <a:rPr lang="pt-BR" sz="4400" b="0" strike="noStrike" spc="-1">
-                <a:solidFill>
-                  <a:srgbClr val="000000"/>
-                </a:solidFill>
-                <a:latin typeface="Arial"/>
-              </a:rPr>
-              <a:t>Divisão de tarefas</a:t>
-            </a:r>
-            <a:endParaRPr lang="en-CA" sz="4400" b="0" strike="noStrike" spc="-1">
-              <a:solidFill>
-                <a:srgbClr val="000000"/>
-              </a:solidFill>
-              <a:latin typeface="Arial"/>
-            </a:endParaRPr>
+          <p:cNvPr id="9" name="Retângulo 8">
+            <a:extLst>
+              <a:ext uri="{FF2B5EF4-FFF2-40B4-BE49-F238E27FC236}">
+                <a16:creationId xmlns:a16="http://schemas.microsoft.com/office/drawing/2014/main" id="{C772F35B-0098-4A15-DF5A-6BDB21AF4B2A}"/>
+              </a:ext>
+            </a:extLst>
+          </p:cNvPr>
+          <p:cNvSpPr/>
+          <p:nvPr/>
+        </p:nvSpPr>
+        <p:spPr>
+          <a:xfrm>
+            <a:off x="-1705" y="152399"/>
+            <a:ext cx="692861" cy="5518149"/>
+          </a:xfrm>
+          <a:prstGeom prst="rect">
+            <a:avLst/>
+          </a:prstGeom>
+          <a:solidFill>
+            <a:schemeClr val="bg1">
+              <a:lumMod val="65000"/>
+            </a:schemeClr>
+          </a:solidFill>
+        </p:spPr>
+        <p:style>
+          <a:lnRef idx="2">
+            <a:schemeClr val="accent1">
+              <a:shade val="15000"/>
+            </a:schemeClr>
+          </a:lnRef>
+          <a:fillRef idx="1">
+            <a:schemeClr val="accent1"/>
+          </a:fillRef>
+          <a:effectRef idx="0">
+            <a:schemeClr val="accent1"/>
+          </a:effectRef>
+          <a:fontRef idx="minor">
+            <a:schemeClr val="lt1"/>
+          </a:fontRef>
+        </p:style>
+        <p:txBody>
+          <a:bodyPr rtlCol="0" anchor="ctr"/>
+          <a:lstStyle/>
+          <a:p>
+            <a:pPr algn="ctr"/>
+            <a:endParaRPr lang="pt-BR" dirty="0"/>
+          </a:p>
+        </p:txBody>
+      </p:sp>
+      <p:sp>
+        <p:nvSpPr>
+          <p:cNvPr id="4" name="Retângulo 3">
+            <a:extLst>
+              <a:ext uri="{FF2B5EF4-FFF2-40B4-BE49-F238E27FC236}">
+                <a16:creationId xmlns:a16="http://schemas.microsoft.com/office/drawing/2014/main" id="{1BD5F02F-0257-1453-24C6-74E91C6823AB}"/>
+              </a:ext>
+            </a:extLst>
+          </p:cNvPr>
+          <p:cNvSpPr/>
+          <p:nvPr/>
+        </p:nvSpPr>
+        <p:spPr>
+          <a:xfrm>
+            <a:off x="1" y="0"/>
+            <a:ext cx="10080624" cy="925842"/>
+          </a:xfrm>
+          <a:prstGeom prst="rect">
+            <a:avLst/>
+          </a:prstGeom>
+          <a:solidFill>
+            <a:schemeClr val="bg1">
+              <a:lumMod val="65000"/>
+            </a:schemeClr>
+          </a:solidFill>
+        </p:spPr>
+        <p:style>
+          <a:lnRef idx="2">
+            <a:schemeClr val="accent1">
+              <a:shade val="15000"/>
+            </a:schemeClr>
+          </a:lnRef>
+          <a:fillRef idx="1">
+            <a:schemeClr val="accent1"/>
+          </a:fillRef>
+          <a:effectRef idx="0">
+            <a:schemeClr val="accent1"/>
+          </a:effectRef>
+          <a:fontRef idx="minor">
+            <a:schemeClr val="lt1"/>
+          </a:fontRef>
+        </p:style>
+        <p:txBody>
+          <a:bodyPr rtlCol="0" anchor="ctr"/>
+          <a:lstStyle/>
+          <a:p>
+            <a:pPr algn="ctr"/>
+            <a:endParaRPr lang="pt-BR" dirty="0"/>
           </a:p>
         </p:txBody>
       </p:sp>
       <p:pic>
         <p:nvPicPr>
-          <p:cNvPr id="100" name="Picture 99"/>
+          <p:cNvPr id="96" name="Picture 95"/>
           <p:cNvPicPr/>
           <p:nvPr/>
         </p:nvPicPr>
@@ -8430,8 +12727,8 @@
         </p:blipFill>
         <p:spPr>
           <a:xfrm>
-            <a:off x="180000" y="1440000"/>
-            <a:ext cx="9752040" cy="3688200"/>
+            <a:off x="900000" y="1187640"/>
+            <a:ext cx="8605080" cy="4305600"/>
           </a:xfrm>
           <a:prstGeom prst="rect">
             <a:avLst/>
@@ -8441,11 +12738,185 @@
           </a:ln>
         </p:spPr>
       </p:pic>
+      <p:sp>
+        <p:nvSpPr>
+          <p:cNvPr id="2" name="PlaceHolder 1">
+            <a:extLst>
+              <a:ext uri="{FF2B5EF4-FFF2-40B4-BE49-F238E27FC236}">
+                <a16:creationId xmlns:a16="http://schemas.microsoft.com/office/drawing/2014/main" id="{D0E622FE-3B24-C368-850D-0711D789165F}"/>
+              </a:ext>
+            </a:extLst>
+          </p:cNvPr>
+          <p:cNvSpPr txBox="1">
+            <a:spLocks/>
+          </p:cNvSpPr>
+          <p:nvPr/>
+        </p:nvSpPr>
+        <p:spPr>
+          <a:xfrm>
+            <a:off x="504000" y="0"/>
+            <a:ext cx="9070920" cy="945720"/>
+          </a:xfrm>
+          <a:prstGeom prst="rect">
+            <a:avLst/>
+          </a:prstGeom>
+          <a:noFill/>
+          <a:ln w="0">
+            <a:noFill/>
+          </a:ln>
+        </p:spPr>
+        <p:txBody>
+          <a:bodyPr lIns="0" tIns="0" rIns="0" bIns="0" anchor="ctr">
+            <a:noAutofit/>
+          </a:bodyPr>
+          <a:lstStyle>
+            <a:lvl1pPr algn="l" defTabSz="914400" rtl="0" eaLnBrk="1" latinLnBrk="0" hangingPunct="1">
+              <a:lnSpc>
+                <a:spcPct val="90000"/>
+              </a:lnSpc>
+              <a:spcBef>
+                <a:spcPct val="0"/>
+              </a:spcBef>
+              <a:buNone/>
+              <a:defRPr sz="4400" kern="1200">
+                <a:solidFill>
+                  <a:schemeClr val="tx1"/>
+                </a:solidFill>
+                <a:latin typeface="+mj-lt"/>
+                <a:ea typeface="+mj-ea"/>
+                <a:cs typeface="+mj-cs"/>
+              </a:defRPr>
+            </a:lvl1pPr>
+          </a:lstStyle>
+          <a:p>
+            <a:pPr algn="ctr">
+              <a:lnSpc>
+                <a:spcPct val="100000"/>
+              </a:lnSpc>
+              <a:tabLst>
+                <a:tab pos="0" algn="l"/>
+              </a:tabLst>
+            </a:pPr>
+            <a:r>
+              <a:rPr lang="en-US" sz="5400" spc="-1" dirty="0">
+                <a:solidFill>
+                  <a:schemeClr val="tx2">
+                    <a:lumMod val="75000"/>
+                  </a:schemeClr>
+                </a:solidFill>
+                <a:latin typeface="Trade Gothic Next Heavy" panose="020B0903040303020004" pitchFamily="34" charset="0"/>
+              </a:rPr>
+              <a:t>API</a:t>
+            </a:r>
+            <a:endParaRPr lang="en-CA" sz="5400" spc="-1" dirty="0">
+              <a:solidFill>
+                <a:schemeClr val="tx2">
+                  <a:lumMod val="75000"/>
+                </a:schemeClr>
+              </a:solidFill>
+              <a:latin typeface="Trade Gothic Next Heavy" panose="020B0903040303020004" pitchFamily="34" charset="0"/>
+            </a:endParaRPr>
+          </a:p>
+        </p:txBody>
+      </p:sp>
+      <p:cxnSp>
+        <p:nvCxnSpPr>
+          <p:cNvPr id="3" name="Conector reto 2">
+            <a:extLst>
+              <a:ext uri="{FF2B5EF4-FFF2-40B4-BE49-F238E27FC236}">
+                <a16:creationId xmlns:a16="http://schemas.microsoft.com/office/drawing/2014/main" id="{D2E32EFE-3BD6-FE5D-AA30-141995F20BF6}"/>
+              </a:ext>
+            </a:extLst>
+          </p:cNvPr>
+          <p:cNvCxnSpPr>
+            <a:cxnSpLocks/>
+          </p:cNvCxnSpPr>
+          <p:nvPr/>
+        </p:nvCxnSpPr>
+        <p:spPr>
+          <a:xfrm flipV="1">
+            <a:off x="691160" y="945720"/>
+            <a:ext cx="0" cy="4724830"/>
+          </a:xfrm>
+          <a:prstGeom prst="line">
+            <a:avLst/>
+          </a:prstGeom>
+          <a:ln w="76200">
+            <a:solidFill>
+              <a:srgbClr val="0070C0"/>
+            </a:solidFill>
+            <a:headEnd type="none"/>
+            <a:tailEnd type="oval"/>
+          </a:ln>
+        </p:spPr>
+        <p:style>
+          <a:lnRef idx="1">
+            <a:schemeClr val="accent1"/>
+          </a:lnRef>
+          <a:fillRef idx="0">
+            <a:schemeClr val="accent1"/>
+          </a:fillRef>
+          <a:effectRef idx="0">
+            <a:schemeClr val="accent1"/>
+          </a:effectRef>
+          <a:fontRef idx="minor">
+            <a:schemeClr val="tx1"/>
+          </a:fontRef>
+        </p:style>
+      </p:cxnSp>
+      <p:cxnSp>
+        <p:nvCxnSpPr>
+          <p:cNvPr id="5" name="Conector reto 4">
+            <a:extLst>
+              <a:ext uri="{FF2B5EF4-FFF2-40B4-BE49-F238E27FC236}">
+                <a16:creationId xmlns:a16="http://schemas.microsoft.com/office/drawing/2014/main" id="{80EAEB90-9BB9-FE36-8BA4-8C77DA0B55B2}"/>
+              </a:ext>
+            </a:extLst>
+          </p:cNvPr>
+          <p:cNvCxnSpPr>
+            <a:cxnSpLocks/>
+          </p:cNvCxnSpPr>
+          <p:nvPr/>
+        </p:nvCxnSpPr>
+        <p:spPr>
+          <a:xfrm flipH="1">
+            <a:off x="691160" y="935783"/>
+            <a:ext cx="9428047" cy="0"/>
+          </a:xfrm>
+          <a:prstGeom prst="line">
+            <a:avLst/>
+          </a:prstGeom>
+          <a:ln w="76200">
+            <a:solidFill>
+              <a:srgbClr val="0070C0"/>
+            </a:solidFill>
+            <a:headEnd type="none"/>
+            <a:tailEnd type="none"/>
+          </a:ln>
+        </p:spPr>
+        <p:style>
+          <a:lnRef idx="1">
+            <a:schemeClr val="accent1"/>
+          </a:lnRef>
+          <a:fillRef idx="0">
+            <a:schemeClr val="accent1"/>
+          </a:fillRef>
+          <a:effectRef idx="0">
+            <a:schemeClr val="accent1"/>
+          </a:effectRef>
+          <a:fontRef idx="minor">
+            <a:schemeClr val="tx1"/>
+          </a:fontRef>
+        </p:style>
+      </p:cxnSp>
     </p:spTree>
   </p:cSld>
   <p:clrMapOvr>
     <a:masterClrMapping/>
   </p:clrMapOvr>
+  <p:transition spd="slow">
+    <p:push dir="r"/>
+  </p:transition>
 </p:sld>
 </file>
 
@@ -8807,4 +13278,299 @@
   <a:objectDefaults/>
   <a:extraClrSchemeLst/>
 </a:theme>
+</file>
+
+<file path=ppt/theme/theme3.xml><?xml version="1.0" encoding="utf-8"?>
+<a:theme xmlns:a="http://schemas.openxmlformats.org/drawingml/2006/main" name="Tema do Office">
+  <a:themeElements>
+    <a:clrScheme name="Office">
+      <a:dk1>
+        <a:sysClr val="windowText" lastClr="000000"/>
+      </a:dk1>
+      <a:lt1>
+        <a:sysClr val="window" lastClr="FFFFFF"/>
+      </a:lt1>
+      <a:dk2>
+        <a:srgbClr val="44546A"/>
+      </a:dk2>
+      <a:lt2>
+        <a:srgbClr val="E7E6E6"/>
+      </a:lt2>
+      <a:accent1>
+        <a:srgbClr val="4472C4"/>
+      </a:accent1>
+      <a:accent2>
+        <a:srgbClr val="ED7D31"/>
+      </a:accent2>
+      <a:accent3>
+        <a:srgbClr val="A5A5A5"/>
+      </a:accent3>
+      <a:accent4>
+        <a:srgbClr val="FFC000"/>
+      </a:accent4>
+      <a:accent5>
+        <a:srgbClr val="5B9BD5"/>
+      </a:accent5>
+      <a:accent6>
+        <a:srgbClr val="70AD47"/>
+      </a:accent6>
+      <a:hlink>
+        <a:srgbClr val="0563C1"/>
+      </a:hlink>
+      <a:folHlink>
+        <a:srgbClr val="954F72"/>
+      </a:folHlink>
+    </a:clrScheme>
+    <a:fontScheme name="Office">
+      <a:majorFont>
+        <a:latin typeface="Calibri Light" panose="020F0302020204030204"/>
+        <a:ea typeface=""/>
+        <a:cs typeface=""/>
+        <a:font script="Jpan" typeface="游ゴシック Light"/>
+        <a:font script="Hang" typeface="맑은 고딕"/>
+        <a:font script="Hans" typeface="等线 Light"/>
+        <a:font script="Hant" typeface="新細明體"/>
+        <a:font script="Arab" typeface="Times New Roman"/>
+        <a:font script="Hebr" typeface="Times New Roman"/>
+        <a:font script="Thai" typeface="Angsana New"/>
+        <a:font script="Ethi" typeface="Nyala"/>
+        <a:font script="Beng" typeface="Vrinda"/>
+        <a:font script="Gujr" typeface="Shruti"/>
+        <a:font script="Khmr" typeface="MoolBoran"/>
+        <a:font script="Knda" typeface="Tunga"/>
+        <a:font script="Guru" typeface="Raavi"/>
+        <a:font script="Cans" typeface="Euphemia"/>
+        <a:font script="Cher" typeface="Plantagenet Cherokee"/>
+        <a:font script="Yiii" typeface="Microsoft Yi Baiti"/>
+        <a:font script="Tibt" typeface="Microsoft Himalaya"/>
+        <a:font script="Thaa" typeface="MV Boli"/>
+        <a:font script="Deva" typeface="Mangal"/>
+        <a:font script="Telu" typeface="Gautami"/>
+        <a:font script="Taml" typeface="Latha"/>
+        <a:font script="Syrc" typeface="Estrangelo Edessa"/>
+        <a:font script="Orya" typeface="Kalinga"/>
+        <a:font script="Mlym" typeface="Kartika"/>
+        <a:font script="Laoo" typeface="DokChampa"/>
+        <a:font script="Sinh" typeface="Iskoola Pota"/>
+        <a:font script="Mong" typeface="Mongolian Baiti"/>
+        <a:font script="Viet" typeface="Times New Roman"/>
+        <a:font script="Uigh" typeface="Microsoft Uighur"/>
+        <a:font script="Geor" typeface="Sylfaen"/>
+        <a:font script="Armn" typeface="Arial"/>
+        <a:font script="Bugi" typeface="Leelawadee UI"/>
+        <a:font script="Bopo" typeface="Microsoft JhengHei"/>
+        <a:font script="Java" typeface="Javanese Text"/>
+        <a:font script="Lisu" typeface="Segoe UI"/>
+        <a:font script="Mymr" typeface="Myanmar Text"/>
+        <a:font script="Nkoo" typeface="Ebrima"/>
+        <a:font script="Olck" typeface="Nirmala UI"/>
+        <a:font script="Osma" typeface="Ebrima"/>
+        <a:font script="Phag" typeface="Phagspa"/>
+        <a:font script="Syrn" typeface="Estrangelo Edessa"/>
+        <a:font script="Syrj" typeface="Estrangelo Edessa"/>
+        <a:font script="Syre" typeface="Estrangelo Edessa"/>
+        <a:font script="Sora" typeface="Nirmala UI"/>
+        <a:font script="Tale" typeface="Microsoft Tai Le"/>
+        <a:font script="Talu" typeface="Microsoft New Tai Lue"/>
+        <a:font script="Tfng" typeface="Ebrima"/>
+      </a:majorFont>
+      <a:minorFont>
+        <a:latin typeface="Calibri" panose="020F0502020204030204"/>
+        <a:ea typeface=""/>
+        <a:cs typeface=""/>
+        <a:font script="Jpan" typeface="游ゴシック"/>
+        <a:font script="Hang" typeface="맑은 고딕"/>
+        <a:font script="Hans" typeface="等线"/>
+        <a:font script="Hant" typeface="新細明體"/>
+        <a:font script="Arab" typeface="Arial"/>
+        <a:font script="Hebr" typeface="Arial"/>
+        <a:font script="Thai" typeface="Cordia New"/>
+        <a:font script="Ethi" typeface="Nyala"/>
+        <a:font script="Beng" typeface="Vrinda"/>
+        <a:font script="Gujr" typeface="Shruti"/>
+        <a:font script="Khmr" typeface="DaunPenh"/>
+        <a:font script="Knda" typeface="Tunga"/>
+        <a:font script="Guru" typeface="Raavi"/>
+        <a:font script="Cans" typeface="Euphemia"/>
+        <a:font script="Cher" typeface="Plantagenet Cherokee"/>
+        <a:font script="Yiii" typeface="Microsoft Yi Baiti"/>
+        <a:font script="Tibt" typeface="Microsoft Himalaya"/>
+        <a:font script="Thaa" typeface="MV Boli"/>
+        <a:font script="Deva" typeface="Mangal"/>
+        <a:font script="Telu" typeface="Gautami"/>
+        <a:font script="Taml" typeface="Latha"/>
+        <a:font script="Syrc" typeface="Estrangelo Edessa"/>
+        <a:font script="Orya" typeface="Kalinga"/>
+        <a:font script="Mlym" typeface="Kartika"/>
+        <a:font script="Laoo" typeface="DokChampa"/>
+        <a:font script="Sinh" typeface="Iskoola Pota"/>
+        <a:font script="Mong" typeface="Mongolian Baiti"/>
+        <a:font script="Viet" typeface="Arial"/>
+        <a:font script="Uigh" typeface="Microsoft Uighur"/>
+        <a:font script="Geor" typeface="Sylfaen"/>
+        <a:font script="Armn" typeface="Arial"/>
+        <a:font script="Bugi" typeface="Leelawadee UI"/>
+        <a:font script="Bopo" typeface="Microsoft JhengHei"/>
+        <a:font script="Java" typeface="Javanese Text"/>
+        <a:font script="Lisu" typeface="Segoe UI"/>
+        <a:font script="Mymr" typeface="Myanmar Text"/>
+        <a:font script="Nkoo" typeface="Ebrima"/>
+        <a:font script="Olck" typeface="Nirmala UI"/>
+        <a:font script="Osma" typeface="Ebrima"/>
+        <a:font script="Phag" typeface="Phagspa"/>
+        <a:font script="Syrn" typeface="Estrangelo Edessa"/>
+        <a:font script="Syrj" typeface="Estrangelo Edessa"/>
+        <a:font script="Syre" typeface="Estrangelo Edessa"/>
+        <a:font script="Sora" typeface="Nirmala UI"/>
+        <a:font script="Tale" typeface="Microsoft Tai Le"/>
+        <a:font script="Talu" typeface="Microsoft New Tai Lue"/>
+        <a:font script="Tfng" typeface="Ebrima"/>
+      </a:minorFont>
+    </a:fontScheme>
+    <a:fmtScheme name="Office">
+      <a:fillStyleLst>
+        <a:solidFill>
+          <a:schemeClr val="phClr"/>
+        </a:solidFill>
+        <a:gradFill rotWithShape="1">
+          <a:gsLst>
+            <a:gs pos="0">
+              <a:schemeClr val="phClr">
+                <a:lumMod val="110000"/>
+                <a:satMod val="105000"/>
+                <a:tint val="67000"/>
+              </a:schemeClr>
+            </a:gs>
+            <a:gs pos="50000">
+              <a:schemeClr val="phClr">
+                <a:lumMod val="105000"/>
+                <a:satMod val="103000"/>
+                <a:tint val="73000"/>
+              </a:schemeClr>
+            </a:gs>
+            <a:gs pos="100000">
+              <a:schemeClr val="phClr">
+                <a:lumMod val="105000"/>
+                <a:satMod val="109000"/>
+                <a:tint val="81000"/>
+              </a:schemeClr>
+            </a:gs>
+          </a:gsLst>
+          <a:lin ang="5400000" scaled="0"/>
+        </a:gradFill>
+        <a:gradFill rotWithShape="1">
+          <a:gsLst>
+            <a:gs pos="0">
+              <a:schemeClr val="phClr">
+                <a:satMod val="103000"/>
+                <a:lumMod val="102000"/>
+                <a:tint val="94000"/>
+              </a:schemeClr>
+            </a:gs>
+            <a:gs pos="50000">
+              <a:schemeClr val="phClr">
+                <a:satMod val="110000"/>
+                <a:lumMod val="100000"/>
+                <a:shade val="100000"/>
+              </a:schemeClr>
+            </a:gs>
+            <a:gs pos="100000">
+              <a:schemeClr val="phClr">
+                <a:lumMod val="99000"/>
+                <a:satMod val="120000"/>
+                <a:shade val="78000"/>
+              </a:schemeClr>
+            </a:gs>
+          </a:gsLst>
+          <a:lin ang="5400000" scaled="0"/>
+        </a:gradFill>
+      </a:fillStyleLst>
+      <a:lnStyleLst>
+        <a:ln w="6350" cap="flat" cmpd="sng" algn="ctr">
+          <a:solidFill>
+            <a:schemeClr val="phClr"/>
+          </a:solidFill>
+          <a:prstDash val="solid"/>
+          <a:miter lim="800000"/>
+        </a:ln>
+        <a:ln w="12700" cap="flat" cmpd="sng" algn="ctr">
+          <a:solidFill>
+            <a:schemeClr val="phClr"/>
+          </a:solidFill>
+          <a:prstDash val="solid"/>
+          <a:miter lim="800000"/>
+        </a:ln>
+        <a:ln w="19050" cap="flat" cmpd="sng" algn="ctr">
+          <a:solidFill>
+            <a:schemeClr val="phClr"/>
+          </a:solidFill>
+          <a:prstDash val="solid"/>
+          <a:miter lim="800000"/>
+        </a:ln>
+      </a:lnStyleLst>
+      <a:effectStyleLst>
+        <a:effectStyle>
+          <a:effectLst/>
+        </a:effectStyle>
+        <a:effectStyle>
+          <a:effectLst/>
+        </a:effectStyle>
+        <a:effectStyle>
+          <a:effectLst>
+            <a:outerShdw blurRad="57150" dist="19050" dir="5400000" algn="ctr" rotWithShape="0">
+              <a:srgbClr val="000000">
+                <a:alpha val="63000"/>
+              </a:srgbClr>
+            </a:outerShdw>
+          </a:effectLst>
+        </a:effectStyle>
+      </a:effectStyleLst>
+      <a:bgFillStyleLst>
+        <a:solidFill>
+          <a:schemeClr val="phClr"/>
+        </a:solidFill>
+        <a:solidFill>
+          <a:schemeClr val="phClr">
+            <a:tint val="95000"/>
+            <a:satMod val="170000"/>
+          </a:schemeClr>
+        </a:solidFill>
+        <a:gradFill rotWithShape="1">
+          <a:gsLst>
+            <a:gs pos="0">
+              <a:schemeClr val="phClr">
+                <a:tint val="93000"/>
+                <a:satMod val="150000"/>
+                <a:shade val="98000"/>
+                <a:lumMod val="102000"/>
+              </a:schemeClr>
+            </a:gs>
+            <a:gs pos="50000">
+              <a:schemeClr val="phClr">
+                <a:tint val="98000"/>
+                <a:satMod val="130000"/>
+                <a:shade val="90000"/>
+                <a:lumMod val="103000"/>
+              </a:schemeClr>
+            </a:gs>
+            <a:gs pos="100000">
+              <a:schemeClr val="phClr">
+                <a:shade val="63000"/>
+                <a:satMod val="120000"/>
+              </a:schemeClr>
+            </a:gs>
+          </a:gsLst>
+          <a:lin ang="5400000" scaled="0"/>
+        </a:gradFill>
+      </a:bgFillStyleLst>
+    </a:fmtScheme>
+  </a:themeElements>
+  <a:objectDefaults/>
+  <a:extraClrSchemeLst/>
+  <a:extLst>
+    <a:ext uri="{05A4C25C-085E-4340-85A3-A5531E510DB2}">
+      <thm15:themeFamily xmlns:thm15="http://schemas.microsoft.com/office/thememl/2012/main" name="Office Theme" id="{62F939B6-93AF-4DB8-9C6B-D6C7DFDC589F}" vid="{4A3C46E8-61CC-4603-A589-7422A47A8E4A}"/>
+    </a:ext>
+  </a:extLst>
+</a:theme>
 </file>
--- a/Files/TCC - Final/Apresentacao_Final.pptx
+++ b/Files/TCC - Final/Apresentacao_Final.pptx
@@ -6,7 +6,7 @@
     <p:sldMasterId id="2147483661" r:id="rId2"/>
   </p:sldMasterIdLst>
   <p:notesMasterIdLst>
-    <p:notesMasterId r:id="rId20"/>
+    <p:notesMasterId r:id="rId23"/>
   </p:notesMasterIdLst>
   <p:sldIdLst>
     <p:sldId id="256" r:id="rId3"/>
@@ -21,11 +21,14 @@
     <p:sldId id="275" r:id="rId12"/>
     <p:sldId id="271" r:id="rId13"/>
     <p:sldId id="261" r:id="rId14"/>
-    <p:sldId id="274" r:id="rId15"/>
-    <p:sldId id="262" r:id="rId16"/>
-    <p:sldId id="263" r:id="rId17"/>
-    <p:sldId id="276" r:id="rId18"/>
-    <p:sldId id="266" r:id="rId19"/>
+    <p:sldId id="278" r:id="rId15"/>
+    <p:sldId id="279" r:id="rId16"/>
+    <p:sldId id="280" r:id="rId17"/>
+    <p:sldId id="274" r:id="rId18"/>
+    <p:sldId id="262" r:id="rId19"/>
+    <p:sldId id="263" r:id="rId20"/>
+    <p:sldId id="276" r:id="rId21"/>
+    <p:sldId id="266" r:id="rId22"/>
   </p:sldIdLst>
   <p:sldSz cx="10080625" cy="5670550"/>
   <p:notesSz cx="7772400" cy="10058400"/>
@@ -141,6 +144,34 @@
     </p:ext>
   </p:extLst>
 </p:presentation>
+</file>
+
+<file path=ppt/ink/ink1.xml><?xml version="1.0" encoding="utf-8"?>
+<inkml:ink xmlns:inkml="http://www.w3.org/2003/InkML">
+  <inkml:definitions>
+    <inkml:context xml:id="ctx0">
+      <inkml:inkSource xml:id="inkSrc0">
+        <inkml:traceFormat>
+          <inkml:channel name="X" type="integer" min="-2.14748E9" max="2.14748E9" units="cm"/>
+          <inkml:channel name="Y" type="integer" min="-2.14748E9" max="2.14748E9" units="cm"/>
+          <inkml:channel name="F" type="integer" max="32767" units="dev"/>
+        </inkml:traceFormat>
+        <inkml:channelProperties>
+          <inkml:channelProperty channel="X" name="resolution" value="1000" units="1/cm"/>
+          <inkml:channelProperty channel="Y" name="resolution" value="1000" units="1/cm"/>
+          <inkml:channelProperty channel="F" name="resolution" value="0" units="1/dev"/>
+        </inkml:channelProperties>
+      </inkml:inkSource>
+      <inkml:timestamp xml:id="ts0" timeString="2023-11-08T18:26:03.991"/>
+    </inkml:context>
+    <inkml:brush xml:id="br0">
+      <inkml:brushProperty name="width" value="0.05" units="cm"/>
+      <inkml:brushProperty name="height" value="0.05" units="cm"/>
+      <inkml:brushProperty name="color" value="#E71224"/>
+    </inkml:brush>
+  </inkml:definitions>
+  <inkml:trace contextRef="#ctx0" brushRef="#br0">1 0 24575</inkml:trace>
+</inkml:ink>
 </file>
 
 <file path=ppt/notesMasters/notesMaster1.xml><?xml version="1.0" encoding="utf-8"?>
@@ -894,16 +925,120 @@
               <a:defRPr/>
             </a:pPr>
             <a:r>
-              <a:rPr lang="en-US" b="1" dirty="0" err="1"/>
-              <a:t>Xs</a:t>
-            </a:r>
-            <a:r>
               <a:rPr lang="en-US" b="1" dirty="0"/>
-              <a:t> CARLOS:</a:t>
-            </a:r>
-            <a:r>
-              <a:rPr lang="en-US" b="0" dirty="0"/>
-              <a:t> </a:t>
+              <a:t>15s CARLOS:</a:t>
+            </a:r>
+            <a:r>
+              <a:rPr lang="en-US" b="0" dirty="0"/>
+              <a:t> </a:t>
+            </a:r>
+            <a:r>
+              <a:rPr lang="en-US" b="0" dirty="0" err="1"/>
+              <a:t>Temos</a:t>
+            </a:r>
+            <a:r>
+              <a:rPr lang="en-US" b="0" dirty="0"/>
+              <a:t> </a:t>
+            </a:r>
+            <a:r>
+              <a:rPr lang="en-US" b="0" dirty="0" err="1"/>
+              <a:t>também</a:t>
+            </a:r>
+            <a:r>
+              <a:rPr lang="en-US" b="0" dirty="0"/>
+              <a:t> no Git, a </a:t>
+            </a:r>
+            <a:r>
+              <a:rPr lang="en-US" b="0" dirty="0" err="1"/>
+              <a:t>tela</a:t>
+            </a:r>
+            <a:r>
+              <a:rPr lang="en-US" b="0" dirty="0"/>
+              <a:t> de “Actions”, </a:t>
+            </a:r>
+            <a:r>
+              <a:rPr lang="en-US" b="0" dirty="0" err="1"/>
+              <a:t>onde</a:t>
+            </a:r>
+            <a:r>
+              <a:rPr lang="en-US" b="0" dirty="0"/>
+              <a:t> </a:t>
+            </a:r>
+            <a:r>
+              <a:rPr lang="en-US" b="0" dirty="0" err="1"/>
+              <a:t>podemos</a:t>
+            </a:r>
+            <a:r>
+              <a:rPr lang="en-US" b="0" dirty="0"/>
+              <a:t> </a:t>
+            </a:r>
+            <a:r>
+              <a:rPr lang="en-US" b="0" dirty="0" err="1"/>
+              <a:t>acompanhar</a:t>
+            </a:r>
+            <a:r>
+              <a:rPr lang="en-US" b="0" dirty="0"/>
+              <a:t> as </a:t>
+            </a:r>
+            <a:r>
+              <a:rPr lang="en-US" b="0" dirty="0" err="1"/>
+              <a:t>implantações</a:t>
+            </a:r>
+            <a:r>
+              <a:rPr lang="en-US" b="0" dirty="0"/>
+              <a:t> e </a:t>
+            </a:r>
+            <a:r>
+              <a:rPr lang="en-US" b="0" dirty="0" err="1"/>
+              <a:t>integrações</a:t>
+            </a:r>
+            <a:r>
+              <a:rPr lang="en-US" b="0" dirty="0"/>
+              <a:t> no </a:t>
+            </a:r>
+            <a:r>
+              <a:rPr lang="en-US" b="0" dirty="0" err="1"/>
+              <a:t>repositório</a:t>
+            </a:r>
+            <a:r>
+              <a:rPr lang="en-US" b="0" dirty="0"/>
+              <a:t> do Código, </a:t>
+            </a:r>
+            <a:r>
+              <a:rPr lang="en-US" b="0" dirty="0" err="1"/>
+              <a:t>tornando</a:t>
+            </a:r>
+            <a:r>
+              <a:rPr lang="en-US" b="0" dirty="0"/>
+              <a:t> o </a:t>
+            </a:r>
+            <a:r>
+              <a:rPr lang="en-US" b="0" dirty="0" err="1"/>
+              <a:t>desenvolvimento</a:t>
+            </a:r>
+            <a:r>
+              <a:rPr lang="en-US" b="0" dirty="0"/>
+              <a:t> do software </a:t>
+            </a:r>
+            <a:r>
+              <a:rPr lang="en-US" b="0" dirty="0" err="1"/>
+              <a:t>mais</a:t>
+            </a:r>
+            <a:r>
+              <a:rPr lang="en-US" b="0" dirty="0"/>
+              <a:t> </a:t>
+            </a:r>
+            <a:r>
+              <a:rPr lang="en-US" b="0" dirty="0" err="1"/>
+              <a:t>eficiente</a:t>
+            </a:r>
+            <a:r>
+              <a:rPr lang="en-US" b="0" dirty="0"/>
+              <a:t> e </a:t>
+            </a:r>
+            <a:r>
+              <a:rPr lang="en-US" b="0" dirty="0" err="1"/>
+              <a:t>confiável</a:t>
             </a:r>
             <a:endParaRPr lang="pt-BR" b="1" dirty="0"/>
           </a:p>
@@ -1010,18 +1145,225 @@
               <a:defRPr/>
             </a:pPr>
             <a:r>
-              <a:rPr lang="en-US" b="1" dirty="0" err="1"/>
-              <a:t>Xs</a:t>
-            </a:r>
-            <a:r>
               <a:rPr lang="en-US" b="1" dirty="0"/>
-              <a:t> GUSTAVO:</a:t>
-            </a:r>
-            <a:r>
-              <a:rPr lang="en-US" b="0" dirty="0"/>
-              <a:t> </a:t>
-            </a:r>
-            <a:endParaRPr lang="pt-BR" b="1" dirty="0"/>
+              <a:t>60s GUSTAVO:</a:t>
+            </a:r>
+            <a:r>
+              <a:rPr lang="en-US" b="0" dirty="0"/>
+              <a:t> No front-end </a:t>
+            </a:r>
+            <a:r>
+              <a:rPr lang="en-US" b="0" dirty="0" err="1"/>
+              <a:t>decidimos</a:t>
+            </a:r>
+            <a:r>
+              <a:rPr lang="en-US" b="0" dirty="0"/>
+              <a:t> usar o React, que é </a:t>
+            </a:r>
+            <a:r>
+              <a:rPr lang="en-US" b="0" dirty="0" err="1"/>
+              <a:t>uma</a:t>
+            </a:r>
+            <a:r>
+              <a:rPr lang="en-US" b="0" dirty="0"/>
+              <a:t> </a:t>
+            </a:r>
+            <a:r>
+              <a:rPr lang="en-US" b="0" dirty="0" err="1"/>
+              <a:t>biblioteca</a:t>
+            </a:r>
+            <a:r>
+              <a:rPr lang="en-US" b="0" dirty="0"/>
+              <a:t> open source JavaScript </a:t>
+            </a:r>
+            <a:r>
+              <a:rPr lang="en-US" b="0" dirty="0" err="1"/>
+              <a:t>mantida</a:t>
+            </a:r>
+            <a:r>
+              <a:rPr lang="en-US" b="0" dirty="0"/>
+              <a:t> pela </a:t>
+            </a:r>
+            <a:r>
+              <a:rPr lang="en-US" b="0" dirty="0" err="1"/>
+              <a:t>empresa</a:t>
+            </a:r>
+            <a:r>
+              <a:rPr lang="en-US" b="0" dirty="0"/>
+              <a:t> Meta e </a:t>
+            </a:r>
+            <a:r>
+              <a:rPr lang="en-US" b="0" dirty="0" err="1"/>
+              <a:t>muito</a:t>
+            </a:r>
+            <a:r>
+              <a:rPr lang="en-US" b="0" dirty="0"/>
+              <a:t> </a:t>
+            </a:r>
+            <a:r>
+              <a:rPr lang="en-US" b="0" dirty="0" err="1"/>
+              <a:t>usada</a:t>
+            </a:r>
+            <a:r>
+              <a:rPr lang="en-US" b="0" dirty="0"/>
+              <a:t> para </a:t>
+            </a:r>
+            <a:r>
+              <a:rPr lang="en-US" b="0" dirty="0" err="1"/>
+              <a:t>desenvolver</a:t>
+            </a:r>
+            <a:r>
+              <a:rPr lang="en-US" b="0" dirty="0"/>
+              <a:t> </a:t>
+            </a:r>
+            <a:r>
+              <a:rPr lang="en-US" b="0" dirty="0" err="1"/>
+              <a:t>aplicativos</a:t>
+            </a:r>
+            <a:r>
+              <a:rPr lang="en-US" b="0" dirty="0"/>
+              <a:t> web </a:t>
+            </a:r>
+            <a:r>
+              <a:rPr lang="en-US" b="0" dirty="0" err="1"/>
+              <a:t>modernos</a:t>
+            </a:r>
+            <a:r>
+              <a:rPr lang="en-US" b="0" dirty="0"/>
+              <a:t> e </a:t>
+            </a:r>
+            <a:r>
+              <a:rPr lang="en-US" b="0" dirty="0" err="1"/>
+              <a:t>responsivos</a:t>
+            </a:r>
+            <a:r>
+              <a:rPr lang="en-US" b="0" dirty="0"/>
+              <a:t>.</a:t>
+            </a:r>
+          </a:p>
+          <a:p>
+            <a:pPr marL="0" marR="0" lvl="0" indent="0" algn="l" defTabSz="914400" rtl="0" eaLnBrk="1" fontAlgn="auto" latinLnBrk="0" hangingPunct="1">
+              <a:lnSpc>
+                <a:spcPct val="100000"/>
+              </a:lnSpc>
+              <a:spcBef>
+                <a:spcPts val="0"/>
+              </a:spcBef>
+              <a:spcAft>
+                <a:spcPts val="0"/>
+              </a:spcAft>
+              <a:buClrTx/>
+              <a:buSzTx/>
+              <a:buFontTx/>
+              <a:buNone/>
+              <a:tabLst/>
+              <a:defRPr/>
+            </a:pPr>
+            <a:r>
+              <a:rPr lang="pt-BR" b="0" dirty="0"/>
+              <a:t>Sobre as bibliotecas que utilizamos com o </a:t>
+            </a:r>
+            <a:r>
+              <a:rPr lang="pt-BR" b="0" dirty="0" err="1"/>
+              <a:t>react</a:t>
+            </a:r>
+            <a:r>
+              <a:rPr lang="pt-BR" b="0" dirty="0"/>
+              <a:t>:</a:t>
+            </a:r>
+          </a:p>
+          <a:p>
+            <a:pPr marL="0" marR="0" lvl="0" indent="0" algn="l" defTabSz="914400" rtl="0" eaLnBrk="1" fontAlgn="auto" latinLnBrk="0" hangingPunct="1">
+              <a:lnSpc>
+                <a:spcPct val="100000"/>
+              </a:lnSpc>
+              <a:spcBef>
+                <a:spcPts val="0"/>
+              </a:spcBef>
+              <a:spcAft>
+                <a:spcPts val="0"/>
+              </a:spcAft>
+              <a:buClrTx/>
+              <a:buSzTx/>
+              <a:buFontTx/>
+              <a:buNone/>
+              <a:tabLst/>
+              <a:defRPr/>
+            </a:pPr>
+            <a:r>
+              <a:rPr lang="pt-BR" b="0" dirty="0"/>
+              <a:t>- A primeira delas é “</a:t>
+            </a:r>
+            <a:r>
+              <a:rPr lang="pt-BR" b="0" dirty="0" err="1"/>
+              <a:t>styled</a:t>
+            </a:r>
+            <a:r>
+              <a:rPr lang="pt-BR" b="0" dirty="0"/>
+              <a:t>-componentes” que é uma biblioteca que permite a estilização para componentes em específico sem utilizar uma estilização global, importando arquivos CSS, como é feito por padrão sem qualquer biblioteca.</a:t>
+            </a:r>
+          </a:p>
+          <a:p>
+            <a:pPr marL="0" marR="0" lvl="0" indent="0" algn="l" defTabSz="914400" rtl="0" eaLnBrk="1" fontAlgn="auto" latinLnBrk="0" hangingPunct="1">
+              <a:lnSpc>
+                <a:spcPct val="100000"/>
+              </a:lnSpc>
+              <a:spcBef>
+                <a:spcPts val="0"/>
+              </a:spcBef>
+              <a:spcAft>
+                <a:spcPts val="0"/>
+              </a:spcAft>
+              <a:buClrTx/>
+              <a:buSzTx/>
+              <a:buFontTx/>
+              <a:buNone/>
+              <a:tabLst/>
+              <a:defRPr/>
+            </a:pPr>
+            <a:r>
+              <a:rPr lang="pt-BR" b="0" dirty="0"/>
+              <a:t>- Também usamos a “</a:t>
+            </a:r>
+            <a:r>
+              <a:rPr lang="pt-BR" b="0" dirty="0" err="1"/>
+              <a:t>react</a:t>
+            </a:r>
+            <a:r>
+              <a:rPr lang="pt-BR" b="0" dirty="0"/>
+              <a:t>-</a:t>
+            </a:r>
+            <a:r>
+              <a:rPr lang="pt-BR" b="0" dirty="0" err="1"/>
+              <a:t>router</a:t>
+            </a:r>
+            <a:r>
+              <a:rPr lang="pt-BR" b="0" dirty="0"/>
+              <a:t>-dom”, que permite mapear rotas do navegador para componentes. Por exemplo, quando o usuário acessar o domínio com o caminho /home um componente gerado será renderizado. Sendo útil para manter eficiência e responsividade.</a:t>
+            </a:r>
+          </a:p>
+          <a:p>
+            <a:pPr marL="0" marR="0" lvl="0" indent="0" algn="l" defTabSz="914400" rtl="0" eaLnBrk="1" fontAlgn="auto" latinLnBrk="0" hangingPunct="1">
+              <a:lnSpc>
+                <a:spcPct val="100000"/>
+              </a:lnSpc>
+              <a:spcBef>
+                <a:spcPts val="0"/>
+              </a:spcBef>
+              <a:spcAft>
+                <a:spcPts val="0"/>
+              </a:spcAft>
+              <a:buClrTx/>
+              <a:buSzTx/>
+              <a:buFontTx/>
+              <a:buNone/>
+              <a:tabLst/>
+              <a:defRPr/>
+            </a:pPr>
+            <a:r>
+              <a:rPr lang="pt-BR" b="0" dirty="0"/>
+              <a:t>- Por último e também muito importante, usamos a biblioteca Material UI, que fornece componentes predefinidos de alta qualidade, nos ajudando a manter um visual atraente e economizando muito tempo no desenvolvimento.</a:t>
+            </a:r>
           </a:p>
           <a:p>
             <a:endParaRPr lang="pt-BR" dirty="0"/>
@@ -1126,16 +1468,224 @@
               <a:defRPr/>
             </a:pPr>
             <a:r>
-              <a:rPr lang="en-US" b="1" dirty="0" err="1"/>
-              <a:t>Xs</a:t>
-            </a:r>
-            <a:r>
               <a:rPr lang="en-US" b="1" dirty="0"/>
-              <a:t> GUSTAVO:</a:t>
-            </a:r>
-            <a:r>
-              <a:rPr lang="en-US" b="0" dirty="0"/>
-              <a:t> </a:t>
+              <a:t>20s GUSTAVO: </a:t>
+            </a:r>
+            <a:r>
+              <a:rPr lang="en-US" b="0" dirty="0" err="1"/>
+              <a:t>Queriamos</a:t>
+            </a:r>
+            <a:r>
+              <a:rPr lang="en-US" b="0" dirty="0"/>
+              <a:t> </a:t>
+            </a:r>
+            <a:r>
+              <a:rPr lang="en-US" b="0" dirty="0" err="1"/>
+              <a:t>uma</a:t>
+            </a:r>
+            <a:r>
+              <a:rPr lang="en-US" b="0" dirty="0"/>
+              <a:t> interface simples de usar, </a:t>
+            </a:r>
+            <a:r>
+              <a:rPr lang="en-US" b="0" dirty="0" err="1"/>
+              <a:t>então</a:t>
+            </a:r>
+            <a:r>
+              <a:rPr lang="en-US" b="0" dirty="0"/>
+              <a:t> para </a:t>
+            </a:r>
+            <a:r>
+              <a:rPr lang="en-US" b="0" dirty="0" err="1"/>
+              <a:t>planejarmos</a:t>
+            </a:r>
+            <a:r>
+              <a:rPr lang="en-US" b="0" dirty="0"/>
+              <a:t> </a:t>
+            </a:r>
+            <a:r>
+              <a:rPr lang="en-US" b="0" dirty="0" err="1"/>
+              <a:t>sobre</a:t>
+            </a:r>
+            <a:r>
+              <a:rPr lang="en-US" b="0" dirty="0"/>
+              <a:t>, </a:t>
+            </a:r>
+            <a:r>
+              <a:rPr lang="en-US" b="0" dirty="0" err="1"/>
+              <a:t>nós</a:t>
+            </a:r>
+            <a:r>
+              <a:rPr lang="en-US" b="0" dirty="0"/>
+              <a:t> </a:t>
+            </a:r>
+            <a:r>
+              <a:rPr lang="en-US" b="0" dirty="0" err="1"/>
+              <a:t>criamos</a:t>
+            </a:r>
+            <a:r>
+              <a:rPr lang="en-US" b="0" dirty="0"/>
+              <a:t> </a:t>
+            </a:r>
+            <a:r>
+              <a:rPr lang="en-US" b="0" dirty="0" err="1"/>
+              <a:t>alguns</a:t>
+            </a:r>
+            <a:r>
+              <a:rPr lang="en-US" b="0" dirty="0"/>
+              <a:t> </a:t>
+            </a:r>
+            <a:r>
+              <a:rPr lang="en-US" b="0" dirty="0" err="1"/>
+              <a:t>esboços</a:t>
+            </a:r>
+            <a:r>
+              <a:rPr lang="en-US" b="0" dirty="0"/>
+              <a:t> das </a:t>
+            </a:r>
+            <a:r>
+              <a:rPr lang="en-US" b="0" dirty="0" err="1"/>
+              <a:t>telas</a:t>
+            </a:r>
+            <a:r>
+              <a:rPr lang="en-US" b="0" dirty="0"/>
+              <a:t> </a:t>
+            </a:r>
+            <a:r>
+              <a:rPr lang="en-US" b="0" dirty="0" err="1"/>
+              <a:t>utilizando</a:t>
+            </a:r>
+            <a:r>
+              <a:rPr lang="en-US" b="0" dirty="0"/>
+              <a:t> o Figma, que é </a:t>
+            </a:r>
+            <a:r>
+              <a:rPr lang="en-US" b="0" dirty="0" err="1"/>
+              <a:t>uma</a:t>
+            </a:r>
+            <a:r>
+              <a:rPr lang="en-US" b="0" dirty="0"/>
+              <a:t> ferramenta de design </a:t>
+            </a:r>
+            <a:r>
+              <a:rPr lang="en-US" b="0" dirty="0" err="1"/>
+              <a:t>colaborativa</a:t>
+            </a:r>
+            <a:r>
+              <a:rPr lang="en-US" b="0" dirty="0"/>
+              <a:t> </a:t>
+            </a:r>
+            <a:r>
+              <a:rPr lang="en-US" b="0" dirty="0" err="1"/>
+              <a:t>baseada</a:t>
+            </a:r>
+            <a:r>
+              <a:rPr lang="en-US" b="0" dirty="0"/>
+              <a:t> </a:t>
+            </a:r>
+            <a:r>
+              <a:rPr lang="en-US" b="0" dirty="0" err="1"/>
+              <a:t>em</a:t>
+            </a:r>
+            <a:r>
+              <a:rPr lang="en-US" b="0" dirty="0"/>
+              <a:t> web, </a:t>
+            </a:r>
+            <a:r>
+              <a:rPr lang="en-US" b="0" dirty="0" err="1"/>
+              <a:t>assim</a:t>
+            </a:r>
+            <a:r>
+              <a:rPr lang="en-US" b="0" dirty="0"/>
+              <a:t> </a:t>
+            </a:r>
+            <a:r>
+              <a:rPr lang="en-US" b="0" dirty="0" err="1"/>
+              <a:t>pudemos</a:t>
+            </a:r>
+            <a:r>
+              <a:rPr lang="en-US" b="0" dirty="0"/>
+              <a:t> </a:t>
+            </a:r>
+            <a:r>
+              <a:rPr lang="en-US" b="0" dirty="0" err="1"/>
+              <a:t>definir</a:t>
+            </a:r>
+            <a:r>
+              <a:rPr lang="en-US" b="0" dirty="0"/>
+              <a:t> as cores e layouts das </a:t>
+            </a:r>
+            <a:r>
+              <a:rPr lang="en-US" b="0" dirty="0" err="1"/>
+              <a:t>telas</a:t>
+            </a:r>
+            <a:r>
+              <a:rPr lang="en-US" b="0" dirty="0"/>
+              <a:t> para as </a:t>
+            </a:r>
+            <a:r>
+              <a:rPr lang="en-US" b="0" dirty="0" err="1"/>
+              <a:t>funcionalidades</a:t>
+            </a:r>
+            <a:r>
+              <a:rPr lang="en-US" b="0" dirty="0"/>
+              <a:t> que </a:t>
+            </a:r>
+            <a:r>
+              <a:rPr lang="en-US" b="0" dirty="0" err="1"/>
+              <a:t>decidimos</a:t>
+            </a:r>
+            <a:r>
+              <a:rPr lang="en-US" b="0" dirty="0"/>
+              <a:t> </a:t>
+            </a:r>
+            <a:r>
+              <a:rPr lang="en-US" b="0" dirty="0" err="1"/>
+              <a:t>criar</a:t>
+            </a:r>
+            <a:r>
+              <a:rPr lang="en-US" b="0" dirty="0"/>
+              <a:t>. Como </a:t>
+            </a:r>
+            <a:r>
+              <a:rPr lang="en-US" b="0" dirty="0" err="1"/>
+              <a:t>vocês</a:t>
+            </a:r>
+            <a:r>
+              <a:rPr lang="en-US" b="0" dirty="0"/>
+              <a:t> </a:t>
+            </a:r>
+            <a:r>
+              <a:rPr lang="en-US" b="0" dirty="0" err="1"/>
+              <a:t>podem</a:t>
+            </a:r>
+            <a:r>
+              <a:rPr lang="en-US" b="0" dirty="0"/>
+              <a:t> </a:t>
+            </a:r>
+            <a:r>
+              <a:rPr lang="en-US" b="0" dirty="0" err="1"/>
+              <a:t>ver</a:t>
+            </a:r>
+            <a:r>
+              <a:rPr lang="en-US" b="0" dirty="0"/>
+              <a:t> </a:t>
+            </a:r>
+            <a:r>
+              <a:rPr lang="en-US" b="0" dirty="0" err="1"/>
+              <a:t>na</a:t>
+            </a:r>
+            <a:r>
+              <a:rPr lang="en-US" b="0" dirty="0"/>
+              <a:t> </a:t>
+            </a:r>
+            <a:r>
+              <a:rPr lang="en-US" b="0" dirty="0" err="1"/>
+              <a:t>imagem</a:t>
+            </a:r>
+            <a:r>
+              <a:rPr lang="en-US" b="0" dirty="0"/>
+              <a:t>.</a:t>
             </a:r>
             <a:endParaRPr lang="pt-BR" b="1" dirty="0"/>
           </a:p>
@@ -1242,21 +1792,434 @@
               <a:defRPr/>
             </a:pPr>
             <a:r>
-              <a:rPr lang="en-US" b="1" dirty="0" err="1"/>
-              <a:t>Xs</a:t>
-            </a:r>
-            <a:r>
               <a:rPr lang="en-US" b="1" dirty="0"/>
-              <a:t> GUSTAVO:</a:t>
-            </a:r>
-            <a:r>
-              <a:rPr lang="en-US" b="0" dirty="0"/>
-              <a:t> </a:t>
-            </a:r>
-            <a:endParaRPr lang="pt-BR" b="1" dirty="0"/>
-          </a:p>
-          <a:p>
-            <a:endParaRPr lang="pt-BR" dirty="0"/>
+              <a:t>30s GUSTAVO: </a:t>
+            </a:r>
+            <a:r>
+              <a:rPr lang="en-US" b="0" dirty="0"/>
+              <a:t>A </a:t>
+            </a:r>
+            <a:r>
+              <a:rPr lang="en-US" b="0" dirty="0" err="1"/>
+              <a:t>estrutura</a:t>
+            </a:r>
+            <a:r>
+              <a:rPr lang="en-US" b="0" dirty="0"/>
+              <a:t> do </a:t>
+            </a:r>
+            <a:r>
+              <a:rPr lang="en-US" b="0" dirty="0" err="1"/>
+              <a:t>projeto</a:t>
+            </a:r>
+            <a:r>
+              <a:rPr lang="en-US" b="0" dirty="0"/>
+              <a:t> </a:t>
+            </a:r>
+            <a:r>
+              <a:rPr lang="en-US" b="0" dirty="0" err="1"/>
+              <a:t>foi</a:t>
+            </a:r>
+            <a:r>
+              <a:rPr lang="en-US" b="0" dirty="0"/>
+              <a:t> </a:t>
+            </a:r>
+            <a:r>
+              <a:rPr lang="en-US" b="0" dirty="0" err="1"/>
+              <a:t>pensada</a:t>
+            </a:r>
+            <a:r>
+              <a:rPr lang="en-US" b="0" dirty="0"/>
+              <a:t> </a:t>
+            </a:r>
+            <a:r>
+              <a:rPr lang="en-US" b="0" dirty="0" err="1"/>
+              <a:t>visando</a:t>
+            </a:r>
+            <a:r>
+              <a:rPr lang="en-US" b="0" dirty="0"/>
+              <a:t> </a:t>
+            </a:r>
+            <a:r>
+              <a:rPr lang="en-US" b="0" dirty="0" err="1"/>
+              <a:t>separar</a:t>
+            </a:r>
+            <a:r>
+              <a:rPr lang="en-US" b="0" dirty="0"/>
+              <a:t> </a:t>
+            </a:r>
+            <a:r>
+              <a:rPr lang="en-US" b="0" dirty="0" err="1"/>
+              <a:t>cada</a:t>
+            </a:r>
+            <a:r>
+              <a:rPr lang="en-US" b="0" dirty="0"/>
+              <a:t> </a:t>
+            </a:r>
+            <a:r>
+              <a:rPr lang="en-US" b="0" dirty="0" err="1"/>
+              <a:t>responsabilidade</a:t>
+            </a:r>
+            <a:r>
+              <a:rPr lang="en-US" b="0" dirty="0"/>
+              <a:t> para ser </a:t>
+            </a:r>
+            <a:r>
+              <a:rPr lang="en-US" b="0" dirty="0" err="1"/>
+              <a:t>fácil</a:t>
+            </a:r>
+            <a:r>
+              <a:rPr lang="en-US" b="0" dirty="0"/>
+              <a:t> </a:t>
+            </a:r>
+            <a:r>
+              <a:rPr lang="en-US" b="0" dirty="0" err="1"/>
+              <a:t>escalar</a:t>
+            </a:r>
+            <a:r>
+              <a:rPr lang="en-US" b="0" dirty="0"/>
+              <a:t> e </a:t>
+            </a:r>
+            <a:r>
+              <a:rPr lang="en-US" b="0" dirty="0" err="1"/>
+              <a:t>implementar</a:t>
+            </a:r>
+            <a:r>
+              <a:rPr lang="en-US" b="0" dirty="0"/>
+              <a:t> </a:t>
+            </a:r>
+            <a:r>
+              <a:rPr lang="en-US" b="0" dirty="0" err="1"/>
+              <a:t>novas</a:t>
+            </a:r>
+            <a:r>
+              <a:rPr lang="en-US" b="0" dirty="0"/>
+              <a:t> </a:t>
+            </a:r>
+            <a:r>
+              <a:rPr lang="en-US" b="0" dirty="0" err="1"/>
+              <a:t>funcionalidades</a:t>
+            </a:r>
+            <a:r>
+              <a:rPr lang="en-US" b="0" dirty="0"/>
+              <a:t>.</a:t>
+            </a:r>
+          </a:p>
+          <a:p>
+            <a:pPr marL="0" marR="0" lvl="0" indent="0" algn="l" defTabSz="914400" rtl="0" eaLnBrk="1" fontAlgn="auto" latinLnBrk="0" hangingPunct="1">
+              <a:lnSpc>
+                <a:spcPct val="100000"/>
+              </a:lnSpc>
+              <a:spcBef>
+                <a:spcPts val="0"/>
+              </a:spcBef>
+              <a:spcAft>
+                <a:spcPts val="0"/>
+              </a:spcAft>
+              <a:buClrTx/>
+              <a:buSzTx/>
+              <a:buFontTx/>
+              <a:buNone/>
+              <a:tabLst/>
+              <a:defRPr/>
+            </a:pPr>
+            <a:r>
+              <a:rPr lang="en-US" b="0" dirty="0"/>
+              <a:t>- A pasta API, </a:t>
+            </a:r>
+            <a:r>
+              <a:rPr lang="en-US" b="0" dirty="0" err="1"/>
+              <a:t>tem</a:t>
+            </a:r>
+            <a:r>
+              <a:rPr lang="en-US" b="0" dirty="0"/>
+              <a:t> </a:t>
+            </a:r>
+            <a:r>
+              <a:rPr lang="en-US" b="0" dirty="0" err="1"/>
+              <a:t>todas</a:t>
+            </a:r>
+            <a:r>
+              <a:rPr lang="en-US" b="0" dirty="0"/>
+              <a:t> as </a:t>
+            </a:r>
+            <a:r>
+              <a:rPr lang="en-US" b="0" dirty="0" err="1"/>
+              <a:t>funções</a:t>
+            </a:r>
+            <a:r>
+              <a:rPr lang="en-US" b="0" dirty="0"/>
+              <a:t> que </a:t>
+            </a:r>
+            <a:r>
+              <a:rPr lang="en-US" b="0" dirty="0" err="1"/>
+              <a:t>realizam</a:t>
+            </a:r>
+            <a:r>
+              <a:rPr lang="en-US" b="0" dirty="0"/>
+              <a:t> </a:t>
+            </a:r>
+            <a:r>
+              <a:rPr lang="en-US" b="0" dirty="0" err="1"/>
+              <a:t>requisições</a:t>
+            </a:r>
+            <a:r>
+              <a:rPr lang="en-US" b="0" dirty="0"/>
+              <a:t> para o back-end</a:t>
+            </a:r>
+          </a:p>
+          <a:p>
+            <a:pPr marL="0" marR="0" lvl="0" indent="0" algn="l" defTabSz="914400" rtl="0" eaLnBrk="1" fontAlgn="auto" latinLnBrk="0" hangingPunct="1">
+              <a:lnSpc>
+                <a:spcPct val="100000"/>
+              </a:lnSpc>
+              <a:spcBef>
+                <a:spcPts val="0"/>
+              </a:spcBef>
+              <a:spcAft>
+                <a:spcPts val="0"/>
+              </a:spcAft>
+              <a:buClrTx/>
+              <a:buSzTx/>
+              <a:buFontTx/>
+              <a:buNone/>
+              <a:tabLst/>
+              <a:defRPr/>
+            </a:pPr>
+            <a:r>
+              <a:rPr lang="en-US" b="0" dirty="0"/>
+              <a:t>- </a:t>
+            </a:r>
+            <a:r>
+              <a:rPr lang="en-US" b="0" dirty="0" err="1"/>
+              <a:t>Já</a:t>
+            </a:r>
+            <a:r>
+              <a:rPr lang="en-US" b="0" dirty="0"/>
+              <a:t> a pasta ASSETS </a:t>
+            </a:r>
+            <a:r>
+              <a:rPr lang="en-US" b="0" dirty="0" err="1"/>
+              <a:t>tem</a:t>
+            </a:r>
+            <a:r>
+              <a:rPr lang="en-US" b="0" dirty="0"/>
+              <a:t> </a:t>
+            </a:r>
+            <a:r>
+              <a:rPr lang="en-US" b="0" dirty="0" err="1"/>
+              <a:t>todos</a:t>
+            </a:r>
+            <a:r>
+              <a:rPr lang="en-US" b="0" dirty="0"/>
+              <a:t> </a:t>
+            </a:r>
+            <a:r>
+              <a:rPr lang="en-US" b="0" dirty="0" err="1"/>
+              <a:t>os</a:t>
+            </a:r>
+            <a:r>
+              <a:rPr lang="en-US" b="0" dirty="0"/>
+              <a:t> </a:t>
+            </a:r>
+            <a:r>
+              <a:rPr lang="en-US" b="0" dirty="0" err="1"/>
+              <a:t>arquivos</a:t>
+            </a:r>
+            <a:r>
+              <a:rPr lang="en-US" b="0" dirty="0"/>
+              <a:t> de </a:t>
+            </a:r>
+            <a:r>
+              <a:rPr lang="en-US" b="0" dirty="0" err="1"/>
+              <a:t>mídia</a:t>
+            </a:r>
+            <a:r>
+              <a:rPr lang="en-US" b="0" dirty="0"/>
+              <a:t> </a:t>
+            </a:r>
+            <a:r>
+              <a:rPr lang="en-US" b="0" dirty="0" err="1"/>
+              <a:t>utilizados</a:t>
+            </a:r>
+            <a:r>
+              <a:rPr lang="en-US" b="0" dirty="0"/>
+              <a:t> no </a:t>
+            </a:r>
+            <a:r>
+              <a:rPr lang="en-US" b="0" dirty="0" err="1"/>
+              <a:t>projeto</a:t>
+            </a:r>
+            <a:r>
+              <a:rPr lang="en-US" b="0" dirty="0"/>
+              <a:t> (</a:t>
+            </a:r>
+            <a:r>
+              <a:rPr lang="en-US" b="0" dirty="0" err="1"/>
+              <a:t>como</a:t>
+            </a:r>
+            <a:r>
+              <a:rPr lang="en-US" b="0" dirty="0"/>
+              <a:t> imagens, </a:t>
+            </a:r>
+            <a:r>
+              <a:rPr lang="en-US" b="0" dirty="0" err="1"/>
+              <a:t>vídeos</a:t>
+            </a:r>
+            <a:r>
+              <a:rPr lang="en-US" b="0" dirty="0"/>
+              <a:t>, </a:t>
+            </a:r>
+            <a:r>
+              <a:rPr lang="en-US" b="0" dirty="0" err="1"/>
+              <a:t>etc</a:t>
+            </a:r>
+            <a:r>
+              <a:rPr lang="en-US" b="0" dirty="0"/>
+              <a:t>)</a:t>
+            </a:r>
+          </a:p>
+          <a:p>
+            <a:pPr marL="0" marR="0" lvl="0" indent="0" algn="l" defTabSz="914400" rtl="0" eaLnBrk="1" fontAlgn="auto" latinLnBrk="0" hangingPunct="1">
+              <a:lnSpc>
+                <a:spcPct val="100000"/>
+              </a:lnSpc>
+              <a:spcBef>
+                <a:spcPts val="0"/>
+              </a:spcBef>
+              <a:spcAft>
+                <a:spcPts val="0"/>
+              </a:spcAft>
+              <a:buClrTx/>
+              <a:buSzTx/>
+              <a:buFontTx/>
+              <a:buNone/>
+              <a:tabLst/>
+              <a:defRPr/>
+            </a:pPr>
+            <a:r>
+              <a:rPr lang="en-US" b="0" dirty="0"/>
+              <a:t>- </a:t>
+            </a:r>
+            <a:r>
+              <a:rPr lang="en-US" b="0" dirty="0" err="1"/>
+              <a:t>Já</a:t>
+            </a:r>
+            <a:r>
+              <a:rPr lang="en-US" b="0" dirty="0"/>
+              <a:t> a pasta COMPONENTS </a:t>
+            </a:r>
+            <a:r>
+              <a:rPr lang="en-US" b="0" dirty="0" err="1"/>
+              <a:t>tem</a:t>
+            </a:r>
+            <a:r>
+              <a:rPr lang="en-US" b="0" dirty="0"/>
+              <a:t> </a:t>
+            </a:r>
+            <a:r>
+              <a:rPr lang="en-US" b="0" dirty="0" err="1"/>
+              <a:t>os</a:t>
+            </a:r>
+            <a:r>
+              <a:rPr lang="en-US" b="0" dirty="0"/>
+              <a:t> components </a:t>
+            </a:r>
+            <a:r>
+              <a:rPr lang="en-US" b="0" dirty="0" err="1"/>
+              <a:t>criados</a:t>
+            </a:r>
+            <a:r>
+              <a:rPr lang="en-US" b="0" dirty="0"/>
+              <a:t> </a:t>
+            </a:r>
+            <a:r>
+              <a:rPr lang="en-US" b="0" dirty="0" err="1"/>
+              <a:t>utilizando</a:t>
+            </a:r>
+            <a:r>
+              <a:rPr lang="en-US" b="0" dirty="0"/>
+              <a:t> React, </a:t>
+            </a:r>
+            <a:r>
+              <a:rPr lang="en-US" b="0" dirty="0" err="1"/>
+              <a:t>sendo</a:t>
+            </a:r>
+            <a:r>
+              <a:rPr lang="en-US" b="0" dirty="0"/>
+              <a:t> </a:t>
+            </a:r>
+            <a:r>
+              <a:rPr lang="en-US" b="0" dirty="0" err="1"/>
+              <a:t>eles</a:t>
+            </a:r>
+            <a:r>
+              <a:rPr lang="en-US" b="0" dirty="0"/>
+              <a:t> </a:t>
+            </a:r>
+            <a:r>
+              <a:rPr lang="en-US" b="0" dirty="0" err="1"/>
+              <a:t>trechos</a:t>
+            </a:r>
+            <a:r>
+              <a:rPr lang="en-US" b="0" dirty="0"/>
+              <a:t> de Código HTML, CSS e </a:t>
+            </a:r>
+            <a:r>
+              <a:rPr lang="en-US" b="0" dirty="0" err="1"/>
+              <a:t>Javascript</a:t>
+            </a:r>
+            <a:r>
+              <a:rPr lang="en-US" b="0" dirty="0"/>
+              <a:t>, </a:t>
+            </a:r>
+            <a:r>
+              <a:rPr lang="en-US" b="0" dirty="0" err="1"/>
+              <a:t>podendo</a:t>
+            </a:r>
+            <a:r>
+              <a:rPr lang="en-US" b="0" dirty="0"/>
+              <a:t> esses </a:t>
+            </a:r>
+            <a:r>
+              <a:rPr lang="en-US" b="0" dirty="0" err="1"/>
+              <a:t>componentes</a:t>
+            </a:r>
+            <a:r>
+              <a:rPr lang="en-US" b="0" dirty="0"/>
+              <a:t> </a:t>
+            </a:r>
+            <a:r>
+              <a:rPr lang="en-US" b="0" dirty="0" err="1"/>
+              <a:t>serem</a:t>
+            </a:r>
+            <a:r>
+              <a:rPr lang="en-US" b="0" dirty="0"/>
+              <a:t> </a:t>
+            </a:r>
+            <a:r>
+              <a:rPr lang="en-US" b="0" dirty="0" err="1"/>
+              <a:t>reutilizados</a:t>
+            </a:r>
+            <a:r>
+              <a:rPr lang="en-US" b="0" dirty="0"/>
+              <a:t> e </a:t>
+            </a:r>
+            <a:r>
+              <a:rPr lang="en-US" b="0" dirty="0" err="1"/>
+              <a:t>personalizados</a:t>
+            </a:r>
+            <a:r>
+              <a:rPr lang="en-US" b="0" dirty="0"/>
+              <a:t> no </a:t>
+            </a:r>
+            <a:r>
+              <a:rPr lang="en-US" b="0" dirty="0" err="1"/>
+              <a:t>nosso</a:t>
+            </a:r>
+            <a:r>
+              <a:rPr lang="en-US" b="0" dirty="0"/>
+              <a:t> Sistema</a:t>
+            </a:r>
           </a:p>
         </p:txBody>
       </p:sp>
@@ -1286,7 +2249,7 @@
     </p:spTree>
     <p:extLst>
       <p:ext uri="{BB962C8B-B14F-4D97-AF65-F5344CB8AC3E}">
-        <p14:creationId xmlns:p14="http://schemas.microsoft.com/office/powerpoint/2010/main" val="2726600474"/>
+        <p14:creationId xmlns:p14="http://schemas.microsoft.com/office/powerpoint/2010/main" val="4191339104"/>
       </p:ext>
     </p:extLst>
   </p:cSld>
@@ -1358,21 +2321,579 @@
               <a:defRPr/>
             </a:pPr>
             <a:r>
-              <a:rPr lang="en-US" b="1" dirty="0" err="1"/>
-              <a:t>Xs</a:t>
-            </a:r>
-            <a:r>
               <a:rPr lang="en-US" b="1" dirty="0"/>
-              <a:t> GABRIEL:</a:t>
-            </a:r>
-            <a:r>
-              <a:rPr lang="en-US" b="0" dirty="0"/>
-              <a:t> </a:t>
-            </a:r>
-            <a:endParaRPr lang="pt-BR" b="1" dirty="0"/>
-          </a:p>
-          <a:p>
-            <a:endParaRPr lang="pt-BR" dirty="0"/>
+              <a:t>40s GUSTAVO: </a:t>
+            </a:r>
+          </a:p>
+          <a:p>
+            <a:pPr marL="0" marR="0" lvl="0" indent="0" algn="l" defTabSz="914400" rtl="0" eaLnBrk="1" fontAlgn="auto" latinLnBrk="0" hangingPunct="1">
+              <a:lnSpc>
+                <a:spcPct val="100000"/>
+              </a:lnSpc>
+              <a:spcBef>
+                <a:spcPts val="0"/>
+              </a:spcBef>
+              <a:spcAft>
+                <a:spcPts val="0"/>
+              </a:spcAft>
+              <a:buClrTx/>
+              <a:buSzTx/>
+              <a:buFontTx/>
+              <a:buNone/>
+              <a:tabLst/>
+              <a:defRPr/>
+            </a:pPr>
+            <a:r>
+              <a:rPr lang="en-US" b="0" dirty="0"/>
+              <a:t>- </a:t>
+            </a:r>
+            <a:r>
+              <a:rPr lang="en-US" b="0" dirty="0" err="1"/>
+              <a:t>Já</a:t>
+            </a:r>
+            <a:r>
+              <a:rPr lang="en-US" b="0" dirty="0"/>
+              <a:t> a pasta CONTEXTS </a:t>
+            </a:r>
+            <a:r>
+              <a:rPr lang="en-US" b="0" dirty="0" err="1"/>
+              <a:t>possui</a:t>
+            </a:r>
+            <a:r>
+              <a:rPr lang="en-US" b="0" dirty="0"/>
+              <a:t> </a:t>
+            </a:r>
+            <a:r>
+              <a:rPr lang="en-US" b="0" dirty="0" err="1"/>
+              <a:t>contextos</a:t>
+            </a:r>
+            <a:r>
+              <a:rPr lang="en-US" b="0" dirty="0"/>
+              <a:t> que </a:t>
+            </a:r>
+            <a:r>
+              <a:rPr lang="en-US" b="0" dirty="0" err="1"/>
+              <a:t>podem</a:t>
+            </a:r>
+            <a:r>
+              <a:rPr lang="en-US" b="0" dirty="0"/>
+              <a:t> ser </a:t>
+            </a:r>
+            <a:r>
+              <a:rPr lang="en-US" b="0" dirty="0" err="1"/>
+              <a:t>utilizados</a:t>
+            </a:r>
+            <a:r>
+              <a:rPr lang="en-US" b="0" dirty="0"/>
+              <a:t> </a:t>
+            </a:r>
+            <a:r>
+              <a:rPr lang="en-US" b="0" dirty="0" err="1"/>
+              <a:t>na</a:t>
+            </a:r>
+            <a:r>
+              <a:rPr lang="en-US" b="0" dirty="0"/>
+              <a:t> </a:t>
+            </a:r>
+            <a:r>
+              <a:rPr lang="en-US" b="0" dirty="0" err="1"/>
+              <a:t>aplicação</a:t>
+            </a:r>
+            <a:r>
+              <a:rPr lang="en-US" b="0" dirty="0"/>
+              <a:t>, </a:t>
+            </a:r>
+            <a:r>
+              <a:rPr lang="en-US" b="0" dirty="0" err="1"/>
+              <a:t>permitindo</a:t>
+            </a:r>
+            <a:r>
+              <a:rPr lang="en-US" b="0" dirty="0"/>
+              <a:t> </a:t>
+            </a:r>
+            <a:r>
+              <a:rPr lang="en-US" b="0" dirty="0" err="1"/>
+              <a:t>salvar</a:t>
+            </a:r>
+            <a:r>
+              <a:rPr lang="en-US" b="0" dirty="0"/>
+              <a:t> dados e </a:t>
+            </a:r>
+            <a:r>
+              <a:rPr lang="en-US" b="0" dirty="0" err="1"/>
+              <a:t>funções</a:t>
+            </a:r>
+            <a:r>
+              <a:rPr lang="en-US" b="0" dirty="0"/>
+              <a:t> que </a:t>
+            </a:r>
+            <a:r>
+              <a:rPr lang="en-US" b="0" dirty="0" err="1"/>
+              <a:t>serão</a:t>
+            </a:r>
+            <a:r>
+              <a:rPr lang="en-US" b="0" dirty="0"/>
+              <a:t> </a:t>
+            </a:r>
+            <a:r>
+              <a:rPr lang="en-US" b="0" dirty="0" err="1"/>
+              <a:t>reutilizados</a:t>
+            </a:r>
+            <a:r>
+              <a:rPr lang="en-US" b="0" dirty="0"/>
+              <a:t>, </a:t>
+            </a:r>
+            <a:r>
+              <a:rPr lang="en-US" b="0" dirty="0" err="1"/>
+              <a:t>evitando</a:t>
+            </a:r>
+            <a:r>
+              <a:rPr lang="en-US" b="0" dirty="0"/>
+              <a:t> dessa forma que dados </a:t>
+            </a:r>
+            <a:r>
+              <a:rPr lang="en-US" b="0" dirty="0" err="1"/>
+              <a:t>sejam</a:t>
+            </a:r>
+            <a:r>
+              <a:rPr lang="en-US" b="0" dirty="0"/>
+              <a:t> </a:t>
+            </a:r>
+            <a:r>
+              <a:rPr lang="en-US" b="0" dirty="0" err="1"/>
+              <a:t>passados</a:t>
+            </a:r>
+            <a:r>
+              <a:rPr lang="en-US" b="0" dirty="0"/>
+              <a:t> via </a:t>
+            </a:r>
+            <a:r>
+              <a:rPr lang="en-US" b="0" dirty="0" err="1"/>
+              <a:t>componente</a:t>
+            </a:r>
+            <a:r>
+              <a:rPr lang="en-US" b="0" dirty="0"/>
+              <a:t>, </a:t>
+            </a:r>
+            <a:r>
+              <a:rPr lang="en-US" b="0" dirty="0" err="1"/>
+              <a:t>gerando</a:t>
+            </a:r>
+            <a:r>
+              <a:rPr lang="en-US" b="0" dirty="0"/>
+              <a:t> </a:t>
+            </a:r>
+            <a:r>
+              <a:rPr lang="en-US" b="0" dirty="0" err="1"/>
+              <a:t>mais</a:t>
+            </a:r>
+            <a:r>
+              <a:rPr lang="en-US" b="0" dirty="0"/>
+              <a:t> </a:t>
+            </a:r>
+            <a:r>
+              <a:rPr lang="en-US" b="0" dirty="0" err="1"/>
+              <a:t>segurança</a:t>
+            </a:r>
+            <a:r>
+              <a:rPr lang="en-US" b="0" dirty="0"/>
+              <a:t> e </a:t>
+            </a:r>
+            <a:r>
+              <a:rPr lang="en-US" b="0" dirty="0" err="1"/>
+              <a:t>estabilidade</a:t>
+            </a:r>
+            <a:r>
+              <a:rPr lang="en-US" b="0" dirty="0"/>
+              <a:t> </a:t>
+            </a:r>
+            <a:r>
+              <a:rPr lang="en-US" b="0" dirty="0" err="1"/>
+              <a:t>ao</a:t>
+            </a:r>
+            <a:r>
+              <a:rPr lang="en-US" b="0" dirty="0"/>
+              <a:t> front-end.</a:t>
+            </a:r>
+          </a:p>
+          <a:p>
+            <a:pPr marL="0" marR="0" lvl="0" indent="0" algn="l" defTabSz="914400" rtl="0" eaLnBrk="1" fontAlgn="auto" latinLnBrk="0" hangingPunct="1">
+              <a:lnSpc>
+                <a:spcPct val="100000"/>
+              </a:lnSpc>
+              <a:spcBef>
+                <a:spcPts val="0"/>
+              </a:spcBef>
+              <a:spcAft>
+                <a:spcPts val="0"/>
+              </a:spcAft>
+              <a:buClrTx/>
+              <a:buSzTx/>
+              <a:buFontTx/>
+              <a:buNone/>
+              <a:tabLst/>
+              <a:defRPr/>
+            </a:pPr>
+            <a:r>
+              <a:rPr lang="en-US" b="0" dirty="0"/>
+              <a:t>- </a:t>
+            </a:r>
+            <a:r>
+              <a:rPr lang="en-US" b="0" dirty="0" err="1"/>
+              <a:t>Já</a:t>
+            </a:r>
+            <a:r>
+              <a:rPr lang="en-US" b="0" dirty="0"/>
+              <a:t> a pasta HOOKS </a:t>
+            </a:r>
+            <a:r>
+              <a:rPr lang="en-US" b="0" dirty="0" err="1"/>
+              <a:t>contém</a:t>
+            </a:r>
+            <a:r>
+              <a:rPr lang="en-US" b="0" dirty="0"/>
+              <a:t> </a:t>
+            </a:r>
+            <a:r>
+              <a:rPr lang="en-US" b="0" dirty="0" err="1"/>
+              <a:t>funcionalidades</a:t>
+            </a:r>
+            <a:r>
+              <a:rPr lang="en-US" b="0" dirty="0"/>
+              <a:t> que </a:t>
+            </a:r>
+            <a:r>
+              <a:rPr lang="en-US" b="0" dirty="0" err="1"/>
+              <a:t>podem</a:t>
+            </a:r>
+            <a:r>
+              <a:rPr lang="en-US" b="0" dirty="0"/>
+              <a:t> ser </a:t>
+            </a:r>
+            <a:r>
+              <a:rPr lang="en-US" b="0" dirty="0" err="1"/>
+              <a:t>reutilizadas</a:t>
+            </a:r>
+            <a:r>
+              <a:rPr lang="en-US" b="0" dirty="0"/>
+              <a:t> </a:t>
+            </a:r>
+            <a:r>
+              <a:rPr lang="en-US" b="0" dirty="0" err="1"/>
+              <a:t>sobre</a:t>
+            </a:r>
+            <a:r>
+              <a:rPr lang="en-US" b="0" dirty="0"/>
+              <a:t> </a:t>
+            </a:r>
+            <a:r>
+              <a:rPr lang="en-US" b="0" dirty="0" err="1"/>
+              <a:t>os</a:t>
+            </a:r>
+            <a:r>
+              <a:rPr lang="en-US" b="0" dirty="0"/>
+              <a:t> </a:t>
+            </a:r>
+            <a:r>
+              <a:rPr lang="en-US" b="0" dirty="0" err="1"/>
+              <a:t>componentes</a:t>
+            </a:r>
+            <a:r>
+              <a:rPr lang="en-US" b="0" dirty="0"/>
+              <a:t>. No </a:t>
+            </a:r>
+            <a:r>
+              <a:rPr lang="en-US" b="0" dirty="0" err="1"/>
+              <a:t>nosso</a:t>
+            </a:r>
+            <a:r>
+              <a:rPr lang="en-US" b="0" dirty="0"/>
+              <a:t> </a:t>
+            </a:r>
+            <a:r>
+              <a:rPr lang="en-US" b="0" dirty="0" err="1"/>
+              <a:t>projeto</a:t>
+            </a:r>
+            <a:r>
+              <a:rPr lang="en-US" b="0" dirty="0"/>
+              <a:t> </a:t>
+            </a:r>
+            <a:r>
+              <a:rPr lang="en-US" b="0" dirty="0" err="1"/>
+              <a:t>criamos</a:t>
+            </a:r>
+            <a:r>
+              <a:rPr lang="en-US" b="0" dirty="0"/>
+              <a:t> um para que </a:t>
+            </a:r>
+            <a:r>
+              <a:rPr lang="en-US" b="0" dirty="0" err="1"/>
+              <a:t>certas</a:t>
+            </a:r>
+            <a:r>
+              <a:rPr lang="en-US" b="0" dirty="0"/>
+              <a:t> </a:t>
+            </a:r>
+            <a:r>
+              <a:rPr lang="en-US" b="0" dirty="0" err="1"/>
+              <a:t>páginas</a:t>
+            </a:r>
+            <a:r>
+              <a:rPr lang="en-US" b="0" dirty="0"/>
+              <a:t> do site </a:t>
+            </a:r>
+            <a:r>
+              <a:rPr lang="en-US" b="0" dirty="0" err="1"/>
+              <a:t>só</a:t>
+            </a:r>
+            <a:r>
+              <a:rPr lang="en-US" b="0" dirty="0"/>
+              <a:t> </a:t>
+            </a:r>
+            <a:r>
+              <a:rPr lang="en-US" b="0" dirty="0" err="1"/>
+              <a:t>fossem</a:t>
+            </a:r>
+            <a:r>
+              <a:rPr lang="en-US" b="0" dirty="0"/>
+              <a:t> </a:t>
+            </a:r>
+            <a:r>
+              <a:rPr lang="en-US" b="0" dirty="0" err="1"/>
+              <a:t>acessadas</a:t>
+            </a:r>
+            <a:r>
+              <a:rPr lang="en-US" b="0" dirty="0"/>
+              <a:t> </a:t>
+            </a:r>
+            <a:r>
+              <a:rPr lang="en-US" b="0" dirty="0" err="1"/>
+              <a:t>após</a:t>
+            </a:r>
+            <a:r>
+              <a:rPr lang="en-US" b="0" dirty="0"/>
+              <a:t> o </a:t>
+            </a:r>
+            <a:r>
+              <a:rPr lang="en-US" b="0" dirty="0" err="1"/>
+              <a:t>usuário</a:t>
+            </a:r>
+            <a:r>
+              <a:rPr lang="en-US" b="0" dirty="0"/>
+              <a:t> </a:t>
+            </a:r>
+            <a:r>
+              <a:rPr lang="en-US" b="0" dirty="0" err="1"/>
+              <a:t>ter</a:t>
+            </a:r>
+            <a:r>
+              <a:rPr lang="en-US" b="0" dirty="0"/>
+              <a:t> </a:t>
+            </a:r>
+            <a:r>
+              <a:rPr lang="en-US" b="0" dirty="0" err="1"/>
+              <a:t>sido</a:t>
+            </a:r>
+            <a:r>
+              <a:rPr lang="en-US" b="0" dirty="0"/>
+              <a:t> </a:t>
+            </a:r>
+            <a:r>
+              <a:rPr lang="en-US" b="0" dirty="0" err="1"/>
+              <a:t>autenticado</a:t>
+            </a:r>
+            <a:r>
+              <a:rPr lang="en-US" b="0" dirty="0"/>
+              <a:t>.</a:t>
+            </a:r>
+          </a:p>
+          <a:p>
+            <a:pPr marL="0" marR="0" lvl="0" indent="0" algn="l" defTabSz="914400" rtl="0" eaLnBrk="1" fontAlgn="auto" latinLnBrk="0" hangingPunct="1">
+              <a:lnSpc>
+                <a:spcPct val="100000"/>
+              </a:lnSpc>
+              <a:spcBef>
+                <a:spcPts val="0"/>
+              </a:spcBef>
+              <a:spcAft>
+                <a:spcPts val="0"/>
+              </a:spcAft>
+              <a:buClrTx/>
+              <a:buSzTx/>
+              <a:buFontTx/>
+              <a:buNone/>
+              <a:tabLst/>
+              <a:defRPr/>
+            </a:pPr>
+            <a:r>
+              <a:rPr lang="en-US" b="0" dirty="0"/>
+              <a:t>- </a:t>
+            </a:r>
+            <a:r>
+              <a:rPr lang="en-US" b="0" dirty="0" err="1"/>
+              <a:t>Já</a:t>
+            </a:r>
+            <a:r>
+              <a:rPr lang="en-US" b="0" dirty="0"/>
+              <a:t> a pasta MODEL </a:t>
+            </a:r>
+            <a:r>
+              <a:rPr lang="en-US" b="0" dirty="0" err="1"/>
+              <a:t>contém</a:t>
+            </a:r>
+            <a:r>
+              <a:rPr lang="en-US" b="0" dirty="0"/>
+              <a:t> as </a:t>
+            </a:r>
+            <a:r>
+              <a:rPr lang="en-US" b="0" dirty="0" err="1"/>
+              <a:t>estruturas</a:t>
+            </a:r>
+            <a:r>
+              <a:rPr lang="en-US" b="0" dirty="0"/>
+              <a:t> de dados </a:t>
+            </a:r>
+            <a:r>
+              <a:rPr lang="en-US" b="0" dirty="0" err="1"/>
+              <a:t>mapeadas</a:t>
+            </a:r>
+            <a:r>
+              <a:rPr lang="en-US" b="0" dirty="0"/>
+              <a:t> </a:t>
+            </a:r>
+            <a:r>
+              <a:rPr lang="en-US" b="0" dirty="0" err="1"/>
+              <a:t>durante</a:t>
+            </a:r>
+            <a:r>
+              <a:rPr lang="en-US" b="0" dirty="0"/>
+              <a:t> o </a:t>
+            </a:r>
+            <a:r>
+              <a:rPr lang="en-US" b="0" dirty="0" err="1"/>
+              <a:t>desenvolvimento</a:t>
+            </a:r>
+            <a:r>
+              <a:rPr lang="en-US" b="0" dirty="0"/>
+              <a:t> e </a:t>
+            </a:r>
+            <a:r>
+              <a:rPr lang="en-US" b="0" dirty="0" err="1"/>
+              <a:t>também</a:t>
+            </a:r>
+            <a:r>
+              <a:rPr lang="en-US" b="0" dirty="0"/>
+              <a:t> </a:t>
+            </a:r>
+            <a:r>
+              <a:rPr lang="en-US" b="0" dirty="0" err="1"/>
+              <a:t>algumas</a:t>
+            </a:r>
+            <a:r>
+              <a:rPr lang="en-US" b="0" dirty="0"/>
+              <a:t> </a:t>
+            </a:r>
+            <a:r>
+              <a:rPr lang="en-US" b="0" dirty="0" err="1"/>
+              <a:t>funcionalidades</a:t>
+            </a:r>
+            <a:r>
+              <a:rPr lang="en-US" b="0" dirty="0"/>
+              <a:t> </a:t>
+            </a:r>
+            <a:r>
+              <a:rPr lang="en-US" b="0" dirty="0" err="1"/>
+              <a:t>sobre</a:t>
+            </a:r>
+            <a:r>
+              <a:rPr lang="en-US" b="0" dirty="0"/>
+              <a:t> a propria </a:t>
+            </a:r>
+            <a:r>
+              <a:rPr lang="en-US" b="0" dirty="0" err="1"/>
+              <a:t>estrutura</a:t>
+            </a:r>
+            <a:r>
+              <a:rPr lang="en-US" b="0" dirty="0"/>
+              <a:t>. </a:t>
+            </a:r>
+            <a:r>
+              <a:rPr lang="en-US" b="0" dirty="0" err="1"/>
+              <a:t>Está</a:t>
+            </a:r>
+            <a:r>
+              <a:rPr lang="en-US" b="0" dirty="0"/>
+              <a:t> </a:t>
+            </a:r>
+            <a:r>
+              <a:rPr lang="en-US" b="0" dirty="0" err="1"/>
+              <a:t>relacionada</a:t>
+            </a:r>
+            <a:r>
+              <a:rPr lang="en-US" b="0" dirty="0"/>
+              <a:t> </a:t>
+            </a:r>
+            <a:r>
+              <a:rPr lang="en-US" b="0" dirty="0" err="1"/>
+              <a:t>também</a:t>
+            </a:r>
+            <a:r>
+              <a:rPr lang="en-US" b="0" dirty="0"/>
+              <a:t> com </a:t>
+            </a:r>
+            <a:r>
+              <a:rPr lang="en-US" b="0" dirty="0" err="1"/>
+              <a:t>chamadas</a:t>
+            </a:r>
+            <a:r>
+              <a:rPr lang="en-US" b="0" dirty="0"/>
+              <a:t> de API que </a:t>
+            </a:r>
+            <a:r>
+              <a:rPr lang="en-US" b="0" dirty="0" err="1"/>
+              <a:t>retornam</a:t>
+            </a:r>
+            <a:r>
+              <a:rPr lang="en-US" b="0" dirty="0"/>
+              <a:t> </a:t>
+            </a:r>
+            <a:r>
+              <a:rPr lang="en-US" b="0" dirty="0" err="1"/>
+              <a:t>estruturas</a:t>
+            </a:r>
+            <a:r>
+              <a:rPr lang="en-US" b="0" dirty="0"/>
+              <a:t> </a:t>
+            </a:r>
+            <a:r>
+              <a:rPr lang="en-US" b="0" dirty="0" err="1"/>
+              <a:t>mapeadas</a:t>
+            </a:r>
+            <a:r>
+              <a:rPr lang="en-US" b="0" dirty="0"/>
+              <a:t>, </a:t>
+            </a:r>
+            <a:r>
+              <a:rPr lang="en-US" b="0" dirty="0" err="1"/>
+              <a:t>criaçao</a:t>
+            </a:r>
+            <a:r>
+              <a:rPr lang="en-US" b="0" dirty="0"/>
+              <a:t> de </a:t>
+            </a:r>
+            <a:r>
+              <a:rPr lang="en-US" b="0" dirty="0" err="1"/>
+              <a:t>modelos</a:t>
+            </a:r>
+            <a:r>
+              <a:rPr lang="en-US" b="0" dirty="0"/>
+              <a:t> no back-end e </a:t>
+            </a:r>
+            <a:r>
+              <a:rPr lang="en-US" b="0" dirty="0" err="1"/>
+              <a:t>etc</a:t>
+            </a:r>
+            <a:endParaRPr lang="en-US" b="0" dirty="0"/>
           </a:p>
         </p:txBody>
       </p:sp>
@@ -1402,7 +2923,7 @@
     </p:spTree>
     <p:extLst>
       <p:ext uri="{BB962C8B-B14F-4D97-AF65-F5344CB8AC3E}">
-        <p14:creationId xmlns:p14="http://schemas.microsoft.com/office/powerpoint/2010/main" val="1221310960"/>
+        <p14:creationId xmlns:p14="http://schemas.microsoft.com/office/powerpoint/2010/main" val="1970198542"/>
       </p:ext>
     </p:extLst>
   </p:cSld>
@@ -1474,20 +2995,474 @@
               <a:defRPr/>
             </a:pPr>
             <a:r>
-              <a:rPr lang="en-US" b="1" dirty="0" err="1"/>
-              <a:t>Xs</a:t>
-            </a:r>
-            <a:r>
               <a:rPr lang="en-US" b="1" dirty="0"/>
-              <a:t> GABRIEL:</a:t>
-            </a:r>
-            <a:r>
-              <a:rPr lang="en-US" b="0" dirty="0"/>
-              <a:t> </a:t>
-            </a:r>
-            <a:endParaRPr lang="pt-BR" b="1" dirty="0"/>
-          </a:p>
-          <a:p>
+              <a:t>30s GUSTAVO: </a:t>
+            </a:r>
+          </a:p>
+          <a:p>
+            <a:pPr marL="0" marR="0" lvl="0" indent="0" algn="l" defTabSz="914400" rtl="0" eaLnBrk="1" fontAlgn="auto" latinLnBrk="0" hangingPunct="1">
+              <a:lnSpc>
+                <a:spcPct val="100000"/>
+              </a:lnSpc>
+              <a:spcBef>
+                <a:spcPts val="0"/>
+              </a:spcBef>
+              <a:spcAft>
+                <a:spcPts val="0"/>
+              </a:spcAft>
+              <a:buClrTx/>
+              <a:buSzTx/>
+              <a:buFontTx/>
+              <a:buNone/>
+              <a:tabLst/>
+              <a:defRPr/>
+            </a:pPr>
+            <a:r>
+              <a:rPr lang="en-US" b="0" dirty="0"/>
+              <a:t>- </a:t>
+            </a:r>
+            <a:r>
+              <a:rPr lang="en-US" b="0" dirty="0" err="1"/>
+              <a:t>Já</a:t>
+            </a:r>
+            <a:r>
+              <a:rPr lang="en-US" b="0" dirty="0"/>
+              <a:t> a pasta STYLES </a:t>
+            </a:r>
+            <a:r>
+              <a:rPr lang="en-US" b="0" dirty="0" err="1"/>
+              <a:t>contém</a:t>
+            </a:r>
+            <a:r>
+              <a:rPr lang="en-US" b="0" dirty="0"/>
+              <a:t> </a:t>
+            </a:r>
+            <a:r>
+              <a:rPr lang="en-US" b="0" dirty="0" err="1"/>
+              <a:t>tudo</a:t>
+            </a:r>
+            <a:r>
+              <a:rPr lang="en-US" b="0" dirty="0"/>
+              <a:t> o que é </a:t>
+            </a:r>
+            <a:r>
+              <a:rPr lang="en-US" b="0" dirty="0" err="1"/>
+              <a:t>voltado</a:t>
+            </a:r>
+            <a:r>
+              <a:rPr lang="en-US" b="0" dirty="0"/>
+              <a:t> </a:t>
+            </a:r>
+            <a:r>
+              <a:rPr lang="en-US" b="0" dirty="0" err="1"/>
+              <a:t>ao</a:t>
+            </a:r>
+            <a:r>
+              <a:rPr lang="en-US" b="0" dirty="0"/>
+              <a:t> </a:t>
+            </a:r>
+            <a:r>
+              <a:rPr lang="en-US" b="0" dirty="0" err="1"/>
+              <a:t>estilo</a:t>
+            </a:r>
+            <a:r>
+              <a:rPr lang="en-US" b="0" dirty="0"/>
+              <a:t> da </a:t>
+            </a:r>
+            <a:r>
+              <a:rPr lang="en-US" b="0" dirty="0" err="1"/>
+              <a:t>aplicação</a:t>
+            </a:r>
+            <a:r>
+              <a:rPr lang="en-US" b="0" dirty="0"/>
+              <a:t>, </a:t>
+            </a:r>
+            <a:r>
+              <a:rPr lang="en-US" b="0" dirty="0" err="1"/>
+              <a:t>contendo</a:t>
+            </a:r>
+            <a:r>
+              <a:rPr lang="en-US" b="0" dirty="0"/>
+              <a:t> </a:t>
+            </a:r>
+            <a:r>
+              <a:rPr lang="en-US" b="0" dirty="0" err="1"/>
+              <a:t>arquivo</a:t>
+            </a:r>
+            <a:r>
+              <a:rPr lang="en-US" b="0" dirty="0"/>
+              <a:t> CSS e o </a:t>
+            </a:r>
+            <a:r>
+              <a:rPr lang="en-US" b="0" dirty="0" err="1"/>
+              <a:t>arquivo</a:t>
+            </a:r>
+            <a:r>
+              <a:rPr lang="en-US" b="0" dirty="0"/>
+              <a:t> </a:t>
+            </a:r>
+            <a:r>
+              <a:rPr lang="en-US" b="0" dirty="0" err="1"/>
+              <a:t>relacionado</a:t>
+            </a:r>
+            <a:r>
+              <a:rPr lang="en-US" b="0" dirty="0"/>
+              <a:t> a </a:t>
+            </a:r>
+            <a:r>
+              <a:rPr lang="en-US" b="0" dirty="0" err="1"/>
+              <a:t>biblioteca</a:t>
+            </a:r>
+            <a:r>
+              <a:rPr lang="en-US" b="0" dirty="0"/>
+              <a:t> Material UI, que </a:t>
+            </a:r>
+            <a:r>
+              <a:rPr lang="en-US" b="0" dirty="0" err="1"/>
+              <a:t>comentei</a:t>
+            </a:r>
+            <a:r>
+              <a:rPr lang="en-US" b="0" dirty="0"/>
+              <a:t> </a:t>
+            </a:r>
+            <a:r>
+              <a:rPr lang="en-US" b="0" dirty="0" err="1"/>
+              <a:t>anteriormente</a:t>
+            </a:r>
+            <a:r>
+              <a:rPr lang="en-US" b="0" dirty="0"/>
+              <a:t>.</a:t>
+            </a:r>
+          </a:p>
+          <a:p>
+            <a:pPr marL="0" marR="0" lvl="0" indent="0" algn="l" defTabSz="914400" rtl="0" eaLnBrk="1" fontAlgn="auto" latinLnBrk="0" hangingPunct="1">
+              <a:lnSpc>
+                <a:spcPct val="100000"/>
+              </a:lnSpc>
+              <a:spcBef>
+                <a:spcPts val="0"/>
+              </a:spcBef>
+              <a:spcAft>
+                <a:spcPts val="0"/>
+              </a:spcAft>
+              <a:buClrTx/>
+              <a:buSzTx/>
+              <a:buFontTx/>
+              <a:buNone/>
+              <a:tabLst/>
+              <a:defRPr/>
+            </a:pPr>
+            <a:r>
+              <a:rPr lang="en-US" b="0" dirty="0"/>
+              <a:t>- </a:t>
+            </a:r>
+            <a:r>
+              <a:rPr lang="en-US" b="0" dirty="0" err="1"/>
+              <a:t>Já</a:t>
+            </a:r>
+            <a:r>
+              <a:rPr lang="en-US" b="0" dirty="0"/>
+              <a:t> a pasta UTILITIES </a:t>
+            </a:r>
+            <a:r>
+              <a:rPr lang="en-US" b="0" dirty="0" err="1"/>
+              <a:t>contém</a:t>
+            </a:r>
+            <a:r>
+              <a:rPr lang="en-US" b="0" dirty="0"/>
+              <a:t> </a:t>
+            </a:r>
+            <a:r>
+              <a:rPr lang="en-US" b="0" dirty="0" err="1"/>
+              <a:t>funcionalidades</a:t>
+            </a:r>
+            <a:r>
+              <a:rPr lang="en-US" b="0" dirty="0"/>
+              <a:t> </a:t>
+            </a:r>
+            <a:r>
+              <a:rPr lang="en-US" b="0" dirty="0" err="1"/>
+              <a:t>úteis</a:t>
+            </a:r>
+            <a:r>
+              <a:rPr lang="en-US" b="0" dirty="0"/>
+              <a:t> </a:t>
+            </a:r>
+            <a:r>
+              <a:rPr lang="en-US" b="0" dirty="0" err="1"/>
+              <a:t>como</a:t>
+            </a:r>
+            <a:r>
+              <a:rPr lang="en-US" b="0" dirty="0"/>
+              <a:t> </a:t>
+            </a:r>
+            <a:r>
+              <a:rPr lang="en-US" b="0" dirty="0" err="1"/>
+              <a:t>formatação</a:t>
+            </a:r>
+            <a:r>
+              <a:rPr lang="en-US" b="0" dirty="0"/>
+              <a:t> de </a:t>
+            </a:r>
+            <a:r>
+              <a:rPr lang="en-US" b="0" dirty="0" err="1"/>
+              <a:t>datas</a:t>
+            </a:r>
+            <a:r>
+              <a:rPr lang="en-US" b="0" dirty="0"/>
+              <a:t>, campos, </a:t>
+            </a:r>
+            <a:r>
+              <a:rPr lang="en-US" b="0" dirty="0" err="1"/>
+              <a:t>textos</a:t>
+            </a:r>
+            <a:r>
+              <a:rPr lang="en-US" b="0" dirty="0"/>
+              <a:t> e etc.</a:t>
+            </a:r>
+          </a:p>
+          <a:p>
+            <a:pPr marL="0" marR="0" lvl="0" indent="0" algn="l" defTabSz="914400" rtl="0" eaLnBrk="1" fontAlgn="auto" latinLnBrk="0" hangingPunct="1">
+              <a:lnSpc>
+                <a:spcPct val="100000"/>
+              </a:lnSpc>
+              <a:spcBef>
+                <a:spcPts val="0"/>
+              </a:spcBef>
+              <a:spcAft>
+                <a:spcPts val="0"/>
+              </a:spcAft>
+              <a:buClrTx/>
+              <a:buSzTx/>
+              <a:buFontTx/>
+              <a:buNone/>
+              <a:tabLst/>
+              <a:defRPr/>
+            </a:pPr>
+            <a:r>
+              <a:rPr lang="en-US" b="0" dirty="0"/>
+              <a:t>- </a:t>
+            </a:r>
+            <a:r>
+              <a:rPr lang="en-US" b="0" dirty="0" err="1"/>
+              <a:t>Já</a:t>
+            </a:r>
+            <a:r>
+              <a:rPr lang="en-US" b="0" dirty="0"/>
+              <a:t> a pasta VIEWS, </a:t>
+            </a:r>
+            <a:r>
+              <a:rPr lang="en-US" b="0" dirty="0" err="1"/>
+              <a:t>por</a:t>
+            </a:r>
+            <a:r>
+              <a:rPr lang="en-US" b="0" dirty="0"/>
+              <a:t> </a:t>
+            </a:r>
+            <a:r>
+              <a:rPr lang="en-US" b="0" dirty="0" err="1"/>
+              <a:t>último</a:t>
+            </a:r>
+            <a:r>
+              <a:rPr lang="en-US" b="0" dirty="0"/>
+              <a:t> </a:t>
+            </a:r>
+            <a:r>
+              <a:rPr lang="en-US" b="0" dirty="0" err="1"/>
+              <a:t>contém</a:t>
+            </a:r>
+            <a:r>
+              <a:rPr lang="en-US" b="0" dirty="0"/>
+              <a:t> </a:t>
+            </a:r>
+            <a:r>
+              <a:rPr lang="en-US" b="0" dirty="0" err="1"/>
+              <a:t>todas</a:t>
+            </a:r>
+            <a:r>
+              <a:rPr lang="en-US" b="0" dirty="0"/>
+              <a:t> as </a:t>
+            </a:r>
+            <a:r>
+              <a:rPr lang="en-US" b="0" dirty="0" err="1"/>
+              <a:t>páginas</a:t>
+            </a:r>
+            <a:r>
+              <a:rPr lang="en-US" b="0" dirty="0"/>
+              <a:t> do site. </a:t>
+            </a:r>
+            <a:r>
+              <a:rPr lang="en-US" b="0" dirty="0" err="1"/>
+              <a:t>Cada</a:t>
+            </a:r>
+            <a:r>
+              <a:rPr lang="en-US" b="0" dirty="0"/>
+              <a:t> </a:t>
+            </a:r>
+            <a:r>
+              <a:rPr lang="en-US" b="0" dirty="0" err="1"/>
+              <a:t>página</a:t>
+            </a:r>
+            <a:r>
+              <a:rPr lang="en-US" b="0" dirty="0"/>
+              <a:t> </a:t>
+            </a:r>
+            <a:r>
+              <a:rPr lang="en-US" b="0" dirty="0" err="1"/>
+              <a:t>deve</a:t>
+            </a:r>
+            <a:r>
+              <a:rPr lang="en-US" b="0" dirty="0"/>
+              <a:t> </a:t>
+            </a:r>
+            <a:r>
+              <a:rPr lang="en-US" b="0" dirty="0" err="1"/>
+              <a:t>ter</a:t>
+            </a:r>
+            <a:r>
+              <a:rPr lang="en-US" b="0" dirty="0"/>
+              <a:t> </a:t>
+            </a:r>
+            <a:r>
+              <a:rPr lang="en-US" b="0" dirty="0" err="1"/>
+              <a:t>uma</a:t>
+            </a:r>
+            <a:r>
+              <a:rPr lang="en-US" b="0" dirty="0"/>
+              <a:t> </a:t>
+            </a:r>
+            <a:r>
+              <a:rPr lang="en-US" b="0" dirty="0" err="1"/>
+              <a:t>rota</a:t>
+            </a:r>
+            <a:r>
+              <a:rPr lang="en-US" b="0" dirty="0"/>
+              <a:t> que </a:t>
+            </a:r>
+            <a:r>
+              <a:rPr lang="en-US" b="0" dirty="0" err="1"/>
+              <a:t>deve</a:t>
+            </a:r>
+            <a:r>
+              <a:rPr lang="en-US" b="0" dirty="0"/>
+              <a:t> ser </a:t>
+            </a:r>
+            <a:r>
+              <a:rPr lang="en-US" b="0" dirty="0" err="1"/>
+              <a:t>mapeada</a:t>
+            </a:r>
+            <a:r>
+              <a:rPr lang="en-US" b="0" dirty="0"/>
+              <a:t> no </a:t>
+            </a:r>
+            <a:r>
+              <a:rPr lang="en-US" b="0" dirty="0" err="1"/>
+              <a:t>arquivo</a:t>
+            </a:r>
+            <a:r>
+              <a:rPr lang="en-US" b="0" dirty="0"/>
+              <a:t> ROUTER.TS, que se </a:t>
+            </a:r>
+            <a:r>
+              <a:rPr lang="en-US" b="0" dirty="0" err="1"/>
+              <a:t>encontra</a:t>
+            </a:r>
+            <a:r>
+              <a:rPr lang="en-US" b="0" dirty="0"/>
+              <a:t> </a:t>
+            </a:r>
+            <a:r>
+              <a:rPr lang="en-US" b="0" dirty="0" err="1"/>
+              <a:t>na</a:t>
+            </a:r>
+            <a:r>
+              <a:rPr lang="en-US" b="0" dirty="0"/>
+              <a:t> </a:t>
+            </a:r>
+            <a:r>
+              <a:rPr lang="en-US" b="0" dirty="0" err="1"/>
+              <a:t>raiz</a:t>
+            </a:r>
+            <a:r>
+              <a:rPr lang="en-US" b="0" dirty="0"/>
+              <a:t> do </a:t>
+            </a:r>
+            <a:r>
+              <a:rPr lang="en-US" b="0" dirty="0" err="1"/>
+              <a:t>projeto</a:t>
+            </a:r>
+            <a:r>
+              <a:rPr lang="en-US" b="0" dirty="0"/>
+              <a:t> e </a:t>
+            </a:r>
+            <a:r>
+              <a:rPr lang="en-US" b="0" dirty="0" err="1"/>
+              <a:t>contém</a:t>
+            </a:r>
+            <a:r>
+              <a:rPr lang="en-US" b="0" dirty="0"/>
+              <a:t> </a:t>
+            </a:r>
+            <a:r>
+              <a:rPr lang="en-US" b="0" dirty="0" err="1"/>
+              <a:t>uma</a:t>
+            </a:r>
+            <a:r>
+              <a:rPr lang="en-US" b="0" dirty="0"/>
+              <a:t> </a:t>
+            </a:r>
+            <a:r>
+              <a:rPr lang="en-US" b="0" dirty="0" err="1"/>
+              <a:t>lista</a:t>
+            </a:r>
+            <a:r>
+              <a:rPr lang="en-US" b="0" dirty="0"/>
+              <a:t> com </a:t>
+            </a:r>
+            <a:r>
+              <a:rPr lang="en-US" b="0" dirty="0" err="1"/>
+              <a:t>itens</a:t>
+            </a:r>
+            <a:r>
+              <a:rPr lang="en-US" b="0" dirty="0"/>
+              <a:t> que </a:t>
+            </a:r>
+            <a:r>
+              <a:rPr lang="en-US" b="0" dirty="0" err="1"/>
+              <a:t>mapeiam</a:t>
+            </a:r>
+            <a:r>
+              <a:rPr lang="en-US" b="0" dirty="0"/>
+              <a:t> </a:t>
+            </a:r>
+            <a:r>
+              <a:rPr lang="en-US" b="0" dirty="0" err="1"/>
+              <a:t>componentes</a:t>
+            </a:r>
+            <a:r>
+              <a:rPr lang="en-US" b="0" dirty="0"/>
+              <a:t> </a:t>
+            </a:r>
+            <a:r>
+              <a:rPr lang="en-US" b="0" dirty="0" err="1"/>
+              <a:t>em</a:t>
+            </a:r>
+            <a:r>
+              <a:rPr lang="en-US" b="0" dirty="0"/>
+              <a:t> </a:t>
+            </a:r>
+            <a:r>
+              <a:rPr lang="en-US" b="0" dirty="0" err="1"/>
+              <a:t>sua</a:t>
+            </a:r>
+            <a:r>
+              <a:rPr lang="en-US" b="0" dirty="0"/>
+              <a:t> </a:t>
+            </a:r>
+            <a:r>
+              <a:rPr lang="en-US" b="0" dirty="0" err="1"/>
+              <a:t>rota</a:t>
+            </a:r>
             <a:endParaRPr lang="pt-BR" dirty="0"/>
           </a:p>
         </p:txBody>
@@ -1518,7 +3493,7 @@
     </p:spTree>
     <p:extLst>
       <p:ext uri="{BB962C8B-B14F-4D97-AF65-F5344CB8AC3E}">
-        <p14:creationId xmlns:p14="http://schemas.microsoft.com/office/powerpoint/2010/main" val="4288050236"/>
+        <p14:creationId xmlns:p14="http://schemas.microsoft.com/office/powerpoint/2010/main" val="3605417034"/>
       </p:ext>
     </p:extLst>
   </p:cSld>
@@ -1599,7 +3574,63 @@
             </a:r>
             <a:r>
               <a:rPr lang="en-US" b="0" dirty="0"/>
-              <a:t> </a:t>
+              <a:t> No back-end, a </a:t>
+            </a:r>
+            <a:r>
+              <a:rPr lang="en-US" b="0" dirty="0" err="1"/>
+              <a:t>aplicação</a:t>
+            </a:r>
+            <a:r>
+              <a:rPr lang="en-US" b="0" dirty="0"/>
+              <a:t> é </a:t>
+            </a:r>
+            <a:r>
+              <a:rPr lang="en-US" b="0" dirty="0" err="1"/>
+              <a:t>uma</a:t>
+            </a:r>
+            <a:r>
+              <a:rPr lang="en-US" b="0" dirty="0"/>
+              <a:t> API </a:t>
+            </a:r>
+            <a:r>
+              <a:rPr lang="en-US" b="0" dirty="0" err="1"/>
+              <a:t>utilizando</a:t>
+            </a:r>
+            <a:r>
+              <a:rPr lang="en-US" b="0" dirty="0"/>
+              <a:t> o framework DJANGO, </a:t>
+            </a:r>
+            <a:r>
+              <a:rPr lang="en-US" b="0" dirty="0" err="1"/>
+              <a:t>codificado</a:t>
+            </a:r>
+            <a:r>
+              <a:rPr lang="en-US" b="0" dirty="0"/>
+              <a:t> </a:t>
+            </a:r>
+            <a:r>
+              <a:rPr lang="en-US" b="0" dirty="0" err="1"/>
+              <a:t>na</a:t>
+            </a:r>
+            <a:r>
+              <a:rPr lang="en-US" b="0" dirty="0"/>
+              <a:t> </a:t>
+            </a:r>
+            <a:r>
+              <a:rPr lang="en-US" b="0" dirty="0" err="1"/>
+              <a:t>linguagem</a:t>
+            </a:r>
+            <a:r>
+              <a:rPr lang="en-US" b="0" dirty="0"/>
+              <a:t> de </a:t>
+            </a:r>
+            <a:r>
+              <a:rPr lang="en-US" b="0" dirty="0" err="1"/>
+              <a:t>programação</a:t>
+            </a:r>
+            <a:r>
+              <a:rPr lang="en-US" b="0" dirty="0"/>
+              <a:t> PYTHON.</a:t>
             </a:r>
             <a:endParaRPr lang="pt-BR" b="1" dirty="0"/>
           </a:p>
@@ -1634,7 +3665,7 @@
     </p:spTree>
     <p:extLst>
       <p:ext uri="{BB962C8B-B14F-4D97-AF65-F5344CB8AC3E}">
-        <p14:creationId xmlns:p14="http://schemas.microsoft.com/office/powerpoint/2010/main" val="2872407360"/>
+        <p14:creationId xmlns:p14="http://schemas.microsoft.com/office/powerpoint/2010/main" val="2726600474"/>
       </p:ext>
     </p:extLst>
   </p:cSld>
@@ -1750,7 +3781,673 @@
     </p:spTree>
     <p:extLst>
       <p:ext uri="{BB962C8B-B14F-4D97-AF65-F5344CB8AC3E}">
-        <p14:creationId xmlns:p14="http://schemas.microsoft.com/office/powerpoint/2010/main" val="230322423"/>
+        <p14:creationId xmlns:p14="http://schemas.microsoft.com/office/powerpoint/2010/main" val="1221310960"/>
+      </p:ext>
+    </p:extLst>
+  </p:cSld>
+  <p:clrMapOvr>
+    <a:masterClrMapping/>
+  </p:clrMapOvr>
+</p:notes>
+</file>
+
+<file path=ppt/notesSlides/notesSlide18.xml><?xml version="1.0" encoding="utf-8"?>
+<p:notes xmlns:a="http://schemas.openxmlformats.org/drawingml/2006/main" xmlns:r="http://schemas.openxmlformats.org/officeDocument/2006/relationships" xmlns:p="http://schemas.openxmlformats.org/presentationml/2006/main">
+  <p:cSld>
+    <p:spTree>
+      <p:nvGrpSpPr>
+        <p:cNvPr id="1" name=""/>
+        <p:cNvGrpSpPr/>
+        <p:nvPr/>
+      </p:nvGrpSpPr>
+      <p:grpSpPr>
+        <a:xfrm>
+          <a:off x="0" y="0"/>
+          <a:ext cx="0" cy="0"/>
+          <a:chOff x="0" y="0"/>
+          <a:chExt cx="0" cy="0"/>
+        </a:xfrm>
+      </p:grpSpPr>
+      <p:sp>
+        <p:nvSpPr>
+          <p:cNvPr id="2" name="Espaço Reservado para Imagem de Slide 1"/>
+          <p:cNvSpPr>
+            <a:spLocks noGrp="1" noRot="1" noChangeAspect="1"/>
+          </p:cNvSpPr>
+          <p:nvPr>
+            <p:ph type="sldImg"/>
+          </p:nvPr>
+        </p:nvSpPr>
+        <p:spPr/>
+      </p:sp>
+      <p:sp>
+        <p:nvSpPr>
+          <p:cNvPr id="3" name="Espaço Reservado para Anotações 2"/>
+          <p:cNvSpPr>
+            <a:spLocks noGrp="1"/>
+          </p:cNvSpPr>
+          <p:nvPr>
+            <p:ph type="body" idx="1"/>
+          </p:nvPr>
+        </p:nvSpPr>
+        <p:spPr/>
+        <p:txBody>
+          <a:bodyPr/>
+          <a:lstStyle/>
+          <a:p>
+            <a:pPr marL="0" marR="0" lvl="0" indent="0" algn="l" defTabSz="914400" rtl="0" eaLnBrk="1" fontAlgn="auto" latinLnBrk="0" hangingPunct="1">
+              <a:lnSpc>
+                <a:spcPct val="100000"/>
+              </a:lnSpc>
+              <a:spcBef>
+                <a:spcPts val="0"/>
+              </a:spcBef>
+              <a:spcAft>
+                <a:spcPts val="0"/>
+              </a:spcAft>
+              <a:buClrTx/>
+              <a:buSzTx/>
+              <a:buFontTx/>
+              <a:buNone/>
+              <a:tabLst/>
+              <a:defRPr/>
+            </a:pPr>
+            <a:r>
+              <a:rPr lang="en-US" b="1" dirty="0" err="1"/>
+              <a:t>Xs</a:t>
+            </a:r>
+            <a:r>
+              <a:rPr lang="en-US" b="1" dirty="0"/>
+              <a:t> GABRIEL:</a:t>
+            </a:r>
+            <a:r>
+              <a:rPr lang="en-US" b="0" dirty="0"/>
+              <a:t> </a:t>
+            </a:r>
+            <a:endParaRPr lang="pt-BR" b="1" dirty="0"/>
+          </a:p>
+          <a:p>
+            <a:endParaRPr lang="pt-BR" dirty="0"/>
+          </a:p>
+        </p:txBody>
+      </p:sp>
+      <p:sp>
+        <p:nvSpPr>
+          <p:cNvPr id="4" name="Espaço Reservado para Número de Slide 3"/>
+          <p:cNvSpPr>
+            <a:spLocks noGrp="1"/>
+          </p:cNvSpPr>
+          <p:nvPr>
+            <p:ph type="sldNum" sz="quarter" idx="5"/>
+          </p:nvPr>
+        </p:nvSpPr>
+        <p:spPr/>
+        <p:txBody>
+          <a:bodyPr/>
+          <a:lstStyle/>
+          <a:p>
+            <a:fld id="{0E7C65F3-F583-4F8D-8C03-405C2DB79CEE}" type="slidenum">
+              <a:rPr lang="pt-BR" smtClean="0"/>
+              <a:t>18</a:t>
+            </a:fld>
+            <a:endParaRPr lang="pt-BR"/>
+          </a:p>
+        </p:txBody>
+      </p:sp>
+    </p:spTree>
+    <p:extLst>
+      <p:ext uri="{BB962C8B-B14F-4D97-AF65-F5344CB8AC3E}">
+        <p14:creationId xmlns:p14="http://schemas.microsoft.com/office/powerpoint/2010/main" val="4288050236"/>
+      </p:ext>
+    </p:extLst>
+  </p:cSld>
+  <p:clrMapOvr>
+    <a:masterClrMapping/>
+  </p:clrMapOvr>
+</p:notes>
+</file>
+
+<file path=ppt/notesSlides/notesSlide19.xml><?xml version="1.0" encoding="utf-8"?>
+<p:notes xmlns:a="http://schemas.openxmlformats.org/drawingml/2006/main" xmlns:r="http://schemas.openxmlformats.org/officeDocument/2006/relationships" xmlns:p="http://schemas.openxmlformats.org/presentationml/2006/main">
+  <p:cSld>
+    <p:spTree>
+      <p:nvGrpSpPr>
+        <p:cNvPr id="1" name=""/>
+        <p:cNvGrpSpPr/>
+        <p:nvPr/>
+      </p:nvGrpSpPr>
+      <p:grpSpPr>
+        <a:xfrm>
+          <a:off x="0" y="0"/>
+          <a:ext cx="0" cy="0"/>
+          <a:chOff x="0" y="0"/>
+          <a:chExt cx="0" cy="0"/>
+        </a:xfrm>
+      </p:grpSpPr>
+      <p:sp>
+        <p:nvSpPr>
+          <p:cNvPr id="2" name="Espaço Reservado para Imagem de Slide 1"/>
+          <p:cNvSpPr>
+            <a:spLocks noGrp="1" noRot="1" noChangeAspect="1"/>
+          </p:cNvSpPr>
+          <p:nvPr>
+            <p:ph type="sldImg"/>
+          </p:nvPr>
+        </p:nvSpPr>
+        <p:spPr/>
+      </p:sp>
+      <p:sp>
+        <p:nvSpPr>
+          <p:cNvPr id="3" name="Espaço Reservado para Anotações 2"/>
+          <p:cNvSpPr>
+            <a:spLocks noGrp="1"/>
+          </p:cNvSpPr>
+          <p:nvPr>
+            <p:ph type="body" idx="1"/>
+          </p:nvPr>
+        </p:nvSpPr>
+        <p:spPr/>
+        <p:txBody>
+          <a:bodyPr/>
+          <a:lstStyle/>
+          <a:p>
+            <a:pPr marL="0" marR="0" lvl="0" indent="0" algn="l" defTabSz="914400" rtl="0" eaLnBrk="1" fontAlgn="auto" latinLnBrk="0" hangingPunct="1">
+              <a:lnSpc>
+                <a:spcPct val="100000"/>
+              </a:lnSpc>
+              <a:spcBef>
+                <a:spcPts val="0"/>
+              </a:spcBef>
+              <a:spcAft>
+                <a:spcPts val="0"/>
+              </a:spcAft>
+              <a:buClrTx/>
+              <a:buSzTx/>
+              <a:buFontTx/>
+              <a:buNone/>
+              <a:tabLst/>
+              <a:defRPr/>
+            </a:pPr>
+            <a:r>
+              <a:rPr lang="en-US" b="1" dirty="0"/>
+              <a:t>25s GABRIEL:</a:t>
+            </a:r>
+            <a:r>
+              <a:rPr lang="en-US" b="0" dirty="0"/>
+              <a:t> </a:t>
+            </a:r>
+            <a:r>
+              <a:rPr lang="en-US" b="0" dirty="0" err="1"/>
+              <a:t>Terminamos</a:t>
+            </a:r>
+            <a:r>
+              <a:rPr lang="en-US" b="0" dirty="0"/>
+              <a:t> o </a:t>
+            </a:r>
+            <a:r>
+              <a:rPr lang="en-US" b="0" dirty="0" err="1"/>
+              <a:t>projeto</a:t>
+            </a:r>
+            <a:r>
+              <a:rPr lang="en-US" b="0" dirty="0"/>
+              <a:t> </a:t>
+            </a:r>
+            <a:r>
+              <a:rPr lang="en-US" b="0" dirty="0" err="1"/>
+              <a:t>alcançando</a:t>
+            </a:r>
+            <a:r>
+              <a:rPr lang="en-US" b="0" dirty="0"/>
+              <a:t> </a:t>
+            </a:r>
+            <a:r>
+              <a:rPr lang="en-US" b="0" dirty="0" err="1"/>
+              <a:t>os</a:t>
+            </a:r>
+            <a:r>
+              <a:rPr lang="en-US" b="0" dirty="0"/>
+              <a:t> </a:t>
+            </a:r>
+            <a:r>
+              <a:rPr lang="en-US" b="0" dirty="0" err="1"/>
+              <a:t>nossos</a:t>
+            </a:r>
+            <a:r>
+              <a:rPr lang="en-US" b="0" dirty="0"/>
+              <a:t> </a:t>
+            </a:r>
+            <a:r>
+              <a:rPr lang="en-US" b="0" dirty="0" err="1"/>
+              <a:t>objetivos</a:t>
+            </a:r>
+            <a:r>
+              <a:rPr lang="en-US" b="0" dirty="0"/>
+              <a:t> </a:t>
+            </a:r>
+            <a:r>
+              <a:rPr lang="en-US" b="0" dirty="0" err="1"/>
+              <a:t>iniciais</a:t>
+            </a:r>
+            <a:r>
+              <a:rPr lang="en-US" b="0" dirty="0"/>
+              <a:t>, </a:t>
+            </a:r>
+            <a:r>
+              <a:rPr lang="en-US" b="0" dirty="0" err="1"/>
+              <a:t>uma</a:t>
+            </a:r>
+            <a:r>
+              <a:rPr lang="en-US" b="0" dirty="0"/>
+              <a:t> </a:t>
+            </a:r>
+            <a:r>
+              <a:rPr lang="en-US" b="0" dirty="0" err="1"/>
+              <a:t>vez</a:t>
+            </a:r>
+            <a:r>
+              <a:rPr lang="en-US" b="0" dirty="0"/>
+              <a:t> que </a:t>
+            </a:r>
+            <a:r>
+              <a:rPr lang="en-US" b="0" dirty="0" err="1"/>
+              <a:t>todas</a:t>
+            </a:r>
+            <a:r>
+              <a:rPr lang="en-US" b="0" dirty="0"/>
+              <a:t> as </a:t>
+            </a:r>
+            <a:r>
+              <a:rPr lang="en-US" b="0" dirty="0" err="1"/>
+              <a:t>funções</a:t>
+            </a:r>
+            <a:r>
+              <a:rPr lang="en-US" b="0" dirty="0"/>
+              <a:t> que </a:t>
+            </a:r>
+            <a:r>
+              <a:rPr lang="en-US" b="0" dirty="0" err="1"/>
+              <a:t>pensamos</a:t>
+            </a:r>
+            <a:r>
+              <a:rPr lang="en-US" b="0" dirty="0"/>
+              <a:t> </a:t>
+            </a:r>
+            <a:r>
+              <a:rPr lang="en-US" b="0" dirty="0" err="1"/>
+              <a:t>passaram</a:t>
+            </a:r>
+            <a:r>
+              <a:rPr lang="en-US" b="0" dirty="0"/>
+              <a:t> </a:t>
+            </a:r>
+            <a:r>
+              <a:rPr lang="en-US" b="0" dirty="0" err="1"/>
+              <a:t>nos</a:t>
+            </a:r>
+            <a:r>
+              <a:rPr lang="en-US" b="0" dirty="0"/>
+              <a:t> testes com </a:t>
+            </a:r>
+            <a:r>
+              <a:rPr lang="en-US" b="0" dirty="0" err="1"/>
+              <a:t>sucesso</a:t>
+            </a:r>
+            <a:r>
+              <a:rPr lang="en-US" b="0" dirty="0"/>
+              <a:t>.</a:t>
+            </a:r>
+          </a:p>
+          <a:p>
+            <a:pPr marL="0" marR="0" lvl="0" indent="0" algn="l" defTabSz="914400" rtl="0" eaLnBrk="1" fontAlgn="auto" latinLnBrk="0" hangingPunct="1">
+              <a:lnSpc>
+                <a:spcPct val="100000"/>
+              </a:lnSpc>
+              <a:spcBef>
+                <a:spcPts val="0"/>
+              </a:spcBef>
+              <a:spcAft>
+                <a:spcPts val="0"/>
+              </a:spcAft>
+              <a:buClrTx/>
+              <a:buSzTx/>
+              <a:buFontTx/>
+              <a:buNone/>
+              <a:tabLst/>
+              <a:defRPr/>
+            </a:pPr>
+            <a:r>
+              <a:rPr lang="en-US" b="0" dirty="0" err="1"/>
+              <a:t>Tornando</a:t>
+            </a:r>
+            <a:r>
+              <a:rPr lang="en-US" b="0" dirty="0"/>
+              <a:t> </a:t>
+            </a:r>
+            <a:r>
+              <a:rPr lang="en-US" b="0" dirty="0" err="1"/>
+              <a:t>possível</a:t>
+            </a:r>
+            <a:r>
+              <a:rPr lang="en-US" b="0" dirty="0"/>
+              <a:t> que se </a:t>
+            </a:r>
+            <a:r>
+              <a:rPr lang="en-US" b="0" dirty="0" err="1"/>
+              <a:t>colocado</a:t>
+            </a:r>
+            <a:r>
+              <a:rPr lang="en-US" b="0" dirty="0"/>
+              <a:t> </a:t>
+            </a:r>
+            <a:r>
+              <a:rPr lang="en-US" b="0" dirty="0" err="1"/>
+              <a:t>em</a:t>
+            </a:r>
+            <a:r>
+              <a:rPr lang="en-US" b="0" dirty="0"/>
+              <a:t> </a:t>
+            </a:r>
+            <a:r>
+              <a:rPr lang="en-US" b="0" dirty="0" err="1"/>
+              <a:t>prática</a:t>
+            </a:r>
+            <a:r>
+              <a:rPr lang="en-US" b="0" dirty="0"/>
+              <a:t> , </a:t>
+            </a:r>
+            <a:r>
+              <a:rPr lang="en-US" b="0" dirty="0" err="1"/>
+              <a:t>os</a:t>
+            </a:r>
+            <a:r>
+              <a:rPr lang="en-US" b="0" dirty="0"/>
+              <a:t> </a:t>
+            </a:r>
+            <a:r>
+              <a:rPr lang="en-US" b="0" dirty="0" err="1"/>
+              <a:t>imigrantes</a:t>
+            </a:r>
+            <a:r>
+              <a:rPr lang="en-US" b="0" dirty="0"/>
+              <a:t> e </a:t>
+            </a:r>
+            <a:r>
+              <a:rPr lang="en-US" b="0" dirty="0" err="1"/>
+              <a:t>também</a:t>
+            </a:r>
+            <a:r>
+              <a:rPr lang="en-US" b="0" dirty="0"/>
+              <a:t> </a:t>
+            </a:r>
+            <a:r>
+              <a:rPr lang="en-US" b="0" dirty="0" err="1"/>
+              <a:t>brasileiros</a:t>
+            </a:r>
+            <a:r>
+              <a:rPr lang="en-US" b="0" dirty="0"/>
+              <a:t> </a:t>
+            </a:r>
+            <a:r>
+              <a:rPr lang="en-US" b="0" dirty="0" err="1"/>
+              <a:t>poderiam</a:t>
+            </a:r>
+            <a:r>
+              <a:rPr lang="en-US" b="0" dirty="0"/>
+              <a:t> </a:t>
+            </a:r>
+            <a:r>
+              <a:rPr lang="en-US" b="0" dirty="0" err="1"/>
+              <a:t>utilizar</a:t>
+            </a:r>
+            <a:r>
+              <a:rPr lang="en-US" b="0" dirty="0"/>
+              <a:t> o </a:t>
+            </a:r>
+            <a:r>
+              <a:rPr lang="en-US" b="0" dirty="0" err="1"/>
+              <a:t>projeto</a:t>
+            </a:r>
+            <a:r>
+              <a:rPr lang="en-US" b="0" dirty="0"/>
+              <a:t> para </a:t>
+            </a:r>
+            <a:r>
+              <a:rPr lang="en-US" b="0" dirty="0" err="1"/>
+              <a:t>encontrar</a:t>
+            </a:r>
+            <a:r>
+              <a:rPr lang="en-US" b="0" dirty="0"/>
+              <a:t> e </a:t>
+            </a:r>
+            <a:r>
+              <a:rPr lang="en-US" b="0" dirty="0" err="1"/>
+              <a:t>divulgar</a:t>
+            </a:r>
+            <a:r>
+              <a:rPr lang="en-US" b="0" dirty="0"/>
+              <a:t> </a:t>
+            </a:r>
+            <a:r>
+              <a:rPr lang="en-US" b="0" dirty="0" err="1"/>
+              <a:t>vagas</a:t>
+            </a:r>
+            <a:r>
+              <a:rPr lang="en-US" b="0" dirty="0"/>
+              <a:t>, </a:t>
+            </a:r>
+            <a:r>
+              <a:rPr lang="en-US" b="0" dirty="0" err="1"/>
+              <a:t>assim</a:t>
+            </a:r>
+            <a:r>
+              <a:rPr lang="en-US" b="0" dirty="0"/>
+              <a:t> </a:t>
+            </a:r>
+            <a:r>
+              <a:rPr lang="en-US" b="0" dirty="0" err="1"/>
+              <a:t>como</a:t>
+            </a:r>
+            <a:r>
+              <a:rPr lang="en-US" b="0" dirty="0"/>
+              <a:t> </a:t>
+            </a:r>
+            <a:r>
+              <a:rPr lang="en-US" b="0" dirty="0" err="1"/>
+              <a:t>também</a:t>
+            </a:r>
+            <a:r>
+              <a:rPr lang="en-US" b="0" dirty="0"/>
+              <a:t> se </a:t>
+            </a:r>
+            <a:r>
+              <a:rPr lang="en-US" b="0" dirty="0" err="1"/>
+              <a:t>informar</a:t>
+            </a:r>
+            <a:r>
+              <a:rPr lang="en-US" b="0" dirty="0"/>
+              <a:t> de leis e </a:t>
+            </a:r>
+            <a:r>
+              <a:rPr lang="en-US" b="0" dirty="0" err="1"/>
+              <a:t>processos</a:t>
+            </a:r>
+            <a:r>
+              <a:rPr lang="en-US" b="0" dirty="0"/>
+              <a:t> </a:t>
+            </a:r>
+            <a:r>
+              <a:rPr lang="en-US" b="0" dirty="0" err="1"/>
+              <a:t>burocráticos</a:t>
+            </a:r>
+            <a:r>
+              <a:rPr lang="en-US" b="0" dirty="0"/>
+              <a:t> do </a:t>
+            </a:r>
+            <a:r>
+              <a:rPr lang="en-US" b="0" dirty="0" err="1"/>
+              <a:t>país</a:t>
+            </a:r>
+            <a:r>
+              <a:rPr lang="en-US" b="0" dirty="0"/>
+              <a:t>.</a:t>
+            </a:r>
+          </a:p>
+          <a:p>
+            <a:pPr marL="0" marR="0" lvl="0" indent="0" algn="l" defTabSz="914400" rtl="0" eaLnBrk="1" fontAlgn="auto" latinLnBrk="0" hangingPunct="1">
+              <a:lnSpc>
+                <a:spcPct val="100000"/>
+              </a:lnSpc>
+              <a:spcBef>
+                <a:spcPts val="0"/>
+              </a:spcBef>
+              <a:spcAft>
+                <a:spcPts val="0"/>
+              </a:spcAft>
+              <a:buClrTx/>
+              <a:buSzTx/>
+              <a:buFontTx/>
+              <a:buNone/>
+              <a:tabLst/>
+              <a:defRPr/>
+            </a:pPr>
+            <a:r>
+              <a:rPr lang="en-US" b="0" dirty="0" err="1"/>
+              <a:t>Lembrando</a:t>
+            </a:r>
+            <a:r>
+              <a:rPr lang="en-US" b="0" dirty="0"/>
+              <a:t> que </a:t>
+            </a:r>
+            <a:r>
+              <a:rPr lang="en-US" b="0" dirty="0" err="1"/>
+              <a:t>pelo</a:t>
+            </a:r>
+            <a:r>
+              <a:rPr lang="en-US" b="0" dirty="0"/>
+              <a:t> </a:t>
+            </a:r>
+            <a:r>
+              <a:rPr lang="en-US" b="0" dirty="0" err="1"/>
+              <a:t>intuito</a:t>
+            </a:r>
+            <a:r>
+              <a:rPr lang="en-US" b="0" dirty="0"/>
+              <a:t> </a:t>
+            </a:r>
+            <a:r>
+              <a:rPr lang="en-US" b="0" dirty="0" err="1"/>
+              <a:t>acadêmico</a:t>
+            </a:r>
+            <a:r>
+              <a:rPr lang="en-US" b="0" dirty="0"/>
+              <a:t> e </a:t>
+            </a:r>
+            <a:r>
+              <a:rPr lang="en-US" b="0" dirty="0" err="1"/>
+              <a:t>falta</a:t>
+            </a:r>
+            <a:r>
+              <a:rPr lang="en-US" b="0" dirty="0"/>
+              <a:t> de </a:t>
+            </a:r>
+            <a:r>
+              <a:rPr lang="en-US" b="0" dirty="0" err="1"/>
+              <a:t>publicação</a:t>
+            </a:r>
+            <a:r>
+              <a:rPr lang="en-US" b="0" dirty="0"/>
+              <a:t> </a:t>
+            </a:r>
+            <a:r>
+              <a:rPr lang="en-US" b="0" dirty="0" err="1"/>
+              <a:t>não</a:t>
+            </a:r>
+            <a:r>
+              <a:rPr lang="en-US" b="0" dirty="0"/>
+              <a:t> </a:t>
+            </a:r>
+            <a:r>
+              <a:rPr lang="en-US" b="0" dirty="0" err="1"/>
+              <a:t>foi</a:t>
+            </a:r>
+            <a:r>
+              <a:rPr lang="en-US" b="0" dirty="0"/>
+              <a:t> </a:t>
+            </a:r>
+            <a:r>
+              <a:rPr lang="en-US" b="0" dirty="0" err="1"/>
+              <a:t>possível</a:t>
+            </a:r>
+            <a:r>
+              <a:rPr lang="en-US" b="0" dirty="0"/>
+              <a:t> </a:t>
+            </a:r>
+            <a:r>
+              <a:rPr lang="en-US" b="0" dirty="0" err="1"/>
+              <a:t>realizar</a:t>
+            </a:r>
+            <a:r>
+              <a:rPr lang="en-US" b="0" dirty="0"/>
+              <a:t> testes </a:t>
+            </a:r>
+            <a:r>
+              <a:rPr lang="en-US" b="0" dirty="0" err="1"/>
+              <a:t>em</a:t>
+            </a:r>
+            <a:r>
+              <a:rPr lang="en-US" b="0" dirty="0"/>
+              <a:t> </a:t>
+            </a:r>
+            <a:r>
+              <a:rPr lang="en-US" b="0" dirty="0" err="1"/>
+              <a:t>grande</a:t>
+            </a:r>
+            <a:r>
+              <a:rPr lang="en-US" b="0" dirty="0"/>
+              <a:t> </a:t>
+            </a:r>
+            <a:r>
+              <a:rPr lang="en-US" b="0" dirty="0" err="1"/>
+              <a:t>escala</a:t>
+            </a:r>
+            <a:r>
+              <a:rPr lang="en-US" b="0" dirty="0"/>
+              <a:t>.</a:t>
+            </a:r>
+            <a:endParaRPr lang="pt-BR" b="1" dirty="0"/>
+          </a:p>
+          <a:p>
+            <a:endParaRPr lang="pt-BR" dirty="0"/>
+          </a:p>
+        </p:txBody>
+      </p:sp>
+      <p:sp>
+        <p:nvSpPr>
+          <p:cNvPr id="4" name="Espaço Reservado para Número de Slide 3"/>
+          <p:cNvSpPr>
+            <a:spLocks noGrp="1"/>
+          </p:cNvSpPr>
+          <p:nvPr>
+            <p:ph type="sldNum" sz="quarter" idx="5"/>
+          </p:nvPr>
+        </p:nvSpPr>
+        <p:spPr/>
+        <p:txBody>
+          <a:bodyPr/>
+          <a:lstStyle/>
+          <a:p>
+            <a:fld id="{0E7C65F3-F583-4F8D-8C03-405C2DB79CEE}" type="slidenum">
+              <a:rPr lang="pt-BR" smtClean="0"/>
+              <a:t>19</a:t>
+            </a:fld>
+            <a:endParaRPr lang="pt-BR"/>
+          </a:p>
+        </p:txBody>
+      </p:sp>
+    </p:spTree>
+    <p:extLst>
+      <p:ext uri="{BB962C8B-B14F-4D97-AF65-F5344CB8AC3E}">
+        <p14:creationId xmlns:p14="http://schemas.microsoft.com/office/powerpoint/2010/main" val="2872407360"/>
       </p:ext>
     </p:extLst>
   </p:cSld>
@@ -1899,6 +4596,202 @@
     <p:extLst>
       <p:ext uri="{BB962C8B-B14F-4D97-AF65-F5344CB8AC3E}">
         <p14:creationId xmlns:p14="http://schemas.microsoft.com/office/powerpoint/2010/main" val="2357708723"/>
+      </p:ext>
+    </p:extLst>
+  </p:cSld>
+  <p:clrMapOvr>
+    <a:masterClrMapping/>
+  </p:clrMapOvr>
+</p:notes>
+</file>
+
+<file path=ppt/notesSlides/notesSlide20.xml><?xml version="1.0" encoding="utf-8"?>
+<p:notes xmlns:a="http://schemas.openxmlformats.org/drawingml/2006/main" xmlns:r="http://schemas.openxmlformats.org/officeDocument/2006/relationships" xmlns:p="http://schemas.openxmlformats.org/presentationml/2006/main">
+  <p:cSld>
+    <p:spTree>
+      <p:nvGrpSpPr>
+        <p:cNvPr id="1" name=""/>
+        <p:cNvGrpSpPr/>
+        <p:nvPr/>
+      </p:nvGrpSpPr>
+      <p:grpSpPr>
+        <a:xfrm>
+          <a:off x="0" y="0"/>
+          <a:ext cx="0" cy="0"/>
+          <a:chOff x="0" y="0"/>
+          <a:chExt cx="0" cy="0"/>
+        </a:xfrm>
+      </p:grpSpPr>
+      <p:sp>
+        <p:nvSpPr>
+          <p:cNvPr id="2" name="Espaço Reservado para Imagem de Slide 1"/>
+          <p:cNvSpPr>
+            <a:spLocks noGrp="1" noRot="1" noChangeAspect="1"/>
+          </p:cNvSpPr>
+          <p:nvPr>
+            <p:ph type="sldImg"/>
+          </p:nvPr>
+        </p:nvSpPr>
+        <p:spPr/>
+      </p:sp>
+      <p:sp>
+        <p:nvSpPr>
+          <p:cNvPr id="3" name="Espaço Reservado para Anotações 2"/>
+          <p:cNvSpPr>
+            <a:spLocks noGrp="1"/>
+          </p:cNvSpPr>
+          <p:nvPr>
+            <p:ph type="body" idx="1"/>
+          </p:nvPr>
+        </p:nvSpPr>
+        <p:spPr/>
+        <p:txBody>
+          <a:bodyPr/>
+          <a:lstStyle/>
+          <a:p>
+            <a:pPr marL="0" marR="0" lvl="0" indent="0" algn="l" defTabSz="914400" rtl="0" eaLnBrk="1" fontAlgn="auto" latinLnBrk="0" hangingPunct="1">
+              <a:lnSpc>
+                <a:spcPct val="100000"/>
+              </a:lnSpc>
+              <a:spcBef>
+                <a:spcPts val="0"/>
+              </a:spcBef>
+              <a:spcAft>
+                <a:spcPts val="0"/>
+              </a:spcAft>
+              <a:buClrTx/>
+              <a:buSzTx/>
+              <a:buFontTx/>
+              <a:buNone/>
+              <a:tabLst/>
+              <a:defRPr/>
+            </a:pPr>
+            <a:r>
+              <a:rPr lang="en-US" b="1" dirty="0"/>
+              <a:t>5s GABRIEL:</a:t>
+            </a:r>
+            <a:r>
+              <a:rPr lang="en-US" b="0" dirty="0"/>
+              <a:t> A </a:t>
+            </a:r>
+            <a:r>
+              <a:rPr lang="en-US" b="0" dirty="0" err="1"/>
+              <a:t>gente</a:t>
+            </a:r>
+            <a:r>
+              <a:rPr lang="en-US" b="0" dirty="0"/>
+              <a:t> </a:t>
+            </a:r>
+            <a:r>
+              <a:rPr lang="en-US" b="0" dirty="0" err="1"/>
+              <a:t>trouxe</a:t>
+            </a:r>
+            <a:r>
+              <a:rPr lang="en-US" b="0" dirty="0"/>
+              <a:t> um video de </a:t>
+            </a:r>
+            <a:r>
+              <a:rPr lang="en-US" b="0" dirty="0" err="1"/>
+              <a:t>demonstração</a:t>
+            </a:r>
+            <a:r>
+              <a:rPr lang="en-US" b="0" dirty="0"/>
+              <a:t> do site </a:t>
+            </a:r>
+            <a:r>
+              <a:rPr lang="en-US" b="0" dirty="0" err="1"/>
+              <a:t>pra</a:t>
+            </a:r>
+            <a:r>
+              <a:rPr lang="en-US" b="0" dirty="0"/>
+              <a:t> </a:t>
+            </a:r>
+            <a:r>
+              <a:rPr lang="en-US" b="0" dirty="0" err="1"/>
+              <a:t>vocês</a:t>
+            </a:r>
+            <a:r>
+              <a:rPr lang="en-US" b="0" dirty="0"/>
+              <a:t> </a:t>
+            </a:r>
+            <a:r>
+              <a:rPr lang="en-US" b="0" dirty="0" err="1"/>
+              <a:t>entenderem</a:t>
+            </a:r>
+            <a:r>
+              <a:rPr lang="en-US" b="0" dirty="0"/>
+              <a:t> </a:t>
+            </a:r>
+            <a:r>
+              <a:rPr lang="en-US" b="0" dirty="0" err="1"/>
+              <a:t>melhor</a:t>
+            </a:r>
+            <a:r>
+              <a:rPr lang="en-US" b="0" dirty="0"/>
+              <a:t> </a:t>
+            </a:r>
+            <a:r>
+              <a:rPr lang="en-US" b="0" dirty="0" err="1"/>
+              <a:t>como</a:t>
+            </a:r>
+            <a:r>
+              <a:rPr lang="en-US" b="0" dirty="0"/>
+              <a:t> que </a:t>
+            </a:r>
+            <a:r>
+              <a:rPr lang="en-US" b="0" dirty="0" err="1"/>
+              <a:t>funciona</a:t>
+            </a:r>
+            <a:r>
+              <a:rPr lang="en-US" b="0" dirty="0"/>
+              <a:t> </a:t>
+            </a:r>
+            <a:r>
+              <a:rPr lang="en-US" b="0" dirty="0" err="1"/>
+              <a:t>na</a:t>
+            </a:r>
+            <a:r>
+              <a:rPr lang="en-US" b="0" dirty="0"/>
+              <a:t> </a:t>
+            </a:r>
+            <a:r>
+              <a:rPr lang="en-US" b="0" dirty="0" err="1"/>
+              <a:t>prática</a:t>
+            </a:r>
+            <a:endParaRPr lang="pt-BR" b="1" dirty="0"/>
+          </a:p>
+          <a:p>
+            <a:endParaRPr lang="pt-BR" dirty="0"/>
+          </a:p>
+        </p:txBody>
+      </p:sp>
+      <p:sp>
+        <p:nvSpPr>
+          <p:cNvPr id="4" name="Espaço Reservado para Número de Slide 3"/>
+          <p:cNvSpPr>
+            <a:spLocks noGrp="1"/>
+          </p:cNvSpPr>
+          <p:nvPr>
+            <p:ph type="sldNum" sz="quarter" idx="5"/>
+          </p:nvPr>
+        </p:nvSpPr>
+        <p:spPr/>
+        <p:txBody>
+          <a:bodyPr/>
+          <a:lstStyle/>
+          <a:p>
+            <a:fld id="{0E7C65F3-F583-4F8D-8C03-405C2DB79CEE}" type="slidenum">
+              <a:rPr lang="pt-BR" smtClean="0"/>
+              <a:t>20</a:t>
+            </a:fld>
+            <a:endParaRPr lang="pt-BR"/>
+          </a:p>
+        </p:txBody>
+      </p:sp>
+    </p:spTree>
+    <p:extLst>
+      <p:ext uri="{BB962C8B-B14F-4D97-AF65-F5344CB8AC3E}">
+        <p14:creationId xmlns:p14="http://schemas.microsoft.com/office/powerpoint/2010/main" val="230322423"/>
       </p:ext>
     </p:extLst>
   </p:cSld>
@@ -3802,18 +6695,378 @@
           <a:lstStyle/>
           <a:p>
             <a:r>
-              <a:rPr lang="en-US" b="1" dirty="0" err="1"/>
-              <a:t>Xs</a:t>
-            </a:r>
-            <a:r>
               <a:rPr lang="en-US" b="1" dirty="0"/>
-              <a:t> CARLOS:</a:t>
-            </a:r>
-            <a:r>
-              <a:rPr lang="en-US" b="0" dirty="0"/>
-              <a:t> </a:t>
-            </a:r>
-            <a:endParaRPr lang="pt-BR" b="1" dirty="0"/>
+              <a:t>35s CARLOS:</a:t>
+            </a:r>
+            <a:r>
+              <a:rPr lang="en-US" b="0" dirty="0"/>
+              <a:t> </a:t>
+            </a:r>
+            <a:r>
+              <a:rPr lang="en-US" b="0" dirty="0" err="1"/>
+              <a:t>Organizamos</a:t>
+            </a:r>
+            <a:r>
+              <a:rPr lang="en-US" b="0" dirty="0"/>
+              <a:t> a </a:t>
+            </a:r>
+            <a:r>
+              <a:rPr lang="en-US" b="0" dirty="0" err="1"/>
+              <a:t>nossa</a:t>
+            </a:r>
+            <a:r>
+              <a:rPr lang="en-US" b="0" dirty="0"/>
+              <a:t> </a:t>
+            </a:r>
+            <a:r>
+              <a:rPr lang="en-US" b="0" dirty="0" err="1"/>
+              <a:t>divisão</a:t>
+            </a:r>
+            <a:r>
+              <a:rPr lang="en-US" b="0" dirty="0"/>
+              <a:t> de </a:t>
+            </a:r>
+            <a:r>
+              <a:rPr lang="en-US" b="0" dirty="0" err="1"/>
+              <a:t>tarefas</a:t>
+            </a:r>
+            <a:r>
+              <a:rPr lang="en-US" b="0" dirty="0"/>
+              <a:t> </a:t>
+            </a:r>
+            <a:r>
+              <a:rPr lang="en-US" b="0" dirty="0" err="1"/>
+              <a:t>pelo</a:t>
+            </a:r>
+            <a:r>
+              <a:rPr lang="en-US" b="0" dirty="0"/>
+              <a:t> Git da </a:t>
+            </a:r>
+            <a:r>
+              <a:rPr lang="en-US" b="0" dirty="0" err="1"/>
+              <a:t>seguinte</a:t>
+            </a:r>
+            <a:r>
+              <a:rPr lang="en-US" b="0" dirty="0"/>
+              <a:t> forma:</a:t>
+            </a:r>
+          </a:p>
+          <a:p>
+            <a:r>
+              <a:rPr lang="en-US" b="0" dirty="0"/>
+              <a:t>- Na </a:t>
+            </a:r>
+            <a:r>
+              <a:rPr lang="en-US" b="0" dirty="0" err="1"/>
+              <a:t>primeira</a:t>
+            </a:r>
+            <a:r>
+              <a:rPr lang="en-US" b="0" dirty="0"/>
+              <a:t> </a:t>
+            </a:r>
+            <a:r>
+              <a:rPr lang="en-US" b="0" dirty="0" err="1"/>
+              <a:t>coluna</a:t>
+            </a:r>
+            <a:r>
+              <a:rPr lang="en-US" b="0" dirty="0"/>
+              <a:t> “New”, </a:t>
+            </a:r>
+            <a:r>
+              <a:rPr lang="en-US" b="0" dirty="0" err="1"/>
+              <a:t>aparecem</a:t>
+            </a:r>
+            <a:r>
+              <a:rPr lang="en-US" b="0" dirty="0"/>
+              <a:t> tickets </a:t>
+            </a:r>
+            <a:r>
+              <a:rPr lang="en-US" b="0" dirty="0" err="1"/>
+              <a:t>novos</a:t>
+            </a:r>
+            <a:r>
+              <a:rPr lang="en-US" b="0" dirty="0"/>
+              <a:t>, </a:t>
+            </a:r>
+            <a:r>
+              <a:rPr lang="en-US" b="0" dirty="0" err="1"/>
+              <a:t>em</a:t>
+            </a:r>
+            <a:r>
+              <a:rPr lang="en-US" b="0" dirty="0"/>
+              <a:t> </a:t>
+            </a:r>
+            <a:r>
+              <a:rPr lang="en-US" b="0" dirty="0" err="1"/>
+              <a:t>cada</a:t>
+            </a:r>
+            <a:r>
+              <a:rPr lang="en-US" b="0" dirty="0"/>
+              <a:t> um </a:t>
+            </a:r>
+            <a:r>
+              <a:rPr lang="en-US" b="0" dirty="0" err="1"/>
+              <a:t>tem</a:t>
+            </a:r>
+            <a:r>
+              <a:rPr lang="en-US" b="0" dirty="0"/>
+              <a:t> </a:t>
+            </a:r>
+            <a:r>
+              <a:rPr lang="en-US" b="0" dirty="0" err="1"/>
+              <a:t>todas</a:t>
+            </a:r>
+            <a:r>
+              <a:rPr lang="en-US" b="0" dirty="0"/>
+              <a:t> as </a:t>
+            </a:r>
+            <a:r>
+              <a:rPr lang="en-US" b="0" dirty="0" err="1"/>
+              <a:t>informações</a:t>
+            </a:r>
+            <a:r>
+              <a:rPr lang="en-US" b="0" dirty="0"/>
+              <a:t> </a:t>
+            </a:r>
+            <a:r>
+              <a:rPr lang="en-US" b="0" dirty="0" err="1"/>
+              <a:t>necessárias</a:t>
+            </a:r>
+            <a:r>
+              <a:rPr lang="en-US" b="0" dirty="0"/>
+              <a:t> para </a:t>
+            </a:r>
+            <a:r>
+              <a:rPr lang="en-US" b="0" dirty="0" err="1"/>
+              <a:t>sua</a:t>
+            </a:r>
+            <a:r>
+              <a:rPr lang="en-US" b="0" dirty="0"/>
+              <a:t> </a:t>
+            </a:r>
+            <a:r>
+              <a:rPr lang="en-US" b="0" dirty="0" err="1"/>
+              <a:t>correção</a:t>
+            </a:r>
+            <a:r>
+              <a:rPr lang="en-US" b="0" dirty="0"/>
+              <a:t> </a:t>
+            </a:r>
+            <a:r>
+              <a:rPr lang="en-US" b="0" dirty="0" err="1"/>
+              <a:t>ou</a:t>
+            </a:r>
+            <a:r>
+              <a:rPr lang="en-US" b="0" dirty="0"/>
+              <a:t> </a:t>
+            </a:r>
+            <a:r>
+              <a:rPr lang="en-US" b="0" dirty="0" err="1"/>
+              <a:t>implementação</a:t>
+            </a:r>
+            <a:endParaRPr lang="en-US" b="0" dirty="0"/>
+          </a:p>
+          <a:p>
+            <a:r>
+              <a:rPr lang="en-US" b="0" dirty="0"/>
+              <a:t>- </a:t>
+            </a:r>
+            <a:r>
+              <a:rPr lang="en-US" b="0" dirty="0" err="1"/>
+              <a:t>Depois</a:t>
+            </a:r>
+            <a:r>
+              <a:rPr lang="en-US" b="0" dirty="0"/>
+              <a:t>, </a:t>
+            </a:r>
+            <a:r>
+              <a:rPr lang="en-US" b="0" dirty="0" err="1"/>
+              <a:t>esse</a:t>
+            </a:r>
+            <a:r>
+              <a:rPr lang="en-US" b="0" dirty="0"/>
+              <a:t> ticket </a:t>
+            </a:r>
+            <a:r>
+              <a:rPr lang="en-US" b="0" dirty="0" err="1"/>
+              <a:t>pode</a:t>
+            </a:r>
+            <a:r>
+              <a:rPr lang="en-US" b="0" dirty="0"/>
+              <a:t> ser </a:t>
+            </a:r>
+            <a:r>
+              <a:rPr lang="en-US" b="0" dirty="0" err="1"/>
+              <a:t>atribuído</a:t>
+            </a:r>
+            <a:r>
+              <a:rPr lang="en-US" b="0" dirty="0"/>
+              <a:t> a </a:t>
+            </a:r>
+            <a:r>
+              <a:rPr lang="en-US" b="0" dirty="0" err="1"/>
+              <a:t>algum</a:t>
+            </a:r>
+            <a:r>
+              <a:rPr lang="en-US" b="0" dirty="0"/>
+              <a:t> </a:t>
+            </a:r>
+            <a:r>
+              <a:rPr lang="en-US" b="0" dirty="0" err="1"/>
+              <a:t>membro</a:t>
+            </a:r>
+            <a:r>
+              <a:rPr lang="en-US" b="0" dirty="0"/>
+              <a:t> do time, </a:t>
+            </a:r>
+            <a:r>
+              <a:rPr lang="en-US" b="0" dirty="0" err="1"/>
+              <a:t>indo</a:t>
+            </a:r>
+            <a:r>
+              <a:rPr lang="en-US" b="0" dirty="0"/>
+              <a:t> para a </a:t>
+            </a:r>
+            <a:r>
+              <a:rPr lang="en-US" b="0" dirty="0" err="1"/>
+              <a:t>segunda</a:t>
+            </a:r>
+            <a:r>
+              <a:rPr lang="en-US" b="0" dirty="0"/>
+              <a:t> </a:t>
+            </a:r>
+            <a:r>
+              <a:rPr lang="en-US" b="0" dirty="0" err="1"/>
+              <a:t>coluna</a:t>
+            </a:r>
+            <a:r>
+              <a:rPr lang="en-US" b="0" dirty="0"/>
+              <a:t> “Assigned”</a:t>
+            </a:r>
+          </a:p>
+          <a:p>
+            <a:r>
+              <a:rPr lang="en-US" b="0" dirty="0"/>
+              <a:t>- </a:t>
+            </a:r>
+            <a:r>
+              <a:rPr lang="en-US" b="0" dirty="0" err="1"/>
+              <a:t>Quando</a:t>
+            </a:r>
+            <a:r>
+              <a:rPr lang="en-US" b="0" dirty="0"/>
+              <a:t> o </a:t>
+            </a:r>
+            <a:r>
+              <a:rPr lang="en-US" b="0" dirty="0" err="1"/>
+              <a:t>membro</a:t>
+            </a:r>
+            <a:r>
+              <a:rPr lang="en-US" b="0" dirty="0"/>
+              <a:t> </a:t>
+            </a:r>
+            <a:r>
+              <a:rPr lang="en-US" b="0" dirty="0" err="1"/>
+              <a:t>começa</a:t>
+            </a:r>
+            <a:r>
+              <a:rPr lang="en-US" b="0" dirty="0"/>
+              <a:t> a </a:t>
+            </a:r>
+            <a:r>
+              <a:rPr lang="en-US" b="0" dirty="0" err="1"/>
+              <a:t>trabalhar</a:t>
+            </a:r>
+            <a:r>
+              <a:rPr lang="en-US" b="0" dirty="0"/>
+              <a:t> no ticket, </a:t>
+            </a:r>
+            <a:r>
+              <a:rPr lang="en-US" b="0" dirty="0" err="1"/>
+              <a:t>ele</a:t>
+            </a:r>
+            <a:r>
+              <a:rPr lang="en-US" b="0" dirty="0"/>
+              <a:t> </a:t>
+            </a:r>
+            <a:r>
+              <a:rPr lang="en-US" b="0" dirty="0" err="1"/>
+              <a:t>pode</a:t>
+            </a:r>
+            <a:r>
+              <a:rPr lang="en-US" b="0" dirty="0"/>
+              <a:t> </a:t>
+            </a:r>
+            <a:r>
+              <a:rPr lang="en-US" b="0" dirty="0" err="1"/>
+              <a:t>atualizar</a:t>
+            </a:r>
+            <a:r>
+              <a:rPr lang="en-US" b="0" dirty="0"/>
+              <a:t> que </a:t>
+            </a:r>
+            <a:r>
+              <a:rPr lang="en-US" b="0" dirty="0" err="1"/>
+              <a:t>está</a:t>
+            </a:r>
+            <a:r>
+              <a:rPr lang="en-US" b="0" dirty="0"/>
+              <a:t> </a:t>
+            </a:r>
+            <a:r>
+              <a:rPr lang="en-US" b="0" dirty="0" err="1"/>
+              <a:t>em</a:t>
+            </a:r>
+            <a:r>
+              <a:rPr lang="en-US" b="0" dirty="0"/>
+              <a:t> </a:t>
+            </a:r>
+            <a:r>
+              <a:rPr lang="en-US" b="0" dirty="0" err="1"/>
+              <a:t>progresso</a:t>
+            </a:r>
+            <a:r>
+              <a:rPr lang="en-US" b="0" dirty="0"/>
+              <a:t>, </a:t>
+            </a:r>
+            <a:r>
+              <a:rPr lang="en-US" b="0" dirty="0" err="1"/>
+              <a:t>fazendo</a:t>
+            </a:r>
+            <a:r>
+              <a:rPr lang="en-US" b="0" dirty="0"/>
+              <a:t> com que </a:t>
+            </a:r>
+            <a:r>
+              <a:rPr lang="en-US" b="0" dirty="0" err="1"/>
+              <a:t>vá</a:t>
+            </a:r>
+            <a:r>
+              <a:rPr lang="en-US" b="0" dirty="0"/>
+              <a:t> para a </a:t>
+            </a:r>
+            <a:r>
+              <a:rPr lang="en-US" b="0" dirty="0" err="1"/>
+              <a:t>terceira</a:t>
+            </a:r>
+            <a:r>
+              <a:rPr lang="en-US" b="0" dirty="0"/>
+              <a:t> </a:t>
+            </a:r>
+            <a:r>
+              <a:rPr lang="en-US" b="0" dirty="0" err="1"/>
+              <a:t>coluna</a:t>
+            </a:r>
+            <a:r>
+              <a:rPr lang="en-US" b="0" dirty="0"/>
+              <a:t> “In progress”</a:t>
+            </a:r>
+          </a:p>
+          <a:p>
+            <a:r>
+              <a:rPr lang="pt-BR" b="0" dirty="0"/>
+              <a:t>- Quando a mudança estiver pronta, ela vai para a quarta e última coluna da imagem, que é a “In review”, ou seja, significa que está aguardando revisão antes de ser implementado.</a:t>
+            </a:r>
           </a:p>
         </p:txBody>
       </p:sp>
@@ -3915,16 +7168,236 @@
               <a:defRPr/>
             </a:pPr>
             <a:r>
-              <a:rPr lang="en-US" b="1" dirty="0" err="1"/>
-              <a:t>Xs</a:t>
-            </a:r>
-            <a:r>
               <a:rPr lang="en-US" b="1" dirty="0"/>
-              <a:t> CARLOS:</a:t>
-            </a:r>
-            <a:r>
-              <a:rPr lang="en-US" b="0" dirty="0"/>
-              <a:t> </a:t>
+              <a:t>20s CARLOS:</a:t>
+            </a:r>
+            <a:r>
+              <a:rPr lang="en-US" b="0" dirty="0"/>
+              <a:t> Para </a:t>
+            </a:r>
+            <a:r>
+              <a:rPr lang="en-US" b="0" dirty="0" err="1"/>
+              <a:t>controle</a:t>
+            </a:r>
+            <a:r>
+              <a:rPr lang="en-US" b="0" dirty="0"/>
+              <a:t> de </a:t>
+            </a:r>
+            <a:r>
+              <a:rPr lang="en-US" b="0" dirty="0" err="1"/>
+              <a:t>pendências</a:t>
+            </a:r>
+            <a:r>
+              <a:rPr lang="en-US" b="0" dirty="0"/>
+              <a:t> e bugs, </a:t>
+            </a:r>
+            <a:r>
+              <a:rPr lang="en-US" b="0" dirty="0" err="1"/>
+              <a:t>também</a:t>
+            </a:r>
+            <a:r>
+              <a:rPr lang="en-US" b="0" dirty="0"/>
+              <a:t> </a:t>
+            </a:r>
+            <a:r>
+              <a:rPr lang="en-US" b="0" dirty="0" err="1"/>
+              <a:t>pelo</a:t>
+            </a:r>
+            <a:r>
+              <a:rPr lang="en-US" b="0" dirty="0"/>
+              <a:t> GitHub </a:t>
+            </a:r>
+            <a:r>
+              <a:rPr lang="en-US" b="0" dirty="0" err="1"/>
+              <a:t>temos</a:t>
+            </a:r>
+            <a:r>
+              <a:rPr lang="en-US" b="0" dirty="0"/>
+              <a:t> a </a:t>
+            </a:r>
+            <a:r>
+              <a:rPr lang="en-US" b="0" dirty="0" err="1"/>
+              <a:t>tela</a:t>
+            </a:r>
+            <a:r>
+              <a:rPr lang="en-US" b="0" dirty="0"/>
+              <a:t> de “Issues”, </a:t>
+            </a:r>
+            <a:r>
+              <a:rPr lang="en-US" b="0" dirty="0" err="1"/>
+              <a:t>onde</a:t>
+            </a:r>
+            <a:r>
+              <a:rPr lang="en-US" b="0" dirty="0"/>
+              <a:t> </a:t>
+            </a:r>
+            <a:r>
+              <a:rPr lang="en-US" b="0" dirty="0" err="1"/>
+              <a:t>conseguimos</a:t>
+            </a:r>
+            <a:r>
+              <a:rPr lang="en-US" b="0" dirty="0"/>
+              <a:t> </a:t>
+            </a:r>
+            <a:r>
+              <a:rPr lang="en-US" b="0" dirty="0" err="1"/>
+              <a:t>ter</a:t>
+            </a:r>
+            <a:r>
+              <a:rPr lang="en-US" b="0" dirty="0"/>
+              <a:t> </a:t>
+            </a:r>
+            <a:r>
+              <a:rPr lang="en-US" b="0" dirty="0" err="1"/>
+              <a:t>uma</a:t>
+            </a:r>
+            <a:r>
+              <a:rPr lang="en-US" b="0" dirty="0"/>
+              <a:t> </a:t>
+            </a:r>
+            <a:r>
+              <a:rPr lang="en-US" b="0" dirty="0" err="1"/>
+              <a:t>visão</a:t>
+            </a:r>
+            <a:r>
+              <a:rPr lang="en-US" b="0" dirty="0"/>
+              <a:t> </a:t>
+            </a:r>
+            <a:r>
+              <a:rPr lang="en-US" b="0" dirty="0" err="1"/>
+              <a:t>geral</a:t>
+            </a:r>
+            <a:r>
+              <a:rPr lang="en-US" b="0" dirty="0"/>
+              <a:t> das </a:t>
+            </a:r>
+            <a:r>
+              <a:rPr lang="en-US" b="0" dirty="0" err="1"/>
+              <a:t>tarefas</a:t>
+            </a:r>
+            <a:r>
+              <a:rPr lang="en-US" b="0" dirty="0"/>
+              <a:t> </a:t>
+            </a:r>
+            <a:r>
+              <a:rPr lang="en-US" b="0" dirty="0" err="1"/>
+              <a:t>em</a:t>
+            </a:r>
+            <a:r>
+              <a:rPr lang="en-US" b="0" dirty="0"/>
+              <a:t> </a:t>
+            </a:r>
+            <a:r>
+              <a:rPr lang="en-US" b="0" dirty="0" err="1"/>
+              <a:t>andamento</a:t>
+            </a:r>
+            <a:r>
+              <a:rPr lang="en-US" b="0" dirty="0"/>
+              <a:t> e as que </a:t>
+            </a:r>
+            <a:r>
+              <a:rPr lang="en-US" b="0" dirty="0" err="1"/>
+              <a:t>já</a:t>
+            </a:r>
+            <a:r>
+              <a:rPr lang="en-US" b="0" dirty="0"/>
+              <a:t> </a:t>
+            </a:r>
+            <a:r>
+              <a:rPr lang="en-US" b="0" dirty="0" err="1"/>
+              <a:t>foram</a:t>
+            </a:r>
+            <a:r>
+              <a:rPr lang="en-US" b="0" dirty="0"/>
+              <a:t> </a:t>
+            </a:r>
+            <a:r>
+              <a:rPr lang="en-US" b="0" dirty="0" err="1"/>
+              <a:t>completadas</a:t>
+            </a:r>
+            <a:r>
+              <a:rPr lang="en-US" b="0" dirty="0"/>
+              <a:t>, </a:t>
+            </a:r>
+            <a:r>
+              <a:rPr lang="en-US" b="0" dirty="0" err="1"/>
+              <a:t>tem</a:t>
+            </a:r>
+            <a:r>
+              <a:rPr lang="en-US" b="0" dirty="0"/>
+              <a:t> </a:t>
+            </a:r>
+            <a:r>
+              <a:rPr lang="en-US" b="0" dirty="0" err="1"/>
+              <a:t>também</a:t>
+            </a:r>
+            <a:r>
+              <a:rPr lang="en-US" b="0" dirty="0"/>
+              <a:t> labels que </a:t>
+            </a:r>
+            <a:r>
+              <a:rPr lang="en-US" b="0" dirty="0" err="1"/>
+              <a:t>podem</a:t>
+            </a:r>
+            <a:r>
+              <a:rPr lang="en-US" b="0" dirty="0"/>
+              <a:t> ser </a:t>
+            </a:r>
+            <a:r>
+              <a:rPr lang="en-US" b="0" dirty="0" err="1"/>
+              <a:t>adicionadas</a:t>
+            </a:r>
+            <a:r>
+              <a:rPr lang="en-US" b="0" dirty="0"/>
+              <a:t> para </a:t>
+            </a:r>
+            <a:r>
+              <a:rPr lang="en-US" b="0" dirty="0" err="1"/>
+              <a:t>mostrar</a:t>
+            </a:r>
+            <a:r>
+              <a:rPr lang="en-US" b="0" dirty="0"/>
+              <a:t> o </a:t>
+            </a:r>
+            <a:r>
+              <a:rPr lang="en-US" b="0" dirty="0" err="1"/>
+              <a:t>nível</a:t>
+            </a:r>
+            <a:r>
+              <a:rPr lang="en-US" b="0" dirty="0"/>
+              <a:t> de </a:t>
+            </a:r>
+            <a:r>
+              <a:rPr lang="en-US" b="0" dirty="0" err="1"/>
+              <a:t>criticidade</a:t>
+            </a:r>
+            <a:r>
+              <a:rPr lang="en-US" b="0" dirty="0"/>
+              <a:t>, </a:t>
+            </a:r>
+            <a:r>
+              <a:rPr lang="en-US" b="0" dirty="0" err="1"/>
+              <a:t>dificuldade</a:t>
+            </a:r>
+            <a:r>
+              <a:rPr lang="en-US" b="0" dirty="0"/>
+              <a:t> e se </a:t>
+            </a:r>
+            <a:r>
+              <a:rPr lang="en-US" b="0" dirty="0" err="1"/>
+              <a:t>precisa</a:t>
+            </a:r>
+            <a:r>
+              <a:rPr lang="en-US" b="0" dirty="0"/>
+              <a:t> de </a:t>
+            </a:r>
+            <a:r>
+              <a:rPr lang="en-US" b="0" dirty="0" err="1"/>
+              <a:t>ajuda</a:t>
+            </a:r>
+            <a:r>
+              <a:rPr lang="en-US" b="0" dirty="0"/>
+              <a:t> extra.</a:t>
             </a:r>
             <a:endParaRPr lang="pt-BR" b="1" dirty="0"/>
           </a:p>
@@ -11541,8 +15014,8 @@
         </p:nvSpPr>
         <p:spPr>
           <a:xfrm>
-            <a:off x="5113710" y="999919"/>
-            <a:ext cx="4966915" cy="3768520"/>
+            <a:off x="5113710" y="1519686"/>
+            <a:ext cx="4966915" cy="2631177"/>
           </a:xfrm>
           <a:prstGeom prst="rect">
             <a:avLst/>
@@ -12167,6 +15640,36 @@
           </a:fontRef>
         </p:style>
       </p:cxnSp>
+      <p:pic>
+        <p:nvPicPr>
+          <p:cNvPr id="6" name="Imagem 5">
+            <a:extLst>
+              <a:ext uri="{FF2B5EF4-FFF2-40B4-BE49-F238E27FC236}">
+                <a16:creationId xmlns:a16="http://schemas.microsoft.com/office/drawing/2014/main" id="{4A977267-4024-9BAC-6D53-7E57997FA211}"/>
+              </a:ext>
+            </a:extLst>
+          </p:cNvPr>
+          <p:cNvPicPr>
+            <a:picLocks noChangeAspect="1"/>
+          </p:cNvPicPr>
+          <p:nvPr/>
+        </p:nvPicPr>
+        <p:blipFill>
+          <a:blip r:embed="rId3"/>
+          <a:stretch>
+            <a:fillRect/>
+          </a:stretch>
+        </p:blipFill>
+        <p:spPr>
+          <a:xfrm>
+            <a:off x="103292" y="1606363"/>
+            <a:ext cx="9874042" cy="3539028"/>
+          </a:xfrm>
+          <a:prstGeom prst="rect">
+            <a:avLst/>
+          </a:prstGeom>
+        </p:spPr>
+      </p:pic>
     </p:spTree>
   </p:cSld>
   <p:clrMapOvr>
@@ -12293,7 +15796,7 @@
                 </a:solidFill>
                 <a:latin typeface="Trade Gothic Next Heavy" panose="020B0903040303020004" pitchFamily="34" charset="0"/>
               </a:rPr>
-              <a:t>BACK-END</a:t>
+              <a:t>ESTRUTURA</a:t>
             </a:r>
             <a:endParaRPr lang="en-CA" sz="4400" b="0" strike="noStrike" spc="-1" dirty="0">
               <a:solidFill>
@@ -12351,6 +15854,1027 @@
           </a:fontRef>
         </p:style>
       </p:cxnSp>
+      <p:pic>
+        <p:nvPicPr>
+          <p:cNvPr id="11" name="Imagem 10">
+            <a:extLst>
+              <a:ext uri="{FF2B5EF4-FFF2-40B4-BE49-F238E27FC236}">
+                <a16:creationId xmlns:a16="http://schemas.microsoft.com/office/drawing/2014/main" id="{643C0A99-84FD-08A7-F8A9-7E0FE112DD26}"/>
+              </a:ext>
+            </a:extLst>
+          </p:cNvPr>
+          <p:cNvPicPr>
+            <a:picLocks noChangeAspect="1"/>
+          </p:cNvPicPr>
+          <p:nvPr/>
+        </p:nvPicPr>
+        <p:blipFill>
+          <a:blip r:embed="rId3"/>
+          <a:stretch>
+            <a:fillRect/>
+          </a:stretch>
+        </p:blipFill>
+        <p:spPr>
+          <a:xfrm>
+            <a:off x="4607173" y="1891205"/>
+            <a:ext cx="2395400" cy="1888139"/>
+          </a:xfrm>
+          <a:prstGeom prst="rect">
+            <a:avLst/>
+          </a:prstGeom>
+        </p:spPr>
+      </p:pic>
+      <p:pic>
+        <p:nvPicPr>
+          <p:cNvPr id="13" name="Imagem 12">
+            <a:extLst>
+              <a:ext uri="{FF2B5EF4-FFF2-40B4-BE49-F238E27FC236}">
+                <a16:creationId xmlns:a16="http://schemas.microsoft.com/office/drawing/2014/main" id="{8550DC7F-85AE-8E4D-83BD-A8B568C97289}"/>
+              </a:ext>
+            </a:extLst>
+          </p:cNvPr>
+          <p:cNvPicPr>
+            <a:picLocks noChangeAspect="1"/>
+          </p:cNvPicPr>
+          <p:nvPr/>
+        </p:nvPicPr>
+        <p:blipFill>
+          <a:blip r:embed="rId4"/>
+          <a:stretch>
+            <a:fillRect/>
+          </a:stretch>
+        </p:blipFill>
+        <p:spPr>
+          <a:xfrm>
+            <a:off x="367469" y="1505501"/>
+            <a:ext cx="2861384" cy="3621187"/>
+          </a:xfrm>
+          <a:prstGeom prst="rect">
+            <a:avLst/>
+          </a:prstGeom>
+        </p:spPr>
+      </p:pic>
+      <p:pic>
+        <p:nvPicPr>
+          <p:cNvPr id="15" name="Imagem 14">
+            <a:extLst>
+              <a:ext uri="{FF2B5EF4-FFF2-40B4-BE49-F238E27FC236}">
+                <a16:creationId xmlns:a16="http://schemas.microsoft.com/office/drawing/2014/main" id="{AA33CEE1-9D62-0921-BCA1-E79D4CD4355C}"/>
+              </a:ext>
+            </a:extLst>
+          </p:cNvPr>
+          <p:cNvPicPr>
+            <a:picLocks noChangeAspect="1"/>
+          </p:cNvPicPr>
+          <p:nvPr/>
+        </p:nvPicPr>
+        <p:blipFill>
+          <a:blip r:embed="rId5"/>
+          <a:stretch>
+            <a:fillRect/>
+          </a:stretch>
+        </p:blipFill>
+        <p:spPr>
+          <a:xfrm>
+            <a:off x="4607173" y="3985591"/>
+            <a:ext cx="2395400" cy="782171"/>
+          </a:xfrm>
+          <a:prstGeom prst="rect">
+            <a:avLst/>
+          </a:prstGeom>
+        </p:spPr>
+      </p:pic>
+      <p:pic>
+        <p:nvPicPr>
+          <p:cNvPr id="17" name="Imagem 16">
+            <a:extLst>
+              <a:ext uri="{FF2B5EF4-FFF2-40B4-BE49-F238E27FC236}">
+                <a16:creationId xmlns:a16="http://schemas.microsoft.com/office/drawing/2014/main" id="{1F68647A-45DD-8E60-D6C8-3702FE730D1B}"/>
+              </a:ext>
+            </a:extLst>
+          </p:cNvPr>
+          <p:cNvPicPr>
+            <a:picLocks noChangeAspect="1"/>
+          </p:cNvPicPr>
+          <p:nvPr/>
+        </p:nvPicPr>
+        <p:blipFill>
+          <a:blip r:embed="rId6"/>
+          <a:stretch>
+            <a:fillRect/>
+          </a:stretch>
+        </p:blipFill>
+        <p:spPr>
+          <a:xfrm>
+            <a:off x="7320721" y="1502551"/>
+            <a:ext cx="2565400" cy="3624137"/>
+          </a:xfrm>
+          <a:prstGeom prst="rect">
+            <a:avLst/>
+          </a:prstGeom>
+        </p:spPr>
+      </p:pic>
+      <p:sp>
+        <p:nvSpPr>
+          <p:cNvPr id="18" name="Seta: para a Direita 17">
+            <a:extLst>
+              <a:ext uri="{FF2B5EF4-FFF2-40B4-BE49-F238E27FC236}">
+                <a16:creationId xmlns:a16="http://schemas.microsoft.com/office/drawing/2014/main" id="{19BD868E-D55C-524D-CFE0-BD8F88974C9F}"/>
+              </a:ext>
+            </a:extLst>
+          </p:cNvPr>
+          <p:cNvSpPr/>
+          <p:nvPr/>
+        </p:nvSpPr>
+        <p:spPr>
+          <a:xfrm>
+            <a:off x="3498622" y="2545993"/>
+            <a:ext cx="949477" cy="1537252"/>
+          </a:xfrm>
+          <a:prstGeom prst="rightArrow">
+            <a:avLst/>
+          </a:prstGeom>
+          <a:solidFill>
+            <a:srgbClr val="0070C0"/>
+          </a:solidFill>
+        </p:spPr>
+        <p:style>
+          <a:lnRef idx="2">
+            <a:schemeClr val="accent1">
+              <a:shade val="15000"/>
+            </a:schemeClr>
+          </a:lnRef>
+          <a:fillRef idx="1">
+            <a:schemeClr val="accent1"/>
+          </a:fillRef>
+          <a:effectRef idx="0">
+            <a:schemeClr val="accent1"/>
+          </a:effectRef>
+          <a:fontRef idx="minor">
+            <a:schemeClr val="lt1"/>
+          </a:fontRef>
+        </p:style>
+        <p:txBody>
+          <a:bodyPr rtlCol="0" anchor="ctr"/>
+          <a:lstStyle/>
+          <a:p>
+            <a:pPr algn="ctr"/>
+            <a:endParaRPr lang="pt-BR"/>
+          </a:p>
+        </p:txBody>
+      </p:sp>
+    </p:spTree>
+    <p:extLst>
+      <p:ext uri="{BB962C8B-B14F-4D97-AF65-F5344CB8AC3E}">
+        <p14:creationId xmlns:p14="http://schemas.microsoft.com/office/powerpoint/2010/main" val="1973083028"/>
+      </p:ext>
+    </p:extLst>
+  </p:cSld>
+  <p:clrMapOvr>
+    <a:masterClrMapping/>
+  </p:clrMapOvr>
+  <p:transition spd="slow">
+    <p:push dir="u"/>
+  </p:transition>
+</p:sld>
+</file>
+
+<file path=ppt/slides/slide14.xml><?xml version="1.0" encoding="utf-8"?>
+<p:sld xmlns:a="http://schemas.openxmlformats.org/drawingml/2006/main" xmlns:r="http://schemas.openxmlformats.org/officeDocument/2006/relationships" xmlns:p="http://schemas.openxmlformats.org/presentationml/2006/main">
+  <p:cSld>
+    <p:spTree>
+      <p:nvGrpSpPr>
+        <p:cNvPr id="1" name=""/>
+        <p:cNvGrpSpPr/>
+        <p:nvPr/>
+      </p:nvGrpSpPr>
+      <p:grpSpPr>
+        <a:xfrm>
+          <a:off x="0" y="0"/>
+          <a:ext cx="0" cy="0"/>
+          <a:chOff x="0" y="0"/>
+          <a:chExt cx="0" cy="0"/>
+        </a:xfrm>
+      </p:grpSpPr>
+      <p:sp>
+        <p:nvSpPr>
+          <p:cNvPr id="5" name="Retângulo 4">
+            <a:extLst>
+              <a:ext uri="{FF2B5EF4-FFF2-40B4-BE49-F238E27FC236}">
+                <a16:creationId xmlns:a16="http://schemas.microsoft.com/office/drawing/2014/main" id="{2E5D7197-55B6-EF20-C5FB-29E52A04C6BA}"/>
+              </a:ext>
+            </a:extLst>
+          </p:cNvPr>
+          <p:cNvSpPr/>
+          <p:nvPr/>
+        </p:nvSpPr>
+        <p:spPr>
+          <a:xfrm>
+            <a:off x="1" y="0"/>
+            <a:ext cx="10080624" cy="925842"/>
+          </a:xfrm>
+          <a:prstGeom prst="rect">
+            <a:avLst/>
+          </a:prstGeom>
+          <a:solidFill>
+            <a:schemeClr val="bg1">
+              <a:lumMod val="65000"/>
+            </a:schemeClr>
+          </a:solidFill>
+        </p:spPr>
+        <p:style>
+          <a:lnRef idx="2">
+            <a:schemeClr val="accent1">
+              <a:shade val="15000"/>
+            </a:schemeClr>
+          </a:lnRef>
+          <a:fillRef idx="1">
+            <a:schemeClr val="accent1"/>
+          </a:fillRef>
+          <a:effectRef idx="0">
+            <a:schemeClr val="accent1"/>
+          </a:effectRef>
+          <a:fontRef idx="minor">
+            <a:schemeClr val="lt1"/>
+          </a:fontRef>
+        </p:style>
+        <p:txBody>
+          <a:bodyPr rtlCol="0" anchor="ctr"/>
+          <a:lstStyle/>
+          <a:p>
+            <a:pPr algn="ctr"/>
+            <a:endParaRPr lang="pt-BR" dirty="0"/>
+          </a:p>
+        </p:txBody>
+      </p:sp>
+      <p:sp>
+        <p:nvSpPr>
+          <p:cNvPr id="93" name="PlaceHolder 1"/>
+          <p:cNvSpPr>
+            <a:spLocks noGrp="1"/>
+          </p:cNvSpPr>
+          <p:nvPr>
+            <p:ph type="title"/>
+          </p:nvPr>
+        </p:nvSpPr>
+        <p:spPr>
+          <a:xfrm>
+            <a:off x="504853" y="0"/>
+            <a:ext cx="9070920" cy="945720"/>
+          </a:xfrm>
+          <a:prstGeom prst="rect">
+            <a:avLst/>
+          </a:prstGeom>
+          <a:noFill/>
+          <a:ln w="0">
+            <a:noFill/>
+          </a:ln>
+        </p:spPr>
+        <p:txBody>
+          <a:bodyPr lIns="0" tIns="0" rIns="0" bIns="0" anchor="ctr">
+            <a:noAutofit/>
+          </a:bodyPr>
+          <a:lstStyle/>
+          <a:p>
+            <a:pPr indent="0" algn="ctr">
+              <a:lnSpc>
+                <a:spcPct val="100000"/>
+              </a:lnSpc>
+              <a:buNone/>
+              <a:tabLst>
+                <a:tab pos="0" algn="l"/>
+              </a:tabLst>
+            </a:pPr>
+            <a:r>
+              <a:rPr lang="pt-BR" sz="5400" b="0" strike="noStrike" spc="-1" dirty="0">
+                <a:solidFill>
+                  <a:schemeClr val="tx2">
+                    <a:lumMod val="75000"/>
+                  </a:schemeClr>
+                </a:solidFill>
+                <a:latin typeface="Trade Gothic Next Heavy" panose="020B0903040303020004" pitchFamily="34" charset="0"/>
+              </a:rPr>
+              <a:t>ESTRUTURA</a:t>
+            </a:r>
+            <a:endParaRPr lang="en-CA" sz="4400" b="0" strike="noStrike" spc="-1" dirty="0">
+              <a:solidFill>
+                <a:schemeClr val="tx2">
+                  <a:lumMod val="75000"/>
+                </a:schemeClr>
+              </a:solidFill>
+              <a:latin typeface="Trade Gothic Next Heavy" panose="020B0903040303020004" pitchFamily="34" charset="0"/>
+            </a:endParaRPr>
+          </a:p>
+        </p:txBody>
+      </p:sp>
+      <p:cxnSp>
+        <p:nvCxnSpPr>
+          <p:cNvPr id="3" name="Conector reto 2">
+            <a:extLst>
+              <a:ext uri="{FF2B5EF4-FFF2-40B4-BE49-F238E27FC236}">
+                <a16:creationId xmlns:a16="http://schemas.microsoft.com/office/drawing/2014/main" id="{59963C4B-8D3A-349D-F26E-329206944663}"/>
+              </a:ext>
+            </a:extLst>
+          </p:cNvPr>
+          <p:cNvCxnSpPr>
+            <a:cxnSpLocks/>
+          </p:cNvCxnSpPr>
+          <p:nvPr/>
+        </p:nvCxnSpPr>
+        <p:spPr>
+          <a:xfrm flipH="1">
+            <a:off x="-38584" y="935783"/>
+            <a:ext cx="10157791" cy="0"/>
+          </a:xfrm>
+          <a:prstGeom prst="line">
+            <a:avLst/>
+          </a:prstGeom>
+          <a:ln w="76200">
+            <a:solidFill>
+              <a:srgbClr val="0070C0"/>
+            </a:solidFill>
+            <a:headEnd type="none"/>
+            <a:tailEnd type="none"/>
+          </a:ln>
+        </p:spPr>
+        <p:style>
+          <a:lnRef idx="1">
+            <a:schemeClr val="accent1"/>
+          </a:lnRef>
+          <a:fillRef idx="0">
+            <a:schemeClr val="accent1"/>
+          </a:fillRef>
+          <a:effectRef idx="0">
+            <a:schemeClr val="accent1"/>
+          </a:effectRef>
+          <a:fontRef idx="minor">
+            <a:schemeClr val="tx1"/>
+          </a:fontRef>
+        </p:style>
+      </p:cxnSp>
+      <p:pic>
+        <p:nvPicPr>
+          <p:cNvPr id="4" name="Imagem 3">
+            <a:extLst>
+              <a:ext uri="{FF2B5EF4-FFF2-40B4-BE49-F238E27FC236}">
+                <a16:creationId xmlns:a16="http://schemas.microsoft.com/office/drawing/2014/main" id="{92F859C9-835A-2579-855E-C0D239F4FA34}"/>
+              </a:ext>
+            </a:extLst>
+          </p:cNvPr>
+          <p:cNvPicPr>
+            <a:picLocks noChangeAspect="1"/>
+          </p:cNvPicPr>
+          <p:nvPr/>
+        </p:nvPicPr>
+        <p:blipFill>
+          <a:blip r:embed="rId3"/>
+          <a:stretch>
+            <a:fillRect/>
+          </a:stretch>
+        </p:blipFill>
+        <p:spPr>
+          <a:xfrm>
+            <a:off x="1556442" y="1383765"/>
+            <a:ext cx="2856532" cy="1580973"/>
+          </a:xfrm>
+          <a:prstGeom prst="rect">
+            <a:avLst/>
+          </a:prstGeom>
+        </p:spPr>
+      </p:pic>
+      <p:pic>
+        <p:nvPicPr>
+          <p:cNvPr id="9" name="Imagem 8">
+            <a:extLst>
+              <a:ext uri="{FF2B5EF4-FFF2-40B4-BE49-F238E27FC236}">
+                <a16:creationId xmlns:a16="http://schemas.microsoft.com/office/drawing/2014/main" id="{2A84D92A-12F9-EAF8-4351-E802EC415410}"/>
+              </a:ext>
+            </a:extLst>
+          </p:cNvPr>
+          <p:cNvPicPr>
+            <a:picLocks noChangeAspect="1"/>
+          </p:cNvPicPr>
+          <p:nvPr/>
+        </p:nvPicPr>
+        <p:blipFill>
+          <a:blip r:embed="rId4"/>
+          <a:stretch>
+            <a:fillRect/>
+          </a:stretch>
+        </p:blipFill>
+        <p:spPr>
+          <a:xfrm>
+            <a:off x="5667652" y="1383765"/>
+            <a:ext cx="2856531" cy="3467237"/>
+          </a:xfrm>
+          <a:prstGeom prst="rect">
+            <a:avLst/>
+          </a:prstGeom>
+        </p:spPr>
+      </p:pic>
+      <p:pic>
+        <p:nvPicPr>
+          <p:cNvPr id="21" name="Imagem 20">
+            <a:extLst>
+              <a:ext uri="{FF2B5EF4-FFF2-40B4-BE49-F238E27FC236}">
+                <a16:creationId xmlns:a16="http://schemas.microsoft.com/office/drawing/2014/main" id="{BB2E73C9-AA6A-5C7C-CECC-E7418D866237}"/>
+              </a:ext>
+            </a:extLst>
+          </p:cNvPr>
+          <p:cNvPicPr>
+            <a:picLocks noChangeAspect="1"/>
+          </p:cNvPicPr>
+          <p:nvPr/>
+        </p:nvPicPr>
+        <p:blipFill>
+          <a:blip r:embed="rId5"/>
+          <a:stretch>
+            <a:fillRect/>
+          </a:stretch>
+        </p:blipFill>
+        <p:spPr>
+          <a:xfrm>
+            <a:off x="1556442" y="3774365"/>
+            <a:ext cx="2856531" cy="1082970"/>
+          </a:xfrm>
+          <a:prstGeom prst="rect">
+            <a:avLst/>
+          </a:prstGeom>
+        </p:spPr>
+      </p:pic>
+    </p:spTree>
+    <p:extLst>
+      <p:ext uri="{BB962C8B-B14F-4D97-AF65-F5344CB8AC3E}">
+        <p14:creationId xmlns:p14="http://schemas.microsoft.com/office/powerpoint/2010/main" val="1940373183"/>
+      </p:ext>
+    </p:extLst>
+  </p:cSld>
+  <p:clrMapOvr>
+    <a:masterClrMapping/>
+  </p:clrMapOvr>
+  <p:transition spd="slow">
+    <p:push dir="u"/>
+  </p:transition>
+</p:sld>
+</file>
+
+<file path=ppt/slides/slide15.xml><?xml version="1.0" encoding="utf-8"?>
+<p:sld xmlns:a="http://schemas.openxmlformats.org/drawingml/2006/main" xmlns:r="http://schemas.openxmlformats.org/officeDocument/2006/relationships" xmlns:p="http://schemas.openxmlformats.org/presentationml/2006/main">
+  <p:cSld>
+    <p:spTree>
+      <p:nvGrpSpPr>
+        <p:cNvPr id="1" name=""/>
+        <p:cNvGrpSpPr/>
+        <p:nvPr/>
+      </p:nvGrpSpPr>
+      <p:grpSpPr>
+        <a:xfrm>
+          <a:off x="0" y="0"/>
+          <a:ext cx="0" cy="0"/>
+          <a:chOff x="0" y="0"/>
+          <a:chExt cx="0" cy="0"/>
+        </a:xfrm>
+      </p:grpSpPr>
+      <p:sp>
+        <p:nvSpPr>
+          <p:cNvPr id="5" name="Retângulo 4">
+            <a:extLst>
+              <a:ext uri="{FF2B5EF4-FFF2-40B4-BE49-F238E27FC236}">
+                <a16:creationId xmlns:a16="http://schemas.microsoft.com/office/drawing/2014/main" id="{2E5D7197-55B6-EF20-C5FB-29E52A04C6BA}"/>
+              </a:ext>
+            </a:extLst>
+          </p:cNvPr>
+          <p:cNvSpPr/>
+          <p:nvPr/>
+        </p:nvSpPr>
+        <p:spPr>
+          <a:xfrm>
+            <a:off x="1" y="0"/>
+            <a:ext cx="10080624" cy="925842"/>
+          </a:xfrm>
+          <a:prstGeom prst="rect">
+            <a:avLst/>
+          </a:prstGeom>
+          <a:solidFill>
+            <a:schemeClr val="bg1">
+              <a:lumMod val="65000"/>
+            </a:schemeClr>
+          </a:solidFill>
+        </p:spPr>
+        <p:style>
+          <a:lnRef idx="2">
+            <a:schemeClr val="accent1">
+              <a:shade val="15000"/>
+            </a:schemeClr>
+          </a:lnRef>
+          <a:fillRef idx="1">
+            <a:schemeClr val="accent1"/>
+          </a:fillRef>
+          <a:effectRef idx="0">
+            <a:schemeClr val="accent1"/>
+          </a:effectRef>
+          <a:fontRef idx="minor">
+            <a:schemeClr val="lt1"/>
+          </a:fontRef>
+        </p:style>
+        <p:txBody>
+          <a:bodyPr rtlCol="0" anchor="ctr"/>
+          <a:lstStyle/>
+          <a:p>
+            <a:pPr algn="ctr"/>
+            <a:endParaRPr lang="pt-BR" dirty="0"/>
+          </a:p>
+        </p:txBody>
+      </p:sp>
+      <p:sp>
+        <p:nvSpPr>
+          <p:cNvPr id="93" name="PlaceHolder 1"/>
+          <p:cNvSpPr>
+            <a:spLocks noGrp="1"/>
+          </p:cNvSpPr>
+          <p:nvPr>
+            <p:ph type="title"/>
+          </p:nvPr>
+        </p:nvSpPr>
+        <p:spPr>
+          <a:xfrm>
+            <a:off x="504853" y="0"/>
+            <a:ext cx="9070920" cy="945720"/>
+          </a:xfrm>
+          <a:prstGeom prst="rect">
+            <a:avLst/>
+          </a:prstGeom>
+          <a:noFill/>
+          <a:ln w="0">
+            <a:noFill/>
+          </a:ln>
+        </p:spPr>
+        <p:txBody>
+          <a:bodyPr lIns="0" tIns="0" rIns="0" bIns="0" anchor="ctr">
+            <a:noAutofit/>
+          </a:bodyPr>
+          <a:lstStyle/>
+          <a:p>
+            <a:pPr indent="0" algn="ctr">
+              <a:lnSpc>
+                <a:spcPct val="100000"/>
+              </a:lnSpc>
+              <a:buNone/>
+              <a:tabLst>
+                <a:tab pos="0" algn="l"/>
+              </a:tabLst>
+            </a:pPr>
+            <a:r>
+              <a:rPr lang="pt-BR" sz="5400" b="0" strike="noStrike" spc="-1" dirty="0">
+                <a:solidFill>
+                  <a:schemeClr val="tx2">
+                    <a:lumMod val="75000"/>
+                  </a:schemeClr>
+                </a:solidFill>
+                <a:latin typeface="Trade Gothic Next Heavy" panose="020B0903040303020004" pitchFamily="34" charset="0"/>
+              </a:rPr>
+              <a:t>ESTRUTURA</a:t>
+            </a:r>
+            <a:endParaRPr lang="en-CA" sz="4400" b="0" strike="noStrike" spc="-1" dirty="0">
+              <a:solidFill>
+                <a:schemeClr val="tx2">
+                  <a:lumMod val="75000"/>
+                </a:schemeClr>
+              </a:solidFill>
+              <a:latin typeface="Trade Gothic Next Heavy" panose="020B0903040303020004" pitchFamily="34" charset="0"/>
+            </a:endParaRPr>
+          </a:p>
+        </p:txBody>
+      </p:sp>
+      <p:cxnSp>
+        <p:nvCxnSpPr>
+          <p:cNvPr id="3" name="Conector reto 2">
+            <a:extLst>
+              <a:ext uri="{FF2B5EF4-FFF2-40B4-BE49-F238E27FC236}">
+                <a16:creationId xmlns:a16="http://schemas.microsoft.com/office/drawing/2014/main" id="{59963C4B-8D3A-349D-F26E-329206944663}"/>
+              </a:ext>
+            </a:extLst>
+          </p:cNvPr>
+          <p:cNvCxnSpPr>
+            <a:cxnSpLocks/>
+          </p:cNvCxnSpPr>
+          <p:nvPr/>
+        </p:nvCxnSpPr>
+        <p:spPr>
+          <a:xfrm flipH="1">
+            <a:off x="-38584" y="935783"/>
+            <a:ext cx="10157791" cy="0"/>
+          </a:xfrm>
+          <a:prstGeom prst="line">
+            <a:avLst/>
+          </a:prstGeom>
+          <a:ln w="76200">
+            <a:solidFill>
+              <a:srgbClr val="0070C0"/>
+            </a:solidFill>
+            <a:headEnd type="none"/>
+            <a:tailEnd type="none"/>
+          </a:ln>
+        </p:spPr>
+        <p:style>
+          <a:lnRef idx="1">
+            <a:schemeClr val="accent1"/>
+          </a:lnRef>
+          <a:fillRef idx="0">
+            <a:schemeClr val="accent1"/>
+          </a:fillRef>
+          <a:effectRef idx="0">
+            <a:schemeClr val="accent1"/>
+          </a:effectRef>
+          <a:fontRef idx="minor">
+            <a:schemeClr val="tx1"/>
+          </a:fontRef>
+        </p:style>
+      </p:cxnSp>
+      <p:pic>
+        <p:nvPicPr>
+          <p:cNvPr id="16" name="Imagem 15">
+            <a:extLst>
+              <a:ext uri="{FF2B5EF4-FFF2-40B4-BE49-F238E27FC236}">
+                <a16:creationId xmlns:a16="http://schemas.microsoft.com/office/drawing/2014/main" id="{A401F11E-5781-C0FB-FEFB-D63B69977A84}"/>
+              </a:ext>
+            </a:extLst>
+          </p:cNvPr>
+          <p:cNvPicPr>
+            <a:picLocks noChangeAspect="1"/>
+          </p:cNvPicPr>
+          <p:nvPr/>
+        </p:nvPicPr>
+        <p:blipFill>
+          <a:blip r:embed="rId3"/>
+          <a:stretch>
+            <a:fillRect/>
+          </a:stretch>
+        </p:blipFill>
+        <p:spPr>
+          <a:xfrm>
+            <a:off x="3612977" y="1755334"/>
+            <a:ext cx="2854671" cy="3042703"/>
+          </a:xfrm>
+          <a:prstGeom prst="rect">
+            <a:avLst/>
+          </a:prstGeom>
+        </p:spPr>
+      </p:pic>
+      <p:pic>
+        <p:nvPicPr>
+          <p:cNvPr id="19" name="Imagem 18">
+            <a:extLst>
+              <a:ext uri="{FF2B5EF4-FFF2-40B4-BE49-F238E27FC236}">
+                <a16:creationId xmlns:a16="http://schemas.microsoft.com/office/drawing/2014/main" id="{53173AA1-F580-69CE-491C-0E48C2652D54}"/>
+              </a:ext>
+            </a:extLst>
+          </p:cNvPr>
+          <p:cNvPicPr>
+            <a:picLocks noChangeAspect="1"/>
+          </p:cNvPicPr>
+          <p:nvPr/>
+        </p:nvPicPr>
+        <p:blipFill>
+          <a:blip r:embed="rId4"/>
+          <a:stretch>
+            <a:fillRect/>
+          </a:stretch>
+        </p:blipFill>
+        <p:spPr>
+          <a:xfrm>
+            <a:off x="6896931" y="2075090"/>
+            <a:ext cx="2821133" cy="2403187"/>
+          </a:xfrm>
+          <a:prstGeom prst="rect">
+            <a:avLst/>
+          </a:prstGeom>
+        </p:spPr>
+      </p:pic>
+      <p:pic>
+        <p:nvPicPr>
+          <p:cNvPr id="23" name="Imagem 22">
+            <a:extLst>
+              <a:ext uri="{FF2B5EF4-FFF2-40B4-BE49-F238E27FC236}">
+                <a16:creationId xmlns:a16="http://schemas.microsoft.com/office/drawing/2014/main" id="{A10C0CCD-8E36-DEFD-34D3-0BBF98F8CA9D}"/>
+              </a:ext>
+            </a:extLst>
+          </p:cNvPr>
+          <p:cNvPicPr>
+            <a:picLocks noChangeAspect="1"/>
+          </p:cNvPicPr>
+          <p:nvPr/>
+        </p:nvPicPr>
+        <p:blipFill>
+          <a:blip r:embed="rId5"/>
+          <a:stretch>
+            <a:fillRect/>
+          </a:stretch>
+        </p:blipFill>
+        <p:spPr>
+          <a:xfrm>
+            <a:off x="363577" y="2692636"/>
+            <a:ext cx="2820117" cy="1168097"/>
+          </a:xfrm>
+          <a:prstGeom prst="rect">
+            <a:avLst/>
+          </a:prstGeom>
+        </p:spPr>
+      </p:pic>
+    </p:spTree>
+    <p:extLst>
+      <p:ext uri="{BB962C8B-B14F-4D97-AF65-F5344CB8AC3E}">
+        <p14:creationId xmlns:p14="http://schemas.microsoft.com/office/powerpoint/2010/main" val="2642351143"/>
+      </p:ext>
+    </p:extLst>
+  </p:cSld>
+  <p:clrMapOvr>
+    <a:masterClrMapping/>
+  </p:clrMapOvr>
+  <p:transition spd="slow">
+    <p:push dir="u"/>
+  </p:transition>
+</p:sld>
+</file>
+
+<file path=ppt/slides/slide16.xml><?xml version="1.0" encoding="utf-8"?>
+<p:sld xmlns:a="http://schemas.openxmlformats.org/drawingml/2006/main" xmlns:r="http://schemas.openxmlformats.org/officeDocument/2006/relationships" xmlns:p="http://schemas.openxmlformats.org/presentationml/2006/main">
+  <p:cSld>
+    <p:spTree>
+      <p:nvGrpSpPr>
+        <p:cNvPr id="1" name=""/>
+        <p:cNvGrpSpPr/>
+        <p:nvPr/>
+      </p:nvGrpSpPr>
+      <p:grpSpPr>
+        <a:xfrm>
+          <a:off x="0" y="0"/>
+          <a:ext cx="0" cy="0"/>
+          <a:chOff x="0" y="0"/>
+          <a:chExt cx="0" cy="0"/>
+        </a:xfrm>
+      </p:grpSpPr>
+      <p:sp>
+        <p:nvSpPr>
+          <p:cNvPr id="5" name="Retângulo 4">
+            <a:extLst>
+              <a:ext uri="{FF2B5EF4-FFF2-40B4-BE49-F238E27FC236}">
+                <a16:creationId xmlns:a16="http://schemas.microsoft.com/office/drawing/2014/main" id="{2E5D7197-55B6-EF20-C5FB-29E52A04C6BA}"/>
+              </a:ext>
+            </a:extLst>
+          </p:cNvPr>
+          <p:cNvSpPr/>
+          <p:nvPr/>
+        </p:nvSpPr>
+        <p:spPr>
+          <a:xfrm>
+            <a:off x="1" y="0"/>
+            <a:ext cx="10080624" cy="925842"/>
+          </a:xfrm>
+          <a:prstGeom prst="rect">
+            <a:avLst/>
+          </a:prstGeom>
+          <a:solidFill>
+            <a:schemeClr val="bg1">
+              <a:lumMod val="65000"/>
+            </a:schemeClr>
+          </a:solidFill>
+        </p:spPr>
+        <p:style>
+          <a:lnRef idx="2">
+            <a:schemeClr val="accent1">
+              <a:shade val="15000"/>
+            </a:schemeClr>
+          </a:lnRef>
+          <a:fillRef idx="1">
+            <a:schemeClr val="accent1"/>
+          </a:fillRef>
+          <a:effectRef idx="0">
+            <a:schemeClr val="accent1"/>
+          </a:effectRef>
+          <a:fontRef idx="minor">
+            <a:schemeClr val="lt1"/>
+          </a:fontRef>
+        </p:style>
+        <p:txBody>
+          <a:bodyPr rtlCol="0" anchor="ctr"/>
+          <a:lstStyle/>
+          <a:p>
+            <a:pPr algn="ctr"/>
+            <a:endParaRPr lang="pt-BR" dirty="0"/>
+          </a:p>
+        </p:txBody>
+      </p:sp>
+      <p:sp>
+        <p:nvSpPr>
+          <p:cNvPr id="93" name="PlaceHolder 1"/>
+          <p:cNvSpPr>
+            <a:spLocks noGrp="1"/>
+          </p:cNvSpPr>
+          <p:nvPr>
+            <p:ph type="title"/>
+          </p:nvPr>
+        </p:nvSpPr>
+        <p:spPr>
+          <a:xfrm>
+            <a:off x="504853" y="0"/>
+            <a:ext cx="9070920" cy="945720"/>
+          </a:xfrm>
+          <a:prstGeom prst="rect">
+            <a:avLst/>
+          </a:prstGeom>
+          <a:noFill/>
+          <a:ln w="0">
+            <a:noFill/>
+          </a:ln>
+        </p:spPr>
+        <p:txBody>
+          <a:bodyPr lIns="0" tIns="0" rIns="0" bIns="0" anchor="ctr">
+            <a:noAutofit/>
+          </a:bodyPr>
+          <a:lstStyle/>
+          <a:p>
+            <a:pPr indent="0" algn="ctr">
+              <a:lnSpc>
+                <a:spcPct val="100000"/>
+              </a:lnSpc>
+              <a:buNone/>
+              <a:tabLst>
+                <a:tab pos="0" algn="l"/>
+              </a:tabLst>
+            </a:pPr>
+            <a:r>
+              <a:rPr lang="pt-BR" sz="5400" b="0" strike="noStrike" spc="-1" dirty="0">
+                <a:solidFill>
+                  <a:schemeClr val="tx2">
+                    <a:lumMod val="75000"/>
+                  </a:schemeClr>
+                </a:solidFill>
+                <a:latin typeface="Trade Gothic Next Heavy" panose="020B0903040303020004" pitchFamily="34" charset="0"/>
+              </a:rPr>
+              <a:t>BACK-END</a:t>
+            </a:r>
+            <a:endParaRPr lang="en-CA" sz="4400" b="0" strike="noStrike" spc="-1" dirty="0">
+              <a:solidFill>
+                <a:schemeClr val="tx2">
+                  <a:lumMod val="75000"/>
+                </a:schemeClr>
+              </a:solidFill>
+              <a:latin typeface="Trade Gothic Next Heavy" panose="020B0903040303020004" pitchFamily="34" charset="0"/>
+            </a:endParaRPr>
+          </a:p>
+        </p:txBody>
+      </p:sp>
+      <p:cxnSp>
+        <p:nvCxnSpPr>
+          <p:cNvPr id="3" name="Conector reto 2">
+            <a:extLst>
+              <a:ext uri="{FF2B5EF4-FFF2-40B4-BE49-F238E27FC236}">
+                <a16:creationId xmlns:a16="http://schemas.microsoft.com/office/drawing/2014/main" id="{59963C4B-8D3A-349D-F26E-329206944663}"/>
+              </a:ext>
+            </a:extLst>
+          </p:cNvPr>
+          <p:cNvCxnSpPr>
+            <a:cxnSpLocks/>
+          </p:cNvCxnSpPr>
+          <p:nvPr/>
+        </p:nvCxnSpPr>
+        <p:spPr>
+          <a:xfrm flipH="1">
+            <a:off x="-38584" y="935783"/>
+            <a:ext cx="10157791" cy="0"/>
+          </a:xfrm>
+          <a:prstGeom prst="line">
+            <a:avLst/>
+          </a:prstGeom>
+          <a:ln w="76200">
+            <a:solidFill>
+              <a:srgbClr val="0070C0"/>
+            </a:solidFill>
+            <a:headEnd type="none"/>
+            <a:tailEnd type="none"/>
+          </a:ln>
+        </p:spPr>
+        <p:style>
+          <a:lnRef idx="1">
+            <a:schemeClr val="accent1"/>
+          </a:lnRef>
+          <a:fillRef idx="0">
+            <a:schemeClr val="accent1"/>
+          </a:fillRef>
+          <a:effectRef idx="0">
+            <a:schemeClr val="accent1"/>
+          </a:effectRef>
+          <a:fontRef idx="minor">
+            <a:schemeClr val="tx1"/>
+          </a:fontRef>
+        </p:style>
+      </p:cxnSp>
+      <p:pic>
+        <p:nvPicPr>
+          <p:cNvPr id="4" name="Imagem 3" descr="&#10;">
+            <a:extLst>
+              <a:ext uri="{FF2B5EF4-FFF2-40B4-BE49-F238E27FC236}">
+                <a16:creationId xmlns:a16="http://schemas.microsoft.com/office/drawing/2014/main" id="{E603C9FB-1536-2F9C-4D7C-1B0A70A351D3}"/>
+              </a:ext>
+            </a:extLst>
+          </p:cNvPr>
+          <p:cNvPicPr>
+            <a:picLocks noChangeAspect="1"/>
+          </p:cNvPicPr>
+          <p:nvPr/>
+        </p:nvPicPr>
+        <p:blipFill rotWithShape="1">
+          <a:blip r:embed="rId3">
+            <a:extLst>
+              <a:ext uri="{28A0092B-C50C-407E-A947-70E740481C1C}">
+                <a14:useLocalDpi xmlns:a14="http://schemas.microsoft.com/office/drawing/2010/main" val="0"/>
+              </a:ext>
+            </a:extLst>
+          </a:blip>
+          <a:srcRect l="9307" t="31151" r="9333" b="30917"/>
+          <a:stretch/>
+        </p:blipFill>
+        <p:spPr>
+          <a:xfrm>
+            <a:off x="296696" y="1129838"/>
+            <a:ext cx="4613564" cy="2150919"/>
+          </a:xfrm>
+          <a:prstGeom prst="rect">
+            <a:avLst/>
+          </a:prstGeom>
+        </p:spPr>
+      </p:pic>
+      <p:pic>
+        <p:nvPicPr>
+          <p:cNvPr id="7" name="Imagem 6">
+            <a:extLst>
+              <a:ext uri="{FF2B5EF4-FFF2-40B4-BE49-F238E27FC236}">
+                <a16:creationId xmlns:a16="http://schemas.microsoft.com/office/drawing/2014/main" id="{9A5BD314-29F6-6BC2-90B1-B2A5F898B775}"/>
+              </a:ext>
+            </a:extLst>
+          </p:cNvPr>
+          <p:cNvPicPr>
+            <a:picLocks noChangeAspect="1"/>
+          </p:cNvPicPr>
+          <p:nvPr/>
+        </p:nvPicPr>
+        <p:blipFill rotWithShape="1">
+          <a:blip r:embed="rId4">
+            <a:extLst>
+              <a:ext uri="{28A0092B-C50C-407E-A947-70E740481C1C}">
+                <a14:useLocalDpi xmlns:a14="http://schemas.microsoft.com/office/drawing/2010/main" val="0"/>
+              </a:ext>
+            </a:extLst>
+          </a:blip>
+          <a:srcRect t="17724" b="27199"/>
+          <a:stretch/>
+        </p:blipFill>
+        <p:spPr>
+          <a:xfrm>
+            <a:off x="296696" y="3643769"/>
+            <a:ext cx="5012373" cy="1331630"/>
+          </a:xfrm>
+          <a:prstGeom prst="rect">
+            <a:avLst/>
+          </a:prstGeom>
+        </p:spPr>
+      </p:pic>
+      <p:pic>
+        <p:nvPicPr>
+          <p:cNvPr id="9" name="Imagem 8" descr="Logotipo&#10;&#10;Descrição gerada automaticamente">
+            <a:extLst>
+              <a:ext uri="{FF2B5EF4-FFF2-40B4-BE49-F238E27FC236}">
+                <a16:creationId xmlns:a16="http://schemas.microsoft.com/office/drawing/2014/main" id="{1B3BE0C6-ABC7-5F1C-A358-ECCD9EE4826C}"/>
+              </a:ext>
+            </a:extLst>
+          </p:cNvPr>
+          <p:cNvPicPr>
+            <a:picLocks noChangeAspect="1"/>
+          </p:cNvPicPr>
+          <p:nvPr/>
+        </p:nvPicPr>
+        <p:blipFill rotWithShape="1">
+          <a:blip r:embed="rId5" cstate="print">
+            <a:extLst>
+              <a:ext uri="{28A0092B-C50C-407E-A947-70E740481C1C}">
+                <a14:useLocalDpi xmlns:a14="http://schemas.microsoft.com/office/drawing/2010/main" val="0"/>
+              </a:ext>
+            </a:extLst>
+          </a:blip>
+          <a:srcRect l="-258" t="11063" r="258" b="14822"/>
+          <a:stretch/>
+        </p:blipFill>
+        <p:spPr>
+          <a:xfrm>
+            <a:off x="5616433" y="1115299"/>
+            <a:ext cx="3811176" cy="2118500"/>
+          </a:xfrm>
+          <a:prstGeom prst="rect">
+            <a:avLst/>
+          </a:prstGeom>
+        </p:spPr>
+      </p:pic>
     </p:spTree>
     <p:extLst>
       <p:ext uri="{BB962C8B-B14F-4D97-AF65-F5344CB8AC3E}">
@@ -12367,7 +16891,7 @@
 </p:sld>
 </file>
 
-<file path=ppt/slides/slide14.xml><?xml version="1.0" encoding="utf-8"?>
+<file path=ppt/slides/slide17.xml><?xml version="1.0" encoding="utf-8"?>
 <p:sld xmlns:a="http://schemas.openxmlformats.org/drawingml/2006/main" xmlns:r="http://schemas.openxmlformats.org/officeDocument/2006/relationships" xmlns:p="http://schemas.openxmlformats.org/presentationml/2006/main">
   <p:cSld>
     <p:spTree>
@@ -12697,7 +17221,7 @@
 </p:sld>
 </file>
 
-<file path=ppt/slides/slide15.xml><?xml version="1.0" encoding="utf-8"?>
+<file path=ppt/slides/slide18.xml><?xml version="1.0" encoding="utf-8"?>
 <p:sld xmlns:a="http://schemas.openxmlformats.org/drawingml/2006/main" xmlns:r="http://schemas.openxmlformats.org/officeDocument/2006/relationships" xmlns:p="http://schemas.openxmlformats.org/presentationml/2006/main">
   <p:cSld>
     <p:spTree>
@@ -13027,7 +17551,7 @@
 </p:sld>
 </file>
 
-<file path=ppt/slides/slide16.xml><?xml version="1.0" encoding="utf-8"?>
+<file path=ppt/slides/slide19.xml><?xml version="1.0" encoding="utf-8"?>
 <p:sld xmlns:a="http://schemas.openxmlformats.org/drawingml/2006/main" xmlns:r="http://schemas.openxmlformats.org/officeDocument/2006/relationships" xmlns:p="http://schemas.openxmlformats.org/presentationml/2006/main">
   <p:cSld>
     <p:spTree>
@@ -13221,6 +17745,566 @@
           </a:p>
         </p:txBody>
       </p:sp>
+      <p:pic>
+        <p:nvPicPr>
+          <p:cNvPr id="3" name="Imagem 2" descr="Logotipo&#10;&#10;Descrição gerada automaticamente">
+            <a:extLst>
+              <a:ext uri="{FF2B5EF4-FFF2-40B4-BE49-F238E27FC236}">
+                <a16:creationId xmlns:a16="http://schemas.microsoft.com/office/drawing/2014/main" id="{02DE92AE-D616-0339-9851-D78E81D39FBC}"/>
+              </a:ext>
+            </a:extLst>
+          </p:cNvPr>
+          <p:cNvPicPr>
+            <a:picLocks noChangeAspect="1"/>
+          </p:cNvPicPr>
+          <p:nvPr/>
+        </p:nvPicPr>
+        <p:blipFill>
+          <a:blip r:embed="rId3" cstate="print">
+            <a:extLst>
+              <a:ext uri="{28A0092B-C50C-407E-A947-70E740481C1C}">
+                <a14:useLocalDpi xmlns:a14="http://schemas.microsoft.com/office/drawing/2010/main" val="0"/>
+              </a:ext>
+            </a:extLst>
+          </a:blip>
+          <a:stretch>
+            <a:fillRect/>
+          </a:stretch>
+        </p:blipFill>
+        <p:spPr>
+          <a:xfrm>
+            <a:off x="504001" y="1397503"/>
+            <a:ext cx="750197" cy="750197"/>
+          </a:xfrm>
+          <a:prstGeom prst="rect">
+            <a:avLst/>
+          </a:prstGeom>
+        </p:spPr>
+      </p:pic>
+      <p:sp>
+        <p:nvSpPr>
+          <p:cNvPr id="4" name="PlaceHolder 2">
+            <a:extLst>
+              <a:ext uri="{FF2B5EF4-FFF2-40B4-BE49-F238E27FC236}">
+                <a16:creationId xmlns:a16="http://schemas.microsoft.com/office/drawing/2014/main" id="{F4B9B012-D40E-28F9-B947-19989B96ECEA}"/>
+              </a:ext>
+            </a:extLst>
+          </p:cNvPr>
+          <p:cNvSpPr txBox="1">
+            <a:spLocks/>
+          </p:cNvSpPr>
+          <p:nvPr/>
+        </p:nvSpPr>
+        <p:spPr>
+          <a:xfrm>
+            <a:off x="1020417" y="1520880"/>
+            <a:ext cx="4019897" cy="2628789"/>
+          </a:xfrm>
+          <a:prstGeom prst="rect">
+            <a:avLst/>
+          </a:prstGeom>
+          <a:noFill/>
+          <a:ln w="0">
+            <a:noFill/>
+          </a:ln>
+        </p:spPr>
+        <p:txBody>
+          <a:bodyPr lIns="0" tIns="0" rIns="0" bIns="0" anchor="t">
+            <a:normAutofit/>
+          </a:bodyPr>
+          <a:lstStyle>
+            <a:lvl1pPr marL="228600" indent="-228600" algn="l" defTabSz="914400" rtl="0" eaLnBrk="1" latinLnBrk="0" hangingPunct="1">
+              <a:lnSpc>
+                <a:spcPct val="90000"/>
+              </a:lnSpc>
+              <a:spcBef>
+                <a:spcPts val="1000"/>
+              </a:spcBef>
+              <a:buFont typeface="Arial" panose="020B0604020202020204" pitchFamily="34" charset="0"/>
+              <a:buChar char="•"/>
+              <a:defRPr sz="2800" kern="1200">
+                <a:solidFill>
+                  <a:schemeClr val="tx1"/>
+                </a:solidFill>
+                <a:latin typeface="+mn-lt"/>
+                <a:ea typeface="+mn-ea"/>
+                <a:cs typeface="+mn-cs"/>
+              </a:defRPr>
+            </a:lvl1pPr>
+            <a:lvl2pPr marL="685800" indent="-228600" algn="l" defTabSz="914400" rtl="0" eaLnBrk="1" latinLnBrk="0" hangingPunct="1">
+              <a:lnSpc>
+                <a:spcPct val="90000"/>
+              </a:lnSpc>
+              <a:spcBef>
+                <a:spcPts val="500"/>
+              </a:spcBef>
+              <a:buFont typeface="Arial" panose="020B0604020202020204" pitchFamily="34" charset="0"/>
+              <a:buChar char="•"/>
+              <a:defRPr sz="2400" kern="1200">
+                <a:solidFill>
+                  <a:schemeClr val="tx1"/>
+                </a:solidFill>
+                <a:latin typeface="+mn-lt"/>
+                <a:ea typeface="+mn-ea"/>
+                <a:cs typeface="+mn-cs"/>
+              </a:defRPr>
+            </a:lvl2pPr>
+            <a:lvl3pPr marL="1143000" indent="-228600" algn="l" defTabSz="914400" rtl="0" eaLnBrk="1" latinLnBrk="0" hangingPunct="1">
+              <a:lnSpc>
+                <a:spcPct val="90000"/>
+              </a:lnSpc>
+              <a:spcBef>
+                <a:spcPts val="500"/>
+              </a:spcBef>
+              <a:buFont typeface="Arial" panose="020B0604020202020204" pitchFamily="34" charset="0"/>
+              <a:buChar char="•"/>
+              <a:defRPr sz="2000" kern="1200">
+                <a:solidFill>
+                  <a:schemeClr val="tx1"/>
+                </a:solidFill>
+                <a:latin typeface="+mn-lt"/>
+                <a:ea typeface="+mn-ea"/>
+                <a:cs typeface="+mn-cs"/>
+              </a:defRPr>
+            </a:lvl3pPr>
+            <a:lvl4pPr marL="1600200" indent="-228600" algn="l" defTabSz="914400" rtl="0" eaLnBrk="1" latinLnBrk="0" hangingPunct="1">
+              <a:lnSpc>
+                <a:spcPct val="90000"/>
+              </a:lnSpc>
+              <a:spcBef>
+                <a:spcPts val="500"/>
+              </a:spcBef>
+              <a:buFont typeface="Arial" panose="020B0604020202020204" pitchFamily="34" charset="0"/>
+              <a:buChar char="•"/>
+              <a:defRPr sz="1800" kern="1200">
+                <a:solidFill>
+                  <a:schemeClr val="tx1"/>
+                </a:solidFill>
+                <a:latin typeface="+mn-lt"/>
+                <a:ea typeface="+mn-ea"/>
+                <a:cs typeface="+mn-cs"/>
+              </a:defRPr>
+            </a:lvl4pPr>
+            <a:lvl5pPr marL="2057400" indent="-228600" algn="l" defTabSz="914400" rtl="0" eaLnBrk="1" latinLnBrk="0" hangingPunct="1">
+              <a:lnSpc>
+                <a:spcPct val="90000"/>
+              </a:lnSpc>
+              <a:spcBef>
+                <a:spcPts val="500"/>
+              </a:spcBef>
+              <a:buFont typeface="Arial" panose="020B0604020202020204" pitchFamily="34" charset="0"/>
+              <a:buChar char="•"/>
+              <a:defRPr sz="1800" kern="1200">
+                <a:solidFill>
+                  <a:schemeClr val="tx1"/>
+                </a:solidFill>
+                <a:latin typeface="+mn-lt"/>
+                <a:ea typeface="+mn-ea"/>
+                <a:cs typeface="+mn-cs"/>
+              </a:defRPr>
+            </a:lvl5pPr>
+            <a:lvl6pPr marL="2514600" indent="-228600" algn="l" defTabSz="914400" rtl="0" eaLnBrk="1" latinLnBrk="0" hangingPunct="1">
+              <a:lnSpc>
+                <a:spcPct val="90000"/>
+              </a:lnSpc>
+              <a:spcBef>
+                <a:spcPts val="500"/>
+              </a:spcBef>
+              <a:buFont typeface="Arial" panose="020B0604020202020204" pitchFamily="34" charset="0"/>
+              <a:buChar char="•"/>
+              <a:defRPr sz="1800" kern="1200">
+                <a:solidFill>
+                  <a:schemeClr val="tx1"/>
+                </a:solidFill>
+                <a:latin typeface="+mn-lt"/>
+                <a:ea typeface="+mn-ea"/>
+                <a:cs typeface="+mn-cs"/>
+              </a:defRPr>
+            </a:lvl6pPr>
+            <a:lvl7pPr marL="2971800" indent="-228600" algn="l" defTabSz="914400" rtl="0" eaLnBrk="1" latinLnBrk="0" hangingPunct="1">
+              <a:lnSpc>
+                <a:spcPct val="90000"/>
+              </a:lnSpc>
+              <a:spcBef>
+                <a:spcPts val="500"/>
+              </a:spcBef>
+              <a:buFont typeface="Arial" panose="020B0604020202020204" pitchFamily="34" charset="0"/>
+              <a:buChar char="•"/>
+              <a:defRPr sz="1800" kern="1200">
+                <a:solidFill>
+                  <a:schemeClr val="tx1"/>
+                </a:solidFill>
+                <a:latin typeface="+mn-lt"/>
+                <a:ea typeface="+mn-ea"/>
+                <a:cs typeface="+mn-cs"/>
+              </a:defRPr>
+            </a:lvl7pPr>
+            <a:lvl8pPr marL="3429000" indent="-228600" algn="l" defTabSz="914400" rtl="0" eaLnBrk="1" latinLnBrk="0" hangingPunct="1">
+              <a:lnSpc>
+                <a:spcPct val="90000"/>
+              </a:lnSpc>
+              <a:spcBef>
+                <a:spcPts val="500"/>
+              </a:spcBef>
+              <a:buFont typeface="Arial" panose="020B0604020202020204" pitchFamily="34" charset="0"/>
+              <a:buChar char="•"/>
+              <a:defRPr sz="1800" kern="1200">
+                <a:solidFill>
+                  <a:schemeClr val="tx1"/>
+                </a:solidFill>
+                <a:latin typeface="+mn-lt"/>
+                <a:ea typeface="+mn-ea"/>
+                <a:cs typeface="+mn-cs"/>
+              </a:defRPr>
+            </a:lvl8pPr>
+            <a:lvl9pPr marL="3886200" indent="-228600" algn="l" defTabSz="914400" rtl="0" eaLnBrk="1" latinLnBrk="0" hangingPunct="1">
+              <a:lnSpc>
+                <a:spcPct val="90000"/>
+              </a:lnSpc>
+              <a:spcBef>
+                <a:spcPts val="500"/>
+              </a:spcBef>
+              <a:buFont typeface="Arial" panose="020B0604020202020204" pitchFamily="34" charset="0"/>
+              <a:buChar char="•"/>
+              <a:defRPr sz="1800" kern="1200">
+                <a:solidFill>
+                  <a:schemeClr val="tx1"/>
+                </a:solidFill>
+                <a:latin typeface="+mn-lt"/>
+                <a:ea typeface="+mn-ea"/>
+                <a:cs typeface="+mn-cs"/>
+              </a:defRPr>
+            </a:lvl9pPr>
+          </a:lstStyle>
+          <a:p>
+            <a:pPr indent="0">
+              <a:lnSpc>
+                <a:spcPct val="100000"/>
+              </a:lnSpc>
+              <a:buNone/>
+              <a:tabLst>
+                <a:tab pos="0" algn="l"/>
+              </a:tabLst>
+            </a:pPr>
+            <a:r>
+              <a:rPr lang="en-CA" sz="3500" spc="-1" dirty="0" err="1">
+                <a:solidFill>
+                  <a:srgbClr val="000000"/>
+                </a:solidFill>
+                <a:latin typeface="Trade Gothic Next" panose="020B0503040303020004" pitchFamily="34" charset="0"/>
+              </a:rPr>
+              <a:t>Funções</a:t>
+            </a:r>
+            <a:endParaRPr lang="en-CA" sz="3500" spc="-1" dirty="0">
+              <a:solidFill>
+                <a:srgbClr val="000000"/>
+              </a:solidFill>
+              <a:latin typeface="Trade Gothic Next" panose="020B0503040303020004" pitchFamily="34" charset="0"/>
+            </a:endParaRPr>
+          </a:p>
+          <a:p>
+            <a:pPr indent="0">
+              <a:lnSpc>
+                <a:spcPct val="100000"/>
+              </a:lnSpc>
+              <a:buNone/>
+              <a:tabLst>
+                <a:tab pos="0" algn="l"/>
+              </a:tabLst>
+            </a:pPr>
+            <a:r>
+              <a:rPr lang="en-CA" sz="3500" spc="-1" dirty="0">
+                <a:solidFill>
+                  <a:srgbClr val="000000"/>
+                </a:solidFill>
+                <a:latin typeface="Trade Gothic Next" panose="020B0503040303020004" pitchFamily="34" charset="0"/>
+              </a:rPr>
+              <a:t>Testes</a:t>
+            </a:r>
+          </a:p>
+          <a:p>
+            <a:pPr indent="0">
+              <a:lnSpc>
+                <a:spcPct val="100000"/>
+              </a:lnSpc>
+              <a:buNone/>
+              <a:tabLst>
+                <a:tab pos="0" algn="l"/>
+              </a:tabLst>
+            </a:pPr>
+            <a:r>
+              <a:rPr lang="en-CA" sz="3500" spc="-1" dirty="0" err="1">
+                <a:solidFill>
+                  <a:srgbClr val="000000"/>
+                </a:solidFill>
+                <a:latin typeface="Trade Gothic Next" panose="020B0503040303020004" pitchFamily="34" charset="0"/>
+              </a:rPr>
+              <a:t>Encontrar</a:t>
+            </a:r>
+            <a:r>
+              <a:rPr lang="en-CA" sz="3500" spc="-1" dirty="0">
+                <a:solidFill>
+                  <a:srgbClr val="000000"/>
+                </a:solidFill>
+                <a:latin typeface="Trade Gothic Next" panose="020B0503040303020004" pitchFamily="34" charset="0"/>
+              </a:rPr>
+              <a:t> </a:t>
+            </a:r>
+            <a:r>
+              <a:rPr lang="en-CA" sz="3500" spc="-1" dirty="0" err="1">
+                <a:solidFill>
+                  <a:srgbClr val="000000"/>
+                </a:solidFill>
+                <a:latin typeface="Trade Gothic Next" panose="020B0503040303020004" pitchFamily="34" charset="0"/>
+              </a:rPr>
+              <a:t>vagas</a:t>
+            </a:r>
+            <a:endParaRPr lang="en-CA" sz="3500" spc="-1" dirty="0">
+              <a:solidFill>
+                <a:srgbClr val="000000"/>
+              </a:solidFill>
+              <a:latin typeface="Trade Gothic Next" panose="020B0503040303020004" pitchFamily="34" charset="0"/>
+            </a:endParaRPr>
+          </a:p>
+          <a:p>
+            <a:pPr indent="0">
+              <a:lnSpc>
+                <a:spcPct val="100000"/>
+              </a:lnSpc>
+              <a:buNone/>
+              <a:tabLst>
+                <a:tab pos="0" algn="l"/>
+              </a:tabLst>
+            </a:pPr>
+            <a:r>
+              <a:rPr lang="en-CA" sz="3500" spc="-1" dirty="0" err="1">
+                <a:solidFill>
+                  <a:srgbClr val="000000"/>
+                </a:solidFill>
+                <a:latin typeface="Trade Gothic Next" panose="020B0503040303020004" pitchFamily="34" charset="0"/>
+              </a:rPr>
+              <a:t>Divulgar</a:t>
+            </a:r>
+            <a:r>
+              <a:rPr lang="en-CA" sz="3500" spc="-1" dirty="0">
+                <a:solidFill>
+                  <a:srgbClr val="000000"/>
+                </a:solidFill>
+                <a:latin typeface="Trade Gothic Next" panose="020B0503040303020004" pitchFamily="34" charset="0"/>
+              </a:rPr>
+              <a:t> </a:t>
+            </a:r>
+            <a:r>
+              <a:rPr lang="en-CA" sz="3500" spc="-1" dirty="0" err="1">
+                <a:solidFill>
+                  <a:srgbClr val="000000"/>
+                </a:solidFill>
+                <a:latin typeface="Trade Gothic Next" panose="020B0503040303020004" pitchFamily="34" charset="0"/>
+              </a:rPr>
+              <a:t>vagas</a:t>
+            </a:r>
+            <a:endParaRPr lang="en-CA" sz="3500" spc="-1" dirty="0">
+              <a:solidFill>
+                <a:srgbClr val="000000"/>
+              </a:solidFill>
+              <a:latin typeface="Trade Gothic Next" panose="020B0503040303020004" pitchFamily="34" charset="0"/>
+            </a:endParaRPr>
+          </a:p>
+          <a:p>
+            <a:pPr marL="800100" indent="-571500">
+              <a:lnSpc>
+                <a:spcPct val="100000"/>
+              </a:lnSpc>
+              <a:tabLst>
+                <a:tab pos="0" algn="l"/>
+              </a:tabLst>
+            </a:pPr>
+            <a:endParaRPr lang="en-CA" sz="3500" spc="-1" dirty="0">
+              <a:solidFill>
+                <a:srgbClr val="000000"/>
+              </a:solidFill>
+              <a:latin typeface="Trade Gothic Next" panose="020B0503040303020004" pitchFamily="34" charset="0"/>
+            </a:endParaRPr>
+          </a:p>
+          <a:p>
+            <a:pPr indent="0">
+              <a:lnSpc>
+                <a:spcPct val="100000"/>
+              </a:lnSpc>
+              <a:buFont typeface="Arial" panose="020B0604020202020204" pitchFamily="34" charset="0"/>
+              <a:buNone/>
+              <a:tabLst>
+                <a:tab pos="0" algn="l"/>
+              </a:tabLst>
+            </a:pPr>
+            <a:endParaRPr lang="en-CA" sz="1800" spc="-1" dirty="0">
+              <a:solidFill>
+                <a:srgbClr val="000000"/>
+              </a:solidFill>
+              <a:latin typeface="Arial"/>
+            </a:endParaRPr>
+          </a:p>
+        </p:txBody>
+      </p:sp>
+      <p:pic>
+        <p:nvPicPr>
+          <p:cNvPr id="5" name="Imagem 4" descr="Logotipo&#10;&#10;Descrição gerada automaticamente">
+            <a:extLst>
+              <a:ext uri="{FF2B5EF4-FFF2-40B4-BE49-F238E27FC236}">
+                <a16:creationId xmlns:a16="http://schemas.microsoft.com/office/drawing/2014/main" id="{AF479E15-4026-2464-D32B-80C87F773DD0}"/>
+              </a:ext>
+            </a:extLst>
+          </p:cNvPr>
+          <p:cNvPicPr>
+            <a:picLocks noChangeAspect="1"/>
+          </p:cNvPicPr>
+          <p:nvPr/>
+        </p:nvPicPr>
+        <p:blipFill>
+          <a:blip r:embed="rId3" cstate="print">
+            <a:extLst>
+              <a:ext uri="{28A0092B-C50C-407E-A947-70E740481C1C}">
+                <a14:useLocalDpi xmlns:a14="http://schemas.microsoft.com/office/drawing/2010/main" val="0"/>
+              </a:ext>
+            </a:extLst>
+          </a:blip>
+          <a:stretch>
+            <a:fillRect/>
+          </a:stretch>
+        </p:blipFill>
+        <p:spPr>
+          <a:xfrm>
+            <a:off x="504001" y="2063459"/>
+            <a:ext cx="750197" cy="750197"/>
+          </a:xfrm>
+          <a:prstGeom prst="rect">
+            <a:avLst/>
+          </a:prstGeom>
+        </p:spPr>
+      </p:pic>
+      <p:pic>
+        <p:nvPicPr>
+          <p:cNvPr id="8" name="Imagem 7" descr="Logotipo&#10;&#10;Descrição gerada automaticamente">
+            <a:extLst>
+              <a:ext uri="{FF2B5EF4-FFF2-40B4-BE49-F238E27FC236}">
+                <a16:creationId xmlns:a16="http://schemas.microsoft.com/office/drawing/2014/main" id="{F6B58F4B-E29A-70ED-3158-F18C325AAE47}"/>
+              </a:ext>
+            </a:extLst>
+          </p:cNvPr>
+          <p:cNvPicPr>
+            <a:picLocks noChangeAspect="1"/>
+          </p:cNvPicPr>
+          <p:nvPr/>
+        </p:nvPicPr>
+        <p:blipFill>
+          <a:blip r:embed="rId3" cstate="print">
+            <a:extLst>
+              <a:ext uri="{28A0092B-C50C-407E-A947-70E740481C1C}">
+                <a14:useLocalDpi xmlns:a14="http://schemas.microsoft.com/office/drawing/2010/main" val="0"/>
+              </a:ext>
+            </a:extLst>
+          </a:blip>
+          <a:stretch>
+            <a:fillRect/>
+          </a:stretch>
+        </p:blipFill>
+        <p:spPr>
+          <a:xfrm>
+            <a:off x="504001" y="2729415"/>
+            <a:ext cx="750197" cy="750197"/>
+          </a:xfrm>
+          <a:prstGeom prst="rect">
+            <a:avLst/>
+          </a:prstGeom>
+        </p:spPr>
+      </p:pic>
+      <p:pic>
+        <p:nvPicPr>
+          <p:cNvPr id="10" name="Imagem 9" descr="Logotipo&#10;&#10;Descrição gerada automaticamente">
+            <a:extLst>
+              <a:ext uri="{FF2B5EF4-FFF2-40B4-BE49-F238E27FC236}">
+                <a16:creationId xmlns:a16="http://schemas.microsoft.com/office/drawing/2014/main" id="{6B00029B-66B9-5DBA-2D28-EF518A0CCA08}"/>
+              </a:ext>
+            </a:extLst>
+          </p:cNvPr>
+          <p:cNvPicPr>
+            <a:picLocks noChangeAspect="1"/>
+          </p:cNvPicPr>
+          <p:nvPr/>
+        </p:nvPicPr>
+        <p:blipFill>
+          <a:blip r:embed="rId3" cstate="print">
+            <a:extLst>
+              <a:ext uri="{28A0092B-C50C-407E-A947-70E740481C1C}">
+                <a14:useLocalDpi xmlns:a14="http://schemas.microsoft.com/office/drawing/2010/main" val="0"/>
+              </a:ext>
+            </a:extLst>
+          </a:blip>
+          <a:stretch>
+            <a:fillRect/>
+          </a:stretch>
+        </p:blipFill>
+        <p:spPr>
+          <a:xfrm>
+            <a:off x="504001" y="3377723"/>
+            <a:ext cx="750197" cy="750197"/>
+          </a:xfrm>
+          <a:prstGeom prst="rect">
+            <a:avLst/>
+          </a:prstGeom>
+        </p:spPr>
+      </p:pic>
+      <mc:AlternateContent xmlns:mc="http://schemas.openxmlformats.org/markup-compatibility/2006">
+        <mc:Choice xmlns:p14="http://schemas.microsoft.com/office/powerpoint/2010/main" Requires="p14">
+          <p:contentPart p14:bwMode="auto" r:id="rId4">
+            <p14:nvContentPartPr>
+              <p14:cNvPr id="14" name="Tinta 13">
+                <a:extLst>
+                  <a:ext uri="{FF2B5EF4-FFF2-40B4-BE49-F238E27FC236}">
+                    <a16:creationId xmlns:a16="http://schemas.microsoft.com/office/drawing/2014/main" id="{1D4A6297-AEE4-3108-9F9D-D257394AE940}"/>
+                  </a:ext>
+                </a:extLst>
+              </p14:cNvPr>
+              <p14:cNvContentPartPr/>
+              <p14:nvPr/>
+            </p14:nvContentPartPr>
+            <p14:xfrm>
+              <a:off x="5167988" y="1669523"/>
+              <a:ext cx="360" cy="360"/>
+            </p14:xfrm>
+          </p:contentPart>
+        </mc:Choice>
+        <mc:Fallback>
+          <p:pic>
+            <p:nvPicPr>
+              <p:cNvPr id="14" name="Tinta 13">
+                <a:extLst>
+                  <a:ext uri="{FF2B5EF4-FFF2-40B4-BE49-F238E27FC236}">
+                    <a16:creationId xmlns:a16="http://schemas.microsoft.com/office/drawing/2014/main" id="{1D4A6297-AEE4-3108-9F9D-D257394AE940}"/>
+                  </a:ext>
+                </a:extLst>
+              </p:cNvPr>
+              <p:cNvPicPr/>
+              <p:nvPr/>
+            </p:nvPicPr>
+            <p:blipFill>
+              <a:blip r:embed="rId5"/>
+              <a:stretch>
+                <a:fillRect/>
+              </a:stretch>
+            </p:blipFill>
+            <p:spPr>
+              <a:xfrm>
+                <a:off x="5159348" y="1660523"/>
+                <a:ext cx="18000" cy="18000"/>
+              </a:xfrm>
+              <a:prstGeom prst="rect">
+                <a:avLst/>
+              </a:prstGeom>
+            </p:spPr>
+          </p:pic>
+        </mc:Fallback>
+      </mc:AlternateContent>
     </p:spTree>
     <p:extLst>
       <p:ext uri="{BB962C8B-B14F-4D97-AF65-F5344CB8AC3E}">
@@ -13233,174 +18317,6 @@
   </p:clrMapOvr>
   <p:transition spd="slow">
     <p:push/>
-  </p:transition>
-</p:sld>
-</file>
-
-<file path=ppt/slides/slide17.xml><?xml version="1.0" encoding="utf-8"?>
-<p:sld xmlns:a="http://schemas.openxmlformats.org/drawingml/2006/main" xmlns:r="http://schemas.openxmlformats.org/officeDocument/2006/relationships" xmlns:p="http://schemas.openxmlformats.org/presentationml/2006/main">
-  <p:cSld>
-    <p:bg>
-      <p:bgPr>
-        <a:solidFill>
-          <a:schemeClr val="bg1">
-            <a:lumMod val="65000"/>
-          </a:schemeClr>
-        </a:solidFill>
-        <a:effectLst/>
-      </p:bgPr>
-    </p:bg>
-    <p:spTree>
-      <p:nvGrpSpPr>
-        <p:cNvPr id="1" name=""/>
-        <p:cNvGrpSpPr/>
-        <p:nvPr/>
-      </p:nvGrpSpPr>
-      <p:grpSpPr>
-        <a:xfrm>
-          <a:off x="0" y="0"/>
-          <a:ext cx="0" cy="0"/>
-          <a:chOff x="0" y="0"/>
-          <a:chExt cx="0" cy="0"/>
-        </a:xfrm>
-      </p:grpSpPr>
-      <p:sp>
-        <p:nvSpPr>
-          <p:cNvPr id="104" name="PlaceHolder 2"/>
-          <p:cNvSpPr>
-            <a:spLocks noGrp="1"/>
-          </p:cNvSpPr>
-          <p:nvPr>
-            <p:ph/>
-          </p:nvPr>
-        </p:nvSpPr>
-        <p:spPr>
-          <a:xfrm>
-            <a:off x="504000" y="1326600"/>
-            <a:ext cx="9070920" cy="3287520"/>
-          </a:xfrm>
-          <a:prstGeom prst="rect">
-            <a:avLst/>
-          </a:prstGeom>
-          <a:noFill/>
-          <a:ln w="0">
-            <a:noFill/>
-          </a:ln>
-        </p:spPr>
-        <p:txBody>
-          <a:bodyPr lIns="0" tIns="0" rIns="0" bIns="0" anchor="t">
-            <a:normAutofit/>
-          </a:bodyPr>
-          <a:lstStyle/>
-          <a:p>
-            <a:pPr indent="0" algn="ctr">
-              <a:lnSpc>
-                <a:spcPct val="100000"/>
-              </a:lnSpc>
-              <a:spcBef>
-                <a:spcPts val="1417"/>
-              </a:spcBef>
-              <a:buNone/>
-              <a:tabLst>
-                <a:tab pos="0" algn="l"/>
-              </a:tabLst>
-            </a:pPr>
-            <a:r>
-              <a:rPr lang="en-CA" sz="1800" b="0" strike="noStrike" spc="-1">
-                <a:solidFill>
-                  <a:srgbClr val="000000"/>
-                </a:solidFill>
-                <a:latin typeface="Arial"/>
-              </a:rPr>
-              <a:t>&lt;Vídeo de demonstração do site aqui&gt;</a:t>
-            </a:r>
-          </a:p>
-        </p:txBody>
-      </p:sp>
-      <p:sp>
-        <p:nvSpPr>
-          <p:cNvPr id="2" name="PlaceHolder 1">
-            <a:extLst>
-              <a:ext uri="{FF2B5EF4-FFF2-40B4-BE49-F238E27FC236}">
-                <a16:creationId xmlns:a16="http://schemas.microsoft.com/office/drawing/2014/main" id="{458F9E88-64C7-47F0-A86D-759DF099DE63}"/>
-              </a:ext>
-            </a:extLst>
-          </p:cNvPr>
-          <p:cNvSpPr txBox="1">
-            <a:spLocks/>
-          </p:cNvSpPr>
-          <p:nvPr/>
-        </p:nvSpPr>
-        <p:spPr>
-          <a:xfrm>
-            <a:off x="504000" y="0"/>
-            <a:ext cx="9070920" cy="945720"/>
-          </a:xfrm>
-          <a:prstGeom prst="rect">
-            <a:avLst/>
-          </a:prstGeom>
-          <a:noFill/>
-          <a:ln w="0">
-            <a:noFill/>
-          </a:ln>
-        </p:spPr>
-        <p:txBody>
-          <a:bodyPr lIns="0" tIns="0" rIns="0" bIns="0" anchor="ctr">
-            <a:noAutofit/>
-          </a:bodyPr>
-          <a:lstStyle>
-            <a:lvl1pPr algn="l" defTabSz="914400" rtl="0" eaLnBrk="1" latinLnBrk="0" hangingPunct="1">
-              <a:lnSpc>
-                <a:spcPct val="90000"/>
-              </a:lnSpc>
-              <a:spcBef>
-                <a:spcPct val="0"/>
-              </a:spcBef>
-              <a:buNone/>
-              <a:defRPr sz="4400" kern="1200">
-                <a:solidFill>
-                  <a:schemeClr val="tx1"/>
-                </a:solidFill>
-                <a:latin typeface="+mj-lt"/>
-                <a:ea typeface="+mj-ea"/>
-                <a:cs typeface="+mj-cs"/>
-              </a:defRPr>
-            </a:lvl1pPr>
-          </a:lstStyle>
-          <a:p>
-            <a:pPr algn="ctr">
-              <a:lnSpc>
-                <a:spcPct val="100000"/>
-              </a:lnSpc>
-              <a:tabLst>
-                <a:tab pos="0" algn="l"/>
-              </a:tabLst>
-            </a:pPr>
-            <a:r>
-              <a:rPr lang="en-US" sz="5400" spc="-1" dirty="0">
-                <a:solidFill>
-                  <a:schemeClr val="bg1"/>
-                </a:solidFill>
-                <a:latin typeface="Trade Gothic Next Heavy" panose="020B0903040303020004" pitchFamily="34" charset="0"/>
-              </a:rPr>
-              <a:t>DEMONSTRAÇÃO</a:t>
-            </a:r>
-            <a:endParaRPr lang="en-CA" sz="5400" spc="-1" dirty="0">
-              <a:solidFill>
-                <a:schemeClr val="bg1"/>
-              </a:solidFill>
-              <a:latin typeface="Trade Gothic Next Heavy" panose="020B0903040303020004" pitchFamily="34" charset="0"/>
-            </a:endParaRPr>
-          </a:p>
-        </p:txBody>
-      </p:sp>
-    </p:spTree>
-  </p:cSld>
-  <p:clrMapOvr>
-    <a:masterClrMapping/>
-  </p:clrMapOvr>
-  <p:transition spd="slow">
-    <p:push dir="u"/>
   </p:transition>
 </p:sld>
 </file>
@@ -14112,6 +19028,174 @@
 </p:sld>
 </file>
 
+<file path=ppt/slides/slide20.xml><?xml version="1.0" encoding="utf-8"?>
+<p:sld xmlns:a="http://schemas.openxmlformats.org/drawingml/2006/main" xmlns:r="http://schemas.openxmlformats.org/officeDocument/2006/relationships" xmlns:p="http://schemas.openxmlformats.org/presentationml/2006/main">
+  <p:cSld>
+    <p:bg>
+      <p:bgPr>
+        <a:solidFill>
+          <a:schemeClr val="bg1">
+            <a:lumMod val="65000"/>
+          </a:schemeClr>
+        </a:solidFill>
+        <a:effectLst/>
+      </p:bgPr>
+    </p:bg>
+    <p:spTree>
+      <p:nvGrpSpPr>
+        <p:cNvPr id="1" name=""/>
+        <p:cNvGrpSpPr/>
+        <p:nvPr/>
+      </p:nvGrpSpPr>
+      <p:grpSpPr>
+        <a:xfrm>
+          <a:off x="0" y="0"/>
+          <a:ext cx="0" cy="0"/>
+          <a:chOff x="0" y="0"/>
+          <a:chExt cx="0" cy="0"/>
+        </a:xfrm>
+      </p:grpSpPr>
+      <p:sp>
+        <p:nvSpPr>
+          <p:cNvPr id="104" name="PlaceHolder 2"/>
+          <p:cNvSpPr>
+            <a:spLocks noGrp="1"/>
+          </p:cNvSpPr>
+          <p:nvPr>
+            <p:ph/>
+          </p:nvPr>
+        </p:nvSpPr>
+        <p:spPr>
+          <a:xfrm>
+            <a:off x="504000" y="1326600"/>
+            <a:ext cx="9070920" cy="3287520"/>
+          </a:xfrm>
+          <a:prstGeom prst="rect">
+            <a:avLst/>
+          </a:prstGeom>
+          <a:noFill/>
+          <a:ln w="0">
+            <a:noFill/>
+          </a:ln>
+        </p:spPr>
+        <p:txBody>
+          <a:bodyPr lIns="0" tIns="0" rIns="0" bIns="0" anchor="t">
+            <a:normAutofit/>
+          </a:bodyPr>
+          <a:lstStyle/>
+          <a:p>
+            <a:pPr indent="0" algn="ctr">
+              <a:lnSpc>
+                <a:spcPct val="100000"/>
+              </a:lnSpc>
+              <a:spcBef>
+                <a:spcPts val="1417"/>
+              </a:spcBef>
+              <a:buNone/>
+              <a:tabLst>
+                <a:tab pos="0" algn="l"/>
+              </a:tabLst>
+            </a:pPr>
+            <a:r>
+              <a:rPr lang="en-CA" sz="1800" b="0" strike="noStrike" spc="-1">
+                <a:solidFill>
+                  <a:srgbClr val="000000"/>
+                </a:solidFill>
+                <a:latin typeface="Arial"/>
+              </a:rPr>
+              <a:t>&lt;Vídeo de demonstração do site aqui&gt;</a:t>
+            </a:r>
+          </a:p>
+        </p:txBody>
+      </p:sp>
+      <p:sp>
+        <p:nvSpPr>
+          <p:cNvPr id="2" name="PlaceHolder 1">
+            <a:extLst>
+              <a:ext uri="{FF2B5EF4-FFF2-40B4-BE49-F238E27FC236}">
+                <a16:creationId xmlns:a16="http://schemas.microsoft.com/office/drawing/2014/main" id="{458F9E88-64C7-47F0-A86D-759DF099DE63}"/>
+              </a:ext>
+            </a:extLst>
+          </p:cNvPr>
+          <p:cNvSpPr txBox="1">
+            <a:spLocks/>
+          </p:cNvSpPr>
+          <p:nvPr/>
+        </p:nvSpPr>
+        <p:spPr>
+          <a:xfrm>
+            <a:off x="504000" y="0"/>
+            <a:ext cx="9070920" cy="945720"/>
+          </a:xfrm>
+          <a:prstGeom prst="rect">
+            <a:avLst/>
+          </a:prstGeom>
+          <a:noFill/>
+          <a:ln w="0">
+            <a:noFill/>
+          </a:ln>
+        </p:spPr>
+        <p:txBody>
+          <a:bodyPr lIns="0" tIns="0" rIns="0" bIns="0" anchor="ctr">
+            <a:noAutofit/>
+          </a:bodyPr>
+          <a:lstStyle>
+            <a:lvl1pPr algn="l" defTabSz="914400" rtl="0" eaLnBrk="1" latinLnBrk="0" hangingPunct="1">
+              <a:lnSpc>
+                <a:spcPct val="90000"/>
+              </a:lnSpc>
+              <a:spcBef>
+                <a:spcPct val="0"/>
+              </a:spcBef>
+              <a:buNone/>
+              <a:defRPr sz="4400" kern="1200">
+                <a:solidFill>
+                  <a:schemeClr val="tx1"/>
+                </a:solidFill>
+                <a:latin typeface="+mj-lt"/>
+                <a:ea typeface="+mj-ea"/>
+                <a:cs typeface="+mj-cs"/>
+              </a:defRPr>
+            </a:lvl1pPr>
+          </a:lstStyle>
+          <a:p>
+            <a:pPr algn="ctr">
+              <a:lnSpc>
+                <a:spcPct val="100000"/>
+              </a:lnSpc>
+              <a:tabLst>
+                <a:tab pos="0" algn="l"/>
+              </a:tabLst>
+            </a:pPr>
+            <a:r>
+              <a:rPr lang="en-US" sz="5400" spc="-1" dirty="0">
+                <a:solidFill>
+                  <a:schemeClr val="bg1"/>
+                </a:solidFill>
+                <a:latin typeface="Trade Gothic Next Heavy" panose="020B0903040303020004" pitchFamily="34" charset="0"/>
+              </a:rPr>
+              <a:t>DEMONSTRAÇÃO</a:t>
+            </a:r>
+            <a:endParaRPr lang="en-CA" sz="5400" spc="-1" dirty="0">
+              <a:solidFill>
+                <a:schemeClr val="bg1"/>
+              </a:solidFill>
+              <a:latin typeface="Trade Gothic Next Heavy" panose="020B0903040303020004" pitchFamily="34" charset="0"/>
+            </a:endParaRPr>
+          </a:p>
+        </p:txBody>
+      </p:sp>
+    </p:spTree>
+  </p:cSld>
+  <p:clrMapOvr>
+    <a:masterClrMapping/>
+  </p:clrMapOvr>
+  <p:transition spd="slow">
+    <p:push dir="u"/>
+  </p:transition>
+</p:sld>
+</file>
+
 <file path=ppt/slides/slide3.xml><?xml version="1.0" encoding="utf-8"?>
 <p:sld xmlns:a="http://schemas.openxmlformats.org/drawingml/2006/main" xmlns:r="http://schemas.openxmlformats.org/officeDocument/2006/relationships" xmlns:p="http://schemas.openxmlformats.org/presentationml/2006/main">
   <p:cSld>
@@ -14383,42 +19467,6 @@
           </a:fontRef>
         </p:style>
       </p:cxnSp>
-      <p:sp>
-        <p:nvSpPr>
-          <p:cNvPr id="6" name="CaixaDeTexto 5">
-            <a:extLst>
-              <a:ext uri="{FF2B5EF4-FFF2-40B4-BE49-F238E27FC236}">
-                <a16:creationId xmlns:a16="http://schemas.microsoft.com/office/drawing/2014/main" id="{7806E7B2-B9DE-68F8-8253-C882877BADE9}"/>
-              </a:ext>
-            </a:extLst>
-          </p:cNvPr>
-          <p:cNvSpPr txBox="1"/>
-          <p:nvPr/>
-        </p:nvSpPr>
-        <p:spPr>
-          <a:xfrm>
-            <a:off x="5719785" y="1521165"/>
-            <a:ext cx="3313728" cy="369332"/>
-          </a:xfrm>
-          <a:prstGeom prst="rect">
-            <a:avLst/>
-          </a:prstGeom>
-          <a:noFill/>
-        </p:spPr>
-        <p:txBody>
-          <a:bodyPr wrap="none" rtlCol="0">
-            <a:spAutoFit/>
-          </a:bodyPr>
-          <a:lstStyle/>
-          <a:p>
-            <a:r>
-              <a:rPr lang="en-US" dirty="0"/>
-              <a:t>COLOCAR IMAGEM DO SITE</a:t>
-            </a:r>
-            <a:endParaRPr lang="pt-BR" dirty="0"/>
-          </a:p>
-        </p:txBody>
-      </p:sp>
       <p:pic>
         <p:nvPicPr>
           <p:cNvPr id="8" name="Imagem 7" descr="Texto, Logotipo&#10;&#10;Descrição gerada automaticamente">
@@ -14447,8 +19495,38 @@
         </p:blipFill>
         <p:spPr>
           <a:xfrm>
-            <a:off x="152398" y="899024"/>
-            <a:ext cx="4753638" cy="1428949"/>
+            <a:off x="623865" y="2139930"/>
+            <a:ext cx="4216923" cy="1267612"/>
+          </a:xfrm>
+          <a:prstGeom prst="rect">
+            <a:avLst/>
+          </a:prstGeom>
+        </p:spPr>
+      </p:pic>
+      <p:pic>
+        <p:nvPicPr>
+          <p:cNvPr id="7" name="Imagem 6">
+            <a:extLst>
+              <a:ext uri="{FF2B5EF4-FFF2-40B4-BE49-F238E27FC236}">
+                <a16:creationId xmlns:a16="http://schemas.microsoft.com/office/drawing/2014/main" id="{0DDD8B4A-1EC2-65E3-094C-E19C2B6FFEC1}"/>
+              </a:ext>
+            </a:extLst>
+          </p:cNvPr>
+          <p:cNvPicPr>
+            <a:picLocks noChangeAspect="1"/>
+          </p:cNvPicPr>
+          <p:nvPr/>
+        </p:nvPicPr>
+        <p:blipFill>
+          <a:blip r:embed="rId4"/>
+          <a:stretch>
+            <a:fillRect/>
+          </a:stretch>
+        </p:blipFill>
+        <p:spPr>
+          <a:xfrm>
+            <a:off x="5239838" y="1012045"/>
+            <a:ext cx="4606552" cy="3646460"/>
           </a:xfrm>
           <a:prstGeom prst="rect">
             <a:avLst/>

--- a/Files/TCC - Final/Apresentacao_Final.pptx
+++ b/Files/TCC - Final/Apresentacao_Final.pptx
@@ -26,7 +26,7 @@
     <p:sldId id="280" r:id="rId17"/>
     <p:sldId id="274" r:id="rId18"/>
     <p:sldId id="262" r:id="rId19"/>
-    <p:sldId id="263" r:id="rId20"/>
+    <p:sldId id="281" r:id="rId20"/>
     <p:sldId id="276" r:id="rId21"/>
     <p:sldId id="266" r:id="rId22"/>
   </p:sldIdLst>
@@ -130,7 +130,7 @@
   <p:extLst>
     <p:ext uri="{EFAFB233-063F-42B5-8137-9DF3F51BA10A}">
       <p15:sldGuideLst xmlns:p15="http://schemas.microsoft.com/office/powerpoint/2012/main">
-        <p15:guide id="1" orient="horz" pos="1786" userDrawn="1">
+        <p15:guide id="1" orient="horz" pos="1763" userDrawn="1">
           <p15:clr>
             <a:srgbClr val="A4A3A4"/>
           </p15:clr>
@@ -256,7 +256,7 @@
           <a:p>
             <a:fld id="{619A112A-5880-4A22-92FF-F7AB151FC844}" type="datetimeFigureOut">
               <a:rPr lang="pt-BR" smtClean="0"/>
-              <a:t>07/11/2023</a:t>
+              <a:t>09/11/2023</a:t>
             </a:fld>
             <a:endParaRPr lang="pt-BR"/>
           </a:p>
@@ -3565,12 +3565,8 @@
               <a:defRPr/>
             </a:pPr>
             <a:r>
-              <a:rPr lang="en-US" b="1" dirty="0" err="1"/>
-              <a:t>Xs</a:t>
-            </a:r>
-            <a:r>
               <a:rPr lang="en-US" b="1" dirty="0"/>
-              <a:t> GABRIEL:</a:t>
+              <a:t>60s GABRIEL:</a:t>
             </a:r>
             <a:r>
               <a:rPr lang="en-US" b="0" dirty="0"/>
@@ -3594,27 +3590,19 @@
             </a:r>
             <a:r>
               <a:rPr lang="en-US" b="0" dirty="0" err="1"/>
+              <a:t>criada</a:t>
+            </a:r>
+            <a:r>
+              <a:rPr lang="en-US" b="0" dirty="0"/>
+              <a:t> </a:t>
+            </a:r>
+            <a:r>
+              <a:rPr lang="en-US" b="0" dirty="0" err="1"/>
               <a:t>utilizando</a:t>
             </a:r>
             <a:r>
               <a:rPr lang="en-US" b="0" dirty="0"/>
-              <a:t> o framework DJANGO, </a:t>
-            </a:r>
-            <a:r>
-              <a:rPr lang="en-US" b="0" dirty="0" err="1"/>
-              <a:t>codificado</a:t>
-            </a:r>
-            <a:r>
-              <a:rPr lang="en-US" b="0" dirty="0"/>
-              <a:t> </a:t>
-            </a:r>
-            <a:r>
-              <a:rPr lang="en-US" b="0" dirty="0" err="1"/>
-              <a:t>na</a:t>
-            </a:r>
-            <a:r>
-              <a:rPr lang="en-US" b="0" dirty="0"/>
-              <a:t> </a:t>
+              <a:t> a </a:t>
             </a:r>
             <a:r>
               <a:rPr lang="en-US" b="0" dirty="0" err="1"/>
@@ -3630,9 +3618,451 @@
             </a:r>
             <a:r>
               <a:rPr lang="en-US" b="0" dirty="0"/>
-              <a:t> PYTHON.</a:t>
+              <a:t> PYTHON, </a:t>
+            </a:r>
+            <a:r>
+              <a:rPr lang="en-US" b="0" dirty="0" err="1"/>
+              <a:t>usando</a:t>
+            </a:r>
+            <a:r>
+              <a:rPr lang="en-US" b="0" dirty="0"/>
+              <a:t> o framework DJANGO e </a:t>
+            </a:r>
+            <a:r>
+              <a:rPr lang="en-US" b="0" dirty="0" err="1"/>
+              <a:t>também</a:t>
+            </a:r>
+            <a:r>
+              <a:rPr lang="en-US" b="0" dirty="0"/>
+              <a:t> o framework REST, que é </a:t>
+            </a:r>
+            <a:r>
+              <a:rPr lang="en-US" b="0" dirty="0" err="1"/>
+              <a:t>encapsulado</a:t>
+            </a:r>
+            <a:r>
+              <a:rPr lang="en-US" b="0" dirty="0"/>
+              <a:t> </a:t>
+            </a:r>
+            <a:r>
+              <a:rPr lang="en-US" b="0" dirty="0" err="1"/>
+              <a:t>como</a:t>
+            </a:r>
+            <a:r>
+              <a:rPr lang="en-US" b="0" dirty="0"/>
+              <a:t> </a:t>
+            </a:r>
+            <a:r>
+              <a:rPr lang="en-US" b="0" dirty="0" err="1"/>
+              <a:t>uma</a:t>
+            </a:r>
+            <a:r>
+              <a:rPr lang="en-US" b="0" dirty="0"/>
+              <a:t> </a:t>
+            </a:r>
+            <a:r>
+              <a:rPr lang="en-US" b="0" dirty="0" err="1"/>
+              <a:t>biblioteca</a:t>
+            </a:r>
+            <a:r>
+              <a:rPr lang="en-US" b="0" dirty="0"/>
+              <a:t> </a:t>
+            </a:r>
+            <a:r>
+              <a:rPr lang="en-US" b="0" dirty="0" err="1"/>
+              <a:t>otimizada</a:t>
+            </a:r>
+            <a:r>
+              <a:rPr lang="en-US" b="0" dirty="0"/>
+              <a:t> </a:t>
+            </a:r>
+            <a:r>
+              <a:rPr lang="en-US" b="0" dirty="0" err="1"/>
+              <a:t>pra</a:t>
+            </a:r>
+            <a:r>
+              <a:rPr lang="en-US" b="0" dirty="0"/>
+              <a:t> ser </a:t>
+            </a:r>
+            <a:r>
+              <a:rPr lang="en-US" b="0" dirty="0" err="1"/>
+              <a:t>usada</a:t>
+            </a:r>
+            <a:r>
+              <a:rPr lang="en-US" b="0" dirty="0"/>
+              <a:t> junto com o DJANGO. O banco de dados que a </a:t>
+            </a:r>
+            <a:r>
+              <a:rPr lang="en-US" b="0" dirty="0" err="1"/>
+              <a:t>gente</a:t>
+            </a:r>
+            <a:r>
+              <a:rPr lang="en-US" b="0" dirty="0"/>
+              <a:t> </a:t>
+            </a:r>
+            <a:r>
+              <a:rPr lang="en-US" b="0" dirty="0" err="1"/>
+              <a:t>utilizou</a:t>
+            </a:r>
+            <a:r>
+              <a:rPr lang="en-US" b="0" dirty="0"/>
+              <a:t> </a:t>
+            </a:r>
+            <a:r>
+              <a:rPr lang="en-US" b="0" dirty="0" err="1"/>
+              <a:t>foi</a:t>
+            </a:r>
+            <a:r>
+              <a:rPr lang="en-US" b="0" dirty="0"/>
+              <a:t> o SQLITE, que </a:t>
+            </a:r>
+            <a:r>
+              <a:rPr lang="en-US" b="0" dirty="0" err="1"/>
+              <a:t>permite</a:t>
+            </a:r>
+            <a:r>
+              <a:rPr lang="en-US" b="0" dirty="0"/>
+              <a:t> o </a:t>
+            </a:r>
+            <a:r>
+              <a:rPr lang="en-US" b="0" dirty="0" err="1"/>
+              <a:t>uso</a:t>
+            </a:r>
+            <a:r>
+              <a:rPr lang="en-US" b="0" dirty="0"/>
+              <a:t> de dados </a:t>
+            </a:r>
+            <a:r>
+              <a:rPr lang="en-US" b="0" dirty="0" err="1"/>
+              <a:t>não</a:t>
+            </a:r>
+            <a:r>
+              <a:rPr lang="en-US" b="0" dirty="0"/>
+              <a:t> </a:t>
+            </a:r>
+            <a:r>
+              <a:rPr lang="en-US" b="0" dirty="0" err="1"/>
+              <a:t>precisando</a:t>
+            </a:r>
+            <a:r>
+              <a:rPr lang="en-US" b="0" dirty="0"/>
+              <a:t> </a:t>
+            </a:r>
+            <a:r>
+              <a:rPr lang="en-US" b="0" dirty="0" err="1"/>
+              <a:t>hospedar</a:t>
+            </a:r>
+            <a:r>
+              <a:rPr lang="en-US" b="0" dirty="0"/>
+              <a:t> </a:t>
+            </a:r>
+            <a:r>
+              <a:rPr lang="en-US" b="0" dirty="0" err="1"/>
+              <a:t>ou</a:t>
+            </a:r>
+            <a:r>
+              <a:rPr lang="en-US" b="0" dirty="0"/>
+              <a:t> se </a:t>
+            </a:r>
+            <a:r>
+              <a:rPr lang="en-US" b="0" dirty="0" err="1"/>
+              <a:t>conectar</a:t>
+            </a:r>
+            <a:r>
+              <a:rPr lang="en-US" b="0" dirty="0"/>
+              <a:t> a um </a:t>
+            </a:r>
+            <a:r>
+              <a:rPr lang="en-US" b="0" dirty="0" err="1"/>
+              <a:t>servidor</a:t>
+            </a:r>
+            <a:r>
+              <a:rPr lang="en-US" b="0" dirty="0"/>
+              <a:t>. </a:t>
+            </a:r>
+          </a:p>
+          <a:p>
+            <a:pPr marL="0" marR="0" lvl="0" indent="0" algn="l" defTabSz="914400" rtl="0" eaLnBrk="1" fontAlgn="auto" latinLnBrk="0" hangingPunct="1">
+              <a:lnSpc>
+                <a:spcPct val="100000"/>
+              </a:lnSpc>
+              <a:spcBef>
+                <a:spcPts val="0"/>
+              </a:spcBef>
+              <a:spcAft>
+                <a:spcPts val="0"/>
+              </a:spcAft>
+              <a:buClrTx/>
+              <a:buSzTx/>
+              <a:buFontTx/>
+              <a:buNone/>
+              <a:tabLst/>
+              <a:defRPr/>
+            </a:pPr>
+            <a:r>
+              <a:rPr lang="en-US" b="0" dirty="0"/>
+              <a:t>A API </a:t>
+            </a:r>
+            <a:r>
+              <a:rPr lang="en-US" b="0" dirty="0" err="1"/>
+              <a:t>tem</a:t>
+            </a:r>
+            <a:r>
+              <a:rPr lang="en-US" b="0" dirty="0"/>
+              <a:t> 19 endpoints, com 15 deles </a:t>
+            </a:r>
+            <a:r>
+              <a:rPr lang="en-US" b="0" dirty="0" err="1"/>
+              <a:t>possuindo</a:t>
+            </a:r>
+            <a:r>
+              <a:rPr lang="en-US" b="0" dirty="0"/>
+              <a:t> </a:t>
+            </a:r>
+            <a:r>
+              <a:rPr lang="en-US" b="0" dirty="0" err="1"/>
+              <a:t>operações</a:t>
+            </a:r>
+            <a:r>
+              <a:rPr lang="en-US" b="0" dirty="0"/>
+              <a:t> CRUD </a:t>
+            </a:r>
+            <a:r>
+              <a:rPr lang="en-US" b="0" dirty="0" err="1"/>
+              <a:t>completas</a:t>
+            </a:r>
+            <a:r>
+              <a:rPr lang="en-US" b="0" dirty="0"/>
+              <a:t>, que </a:t>
+            </a:r>
+            <a:r>
+              <a:rPr lang="en-US" b="0" dirty="0" err="1"/>
+              <a:t>são</a:t>
+            </a:r>
+            <a:r>
+              <a:rPr lang="en-US" b="0" dirty="0"/>
+              <a:t> as </a:t>
+            </a:r>
+            <a:r>
+              <a:rPr lang="en-US" b="0" dirty="0" err="1"/>
+              <a:t>quatro</a:t>
+            </a:r>
+            <a:r>
+              <a:rPr lang="en-US" b="0" dirty="0"/>
+              <a:t> </a:t>
+            </a:r>
+            <a:r>
+              <a:rPr lang="en-US" b="0" dirty="0" err="1"/>
+              <a:t>operações</a:t>
+            </a:r>
+            <a:r>
+              <a:rPr lang="en-US" b="0" dirty="0"/>
+              <a:t> </a:t>
+            </a:r>
+            <a:r>
+              <a:rPr lang="en-US" b="0" dirty="0" err="1"/>
+              <a:t>básicas</a:t>
+            </a:r>
+            <a:r>
+              <a:rPr lang="en-US" b="0" dirty="0"/>
+              <a:t>:</a:t>
+            </a:r>
+          </a:p>
+          <a:p>
+            <a:pPr marL="0" marR="0" lvl="0" indent="0" algn="l" defTabSz="914400" rtl="0" eaLnBrk="1" fontAlgn="auto" latinLnBrk="0" hangingPunct="1">
+              <a:lnSpc>
+                <a:spcPct val="100000"/>
+              </a:lnSpc>
+              <a:spcBef>
+                <a:spcPts val="0"/>
+              </a:spcBef>
+              <a:spcAft>
+                <a:spcPts val="0"/>
+              </a:spcAft>
+              <a:buClrTx/>
+              <a:buSzTx/>
+              <a:buFontTx/>
+              <a:buNone/>
+              <a:tabLst/>
+              <a:defRPr/>
+            </a:pPr>
+            <a:r>
+              <a:rPr lang="en-US" b="0" dirty="0"/>
+              <a:t>CREATE, que se </a:t>
+            </a:r>
+            <a:r>
+              <a:rPr lang="en-US" b="0" dirty="0" err="1"/>
+              <a:t>refere</a:t>
+            </a:r>
+            <a:r>
+              <a:rPr lang="en-US" b="0" dirty="0"/>
+              <a:t> a </a:t>
+            </a:r>
+            <a:r>
+              <a:rPr lang="en-US" b="0" dirty="0" err="1"/>
+              <a:t>criação</a:t>
+            </a:r>
+            <a:endParaRPr lang="en-US" b="0" dirty="0"/>
+          </a:p>
+          <a:p>
+            <a:pPr marL="0" marR="0" lvl="0" indent="0" algn="l" defTabSz="914400" rtl="0" eaLnBrk="1" fontAlgn="auto" latinLnBrk="0" hangingPunct="1">
+              <a:lnSpc>
+                <a:spcPct val="100000"/>
+              </a:lnSpc>
+              <a:spcBef>
+                <a:spcPts val="0"/>
+              </a:spcBef>
+              <a:spcAft>
+                <a:spcPts val="0"/>
+              </a:spcAft>
+              <a:buClrTx/>
+              <a:buSzTx/>
+              <a:buFontTx/>
+              <a:buNone/>
+              <a:tabLst/>
+              <a:defRPr/>
+            </a:pPr>
+            <a:r>
+              <a:rPr lang="en-US" b="0" dirty="0"/>
+              <a:t>READ, que se </a:t>
+            </a:r>
+            <a:r>
+              <a:rPr lang="en-US" b="0" dirty="0" err="1"/>
+              <a:t>refere</a:t>
+            </a:r>
+            <a:r>
+              <a:rPr lang="en-US" b="0" dirty="0"/>
+              <a:t> a </a:t>
+            </a:r>
+            <a:r>
+              <a:rPr lang="en-US" b="0" dirty="0" err="1"/>
+              <a:t>leitura</a:t>
+            </a:r>
+            <a:endParaRPr lang="en-US" b="0" dirty="0"/>
+          </a:p>
+          <a:p>
+            <a:pPr marL="0" marR="0" lvl="0" indent="0" algn="l" defTabSz="914400" rtl="0" eaLnBrk="1" fontAlgn="auto" latinLnBrk="0" hangingPunct="1">
+              <a:lnSpc>
+                <a:spcPct val="100000"/>
+              </a:lnSpc>
+              <a:spcBef>
+                <a:spcPts val="0"/>
+              </a:spcBef>
+              <a:spcAft>
+                <a:spcPts val="0"/>
+              </a:spcAft>
+              <a:buClrTx/>
+              <a:buSzTx/>
+              <a:buFontTx/>
+              <a:buNone/>
+              <a:tabLst/>
+              <a:defRPr/>
+            </a:pPr>
+            <a:r>
+              <a:rPr lang="en-US" b="0" dirty="0"/>
+              <a:t>UPDATE, que se </a:t>
+            </a:r>
+            <a:r>
+              <a:rPr lang="en-US" b="0" dirty="0" err="1"/>
+              <a:t>refere</a:t>
+            </a:r>
+            <a:r>
+              <a:rPr lang="en-US" b="0" dirty="0"/>
+              <a:t> a </a:t>
+            </a:r>
+            <a:r>
+              <a:rPr lang="en-US" b="0" dirty="0" err="1"/>
+              <a:t>atualização</a:t>
+            </a:r>
+            <a:endParaRPr lang="en-US" b="0" dirty="0"/>
+          </a:p>
+          <a:p>
+            <a:pPr marL="0" marR="0" lvl="0" indent="0" algn="l" defTabSz="914400" rtl="0" eaLnBrk="1" fontAlgn="auto" latinLnBrk="0" hangingPunct="1">
+              <a:lnSpc>
+                <a:spcPct val="100000"/>
+              </a:lnSpc>
+              <a:spcBef>
+                <a:spcPts val="0"/>
+              </a:spcBef>
+              <a:spcAft>
+                <a:spcPts val="0"/>
+              </a:spcAft>
+              <a:buClrTx/>
+              <a:buSzTx/>
+              <a:buFontTx/>
+              <a:buNone/>
+              <a:tabLst/>
+              <a:defRPr/>
+            </a:pPr>
+            <a:r>
+              <a:rPr lang="en-US" b="0" dirty="0"/>
+              <a:t>DELETE, que se </a:t>
+            </a:r>
+            <a:r>
+              <a:rPr lang="en-US" b="0" dirty="0" err="1"/>
+              <a:t>refere</a:t>
+            </a:r>
+            <a:r>
+              <a:rPr lang="en-US" b="0" dirty="0"/>
+              <a:t> a </a:t>
+            </a:r>
+            <a:r>
+              <a:rPr lang="en-US" b="0" dirty="0" err="1"/>
+              <a:t>exclusão</a:t>
             </a:r>
             <a:endParaRPr lang="pt-BR" b="1" dirty="0"/>
+          </a:p>
+          <a:p>
+            <a:r>
+              <a:rPr lang="pt-BR" dirty="0"/>
+              <a:t>Toda requisição pro </a:t>
+            </a:r>
+            <a:r>
+              <a:rPr lang="pt-BR" dirty="0" err="1"/>
+              <a:t>back-end</a:t>
+            </a:r>
+            <a:r>
+              <a:rPr lang="pt-BR" dirty="0"/>
+              <a:t> e seus </a:t>
+            </a:r>
+            <a:r>
+              <a:rPr lang="pt-BR" dirty="0" err="1"/>
+              <a:t>endpoints</a:t>
+            </a:r>
+            <a:r>
+              <a:rPr lang="pt-BR" dirty="0"/>
+              <a:t>, precisa de um token, senão não é autorizado. Pra gerar o token, o usuário tem que possuir uma conta de administrador no </a:t>
+            </a:r>
+            <a:r>
+              <a:rPr lang="pt-BR" dirty="0" err="1"/>
+              <a:t>backend</a:t>
+            </a:r>
+            <a:r>
+              <a:rPr lang="pt-BR" dirty="0"/>
+              <a:t> e solicitar a geração a partir de um </a:t>
+            </a:r>
+            <a:r>
+              <a:rPr lang="pt-BR" dirty="0" err="1"/>
+              <a:t>endpoint</a:t>
+            </a:r>
+            <a:r>
+              <a:rPr lang="pt-BR" dirty="0"/>
+              <a:t> único, que é autenticado com usuário e senha.</a:t>
+            </a:r>
+          </a:p>
+          <a:p>
+            <a:r>
+              <a:rPr lang="pt-BR" dirty="0"/>
+              <a:t>Toda a camada de </a:t>
+            </a:r>
+            <a:r>
+              <a:rPr lang="pt-BR" dirty="0" err="1"/>
+              <a:t>endpoint</a:t>
+            </a:r>
+            <a:r>
+              <a:rPr lang="pt-BR" dirty="0"/>
+              <a:t>, autenticação e resposta é tratada pelo DJANGO com a ajuda do framework REST.</a:t>
+            </a:r>
           </a:p>
           <a:p>
             <a:endParaRPr lang="pt-BR" dirty="0"/>
@@ -3737,16 +4167,279 @@
               <a:defRPr/>
             </a:pPr>
             <a:r>
-              <a:rPr lang="en-US" b="1" dirty="0" err="1"/>
-              <a:t>Xs</a:t>
-            </a:r>
-            <a:r>
               <a:rPr lang="en-US" b="1" dirty="0"/>
-              <a:t> GABRIEL:</a:t>
-            </a:r>
-            <a:r>
-              <a:rPr lang="en-US" b="0" dirty="0"/>
-              <a:t> </a:t>
+              <a:t>25s GABRIEL:</a:t>
+            </a:r>
+            <a:r>
+              <a:rPr lang="en-US" b="0" dirty="0"/>
+              <a:t> Para </a:t>
+            </a:r>
+            <a:r>
+              <a:rPr lang="en-US" b="0" dirty="0" err="1"/>
+              <a:t>facilitar</a:t>
+            </a:r>
+            <a:r>
+              <a:rPr lang="en-US" b="0" dirty="0"/>
+              <a:t> o </a:t>
+            </a:r>
+            <a:r>
+              <a:rPr lang="en-US" b="0" dirty="0" err="1"/>
+              <a:t>desenvolvimento</a:t>
+            </a:r>
+            <a:r>
+              <a:rPr lang="en-US" b="0" dirty="0"/>
+              <a:t> da API, o backend </a:t>
+            </a:r>
+            <a:r>
+              <a:rPr lang="en-US" b="0" dirty="0" err="1"/>
+              <a:t>possui</a:t>
+            </a:r>
+            <a:r>
+              <a:rPr lang="en-US" b="0" dirty="0"/>
+              <a:t> </a:t>
+            </a:r>
+            <a:r>
+              <a:rPr lang="en-US" b="0" dirty="0" err="1"/>
+              <a:t>uma</a:t>
+            </a:r>
+            <a:r>
+              <a:rPr lang="en-US" b="0" dirty="0"/>
+              <a:t> </a:t>
+            </a:r>
+            <a:r>
+              <a:rPr lang="en-US" b="0" dirty="0" err="1"/>
+              <a:t>documentação</a:t>
+            </a:r>
+            <a:r>
+              <a:rPr lang="en-US" b="0" dirty="0"/>
+              <a:t> </a:t>
+            </a:r>
+            <a:r>
+              <a:rPr lang="en-US" b="0" dirty="0" err="1"/>
+              <a:t>completa</a:t>
+            </a:r>
+            <a:r>
+              <a:rPr lang="en-US" b="0" dirty="0"/>
+              <a:t> de </a:t>
+            </a:r>
+            <a:r>
+              <a:rPr lang="en-US" b="0" dirty="0" err="1"/>
+              <a:t>todas</a:t>
+            </a:r>
+            <a:r>
+              <a:rPr lang="en-US" b="0" dirty="0"/>
+              <a:t> as APIs com </a:t>
+            </a:r>
+            <a:r>
+              <a:rPr lang="en-US" b="0" dirty="0" err="1"/>
+              <a:t>uma</a:t>
+            </a:r>
+            <a:r>
+              <a:rPr lang="en-US" b="0" dirty="0"/>
+              <a:t> interface </a:t>
+            </a:r>
+            <a:r>
+              <a:rPr lang="en-US" b="0" dirty="0" err="1"/>
+              <a:t>gráfica</a:t>
+            </a:r>
+            <a:r>
+              <a:rPr lang="en-US" b="0" dirty="0"/>
+              <a:t> </a:t>
+            </a:r>
+            <a:r>
+              <a:rPr lang="en-US" b="0" dirty="0" err="1"/>
+              <a:t>utilizando</a:t>
+            </a:r>
+            <a:r>
+              <a:rPr lang="en-US" b="0" dirty="0"/>
+              <a:t> o SWAGGER, que é </a:t>
+            </a:r>
+            <a:r>
+              <a:rPr lang="en-US" b="0" dirty="0" err="1"/>
+              <a:t>uma</a:t>
+            </a:r>
+            <a:r>
+              <a:rPr lang="en-US" b="0" dirty="0"/>
+              <a:t> </a:t>
+            </a:r>
+            <a:r>
+              <a:rPr lang="en-US" b="0" dirty="0" err="1"/>
+              <a:t>estrutura</a:t>
+            </a:r>
+            <a:r>
+              <a:rPr lang="en-US" b="0" dirty="0"/>
+              <a:t> de software que </a:t>
+            </a:r>
+            <a:r>
+              <a:rPr lang="en-US" b="0" dirty="0" err="1"/>
+              <a:t>simplifica</a:t>
+            </a:r>
+            <a:r>
+              <a:rPr lang="en-US" b="0" dirty="0"/>
+              <a:t> o design, </a:t>
+            </a:r>
+            <a:r>
+              <a:rPr lang="en-US" b="0" dirty="0" err="1"/>
+              <a:t>construção</a:t>
+            </a:r>
+            <a:r>
+              <a:rPr lang="en-US" b="0" dirty="0"/>
+              <a:t> e </a:t>
+            </a:r>
+            <a:r>
+              <a:rPr lang="en-US" b="0" dirty="0" err="1"/>
+              <a:t>documentação</a:t>
+            </a:r>
+            <a:r>
+              <a:rPr lang="en-US" b="0" dirty="0"/>
+              <a:t> de APIs.</a:t>
+            </a:r>
+          </a:p>
+          <a:p>
+            <a:pPr marL="0" marR="0" lvl="0" indent="0" algn="l" defTabSz="914400" rtl="0" eaLnBrk="1" fontAlgn="auto" latinLnBrk="0" hangingPunct="1">
+              <a:lnSpc>
+                <a:spcPct val="100000"/>
+              </a:lnSpc>
+              <a:spcBef>
+                <a:spcPts val="0"/>
+              </a:spcBef>
+              <a:spcAft>
+                <a:spcPts val="0"/>
+              </a:spcAft>
+              <a:buClrTx/>
+              <a:buSzTx/>
+              <a:buFontTx/>
+              <a:buNone/>
+              <a:tabLst/>
+              <a:defRPr/>
+            </a:pPr>
+            <a:r>
+              <a:rPr lang="en-US" b="0" dirty="0" err="1"/>
+              <a:t>Além</a:t>
+            </a:r>
+            <a:r>
+              <a:rPr lang="en-US" b="0" dirty="0"/>
+              <a:t> da interface </a:t>
+            </a:r>
+            <a:r>
+              <a:rPr lang="en-US" b="0" dirty="0" err="1"/>
+              <a:t>gráfica</a:t>
+            </a:r>
+            <a:r>
+              <a:rPr lang="en-US" b="0" dirty="0"/>
+              <a:t>, </a:t>
+            </a:r>
+            <a:r>
+              <a:rPr lang="en-US" b="0" dirty="0" err="1"/>
+              <a:t>utilizamos</a:t>
+            </a:r>
+            <a:r>
+              <a:rPr lang="en-US" b="0" dirty="0"/>
+              <a:t> </a:t>
+            </a:r>
+            <a:r>
+              <a:rPr lang="en-US" b="0" dirty="0" err="1"/>
+              <a:t>também</a:t>
+            </a:r>
+            <a:r>
+              <a:rPr lang="en-US" b="0" dirty="0"/>
+              <a:t> o Postman, que </a:t>
+            </a:r>
+            <a:r>
+              <a:rPr lang="en-US" b="0" dirty="0" err="1"/>
+              <a:t>permite</a:t>
+            </a:r>
+            <a:r>
+              <a:rPr lang="en-US" b="0" dirty="0"/>
+              <a:t> </a:t>
+            </a:r>
+            <a:r>
+              <a:rPr lang="en-US" b="0" dirty="0" err="1"/>
+              <a:t>realizar</a:t>
+            </a:r>
+            <a:r>
+              <a:rPr lang="en-US" b="0" dirty="0"/>
+              <a:t> </a:t>
+            </a:r>
+            <a:r>
+              <a:rPr lang="en-US" b="0" dirty="0" err="1"/>
+              <a:t>chamadas</a:t>
+            </a:r>
+            <a:r>
+              <a:rPr lang="en-US" b="0" dirty="0"/>
+              <a:t> para </a:t>
+            </a:r>
+            <a:r>
+              <a:rPr lang="en-US" b="0" dirty="0" err="1"/>
+              <a:t>os</a:t>
+            </a:r>
+            <a:r>
+              <a:rPr lang="en-US" b="0" dirty="0"/>
+              <a:t> endpoints e </a:t>
+            </a:r>
+            <a:r>
+              <a:rPr lang="en-US" b="0" dirty="0" err="1"/>
+              <a:t>avaliar</a:t>
+            </a:r>
+            <a:r>
+              <a:rPr lang="en-US" b="0" dirty="0"/>
+              <a:t> as </a:t>
+            </a:r>
+            <a:r>
+              <a:rPr lang="en-US" b="0" dirty="0" err="1"/>
+              <a:t>respostas</a:t>
+            </a:r>
+            <a:r>
+              <a:rPr lang="en-US" b="0" dirty="0"/>
+              <a:t>, </a:t>
+            </a:r>
+            <a:r>
+              <a:rPr lang="en-US" b="0" dirty="0" err="1"/>
+              <a:t>parâmetros</a:t>
+            </a:r>
+            <a:r>
+              <a:rPr lang="en-US" b="0" dirty="0"/>
+              <a:t> e outros </a:t>
+            </a:r>
+            <a:r>
+              <a:rPr lang="en-US" b="0" dirty="0" err="1"/>
+              <a:t>pontos</a:t>
+            </a:r>
+            <a:r>
+              <a:rPr lang="en-US" b="0" dirty="0"/>
+              <a:t> </a:t>
+            </a:r>
+            <a:r>
+              <a:rPr lang="en-US" b="0" dirty="0" err="1"/>
+              <a:t>necessários</a:t>
+            </a:r>
+            <a:r>
+              <a:rPr lang="en-US" b="0" dirty="0"/>
+              <a:t> </a:t>
+            </a:r>
+            <a:r>
+              <a:rPr lang="en-US" b="0" dirty="0" err="1"/>
+              <a:t>na</a:t>
+            </a:r>
+            <a:r>
+              <a:rPr lang="en-US" b="0" dirty="0"/>
+              <a:t> hora de </a:t>
+            </a:r>
+            <a:r>
+              <a:rPr lang="en-US" b="0" dirty="0" err="1"/>
+              <a:t>desenvolver</a:t>
+            </a:r>
+            <a:r>
+              <a:rPr lang="en-US" b="0" dirty="0"/>
+              <a:t> </a:t>
+            </a:r>
+            <a:r>
+              <a:rPr lang="en-US" b="0" dirty="0" err="1"/>
+              <a:t>uma</a:t>
+            </a:r>
+            <a:r>
+              <a:rPr lang="en-US" b="0" dirty="0"/>
+              <a:t> API.</a:t>
             </a:r>
             <a:endParaRPr lang="pt-BR" b="1" dirty="0"/>
           </a:p>
@@ -3853,20 +4546,621 @@
               <a:defRPr/>
             </a:pPr>
             <a:r>
-              <a:rPr lang="en-US" b="1" dirty="0" err="1"/>
-              <a:t>Xs</a:t>
-            </a:r>
-            <a:r>
               <a:rPr lang="en-US" b="1" dirty="0"/>
-              <a:t> GABRIEL:</a:t>
-            </a:r>
-            <a:r>
-              <a:rPr lang="en-US" b="0" dirty="0"/>
-              <a:t> </a:t>
-            </a:r>
-            <a:endParaRPr lang="pt-BR" b="1" dirty="0"/>
-          </a:p>
-          <a:p>
+              <a:t>45s GABRIEL: </a:t>
+            </a:r>
+            <a:r>
+              <a:rPr lang="en-US" b="0" dirty="0"/>
+              <a:t>A </a:t>
+            </a:r>
+            <a:r>
+              <a:rPr lang="en-US" b="0" dirty="0" err="1"/>
+              <a:t>estrutura</a:t>
+            </a:r>
+            <a:r>
+              <a:rPr lang="en-US" b="0" dirty="0"/>
+              <a:t> do back-end </a:t>
+            </a:r>
+            <a:r>
+              <a:rPr lang="en-US" b="0" dirty="0" err="1"/>
+              <a:t>foi</a:t>
+            </a:r>
+            <a:r>
+              <a:rPr lang="en-US" b="0" dirty="0"/>
+              <a:t> </a:t>
+            </a:r>
+            <a:r>
+              <a:rPr lang="en-US" b="0" dirty="0" err="1"/>
+              <a:t>dividida</a:t>
+            </a:r>
+            <a:r>
+              <a:rPr lang="en-US" b="0" dirty="0"/>
+              <a:t> </a:t>
+            </a:r>
+            <a:r>
+              <a:rPr lang="en-US" b="0" dirty="0" err="1"/>
+              <a:t>visando</a:t>
+            </a:r>
+            <a:r>
+              <a:rPr lang="en-US" b="0" dirty="0"/>
+              <a:t> </a:t>
+            </a:r>
+            <a:r>
+              <a:rPr lang="en-US" b="0" dirty="0" err="1"/>
+              <a:t>também</a:t>
+            </a:r>
+            <a:r>
+              <a:rPr lang="en-US" b="0" dirty="0"/>
+              <a:t> </a:t>
+            </a:r>
+            <a:r>
+              <a:rPr lang="en-US" b="0" dirty="0" err="1"/>
+              <a:t>deixar</a:t>
+            </a:r>
+            <a:r>
+              <a:rPr lang="en-US" b="0" dirty="0"/>
+              <a:t> </a:t>
+            </a:r>
+            <a:r>
+              <a:rPr lang="en-US" b="0" dirty="0" err="1"/>
+              <a:t>tudo</a:t>
+            </a:r>
+            <a:r>
+              <a:rPr lang="en-US" b="0" dirty="0"/>
+              <a:t> </a:t>
+            </a:r>
+            <a:r>
+              <a:rPr lang="en-US" b="0" dirty="0" err="1"/>
+              <a:t>separado</a:t>
+            </a:r>
+            <a:r>
+              <a:rPr lang="en-US" b="0" dirty="0"/>
+              <a:t> e </a:t>
+            </a:r>
+            <a:r>
+              <a:rPr lang="en-US" b="0" dirty="0" err="1"/>
+              <a:t>organizado</a:t>
+            </a:r>
+            <a:r>
+              <a:rPr lang="en-US" b="0" dirty="0"/>
+              <a:t> para que </a:t>
+            </a:r>
+            <a:r>
+              <a:rPr lang="en-US" b="0" dirty="0" err="1"/>
+              <a:t>qualquer</a:t>
+            </a:r>
+            <a:r>
+              <a:rPr lang="en-US" b="0" dirty="0"/>
+              <a:t> um que fosse </a:t>
+            </a:r>
+            <a:r>
+              <a:rPr lang="en-US" b="0" dirty="0" err="1"/>
+              <a:t>mexer</a:t>
+            </a:r>
+            <a:r>
+              <a:rPr lang="en-US" b="0" dirty="0"/>
+              <a:t> no </a:t>
+            </a:r>
+            <a:r>
+              <a:rPr lang="en-US" b="0" dirty="0" err="1"/>
+              <a:t>código</a:t>
+            </a:r>
+            <a:r>
+              <a:rPr lang="en-US" b="0" dirty="0"/>
+              <a:t> </a:t>
+            </a:r>
+            <a:r>
+              <a:rPr lang="en-US" b="0" dirty="0" err="1"/>
+              <a:t>conseguisse</a:t>
+            </a:r>
+            <a:r>
+              <a:rPr lang="en-US" b="0" dirty="0"/>
+              <a:t> </a:t>
+            </a:r>
+            <a:r>
+              <a:rPr lang="en-US" b="0" dirty="0" err="1"/>
+              <a:t>entender</a:t>
+            </a:r>
+            <a:r>
+              <a:rPr lang="en-US" b="0" dirty="0"/>
+              <a:t>. Vou </a:t>
+            </a:r>
+            <a:r>
+              <a:rPr lang="en-US" b="0" dirty="0" err="1"/>
+              <a:t>falar</a:t>
+            </a:r>
+            <a:r>
+              <a:rPr lang="en-US" b="0" dirty="0"/>
+              <a:t> das </a:t>
+            </a:r>
+            <a:r>
+              <a:rPr lang="en-US" b="0" dirty="0" err="1"/>
+              <a:t>principais</a:t>
+            </a:r>
+            <a:r>
+              <a:rPr lang="en-US" b="0" dirty="0"/>
+              <a:t> pastas </a:t>
+            </a:r>
+            <a:r>
+              <a:rPr lang="en-US" b="0" dirty="0" err="1"/>
+              <a:t>pra</a:t>
+            </a:r>
+            <a:r>
+              <a:rPr lang="en-US" b="0" dirty="0"/>
+              <a:t> </a:t>
+            </a:r>
+            <a:r>
+              <a:rPr lang="en-US" b="0" dirty="0" err="1"/>
+              <a:t>vocês</a:t>
+            </a:r>
+            <a:r>
+              <a:rPr lang="en-US" b="0" dirty="0"/>
+              <a:t>:</a:t>
+            </a:r>
+          </a:p>
+          <a:p>
+            <a:pPr marL="0" marR="0" lvl="0" indent="0" algn="l" defTabSz="914400" rtl="0" eaLnBrk="1" fontAlgn="auto" latinLnBrk="0" hangingPunct="1">
+              <a:lnSpc>
+                <a:spcPct val="100000"/>
+              </a:lnSpc>
+              <a:spcBef>
+                <a:spcPts val="0"/>
+              </a:spcBef>
+              <a:spcAft>
+                <a:spcPts val="0"/>
+              </a:spcAft>
+              <a:buClrTx/>
+              <a:buSzTx/>
+              <a:buFontTx/>
+              <a:buNone/>
+              <a:tabLst/>
+              <a:defRPr/>
+            </a:pPr>
+            <a:r>
+              <a:rPr lang="en-US" b="0" dirty="0"/>
+              <a:t>- A pasta API </a:t>
+            </a:r>
+            <a:r>
+              <a:rPr lang="en-US" b="0" dirty="0" err="1"/>
+              <a:t>tem</a:t>
+            </a:r>
+            <a:r>
+              <a:rPr lang="en-US" b="0" dirty="0"/>
+              <a:t> </a:t>
+            </a:r>
+            <a:r>
+              <a:rPr lang="en-US" b="0" dirty="0" err="1"/>
+              <a:t>os</a:t>
+            </a:r>
+            <a:r>
+              <a:rPr lang="en-US" b="0" dirty="0"/>
+              <a:t> </a:t>
+            </a:r>
+            <a:r>
+              <a:rPr lang="en-US" b="0" dirty="0" err="1"/>
+              <a:t>arquivos</a:t>
+            </a:r>
+            <a:r>
+              <a:rPr lang="en-US" b="0" dirty="0"/>
+              <a:t> de </a:t>
+            </a:r>
+            <a:r>
+              <a:rPr lang="en-US" b="0" dirty="0" err="1"/>
+              <a:t>informações</a:t>
+            </a:r>
+            <a:r>
+              <a:rPr lang="en-US" b="0" dirty="0"/>
+              <a:t> </a:t>
+            </a:r>
+            <a:r>
+              <a:rPr lang="en-US" b="0" dirty="0" err="1"/>
+              <a:t>geral</a:t>
+            </a:r>
+            <a:r>
+              <a:rPr lang="en-US" b="0" dirty="0"/>
+              <a:t> da API</a:t>
+            </a:r>
+          </a:p>
+          <a:p>
+            <a:pPr marL="0" marR="0" lvl="0" indent="0" algn="l" defTabSz="914400" rtl="0" eaLnBrk="1" fontAlgn="auto" latinLnBrk="0" hangingPunct="1">
+              <a:lnSpc>
+                <a:spcPct val="100000"/>
+              </a:lnSpc>
+              <a:spcBef>
+                <a:spcPts val="0"/>
+              </a:spcBef>
+              <a:spcAft>
+                <a:spcPts val="0"/>
+              </a:spcAft>
+              <a:buClrTx/>
+              <a:buSzTx/>
+              <a:buFontTx/>
+              <a:buNone/>
+              <a:tabLst/>
+              <a:defRPr/>
+            </a:pPr>
+            <a:r>
+              <a:rPr lang="en-US" b="0" dirty="0"/>
+              <a:t>- </a:t>
+            </a:r>
+            <a:r>
+              <a:rPr lang="en-US" b="0" dirty="0" err="1"/>
+              <a:t>Já</a:t>
+            </a:r>
+            <a:r>
+              <a:rPr lang="en-US" b="0" dirty="0"/>
+              <a:t> a API_ADMINS </a:t>
+            </a:r>
+            <a:r>
+              <a:rPr lang="en-US" b="0" dirty="0" err="1"/>
+              <a:t>tem</a:t>
+            </a:r>
+            <a:r>
+              <a:rPr lang="en-US" b="0" dirty="0"/>
+              <a:t> </a:t>
+            </a:r>
+            <a:r>
+              <a:rPr lang="en-US" b="0" dirty="0" err="1"/>
+              <a:t>os</a:t>
+            </a:r>
+            <a:r>
+              <a:rPr lang="en-US" b="0" dirty="0"/>
+              <a:t> </a:t>
+            </a:r>
+            <a:r>
+              <a:rPr lang="en-US" b="0" dirty="0" err="1"/>
+              <a:t>arquivos</a:t>
+            </a:r>
+            <a:r>
+              <a:rPr lang="en-US" b="0" dirty="0"/>
+              <a:t> de </a:t>
+            </a:r>
+            <a:r>
+              <a:rPr lang="en-US" b="0" dirty="0" err="1"/>
+              <a:t>armazenamento</a:t>
+            </a:r>
+            <a:r>
+              <a:rPr lang="en-US" b="0" dirty="0"/>
+              <a:t> e </a:t>
+            </a:r>
+            <a:r>
+              <a:rPr lang="en-US" b="0" dirty="0" err="1"/>
+              <a:t>gerenciamento</a:t>
+            </a:r>
+            <a:r>
+              <a:rPr lang="en-US" b="0" dirty="0"/>
+              <a:t> de </a:t>
+            </a:r>
+            <a:r>
+              <a:rPr lang="en-US" b="0" dirty="0" err="1"/>
+              <a:t>usuários</a:t>
+            </a:r>
+            <a:r>
+              <a:rPr lang="en-US" b="0" dirty="0"/>
+              <a:t> </a:t>
+            </a:r>
+            <a:r>
+              <a:rPr lang="en-US" b="0" dirty="0" err="1"/>
+              <a:t>administrativos</a:t>
+            </a:r>
+            <a:r>
+              <a:rPr lang="en-US" b="0" dirty="0"/>
+              <a:t>, que </a:t>
+            </a:r>
+            <a:r>
+              <a:rPr lang="en-US" b="0" dirty="0" err="1"/>
+              <a:t>podem</a:t>
+            </a:r>
+            <a:r>
+              <a:rPr lang="en-US" b="0" dirty="0"/>
+              <a:t> </a:t>
+            </a:r>
+            <a:r>
+              <a:rPr lang="en-US" b="0" dirty="0" err="1"/>
+              <a:t>gerar</a:t>
+            </a:r>
+            <a:r>
+              <a:rPr lang="en-US" b="0" dirty="0"/>
+              <a:t> tokens </a:t>
+            </a:r>
+            <a:r>
+              <a:rPr lang="en-US" b="0" dirty="0" err="1"/>
+              <a:t>pra</a:t>
+            </a:r>
+            <a:r>
+              <a:rPr lang="en-US" b="0" dirty="0"/>
+              <a:t> </a:t>
+            </a:r>
+            <a:r>
+              <a:rPr lang="en-US" b="0" dirty="0" err="1"/>
+              <a:t>realizar</a:t>
+            </a:r>
+            <a:r>
+              <a:rPr lang="en-US" b="0" dirty="0"/>
+              <a:t> </a:t>
+            </a:r>
+            <a:r>
+              <a:rPr lang="en-US" b="0" dirty="0" err="1"/>
+              <a:t>acesso</a:t>
+            </a:r>
+            <a:r>
+              <a:rPr lang="en-US" b="0" dirty="0"/>
+              <a:t> </a:t>
+            </a:r>
+            <a:r>
+              <a:rPr lang="en-US" b="0" dirty="0" err="1"/>
+              <a:t>remoto</a:t>
+            </a:r>
+            <a:r>
+              <a:rPr lang="en-US" b="0" dirty="0"/>
+              <a:t> via endpoint.</a:t>
+            </a:r>
+          </a:p>
+          <a:p>
+            <a:pPr marL="0" marR="0" lvl="0" indent="0" algn="l" defTabSz="914400" rtl="0" eaLnBrk="1" fontAlgn="auto" latinLnBrk="0" hangingPunct="1">
+              <a:lnSpc>
+                <a:spcPct val="100000"/>
+              </a:lnSpc>
+              <a:spcBef>
+                <a:spcPts val="0"/>
+              </a:spcBef>
+              <a:spcAft>
+                <a:spcPts val="0"/>
+              </a:spcAft>
+              <a:buClrTx/>
+              <a:buSzTx/>
+              <a:buFontTx/>
+              <a:buNone/>
+              <a:tabLst/>
+              <a:defRPr/>
+            </a:pPr>
+            <a:r>
+              <a:rPr lang="en-US" b="0" dirty="0"/>
+              <a:t>- A pasta COMPANY e a pasta USERS </a:t>
+            </a:r>
+            <a:r>
+              <a:rPr lang="en-US" b="0" dirty="0" err="1"/>
+              <a:t>são</a:t>
+            </a:r>
+            <a:r>
+              <a:rPr lang="en-US" b="0" dirty="0"/>
+              <a:t> </a:t>
+            </a:r>
+            <a:r>
+              <a:rPr lang="en-US" b="0" dirty="0" err="1"/>
+              <a:t>responsáveis</a:t>
+            </a:r>
+            <a:r>
+              <a:rPr lang="en-US" b="0" dirty="0"/>
+              <a:t> pela </a:t>
+            </a:r>
+            <a:r>
+              <a:rPr lang="en-US" b="0" dirty="0" err="1"/>
+              <a:t>lógica</a:t>
+            </a:r>
+            <a:r>
+              <a:rPr lang="en-US" b="0" dirty="0"/>
+              <a:t>, </a:t>
+            </a:r>
+            <a:r>
+              <a:rPr lang="en-US" b="0" dirty="0" err="1"/>
+              <a:t>armazenamento</a:t>
+            </a:r>
+            <a:r>
+              <a:rPr lang="en-US" b="0" dirty="0"/>
+              <a:t> e </a:t>
+            </a:r>
+            <a:r>
+              <a:rPr lang="en-US" b="0" dirty="0" err="1"/>
+              <a:t>gerenciamento</a:t>
+            </a:r>
+            <a:r>
+              <a:rPr lang="en-US" b="0" dirty="0"/>
+              <a:t> de </a:t>
+            </a:r>
+            <a:r>
+              <a:rPr lang="en-US" b="0" dirty="0" err="1"/>
+              <a:t>todos</a:t>
+            </a:r>
+            <a:r>
+              <a:rPr lang="en-US" b="0" dirty="0"/>
+              <a:t> </a:t>
+            </a:r>
+            <a:r>
+              <a:rPr lang="en-US" b="0" dirty="0" err="1"/>
+              <a:t>os</a:t>
+            </a:r>
+            <a:r>
+              <a:rPr lang="en-US" b="0" dirty="0"/>
+              <a:t> dados de </a:t>
+            </a:r>
+            <a:r>
+              <a:rPr lang="en-US" b="0" dirty="0" err="1"/>
+              <a:t>usuários</a:t>
+            </a:r>
+            <a:r>
+              <a:rPr lang="en-US" b="0" dirty="0"/>
+              <a:t> </a:t>
+            </a:r>
+            <a:r>
+              <a:rPr lang="en-US" b="0" dirty="0" err="1"/>
+              <a:t>cadastrados</a:t>
+            </a:r>
+            <a:r>
+              <a:rPr lang="en-US" b="0" dirty="0"/>
+              <a:t> no site.</a:t>
+            </a:r>
+          </a:p>
+          <a:p>
+            <a:pPr marL="0" marR="0" lvl="0" indent="0" algn="l" defTabSz="914400" rtl="0" eaLnBrk="1" fontAlgn="auto" latinLnBrk="0" hangingPunct="1">
+              <a:lnSpc>
+                <a:spcPct val="100000"/>
+              </a:lnSpc>
+              <a:spcBef>
+                <a:spcPts val="0"/>
+              </a:spcBef>
+              <a:spcAft>
+                <a:spcPts val="0"/>
+              </a:spcAft>
+              <a:buClrTx/>
+              <a:buSzTx/>
+              <a:buFontTx/>
+              <a:buNone/>
+              <a:tabLst/>
+              <a:defRPr/>
+            </a:pPr>
+            <a:r>
+              <a:rPr lang="en-US" b="0" dirty="0"/>
+              <a:t>- </a:t>
+            </a:r>
+            <a:r>
+              <a:rPr lang="en-US" b="0" dirty="0" err="1"/>
+              <a:t>Já</a:t>
+            </a:r>
+            <a:r>
+              <a:rPr lang="en-US" b="0" dirty="0"/>
+              <a:t> a pasta VACANCY, é </a:t>
+            </a:r>
+            <a:r>
+              <a:rPr lang="en-US" b="0" dirty="0" err="1"/>
+              <a:t>responsável</a:t>
+            </a:r>
+            <a:r>
+              <a:rPr lang="en-US" b="0" dirty="0"/>
+              <a:t> </a:t>
+            </a:r>
+            <a:r>
+              <a:rPr lang="en-US" b="0" dirty="0" err="1"/>
+              <a:t>pelo</a:t>
+            </a:r>
+            <a:r>
+              <a:rPr lang="en-US" b="0" dirty="0"/>
+              <a:t> </a:t>
+            </a:r>
+            <a:r>
+              <a:rPr lang="en-US" b="0" dirty="0" err="1"/>
+              <a:t>tratamento</a:t>
+            </a:r>
+            <a:r>
+              <a:rPr lang="en-US" b="0" dirty="0"/>
+              <a:t> de </a:t>
+            </a:r>
+            <a:r>
+              <a:rPr lang="en-US" b="0" dirty="0" err="1"/>
+              <a:t>todas</a:t>
+            </a:r>
+            <a:r>
+              <a:rPr lang="en-US" b="0" dirty="0"/>
+              <a:t> as </a:t>
+            </a:r>
+            <a:r>
+              <a:rPr lang="en-US" b="0" dirty="0" err="1"/>
+              <a:t>vagas</a:t>
+            </a:r>
+            <a:r>
+              <a:rPr lang="en-US" b="0" dirty="0"/>
+              <a:t> </a:t>
+            </a:r>
+            <a:r>
+              <a:rPr lang="en-US" b="0" dirty="0" err="1"/>
+              <a:t>criadas</a:t>
+            </a:r>
+            <a:endParaRPr lang="en-US" b="0" dirty="0"/>
+          </a:p>
+          <a:p>
+            <a:pPr marL="0" marR="0" lvl="0" indent="0" algn="l" defTabSz="914400" rtl="0" eaLnBrk="1" fontAlgn="auto" latinLnBrk="0" hangingPunct="1">
+              <a:lnSpc>
+                <a:spcPct val="100000"/>
+              </a:lnSpc>
+              <a:spcBef>
+                <a:spcPts val="0"/>
+              </a:spcBef>
+              <a:spcAft>
+                <a:spcPts val="0"/>
+              </a:spcAft>
+              <a:buClrTx/>
+              <a:buSzTx/>
+              <a:buFontTx/>
+              <a:buNone/>
+              <a:tabLst/>
+              <a:defRPr/>
+            </a:pPr>
+            <a:r>
+              <a:rPr lang="en-US" b="0" dirty="0"/>
+              <a:t>- Por </a:t>
+            </a:r>
+            <a:r>
+              <a:rPr lang="en-US" b="0" dirty="0" err="1"/>
+              <a:t>fim</a:t>
+            </a:r>
+            <a:r>
+              <a:rPr lang="en-US" b="0" dirty="0"/>
+              <a:t>, a pasta RESUMES é </a:t>
+            </a:r>
+            <a:r>
+              <a:rPr lang="en-US" b="0" dirty="0" err="1"/>
+              <a:t>responsável</a:t>
+            </a:r>
+            <a:r>
+              <a:rPr lang="en-US" b="0" dirty="0"/>
+              <a:t> </a:t>
+            </a:r>
+            <a:r>
+              <a:rPr lang="en-US" b="0" dirty="0" err="1"/>
+              <a:t>pelo</a:t>
+            </a:r>
+            <a:r>
+              <a:rPr lang="en-US" b="0" dirty="0"/>
+              <a:t> </a:t>
+            </a:r>
+            <a:r>
+              <a:rPr lang="en-US" b="0" dirty="0" err="1"/>
+              <a:t>armazenamento</a:t>
+            </a:r>
+            <a:r>
+              <a:rPr lang="en-US" b="0" dirty="0"/>
+              <a:t> e </a:t>
+            </a:r>
+            <a:r>
+              <a:rPr lang="en-US" b="0" dirty="0" err="1"/>
+              <a:t>gerenciamento</a:t>
+            </a:r>
+            <a:r>
+              <a:rPr lang="en-US" b="0" dirty="0"/>
+              <a:t> dos </a:t>
+            </a:r>
+            <a:r>
+              <a:rPr lang="en-US" b="0" dirty="0" err="1"/>
+              <a:t>currículos</a:t>
+            </a:r>
+            <a:r>
+              <a:rPr lang="en-US" b="0" dirty="0"/>
+              <a:t> </a:t>
+            </a:r>
+            <a:r>
+              <a:rPr lang="en-US" b="0" dirty="0" err="1"/>
+              <a:t>gerados</a:t>
+            </a:r>
+            <a:r>
+              <a:rPr lang="en-US" b="0" dirty="0"/>
+              <a:t> </a:t>
+            </a:r>
+            <a:r>
+              <a:rPr lang="en-US" b="0" dirty="0" err="1"/>
+              <a:t>pelos</a:t>
+            </a:r>
+            <a:r>
+              <a:rPr lang="en-US" b="0" dirty="0"/>
+              <a:t> </a:t>
+            </a:r>
+            <a:r>
+              <a:rPr lang="en-US" b="0" dirty="0" err="1"/>
+              <a:t>usuários</a:t>
+            </a:r>
+            <a:r>
+              <a:rPr lang="en-US" b="0" dirty="0"/>
+              <a:t>.</a:t>
+            </a:r>
             <a:endParaRPr lang="pt-BR" dirty="0"/>
           </a:p>
         </p:txBody>
@@ -3897,7 +5191,7 @@
     </p:spTree>
     <p:extLst>
       <p:ext uri="{BB962C8B-B14F-4D97-AF65-F5344CB8AC3E}">
-        <p14:creationId xmlns:p14="http://schemas.microsoft.com/office/powerpoint/2010/main" val="4288050236"/>
+        <p14:creationId xmlns:p14="http://schemas.microsoft.com/office/powerpoint/2010/main" val="3019511204"/>
       </p:ext>
     </p:extLst>
   </p:cSld>
@@ -4230,62 +5524,6 @@
             <a:r>
               <a:rPr lang="en-US" b="0" dirty="0" err="1"/>
               <a:t>vagas</a:t>
-            </a:r>
-            <a:r>
-              <a:rPr lang="en-US" b="0" dirty="0"/>
-              <a:t>, </a:t>
-            </a:r>
-            <a:r>
-              <a:rPr lang="en-US" b="0" dirty="0" err="1"/>
-              <a:t>assim</a:t>
-            </a:r>
-            <a:r>
-              <a:rPr lang="en-US" b="0" dirty="0"/>
-              <a:t> </a:t>
-            </a:r>
-            <a:r>
-              <a:rPr lang="en-US" b="0" dirty="0" err="1"/>
-              <a:t>como</a:t>
-            </a:r>
-            <a:r>
-              <a:rPr lang="en-US" b="0" dirty="0"/>
-              <a:t> </a:t>
-            </a:r>
-            <a:r>
-              <a:rPr lang="en-US" b="0" dirty="0" err="1"/>
-              <a:t>também</a:t>
-            </a:r>
-            <a:r>
-              <a:rPr lang="en-US" b="0" dirty="0"/>
-              <a:t> se </a:t>
-            </a:r>
-            <a:r>
-              <a:rPr lang="en-US" b="0" dirty="0" err="1"/>
-              <a:t>informar</a:t>
-            </a:r>
-            <a:r>
-              <a:rPr lang="en-US" b="0" dirty="0"/>
-              <a:t> de leis e </a:t>
-            </a:r>
-            <a:r>
-              <a:rPr lang="en-US" b="0" dirty="0" err="1"/>
-              <a:t>processos</a:t>
-            </a:r>
-            <a:r>
-              <a:rPr lang="en-US" b="0" dirty="0"/>
-              <a:t> </a:t>
-            </a:r>
-            <a:r>
-              <a:rPr lang="en-US" b="0" dirty="0" err="1"/>
-              <a:t>burocráticos</a:t>
-            </a:r>
-            <a:r>
-              <a:rPr lang="en-US" b="0" dirty="0"/>
-              <a:t> do </a:t>
-            </a:r>
-            <a:r>
-              <a:rPr lang="en-US" b="0" dirty="0" err="1"/>
-              <a:t>país</a:t>
             </a:r>
             <a:r>
               <a:rPr lang="en-US" b="0" dirty="0"/>
@@ -16034,7 +17272,7 @@
     <a:masterClrMapping/>
   </p:clrMapOvr>
   <p:transition spd="slow">
-    <p:push dir="u"/>
+    <p:push dir="r"/>
   </p:transition>
 </p:sld>
 </file>
@@ -16313,7 +17551,7 @@
     <a:masterClrMapping/>
   </p:clrMapOvr>
   <p:transition spd="slow">
-    <p:push dir="u"/>
+    <p:push dir="r"/>
   </p:transition>
 </p:sld>
 </file>
@@ -16592,7 +17830,7 @@
     <a:masterClrMapping/>
   </p:clrMapOvr>
   <p:transition spd="slow">
-    <p:push dir="u"/>
+    <p:push dir="r"/>
   </p:transition>
 </p:sld>
 </file>
@@ -16614,6 +17852,58 @@
           <a:chExt cx="0" cy="0"/>
         </a:xfrm>
       </p:grpSpPr>
+      <p:sp>
+        <p:nvSpPr>
+          <p:cNvPr id="15" name="Retângulo: Cantos Arredondados 14">
+            <a:extLst>
+              <a:ext uri="{FF2B5EF4-FFF2-40B4-BE49-F238E27FC236}">
+                <a16:creationId xmlns:a16="http://schemas.microsoft.com/office/drawing/2014/main" id="{6B82917C-9D52-6AE0-7B17-66B9DEF62824}"/>
+              </a:ext>
+            </a:extLst>
+          </p:cNvPr>
+          <p:cNvSpPr/>
+          <p:nvPr/>
+        </p:nvSpPr>
+        <p:spPr>
+          <a:xfrm>
+            <a:off x="4927600" y="1635760"/>
+            <a:ext cx="4958080" cy="3099002"/>
+          </a:xfrm>
+          <a:prstGeom prst="roundRect">
+            <a:avLst/>
+          </a:prstGeom>
+          <a:solidFill>
+            <a:schemeClr val="tx2">
+              <a:lumMod val="20000"/>
+              <a:lumOff val="80000"/>
+            </a:schemeClr>
+          </a:solidFill>
+        </p:spPr>
+        <p:style>
+          <a:lnRef idx="2">
+            <a:schemeClr val="accent1">
+              <a:shade val="15000"/>
+            </a:schemeClr>
+          </a:lnRef>
+          <a:fillRef idx="1">
+            <a:schemeClr val="accent1"/>
+          </a:fillRef>
+          <a:effectRef idx="0">
+            <a:schemeClr val="accent1"/>
+          </a:effectRef>
+          <a:fontRef idx="minor">
+            <a:schemeClr val="lt1"/>
+          </a:fontRef>
+        </p:style>
+        <p:txBody>
+          <a:bodyPr rtlCol="0" anchor="ctr"/>
+          <a:lstStyle/>
+          <a:p>
+            <a:pPr algn="ctr"/>
+            <a:endParaRPr lang="pt-BR"/>
+          </a:p>
+        </p:txBody>
+      </p:sp>
       <p:sp>
         <p:nvSpPr>
           <p:cNvPr id="5" name="Retângulo 4">
@@ -16797,8 +18087,8 @@
         </p:blipFill>
         <p:spPr>
           <a:xfrm>
-            <a:off x="296696" y="1129838"/>
-            <a:ext cx="4613564" cy="2150919"/>
+            <a:off x="1176073" y="1289112"/>
+            <a:ext cx="2535971" cy="1182311"/>
           </a:xfrm>
           <a:prstGeom prst="rect">
             <a:avLst/>
@@ -16832,8 +18122,8 @@
         </p:blipFill>
         <p:spPr>
           <a:xfrm>
-            <a:off x="296696" y="3643769"/>
-            <a:ext cx="5012373" cy="1331630"/>
+            <a:off x="608807" y="2739781"/>
+            <a:ext cx="3670501" cy="975137"/>
           </a:xfrm>
           <a:prstGeom prst="rect">
             <a:avLst/>
@@ -16842,915 +18132,10 @@
       </p:pic>
       <p:pic>
         <p:nvPicPr>
-          <p:cNvPr id="9" name="Imagem 8" descr="Logotipo&#10;&#10;Descrição gerada automaticamente">
+          <p:cNvPr id="6" name="Imagem 5" descr="Logotipo&#10;&#10;Descrição gerada automaticamente">
             <a:extLst>
               <a:ext uri="{FF2B5EF4-FFF2-40B4-BE49-F238E27FC236}">
-                <a16:creationId xmlns:a16="http://schemas.microsoft.com/office/drawing/2014/main" id="{1B3BE0C6-ABC7-5F1C-A358-ECCD9EE4826C}"/>
-              </a:ext>
-            </a:extLst>
-          </p:cNvPr>
-          <p:cNvPicPr>
-            <a:picLocks noChangeAspect="1"/>
-          </p:cNvPicPr>
-          <p:nvPr/>
-        </p:nvPicPr>
-        <p:blipFill rotWithShape="1">
-          <a:blip r:embed="rId5" cstate="print">
-            <a:extLst>
-              <a:ext uri="{28A0092B-C50C-407E-A947-70E740481C1C}">
-                <a14:useLocalDpi xmlns:a14="http://schemas.microsoft.com/office/drawing/2010/main" val="0"/>
-              </a:ext>
-            </a:extLst>
-          </a:blip>
-          <a:srcRect l="-258" t="11063" r="258" b="14822"/>
-          <a:stretch/>
-        </p:blipFill>
-        <p:spPr>
-          <a:xfrm>
-            <a:off x="5616433" y="1115299"/>
-            <a:ext cx="3811176" cy="2118500"/>
-          </a:xfrm>
-          <a:prstGeom prst="rect">
-            <a:avLst/>
-          </a:prstGeom>
-        </p:spPr>
-      </p:pic>
-    </p:spTree>
-    <p:extLst>
-      <p:ext uri="{BB962C8B-B14F-4D97-AF65-F5344CB8AC3E}">
-        <p14:creationId xmlns:p14="http://schemas.microsoft.com/office/powerpoint/2010/main" val="123445099"/>
-      </p:ext>
-    </p:extLst>
-  </p:cSld>
-  <p:clrMapOvr>
-    <a:masterClrMapping/>
-  </p:clrMapOvr>
-  <p:transition spd="slow">
-    <p:push dir="r"/>
-  </p:transition>
-</p:sld>
-</file>
-
-<file path=ppt/slides/slide17.xml><?xml version="1.0" encoding="utf-8"?>
-<p:sld xmlns:a="http://schemas.openxmlformats.org/drawingml/2006/main" xmlns:r="http://schemas.openxmlformats.org/officeDocument/2006/relationships" xmlns:p="http://schemas.openxmlformats.org/presentationml/2006/main">
-  <p:cSld>
-    <p:spTree>
-      <p:nvGrpSpPr>
-        <p:cNvPr id="1" name=""/>
-        <p:cNvGrpSpPr/>
-        <p:nvPr/>
-      </p:nvGrpSpPr>
-      <p:grpSpPr>
-        <a:xfrm>
-          <a:off x="0" y="0"/>
-          <a:ext cx="0" cy="0"/>
-          <a:chOff x="0" y="0"/>
-          <a:chExt cx="0" cy="0"/>
-        </a:xfrm>
-      </p:grpSpPr>
-      <p:sp>
-        <p:nvSpPr>
-          <p:cNvPr id="9" name="Retângulo 8">
-            <a:extLst>
-              <a:ext uri="{FF2B5EF4-FFF2-40B4-BE49-F238E27FC236}">
-                <a16:creationId xmlns:a16="http://schemas.microsoft.com/office/drawing/2014/main" id="{C772F35B-0098-4A15-DF5A-6BDB21AF4B2A}"/>
-              </a:ext>
-            </a:extLst>
-          </p:cNvPr>
-          <p:cNvSpPr/>
-          <p:nvPr/>
-        </p:nvSpPr>
-        <p:spPr>
-          <a:xfrm>
-            <a:off x="-1705" y="152399"/>
-            <a:ext cx="692861" cy="5518149"/>
-          </a:xfrm>
-          <a:prstGeom prst="rect">
-            <a:avLst/>
-          </a:prstGeom>
-          <a:solidFill>
-            <a:schemeClr val="bg1">
-              <a:lumMod val="65000"/>
-            </a:schemeClr>
-          </a:solidFill>
-        </p:spPr>
-        <p:style>
-          <a:lnRef idx="2">
-            <a:schemeClr val="accent1">
-              <a:shade val="15000"/>
-            </a:schemeClr>
-          </a:lnRef>
-          <a:fillRef idx="1">
-            <a:schemeClr val="accent1"/>
-          </a:fillRef>
-          <a:effectRef idx="0">
-            <a:schemeClr val="accent1"/>
-          </a:effectRef>
-          <a:fontRef idx="minor">
-            <a:schemeClr val="lt1"/>
-          </a:fontRef>
-        </p:style>
-        <p:txBody>
-          <a:bodyPr rtlCol="0" anchor="ctr"/>
-          <a:lstStyle/>
-          <a:p>
-            <a:pPr algn="ctr"/>
-            <a:endParaRPr lang="pt-BR" dirty="0"/>
-          </a:p>
-        </p:txBody>
-      </p:sp>
-      <p:sp>
-        <p:nvSpPr>
-          <p:cNvPr id="4" name="Retângulo 3">
-            <a:extLst>
-              <a:ext uri="{FF2B5EF4-FFF2-40B4-BE49-F238E27FC236}">
-                <a16:creationId xmlns:a16="http://schemas.microsoft.com/office/drawing/2014/main" id="{1BD5F02F-0257-1453-24C6-74E91C6823AB}"/>
-              </a:ext>
-            </a:extLst>
-          </p:cNvPr>
-          <p:cNvSpPr/>
-          <p:nvPr/>
-        </p:nvSpPr>
-        <p:spPr>
-          <a:xfrm>
-            <a:off x="1" y="0"/>
-            <a:ext cx="10080624" cy="925842"/>
-          </a:xfrm>
-          <a:prstGeom prst="rect">
-            <a:avLst/>
-          </a:prstGeom>
-          <a:solidFill>
-            <a:schemeClr val="bg1">
-              <a:lumMod val="65000"/>
-            </a:schemeClr>
-          </a:solidFill>
-        </p:spPr>
-        <p:style>
-          <a:lnRef idx="2">
-            <a:schemeClr val="accent1">
-              <a:shade val="15000"/>
-            </a:schemeClr>
-          </a:lnRef>
-          <a:fillRef idx="1">
-            <a:schemeClr val="accent1"/>
-          </a:fillRef>
-          <a:effectRef idx="0">
-            <a:schemeClr val="accent1"/>
-          </a:effectRef>
-          <a:fontRef idx="minor">
-            <a:schemeClr val="lt1"/>
-          </a:fontRef>
-        </p:style>
-        <p:txBody>
-          <a:bodyPr rtlCol="0" anchor="ctr"/>
-          <a:lstStyle/>
-          <a:p>
-            <a:pPr algn="ctr"/>
-            <a:endParaRPr lang="pt-BR" dirty="0"/>
-          </a:p>
-        </p:txBody>
-      </p:sp>
-      <p:cxnSp>
-        <p:nvCxnSpPr>
-          <p:cNvPr id="3" name="Conector reto 2">
-            <a:extLst>
-              <a:ext uri="{FF2B5EF4-FFF2-40B4-BE49-F238E27FC236}">
-                <a16:creationId xmlns:a16="http://schemas.microsoft.com/office/drawing/2014/main" id="{D2E32EFE-3BD6-FE5D-AA30-141995F20BF6}"/>
-              </a:ext>
-            </a:extLst>
-          </p:cNvPr>
-          <p:cNvCxnSpPr>
-            <a:cxnSpLocks/>
-          </p:cNvCxnSpPr>
-          <p:nvPr/>
-        </p:nvCxnSpPr>
-        <p:spPr>
-          <a:xfrm flipV="1">
-            <a:off x="691160" y="945720"/>
-            <a:ext cx="0" cy="4724830"/>
-          </a:xfrm>
-          <a:prstGeom prst="line">
-            <a:avLst/>
-          </a:prstGeom>
-          <a:ln w="76200">
-            <a:solidFill>
-              <a:srgbClr val="0070C0"/>
-            </a:solidFill>
-            <a:headEnd type="none"/>
-            <a:tailEnd type="oval"/>
-          </a:ln>
-        </p:spPr>
-        <p:style>
-          <a:lnRef idx="1">
-            <a:schemeClr val="accent1"/>
-          </a:lnRef>
-          <a:fillRef idx="0">
-            <a:schemeClr val="accent1"/>
-          </a:fillRef>
-          <a:effectRef idx="0">
-            <a:schemeClr val="accent1"/>
-          </a:effectRef>
-          <a:fontRef idx="minor">
-            <a:schemeClr val="tx1"/>
-          </a:fontRef>
-        </p:style>
-      </p:cxnSp>
-      <p:cxnSp>
-        <p:nvCxnSpPr>
-          <p:cNvPr id="5" name="Conector reto 4">
-            <a:extLst>
-              <a:ext uri="{FF2B5EF4-FFF2-40B4-BE49-F238E27FC236}">
-                <a16:creationId xmlns:a16="http://schemas.microsoft.com/office/drawing/2014/main" id="{80EAEB90-9BB9-FE36-8BA4-8C77DA0B55B2}"/>
-              </a:ext>
-            </a:extLst>
-          </p:cNvPr>
-          <p:cNvCxnSpPr>
-            <a:cxnSpLocks/>
-          </p:cNvCxnSpPr>
-          <p:nvPr/>
-        </p:nvCxnSpPr>
-        <p:spPr>
-          <a:xfrm flipH="1">
-            <a:off x="691160" y="935783"/>
-            <a:ext cx="9428047" cy="0"/>
-          </a:xfrm>
-          <a:prstGeom prst="line">
-            <a:avLst/>
-          </a:prstGeom>
-          <a:ln w="76200">
-            <a:solidFill>
-              <a:srgbClr val="0070C0"/>
-            </a:solidFill>
-            <a:headEnd type="none"/>
-            <a:tailEnd type="none"/>
-          </a:ln>
-        </p:spPr>
-        <p:style>
-          <a:lnRef idx="1">
-            <a:schemeClr val="accent1"/>
-          </a:lnRef>
-          <a:fillRef idx="0">
-            <a:schemeClr val="accent1"/>
-          </a:fillRef>
-          <a:effectRef idx="0">
-            <a:schemeClr val="accent1"/>
-          </a:effectRef>
-          <a:fontRef idx="minor">
-            <a:schemeClr val="tx1"/>
-          </a:fontRef>
-        </p:style>
-      </p:cxnSp>
-      <p:sp>
-        <p:nvSpPr>
-          <p:cNvPr id="6" name="PlaceHolder 1">
-            <a:extLst>
-              <a:ext uri="{FF2B5EF4-FFF2-40B4-BE49-F238E27FC236}">
-                <a16:creationId xmlns:a16="http://schemas.microsoft.com/office/drawing/2014/main" id="{CE0BA9F8-F50E-C038-106D-F06158C3231E}"/>
-              </a:ext>
-            </a:extLst>
-          </p:cNvPr>
-          <p:cNvSpPr txBox="1">
-            <a:spLocks/>
-          </p:cNvSpPr>
-          <p:nvPr/>
-        </p:nvSpPr>
-        <p:spPr>
-          <a:xfrm>
-            <a:off x="504853" y="0"/>
-            <a:ext cx="9070920" cy="945720"/>
-          </a:xfrm>
-          <a:prstGeom prst="rect">
-            <a:avLst/>
-          </a:prstGeom>
-          <a:noFill/>
-          <a:ln w="0">
-            <a:noFill/>
-          </a:ln>
-        </p:spPr>
-        <p:txBody>
-          <a:bodyPr lIns="0" tIns="0" rIns="0" bIns="0" anchor="ctr">
-            <a:noAutofit/>
-          </a:bodyPr>
-          <a:lstStyle>
-            <a:lvl1pPr algn="l" defTabSz="914400" rtl="0" eaLnBrk="1" latinLnBrk="0" hangingPunct="1">
-              <a:lnSpc>
-                <a:spcPct val="90000"/>
-              </a:lnSpc>
-              <a:spcBef>
-                <a:spcPct val="0"/>
-              </a:spcBef>
-              <a:buNone/>
-              <a:defRPr sz="4400" kern="1200">
-                <a:solidFill>
-                  <a:schemeClr val="tx1"/>
-                </a:solidFill>
-                <a:latin typeface="+mj-lt"/>
-                <a:ea typeface="+mj-ea"/>
-                <a:cs typeface="+mj-cs"/>
-              </a:defRPr>
-            </a:lvl1pPr>
-          </a:lstStyle>
-          <a:p>
-            <a:pPr algn="ctr">
-              <a:lnSpc>
-                <a:spcPct val="100000"/>
-              </a:lnSpc>
-              <a:tabLst>
-                <a:tab pos="0" algn="l"/>
-              </a:tabLst>
-            </a:pPr>
-            <a:r>
-              <a:rPr lang="pt-BR" sz="5400" spc="-1">
-                <a:solidFill>
-                  <a:schemeClr val="tx2">
-                    <a:lumMod val="75000"/>
-                  </a:schemeClr>
-                </a:solidFill>
-                <a:latin typeface="Trade Gothic Next Heavy" panose="020B0903040303020004" pitchFamily="34" charset="0"/>
-              </a:rPr>
-              <a:t>DOCUMENTAÇÃO</a:t>
-            </a:r>
-            <a:endParaRPr lang="en-CA" spc="-1" dirty="0">
-              <a:solidFill>
-                <a:schemeClr val="tx2">
-                  <a:lumMod val="75000"/>
-                </a:schemeClr>
-              </a:solidFill>
-              <a:latin typeface="Trade Gothic Next Heavy" panose="020B0903040303020004" pitchFamily="34" charset="0"/>
-            </a:endParaRPr>
-          </a:p>
-        </p:txBody>
-      </p:sp>
-      <p:pic>
-        <p:nvPicPr>
-          <p:cNvPr id="7" name="Picture 93">
-            <a:extLst>
-              <a:ext uri="{FF2B5EF4-FFF2-40B4-BE49-F238E27FC236}">
-                <a16:creationId xmlns:a16="http://schemas.microsoft.com/office/drawing/2014/main" id="{3D9BEC41-EDD3-E9DC-1C4B-F477B98C313E}"/>
-              </a:ext>
-            </a:extLst>
-          </p:cNvPr>
-          <p:cNvPicPr/>
-          <p:nvPr/>
-        </p:nvPicPr>
-        <p:blipFill>
-          <a:blip r:embed="rId3"/>
-          <a:stretch/>
-        </p:blipFill>
-        <p:spPr>
-          <a:xfrm>
-            <a:off x="1023868" y="1235682"/>
-            <a:ext cx="8762629" cy="4105148"/>
-          </a:xfrm>
-          <a:prstGeom prst="rect">
-            <a:avLst/>
-          </a:prstGeom>
-          <a:ln w="0">
-            <a:noFill/>
-          </a:ln>
-        </p:spPr>
-      </p:pic>
-    </p:spTree>
-  </p:cSld>
-  <p:clrMapOvr>
-    <a:masterClrMapping/>
-  </p:clrMapOvr>
-  <p:transition spd="slow">
-    <p:push dir="r"/>
-  </p:transition>
-</p:sld>
-</file>
-
-<file path=ppt/slides/slide18.xml><?xml version="1.0" encoding="utf-8"?>
-<p:sld xmlns:a="http://schemas.openxmlformats.org/drawingml/2006/main" xmlns:r="http://schemas.openxmlformats.org/officeDocument/2006/relationships" xmlns:p="http://schemas.openxmlformats.org/presentationml/2006/main">
-  <p:cSld>
-    <p:spTree>
-      <p:nvGrpSpPr>
-        <p:cNvPr id="1" name=""/>
-        <p:cNvGrpSpPr/>
-        <p:nvPr/>
-      </p:nvGrpSpPr>
-      <p:grpSpPr>
-        <a:xfrm>
-          <a:off x="0" y="0"/>
-          <a:ext cx="0" cy="0"/>
-          <a:chOff x="0" y="0"/>
-          <a:chExt cx="0" cy="0"/>
-        </a:xfrm>
-      </p:grpSpPr>
-      <p:sp>
-        <p:nvSpPr>
-          <p:cNvPr id="4" name="Retângulo 3">
-            <a:extLst>
-              <a:ext uri="{FF2B5EF4-FFF2-40B4-BE49-F238E27FC236}">
-                <a16:creationId xmlns:a16="http://schemas.microsoft.com/office/drawing/2014/main" id="{2442FD22-229E-D216-F158-CCC0CEB174B1}"/>
-              </a:ext>
-            </a:extLst>
-          </p:cNvPr>
-          <p:cNvSpPr/>
-          <p:nvPr/>
-        </p:nvSpPr>
-        <p:spPr>
-          <a:xfrm>
-            <a:off x="-1705" y="1"/>
-            <a:ext cx="692861" cy="5670548"/>
-          </a:xfrm>
-          <a:prstGeom prst="rect">
-            <a:avLst/>
-          </a:prstGeom>
-          <a:solidFill>
-            <a:schemeClr val="bg1">
-              <a:lumMod val="65000"/>
-            </a:schemeClr>
-          </a:solidFill>
-        </p:spPr>
-        <p:style>
-          <a:lnRef idx="2">
-            <a:schemeClr val="accent1">
-              <a:shade val="15000"/>
-            </a:schemeClr>
-          </a:lnRef>
-          <a:fillRef idx="1">
-            <a:schemeClr val="accent1"/>
-          </a:fillRef>
-          <a:effectRef idx="0">
-            <a:schemeClr val="accent1"/>
-          </a:effectRef>
-          <a:fontRef idx="minor">
-            <a:schemeClr val="lt1"/>
-          </a:fontRef>
-        </p:style>
-        <p:txBody>
-          <a:bodyPr rtlCol="0" anchor="ctr"/>
-          <a:lstStyle/>
-          <a:p>
-            <a:pPr algn="ctr"/>
-            <a:endParaRPr lang="pt-BR" dirty="0"/>
-          </a:p>
-        </p:txBody>
-      </p:sp>
-      <p:cxnSp>
-        <p:nvCxnSpPr>
-          <p:cNvPr id="5" name="Conector reto 4">
-            <a:extLst>
-              <a:ext uri="{FF2B5EF4-FFF2-40B4-BE49-F238E27FC236}">
-                <a16:creationId xmlns:a16="http://schemas.microsoft.com/office/drawing/2014/main" id="{067428E8-D1A1-6E13-C760-CF1872E5733F}"/>
-              </a:ext>
-            </a:extLst>
-          </p:cNvPr>
-          <p:cNvCxnSpPr>
-            <a:cxnSpLocks/>
-          </p:cNvCxnSpPr>
-          <p:nvPr/>
-        </p:nvCxnSpPr>
-        <p:spPr>
-          <a:xfrm flipV="1">
-            <a:off x="691156" y="0"/>
-            <a:ext cx="4" cy="5088835"/>
-          </a:xfrm>
-          <a:prstGeom prst="line">
-            <a:avLst/>
-          </a:prstGeom>
-          <a:ln w="76200">
-            <a:solidFill>
-              <a:srgbClr val="0070C0"/>
-            </a:solidFill>
-            <a:headEnd type="none"/>
-            <a:tailEnd type="none"/>
-          </a:ln>
-        </p:spPr>
-        <p:style>
-          <a:lnRef idx="1">
-            <a:schemeClr val="accent1"/>
-          </a:lnRef>
-          <a:fillRef idx="0">
-            <a:schemeClr val="accent1"/>
-          </a:fillRef>
-          <a:effectRef idx="0">
-            <a:schemeClr val="accent1"/>
-          </a:effectRef>
-          <a:fontRef idx="minor">
-            <a:schemeClr val="tx1"/>
-          </a:fontRef>
-        </p:style>
-      </p:cxnSp>
-      <p:sp>
-        <p:nvSpPr>
-          <p:cNvPr id="7" name="Retângulo 6">
-            <a:extLst>
-              <a:ext uri="{FF2B5EF4-FFF2-40B4-BE49-F238E27FC236}">
-                <a16:creationId xmlns:a16="http://schemas.microsoft.com/office/drawing/2014/main" id="{ACF905A2-E2B3-60D4-5B63-4618B429B76A}"/>
-              </a:ext>
-            </a:extLst>
-          </p:cNvPr>
-          <p:cNvSpPr/>
-          <p:nvPr/>
-        </p:nvSpPr>
-        <p:spPr>
-          <a:xfrm>
-            <a:off x="-1709" y="5088835"/>
-            <a:ext cx="10082334" cy="581715"/>
-          </a:xfrm>
-          <a:prstGeom prst="rect">
-            <a:avLst/>
-          </a:prstGeom>
-          <a:solidFill>
-            <a:schemeClr val="bg1">
-              <a:lumMod val="65000"/>
-            </a:schemeClr>
-          </a:solidFill>
-        </p:spPr>
-        <p:style>
-          <a:lnRef idx="2">
-            <a:schemeClr val="accent1">
-              <a:shade val="15000"/>
-            </a:schemeClr>
-          </a:lnRef>
-          <a:fillRef idx="1">
-            <a:schemeClr val="accent1"/>
-          </a:fillRef>
-          <a:effectRef idx="0">
-            <a:schemeClr val="accent1"/>
-          </a:effectRef>
-          <a:fontRef idx="minor">
-            <a:schemeClr val="lt1"/>
-          </a:fontRef>
-        </p:style>
-        <p:txBody>
-          <a:bodyPr rtlCol="0" anchor="ctr"/>
-          <a:lstStyle/>
-          <a:p>
-            <a:pPr algn="ctr"/>
-            <a:endParaRPr lang="pt-BR" dirty="0"/>
-          </a:p>
-        </p:txBody>
-      </p:sp>
-      <p:cxnSp>
-        <p:nvCxnSpPr>
-          <p:cNvPr id="9" name="Conector reto 8">
-            <a:extLst>
-              <a:ext uri="{FF2B5EF4-FFF2-40B4-BE49-F238E27FC236}">
-                <a16:creationId xmlns:a16="http://schemas.microsoft.com/office/drawing/2014/main" id="{45D8A6A8-AE41-E344-B550-E982A4AC05FB}"/>
-              </a:ext>
-            </a:extLst>
-          </p:cNvPr>
-          <p:cNvCxnSpPr>
-            <a:cxnSpLocks/>
-          </p:cNvCxnSpPr>
-          <p:nvPr/>
-        </p:nvCxnSpPr>
-        <p:spPr>
-          <a:xfrm flipH="1">
-            <a:off x="691156" y="5088835"/>
-            <a:ext cx="9466635" cy="0"/>
-          </a:xfrm>
-          <a:prstGeom prst="line">
-            <a:avLst/>
-          </a:prstGeom>
-          <a:ln w="76200">
-            <a:solidFill>
-              <a:srgbClr val="0070C0"/>
-            </a:solidFill>
-            <a:headEnd type="none"/>
-            <a:tailEnd type="oval"/>
-          </a:ln>
-        </p:spPr>
-        <p:style>
-          <a:lnRef idx="1">
-            <a:schemeClr val="accent1"/>
-          </a:lnRef>
-          <a:fillRef idx="0">
-            <a:schemeClr val="accent1"/>
-          </a:fillRef>
-          <a:effectRef idx="0">
-            <a:schemeClr val="accent1"/>
-          </a:effectRef>
-          <a:fontRef idx="minor">
-            <a:schemeClr val="tx1"/>
-          </a:fontRef>
-        </p:style>
-      </p:cxnSp>
-      <p:pic>
-        <p:nvPicPr>
-          <p:cNvPr id="3" name="Picture 95">
-            <a:extLst>
-              <a:ext uri="{FF2B5EF4-FFF2-40B4-BE49-F238E27FC236}">
-                <a16:creationId xmlns:a16="http://schemas.microsoft.com/office/drawing/2014/main" id="{AE5A475C-BB3B-24D3-E8F4-0BB63155923E}"/>
-              </a:ext>
-            </a:extLst>
-          </p:cNvPr>
-          <p:cNvPicPr/>
-          <p:nvPr/>
-        </p:nvPicPr>
-        <p:blipFill>
-          <a:blip r:embed="rId3"/>
-          <a:stretch/>
-        </p:blipFill>
-        <p:spPr>
-          <a:xfrm>
-            <a:off x="1326761" y="808108"/>
-            <a:ext cx="8195421" cy="4213313"/>
-          </a:xfrm>
-          <a:prstGeom prst="rect">
-            <a:avLst/>
-          </a:prstGeom>
-          <a:ln w="0">
-            <a:noFill/>
-          </a:ln>
-        </p:spPr>
-      </p:pic>
-      <p:sp>
-        <p:nvSpPr>
-          <p:cNvPr id="6" name="PlaceHolder 1">
-            <a:extLst>
-              <a:ext uri="{FF2B5EF4-FFF2-40B4-BE49-F238E27FC236}">
-                <a16:creationId xmlns:a16="http://schemas.microsoft.com/office/drawing/2014/main" id="{7A6DCD79-FB26-F640-C3B5-1B1F5AAEE6AC}"/>
-              </a:ext>
-            </a:extLst>
-          </p:cNvPr>
-          <p:cNvSpPr txBox="1">
-            <a:spLocks/>
-          </p:cNvSpPr>
-          <p:nvPr/>
-        </p:nvSpPr>
-        <p:spPr>
-          <a:xfrm>
-            <a:off x="504000" y="0"/>
-            <a:ext cx="9070920" cy="945720"/>
-          </a:xfrm>
-          <a:prstGeom prst="rect">
-            <a:avLst/>
-          </a:prstGeom>
-          <a:noFill/>
-          <a:ln w="0">
-            <a:noFill/>
-          </a:ln>
-        </p:spPr>
-        <p:txBody>
-          <a:bodyPr lIns="0" tIns="0" rIns="0" bIns="0" anchor="ctr">
-            <a:noAutofit/>
-          </a:bodyPr>
-          <a:lstStyle>
-            <a:lvl1pPr algn="l" defTabSz="914400" rtl="0" eaLnBrk="1" latinLnBrk="0" hangingPunct="1">
-              <a:lnSpc>
-                <a:spcPct val="90000"/>
-              </a:lnSpc>
-              <a:spcBef>
-                <a:spcPct val="0"/>
-              </a:spcBef>
-              <a:buNone/>
-              <a:defRPr sz="4400" kern="1200">
-                <a:solidFill>
-                  <a:schemeClr val="tx1"/>
-                </a:solidFill>
-                <a:latin typeface="+mj-lt"/>
-                <a:ea typeface="+mj-ea"/>
-                <a:cs typeface="+mj-cs"/>
-              </a:defRPr>
-            </a:lvl1pPr>
-          </a:lstStyle>
-          <a:p>
-            <a:pPr algn="ctr">
-              <a:lnSpc>
-                <a:spcPct val="100000"/>
-              </a:lnSpc>
-              <a:tabLst>
-                <a:tab pos="0" algn="l"/>
-              </a:tabLst>
-            </a:pPr>
-            <a:r>
-              <a:rPr lang="en-US" sz="5400" spc="-1" dirty="0">
-                <a:solidFill>
-                  <a:schemeClr val="tx2">
-                    <a:lumMod val="75000"/>
-                  </a:schemeClr>
-                </a:solidFill>
-                <a:latin typeface="Trade Gothic Next Heavy" panose="020B0903040303020004" pitchFamily="34" charset="0"/>
-              </a:rPr>
-              <a:t>API</a:t>
-            </a:r>
-            <a:endParaRPr lang="en-CA" sz="5400" spc="-1" dirty="0">
-              <a:solidFill>
-                <a:schemeClr val="tx2">
-                  <a:lumMod val="75000"/>
-                </a:schemeClr>
-              </a:solidFill>
-              <a:latin typeface="Trade Gothic Next Heavy" panose="020B0903040303020004" pitchFamily="34" charset="0"/>
-            </a:endParaRPr>
-          </a:p>
-        </p:txBody>
-      </p:sp>
-    </p:spTree>
-  </p:cSld>
-  <p:clrMapOvr>
-    <a:masterClrMapping/>
-  </p:clrMapOvr>
-  <p:transition spd="slow">
-    <p:push dir="u"/>
-  </p:transition>
-</p:sld>
-</file>
-
-<file path=ppt/slides/slide19.xml><?xml version="1.0" encoding="utf-8"?>
-<p:sld xmlns:a="http://schemas.openxmlformats.org/drawingml/2006/main" xmlns:r="http://schemas.openxmlformats.org/officeDocument/2006/relationships" xmlns:p="http://schemas.openxmlformats.org/presentationml/2006/main">
-  <p:cSld>
-    <p:spTree>
-      <p:nvGrpSpPr>
-        <p:cNvPr id="1" name=""/>
-        <p:cNvGrpSpPr/>
-        <p:nvPr/>
-      </p:nvGrpSpPr>
-      <p:grpSpPr>
-        <a:xfrm>
-          <a:off x="0" y="0"/>
-          <a:ext cx="0" cy="0"/>
-          <a:chOff x="0" y="0"/>
-          <a:chExt cx="0" cy="0"/>
-        </a:xfrm>
-      </p:grpSpPr>
-      <p:sp>
-        <p:nvSpPr>
-          <p:cNvPr id="7" name="Retângulo 6">
-            <a:extLst>
-              <a:ext uri="{FF2B5EF4-FFF2-40B4-BE49-F238E27FC236}">
-                <a16:creationId xmlns:a16="http://schemas.microsoft.com/office/drawing/2014/main" id="{ACF905A2-E2B3-60D4-5B63-4618B429B76A}"/>
-              </a:ext>
-            </a:extLst>
-          </p:cNvPr>
-          <p:cNvSpPr/>
-          <p:nvPr/>
-        </p:nvSpPr>
-        <p:spPr>
-          <a:xfrm>
-            <a:off x="-1709" y="5088835"/>
-            <a:ext cx="10082334" cy="581715"/>
-          </a:xfrm>
-          <a:prstGeom prst="rect">
-            <a:avLst/>
-          </a:prstGeom>
-          <a:solidFill>
-            <a:schemeClr val="bg1">
-              <a:lumMod val="65000"/>
-            </a:schemeClr>
-          </a:solidFill>
-        </p:spPr>
-        <p:style>
-          <a:lnRef idx="2">
-            <a:schemeClr val="accent1">
-              <a:shade val="15000"/>
-            </a:schemeClr>
-          </a:lnRef>
-          <a:fillRef idx="1">
-            <a:schemeClr val="accent1"/>
-          </a:fillRef>
-          <a:effectRef idx="0">
-            <a:schemeClr val="accent1"/>
-          </a:effectRef>
-          <a:fontRef idx="minor">
-            <a:schemeClr val="lt1"/>
-          </a:fontRef>
-        </p:style>
-        <p:txBody>
-          <a:bodyPr rtlCol="0" anchor="ctr"/>
-          <a:lstStyle/>
-          <a:p>
-            <a:pPr algn="ctr"/>
-            <a:endParaRPr lang="pt-BR" dirty="0"/>
-          </a:p>
-        </p:txBody>
-      </p:sp>
-      <p:cxnSp>
-        <p:nvCxnSpPr>
-          <p:cNvPr id="9" name="Conector reto 8">
-            <a:extLst>
-              <a:ext uri="{FF2B5EF4-FFF2-40B4-BE49-F238E27FC236}">
-                <a16:creationId xmlns:a16="http://schemas.microsoft.com/office/drawing/2014/main" id="{45D8A6A8-AE41-E344-B550-E982A4AC05FB}"/>
-              </a:ext>
-            </a:extLst>
-          </p:cNvPr>
-          <p:cNvCxnSpPr>
-            <a:cxnSpLocks/>
-          </p:cNvCxnSpPr>
-          <p:nvPr/>
-        </p:nvCxnSpPr>
-        <p:spPr>
-          <a:xfrm flipH="1">
-            <a:off x="-159488" y="5088835"/>
-            <a:ext cx="10317279" cy="0"/>
-          </a:xfrm>
-          <a:prstGeom prst="line">
-            <a:avLst/>
-          </a:prstGeom>
-          <a:ln w="76200">
-            <a:solidFill>
-              <a:srgbClr val="0070C0"/>
-            </a:solidFill>
-            <a:headEnd type="none"/>
-            <a:tailEnd type="none"/>
-          </a:ln>
-        </p:spPr>
-        <p:style>
-          <a:lnRef idx="1">
-            <a:schemeClr val="accent1"/>
-          </a:lnRef>
-          <a:fillRef idx="0">
-            <a:schemeClr val="accent1"/>
-          </a:fillRef>
-          <a:effectRef idx="0">
-            <a:schemeClr val="accent1"/>
-          </a:effectRef>
-          <a:fontRef idx="minor">
-            <a:schemeClr val="tx1"/>
-          </a:fontRef>
-        </p:style>
-      </p:cxnSp>
-      <p:sp>
-        <p:nvSpPr>
-          <p:cNvPr id="6" name="PlaceHolder 1">
-            <a:extLst>
-              <a:ext uri="{FF2B5EF4-FFF2-40B4-BE49-F238E27FC236}">
-                <a16:creationId xmlns:a16="http://schemas.microsoft.com/office/drawing/2014/main" id="{7A6DCD79-FB26-F640-C3B5-1B1F5AAEE6AC}"/>
-              </a:ext>
-            </a:extLst>
-          </p:cNvPr>
-          <p:cNvSpPr txBox="1">
-            <a:spLocks/>
-          </p:cNvSpPr>
-          <p:nvPr/>
-        </p:nvSpPr>
-        <p:spPr>
-          <a:xfrm>
-            <a:off x="504000" y="0"/>
-            <a:ext cx="9070920" cy="945720"/>
-          </a:xfrm>
-          <a:prstGeom prst="rect">
-            <a:avLst/>
-          </a:prstGeom>
-          <a:noFill/>
-          <a:ln w="0">
-            <a:noFill/>
-          </a:ln>
-        </p:spPr>
-        <p:txBody>
-          <a:bodyPr lIns="0" tIns="0" rIns="0" bIns="0" anchor="ctr">
-            <a:noAutofit/>
-          </a:bodyPr>
-          <a:lstStyle>
-            <a:lvl1pPr algn="l" defTabSz="914400" rtl="0" eaLnBrk="1" latinLnBrk="0" hangingPunct="1">
-              <a:lnSpc>
-                <a:spcPct val="90000"/>
-              </a:lnSpc>
-              <a:spcBef>
-                <a:spcPct val="0"/>
-              </a:spcBef>
-              <a:buNone/>
-              <a:defRPr sz="4400" kern="1200">
-                <a:solidFill>
-                  <a:schemeClr val="tx1"/>
-                </a:solidFill>
-                <a:latin typeface="+mj-lt"/>
-                <a:ea typeface="+mj-ea"/>
-                <a:cs typeface="+mj-cs"/>
-              </a:defRPr>
-            </a:lvl1pPr>
-          </a:lstStyle>
-          <a:p>
-            <a:pPr algn="ctr">
-              <a:lnSpc>
-                <a:spcPct val="100000"/>
-              </a:lnSpc>
-              <a:tabLst>
-                <a:tab pos="0" algn="l"/>
-              </a:tabLst>
-            </a:pPr>
-            <a:r>
-              <a:rPr lang="en-US" sz="5400" spc="-1" dirty="0">
-                <a:solidFill>
-                  <a:schemeClr val="tx2">
-                    <a:lumMod val="75000"/>
-                  </a:schemeClr>
-                </a:solidFill>
-                <a:latin typeface="Trade Gothic Next Heavy" panose="020B0903040303020004" pitchFamily="34" charset="0"/>
-              </a:rPr>
-              <a:t>CONCLUSÃO</a:t>
-            </a:r>
-            <a:endParaRPr lang="en-CA" sz="5400" spc="-1" dirty="0">
-              <a:solidFill>
-                <a:schemeClr val="tx2">
-                  <a:lumMod val="75000"/>
-                </a:schemeClr>
-              </a:solidFill>
-              <a:latin typeface="Trade Gothic Next Heavy" panose="020B0903040303020004" pitchFamily="34" charset="0"/>
-            </a:endParaRPr>
-          </a:p>
-        </p:txBody>
-      </p:sp>
-      <p:pic>
-        <p:nvPicPr>
-          <p:cNvPr id="3" name="Imagem 2" descr="Logotipo&#10;&#10;Descrição gerada automaticamente">
-            <a:extLst>
-              <a:ext uri="{FF2B5EF4-FFF2-40B4-BE49-F238E27FC236}">
-                <a16:creationId xmlns:a16="http://schemas.microsoft.com/office/drawing/2014/main" id="{02DE92AE-D616-0339-9851-D78E81D39FBC}"/>
+                <a16:creationId xmlns:a16="http://schemas.microsoft.com/office/drawing/2014/main" id="{31467CFC-F17F-341E-C71E-0CE92C89B004}"/>
               </a:ext>
             </a:extLst>
           </p:cNvPr>
@@ -17760,7 +18145,7 @@
           <p:nvPr/>
         </p:nvPicPr>
         <p:blipFill>
-          <a:blip r:embed="rId3" cstate="print">
+          <a:blip r:embed="rId5" cstate="print">
             <a:extLst>
               <a:ext uri="{28A0092B-C50C-407E-A947-70E740481C1C}">
                 <a14:useLocalDpi xmlns:a14="http://schemas.microsoft.com/office/drawing/2010/main" val="0"/>
@@ -17773,8 +18158,8 @@
         </p:blipFill>
         <p:spPr>
           <a:xfrm>
-            <a:off x="504001" y="1397503"/>
-            <a:ext cx="750197" cy="750197"/>
+            <a:off x="1072114" y="3983276"/>
+            <a:ext cx="2743885" cy="1371943"/>
           </a:xfrm>
           <a:prstGeom prst="rect">
             <a:avLst/>
@@ -17783,10 +18168,10 @@
       </p:pic>
       <p:sp>
         <p:nvSpPr>
-          <p:cNvPr id="4" name="PlaceHolder 2">
+          <p:cNvPr id="14" name="PlaceHolder 2">
             <a:extLst>
               <a:ext uri="{FF2B5EF4-FFF2-40B4-BE49-F238E27FC236}">
-                <a16:creationId xmlns:a16="http://schemas.microsoft.com/office/drawing/2014/main" id="{F4B9B012-D40E-28F9-B947-19989B96ECEA}"/>
+                <a16:creationId xmlns:a16="http://schemas.microsoft.com/office/drawing/2014/main" id="{30BB898F-7F08-4F87-85E5-B867C04B3B63}"/>
               </a:ext>
             </a:extLst>
           </p:cNvPr>
@@ -17797,8 +18182,8 @@
         </p:nvSpPr>
         <p:spPr>
           <a:xfrm>
-            <a:off x="1020417" y="1520880"/>
-            <a:ext cx="4019897" cy="2628789"/>
+            <a:off x="5086358" y="1869672"/>
+            <a:ext cx="4640563" cy="2631177"/>
           </a:xfrm>
           <a:prstGeom prst="rect">
             <a:avLst/>
@@ -17987,13 +18372,31 @@
               </a:tabLst>
             </a:pPr>
             <a:r>
+              <a:rPr lang="en-CA" sz="3500" b="1" spc="-1" dirty="0">
+                <a:solidFill>
+                  <a:srgbClr val="000000"/>
+                </a:solidFill>
+                <a:latin typeface="Trade Gothic Next" panose="020B0503040303020004" pitchFamily="34" charset="0"/>
+              </a:rPr>
+              <a:t>C</a:t>
+            </a:r>
+            <a:r>
+              <a:rPr lang="en-CA" sz="3500" spc="-1" dirty="0">
+                <a:solidFill>
+                  <a:srgbClr val="000000"/>
+                </a:solidFill>
+                <a:latin typeface="Trade Gothic Next" panose="020B0503040303020004" pitchFamily="34" charset="0"/>
+              </a:rPr>
+              <a:t>REATE - </a:t>
+            </a:r>
+            <a:r>
               <a:rPr lang="en-CA" sz="3500" spc="-1" dirty="0" err="1">
                 <a:solidFill>
                   <a:srgbClr val="000000"/>
                 </a:solidFill>
                 <a:latin typeface="Trade Gothic Next" panose="020B0503040303020004" pitchFamily="34" charset="0"/>
               </a:rPr>
-              <a:t>Funções</a:t>
+              <a:t>Criação</a:t>
             </a:r>
             <a:endParaRPr lang="en-CA" sz="3500" spc="-1" dirty="0">
               <a:solidFill>
@@ -18013,14 +18416,38 @@
               </a:tabLst>
             </a:pPr>
             <a:r>
+              <a:rPr lang="en-CA" sz="3500" b="1" spc="-1" dirty="0">
+                <a:solidFill>
+                  <a:srgbClr val="000000"/>
+                </a:solidFill>
+                <a:latin typeface="Trade Gothic Next" panose="020B0503040303020004" pitchFamily="34" charset="0"/>
+              </a:rPr>
+              <a:t>R</a:t>
+            </a:r>
+            <a:r>
               <a:rPr lang="en-CA" sz="3500" spc="-1" dirty="0">
                 <a:solidFill>
                   <a:srgbClr val="000000"/>
                 </a:solidFill>
                 <a:latin typeface="Trade Gothic Next" panose="020B0503040303020004" pitchFamily="34" charset="0"/>
               </a:rPr>
-              <a:t>Testes</a:t>
-            </a:r>
+              <a:t>EAD - </a:t>
+            </a:r>
+            <a:r>
+              <a:rPr lang="en-CA" sz="3500" spc="-1" dirty="0" err="1">
+                <a:solidFill>
+                  <a:srgbClr val="000000"/>
+                </a:solidFill>
+                <a:latin typeface="Trade Gothic Next" panose="020B0503040303020004" pitchFamily="34" charset="0"/>
+              </a:rPr>
+              <a:t>Leitura</a:t>
+            </a:r>
+            <a:endParaRPr lang="en-CA" sz="3500" spc="-1" dirty="0">
+              <a:solidFill>
+                <a:srgbClr val="000000"/>
+              </a:solidFill>
+              <a:latin typeface="Trade Gothic Next" panose="020B0503040303020004" pitchFamily="34" charset="0"/>
+            </a:endParaRPr>
           </a:p>
           <a:p>
             <a:pPr indent="0">
@@ -18033,31 +18460,31 @@
               </a:tabLst>
             </a:pPr>
             <a:r>
+              <a:rPr lang="en-CA" sz="3500" b="1" spc="-1" dirty="0">
+                <a:solidFill>
+                  <a:srgbClr val="000000"/>
+                </a:solidFill>
+                <a:latin typeface="Trade Gothic Next" panose="020B0503040303020004" pitchFamily="34" charset="0"/>
+              </a:rPr>
+              <a:t>U</a:t>
+            </a:r>
+            <a:r>
+              <a:rPr lang="en-CA" sz="3500" spc="-1" dirty="0">
+                <a:solidFill>
+                  <a:srgbClr val="000000"/>
+                </a:solidFill>
+                <a:latin typeface="Trade Gothic Next" panose="020B0503040303020004" pitchFamily="34" charset="0"/>
+              </a:rPr>
+              <a:t>PDATE - </a:t>
+            </a:r>
+            <a:r>
               <a:rPr lang="en-CA" sz="3500" spc="-1" dirty="0" err="1">
                 <a:solidFill>
                   <a:srgbClr val="000000"/>
                 </a:solidFill>
                 <a:latin typeface="Trade Gothic Next" panose="020B0503040303020004" pitchFamily="34" charset="0"/>
               </a:rPr>
-              <a:t>Encontrar</a:t>
-            </a:r>
-            <a:r>
-              <a:rPr lang="en-CA" sz="3500" spc="-1" dirty="0">
-                <a:solidFill>
-                  <a:srgbClr val="000000"/>
-                </a:solidFill>
-                <a:latin typeface="Trade Gothic Next" panose="020B0503040303020004" pitchFamily="34" charset="0"/>
-              </a:rPr>
-              <a:t> </a:t>
-            </a:r>
-            <a:r>
-              <a:rPr lang="en-CA" sz="3500" spc="-1" dirty="0" err="1">
-                <a:solidFill>
-                  <a:srgbClr val="000000"/>
-                </a:solidFill>
-                <a:latin typeface="Trade Gothic Next" panose="020B0503040303020004" pitchFamily="34" charset="0"/>
-              </a:rPr>
-              <a:t>vagas</a:t>
+              <a:t>Atualização</a:t>
             </a:r>
             <a:endParaRPr lang="en-CA" sz="3500" spc="-1" dirty="0">
               <a:solidFill>
@@ -18077,31 +18504,31 @@
               </a:tabLst>
             </a:pPr>
             <a:r>
+              <a:rPr lang="en-CA" sz="3500" b="1" spc="-1" dirty="0">
+                <a:solidFill>
+                  <a:srgbClr val="000000"/>
+                </a:solidFill>
+                <a:latin typeface="Trade Gothic Next" panose="020B0503040303020004" pitchFamily="34" charset="0"/>
+              </a:rPr>
+              <a:t>D</a:t>
+            </a:r>
+            <a:r>
+              <a:rPr lang="en-CA" sz="3500" spc="-1" dirty="0">
+                <a:solidFill>
+                  <a:srgbClr val="000000"/>
+                </a:solidFill>
+                <a:latin typeface="Trade Gothic Next" panose="020B0503040303020004" pitchFamily="34" charset="0"/>
+              </a:rPr>
+              <a:t>ELETE - </a:t>
+            </a:r>
+            <a:r>
               <a:rPr lang="en-CA" sz="3500" spc="-1" dirty="0" err="1">
                 <a:solidFill>
                   <a:srgbClr val="000000"/>
                 </a:solidFill>
                 <a:latin typeface="Trade Gothic Next" panose="020B0503040303020004" pitchFamily="34" charset="0"/>
               </a:rPr>
-              <a:t>Divulgar</a:t>
-            </a:r>
-            <a:r>
-              <a:rPr lang="en-CA" sz="3500" spc="-1" dirty="0">
-                <a:solidFill>
-                  <a:srgbClr val="000000"/>
-                </a:solidFill>
-                <a:latin typeface="Trade Gothic Next" panose="020B0503040303020004" pitchFamily="34" charset="0"/>
-              </a:rPr>
-              <a:t> </a:t>
-            </a:r>
-            <a:r>
-              <a:rPr lang="en-CA" sz="3500" spc="-1" dirty="0" err="1">
-                <a:solidFill>
-                  <a:srgbClr val="000000"/>
-                </a:solidFill>
-                <a:latin typeface="Trade Gothic Next" panose="020B0503040303020004" pitchFamily="34" charset="0"/>
-              </a:rPr>
-              <a:t>vagas</a:t>
+              <a:t>Exclusão</a:t>
             </a:r>
             <a:endParaRPr lang="en-CA" sz="3500" spc="-1" dirty="0">
               <a:solidFill>
@@ -18146,169 +18573,10 @@
           </a:p>
         </p:txBody>
       </p:sp>
-      <p:pic>
-        <p:nvPicPr>
-          <p:cNvPr id="5" name="Imagem 4" descr="Logotipo&#10;&#10;Descrição gerada automaticamente">
-            <a:extLst>
-              <a:ext uri="{FF2B5EF4-FFF2-40B4-BE49-F238E27FC236}">
-                <a16:creationId xmlns:a16="http://schemas.microsoft.com/office/drawing/2014/main" id="{AF479E15-4026-2464-D32B-80C87F773DD0}"/>
-              </a:ext>
-            </a:extLst>
-          </p:cNvPr>
-          <p:cNvPicPr>
-            <a:picLocks noChangeAspect="1"/>
-          </p:cNvPicPr>
-          <p:nvPr/>
-        </p:nvPicPr>
-        <p:blipFill>
-          <a:blip r:embed="rId3" cstate="print">
-            <a:extLst>
-              <a:ext uri="{28A0092B-C50C-407E-A947-70E740481C1C}">
-                <a14:useLocalDpi xmlns:a14="http://schemas.microsoft.com/office/drawing/2010/main" val="0"/>
-              </a:ext>
-            </a:extLst>
-          </a:blip>
-          <a:stretch>
-            <a:fillRect/>
-          </a:stretch>
-        </p:blipFill>
-        <p:spPr>
-          <a:xfrm>
-            <a:off x="504001" y="2063459"/>
-            <a:ext cx="750197" cy="750197"/>
-          </a:xfrm>
-          <a:prstGeom prst="rect">
-            <a:avLst/>
-          </a:prstGeom>
-        </p:spPr>
-      </p:pic>
-      <p:pic>
-        <p:nvPicPr>
-          <p:cNvPr id="8" name="Imagem 7" descr="Logotipo&#10;&#10;Descrição gerada automaticamente">
-            <a:extLst>
-              <a:ext uri="{FF2B5EF4-FFF2-40B4-BE49-F238E27FC236}">
-                <a16:creationId xmlns:a16="http://schemas.microsoft.com/office/drawing/2014/main" id="{F6B58F4B-E29A-70ED-3158-F18C325AAE47}"/>
-              </a:ext>
-            </a:extLst>
-          </p:cNvPr>
-          <p:cNvPicPr>
-            <a:picLocks noChangeAspect="1"/>
-          </p:cNvPicPr>
-          <p:nvPr/>
-        </p:nvPicPr>
-        <p:blipFill>
-          <a:blip r:embed="rId3" cstate="print">
-            <a:extLst>
-              <a:ext uri="{28A0092B-C50C-407E-A947-70E740481C1C}">
-                <a14:useLocalDpi xmlns:a14="http://schemas.microsoft.com/office/drawing/2010/main" val="0"/>
-              </a:ext>
-            </a:extLst>
-          </a:blip>
-          <a:stretch>
-            <a:fillRect/>
-          </a:stretch>
-        </p:blipFill>
-        <p:spPr>
-          <a:xfrm>
-            <a:off x="504001" y="2729415"/>
-            <a:ext cx="750197" cy="750197"/>
-          </a:xfrm>
-          <a:prstGeom prst="rect">
-            <a:avLst/>
-          </a:prstGeom>
-        </p:spPr>
-      </p:pic>
-      <p:pic>
-        <p:nvPicPr>
-          <p:cNvPr id="10" name="Imagem 9" descr="Logotipo&#10;&#10;Descrição gerada automaticamente">
-            <a:extLst>
-              <a:ext uri="{FF2B5EF4-FFF2-40B4-BE49-F238E27FC236}">
-                <a16:creationId xmlns:a16="http://schemas.microsoft.com/office/drawing/2014/main" id="{6B00029B-66B9-5DBA-2D28-EF518A0CCA08}"/>
-              </a:ext>
-            </a:extLst>
-          </p:cNvPr>
-          <p:cNvPicPr>
-            <a:picLocks noChangeAspect="1"/>
-          </p:cNvPicPr>
-          <p:nvPr/>
-        </p:nvPicPr>
-        <p:blipFill>
-          <a:blip r:embed="rId3" cstate="print">
-            <a:extLst>
-              <a:ext uri="{28A0092B-C50C-407E-A947-70E740481C1C}">
-                <a14:useLocalDpi xmlns:a14="http://schemas.microsoft.com/office/drawing/2010/main" val="0"/>
-              </a:ext>
-            </a:extLst>
-          </a:blip>
-          <a:stretch>
-            <a:fillRect/>
-          </a:stretch>
-        </p:blipFill>
-        <p:spPr>
-          <a:xfrm>
-            <a:off x="504001" y="3377723"/>
-            <a:ext cx="750197" cy="750197"/>
-          </a:xfrm>
-          <a:prstGeom prst="rect">
-            <a:avLst/>
-          </a:prstGeom>
-        </p:spPr>
-      </p:pic>
-      <mc:AlternateContent xmlns:mc="http://schemas.openxmlformats.org/markup-compatibility/2006">
-        <mc:Choice xmlns:p14="http://schemas.microsoft.com/office/powerpoint/2010/main" Requires="p14">
-          <p:contentPart p14:bwMode="auto" r:id="rId4">
-            <p14:nvContentPartPr>
-              <p14:cNvPr id="14" name="Tinta 13">
-                <a:extLst>
-                  <a:ext uri="{FF2B5EF4-FFF2-40B4-BE49-F238E27FC236}">
-                    <a16:creationId xmlns:a16="http://schemas.microsoft.com/office/drawing/2014/main" id="{1D4A6297-AEE4-3108-9F9D-D257394AE940}"/>
-                  </a:ext>
-                </a:extLst>
-              </p14:cNvPr>
-              <p14:cNvContentPartPr/>
-              <p14:nvPr/>
-            </p14:nvContentPartPr>
-            <p14:xfrm>
-              <a:off x="5167988" y="1669523"/>
-              <a:ext cx="360" cy="360"/>
-            </p14:xfrm>
-          </p:contentPart>
-        </mc:Choice>
-        <mc:Fallback>
-          <p:pic>
-            <p:nvPicPr>
-              <p:cNvPr id="14" name="Tinta 13">
-                <a:extLst>
-                  <a:ext uri="{FF2B5EF4-FFF2-40B4-BE49-F238E27FC236}">
-                    <a16:creationId xmlns:a16="http://schemas.microsoft.com/office/drawing/2014/main" id="{1D4A6297-AEE4-3108-9F9D-D257394AE940}"/>
-                  </a:ext>
-                </a:extLst>
-              </p:cNvPr>
-              <p:cNvPicPr/>
-              <p:nvPr/>
-            </p:nvPicPr>
-            <p:blipFill>
-              <a:blip r:embed="rId5"/>
-              <a:stretch>
-                <a:fillRect/>
-              </a:stretch>
-            </p:blipFill>
-            <p:spPr>
-              <a:xfrm>
-                <a:off x="5159348" y="1660523"/>
-                <a:ext cx="18000" cy="18000"/>
-              </a:xfrm>
-              <a:prstGeom prst="rect">
-                <a:avLst/>
-              </a:prstGeom>
-            </p:spPr>
-          </p:pic>
-        </mc:Fallback>
-      </mc:AlternateContent>
     </p:spTree>
     <p:extLst>
       <p:ext uri="{BB962C8B-B14F-4D97-AF65-F5344CB8AC3E}">
-        <p14:creationId xmlns:p14="http://schemas.microsoft.com/office/powerpoint/2010/main" val="2564683676"/>
+        <p14:creationId xmlns:p14="http://schemas.microsoft.com/office/powerpoint/2010/main" val="123445099"/>
       </p:ext>
     </p:extLst>
   </p:cSld>
@@ -18316,24 +18584,14 @@
     <a:masterClrMapping/>
   </p:clrMapOvr>
   <p:transition spd="slow">
-    <p:push/>
+    <p:push dir="r"/>
   </p:transition>
 </p:sld>
 </file>
 
-<file path=ppt/slides/slide2.xml><?xml version="1.0" encoding="utf-8"?>
+<file path=ppt/slides/slide17.xml><?xml version="1.0" encoding="utf-8"?>
 <p:sld xmlns:a="http://schemas.openxmlformats.org/drawingml/2006/main" xmlns:r="http://schemas.openxmlformats.org/officeDocument/2006/relationships" xmlns:p="http://schemas.openxmlformats.org/presentationml/2006/main">
   <p:cSld>
-    <p:bg>
-      <p:bgPr>
-        <a:solidFill>
-          <a:schemeClr val="bg1">
-            <a:lumMod val="95000"/>
-          </a:schemeClr>
-        </a:solidFill>
-        <a:effectLst/>
-      </p:bgPr>
-    </p:bg>
     <p:spTree>
       <p:nvGrpSpPr>
         <p:cNvPr id="1" name=""/>
@@ -18350,10 +18608,10 @@
       </p:grpSpPr>
       <p:sp>
         <p:nvSpPr>
-          <p:cNvPr id="10" name="Retângulo 9">
+          <p:cNvPr id="9" name="Retângulo 8">
             <a:extLst>
               <a:ext uri="{FF2B5EF4-FFF2-40B4-BE49-F238E27FC236}">
-                <a16:creationId xmlns:a16="http://schemas.microsoft.com/office/drawing/2014/main" id="{E6016259-80FB-2518-6661-D55C7A9FF550}"/>
+                <a16:creationId xmlns:a16="http://schemas.microsoft.com/office/drawing/2014/main" id="{C772F35B-0098-4A15-DF5A-6BDB21AF4B2A}"/>
               </a:ext>
             </a:extLst>
           </p:cNvPr>
@@ -18362,8 +18620,8 @@
         </p:nvSpPr>
         <p:spPr>
           <a:xfrm>
-            <a:off x="2929892" y="-3380"/>
-            <a:ext cx="7150734" cy="5673930"/>
+            <a:off x="-1705" y="152399"/>
+            <a:ext cx="692861" cy="5518149"/>
           </a:xfrm>
           <a:prstGeom prst="rect">
             <a:avLst/>
@@ -18401,59 +18659,10 @@
       </p:sp>
       <p:sp>
         <p:nvSpPr>
-          <p:cNvPr id="2" name="Título 1">
+          <p:cNvPr id="4" name="Retângulo 3">
             <a:extLst>
               <a:ext uri="{FF2B5EF4-FFF2-40B4-BE49-F238E27FC236}">
-                <a16:creationId xmlns:a16="http://schemas.microsoft.com/office/drawing/2014/main" id="{68D6CF72-2F0C-2680-EC57-98BBA1508A70}"/>
-              </a:ext>
-            </a:extLst>
-          </p:cNvPr>
-          <p:cNvSpPr>
-            <a:spLocks noGrp="1"/>
-          </p:cNvSpPr>
-          <p:nvPr>
-            <p:ph type="title"/>
-          </p:nvPr>
-        </p:nvSpPr>
-        <p:spPr>
-          <a:xfrm>
-            <a:off x="-1" y="2536620"/>
-            <a:ext cx="2964119" cy="597310"/>
-          </a:xfrm>
-        </p:spPr>
-        <p:txBody>
-          <a:bodyPr vert="horz"/>
-          <a:lstStyle/>
-          <a:p>
-            <a:pPr algn="ctr"/>
-            <a:r>
-              <a:rPr lang="en-US" sz="4000" dirty="0">
-                <a:solidFill>
-                  <a:schemeClr val="tx2">
-                    <a:lumMod val="75000"/>
-                  </a:schemeClr>
-                </a:solidFill>
-                <a:latin typeface="Trade Gothic Next Heavy" panose="020B0903040303020004" pitchFamily="34" charset="0"/>
-              </a:rPr>
-              <a:t>MEMBROS</a:t>
-            </a:r>
-            <a:endParaRPr lang="pt-BR" dirty="0">
-              <a:solidFill>
-                <a:schemeClr val="tx2">
-                  <a:lumMod val="75000"/>
-                </a:schemeClr>
-              </a:solidFill>
-              <a:latin typeface="Trade Gothic Next Heavy" panose="020B0903040303020004" pitchFamily="34" charset="0"/>
-            </a:endParaRPr>
-          </a:p>
-        </p:txBody>
-      </p:sp>
-      <p:sp>
-        <p:nvSpPr>
-          <p:cNvPr id="8" name="Retângulo: Cantos Superiores Arredondados 7">
-            <a:extLst>
-              <a:ext uri="{FF2B5EF4-FFF2-40B4-BE49-F238E27FC236}">
-                <a16:creationId xmlns:a16="http://schemas.microsoft.com/office/drawing/2014/main" id="{9F6C6E84-7940-891D-BFA5-0FDECE9459BA}"/>
+                <a16:creationId xmlns:a16="http://schemas.microsoft.com/office/drawing/2014/main" id="{1BD5F02F-0257-1453-24C6-74E91C6823AB}"/>
               </a:ext>
             </a:extLst>
           </p:cNvPr>
@@ -18462,773 +18671,8 @@
         </p:nvSpPr>
         <p:spPr>
           <a:xfrm>
-            <a:off x="3915250" y="152400"/>
-            <a:ext cx="2030308" cy="2008853"/>
-          </a:xfrm>
-          <a:prstGeom prst="round2SameRect">
-            <a:avLst/>
-          </a:prstGeom>
-          <a:blipFill dpi="0" rotWithShape="1">
-            <a:blip r:embed="rId3" cstate="print">
-              <a:extLst>
-                <a:ext uri="{28A0092B-C50C-407E-A947-70E740481C1C}">
-                  <a14:useLocalDpi xmlns:a14="http://schemas.microsoft.com/office/drawing/2010/main" val="0"/>
-                </a:ext>
-              </a:extLst>
-            </a:blip>
-            <a:srcRect/>
-            <a:stretch>
-              <a:fillRect/>
-            </a:stretch>
-          </a:blipFill>
-        </p:spPr>
-        <p:style>
-          <a:lnRef idx="2">
-            <a:schemeClr val="accent1">
-              <a:shade val="15000"/>
-            </a:schemeClr>
-          </a:lnRef>
-          <a:fillRef idx="1">
-            <a:schemeClr val="accent1"/>
-          </a:fillRef>
-          <a:effectRef idx="0">
-            <a:schemeClr val="accent1"/>
-          </a:effectRef>
-          <a:fontRef idx="minor">
-            <a:schemeClr val="lt1"/>
-          </a:fontRef>
-        </p:style>
-        <p:txBody>
-          <a:bodyPr rtlCol="0" anchor="ctr"/>
-          <a:lstStyle/>
-          <a:p>
-            <a:pPr algn="ctr"/>
-            <a:endParaRPr lang="pt-BR" dirty="0"/>
-          </a:p>
-        </p:txBody>
-      </p:sp>
-      <p:sp>
-        <p:nvSpPr>
-          <p:cNvPr id="16" name="CaixaDeTexto 15">
-            <a:extLst>
-              <a:ext uri="{FF2B5EF4-FFF2-40B4-BE49-F238E27FC236}">
-                <a16:creationId xmlns:a16="http://schemas.microsoft.com/office/drawing/2014/main" id="{C4EA22FE-B04C-1796-A7CF-787E1223D8DC}"/>
-              </a:ext>
-            </a:extLst>
-          </p:cNvPr>
-          <p:cNvSpPr txBox="1"/>
-          <p:nvPr/>
-        </p:nvSpPr>
-        <p:spPr>
-          <a:xfrm>
-            <a:off x="3913292" y="2161253"/>
-            <a:ext cx="2030308" cy="584775"/>
-          </a:xfrm>
-          <a:prstGeom prst="rect">
-            <a:avLst/>
-          </a:prstGeom>
-          <a:noFill/>
-        </p:spPr>
-        <p:txBody>
-          <a:bodyPr wrap="square" rtlCol="0">
-            <a:spAutoFit/>
-          </a:bodyPr>
-          <a:lstStyle/>
-          <a:p>
-            <a:pPr algn="ctr"/>
-            <a:r>
-              <a:rPr lang="es-ES" sz="1600" dirty="0">
-                <a:solidFill>
-                  <a:schemeClr val="bg1"/>
-                </a:solidFill>
-                <a:latin typeface="Trade Gothic Next Heavy" panose="020B0903040303020004" pitchFamily="34" charset="0"/>
-              </a:rPr>
-              <a:t>GABRIEL MENEZES</a:t>
-            </a:r>
-          </a:p>
-          <a:p>
-            <a:pPr algn="ctr"/>
-            <a:r>
-              <a:rPr lang="es-ES" sz="1600" dirty="0">
-                <a:solidFill>
-                  <a:schemeClr val="bg1"/>
-                </a:solidFill>
-                <a:latin typeface="Trade Gothic Next Heavy" panose="020B0903040303020004" pitchFamily="34" charset="0"/>
-              </a:rPr>
-              <a:t>F13GJI6</a:t>
-            </a:r>
-            <a:endParaRPr lang="pt-BR" sz="1600" dirty="0">
-              <a:solidFill>
-                <a:schemeClr val="bg1"/>
-              </a:solidFill>
-              <a:latin typeface="Trade Gothic Next Heavy" panose="020B0903040303020004" pitchFamily="34" charset="0"/>
-            </a:endParaRPr>
-          </a:p>
-        </p:txBody>
-      </p:sp>
-      <p:sp>
-        <p:nvSpPr>
-          <p:cNvPr id="17" name="CaixaDeTexto 16">
-            <a:extLst>
-              <a:ext uri="{FF2B5EF4-FFF2-40B4-BE49-F238E27FC236}">
-                <a16:creationId xmlns:a16="http://schemas.microsoft.com/office/drawing/2014/main" id="{1E8110CE-CAD8-4D3D-BE6C-2DFC985B36D6}"/>
-              </a:ext>
-            </a:extLst>
-          </p:cNvPr>
-          <p:cNvSpPr txBox="1"/>
-          <p:nvPr/>
-        </p:nvSpPr>
-        <p:spPr>
-          <a:xfrm>
-            <a:off x="6995979" y="2161252"/>
-            <a:ext cx="2030308" cy="584775"/>
-          </a:xfrm>
-          <a:prstGeom prst="rect">
-            <a:avLst/>
-          </a:prstGeom>
-          <a:noFill/>
-        </p:spPr>
-        <p:txBody>
-          <a:bodyPr wrap="square" rtlCol="0">
-            <a:spAutoFit/>
-          </a:bodyPr>
-          <a:lstStyle/>
-          <a:p>
-            <a:pPr algn="ctr"/>
-            <a:r>
-              <a:rPr lang="es-ES" sz="1600" dirty="0">
-                <a:solidFill>
-                  <a:schemeClr val="bg1"/>
-                </a:solidFill>
-                <a:latin typeface="Trade Gothic Next Heavy" panose="020B0903040303020004" pitchFamily="34" charset="0"/>
-              </a:rPr>
-              <a:t>CARLOS FERREIRA</a:t>
-            </a:r>
-          </a:p>
-          <a:p>
-            <a:pPr algn="ctr"/>
-            <a:r>
-              <a:rPr lang="es-ES" sz="1600" dirty="0">
-                <a:solidFill>
-                  <a:schemeClr val="bg1"/>
-                </a:solidFill>
-                <a:latin typeface="Trade Gothic Next Heavy" panose="020B0903040303020004" pitchFamily="34" charset="0"/>
-              </a:rPr>
-              <a:t>N6401C7</a:t>
-            </a:r>
-            <a:endParaRPr lang="pt-BR" sz="1600" dirty="0">
-              <a:solidFill>
-                <a:schemeClr val="bg1"/>
-              </a:solidFill>
-              <a:latin typeface="Trade Gothic Next Heavy" panose="020B0903040303020004" pitchFamily="34" charset="0"/>
-            </a:endParaRPr>
-          </a:p>
-        </p:txBody>
-      </p:sp>
-      <p:sp>
-        <p:nvSpPr>
-          <p:cNvPr id="18" name="CaixaDeTexto 17">
-            <a:extLst>
-              <a:ext uri="{FF2B5EF4-FFF2-40B4-BE49-F238E27FC236}">
-                <a16:creationId xmlns:a16="http://schemas.microsoft.com/office/drawing/2014/main" id="{7BF1DF0B-FEDB-208A-1ED4-6405F7D14DE8}"/>
-              </a:ext>
-            </a:extLst>
-          </p:cNvPr>
-          <p:cNvSpPr txBox="1"/>
-          <p:nvPr/>
-        </p:nvSpPr>
-        <p:spPr>
-          <a:xfrm>
-            <a:off x="3913292" y="4977151"/>
-            <a:ext cx="2030308" cy="584775"/>
-          </a:xfrm>
-          <a:prstGeom prst="rect">
-            <a:avLst/>
-          </a:prstGeom>
-          <a:noFill/>
-        </p:spPr>
-        <p:txBody>
-          <a:bodyPr wrap="square" rtlCol="0">
-            <a:spAutoFit/>
-          </a:bodyPr>
-          <a:lstStyle/>
-          <a:p>
-            <a:pPr algn="ctr"/>
-            <a:r>
-              <a:rPr lang="es-ES" sz="1600" dirty="0">
-                <a:solidFill>
-                  <a:schemeClr val="bg1"/>
-                </a:solidFill>
-                <a:latin typeface="Trade Gothic Next Heavy" panose="020B0903040303020004" pitchFamily="34" charset="0"/>
-              </a:rPr>
-              <a:t>GUSTAVO FARIA</a:t>
-            </a:r>
-          </a:p>
-          <a:p>
-            <a:pPr algn="ctr"/>
-            <a:r>
-              <a:rPr lang="es-ES" sz="1600" dirty="0">
-                <a:solidFill>
-                  <a:schemeClr val="bg1"/>
-                </a:solidFill>
-                <a:latin typeface="Trade Gothic Next Heavy" panose="020B0903040303020004" pitchFamily="34" charset="0"/>
-              </a:rPr>
-              <a:t>F22IFG2</a:t>
-            </a:r>
-            <a:endParaRPr lang="pt-BR" sz="1600" dirty="0">
-              <a:solidFill>
-                <a:schemeClr val="bg1"/>
-              </a:solidFill>
-              <a:latin typeface="Trade Gothic Next Heavy" panose="020B0903040303020004" pitchFamily="34" charset="0"/>
-            </a:endParaRPr>
-          </a:p>
-        </p:txBody>
-      </p:sp>
-      <p:sp>
-        <p:nvSpPr>
-          <p:cNvPr id="19" name="CaixaDeTexto 18">
-            <a:extLst>
-              <a:ext uri="{FF2B5EF4-FFF2-40B4-BE49-F238E27FC236}">
-                <a16:creationId xmlns:a16="http://schemas.microsoft.com/office/drawing/2014/main" id="{1EFF087C-0B2B-0FB3-2860-E5046AEBDDA1}"/>
-              </a:ext>
-            </a:extLst>
-          </p:cNvPr>
-          <p:cNvSpPr txBox="1"/>
-          <p:nvPr/>
-        </p:nvSpPr>
-        <p:spPr>
-          <a:xfrm>
-            <a:off x="6940535" y="4977150"/>
-            <a:ext cx="2141195" cy="584775"/>
-          </a:xfrm>
-          <a:prstGeom prst="rect">
-            <a:avLst/>
-          </a:prstGeom>
-          <a:noFill/>
-        </p:spPr>
-        <p:txBody>
-          <a:bodyPr wrap="square" rtlCol="0">
-            <a:spAutoFit/>
-          </a:bodyPr>
-          <a:lstStyle/>
-          <a:p>
-            <a:pPr algn="ctr"/>
-            <a:r>
-              <a:rPr lang="es-ES" sz="1600" dirty="0">
-                <a:solidFill>
-                  <a:schemeClr val="bg1"/>
-                </a:solidFill>
-                <a:latin typeface="Trade Gothic Next Heavy" panose="020B0903040303020004" pitchFamily="34" charset="0"/>
-              </a:rPr>
-              <a:t>MAYARA MARQUES</a:t>
-            </a:r>
-          </a:p>
-          <a:p>
-            <a:pPr algn="ctr"/>
-            <a:r>
-              <a:rPr lang="es-ES" sz="1600" dirty="0">
-                <a:solidFill>
-                  <a:schemeClr val="bg1"/>
-                </a:solidFill>
-                <a:latin typeface="Trade Gothic Next Heavy" panose="020B0903040303020004" pitchFamily="34" charset="0"/>
-              </a:rPr>
-              <a:t>N542DD1</a:t>
-            </a:r>
-          </a:p>
-        </p:txBody>
-      </p:sp>
-      <p:sp>
-        <p:nvSpPr>
-          <p:cNvPr id="20" name="Retângulo: Cantos Superiores Arredondados 19">
-            <a:extLst>
-              <a:ext uri="{FF2B5EF4-FFF2-40B4-BE49-F238E27FC236}">
-                <a16:creationId xmlns:a16="http://schemas.microsoft.com/office/drawing/2014/main" id="{E844AE5A-A342-2977-C422-8576718A17F8}"/>
-              </a:ext>
-            </a:extLst>
-          </p:cNvPr>
-          <p:cNvSpPr/>
-          <p:nvPr/>
-        </p:nvSpPr>
-        <p:spPr>
-          <a:xfrm>
-            <a:off x="6995979" y="152399"/>
-            <a:ext cx="2030308" cy="2008853"/>
-          </a:xfrm>
-          <a:prstGeom prst="round2SameRect">
-            <a:avLst/>
-          </a:prstGeom>
-          <a:blipFill dpi="0" rotWithShape="1">
-            <a:blip r:embed="rId4" cstate="print">
-              <a:extLst>
-                <a:ext uri="{28A0092B-C50C-407E-A947-70E740481C1C}">
-                  <a14:useLocalDpi xmlns:a14="http://schemas.microsoft.com/office/drawing/2010/main" val="0"/>
-                </a:ext>
-              </a:extLst>
-            </a:blip>
-            <a:srcRect/>
-            <a:stretch>
-              <a:fillRect/>
-            </a:stretch>
-          </a:blipFill>
-        </p:spPr>
-        <p:style>
-          <a:lnRef idx="2">
-            <a:schemeClr val="accent1">
-              <a:shade val="15000"/>
-            </a:schemeClr>
-          </a:lnRef>
-          <a:fillRef idx="1">
-            <a:schemeClr val="accent1"/>
-          </a:fillRef>
-          <a:effectRef idx="0">
-            <a:schemeClr val="accent1"/>
-          </a:effectRef>
-          <a:fontRef idx="minor">
-            <a:schemeClr val="lt1"/>
-          </a:fontRef>
-        </p:style>
-        <p:txBody>
-          <a:bodyPr rtlCol="0" anchor="ctr"/>
-          <a:lstStyle/>
-          <a:p>
-            <a:pPr algn="ctr"/>
-            <a:endParaRPr lang="pt-BR" dirty="0"/>
-          </a:p>
-        </p:txBody>
-      </p:sp>
-      <p:sp>
-        <p:nvSpPr>
-          <p:cNvPr id="21" name="Retângulo: Cantos Superiores Arredondados 20">
-            <a:extLst>
-              <a:ext uri="{FF2B5EF4-FFF2-40B4-BE49-F238E27FC236}">
-                <a16:creationId xmlns:a16="http://schemas.microsoft.com/office/drawing/2014/main" id="{D5C06AD3-3907-EAF4-FCF1-8649C1643852}"/>
-              </a:ext>
-            </a:extLst>
-          </p:cNvPr>
-          <p:cNvSpPr/>
-          <p:nvPr/>
-        </p:nvSpPr>
-        <p:spPr>
-          <a:xfrm>
-            <a:off x="3911332" y="2968298"/>
-            <a:ext cx="2030308" cy="2008853"/>
-          </a:xfrm>
-          <a:prstGeom prst="round2SameRect">
-            <a:avLst/>
-          </a:prstGeom>
-          <a:blipFill dpi="0" rotWithShape="1">
-            <a:blip r:embed="rId5" cstate="print">
-              <a:extLst>
-                <a:ext uri="{28A0092B-C50C-407E-A947-70E740481C1C}">
-                  <a14:useLocalDpi xmlns:a14="http://schemas.microsoft.com/office/drawing/2010/main" val="0"/>
-                </a:ext>
-              </a:extLst>
-            </a:blip>
-            <a:srcRect/>
-            <a:stretch>
-              <a:fillRect/>
-            </a:stretch>
-          </a:blipFill>
-        </p:spPr>
-        <p:style>
-          <a:lnRef idx="2">
-            <a:schemeClr val="accent1">
-              <a:shade val="15000"/>
-            </a:schemeClr>
-          </a:lnRef>
-          <a:fillRef idx="1">
-            <a:schemeClr val="accent1"/>
-          </a:fillRef>
-          <a:effectRef idx="0">
-            <a:schemeClr val="accent1"/>
-          </a:effectRef>
-          <a:fontRef idx="minor">
-            <a:schemeClr val="lt1"/>
-          </a:fontRef>
-        </p:style>
-        <p:txBody>
-          <a:bodyPr rtlCol="0" anchor="ctr"/>
-          <a:lstStyle/>
-          <a:p>
-            <a:pPr algn="ctr"/>
-            <a:endParaRPr lang="pt-BR" dirty="0"/>
-          </a:p>
-        </p:txBody>
-      </p:sp>
-      <p:sp>
-        <p:nvSpPr>
-          <p:cNvPr id="22" name="Retângulo: Cantos Superiores Arredondados 21">
-            <a:extLst>
-              <a:ext uri="{FF2B5EF4-FFF2-40B4-BE49-F238E27FC236}">
-                <a16:creationId xmlns:a16="http://schemas.microsoft.com/office/drawing/2014/main" id="{17980685-20AD-BE8E-E11D-610814348D49}"/>
-              </a:ext>
-            </a:extLst>
-          </p:cNvPr>
-          <p:cNvSpPr/>
-          <p:nvPr/>
-        </p:nvSpPr>
-        <p:spPr>
-          <a:xfrm>
-            <a:off x="6994998" y="2968298"/>
-            <a:ext cx="2030308" cy="2008853"/>
-          </a:xfrm>
-          <a:prstGeom prst="round2SameRect">
-            <a:avLst/>
-          </a:prstGeom>
-          <a:blipFill dpi="0" rotWithShape="1">
-            <a:blip r:embed="rId6" cstate="print">
-              <a:extLst>
-                <a:ext uri="{BEBA8EAE-BF5A-486C-A8C5-ECC9F3942E4B}">
-                  <a14:imgProps xmlns:a14="http://schemas.microsoft.com/office/drawing/2010/main">
-                    <a14:imgLayer r:embed="rId7">
-                      <a14:imgEffect>
-                        <a14:sharpenSoften amount="-25000"/>
-                      </a14:imgEffect>
-                    </a14:imgLayer>
-                  </a14:imgProps>
-                </a:ext>
-                <a:ext uri="{28A0092B-C50C-407E-A947-70E740481C1C}">
-                  <a14:useLocalDpi xmlns:a14="http://schemas.microsoft.com/office/drawing/2010/main" val="0"/>
-                </a:ext>
-              </a:extLst>
-            </a:blip>
-            <a:srcRect/>
-            <a:stretch>
-              <a:fillRect l="-534" r="-534"/>
-            </a:stretch>
-          </a:blipFill>
-        </p:spPr>
-        <p:style>
-          <a:lnRef idx="2">
-            <a:schemeClr val="accent1">
-              <a:shade val="15000"/>
-            </a:schemeClr>
-          </a:lnRef>
-          <a:fillRef idx="1">
-            <a:schemeClr val="accent1"/>
-          </a:fillRef>
-          <a:effectRef idx="0">
-            <a:schemeClr val="accent1"/>
-          </a:effectRef>
-          <a:fontRef idx="minor">
-            <a:schemeClr val="lt1"/>
-          </a:fontRef>
-        </p:style>
-        <p:txBody>
-          <a:bodyPr rtlCol="0" anchor="ctr"/>
-          <a:lstStyle/>
-          <a:p>
-            <a:pPr algn="ctr"/>
-            <a:endParaRPr lang="pt-BR" dirty="0"/>
-          </a:p>
-        </p:txBody>
-      </p:sp>
-      <p:cxnSp>
-        <p:nvCxnSpPr>
-          <p:cNvPr id="25" name="Conector reto 24">
-            <a:extLst>
-              <a:ext uri="{FF2B5EF4-FFF2-40B4-BE49-F238E27FC236}">
-                <a16:creationId xmlns:a16="http://schemas.microsoft.com/office/drawing/2014/main" id="{B1EE88B6-5D47-1B31-5C0F-871EC645503B}"/>
-              </a:ext>
-            </a:extLst>
-          </p:cNvPr>
-          <p:cNvCxnSpPr>
-            <a:cxnSpLocks/>
-            <a:stCxn id="10" idx="1"/>
-            <a:endCxn id="10" idx="3"/>
-          </p:cNvCxnSpPr>
-          <p:nvPr/>
-        </p:nvCxnSpPr>
-        <p:spPr>
-          <a:xfrm>
-            <a:off x="2929892" y="2833585"/>
-            <a:ext cx="7150734" cy="0"/>
-          </a:xfrm>
-          <a:prstGeom prst="line">
-            <a:avLst/>
-          </a:prstGeom>
-          <a:ln w="76200">
-            <a:solidFill>
-              <a:srgbClr val="0070C0"/>
-            </a:solidFill>
-            <a:headEnd type="oval"/>
-          </a:ln>
-        </p:spPr>
-        <p:style>
-          <a:lnRef idx="1">
-            <a:schemeClr val="accent1"/>
-          </a:lnRef>
-          <a:fillRef idx="0">
-            <a:schemeClr val="accent1"/>
-          </a:fillRef>
-          <a:effectRef idx="0">
-            <a:schemeClr val="accent1"/>
-          </a:effectRef>
-          <a:fontRef idx="minor">
-            <a:schemeClr val="tx1"/>
-          </a:fontRef>
-        </p:style>
-      </p:cxnSp>
-      <p:cxnSp>
-        <p:nvCxnSpPr>
-          <p:cNvPr id="26" name="Conector reto 25">
-            <a:extLst>
-              <a:ext uri="{FF2B5EF4-FFF2-40B4-BE49-F238E27FC236}">
-                <a16:creationId xmlns:a16="http://schemas.microsoft.com/office/drawing/2014/main" id="{C08CA2A7-C242-DFFE-DE0C-7DE0AF092083}"/>
-              </a:ext>
-            </a:extLst>
-          </p:cNvPr>
-          <p:cNvCxnSpPr>
-            <a:cxnSpLocks/>
-          </p:cNvCxnSpPr>
-          <p:nvPr/>
-        </p:nvCxnSpPr>
-        <p:spPr>
-          <a:xfrm flipV="1">
-            <a:off x="2929892" y="-3380"/>
-            <a:ext cx="0" cy="2836965"/>
-          </a:xfrm>
-          <a:prstGeom prst="line">
-            <a:avLst/>
-          </a:prstGeom>
-          <a:ln w="76200">
-            <a:solidFill>
-              <a:srgbClr val="0070C0"/>
-            </a:solidFill>
-          </a:ln>
-        </p:spPr>
-        <p:style>
-          <a:lnRef idx="1">
-            <a:schemeClr val="accent1"/>
-          </a:lnRef>
-          <a:fillRef idx="0">
-            <a:schemeClr val="accent1"/>
-          </a:fillRef>
-          <a:effectRef idx="0">
-            <a:schemeClr val="accent1"/>
-          </a:effectRef>
-          <a:fontRef idx="minor">
-            <a:schemeClr val="tx1"/>
-          </a:fontRef>
-        </p:style>
-      </p:cxnSp>
-    </p:spTree>
-    <p:extLst>
-      <p:ext uri="{BB962C8B-B14F-4D97-AF65-F5344CB8AC3E}">
-        <p14:creationId xmlns:p14="http://schemas.microsoft.com/office/powerpoint/2010/main" val="3472991072"/>
-      </p:ext>
-    </p:extLst>
-  </p:cSld>
-  <p:clrMapOvr>
-    <a:masterClrMapping/>
-  </p:clrMapOvr>
-  <p:transition spd="slow">
-    <p:push dir="u"/>
-  </p:transition>
-</p:sld>
-</file>
-
-<file path=ppt/slides/slide20.xml><?xml version="1.0" encoding="utf-8"?>
-<p:sld xmlns:a="http://schemas.openxmlformats.org/drawingml/2006/main" xmlns:r="http://schemas.openxmlformats.org/officeDocument/2006/relationships" xmlns:p="http://schemas.openxmlformats.org/presentationml/2006/main">
-  <p:cSld>
-    <p:bg>
-      <p:bgPr>
-        <a:solidFill>
-          <a:schemeClr val="bg1">
-            <a:lumMod val="65000"/>
-          </a:schemeClr>
-        </a:solidFill>
-        <a:effectLst/>
-      </p:bgPr>
-    </p:bg>
-    <p:spTree>
-      <p:nvGrpSpPr>
-        <p:cNvPr id="1" name=""/>
-        <p:cNvGrpSpPr/>
-        <p:nvPr/>
-      </p:nvGrpSpPr>
-      <p:grpSpPr>
-        <a:xfrm>
-          <a:off x="0" y="0"/>
-          <a:ext cx="0" cy="0"/>
-          <a:chOff x="0" y="0"/>
-          <a:chExt cx="0" cy="0"/>
-        </a:xfrm>
-      </p:grpSpPr>
-      <p:sp>
-        <p:nvSpPr>
-          <p:cNvPr id="104" name="PlaceHolder 2"/>
-          <p:cNvSpPr>
-            <a:spLocks noGrp="1"/>
-          </p:cNvSpPr>
-          <p:nvPr>
-            <p:ph/>
-          </p:nvPr>
-        </p:nvSpPr>
-        <p:spPr>
-          <a:xfrm>
-            <a:off x="504000" y="1326600"/>
-            <a:ext cx="9070920" cy="3287520"/>
-          </a:xfrm>
-          <a:prstGeom prst="rect">
-            <a:avLst/>
-          </a:prstGeom>
-          <a:noFill/>
-          <a:ln w="0">
-            <a:noFill/>
-          </a:ln>
-        </p:spPr>
-        <p:txBody>
-          <a:bodyPr lIns="0" tIns="0" rIns="0" bIns="0" anchor="t">
-            <a:normAutofit/>
-          </a:bodyPr>
-          <a:lstStyle/>
-          <a:p>
-            <a:pPr indent="0" algn="ctr">
-              <a:lnSpc>
-                <a:spcPct val="100000"/>
-              </a:lnSpc>
-              <a:spcBef>
-                <a:spcPts val="1417"/>
-              </a:spcBef>
-              <a:buNone/>
-              <a:tabLst>
-                <a:tab pos="0" algn="l"/>
-              </a:tabLst>
-            </a:pPr>
-            <a:r>
-              <a:rPr lang="en-CA" sz="1800" b="0" strike="noStrike" spc="-1">
-                <a:solidFill>
-                  <a:srgbClr val="000000"/>
-                </a:solidFill>
-                <a:latin typeface="Arial"/>
-              </a:rPr>
-              <a:t>&lt;Vídeo de demonstração do site aqui&gt;</a:t>
-            </a:r>
-          </a:p>
-        </p:txBody>
-      </p:sp>
-      <p:sp>
-        <p:nvSpPr>
-          <p:cNvPr id="2" name="PlaceHolder 1">
-            <a:extLst>
-              <a:ext uri="{FF2B5EF4-FFF2-40B4-BE49-F238E27FC236}">
-                <a16:creationId xmlns:a16="http://schemas.microsoft.com/office/drawing/2014/main" id="{458F9E88-64C7-47F0-A86D-759DF099DE63}"/>
-              </a:ext>
-            </a:extLst>
-          </p:cNvPr>
-          <p:cNvSpPr txBox="1">
-            <a:spLocks/>
-          </p:cNvSpPr>
-          <p:nvPr/>
-        </p:nvSpPr>
-        <p:spPr>
-          <a:xfrm>
-            <a:off x="504000" y="0"/>
-            <a:ext cx="9070920" cy="945720"/>
-          </a:xfrm>
-          <a:prstGeom prst="rect">
-            <a:avLst/>
-          </a:prstGeom>
-          <a:noFill/>
-          <a:ln w="0">
-            <a:noFill/>
-          </a:ln>
-        </p:spPr>
-        <p:txBody>
-          <a:bodyPr lIns="0" tIns="0" rIns="0" bIns="0" anchor="ctr">
-            <a:noAutofit/>
-          </a:bodyPr>
-          <a:lstStyle>
-            <a:lvl1pPr algn="l" defTabSz="914400" rtl="0" eaLnBrk="1" latinLnBrk="0" hangingPunct="1">
-              <a:lnSpc>
-                <a:spcPct val="90000"/>
-              </a:lnSpc>
-              <a:spcBef>
-                <a:spcPct val="0"/>
-              </a:spcBef>
-              <a:buNone/>
-              <a:defRPr sz="4400" kern="1200">
-                <a:solidFill>
-                  <a:schemeClr val="tx1"/>
-                </a:solidFill>
-                <a:latin typeface="+mj-lt"/>
-                <a:ea typeface="+mj-ea"/>
-                <a:cs typeface="+mj-cs"/>
-              </a:defRPr>
-            </a:lvl1pPr>
-          </a:lstStyle>
-          <a:p>
-            <a:pPr algn="ctr">
-              <a:lnSpc>
-                <a:spcPct val="100000"/>
-              </a:lnSpc>
-              <a:tabLst>
-                <a:tab pos="0" algn="l"/>
-              </a:tabLst>
-            </a:pPr>
-            <a:r>
-              <a:rPr lang="en-US" sz="5400" spc="-1" dirty="0">
-                <a:solidFill>
-                  <a:schemeClr val="bg1"/>
-                </a:solidFill>
-                <a:latin typeface="Trade Gothic Next Heavy" panose="020B0903040303020004" pitchFamily="34" charset="0"/>
-              </a:rPr>
-              <a:t>DEMONSTRAÇÃO</a:t>
-            </a:r>
-            <a:endParaRPr lang="en-CA" sz="5400" spc="-1" dirty="0">
-              <a:solidFill>
-                <a:schemeClr val="bg1"/>
-              </a:solidFill>
-              <a:latin typeface="Trade Gothic Next Heavy" panose="020B0903040303020004" pitchFamily="34" charset="0"/>
-            </a:endParaRPr>
-          </a:p>
-        </p:txBody>
-      </p:sp>
-    </p:spTree>
-  </p:cSld>
-  <p:clrMapOvr>
-    <a:masterClrMapping/>
-  </p:clrMapOvr>
-  <p:transition spd="slow">
-    <p:push dir="u"/>
-  </p:transition>
-</p:sld>
-</file>
-
-<file path=ppt/slides/slide3.xml><?xml version="1.0" encoding="utf-8"?>
-<p:sld xmlns:a="http://schemas.openxmlformats.org/drawingml/2006/main" xmlns:r="http://schemas.openxmlformats.org/officeDocument/2006/relationships" xmlns:p="http://schemas.openxmlformats.org/presentationml/2006/main">
-  <p:cSld>
-    <p:spTree>
-      <p:nvGrpSpPr>
-        <p:cNvPr id="1" name=""/>
-        <p:cNvGrpSpPr/>
-        <p:nvPr/>
-      </p:nvGrpSpPr>
-      <p:grpSpPr>
-        <a:xfrm>
-          <a:off x="0" y="0"/>
-          <a:ext cx="0" cy="0"/>
-          <a:chOff x="0" y="0"/>
-          <a:chExt cx="0" cy="0"/>
-        </a:xfrm>
-      </p:grpSpPr>
-      <p:sp>
-        <p:nvSpPr>
-          <p:cNvPr id="4" name="Retângulo 3">
-            <a:extLst>
-              <a:ext uri="{FF2B5EF4-FFF2-40B4-BE49-F238E27FC236}">
-                <a16:creationId xmlns:a16="http://schemas.microsoft.com/office/drawing/2014/main" id="{D1DC97AA-45FA-951A-F8CC-133BB2CA2E1A}"/>
-              </a:ext>
-            </a:extLst>
-          </p:cNvPr>
-          <p:cNvSpPr/>
-          <p:nvPr/>
-        </p:nvSpPr>
-        <p:spPr>
-          <a:xfrm>
-            <a:off x="152398" y="4975207"/>
-            <a:ext cx="9889251" cy="695344"/>
+            <a:off x="1" y="0"/>
+            <a:ext cx="10080624" cy="925842"/>
           </a:xfrm>
           <a:prstGeom prst="rect">
             <a:avLst/>
@@ -19260,16 +18704,244 @@
           <a:lstStyle/>
           <a:p>
             <a:pPr algn="ctr"/>
-            <a:endParaRPr lang="pt-BR"/>
-          </a:p>
-        </p:txBody>
-      </p:sp>
-      <p:sp>
-        <p:nvSpPr>
-          <p:cNvPr id="3" name="Retângulo 2">
+            <a:endParaRPr lang="pt-BR" dirty="0"/>
+          </a:p>
+        </p:txBody>
+      </p:sp>
+      <p:cxnSp>
+        <p:nvCxnSpPr>
+          <p:cNvPr id="3" name="Conector reto 2">
             <a:extLst>
               <a:ext uri="{FF2B5EF4-FFF2-40B4-BE49-F238E27FC236}">
-                <a16:creationId xmlns:a16="http://schemas.microsoft.com/office/drawing/2014/main" id="{FC895BDB-5A96-4F9E-5494-1883A14D688C}"/>
+                <a16:creationId xmlns:a16="http://schemas.microsoft.com/office/drawing/2014/main" id="{D2E32EFE-3BD6-FE5D-AA30-141995F20BF6}"/>
+              </a:ext>
+            </a:extLst>
+          </p:cNvPr>
+          <p:cNvCxnSpPr>
+            <a:cxnSpLocks/>
+          </p:cNvCxnSpPr>
+          <p:nvPr/>
+        </p:nvCxnSpPr>
+        <p:spPr>
+          <a:xfrm flipV="1">
+            <a:off x="691160" y="945720"/>
+            <a:ext cx="0" cy="4724830"/>
+          </a:xfrm>
+          <a:prstGeom prst="line">
+            <a:avLst/>
+          </a:prstGeom>
+          <a:ln w="76200">
+            <a:solidFill>
+              <a:srgbClr val="0070C0"/>
+            </a:solidFill>
+            <a:headEnd type="none"/>
+            <a:tailEnd type="oval"/>
+          </a:ln>
+        </p:spPr>
+        <p:style>
+          <a:lnRef idx="1">
+            <a:schemeClr val="accent1"/>
+          </a:lnRef>
+          <a:fillRef idx="0">
+            <a:schemeClr val="accent1"/>
+          </a:fillRef>
+          <a:effectRef idx="0">
+            <a:schemeClr val="accent1"/>
+          </a:effectRef>
+          <a:fontRef idx="minor">
+            <a:schemeClr val="tx1"/>
+          </a:fontRef>
+        </p:style>
+      </p:cxnSp>
+      <p:cxnSp>
+        <p:nvCxnSpPr>
+          <p:cNvPr id="5" name="Conector reto 4">
+            <a:extLst>
+              <a:ext uri="{FF2B5EF4-FFF2-40B4-BE49-F238E27FC236}">
+                <a16:creationId xmlns:a16="http://schemas.microsoft.com/office/drawing/2014/main" id="{80EAEB90-9BB9-FE36-8BA4-8C77DA0B55B2}"/>
+              </a:ext>
+            </a:extLst>
+          </p:cNvPr>
+          <p:cNvCxnSpPr>
+            <a:cxnSpLocks/>
+          </p:cNvCxnSpPr>
+          <p:nvPr/>
+        </p:nvCxnSpPr>
+        <p:spPr>
+          <a:xfrm flipH="1">
+            <a:off x="691160" y="935783"/>
+            <a:ext cx="9428047" cy="0"/>
+          </a:xfrm>
+          <a:prstGeom prst="line">
+            <a:avLst/>
+          </a:prstGeom>
+          <a:ln w="76200">
+            <a:solidFill>
+              <a:srgbClr val="0070C0"/>
+            </a:solidFill>
+            <a:headEnd type="none"/>
+            <a:tailEnd type="none"/>
+          </a:ln>
+        </p:spPr>
+        <p:style>
+          <a:lnRef idx="1">
+            <a:schemeClr val="accent1"/>
+          </a:lnRef>
+          <a:fillRef idx="0">
+            <a:schemeClr val="accent1"/>
+          </a:fillRef>
+          <a:effectRef idx="0">
+            <a:schemeClr val="accent1"/>
+          </a:effectRef>
+          <a:fontRef idx="minor">
+            <a:schemeClr val="tx1"/>
+          </a:fontRef>
+        </p:style>
+      </p:cxnSp>
+      <p:sp>
+        <p:nvSpPr>
+          <p:cNvPr id="6" name="PlaceHolder 1">
+            <a:extLst>
+              <a:ext uri="{FF2B5EF4-FFF2-40B4-BE49-F238E27FC236}">
+                <a16:creationId xmlns:a16="http://schemas.microsoft.com/office/drawing/2014/main" id="{CE0BA9F8-F50E-C038-106D-F06158C3231E}"/>
+              </a:ext>
+            </a:extLst>
+          </p:cNvPr>
+          <p:cNvSpPr txBox="1">
+            <a:spLocks/>
+          </p:cNvSpPr>
+          <p:nvPr/>
+        </p:nvSpPr>
+        <p:spPr>
+          <a:xfrm>
+            <a:off x="504853" y="0"/>
+            <a:ext cx="9070920" cy="945720"/>
+          </a:xfrm>
+          <a:prstGeom prst="rect">
+            <a:avLst/>
+          </a:prstGeom>
+          <a:noFill/>
+          <a:ln w="0">
+            <a:noFill/>
+          </a:ln>
+        </p:spPr>
+        <p:txBody>
+          <a:bodyPr lIns="0" tIns="0" rIns="0" bIns="0" anchor="ctr">
+            <a:noAutofit/>
+          </a:bodyPr>
+          <a:lstStyle>
+            <a:lvl1pPr algn="l" defTabSz="914400" rtl="0" eaLnBrk="1" latinLnBrk="0" hangingPunct="1">
+              <a:lnSpc>
+                <a:spcPct val="90000"/>
+              </a:lnSpc>
+              <a:spcBef>
+                <a:spcPct val="0"/>
+              </a:spcBef>
+              <a:buNone/>
+              <a:defRPr sz="4400" kern="1200">
+                <a:solidFill>
+                  <a:schemeClr val="tx1"/>
+                </a:solidFill>
+                <a:latin typeface="+mj-lt"/>
+                <a:ea typeface="+mj-ea"/>
+                <a:cs typeface="+mj-cs"/>
+              </a:defRPr>
+            </a:lvl1pPr>
+          </a:lstStyle>
+          <a:p>
+            <a:pPr algn="ctr">
+              <a:lnSpc>
+                <a:spcPct val="100000"/>
+              </a:lnSpc>
+              <a:tabLst>
+                <a:tab pos="0" algn="l"/>
+              </a:tabLst>
+            </a:pPr>
+            <a:r>
+              <a:rPr lang="pt-BR" sz="5400" spc="-1">
+                <a:solidFill>
+                  <a:schemeClr val="tx2">
+                    <a:lumMod val="75000"/>
+                  </a:schemeClr>
+                </a:solidFill>
+                <a:latin typeface="Trade Gothic Next Heavy" panose="020B0903040303020004" pitchFamily="34" charset="0"/>
+              </a:rPr>
+              <a:t>DOCUMENTAÇÃO</a:t>
+            </a:r>
+            <a:endParaRPr lang="en-CA" spc="-1" dirty="0">
+              <a:solidFill>
+                <a:schemeClr val="tx2">
+                  <a:lumMod val="75000"/>
+                </a:schemeClr>
+              </a:solidFill>
+              <a:latin typeface="Trade Gothic Next Heavy" panose="020B0903040303020004" pitchFamily="34" charset="0"/>
+            </a:endParaRPr>
+          </a:p>
+        </p:txBody>
+      </p:sp>
+      <p:pic>
+        <p:nvPicPr>
+          <p:cNvPr id="7" name="Picture 93">
+            <a:extLst>
+              <a:ext uri="{FF2B5EF4-FFF2-40B4-BE49-F238E27FC236}">
+                <a16:creationId xmlns:a16="http://schemas.microsoft.com/office/drawing/2014/main" id="{3D9BEC41-EDD3-E9DC-1C4B-F477B98C313E}"/>
+              </a:ext>
+            </a:extLst>
+          </p:cNvPr>
+          <p:cNvPicPr/>
+          <p:nvPr/>
+        </p:nvPicPr>
+        <p:blipFill>
+          <a:blip r:embed="rId3"/>
+          <a:stretch/>
+        </p:blipFill>
+        <p:spPr>
+          <a:xfrm>
+            <a:off x="1023868" y="1235682"/>
+            <a:ext cx="8762629" cy="4105148"/>
+          </a:xfrm>
+          <a:prstGeom prst="rect">
+            <a:avLst/>
+          </a:prstGeom>
+          <a:ln w="0">
+            <a:noFill/>
+          </a:ln>
+        </p:spPr>
+      </p:pic>
+    </p:spTree>
+  </p:cSld>
+  <p:clrMapOvr>
+    <a:masterClrMapping/>
+  </p:clrMapOvr>
+  <p:transition spd="slow">
+    <p:push dir="r"/>
+  </p:transition>
+</p:sld>
+</file>
+
+<file path=ppt/slides/slide18.xml><?xml version="1.0" encoding="utf-8"?>
+<p:sld xmlns:a="http://schemas.openxmlformats.org/drawingml/2006/main" xmlns:r="http://schemas.openxmlformats.org/officeDocument/2006/relationships" xmlns:p="http://schemas.openxmlformats.org/presentationml/2006/main">
+  <p:cSld>
+    <p:spTree>
+      <p:nvGrpSpPr>
+        <p:cNvPr id="1" name=""/>
+        <p:cNvGrpSpPr/>
+        <p:nvPr/>
+      </p:nvGrpSpPr>
+      <p:grpSpPr>
+        <a:xfrm>
+          <a:off x="0" y="0"/>
+          <a:ext cx="0" cy="0"/>
+          <a:chOff x="0" y="0"/>
+          <a:chExt cx="0" cy="0"/>
+        </a:xfrm>
+      </p:grpSpPr>
+      <p:sp>
+        <p:nvSpPr>
+          <p:cNvPr id="9" name="Retângulo 8">
+            <a:extLst>
+              <a:ext uri="{FF2B5EF4-FFF2-40B4-BE49-F238E27FC236}">
+                <a16:creationId xmlns:a16="http://schemas.microsoft.com/office/drawing/2014/main" id="{C772F35B-0098-4A15-DF5A-6BDB21AF4B2A}"/>
               </a:ext>
             </a:extLst>
           </p:cNvPr>
@@ -19278,8 +18950,8 @@
         </p:nvSpPr>
         <p:spPr>
           <a:xfrm>
-            <a:off x="0" y="2835275"/>
-            <a:ext cx="432000" cy="2835275"/>
+            <a:off x="-1705" y="-9935"/>
+            <a:ext cx="692861" cy="5680484"/>
           </a:xfrm>
           <a:prstGeom prst="rect">
             <a:avLst/>
@@ -19311,76 +18983,16 @@
           <a:lstStyle/>
           <a:p>
             <a:pPr algn="ctr"/>
-            <a:endParaRPr lang="pt-BR"/>
-          </a:p>
-        </p:txBody>
-      </p:sp>
-      <p:sp>
-        <p:nvSpPr>
-          <p:cNvPr id="84" name="PlaceHolder 1"/>
-          <p:cNvSpPr>
-            <a:spLocks noGrp="1"/>
-          </p:cNvSpPr>
-          <p:nvPr>
-            <p:ph type="title"/>
-          </p:nvPr>
-        </p:nvSpPr>
-        <p:spPr>
-          <a:xfrm>
-            <a:off x="504853" y="0"/>
-            <a:ext cx="9070920" cy="945720"/>
-          </a:xfrm>
-          <a:prstGeom prst="rect">
-            <a:avLst/>
-          </a:prstGeom>
-          <a:noFill/>
-          <a:ln w="0">
-            <a:noFill/>
-          </a:ln>
-        </p:spPr>
-        <p:txBody>
-          <a:bodyPr lIns="0" tIns="0" rIns="0" bIns="0" anchor="ctr">
-            <a:noAutofit/>
-          </a:bodyPr>
-          <a:lstStyle/>
-          <a:p>
-            <a:pPr indent="0" algn="ctr">
-              <a:lnSpc>
-                <a:spcPct val="100000"/>
-              </a:lnSpc>
-              <a:buNone/>
-              <a:tabLst>
-                <a:tab pos="0" algn="l"/>
-              </a:tabLst>
-            </a:pPr>
-            <a:r>
-              <a:rPr lang="en-US" sz="5400" spc="-1" dirty="0">
-                <a:solidFill>
-                  <a:schemeClr val="tx2">
-                    <a:lumMod val="75000"/>
-                  </a:schemeClr>
-                </a:solidFill>
-                <a:latin typeface="Trade Gothic Next Heavy" panose="020B0903040303020004" pitchFamily="34" charset="0"/>
-              </a:rPr>
-              <a:t>OBJETIVO</a:t>
-            </a:r>
-            <a:endParaRPr lang="en-CA" sz="5400" b="0" strike="noStrike" spc="-1" dirty="0">
-              <a:solidFill>
-                <a:schemeClr val="tx2">
-                  <a:lumMod val="75000"/>
-                </a:schemeClr>
-              </a:solidFill>
-              <a:latin typeface="Trade Gothic Next Heavy" panose="020B0903040303020004" pitchFamily="34" charset="0"/>
-            </a:endParaRPr>
+            <a:endParaRPr lang="pt-BR" dirty="0"/>
           </a:p>
         </p:txBody>
       </p:sp>
       <p:cxnSp>
         <p:nvCxnSpPr>
-          <p:cNvPr id="5" name="Conector: Angulado 4">
+          <p:cNvPr id="3" name="Conector reto 2">
             <a:extLst>
               <a:ext uri="{FF2B5EF4-FFF2-40B4-BE49-F238E27FC236}">
-                <a16:creationId xmlns:a16="http://schemas.microsoft.com/office/drawing/2014/main" id="{9789CA88-1119-A093-98FD-00A196273471}"/>
+                <a16:creationId xmlns:a16="http://schemas.microsoft.com/office/drawing/2014/main" id="{D2E32EFE-3BD6-FE5D-AA30-141995F20BF6}"/>
               </a:ext>
             </a:extLst>
           </p:cNvPr>
@@ -19390,20 +19002,19 @@
           <p:nvPr/>
         </p:nvCxnSpPr>
         <p:spPr>
-          <a:xfrm>
-            <a:off x="-36000" y="2835275"/>
-            <a:ext cx="10190265" cy="2139930"/>
+          <a:xfrm flipV="1">
+            <a:off x="691160" y="-207818"/>
+            <a:ext cx="0" cy="5296653"/>
           </a:xfrm>
-          <a:prstGeom prst="bentConnector3">
-            <a:avLst>
-              <a:gd name="adj1" fmla="val 4627"/>
-            </a:avLst>
+          <a:prstGeom prst="line">
+            <a:avLst/>
           </a:prstGeom>
           <a:ln w="76200">
             <a:solidFill>
               <a:srgbClr val="0070C0"/>
             </a:solidFill>
-            <a:round/>
+            <a:headEnd type="none"/>
+            <a:tailEnd type="oval"/>
           </a:ln>
         </p:spPr>
         <p:style>
@@ -19421,58 +19032,93 @@
           </a:fontRef>
         </p:style>
       </p:cxnSp>
-      <p:cxnSp>
-        <p:nvCxnSpPr>
-          <p:cNvPr id="22" name="Conector reto 21">
+      <p:sp>
+        <p:nvSpPr>
+          <p:cNvPr id="6" name="PlaceHolder 1">
             <a:extLst>
               <a:ext uri="{FF2B5EF4-FFF2-40B4-BE49-F238E27FC236}">
-                <a16:creationId xmlns:a16="http://schemas.microsoft.com/office/drawing/2014/main" id="{7EEE596D-617C-C6FF-5702-39F72797C666}"/>
+                <a16:creationId xmlns:a16="http://schemas.microsoft.com/office/drawing/2014/main" id="{CE0BA9F8-F50E-C038-106D-F06158C3231E}"/>
               </a:ext>
             </a:extLst>
           </p:cNvPr>
-          <p:cNvCxnSpPr>
-            <a:cxnSpLocks/>
-          </p:cNvCxnSpPr>
+          <p:cNvSpPr txBox="1">
+            <a:spLocks/>
+          </p:cNvSpPr>
           <p:nvPr/>
-        </p:nvCxnSpPr>
+        </p:nvSpPr>
         <p:spPr>
-          <a:xfrm flipV="1">
-            <a:off x="10047600" y="4975205"/>
-            <a:ext cx="0" cy="695345"/>
+          <a:xfrm>
+            <a:off x="577590" y="0"/>
+            <a:ext cx="9070920" cy="945720"/>
           </a:xfrm>
-          <a:prstGeom prst="line">
+          <a:prstGeom prst="rect">
             <a:avLst/>
           </a:prstGeom>
-          <a:ln w="76200">
-            <a:solidFill>
-              <a:srgbClr val="0070C0"/>
-            </a:solidFill>
-            <a:round/>
-            <a:headEnd type="none"/>
-            <a:tailEnd type="none"/>
+          <a:noFill/>
+          <a:ln w="0">
+            <a:noFill/>
           </a:ln>
         </p:spPr>
-        <p:style>
-          <a:lnRef idx="1">
-            <a:schemeClr val="accent1"/>
-          </a:lnRef>
-          <a:fillRef idx="0">
-            <a:schemeClr val="accent1"/>
-          </a:fillRef>
-          <a:effectRef idx="0">
-            <a:schemeClr val="accent1"/>
-          </a:effectRef>
-          <a:fontRef idx="minor">
-            <a:schemeClr val="tx1"/>
-          </a:fontRef>
-        </p:style>
-      </p:cxnSp>
+        <p:txBody>
+          <a:bodyPr lIns="0" tIns="0" rIns="0" bIns="0" anchor="ctr">
+            <a:noAutofit/>
+          </a:bodyPr>
+          <a:lstStyle>
+            <a:lvl1pPr algn="l" defTabSz="914400" rtl="0" eaLnBrk="1" latinLnBrk="0" hangingPunct="1">
+              <a:lnSpc>
+                <a:spcPct val="90000"/>
+              </a:lnSpc>
+              <a:spcBef>
+                <a:spcPct val="0"/>
+              </a:spcBef>
+              <a:buNone/>
+              <a:defRPr sz="4400" kern="1200">
+                <a:solidFill>
+                  <a:schemeClr val="tx1"/>
+                </a:solidFill>
+                <a:latin typeface="+mj-lt"/>
+                <a:ea typeface="+mj-ea"/>
+                <a:cs typeface="+mj-cs"/>
+              </a:defRPr>
+            </a:lvl1pPr>
+          </a:lstStyle>
+          <a:p>
+            <a:pPr algn="ctr">
+              <a:lnSpc>
+                <a:spcPct val="100000"/>
+              </a:lnSpc>
+              <a:tabLst>
+                <a:tab pos="0" algn="l"/>
+              </a:tabLst>
+            </a:pPr>
+            <a:r>
+              <a:rPr lang="pt-BR" sz="5400" spc="-1" dirty="0">
+                <a:solidFill>
+                  <a:schemeClr val="tx2">
+                    <a:lumMod val="75000"/>
+                  </a:schemeClr>
+                </a:solidFill>
+                <a:latin typeface="Trade Gothic Next Heavy" panose="020B0903040303020004" pitchFamily="34" charset="0"/>
+              </a:rPr>
+              <a:t>ESTRUTURA</a:t>
+            </a:r>
+            <a:endParaRPr lang="en-CA" spc="-1" dirty="0">
+              <a:solidFill>
+                <a:schemeClr val="tx2">
+                  <a:lumMod val="75000"/>
+                </a:schemeClr>
+              </a:solidFill>
+              <a:latin typeface="Trade Gothic Next Heavy" panose="020B0903040303020004" pitchFamily="34" charset="0"/>
+            </a:endParaRPr>
+          </a:p>
+        </p:txBody>
+      </p:sp>
       <p:pic>
         <p:nvPicPr>
-          <p:cNvPr id="8" name="Imagem 7" descr="Texto, Logotipo&#10;&#10;Descrição gerada automaticamente">
+          <p:cNvPr id="11" name="Imagem 10">
             <a:extLst>
               <a:ext uri="{FF2B5EF4-FFF2-40B4-BE49-F238E27FC236}">
-                <a16:creationId xmlns:a16="http://schemas.microsoft.com/office/drawing/2014/main" id="{72165A13-B847-5395-C192-7A3F1FA8A3F1}"/>
+                <a16:creationId xmlns:a16="http://schemas.microsoft.com/office/drawing/2014/main" id="{B6BB4FCA-CEEB-6FFB-7BB8-696C260CD0D0}"/>
               </a:ext>
             </a:extLst>
           </p:cNvPr>
@@ -19482,91 +19128,27 @@
           <p:nvPr/>
         </p:nvPicPr>
         <p:blipFill>
-          <a:blip r:embed="rId3">
-            <a:extLst>
-              <a:ext uri="{28A0092B-C50C-407E-A947-70E740481C1C}">
-                <a14:useLocalDpi xmlns:a14="http://schemas.microsoft.com/office/drawing/2010/main" val="0"/>
-              </a:ext>
-            </a:extLst>
-          </a:blip>
+          <a:blip r:embed="rId3"/>
           <a:stretch>
             <a:fillRect/>
           </a:stretch>
         </p:blipFill>
         <p:spPr>
           <a:xfrm>
-            <a:off x="623865" y="2139930"/>
-            <a:ext cx="4216923" cy="1267612"/>
+            <a:off x="3602719" y="945720"/>
+            <a:ext cx="2875188" cy="4008833"/>
           </a:xfrm>
           <a:prstGeom prst="rect">
             <a:avLst/>
           </a:prstGeom>
         </p:spPr>
       </p:pic>
-      <p:pic>
-        <p:nvPicPr>
-          <p:cNvPr id="7" name="Imagem 6">
+      <p:sp>
+        <p:nvSpPr>
+          <p:cNvPr id="13" name="Retângulo 12">
             <a:extLst>
               <a:ext uri="{FF2B5EF4-FFF2-40B4-BE49-F238E27FC236}">
-                <a16:creationId xmlns:a16="http://schemas.microsoft.com/office/drawing/2014/main" id="{0DDD8B4A-1EC2-65E3-094C-E19C2B6FFEC1}"/>
-              </a:ext>
-            </a:extLst>
-          </p:cNvPr>
-          <p:cNvPicPr>
-            <a:picLocks noChangeAspect="1"/>
-          </p:cNvPicPr>
-          <p:nvPr/>
-        </p:nvPicPr>
-        <p:blipFill>
-          <a:blip r:embed="rId4"/>
-          <a:stretch>
-            <a:fillRect/>
-          </a:stretch>
-        </p:blipFill>
-        <p:spPr>
-          <a:xfrm>
-            <a:off x="5239838" y="1012045"/>
-            <a:ext cx="4606552" cy="3646460"/>
-          </a:xfrm>
-          <a:prstGeom prst="rect">
-            <a:avLst/>
-          </a:prstGeom>
-        </p:spPr>
-      </p:pic>
-    </p:spTree>
-  </p:cSld>
-  <p:clrMapOvr>
-    <a:masterClrMapping/>
-  </p:clrMapOvr>
-  <p:transition spd="slow">
-    <p:push/>
-  </p:transition>
-</p:sld>
-</file>
-
-<file path=ppt/slides/slide4.xml><?xml version="1.0" encoding="utf-8"?>
-<p:sld xmlns:a="http://schemas.openxmlformats.org/drawingml/2006/main" xmlns:r="http://schemas.openxmlformats.org/officeDocument/2006/relationships" xmlns:p="http://schemas.openxmlformats.org/presentationml/2006/main">
-  <p:cSld>
-    <p:spTree>
-      <p:nvGrpSpPr>
-        <p:cNvPr id="1" name=""/>
-        <p:cNvGrpSpPr/>
-        <p:nvPr/>
-      </p:nvGrpSpPr>
-      <p:grpSpPr>
-        <a:xfrm>
-          <a:off x="0" y="0"/>
-          <a:ext cx="0" cy="0"/>
-          <a:chOff x="0" y="0"/>
-          <a:chExt cx="0" cy="0"/>
-        </a:xfrm>
-      </p:grpSpPr>
-      <p:sp>
-        <p:nvSpPr>
-          <p:cNvPr id="4" name="Retângulo 3">
-            <a:extLst>
-              <a:ext uri="{FF2B5EF4-FFF2-40B4-BE49-F238E27FC236}">
-                <a16:creationId xmlns:a16="http://schemas.microsoft.com/office/drawing/2014/main" id="{D1DC97AA-45FA-951A-F8CC-133BB2CA2E1A}"/>
+                <a16:creationId xmlns:a16="http://schemas.microsoft.com/office/drawing/2014/main" id="{2B54A6EC-B814-3DD5-BAA7-322B546F003B}"/>
               </a:ext>
             </a:extLst>
           </p:cNvPr>
@@ -19575,8 +19157,8 @@
         </p:nvSpPr>
         <p:spPr>
           <a:xfrm>
-            <a:off x="152398" y="4975207"/>
-            <a:ext cx="9889251" cy="695344"/>
+            <a:off x="-1709" y="5088835"/>
+            <a:ext cx="10082334" cy="581715"/>
           </a:xfrm>
           <a:prstGeom prst="rect">
             <a:avLst/>
@@ -19608,1051 +19190,16 @@
           <a:lstStyle/>
           <a:p>
             <a:pPr algn="ctr"/>
-            <a:endParaRPr lang="pt-BR"/>
-          </a:p>
-        </p:txBody>
-      </p:sp>
-      <p:sp>
-        <p:nvSpPr>
-          <p:cNvPr id="3" name="Retângulo 2">
+            <a:endParaRPr lang="pt-BR" dirty="0"/>
+          </a:p>
+        </p:txBody>
+      </p:sp>
+      <p:cxnSp>
+        <p:nvCxnSpPr>
+          <p:cNvPr id="14" name="Conector reto 13">
             <a:extLst>
               <a:ext uri="{FF2B5EF4-FFF2-40B4-BE49-F238E27FC236}">
-                <a16:creationId xmlns:a16="http://schemas.microsoft.com/office/drawing/2014/main" id="{FC895BDB-5A96-4F9E-5494-1883A14D688C}"/>
-              </a:ext>
-            </a:extLst>
-          </p:cNvPr>
-          <p:cNvSpPr/>
-          <p:nvPr/>
-        </p:nvSpPr>
-        <p:spPr>
-          <a:xfrm>
-            <a:off x="0" y="2835275"/>
-            <a:ext cx="432000" cy="2835275"/>
-          </a:xfrm>
-          <a:prstGeom prst="rect">
-            <a:avLst/>
-          </a:prstGeom>
-          <a:solidFill>
-            <a:schemeClr val="bg1">
-              <a:lumMod val="65000"/>
-            </a:schemeClr>
-          </a:solidFill>
-        </p:spPr>
-        <p:style>
-          <a:lnRef idx="2">
-            <a:schemeClr val="accent1">
-              <a:shade val="15000"/>
-            </a:schemeClr>
-          </a:lnRef>
-          <a:fillRef idx="1">
-            <a:schemeClr val="accent1"/>
-          </a:fillRef>
-          <a:effectRef idx="0">
-            <a:schemeClr val="accent1"/>
-          </a:effectRef>
-          <a:fontRef idx="minor">
-            <a:schemeClr val="lt1"/>
-          </a:fontRef>
-        </p:style>
-        <p:txBody>
-          <a:bodyPr rtlCol="0" anchor="ctr"/>
-          <a:lstStyle/>
-          <a:p>
-            <a:pPr algn="ctr"/>
-            <a:endParaRPr lang="pt-BR"/>
-          </a:p>
-        </p:txBody>
-      </p:sp>
-      <p:sp>
-        <p:nvSpPr>
-          <p:cNvPr id="84" name="PlaceHolder 1"/>
-          <p:cNvSpPr>
-            <a:spLocks noGrp="1"/>
-          </p:cNvSpPr>
-          <p:nvPr>
-            <p:ph type="title"/>
-          </p:nvPr>
-        </p:nvSpPr>
-        <p:spPr>
-          <a:xfrm>
-            <a:off x="504853" y="0"/>
-            <a:ext cx="9070920" cy="945720"/>
-          </a:xfrm>
-          <a:prstGeom prst="rect">
-            <a:avLst/>
-          </a:prstGeom>
-          <a:noFill/>
-          <a:ln w="0">
-            <a:noFill/>
-          </a:ln>
-        </p:spPr>
-        <p:txBody>
-          <a:bodyPr lIns="0" tIns="0" rIns="0" bIns="0" anchor="ctr">
-            <a:noAutofit/>
-          </a:bodyPr>
-          <a:lstStyle/>
-          <a:p>
-            <a:pPr indent="0" algn="ctr">
-              <a:lnSpc>
-                <a:spcPct val="100000"/>
-              </a:lnSpc>
-              <a:buNone/>
-              <a:tabLst>
-                <a:tab pos="0" algn="l"/>
-              </a:tabLst>
-            </a:pPr>
-            <a:r>
-              <a:rPr lang="en-US" sz="5400" spc="-1" dirty="0">
-                <a:solidFill>
-                  <a:schemeClr val="tx2">
-                    <a:lumMod val="75000"/>
-                  </a:schemeClr>
-                </a:solidFill>
-                <a:latin typeface="Trade Gothic Next Heavy" panose="020B0903040303020004" pitchFamily="34" charset="0"/>
-              </a:rPr>
-              <a:t>INTRODU</a:t>
-            </a:r>
-            <a:r>
-              <a:rPr lang="pt-BR" sz="5400" spc="-1" dirty="0">
-                <a:solidFill>
-                  <a:schemeClr val="tx2">
-                    <a:lumMod val="75000"/>
-                  </a:schemeClr>
-                </a:solidFill>
-                <a:latin typeface="Trade Gothic Next Heavy" panose="020B0903040303020004" pitchFamily="34" charset="0"/>
-              </a:rPr>
-              <a:t>ÇÃO</a:t>
-            </a:r>
-            <a:endParaRPr lang="en-CA" sz="5400" b="0" strike="noStrike" spc="-1" dirty="0">
-              <a:solidFill>
-                <a:schemeClr val="tx2">
-                  <a:lumMod val="75000"/>
-                </a:schemeClr>
-              </a:solidFill>
-              <a:latin typeface="Trade Gothic Next Heavy" panose="020B0903040303020004" pitchFamily="34" charset="0"/>
-            </a:endParaRPr>
-          </a:p>
-        </p:txBody>
-      </p:sp>
-      <p:sp>
-        <p:nvSpPr>
-          <p:cNvPr id="85" name="PlaceHolder 2"/>
-          <p:cNvSpPr>
-            <a:spLocks noGrp="1"/>
-          </p:cNvSpPr>
-          <p:nvPr>
-            <p:ph/>
-          </p:nvPr>
-        </p:nvSpPr>
-        <p:spPr>
-          <a:xfrm>
-            <a:off x="529403" y="1280163"/>
-            <a:ext cx="9185737" cy="3657576"/>
-          </a:xfrm>
-          <a:prstGeom prst="rect">
-            <a:avLst/>
-          </a:prstGeom>
-          <a:noFill/>
-          <a:ln w="0">
-            <a:noFill/>
-          </a:ln>
-        </p:spPr>
-        <p:txBody>
-          <a:bodyPr lIns="0" tIns="0" rIns="0" bIns="0" anchor="t">
-            <a:normAutofit fontScale="92500"/>
-          </a:bodyPr>
-          <a:lstStyle/>
-          <a:p>
-            <a:pPr marL="685800" indent="-457200">
-              <a:lnSpc>
-                <a:spcPct val="100000"/>
-              </a:lnSpc>
-              <a:tabLst>
-                <a:tab pos="0" algn="l"/>
-              </a:tabLst>
-            </a:pPr>
-            <a:r>
-              <a:rPr lang="pt-BR" sz="3500" spc="-1" dirty="0">
-                <a:solidFill>
-                  <a:srgbClr val="000000"/>
-                </a:solidFill>
-                <a:latin typeface="Trade Gothic Next" panose="020B0503040303020004" pitchFamily="34" charset="0"/>
-              </a:rPr>
-              <a:t>Mercado de trabalho</a:t>
-            </a:r>
-          </a:p>
-          <a:p>
-            <a:pPr marL="685800" indent="-457200">
-              <a:lnSpc>
-                <a:spcPct val="100000"/>
-              </a:lnSpc>
-              <a:tabLst>
-                <a:tab pos="0" algn="l"/>
-              </a:tabLst>
-            </a:pPr>
-            <a:r>
-              <a:rPr lang="pt-BR" sz="3500" spc="-1" dirty="0">
-                <a:solidFill>
-                  <a:srgbClr val="000000"/>
-                </a:solidFill>
-                <a:latin typeface="Trade Gothic Next" panose="020B0503040303020004" pitchFamily="34" charset="0"/>
-              </a:rPr>
-              <a:t>Globalização</a:t>
-            </a:r>
-          </a:p>
-          <a:p>
-            <a:pPr marL="685800" indent="-457200">
-              <a:lnSpc>
-                <a:spcPct val="100000"/>
-              </a:lnSpc>
-              <a:tabLst>
-                <a:tab pos="0" algn="l"/>
-              </a:tabLst>
-            </a:pPr>
-            <a:r>
-              <a:rPr lang="en-CA" sz="3500" spc="-1" dirty="0" err="1">
-                <a:solidFill>
-                  <a:srgbClr val="000000"/>
-                </a:solidFill>
-                <a:latin typeface="Trade Gothic Next" panose="020B0503040303020004" pitchFamily="34" charset="0"/>
-              </a:rPr>
-              <a:t>Muitas</a:t>
-            </a:r>
-            <a:r>
-              <a:rPr lang="en-CA" sz="3500" spc="-1" dirty="0">
-                <a:solidFill>
-                  <a:srgbClr val="000000"/>
-                </a:solidFill>
-                <a:latin typeface="Trade Gothic Next" panose="020B0503040303020004" pitchFamily="34" charset="0"/>
-              </a:rPr>
-              <a:t> </a:t>
-            </a:r>
-            <a:r>
-              <a:rPr lang="en-CA" sz="3500" spc="-1" dirty="0" err="1">
-                <a:solidFill>
-                  <a:srgbClr val="000000"/>
-                </a:solidFill>
-                <a:latin typeface="Trade Gothic Next" panose="020B0503040303020004" pitchFamily="34" charset="0"/>
-              </a:rPr>
-              <a:t>informações</a:t>
-            </a:r>
-            <a:r>
-              <a:rPr lang="en-CA" sz="3500" spc="-1" dirty="0">
-                <a:solidFill>
-                  <a:srgbClr val="000000"/>
-                </a:solidFill>
-                <a:latin typeface="Trade Gothic Next" panose="020B0503040303020004" pitchFamily="34" charset="0"/>
-              </a:rPr>
-              <a:t> de </a:t>
-            </a:r>
-            <a:r>
-              <a:rPr lang="en-CA" sz="3500" spc="-1" dirty="0" err="1">
-                <a:solidFill>
-                  <a:srgbClr val="000000"/>
-                </a:solidFill>
-                <a:latin typeface="Trade Gothic Next" panose="020B0503040303020004" pitchFamily="34" charset="0"/>
-              </a:rPr>
-              <a:t>emprego</a:t>
-            </a:r>
-            <a:r>
-              <a:rPr lang="en-CA" sz="3500" spc="-1" dirty="0">
-                <a:solidFill>
-                  <a:srgbClr val="000000"/>
-                </a:solidFill>
-                <a:latin typeface="Trade Gothic Next" panose="020B0503040303020004" pitchFamily="34" charset="0"/>
-              </a:rPr>
-              <a:t> fora do </a:t>
-            </a:r>
-            <a:r>
-              <a:rPr lang="en-CA" sz="3500" spc="-1" dirty="0" err="1">
-                <a:solidFill>
-                  <a:srgbClr val="000000"/>
-                </a:solidFill>
-                <a:latin typeface="Trade Gothic Next" panose="020B0503040303020004" pitchFamily="34" charset="0"/>
-              </a:rPr>
-              <a:t>Brasil</a:t>
-            </a:r>
-            <a:endParaRPr lang="en-CA" sz="3500" spc="-1" dirty="0">
-              <a:solidFill>
-                <a:srgbClr val="000000"/>
-              </a:solidFill>
-              <a:latin typeface="Trade Gothic Next" panose="020B0503040303020004" pitchFamily="34" charset="0"/>
-            </a:endParaRPr>
-          </a:p>
-          <a:p>
-            <a:pPr marL="685800" indent="-457200">
-              <a:lnSpc>
-                <a:spcPct val="100000"/>
-              </a:lnSpc>
-              <a:tabLst>
-                <a:tab pos="0" algn="l"/>
-              </a:tabLst>
-            </a:pPr>
-            <a:r>
-              <a:rPr lang="en-CA" sz="3500" spc="-1" dirty="0" err="1">
-                <a:solidFill>
-                  <a:srgbClr val="000000"/>
-                </a:solidFill>
-                <a:latin typeface="Trade Gothic Next" panose="020B0503040303020004" pitchFamily="34" charset="0"/>
-              </a:rPr>
-              <a:t>Pouca</a:t>
-            </a:r>
-            <a:r>
-              <a:rPr lang="en-CA" sz="3500" spc="-1" dirty="0">
-                <a:solidFill>
-                  <a:srgbClr val="000000"/>
-                </a:solidFill>
-                <a:latin typeface="Trade Gothic Next" panose="020B0503040303020004" pitchFamily="34" charset="0"/>
-              </a:rPr>
-              <a:t> </a:t>
-            </a:r>
-            <a:r>
-              <a:rPr lang="en-CA" sz="3500" spc="-1" dirty="0" err="1">
-                <a:solidFill>
-                  <a:srgbClr val="000000"/>
-                </a:solidFill>
-                <a:latin typeface="Trade Gothic Next" panose="020B0503040303020004" pitchFamily="34" charset="0"/>
-              </a:rPr>
-              <a:t>informação</a:t>
-            </a:r>
-            <a:r>
-              <a:rPr lang="en-CA" sz="3500" spc="-1" dirty="0">
-                <a:solidFill>
-                  <a:srgbClr val="000000"/>
-                </a:solidFill>
-                <a:latin typeface="Trade Gothic Next" panose="020B0503040303020004" pitchFamily="34" charset="0"/>
-              </a:rPr>
-              <a:t> </a:t>
-            </a:r>
-            <a:r>
-              <a:rPr lang="en-CA" sz="3500" spc="-1" dirty="0" err="1">
-                <a:solidFill>
-                  <a:srgbClr val="000000"/>
-                </a:solidFill>
-                <a:latin typeface="Trade Gothic Next" panose="020B0503040303020004" pitchFamily="34" charset="0"/>
-              </a:rPr>
-              <a:t>sobre</a:t>
-            </a:r>
-            <a:r>
-              <a:rPr lang="en-CA" sz="3500" spc="-1" dirty="0">
-                <a:solidFill>
-                  <a:srgbClr val="000000"/>
-                </a:solidFill>
-                <a:latin typeface="Trade Gothic Next" panose="020B0503040303020004" pitchFamily="34" charset="0"/>
-              </a:rPr>
-              <a:t> o </a:t>
-            </a:r>
-            <a:r>
-              <a:rPr lang="en-CA" sz="3500" spc="-1" dirty="0" err="1">
-                <a:solidFill>
-                  <a:srgbClr val="000000"/>
-                </a:solidFill>
-                <a:latin typeface="Trade Gothic Next" panose="020B0503040303020004" pitchFamily="34" charset="0"/>
-              </a:rPr>
-              <a:t>contrário</a:t>
-            </a:r>
-            <a:endParaRPr lang="en-CA" sz="3500" spc="-1" dirty="0">
-              <a:solidFill>
-                <a:srgbClr val="000000"/>
-              </a:solidFill>
-              <a:latin typeface="Trade Gothic Next" panose="020B0503040303020004" pitchFamily="34" charset="0"/>
-            </a:endParaRPr>
-          </a:p>
-          <a:p>
-            <a:pPr marL="685800" indent="-457200">
-              <a:lnSpc>
-                <a:spcPct val="100000"/>
-              </a:lnSpc>
-              <a:tabLst>
-                <a:tab pos="0" algn="l"/>
-              </a:tabLst>
-            </a:pPr>
-            <a:r>
-              <a:rPr lang="en-CA" sz="3500" spc="-1" dirty="0">
-                <a:solidFill>
-                  <a:srgbClr val="000000"/>
-                </a:solidFill>
-                <a:latin typeface="Trade Gothic Next" panose="020B0503040303020004" pitchFamily="34" charset="0"/>
-              </a:rPr>
-              <a:t>Por que?</a:t>
-            </a:r>
-          </a:p>
-          <a:p>
-            <a:pPr marL="685800" indent="-457200">
-              <a:lnSpc>
-                <a:spcPct val="100000"/>
-              </a:lnSpc>
-              <a:tabLst>
-                <a:tab pos="0" algn="l"/>
-              </a:tabLst>
-            </a:pPr>
-            <a:r>
-              <a:rPr lang="en-CA" sz="3500" spc="-1" dirty="0">
-                <a:solidFill>
-                  <a:srgbClr val="000000"/>
-                </a:solidFill>
-                <a:latin typeface="Trade Gothic Next" panose="020B0503040303020004" pitchFamily="34" charset="0"/>
-              </a:rPr>
-              <a:t>Como </a:t>
-            </a:r>
-            <a:r>
-              <a:rPr lang="en-CA" sz="3500" spc="-1" dirty="0" err="1">
-                <a:solidFill>
-                  <a:srgbClr val="000000"/>
-                </a:solidFill>
-                <a:latin typeface="Trade Gothic Next" panose="020B0503040303020004" pitchFamily="34" charset="0"/>
-              </a:rPr>
-              <a:t>ajudar</a:t>
-            </a:r>
-            <a:r>
-              <a:rPr lang="en-CA" sz="3500" spc="-1" dirty="0">
-                <a:solidFill>
-                  <a:srgbClr val="000000"/>
-                </a:solidFill>
-                <a:latin typeface="Trade Gothic Next" panose="020B0503040303020004" pitchFamily="34" charset="0"/>
-              </a:rPr>
-              <a:t>?</a:t>
-            </a:r>
-          </a:p>
-          <a:p>
-            <a:pPr marL="571500" indent="-342900">
-              <a:lnSpc>
-                <a:spcPct val="100000"/>
-              </a:lnSpc>
-              <a:tabLst>
-                <a:tab pos="0" algn="l"/>
-              </a:tabLst>
-            </a:pPr>
-            <a:endParaRPr lang="en-CA" sz="2400" b="1" spc="-1" dirty="0">
-              <a:solidFill>
-                <a:srgbClr val="000000"/>
-              </a:solidFill>
-              <a:latin typeface="Trade Gothic Next" panose="020B0503040303020004" pitchFamily="34" charset="0"/>
-            </a:endParaRPr>
-          </a:p>
-          <a:p>
-            <a:pPr indent="0">
-              <a:lnSpc>
-                <a:spcPct val="100000"/>
-              </a:lnSpc>
-              <a:buNone/>
-              <a:tabLst>
-                <a:tab pos="0" algn="l"/>
-              </a:tabLst>
-            </a:pPr>
-            <a:endParaRPr lang="en-CA" sz="1800" b="0" strike="noStrike" spc="-1" dirty="0">
-              <a:solidFill>
-                <a:srgbClr val="000000"/>
-              </a:solidFill>
-              <a:latin typeface="Arial"/>
-            </a:endParaRPr>
-          </a:p>
-        </p:txBody>
-      </p:sp>
-      <p:cxnSp>
-        <p:nvCxnSpPr>
-          <p:cNvPr id="5" name="Conector: Angulado 4">
-            <a:extLst>
-              <a:ext uri="{FF2B5EF4-FFF2-40B4-BE49-F238E27FC236}">
-                <a16:creationId xmlns:a16="http://schemas.microsoft.com/office/drawing/2014/main" id="{9789CA88-1119-A093-98FD-00A196273471}"/>
-              </a:ext>
-            </a:extLst>
-          </p:cNvPr>
-          <p:cNvCxnSpPr>
-            <a:cxnSpLocks/>
-          </p:cNvCxnSpPr>
-          <p:nvPr/>
-        </p:nvCxnSpPr>
-        <p:spPr>
-          <a:xfrm>
-            <a:off x="-36000" y="2835275"/>
-            <a:ext cx="10190265" cy="2139930"/>
-          </a:xfrm>
-          <a:prstGeom prst="bentConnector3">
-            <a:avLst>
-              <a:gd name="adj1" fmla="val 4627"/>
-            </a:avLst>
-          </a:prstGeom>
-          <a:ln w="76200">
-            <a:solidFill>
-              <a:srgbClr val="0070C0"/>
-            </a:solidFill>
-            <a:round/>
-          </a:ln>
-        </p:spPr>
-        <p:style>
-          <a:lnRef idx="1">
-            <a:schemeClr val="accent1"/>
-          </a:lnRef>
-          <a:fillRef idx="0">
-            <a:schemeClr val="accent1"/>
-          </a:fillRef>
-          <a:effectRef idx="0">
-            <a:schemeClr val="accent1"/>
-          </a:effectRef>
-          <a:fontRef idx="minor">
-            <a:schemeClr val="tx1"/>
-          </a:fontRef>
-        </p:style>
-      </p:cxnSp>
-      <p:cxnSp>
-        <p:nvCxnSpPr>
-          <p:cNvPr id="22" name="Conector reto 21">
-            <a:extLst>
-              <a:ext uri="{FF2B5EF4-FFF2-40B4-BE49-F238E27FC236}">
-                <a16:creationId xmlns:a16="http://schemas.microsoft.com/office/drawing/2014/main" id="{7EEE596D-617C-C6FF-5702-39F72797C666}"/>
-              </a:ext>
-            </a:extLst>
-          </p:cNvPr>
-          <p:cNvCxnSpPr>
-            <a:cxnSpLocks/>
-          </p:cNvCxnSpPr>
-          <p:nvPr/>
-        </p:nvCxnSpPr>
-        <p:spPr>
-          <a:xfrm flipV="1">
-            <a:off x="10047600" y="4975205"/>
-            <a:ext cx="0" cy="695345"/>
-          </a:xfrm>
-          <a:prstGeom prst="line">
-            <a:avLst/>
-          </a:prstGeom>
-          <a:ln w="76200">
-            <a:solidFill>
-              <a:srgbClr val="0070C0"/>
-            </a:solidFill>
-            <a:round/>
-            <a:headEnd type="none"/>
-            <a:tailEnd type="none"/>
-          </a:ln>
-        </p:spPr>
-        <p:style>
-          <a:lnRef idx="1">
-            <a:schemeClr val="accent1"/>
-          </a:lnRef>
-          <a:fillRef idx="0">
-            <a:schemeClr val="accent1"/>
-          </a:fillRef>
-          <a:effectRef idx="0">
-            <a:schemeClr val="accent1"/>
-          </a:effectRef>
-          <a:fontRef idx="minor">
-            <a:schemeClr val="tx1"/>
-          </a:fontRef>
-        </p:style>
-      </p:cxnSp>
-    </p:spTree>
-    <p:extLst>
-      <p:ext uri="{BB962C8B-B14F-4D97-AF65-F5344CB8AC3E}">
-        <p14:creationId xmlns:p14="http://schemas.microsoft.com/office/powerpoint/2010/main" val="4262414662"/>
-      </p:ext>
-    </p:extLst>
-  </p:cSld>
-  <p:clrMapOvr>
-    <a:masterClrMapping/>
-  </p:clrMapOvr>
-  <p:transition spd="slow">
-    <p:push/>
-  </p:transition>
-</p:sld>
-</file>
-
-<file path=ppt/slides/slide5.xml><?xml version="1.0" encoding="utf-8"?>
-<p:sld xmlns:a="http://schemas.openxmlformats.org/drawingml/2006/main" xmlns:r="http://schemas.openxmlformats.org/officeDocument/2006/relationships" xmlns:p="http://schemas.openxmlformats.org/presentationml/2006/main">
-  <p:cSld>
-    <p:spTree>
-      <p:nvGrpSpPr>
-        <p:cNvPr id="1" name=""/>
-        <p:cNvGrpSpPr/>
-        <p:nvPr/>
-      </p:nvGrpSpPr>
-      <p:grpSpPr>
-        <a:xfrm>
-          <a:off x="0" y="0"/>
-          <a:ext cx="0" cy="0"/>
-          <a:chOff x="0" y="0"/>
-          <a:chExt cx="0" cy="0"/>
-        </a:xfrm>
-      </p:grpSpPr>
-      <p:sp>
-        <p:nvSpPr>
-          <p:cNvPr id="14" name="Retângulo 13">
-            <a:extLst>
-              <a:ext uri="{FF2B5EF4-FFF2-40B4-BE49-F238E27FC236}">
-                <a16:creationId xmlns:a16="http://schemas.microsoft.com/office/drawing/2014/main" id="{6FB97949-5C91-75B0-2E9C-327F8760F8DF}"/>
-              </a:ext>
-            </a:extLst>
-          </p:cNvPr>
-          <p:cNvSpPr/>
-          <p:nvPr/>
-        </p:nvSpPr>
-        <p:spPr>
-          <a:xfrm>
-            <a:off x="-1" y="0"/>
-            <a:ext cx="807285" cy="5670550"/>
-          </a:xfrm>
-          <a:prstGeom prst="rect">
-            <a:avLst/>
-          </a:prstGeom>
-          <a:solidFill>
-            <a:schemeClr val="bg1">
-              <a:lumMod val="65000"/>
-            </a:schemeClr>
-          </a:solidFill>
-        </p:spPr>
-        <p:style>
-          <a:lnRef idx="2">
-            <a:schemeClr val="accent1">
-              <a:shade val="15000"/>
-            </a:schemeClr>
-          </a:lnRef>
-          <a:fillRef idx="1">
-            <a:schemeClr val="accent1"/>
-          </a:fillRef>
-          <a:effectRef idx="0">
-            <a:schemeClr val="accent1"/>
-          </a:effectRef>
-          <a:fontRef idx="minor">
-            <a:schemeClr val="lt1"/>
-          </a:fontRef>
-        </p:style>
-        <p:txBody>
-          <a:bodyPr rtlCol="0" anchor="ctr"/>
-          <a:lstStyle/>
-          <a:p>
-            <a:pPr algn="ctr"/>
-            <a:endParaRPr lang="pt-BR"/>
-          </a:p>
-        </p:txBody>
-      </p:sp>
-      <p:sp>
-        <p:nvSpPr>
-          <p:cNvPr id="3" name="Retângulo 2">
-            <a:extLst>
-              <a:ext uri="{FF2B5EF4-FFF2-40B4-BE49-F238E27FC236}">
-                <a16:creationId xmlns:a16="http://schemas.microsoft.com/office/drawing/2014/main" id="{E7B8CECC-541B-5A46-230C-8F1E14987069}"/>
-              </a:ext>
-            </a:extLst>
-          </p:cNvPr>
-          <p:cNvSpPr/>
-          <p:nvPr/>
-        </p:nvSpPr>
-        <p:spPr>
-          <a:xfrm>
-            <a:off x="-1" y="-44695"/>
-            <a:ext cx="10080623" cy="1223829"/>
-          </a:xfrm>
-          <a:prstGeom prst="rect">
-            <a:avLst/>
-          </a:prstGeom>
-          <a:solidFill>
-            <a:schemeClr val="bg1">
-              <a:lumMod val="65000"/>
-            </a:schemeClr>
-          </a:solidFill>
-        </p:spPr>
-        <p:style>
-          <a:lnRef idx="2">
-            <a:schemeClr val="accent1">
-              <a:shade val="15000"/>
-            </a:schemeClr>
-          </a:lnRef>
-          <a:fillRef idx="1">
-            <a:schemeClr val="accent1"/>
-          </a:fillRef>
-          <a:effectRef idx="0">
-            <a:schemeClr val="accent1"/>
-          </a:effectRef>
-          <a:fontRef idx="minor">
-            <a:schemeClr val="lt1"/>
-          </a:fontRef>
-        </p:style>
-        <p:txBody>
-          <a:bodyPr rtlCol="0" anchor="ctr"/>
-          <a:lstStyle/>
-          <a:p>
-            <a:pPr algn="ctr"/>
-            <a:endParaRPr lang="pt-BR"/>
-          </a:p>
-        </p:txBody>
-      </p:sp>
-      <p:sp>
-        <p:nvSpPr>
-          <p:cNvPr id="84" name="PlaceHolder 1"/>
-          <p:cNvSpPr>
-            <a:spLocks noGrp="1"/>
-          </p:cNvSpPr>
-          <p:nvPr>
-            <p:ph type="title"/>
-          </p:nvPr>
-        </p:nvSpPr>
-        <p:spPr>
-          <a:xfrm>
-            <a:off x="504853" y="0"/>
-            <a:ext cx="9070920" cy="945720"/>
-          </a:xfrm>
-          <a:prstGeom prst="rect">
-            <a:avLst/>
-          </a:prstGeom>
-          <a:noFill/>
-          <a:ln w="0">
-            <a:noFill/>
-          </a:ln>
-        </p:spPr>
-        <p:txBody>
-          <a:bodyPr lIns="0" tIns="0" rIns="0" bIns="0" anchor="ctr">
-            <a:noAutofit/>
-          </a:bodyPr>
-          <a:lstStyle/>
-          <a:p>
-            <a:pPr indent="0" algn="ctr">
-              <a:lnSpc>
-                <a:spcPct val="100000"/>
-              </a:lnSpc>
-              <a:buNone/>
-              <a:tabLst>
-                <a:tab pos="0" algn="l"/>
-              </a:tabLst>
-            </a:pPr>
-            <a:r>
-              <a:rPr lang="en-US" sz="5400" spc="-1" dirty="0">
-                <a:solidFill>
-                  <a:schemeClr val="tx2">
-                    <a:lumMod val="75000"/>
-                  </a:schemeClr>
-                </a:solidFill>
-                <a:latin typeface="Trade Gothic Next Heavy" panose="020B0903040303020004" pitchFamily="34" charset="0"/>
-              </a:rPr>
-              <a:t>PESQUISA</a:t>
-            </a:r>
-            <a:endParaRPr lang="en-CA" sz="5400" b="0" strike="noStrike" spc="-1" dirty="0">
-              <a:solidFill>
-                <a:schemeClr val="tx2">
-                  <a:lumMod val="75000"/>
-                </a:schemeClr>
-              </a:solidFill>
-              <a:latin typeface="Trade Gothic Next Heavy" panose="020B0903040303020004" pitchFamily="34" charset="0"/>
-            </a:endParaRPr>
-          </a:p>
-        </p:txBody>
-      </p:sp>
-      <p:sp>
-        <p:nvSpPr>
-          <p:cNvPr id="85" name="PlaceHolder 2"/>
-          <p:cNvSpPr>
-            <a:spLocks noGrp="1"/>
-          </p:cNvSpPr>
-          <p:nvPr>
-            <p:ph/>
-          </p:nvPr>
-        </p:nvSpPr>
-        <p:spPr>
-          <a:xfrm>
-            <a:off x="917807" y="1382681"/>
-            <a:ext cx="9070920" cy="4084320"/>
-          </a:xfrm>
-          <a:prstGeom prst="rect">
-            <a:avLst/>
-          </a:prstGeom>
-          <a:noFill/>
-          <a:ln w="0">
-            <a:noFill/>
-          </a:ln>
-        </p:spPr>
-        <p:txBody>
-          <a:bodyPr lIns="0" tIns="0" rIns="0" bIns="0" anchor="t">
-            <a:normAutofit/>
-          </a:bodyPr>
-          <a:lstStyle/>
-          <a:p>
-            <a:pPr marL="800100" indent="-571500">
-              <a:lnSpc>
-                <a:spcPct val="100000"/>
-              </a:lnSpc>
-              <a:tabLst>
-                <a:tab pos="0" algn="l"/>
-              </a:tabLst>
-            </a:pPr>
-            <a:r>
-              <a:rPr lang="en-CA" sz="3200" b="0" strike="noStrike" spc="-1" dirty="0" err="1">
-                <a:solidFill>
-                  <a:srgbClr val="000000"/>
-                </a:solidFill>
-                <a:latin typeface="Trade Gothic Next" panose="020B0503040303020004" pitchFamily="34" charset="0"/>
-              </a:rPr>
-              <a:t>OBMigra</a:t>
-            </a:r>
-            <a:endParaRPr lang="en-CA" sz="3200" b="0" strike="noStrike" spc="-1" dirty="0">
-              <a:solidFill>
-                <a:srgbClr val="000000"/>
-              </a:solidFill>
-              <a:latin typeface="Trade Gothic Next" panose="020B0503040303020004" pitchFamily="34" charset="0"/>
-            </a:endParaRPr>
-          </a:p>
-          <a:p>
-            <a:pPr marL="800100" indent="-571500">
-              <a:lnSpc>
-                <a:spcPct val="100000"/>
-              </a:lnSpc>
-              <a:tabLst>
-                <a:tab pos="0" algn="l"/>
-              </a:tabLst>
-            </a:pPr>
-            <a:r>
-              <a:rPr lang="en-CA" sz="3200" spc="-1" dirty="0">
-                <a:solidFill>
-                  <a:srgbClr val="000000"/>
-                </a:solidFill>
-                <a:latin typeface="Trade Gothic Next" panose="020B0503040303020004" pitchFamily="34" charset="0"/>
-              </a:rPr>
-              <a:t>67.423 (2011) para 187.985 (2021)</a:t>
-            </a:r>
-          </a:p>
-          <a:p>
-            <a:pPr marL="800100" indent="-571500">
-              <a:lnSpc>
-                <a:spcPct val="100000"/>
-              </a:lnSpc>
-              <a:tabLst>
-                <a:tab pos="0" algn="l"/>
-              </a:tabLst>
-            </a:pPr>
-            <a:r>
-              <a:rPr lang="en-CA" sz="3200" spc="-1" dirty="0">
-                <a:solidFill>
-                  <a:srgbClr val="000000"/>
-                </a:solidFill>
-                <a:latin typeface="Trade Gothic Next" panose="020B0503040303020004" pitchFamily="34" charset="0"/>
-              </a:rPr>
-              <a:t>Lei de </a:t>
-            </a:r>
-            <a:r>
-              <a:rPr lang="en-CA" sz="3200" spc="-1" dirty="0" err="1">
-                <a:solidFill>
-                  <a:srgbClr val="000000"/>
-                </a:solidFill>
-                <a:latin typeface="Trade Gothic Next" panose="020B0503040303020004" pitchFamily="34" charset="0"/>
-              </a:rPr>
-              <a:t>refúgio</a:t>
-            </a:r>
-            <a:endParaRPr lang="en-CA" sz="3200" spc="-1" dirty="0">
-              <a:solidFill>
-                <a:srgbClr val="000000"/>
-              </a:solidFill>
-              <a:latin typeface="Trade Gothic Next" panose="020B0503040303020004" pitchFamily="34" charset="0"/>
-            </a:endParaRPr>
-          </a:p>
-          <a:p>
-            <a:pPr marL="800100" indent="-571500">
-              <a:lnSpc>
-                <a:spcPct val="100000"/>
-              </a:lnSpc>
-              <a:tabLst>
-                <a:tab pos="0" algn="l"/>
-              </a:tabLst>
-            </a:pPr>
-            <a:r>
-              <a:rPr lang="en-CA" sz="3200" spc="-1" dirty="0">
-                <a:solidFill>
-                  <a:srgbClr val="000000"/>
-                </a:solidFill>
-                <a:latin typeface="Trade Gothic Next" panose="020B0503040303020004" pitchFamily="34" charset="0"/>
-              </a:rPr>
-              <a:t>2.448 </a:t>
-            </a:r>
-            <a:r>
-              <a:rPr lang="en-CA" sz="3200" spc="-1" dirty="0" err="1">
-                <a:solidFill>
-                  <a:srgbClr val="000000"/>
-                </a:solidFill>
-                <a:latin typeface="Trade Gothic Next" panose="020B0503040303020004" pitchFamily="34" charset="0"/>
-              </a:rPr>
-              <a:t>solicitações</a:t>
-            </a:r>
-            <a:r>
-              <a:rPr lang="en-CA" sz="3200" spc="-1" dirty="0">
-                <a:solidFill>
-                  <a:srgbClr val="000000"/>
-                </a:solidFill>
-                <a:latin typeface="Trade Gothic Next" panose="020B0503040303020004" pitchFamily="34" charset="0"/>
-              </a:rPr>
-              <a:t> (1997-2009) para 298.331 (2010-2021)</a:t>
-            </a:r>
-          </a:p>
-          <a:p>
-            <a:pPr marL="800100" indent="-571500">
-              <a:lnSpc>
-                <a:spcPct val="100000"/>
-              </a:lnSpc>
-              <a:tabLst>
-                <a:tab pos="0" algn="l"/>
-              </a:tabLst>
-            </a:pPr>
-            <a:r>
-              <a:rPr lang="en-CA" sz="3200" spc="-1" dirty="0">
-                <a:solidFill>
-                  <a:srgbClr val="000000"/>
-                </a:solidFill>
-                <a:latin typeface="Trade Gothic Next" panose="020B0503040303020004" pitchFamily="34" charset="0"/>
-              </a:rPr>
-              <a:t>59% Venezuela e 13% Haiti (72% do total)</a:t>
-            </a:r>
-          </a:p>
-          <a:p>
-            <a:pPr marL="800100" indent="-571500">
-              <a:lnSpc>
-                <a:spcPct val="100000"/>
-              </a:lnSpc>
-              <a:tabLst>
-                <a:tab pos="0" algn="l"/>
-              </a:tabLst>
-            </a:pPr>
-            <a:r>
-              <a:rPr lang="en-CA" sz="3200" spc="-1" dirty="0">
-                <a:solidFill>
-                  <a:srgbClr val="000000"/>
-                </a:solidFill>
-                <a:latin typeface="Trade Gothic Next" panose="020B0503040303020004" pitchFamily="34" charset="0"/>
-              </a:rPr>
-              <a:t>EUA </a:t>
-            </a:r>
-            <a:r>
-              <a:rPr lang="en-CA" sz="3200" spc="-1" dirty="0" err="1">
-                <a:solidFill>
-                  <a:srgbClr val="000000"/>
-                </a:solidFill>
-                <a:latin typeface="Trade Gothic Next" panose="020B0503040303020004" pitchFamily="34" charset="0"/>
-              </a:rPr>
-              <a:t>tem</a:t>
-            </a:r>
-            <a:r>
-              <a:rPr lang="en-CA" sz="3200" spc="-1" dirty="0">
-                <a:solidFill>
-                  <a:srgbClr val="000000"/>
-                </a:solidFill>
-                <a:latin typeface="Trade Gothic Next" panose="020B0503040303020004" pitchFamily="34" charset="0"/>
-              </a:rPr>
-              <a:t> 28 </a:t>
-            </a:r>
-            <a:r>
-              <a:rPr lang="en-CA" sz="3200" spc="-1" dirty="0" err="1">
-                <a:solidFill>
-                  <a:srgbClr val="000000"/>
-                </a:solidFill>
-                <a:latin typeface="Trade Gothic Next" panose="020B0503040303020004" pitchFamily="34" charset="0"/>
-              </a:rPr>
-              <a:t>milhões</a:t>
-            </a:r>
-            <a:r>
-              <a:rPr lang="en-CA" sz="3200" spc="-1" dirty="0">
-                <a:solidFill>
-                  <a:srgbClr val="000000"/>
-                </a:solidFill>
-                <a:latin typeface="Trade Gothic Next" panose="020B0503040303020004" pitchFamily="34" charset="0"/>
-              </a:rPr>
-              <a:t> de </a:t>
-            </a:r>
-            <a:r>
-              <a:rPr lang="en-CA" sz="3200" spc="-1" dirty="0" err="1">
-                <a:solidFill>
-                  <a:srgbClr val="000000"/>
-                </a:solidFill>
-                <a:latin typeface="Trade Gothic Next" panose="020B0503040303020004" pitchFamily="34" charset="0"/>
-              </a:rPr>
-              <a:t>imigrantes</a:t>
-            </a:r>
-            <a:endParaRPr lang="en-CA" sz="3200" spc="-1" dirty="0">
-              <a:solidFill>
-                <a:srgbClr val="000000"/>
-              </a:solidFill>
-              <a:latin typeface="Trade Gothic Next" panose="020B0503040303020004" pitchFamily="34" charset="0"/>
-            </a:endParaRPr>
-          </a:p>
-          <a:p>
-            <a:pPr marL="800100" indent="-571500">
-              <a:lnSpc>
-                <a:spcPct val="100000"/>
-              </a:lnSpc>
-              <a:tabLst>
-                <a:tab pos="0" algn="l"/>
-              </a:tabLst>
-            </a:pPr>
-            <a:endParaRPr lang="en-CA" sz="3800" spc="-1" dirty="0">
-              <a:solidFill>
-                <a:srgbClr val="000000"/>
-              </a:solidFill>
-              <a:latin typeface="Trade Gothic Next" panose="020B0503040303020004" pitchFamily="34" charset="0"/>
-            </a:endParaRPr>
-          </a:p>
-          <a:p>
-            <a:pPr indent="0">
-              <a:lnSpc>
-                <a:spcPct val="100000"/>
-              </a:lnSpc>
-              <a:buNone/>
-              <a:tabLst>
-                <a:tab pos="0" algn="l"/>
-              </a:tabLst>
-            </a:pPr>
-            <a:endParaRPr lang="en-CA" sz="1800" b="0" strike="noStrike" spc="-1" dirty="0">
-              <a:solidFill>
-                <a:srgbClr val="000000"/>
-              </a:solidFill>
-              <a:latin typeface="Arial"/>
-            </a:endParaRPr>
-          </a:p>
-        </p:txBody>
-      </p:sp>
-      <p:cxnSp>
-        <p:nvCxnSpPr>
-          <p:cNvPr id="2" name="Conector reto 1">
-            <a:extLst>
-              <a:ext uri="{FF2B5EF4-FFF2-40B4-BE49-F238E27FC236}">
-                <a16:creationId xmlns:a16="http://schemas.microsoft.com/office/drawing/2014/main" id="{EA2BCE63-95F3-3B00-775B-EAB76ECCC497}"/>
-              </a:ext>
-            </a:extLst>
-          </p:cNvPr>
-          <p:cNvCxnSpPr>
-            <a:cxnSpLocks/>
-          </p:cNvCxnSpPr>
-          <p:nvPr/>
-        </p:nvCxnSpPr>
-        <p:spPr>
-          <a:xfrm flipV="1">
-            <a:off x="10048243" y="-44695"/>
-            <a:ext cx="0" cy="1215134"/>
-          </a:xfrm>
-          <a:prstGeom prst="line">
-            <a:avLst/>
-          </a:prstGeom>
-          <a:ln w="76200">
-            <a:solidFill>
-              <a:srgbClr val="0070C0"/>
-            </a:solidFill>
-            <a:headEnd type="none"/>
-          </a:ln>
-        </p:spPr>
-        <p:style>
-          <a:lnRef idx="1">
-            <a:schemeClr val="accent1"/>
-          </a:lnRef>
-          <a:fillRef idx="0">
-            <a:schemeClr val="accent1"/>
-          </a:fillRef>
-          <a:effectRef idx="0">
-            <a:schemeClr val="accent1"/>
-          </a:effectRef>
-          <a:fontRef idx="minor">
-            <a:schemeClr val="tx1"/>
-          </a:fontRef>
-        </p:style>
-      </p:cxnSp>
-      <p:cxnSp>
-        <p:nvCxnSpPr>
-          <p:cNvPr id="9" name="Conector reto 8">
-            <a:extLst>
-              <a:ext uri="{FF2B5EF4-FFF2-40B4-BE49-F238E27FC236}">
-                <a16:creationId xmlns:a16="http://schemas.microsoft.com/office/drawing/2014/main" id="{41600D60-9EBC-FCAE-0C05-1E8C461AA471}"/>
+                <a16:creationId xmlns:a16="http://schemas.microsoft.com/office/drawing/2014/main" id="{E0DD26DA-3C10-15F8-495D-5D5FE888DF04}"/>
               </a:ext>
             </a:extLst>
           </p:cNvPr>
@@ -20663,51 +19210,8 @@
         </p:nvCxnSpPr>
         <p:spPr>
           <a:xfrm flipH="1">
-            <a:off x="795076" y="1170439"/>
-            <a:ext cx="9396059" cy="8695"/>
-          </a:xfrm>
-          <a:prstGeom prst="line">
-            <a:avLst/>
-          </a:prstGeom>
-          <a:ln w="76200">
-            <a:solidFill>
-              <a:srgbClr val="0070C0"/>
-            </a:solidFill>
-          </a:ln>
-        </p:spPr>
-        <p:style>
-          <a:lnRef idx="1">
-            <a:schemeClr val="accent1"/>
-          </a:lnRef>
-          <a:fillRef idx="0">
-            <a:schemeClr val="accent1"/>
-          </a:fillRef>
-          <a:effectRef idx="0">
-            <a:schemeClr val="accent1"/>
-          </a:effectRef>
-          <a:fontRef idx="minor">
-            <a:schemeClr val="tx1"/>
-          </a:fontRef>
-        </p:style>
-      </p:cxnSp>
-      <p:cxnSp>
-        <p:nvCxnSpPr>
-          <p:cNvPr id="12" name="Conector reto 11">
-            <a:extLst>
-              <a:ext uri="{FF2B5EF4-FFF2-40B4-BE49-F238E27FC236}">
-                <a16:creationId xmlns:a16="http://schemas.microsoft.com/office/drawing/2014/main" id="{20F1BAE2-620B-BFDA-542F-B1E558506B5C}"/>
-              </a:ext>
-            </a:extLst>
-          </p:cNvPr>
-          <p:cNvCxnSpPr>
-            <a:cxnSpLocks/>
-          </p:cNvCxnSpPr>
-          <p:nvPr/>
-        </p:nvCxnSpPr>
-        <p:spPr>
-          <a:xfrm flipV="1">
-            <a:off x="795076" y="1170439"/>
-            <a:ext cx="0" cy="4585562"/>
+            <a:off x="691156" y="5088835"/>
+            <a:ext cx="9466635" cy="0"/>
           </a:xfrm>
           <a:prstGeom prst="line">
             <a:avLst/>
@@ -20738,7 +19242,7 @@
     </p:spTree>
     <p:extLst>
       <p:ext uri="{BB962C8B-B14F-4D97-AF65-F5344CB8AC3E}">
-        <p14:creationId xmlns:p14="http://schemas.microsoft.com/office/powerpoint/2010/main" val="1243168874"/>
+        <p14:creationId xmlns:p14="http://schemas.microsoft.com/office/powerpoint/2010/main" val="748568811"/>
       </p:ext>
     </p:extLst>
   </p:cSld>
@@ -20751,7 +19255,7 @@
 </p:sld>
 </file>
 
-<file path=ppt/slides/slide6.xml><?xml version="1.0" encoding="utf-8"?>
+<file path=ppt/slides/slide19.xml><?xml version="1.0" encoding="utf-8"?>
 <p:sld xmlns:a="http://schemas.openxmlformats.org/drawingml/2006/main" xmlns:r="http://schemas.openxmlformats.org/officeDocument/2006/relationships" xmlns:p="http://schemas.openxmlformats.org/presentationml/2006/main">
   <p:cSld>
     <p:spTree>
@@ -20770,13 +19274,113 @@
       </p:grpSpPr>
       <p:sp>
         <p:nvSpPr>
-          <p:cNvPr id="86" name="PlaceHolder 1"/>
-          <p:cNvSpPr>
-            <a:spLocks noGrp="1"/>
+          <p:cNvPr id="7" name="Retângulo 6">
+            <a:extLst>
+              <a:ext uri="{FF2B5EF4-FFF2-40B4-BE49-F238E27FC236}">
+                <a16:creationId xmlns:a16="http://schemas.microsoft.com/office/drawing/2014/main" id="{ACF905A2-E2B3-60D4-5B63-4618B429B76A}"/>
+              </a:ext>
+            </a:extLst>
+          </p:cNvPr>
+          <p:cNvSpPr/>
+          <p:nvPr/>
+        </p:nvSpPr>
+        <p:spPr>
+          <a:xfrm>
+            <a:off x="-1709" y="5088835"/>
+            <a:ext cx="10082334" cy="581715"/>
+          </a:xfrm>
+          <a:prstGeom prst="rect">
+            <a:avLst/>
+          </a:prstGeom>
+          <a:solidFill>
+            <a:schemeClr val="bg1">
+              <a:lumMod val="65000"/>
+            </a:schemeClr>
+          </a:solidFill>
+        </p:spPr>
+        <p:style>
+          <a:lnRef idx="2">
+            <a:schemeClr val="accent1">
+              <a:shade val="15000"/>
+            </a:schemeClr>
+          </a:lnRef>
+          <a:fillRef idx="1">
+            <a:schemeClr val="accent1"/>
+          </a:fillRef>
+          <a:effectRef idx="0">
+            <a:schemeClr val="accent1"/>
+          </a:effectRef>
+          <a:fontRef idx="minor">
+            <a:schemeClr val="lt1"/>
+          </a:fontRef>
+        </p:style>
+        <p:txBody>
+          <a:bodyPr rtlCol="0" anchor="ctr"/>
+          <a:lstStyle/>
+          <a:p>
+            <a:pPr algn="ctr"/>
+            <a:endParaRPr lang="pt-BR" dirty="0"/>
+          </a:p>
+        </p:txBody>
+      </p:sp>
+      <p:cxnSp>
+        <p:nvCxnSpPr>
+          <p:cNvPr id="9" name="Conector reto 8">
+            <a:extLst>
+              <a:ext uri="{FF2B5EF4-FFF2-40B4-BE49-F238E27FC236}">
+                <a16:creationId xmlns:a16="http://schemas.microsoft.com/office/drawing/2014/main" id="{45D8A6A8-AE41-E344-B550-E982A4AC05FB}"/>
+              </a:ext>
+            </a:extLst>
+          </p:cNvPr>
+          <p:cNvCxnSpPr>
+            <a:cxnSpLocks/>
+          </p:cNvCxnSpPr>
+          <p:nvPr/>
+        </p:nvCxnSpPr>
+        <p:spPr>
+          <a:xfrm flipH="1">
+            <a:off x="-159488" y="5088835"/>
+            <a:ext cx="10317279" cy="0"/>
+          </a:xfrm>
+          <a:prstGeom prst="line">
+            <a:avLst/>
+          </a:prstGeom>
+          <a:ln w="76200">
+            <a:solidFill>
+              <a:srgbClr val="0070C0"/>
+            </a:solidFill>
+            <a:headEnd type="none"/>
+            <a:tailEnd type="none"/>
+          </a:ln>
+        </p:spPr>
+        <p:style>
+          <a:lnRef idx="1">
+            <a:schemeClr val="accent1"/>
+          </a:lnRef>
+          <a:fillRef idx="0">
+            <a:schemeClr val="accent1"/>
+          </a:fillRef>
+          <a:effectRef idx="0">
+            <a:schemeClr val="accent1"/>
+          </a:effectRef>
+          <a:fontRef idx="minor">
+            <a:schemeClr val="tx1"/>
+          </a:fontRef>
+        </p:style>
+      </p:cxnSp>
+      <p:sp>
+        <p:nvSpPr>
+          <p:cNvPr id="6" name="PlaceHolder 1">
+            <a:extLst>
+              <a:ext uri="{FF2B5EF4-FFF2-40B4-BE49-F238E27FC236}">
+                <a16:creationId xmlns:a16="http://schemas.microsoft.com/office/drawing/2014/main" id="{7A6DCD79-FB26-F640-C3B5-1B1F5AAEE6AC}"/>
+              </a:ext>
+            </a:extLst>
+          </p:cNvPr>
+          <p:cNvSpPr txBox="1">
+            <a:spLocks/>
           </p:cNvSpPr>
-          <p:nvPr>
-            <p:ph type="title"/>
-          </p:nvPr>
+          <p:nvPr/>
         </p:nvSpPr>
         <p:spPr>
           <a:xfrm>
@@ -20795,13 +19399,30 @@
           <a:bodyPr lIns="0" tIns="0" rIns="0" bIns="0" anchor="ctr">
             <a:noAutofit/>
           </a:bodyPr>
-          <a:lstStyle/>
-          <a:p>
-            <a:pPr indent="0" algn="ctr">
+          <a:lstStyle>
+            <a:lvl1pPr algn="l" defTabSz="914400" rtl="0" eaLnBrk="1" latinLnBrk="0" hangingPunct="1">
+              <a:lnSpc>
+                <a:spcPct val="90000"/>
+              </a:lnSpc>
+              <a:spcBef>
+                <a:spcPct val="0"/>
+              </a:spcBef>
+              <a:buNone/>
+              <a:defRPr sz="4400" kern="1200">
+                <a:solidFill>
+                  <a:schemeClr val="tx1"/>
+                </a:solidFill>
+                <a:latin typeface="+mj-lt"/>
+                <a:ea typeface="+mj-ea"/>
+                <a:cs typeface="+mj-cs"/>
+              </a:defRPr>
+            </a:lvl1pPr>
+          </a:lstStyle>
+          <a:p>
+            <a:pPr algn="ctr">
               <a:lnSpc>
                 <a:spcPct val="100000"/>
               </a:lnSpc>
-              <a:buNone/>
               <a:tabLst>
                 <a:tab pos="0" algn="l"/>
               </a:tabLst>
@@ -20815,20 +19436,9 @@
                 </a:solidFill>
                 <a:latin typeface="Trade Gothic Next Heavy" panose="020B0903040303020004" pitchFamily="34" charset="0"/>
               </a:rPr>
-              <a:t>P</a:t>
-            </a:r>
-            <a:r>
-              <a:rPr lang="pt-BR" sz="5400" spc="-1" dirty="0">
-                <a:solidFill>
-                  <a:schemeClr val="tx2">
-                    <a:lumMod val="75000"/>
-                  </a:schemeClr>
-                </a:solidFill>
-                <a:latin typeface="Trade Gothic Next Heavy" panose="020B0903040303020004" pitchFamily="34" charset="0"/>
-              </a:rPr>
-              <a:t>ROPOSTA</a:t>
-            </a:r>
-            <a:endParaRPr lang="en-CA" sz="4400" b="0" strike="noStrike" spc="-1" dirty="0">
+              <a:t>CONCLUSÃO</a:t>
+            </a:r>
+            <a:endParaRPr lang="en-CA" sz="5400" spc="-1" dirty="0">
               <a:solidFill>
                 <a:schemeClr val="tx2">
                   <a:lumMod val="75000"/>
@@ -20839,12 +19449,48 @@
           </a:p>
         </p:txBody>
       </p:sp>
+      <p:pic>
+        <p:nvPicPr>
+          <p:cNvPr id="3" name="Imagem 2" descr="Logotipo&#10;&#10;Descrição gerada automaticamente">
+            <a:extLst>
+              <a:ext uri="{FF2B5EF4-FFF2-40B4-BE49-F238E27FC236}">
+                <a16:creationId xmlns:a16="http://schemas.microsoft.com/office/drawing/2014/main" id="{02DE92AE-D616-0339-9851-D78E81D39FBC}"/>
+              </a:ext>
+            </a:extLst>
+          </p:cNvPr>
+          <p:cNvPicPr>
+            <a:picLocks noChangeAspect="1"/>
+          </p:cNvPicPr>
+          <p:nvPr/>
+        </p:nvPicPr>
+        <p:blipFill>
+          <a:blip r:embed="rId3" cstate="print">
+            <a:extLst>
+              <a:ext uri="{28A0092B-C50C-407E-A947-70E740481C1C}">
+                <a14:useLocalDpi xmlns:a14="http://schemas.microsoft.com/office/drawing/2010/main" val="0"/>
+              </a:ext>
+            </a:extLst>
+          </a:blip>
+          <a:stretch>
+            <a:fillRect/>
+          </a:stretch>
+        </p:blipFill>
+        <p:spPr>
+          <a:xfrm>
+            <a:off x="3101728" y="1251444"/>
+            <a:ext cx="750197" cy="750197"/>
+          </a:xfrm>
+          <a:prstGeom prst="rect">
+            <a:avLst/>
+          </a:prstGeom>
+        </p:spPr>
+      </p:pic>
       <p:sp>
         <p:nvSpPr>
           <p:cNvPr id="4" name="PlaceHolder 2">
             <a:extLst>
               <a:ext uri="{FF2B5EF4-FFF2-40B4-BE49-F238E27FC236}">
-                <a16:creationId xmlns:a16="http://schemas.microsoft.com/office/drawing/2014/main" id="{C0C4EBAB-1482-58E9-CFF9-E708C62ED992}"/>
+                <a16:creationId xmlns:a16="http://schemas.microsoft.com/office/drawing/2014/main" id="{F4B9B012-D40E-28F9-B947-19989B96ECEA}"/>
               </a:ext>
             </a:extLst>
           </p:cNvPr>
@@ -20855,8 +19501,8 @@
         </p:nvSpPr>
         <p:spPr>
           <a:xfrm>
-            <a:off x="1318088" y="1254641"/>
-            <a:ext cx="8455646" cy="3785191"/>
+            <a:off x="3618144" y="1374821"/>
+            <a:ext cx="4019897" cy="2628789"/>
           </a:xfrm>
           <a:prstGeom prst="rect">
             <a:avLst/>
@@ -21035,6 +19681,2913 @@
             </a:lvl9pPr>
           </a:lstStyle>
           <a:p>
+            <a:pPr indent="0">
+              <a:lnSpc>
+                <a:spcPct val="100000"/>
+              </a:lnSpc>
+              <a:buNone/>
+              <a:tabLst>
+                <a:tab pos="0" algn="l"/>
+              </a:tabLst>
+            </a:pPr>
+            <a:r>
+              <a:rPr lang="en-CA" sz="3500" spc="-1" dirty="0" err="1">
+                <a:solidFill>
+                  <a:srgbClr val="000000"/>
+                </a:solidFill>
+                <a:latin typeface="Trade Gothic Next" panose="020B0503040303020004" pitchFamily="34" charset="0"/>
+              </a:rPr>
+              <a:t>Funções</a:t>
+            </a:r>
+            <a:endParaRPr lang="en-CA" sz="3500" spc="-1" dirty="0">
+              <a:solidFill>
+                <a:srgbClr val="000000"/>
+              </a:solidFill>
+              <a:latin typeface="Trade Gothic Next" panose="020B0503040303020004" pitchFamily="34" charset="0"/>
+            </a:endParaRPr>
+          </a:p>
+          <a:p>
+            <a:pPr indent="0">
+              <a:lnSpc>
+                <a:spcPct val="100000"/>
+              </a:lnSpc>
+              <a:buNone/>
+              <a:tabLst>
+                <a:tab pos="0" algn="l"/>
+              </a:tabLst>
+            </a:pPr>
+            <a:r>
+              <a:rPr lang="en-CA" sz="3500" spc="-1" dirty="0">
+                <a:solidFill>
+                  <a:srgbClr val="000000"/>
+                </a:solidFill>
+                <a:latin typeface="Trade Gothic Next" panose="020B0503040303020004" pitchFamily="34" charset="0"/>
+              </a:rPr>
+              <a:t>Testes</a:t>
+            </a:r>
+          </a:p>
+          <a:p>
+            <a:pPr indent="0">
+              <a:lnSpc>
+                <a:spcPct val="100000"/>
+              </a:lnSpc>
+              <a:buNone/>
+              <a:tabLst>
+                <a:tab pos="0" algn="l"/>
+              </a:tabLst>
+            </a:pPr>
+            <a:r>
+              <a:rPr lang="en-CA" sz="3500" spc="-1" dirty="0" err="1">
+                <a:solidFill>
+                  <a:srgbClr val="000000"/>
+                </a:solidFill>
+                <a:latin typeface="Trade Gothic Next" panose="020B0503040303020004" pitchFamily="34" charset="0"/>
+              </a:rPr>
+              <a:t>Encontrar</a:t>
+            </a:r>
+            <a:r>
+              <a:rPr lang="en-CA" sz="3500" spc="-1" dirty="0">
+                <a:solidFill>
+                  <a:srgbClr val="000000"/>
+                </a:solidFill>
+                <a:latin typeface="Trade Gothic Next" panose="020B0503040303020004" pitchFamily="34" charset="0"/>
+              </a:rPr>
+              <a:t> </a:t>
+            </a:r>
+            <a:r>
+              <a:rPr lang="en-CA" sz="3500" spc="-1" dirty="0" err="1">
+                <a:solidFill>
+                  <a:srgbClr val="000000"/>
+                </a:solidFill>
+                <a:latin typeface="Trade Gothic Next" panose="020B0503040303020004" pitchFamily="34" charset="0"/>
+              </a:rPr>
+              <a:t>vagas</a:t>
+            </a:r>
+            <a:endParaRPr lang="en-CA" sz="3500" spc="-1" dirty="0">
+              <a:solidFill>
+                <a:srgbClr val="000000"/>
+              </a:solidFill>
+              <a:latin typeface="Trade Gothic Next" panose="020B0503040303020004" pitchFamily="34" charset="0"/>
+            </a:endParaRPr>
+          </a:p>
+          <a:p>
+            <a:pPr indent="0">
+              <a:lnSpc>
+                <a:spcPct val="100000"/>
+              </a:lnSpc>
+              <a:buNone/>
+              <a:tabLst>
+                <a:tab pos="0" algn="l"/>
+              </a:tabLst>
+            </a:pPr>
+            <a:r>
+              <a:rPr lang="en-CA" sz="3500" spc="-1" dirty="0" err="1">
+                <a:solidFill>
+                  <a:srgbClr val="000000"/>
+                </a:solidFill>
+                <a:latin typeface="Trade Gothic Next" panose="020B0503040303020004" pitchFamily="34" charset="0"/>
+              </a:rPr>
+              <a:t>Divulgar</a:t>
+            </a:r>
+            <a:r>
+              <a:rPr lang="en-CA" sz="3500" spc="-1" dirty="0">
+                <a:solidFill>
+                  <a:srgbClr val="000000"/>
+                </a:solidFill>
+                <a:latin typeface="Trade Gothic Next" panose="020B0503040303020004" pitchFamily="34" charset="0"/>
+              </a:rPr>
+              <a:t> </a:t>
+            </a:r>
+            <a:r>
+              <a:rPr lang="en-CA" sz="3500" spc="-1" dirty="0" err="1">
+                <a:solidFill>
+                  <a:srgbClr val="000000"/>
+                </a:solidFill>
+                <a:latin typeface="Trade Gothic Next" panose="020B0503040303020004" pitchFamily="34" charset="0"/>
+              </a:rPr>
+              <a:t>vagas</a:t>
+            </a:r>
+            <a:endParaRPr lang="en-CA" sz="3500" spc="-1" dirty="0">
+              <a:solidFill>
+                <a:srgbClr val="000000"/>
+              </a:solidFill>
+              <a:latin typeface="Trade Gothic Next" panose="020B0503040303020004" pitchFamily="34" charset="0"/>
+            </a:endParaRPr>
+          </a:p>
+          <a:p>
+            <a:pPr marL="800100" indent="-571500">
+              <a:lnSpc>
+                <a:spcPct val="100000"/>
+              </a:lnSpc>
+              <a:tabLst>
+                <a:tab pos="0" algn="l"/>
+              </a:tabLst>
+            </a:pPr>
+            <a:endParaRPr lang="en-CA" sz="3500" spc="-1" dirty="0">
+              <a:solidFill>
+                <a:srgbClr val="000000"/>
+              </a:solidFill>
+              <a:latin typeface="Trade Gothic Next" panose="020B0503040303020004" pitchFamily="34" charset="0"/>
+            </a:endParaRPr>
+          </a:p>
+          <a:p>
+            <a:pPr indent="0">
+              <a:lnSpc>
+                <a:spcPct val="100000"/>
+              </a:lnSpc>
+              <a:buFont typeface="Arial" panose="020B0604020202020204" pitchFamily="34" charset="0"/>
+              <a:buNone/>
+              <a:tabLst>
+                <a:tab pos="0" algn="l"/>
+              </a:tabLst>
+            </a:pPr>
+            <a:endParaRPr lang="en-CA" sz="1800" spc="-1" dirty="0">
+              <a:solidFill>
+                <a:srgbClr val="000000"/>
+              </a:solidFill>
+              <a:latin typeface="Arial"/>
+            </a:endParaRPr>
+          </a:p>
+        </p:txBody>
+      </p:sp>
+      <p:pic>
+        <p:nvPicPr>
+          <p:cNvPr id="5" name="Imagem 4" descr="Logotipo&#10;&#10;Descrição gerada automaticamente">
+            <a:extLst>
+              <a:ext uri="{FF2B5EF4-FFF2-40B4-BE49-F238E27FC236}">
+                <a16:creationId xmlns:a16="http://schemas.microsoft.com/office/drawing/2014/main" id="{AF479E15-4026-2464-D32B-80C87F773DD0}"/>
+              </a:ext>
+            </a:extLst>
+          </p:cNvPr>
+          <p:cNvPicPr>
+            <a:picLocks noChangeAspect="1"/>
+          </p:cNvPicPr>
+          <p:nvPr/>
+        </p:nvPicPr>
+        <p:blipFill>
+          <a:blip r:embed="rId3" cstate="print">
+            <a:extLst>
+              <a:ext uri="{28A0092B-C50C-407E-A947-70E740481C1C}">
+                <a14:useLocalDpi xmlns:a14="http://schemas.microsoft.com/office/drawing/2010/main" val="0"/>
+              </a:ext>
+            </a:extLst>
+          </a:blip>
+          <a:stretch>
+            <a:fillRect/>
+          </a:stretch>
+        </p:blipFill>
+        <p:spPr>
+          <a:xfrm>
+            <a:off x="3101728" y="1917400"/>
+            <a:ext cx="750197" cy="750197"/>
+          </a:xfrm>
+          <a:prstGeom prst="rect">
+            <a:avLst/>
+          </a:prstGeom>
+        </p:spPr>
+      </p:pic>
+      <p:pic>
+        <p:nvPicPr>
+          <p:cNvPr id="8" name="Imagem 7" descr="Logotipo&#10;&#10;Descrição gerada automaticamente">
+            <a:extLst>
+              <a:ext uri="{FF2B5EF4-FFF2-40B4-BE49-F238E27FC236}">
+                <a16:creationId xmlns:a16="http://schemas.microsoft.com/office/drawing/2014/main" id="{F6B58F4B-E29A-70ED-3158-F18C325AAE47}"/>
+              </a:ext>
+            </a:extLst>
+          </p:cNvPr>
+          <p:cNvPicPr>
+            <a:picLocks noChangeAspect="1"/>
+          </p:cNvPicPr>
+          <p:nvPr/>
+        </p:nvPicPr>
+        <p:blipFill>
+          <a:blip r:embed="rId3" cstate="print">
+            <a:extLst>
+              <a:ext uri="{28A0092B-C50C-407E-A947-70E740481C1C}">
+                <a14:useLocalDpi xmlns:a14="http://schemas.microsoft.com/office/drawing/2010/main" val="0"/>
+              </a:ext>
+            </a:extLst>
+          </a:blip>
+          <a:stretch>
+            <a:fillRect/>
+          </a:stretch>
+        </p:blipFill>
+        <p:spPr>
+          <a:xfrm>
+            <a:off x="3101728" y="2583356"/>
+            <a:ext cx="750197" cy="750197"/>
+          </a:xfrm>
+          <a:prstGeom prst="rect">
+            <a:avLst/>
+          </a:prstGeom>
+        </p:spPr>
+      </p:pic>
+      <p:pic>
+        <p:nvPicPr>
+          <p:cNvPr id="10" name="Imagem 9" descr="Logotipo&#10;&#10;Descrição gerada automaticamente">
+            <a:extLst>
+              <a:ext uri="{FF2B5EF4-FFF2-40B4-BE49-F238E27FC236}">
+                <a16:creationId xmlns:a16="http://schemas.microsoft.com/office/drawing/2014/main" id="{6B00029B-66B9-5DBA-2D28-EF518A0CCA08}"/>
+              </a:ext>
+            </a:extLst>
+          </p:cNvPr>
+          <p:cNvPicPr>
+            <a:picLocks noChangeAspect="1"/>
+          </p:cNvPicPr>
+          <p:nvPr/>
+        </p:nvPicPr>
+        <p:blipFill>
+          <a:blip r:embed="rId3" cstate="print">
+            <a:extLst>
+              <a:ext uri="{28A0092B-C50C-407E-A947-70E740481C1C}">
+                <a14:useLocalDpi xmlns:a14="http://schemas.microsoft.com/office/drawing/2010/main" val="0"/>
+              </a:ext>
+            </a:extLst>
+          </a:blip>
+          <a:stretch>
+            <a:fillRect/>
+          </a:stretch>
+        </p:blipFill>
+        <p:spPr>
+          <a:xfrm>
+            <a:off x="3101728" y="3231664"/>
+            <a:ext cx="750197" cy="750197"/>
+          </a:xfrm>
+          <a:prstGeom prst="rect">
+            <a:avLst/>
+          </a:prstGeom>
+        </p:spPr>
+      </p:pic>
+      <mc:AlternateContent xmlns:mc="http://schemas.openxmlformats.org/markup-compatibility/2006" xmlns:p14="http://schemas.microsoft.com/office/powerpoint/2010/main">
+        <mc:Choice Requires="p14">
+          <p:contentPart p14:bwMode="auto" r:id="rId4">
+            <p14:nvContentPartPr>
+              <p14:cNvPr id="14" name="Tinta 13">
+                <a:extLst>
+                  <a:ext uri="{FF2B5EF4-FFF2-40B4-BE49-F238E27FC236}">
+                    <a16:creationId xmlns:a16="http://schemas.microsoft.com/office/drawing/2014/main" id="{1D4A6297-AEE4-3108-9F9D-D257394AE940}"/>
+                  </a:ext>
+                </a:extLst>
+              </p14:cNvPr>
+              <p14:cNvContentPartPr/>
+              <p14:nvPr/>
+            </p14:nvContentPartPr>
+            <p14:xfrm>
+              <a:off x="4991342" y="1669523"/>
+              <a:ext cx="360" cy="360"/>
+            </p14:xfrm>
+          </p:contentPart>
+        </mc:Choice>
+        <mc:Fallback xmlns="">
+          <p:pic>
+            <p:nvPicPr>
+              <p:cNvPr id="14" name="Tinta 13">
+                <a:extLst>
+                  <a:ext uri="{FF2B5EF4-FFF2-40B4-BE49-F238E27FC236}">
+                    <a16:creationId xmlns:a16="http://schemas.microsoft.com/office/drawing/2014/main" id="{1D4A6297-AEE4-3108-9F9D-D257394AE940}"/>
+                  </a:ext>
+                </a:extLst>
+              </p:cNvPr>
+              <p:cNvPicPr/>
+              <p:nvPr/>
+            </p:nvPicPr>
+            <p:blipFill>
+              <a:blip r:embed="rId5"/>
+              <a:stretch>
+                <a:fillRect/>
+              </a:stretch>
+            </p:blipFill>
+            <p:spPr>
+              <a:xfrm>
+                <a:off x="4982342" y="1660523"/>
+                <a:ext cx="18000" cy="18000"/>
+              </a:xfrm>
+              <a:prstGeom prst="rect">
+                <a:avLst/>
+              </a:prstGeom>
+            </p:spPr>
+          </p:pic>
+        </mc:Fallback>
+      </mc:AlternateContent>
+    </p:spTree>
+    <p:extLst>
+      <p:ext uri="{BB962C8B-B14F-4D97-AF65-F5344CB8AC3E}">
+        <p14:creationId xmlns:p14="http://schemas.microsoft.com/office/powerpoint/2010/main" val="2564683676"/>
+      </p:ext>
+    </p:extLst>
+  </p:cSld>
+  <p:clrMapOvr>
+    <a:masterClrMapping/>
+  </p:clrMapOvr>
+  <p:transition spd="slow">
+    <p:push/>
+  </p:transition>
+</p:sld>
+</file>
+
+<file path=ppt/slides/slide2.xml><?xml version="1.0" encoding="utf-8"?>
+<p:sld xmlns:a="http://schemas.openxmlformats.org/drawingml/2006/main" xmlns:r="http://schemas.openxmlformats.org/officeDocument/2006/relationships" xmlns:p="http://schemas.openxmlformats.org/presentationml/2006/main">
+  <p:cSld>
+    <p:bg>
+      <p:bgPr>
+        <a:solidFill>
+          <a:schemeClr val="bg1">
+            <a:lumMod val="95000"/>
+          </a:schemeClr>
+        </a:solidFill>
+        <a:effectLst/>
+      </p:bgPr>
+    </p:bg>
+    <p:spTree>
+      <p:nvGrpSpPr>
+        <p:cNvPr id="1" name=""/>
+        <p:cNvGrpSpPr/>
+        <p:nvPr/>
+      </p:nvGrpSpPr>
+      <p:grpSpPr>
+        <a:xfrm>
+          <a:off x="0" y="0"/>
+          <a:ext cx="0" cy="0"/>
+          <a:chOff x="0" y="0"/>
+          <a:chExt cx="0" cy="0"/>
+        </a:xfrm>
+      </p:grpSpPr>
+      <p:sp>
+        <p:nvSpPr>
+          <p:cNvPr id="10" name="Retângulo 9">
+            <a:extLst>
+              <a:ext uri="{FF2B5EF4-FFF2-40B4-BE49-F238E27FC236}">
+                <a16:creationId xmlns:a16="http://schemas.microsoft.com/office/drawing/2014/main" id="{E6016259-80FB-2518-6661-D55C7A9FF550}"/>
+              </a:ext>
+            </a:extLst>
+          </p:cNvPr>
+          <p:cNvSpPr/>
+          <p:nvPr/>
+        </p:nvSpPr>
+        <p:spPr>
+          <a:xfrm>
+            <a:off x="2929892" y="-3380"/>
+            <a:ext cx="7150734" cy="5673930"/>
+          </a:xfrm>
+          <a:prstGeom prst="rect">
+            <a:avLst/>
+          </a:prstGeom>
+          <a:solidFill>
+            <a:schemeClr val="bg1">
+              <a:lumMod val="65000"/>
+            </a:schemeClr>
+          </a:solidFill>
+        </p:spPr>
+        <p:style>
+          <a:lnRef idx="2">
+            <a:schemeClr val="accent1">
+              <a:shade val="15000"/>
+            </a:schemeClr>
+          </a:lnRef>
+          <a:fillRef idx="1">
+            <a:schemeClr val="accent1"/>
+          </a:fillRef>
+          <a:effectRef idx="0">
+            <a:schemeClr val="accent1"/>
+          </a:effectRef>
+          <a:fontRef idx="minor">
+            <a:schemeClr val="lt1"/>
+          </a:fontRef>
+        </p:style>
+        <p:txBody>
+          <a:bodyPr rtlCol="0" anchor="ctr"/>
+          <a:lstStyle/>
+          <a:p>
+            <a:pPr algn="ctr"/>
+            <a:endParaRPr lang="pt-BR" dirty="0"/>
+          </a:p>
+        </p:txBody>
+      </p:sp>
+      <p:sp>
+        <p:nvSpPr>
+          <p:cNvPr id="2" name="Título 1">
+            <a:extLst>
+              <a:ext uri="{FF2B5EF4-FFF2-40B4-BE49-F238E27FC236}">
+                <a16:creationId xmlns:a16="http://schemas.microsoft.com/office/drawing/2014/main" id="{68D6CF72-2F0C-2680-EC57-98BBA1508A70}"/>
+              </a:ext>
+            </a:extLst>
+          </p:cNvPr>
+          <p:cNvSpPr>
+            <a:spLocks noGrp="1"/>
+          </p:cNvSpPr>
+          <p:nvPr>
+            <p:ph type="title"/>
+          </p:nvPr>
+        </p:nvSpPr>
+        <p:spPr>
+          <a:xfrm>
+            <a:off x="-1" y="2536620"/>
+            <a:ext cx="2964119" cy="597310"/>
+          </a:xfrm>
+        </p:spPr>
+        <p:txBody>
+          <a:bodyPr vert="horz"/>
+          <a:lstStyle/>
+          <a:p>
+            <a:pPr algn="ctr"/>
+            <a:r>
+              <a:rPr lang="en-US" sz="4000" dirty="0">
+                <a:solidFill>
+                  <a:schemeClr val="tx2">
+                    <a:lumMod val="75000"/>
+                  </a:schemeClr>
+                </a:solidFill>
+                <a:latin typeface="Trade Gothic Next Heavy" panose="020B0903040303020004" pitchFamily="34" charset="0"/>
+              </a:rPr>
+              <a:t>MEMBROS</a:t>
+            </a:r>
+            <a:endParaRPr lang="pt-BR" dirty="0">
+              <a:solidFill>
+                <a:schemeClr val="tx2">
+                  <a:lumMod val="75000"/>
+                </a:schemeClr>
+              </a:solidFill>
+              <a:latin typeface="Trade Gothic Next Heavy" panose="020B0903040303020004" pitchFamily="34" charset="0"/>
+            </a:endParaRPr>
+          </a:p>
+        </p:txBody>
+      </p:sp>
+      <p:sp>
+        <p:nvSpPr>
+          <p:cNvPr id="8" name="Retângulo: Cantos Superiores Arredondados 7">
+            <a:extLst>
+              <a:ext uri="{FF2B5EF4-FFF2-40B4-BE49-F238E27FC236}">
+                <a16:creationId xmlns:a16="http://schemas.microsoft.com/office/drawing/2014/main" id="{9F6C6E84-7940-891D-BFA5-0FDECE9459BA}"/>
+              </a:ext>
+            </a:extLst>
+          </p:cNvPr>
+          <p:cNvSpPr/>
+          <p:nvPr/>
+        </p:nvSpPr>
+        <p:spPr>
+          <a:xfrm>
+            <a:off x="3915250" y="152400"/>
+            <a:ext cx="2030308" cy="2008853"/>
+          </a:xfrm>
+          <a:prstGeom prst="round2SameRect">
+            <a:avLst/>
+          </a:prstGeom>
+          <a:blipFill dpi="0" rotWithShape="1">
+            <a:blip r:embed="rId3" cstate="print">
+              <a:extLst>
+                <a:ext uri="{28A0092B-C50C-407E-A947-70E740481C1C}">
+                  <a14:useLocalDpi xmlns:a14="http://schemas.microsoft.com/office/drawing/2010/main" val="0"/>
+                </a:ext>
+              </a:extLst>
+            </a:blip>
+            <a:srcRect/>
+            <a:stretch>
+              <a:fillRect/>
+            </a:stretch>
+          </a:blipFill>
+        </p:spPr>
+        <p:style>
+          <a:lnRef idx="2">
+            <a:schemeClr val="accent1">
+              <a:shade val="15000"/>
+            </a:schemeClr>
+          </a:lnRef>
+          <a:fillRef idx="1">
+            <a:schemeClr val="accent1"/>
+          </a:fillRef>
+          <a:effectRef idx="0">
+            <a:schemeClr val="accent1"/>
+          </a:effectRef>
+          <a:fontRef idx="minor">
+            <a:schemeClr val="lt1"/>
+          </a:fontRef>
+        </p:style>
+        <p:txBody>
+          <a:bodyPr rtlCol="0" anchor="ctr"/>
+          <a:lstStyle/>
+          <a:p>
+            <a:pPr algn="ctr"/>
+            <a:endParaRPr lang="pt-BR" dirty="0"/>
+          </a:p>
+        </p:txBody>
+      </p:sp>
+      <p:sp>
+        <p:nvSpPr>
+          <p:cNvPr id="16" name="CaixaDeTexto 15">
+            <a:extLst>
+              <a:ext uri="{FF2B5EF4-FFF2-40B4-BE49-F238E27FC236}">
+                <a16:creationId xmlns:a16="http://schemas.microsoft.com/office/drawing/2014/main" id="{C4EA22FE-B04C-1796-A7CF-787E1223D8DC}"/>
+              </a:ext>
+            </a:extLst>
+          </p:cNvPr>
+          <p:cNvSpPr txBox="1"/>
+          <p:nvPr/>
+        </p:nvSpPr>
+        <p:spPr>
+          <a:xfrm>
+            <a:off x="3913292" y="2161253"/>
+            <a:ext cx="2030308" cy="584775"/>
+          </a:xfrm>
+          <a:prstGeom prst="rect">
+            <a:avLst/>
+          </a:prstGeom>
+          <a:noFill/>
+        </p:spPr>
+        <p:txBody>
+          <a:bodyPr wrap="square" rtlCol="0">
+            <a:spAutoFit/>
+          </a:bodyPr>
+          <a:lstStyle/>
+          <a:p>
+            <a:pPr algn="ctr"/>
+            <a:r>
+              <a:rPr lang="es-ES" sz="1600" dirty="0">
+                <a:solidFill>
+                  <a:schemeClr val="bg1"/>
+                </a:solidFill>
+                <a:latin typeface="Trade Gothic Next Heavy" panose="020B0903040303020004" pitchFamily="34" charset="0"/>
+              </a:rPr>
+              <a:t>GABRIEL MENEZES</a:t>
+            </a:r>
+          </a:p>
+          <a:p>
+            <a:pPr algn="ctr"/>
+            <a:r>
+              <a:rPr lang="es-ES" sz="1600" dirty="0">
+                <a:solidFill>
+                  <a:schemeClr val="bg1"/>
+                </a:solidFill>
+                <a:latin typeface="Trade Gothic Next Heavy" panose="020B0903040303020004" pitchFamily="34" charset="0"/>
+              </a:rPr>
+              <a:t>F13GJI6</a:t>
+            </a:r>
+            <a:endParaRPr lang="pt-BR" sz="1600" dirty="0">
+              <a:solidFill>
+                <a:schemeClr val="bg1"/>
+              </a:solidFill>
+              <a:latin typeface="Trade Gothic Next Heavy" panose="020B0903040303020004" pitchFamily="34" charset="0"/>
+            </a:endParaRPr>
+          </a:p>
+        </p:txBody>
+      </p:sp>
+      <p:sp>
+        <p:nvSpPr>
+          <p:cNvPr id="17" name="CaixaDeTexto 16">
+            <a:extLst>
+              <a:ext uri="{FF2B5EF4-FFF2-40B4-BE49-F238E27FC236}">
+                <a16:creationId xmlns:a16="http://schemas.microsoft.com/office/drawing/2014/main" id="{1E8110CE-CAD8-4D3D-BE6C-2DFC985B36D6}"/>
+              </a:ext>
+            </a:extLst>
+          </p:cNvPr>
+          <p:cNvSpPr txBox="1"/>
+          <p:nvPr/>
+        </p:nvSpPr>
+        <p:spPr>
+          <a:xfrm>
+            <a:off x="6995979" y="2161252"/>
+            <a:ext cx="2030308" cy="584775"/>
+          </a:xfrm>
+          <a:prstGeom prst="rect">
+            <a:avLst/>
+          </a:prstGeom>
+          <a:noFill/>
+        </p:spPr>
+        <p:txBody>
+          <a:bodyPr wrap="square" rtlCol="0">
+            <a:spAutoFit/>
+          </a:bodyPr>
+          <a:lstStyle/>
+          <a:p>
+            <a:pPr algn="ctr"/>
+            <a:r>
+              <a:rPr lang="es-ES" sz="1600" dirty="0">
+                <a:solidFill>
+                  <a:schemeClr val="bg1"/>
+                </a:solidFill>
+                <a:latin typeface="Trade Gothic Next Heavy" panose="020B0903040303020004" pitchFamily="34" charset="0"/>
+              </a:rPr>
+              <a:t>CARLOS FERREIRA</a:t>
+            </a:r>
+          </a:p>
+          <a:p>
+            <a:pPr algn="ctr"/>
+            <a:r>
+              <a:rPr lang="es-ES" sz="1600" dirty="0">
+                <a:solidFill>
+                  <a:schemeClr val="bg1"/>
+                </a:solidFill>
+                <a:latin typeface="Trade Gothic Next Heavy" panose="020B0903040303020004" pitchFamily="34" charset="0"/>
+              </a:rPr>
+              <a:t>N6401C7</a:t>
+            </a:r>
+            <a:endParaRPr lang="pt-BR" sz="1600" dirty="0">
+              <a:solidFill>
+                <a:schemeClr val="bg1"/>
+              </a:solidFill>
+              <a:latin typeface="Trade Gothic Next Heavy" panose="020B0903040303020004" pitchFamily="34" charset="0"/>
+            </a:endParaRPr>
+          </a:p>
+        </p:txBody>
+      </p:sp>
+      <p:sp>
+        <p:nvSpPr>
+          <p:cNvPr id="18" name="CaixaDeTexto 17">
+            <a:extLst>
+              <a:ext uri="{FF2B5EF4-FFF2-40B4-BE49-F238E27FC236}">
+                <a16:creationId xmlns:a16="http://schemas.microsoft.com/office/drawing/2014/main" id="{7BF1DF0B-FEDB-208A-1ED4-6405F7D14DE8}"/>
+              </a:ext>
+            </a:extLst>
+          </p:cNvPr>
+          <p:cNvSpPr txBox="1"/>
+          <p:nvPr/>
+        </p:nvSpPr>
+        <p:spPr>
+          <a:xfrm>
+            <a:off x="3913292" y="4977151"/>
+            <a:ext cx="2030308" cy="584775"/>
+          </a:xfrm>
+          <a:prstGeom prst="rect">
+            <a:avLst/>
+          </a:prstGeom>
+          <a:noFill/>
+        </p:spPr>
+        <p:txBody>
+          <a:bodyPr wrap="square" rtlCol="0">
+            <a:spAutoFit/>
+          </a:bodyPr>
+          <a:lstStyle/>
+          <a:p>
+            <a:pPr algn="ctr"/>
+            <a:r>
+              <a:rPr lang="es-ES" sz="1600" dirty="0">
+                <a:solidFill>
+                  <a:schemeClr val="bg1"/>
+                </a:solidFill>
+                <a:latin typeface="Trade Gothic Next Heavy" panose="020B0903040303020004" pitchFamily="34" charset="0"/>
+              </a:rPr>
+              <a:t>GUSTAVO FARIA</a:t>
+            </a:r>
+          </a:p>
+          <a:p>
+            <a:pPr algn="ctr"/>
+            <a:r>
+              <a:rPr lang="es-ES" sz="1600" dirty="0">
+                <a:solidFill>
+                  <a:schemeClr val="bg1"/>
+                </a:solidFill>
+                <a:latin typeface="Trade Gothic Next Heavy" panose="020B0903040303020004" pitchFamily="34" charset="0"/>
+              </a:rPr>
+              <a:t>F22IFG2</a:t>
+            </a:r>
+            <a:endParaRPr lang="pt-BR" sz="1600" dirty="0">
+              <a:solidFill>
+                <a:schemeClr val="bg1"/>
+              </a:solidFill>
+              <a:latin typeface="Trade Gothic Next Heavy" panose="020B0903040303020004" pitchFamily="34" charset="0"/>
+            </a:endParaRPr>
+          </a:p>
+        </p:txBody>
+      </p:sp>
+      <p:sp>
+        <p:nvSpPr>
+          <p:cNvPr id="19" name="CaixaDeTexto 18">
+            <a:extLst>
+              <a:ext uri="{FF2B5EF4-FFF2-40B4-BE49-F238E27FC236}">
+                <a16:creationId xmlns:a16="http://schemas.microsoft.com/office/drawing/2014/main" id="{1EFF087C-0B2B-0FB3-2860-E5046AEBDDA1}"/>
+              </a:ext>
+            </a:extLst>
+          </p:cNvPr>
+          <p:cNvSpPr txBox="1"/>
+          <p:nvPr/>
+        </p:nvSpPr>
+        <p:spPr>
+          <a:xfrm>
+            <a:off x="6940535" y="4977150"/>
+            <a:ext cx="2141195" cy="584775"/>
+          </a:xfrm>
+          <a:prstGeom prst="rect">
+            <a:avLst/>
+          </a:prstGeom>
+          <a:noFill/>
+        </p:spPr>
+        <p:txBody>
+          <a:bodyPr wrap="square" rtlCol="0">
+            <a:spAutoFit/>
+          </a:bodyPr>
+          <a:lstStyle/>
+          <a:p>
+            <a:pPr algn="ctr"/>
+            <a:r>
+              <a:rPr lang="es-ES" sz="1600" dirty="0">
+                <a:solidFill>
+                  <a:schemeClr val="bg1"/>
+                </a:solidFill>
+                <a:latin typeface="Trade Gothic Next Heavy" panose="020B0903040303020004" pitchFamily="34" charset="0"/>
+              </a:rPr>
+              <a:t>MAYARA MARQUES</a:t>
+            </a:r>
+          </a:p>
+          <a:p>
+            <a:pPr algn="ctr"/>
+            <a:r>
+              <a:rPr lang="es-ES" sz="1600" dirty="0">
+                <a:solidFill>
+                  <a:schemeClr val="bg1"/>
+                </a:solidFill>
+                <a:latin typeface="Trade Gothic Next Heavy" panose="020B0903040303020004" pitchFamily="34" charset="0"/>
+              </a:rPr>
+              <a:t>N542DD1</a:t>
+            </a:r>
+          </a:p>
+        </p:txBody>
+      </p:sp>
+      <p:sp>
+        <p:nvSpPr>
+          <p:cNvPr id="20" name="Retângulo: Cantos Superiores Arredondados 19">
+            <a:extLst>
+              <a:ext uri="{FF2B5EF4-FFF2-40B4-BE49-F238E27FC236}">
+                <a16:creationId xmlns:a16="http://schemas.microsoft.com/office/drawing/2014/main" id="{E844AE5A-A342-2977-C422-8576718A17F8}"/>
+              </a:ext>
+            </a:extLst>
+          </p:cNvPr>
+          <p:cNvSpPr/>
+          <p:nvPr/>
+        </p:nvSpPr>
+        <p:spPr>
+          <a:xfrm>
+            <a:off x="6995979" y="152399"/>
+            <a:ext cx="2030308" cy="2008853"/>
+          </a:xfrm>
+          <a:prstGeom prst="round2SameRect">
+            <a:avLst/>
+          </a:prstGeom>
+          <a:blipFill dpi="0" rotWithShape="1">
+            <a:blip r:embed="rId4" cstate="print">
+              <a:extLst>
+                <a:ext uri="{28A0092B-C50C-407E-A947-70E740481C1C}">
+                  <a14:useLocalDpi xmlns:a14="http://schemas.microsoft.com/office/drawing/2010/main" val="0"/>
+                </a:ext>
+              </a:extLst>
+            </a:blip>
+            <a:srcRect/>
+            <a:stretch>
+              <a:fillRect/>
+            </a:stretch>
+          </a:blipFill>
+        </p:spPr>
+        <p:style>
+          <a:lnRef idx="2">
+            <a:schemeClr val="accent1">
+              <a:shade val="15000"/>
+            </a:schemeClr>
+          </a:lnRef>
+          <a:fillRef idx="1">
+            <a:schemeClr val="accent1"/>
+          </a:fillRef>
+          <a:effectRef idx="0">
+            <a:schemeClr val="accent1"/>
+          </a:effectRef>
+          <a:fontRef idx="minor">
+            <a:schemeClr val="lt1"/>
+          </a:fontRef>
+        </p:style>
+        <p:txBody>
+          <a:bodyPr rtlCol="0" anchor="ctr"/>
+          <a:lstStyle/>
+          <a:p>
+            <a:pPr algn="ctr"/>
+            <a:endParaRPr lang="pt-BR" dirty="0"/>
+          </a:p>
+        </p:txBody>
+      </p:sp>
+      <p:sp>
+        <p:nvSpPr>
+          <p:cNvPr id="21" name="Retângulo: Cantos Superiores Arredondados 20">
+            <a:extLst>
+              <a:ext uri="{FF2B5EF4-FFF2-40B4-BE49-F238E27FC236}">
+                <a16:creationId xmlns:a16="http://schemas.microsoft.com/office/drawing/2014/main" id="{D5C06AD3-3907-EAF4-FCF1-8649C1643852}"/>
+              </a:ext>
+            </a:extLst>
+          </p:cNvPr>
+          <p:cNvSpPr/>
+          <p:nvPr/>
+        </p:nvSpPr>
+        <p:spPr>
+          <a:xfrm>
+            <a:off x="3911332" y="2968298"/>
+            <a:ext cx="2030308" cy="2008853"/>
+          </a:xfrm>
+          <a:prstGeom prst="round2SameRect">
+            <a:avLst/>
+          </a:prstGeom>
+          <a:blipFill dpi="0" rotWithShape="1">
+            <a:blip r:embed="rId5" cstate="print">
+              <a:extLst>
+                <a:ext uri="{28A0092B-C50C-407E-A947-70E740481C1C}">
+                  <a14:useLocalDpi xmlns:a14="http://schemas.microsoft.com/office/drawing/2010/main" val="0"/>
+                </a:ext>
+              </a:extLst>
+            </a:blip>
+            <a:srcRect/>
+            <a:stretch>
+              <a:fillRect/>
+            </a:stretch>
+          </a:blipFill>
+        </p:spPr>
+        <p:style>
+          <a:lnRef idx="2">
+            <a:schemeClr val="accent1">
+              <a:shade val="15000"/>
+            </a:schemeClr>
+          </a:lnRef>
+          <a:fillRef idx="1">
+            <a:schemeClr val="accent1"/>
+          </a:fillRef>
+          <a:effectRef idx="0">
+            <a:schemeClr val="accent1"/>
+          </a:effectRef>
+          <a:fontRef idx="minor">
+            <a:schemeClr val="lt1"/>
+          </a:fontRef>
+        </p:style>
+        <p:txBody>
+          <a:bodyPr rtlCol="0" anchor="ctr"/>
+          <a:lstStyle/>
+          <a:p>
+            <a:pPr algn="ctr"/>
+            <a:endParaRPr lang="pt-BR" dirty="0"/>
+          </a:p>
+        </p:txBody>
+      </p:sp>
+      <p:sp>
+        <p:nvSpPr>
+          <p:cNvPr id="22" name="Retângulo: Cantos Superiores Arredondados 21">
+            <a:extLst>
+              <a:ext uri="{FF2B5EF4-FFF2-40B4-BE49-F238E27FC236}">
+                <a16:creationId xmlns:a16="http://schemas.microsoft.com/office/drawing/2014/main" id="{17980685-20AD-BE8E-E11D-610814348D49}"/>
+              </a:ext>
+            </a:extLst>
+          </p:cNvPr>
+          <p:cNvSpPr/>
+          <p:nvPr/>
+        </p:nvSpPr>
+        <p:spPr>
+          <a:xfrm>
+            <a:off x="6994998" y="2968298"/>
+            <a:ext cx="2030308" cy="2008853"/>
+          </a:xfrm>
+          <a:prstGeom prst="round2SameRect">
+            <a:avLst/>
+          </a:prstGeom>
+          <a:blipFill dpi="0" rotWithShape="1">
+            <a:blip r:embed="rId6" cstate="print">
+              <a:extLst>
+                <a:ext uri="{BEBA8EAE-BF5A-486C-A8C5-ECC9F3942E4B}">
+                  <a14:imgProps xmlns:a14="http://schemas.microsoft.com/office/drawing/2010/main">
+                    <a14:imgLayer r:embed="rId7">
+                      <a14:imgEffect>
+                        <a14:sharpenSoften amount="-25000"/>
+                      </a14:imgEffect>
+                    </a14:imgLayer>
+                  </a14:imgProps>
+                </a:ext>
+                <a:ext uri="{28A0092B-C50C-407E-A947-70E740481C1C}">
+                  <a14:useLocalDpi xmlns:a14="http://schemas.microsoft.com/office/drawing/2010/main" val="0"/>
+                </a:ext>
+              </a:extLst>
+            </a:blip>
+            <a:srcRect/>
+            <a:stretch>
+              <a:fillRect l="-534" r="-534"/>
+            </a:stretch>
+          </a:blipFill>
+        </p:spPr>
+        <p:style>
+          <a:lnRef idx="2">
+            <a:schemeClr val="accent1">
+              <a:shade val="15000"/>
+            </a:schemeClr>
+          </a:lnRef>
+          <a:fillRef idx="1">
+            <a:schemeClr val="accent1"/>
+          </a:fillRef>
+          <a:effectRef idx="0">
+            <a:schemeClr val="accent1"/>
+          </a:effectRef>
+          <a:fontRef idx="minor">
+            <a:schemeClr val="lt1"/>
+          </a:fontRef>
+        </p:style>
+        <p:txBody>
+          <a:bodyPr rtlCol="0" anchor="ctr"/>
+          <a:lstStyle/>
+          <a:p>
+            <a:pPr algn="ctr"/>
+            <a:endParaRPr lang="pt-BR" dirty="0"/>
+          </a:p>
+        </p:txBody>
+      </p:sp>
+      <p:cxnSp>
+        <p:nvCxnSpPr>
+          <p:cNvPr id="25" name="Conector reto 24">
+            <a:extLst>
+              <a:ext uri="{FF2B5EF4-FFF2-40B4-BE49-F238E27FC236}">
+                <a16:creationId xmlns:a16="http://schemas.microsoft.com/office/drawing/2014/main" id="{B1EE88B6-5D47-1B31-5C0F-871EC645503B}"/>
+              </a:ext>
+            </a:extLst>
+          </p:cNvPr>
+          <p:cNvCxnSpPr>
+            <a:cxnSpLocks/>
+            <a:stCxn id="10" idx="1"/>
+            <a:endCxn id="10" idx="3"/>
+          </p:cNvCxnSpPr>
+          <p:nvPr/>
+        </p:nvCxnSpPr>
+        <p:spPr>
+          <a:xfrm>
+            <a:off x="2929892" y="2833585"/>
+            <a:ext cx="7150734" cy="0"/>
+          </a:xfrm>
+          <a:prstGeom prst="line">
+            <a:avLst/>
+          </a:prstGeom>
+          <a:ln w="76200">
+            <a:solidFill>
+              <a:srgbClr val="0070C0"/>
+            </a:solidFill>
+            <a:headEnd type="oval"/>
+          </a:ln>
+        </p:spPr>
+        <p:style>
+          <a:lnRef idx="1">
+            <a:schemeClr val="accent1"/>
+          </a:lnRef>
+          <a:fillRef idx="0">
+            <a:schemeClr val="accent1"/>
+          </a:fillRef>
+          <a:effectRef idx="0">
+            <a:schemeClr val="accent1"/>
+          </a:effectRef>
+          <a:fontRef idx="minor">
+            <a:schemeClr val="tx1"/>
+          </a:fontRef>
+        </p:style>
+      </p:cxnSp>
+      <p:cxnSp>
+        <p:nvCxnSpPr>
+          <p:cNvPr id="26" name="Conector reto 25">
+            <a:extLst>
+              <a:ext uri="{FF2B5EF4-FFF2-40B4-BE49-F238E27FC236}">
+                <a16:creationId xmlns:a16="http://schemas.microsoft.com/office/drawing/2014/main" id="{C08CA2A7-C242-DFFE-DE0C-7DE0AF092083}"/>
+              </a:ext>
+            </a:extLst>
+          </p:cNvPr>
+          <p:cNvCxnSpPr>
+            <a:cxnSpLocks/>
+          </p:cNvCxnSpPr>
+          <p:nvPr/>
+        </p:nvCxnSpPr>
+        <p:spPr>
+          <a:xfrm flipV="1">
+            <a:off x="2929892" y="-3380"/>
+            <a:ext cx="0" cy="2836965"/>
+          </a:xfrm>
+          <a:prstGeom prst="line">
+            <a:avLst/>
+          </a:prstGeom>
+          <a:ln w="76200">
+            <a:solidFill>
+              <a:srgbClr val="0070C0"/>
+            </a:solidFill>
+          </a:ln>
+        </p:spPr>
+        <p:style>
+          <a:lnRef idx="1">
+            <a:schemeClr val="accent1"/>
+          </a:lnRef>
+          <a:fillRef idx="0">
+            <a:schemeClr val="accent1"/>
+          </a:fillRef>
+          <a:effectRef idx="0">
+            <a:schemeClr val="accent1"/>
+          </a:effectRef>
+          <a:fontRef idx="minor">
+            <a:schemeClr val="tx1"/>
+          </a:fontRef>
+        </p:style>
+      </p:cxnSp>
+    </p:spTree>
+    <p:extLst>
+      <p:ext uri="{BB962C8B-B14F-4D97-AF65-F5344CB8AC3E}">
+        <p14:creationId xmlns:p14="http://schemas.microsoft.com/office/powerpoint/2010/main" val="3472991072"/>
+      </p:ext>
+    </p:extLst>
+  </p:cSld>
+  <p:clrMapOvr>
+    <a:masterClrMapping/>
+  </p:clrMapOvr>
+  <p:transition spd="slow">
+    <p:push dir="u"/>
+  </p:transition>
+</p:sld>
+</file>
+
+<file path=ppt/slides/slide20.xml><?xml version="1.0" encoding="utf-8"?>
+<p:sld xmlns:a="http://schemas.openxmlformats.org/drawingml/2006/main" xmlns:r="http://schemas.openxmlformats.org/officeDocument/2006/relationships" xmlns:p="http://schemas.openxmlformats.org/presentationml/2006/main">
+  <p:cSld>
+    <p:bg>
+      <p:bgPr>
+        <a:solidFill>
+          <a:schemeClr val="bg1">
+            <a:lumMod val="65000"/>
+          </a:schemeClr>
+        </a:solidFill>
+        <a:effectLst/>
+      </p:bgPr>
+    </p:bg>
+    <p:spTree>
+      <p:nvGrpSpPr>
+        <p:cNvPr id="1" name=""/>
+        <p:cNvGrpSpPr/>
+        <p:nvPr/>
+      </p:nvGrpSpPr>
+      <p:grpSpPr>
+        <a:xfrm>
+          <a:off x="0" y="0"/>
+          <a:ext cx="0" cy="0"/>
+          <a:chOff x="0" y="0"/>
+          <a:chExt cx="0" cy="0"/>
+        </a:xfrm>
+      </p:grpSpPr>
+      <p:sp>
+        <p:nvSpPr>
+          <p:cNvPr id="2" name="PlaceHolder 1">
+            <a:extLst>
+              <a:ext uri="{FF2B5EF4-FFF2-40B4-BE49-F238E27FC236}">
+                <a16:creationId xmlns:a16="http://schemas.microsoft.com/office/drawing/2014/main" id="{458F9E88-64C7-47F0-A86D-759DF099DE63}"/>
+              </a:ext>
+            </a:extLst>
+          </p:cNvPr>
+          <p:cNvSpPr txBox="1">
+            <a:spLocks/>
+          </p:cNvSpPr>
+          <p:nvPr/>
+        </p:nvSpPr>
+        <p:spPr>
+          <a:xfrm>
+            <a:off x="504000" y="0"/>
+            <a:ext cx="9070920" cy="945720"/>
+          </a:xfrm>
+          <a:prstGeom prst="rect">
+            <a:avLst/>
+          </a:prstGeom>
+          <a:noFill/>
+          <a:ln w="0">
+            <a:noFill/>
+          </a:ln>
+        </p:spPr>
+        <p:txBody>
+          <a:bodyPr lIns="0" tIns="0" rIns="0" bIns="0" anchor="ctr">
+            <a:noAutofit/>
+          </a:bodyPr>
+          <a:lstStyle>
+            <a:lvl1pPr algn="l" defTabSz="914400" rtl="0" eaLnBrk="1" latinLnBrk="0" hangingPunct="1">
+              <a:lnSpc>
+                <a:spcPct val="90000"/>
+              </a:lnSpc>
+              <a:spcBef>
+                <a:spcPct val="0"/>
+              </a:spcBef>
+              <a:buNone/>
+              <a:defRPr sz="4400" kern="1200">
+                <a:solidFill>
+                  <a:schemeClr val="tx1"/>
+                </a:solidFill>
+                <a:latin typeface="+mj-lt"/>
+                <a:ea typeface="+mj-ea"/>
+                <a:cs typeface="+mj-cs"/>
+              </a:defRPr>
+            </a:lvl1pPr>
+          </a:lstStyle>
+          <a:p>
+            <a:pPr algn="ctr">
+              <a:lnSpc>
+                <a:spcPct val="100000"/>
+              </a:lnSpc>
+              <a:tabLst>
+                <a:tab pos="0" algn="l"/>
+              </a:tabLst>
+            </a:pPr>
+            <a:r>
+              <a:rPr lang="en-US" sz="5400" spc="-1" dirty="0">
+                <a:solidFill>
+                  <a:schemeClr val="bg1"/>
+                </a:solidFill>
+                <a:latin typeface="Trade Gothic Next Heavy" panose="020B0903040303020004" pitchFamily="34" charset="0"/>
+              </a:rPr>
+              <a:t>DEMONSTRAÇÃO</a:t>
+            </a:r>
+            <a:endParaRPr lang="en-CA" sz="5400" spc="-1" dirty="0">
+              <a:solidFill>
+                <a:schemeClr val="bg1"/>
+              </a:solidFill>
+              <a:latin typeface="Trade Gothic Next Heavy" panose="020B0903040303020004" pitchFamily="34" charset="0"/>
+            </a:endParaRPr>
+          </a:p>
+        </p:txBody>
+      </p:sp>
+    </p:spTree>
+  </p:cSld>
+  <p:clrMapOvr>
+    <a:masterClrMapping/>
+  </p:clrMapOvr>
+  <p:transition spd="slow">
+    <p:push dir="u"/>
+  </p:transition>
+</p:sld>
+</file>
+
+<file path=ppt/slides/slide3.xml><?xml version="1.0" encoding="utf-8"?>
+<p:sld xmlns:a="http://schemas.openxmlformats.org/drawingml/2006/main" xmlns:r="http://schemas.openxmlformats.org/officeDocument/2006/relationships" xmlns:p="http://schemas.openxmlformats.org/presentationml/2006/main">
+  <p:cSld>
+    <p:spTree>
+      <p:nvGrpSpPr>
+        <p:cNvPr id="1" name=""/>
+        <p:cNvGrpSpPr/>
+        <p:nvPr/>
+      </p:nvGrpSpPr>
+      <p:grpSpPr>
+        <a:xfrm>
+          <a:off x="0" y="0"/>
+          <a:ext cx="0" cy="0"/>
+          <a:chOff x="0" y="0"/>
+          <a:chExt cx="0" cy="0"/>
+        </a:xfrm>
+      </p:grpSpPr>
+      <p:sp>
+        <p:nvSpPr>
+          <p:cNvPr id="4" name="Retângulo 3">
+            <a:extLst>
+              <a:ext uri="{FF2B5EF4-FFF2-40B4-BE49-F238E27FC236}">
+                <a16:creationId xmlns:a16="http://schemas.microsoft.com/office/drawing/2014/main" id="{D1DC97AA-45FA-951A-F8CC-133BB2CA2E1A}"/>
+              </a:ext>
+            </a:extLst>
+          </p:cNvPr>
+          <p:cNvSpPr/>
+          <p:nvPr/>
+        </p:nvSpPr>
+        <p:spPr>
+          <a:xfrm>
+            <a:off x="152398" y="4975207"/>
+            <a:ext cx="9928227" cy="695344"/>
+          </a:xfrm>
+          <a:prstGeom prst="rect">
+            <a:avLst/>
+          </a:prstGeom>
+          <a:solidFill>
+            <a:schemeClr val="bg1">
+              <a:lumMod val="65000"/>
+            </a:schemeClr>
+          </a:solidFill>
+        </p:spPr>
+        <p:style>
+          <a:lnRef idx="2">
+            <a:schemeClr val="accent1">
+              <a:shade val="15000"/>
+            </a:schemeClr>
+          </a:lnRef>
+          <a:fillRef idx="1">
+            <a:schemeClr val="accent1"/>
+          </a:fillRef>
+          <a:effectRef idx="0">
+            <a:schemeClr val="accent1"/>
+          </a:effectRef>
+          <a:fontRef idx="minor">
+            <a:schemeClr val="lt1"/>
+          </a:fontRef>
+        </p:style>
+        <p:txBody>
+          <a:bodyPr rtlCol="0" anchor="ctr"/>
+          <a:lstStyle/>
+          <a:p>
+            <a:pPr algn="ctr"/>
+            <a:endParaRPr lang="pt-BR"/>
+          </a:p>
+        </p:txBody>
+      </p:sp>
+      <p:sp>
+        <p:nvSpPr>
+          <p:cNvPr id="3" name="Retângulo 2">
+            <a:extLst>
+              <a:ext uri="{FF2B5EF4-FFF2-40B4-BE49-F238E27FC236}">
+                <a16:creationId xmlns:a16="http://schemas.microsoft.com/office/drawing/2014/main" id="{FC895BDB-5A96-4F9E-5494-1883A14D688C}"/>
+              </a:ext>
+            </a:extLst>
+          </p:cNvPr>
+          <p:cNvSpPr/>
+          <p:nvPr/>
+        </p:nvSpPr>
+        <p:spPr>
+          <a:xfrm>
+            <a:off x="0" y="2835275"/>
+            <a:ext cx="432000" cy="2835275"/>
+          </a:xfrm>
+          <a:prstGeom prst="rect">
+            <a:avLst/>
+          </a:prstGeom>
+          <a:solidFill>
+            <a:schemeClr val="bg1">
+              <a:lumMod val="65000"/>
+            </a:schemeClr>
+          </a:solidFill>
+        </p:spPr>
+        <p:style>
+          <a:lnRef idx="2">
+            <a:schemeClr val="accent1">
+              <a:shade val="15000"/>
+            </a:schemeClr>
+          </a:lnRef>
+          <a:fillRef idx="1">
+            <a:schemeClr val="accent1"/>
+          </a:fillRef>
+          <a:effectRef idx="0">
+            <a:schemeClr val="accent1"/>
+          </a:effectRef>
+          <a:fontRef idx="minor">
+            <a:schemeClr val="lt1"/>
+          </a:fontRef>
+        </p:style>
+        <p:txBody>
+          <a:bodyPr rtlCol="0" anchor="ctr"/>
+          <a:lstStyle/>
+          <a:p>
+            <a:pPr algn="ctr"/>
+            <a:endParaRPr lang="pt-BR"/>
+          </a:p>
+        </p:txBody>
+      </p:sp>
+      <p:sp>
+        <p:nvSpPr>
+          <p:cNvPr id="84" name="PlaceHolder 1"/>
+          <p:cNvSpPr>
+            <a:spLocks noGrp="1"/>
+          </p:cNvSpPr>
+          <p:nvPr>
+            <p:ph type="title"/>
+          </p:nvPr>
+        </p:nvSpPr>
+        <p:spPr>
+          <a:xfrm>
+            <a:off x="504853" y="0"/>
+            <a:ext cx="9070920" cy="945720"/>
+          </a:xfrm>
+          <a:prstGeom prst="rect">
+            <a:avLst/>
+          </a:prstGeom>
+          <a:noFill/>
+          <a:ln w="0">
+            <a:noFill/>
+          </a:ln>
+        </p:spPr>
+        <p:txBody>
+          <a:bodyPr lIns="0" tIns="0" rIns="0" bIns="0" anchor="ctr">
+            <a:noAutofit/>
+          </a:bodyPr>
+          <a:lstStyle/>
+          <a:p>
+            <a:pPr indent="0" algn="ctr">
+              <a:lnSpc>
+                <a:spcPct val="100000"/>
+              </a:lnSpc>
+              <a:buNone/>
+              <a:tabLst>
+                <a:tab pos="0" algn="l"/>
+              </a:tabLst>
+            </a:pPr>
+            <a:r>
+              <a:rPr lang="en-US" sz="5400" spc="-1" dirty="0">
+                <a:solidFill>
+                  <a:schemeClr val="tx2">
+                    <a:lumMod val="75000"/>
+                  </a:schemeClr>
+                </a:solidFill>
+                <a:latin typeface="Trade Gothic Next Heavy" panose="020B0903040303020004" pitchFamily="34" charset="0"/>
+              </a:rPr>
+              <a:t>OBJETIVO</a:t>
+            </a:r>
+            <a:endParaRPr lang="en-CA" sz="5400" b="0" strike="noStrike" spc="-1" dirty="0">
+              <a:solidFill>
+                <a:schemeClr val="tx2">
+                  <a:lumMod val="75000"/>
+                </a:schemeClr>
+              </a:solidFill>
+              <a:latin typeface="Trade Gothic Next Heavy" panose="020B0903040303020004" pitchFamily="34" charset="0"/>
+            </a:endParaRPr>
+          </a:p>
+        </p:txBody>
+      </p:sp>
+      <p:cxnSp>
+        <p:nvCxnSpPr>
+          <p:cNvPr id="5" name="Conector: Angulado 4">
+            <a:extLst>
+              <a:ext uri="{FF2B5EF4-FFF2-40B4-BE49-F238E27FC236}">
+                <a16:creationId xmlns:a16="http://schemas.microsoft.com/office/drawing/2014/main" id="{9789CA88-1119-A093-98FD-00A196273471}"/>
+              </a:ext>
+            </a:extLst>
+          </p:cNvPr>
+          <p:cNvCxnSpPr>
+            <a:cxnSpLocks/>
+          </p:cNvCxnSpPr>
+          <p:nvPr/>
+        </p:nvCxnSpPr>
+        <p:spPr>
+          <a:xfrm>
+            <a:off x="-36000" y="2835275"/>
+            <a:ext cx="10190265" cy="2139930"/>
+          </a:xfrm>
+          <a:prstGeom prst="bentConnector3">
+            <a:avLst>
+              <a:gd name="adj1" fmla="val 4627"/>
+            </a:avLst>
+          </a:prstGeom>
+          <a:ln w="76200">
+            <a:solidFill>
+              <a:srgbClr val="0070C0"/>
+            </a:solidFill>
+            <a:round/>
+          </a:ln>
+        </p:spPr>
+        <p:style>
+          <a:lnRef idx="1">
+            <a:schemeClr val="accent1"/>
+          </a:lnRef>
+          <a:fillRef idx="0">
+            <a:schemeClr val="accent1"/>
+          </a:fillRef>
+          <a:effectRef idx="0">
+            <a:schemeClr val="accent1"/>
+          </a:effectRef>
+          <a:fontRef idx="minor">
+            <a:schemeClr val="tx1"/>
+          </a:fontRef>
+        </p:style>
+      </p:cxnSp>
+      <p:pic>
+        <p:nvPicPr>
+          <p:cNvPr id="8" name="Imagem 7" descr="Texto, Logotipo&#10;&#10;Descrição gerada automaticamente">
+            <a:extLst>
+              <a:ext uri="{FF2B5EF4-FFF2-40B4-BE49-F238E27FC236}">
+                <a16:creationId xmlns:a16="http://schemas.microsoft.com/office/drawing/2014/main" id="{72165A13-B847-5395-C192-7A3F1FA8A3F1}"/>
+              </a:ext>
+            </a:extLst>
+          </p:cNvPr>
+          <p:cNvPicPr>
+            <a:picLocks noChangeAspect="1"/>
+          </p:cNvPicPr>
+          <p:nvPr/>
+        </p:nvPicPr>
+        <p:blipFill>
+          <a:blip r:embed="rId3">
+            <a:extLst>
+              <a:ext uri="{28A0092B-C50C-407E-A947-70E740481C1C}">
+                <a14:useLocalDpi xmlns:a14="http://schemas.microsoft.com/office/drawing/2010/main" val="0"/>
+              </a:ext>
+            </a:extLst>
+          </a:blip>
+          <a:stretch>
+            <a:fillRect/>
+          </a:stretch>
+        </p:blipFill>
+        <p:spPr>
+          <a:xfrm>
+            <a:off x="623865" y="2139930"/>
+            <a:ext cx="4216923" cy="1267612"/>
+          </a:xfrm>
+          <a:prstGeom prst="rect">
+            <a:avLst/>
+          </a:prstGeom>
+        </p:spPr>
+      </p:pic>
+      <p:pic>
+        <p:nvPicPr>
+          <p:cNvPr id="7" name="Imagem 6">
+            <a:extLst>
+              <a:ext uri="{FF2B5EF4-FFF2-40B4-BE49-F238E27FC236}">
+                <a16:creationId xmlns:a16="http://schemas.microsoft.com/office/drawing/2014/main" id="{0DDD8B4A-1EC2-65E3-094C-E19C2B6FFEC1}"/>
+              </a:ext>
+            </a:extLst>
+          </p:cNvPr>
+          <p:cNvPicPr>
+            <a:picLocks noChangeAspect="1"/>
+          </p:cNvPicPr>
+          <p:nvPr/>
+        </p:nvPicPr>
+        <p:blipFill>
+          <a:blip r:embed="rId4"/>
+          <a:stretch>
+            <a:fillRect/>
+          </a:stretch>
+        </p:blipFill>
+        <p:spPr>
+          <a:xfrm>
+            <a:off x="5239838" y="1012045"/>
+            <a:ext cx="4606552" cy="3646460"/>
+          </a:xfrm>
+          <a:prstGeom prst="rect">
+            <a:avLst/>
+          </a:prstGeom>
+        </p:spPr>
+      </p:pic>
+    </p:spTree>
+  </p:cSld>
+  <p:clrMapOvr>
+    <a:masterClrMapping/>
+  </p:clrMapOvr>
+  <p:transition spd="slow">
+    <p:push/>
+  </p:transition>
+</p:sld>
+</file>
+
+<file path=ppt/slides/slide4.xml><?xml version="1.0" encoding="utf-8"?>
+<p:sld xmlns:a="http://schemas.openxmlformats.org/drawingml/2006/main" xmlns:r="http://schemas.openxmlformats.org/officeDocument/2006/relationships" xmlns:p="http://schemas.openxmlformats.org/presentationml/2006/main">
+  <p:cSld>
+    <p:spTree>
+      <p:nvGrpSpPr>
+        <p:cNvPr id="1" name=""/>
+        <p:cNvGrpSpPr/>
+        <p:nvPr/>
+      </p:nvGrpSpPr>
+      <p:grpSpPr>
+        <a:xfrm>
+          <a:off x="0" y="0"/>
+          <a:ext cx="0" cy="0"/>
+          <a:chOff x="0" y="0"/>
+          <a:chExt cx="0" cy="0"/>
+        </a:xfrm>
+      </p:grpSpPr>
+      <p:sp>
+        <p:nvSpPr>
+          <p:cNvPr id="4" name="Retângulo 3">
+            <a:extLst>
+              <a:ext uri="{FF2B5EF4-FFF2-40B4-BE49-F238E27FC236}">
+                <a16:creationId xmlns:a16="http://schemas.microsoft.com/office/drawing/2014/main" id="{D1DC97AA-45FA-951A-F8CC-133BB2CA2E1A}"/>
+              </a:ext>
+            </a:extLst>
+          </p:cNvPr>
+          <p:cNvSpPr/>
+          <p:nvPr/>
+        </p:nvSpPr>
+        <p:spPr>
+          <a:xfrm>
+            <a:off x="0" y="4975207"/>
+            <a:ext cx="10041649" cy="695344"/>
+          </a:xfrm>
+          <a:prstGeom prst="rect">
+            <a:avLst/>
+          </a:prstGeom>
+          <a:solidFill>
+            <a:schemeClr val="bg1">
+              <a:lumMod val="65000"/>
+            </a:schemeClr>
+          </a:solidFill>
+        </p:spPr>
+        <p:style>
+          <a:lnRef idx="2">
+            <a:schemeClr val="accent1">
+              <a:shade val="15000"/>
+            </a:schemeClr>
+          </a:lnRef>
+          <a:fillRef idx="1">
+            <a:schemeClr val="accent1"/>
+          </a:fillRef>
+          <a:effectRef idx="0">
+            <a:schemeClr val="accent1"/>
+          </a:effectRef>
+          <a:fontRef idx="minor">
+            <a:schemeClr val="lt1"/>
+          </a:fontRef>
+        </p:style>
+        <p:txBody>
+          <a:bodyPr rtlCol="0" anchor="ctr"/>
+          <a:lstStyle/>
+          <a:p>
+            <a:pPr algn="ctr"/>
+            <a:endParaRPr lang="pt-BR"/>
+          </a:p>
+        </p:txBody>
+      </p:sp>
+      <p:sp>
+        <p:nvSpPr>
+          <p:cNvPr id="84" name="PlaceHolder 1"/>
+          <p:cNvSpPr>
+            <a:spLocks noGrp="1"/>
+          </p:cNvSpPr>
+          <p:nvPr>
+            <p:ph type="title"/>
+          </p:nvPr>
+        </p:nvSpPr>
+        <p:spPr>
+          <a:xfrm>
+            <a:off x="504853" y="0"/>
+            <a:ext cx="9070920" cy="945720"/>
+          </a:xfrm>
+          <a:prstGeom prst="rect">
+            <a:avLst/>
+          </a:prstGeom>
+          <a:noFill/>
+          <a:ln w="0">
+            <a:noFill/>
+          </a:ln>
+        </p:spPr>
+        <p:txBody>
+          <a:bodyPr lIns="0" tIns="0" rIns="0" bIns="0" anchor="ctr">
+            <a:noAutofit/>
+          </a:bodyPr>
+          <a:lstStyle/>
+          <a:p>
+            <a:pPr indent="0" algn="ctr">
+              <a:lnSpc>
+                <a:spcPct val="100000"/>
+              </a:lnSpc>
+              <a:buNone/>
+              <a:tabLst>
+                <a:tab pos="0" algn="l"/>
+              </a:tabLst>
+            </a:pPr>
+            <a:r>
+              <a:rPr lang="en-US" sz="5400" spc="-1" dirty="0">
+                <a:solidFill>
+                  <a:schemeClr val="tx2">
+                    <a:lumMod val="75000"/>
+                  </a:schemeClr>
+                </a:solidFill>
+                <a:latin typeface="Trade Gothic Next Heavy" panose="020B0903040303020004" pitchFamily="34" charset="0"/>
+              </a:rPr>
+              <a:t>INTRODU</a:t>
+            </a:r>
+            <a:r>
+              <a:rPr lang="pt-BR" sz="5400" spc="-1" dirty="0">
+                <a:solidFill>
+                  <a:schemeClr val="tx2">
+                    <a:lumMod val="75000"/>
+                  </a:schemeClr>
+                </a:solidFill>
+                <a:latin typeface="Trade Gothic Next Heavy" panose="020B0903040303020004" pitchFamily="34" charset="0"/>
+              </a:rPr>
+              <a:t>ÇÃO</a:t>
+            </a:r>
+            <a:endParaRPr lang="en-CA" sz="5400" b="0" strike="noStrike" spc="-1" dirty="0">
+              <a:solidFill>
+                <a:schemeClr val="tx2">
+                  <a:lumMod val="75000"/>
+                </a:schemeClr>
+              </a:solidFill>
+              <a:latin typeface="Trade Gothic Next Heavy" panose="020B0903040303020004" pitchFamily="34" charset="0"/>
+            </a:endParaRPr>
+          </a:p>
+        </p:txBody>
+      </p:sp>
+      <p:sp>
+        <p:nvSpPr>
+          <p:cNvPr id="85" name="PlaceHolder 2"/>
+          <p:cNvSpPr>
+            <a:spLocks noGrp="1"/>
+          </p:cNvSpPr>
+          <p:nvPr>
+            <p:ph/>
+          </p:nvPr>
+        </p:nvSpPr>
+        <p:spPr>
+          <a:xfrm>
+            <a:off x="529403" y="1280163"/>
+            <a:ext cx="9185737" cy="3657576"/>
+          </a:xfrm>
+          <a:prstGeom prst="rect">
+            <a:avLst/>
+          </a:prstGeom>
+          <a:noFill/>
+          <a:ln w="0">
+            <a:noFill/>
+          </a:ln>
+        </p:spPr>
+        <p:txBody>
+          <a:bodyPr lIns="0" tIns="0" rIns="0" bIns="0" anchor="t">
+            <a:normAutofit fontScale="92500"/>
+          </a:bodyPr>
+          <a:lstStyle/>
+          <a:p>
+            <a:pPr marL="685800" indent="-457200">
+              <a:lnSpc>
+                <a:spcPct val="100000"/>
+              </a:lnSpc>
+              <a:tabLst>
+                <a:tab pos="0" algn="l"/>
+              </a:tabLst>
+            </a:pPr>
+            <a:r>
+              <a:rPr lang="pt-BR" sz="3500" spc="-1" dirty="0">
+                <a:solidFill>
+                  <a:srgbClr val="000000"/>
+                </a:solidFill>
+                <a:latin typeface="Trade Gothic Next" panose="020B0503040303020004" pitchFamily="34" charset="0"/>
+              </a:rPr>
+              <a:t>Mercado de trabalho</a:t>
+            </a:r>
+          </a:p>
+          <a:p>
+            <a:pPr marL="685800" indent="-457200">
+              <a:lnSpc>
+                <a:spcPct val="100000"/>
+              </a:lnSpc>
+              <a:tabLst>
+                <a:tab pos="0" algn="l"/>
+              </a:tabLst>
+            </a:pPr>
+            <a:r>
+              <a:rPr lang="pt-BR" sz="3500" spc="-1" dirty="0">
+                <a:solidFill>
+                  <a:srgbClr val="000000"/>
+                </a:solidFill>
+                <a:latin typeface="Trade Gothic Next" panose="020B0503040303020004" pitchFamily="34" charset="0"/>
+              </a:rPr>
+              <a:t>Globalização</a:t>
+            </a:r>
+          </a:p>
+          <a:p>
+            <a:pPr marL="685800" indent="-457200">
+              <a:lnSpc>
+                <a:spcPct val="100000"/>
+              </a:lnSpc>
+              <a:tabLst>
+                <a:tab pos="0" algn="l"/>
+              </a:tabLst>
+            </a:pPr>
+            <a:r>
+              <a:rPr lang="en-CA" sz="3500" spc="-1" dirty="0" err="1">
+                <a:solidFill>
+                  <a:srgbClr val="000000"/>
+                </a:solidFill>
+                <a:latin typeface="Trade Gothic Next" panose="020B0503040303020004" pitchFamily="34" charset="0"/>
+              </a:rPr>
+              <a:t>Muitas</a:t>
+            </a:r>
+            <a:r>
+              <a:rPr lang="en-CA" sz="3500" spc="-1" dirty="0">
+                <a:solidFill>
+                  <a:srgbClr val="000000"/>
+                </a:solidFill>
+                <a:latin typeface="Trade Gothic Next" panose="020B0503040303020004" pitchFamily="34" charset="0"/>
+              </a:rPr>
+              <a:t> </a:t>
+            </a:r>
+            <a:r>
+              <a:rPr lang="en-CA" sz="3500" spc="-1" dirty="0" err="1">
+                <a:solidFill>
+                  <a:srgbClr val="000000"/>
+                </a:solidFill>
+                <a:latin typeface="Trade Gothic Next" panose="020B0503040303020004" pitchFamily="34" charset="0"/>
+              </a:rPr>
+              <a:t>informações</a:t>
+            </a:r>
+            <a:r>
+              <a:rPr lang="en-CA" sz="3500" spc="-1" dirty="0">
+                <a:solidFill>
+                  <a:srgbClr val="000000"/>
+                </a:solidFill>
+                <a:latin typeface="Trade Gothic Next" panose="020B0503040303020004" pitchFamily="34" charset="0"/>
+              </a:rPr>
+              <a:t> de </a:t>
+            </a:r>
+            <a:r>
+              <a:rPr lang="en-CA" sz="3500" spc="-1" dirty="0" err="1">
+                <a:solidFill>
+                  <a:srgbClr val="000000"/>
+                </a:solidFill>
+                <a:latin typeface="Trade Gothic Next" panose="020B0503040303020004" pitchFamily="34" charset="0"/>
+              </a:rPr>
+              <a:t>emprego</a:t>
+            </a:r>
+            <a:r>
+              <a:rPr lang="en-CA" sz="3500" spc="-1" dirty="0">
+                <a:solidFill>
+                  <a:srgbClr val="000000"/>
+                </a:solidFill>
+                <a:latin typeface="Trade Gothic Next" panose="020B0503040303020004" pitchFamily="34" charset="0"/>
+              </a:rPr>
+              <a:t> fora do </a:t>
+            </a:r>
+            <a:r>
+              <a:rPr lang="en-CA" sz="3500" spc="-1" dirty="0" err="1">
+                <a:solidFill>
+                  <a:srgbClr val="000000"/>
+                </a:solidFill>
+                <a:latin typeface="Trade Gothic Next" panose="020B0503040303020004" pitchFamily="34" charset="0"/>
+              </a:rPr>
+              <a:t>Brasil</a:t>
+            </a:r>
+            <a:endParaRPr lang="en-CA" sz="3500" spc="-1" dirty="0">
+              <a:solidFill>
+                <a:srgbClr val="000000"/>
+              </a:solidFill>
+              <a:latin typeface="Trade Gothic Next" panose="020B0503040303020004" pitchFamily="34" charset="0"/>
+            </a:endParaRPr>
+          </a:p>
+          <a:p>
+            <a:pPr marL="685800" indent="-457200">
+              <a:lnSpc>
+                <a:spcPct val="100000"/>
+              </a:lnSpc>
+              <a:tabLst>
+                <a:tab pos="0" algn="l"/>
+              </a:tabLst>
+            </a:pPr>
+            <a:r>
+              <a:rPr lang="en-CA" sz="3500" spc="-1" dirty="0" err="1">
+                <a:solidFill>
+                  <a:srgbClr val="000000"/>
+                </a:solidFill>
+                <a:latin typeface="Trade Gothic Next" panose="020B0503040303020004" pitchFamily="34" charset="0"/>
+              </a:rPr>
+              <a:t>Pouca</a:t>
+            </a:r>
+            <a:r>
+              <a:rPr lang="en-CA" sz="3500" spc="-1" dirty="0">
+                <a:solidFill>
+                  <a:srgbClr val="000000"/>
+                </a:solidFill>
+                <a:latin typeface="Trade Gothic Next" panose="020B0503040303020004" pitchFamily="34" charset="0"/>
+              </a:rPr>
+              <a:t> </a:t>
+            </a:r>
+            <a:r>
+              <a:rPr lang="en-CA" sz="3500" spc="-1" dirty="0" err="1">
+                <a:solidFill>
+                  <a:srgbClr val="000000"/>
+                </a:solidFill>
+                <a:latin typeface="Trade Gothic Next" panose="020B0503040303020004" pitchFamily="34" charset="0"/>
+              </a:rPr>
+              <a:t>informação</a:t>
+            </a:r>
+            <a:r>
+              <a:rPr lang="en-CA" sz="3500" spc="-1" dirty="0">
+                <a:solidFill>
+                  <a:srgbClr val="000000"/>
+                </a:solidFill>
+                <a:latin typeface="Trade Gothic Next" panose="020B0503040303020004" pitchFamily="34" charset="0"/>
+              </a:rPr>
+              <a:t> </a:t>
+            </a:r>
+            <a:r>
+              <a:rPr lang="en-CA" sz="3500" spc="-1" dirty="0" err="1">
+                <a:solidFill>
+                  <a:srgbClr val="000000"/>
+                </a:solidFill>
+                <a:latin typeface="Trade Gothic Next" panose="020B0503040303020004" pitchFamily="34" charset="0"/>
+              </a:rPr>
+              <a:t>sobre</a:t>
+            </a:r>
+            <a:r>
+              <a:rPr lang="en-CA" sz="3500" spc="-1" dirty="0">
+                <a:solidFill>
+                  <a:srgbClr val="000000"/>
+                </a:solidFill>
+                <a:latin typeface="Trade Gothic Next" panose="020B0503040303020004" pitchFamily="34" charset="0"/>
+              </a:rPr>
+              <a:t> o </a:t>
+            </a:r>
+            <a:r>
+              <a:rPr lang="en-CA" sz="3500" spc="-1" dirty="0" err="1">
+                <a:solidFill>
+                  <a:srgbClr val="000000"/>
+                </a:solidFill>
+                <a:latin typeface="Trade Gothic Next" panose="020B0503040303020004" pitchFamily="34" charset="0"/>
+              </a:rPr>
+              <a:t>contrário</a:t>
+            </a:r>
+            <a:endParaRPr lang="en-CA" sz="3500" spc="-1" dirty="0">
+              <a:solidFill>
+                <a:srgbClr val="000000"/>
+              </a:solidFill>
+              <a:latin typeface="Trade Gothic Next" panose="020B0503040303020004" pitchFamily="34" charset="0"/>
+            </a:endParaRPr>
+          </a:p>
+          <a:p>
+            <a:pPr marL="685800" indent="-457200">
+              <a:lnSpc>
+                <a:spcPct val="100000"/>
+              </a:lnSpc>
+              <a:tabLst>
+                <a:tab pos="0" algn="l"/>
+              </a:tabLst>
+            </a:pPr>
+            <a:r>
+              <a:rPr lang="en-CA" sz="3500" spc="-1" dirty="0">
+                <a:solidFill>
+                  <a:srgbClr val="000000"/>
+                </a:solidFill>
+                <a:latin typeface="Trade Gothic Next" panose="020B0503040303020004" pitchFamily="34" charset="0"/>
+              </a:rPr>
+              <a:t>Por que?</a:t>
+            </a:r>
+          </a:p>
+          <a:p>
+            <a:pPr marL="685800" indent="-457200">
+              <a:lnSpc>
+                <a:spcPct val="100000"/>
+              </a:lnSpc>
+              <a:tabLst>
+                <a:tab pos="0" algn="l"/>
+              </a:tabLst>
+            </a:pPr>
+            <a:r>
+              <a:rPr lang="en-CA" sz="3500" spc="-1" dirty="0">
+                <a:solidFill>
+                  <a:srgbClr val="000000"/>
+                </a:solidFill>
+                <a:latin typeface="Trade Gothic Next" panose="020B0503040303020004" pitchFamily="34" charset="0"/>
+              </a:rPr>
+              <a:t>Como </a:t>
+            </a:r>
+            <a:r>
+              <a:rPr lang="en-CA" sz="3500" spc="-1" dirty="0" err="1">
+                <a:solidFill>
+                  <a:srgbClr val="000000"/>
+                </a:solidFill>
+                <a:latin typeface="Trade Gothic Next" panose="020B0503040303020004" pitchFamily="34" charset="0"/>
+              </a:rPr>
+              <a:t>ajudar</a:t>
+            </a:r>
+            <a:r>
+              <a:rPr lang="en-CA" sz="3500" spc="-1" dirty="0">
+                <a:solidFill>
+                  <a:srgbClr val="000000"/>
+                </a:solidFill>
+                <a:latin typeface="Trade Gothic Next" panose="020B0503040303020004" pitchFamily="34" charset="0"/>
+              </a:rPr>
+              <a:t>?</a:t>
+            </a:r>
+          </a:p>
+          <a:p>
+            <a:pPr marL="571500" indent="-342900">
+              <a:lnSpc>
+                <a:spcPct val="100000"/>
+              </a:lnSpc>
+              <a:tabLst>
+                <a:tab pos="0" algn="l"/>
+              </a:tabLst>
+            </a:pPr>
+            <a:endParaRPr lang="en-CA" sz="2400" b="1" spc="-1" dirty="0">
+              <a:solidFill>
+                <a:srgbClr val="000000"/>
+              </a:solidFill>
+              <a:latin typeface="Trade Gothic Next" panose="020B0503040303020004" pitchFamily="34" charset="0"/>
+            </a:endParaRPr>
+          </a:p>
+          <a:p>
+            <a:pPr indent="0">
+              <a:lnSpc>
+                <a:spcPct val="100000"/>
+              </a:lnSpc>
+              <a:buNone/>
+              <a:tabLst>
+                <a:tab pos="0" algn="l"/>
+              </a:tabLst>
+            </a:pPr>
+            <a:endParaRPr lang="en-CA" sz="1800" b="0" strike="noStrike" spc="-1" dirty="0">
+              <a:solidFill>
+                <a:srgbClr val="000000"/>
+              </a:solidFill>
+              <a:latin typeface="Arial"/>
+            </a:endParaRPr>
+          </a:p>
+        </p:txBody>
+      </p:sp>
+      <p:cxnSp>
+        <p:nvCxnSpPr>
+          <p:cNvPr id="22" name="Conector reto 21">
+            <a:extLst>
+              <a:ext uri="{FF2B5EF4-FFF2-40B4-BE49-F238E27FC236}">
+                <a16:creationId xmlns:a16="http://schemas.microsoft.com/office/drawing/2014/main" id="{7EEE596D-617C-C6FF-5702-39F72797C666}"/>
+              </a:ext>
+            </a:extLst>
+          </p:cNvPr>
+          <p:cNvCxnSpPr>
+            <a:cxnSpLocks/>
+          </p:cNvCxnSpPr>
+          <p:nvPr/>
+        </p:nvCxnSpPr>
+        <p:spPr>
+          <a:xfrm flipV="1">
+            <a:off x="10047600" y="4975205"/>
+            <a:ext cx="0" cy="695345"/>
+          </a:xfrm>
+          <a:prstGeom prst="line">
+            <a:avLst/>
+          </a:prstGeom>
+          <a:ln w="76200">
+            <a:solidFill>
+              <a:srgbClr val="0070C0"/>
+            </a:solidFill>
+            <a:round/>
+            <a:headEnd type="none"/>
+            <a:tailEnd type="none"/>
+          </a:ln>
+        </p:spPr>
+        <p:style>
+          <a:lnRef idx="1">
+            <a:schemeClr val="accent1"/>
+          </a:lnRef>
+          <a:fillRef idx="0">
+            <a:schemeClr val="accent1"/>
+          </a:fillRef>
+          <a:effectRef idx="0">
+            <a:schemeClr val="accent1"/>
+          </a:effectRef>
+          <a:fontRef idx="minor">
+            <a:schemeClr val="tx1"/>
+          </a:fontRef>
+        </p:style>
+      </p:cxnSp>
+      <p:cxnSp>
+        <p:nvCxnSpPr>
+          <p:cNvPr id="6" name="Conector reto 5">
+            <a:extLst>
+              <a:ext uri="{FF2B5EF4-FFF2-40B4-BE49-F238E27FC236}">
+                <a16:creationId xmlns:a16="http://schemas.microsoft.com/office/drawing/2014/main" id="{01BB2765-7FC7-833A-F71F-85E1E9D10A56}"/>
+              </a:ext>
+            </a:extLst>
+          </p:cNvPr>
+          <p:cNvCxnSpPr>
+            <a:cxnSpLocks/>
+          </p:cNvCxnSpPr>
+          <p:nvPr/>
+        </p:nvCxnSpPr>
+        <p:spPr>
+          <a:xfrm flipH="1">
+            <a:off x="-81280" y="4977416"/>
+            <a:ext cx="10239071" cy="0"/>
+          </a:xfrm>
+          <a:prstGeom prst="line">
+            <a:avLst/>
+          </a:prstGeom>
+          <a:ln w="76200">
+            <a:solidFill>
+              <a:srgbClr val="0070C0"/>
+            </a:solidFill>
+            <a:headEnd type="none"/>
+            <a:tailEnd type="none"/>
+          </a:ln>
+        </p:spPr>
+        <p:style>
+          <a:lnRef idx="1">
+            <a:schemeClr val="accent1"/>
+          </a:lnRef>
+          <a:fillRef idx="0">
+            <a:schemeClr val="accent1"/>
+          </a:fillRef>
+          <a:effectRef idx="0">
+            <a:schemeClr val="accent1"/>
+          </a:effectRef>
+          <a:fontRef idx="minor">
+            <a:schemeClr val="tx1"/>
+          </a:fontRef>
+        </p:style>
+      </p:cxnSp>
+    </p:spTree>
+    <p:extLst>
+      <p:ext uri="{BB962C8B-B14F-4D97-AF65-F5344CB8AC3E}">
+        <p14:creationId xmlns:p14="http://schemas.microsoft.com/office/powerpoint/2010/main" val="4262414662"/>
+      </p:ext>
+    </p:extLst>
+  </p:cSld>
+  <p:clrMapOvr>
+    <a:masterClrMapping/>
+  </p:clrMapOvr>
+  <p:transition spd="slow">
+    <p:push/>
+  </p:transition>
+</p:sld>
+</file>
+
+<file path=ppt/slides/slide5.xml><?xml version="1.0" encoding="utf-8"?>
+<p:sld xmlns:a="http://schemas.openxmlformats.org/drawingml/2006/main" xmlns:r="http://schemas.openxmlformats.org/officeDocument/2006/relationships" xmlns:p="http://schemas.openxmlformats.org/presentationml/2006/main">
+  <p:cSld>
+    <p:spTree>
+      <p:nvGrpSpPr>
+        <p:cNvPr id="1" name=""/>
+        <p:cNvGrpSpPr/>
+        <p:nvPr/>
+      </p:nvGrpSpPr>
+      <p:grpSpPr>
+        <a:xfrm>
+          <a:off x="0" y="0"/>
+          <a:ext cx="0" cy="0"/>
+          <a:chOff x="0" y="0"/>
+          <a:chExt cx="0" cy="0"/>
+        </a:xfrm>
+      </p:grpSpPr>
+      <p:sp>
+        <p:nvSpPr>
+          <p:cNvPr id="14" name="Retângulo 13">
+            <a:extLst>
+              <a:ext uri="{FF2B5EF4-FFF2-40B4-BE49-F238E27FC236}">
+                <a16:creationId xmlns:a16="http://schemas.microsoft.com/office/drawing/2014/main" id="{6FB97949-5C91-75B0-2E9C-327F8760F8DF}"/>
+              </a:ext>
+            </a:extLst>
+          </p:cNvPr>
+          <p:cNvSpPr/>
+          <p:nvPr/>
+        </p:nvSpPr>
+        <p:spPr>
+          <a:xfrm>
+            <a:off x="-1" y="0"/>
+            <a:ext cx="807285" cy="5670550"/>
+          </a:xfrm>
+          <a:prstGeom prst="rect">
+            <a:avLst/>
+          </a:prstGeom>
+          <a:solidFill>
+            <a:schemeClr val="bg1">
+              <a:lumMod val="65000"/>
+            </a:schemeClr>
+          </a:solidFill>
+        </p:spPr>
+        <p:style>
+          <a:lnRef idx="2">
+            <a:schemeClr val="accent1">
+              <a:shade val="15000"/>
+            </a:schemeClr>
+          </a:lnRef>
+          <a:fillRef idx="1">
+            <a:schemeClr val="accent1"/>
+          </a:fillRef>
+          <a:effectRef idx="0">
+            <a:schemeClr val="accent1"/>
+          </a:effectRef>
+          <a:fontRef idx="minor">
+            <a:schemeClr val="lt1"/>
+          </a:fontRef>
+        </p:style>
+        <p:txBody>
+          <a:bodyPr rtlCol="0" anchor="ctr"/>
+          <a:lstStyle/>
+          <a:p>
+            <a:pPr algn="ctr"/>
+            <a:endParaRPr lang="pt-BR"/>
+          </a:p>
+        </p:txBody>
+      </p:sp>
+      <p:sp>
+        <p:nvSpPr>
+          <p:cNvPr id="3" name="Retângulo 2">
+            <a:extLst>
+              <a:ext uri="{FF2B5EF4-FFF2-40B4-BE49-F238E27FC236}">
+                <a16:creationId xmlns:a16="http://schemas.microsoft.com/office/drawing/2014/main" id="{E7B8CECC-541B-5A46-230C-8F1E14987069}"/>
+              </a:ext>
+            </a:extLst>
+          </p:cNvPr>
+          <p:cNvSpPr/>
+          <p:nvPr/>
+        </p:nvSpPr>
+        <p:spPr>
+          <a:xfrm>
+            <a:off x="-1" y="-44695"/>
+            <a:ext cx="10080623" cy="1223829"/>
+          </a:xfrm>
+          <a:prstGeom prst="rect">
+            <a:avLst/>
+          </a:prstGeom>
+          <a:solidFill>
+            <a:schemeClr val="bg1">
+              <a:lumMod val="65000"/>
+            </a:schemeClr>
+          </a:solidFill>
+        </p:spPr>
+        <p:style>
+          <a:lnRef idx="2">
+            <a:schemeClr val="accent1">
+              <a:shade val="15000"/>
+            </a:schemeClr>
+          </a:lnRef>
+          <a:fillRef idx="1">
+            <a:schemeClr val="accent1"/>
+          </a:fillRef>
+          <a:effectRef idx="0">
+            <a:schemeClr val="accent1"/>
+          </a:effectRef>
+          <a:fontRef idx="minor">
+            <a:schemeClr val="lt1"/>
+          </a:fontRef>
+        </p:style>
+        <p:txBody>
+          <a:bodyPr rtlCol="0" anchor="ctr"/>
+          <a:lstStyle/>
+          <a:p>
+            <a:pPr algn="ctr"/>
+            <a:endParaRPr lang="pt-BR"/>
+          </a:p>
+        </p:txBody>
+      </p:sp>
+      <p:sp>
+        <p:nvSpPr>
+          <p:cNvPr id="84" name="PlaceHolder 1"/>
+          <p:cNvSpPr>
+            <a:spLocks noGrp="1"/>
+          </p:cNvSpPr>
+          <p:nvPr>
+            <p:ph type="title"/>
+          </p:nvPr>
+        </p:nvSpPr>
+        <p:spPr>
+          <a:xfrm>
+            <a:off x="504853" y="0"/>
+            <a:ext cx="9070920" cy="945720"/>
+          </a:xfrm>
+          <a:prstGeom prst="rect">
+            <a:avLst/>
+          </a:prstGeom>
+          <a:noFill/>
+          <a:ln w="0">
+            <a:noFill/>
+          </a:ln>
+        </p:spPr>
+        <p:txBody>
+          <a:bodyPr lIns="0" tIns="0" rIns="0" bIns="0" anchor="ctr">
+            <a:noAutofit/>
+          </a:bodyPr>
+          <a:lstStyle/>
+          <a:p>
+            <a:pPr indent="0" algn="ctr">
+              <a:lnSpc>
+                <a:spcPct val="100000"/>
+              </a:lnSpc>
+              <a:buNone/>
+              <a:tabLst>
+                <a:tab pos="0" algn="l"/>
+              </a:tabLst>
+            </a:pPr>
+            <a:r>
+              <a:rPr lang="en-US" sz="5400" spc="-1" dirty="0">
+                <a:solidFill>
+                  <a:schemeClr val="tx2">
+                    <a:lumMod val="75000"/>
+                  </a:schemeClr>
+                </a:solidFill>
+                <a:latin typeface="Trade Gothic Next Heavy" panose="020B0903040303020004" pitchFamily="34" charset="0"/>
+              </a:rPr>
+              <a:t>PESQUISA</a:t>
+            </a:r>
+            <a:endParaRPr lang="en-CA" sz="5400" b="0" strike="noStrike" spc="-1" dirty="0">
+              <a:solidFill>
+                <a:schemeClr val="tx2">
+                  <a:lumMod val="75000"/>
+                </a:schemeClr>
+              </a:solidFill>
+              <a:latin typeface="Trade Gothic Next Heavy" panose="020B0903040303020004" pitchFamily="34" charset="0"/>
+            </a:endParaRPr>
+          </a:p>
+        </p:txBody>
+      </p:sp>
+      <p:sp>
+        <p:nvSpPr>
+          <p:cNvPr id="85" name="PlaceHolder 2"/>
+          <p:cNvSpPr>
+            <a:spLocks noGrp="1"/>
+          </p:cNvSpPr>
+          <p:nvPr>
+            <p:ph/>
+          </p:nvPr>
+        </p:nvSpPr>
+        <p:spPr>
+          <a:xfrm>
+            <a:off x="917807" y="1382681"/>
+            <a:ext cx="9070920" cy="4084320"/>
+          </a:xfrm>
+          <a:prstGeom prst="rect">
+            <a:avLst/>
+          </a:prstGeom>
+          <a:noFill/>
+          <a:ln w="0">
+            <a:noFill/>
+          </a:ln>
+        </p:spPr>
+        <p:txBody>
+          <a:bodyPr lIns="0" tIns="0" rIns="0" bIns="0" anchor="t">
+            <a:normAutofit/>
+          </a:bodyPr>
+          <a:lstStyle/>
+          <a:p>
+            <a:pPr marL="800100" indent="-571500">
+              <a:lnSpc>
+                <a:spcPct val="100000"/>
+              </a:lnSpc>
+              <a:tabLst>
+                <a:tab pos="0" algn="l"/>
+              </a:tabLst>
+            </a:pPr>
+            <a:r>
+              <a:rPr lang="en-CA" sz="3200" b="0" strike="noStrike" spc="-1" dirty="0" err="1">
+                <a:solidFill>
+                  <a:srgbClr val="000000"/>
+                </a:solidFill>
+                <a:latin typeface="Trade Gothic Next" panose="020B0503040303020004" pitchFamily="34" charset="0"/>
+              </a:rPr>
+              <a:t>OBMigra</a:t>
+            </a:r>
+            <a:endParaRPr lang="en-CA" sz="3200" b="0" strike="noStrike" spc="-1" dirty="0">
+              <a:solidFill>
+                <a:srgbClr val="000000"/>
+              </a:solidFill>
+              <a:latin typeface="Trade Gothic Next" panose="020B0503040303020004" pitchFamily="34" charset="0"/>
+            </a:endParaRPr>
+          </a:p>
+          <a:p>
+            <a:pPr marL="800100" indent="-571500">
+              <a:lnSpc>
+                <a:spcPct val="100000"/>
+              </a:lnSpc>
+              <a:tabLst>
+                <a:tab pos="0" algn="l"/>
+              </a:tabLst>
+            </a:pPr>
+            <a:r>
+              <a:rPr lang="en-CA" sz="3200" spc="-1" dirty="0">
+                <a:solidFill>
+                  <a:srgbClr val="000000"/>
+                </a:solidFill>
+                <a:latin typeface="Trade Gothic Next" panose="020B0503040303020004" pitchFamily="34" charset="0"/>
+              </a:rPr>
+              <a:t>67.423 (2011) para 187.985 (2021)</a:t>
+            </a:r>
+          </a:p>
+          <a:p>
+            <a:pPr marL="800100" indent="-571500">
+              <a:lnSpc>
+                <a:spcPct val="100000"/>
+              </a:lnSpc>
+              <a:tabLst>
+                <a:tab pos="0" algn="l"/>
+              </a:tabLst>
+            </a:pPr>
+            <a:r>
+              <a:rPr lang="en-CA" sz="3200" spc="-1" dirty="0">
+                <a:solidFill>
+                  <a:srgbClr val="000000"/>
+                </a:solidFill>
+                <a:latin typeface="Trade Gothic Next" panose="020B0503040303020004" pitchFamily="34" charset="0"/>
+              </a:rPr>
+              <a:t>Lei de </a:t>
+            </a:r>
+            <a:r>
+              <a:rPr lang="en-CA" sz="3200" spc="-1" dirty="0" err="1">
+                <a:solidFill>
+                  <a:srgbClr val="000000"/>
+                </a:solidFill>
+                <a:latin typeface="Trade Gothic Next" panose="020B0503040303020004" pitchFamily="34" charset="0"/>
+              </a:rPr>
+              <a:t>refúgio</a:t>
+            </a:r>
+            <a:endParaRPr lang="en-CA" sz="3200" spc="-1" dirty="0">
+              <a:solidFill>
+                <a:srgbClr val="000000"/>
+              </a:solidFill>
+              <a:latin typeface="Trade Gothic Next" panose="020B0503040303020004" pitchFamily="34" charset="0"/>
+            </a:endParaRPr>
+          </a:p>
+          <a:p>
+            <a:pPr marL="800100" indent="-571500">
+              <a:lnSpc>
+                <a:spcPct val="100000"/>
+              </a:lnSpc>
+              <a:tabLst>
+                <a:tab pos="0" algn="l"/>
+              </a:tabLst>
+            </a:pPr>
+            <a:r>
+              <a:rPr lang="en-CA" sz="3200" spc="-1" dirty="0">
+                <a:solidFill>
+                  <a:srgbClr val="000000"/>
+                </a:solidFill>
+                <a:latin typeface="Trade Gothic Next" panose="020B0503040303020004" pitchFamily="34" charset="0"/>
+              </a:rPr>
+              <a:t>2.448 </a:t>
+            </a:r>
+            <a:r>
+              <a:rPr lang="en-CA" sz="3200" spc="-1" dirty="0" err="1">
+                <a:solidFill>
+                  <a:srgbClr val="000000"/>
+                </a:solidFill>
+                <a:latin typeface="Trade Gothic Next" panose="020B0503040303020004" pitchFamily="34" charset="0"/>
+              </a:rPr>
+              <a:t>solicitações</a:t>
+            </a:r>
+            <a:r>
+              <a:rPr lang="en-CA" sz="3200" spc="-1" dirty="0">
+                <a:solidFill>
+                  <a:srgbClr val="000000"/>
+                </a:solidFill>
+                <a:latin typeface="Trade Gothic Next" panose="020B0503040303020004" pitchFamily="34" charset="0"/>
+              </a:rPr>
+              <a:t> (1997-2009) para 298.331 (2010-2021)</a:t>
+            </a:r>
+          </a:p>
+          <a:p>
+            <a:pPr marL="800100" indent="-571500">
+              <a:lnSpc>
+                <a:spcPct val="100000"/>
+              </a:lnSpc>
+              <a:tabLst>
+                <a:tab pos="0" algn="l"/>
+              </a:tabLst>
+            </a:pPr>
+            <a:r>
+              <a:rPr lang="en-CA" sz="3200" spc="-1" dirty="0">
+                <a:solidFill>
+                  <a:srgbClr val="000000"/>
+                </a:solidFill>
+                <a:latin typeface="Trade Gothic Next" panose="020B0503040303020004" pitchFamily="34" charset="0"/>
+              </a:rPr>
+              <a:t>59% Venezuela e 13% Haiti (72% do total)</a:t>
+            </a:r>
+          </a:p>
+          <a:p>
+            <a:pPr marL="800100" indent="-571500">
+              <a:lnSpc>
+                <a:spcPct val="100000"/>
+              </a:lnSpc>
+              <a:tabLst>
+                <a:tab pos="0" algn="l"/>
+              </a:tabLst>
+            </a:pPr>
+            <a:r>
+              <a:rPr lang="en-CA" sz="3200" spc="-1" dirty="0">
+                <a:solidFill>
+                  <a:srgbClr val="000000"/>
+                </a:solidFill>
+                <a:latin typeface="Trade Gothic Next" panose="020B0503040303020004" pitchFamily="34" charset="0"/>
+              </a:rPr>
+              <a:t>EUA </a:t>
+            </a:r>
+            <a:r>
+              <a:rPr lang="en-CA" sz="3200" spc="-1" dirty="0" err="1">
+                <a:solidFill>
+                  <a:srgbClr val="000000"/>
+                </a:solidFill>
+                <a:latin typeface="Trade Gothic Next" panose="020B0503040303020004" pitchFamily="34" charset="0"/>
+              </a:rPr>
+              <a:t>tem</a:t>
+            </a:r>
+            <a:r>
+              <a:rPr lang="en-CA" sz="3200" spc="-1" dirty="0">
+                <a:solidFill>
+                  <a:srgbClr val="000000"/>
+                </a:solidFill>
+                <a:latin typeface="Trade Gothic Next" panose="020B0503040303020004" pitchFamily="34" charset="0"/>
+              </a:rPr>
+              <a:t> 28 </a:t>
+            </a:r>
+            <a:r>
+              <a:rPr lang="en-CA" sz="3200" spc="-1" dirty="0" err="1">
+                <a:solidFill>
+                  <a:srgbClr val="000000"/>
+                </a:solidFill>
+                <a:latin typeface="Trade Gothic Next" panose="020B0503040303020004" pitchFamily="34" charset="0"/>
+              </a:rPr>
+              <a:t>milhões</a:t>
+            </a:r>
+            <a:r>
+              <a:rPr lang="en-CA" sz="3200" spc="-1" dirty="0">
+                <a:solidFill>
+                  <a:srgbClr val="000000"/>
+                </a:solidFill>
+                <a:latin typeface="Trade Gothic Next" panose="020B0503040303020004" pitchFamily="34" charset="0"/>
+              </a:rPr>
+              <a:t> de </a:t>
+            </a:r>
+            <a:r>
+              <a:rPr lang="en-CA" sz="3200" spc="-1" dirty="0" err="1">
+                <a:solidFill>
+                  <a:srgbClr val="000000"/>
+                </a:solidFill>
+                <a:latin typeface="Trade Gothic Next" panose="020B0503040303020004" pitchFamily="34" charset="0"/>
+              </a:rPr>
+              <a:t>imigrantes</a:t>
+            </a:r>
+            <a:endParaRPr lang="en-CA" sz="3200" spc="-1" dirty="0">
+              <a:solidFill>
+                <a:srgbClr val="000000"/>
+              </a:solidFill>
+              <a:latin typeface="Trade Gothic Next" panose="020B0503040303020004" pitchFamily="34" charset="0"/>
+            </a:endParaRPr>
+          </a:p>
+          <a:p>
+            <a:pPr marL="800100" indent="-571500">
+              <a:lnSpc>
+                <a:spcPct val="100000"/>
+              </a:lnSpc>
+              <a:tabLst>
+                <a:tab pos="0" algn="l"/>
+              </a:tabLst>
+            </a:pPr>
+            <a:endParaRPr lang="en-CA" sz="3800" spc="-1" dirty="0">
+              <a:solidFill>
+                <a:srgbClr val="000000"/>
+              </a:solidFill>
+              <a:latin typeface="Trade Gothic Next" panose="020B0503040303020004" pitchFamily="34" charset="0"/>
+            </a:endParaRPr>
+          </a:p>
+          <a:p>
+            <a:pPr indent="0">
+              <a:lnSpc>
+                <a:spcPct val="100000"/>
+              </a:lnSpc>
+              <a:buNone/>
+              <a:tabLst>
+                <a:tab pos="0" algn="l"/>
+              </a:tabLst>
+            </a:pPr>
+            <a:endParaRPr lang="en-CA" sz="1800" b="0" strike="noStrike" spc="-1" dirty="0">
+              <a:solidFill>
+                <a:srgbClr val="000000"/>
+              </a:solidFill>
+              <a:latin typeface="Arial"/>
+            </a:endParaRPr>
+          </a:p>
+        </p:txBody>
+      </p:sp>
+      <p:cxnSp>
+        <p:nvCxnSpPr>
+          <p:cNvPr id="2" name="Conector reto 1">
+            <a:extLst>
+              <a:ext uri="{FF2B5EF4-FFF2-40B4-BE49-F238E27FC236}">
+                <a16:creationId xmlns:a16="http://schemas.microsoft.com/office/drawing/2014/main" id="{EA2BCE63-95F3-3B00-775B-EAB76ECCC497}"/>
+              </a:ext>
+            </a:extLst>
+          </p:cNvPr>
+          <p:cNvCxnSpPr>
+            <a:cxnSpLocks/>
+          </p:cNvCxnSpPr>
+          <p:nvPr/>
+        </p:nvCxnSpPr>
+        <p:spPr>
+          <a:xfrm flipV="1">
+            <a:off x="10048243" y="-44695"/>
+            <a:ext cx="0" cy="1215134"/>
+          </a:xfrm>
+          <a:prstGeom prst="line">
+            <a:avLst/>
+          </a:prstGeom>
+          <a:ln w="76200">
+            <a:solidFill>
+              <a:srgbClr val="0070C0"/>
+            </a:solidFill>
+            <a:headEnd type="none"/>
+          </a:ln>
+        </p:spPr>
+        <p:style>
+          <a:lnRef idx="1">
+            <a:schemeClr val="accent1"/>
+          </a:lnRef>
+          <a:fillRef idx="0">
+            <a:schemeClr val="accent1"/>
+          </a:fillRef>
+          <a:effectRef idx="0">
+            <a:schemeClr val="accent1"/>
+          </a:effectRef>
+          <a:fontRef idx="minor">
+            <a:schemeClr val="tx1"/>
+          </a:fontRef>
+        </p:style>
+      </p:cxnSp>
+      <p:cxnSp>
+        <p:nvCxnSpPr>
+          <p:cNvPr id="9" name="Conector reto 8">
+            <a:extLst>
+              <a:ext uri="{FF2B5EF4-FFF2-40B4-BE49-F238E27FC236}">
+                <a16:creationId xmlns:a16="http://schemas.microsoft.com/office/drawing/2014/main" id="{41600D60-9EBC-FCAE-0C05-1E8C461AA471}"/>
+              </a:ext>
+            </a:extLst>
+          </p:cNvPr>
+          <p:cNvCxnSpPr>
+            <a:cxnSpLocks/>
+          </p:cNvCxnSpPr>
+          <p:nvPr/>
+        </p:nvCxnSpPr>
+        <p:spPr>
+          <a:xfrm flipH="1">
+            <a:off x="795076" y="1170439"/>
+            <a:ext cx="9396059" cy="8695"/>
+          </a:xfrm>
+          <a:prstGeom prst="line">
+            <a:avLst/>
+          </a:prstGeom>
+          <a:ln w="76200">
+            <a:solidFill>
+              <a:srgbClr val="0070C0"/>
+            </a:solidFill>
+          </a:ln>
+        </p:spPr>
+        <p:style>
+          <a:lnRef idx="1">
+            <a:schemeClr val="accent1"/>
+          </a:lnRef>
+          <a:fillRef idx="0">
+            <a:schemeClr val="accent1"/>
+          </a:fillRef>
+          <a:effectRef idx="0">
+            <a:schemeClr val="accent1"/>
+          </a:effectRef>
+          <a:fontRef idx="minor">
+            <a:schemeClr val="tx1"/>
+          </a:fontRef>
+        </p:style>
+      </p:cxnSp>
+      <p:cxnSp>
+        <p:nvCxnSpPr>
+          <p:cNvPr id="12" name="Conector reto 11">
+            <a:extLst>
+              <a:ext uri="{FF2B5EF4-FFF2-40B4-BE49-F238E27FC236}">
+                <a16:creationId xmlns:a16="http://schemas.microsoft.com/office/drawing/2014/main" id="{20F1BAE2-620B-BFDA-542F-B1E558506B5C}"/>
+              </a:ext>
+            </a:extLst>
+          </p:cNvPr>
+          <p:cNvCxnSpPr>
+            <a:cxnSpLocks/>
+          </p:cNvCxnSpPr>
+          <p:nvPr/>
+        </p:nvCxnSpPr>
+        <p:spPr>
+          <a:xfrm flipV="1">
+            <a:off x="795076" y="1170439"/>
+            <a:ext cx="0" cy="4585562"/>
+          </a:xfrm>
+          <a:prstGeom prst="line">
+            <a:avLst/>
+          </a:prstGeom>
+          <a:ln w="76200">
+            <a:solidFill>
+              <a:srgbClr val="0070C0"/>
+            </a:solidFill>
+            <a:headEnd type="none"/>
+            <a:tailEnd type="oval"/>
+          </a:ln>
+        </p:spPr>
+        <p:style>
+          <a:lnRef idx="1">
+            <a:schemeClr val="accent1"/>
+          </a:lnRef>
+          <a:fillRef idx="0">
+            <a:schemeClr val="accent1"/>
+          </a:fillRef>
+          <a:effectRef idx="0">
+            <a:schemeClr val="accent1"/>
+          </a:effectRef>
+          <a:fontRef idx="minor">
+            <a:schemeClr val="tx1"/>
+          </a:fontRef>
+        </p:style>
+      </p:cxnSp>
+    </p:spTree>
+    <p:extLst>
+      <p:ext uri="{BB962C8B-B14F-4D97-AF65-F5344CB8AC3E}">
+        <p14:creationId xmlns:p14="http://schemas.microsoft.com/office/powerpoint/2010/main" val="1243168874"/>
+      </p:ext>
+    </p:extLst>
+  </p:cSld>
+  <p:clrMapOvr>
+    <a:masterClrMapping/>
+  </p:clrMapOvr>
+  <p:transition spd="slow">
+    <p:push dir="u"/>
+  </p:transition>
+</p:sld>
+</file>
+
+<file path=ppt/slides/slide6.xml><?xml version="1.0" encoding="utf-8"?>
+<p:sld xmlns:a="http://schemas.openxmlformats.org/drawingml/2006/main" xmlns:r="http://schemas.openxmlformats.org/officeDocument/2006/relationships" xmlns:p="http://schemas.openxmlformats.org/presentationml/2006/main">
+  <p:cSld>
+    <p:spTree>
+      <p:nvGrpSpPr>
+        <p:cNvPr id="1" name=""/>
+        <p:cNvGrpSpPr/>
+        <p:nvPr/>
+      </p:nvGrpSpPr>
+      <p:grpSpPr>
+        <a:xfrm>
+          <a:off x="0" y="0"/>
+          <a:ext cx="0" cy="0"/>
+          <a:chOff x="0" y="0"/>
+          <a:chExt cx="0" cy="0"/>
+        </a:xfrm>
+      </p:grpSpPr>
+      <p:sp>
+        <p:nvSpPr>
+          <p:cNvPr id="86" name="PlaceHolder 1"/>
+          <p:cNvSpPr>
+            <a:spLocks noGrp="1"/>
+          </p:cNvSpPr>
+          <p:nvPr>
+            <p:ph type="title"/>
+          </p:nvPr>
+        </p:nvSpPr>
+        <p:spPr>
+          <a:xfrm>
+            <a:off x="504000" y="0"/>
+            <a:ext cx="9070920" cy="945720"/>
+          </a:xfrm>
+          <a:prstGeom prst="rect">
+            <a:avLst/>
+          </a:prstGeom>
+          <a:noFill/>
+          <a:ln w="0">
+            <a:noFill/>
+          </a:ln>
+        </p:spPr>
+        <p:txBody>
+          <a:bodyPr lIns="0" tIns="0" rIns="0" bIns="0" anchor="ctr">
+            <a:noAutofit/>
+          </a:bodyPr>
+          <a:lstStyle/>
+          <a:p>
+            <a:pPr indent="0" algn="ctr">
+              <a:lnSpc>
+                <a:spcPct val="100000"/>
+              </a:lnSpc>
+              <a:buNone/>
+              <a:tabLst>
+                <a:tab pos="0" algn="l"/>
+              </a:tabLst>
+            </a:pPr>
+            <a:r>
+              <a:rPr lang="en-US" sz="5400" spc="-1" dirty="0">
+                <a:solidFill>
+                  <a:schemeClr val="tx2">
+                    <a:lumMod val="75000"/>
+                  </a:schemeClr>
+                </a:solidFill>
+                <a:latin typeface="Trade Gothic Next Heavy" panose="020B0903040303020004" pitchFamily="34" charset="0"/>
+              </a:rPr>
+              <a:t>P</a:t>
+            </a:r>
+            <a:r>
+              <a:rPr lang="pt-BR" sz="5400" spc="-1" dirty="0">
+                <a:solidFill>
+                  <a:schemeClr val="tx2">
+                    <a:lumMod val="75000"/>
+                  </a:schemeClr>
+                </a:solidFill>
+                <a:latin typeface="Trade Gothic Next Heavy" panose="020B0903040303020004" pitchFamily="34" charset="0"/>
+              </a:rPr>
+              <a:t>ROPOSTA</a:t>
+            </a:r>
+            <a:endParaRPr lang="en-CA" sz="4400" b="0" strike="noStrike" spc="-1" dirty="0">
+              <a:solidFill>
+                <a:schemeClr val="tx2">
+                  <a:lumMod val="75000"/>
+                </a:schemeClr>
+              </a:solidFill>
+              <a:latin typeface="Trade Gothic Next Heavy" panose="020B0903040303020004" pitchFamily="34" charset="0"/>
+            </a:endParaRPr>
+          </a:p>
+        </p:txBody>
+      </p:sp>
+      <p:sp>
+        <p:nvSpPr>
+          <p:cNvPr id="4" name="PlaceHolder 2">
+            <a:extLst>
+              <a:ext uri="{FF2B5EF4-FFF2-40B4-BE49-F238E27FC236}">
+                <a16:creationId xmlns:a16="http://schemas.microsoft.com/office/drawing/2014/main" id="{C0C4EBAB-1482-58E9-CFF9-E708C62ED992}"/>
+              </a:ext>
+            </a:extLst>
+          </p:cNvPr>
+          <p:cNvSpPr txBox="1">
+            <a:spLocks/>
+          </p:cNvSpPr>
+          <p:nvPr/>
+        </p:nvSpPr>
+        <p:spPr>
+          <a:xfrm>
+            <a:off x="1318088" y="1254641"/>
+            <a:ext cx="8455646" cy="3785191"/>
+          </a:xfrm>
+          <a:prstGeom prst="rect">
+            <a:avLst/>
+          </a:prstGeom>
+          <a:noFill/>
+          <a:ln w="0">
+            <a:noFill/>
+          </a:ln>
+        </p:spPr>
+        <p:txBody>
+          <a:bodyPr lIns="0" tIns="0" rIns="0" bIns="0" anchor="t">
+            <a:normAutofit/>
+          </a:bodyPr>
+          <a:lstStyle>
+            <a:lvl1pPr marL="228600" indent="-228600" algn="l" defTabSz="914400" rtl="0" eaLnBrk="1" latinLnBrk="0" hangingPunct="1">
+              <a:lnSpc>
+                <a:spcPct val="90000"/>
+              </a:lnSpc>
+              <a:spcBef>
+                <a:spcPts val="1000"/>
+              </a:spcBef>
+              <a:buFont typeface="Arial" panose="020B0604020202020204" pitchFamily="34" charset="0"/>
+              <a:buChar char="•"/>
+              <a:defRPr sz="2800" kern="1200">
+                <a:solidFill>
+                  <a:schemeClr val="tx1"/>
+                </a:solidFill>
+                <a:latin typeface="+mn-lt"/>
+                <a:ea typeface="+mn-ea"/>
+                <a:cs typeface="+mn-cs"/>
+              </a:defRPr>
+            </a:lvl1pPr>
+            <a:lvl2pPr marL="685800" indent="-228600" algn="l" defTabSz="914400" rtl="0" eaLnBrk="1" latinLnBrk="0" hangingPunct="1">
+              <a:lnSpc>
+                <a:spcPct val="90000"/>
+              </a:lnSpc>
+              <a:spcBef>
+                <a:spcPts val="500"/>
+              </a:spcBef>
+              <a:buFont typeface="Arial" panose="020B0604020202020204" pitchFamily="34" charset="0"/>
+              <a:buChar char="•"/>
+              <a:defRPr sz="2400" kern="1200">
+                <a:solidFill>
+                  <a:schemeClr val="tx1"/>
+                </a:solidFill>
+                <a:latin typeface="+mn-lt"/>
+                <a:ea typeface="+mn-ea"/>
+                <a:cs typeface="+mn-cs"/>
+              </a:defRPr>
+            </a:lvl2pPr>
+            <a:lvl3pPr marL="1143000" indent="-228600" algn="l" defTabSz="914400" rtl="0" eaLnBrk="1" latinLnBrk="0" hangingPunct="1">
+              <a:lnSpc>
+                <a:spcPct val="90000"/>
+              </a:lnSpc>
+              <a:spcBef>
+                <a:spcPts val="500"/>
+              </a:spcBef>
+              <a:buFont typeface="Arial" panose="020B0604020202020204" pitchFamily="34" charset="0"/>
+              <a:buChar char="•"/>
+              <a:defRPr sz="2000" kern="1200">
+                <a:solidFill>
+                  <a:schemeClr val="tx1"/>
+                </a:solidFill>
+                <a:latin typeface="+mn-lt"/>
+                <a:ea typeface="+mn-ea"/>
+                <a:cs typeface="+mn-cs"/>
+              </a:defRPr>
+            </a:lvl3pPr>
+            <a:lvl4pPr marL="1600200" indent="-228600" algn="l" defTabSz="914400" rtl="0" eaLnBrk="1" latinLnBrk="0" hangingPunct="1">
+              <a:lnSpc>
+                <a:spcPct val="90000"/>
+              </a:lnSpc>
+              <a:spcBef>
+                <a:spcPts val="500"/>
+              </a:spcBef>
+              <a:buFont typeface="Arial" panose="020B0604020202020204" pitchFamily="34" charset="0"/>
+              <a:buChar char="•"/>
+              <a:defRPr sz="1800" kern="1200">
+                <a:solidFill>
+                  <a:schemeClr val="tx1"/>
+                </a:solidFill>
+                <a:latin typeface="+mn-lt"/>
+                <a:ea typeface="+mn-ea"/>
+                <a:cs typeface="+mn-cs"/>
+              </a:defRPr>
+            </a:lvl4pPr>
+            <a:lvl5pPr marL="2057400" indent="-228600" algn="l" defTabSz="914400" rtl="0" eaLnBrk="1" latinLnBrk="0" hangingPunct="1">
+              <a:lnSpc>
+                <a:spcPct val="90000"/>
+              </a:lnSpc>
+              <a:spcBef>
+                <a:spcPts val="500"/>
+              </a:spcBef>
+              <a:buFont typeface="Arial" panose="020B0604020202020204" pitchFamily="34" charset="0"/>
+              <a:buChar char="•"/>
+              <a:defRPr sz="1800" kern="1200">
+                <a:solidFill>
+                  <a:schemeClr val="tx1"/>
+                </a:solidFill>
+                <a:latin typeface="+mn-lt"/>
+                <a:ea typeface="+mn-ea"/>
+                <a:cs typeface="+mn-cs"/>
+              </a:defRPr>
+            </a:lvl5pPr>
+            <a:lvl6pPr marL="2514600" indent="-228600" algn="l" defTabSz="914400" rtl="0" eaLnBrk="1" latinLnBrk="0" hangingPunct="1">
+              <a:lnSpc>
+                <a:spcPct val="90000"/>
+              </a:lnSpc>
+              <a:spcBef>
+                <a:spcPts val="500"/>
+              </a:spcBef>
+              <a:buFont typeface="Arial" panose="020B0604020202020204" pitchFamily="34" charset="0"/>
+              <a:buChar char="•"/>
+              <a:defRPr sz="1800" kern="1200">
+                <a:solidFill>
+                  <a:schemeClr val="tx1"/>
+                </a:solidFill>
+                <a:latin typeface="+mn-lt"/>
+                <a:ea typeface="+mn-ea"/>
+                <a:cs typeface="+mn-cs"/>
+              </a:defRPr>
+            </a:lvl6pPr>
+            <a:lvl7pPr marL="2971800" indent="-228600" algn="l" defTabSz="914400" rtl="0" eaLnBrk="1" latinLnBrk="0" hangingPunct="1">
+              <a:lnSpc>
+                <a:spcPct val="90000"/>
+              </a:lnSpc>
+              <a:spcBef>
+                <a:spcPts val="500"/>
+              </a:spcBef>
+              <a:buFont typeface="Arial" panose="020B0604020202020204" pitchFamily="34" charset="0"/>
+              <a:buChar char="•"/>
+              <a:defRPr sz="1800" kern="1200">
+                <a:solidFill>
+                  <a:schemeClr val="tx1"/>
+                </a:solidFill>
+                <a:latin typeface="+mn-lt"/>
+                <a:ea typeface="+mn-ea"/>
+                <a:cs typeface="+mn-cs"/>
+              </a:defRPr>
+            </a:lvl7pPr>
+            <a:lvl8pPr marL="3429000" indent="-228600" algn="l" defTabSz="914400" rtl="0" eaLnBrk="1" latinLnBrk="0" hangingPunct="1">
+              <a:lnSpc>
+                <a:spcPct val="90000"/>
+              </a:lnSpc>
+              <a:spcBef>
+                <a:spcPts val="500"/>
+              </a:spcBef>
+              <a:buFont typeface="Arial" panose="020B0604020202020204" pitchFamily="34" charset="0"/>
+              <a:buChar char="•"/>
+              <a:defRPr sz="1800" kern="1200">
+                <a:solidFill>
+                  <a:schemeClr val="tx1"/>
+                </a:solidFill>
+                <a:latin typeface="+mn-lt"/>
+                <a:ea typeface="+mn-ea"/>
+                <a:cs typeface="+mn-cs"/>
+              </a:defRPr>
+            </a:lvl8pPr>
+            <a:lvl9pPr marL="3886200" indent="-228600" algn="l" defTabSz="914400" rtl="0" eaLnBrk="1" latinLnBrk="0" hangingPunct="1">
+              <a:lnSpc>
+                <a:spcPct val="90000"/>
+              </a:lnSpc>
+              <a:spcBef>
+                <a:spcPts val="500"/>
+              </a:spcBef>
+              <a:buFont typeface="Arial" panose="020B0604020202020204" pitchFamily="34" charset="0"/>
+              <a:buChar char="•"/>
+              <a:defRPr sz="1800" kern="1200">
+                <a:solidFill>
+                  <a:schemeClr val="tx1"/>
+                </a:solidFill>
+                <a:latin typeface="+mn-lt"/>
+                <a:ea typeface="+mn-ea"/>
+                <a:cs typeface="+mn-cs"/>
+              </a:defRPr>
+            </a:lvl9pPr>
+          </a:lstStyle>
+          <a:p>
             <a:pPr marL="800100" indent="-571500">
               <a:lnSpc>
                 <a:spcPct val="100000"/>
@@ -22269,8 +23822,8 @@
         </p:blipFill>
         <p:spPr>
           <a:xfrm>
-            <a:off x="576900" y="866207"/>
-            <a:ext cx="8925120" cy="4118040"/>
+            <a:off x="802669" y="945720"/>
+            <a:ext cx="8473582" cy="3799683"/>
           </a:xfrm>
           <a:prstGeom prst="rect">
             <a:avLst/>

--- a/Files/TCC - Final/Apresentacao_Final.pptx
+++ b/Files/TCC - Final/Apresentacao_Final.pptx
@@ -256,7 +256,7 @@
           <a:p>
             <a:fld id="{619A112A-5880-4A22-92FF-F7AB151FC844}" type="datetimeFigureOut">
               <a:rPr lang="pt-BR" smtClean="0"/>
-              <a:t>09/11/2023</a:t>
+              <a:t>12/11/2023</a:t>
             </a:fld>
             <a:endParaRPr lang="pt-BR"/>
           </a:p>
@@ -23408,10 +23408,10 @@
       </p:pic>
       <p:pic>
         <p:nvPicPr>
-          <p:cNvPr id="7" name="Imagem 6">
+          <p:cNvPr id="5" name="Imagem 4">
             <a:extLst>
               <a:ext uri="{FF2B5EF4-FFF2-40B4-BE49-F238E27FC236}">
-                <a16:creationId xmlns:a16="http://schemas.microsoft.com/office/drawing/2014/main" id="{68459AE1-3F95-A556-3075-84E67173EA7B}"/>
+                <a16:creationId xmlns:a16="http://schemas.microsoft.com/office/drawing/2014/main" id="{D89E7F9A-285D-BF7E-C0F8-EFF0B7CD63D1}"/>
               </a:ext>
             </a:extLst>
           </p:cNvPr>
@@ -23428,8 +23428,8 @@
         </p:blipFill>
         <p:spPr>
           <a:xfrm>
-            <a:off x="5731753" y="794640"/>
-            <a:ext cx="3553796" cy="3998021"/>
+            <a:off x="5733952" y="836264"/>
+            <a:ext cx="3551597" cy="3920822"/>
           </a:xfrm>
           <a:prstGeom prst="rect">
             <a:avLst/>
